--- a/finishedppt/WorshipSongs.pptx
+++ b/finishedppt/WorshipSongs.pptx
@@ -6,6 +6,18 @@
   </p:sldMasterIdLst>
   <p:sldIdLst>
     <p:sldId id="256" r:id="rId7"/>
+    <p:sldId id="257" r:id="rId8"/>
+    <p:sldId id="258" r:id="rId9"/>
+    <p:sldId id="259" r:id="rId10"/>
+    <p:sldId id="260" r:id="rId11"/>
+    <p:sldId id="261" r:id="rId12"/>
+    <p:sldId id="262" r:id="rId13"/>
+    <p:sldId id="263" r:id="rId14"/>
+    <p:sldId id="264" r:id="rId15"/>
+    <p:sldId id="265" r:id="rId16"/>
+    <p:sldId id="266" r:id="rId17"/>
+    <p:sldId id="267" r:id="rId18"/>
+    <p:sldId id="268" r:id="rId19"/>
   </p:sldIdLst>
   <p:sldSz cx="9144000" cy="6858000" type="screen4x3"/>
   <p:notesSz cx="6858000" cy="9144000"/>
@@ -3095,7 +3107,7 @@
             <a:spLocks noGrp="1"/>
           </p:cNvSpPr>
           <p:nvPr>
-            <p:ph type="title"/>
+            <p:ph type="ctrTitle"/>
           </p:nvPr>
         </p:nvSpPr>
         <p:spPr/>
@@ -3104,19 +3116,19 @@
           <a:lstStyle/>
           <a:p>
             <a:r>
-              <a:t>Adding a Bullet Slide</a:t>
-            </a:r>
-          </a:p>
-        </p:txBody>
-      </p:sp>
-      <p:sp>
-        <p:nvSpPr>
-          <p:cNvPr id="3" name="Content Placeholder 2"/>
-          <p:cNvSpPr>
-            <a:spLocks noGrp="1"/>
-          </p:cNvSpPr>
-          <p:nvPr>
-            <p:ph idx="1"/>
+              <a:t>พระคุณพระเจ้า</a:t>
+            </a:r>
+          </a:p>
+        </p:txBody>
+      </p:sp>
+      <p:sp>
+        <p:nvSpPr>
+          <p:cNvPr id="3" name="Subtitle 2"/>
+          <p:cNvSpPr>
+            <a:spLocks noGrp="1"/>
+          </p:cNvSpPr>
+          <p:nvPr>
+            <p:ph type="subTitle" idx="1"/>
           </p:nvPr>
         </p:nvSpPr>
         <p:spPr/>
@@ -3125,19 +3137,1058 @@
           <a:lstStyle/>
           <a:p>
             <a:r>
-              <a:t>Find the bullet slide layout</a:t>
-            </a:r>
-          </a:p>
-          <a:p>
-            <a:pPr lvl="1"/>
-            <a:r>
-              <a:t>Use _TextFrame.text for first bullet</a:t>
-            </a:r>
-          </a:p>
-          <a:p>
-            <a:pPr lvl="2"/>
-            <a:r>
-              <a:t>Use _TextFrame.add_paragraph() for subsequent bullets</a:t>
+              <a:t>Amazing Grace</a:t>
+            </a:r>
+          </a:p>
+        </p:txBody>
+      </p:sp>
+    </p:spTree>
+  </p:cSld>
+  <p:clrMapOvr>
+    <a:masterClrMapping/>
+  </p:clrMapOvr>
+</p:sld>
+</file>
+
+<file path=ppt/slides/slide10.xml><?xml version="1.0" encoding="utf-8"?>
+<p:sld xmlns:a="http://schemas.openxmlformats.org/drawingml/2006/main" xmlns:p="http://schemas.openxmlformats.org/presentationml/2006/main" xmlns:r="http://schemas.openxmlformats.org/officeDocument/2006/relationships">
+  <p:cSld>
+    <p:spTree>
+      <p:nvGrpSpPr>
+        <p:cNvPr id="1" name=""/>
+        <p:cNvGrpSpPr/>
+        <p:nvPr/>
+      </p:nvGrpSpPr>
+      <p:grpSpPr/>
+      <p:sp>
+        <p:nvSpPr>
+          <p:cNvPr id="2" name="TextBox 1"/>
+          <p:cNvSpPr txBox="1"/>
+          <p:nvPr/>
+        </p:nvSpPr>
+        <p:spPr>
+          <a:xfrm>
+            <a:off x="914400" y="457200"/>
+            <a:ext cx="7315200" cy="2971800"/>
+          </a:xfrm>
+          <a:prstGeom prst="rect">
+            <a:avLst/>
+          </a:prstGeom>
+          <a:noFill/>
+        </p:spPr>
+        <p:txBody>
+          <a:bodyPr wrap="square">
+            <a:spAutoFit/>
+          </a:bodyPr>
+          <a:lstStyle/>
+          <a:p/>
+          <a:p>
+            <a:pPr algn="ctr">
+              <a:defRPr sz="3500">
+                <a:solidFill>
+                  <a:srgbClr val="000000"/>
+                </a:solidFill>
+              </a:defRPr>
+            </a:pPr>
+            <a:r>
+              <a:t>เมื่อข้าคิดถึง พระเจ้า ผู้ไม่ทรงเสียดาย พระบุตรองค์เดียวเสด็จมาเป็นผู้ไถ่ ถูกทรมาน ตรึงไว้บนกางเขนเพื่อข้า ข้าขอบพระคุณที่พระองค์ทรงเมตตา</a:t>
+            </a:r>
+          </a:p>
+        </p:txBody>
+      </p:sp>
+      <p:sp>
+        <p:nvSpPr>
+          <p:cNvPr id="3" name="TextBox 2"/>
+          <p:cNvSpPr txBox="1"/>
+          <p:nvPr/>
+        </p:nvSpPr>
+        <p:spPr>
+          <a:xfrm>
+            <a:off x="914400" y="3657600"/>
+            <a:ext cx="7315200" cy="2971800"/>
+          </a:xfrm>
+          <a:prstGeom prst="rect">
+            <a:avLst/>
+          </a:prstGeom>
+          <a:noFill/>
+        </p:spPr>
+        <p:txBody>
+          <a:bodyPr wrap="square">
+            <a:spAutoFit/>
+          </a:bodyPr>
+          <a:lstStyle/>
+          <a:p/>
+          <a:p>
+            <a:pPr algn="ctr">
+              <a:defRPr sz="3500">
+                <a:solidFill>
+                  <a:srgbClr val="3A70BC"/>
+                </a:solidFill>
+              </a:defRPr>
+            </a:pPr>
+            <a:r>
+              <a:t>And when I think of God, His Son not sparing Sent Him to die, I scarce can take it in That on the Cross, my burden gladly bearing He bled and died to take away my sin</a:t>
+            </a:r>
+          </a:p>
+        </p:txBody>
+      </p:sp>
+    </p:spTree>
+  </p:cSld>
+  <p:clrMapOvr>
+    <a:masterClrMapping/>
+  </p:clrMapOvr>
+</p:sld>
+</file>
+
+<file path=ppt/slides/slide11.xml><?xml version="1.0" encoding="utf-8"?>
+<p:sld xmlns:a="http://schemas.openxmlformats.org/drawingml/2006/main" xmlns:p="http://schemas.openxmlformats.org/presentationml/2006/main" xmlns:r="http://schemas.openxmlformats.org/officeDocument/2006/relationships">
+  <p:cSld>
+    <p:spTree>
+      <p:nvGrpSpPr>
+        <p:cNvPr id="1" name=""/>
+        <p:cNvGrpSpPr/>
+        <p:nvPr/>
+      </p:nvGrpSpPr>
+      <p:grpSpPr/>
+      <p:sp>
+        <p:nvSpPr>
+          <p:cNvPr id="2" name="TextBox 1"/>
+          <p:cNvSpPr txBox="1"/>
+          <p:nvPr/>
+        </p:nvSpPr>
+        <p:spPr>
+          <a:xfrm>
+            <a:off x="914400" y="457200"/>
+            <a:ext cx="7315200" cy="2971800"/>
+          </a:xfrm>
+          <a:prstGeom prst="rect">
+            <a:avLst/>
+          </a:prstGeom>
+          <a:noFill/>
+        </p:spPr>
+        <p:txBody>
+          <a:bodyPr wrap="square">
+            <a:spAutoFit/>
+          </a:bodyPr>
+          <a:lstStyle/>
+          <a:p/>
+          <a:p>
+            <a:pPr algn="ctr">
+              <a:defRPr sz="3500">
+                <a:solidFill>
+                  <a:srgbClr val="000000"/>
+                </a:solidFill>
+              </a:defRPr>
+            </a:pPr>
+            <a:r>
+              <a:t>จิตข้าสรรเสริญ พระเจ้าองค์พระผู้ช่วย พระเจ้ายิ่งใหญ่ พระเจ้ายิ่งใหญ่ จิตข้าสรรเสริญ พระเจ้าองค์พระผู้ช่วย พระเจ้ายิ่งใหญ่ พระเจ้ายิ่งใหญ่</a:t>
+            </a:r>
+          </a:p>
+        </p:txBody>
+      </p:sp>
+      <p:sp>
+        <p:nvSpPr>
+          <p:cNvPr id="3" name="TextBox 2"/>
+          <p:cNvSpPr txBox="1"/>
+          <p:nvPr/>
+        </p:nvSpPr>
+        <p:spPr>
+          <a:xfrm>
+            <a:off x="914400" y="3657600"/>
+            <a:ext cx="7315200" cy="2971800"/>
+          </a:xfrm>
+          <a:prstGeom prst="rect">
+            <a:avLst/>
+          </a:prstGeom>
+          <a:noFill/>
+        </p:spPr>
+        <p:txBody>
+          <a:bodyPr wrap="square">
+            <a:spAutoFit/>
+          </a:bodyPr>
+          <a:lstStyle/>
+          <a:p/>
+          <a:p>
+            <a:pPr algn="ctr">
+              <a:defRPr sz="3500">
+                <a:solidFill>
+                  <a:srgbClr val="3A70BC"/>
+                </a:solidFill>
+              </a:defRPr>
+            </a:pPr>
+            <a:r>
+              <a:t>Then sings my soul, my Saviour God, to Thee How great Thou art, how great Thou art Then sings my soul, my Saviour God, to Thee How great Thou art, how great Thou art</a:t>
+            </a:r>
+          </a:p>
+        </p:txBody>
+      </p:sp>
+    </p:spTree>
+  </p:cSld>
+  <p:clrMapOvr>
+    <a:masterClrMapping/>
+  </p:clrMapOvr>
+</p:sld>
+</file>
+
+<file path=ppt/slides/slide12.xml><?xml version="1.0" encoding="utf-8"?>
+<p:sld xmlns:a="http://schemas.openxmlformats.org/drawingml/2006/main" xmlns:p="http://schemas.openxmlformats.org/presentationml/2006/main" xmlns:r="http://schemas.openxmlformats.org/officeDocument/2006/relationships">
+  <p:cSld>
+    <p:spTree>
+      <p:nvGrpSpPr>
+        <p:cNvPr id="1" name=""/>
+        <p:cNvGrpSpPr/>
+        <p:nvPr/>
+      </p:nvGrpSpPr>
+      <p:grpSpPr/>
+      <p:sp>
+        <p:nvSpPr>
+          <p:cNvPr id="2" name="TextBox 1"/>
+          <p:cNvSpPr txBox="1"/>
+          <p:nvPr/>
+        </p:nvSpPr>
+        <p:spPr>
+          <a:xfrm>
+            <a:off x="914400" y="457200"/>
+            <a:ext cx="7315200" cy="2971800"/>
+          </a:xfrm>
+          <a:prstGeom prst="rect">
+            <a:avLst/>
+          </a:prstGeom>
+          <a:noFill/>
+        </p:spPr>
+        <p:txBody>
+          <a:bodyPr wrap="square">
+            <a:spAutoFit/>
+          </a:bodyPr>
+          <a:lstStyle/>
+          <a:p/>
+          <a:p>
+            <a:pPr algn="ctr">
+              <a:defRPr sz="3500">
+                <a:solidFill>
+                  <a:srgbClr val="000000"/>
+                </a:solidFill>
+              </a:defRPr>
+            </a:pPr>
+            <a:r>
+              <a:t>พระคริสต์กลับมา ด้วยเสียงแตรดังก้องเวหา เพื่อมารับข้า กลับไปอยู่ในเมืองฟ้า ข้าจะกราบลง ที่พระบาทาด้วยถ่อมใจ และสรรเสริญว่า พระเจ้าของข้ายิ่งใหญ่</a:t>
+            </a:r>
+          </a:p>
+        </p:txBody>
+      </p:sp>
+      <p:sp>
+        <p:nvSpPr>
+          <p:cNvPr id="3" name="TextBox 2"/>
+          <p:cNvSpPr txBox="1"/>
+          <p:nvPr/>
+        </p:nvSpPr>
+        <p:spPr>
+          <a:xfrm>
+            <a:off x="914400" y="3657600"/>
+            <a:ext cx="7315200" cy="2971800"/>
+          </a:xfrm>
+          <a:prstGeom prst="rect">
+            <a:avLst/>
+          </a:prstGeom>
+          <a:noFill/>
+        </p:spPr>
+        <p:txBody>
+          <a:bodyPr wrap="square">
+            <a:spAutoFit/>
+          </a:bodyPr>
+          <a:lstStyle/>
+          <a:p/>
+          <a:p>
+            <a:pPr algn="ctr">
+              <a:defRPr sz="3500">
+                <a:solidFill>
+                  <a:srgbClr val="3A70BC"/>
+                </a:solidFill>
+              </a:defRPr>
+            </a:pPr>
+            <a:r>
+              <a:t>When Christ shall come with shout of acclamation And lead me home, what joy shall fill my heart Then I shall bow with humble adoration And then proclaim, my God, how great Thou art</a:t>
+            </a:r>
+          </a:p>
+        </p:txBody>
+      </p:sp>
+    </p:spTree>
+  </p:cSld>
+  <p:clrMapOvr>
+    <a:masterClrMapping/>
+  </p:clrMapOvr>
+</p:sld>
+</file>
+
+<file path=ppt/slides/slide13.xml><?xml version="1.0" encoding="utf-8"?>
+<p:sld xmlns:a="http://schemas.openxmlformats.org/drawingml/2006/main" xmlns:p="http://schemas.openxmlformats.org/presentationml/2006/main" xmlns:r="http://schemas.openxmlformats.org/officeDocument/2006/relationships">
+  <p:cSld>
+    <p:spTree>
+      <p:nvGrpSpPr>
+        <p:cNvPr id="1" name=""/>
+        <p:cNvGrpSpPr/>
+        <p:nvPr/>
+      </p:nvGrpSpPr>
+      <p:grpSpPr/>
+      <p:sp>
+        <p:nvSpPr>
+          <p:cNvPr id="2" name="TextBox 1"/>
+          <p:cNvSpPr txBox="1"/>
+          <p:nvPr/>
+        </p:nvSpPr>
+        <p:spPr>
+          <a:xfrm>
+            <a:off x="914400" y="457200"/>
+            <a:ext cx="7315200" cy="2971800"/>
+          </a:xfrm>
+          <a:prstGeom prst="rect">
+            <a:avLst/>
+          </a:prstGeom>
+          <a:noFill/>
+        </p:spPr>
+        <p:txBody>
+          <a:bodyPr wrap="square">
+            <a:spAutoFit/>
+          </a:bodyPr>
+          <a:lstStyle/>
+          <a:p/>
+          <a:p>
+            <a:pPr algn="ctr">
+              <a:defRPr sz="3500">
+                <a:solidFill>
+                  <a:srgbClr val="000000"/>
+                </a:solidFill>
+              </a:defRPr>
+            </a:pPr>
+            <a:r>
+              <a:t>จิตข้าสรรเสริญ พระเจ้าองค์พระผู้ช่วย พระเจ้ายิ่งใหญ่ พระเจ้ายิ่งใหญ่ จิตข้าสรรเสริญ พระเจ้าองค์พระผู้ช่วย พระเจ้ายิ่งใหญ่ พระเจ้ายิ่งใหญ่</a:t>
+            </a:r>
+          </a:p>
+        </p:txBody>
+      </p:sp>
+      <p:sp>
+        <p:nvSpPr>
+          <p:cNvPr id="3" name="TextBox 2"/>
+          <p:cNvSpPr txBox="1"/>
+          <p:nvPr/>
+        </p:nvSpPr>
+        <p:spPr>
+          <a:xfrm>
+            <a:off x="914400" y="3657600"/>
+            <a:ext cx="7315200" cy="2971800"/>
+          </a:xfrm>
+          <a:prstGeom prst="rect">
+            <a:avLst/>
+          </a:prstGeom>
+          <a:noFill/>
+        </p:spPr>
+        <p:txBody>
+          <a:bodyPr wrap="square">
+            <a:spAutoFit/>
+          </a:bodyPr>
+          <a:lstStyle/>
+          <a:p/>
+          <a:p>
+            <a:pPr algn="ctr">
+              <a:defRPr sz="3500">
+                <a:solidFill>
+                  <a:srgbClr val="3A70BC"/>
+                </a:solidFill>
+              </a:defRPr>
+            </a:pPr>
+            <a:r>
+              <a:t>Then sings my soul, my Saviour God, to Thee How great Thou art, how great Thou art Then sings my soul, my Saviour God, to Thee How great Thou art, how great Thou art</a:t>
+            </a:r>
+          </a:p>
+        </p:txBody>
+      </p:sp>
+    </p:spTree>
+  </p:cSld>
+  <p:clrMapOvr>
+    <a:masterClrMapping/>
+  </p:clrMapOvr>
+</p:sld>
+</file>
+
+<file path=ppt/slides/slide2.xml><?xml version="1.0" encoding="utf-8"?>
+<p:sld xmlns:a="http://schemas.openxmlformats.org/drawingml/2006/main" xmlns:p="http://schemas.openxmlformats.org/presentationml/2006/main" xmlns:r="http://schemas.openxmlformats.org/officeDocument/2006/relationships">
+  <p:cSld>
+    <p:spTree>
+      <p:nvGrpSpPr>
+        <p:cNvPr id="1" name=""/>
+        <p:cNvGrpSpPr/>
+        <p:nvPr/>
+      </p:nvGrpSpPr>
+      <p:grpSpPr/>
+      <p:sp>
+        <p:nvSpPr>
+          <p:cNvPr id="2" name="TextBox 1"/>
+          <p:cNvSpPr txBox="1"/>
+          <p:nvPr/>
+        </p:nvSpPr>
+        <p:spPr>
+          <a:xfrm>
+            <a:off x="914400" y="457200"/>
+            <a:ext cx="7315200" cy="2971800"/>
+          </a:xfrm>
+          <a:prstGeom prst="rect">
+            <a:avLst/>
+          </a:prstGeom>
+          <a:noFill/>
+        </p:spPr>
+        <p:txBody>
+          <a:bodyPr wrap="square">
+            <a:spAutoFit/>
+          </a:bodyPr>
+          <a:lstStyle/>
+          <a:p/>
+          <a:p>
+            <a:pPr algn="ctr">
+              <a:defRPr sz="3500">
+                <a:solidFill>
+                  <a:srgbClr val="000000"/>
+                </a:solidFill>
+              </a:defRPr>
+            </a:pPr>
+            <a:r>
+              <a:t>พระคุณพระเจ้านั้นแสนชื่นใจ ช่วยได้คนชั่วอย่างฉัน ครั้งนั้นฉันหลงพระองค์ตามหา ตาบอดแต่ฉันเห็นแล้ว</a:t>
+            </a:r>
+          </a:p>
+        </p:txBody>
+      </p:sp>
+      <p:sp>
+        <p:nvSpPr>
+          <p:cNvPr id="3" name="TextBox 2"/>
+          <p:cNvSpPr txBox="1"/>
+          <p:nvPr/>
+        </p:nvSpPr>
+        <p:spPr>
+          <a:xfrm>
+            <a:off x="914400" y="3657600"/>
+            <a:ext cx="7315200" cy="2971800"/>
+          </a:xfrm>
+          <a:prstGeom prst="rect">
+            <a:avLst/>
+          </a:prstGeom>
+          <a:noFill/>
+        </p:spPr>
+        <p:txBody>
+          <a:bodyPr wrap="square">
+            <a:spAutoFit/>
+          </a:bodyPr>
+          <a:lstStyle/>
+          <a:p/>
+          <a:p>
+            <a:pPr algn="ctr">
+              <a:defRPr sz="3500">
+                <a:solidFill>
+                  <a:srgbClr val="3A70BC"/>
+                </a:solidFill>
+              </a:defRPr>
+            </a:pPr>
+            <a:r>
+              <a:t>AMAZING GRACE HOW SWEET THE SOUND THAT SAVED A WRETCH LIKE ME! I ONCE WAS LOST, BUT NOW AM FOUND WAS BLIND, BUT NOW I SEE</a:t>
+            </a:r>
+          </a:p>
+        </p:txBody>
+      </p:sp>
+    </p:spTree>
+  </p:cSld>
+  <p:clrMapOvr>
+    <a:masterClrMapping/>
+  </p:clrMapOvr>
+</p:sld>
+</file>
+
+<file path=ppt/slides/slide3.xml><?xml version="1.0" encoding="utf-8"?>
+<p:sld xmlns:a="http://schemas.openxmlformats.org/drawingml/2006/main" xmlns:p="http://schemas.openxmlformats.org/presentationml/2006/main" xmlns:r="http://schemas.openxmlformats.org/officeDocument/2006/relationships">
+  <p:cSld>
+    <p:spTree>
+      <p:nvGrpSpPr>
+        <p:cNvPr id="1" name=""/>
+        <p:cNvGrpSpPr/>
+        <p:nvPr/>
+      </p:nvGrpSpPr>
+      <p:grpSpPr/>
+      <p:sp>
+        <p:nvSpPr>
+          <p:cNvPr id="2" name="TextBox 1"/>
+          <p:cNvSpPr txBox="1"/>
+          <p:nvPr/>
+        </p:nvSpPr>
+        <p:spPr>
+          <a:xfrm>
+            <a:off x="914400" y="457200"/>
+            <a:ext cx="7315200" cy="2971800"/>
+          </a:xfrm>
+          <a:prstGeom prst="rect">
+            <a:avLst/>
+          </a:prstGeom>
+          <a:noFill/>
+        </p:spPr>
+        <p:txBody>
+          <a:bodyPr wrap="square">
+            <a:spAutoFit/>
+          </a:bodyPr>
+          <a:lstStyle/>
+          <a:p/>
+          <a:p>
+            <a:pPr algn="ctr">
+              <a:defRPr sz="3500">
+                <a:solidFill>
+                  <a:srgbClr val="000000"/>
+                </a:solidFill>
+              </a:defRPr>
+            </a:pPr>
+            <a:r>
+              <a:t>บ่วงมารวางไว้ทุกข์ภัยหลายอย่าง ตามทางฉันพ้นมาแล้ว แต่เพราะพระคุณฉันจึงคลาดแคล้ว พระองค์นำฉันกลับบ้าน</a:t>
+            </a:r>
+          </a:p>
+        </p:txBody>
+      </p:sp>
+      <p:sp>
+        <p:nvSpPr>
+          <p:cNvPr id="3" name="TextBox 2"/>
+          <p:cNvSpPr txBox="1"/>
+          <p:nvPr/>
+        </p:nvSpPr>
+        <p:spPr>
+          <a:xfrm>
+            <a:off x="914400" y="3657600"/>
+            <a:ext cx="7315200" cy="2971800"/>
+          </a:xfrm>
+          <a:prstGeom prst="rect">
+            <a:avLst/>
+          </a:prstGeom>
+          <a:noFill/>
+        </p:spPr>
+        <p:txBody>
+          <a:bodyPr wrap="square">
+            <a:spAutoFit/>
+          </a:bodyPr>
+          <a:lstStyle/>
+          <a:p/>
+          <a:p>
+            <a:pPr algn="ctr">
+              <a:defRPr sz="3500">
+                <a:solidFill>
+                  <a:srgbClr val="3A70BC"/>
+                </a:solidFill>
+              </a:defRPr>
+            </a:pPr>
+            <a:r>
+              <a:t>Twas grace that taught my heart to fear, And grace my fears relieved; How precious did that grace appear the hour I first believed.</a:t>
+            </a:r>
+          </a:p>
+        </p:txBody>
+      </p:sp>
+    </p:spTree>
+  </p:cSld>
+  <p:clrMapOvr>
+    <a:masterClrMapping/>
+  </p:clrMapOvr>
+</p:sld>
+</file>
+
+<file path=ppt/slides/slide4.xml><?xml version="1.0" encoding="utf-8"?>
+<p:sld xmlns:a="http://schemas.openxmlformats.org/drawingml/2006/main" xmlns:p="http://schemas.openxmlformats.org/presentationml/2006/main" xmlns:r="http://schemas.openxmlformats.org/officeDocument/2006/relationships">
+  <p:cSld>
+    <p:spTree>
+      <p:nvGrpSpPr>
+        <p:cNvPr id="1" name=""/>
+        <p:cNvGrpSpPr/>
+        <p:nvPr/>
+      </p:nvGrpSpPr>
+      <p:grpSpPr/>
+      <p:sp>
+        <p:nvSpPr>
+          <p:cNvPr id="2" name="TextBox 1"/>
+          <p:cNvSpPr txBox="1"/>
+          <p:nvPr/>
+        </p:nvSpPr>
+        <p:spPr>
+          <a:xfrm>
+            <a:off x="914400" y="457200"/>
+            <a:ext cx="7315200" cy="2971800"/>
+          </a:xfrm>
+          <a:prstGeom prst="rect">
+            <a:avLst/>
+          </a:prstGeom>
+          <a:noFill/>
+        </p:spPr>
+        <p:txBody>
+          <a:bodyPr wrap="square">
+            <a:spAutoFit/>
+          </a:bodyPr>
+          <a:lstStyle/>
+          <a:p/>
+          <a:p>
+            <a:pPr algn="ctr">
+              <a:defRPr sz="3500">
+                <a:solidFill>
+                  <a:srgbClr val="000000"/>
+                </a:solidFill>
+              </a:defRPr>
+            </a:pPr>
+            <a:r>
+              <a:t>พระคุณสอนให้ใจฉันยำเกรง เร่งให้ความกลัวต้องหนี พระคุณอันเลิศประเสริฐยิ่งใหญ่ ไม่มีหมู่มารได้ชัย</a:t>
+            </a:r>
+            <a:br/>
+          </a:p>
+        </p:txBody>
+      </p:sp>
+      <p:sp>
+        <p:nvSpPr>
+          <p:cNvPr id="3" name="TextBox 2"/>
+          <p:cNvSpPr txBox="1"/>
+          <p:nvPr/>
+        </p:nvSpPr>
+        <p:spPr>
+          <a:xfrm>
+            <a:off x="914400" y="3657600"/>
+            <a:ext cx="7315200" cy="2971800"/>
+          </a:xfrm>
+          <a:prstGeom prst="rect">
+            <a:avLst/>
+          </a:prstGeom>
+          <a:noFill/>
+        </p:spPr>
+        <p:txBody>
+          <a:bodyPr wrap="square">
+            <a:spAutoFit/>
+          </a:bodyPr>
+          <a:lstStyle/>
+          <a:p/>
+          <a:p>
+            <a:pPr algn="ctr">
+              <a:defRPr sz="3500">
+                <a:solidFill>
+                  <a:srgbClr val="3A70BC"/>
+                </a:solidFill>
+              </a:defRPr>
+            </a:pPr>
+            <a:r>
+              <a:t>Through many dangers, toils and snares, I have already come. 'tis grace that brought me safe thus far, and grace will lead us home.</a:t>
+            </a:r>
+          </a:p>
+        </p:txBody>
+      </p:sp>
+    </p:spTree>
+  </p:cSld>
+  <p:clrMapOvr>
+    <a:masterClrMapping/>
+  </p:clrMapOvr>
+</p:sld>
+</file>
+
+<file path=ppt/slides/slide5.xml><?xml version="1.0" encoding="utf-8"?>
+<p:sld xmlns:a="http://schemas.openxmlformats.org/drawingml/2006/main" xmlns:p="http://schemas.openxmlformats.org/presentationml/2006/main" xmlns:r="http://schemas.openxmlformats.org/officeDocument/2006/relationships">
+  <p:cSld>
+    <p:spTree>
+      <p:nvGrpSpPr>
+        <p:cNvPr id="1" name=""/>
+        <p:cNvGrpSpPr/>
+        <p:nvPr/>
+      </p:nvGrpSpPr>
+      <p:grpSpPr/>
+      <p:sp>
+        <p:nvSpPr>
+          <p:cNvPr id="2" name="TextBox 1"/>
+          <p:cNvSpPr txBox="1"/>
+          <p:nvPr/>
+        </p:nvSpPr>
+        <p:spPr>
+          <a:xfrm>
+            <a:off x="914400" y="457200"/>
+            <a:ext cx="7315200" cy="2971800"/>
+          </a:xfrm>
+          <a:prstGeom prst="rect">
+            <a:avLst/>
+          </a:prstGeom>
+          <a:noFill/>
+        </p:spPr>
+        <p:txBody>
+          <a:bodyPr wrap="square">
+            <a:spAutoFit/>
+          </a:bodyPr>
+          <a:lstStyle/>
+          <a:p/>
+          <a:p>
+            <a:pPr algn="ctr">
+              <a:defRPr sz="3500">
+                <a:solidFill>
+                  <a:srgbClr val="000000"/>
+                </a:solidFill>
+              </a:defRPr>
+            </a:pPr>
+            <a:r>
+              <a:t>พระเจ้าประทานแต่สิ่งที่ดี พระธรรมให้มีความหวัง พระองค์คุ้มครองป้องกันทุกที เมื่อมีสิ่งชั่วบีฑา</a:t>
+            </a:r>
+          </a:p>
+        </p:txBody>
+      </p:sp>
+      <p:sp>
+        <p:nvSpPr>
+          <p:cNvPr id="3" name="TextBox 2"/>
+          <p:cNvSpPr txBox="1"/>
+          <p:nvPr/>
+        </p:nvSpPr>
+        <p:spPr>
+          <a:xfrm>
+            <a:off x="914400" y="3657600"/>
+            <a:ext cx="7315200" cy="2971800"/>
+          </a:xfrm>
+          <a:prstGeom prst="rect">
+            <a:avLst/>
+          </a:prstGeom>
+          <a:noFill/>
+        </p:spPr>
+        <p:txBody>
+          <a:bodyPr wrap="square">
+            <a:spAutoFit/>
+          </a:bodyPr>
+          <a:lstStyle/>
+          <a:p/>
+          <a:p>
+            <a:pPr algn="ctr">
+              <a:defRPr sz="3500">
+                <a:solidFill>
+                  <a:srgbClr val="3A70BC"/>
+                </a:solidFill>
+              </a:defRPr>
+            </a:pPr>
+            <a:r>
+              <a:t>The Lord hath promised good to me, His word my hope secures; He will my shield and portion be As long as life endures.</a:t>
+            </a:r>
+          </a:p>
+        </p:txBody>
+      </p:sp>
+    </p:spTree>
+  </p:cSld>
+  <p:clrMapOvr>
+    <a:masterClrMapping/>
+  </p:clrMapOvr>
+</p:sld>
+</file>
+
+<file path=ppt/slides/slide6.xml><?xml version="1.0" encoding="utf-8"?>
+<p:sld xmlns:a="http://schemas.openxmlformats.org/drawingml/2006/main" xmlns:p="http://schemas.openxmlformats.org/presentationml/2006/main" xmlns:r="http://schemas.openxmlformats.org/officeDocument/2006/relationships">
+  <p:cSld>
+    <p:spTree>
+      <p:nvGrpSpPr>
+        <p:cNvPr id="1" name=""/>
+        <p:cNvGrpSpPr/>
+        <p:nvPr/>
+      </p:nvGrpSpPr>
+      <p:grpSpPr/>
+      <p:sp>
+        <p:nvSpPr>
+          <p:cNvPr id="2" name="TextBox 1"/>
+          <p:cNvSpPr txBox="1"/>
+          <p:nvPr/>
+        </p:nvSpPr>
+        <p:spPr>
+          <a:xfrm>
+            <a:off x="914400" y="457200"/>
+            <a:ext cx="7315200" cy="2971800"/>
+          </a:xfrm>
+          <a:prstGeom prst="rect">
+            <a:avLst/>
+          </a:prstGeom>
+          <a:noFill/>
+        </p:spPr>
+        <p:txBody>
+          <a:bodyPr wrap="square">
+            <a:spAutoFit/>
+          </a:bodyPr>
+          <a:lstStyle/>
+          <a:p/>
+          <a:p>
+            <a:pPr algn="ctr">
+              <a:defRPr sz="3500">
+                <a:solidFill>
+                  <a:srgbClr val="000000"/>
+                </a:solidFill>
+              </a:defRPr>
+            </a:pPr>
+            <a:r>
+              <a:t>เมื่อเราได้ไปอยู่เมืองสวรรค์ ช้านานนับหลายพันปี ยังมีเวลาร้องเพลงสรรเสริญ เท่ากันกับเมื่อเริ่มต้น</a:t>
+            </a:r>
+          </a:p>
+        </p:txBody>
+      </p:sp>
+      <p:sp>
+        <p:nvSpPr>
+          <p:cNvPr id="3" name="TextBox 2"/>
+          <p:cNvSpPr txBox="1"/>
+          <p:nvPr/>
+        </p:nvSpPr>
+        <p:spPr>
+          <a:xfrm>
+            <a:off x="914400" y="3657600"/>
+            <a:ext cx="7315200" cy="2971800"/>
+          </a:xfrm>
+          <a:prstGeom prst="rect">
+            <a:avLst/>
+          </a:prstGeom>
+          <a:noFill/>
+        </p:spPr>
+        <p:txBody>
+          <a:bodyPr wrap="square">
+            <a:spAutoFit/>
+          </a:bodyPr>
+          <a:lstStyle/>
+          <a:p/>
+          <a:p>
+            <a:pPr algn="ctr">
+              <a:defRPr sz="3500">
+                <a:solidFill>
+                  <a:srgbClr val="3A70BC"/>
+                </a:solidFill>
+              </a:defRPr>
+            </a:pPr>
+            <a:r>
+              <a:t>When we’ve been there ten thousand years, Bright shining as the sun, We’ve no less days to sing God’s praise Than when we first begun</a:t>
+            </a:r>
+          </a:p>
+        </p:txBody>
+      </p:sp>
+    </p:spTree>
+  </p:cSld>
+  <p:clrMapOvr>
+    <a:masterClrMapping/>
+  </p:clrMapOvr>
+</p:sld>
+</file>
+
+<file path=ppt/slides/slide7.xml><?xml version="1.0" encoding="utf-8"?>
+<p:sld xmlns:a="http://schemas.openxmlformats.org/drawingml/2006/main" xmlns:p="http://schemas.openxmlformats.org/presentationml/2006/main" xmlns:r="http://schemas.openxmlformats.org/officeDocument/2006/relationships">
+  <p:cSld>
+    <p:spTree>
+      <p:nvGrpSpPr>
+        <p:cNvPr id="1" name=""/>
+        <p:cNvGrpSpPr/>
+        <p:nvPr/>
+      </p:nvGrpSpPr>
+      <p:grpSpPr/>
+      <p:sp>
+        <p:nvSpPr>
+          <p:cNvPr id="2" name="Title 1"/>
+          <p:cNvSpPr>
+            <a:spLocks noGrp="1"/>
+          </p:cNvSpPr>
+          <p:nvPr>
+            <p:ph type="ctrTitle"/>
+          </p:nvPr>
+        </p:nvSpPr>
+        <p:spPr/>
+        <p:txBody>
+          <a:bodyPr/>
+          <a:lstStyle/>
+          <a:p>
+            <a:r>
+              <a:t>พระเจ้ายิ่งใหญ่</a:t>
+            </a:r>
+          </a:p>
+        </p:txBody>
+      </p:sp>
+      <p:sp>
+        <p:nvSpPr>
+          <p:cNvPr id="3" name="Subtitle 2"/>
+          <p:cNvSpPr>
+            <a:spLocks noGrp="1"/>
+          </p:cNvSpPr>
+          <p:nvPr>
+            <p:ph type="subTitle" idx="1"/>
+          </p:nvPr>
+        </p:nvSpPr>
+        <p:spPr/>
+        <p:txBody>
+          <a:bodyPr/>
+          <a:lstStyle/>
+          <a:p>
+            <a:r>
+              <a:t>HOW GREAT THOU ART</a:t>
+            </a:r>
+          </a:p>
+        </p:txBody>
+      </p:sp>
+    </p:spTree>
+  </p:cSld>
+  <p:clrMapOvr>
+    <a:masterClrMapping/>
+  </p:clrMapOvr>
+</p:sld>
+</file>
+
+<file path=ppt/slides/slide8.xml><?xml version="1.0" encoding="utf-8"?>
+<p:sld xmlns:a="http://schemas.openxmlformats.org/drawingml/2006/main" xmlns:p="http://schemas.openxmlformats.org/presentationml/2006/main" xmlns:r="http://schemas.openxmlformats.org/officeDocument/2006/relationships">
+  <p:cSld>
+    <p:spTree>
+      <p:nvGrpSpPr>
+        <p:cNvPr id="1" name=""/>
+        <p:cNvGrpSpPr/>
+        <p:nvPr/>
+      </p:nvGrpSpPr>
+      <p:grpSpPr/>
+      <p:sp>
+        <p:nvSpPr>
+          <p:cNvPr id="2" name="TextBox 1"/>
+          <p:cNvSpPr txBox="1"/>
+          <p:nvPr/>
+        </p:nvSpPr>
+        <p:spPr>
+          <a:xfrm>
+            <a:off x="914400" y="457200"/>
+            <a:ext cx="7315200" cy="2971800"/>
+          </a:xfrm>
+          <a:prstGeom prst="rect">
+            <a:avLst/>
+          </a:prstGeom>
+          <a:noFill/>
+        </p:spPr>
+        <p:txBody>
+          <a:bodyPr wrap="square">
+            <a:spAutoFit/>
+          </a:bodyPr>
+          <a:lstStyle/>
+          <a:p/>
+          <a:p>
+            <a:pPr algn="ctr">
+              <a:defRPr sz="3500">
+                <a:solidFill>
+                  <a:srgbClr val="000000"/>
+                </a:solidFill>
+              </a:defRPr>
+            </a:pPr>
+            <a:r>
+              <a:t>พระองค์เจ้าข้า ข้าเฝ้ามองดูด้วยยำเกรง เพราะพระองค์เอง เป็นผู้สร้างจักรวาล เมื่อมองดูดาว เมื่อคราวยินเสียงฟ้าคำราม เห็นฝีพระหัตถ์ของพระองค์บนท้องฟ้า</a:t>
+            </a:r>
+          </a:p>
+        </p:txBody>
+      </p:sp>
+      <p:sp>
+        <p:nvSpPr>
+          <p:cNvPr id="3" name="TextBox 2"/>
+          <p:cNvSpPr txBox="1"/>
+          <p:nvPr/>
+        </p:nvSpPr>
+        <p:spPr>
+          <a:xfrm>
+            <a:off x="914400" y="3657600"/>
+            <a:ext cx="7315200" cy="2971800"/>
+          </a:xfrm>
+          <a:prstGeom prst="rect">
+            <a:avLst/>
+          </a:prstGeom>
+          <a:noFill/>
+        </p:spPr>
+        <p:txBody>
+          <a:bodyPr wrap="square">
+            <a:spAutoFit/>
+          </a:bodyPr>
+          <a:lstStyle/>
+          <a:p/>
+          <a:p>
+            <a:pPr algn="ctr">
+              <a:defRPr sz="3500">
+                <a:solidFill>
+                  <a:srgbClr val="3A70BC"/>
+                </a:solidFill>
+              </a:defRPr>
+            </a:pPr>
+            <a:r>
+              <a:t>O Lord, my God, when I in awesome wonder Consider all the worlds Thy Hands have made I see the stars, I hear the rolling thunder Thy power throughout the universe displayed</a:t>
+            </a:r>
+          </a:p>
+        </p:txBody>
+      </p:sp>
+    </p:spTree>
+  </p:cSld>
+  <p:clrMapOvr>
+    <a:masterClrMapping/>
+  </p:clrMapOvr>
+</p:sld>
+</file>
+
+<file path=ppt/slides/slide9.xml><?xml version="1.0" encoding="utf-8"?>
+<p:sld xmlns:a="http://schemas.openxmlformats.org/drawingml/2006/main" xmlns:p="http://schemas.openxmlformats.org/presentationml/2006/main" xmlns:r="http://schemas.openxmlformats.org/officeDocument/2006/relationships">
+  <p:cSld>
+    <p:spTree>
+      <p:nvGrpSpPr>
+        <p:cNvPr id="1" name=""/>
+        <p:cNvGrpSpPr/>
+        <p:nvPr/>
+      </p:nvGrpSpPr>
+      <p:grpSpPr/>
+      <p:sp>
+        <p:nvSpPr>
+          <p:cNvPr id="2" name="TextBox 1"/>
+          <p:cNvSpPr txBox="1"/>
+          <p:nvPr/>
+        </p:nvSpPr>
+        <p:spPr>
+          <a:xfrm>
+            <a:off x="914400" y="457200"/>
+            <a:ext cx="7315200" cy="2971800"/>
+          </a:xfrm>
+          <a:prstGeom prst="rect">
+            <a:avLst/>
+          </a:prstGeom>
+          <a:noFill/>
+        </p:spPr>
+        <p:txBody>
+          <a:bodyPr wrap="square">
+            <a:spAutoFit/>
+          </a:bodyPr>
+          <a:lstStyle/>
+          <a:p/>
+          <a:p>
+            <a:pPr algn="ctr">
+              <a:defRPr sz="3500">
+                <a:solidFill>
+                  <a:srgbClr val="000000"/>
+                </a:solidFill>
+              </a:defRPr>
+            </a:pPr>
+            <a:r>
+              <a:t>จิตข้าสรรเสริญ พระเจ้าองค์พระผู้ช่วย พระเจ้ายิ่งใหญ่ พระเจ้ายิ่งใหญ่ จิตข้าสรรเสริญ พระเจ้าองค์พระผู้ช่วย พระเจ้ายิ่งใหญ่ พระเจ้ายิ่งใหญ่</a:t>
+            </a:r>
+          </a:p>
+        </p:txBody>
+      </p:sp>
+      <p:sp>
+        <p:nvSpPr>
+          <p:cNvPr id="3" name="TextBox 2"/>
+          <p:cNvSpPr txBox="1"/>
+          <p:nvPr/>
+        </p:nvSpPr>
+        <p:spPr>
+          <a:xfrm>
+            <a:off x="914400" y="3657600"/>
+            <a:ext cx="7315200" cy="2971800"/>
+          </a:xfrm>
+          <a:prstGeom prst="rect">
+            <a:avLst/>
+          </a:prstGeom>
+          <a:noFill/>
+        </p:spPr>
+        <p:txBody>
+          <a:bodyPr wrap="square">
+            <a:spAutoFit/>
+          </a:bodyPr>
+          <a:lstStyle/>
+          <a:p/>
+          <a:p>
+            <a:pPr algn="ctr">
+              <a:defRPr sz="3500">
+                <a:solidFill>
+                  <a:srgbClr val="3A70BC"/>
+                </a:solidFill>
+              </a:defRPr>
+            </a:pPr>
+            <a:r>
+              <a:t>Then sings my soul, my Saviour God, to Thee How great Thou art, how great Thou art Then sings my soul, my Saviour God, to Thee How great Thou art, how great Thou art</a:t>
             </a:r>
           </a:p>
         </p:txBody>

--- a/finishedppt/WorshipSongs.pptx
+++ b/finishedppt/WorshipSongs.pptx
@@ -3169,7 +3169,7 @@
         <p:spPr>
           <a:xfrm>
             <a:off x="914400" y="457200"/>
-            <a:ext cx="7315200" cy="2971800"/>
+            <a:ext cx="7315200" cy="1828800"/>
           </a:xfrm>
           <a:prstGeom prst="rect">
             <a:avLst/>
@@ -3204,8 +3204,8 @@
         </p:nvSpPr>
         <p:spPr>
           <a:xfrm>
-            <a:off x="914400" y="3657600"/>
-            <a:ext cx="7315200" cy="2971800"/>
+            <a:off x="914400" y="2514600"/>
+            <a:ext cx="7315200" cy="1828800"/>
           </a:xfrm>
           <a:prstGeom prst="rect">
             <a:avLst/>
@@ -3228,6 +3228,42 @@
             </a:pPr>
             <a:r>
               <a:t>And when I think of God, His Son not sparing Sent Him to die, I scarce can take it in That on the Cross, my burden gladly bearing He bled and died to take away my sin</a:t>
+            </a:r>
+          </a:p>
+        </p:txBody>
+      </p:sp>
+      <p:sp>
+        <p:nvSpPr>
+          <p:cNvPr id="4" name="TextBox 3"/>
+          <p:cNvSpPr txBox="1"/>
+          <p:nvPr/>
+        </p:nvSpPr>
+        <p:spPr>
+          <a:xfrm>
+            <a:off x="914400" y="4572000"/>
+            <a:ext cx="7315200" cy="1828800"/>
+          </a:xfrm>
+          <a:prstGeom prst="rect">
+            <a:avLst/>
+          </a:prstGeom>
+          <a:noFill/>
+        </p:spPr>
+        <p:txBody>
+          <a:bodyPr wrap="square">
+            <a:spAutoFit/>
+          </a:bodyPr>
+          <a:lstStyle/>
+          <a:p/>
+          <a:p>
+            <a:pPr algn="ctr">
+              <a:defRPr sz="3500">
+                <a:solidFill>
+                  <a:srgbClr val="2FBF39"/>
+                </a:solidFill>
+              </a:defRPr>
+            </a:pPr>
+            <a:r>
+              <a:t>หาย หฒั่น ฮนั้ม เถา, ทิน-ฮู่ง นิ่น เก้ง ไม้ ค้อ-ฟิ. นิ่น เญย โดะ ตอน เหฌี่ย ต้าย เถง เมี่ยน เถย ฒุ์ย. หฒุ เสี่ยว โค้ว หน่าน, ตีง วั้ว เหฒียบ หฑั่ง จ๋า เหว่ย เยีย. เยีย ต้อ เหฒี่ย เฒี้ยว, เหว่ย เฒี้ยว ค้อ-เลี่ยน เยีย บัว.</a:t>
             </a:r>
           </a:p>
         </p:txBody>
@@ -3259,7 +3295,7 @@
         <p:spPr>
           <a:xfrm>
             <a:off x="914400" y="457200"/>
-            <a:ext cx="7315200" cy="2971800"/>
+            <a:ext cx="7315200" cy="1828800"/>
           </a:xfrm>
           <a:prstGeom prst="rect">
             <a:avLst/>
@@ -3294,8 +3330,8 @@
         </p:nvSpPr>
         <p:spPr>
           <a:xfrm>
-            <a:off x="914400" y="3657600"/>
-            <a:ext cx="7315200" cy="2971800"/>
+            <a:off x="914400" y="2514600"/>
+            <a:ext cx="7315200" cy="1828800"/>
           </a:xfrm>
           <a:prstGeom prst="rect">
             <a:avLst/>
@@ -3318,6 +3354,42 @@
             </a:pPr>
             <a:r>
               <a:t>Then sings my soul, my Saviour God, to Thee How great Thou art, how great Thou art Then sings my soul, my Saviour God, to Thee How great Thou art, how great Thou art</a:t>
+            </a:r>
+          </a:p>
+        </p:txBody>
+      </p:sp>
+      <p:sp>
+        <p:nvSpPr>
+          <p:cNvPr id="4" name="TextBox 3"/>
+          <p:cNvSpPr txBox="1"/>
+          <p:nvPr/>
+        </p:nvSpPr>
+        <p:spPr>
+          <a:xfrm>
+            <a:off x="914400" y="4572000"/>
+            <a:ext cx="7315200" cy="1828800"/>
+          </a:xfrm>
+          <a:prstGeom prst="rect">
+            <a:avLst/>
+          </a:prstGeom>
+          <a:noFill/>
+        </p:spPr>
+        <p:txBody>
+          <a:bodyPr wrap="square">
+            <a:spAutoFit/>
+          </a:bodyPr>
+          <a:lstStyle/>
+          <a:p/>
+          <a:p>
+            <a:pPr algn="ctr">
+              <a:defRPr sz="3500">
+                <a:solidFill>
+                  <a:srgbClr val="2FBF39"/>
+                </a:solidFill>
+              </a:defRPr>
+            </a:pPr>
+            <a:r>
+              <a:t>เยีย หล่ง เฮญี้ยว เธง เฒี้ยว ต้ง ต้าย เหฌียว ฒุ์ย-เมี่ยน. เฒี้ยว เก้ง โฮล ไห่, เฒี้ยว เก้ง โฮล ไห่. เยีย หล่ง เฮญี้ยว เธง เฒี้ยว ต้ง ต้าย เหฌียว ฒุ์ย-เมี่ยน. เฒี้ยว เก้ง โฮล ไห่, เฒี้ยว เก้ง โฮล ไห่.</a:t>
             </a:r>
           </a:p>
         </p:txBody>
@@ -3349,7 +3421,7 @@
         <p:spPr>
           <a:xfrm>
             <a:off x="914400" y="457200"/>
-            <a:ext cx="7315200" cy="2971800"/>
+            <a:ext cx="7315200" cy="1828800"/>
           </a:xfrm>
           <a:prstGeom prst="rect">
             <a:avLst/>
@@ -3384,8 +3456,8 @@
         </p:nvSpPr>
         <p:spPr>
           <a:xfrm>
-            <a:off x="914400" y="3657600"/>
-            <a:ext cx="7315200" cy="2971800"/>
+            <a:off x="914400" y="2514600"/>
+            <a:ext cx="7315200" cy="1828800"/>
           </a:xfrm>
           <a:prstGeom prst="rect">
             <a:avLst/>
@@ -3408,6 +3480,42 @@
             </a:pPr>
             <a:r>
               <a:t>When Christ shall come with shout of acclamation And lead me home, what joy shall fill my heart Then I shall bow with humble adoration And then proclaim, my God, how great Thou art</a:t>
+            </a:r>
+          </a:p>
+        </p:txBody>
+      </p:sp>
+      <p:sp>
+        <p:nvSpPr>
+          <p:cNvPr id="4" name="TextBox 3"/>
+          <p:cNvSpPr txBox="1"/>
+          <p:nvPr/>
+        </p:nvSpPr>
+        <p:spPr>
+          <a:xfrm>
+            <a:off x="914400" y="4572000"/>
+            <a:ext cx="7315200" cy="1828800"/>
+          </a:xfrm>
+          <a:prstGeom prst="rect">
+            <a:avLst/>
+          </a:prstGeom>
+          <a:noFill/>
+        </p:spPr>
+        <p:txBody>
+          <a:bodyPr wrap="square">
+            <a:spAutoFit/>
+          </a:bodyPr>
+          <a:lstStyle/>
+          <a:p/>
+          <a:p>
+            <a:pPr algn="ctr">
+              <a:defRPr sz="3500">
+                <a:solidFill>
+                  <a:srgbClr val="2FBF39"/>
+                </a:solidFill>
+              </a:defRPr>
+            </a:pPr>
+            <a:r>
+              <a:t>เฒี้ยว ต้าย เญย ฮนอย ม่าย หฑัด บุย ไห่ ปวั๊ง ลู่ง มี่ง. นิ่น ต้าย ต้อ เยีย หฑวน มี่ง เยียม วั้ว ทิน-ต้อง. เยีย อ๋อย เกว่ย เหฌี่ย เยียม นิ่น หฑะเฮมียน ไม้ เธง-โฮล, แอ๋ง เธง นิ่น ก๊อง, “เยีย เญย เฒี้ยว เก้ง โฮล ไห่.”</a:t>
             </a:r>
           </a:p>
         </p:txBody>
@@ -3439,7 +3547,7 @@
         <p:spPr>
           <a:xfrm>
             <a:off x="914400" y="457200"/>
-            <a:ext cx="7315200" cy="2971800"/>
+            <a:ext cx="7315200" cy="1828800"/>
           </a:xfrm>
           <a:prstGeom prst="rect">
             <a:avLst/>
@@ -3474,8 +3582,8 @@
         </p:nvSpPr>
         <p:spPr>
           <a:xfrm>
-            <a:off x="914400" y="3657600"/>
-            <a:ext cx="7315200" cy="2971800"/>
+            <a:off x="914400" y="2514600"/>
+            <a:ext cx="7315200" cy="1828800"/>
           </a:xfrm>
           <a:prstGeom prst="rect">
             <a:avLst/>
@@ -3498,6 +3606,42 @@
             </a:pPr>
             <a:r>
               <a:t>Then sings my soul, my Saviour God, to Thee How great Thou art, how great Thou art Then sings my soul, my Saviour God, to Thee How great Thou art, how great Thou art</a:t>
+            </a:r>
+          </a:p>
+        </p:txBody>
+      </p:sp>
+      <p:sp>
+        <p:nvSpPr>
+          <p:cNvPr id="4" name="TextBox 3"/>
+          <p:cNvSpPr txBox="1"/>
+          <p:nvPr/>
+        </p:nvSpPr>
+        <p:spPr>
+          <a:xfrm>
+            <a:off x="914400" y="4572000"/>
+            <a:ext cx="7315200" cy="1828800"/>
+          </a:xfrm>
+          <a:prstGeom prst="rect">
+            <a:avLst/>
+          </a:prstGeom>
+          <a:noFill/>
+        </p:spPr>
+        <p:txBody>
+          <a:bodyPr wrap="square">
+            <a:spAutoFit/>
+          </a:bodyPr>
+          <a:lstStyle/>
+          <a:p/>
+          <a:p>
+            <a:pPr algn="ctr">
+              <a:defRPr sz="3500">
+                <a:solidFill>
+                  <a:srgbClr val="2FBF39"/>
+                </a:solidFill>
+              </a:defRPr>
+            </a:pPr>
+            <a:r>
+              <a:t>เยีย หล่ง เฮญี้ยว เธง เฒี้ยว ต้ง ต้าย เหฌียว ฒุ์ย-เมี่ยน. เฒี้ยว เก้ง โฮล ไห่, เฒี้ยว เก้ง โฮล ไห่. เยีย หล่ง เฮญี้ยว เธง เฒี้ยว ต้ง ต้าย เหฌียว ฒุ์ย-เมี่ยน. เฒี้ยว เก้ง โฮล ไห่, เฒี้ยว เก้ง โฮล ไห่.</a:t>
             </a:r>
           </a:p>
         </p:txBody>
@@ -3529,7 +3673,7 @@
         <p:spPr>
           <a:xfrm>
             <a:off x="914400" y="457200"/>
-            <a:ext cx="7315200" cy="2971800"/>
+            <a:ext cx="7315200" cy="1828800"/>
           </a:xfrm>
           <a:prstGeom prst="rect">
             <a:avLst/>
@@ -3564,8 +3708,8 @@
         </p:nvSpPr>
         <p:spPr>
           <a:xfrm>
-            <a:off x="914400" y="3657600"/>
-            <a:ext cx="7315200" cy="2971800"/>
+            <a:off x="914400" y="2514600"/>
+            <a:ext cx="7315200" cy="1828800"/>
           </a:xfrm>
           <a:prstGeom prst="rect">
             <a:avLst/>
@@ -3588,6 +3732,42 @@
             </a:pPr>
             <a:r>
               <a:t>AMAZING GRACE HOW SWEET THE SOUND THAT SAVED A WRETCH LIKE ME! I ONCE WAS LOST, BUT NOW AM FOUND WAS BLIND, BUT NOW I SEE</a:t>
+            </a:r>
+          </a:p>
+        </p:txBody>
+      </p:sp>
+      <p:sp>
+        <p:nvSpPr>
+          <p:cNvPr id="4" name="TextBox 3"/>
+          <p:cNvSpPr txBox="1"/>
+          <p:nvPr/>
+        </p:nvSpPr>
+        <p:spPr>
+          <a:xfrm>
+            <a:off x="914400" y="4572000"/>
+            <a:ext cx="7315200" cy="1828800"/>
+          </a:xfrm>
+          <a:prstGeom prst="rect">
+            <a:avLst/>
+          </a:prstGeom>
+          <a:noFill/>
+        </p:spPr>
+        <p:txBody>
+          <a:bodyPr wrap="square">
+            <a:spAutoFit/>
+          </a:bodyPr>
+          <a:lstStyle/>
+          <a:p/>
+          <a:p>
+            <a:pPr algn="ctr">
+              <a:defRPr sz="3500">
+                <a:solidFill>
+                  <a:srgbClr val="2FBF39"/>
+                </a:solidFill>
+              </a:defRPr>
+            </a:pPr>
+            <a:r>
+              <a:t>หฒอย โฮล เญย เอน, หฒะเก้ง คู้ เฝียน, เย^ซู ต้าย ล์อ เหฌียว เยีย. เยีย มฒีง แม่ง เมี่ยน, นิ่น เถง ปวัด ฌัง, ต่อง เจ๊า, นิ่น ต้าย ล์อ เยีย.</a:t>
             </a:r>
           </a:p>
         </p:txBody>
@@ -3619,7 +3799,7 @@
         <p:spPr>
           <a:xfrm>
             <a:off x="914400" y="457200"/>
-            <a:ext cx="7315200" cy="2971800"/>
+            <a:ext cx="7315200" cy="1828800"/>
           </a:xfrm>
           <a:prstGeom prst="rect">
             <a:avLst/>
@@ -3654,8 +3834,8 @@
         </p:nvSpPr>
         <p:spPr>
           <a:xfrm>
-            <a:off x="914400" y="3657600"/>
-            <a:ext cx="7315200" cy="2971800"/>
+            <a:off x="914400" y="2514600"/>
+            <a:ext cx="7315200" cy="1828800"/>
           </a:xfrm>
           <a:prstGeom prst="rect">
             <a:avLst/>
@@ -3678,6 +3858,42 @@
             </a:pPr>
             <a:r>
               <a:t>Twas grace that taught my heart to fear, And grace my fears relieved; How precious did that grace appear the hour I first believed.</a:t>
+            </a:r>
+          </a:p>
+        </p:txBody>
+      </p:sp>
+      <p:sp>
+        <p:nvSpPr>
+          <p:cNvPr id="4" name="TextBox 3"/>
+          <p:cNvSpPr txBox="1"/>
+          <p:nvPr/>
+        </p:nvSpPr>
+        <p:spPr>
+          <a:xfrm>
+            <a:off x="914400" y="4572000"/>
+            <a:ext cx="7315200" cy="1828800"/>
+          </a:xfrm>
+          <a:prstGeom prst="rect">
+            <a:avLst/>
+          </a:prstGeom>
+          <a:noFill/>
+        </p:spPr>
+        <p:txBody>
+          <a:bodyPr wrap="square">
+            <a:spAutoFit/>
+          </a:bodyPr>
+          <a:lstStyle/>
+          <a:p/>
+          <a:p>
+            <a:pPr algn="ctr">
+              <a:defRPr sz="3500">
+                <a:solidFill>
+                  <a:srgbClr val="2FBF39"/>
+                </a:solidFill>
+              </a:defRPr>
+            </a:pPr>
+            <a:r>
+              <a:t>ทิน-ฮู่ง เญย เอน หฌาว เยีย ท่าย นิ่น, อ๋อย ปุน เยีย เสียน เขา นิ่น. ต้ง นิ่น เหธย เอน เถง ไม้ กั้ม เหฑีย, ปุน นิ่น เญย แป้ง ออน เปียะ.</a:t>
             </a:r>
           </a:p>
         </p:txBody>
@@ -3709,7 +3925,7 @@
         <p:spPr>
           <a:xfrm>
             <a:off x="914400" y="457200"/>
-            <a:ext cx="7315200" cy="2971800"/>
+            <a:ext cx="7315200" cy="1828800"/>
           </a:xfrm>
           <a:prstGeom prst="rect">
             <a:avLst/>
@@ -3745,8 +3961,8 @@
         </p:nvSpPr>
         <p:spPr>
           <a:xfrm>
-            <a:off x="914400" y="3657600"/>
-            <a:ext cx="7315200" cy="2971800"/>
+            <a:off x="914400" y="2514600"/>
+            <a:ext cx="7315200" cy="1828800"/>
           </a:xfrm>
           <a:prstGeom prst="rect">
             <a:avLst/>
@@ -3769,6 +3985,42 @@
             </a:pPr>
             <a:r>
               <a:t>Through many dangers, toils and snares, I have already come. 'tis grace that brought me safe thus far, and grace will lead us home.</a:t>
+            </a:r>
+          </a:p>
+        </p:txBody>
+      </p:sp>
+      <p:sp>
+        <p:nvSpPr>
+          <p:cNvPr id="4" name="TextBox 3"/>
+          <p:cNvSpPr txBox="1"/>
+          <p:nvPr/>
+        </p:nvSpPr>
+        <p:spPr>
+          <a:xfrm>
+            <a:off x="914400" y="4572000"/>
+            <a:ext cx="7315200" cy="1828800"/>
+          </a:xfrm>
+          <a:prstGeom prst="rect">
+            <a:avLst/>
+          </a:prstGeom>
+          <a:noFill/>
+        </p:spPr>
+        <p:txBody>
+          <a:bodyPr wrap="square">
+            <a:spAutoFit/>
+          </a:bodyPr>
+          <a:lstStyle/>
+          <a:p/>
+          <a:p>
+            <a:pPr algn="ctr">
+              <a:defRPr sz="3500">
+                <a:solidFill>
+                  <a:srgbClr val="2FBF39"/>
+                </a:solidFill>
+              </a:defRPr>
+            </a:pPr>
+            <a:r>
+              <a:t>ยั่ง เจี๋ย เญย เจ๊า หฒะเก้ง ฮยวัง-เฮยี้ยน, นิ่น หย่า ต้อ เยีย เถา น้าย เหว่ย เฒี้ยว เญย เอน ต้อ เยีย ซิ้ม ฆอย, นิ่น อย่า อ๋อย เคน เถา เปย๊า.</a:t>
             </a:r>
           </a:p>
         </p:txBody>
@@ -3800,7 +4052,7 @@
         <p:spPr>
           <a:xfrm>
             <a:off x="914400" y="457200"/>
-            <a:ext cx="7315200" cy="2971800"/>
+            <a:ext cx="7315200" cy="1828800"/>
           </a:xfrm>
           <a:prstGeom prst="rect">
             <a:avLst/>
@@ -3835,8 +4087,8 @@
         </p:nvSpPr>
         <p:spPr>
           <a:xfrm>
-            <a:off x="914400" y="3657600"/>
-            <a:ext cx="7315200" cy="2971800"/>
+            <a:off x="914400" y="2514600"/>
+            <a:ext cx="7315200" cy="1828800"/>
           </a:xfrm>
           <a:prstGeom prst="rect">
             <a:avLst/>
@@ -3859,6 +4111,42 @@
             </a:pPr>
             <a:r>
               <a:t>The Lord hath promised good to me, His word my hope secures; He will my shield and portion be As long as life endures.</a:t>
+            </a:r>
+          </a:p>
+        </p:txBody>
+      </p:sp>
+      <p:sp>
+        <p:nvSpPr>
+          <p:cNvPr id="4" name="TextBox 3"/>
+          <p:cNvSpPr txBox="1"/>
+          <p:nvPr/>
+        </p:nvSpPr>
+        <p:spPr>
+          <a:xfrm>
+            <a:off x="914400" y="4572000"/>
+            <a:ext cx="7315200" cy="1828800"/>
+          </a:xfrm>
+          <a:prstGeom prst="rect">
+            <a:avLst/>
+          </a:prstGeom>
+          <a:noFill/>
+        </p:spPr>
+        <p:txBody>
+          <a:bodyPr wrap="square">
+            <a:spAutoFit/>
+          </a:bodyPr>
+          <a:lstStyle/>
+          <a:p/>
+          <a:p>
+            <a:pPr algn="ctr">
+              <a:defRPr sz="3500">
+                <a:solidFill>
+                  <a:srgbClr val="2FBF39"/>
+                </a:solidFill>
+              </a:defRPr>
+            </a:pPr>
+            <a:r>
+              <a:t>เยียม วั้ว ทิน-ต้อง ตุ๊ เหฒีย ธิน หฮญัง, เก้า ฌัง-หล่าง เจี๋ย บะฮนอย. เยีย แอ๋ง ม่าย เฒี่ยง โห่ เธง หฒั่ง เตี๋ย, หธ่อ ฮนั้ง เยียม เจี๋ย กอน นอ</a:t>
             </a:r>
           </a:p>
         </p:txBody>
@@ -3890,7 +4178,7 @@
         <p:spPr>
           <a:xfrm>
             <a:off x="914400" y="457200"/>
-            <a:ext cx="7315200" cy="2971800"/>
+            <a:ext cx="7315200" cy="1828800"/>
           </a:xfrm>
           <a:prstGeom prst="rect">
             <a:avLst/>
@@ -3925,8 +4213,8 @@
         </p:nvSpPr>
         <p:spPr>
           <a:xfrm>
-            <a:off x="914400" y="3657600"/>
-            <a:ext cx="7315200" cy="2971800"/>
+            <a:off x="914400" y="2514600"/>
+            <a:ext cx="7315200" cy="1828800"/>
           </a:xfrm>
           <a:prstGeom prst="rect">
             <a:avLst/>
@@ -3949,6 +4237,42 @@
             </a:pPr>
             <a:r>
               <a:t>When we’ve been there ten thousand years, Bright shining as the sun, We’ve no less days to sing God’s praise Than when we first begun</a:t>
+            </a:r>
+          </a:p>
+        </p:txBody>
+      </p:sp>
+      <p:sp>
+        <p:nvSpPr>
+          <p:cNvPr id="4" name="TextBox 3"/>
+          <p:cNvSpPr txBox="1"/>
+          <p:nvPr/>
+        </p:nvSpPr>
+        <p:spPr>
+          <a:xfrm>
+            <a:off x="914400" y="4572000"/>
+            <a:ext cx="7315200" cy="1828800"/>
+          </a:xfrm>
+          <a:prstGeom prst="rect">
+            <a:avLst/>
+          </a:prstGeom>
+          <a:noFill/>
+        </p:spPr>
+        <p:txBody>
+          <a:bodyPr wrap="square">
+            <a:spAutoFit/>
+          </a:bodyPr>
+          <a:lstStyle/>
+          <a:p/>
+          <a:p>
+            <a:pPr algn="ctr">
+              <a:defRPr sz="3500">
+                <a:solidFill>
+                  <a:srgbClr val="2FBF39"/>
+                </a:solidFill>
+              </a:defRPr>
+            </a:pPr>
+            <a:r>
+              <a:t> </a:t>
             </a:r>
           </a:p>
         </p:txBody>
@@ -4040,7 +4364,7 @@
         <p:spPr>
           <a:xfrm>
             <a:off x="914400" y="457200"/>
-            <a:ext cx="7315200" cy="2971800"/>
+            <a:ext cx="7315200" cy="1828800"/>
           </a:xfrm>
           <a:prstGeom prst="rect">
             <a:avLst/>
@@ -4075,8 +4399,8 @@
         </p:nvSpPr>
         <p:spPr>
           <a:xfrm>
-            <a:off x="914400" y="3657600"/>
-            <a:ext cx="7315200" cy="2971800"/>
+            <a:off x="914400" y="2514600"/>
+            <a:ext cx="7315200" cy="1828800"/>
           </a:xfrm>
           <a:prstGeom prst="rect">
             <a:avLst/>
@@ -4099,6 +4423,42 @@
             </a:pPr>
             <a:r>
               <a:t>O Lord, my God, when I in awesome wonder Consider all the worlds Thy Hands have made I see the stars, I hear the rolling thunder Thy power throughout the universe displayed</a:t>
+            </a:r>
+          </a:p>
+        </p:txBody>
+      </p:sp>
+      <p:sp>
+        <p:nvSpPr>
+          <p:cNvPr id="4" name="TextBox 3"/>
+          <p:cNvSpPr txBox="1"/>
+          <p:nvPr/>
+        </p:nvSpPr>
+        <p:spPr>
+          <a:xfrm>
+            <a:off x="914400" y="4572000"/>
+            <a:ext cx="7315200" cy="1828800"/>
+          </a:xfrm>
+          <a:prstGeom prst="rect">
+            <a:avLst/>
+          </a:prstGeom>
+          <a:noFill/>
+        </p:spPr>
+        <p:txBody>
+          <a:bodyPr wrap="square">
+            <a:spAutoFit/>
+          </a:bodyPr>
+          <a:lstStyle/>
+          <a:p/>
+          <a:p>
+            <a:pPr algn="ctr">
+              <a:defRPr sz="3500">
+                <a:solidFill>
+                  <a:srgbClr val="2FBF39"/>
+                </a:solidFill>
+              </a:defRPr>
+            </a:pPr>
+            <a:r>
+              <a:t>เฒี้ยว เย^ซู อ่า, เยีย บู้ง เจี๊ยน เฮญี้ยว ฒั้ว หมั่ง เม่ย, เหว่ย หฒุ เฒี้ยว กั้น เหฒย ลู่ง เดี๊ย เญย หม่าน หมวด. หาย หฒั่น ปวัด เหฮลย, หาย หฒั่น ตุ๊ ไฮ บะ อง บุย, เยียม กู้ หง่าย ลู่ง ปวัด เฒี้ยว เหฒย เญย กะน้าย.</a:t>
             </a:r>
           </a:p>
         </p:txBody>
@@ -4130,7 +4490,7 @@
         <p:spPr>
           <a:xfrm>
             <a:off x="914400" y="457200"/>
-            <a:ext cx="7315200" cy="2971800"/>
+            <a:ext cx="7315200" cy="1828800"/>
           </a:xfrm>
           <a:prstGeom prst="rect">
             <a:avLst/>
@@ -4165,8 +4525,8 @@
         </p:nvSpPr>
         <p:spPr>
           <a:xfrm>
-            <a:off x="914400" y="3657600"/>
-            <a:ext cx="7315200" cy="2971800"/>
+            <a:off x="914400" y="2514600"/>
+            <a:ext cx="7315200" cy="1828800"/>
           </a:xfrm>
           <a:prstGeom prst="rect">
             <a:avLst/>
@@ -4189,6 +4549,42 @@
             </a:pPr>
             <a:r>
               <a:t>Then sings my soul, my Saviour God, to Thee How great Thou art, how great Thou art Then sings my soul, my Saviour God, to Thee How great Thou art, how great Thou art</a:t>
+            </a:r>
+          </a:p>
+        </p:txBody>
+      </p:sp>
+      <p:sp>
+        <p:nvSpPr>
+          <p:cNvPr id="4" name="TextBox 3"/>
+          <p:cNvSpPr txBox="1"/>
+          <p:nvPr/>
+        </p:nvSpPr>
+        <p:spPr>
+          <a:xfrm>
+            <a:off x="914400" y="4572000"/>
+            <a:ext cx="7315200" cy="1828800"/>
+          </a:xfrm>
+          <a:prstGeom prst="rect">
+            <a:avLst/>
+          </a:prstGeom>
+          <a:noFill/>
+        </p:spPr>
+        <p:txBody>
+          <a:bodyPr wrap="square">
+            <a:spAutoFit/>
+          </a:bodyPr>
+          <a:lstStyle/>
+          <a:p/>
+          <a:p>
+            <a:pPr algn="ctr">
+              <a:defRPr sz="3500">
+                <a:solidFill>
+                  <a:srgbClr val="2FBF39"/>
+                </a:solidFill>
+              </a:defRPr>
+            </a:pPr>
+            <a:r>
+              <a:t>เยีย หล่ง เฮญี้ยว เธง เฒี้ยว ต้ง ต้าย เหฌียว ฒุ์ย-เมี่ยน. เฒี้ยว เก้ง โฮล ไห่, เฒี้ยว เก้ง โฮล ไห่. เยีย หล่ง เฮญี้ยว เธง เฒี้ยว ต้ง ต้าย เหฌียว ฒุ์ย-เมี่ยน. เฒี้ยว เก้ง โฮล ไห่, เฒี้ยว เก้ง โฮล ไห่.</a:t>
             </a:r>
           </a:p>
         </p:txBody>

--- a/finishedppt/WorshipSongs.pptx
+++ b/finishedppt/WorshipSongs.pptx
@@ -18,6 +18,9 @@
     <p:sldId id="266" r:id="rId17"/>
     <p:sldId id="267" r:id="rId18"/>
     <p:sldId id="268" r:id="rId19"/>
+    <p:sldId id="269" r:id="rId20"/>
+    <p:sldId id="270" r:id="rId21"/>
+    <p:sldId id="271" r:id="rId22"/>
   </p:sldIdLst>
   <p:sldSz cx="9144000" cy="6858000" type="screen4x3"/>
   <p:notesSz cx="6858000" cy="9144000"/>
@@ -3116,7 +3119,7 @@
           <a:lstStyle/>
           <a:p>
             <a:r>
-              <a:t>พระคุณพระเจ้า</a:t>
+              <a:t>จงชื่นชมยินดีในพระเจ้า อยู่ทุกเวลา</a:t>
             </a:r>
           </a:p>
         </p:txBody>
@@ -3137,7 +3140,7 @@
           <a:lstStyle/>
           <a:p>
             <a:r>
-              <a:t>Amazing Grace</a:t>
+              <a:t>none</a:t>
             </a:r>
           </a:p>
         </p:txBody>
@@ -3169,7 +3172,7 @@
         <p:spPr>
           <a:xfrm>
             <a:off x="914400" y="457200"/>
-            <a:ext cx="7315200" cy="1828800"/>
+            <a:ext cx="7315200" cy="2971800"/>
           </a:xfrm>
           <a:prstGeom prst="rect">
             <a:avLst/>
@@ -3191,7 +3194,7 @@
               </a:defRPr>
             </a:pPr>
             <a:r>
-              <a:t>เมื่อข้าคิดถึง พระเจ้า ผู้ไม่ทรงเสียดาย พระบุตรองค์เดียวเสด็จมาเป็นผู้ไถ่ ถูกทรมาน ตรึงไว้บนกางเขนเพื่อข้า ข้าขอบพระคุณที่พระองค์ทรงเมตตา</a:t>
+              <a:t>หมดทั้งชีวิต หมดที่ข้าฯ มี ข้าฯ ขอวางลงจำเพาะพระพักตร์พระองค์ ทุกความรู้สึก เจ็บปวดหรือชื่นชม ยินดีหรือทุกข์ใจ มอบไว้แด่พระองค์ พระเจ้าข้าฯ มอบถวายทั้งชีวี ทั้งหมดทุกสิ่งที่มี เพื่อถวายพระสิริ</a:t>
             </a:r>
           </a:p>
         </p:txBody>
@@ -3204,8 +3207,8 @@
         </p:nvSpPr>
         <p:spPr>
           <a:xfrm>
-            <a:off x="914400" y="2514600"/>
-            <a:ext cx="7315200" cy="1828800"/>
+            <a:off x="914400" y="3657600"/>
+            <a:ext cx="7315200" cy="2971800"/>
           </a:xfrm>
           <a:prstGeom prst="rect">
             <a:avLst/>
@@ -3227,43 +3230,7 @@
               </a:defRPr>
             </a:pPr>
             <a:r>
-              <a:t>And when I think of God, His Son not sparing Sent Him to die, I scarce can take it in That on the Cross, my burden gladly bearing He bled and died to take away my sin</a:t>
-            </a:r>
-          </a:p>
-        </p:txBody>
-      </p:sp>
-      <p:sp>
-        <p:nvSpPr>
-          <p:cNvPr id="4" name="TextBox 3"/>
-          <p:cNvSpPr txBox="1"/>
-          <p:nvPr/>
-        </p:nvSpPr>
-        <p:spPr>
-          <a:xfrm>
-            <a:off x="914400" y="4572000"/>
-            <a:ext cx="7315200" cy="1828800"/>
-          </a:xfrm>
-          <a:prstGeom prst="rect">
-            <a:avLst/>
-          </a:prstGeom>
-          <a:noFill/>
-        </p:spPr>
-        <p:txBody>
-          <a:bodyPr wrap="square">
-            <a:spAutoFit/>
-          </a:bodyPr>
-          <a:lstStyle/>
-          <a:p/>
-          <a:p>
-            <a:pPr algn="ctr">
-              <a:defRPr sz="3500">
-                <a:solidFill>
-                  <a:srgbClr val="2FBF39"/>
-                </a:solidFill>
-              </a:defRPr>
-            </a:pPr>
-            <a:r>
-              <a:t>หาย หฒั่น ฮนั้ม เถา, ทิน-ฮู่ง นิ่น เก้ง ไม้ ค้อ-ฟิ. นิ่น เญย โดะ ตอน เหฌี่ย ต้าย เถง เมี่ยน เถย ฒุ์ย. หฒุ เสี่ยว โค้ว หน่าน, ตีง วั้ว เหฒียบ หฑั่ง จ๋า เหว่ย เยีย. เยีย ต้อ เหฒี่ย เฒี้ยว, เหว่ย เฒี้ยว ค้อ-เลี่ยน เยีย บัว.</a:t>
+              <a:t>All that I am, all that I have. I lay them down before you, oh Lord. All my regrets, all my acclaims. The joy and the pain, I'm making them yours.</a:t>
             </a:r>
           </a:p>
         </p:txBody>
@@ -3295,7 +3262,7 @@
         <p:spPr>
           <a:xfrm>
             <a:off x="914400" y="457200"/>
-            <a:ext cx="7315200" cy="1828800"/>
+            <a:ext cx="7315200" cy="2971800"/>
           </a:xfrm>
           <a:prstGeom prst="rect">
             <a:avLst/>
@@ -3317,7 +3284,7 @@
               </a:defRPr>
             </a:pPr>
             <a:r>
-              <a:t>จิตข้าสรรเสริญ พระเจ้าองค์พระผู้ช่วย พระเจ้ายิ่งใหญ่ พระเจ้ายิ่งใหญ่ จิตข้าสรรเสริญ พระเจ้าองค์พระผู้ช่วย พระเจ้ายิ่งใหญ่ พระเจ้ายิ่งใหญ่</a:t>
+              <a:t>พระเจ้าข้าฯ มอบทุกวันคืนที่มี เพื่อสรรเสริญทั้งชีวี เป็นเครื่องบูชาที่พอพระทัย พระเจ้าข้าฯ มอบชีวิตถวาย</a:t>
             </a:r>
           </a:p>
         </p:txBody>
@@ -3330,8 +3297,8 @@
         </p:nvSpPr>
         <p:spPr>
           <a:xfrm>
-            <a:off x="914400" y="2514600"/>
-            <a:ext cx="7315200" cy="1828800"/>
+            <a:off x="914400" y="3657600"/>
+            <a:ext cx="7315200" cy="2971800"/>
           </a:xfrm>
           <a:prstGeom prst="rect">
             <a:avLst/>
@@ -3353,43 +3320,7 @@
               </a:defRPr>
             </a:pPr>
             <a:r>
-              <a:t>Then sings my soul, my Saviour God, to Thee How great Thou art, how great Thou art Then sings my soul, my Saviour God, to Thee How great Thou art, how great Thou art</a:t>
-            </a:r>
-          </a:p>
-        </p:txBody>
-      </p:sp>
-      <p:sp>
-        <p:nvSpPr>
-          <p:cNvPr id="4" name="TextBox 3"/>
-          <p:cNvSpPr txBox="1"/>
-          <p:nvPr/>
-        </p:nvSpPr>
-        <p:spPr>
-          <a:xfrm>
-            <a:off x="914400" y="4572000"/>
-            <a:ext cx="7315200" cy="1828800"/>
-          </a:xfrm>
-          <a:prstGeom prst="rect">
-            <a:avLst/>
-          </a:prstGeom>
-          <a:noFill/>
-        </p:spPr>
-        <p:txBody>
-          <a:bodyPr wrap="square">
-            <a:spAutoFit/>
-          </a:bodyPr>
-          <a:lstStyle/>
-          <a:p/>
-          <a:p>
-            <a:pPr algn="ctr">
-              <a:defRPr sz="3500">
-                <a:solidFill>
-                  <a:srgbClr val="2FBF39"/>
-                </a:solidFill>
-              </a:defRPr>
-            </a:pPr>
-            <a:r>
-              <a:t>เยีย หล่ง เฮญี้ยว เธง เฒี้ยว ต้ง ต้าย เหฌียว ฒุ์ย-เมี่ยน. เฒี้ยว เก้ง โฮล ไห่, เฒี้ยว เก้ง โฮล ไห่. เยีย หล่ง เฮญี้ยว เธง เฒี้ยว ต้ง ต้าย เหฌียว ฒุ์ย-เมี่ยน. เฒี้ยว เก้ง โฮล ไห่, เฒี้ยว เก้ง โฮล ไห่.</a:t>
+              <a:t>Lord, I offer my life to you. Everything I've been through. Use it for your glory. Lord I offer my days to you. Lifting my praise to you. As a pleasing sacrifice. Lord I offer you my life.</a:t>
             </a:r>
           </a:p>
         </p:txBody>
@@ -3421,7 +3352,7 @@
         <p:spPr>
           <a:xfrm>
             <a:off x="914400" y="457200"/>
-            <a:ext cx="7315200" cy="1828800"/>
+            <a:ext cx="7315200" cy="2971800"/>
           </a:xfrm>
           <a:prstGeom prst="rect">
             <a:avLst/>
@@ -3443,7 +3374,7 @@
               </a:defRPr>
             </a:pPr>
             <a:r>
-              <a:t>พระคริสต์กลับมา ด้วยเสียงแตรดังก้องเวหา เพื่อมารับข้า กลับไปอยู่ในเมืองฟ้า ข้าจะกราบลง ที่พระบาทาด้วยถ่อมใจ และสรรเสริญว่า พระเจ้าของข้ายิ่งใหญ่</a:t>
+              <a:t>สิ่งที่เคยพบ สิ่งที่จะเจอ ทุกความต้องการ และทุกๆ ความใฝ่ฝัน ทุกความหวังใจ และในทุกแผนการ ชูมือและใจข้าฯ ถวายแด่พระองค์</a:t>
             </a:r>
           </a:p>
         </p:txBody>
@@ -3456,8 +3387,8 @@
         </p:nvSpPr>
         <p:spPr>
           <a:xfrm>
-            <a:off x="914400" y="2514600"/>
-            <a:ext cx="7315200" cy="1828800"/>
+            <a:off x="914400" y="3657600"/>
+            <a:ext cx="7315200" cy="2971800"/>
           </a:xfrm>
           <a:prstGeom prst="rect">
             <a:avLst/>
@@ -3479,43 +3410,7 @@
               </a:defRPr>
             </a:pPr>
             <a:r>
-              <a:t>When Christ shall come with shout of acclamation And lead me home, what joy shall fill my heart Then I shall bow with humble adoration And then proclaim, my God, how great Thou art</a:t>
-            </a:r>
-          </a:p>
-        </p:txBody>
-      </p:sp>
-      <p:sp>
-        <p:nvSpPr>
-          <p:cNvPr id="4" name="TextBox 3"/>
-          <p:cNvSpPr txBox="1"/>
-          <p:nvPr/>
-        </p:nvSpPr>
-        <p:spPr>
-          <a:xfrm>
-            <a:off x="914400" y="4572000"/>
-            <a:ext cx="7315200" cy="1828800"/>
-          </a:xfrm>
-          <a:prstGeom prst="rect">
-            <a:avLst/>
-          </a:prstGeom>
-          <a:noFill/>
-        </p:spPr>
-        <p:txBody>
-          <a:bodyPr wrap="square">
-            <a:spAutoFit/>
-          </a:bodyPr>
-          <a:lstStyle/>
-          <a:p/>
-          <a:p>
-            <a:pPr algn="ctr">
-              <a:defRPr sz="3500">
-                <a:solidFill>
-                  <a:srgbClr val="2FBF39"/>
-                </a:solidFill>
-              </a:defRPr>
-            </a:pPr>
-            <a:r>
-              <a:t>เฒี้ยว ต้าย เญย ฮนอย ม่าย หฑัด บุย ไห่ ปวั๊ง ลู่ง มี่ง. นิ่น ต้าย ต้อ เยีย หฑวน มี่ง เยียม วั้ว ทิน-ต้อง. เยีย อ๋อย เกว่ย เหฌี่ย เยียม นิ่น หฑะเฮมียน ไม้ เธง-โฮล, แอ๋ง เธง นิ่น ก๊อง, “เยีย เญย เฒี้ยว เก้ง โฮล ไห่.”</a:t>
+              <a:t>Things in the past, things yet unseen. Wishes and dreams that are yet to come true. All of my heart, all of my praise. My heart and my hands are lifted to you.</a:t>
             </a:r>
           </a:p>
         </p:txBody>
@@ -3547,7 +3442,7 @@
         <p:spPr>
           <a:xfrm>
             <a:off x="914400" y="457200"/>
-            <a:ext cx="7315200" cy="1828800"/>
+            <a:ext cx="7315200" cy="2971800"/>
           </a:xfrm>
           <a:prstGeom prst="rect">
             <a:avLst/>
@@ -3569,7 +3464,7 @@
               </a:defRPr>
             </a:pPr>
             <a:r>
-              <a:t>จิตข้าสรรเสริญ พระเจ้าองค์พระผู้ช่วย พระเจ้ายิ่งใหญ่ พระเจ้ายิ่งใหญ่ จิตข้าสรรเสริญ พระเจ้าองค์พระผู้ช่วย พระเจ้ายิ่งใหญ่ พระเจ้ายิ่งใหญ่</a:t>
+              <a:t>พระเจ้าข้าฯ มอบทุกวันคืนที่มี เพื่อสรรเสริญทั้งชีวี เป็นเครื่องบูชาที่พอพระทัย พระเจ้าข้าฯ มอบชีวิตถวาย</a:t>
             </a:r>
           </a:p>
         </p:txBody>
@@ -3582,8 +3477,8 @@
         </p:nvSpPr>
         <p:spPr>
           <a:xfrm>
-            <a:off x="914400" y="2514600"/>
-            <a:ext cx="7315200" cy="1828800"/>
+            <a:off x="914400" y="3657600"/>
+            <a:ext cx="7315200" cy="2971800"/>
           </a:xfrm>
           <a:prstGeom prst="rect">
             <a:avLst/>
@@ -3605,21 +3500,99 @@
               </a:defRPr>
             </a:pPr>
             <a:r>
-              <a:t>Then sings my soul, my Saviour God, to Thee How great Thou art, how great Thou art Then sings my soul, my Saviour God, to Thee How great Thou art, how great Thou art</a:t>
-            </a:r>
-          </a:p>
-        </p:txBody>
-      </p:sp>
-      <p:sp>
-        <p:nvSpPr>
-          <p:cNvPr id="4" name="TextBox 3"/>
+              <a:t>Lord, I offer my life to you. Everything I've been through. Use it for your glory. Lord I offer my days to you. Lifting my praise to you. As a pleasing sacrifice. Lord I offer you my life.</a:t>
+            </a:r>
+          </a:p>
+        </p:txBody>
+      </p:sp>
+    </p:spTree>
+  </p:cSld>
+  <p:clrMapOvr>
+    <a:masterClrMapping/>
+  </p:clrMapOvr>
+</p:sld>
+</file>
+
+<file path=ppt/slides/slide14.xml><?xml version="1.0" encoding="utf-8"?>
+<p:sld xmlns:a="http://schemas.openxmlformats.org/drawingml/2006/main" xmlns:p="http://schemas.openxmlformats.org/presentationml/2006/main" xmlns:r="http://schemas.openxmlformats.org/officeDocument/2006/relationships">
+  <p:cSld>
+    <p:spTree>
+      <p:nvGrpSpPr>
+        <p:cNvPr id="1" name=""/>
+        <p:cNvGrpSpPr/>
+        <p:nvPr/>
+      </p:nvGrpSpPr>
+      <p:grpSpPr/>
+      <p:sp>
+        <p:nvSpPr>
+          <p:cNvPr id="2" name="Title 1"/>
+          <p:cNvSpPr>
+            <a:spLocks noGrp="1"/>
+          </p:cNvSpPr>
+          <p:nvPr>
+            <p:ph type="ctrTitle"/>
+          </p:nvPr>
+        </p:nvSpPr>
+        <p:spPr/>
+        <p:txBody>
+          <a:bodyPr/>
+          <a:lstStyle/>
+          <a:p>
+            <a:r>
+              <a:t>ถวายตัว</a:t>
+            </a:r>
+          </a:p>
+        </p:txBody>
+      </p:sp>
+      <p:sp>
+        <p:nvSpPr>
+          <p:cNvPr id="3" name="Subtitle 2"/>
+          <p:cNvSpPr>
+            <a:spLocks noGrp="1"/>
+          </p:cNvSpPr>
+          <p:nvPr>
+            <p:ph type="subTitle" idx="1"/>
+          </p:nvPr>
+        </p:nvSpPr>
+        <p:spPr/>
+        <p:txBody>
+          <a:bodyPr/>
+          <a:lstStyle/>
+          <a:p>
+            <a:r>
+              <a:t>none</a:t>
+            </a:r>
+          </a:p>
+        </p:txBody>
+      </p:sp>
+    </p:spTree>
+  </p:cSld>
+  <p:clrMapOvr>
+    <a:masterClrMapping/>
+  </p:clrMapOvr>
+</p:sld>
+</file>
+
+<file path=ppt/slides/slide15.xml><?xml version="1.0" encoding="utf-8"?>
+<p:sld xmlns:a="http://schemas.openxmlformats.org/drawingml/2006/main" xmlns:p="http://schemas.openxmlformats.org/presentationml/2006/main" xmlns:r="http://schemas.openxmlformats.org/officeDocument/2006/relationships">
+  <p:cSld>
+    <p:spTree>
+      <p:nvGrpSpPr>
+        <p:cNvPr id="1" name=""/>
+        <p:cNvGrpSpPr/>
+        <p:nvPr/>
+      </p:nvGrpSpPr>
+      <p:grpSpPr/>
+      <p:sp>
+        <p:nvSpPr>
+          <p:cNvPr id="2" name="TextBox 1"/>
           <p:cNvSpPr txBox="1"/>
           <p:nvPr/>
         </p:nvSpPr>
         <p:spPr>
           <a:xfrm>
-            <a:off x="914400" y="4572000"/>
-            <a:ext cx="7315200" cy="1828800"/>
+            <a:off x="914400" y="914400"/>
+            <a:ext cx="7315200" cy="5486400"/>
           </a:xfrm>
           <a:prstGeom prst="rect">
             <a:avLst/>
@@ -3636,12 +3609,66 @@
             <a:pPr algn="ctr">
               <a:defRPr sz="3500">
                 <a:solidFill>
-                  <a:srgbClr val="2FBF39"/>
+                  <a:srgbClr val="000000"/>
                 </a:solidFill>
               </a:defRPr>
             </a:pPr>
             <a:r>
-              <a:t>เยีย หล่ง เฮญี้ยว เธง เฒี้ยว ต้ง ต้าย เหฌียว ฒุ์ย-เมี่ยน. เฒี้ยว เก้ง โฮล ไห่, เฒี้ยว เก้ง โฮล ไห่. เยีย หล่ง เฮญี้ยว เธง เฒี้ยว ต้ง ต้าย เหฌียว ฒุ์ย-เมี่ยน. เฒี้ยว เก้ง โฮล ไห่, เฒี้ยว เก้ง โฮล ไห่.</a:t>
+              <a:t>ทุกครั้งที่ฉันเฝ้าภาวนา ได้ยินเสียงเรียก มาจากเบื้องบน เป็นเหมือนเสียงกระซิบข้างหู เร้าภายในด้วยความสุขล้น บอกฉันเบื้องบนให้ฉันถวายตัว</a:t>
+            </a:r>
+          </a:p>
+        </p:txBody>
+      </p:sp>
+    </p:spTree>
+  </p:cSld>
+  <p:clrMapOvr>
+    <a:masterClrMapping/>
+  </p:clrMapOvr>
+</p:sld>
+</file>
+
+<file path=ppt/slides/slide16.xml><?xml version="1.0" encoding="utf-8"?>
+<p:sld xmlns:a="http://schemas.openxmlformats.org/drawingml/2006/main" xmlns:p="http://schemas.openxmlformats.org/presentationml/2006/main" xmlns:r="http://schemas.openxmlformats.org/officeDocument/2006/relationships">
+  <p:cSld>
+    <p:spTree>
+      <p:nvGrpSpPr>
+        <p:cNvPr id="1" name=""/>
+        <p:cNvGrpSpPr/>
+        <p:nvPr/>
+      </p:nvGrpSpPr>
+      <p:grpSpPr/>
+      <p:sp>
+        <p:nvSpPr>
+          <p:cNvPr id="2" name="TextBox 1"/>
+          <p:cNvSpPr txBox="1"/>
+          <p:nvPr/>
+        </p:nvSpPr>
+        <p:spPr>
+          <a:xfrm>
+            <a:off x="914400" y="914400"/>
+            <a:ext cx="7315200" cy="5486400"/>
+          </a:xfrm>
+          <a:prstGeom prst="rect">
+            <a:avLst/>
+          </a:prstGeom>
+          <a:noFill/>
+        </p:spPr>
+        <p:txBody>
+          <a:bodyPr wrap="square">
+            <a:spAutoFit/>
+          </a:bodyPr>
+          <a:lstStyle/>
+          <a:p/>
+          <a:p>
+            <a:pPr algn="ctr">
+              <a:defRPr sz="3500">
+                <a:solidFill>
+                  <a:srgbClr val="000000"/>
+                </a:solidFill>
+              </a:defRPr>
+            </a:pPr>
+            <a:r>
+              <a:t>*หมดใจเรียกร้อง ให้เททั้งหัวใจ หมดกายเรียกร้อง ให้มอบถวาย หากเป็นสิ่งที่พระวิญญาณ อยากให้ตัดสินใจ ฉันพร้อมจะไป ฉันพร้อมจะเป็นทุกอย่าง</a:t>
             </a:r>
           </a:p>
         </p:txBody>
@@ -3672,8 +3699,8 @@
         </p:nvSpPr>
         <p:spPr>
           <a:xfrm>
-            <a:off x="914400" y="457200"/>
-            <a:ext cx="7315200" cy="1828800"/>
+            <a:off x="914400" y="914400"/>
+            <a:ext cx="7315200" cy="5486400"/>
           </a:xfrm>
           <a:prstGeom prst="rect">
             <a:avLst/>
@@ -3695,79 +3722,7 @@
               </a:defRPr>
             </a:pPr>
             <a:r>
-              <a:t>พระคุณพระเจ้านั้นแสนชื่นใจ ช่วยได้คนชั่วอย่างฉัน ครั้งนั้นฉันหลงพระองค์ตามหา ตาบอดแต่ฉันเห็นแล้ว</a:t>
-            </a:r>
-          </a:p>
-        </p:txBody>
-      </p:sp>
-      <p:sp>
-        <p:nvSpPr>
-          <p:cNvPr id="3" name="TextBox 2"/>
-          <p:cNvSpPr txBox="1"/>
-          <p:nvPr/>
-        </p:nvSpPr>
-        <p:spPr>
-          <a:xfrm>
-            <a:off x="914400" y="2514600"/>
-            <a:ext cx="7315200" cy="1828800"/>
-          </a:xfrm>
-          <a:prstGeom prst="rect">
-            <a:avLst/>
-          </a:prstGeom>
-          <a:noFill/>
-        </p:spPr>
-        <p:txBody>
-          <a:bodyPr wrap="square">
-            <a:spAutoFit/>
-          </a:bodyPr>
-          <a:lstStyle/>
-          <a:p/>
-          <a:p>
-            <a:pPr algn="ctr">
-              <a:defRPr sz="3500">
-                <a:solidFill>
-                  <a:srgbClr val="3A70BC"/>
-                </a:solidFill>
-              </a:defRPr>
-            </a:pPr>
-            <a:r>
-              <a:t>AMAZING GRACE HOW SWEET THE SOUND THAT SAVED A WRETCH LIKE ME! I ONCE WAS LOST, BUT NOW AM FOUND WAS BLIND, BUT NOW I SEE</a:t>
-            </a:r>
-          </a:p>
-        </p:txBody>
-      </p:sp>
-      <p:sp>
-        <p:nvSpPr>
-          <p:cNvPr id="4" name="TextBox 3"/>
-          <p:cNvSpPr txBox="1"/>
-          <p:nvPr/>
-        </p:nvSpPr>
-        <p:spPr>
-          <a:xfrm>
-            <a:off x="914400" y="4572000"/>
-            <a:ext cx="7315200" cy="1828800"/>
-          </a:xfrm>
-          <a:prstGeom prst="rect">
-            <a:avLst/>
-          </a:prstGeom>
-          <a:noFill/>
-        </p:spPr>
-        <p:txBody>
-          <a:bodyPr wrap="square">
-            <a:spAutoFit/>
-          </a:bodyPr>
-          <a:lstStyle/>
-          <a:p/>
-          <a:p>
-            <a:pPr algn="ctr">
-              <a:defRPr sz="3500">
-                <a:solidFill>
-                  <a:srgbClr val="2FBF39"/>
-                </a:solidFill>
-              </a:defRPr>
-            </a:pPr>
-            <a:r>
-              <a:t>หฒอย โฮล เญย เอน, หฒะเก้ง คู้ เฝียน, เย^ซู ต้าย ล์อ เหฌียว เยีย. เยีย มฒีง แม่ง เมี่ยน, นิ่น เถง ปวัด ฌัง, ต่อง เจ๊า, นิ่น ต้าย ล์อ เยีย.</a:t>
+              <a:t>จงชื่นชมยินดีในพระเจ้า อยู่ทุกเวลา จงชื่นชมยินดีในพระองค์ อยู่เสมอไป จงชื่นชมยินดีในพระเจ้า อยู่ทุกเวลา จงชื่นชมยินดีในพระองค์ พระเจ้าของเรา</a:t>
             </a:r>
           </a:p>
         </p:txBody>
@@ -3798,8 +3753,8 @@
         </p:nvSpPr>
         <p:spPr>
           <a:xfrm>
-            <a:off x="914400" y="457200"/>
-            <a:ext cx="7315200" cy="1828800"/>
+            <a:off x="914400" y="914400"/>
+            <a:ext cx="7315200" cy="5486400"/>
           </a:xfrm>
           <a:prstGeom prst="rect">
             <a:avLst/>
@@ -3821,79 +3776,7 @@
               </a:defRPr>
             </a:pPr>
             <a:r>
-              <a:t>บ่วงมารวางไว้ทุกข์ภัยหลายอย่าง ตามทางฉันพ้นมาแล้ว แต่เพราะพระคุณฉันจึงคลาดแคล้ว พระองค์นำฉันกลับบ้าน</a:t>
-            </a:r>
-          </a:p>
-        </p:txBody>
-      </p:sp>
-      <p:sp>
-        <p:nvSpPr>
-          <p:cNvPr id="3" name="TextBox 2"/>
-          <p:cNvSpPr txBox="1"/>
-          <p:nvPr/>
-        </p:nvSpPr>
-        <p:spPr>
-          <a:xfrm>
-            <a:off x="914400" y="2514600"/>
-            <a:ext cx="7315200" cy="1828800"/>
-          </a:xfrm>
-          <a:prstGeom prst="rect">
-            <a:avLst/>
-          </a:prstGeom>
-          <a:noFill/>
-        </p:spPr>
-        <p:txBody>
-          <a:bodyPr wrap="square">
-            <a:spAutoFit/>
-          </a:bodyPr>
-          <a:lstStyle/>
-          <a:p/>
-          <a:p>
-            <a:pPr algn="ctr">
-              <a:defRPr sz="3500">
-                <a:solidFill>
-                  <a:srgbClr val="3A70BC"/>
-                </a:solidFill>
-              </a:defRPr>
-            </a:pPr>
-            <a:r>
-              <a:t>Twas grace that taught my heart to fear, And grace my fears relieved; How precious did that grace appear the hour I first believed.</a:t>
-            </a:r>
-          </a:p>
-        </p:txBody>
-      </p:sp>
-      <p:sp>
-        <p:nvSpPr>
-          <p:cNvPr id="4" name="TextBox 3"/>
-          <p:cNvSpPr txBox="1"/>
-          <p:nvPr/>
-        </p:nvSpPr>
-        <p:spPr>
-          <a:xfrm>
-            <a:off x="914400" y="4572000"/>
-            <a:ext cx="7315200" cy="1828800"/>
-          </a:xfrm>
-          <a:prstGeom prst="rect">
-            <a:avLst/>
-          </a:prstGeom>
-          <a:noFill/>
-        </p:spPr>
-        <p:txBody>
-          <a:bodyPr wrap="square">
-            <a:spAutoFit/>
-          </a:bodyPr>
-          <a:lstStyle/>
-          <a:p/>
-          <a:p>
-            <a:pPr algn="ctr">
-              <a:defRPr sz="3500">
-                <a:solidFill>
-                  <a:srgbClr val="2FBF39"/>
-                </a:solidFill>
-              </a:defRPr>
-            </a:pPr>
-            <a:r>
-              <a:t>ทิน-ฮู่ง เญย เอน หฌาว เยีย ท่าย นิ่น, อ๋อย ปุน เยีย เสียน เขา นิ่น. ต้ง นิ่น เหธย เอน เถง ไม้ กั้ม เหฑีย, ปุน นิ่น เญย แป้ง ออน เปียะ.</a:t>
+              <a:t>*อย่าให้ท่านทุกข์ร้อนในสิ่งใด แต่จงทูลทุกสิ่งต่อพระองค์ ด้วยการอธิษฐาน และการวิงวอนขอบพระคุณ แล้วสันติสุขในพระเจ้า จะคุ้มครองความคิดและจิตใจ ให้ท่านพักสงบ ในองค์พระเยซูผู้เดียว</a:t>
             </a:r>
           </a:p>
         </p:txBody>
@@ -3918,109 +3801,42 @@
       <p:grpSpPr/>
       <p:sp>
         <p:nvSpPr>
-          <p:cNvPr id="2" name="TextBox 1"/>
-          <p:cNvSpPr txBox="1"/>
-          <p:nvPr/>
-        </p:nvSpPr>
-        <p:spPr>
-          <a:xfrm>
-            <a:off x="914400" y="457200"/>
-            <a:ext cx="7315200" cy="1828800"/>
-          </a:xfrm>
-          <a:prstGeom prst="rect">
-            <a:avLst/>
-          </a:prstGeom>
-          <a:noFill/>
-        </p:spPr>
-        <p:txBody>
-          <a:bodyPr wrap="square">
-            <a:spAutoFit/>
-          </a:bodyPr>
-          <a:lstStyle/>
-          <a:p/>
-          <a:p>
-            <a:pPr algn="ctr">
-              <a:defRPr sz="3500">
-                <a:solidFill>
-                  <a:srgbClr val="000000"/>
-                </a:solidFill>
-              </a:defRPr>
-            </a:pPr>
-            <a:r>
-              <a:t>พระคุณสอนให้ใจฉันยำเกรง เร่งให้ความกลัวต้องหนี พระคุณอันเลิศประเสริฐยิ่งใหญ่ ไม่มีหมู่มารได้ชัย</a:t>
-            </a:r>
-            <a:br/>
-          </a:p>
-        </p:txBody>
-      </p:sp>
-      <p:sp>
-        <p:nvSpPr>
-          <p:cNvPr id="3" name="TextBox 2"/>
-          <p:cNvSpPr txBox="1"/>
-          <p:nvPr/>
-        </p:nvSpPr>
-        <p:spPr>
-          <a:xfrm>
-            <a:off x="914400" y="2514600"/>
-            <a:ext cx="7315200" cy="1828800"/>
-          </a:xfrm>
-          <a:prstGeom prst="rect">
-            <a:avLst/>
-          </a:prstGeom>
-          <a:noFill/>
-        </p:spPr>
-        <p:txBody>
-          <a:bodyPr wrap="square">
-            <a:spAutoFit/>
-          </a:bodyPr>
-          <a:lstStyle/>
-          <a:p/>
-          <a:p>
-            <a:pPr algn="ctr">
-              <a:defRPr sz="3500">
-                <a:solidFill>
-                  <a:srgbClr val="3A70BC"/>
-                </a:solidFill>
-              </a:defRPr>
-            </a:pPr>
-            <a:r>
-              <a:t>Through many dangers, toils and snares, I have already come. 'tis grace that brought me safe thus far, and grace will lead us home.</a:t>
-            </a:r>
-          </a:p>
-        </p:txBody>
-      </p:sp>
-      <p:sp>
-        <p:nvSpPr>
-          <p:cNvPr id="4" name="TextBox 3"/>
-          <p:cNvSpPr txBox="1"/>
-          <p:nvPr/>
-        </p:nvSpPr>
-        <p:spPr>
-          <a:xfrm>
-            <a:off x="914400" y="4572000"/>
-            <a:ext cx="7315200" cy="1828800"/>
-          </a:xfrm>
-          <a:prstGeom prst="rect">
-            <a:avLst/>
-          </a:prstGeom>
-          <a:noFill/>
-        </p:spPr>
-        <p:txBody>
-          <a:bodyPr wrap="square">
-            <a:spAutoFit/>
-          </a:bodyPr>
-          <a:lstStyle/>
-          <a:p/>
-          <a:p>
-            <a:pPr algn="ctr">
-              <a:defRPr sz="3500">
-                <a:solidFill>
-                  <a:srgbClr val="2FBF39"/>
-                </a:solidFill>
-              </a:defRPr>
-            </a:pPr>
-            <a:r>
-              <a:t>ยั่ง เจี๋ย เญย เจ๊า หฒะเก้ง ฮยวัง-เฮยี้ยน, นิ่น หย่า ต้อ เยีย เถา น้าย เหว่ย เฒี้ยว เญย เอน ต้อ เยีย ซิ้ม ฆอย, นิ่น อย่า อ๋อย เคน เถา เปย๊า.</a:t>
+          <p:cNvPr id="2" name="Title 1"/>
+          <p:cNvSpPr>
+            <a:spLocks noGrp="1"/>
+          </p:cNvSpPr>
+          <p:nvPr>
+            <p:ph type="ctrTitle"/>
+          </p:nvPr>
+        </p:nvSpPr>
+        <p:spPr/>
+        <p:txBody>
+          <a:bodyPr/>
+          <a:lstStyle/>
+          <a:p>
+            <a:r>
+              <a:t>โมทนาขอบพระคุณพระเจ้า</a:t>
+            </a:r>
+          </a:p>
+        </p:txBody>
+      </p:sp>
+      <p:sp>
+        <p:nvSpPr>
+          <p:cNvPr id="3" name="Subtitle 2"/>
+          <p:cNvSpPr>
+            <a:spLocks noGrp="1"/>
+          </p:cNvSpPr>
+          <p:nvPr>
+            <p:ph type="subTitle" idx="1"/>
+          </p:nvPr>
+        </p:nvSpPr>
+        <p:spPr/>
+        <p:txBody>
+          <a:bodyPr/>
+          <a:lstStyle/>
+          <a:p>
+            <a:r>
+              <a:t>none</a:t>
             </a:r>
           </a:p>
         </p:txBody>
@@ -4051,8 +3867,8 @@
         </p:nvSpPr>
         <p:spPr>
           <a:xfrm>
-            <a:off x="914400" y="457200"/>
-            <a:ext cx="7315200" cy="1828800"/>
+            <a:off x="914400" y="914400"/>
+            <a:ext cx="7315200" cy="5486400"/>
           </a:xfrm>
           <a:prstGeom prst="rect">
             <a:avLst/>
@@ -4074,79 +3890,7 @@
               </a:defRPr>
             </a:pPr>
             <a:r>
-              <a:t>พระเจ้าประทานแต่สิ่งที่ดี พระธรรมให้มีความหวัง พระองค์คุ้มครองป้องกันทุกที เมื่อมีสิ่งชั่วบีฑา</a:t>
-            </a:r>
-          </a:p>
-        </p:txBody>
-      </p:sp>
-      <p:sp>
-        <p:nvSpPr>
-          <p:cNvPr id="3" name="TextBox 2"/>
-          <p:cNvSpPr txBox="1"/>
-          <p:nvPr/>
-        </p:nvSpPr>
-        <p:spPr>
-          <a:xfrm>
-            <a:off x="914400" y="2514600"/>
-            <a:ext cx="7315200" cy="1828800"/>
-          </a:xfrm>
-          <a:prstGeom prst="rect">
-            <a:avLst/>
-          </a:prstGeom>
-          <a:noFill/>
-        </p:spPr>
-        <p:txBody>
-          <a:bodyPr wrap="square">
-            <a:spAutoFit/>
-          </a:bodyPr>
-          <a:lstStyle/>
-          <a:p/>
-          <a:p>
-            <a:pPr algn="ctr">
-              <a:defRPr sz="3500">
-                <a:solidFill>
-                  <a:srgbClr val="3A70BC"/>
-                </a:solidFill>
-              </a:defRPr>
-            </a:pPr>
-            <a:r>
-              <a:t>The Lord hath promised good to me, His word my hope secures; He will my shield and portion be As long as life endures.</a:t>
-            </a:r>
-          </a:p>
-        </p:txBody>
-      </p:sp>
-      <p:sp>
-        <p:nvSpPr>
-          <p:cNvPr id="4" name="TextBox 3"/>
-          <p:cNvSpPr txBox="1"/>
-          <p:nvPr/>
-        </p:nvSpPr>
-        <p:spPr>
-          <a:xfrm>
-            <a:off x="914400" y="4572000"/>
-            <a:ext cx="7315200" cy="1828800"/>
-          </a:xfrm>
-          <a:prstGeom prst="rect">
-            <a:avLst/>
-          </a:prstGeom>
-          <a:noFill/>
-        </p:spPr>
-        <p:txBody>
-          <a:bodyPr wrap="square">
-            <a:spAutoFit/>
-          </a:bodyPr>
-          <a:lstStyle/>
-          <a:p/>
-          <a:p>
-            <a:pPr algn="ctr">
-              <a:defRPr sz="3500">
-                <a:solidFill>
-                  <a:srgbClr val="2FBF39"/>
-                </a:solidFill>
-              </a:defRPr>
-            </a:pPr>
-            <a:r>
-              <a:t>เยียม วั้ว ทิน-ต้อง ตุ๊ เหฒีย ธิน หฮญัง, เก้า ฌัง-หล่าง เจี๋ย บะฮนอย. เยีย แอ๋ง ม่าย เฒี่ยง โห่ เธง หฒั่ง เตี๋ย, หธ่อ ฮนั้ง เยียม เจี๋ย กอน นอ</a:t>
+              <a:t>โมทนาขอบพระคุณพระเจ้า เพราะพระองค์ได้ทรงกระทำสิ่งมากมาย โมทนาขอบพระคุณพระเจ้า เพราะพระองค์ได้ทรงกระทำสิ่งมากมาย</a:t>
             </a:r>
           </a:p>
         </p:txBody>
@@ -4177,8 +3921,8 @@
         </p:nvSpPr>
         <p:spPr>
           <a:xfrm>
-            <a:off x="914400" y="457200"/>
-            <a:ext cx="7315200" cy="1828800"/>
+            <a:off x="914400" y="914400"/>
+            <a:ext cx="7315200" cy="5486400"/>
           </a:xfrm>
           <a:prstGeom prst="rect">
             <a:avLst/>
@@ -4200,79 +3944,7 @@
               </a:defRPr>
             </a:pPr>
             <a:r>
-              <a:t>เมื่อเราได้ไปอยู่เมืองสวรรค์ ช้านานนับหลายพันปี ยังมีเวลาร้องเพลงสรรเสริญ เท่ากันกับเมื่อเริ่มต้น</a:t>
-            </a:r>
-          </a:p>
-        </p:txBody>
-      </p:sp>
-      <p:sp>
-        <p:nvSpPr>
-          <p:cNvPr id="3" name="TextBox 2"/>
-          <p:cNvSpPr txBox="1"/>
-          <p:nvPr/>
-        </p:nvSpPr>
-        <p:spPr>
-          <a:xfrm>
-            <a:off x="914400" y="2514600"/>
-            <a:ext cx="7315200" cy="1828800"/>
-          </a:xfrm>
-          <a:prstGeom prst="rect">
-            <a:avLst/>
-          </a:prstGeom>
-          <a:noFill/>
-        </p:spPr>
-        <p:txBody>
-          <a:bodyPr wrap="square">
-            <a:spAutoFit/>
-          </a:bodyPr>
-          <a:lstStyle/>
-          <a:p/>
-          <a:p>
-            <a:pPr algn="ctr">
-              <a:defRPr sz="3500">
-                <a:solidFill>
-                  <a:srgbClr val="3A70BC"/>
-                </a:solidFill>
-              </a:defRPr>
-            </a:pPr>
-            <a:r>
-              <a:t>When we’ve been there ten thousand years, Bright shining as the sun, We’ve no less days to sing God’s praise Than when we first begun</a:t>
-            </a:r>
-          </a:p>
-        </p:txBody>
-      </p:sp>
-      <p:sp>
-        <p:nvSpPr>
-          <p:cNvPr id="4" name="TextBox 3"/>
-          <p:cNvSpPr txBox="1"/>
-          <p:nvPr/>
-        </p:nvSpPr>
-        <p:spPr>
-          <a:xfrm>
-            <a:off x="914400" y="4572000"/>
-            <a:ext cx="7315200" cy="1828800"/>
-          </a:xfrm>
-          <a:prstGeom prst="rect">
-            <a:avLst/>
-          </a:prstGeom>
-          <a:noFill/>
-        </p:spPr>
-        <p:txBody>
-          <a:bodyPr wrap="square">
-            <a:spAutoFit/>
-          </a:bodyPr>
-          <a:lstStyle/>
-          <a:p/>
-          <a:p>
-            <a:pPr algn="ctr">
-              <a:defRPr sz="3500">
-                <a:solidFill>
-                  <a:srgbClr val="2FBF39"/>
-                </a:solidFill>
-              </a:defRPr>
-            </a:pPr>
-            <a:r>
-              <a:t> </a:t>
+              <a:t>ธารน้ำและเหล่าฝูงปลา หมู่นกในนภาท้องฟ้าไกล ถูกบันดาล อย่างสวยงาม โดยพระองค์ ในพระทัย เต็มด้วยรัก จับผงคลี ด้วยพระหัตถ์ ใส่ลมปราณ ของพระองค์ ในตัวเรา</a:t>
             </a:r>
           </a:p>
         </p:txBody>
@@ -4297,42 +3969,36 @@
       <p:grpSpPr/>
       <p:sp>
         <p:nvSpPr>
-          <p:cNvPr id="2" name="Title 1"/>
-          <p:cNvSpPr>
-            <a:spLocks noGrp="1"/>
-          </p:cNvSpPr>
-          <p:nvPr>
-            <p:ph type="ctrTitle"/>
-          </p:nvPr>
-        </p:nvSpPr>
-        <p:spPr/>
-        <p:txBody>
-          <a:bodyPr/>
-          <a:lstStyle/>
-          <a:p>
-            <a:r>
-              <a:t>พระเจ้ายิ่งใหญ่</a:t>
-            </a:r>
-          </a:p>
-        </p:txBody>
-      </p:sp>
-      <p:sp>
-        <p:nvSpPr>
-          <p:cNvPr id="3" name="Subtitle 2"/>
-          <p:cNvSpPr>
-            <a:spLocks noGrp="1"/>
-          </p:cNvSpPr>
-          <p:nvPr>
-            <p:ph type="subTitle" idx="1"/>
-          </p:nvPr>
-        </p:nvSpPr>
-        <p:spPr/>
-        <p:txBody>
-          <a:bodyPr/>
-          <a:lstStyle/>
-          <a:p>
-            <a:r>
-              <a:t>HOW GREAT THOU ART</a:t>
+          <p:cNvPr id="2" name="TextBox 1"/>
+          <p:cNvSpPr txBox="1"/>
+          <p:nvPr/>
+        </p:nvSpPr>
+        <p:spPr>
+          <a:xfrm>
+            <a:off x="914400" y="914400"/>
+            <a:ext cx="7315200" cy="5486400"/>
+          </a:xfrm>
+          <a:prstGeom prst="rect">
+            <a:avLst/>
+          </a:prstGeom>
+          <a:noFill/>
+        </p:spPr>
+        <p:txBody>
+          <a:bodyPr wrap="square">
+            <a:spAutoFit/>
+          </a:bodyPr>
+          <a:lstStyle/>
+          <a:p/>
+          <a:p>
+            <a:pPr algn="ctr">
+              <a:defRPr sz="3500">
+                <a:solidFill>
+                  <a:srgbClr val="000000"/>
+                </a:solidFill>
+              </a:defRPr>
+            </a:pPr>
+            <a:r>
+              <a:t>โมทนาขอบพระคุณพระเจ้า เพราะพระองค์ได้ทรงกระทำสิ่งมากมาย โมทนาขอบพระคุณพระเจ้า เพราะพระองค์ได้ทรงกระทำสิ่งมากมาย</a:t>
             </a:r>
           </a:p>
         </p:txBody>
@@ -4363,8 +4029,8 @@
         </p:nvSpPr>
         <p:spPr>
           <a:xfrm>
-            <a:off x="914400" y="457200"/>
-            <a:ext cx="7315200" cy="1828800"/>
+            <a:off x="914400" y="914400"/>
+            <a:ext cx="7315200" cy="5486400"/>
           </a:xfrm>
           <a:prstGeom prst="rect">
             <a:avLst/>
@@ -4386,79 +4052,7 @@
               </a:defRPr>
             </a:pPr>
             <a:r>
-              <a:t>พระองค์เจ้าข้า ข้าเฝ้ามองดูด้วยยำเกรง เพราะพระองค์เอง เป็นผู้สร้างจักรวาล เมื่อมองดูดาว เมื่อคราวยินเสียงฟ้าคำราม เห็นฝีพระหัตถ์ของพระองค์บนท้องฟ้า</a:t>
-            </a:r>
-          </a:p>
-        </p:txBody>
-      </p:sp>
-      <p:sp>
-        <p:nvSpPr>
-          <p:cNvPr id="3" name="TextBox 2"/>
-          <p:cNvSpPr txBox="1"/>
-          <p:nvPr/>
-        </p:nvSpPr>
-        <p:spPr>
-          <a:xfrm>
-            <a:off x="914400" y="2514600"/>
-            <a:ext cx="7315200" cy="1828800"/>
-          </a:xfrm>
-          <a:prstGeom prst="rect">
-            <a:avLst/>
-          </a:prstGeom>
-          <a:noFill/>
-        </p:spPr>
-        <p:txBody>
-          <a:bodyPr wrap="square">
-            <a:spAutoFit/>
-          </a:bodyPr>
-          <a:lstStyle/>
-          <a:p/>
-          <a:p>
-            <a:pPr algn="ctr">
-              <a:defRPr sz="3500">
-                <a:solidFill>
-                  <a:srgbClr val="3A70BC"/>
-                </a:solidFill>
-              </a:defRPr>
-            </a:pPr>
-            <a:r>
-              <a:t>O Lord, my God, when I in awesome wonder Consider all the worlds Thy Hands have made I see the stars, I hear the rolling thunder Thy power throughout the universe displayed</a:t>
-            </a:r>
-          </a:p>
-        </p:txBody>
-      </p:sp>
-      <p:sp>
-        <p:nvSpPr>
-          <p:cNvPr id="4" name="TextBox 3"/>
-          <p:cNvSpPr txBox="1"/>
-          <p:nvPr/>
-        </p:nvSpPr>
-        <p:spPr>
-          <a:xfrm>
-            <a:off x="914400" y="4572000"/>
-            <a:ext cx="7315200" cy="1828800"/>
-          </a:xfrm>
-          <a:prstGeom prst="rect">
-            <a:avLst/>
-          </a:prstGeom>
-          <a:noFill/>
-        </p:spPr>
-        <p:txBody>
-          <a:bodyPr wrap="square">
-            <a:spAutoFit/>
-          </a:bodyPr>
-          <a:lstStyle/>
-          <a:p/>
-          <a:p>
-            <a:pPr algn="ctr">
-              <a:defRPr sz="3500">
-                <a:solidFill>
-                  <a:srgbClr val="2FBF39"/>
-                </a:solidFill>
-              </a:defRPr>
-            </a:pPr>
-            <a:r>
-              <a:t>เฒี้ยว เย^ซู อ่า, เยีย บู้ง เจี๊ยน เฮญี้ยว ฒั้ว หมั่ง เม่ย, เหว่ย หฒุ เฒี้ยว กั้น เหฒย ลู่ง เดี๊ย เญย หม่าน หมวด. หาย หฒั่น ปวัด เหฮลย, หาย หฒั่น ตุ๊ ไฮ บะ อง บุย, เยียม กู้ หง่าย ลู่ง ปวัด เฒี้ยว เหฒย เญย กะน้าย.</a:t>
+              <a:t>ความดีงาม รักมั่นคง ติดตามเรา ไปทุกวัน นำพาใจ ให้รู้ทรง เดินเคียงข้าง รดน้ำหล่อ เลี้ยงหัวใจ ทรงฟื้นฟู กำลังใหม่ ไม่ขาดสิ่งใด เมื่อเรา มีพระองค์</a:t>
             </a:r>
           </a:p>
         </p:txBody>
@@ -4483,108 +4077,42 @@
       <p:grpSpPr/>
       <p:sp>
         <p:nvSpPr>
-          <p:cNvPr id="2" name="TextBox 1"/>
-          <p:cNvSpPr txBox="1"/>
-          <p:nvPr/>
-        </p:nvSpPr>
-        <p:spPr>
-          <a:xfrm>
-            <a:off x="914400" y="457200"/>
-            <a:ext cx="7315200" cy="1828800"/>
-          </a:xfrm>
-          <a:prstGeom prst="rect">
-            <a:avLst/>
-          </a:prstGeom>
-          <a:noFill/>
-        </p:spPr>
-        <p:txBody>
-          <a:bodyPr wrap="square">
-            <a:spAutoFit/>
-          </a:bodyPr>
-          <a:lstStyle/>
-          <a:p/>
-          <a:p>
-            <a:pPr algn="ctr">
-              <a:defRPr sz="3500">
-                <a:solidFill>
-                  <a:srgbClr val="000000"/>
-                </a:solidFill>
-              </a:defRPr>
-            </a:pPr>
-            <a:r>
-              <a:t>จิตข้าสรรเสริญ พระเจ้าองค์พระผู้ช่วย พระเจ้ายิ่งใหญ่ พระเจ้ายิ่งใหญ่ จิตข้าสรรเสริญ พระเจ้าองค์พระผู้ช่วย พระเจ้ายิ่งใหญ่ พระเจ้ายิ่งใหญ่</a:t>
-            </a:r>
-          </a:p>
-        </p:txBody>
-      </p:sp>
-      <p:sp>
-        <p:nvSpPr>
-          <p:cNvPr id="3" name="TextBox 2"/>
-          <p:cNvSpPr txBox="1"/>
-          <p:nvPr/>
-        </p:nvSpPr>
-        <p:spPr>
-          <a:xfrm>
-            <a:off x="914400" y="2514600"/>
-            <a:ext cx="7315200" cy="1828800"/>
-          </a:xfrm>
-          <a:prstGeom prst="rect">
-            <a:avLst/>
-          </a:prstGeom>
-          <a:noFill/>
-        </p:spPr>
-        <p:txBody>
-          <a:bodyPr wrap="square">
-            <a:spAutoFit/>
-          </a:bodyPr>
-          <a:lstStyle/>
-          <a:p/>
-          <a:p>
-            <a:pPr algn="ctr">
-              <a:defRPr sz="3500">
-                <a:solidFill>
-                  <a:srgbClr val="3A70BC"/>
-                </a:solidFill>
-              </a:defRPr>
-            </a:pPr>
-            <a:r>
-              <a:t>Then sings my soul, my Saviour God, to Thee How great Thou art, how great Thou art Then sings my soul, my Saviour God, to Thee How great Thou art, how great Thou art</a:t>
-            </a:r>
-          </a:p>
-        </p:txBody>
-      </p:sp>
-      <p:sp>
-        <p:nvSpPr>
-          <p:cNvPr id="4" name="TextBox 3"/>
-          <p:cNvSpPr txBox="1"/>
-          <p:nvPr/>
-        </p:nvSpPr>
-        <p:spPr>
-          <a:xfrm>
-            <a:off x="914400" y="4572000"/>
-            <a:ext cx="7315200" cy="1828800"/>
-          </a:xfrm>
-          <a:prstGeom prst="rect">
-            <a:avLst/>
-          </a:prstGeom>
-          <a:noFill/>
-        </p:spPr>
-        <p:txBody>
-          <a:bodyPr wrap="square">
-            <a:spAutoFit/>
-          </a:bodyPr>
-          <a:lstStyle/>
-          <a:p/>
-          <a:p>
-            <a:pPr algn="ctr">
-              <a:defRPr sz="3500">
-                <a:solidFill>
-                  <a:srgbClr val="2FBF39"/>
-                </a:solidFill>
-              </a:defRPr>
-            </a:pPr>
-            <a:r>
-              <a:t>เยีย หล่ง เฮญี้ยว เธง เฒี้ยว ต้ง ต้าย เหฌียว ฒุ์ย-เมี่ยน. เฒี้ยว เก้ง โฮล ไห่, เฒี้ยว เก้ง โฮล ไห่. เยีย หล่ง เฮญี้ยว เธง เฒี้ยว ต้ง ต้าย เหฌียว ฒุ์ย-เมี่ยน. เฒี้ยว เก้ง โฮล ไห่, เฒี้ยว เก้ง โฮล ไห่.</a:t>
+          <p:cNvPr id="2" name="Title 1"/>
+          <p:cNvSpPr>
+            <a:spLocks noGrp="1"/>
+          </p:cNvSpPr>
+          <p:nvPr>
+            <p:ph type="ctrTitle"/>
+          </p:nvPr>
+        </p:nvSpPr>
+        <p:spPr/>
+        <p:txBody>
+          <a:bodyPr/>
+          <a:lstStyle/>
+          <a:p>
+            <a:r>
+              <a:t>หมดทั้งชีวิต</a:t>
+            </a:r>
+          </a:p>
+        </p:txBody>
+      </p:sp>
+      <p:sp>
+        <p:nvSpPr>
+          <p:cNvPr id="3" name="Subtitle 2"/>
+          <p:cNvSpPr>
+            <a:spLocks noGrp="1"/>
+          </p:cNvSpPr>
+          <p:nvPr>
+            <p:ph type="subTitle" idx="1"/>
+          </p:nvPr>
+        </p:nvSpPr>
+        <p:spPr/>
+        <p:txBody>
+          <a:bodyPr/>
+          <a:lstStyle/>
+          <a:p>
+            <a:r>
+              <a:t>Lord I Offer My Life To You</a:t>
             </a:r>
           </a:p>
         </p:txBody>

--- a/finishedppt/WorshipSongs.pptx
+++ b/finishedppt/WorshipSongs.pptx
@@ -17,10 +17,6 @@
     <p:sldId id="265" r:id="rId16"/>
     <p:sldId id="266" r:id="rId17"/>
     <p:sldId id="267" r:id="rId18"/>
-    <p:sldId id="268" r:id="rId19"/>
-    <p:sldId id="269" r:id="rId20"/>
-    <p:sldId id="270" r:id="rId21"/>
-    <p:sldId id="271" r:id="rId22"/>
   </p:sldIdLst>
   <p:sldSz cx="9144000" cy="6858000" type="screen4x3"/>
   <p:notesSz cx="6858000" cy="9144000"/>
@@ -3119,7 +3115,7 @@
           <a:lstStyle/>
           <a:p>
             <a:r>
-              <a:t>จงชื่นชมยินดีในพระเจ้า อยู่ทุกเวลา</a:t>
+              <a:t>สรรเสริญพระผู้ไถ่</a:t>
             </a:r>
           </a:p>
         </p:txBody>
@@ -3138,11 +3134,7 @@
         <p:txBody>
           <a:bodyPr/>
           <a:lstStyle/>
-          <a:p>
-            <a:r>
-              <a:t>none</a:t>
-            </a:r>
-          </a:p>
+          <a:p/>
         </p:txBody>
       </p:sp>
     </p:spTree>
@@ -3171,8 +3163,8 @@
         </p:nvSpPr>
         <p:spPr>
           <a:xfrm>
-            <a:off x="914400" y="457200"/>
-            <a:ext cx="7315200" cy="2971800"/>
+            <a:off x="914400" y="914400"/>
+            <a:ext cx="7315200" cy="5486400"/>
           </a:xfrm>
           <a:prstGeom prst="rect">
             <a:avLst/>
@@ -3187,50 +3179,14 @@
           <a:p/>
           <a:p>
             <a:pPr algn="ctr">
-              <a:defRPr sz="3500">
+              <a:defRPr sz="5500">
                 <a:solidFill>
                   <a:srgbClr val="000000"/>
                 </a:solidFill>
               </a:defRPr>
             </a:pPr>
             <a:r>
-              <a:t>หมดทั้งชีวิต หมดที่ข้าฯ มี ข้าฯ ขอวางลงจำเพาะพระพักตร์พระองค์ ทุกความรู้สึก เจ็บปวดหรือชื่นชม ยินดีหรือทุกข์ใจ มอบไว้แด่พระองค์ พระเจ้าข้าฯ มอบถวายทั้งชีวี ทั้งหมดทุกสิ่งที่มี เพื่อถวายพระสิริ</a:t>
-            </a:r>
-          </a:p>
-        </p:txBody>
-      </p:sp>
-      <p:sp>
-        <p:nvSpPr>
-          <p:cNvPr id="3" name="TextBox 2"/>
-          <p:cNvSpPr txBox="1"/>
-          <p:nvPr/>
-        </p:nvSpPr>
-        <p:spPr>
-          <a:xfrm>
-            <a:off x="914400" y="3657600"/>
-            <a:ext cx="7315200" cy="2971800"/>
-          </a:xfrm>
-          <a:prstGeom prst="rect">
-            <a:avLst/>
-          </a:prstGeom>
-          <a:noFill/>
-        </p:spPr>
-        <p:txBody>
-          <a:bodyPr wrap="square">
-            <a:spAutoFit/>
-          </a:bodyPr>
-          <a:lstStyle/>
-          <a:p/>
-          <a:p>
-            <a:pPr algn="ctr">
-              <a:defRPr sz="3500">
-                <a:solidFill>
-                  <a:srgbClr val="3A70BC"/>
-                </a:solidFill>
-              </a:defRPr>
-            </a:pPr>
-            <a:r>
-              <a:t>All that I am, all that I have. I lay them down before you, oh Lord. All my regrets, all my acclaims. The joy and the pain, I'm making them yours.</a:t>
+              <a:t>ฮา เล ฮาเลลูยา ฮาเลลูยา ฮาเล ลู ยา ฮา เล ฮาเลลูยา ฮาเลลู ยา ฮาเล ลู ยา</a:t>
             </a:r>
           </a:p>
         </p:txBody>
@@ -3261,8 +3217,8 @@
         </p:nvSpPr>
         <p:spPr>
           <a:xfrm>
-            <a:off x="914400" y="457200"/>
-            <a:ext cx="7315200" cy="2971800"/>
+            <a:off x="914400" y="914400"/>
+            <a:ext cx="7315200" cy="5486400"/>
           </a:xfrm>
           <a:prstGeom prst="rect">
             <a:avLst/>
@@ -3277,50 +3233,14 @@
           <a:p/>
           <a:p>
             <a:pPr algn="ctr">
-              <a:defRPr sz="3500">
+              <a:defRPr sz="5500">
                 <a:solidFill>
                   <a:srgbClr val="000000"/>
                 </a:solidFill>
               </a:defRPr>
             </a:pPr>
             <a:r>
-              <a:t>พระเจ้าข้าฯ มอบทุกวันคืนที่มี เพื่อสรรเสริญทั้งชีวี เป็นเครื่องบูชาที่พอพระทัย พระเจ้าข้าฯ มอบชีวิตถวาย</a:t>
-            </a:r>
-          </a:p>
-        </p:txBody>
-      </p:sp>
-      <p:sp>
-        <p:nvSpPr>
-          <p:cNvPr id="3" name="TextBox 2"/>
-          <p:cNvSpPr txBox="1"/>
-          <p:nvPr/>
-        </p:nvSpPr>
-        <p:spPr>
-          <a:xfrm>
-            <a:off x="914400" y="3657600"/>
-            <a:ext cx="7315200" cy="2971800"/>
-          </a:xfrm>
-          <a:prstGeom prst="rect">
-            <a:avLst/>
-          </a:prstGeom>
-          <a:noFill/>
-        </p:spPr>
-        <p:txBody>
-          <a:bodyPr wrap="square">
-            <a:spAutoFit/>
-          </a:bodyPr>
-          <a:lstStyle/>
-          <a:p/>
-          <a:p>
-            <a:pPr algn="ctr">
-              <a:defRPr sz="3500">
-                <a:solidFill>
-                  <a:srgbClr val="3A70BC"/>
-                </a:solidFill>
-              </a:defRPr>
-            </a:pPr>
-            <a:r>
-              <a:t>Lord, I offer my life to you. Everything I've been through. Use it for your glory. Lord I offer my days to you. Lifting my praise to you. As a pleasing sacrifice. Lord I offer you my life.</a:t>
+              <a:t>หากใครมาเชื่อพระองค์ มาพบพระองค์ชีวิตจะมีสุข แม้ทางข้างหน้ามีทุกข์ แม้หนทางจะพบความทุกข์ ชีวิตมีสุข เพราะพระองค์ดูแล</a:t>
             </a:r>
           </a:p>
         </p:txBody>
@@ -3351,246 +3271,6 @@
         </p:nvSpPr>
         <p:spPr>
           <a:xfrm>
-            <a:off x="914400" y="457200"/>
-            <a:ext cx="7315200" cy="2971800"/>
-          </a:xfrm>
-          <a:prstGeom prst="rect">
-            <a:avLst/>
-          </a:prstGeom>
-          <a:noFill/>
-        </p:spPr>
-        <p:txBody>
-          <a:bodyPr wrap="square">
-            <a:spAutoFit/>
-          </a:bodyPr>
-          <a:lstStyle/>
-          <a:p/>
-          <a:p>
-            <a:pPr algn="ctr">
-              <a:defRPr sz="3500">
-                <a:solidFill>
-                  <a:srgbClr val="000000"/>
-                </a:solidFill>
-              </a:defRPr>
-            </a:pPr>
-            <a:r>
-              <a:t>สิ่งที่เคยพบ สิ่งที่จะเจอ ทุกความต้องการ และทุกๆ ความใฝ่ฝัน ทุกความหวังใจ และในทุกแผนการ ชูมือและใจข้าฯ ถวายแด่พระองค์</a:t>
-            </a:r>
-          </a:p>
-        </p:txBody>
-      </p:sp>
-      <p:sp>
-        <p:nvSpPr>
-          <p:cNvPr id="3" name="TextBox 2"/>
-          <p:cNvSpPr txBox="1"/>
-          <p:nvPr/>
-        </p:nvSpPr>
-        <p:spPr>
-          <a:xfrm>
-            <a:off x="914400" y="3657600"/>
-            <a:ext cx="7315200" cy="2971800"/>
-          </a:xfrm>
-          <a:prstGeom prst="rect">
-            <a:avLst/>
-          </a:prstGeom>
-          <a:noFill/>
-        </p:spPr>
-        <p:txBody>
-          <a:bodyPr wrap="square">
-            <a:spAutoFit/>
-          </a:bodyPr>
-          <a:lstStyle/>
-          <a:p/>
-          <a:p>
-            <a:pPr algn="ctr">
-              <a:defRPr sz="3500">
-                <a:solidFill>
-                  <a:srgbClr val="3A70BC"/>
-                </a:solidFill>
-              </a:defRPr>
-            </a:pPr>
-            <a:r>
-              <a:t>Things in the past, things yet unseen. Wishes and dreams that are yet to come true. All of my heart, all of my praise. My heart and my hands are lifted to you.</a:t>
-            </a:r>
-          </a:p>
-        </p:txBody>
-      </p:sp>
-    </p:spTree>
-  </p:cSld>
-  <p:clrMapOvr>
-    <a:masterClrMapping/>
-  </p:clrMapOvr>
-</p:sld>
-</file>
-
-<file path=ppt/slides/slide13.xml><?xml version="1.0" encoding="utf-8"?>
-<p:sld xmlns:a="http://schemas.openxmlformats.org/drawingml/2006/main" xmlns:p="http://schemas.openxmlformats.org/presentationml/2006/main" xmlns:r="http://schemas.openxmlformats.org/officeDocument/2006/relationships">
-  <p:cSld>
-    <p:spTree>
-      <p:nvGrpSpPr>
-        <p:cNvPr id="1" name=""/>
-        <p:cNvGrpSpPr/>
-        <p:nvPr/>
-      </p:nvGrpSpPr>
-      <p:grpSpPr/>
-      <p:sp>
-        <p:nvSpPr>
-          <p:cNvPr id="2" name="TextBox 1"/>
-          <p:cNvSpPr txBox="1"/>
-          <p:nvPr/>
-        </p:nvSpPr>
-        <p:spPr>
-          <a:xfrm>
-            <a:off x="914400" y="457200"/>
-            <a:ext cx="7315200" cy="2971800"/>
-          </a:xfrm>
-          <a:prstGeom prst="rect">
-            <a:avLst/>
-          </a:prstGeom>
-          <a:noFill/>
-        </p:spPr>
-        <p:txBody>
-          <a:bodyPr wrap="square">
-            <a:spAutoFit/>
-          </a:bodyPr>
-          <a:lstStyle/>
-          <a:p/>
-          <a:p>
-            <a:pPr algn="ctr">
-              <a:defRPr sz="3500">
-                <a:solidFill>
-                  <a:srgbClr val="000000"/>
-                </a:solidFill>
-              </a:defRPr>
-            </a:pPr>
-            <a:r>
-              <a:t>พระเจ้าข้าฯ มอบทุกวันคืนที่มี เพื่อสรรเสริญทั้งชีวี เป็นเครื่องบูชาที่พอพระทัย พระเจ้าข้าฯ มอบชีวิตถวาย</a:t>
-            </a:r>
-          </a:p>
-        </p:txBody>
-      </p:sp>
-      <p:sp>
-        <p:nvSpPr>
-          <p:cNvPr id="3" name="TextBox 2"/>
-          <p:cNvSpPr txBox="1"/>
-          <p:nvPr/>
-        </p:nvSpPr>
-        <p:spPr>
-          <a:xfrm>
-            <a:off x="914400" y="3657600"/>
-            <a:ext cx="7315200" cy="2971800"/>
-          </a:xfrm>
-          <a:prstGeom prst="rect">
-            <a:avLst/>
-          </a:prstGeom>
-          <a:noFill/>
-        </p:spPr>
-        <p:txBody>
-          <a:bodyPr wrap="square">
-            <a:spAutoFit/>
-          </a:bodyPr>
-          <a:lstStyle/>
-          <a:p/>
-          <a:p>
-            <a:pPr algn="ctr">
-              <a:defRPr sz="3500">
-                <a:solidFill>
-                  <a:srgbClr val="3A70BC"/>
-                </a:solidFill>
-              </a:defRPr>
-            </a:pPr>
-            <a:r>
-              <a:t>Lord, I offer my life to you. Everything I've been through. Use it for your glory. Lord I offer my days to you. Lifting my praise to you. As a pleasing sacrifice. Lord I offer you my life.</a:t>
-            </a:r>
-          </a:p>
-        </p:txBody>
-      </p:sp>
-    </p:spTree>
-  </p:cSld>
-  <p:clrMapOvr>
-    <a:masterClrMapping/>
-  </p:clrMapOvr>
-</p:sld>
-</file>
-
-<file path=ppt/slides/slide14.xml><?xml version="1.0" encoding="utf-8"?>
-<p:sld xmlns:a="http://schemas.openxmlformats.org/drawingml/2006/main" xmlns:p="http://schemas.openxmlformats.org/presentationml/2006/main" xmlns:r="http://schemas.openxmlformats.org/officeDocument/2006/relationships">
-  <p:cSld>
-    <p:spTree>
-      <p:nvGrpSpPr>
-        <p:cNvPr id="1" name=""/>
-        <p:cNvGrpSpPr/>
-        <p:nvPr/>
-      </p:nvGrpSpPr>
-      <p:grpSpPr/>
-      <p:sp>
-        <p:nvSpPr>
-          <p:cNvPr id="2" name="Title 1"/>
-          <p:cNvSpPr>
-            <a:spLocks noGrp="1"/>
-          </p:cNvSpPr>
-          <p:nvPr>
-            <p:ph type="ctrTitle"/>
-          </p:nvPr>
-        </p:nvSpPr>
-        <p:spPr/>
-        <p:txBody>
-          <a:bodyPr/>
-          <a:lstStyle/>
-          <a:p>
-            <a:r>
-              <a:t>ถวายตัว</a:t>
-            </a:r>
-          </a:p>
-        </p:txBody>
-      </p:sp>
-      <p:sp>
-        <p:nvSpPr>
-          <p:cNvPr id="3" name="Subtitle 2"/>
-          <p:cNvSpPr>
-            <a:spLocks noGrp="1"/>
-          </p:cNvSpPr>
-          <p:nvPr>
-            <p:ph type="subTitle" idx="1"/>
-          </p:nvPr>
-        </p:nvSpPr>
-        <p:spPr/>
-        <p:txBody>
-          <a:bodyPr/>
-          <a:lstStyle/>
-          <a:p>
-            <a:r>
-              <a:t>none</a:t>
-            </a:r>
-          </a:p>
-        </p:txBody>
-      </p:sp>
-    </p:spTree>
-  </p:cSld>
-  <p:clrMapOvr>
-    <a:masterClrMapping/>
-  </p:clrMapOvr>
-</p:sld>
-</file>
-
-<file path=ppt/slides/slide15.xml><?xml version="1.0" encoding="utf-8"?>
-<p:sld xmlns:a="http://schemas.openxmlformats.org/drawingml/2006/main" xmlns:p="http://schemas.openxmlformats.org/presentationml/2006/main" xmlns:r="http://schemas.openxmlformats.org/officeDocument/2006/relationships">
-  <p:cSld>
-    <p:spTree>
-      <p:nvGrpSpPr>
-        <p:cNvPr id="1" name=""/>
-        <p:cNvGrpSpPr/>
-        <p:nvPr/>
-      </p:nvGrpSpPr>
-      <p:grpSpPr/>
-      <p:sp>
-        <p:nvSpPr>
-          <p:cNvPr id="2" name="TextBox 1"/>
-          <p:cNvSpPr txBox="1"/>
-          <p:nvPr/>
-        </p:nvSpPr>
-        <p:spPr>
-          <a:xfrm>
             <a:off x="914400" y="914400"/>
             <a:ext cx="7315200" cy="5486400"/>
           </a:xfrm>
@@ -3607,68 +3287,14 @@
           <a:p/>
           <a:p>
             <a:pPr algn="ctr">
-              <a:defRPr sz="3500">
+              <a:defRPr sz="5500">
                 <a:solidFill>
                   <a:srgbClr val="000000"/>
                 </a:solidFill>
               </a:defRPr>
             </a:pPr>
             <a:r>
-              <a:t>ทุกครั้งที่ฉันเฝ้าภาวนา ได้ยินเสียงเรียก มาจากเบื้องบน เป็นเหมือนเสียงกระซิบข้างหู เร้าภายในด้วยความสุขล้น บอกฉันเบื้องบนให้ฉันถวายตัว</a:t>
-            </a:r>
-          </a:p>
-        </p:txBody>
-      </p:sp>
-    </p:spTree>
-  </p:cSld>
-  <p:clrMapOvr>
-    <a:masterClrMapping/>
-  </p:clrMapOvr>
-</p:sld>
-</file>
-
-<file path=ppt/slides/slide16.xml><?xml version="1.0" encoding="utf-8"?>
-<p:sld xmlns:a="http://schemas.openxmlformats.org/drawingml/2006/main" xmlns:p="http://schemas.openxmlformats.org/presentationml/2006/main" xmlns:r="http://schemas.openxmlformats.org/officeDocument/2006/relationships">
-  <p:cSld>
-    <p:spTree>
-      <p:nvGrpSpPr>
-        <p:cNvPr id="1" name=""/>
-        <p:cNvGrpSpPr/>
-        <p:nvPr/>
-      </p:nvGrpSpPr>
-      <p:grpSpPr/>
-      <p:sp>
-        <p:nvSpPr>
-          <p:cNvPr id="2" name="TextBox 1"/>
-          <p:cNvSpPr txBox="1"/>
-          <p:nvPr/>
-        </p:nvSpPr>
-        <p:spPr>
-          <a:xfrm>
-            <a:off x="914400" y="914400"/>
-            <a:ext cx="7315200" cy="5486400"/>
-          </a:xfrm>
-          <a:prstGeom prst="rect">
-            <a:avLst/>
-          </a:prstGeom>
-          <a:noFill/>
-        </p:spPr>
-        <p:txBody>
-          <a:bodyPr wrap="square">
-            <a:spAutoFit/>
-          </a:bodyPr>
-          <a:lstStyle/>
-          <a:p/>
-          <a:p>
-            <a:pPr algn="ctr">
-              <a:defRPr sz="3500">
-                <a:solidFill>
-                  <a:srgbClr val="000000"/>
-                </a:solidFill>
-              </a:defRPr>
-            </a:pPr>
-            <a:r>
-              <a:t>*หมดใจเรียกร้อง ให้เททั้งหัวใจ หมดกายเรียกร้อง ให้มอบถวาย หากเป็นสิ่งที่พระวิญญาณ อยากให้ตัดสินใจ ฉันพร้อมจะไป ฉันพร้อมจะเป็นทุกอย่าง</a:t>
+              <a:t>โลกนี้เราอยู่ไม่นาน ชีวิตสักวันก็ต้องมีวันสุด พระองค์ทรงรักมนุษย์ เชื่อพระองค์ผู้ไถ่มนุษย์ เมื่อวันสิ้นสุดเข้าสวรรค์นิรันดร์เอย</a:t>
             </a:r>
           </a:p>
         </p:txBody>
@@ -3715,14 +3341,14 @@
           <a:p/>
           <a:p>
             <a:pPr algn="ctr">
-              <a:defRPr sz="3500">
+              <a:defRPr sz="5500">
                 <a:solidFill>
                   <a:srgbClr val="000000"/>
                 </a:solidFill>
               </a:defRPr>
             </a:pPr>
             <a:r>
-              <a:t>จงชื่นชมยินดีในพระเจ้า อยู่ทุกเวลา จงชื่นชมยินดีในพระองค์ อยู่เสมอไป จงชื่นชมยินดีในพระเจ้า อยู่ทุกเวลา จงชื่นชมยินดีในพระองค์ พระเจ้าของเรา</a:t>
+              <a:t>พวกเรา มาร้องกันเถิด ร่วมร้องสรรเสริญแด่พระผู้เป็นเจ้า พระองค์เป็นผู้สร้างเรา พระประทานชีวิตให้เรา เราจึงคุกเข่า สรรเสริญพระองค์</a:t>
             </a:r>
           </a:p>
         </p:txBody>
@@ -3769,14 +3395,14 @@
           <a:p/>
           <a:p>
             <a:pPr algn="ctr">
-              <a:defRPr sz="3500">
+              <a:defRPr sz="5500">
                 <a:solidFill>
                   <a:srgbClr val="000000"/>
                 </a:solidFill>
               </a:defRPr>
             </a:pPr>
             <a:r>
-              <a:t>*อย่าให้ท่านทุกข์ร้อนในสิ่งใด แต่จงทูลทุกสิ่งต่อพระองค์ ด้วยการอธิษฐาน และการวิงวอนขอบพระคุณ แล้วสันติสุขในพระเจ้า จะคุ้มครองความคิดและจิตใจ ให้ท่านพักสงบ ในองค์พระเยซูผู้เดียว</a:t>
+              <a:t>จากใจที่แสนยินดี สุดแสนยินดีเพราะได้พบพระเจ้า ชีวิตหมดซึ่งซึมเซา ไม่มีใครจะสุขเท่าเรา เพราะองค์พระเจ้าเราจึงยินดี</a:t>
             </a:r>
           </a:p>
         </p:txBody>
@@ -3801,42 +3427,36 @@
       <p:grpSpPr/>
       <p:sp>
         <p:nvSpPr>
-          <p:cNvPr id="2" name="Title 1"/>
-          <p:cNvSpPr>
-            <a:spLocks noGrp="1"/>
-          </p:cNvSpPr>
-          <p:nvPr>
-            <p:ph type="ctrTitle"/>
-          </p:nvPr>
-        </p:nvSpPr>
-        <p:spPr/>
-        <p:txBody>
-          <a:bodyPr/>
-          <a:lstStyle/>
-          <a:p>
-            <a:r>
-              <a:t>โมทนาขอบพระคุณพระเจ้า</a:t>
-            </a:r>
-          </a:p>
-        </p:txBody>
-      </p:sp>
-      <p:sp>
-        <p:nvSpPr>
-          <p:cNvPr id="3" name="Subtitle 2"/>
-          <p:cNvSpPr>
-            <a:spLocks noGrp="1"/>
-          </p:cNvSpPr>
-          <p:nvPr>
-            <p:ph type="subTitle" idx="1"/>
-          </p:nvPr>
-        </p:nvSpPr>
-        <p:spPr/>
-        <p:txBody>
-          <a:bodyPr/>
-          <a:lstStyle/>
-          <a:p>
-            <a:r>
-              <a:t>none</a:t>
+          <p:cNvPr id="2" name="TextBox 1"/>
+          <p:cNvSpPr txBox="1"/>
+          <p:nvPr/>
+        </p:nvSpPr>
+        <p:spPr>
+          <a:xfrm>
+            <a:off x="914400" y="914400"/>
+            <a:ext cx="7315200" cy="5486400"/>
+          </a:xfrm>
+          <a:prstGeom prst="rect">
+            <a:avLst/>
+          </a:prstGeom>
+          <a:noFill/>
+        </p:spPr>
+        <p:txBody>
+          <a:bodyPr wrap="square">
+            <a:spAutoFit/>
+          </a:bodyPr>
+          <a:lstStyle/>
+          <a:p/>
+          <a:p>
+            <a:pPr algn="ctr">
+              <a:defRPr sz="5500">
+                <a:solidFill>
+                  <a:srgbClr val="000000"/>
+                </a:solidFill>
+              </a:defRPr>
+            </a:pPr>
+            <a:r>
+              <a:t>ฮา เล ฮาเลลูยา ฮาเลลูยา ฮาเล ลู ยา ฮา เล ฮาเลลูยา ฮาเลลู ยา ฮาเล ลู ยา</a:t>
             </a:r>
           </a:p>
         </p:txBody>
@@ -3883,14 +3503,14 @@
           <a:p/>
           <a:p>
             <a:pPr algn="ctr">
-              <a:defRPr sz="3500">
+              <a:defRPr sz="5500">
                 <a:solidFill>
                   <a:srgbClr val="000000"/>
                 </a:solidFill>
               </a:defRPr>
             </a:pPr>
             <a:r>
-              <a:t>โมทนาขอบพระคุณพระเจ้า เพราะพระองค์ได้ทรงกระทำสิ่งมากมาย โมทนาขอบพระคุณพระเจ้า เพราะพระองค์ได้ทรงกระทำสิ่งมากมาย</a:t>
+              <a:t>หากใครได้พลาดพลั้งทำ เคยหลงเคยทำบาปและกรรมมาก่อน ขอจงรีบมาอ้อนวอน เพราะพระองค์ไม่เคยตัดรอน จงรีบอ้อนวอน ขอพรพระองค์</a:t>
             </a:r>
           </a:p>
         </p:txBody>
@@ -3937,14 +3557,14 @@
           <a:p/>
           <a:p>
             <a:pPr algn="ctr">
-              <a:defRPr sz="3500">
+              <a:defRPr sz="5500">
                 <a:solidFill>
                   <a:srgbClr val="000000"/>
                 </a:solidFill>
               </a:defRPr>
             </a:pPr>
             <a:r>
-              <a:t>ธารน้ำและเหล่าฝูงปลา หมู่นกในนภาท้องฟ้าไกล ถูกบันดาล อย่างสวยงาม โดยพระองค์ ในพระทัย เต็มด้วยรัก จับผงคลี ด้วยพระหัตถ์ ใส่ลมปราณ ของพระองค์ ในตัวเรา</a:t>
+              <a:t>ด้วยรักจึงให้หนทาง ทรงมอบหนทางแก่ผู้คนทั่วหน้า พระองค์ประทานบุตรา พระเยซูเสด็จลงมา ทรงมอบกายา ช่วยเราทุกคน</a:t>
             </a:r>
           </a:p>
         </p:txBody>
@@ -3991,14 +3611,14 @@
           <a:p/>
           <a:p>
             <a:pPr algn="ctr">
-              <a:defRPr sz="3500">
+              <a:defRPr sz="5500">
                 <a:solidFill>
                   <a:srgbClr val="000000"/>
                 </a:solidFill>
               </a:defRPr>
             </a:pPr>
             <a:r>
-              <a:t>โมทนาขอบพระคุณพระเจ้า เพราะพระองค์ได้ทรงกระทำสิ่งมากมาย โมทนาขอบพระคุณพระเจ้า เพราะพระองค์ได้ทรงกระทำสิ่งมากมาย</a:t>
+              <a:t>ฮา เล ฮาเลลูยา ฮาเลลูยา ฮาเล ลู ยา ฮา เล ฮาเลลูยา ฮาเลลู ยา ฮาเล ลู ยา</a:t>
             </a:r>
           </a:p>
         </p:txBody>
@@ -4045,14 +3665,14 @@
           <a:p/>
           <a:p>
             <a:pPr algn="ctr">
-              <a:defRPr sz="3500">
+              <a:defRPr sz="5500">
                 <a:solidFill>
                   <a:srgbClr val="000000"/>
                 </a:solidFill>
               </a:defRPr>
             </a:pPr>
             <a:r>
-              <a:t>ความดีงาม รักมั่นคง ติดตามเรา ไปทุกวัน นำพาใจ ให้รู้ทรง เดินเคียงข้าง รดน้ำหล่อ เลี้ยงหัวใจ ทรงฟื้นฟู กำลังใหม่ ไม่ขาดสิ่งใด เมื่อเรา มีพระองค์</a:t>
+              <a:t>เมื่อมองที่ไม้กางเขน จึงได้พบเห็นความรักที่ยิ่งใหญ่ พระเยซูได้ทรงยอมตาย พระองค์ยอมพลีพระกาย พระโลหิตไถ่ พวกเราทุกคน</a:t>
             </a:r>
           </a:p>
         </p:txBody>
@@ -4077,42 +3697,36 @@
       <p:grpSpPr/>
       <p:sp>
         <p:nvSpPr>
-          <p:cNvPr id="2" name="Title 1"/>
-          <p:cNvSpPr>
-            <a:spLocks noGrp="1"/>
-          </p:cNvSpPr>
-          <p:nvPr>
-            <p:ph type="ctrTitle"/>
-          </p:nvPr>
-        </p:nvSpPr>
-        <p:spPr/>
-        <p:txBody>
-          <a:bodyPr/>
-          <a:lstStyle/>
-          <a:p>
-            <a:r>
-              <a:t>หมดทั้งชีวิต</a:t>
-            </a:r>
-          </a:p>
-        </p:txBody>
-      </p:sp>
-      <p:sp>
-        <p:nvSpPr>
-          <p:cNvPr id="3" name="Subtitle 2"/>
-          <p:cNvSpPr>
-            <a:spLocks noGrp="1"/>
-          </p:cNvSpPr>
-          <p:nvPr>
-            <p:ph type="subTitle" idx="1"/>
-          </p:nvPr>
-        </p:nvSpPr>
-        <p:spPr/>
-        <p:txBody>
-          <a:bodyPr/>
-          <a:lstStyle/>
-          <a:p>
-            <a:r>
-              <a:t>Lord I Offer My Life To You</a:t>
+          <p:cNvPr id="2" name="TextBox 1"/>
+          <p:cNvSpPr txBox="1"/>
+          <p:nvPr/>
+        </p:nvSpPr>
+        <p:spPr>
+          <a:xfrm>
+            <a:off x="914400" y="914400"/>
+            <a:ext cx="7315200" cy="5486400"/>
+          </a:xfrm>
+          <a:prstGeom prst="rect">
+            <a:avLst/>
+          </a:prstGeom>
+          <a:noFill/>
+        </p:spPr>
+        <p:txBody>
+          <a:bodyPr wrap="square">
+            <a:spAutoFit/>
+          </a:bodyPr>
+          <a:lstStyle/>
+          <a:p/>
+          <a:p>
+            <a:pPr algn="ctr">
+              <a:defRPr sz="5500">
+                <a:solidFill>
+                  <a:srgbClr val="000000"/>
+                </a:solidFill>
+              </a:defRPr>
+            </a:pPr>
+            <a:r>
+              <a:t>วันที่สามทรงฟื้นจากตาย ทรงพร้อมอภัยแก่ทุกคนที่เชื่อ ผิดบาปกรรมจะไม่มีเหลือ กรรมทำมาจะไม่มีเหลือ เพราะเพียงเรา เชื่อถือในพระองค์</a:t>
             </a:r>
           </a:p>
         </p:txBody>

--- a/finishedppt/WorshipSongs.pptx
+++ b/finishedppt/WorshipSongs.pptx
@@ -11,12 +11,6 @@
     <p:sldId id="259" r:id="rId10"/>
     <p:sldId id="260" r:id="rId11"/>
     <p:sldId id="261" r:id="rId12"/>
-    <p:sldId id="262" r:id="rId13"/>
-    <p:sldId id="263" r:id="rId14"/>
-    <p:sldId id="264" r:id="rId15"/>
-    <p:sldId id="265" r:id="rId16"/>
-    <p:sldId id="266" r:id="rId17"/>
-    <p:sldId id="267" r:id="rId18"/>
   </p:sldIdLst>
   <p:sldSz cx="9144000" cy="6858000" type="screen4x3"/>
   <p:notesSz cx="6858000" cy="9144000"/>
@@ -3115,7 +3109,7 @@
           <a:lstStyle/>
           <a:p>
             <a:r>
-              <a:t>สรรเสริญพระผู้ไถ่</a:t>
+              <a:t>จงสรรเสริญพระเจ้าเถิด</a:t>
             </a:r>
           </a:p>
         </p:txBody>
@@ -3135,168 +3129,6 @@
           <a:bodyPr/>
           <a:lstStyle/>
           <a:p/>
-        </p:txBody>
-      </p:sp>
-    </p:spTree>
-  </p:cSld>
-  <p:clrMapOvr>
-    <a:masterClrMapping/>
-  </p:clrMapOvr>
-</p:sld>
-</file>
-
-<file path=ppt/slides/slide10.xml><?xml version="1.0" encoding="utf-8"?>
-<p:sld xmlns:a="http://schemas.openxmlformats.org/drawingml/2006/main" xmlns:p="http://schemas.openxmlformats.org/presentationml/2006/main" xmlns:r="http://schemas.openxmlformats.org/officeDocument/2006/relationships">
-  <p:cSld>
-    <p:spTree>
-      <p:nvGrpSpPr>
-        <p:cNvPr id="1" name=""/>
-        <p:cNvGrpSpPr/>
-        <p:nvPr/>
-      </p:nvGrpSpPr>
-      <p:grpSpPr/>
-      <p:sp>
-        <p:nvSpPr>
-          <p:cNvPr id="2" name="TextBox 1"/>
-          <p:cNvSpPr txBox="1"/>
-          <p:nvPr/>
-        </p:nvSpPr>
-        <p:spPr>
-          <a:xfrm>
-            <a:off x="914400" y="914400"/>
-            <a:ext cx="7315200" cy="5486400"/>
-          </a:xfrm>
-          <a:prstGeom prst="rect">
-            <a:avLst/>
-          </a:prstGeom>
-          <a:noFill/>
-        </p:spPr>
-        <p:txBody>
-          <a:bodyPr wrap="square">
-            <a:spAutoFit/>
-          </a:bodyPr>
-          <a:lstStyle/>
-          <a:p/>
-          <a:p>
-            <a:pPr algn="ctr">
-              <a:defRPr sz="5500">
-                <a:solidFill>
-                  <a:srgbClr val="000000"/>
-                </a:solidFill>
-              </a:defRPr>
-            </a:pPr>
-            <a:r>
-              <a:t>ฮา เล ฮาเลลูยา ฮาเลลูยา ฮาเล ลู ยา ฮา เล ฮาเลลูยา ฮาเลลู ยา ฮาเล ลู ยา</a:t>
-            </a:r>
-          </a:p>
-        </p:txBody>
-      </p:sp>
-    </p:spTree>
-  </p:cSld>
-  <p:clrMapOvr>
-    <a:masterClrMapping/>
-  </p:clrMapOvr>
-</p:sld>
-</file>
-
-<file path=ppt/slides/slide11.xml><?xml version="1.0" encoding="utf-8"?>
-<p:sld xmlns:a="http://schemas.openxmlformats.org/drawingml/2006/main" xmlns:p="http://schemas.openxmlformats.org/presentationml/2006/main" xmlns:r="http://schemas.openxmlformats.org/officeDocument/2006/relationships">
-  <p:cSld>
-    <p:spTree>
-      <p:nvGrpSpPr>
-        <p:cNvPr id="1" name=""/>
-        <p:cNvGrpSpPr/>
-        <p:nvPr/>
-      </p:nvGrpSpPr>
-      <p:grpSpPr/>
-      <p:sp>
-        <p:nvSpPr>
-          <p:cNvPr id="2" name="TextBox 1"/>
-          <p:cNvSpPr txBox="1"/>
-          <p:nvPr/>
-        </p:nvSpPr>
-        <p:spPr>
-          <a:xfrm>
-            <a:off x="914400" y="914400"/>
-            <a:ext cx="7315200" cy="5486400"/>
-          </a:xfrm>
-          <a:prstGeom prst="rect">
-            <a:avLst/>
-          </a:prstGeom>
-          <a:noFill/>
-        </p:spPr>
-        <p:txBody>
-          <a:bodyPr wrap="square">
-            <a:spAutoFit/>
-          </a:bodyPr>
-          <a:lstStyle/>
-          <a:p/>
-          <a:p>
-            <a:pPr algn="ctr">
-              <a:defRPr sz="5500">
-                <a:solidFill>
-                  <a:srgbClr val="000000"/>
-                </a:solidFill>
-              </a:defRPr>
-            </a:pPr>
-            <a:r>
-              <a:t>หากใครมาเชื่อพระองค์ มาพบพระองค์ชีวิตจะมีสุข แม้ทางข้างหน้ามีทุกข์ แม้หนทางจะพบความทุกข์ ชีวิตมีสุข เพราะพระองค์ดูแล</a:t>
-            </a:r>
-          </a:p>
-        </p:txBody>
-      </p:sp>
-    </p:spTree>
-  </p:cSld>
-  <p:clrMapOvr>
-    <a:masterClrMapping/>
-  </p:clrMapOvr>
-</p:sld>
-</file>
-
-<file path=ppt/slides/slide12.xml><?xml version="1.0" encoding="utf-8"?>
-<p:sld xmlns:a="http://schemas.openxmlformats.org/drawingml/2006/main" xmlns:p="http://schemas.openxmlformats.org/presentationml/2006/main" xmlns:r="http://schemas.openxmlformats.org/officeDocument/2006/relationships">
-  <p:cSld>
-    <p:spTree>
-      <p:nvGrpSpPr>
-        <p:cNvPr id="1" name=""/>
-        <p:cNvGrpSpPr/>
-        <p:nvPr/>
-      </p:nvGrpSpPr>
-      <p:grpSpPr/>
-      <p:sp>
-        <p:nvSpPr>
-          <p:cNvPr id="2" name="TextBox 1"/>
-          <p:cNvSpPr txBox="1"/>
-          <p:nvPr/>
-        </p:nvSpPr>
-        <p:spPr>
-          <a:xfrm>
-            <a:off x="914400" y="914400"/>
-            <a:ext cx="7315200" cy="5486400"/>
-          </a:xfrm>
-          <a:prstGeom prst="rect">
-            <a:avLst/>
-          </a:prstGeom>
-          <a:noFill/>
-        </p:spPr>
-        <p:txBody>
-          <a:bodyPr wrap="square">
-            <a:spAutoFit/>
-          </a:bodyPr>
-          <a:lstStyle/>
-          <a:p/>
-          <a:p>
-            <a:pPr algn="ctr">
-              <a:defRPr sz="5500">
-                <a:solidFill>
-                  <a:srgbClr val="000000"/>
-                </a:solidFill>
-              </a:defRPr>
-            </a:pPr>
-            <a:r>
-              <a:t>โลกนี้เราอยู่ไม่นาน ชีวิตสักวันก็ต้องมีวันสุด พระองค์ทรงรักมนุษย์ เชื่อพระองค์ผู้ไถ่มนุษย์ เมื่อวันสิ้นสุดเข้าสวรรค์นิรันดร์เอย</a:t>
-            </a:r>
-          </a:p>
         </p:txBody>
       </p:sp>
     </p:spTree>
@@ -3325,7 +3157,7 @@
         </p:nvSpPr>
         <p:spPr>
           <a:xfrm>
-            <a:off x="914400" y="914400"/>
+            <a:off x="914400" y="457200"/>
             <a:ext cx="7315200" cy="5486400"/>
           </a:xfrm>
           <a:prstGeom prst="rect">
@@ -3341,14 +3173,14 @@
           <a:p/>
           <a:p>
             <a:pPr algn="ctr">
-              <a:defRPr sz="5500">
+              <a:defRPr sz="3500">
                 <a:solidFill>
                   <a:srgbClr val="000000"/>
                 </a:solidFill>
               </a:defRPr>
             </a:pPr>
             <a:r>
-              <a:t>พวกเรา มาร้องกันเถิด ร่วมร้องสรรเสริญแด่พระผู้เป็นเจ้า พระองค์เป็นผู้สร้างเรา พระประทานชีวิตให้เรา เราจึงคุกเข่า สรรเสริญพระองค์</a:t>
+              <a:t>จงสรรเสริญพระเจ้าเถิด เปล่งเสียงโห่ร้องถวาย จงเข้าไปในพระวิหาร และนมัสการพระองค์ พระองค์ทรงสร้างทุกสิ่ง ขึ้นด้วยฝีพระหัตถ์ พระนามพระองค์ยิ่งใหญ่ สมควรสรรเสริญ</a:t>
             </a:r>
           </a:p>
         </p:txBody>
@@ -3379,7 +3211,7 @@
         </p:nvSpPr>
         <p:spPr>
           <a:xfrm>
-            <a:off x="914400" y="914400"/>
+            <a:off x="914400" y="457200"/>
             <a:ext cx="7315200" cy="5486400"/>
           </a:xfrm>
           <a:prstGeom prst="rect">
@@ -3395,14 +3227,14 @@
           <a:p/>
           <a:p>
             <a:pPr algn="ctr">
-              <a:defRPr sz="5500">
+              <a:defRPr sz="3500">
                 <a:solidFill>
                   <a:srgbClr val="000000"/>
                 </a:solidFill>
               </a:defRPr>
             </a:pPr>
             <a:r>
-              <a:t>จากใจที่แสนยินดี สุดแสนยินดีเพราะได้พบพระเจ้า ชีวิตหมดซึ่งซึมเซา ไม่มีใครจะสุขเท่าเรา เพราะองค์พระเจ้าเราจึงยินดี</a:t>
+              <a:t>ให้ทุกสิ่งที่อยู่ใต้ฟ้า ร้องสรรเสริญพระนามพระองค์ ยกย่องความยิ่งใหญ่ ของพระองค์ร่วมกัน ร้องเพลงและเต้นรำถวาย สรรเสริญพระนามเกรียงไกร ทุก ๆ สิ่งที่หายใจ จงสรรเสริญพระเจ้า</a:t>
             </a:r>
           </a:p>
         </p:txBody>
@@ -3427,36 +3259,42 @@
       <p:grpSpPr/>
       <p:sp>
         <p:nvSpPr>
-          <p:cNvPr id="2" name="TextBox 1"/>
-          <p:cNvSpPr txBox="1"/>
-          <p:nvPr/>
-        </p:nvSpPr>
-        <p:spPr>
-          <a:xfrm>
-            <a:off x="914400" y="914400"/>
-            <a:ext cx="7315200" cy="5486400"/>
-          </a:xfrm>
-          <a:prstGeom prst="rect">
-            <a:avLst/>
-          </a:prstGeom>
-          <a:noFill/>
-        </p:spPr>
-        <p:txBody>
-          <a:bodyPr wrap="square">
-            <a:spAutoFit/>
-          </a:bodyPr>
-          <a:lstStyle/>
-          <a:p/>
-          <a:p>
-            <a:pPr algn="ctr">
-              <a:defRPr sz="5500">
-                <a:solidFill>
-                  <a:srgbClr val="000000"/>
-                </a:solidFill>
-              </a:defRPr>
-            </a:pPr>
-            <a:r>
-              <a:t>ฮา เล ฮาเลลูยา ฮาเลลูยา ฮาเล ลู ยา ฮา เล ฮาเลลูยา ฮาเลลู ยา ฮาเล ลู ยา</a:t>
+          <p:cNvPr id="2" name="Title 1"/>
+          <p:cNvSpPr>
+            <a:spLocks noGrp="1"/>
+          </p:cNvSpPr>
+          <p:nvPr>
+            <p:ph type="ctrTitle"/>
+          </p:nvPr>
+        </p:nvSpPr>
+        <p:spPr/>
+        <p:txBody>
+          <a:bodyPr/>
+          <a:lstStyle/>
+          <a:p>
+            <a:r>
+              <a:t>มานี่เป็นเวลานมัสการ</a:t>
+            </a:r>
+          </a:p>
+        </p:txBody>
+      </p:sp>
+      <p:sp>
+        <p:nvSpPr>
+          <p:cNvPr id="3" name="Subtitle 2"/>
+          <p:cNvSpPr>
+            <a:spLocks noGrp="1"/>
+          </p:cNvSpPr>
+          <p:nvPr>
+            <p:ph type="subTitle" idx="1"/>
+          </p:nvPr>
+        </p:nvSpPr>
+        <p:spPr/>
+        <p:txBody>
+          <a:bodyPr/>
+          <a:lstStyle/>
+          <a:p>
+            <a:r>
+              <a:t>Come Now is the Time to Worship</a:t>
             </a:r>
           </a:p>
         </p:txBody>
@@ -3487,8 +3325,8 @@
         </p:nvSpPr>
         <p:spPr>
           <a:xfrm>
-            <a:off x="914400" y="914400"/>
-            <a:ext cx="7315200" cy="5486400"/>
+            <a:off x="914400" y="228600"/>
+            <a:ext cx="7315200" cy="2971800"/>
           </a:xfrm>
           <a:prstGeom prst="rect">
             <a:avLst/>
@@ -3503,14 +3341,50 @@
           <a:p/>
           <a:p>
             <a:pPr algn="ctr">
-              <a:defRPr sz="5500">
+              <a:defRPr sz="3500">
                 <a:solidFill>
                   <a:srgbClr val="000000"/>
                 </a:solidFill>
               </a:defRPr>
             </a:pPr>
             <a:r>
-              <a:t>หากใครได้พลาดพลั้งทำ เคยหลงเคยทำบาปและกรรมมาก่อน ขอจงรีบมาอ้อนวอน เพราะพระองค์ไม่เคยตัดรอน จงรีบอ้อนวอน ขอพรพระองค์</a:t>
+              <a:t>มา นี่เป็นเวลานมัสการ มา นี่เป็นเวลาถวายดวงใจ มา นมัสการดั่งที่เป็น มา ต่อหน้าพระองค์ดั่งที่เราเป็น มา</a:t>
+            </a:r>
+          </a:p>
+        </p:txBody>
+      </p:sp>
+      <p:sp>
+        <p:nvSpPr>
+          <p:cNvPr id="3" name="TextBox 2"/>
+          <p:cNvSpPr txBox="1"/>
+          <p:nvPr/>
+        </p:nvSpPr>
+        <p:spPr>
+          <a:xfrm>
+            <a:off x="914400" y="3657600"/>
+            <a:ext cx="7315200" cy="2971800"/>
+          </a:xfrm>
+          <a:prstGeom prst="rect">
+            <a:avLst/>
+          </a:prstGeom>
+          <a:noFill/>
+        </p:spPr>
+        <p:txBody>
+          <a:bodyPr wrap="square">
+            <a:spAutoFit/>
+          </a:bodyPr>
+          <a:lstStyle/>
+          <a:p/>
+          <a:p>
+            <a:pPr algn="ctr">
+              <a:defRPr sz="3500">
+                <a:solidFill>
+                  <a:srgbClr val="3A70BC"/>
+                </a:solidFill>
+              </a:defRPr>
+            </a:pPr>
+            <a:r>
+              <a:t>Come now is the time to worship. Come now is the time to give your heart. Come just as you are to worship. Come just as you are before your God. Come</a:t>
             </a:r>
           </a:p>
         </p:txBody>
@@ -3541,8 +3415,8 @@
         </p:nvSpPr>
         <p:spPr>
           <a:xfrm>
-            <a:off x="914400" y="914400"/>
-            <a:ext cx="7315200" cy="5486400"/>
+            <a:off x="914400" y="228600"/>
+            <a:ext cx="7315200" cy="2971800"/>
           </a:xfrm>
           <a:prstGeom prst="rect">
             <a:avLst/>
@@ -3557,46 +3431,28 @@
           <a:p/>
           <a:p>
             <a:pPr algn="ctr">
-              <a:defRPr sz="5500">
+              <a:defRPr sz="3500">
                 <a:solidFill>
                   <a:srgbClr val="000000"/>
                 </a:solidFill>
               </a:defRPr>
             </a:pPr>
             <a:r>
-              <a:t>ด้วยรักจึงให้หนทาง ทรงมอบหนทางแก่ผู้คนทั่วหน้า พระองค์ประทานบุตรา พระเยซูเสด็จลงมา ทรงมอบกายา ช่วยเราทุกคน</a:t>
-            </a:r>
-          </a:p>
-        </p:txBody>
-      </p:sp>
-    </p:spTree>
-  </p:cSld>
-  <p:clrMapOvr>
-    <a:masterClrMapping/>
-  </p:clrMapOvr>
-</p:sld>
-</file>
-
-<file path=ppt/slides/slide7.xml><?xml version="1.0" encoding="utf-8"?>
-<p:sld xmlns:a="http://schemas.openxmlformats.org/drawingml/2006/main" xmlns:p="http://schemas.openxmlformats.org/presentationml/2006/main" xmlns:r="http://schemas.openxmlformats.org/officeDocument/2006/relationships">
-  <p:cSld>
-    <p:spTree>
-      <p:nvGrpSpPr>
-        <p:cNvPr id="1" name=""/>
-        <p:cNvGrpSpPr/>
-        <p:nvPr/>
-      </p:nvGrpSpPr>
-      <p:grpSpPr/>
-      <p:sp>
-        <p:nvSpPr>
-          <p:cNvPr id="2" name="TextBox 1"/>
+              <a:t>สักวันทุกลิ้นจะยอมรับว่าทรงเป็นพระเจ้า สักวันทุกเข่าจะก้มกราบลง แต่ทรัพย์สมบัติล้ำค่าจะเป็นของบรรดา ผู้เลือกและรับพระองค์</a:t>
+            </a:r>
+          </a:p>
+        </p:txBody>
+      </p:sp>
+      <p:sp>
+        <p:nvSpPr>
+          <p:cNvPr id="3" name="TextBox 2"/>
           <p:cNvSpPr txBox="1"/>
           <p:nvPr/>
         </p:nvSpPr>
         <p:spPr>
           <a:xfrm>
-            <a:off x="914400" y="914400"/>
-            <a:ext cx="7315200" cy="5486400"/>
+            <a:off x="914400" y="3657600"/>
+            <a:ext cx="7315200" cy="2971800"/>
           </a:xfrm>
           <a:prstGeom prst="rect">
             <a:avLst/>
@@ -3611,122 +3467,14 @@
           <a:p/>
           <a:p>
             <a:pPr algn="ctr">
-              <a:defRPr sz="5500">
+              <a:defRPr sz="3500">
                 <a:solidFill>
-                  <a:srgbClr val="000000"/>
+                  <a:srgbClr val="3A70BC"/>
                 </a:solidFill>
               </a:defRPr>
             </a:pPr>
             <a:r>
-              <a:t>ฮา เล ฮาเลลูยา ฮาเลลูยา ฮาเล ลู ยา ฮา เล ฮาเลลูยา ฮาเลลู ยา ฮาเล ลู ยา</a:t>
-            </a:r>
-          </a:p>
-        </p:txBody>
-      </p:sp>
-    </p:spTree>
-  </p:cSld>
-  <p:clrMapOvr>
-    <a:masterClrMapping/>
-  </p:clrMapOvr>
-</p:sld>
-</file>
-
-<file path=ppt/slides/slide8.xml><?xml version="1.0" encoding="utf-8"?>
-<p:sld xmlns:a="http://schemas.openxmlformats.org/drawingml/2006/main" xmlns:p="http://schemas.openxmlformats.org/presentationml/2006/main" xmlns:r="http://schemas.openxmlformats.org/officeDocument/2006/relationships">
-  <p:cSld>
-    <p:spTree>
-      <p:nvGrpSpPr>
-        <p:cNvPr id="1" name=""/>
-        <p:cNvGrpSpPr/>
-        <p:nvPr/>
-      </p:nvGrpSpPr>
-      <p:grpSpPr/>
-      <p:sp>
-        <p:nvSpPr>
-          <p:cNvPr id="2" name="TextBox 1"/>
-          <p:cNvSpPr txBox="1"/>
-          <p:nvPr/>
-        </p:nvSpPr>
-        <p:spPr>
-          <a:xfrm>
-            <a:off x="914400" y="914400"/>
-            <a:ext cx="7315200" cy="5486400"/>
-          </a:xfrm>
-          <a:prstGeom prst="rect">
-            <a:avLst/>
-          </a:prstGeom>
-          <a:noFill/>
-        </p:spPr>
-        <p:txBody>
-          <a:bodyPr wrap="square">
-            <a:spAutoFit/>
-          </a:bodyPr>
-          <a:lstStyle/>
-          <a:p/>
-          <a:p>
-            <a:pPr algn="ctr">
-              <a:defRPr sz="5500">
-                <a:solidFill>
-                  <a:srgbClr val="000000"/>
-                </a:solidFill>
-              </a:defRPr>
-            </a:pPr>
-            <a:r>
-              <a:t>เมื่อมองที่ไม้กางเขน จึงได้พบเห็นความรักที่ยิ่งใหญ่ พระเยซูได้ทรงยอมตาย พระองค์ยอมพลีพระกาย พระโลหิตไถ่ พวกเราทุกคน</a:t>
-            </a:r>
-          </a:p>
-        </p:txBody>
-      </p:sp>
-    </p:spTree>
-  </p:cSld>
-  <p:clrMapOvr>
-    <a:masterClrMapping/>
-  </p:clrMapOvr>
-</p:sld>
-</file>
-
-<file path=ppt/slides/slide9.xml><?xml version="1.0" encoding="utf-8"?>
-<p:sld xmlns:a="http://schemas.openxmlformats.org/drawingml/2006/main" xmlns:p="http://schemas.openxmlformats.org/presentationml/2006/main" xmlns:r="http://schemas.openxmlformats.org/officeDocument/2006/relationships">
-  <p:cSld>
-    <p:spTree>
-      <p:nvGrpSpPr>
-        <p:cNvPr id="1" name=""/>
-        <p:cNvGrpSpPr/>
-        <p:nvPr/>
-      </p:nvGrpSpPr>
-      <p:grpSpPr/>
-      <p:sp>
-        <p:nvSpPr>
-          <p:cNvPr id="2" name="TextBox 1"/>
-          <p:cNvSpPr txBox="1"/>
-          <p:nvPr/>
-        </p:nvSpPr>
-        <p:spPr>
-          <a:xfrm>
-            <a:off x="914400" y="914400"/>
-            <a:ext cx="7315200" cy="5486400"/>
-          </a:xfrm>
-          <a:prstGeom prst="rect">
-            <a:avLst/>
-          </a:prstGeom>
-          <a:noFill/>
-        </p:spPr>
-        <p:txBody>
-          <a:bodyPr wrap="square">
-            <a:spAutoFit/>
-          </a:bodyPr>
-          <a:lstStyle/>
-          <a:p/>
-          <a:p>
-            <a:pPr algn="ctr">
-              <a:defRPr sz="5500">
-                <a:solidFill>
-                  <a:srgbClr val="000000"/>
-                </a:solidFill>
-              </a:defRPr>
-            </a:pPr>
-            <a:r>
-              <a:t>วันที่สามทรงฟื้นจากตาย ทรงพร้อมอภัยแก่ทุกคนที่เชื่อ ผิดบาปกรรมจะไม่มีเหลือ กรรมทำมาจะไม่มีเหลือ เพราะเพียงเรา เชื่อถือในพระองค์</a:t>
+              <a:t>One day every tongue, Will confess You are God. One day every knee will bow. Still the greatest treasure remains, For those who gladly choose You now.</a:t>
             </a:r>
           </a:p>
         </p:txBody>

--- a/finishedppt/WorshipSongs.pptx
+++ b/finishedppt/WorshipSongs.pptx
@@ -3109,7 +3109,7 @@
           <a:lstStyle/>
           <a:p>
             <a:r>
-              <a:t>จงสรรเสริญพระเจ้าเถิด</a:t>
+              <a:t>พระคุณพระเจ้า</a:t>
             </a:r>
           </a:p>
         </p:txBody>
@@ -3128,7 +3128,11 @@
         <p:txBody>
           <a:bodyPr/>
           <a:lstStyle/>
-          <a:p/>
+          <a:p>
+            <a:r>
+              <a:t>Amazing Grace</a:t>
+            </a:r>
+          </a:p>
         </p:txBody>
       </p:sp>
     </p:spTree>
@@ -3157,8 +3161,8 @@
         </p:nvSpPr>
         <p:spPr>
           <a:xfrm>
-            <a:off x="914400" y="457200"/>
-            <a:ext cx="7315200" cy="5486400"/>
+            <a:off x="914400" y="228600"/>
+            <a:ext cx="7315200" cy="2971800"/>
           </a:xfrm>
           <a:prstGeom prst="rect">
             <a:avLst/>
@@ -3173,14 +3177,50 @@
           <a:p/>
           <a:p>
             <a:pPr algn="ctr">
-              <a:defRPr sz="3500">
+              <a:defRPr sz="5000">
                 <a:solidFill>
                   <a:srgbClr val="000000"/>
                 </a:solidFill>
               </a:defRPr>
             </a:pPr>
             <a:r>
-              <a:t>จงสรรเสริญพระเจ้าเถิด เปล่งเสียงโห่ร้องถวาย จงเข้าไปในพระวิหาร และนมัสการพระองค์ พระองค์ทรงสร้างทุกสิ่ง ขึ้นด้วยฝีพระหัตถ์ พระนามพระองค์ยิ่งใหญ่ สมควรสรรเสริญ</a:t>
+              <a:t>พระคุณพระเจ้านั้นแสนชื่นใจ ช่วยได้คนชั่วอย่างฉัน ครั้งนั้นฉันหลงพระองค์ตามหา ตาบอดแต่ฉันเห็นแล้ว</a:t>
+            </a:r>
+          </a:p>
+        </p:txBody>
+      </p:sp>
+      <p:sp>
+        <p:nvSpPr>
+          <p:cNvPr id="3" name="TextBox 2"/>
+          <p:cNvSpPr txBox="1"/>
+          <p:nvPr/>
+        </p:nvSpPr>
+        <p:spPr>
+          <a:xfrm>
+            <a:off x="914400" y="3657600"/>
+            <a:ext cx="7315200" cy="2971800"/>
+          </a:xfrm>
+          <a:prstGeom prst="rect">
+            <a:avLst/>
+          </a:prstGeom>
+          <a:noFill/>
+        </p:spPr>
+        <p:txBody>
+          <a:bodyPr wrap="square">
+            <a:spAutoFit/>
+          </a:bodyPr>
+          <a:lstStyle/>
+          <a:p/>
+          <a:p>
+            <a:pPr algn="ctr">
+              <a:defRPr sz="3500">
+                <a:solidFill>
+                  <a:srgbClr val="3A70BC"/>
+                </a:solidFill>
+              </a:defRPr>
+            </a:pPr>
+            <a:r>
+              <a:t>AMAZING GRACE HOW SWEET THE SOUND THAT SAVED A WRETCH LIKE ME! I ONCE WAS LOST, BUT NOW AM FOUND WAS BLIND, BUT NOW I SEE</a:t>
             </a:r>
           </a:p>
         </p:txBody>
@@ -3211,8 +3251,8 @@
         </p:nvSpPr>
         <p:spPr>
           <a:xfrm>
-            <a:off x="914400" y="457200"/>
-            <a:ext cx="7315200" cy="5486400"/>
+            <a:off x="914400" y="228600"/>
+            <a:ext cx="7315200" cy="2971800"/>
           </a:xfrm>
           <a:prstGeom prst="rect">
             <a:avLst/>
@@ -3227,14 +3267,50 @@
           <a:p/>
           <a:p>
             <a:pPr algn="ctr">
-              <a:defRPr sz="3500">
+              <a:defRPr sz="5000">
                 <a:solidFill>
                   <a:srgbClr val="000000"/>
                 </a:solidFill>
               </a:defRPr>
             </a:pPr>
             <a:r>
-              <a:t>ให้ทุกสิ่งที่อยู่ใต้ฟ้า ร้องสรรเสริญพระนามพระองค์ ยกย่องความยิ่งใหญ่ ของพระองค์ร่วมกัน ร้องเพลงและเต้นรำถวาย สรรเสริญพระนามเกรียงไกร ทุก ๆ สิ่งที่หายใจ จงสรรเสริญพระเจ้า</a:t>
+              <a:t>บ่วงมารวางไว้ทุกข์ภัยหลายอย่าง ตามทางฉันพ้นมาแล้ว แต่เพราะพระคุณฉันจึงคลาดแคล้ว พระองค์นำฉันกลับบ้าน</a:t>
+            </a:r>
+          </a:p>
+        </p:txBody>
+      </p:sp>
+      <p:sp>
+        <p:nvSpPr>
+          <p:cNvPr id="3" name="TextBox 2"/>
+          <p:cNvSpPr txBox="1"/>
+          <p:nvPr/>
+        </p:nvSpPr>
+        <p:spPr>
+          <a:xfrm>
+            <a:off x="914400" y="3657600"/>
+            <a:ext cx="7315200" cy="2971800"/>
+          </a:xfrm>
+          <a:prstGeom prst="rect">
+            <a:avLst/>
+          </a:prstGeom>
+          <a:noFill/>
+        </p:spPr>
+        <p:txBody>
+          <a:bodyPr wrap="square">
+            <a:spAutoFit/>
+          </a:bodyPr>
+          <a:lstStyle/>
+          <a:p/>
+          <a:p>
+            <a:pPr algn="ctr">
+              <a:defRPr sz="3500">
+                <a:solidFill>
+                  <a:srgbClr val="3A70BC"/>
+                </a:solidFill>
+              </a:defRPr>
+            </a:pPr>
+            <a:r>
+              <a:t>Twas grace that taught my heart to fear, And grace my fears relieved; How precious did that grace appear the hour I first believed.</a:t>
             </a:r>
           </a:p>
         </p:txBody>
@@ -3259,42 +3335,73 @@
       <p:grpSpPr/>
       <p:sp>
         <p:nvSpPr>
-          <p:cNvPr id="2" name="Title 1"/>
-          <p:cNvSpPr>
-            <a:spLocks noGrp="1"/>
-          </p:cNvSpPr>
-          <p:nvPr>
-            <p:ph type="ctrTitle"/>
-          </p:nvPr>
-        </p:nvSpPr>
-        <p:spPr/>
-        <p:txBody>
-          <a:bodyPr/>
-          <a:lstStyle/>
-          <a:p>
-            <a:r>
-              <a:t>มานี่เป็นเวลานมัสการ</a:t>
-            </a:r>
-          </a:p>
-        </p:txBody>
-      </p:sp>
-      <p:sp>
-        <p:nvSpPr>
-          <p:cNvPr id="3" name="Subtitle 2"/>
-          <p:cNvSpPr>
-            <a:spLocks noGrp="1"/>
-          </p:cNvSpPr>
-          <p:nvPr>
-            <p:ph type="subTitle" idx="1"/>
-          </p:nvPr>
-        </p:nvSpPr>
-        <p:spPr/>
-        <p:txBody>
-          <a:bodyPr/>
-          <a:lstStyle/>
-          <a:p>
-            <a:r>
-              <a:t>Come Now is the Time to Worship</a:t>
+          <p:cNvPr id="2" name="TextBox 1"/>
+          <p:cNvSpPr txBox="1"/>
+          <p:nvPr/>
+        </p:nvSpPr>
+        <p:spPr>
+          <a:xfrm>
+            <a:off x="914400" y="228600"/>
+            <a:ext cx="7315200" cy="2971800"/>
+          </a:xfrm>
+          <a:prstGeom prst="rect">
+            <a:avLst/>
+          </a:prstGeom>
+          <a:noFill/>
+        </p:spPr>
+        <p:txBody>
+          <a:bodyPr wrap="square">
+            <a:spAutoFit/>
+          </a:bodyPr>
+          <a:lstStyle/>
+          <a:p/>
+          <a:p>
+            <a:pPr algn="ctr">
+              <a:defRPr sz="5000">
+                <a:solidFill>
+                  <a:srgbClr val="000000"/>
+                </a:solidFill>
+              </a:defRPr>
+            </a:pPr>
+            <a:r>
+              <a:t>พระคุณสอนให้ใจฉันยำเกรง เร่งให้ความกลัวต้องหนี พระคุณอันเลิศประเสริฐยิ่งใหญ่ ไม่มีหมู่มารได้ชัย</a:t>
+            </a:r>
+            <a:br/>
+          </a:p>
+        </p:txBody>
+      </p:sp>
+      <p:sp>
+        <p:nvSpPr>
+          <p:cNvPr id="3" name="TextBox 2"/>
+          <p:cNvSpPr txBox="1"/>
+          <p:nvPr/>
+        </p:nvSpPr>
+        <p:spPr>
+          <a:xfrm>
+            <a:off x="914400" y="3657600"/>
+            <a:ext cx="7315200" cy="2971800"/>
+          </a:xfrm>
+          <a:prstGeom prst="rect">
+            <a:avLst/>
+          </a:prstGeom>
+          <a:noFill/>
+        </p:spPr>
+        <p:txBody>
+          <a:bodyPr wrap="square">
+            <a:spAutoFit/>
+          </a:bodyPr>
+          <a:lstStyle/>
+          <a:p/>
+          <a:p>
+            <a:pPr algn="ctr">
+              <a:defRPr sz="3500">
+                <a:solidFill>
+                  <a:srgbClr val="3A70BC"/>
+                </a:solidFill>
+              </a:defRPr>
+            </a:pPr>
+            <a:r>
+              <a:t>Through many dangers, toils and snares, I have already come. 'tis grace that brought me safe thus far, and grace will lead us home.</a:t>
             </a:r>
           </a:p>
         </p:txBody>
@@ -3341,14 +3448,14 @@
           <a:p/>
           <a:p>
             <a:pPr algn="ctr">
-              <a:defRPr sz="3500">
+              <a:defRPr sz="5000">
                 <a:solidFill>
                   <a:srgbClr val="000000"/>
                 </a:solidFill>
               </a:defRPr>
             </a:pPr>
             <a:r>
-              <a:t>มา นี่เป็นเวลานมัสการ มา นี่เป็นเวลาถวายดวงใจ มา นมัสการดั่งที่เป็น มา ต่อหน้าพระองค์ดั่งที่เราเป็น มา</a:t>
+              <a:t>พระเจ้าประทานแต่สิ่งที่ดี พระธรรมให้มีความหวัง พระองค์คุ้มครองป้องกันทุกที เมื่อมีสิ่งชั่วบีฑา</a:t>
             </a:r>
           </a:p>
         </p:txBody>
@@ -3384,7 +3491,7 @@
               </a:defRPr>
             </a:pPr>
             <a:r>
-              <a:t>Come now is the time to worship. Come now is the time to give your heart. Come just as you are to worship. Come just as you are before your God. Come</a:t>
+              <a:t>The Lord hath promised good to me, His word my hope secures; He will my shield and portion be As long as life endures.</a:t>
             </a:r>
           </a:p>
         </p:txBody>
@@ -3424,21 +3531,29 @@
           <a:noFill/>
         </p:spPr>
         <p:txBody>
-          <a:bodyPr wrap="square">
+          <a:bodyPr wrap="none">
             <a:spAutoFit/>
           </a:bodyPr>
           <a:lstStyle/>
           <a:p/>
           <a:p>
             <a:pPr algn="ctr">
-              <a:defRPr sz="3500">
+              <a:defRPr sz="5000">
                 <a:solidFill>
                   <a:srgbClr val="000000"/>
                 </a:solidFill>
               </a:defRPr>
             </a:pPr>
             <a:r>
-              <a:t>สักวันทุกลิ้นจะยอมรับว่าทรงเป็นพระเจ้า สักวันทุกเข่าจะก้มกราบลง แต่ทรัพย์สมบัติล้ำค่าจะเป็นของบรรดา ผู้เลือกและรับพระองค์</a:t>
+              <a:t>เมื่อเราได้ไปอยู่เมืองสวรรค์</a:t>
+            </a:r>
+            <a:br/>
+            <a:r>
+              <a:t>ช้านานนับหลายพันปี ยังมีเวลาร้องเพลงสรรเสริญ</a:t>
+            </a:r>
+            <a:br/>
+            <a:r>
+              <a:t>เท่ากันกับเมื่อเริ่มต้น</a:t>
             </a:r>
           </a:p>
         </p:txBody>
@@ -3474,7 +3589,7 @@
               </a:defRPr>
             </a:pPr>
             <a:r>
-              <a:t>One day every tongue, Will confess You are God. One day every knee will bow. Still the greatest treasure remains, For those who gladly choose You now.</a:t>
+              <a:t>When we’ve been there ten thousand years, Bright shining as the sun, We’ve no less days to sing God’s praise Than when we first begun</a:t>
             </a:r>
           </a:p>
         </p:txBody>

--- a/finishedppt/WorshipSongs.pptx
+++ b/finishedppt/WorshipSongs.pptx
@@ -8,9 +8,6 @@
     <p:sldId id="256" r:id="rId7"/>
     <p:sldId id="257" r:id="rId8"/>
     <p:sldId id="258" r:id="rId9"/>
-    <p:sldId id="259" r:id="rId10"/>
-    <p:sldId id="260" r:id="rId11"/>
-    <p:sldId id="261" r:id="rId12"/>
   </p:sldIdLst>
   <p:sldSz cx="9144000" cy="6858000" type="screen4x3"/>
   <p:notesSz cx="6858000" cy="9144000"/>
@@ -3109,7 +3106,7 @@
           <a:lstStyle/>
           <a:p>
             <a:r>
-              <a:t>พระคุณพระเจ้า</a:t>
+              <a:t>ขอบพระคุณด้วยใจโมทนา</a:t>
             </a:r>
           </a:p>
         </p:txBody>
@@ -3130,7 +3127,7 @@
           <a:lstStyle/>
           <a:p>
             <a:r>
-              <a:t>Amazing Grace</a:t>
+              <a:t>Give Thanks</a:t>
             </a:r>
           </a:p>
         </p:txBody>
@@ -3170,21 +3167,29 @@
           <a:noFill/>
         </p:spPr>
         <p:txBody>
-          <a:bodyPr wrap="square">
+          <a:bodyPr wrap="none">
             <a:spAutoFit/>
           </a:bodyPr>
           <a:lstStyle/>
           <a:p/>
           <a:p>
             <a:pPr algn="ctr">
-              <a:defRPr sz="5000">
+              <a:defRPr sz="3500">
                 <a:solidFill>
                   <a:srgbClr val="000000"/>
                 </a:solidFill>
               </a:defRPr>
             </a:pPr>
             <a:r>
-              <a:t>พระคุณพระเจ้านั้นแสนชื่นใจ ช่วยได้คนชั่วอย่างฉัน ครั้งนั้นฉันหลงพระองค์ตามหา ตาบอดแต่ฉันเห็นแล้ว</a:t>
+              <a:t>ขอบพระคุณด้วยใจโมทนา ขอบพระคุณแด่องค์บริสุทธิ์</a:t>
+            </a:r>
+            <a:br/>
+            <a:r>
+              <a:t>ขอบพระคุณที่พระองค์ประทาน</a:t>
+            </a:r>
+            <a:br/>
+            <a:r>
+              <a:t>พระเยซู พระบุตร</a:t>
             </a:r>
           </a:p>
         </p:txBody>
@@ -3206,7 +3211,7 @@
           <a:noFill/>
         </p:spPr>
         <p:txBody>
-          <a:bodyPr wrap="square">
+          <a:bodyPr wrap="none">
             <a:spAutoFit/>
           </a:bodyPr>
           <a:lstStyle/>
@@ -3220,7 +3225,19 @@
               </a:defRPr>
             </a:pPr>
             <a:r>
-              <a:t>AMAZING GRACE HOW SWEET THE SOUND THAT SAVED A WRETCH LIKE ME! I ONCE WAS LOST, BUT NOW AM FOUND WAS BLIND, BUT NOW I SEE</a:t>
+              <a:t>Give thanks with a grateful heart</a:t>
+            </a:r>
+            <a:br/>
+            <a:r>
+              <a:t> Give thanks to the Holy One</a:t>
+            </a:r>
+            <a:br/>
+            <a:r>
+              <a:t> Give thanks because He's given Jesus Christ</a:t>
+            </a:r>
+            <a:br/>
+            <a:r>
+              <a:t> His Son.</a:t>
             </a:r>
           </a:p>
         </p:txBody>
@@ -3260,21 +3277,29 @@
           <a:noFill/>
         </p:spPr>
         <p:txBody>
-          <a:bodyPr wrap="square">
+          <a:bodyPr wrap="none">
             <a:spAutoFit/>
           </a:bodyPr>
           <a:lstStyle/>
           <a:p/>
           <a:p>
             <a:pPr algn="ctr">
-              <a:defRPr sz="5000">
+              <a:defRPr sz="3500">
                 <a:solidFill>
                   <a:srgbClr val="000000"/>
                 </a:solidFill>
               </a:defRPr>
             </a:pPr>
             <a:r>
-              <a:t>บ่วงมารวางไว้ทุกข์ภัยหลายอย่าง ตามทางฉันพ้นมาแล้ว แต่เพราะพระคุณฉันจึงคลาดแคล้ว พระองค์นำฉันกลับบ้าน</a:t>
+              <a:t>เดี๋ยวนี้ ให้ผู้อ่อนแอกล่าวว่าเข้มแข็ง</a:t>
+            </a:r>
+            <a:br/>
+            <a:r>
+              <a:t>ให้ผู้ขัดสนกลับเป็นมั่งมี</a:t>
+            </a:r>
+            <a:br/>
+            <a:r>
+              <a:t>เพราะพระองค์ทรง ประทานสิ่งดีเพื่อเรา</a:t>
             </a:r>
           </a:p>
         </p:txBody>
@@ -3296,7 +3321,7 @@
           <a:noFill/>
         </p:spPr>
         <p:txBody>
-          <a:bodyPr wrap="square">
+          <a:bodyPr wrap="none">
             <a:spAutoFit/>
           </a:bodyPr>
           <a:lstStyle/>
@@ -3310,287 +3335,17 @@
               </a:defRPr>
             </a:pPr>
             <a:r>
-              <a:t>Twas grace that taught my heart to fear, And grace my fears relieved; How precious did that grace appear the hour I first believed.</a:t>
-            </a:r>
-          </a:p>
-        </p:txBody>
-      </p:sp>
-    </p:spTree>
-  </p:cSld>
-  <p:clrMapOvr>
-    <a:masterClrMapping/>
-  </p:clrMapOvr>
-</p:sld>
-</file>
-
-<file path=ppt/slides/slide4.xml><?xml version="1.0" encoding="utf-8"?>
-<p:sld xmlns:a="http://schemas.openxmlformats.org/drawingml/2006/main" xmlns:p="http://schemas.openxmlformats.org/presentationml/2006/main" xmlns:r="http://schemas.openxmlformats.org/officeDocument/2006/relationships">
-  <p:cSld>
-    <p:spTree>
-      <p:nvGrpSpPr>
-        <p:cNvPr id="1" name=""/>
-        <p:cNvGrpSpPr/>
-        <p:nvPr/>
-      </p:nvGrpSpPr>
-      <p:grpSpPr/>
-      <p:sp>
-        <p:nvSpPr>
-          <p:cNvPr id="2" name="TextBox 1"/>
-          <p:cNvSpPr txBox="1"/>
-          <p:nvPr/>
-        </p:nvSpPr>
-        <p:spPr>
-          <a:xfrm>
-            <a:off x="914400" y="228600"/>
-            <a:ext cx="7315200" cy="2971800"/>
-          </a:xfrm>
-          <a:prstGeom prst="rect">
-            <a:avLst/>
-          </a:prstGeom>
-          <a:noFill/>
-        </p:spPr>
-        <p:txBody>
-          <a:bodyPr wrap="square">
-            <a:spAutoFit/>
-          </a:bodyPr>
-          <a:lstStyle/>
-          <a:p/>
-          <a:p>
-            <a:pPr algn="ctr">
-              <a:defRPr sz="5000">
-                <a:solidFill>
-                  <a:srgbClr val="000000"/>
-                </a:solidFill>
-              </a:defRPr>
-            </a:pPr>
-            <a:r>
-              <a:t>พระคุณสอนให้ใจฉันยำเกรง เร่งให้ความกลัวต้องหนี พระคุณอันเลิศประเสริฐยิ่งใหญ่ ไม่มีหมู่มารได้ชัย</a:t>
+              <a:t>And now let the weak say, I am strong</a:t>
             </a:r>
             <a:br/>
-          </a:p>
-        </p:txBody>
-      </p:sp>
-      <p:sp>
-        <p:nvSpPr>
-          <p:cNvPr id="3" name="TextBox 2"/>
-          <p:cNvSpPr txBox="1"/>
-          <p:nvPr/>
-        </p:nvSpPr>
-        <p:spPr>
-          <a:xfrm>
-            <a:off x="914400" y="3657600"/>
-            <a:ext cx="7315200" cy="2971800"/>
-          </a:xfrm>
-          <a:prstGeom prst="rect">
-            <a:avLst/>
-          </a:prstGeom>
-          <a:noFill/>
-        </p:spPr>
-        <p:txBody>
-          <a:bodyPr wrap="square">
-            <a:spAutoFit/>
-          </a:bodyPr>
-          <a:lstStyle/>
-          <a:p/>
-          <a:p>
-            <a:pPr algn="ctr">
-              <a:defRPr sz="3500">
-                <a:solidFill>
-                  <a:srgbClr val="3A70BC"/>
-                </a:solidFill>
-              </a:defRPr>
-            </a:pPr>
-            <a:r>
-              <a:t>Through many dangers, toils and snares, I have already come. 'tis grace that brought me safe thus far, and grace will lead us home.</a:t>
-            </a:r>
-          </a:p>
-        </p:txBody>
-      </p:sp>
-    </p:spTree>
-  </p:cSld>
-  <p:clrMapOvr>
-    <a:masterClrMapping/>
-  </p:clrMapOvr>
-</p:sld>
-</file>
-
-<file path=ppt/slides/slide5.xml><?xml version="1.0" encoding="utf-8"?>
-<p:sld xmlns:a="http://schemas.openxmlformats.org/drawingml/2006/main" xmlns:p="http://schemas.openxmlformats.org/presentationml/2006/main" xmlns:r="http://schemas.openxmlformats.org/officeDocument/2006/relationships">
-  <p:cSld>
-    <p:spTree>
-      <p:nvGrpSpPr>
-        <p:cNvPr id="1" name=""/>
-        <p:cNvGrpSpPr/>
-        <p:nvPr/>
-      </p:nvGrpSpPr>
-      <p:grpSpPr/>
-      <p:sp>
-        <p:nvSpPr>
-          <p:cNvPr id="2" name="TextBox 1"/>
-          <p:cNvSpPr txBox="1"/>
-          <p:nvPr/>
-        </p:nvSpPr>
-        <p:spPr>
-          <a:xfrm>
-            <a:off x="914400" y="228600"/>
-            <a:ext cx="7315200" cy="2971800"/>
-          </a:xfrm>
-          <a:prstGeom prst="rect">
-            <a:avLst/>
-          </a:prstGeom>
-          <a:noFill/>
-        </p:spPr>
-        <p:txBody>
-          <a:bodyPr wrap="square">
-            <a:spAutoFit/>
-          </a:bodyPr>
-          <a:lstStyle/>
-          <a:p/>
-          <a:p>
-            <a:pPr algn="ctr">
-              <a:defRPr sz="5000">
-                <a:solidFill>
-                  <a:srgbClr val="000000"/>
-                </a:solidFill>
-              </a:defRPr>
-            </a:pPr>
-            <a:r>
-              <a:t>พระเจ้าประทานแต่สิ่งที่ดี พระธรรมให้มีความหวัง พระองค์คุ้มครองป้องกันทุกที เมื่อมีสิ่งชั่วบีฑา</a:t>
-            </a:r>
-          </a:p>
-        </p:txBody>
-      </p:sp>
-      <p:sp>
-        <p:nvSpPr>
-          <p:cNvPr id="3" name="TextBox 2"/>
-          <p:cNvSpPr txBox="1"/>
-          <p:nvPr/>
-        </p:nvSpPr>
-        <p:spPr>
-          <a:xfrm>
-            <a:off x="914400" y="3657600"/>
-            <a:ext cx="7315200" cy="2971800"/>
-          </a:xfrm>
-          <a:prstGeom prst="rect">
-            <a:avLst/>
-          </a:prstGeom>
-          <a:noFill/>
-        </p:spPr>
-        <p:txBody>
-          <a:bodyPr wrap="square">
-            <a:spAutoFit/>
-          </a:bodyPr>
-          <a:lstStyle/>
-          <a:p/>
-          <a:p>
-            <a:pPr algn="ctr">
-              <a:defRPr sz="3500">
-                <a:solidFill>
-                  <a:srgbClr val="3A70BC"/>
-                </a:solidFill>
-              </a:defRPr>
-            </a:pPr>
-            <a:r>
-              <a:t>The Lord hath promised good to me, His word my hope secures; He will my shield and portion be As long as life endures.</a:t>
-            </a:r>
-          </a:p>
-        </p:txBody>
-      </p:sp>
-    </p:spTree>
-  </p:cSld>
-  <p:clrMapOvr>
-    <a:masterClrMapping/>
-  </p:clrMapOvr>
-</p:sld>
-</file>
-
-<file path=ppt/slides/slide6.xml><?xml version="1.0" encoding="utf-8"?>
-<p:sld xmlns:a="http://schemas.openxmlformats.org/drawingml/2006/main" xmlns:p="http://schemas.openxmlformats.org/presentationml/2006/main" xmlns:r="http://schemas.openxmlformats.org/officeDocument/2006/relationships">
-  <p:cSld>
-    <p:spTree>
-      <p:nvGrpSpPr>
-        <p:cNvPr id="1" name=""/>
-        <p:cNvGrpSpPr/>
-        <p:nvPr/>
-      </p:nvGrpSpPr>
-      <p:grpSpPr/>
-      <p:sp>
-        <p:nvSpPr>
-          <p:cNvPr id="2" name="TextBox 1"/>
-          <p:cNvSpPr txBox="1"/>
-          <p:nvPr/>
-        </p:nvSpPr>
-        <p:spPr>
-          <a:xfrm>
-            <a:off x="914400" y="228600"/>
-            <a:ext cx="7315200" cy="2971800"/>
-          </a:xfrm>
-          <a:prstGeom prst="rect">
-            <a:avLst/>
-          </a:prstGeom>
-          <a:noFill/>
-        </p:spPr>
-        <p:txBody>
-          <a:bodyPr wrap="none">
-            <a:spAutoFit/>
-          </a:bodyPr>
-          <a:lstStyle/>
-          <a:p/>
-          <a:p>
-            <a:pPr algn="ctr">
-              <a:defRPr sz="5000">
-                <a:solidFill>
-                  <a:srgbClr val="000000"/>
-                </a:solidFill>
-              </a:defRPr>
-            </a:pPr>
-            <a:r>
-              <a:t>เมื่อเราได้ไปอยู่เมืองสวรรค์</a:t>
+            <a:r>
+              <a:t> Let the poor say, I am rich</a:t>
             </a:r>
             <a:br/>
             <a:r>
-              <a:t>ช้านานนับหลายพันปี ยังมีเวลาร้องเพลงสรรเสริญ</a:t>
+              <a:t> Because of what the Lord has done for us</a:t>
             </a:r>
             <a:br/>
-            <a:r>
-              <a:t>เท่ากันกับเมื่อเริ่มต้น</a:t>
-            </a:r>
-          </a:p>
-        </p:txBody>
-      </p:sp>
-      <p:sp>
-        <p:nvSpPr>
-          <p:cNvPr id="3" name="TextBox 2"/>
-          <p:cNvSpPr txBox="1"/>
-          <p:nvPr/>
-        </p:nvSpPr>
-        <p:spPr>
-          <a:xfrm>
-            <a:off x="914400" y="3657600"/>
-            <a:ext cx="7315200" cy="2971800"/>
-          </a:xfrm>
-          <a:prstGeom prst="rect">
-            <a:avLst/>
-          </a:prstGeom>
-          <a:noFill/>
-        </p:spPr>
-        <p:txBody>
-          <a:bodyPr wrap="square">
-            <a:spAutoFit/>
-          </a:bodyPr>
-          <a:lstStyle/>
-          <a:p/>
-          <a:p>
-            <a:pPr algn="ctr">
-              <a:defRPr sz="3500">
-                <a:solidFill>
-                  <a:srgbClr val="3A70BC"/>
-                </a:solidFill>
-              </a:defRPr>
-            </a:pPr>
-            <a:r>
-              <a:t>When we’ve been there ten thousand years, Bright shining as the sun, We’ve no less days to sing God’s praise Than when we first begun</a:t>
-            </a:r>
           </a:p>
         </p:txBody>
       </p:sp>

--- a/finishedppt/WorshipSongs.pptx
+++ b/finishedppt/WorshipSongs.pptx
@@ -8,6 +8,15 @@
     <p:sldId id="256" r:id="rId7"/>
     <p:sldId id="257" r:id="rId8"/>
     <p:sldId id="258" r:id="rId9"/>
+    <p:sldId id="259" r:id="rId10"/>
+    <p:sldId id="260" r:id="rId11"/>
+    <p:sldId id="261" r:id="rId12"/>
+    <p:sldId id="262" r:id="rId13"/>
+    <p:sldId id="263" r:id="rId14"/>
+    <p:sldId id="264" r:id="rId15"/>
+    <p:sldId id="265" r:id="rId16"/>
+    <p:sldId id="266" r:id="rId17"/>
+    <p:sldId id="267" r:id="rId18"/>
   </p:sldIdLst>
   <p:sldSz cx="9144000" cy="6858000" type="screen4x3"/>
   <p:notesSz cx="6858000" cy="9144000"/>
@@ -3104,11 +3113,7 @@
         <p:txBody>
           <a:bodyPr/>
           <a:lstStyle/>
-          <a:p>
-            <a:r>
-              <a:t>ขอบพระคุณด้วยใจโมทนา</a:t>
-            </a:r>
-          </a:p>
+          <a:p/>
         </p:txBody>
       </p:sp>
       <p:sp>
@@ -3127,7 +3132,277 @@
           <a:lstStyle/>
           <a:p>
             <a:r>
-              <a:t>Give Thanks</a:t>
+              <a:t>10,000 Reasons</a:t>
+            </a:r>
+          </a:p>
+        </p:txBody>
+      </p:sp>
+    </p:spTree>
+  </p:cSld>
+  <p:clrMapOvr>
+    <a:masterClrMapping/>
+  </p:clrMapOvr>
+</p:sld>
+</file>
+
+<file path=ppt/slides/slide10.xml><?xml version="1.0" encoding="utf-8"?>
+<p:sld xmlns:a="http://schemas.openxmlformats.org/drawingml/2006/main" xmlns:p="http://schemas.openxmlformats.org/presentationml/2006/main" xmlns:r="http://schemas.openxmlformats.org/officeDocument/2006/relationships">
+  <p:cSld>
+    <p:spTree>
+      <p:nvGrpSpPr>
+        <p:cNvPr id="1" name=""/>
+        <p:cNvGrpSpPr/>
+        <p:nvPr/>
+      </p:nvGrpSpPr>
+      <p:grpSpPr/>
+      <p:sp>
+        <p:nvSpPr>
+          <p:cNvPr id="2" name="TextBox 1"/>
+          <p:cNvSpPr txBox="1"/>
+          <p:nvPr/>
+        </p:nvSpPr>
+        <p:spPr>
+          <a:xfrm>
+            <a:off x="914400" y="228600"/>
+            <a:ext cx="7315200" cy="2971800"/>
+          </a:xfrm>
+          <a:prstGeom prst="rect">
+            <a:avLst/>
+          </a:prstGeom>
+          <a:noFill/>
+        </p:spPr>
+        <p:txBody>
+          <a:bodyPr wrap="square">
+            <a:spAutoFit/>
+          </a:bodyPr>
+          <a:lstStyle/>
+          <a:p/>
+          <a:p>
+            <a:pPr algn="ctr">
+              <a:defRPr sz="3500">
+                <a:solidFill>
+                  <a:srgbClr val="000000"/>
+                </a:solidFill>
+              </a:defRPr>
+            </a:pPr>
+            <a:r>
+              <a:t>มีสหายเลิศคือพระเยซู ผู้ได้แบกบาปทุกข์ของเรา มีอะไรรบกวนให้โศกเศร้า จงรีบเร่งนำมาเข้าเฝ้า เหตุไฉนเราลืมพระเจ้าบ่อย ใจเป็นทุกข์โดยไม่มีเหตุ เพราะการไหว้วอนเราได้ท้อถอย ไม่ได้ทูลผู้ทรงฤทธิ์เดช</a:t>
+            </a:r>
+          </a:p>
+        </p:txBody>
+      </p:sp>
+      <p:sp>
+        <p:nvSpPr>
+          <p:cNvPr id="3" name="TextBox 2"/>
+          <p:cNvSpPr txBox="1"/>
+          <p:nvPr/>
+        </p:nvSpPr>
+        <p:spPr>
+          <a:xfrm>
+            <a:off x="914400" y="3657600"/>
+            <a:ext cx="7315200" cy="2971800"/>
+          </a:xfrm>
+          <a:prstGeom prst="rect">
+            <a:avLst/>
+          </a:prstGeom>
+          <a:noFill/>
+        </p:spPr>
+        <p:txBody>
+          <a:bodyPr wrap="square">
+            <a:spAutoFit/>
+          </a:bodyPr>
+          <a:lstStyle/>
+          <a:p/>
+          <a:p>
+            <a:pPr algn="ctr">
+              <a:defRPr sz="3500">
+                <a:solidFill>
+                  <a:srgbClr val="3A70BC"/>
+                </a:solidFill>
+              </a:defRPr>
+            </a:pPr>
+            <a:r>
+              <a:t>What a Friend we have in Jesus, All our sins and griefs to bear. What a privilege to carry. Everything to God in prayer. O what peace we often forfeit, O what needless pain we bear, All because we do not carry. Everything to God in prayer.</a:t>
+            </a:r>
+          </a:p>
+        </p:txBody>
+      </p:sp>
+    </p:spTree>
+  </p:cSld>
+  <p:clrMapOvr>
+    <a:masterClrMapping/>
+  </p:clrMapOvr>
+</p:sld>
+</file>
+
+<file path=ppt/slides/slide11.xml><?xml version="1.0" encoding="utf-8"?>
+<p:sld xmlns:a="http://schemas.openxmlformats.org/drawingml/2006/main" xmlns:p="http://schemas.openxmlformats.org/presentationml/2006/main" xmlns:r="http://schemas.openxmlformats.org/officeDocument/2006/relationships">
+  <p:cSld>
+    <p:spTree>
+      <p:nvGrpSpPr>
+        <p:cNvPr id="1" name=""/>
+        <p:cNvGrpSpPr/>
+        <p:nvPr/>
+      </p:nvGrpSpPr>
+      <p:grpSpPr/>
+      <p:sp>
+        <p:nvSpPr>
+          <p:cNvPr id="2" name="TextBox 1"/>
+          <p:cNvSpPr txBox="1"/>
+          <p:nvPr/>
+        </p:nvSpPr>
+        <p:spPr>
+          <a:xfrm>
+            <a:off x="914400" y="228600"/>
+            <a:ext cx="7315200" cy="2971800"/>
+          </a:xfrm>
+          <a:prstGeom prst="rect">
+            <a:avLst/>
+          </a:prstGeom>
+          <a:noFill/>
+        </p:spPr>
+        <p:txBody>
+          <a:bodyPr wrap="square">
+            <a:spAutoFit/>
+          </a:bodyPr>
+          <a:lstStyle/>
+          <a:p/>
+          <a:p>
+            <a:pPr algn="ctr">
+              <a:defRPr sz="3500">
+                <a:solidFill>
+                  <a:srgbClr val="000000"/>
+                </a:solidFill>
+              </a:defRPr>
+            </a:pPr>
+            <a:r>
+              <a:t>เราเป็นทุกข์เพราะถูกล่อลวงหรือ เคยเดือนร้อนลำบากหรือเปล่า ไม่ควรย่อท้อหรือใจห่อเหี่ยว แต่เร่งนำทุกสิ่งเข้าเฝ้า เราจะหาสหายที่วางใจ แก้ความทุกข์ลำบากเราได้ เพราะพระเยซูทราบความทุกข์นั้น จงทูลทุกสิ่งต่อพระองค์</a:t>
+            </a:r>
+          </a:p>
+        </p:txBody>
+      </p:sp>
+      <p:sp>
+        <p:nvSpPr>
+          <p:cNvPr id="3" name="TextBox 2"/>
+          <p:cNvSpPr txBox="1"/>
+          <p:nvPr/>
+        </p:nvSpPr>
+        <p:spPr>
+          <a:xfrm>
+            <a:off x="914400" y="3657600"/>
+            <a:ext cx="7315200" cy="2971800"/>
+          </a:xfrm>
+          <a:prstGeom prst="rect">
+            <a:avLst/>
+          </a:prstGeom>
+          <a:noFill/>
+        </p:spPr>
+        <p:txBody>
+          <a:bodyPr wrap="square">
+            <a:spAutoFit/>
+          </a:bodyPr>
+          <a:lstStyle/>
+          <a:p/>
+          <a:p>
+            <a:pPr algn="ctr">
+              <a:defRPr sz="3500">
+                <a:solidFill>
+                  <a:srgbClr val="3A70BC"/>
+                </a:solidFill>
+              </a:defRPr>
+            </a:pPr>
+            <a:r>
+              <a:t>Have we trials and temptations. Is there trouble anywhere. We should never be discouraged, Take it to the Lord in prayer. Can we find a friend so faithful. Who will all our sorrows share. Jesus knows our every weakness, Take it to the Lord in prayer.</a:t>
+            </a:r>
+          </a:p>
+        </p:txBody>
+      </p:sp>
+    </p:spTree>
+  </p:cSld>
+  <p:clrMapOvr>
+    <a:masterClrMapping/>
+  </p:clrMapOvr>
+</p:sld>
+</file>
+
+<file path=ppt/slides/slide12.xml><?xml version="1.0" encoding="utf-8"?>
+<p:sld xmlns:a="http://schemas.openxmlformats.org/drawingml/2006/main" xmlns:p="http://schemas.openxmlformats.org/presentationml/2006/main" xmlns:r="http://schemas.openxmlformats.org/officeDocument/2006/relationships">
+  <p:cSld>
+    <p:spTree>
+      <p:nvGrpSpPr>
+        <p:cNvPr id="1" name=""/>
+        <p:cNvGrpSpPr/>
+        <p:nvPr/>
+      </p:nvGrpSpPr>
+      <p:grpSpPr/>
+      <p:sp>
+        <p:nvSpPr>
+          <p:cNvPr id="2" name="TextBox 1"/>
+          <p:cNvSpPr txBox="1"/>
+          <p:nvPr/>
+        </p:nvSpPr>
+        <p:spPr>
+          <a:xfrm>
+            <a:off x="914400" y="228600"/>
+            <a:ext cx="7315200" cy="2971800"/>
+          </a:xfrm>
+          <a:prstGeom prst="rect">
+            <a:avLst/>
+          </a:prstGeom>
+          <a:noFill/>
+        </p:spPr>
+        <p:txBody>
+          <a:bodyPr wrap="square">
+            <a:spAutoFit/>
+          </a:bodyPr>
+          <a:lstStyle/>
+          <a:p/>
+          <a:p>
+            <a:pPr algn="ctr">
+              <a:defRPr sz="3500">
+                <a:solidFill>
+                  <a:srgbClr val="000000"/>
+                </a:solidFill>
+              </a:defRPr>
+            </a:pPr>
+            <a:r>
+              <a:t>เมื่อเหน็ดเหนื่อยเพราะแบกภาระหนัก เหลือกำลังและเราหมดแรง ผู้ประเสริฐทรงช่วยศิษย์ที่รัก ให้เราอ้อนวอนต่อพระองค์ ถ้าสหายดูหมิ่นเกลียดชังท่าน จงเร่งนำทุกสิ่งเข้าเฝ้า แล้วทรงยื่นพระหัตถ์รับท่านไว้ ท่านจึงได้รับความบรรเทา</a:t>
+            </a:r>
+          </a:p>
+        </p:txBody>
+      </p:sp>
+      <p:sp>
+        <p:nvSpPr>
+          <p:cNvPr id="3" name="TextBox 2"/>
+          <p:cNvSpPr txBox="1"/>
+          <p:nvPr/>
+        </p:nvSpPr>
+        <p:spPr>
+          <a:xfrm>
+            <a:off x="914400" y="3657600"/>
+            <a:ext cx="7315200" cy="2971800"/>
+          </a:xfrm>
+          <a:prstGeom prst="rect">
+            <a:avLst/>
+          </a:prstGeom>
+          <a:noFill/>
+        </p:spPr>
+        <p:txBody>
+          <a:bodyPr wrap="square">
+            <a:spAutoFit/>
+          </a:bodyPr>
+          <a:lstStyle/>
+          <a:p/>
+          <a:p>
+            <a:pPr algn="ctr">
+              <a:defRPr sz="3500">
+                <a:solidFill>
+                  <a:srgbClr val="3A70BC"/>
+                </a:solidFill>
+              </a:defRPr>
+            </a:pPr>
+            <a:r>
+              <a:t>Are we weak and heavy-laden, Cumbered with a load of care. Precious Savior, still our refuge. Take it to the Lord in prayer; Do thy friends despise, forsake thee. Take it to the Lord in prayer; In His arms He’ll take and shield thee, Thou wilt find a solace there.</a:t>
             </a:r>
           </a:p>
         </p:txBody>
@@ -3158,8 +3433,8 @@
         </p:nvSpPr>
         <p:spPr>
           <a:xfrm>
-            <a:off x="914400" y="228600"/>
-            <a:ext cx="7315200" cy="2971800"/>
+            <a:off x="914400" y="457200"/>
+            <a:ext cx="7315200" cy="5486400"/>
           </a:xfrm>
           <a:prstGeom prst="rect">
             <a:avLst/>
@@ -3181,64 +3456,21 @@
               </a:defRPr>
             </a:pPr>
             <a:r>
-              <a:t>ขอบพระคุณด้วยใจโมทนา ขอบพระคุณแด่องค์บริสุทธิ์</a:t>
+              <a:t>Bless the Lord, O my soul</a:t>
             </a:r>
             <a:br/>
             <a:r>
-              <a:t>ขอบพระคุณที่พระองค์ประทาน</a:t>
+              <a:t> O my soul. Worship His holy name</a:t>
             </a:r>
             <a:br/>
             <a:r>
-              <a:t>พระเยซู พระบุตร</a:t>
-            </a:r>
-          </a:p>
-        </p:txBody>
-      </p:sp>
-      <p:sp>
-        <p:nvSpPr>
-          <p:cNvPr id="3" name="TextBox 2"/>
-          <p:cNvSpPr txBox="1"/>
-          <p:nvPr/>
-        </p:nvSpPr>
-        <p:spPr>
-          <a:xfrm>
-            <a:off x="914400" y="3657600"/>
-            <a:ext cx="7315200" cy="2971800"/>
-          </a:xfrm>
-          <a:prstGeom prst="rect">
-            <a:avLst/>
-          </a:prstGeom>
-          <a:noFill/>
-        </p:spPr>
-        <p:txBody>
-          <a:bodyPr wrap="none">
-            <a:spAutoFit/>
-          </a:bodyPr>
-          <a:lstStyle/>
-          <a:p/>
-          <a:p>
-            <a:pPr algn="ctr">
-              <a:defRPr sz="3500">
-                <a:solidFill>
-                  <a:srgbClr val="3A70BC"/>
-                </a:solidFill>
-              </a:defRPr>
-            </a:pPr>
-            <a:r>
-              <a:t>Give thanks with a grateful heart</a:t>
+              <a:t> Sing like never before</a:t>
             </a:r>
             <a:br/>
             <a:r>
-              <a:t> Give thanks to the Holy One</a:t>
+              <a:t> O my soul. I'll worship Your holy name</a:t>
             </a:r>
             <a:br/>
-            <a:r>
-              <a:t> Give thanks because He's given Jesus Christ</a:t>
-            </a:r>
-            <a:br/>
-            <a:r>
-              <a:t> His Son.</a:t>
-            </a:r>
           </a:p>
         </p:txBody>
       </p:sp>
@@ -3268,8 +3500,8 @@
         </p:nvSpPr>
         <p:spPr>
           <a:xfrm>
-            <a:off x="914400" y="228600"/>
-            <a:ext cx="7315200" cy="2971800"/>
+            <a:off x="914400" y="457200"/>
+            <a:ext cx="7315200" cy="5486400"/>
           </a:xfrm>
           <a:prstGeom prst="rect">
             <a:avLst/>
@@ -3291,29 +3523,52 @@
               </a:defRPr>
             </a:pPr>
             <a:r>
-              <a:t>เดี๋ยวนี้ ให้ผู้อ่อนแอกล่าวว่าเข้มแข็ง</a:t>
+              <a:t>The sun comes up, it's a new day dawning</a:t>
             </a:r>
             <a:br/>
             <a:r>
-              <a:t>ให้ผู้ขัดสนกลับเป็นมั่งมี</a:t>
+              <a:t> It's time to sing Your song again</a:t>
             </a:r>
             <a:br/>
             <a:r>
-              <a:t>เพราะพระองค์ทรง ประทานสิ่งดีเพื่อเรา</a:t>
-            </a:r>
-          </a:p>
-        </p:txBody>
-      </p:sp>
-      <p:sp>
-        <p:nvSpPr>
-          <p:cNvPr id="3" name="TextBox 2"/>
+              <a:t> Whatever may pass and whatever lies before me</a:t>
+            </a:r>
+            <a:br/>
+            <a:r>
+              <a:t> Let me be singing when the evening comes</a:t>
+            </a:r>
+            <a:br/>
+          </a:p>
+        </p:txBody>
+      </p:sp>
+    </p:spTree>
+  </p:cSld>
+  <p:clrMapOvr>
+    <a:masterClrMapping/>
+  </p:clrMapOvr>
+</p:sld>
+</file>
+
+<file path=ppt/slides/slide4.xml><?xml version="1.0" encoding="utf-8"?>
+<p:sld xmlns:a="http://schemas.openxmlformats.org/drawingml/2006/main" xmlns:p="http://schemas.openxmlformats.org/presentationml/2006/main" xmlns:r="http://schemas.openxmlformats.org/officeDocument/2006/relationships">
+  <p:cSld>
+    <p:spTree>
+      <p:nvGrpSpPr>
+        <p:cNvPr id="1" name=""/>
+        <p:cNvGrpSpPr/>
+        <p:nvPr/>
+      </p:nvGrpSpPr>
+      <p:grpSpPr/>
+      <p:sp>
+        <p:nvSpPr>
+          <p:cNvPr id="2" name="TextBox 1"/>
           <p:cNvSpPr txBox="1"/>
           <p:nvPr/>
         </p:nvSpPr>
         <p:spPr>
           <a:xfrm>
-            <a:off x="914400" y="3657600"/>
-            <a:ext cx="7315200" cy="2971800"/>
+            <a:off x="914400" y="457200"/>
+            <a:ext cx="7315200" cy="5486400"/>
           </a:xfrm>
           <a:prstGeom prst="rect">
             <a:avLst/>
@@ -3330,22 +3585,361 @@
             <a:pPr algn="ctr">
               <a:defRPr sz="3500">
                 <a:solidFill>
-                  <a:srgbClr val="3A70BC"/>
+                  <a:srgbClr val="000000"/>
                 </a:solidFill>
               </a:defRPr>
             </a:pPr>
             <a:r>
-              <a:t>And now let the weak say, I am strong</a:t>
+              <a:t>Bless the Lord, O my soul</a:t>
             </a:r>
             <a:br/>
             <a:r>
-              <a:t> Let the poor say, I am rich</a:t>
+              <a:t> O my soul. Worship His holy name</a:t>
             </a:r>
             <a:br/>
             <a:r>
-              <a:t> Because of what the Lord has done for us</a:t>
+              <a:t> Sing like never before</a:t>
             </a:r>
             <a:br/>
+            <a:r>
+              <a:t> O my soul. I'll worship Your holy name</a:t>
+            </a:r>
+            <a:br/>
+          </a:p>
+        </p:txBody>
+      </p:sp>
+    </p:spTree>
+  </p:cSld>
+  <p:clrMapOvr>
+    <a:masterClrMapping/>
+  </p:clrMapOvr>
+</p:sld>
+</file>
+
+<file path=ppt/slides/slide5.xml><?xml version="1.0" encoding="utf-8"?>
+<p:sld xmlns:a="http://schemas.openxmlformats.org/drawingml/2006/main" xmlns:p="http://schemas.openxmlformats.org/presentationml/2006/main" xmlns:r="http://schemas.openxmlformats.org/officeDocument/2006/relationships">
+  <p:cSld>
+    <p:spTree>
+      <p:nvGrpSpPr>
+        <p:cNvPr id="1" name=""/>
+        <p:cNvGrpSpPr/>
+        <p:nvPr/>
+      </p:nvGrpSpPr>
+      <p:grpSpPr/>
+      <p:sp>
+        <p:nvSpPr>
+          <p:cNvPr id="2" name="TextBox 1"/>
+          <p:cNvSpPr txBox="1"/>
+          <p:nvPr/>
+        </p:nvSpPr>
+        <p:spPr>
+          <a:xfrm>
+            <a:off x="914400" y="457200"/>
+            <a:ext cx="7315200" cy="5486400"/>
+          </a:xfrm>
+          <a:prstGeom prst="rect">
+            <a:avLst/>
+          </a:prstGeom>
+          <a:noFill/>
+        </p:spPr>
+        <p:txBody>
+          <a:bodyPr wrap="none">
+            <a:spAutoFit/>
+          </a:bodyPr>
+          <a:lstStyle/>
+          <a:p/>
+          <a:p>
+            <a:pPr algn="ctr">
+              <a:defRPr sz="3500">
+                <a:solidFill>
+                  <a:srgbClr val="000000"/>
+                </a:solidFill>
+              </a:defRPr>
+            </a:pPr>
+            <a:r>
+              <a:t>You're rich in love and You're slow to anger</a:t>
+            </a:r>
+            <a:br/>
+            <a:r>
+              <a:t> Your name is great and Your heart is kind</a:t>
+            </a:r>
+            <a:br/>
+            <a:r>
+              <a:t> For all Your goodness</a:t>
+            </a:r>
+            <a:br/>
+            <a:r>
+              <a:t> I will keep on singing</a:t>
+            </a:r>
+            <a:br/>
+            <a:r>
+              <a:t> Ten thousand reasons for my heart to find</a:t>
+            </a:r>
+            <a:br/>
+          </a:p>
+        </p:txBody>
+      </p:sp>
+    </p:spTree>
+  </p:cSld>
+  <p:clrMapOvr>
+    <a:masterClrMapping/>
+  </p:clrMapOvr>
+</p:sld>
+</file>
+
+<file path=ppt/slides/slide6.xml><?xml version="1.0" encoding="utf-8"?>
+<p:sld xmlns:a="http://schemas.openxmlformats.org/drawingml/2006/main" xmlns:p="http://schemas.openxmlformats.org/presentationml/2006/main" xmlns:r="http://schemas.openxmlformats.org/officeDocument/2006/relationships">
+  <p:cSld>
+    <p:spTree>
+      <p:nvGrpSpPr>
+        <p:cNvPr id="1" name=""/>
+        <p:cNvGrpSpPr/>
+        <p:nvPr/>
+      </p:nvGrpSpPr>
+      <p:grpSpPr/>
+      <p:sp>
+        <p:nvSpPr>
+          <p:cNvPr id="2" name="TextBox 1"/>
+          <p:cNvSpPr txBox="1"/>
+          <p:nvPr/>
+        </p:nvSpPr>
+        <p:spPr>
+          <a:xfrm>
+            <a:off x="914400" y="457200"/>
+            <a:ext cx="7315200" cy="5486400"/>
+          </a:xfrm>
+          <a:prstGeom prst="rect">
+            <a:avLst/>
+          </a:prstGeom>
+          <a:noFill/>
+        </p:spPr>
+        <p:txBody>
+          <a:bodyPr wrap="none">
+            <a:spAutoFit/>
+          </a:bodyPr>
+          <a:lstStyle/>
+          <a:p/>
+          <a:p>
+            <a:pPr algn="ctr">
+              <a:defRPr sz="3500">
+                <a:solidFill>
+                  <a:srgbClr val="000000"/>
+                </a:solidFill>
+              </a:defRPr>
+            </a:pPr>
+            <a:r>
+              <a:t>Bless the Lord, O my soul</a:t>
+            </a:r>
+            <a:br/>
+            <a:r>
+              <a:t> O my soul. Worship His holy name</a:t>
+            </a:r>
+            <a:br/>
+            <a:r>
+              <a:t> Sing like never before</a:t>
+            </a:r>
+            <a:br/>
+            <a:r>
+              <a:t> O my soul. I'll worship Your holy name</a:t>
+            </a:r>
+            <a:br/>
+          </a:p>
+        </p:txBody>
+      </p:sp>
+    </p:spTree>
+  </p:cSld>
+  <p:clrMapOvr>
+    <a:masterClrMapping/>
+  </p:clrMapOvr>
+</p:sld>
+</file>
+
+<file path=ppt/slides/slide7.xml><?xml version="1.0" encoding="utf-8"?>
+<p:sld xmlns:a="http://schemas.openxmlformats.org/drawingml/2006/main" xmlns:p="http://schemas.openxmlformats.org/presentationml/2006/main" xmlns:r="http://schemas.openxmlformats.org/officeDocument/2006/relationships">
+  <p:cSld>
+    <p:spTree>
+      <p:nvGrpSpPr>
+        <p:cNvPr id="1" name=""/>
+        <p:cNvGrpSpPr/>
+        <p:nvPr/>
+      </p:nvGrpSpPr>
+      <p:grpSpPr/>
+      <p:sp>
+        <p:nvSpPr>
+          <p:cNvPr id="2" name="TextBox 1"/>
+          <p:cNvSpPr txBox="1"/>
+          <p:nvPr/>
+        </p:nvSpPr>
+        <p:spPr>
+          <a:xfrm>
+            <a:off x="914400" y="457200"/>
+            <a:ext cx="7315200" cy="5486400"/>
+          </a:xfrm>
+          <a:prstGeom prst="rect">
+            <a:avLst/>
+          </a:prstGeom>
+          <a:noFill/>
+        </p:spPr>
+        <p:txBody>
+          <a:bodyPr wrap="none">
+            <a:spAutoFit/>
+          </a:bodyPr>
+          <a:lstStyle/>
+          <a:p/>
+          <a:p>
+            <a:pPr algn="ctr">
+              <a:defRPr sz="3500">
+                <a:solidFill>
+                  <a:srgbClr val="000000"/>
+                </a:solidFill>
+              </a:defRPr>
+            </a:pPr>
+            <a:r>
+              <a:t>And on that day when my strength is failing</a:t>
+            </a:r>
+            <a:br/>
+            <a:r>
+              <a:t> The end draws near and my time has come</a:t>
+            </a:r>
+            <a:br/>
+            <a:r>
+              <a:t> Still, my soul will sing Your praise unending</a:t>
+            </a:r>
+            <a:br/>
+            <a:r>
+              <a:t> Ten thousand years and then forevermore</a:t>
+            </a:r>
+            <a:br/>
+            <a:r>
+              <a:t> Forevermore.</a:t>
+            </a:r>
+          </a:p>
+        </p:txBody>
+      </p:sp>
+    </p:spTree>
+  </p:cSld>
+  <p:clrMapOvr>
+    <a:masterClrMapping/>
+  </p:clrMapOvr>
+</p:sld>
+</file>
+
+<file path=ppt/slides/slide8.xml><?xml version="1.0" encoding="utf-8"?>
+<p:sld xmlns:a="http://schemas.openxmlformats.org/drawingml/2006/main" xmlns:p="http://schemas.openxmlformats.org/presentationml/2006/main" xmlns:r="http://schemas.openxmlformats.org/officeDocument/2006/relationships">
+  <p:cSld>
+    <p:spTree>
+      <p:nvGrpSpPr>
+        <p:cNvPr id="1" name=""/>
+        <p:cNvGrpSpPr/>
+        <p:nvPr/>
+      </p:nvGrpSpPr>
+      <p:grpSpPr/>
+      <p:sp>
+        <p:nvSpPr>
+          <p:cNvPr id="2" name="TextBox 1"/>
+          <p:cNvSpPr txBox="1"/>
+          <p:nvPr/>
+        </p:nvSpPr>
+        <p:spPr>
+          <a:xfrm>
+            <a:off x="914400" y="457200"/>
+            <a:ext cx="7315200" cy="5486400"/>
+          </a:xfrm>
+          <a:prstGeom prst="rect">
+            <a:avLst/>
+          </a:prstGeom>
+          <a:noFill/>
+        </p:spPr>
+        <p:txBody>
+          <a:bodyPr wrap="none">
+            <a:spAutoFit/>
+          </a:bodyPr>
+          <a:lstStyle/>
+          <a:p/>
+          <a:p>
+            <a:pPr algn="ctr">
+              <a:defRPr sz="3500">
+                <a:solidFill>
+                  <a:srgbClr val="000000"/>
+                </a:solidFill>
+              </a:defRPr>
+            </a:pPr>
+            <a:r>
+              <a:t>Bless the Lord, O my soul</a:t>
+            </a:r>
+            <a:br/>
+            <a:r>
+              <a:t> O my soul. Worship His holy name</a:t>
+            </a:r>
+            <a:br/>
+            <a:r>
+              <a:t> Sing like never before</a:t>
+            </a:r>
+            <a:br/>
+            <a:r>
+              <a:t> O my soul. I'll worship Your holy name</a:t>
+            </a:r>
+            <a:br/>
+          </a:p>
+        </p:txBody>
+      </p:sp>
+    </p:spTree>
+  </p:cSld>
+  <p:clrMapOvr>
+    <a:masterClrMapping/>
+  </p:clrMapOvr>
+</p:sld>
+</file>
+
+<file path=ppt/slides/slide9.xml><?xml version="1.0" encoding="utf-8"?>
+<p:sld xmlns:a="http://schemas.openxmlformats.org/drawingml/2006/main" xmlns:p="http://schemas.openxmlformats.org/presentationml/2006/main" xmlns:r="http://schemas.openxmlformats.org/officeDocument/2006/relationships">
+  <p:cSld>
+    <p:spTree>
+      <p:nvGrpSpPr>
+        <p:cNvPr id="1" name=""/>
+        <p:cNvGrpSpPr/>
+        <p:nvPr/>
+      </p:nvGrpSpPr>
+      <p:grpSpPr/>
+      <p:sp>
+        <p:nvSpPr>
+          <p:cNvPr id="2" name="Title 1"/>
+          <p:cNvSpPr>
+            <a:spLocks noGrp="1"/>
+          </p:cNvSpPr>
+          <p:nvPr>
+            <p:ph type="ctrTitle"/>
+          </p:nvPr>
+        </p:nvSpPr>
+        <p:spPr/>
+        <p:txBody>
+          <a:bodyPr/>
+          <a:lstStyle/>
+          <a:p>
+            <a:r>
+              <a:t>มีสหายเลิศคือพระเยซู</a:t>
+            </a:r>
+          </a:p>
+        </p:txBody>
+      </p:sp>
+      <p:sp>
+        <p:nvSpPr>
+          <p:cNvPr id="3" name="Subtitle 2"/>
+          <p:cNvSpPr>
+            <a:spLocks noGrp="1"/>
+          </p:cNvSpPr>
+          <p:nvPr>
+            <p:ph type="subTitle" idx="1"/>
+          </p:nvPr>
+        </p:nvSpPr>
+        <p:spPr/>
+        <p:txBody>
+          <a:bodyPr/>
+          <a:lstStyle/>
+          <a:p>
+            <a:r>
+              <a:t>What a Friend we have in Jesus</a:t>
+            </a:r>
           </a:p>
         </p:txBody>
       </p:sp>

--- a/finishedppt/WorshipSongs.pptx
+++ b/finishedppt/WorshipSongs.pptx
@@ -17,6 +17,12 @@
     <p:sldId id="265" r:id="rId16"/>
     <p:sldId id="266" r:id="rId17"/>
     <p:sldId id="267" r:id="rId18"/>
+    <p:sldId id="268" r:id="rId19"/>
+    <p:sldId id="269" r:id="rId20"/>
+    <p:sldId id="270" r:id="rId21"/>
+    <p:sldId id="271" r:id="rId22"/>
+    <p:sldId id="272" r:id="rId23"/>
+    <p:sldId id="273" r:id="rId24"/>
   </p:sldIdLst>
   <p:sldSz cx="9144000" cy="6858000" type="screen4x3"/>
   <p:notesSz cx="6858000" cy="9144000"/>
@@ -3113,28 +3119,28 @@
         <p:txBody>
           <a:bodyPr/>
           <a:lstStyle/>
+          <a:p>
+            <a:r>
+              <a:t>จงสรรเสริญพระเจ้าเถิด</a:t>
+            </a:r>
+          </a:p>
+        </p:txBody>
+      </p:sp>
+      <p:sp>
+        <p:nvSpPr>
+          <p:cNvPr id="3" name="Subtitle 2"/>
+          <p:cNvSpPr>
+            <a:spLocks noGrp="1"/>
+          </p:cNvSpPr>
+          <p:nvPr>
+            <p:ph type="subTitle" idx="1"/>
+          </p:nvPr>
+        </p:nvSpPr>
+        <p:spPr/>
+        <p:txBody>
+          <a:bodyPr/>
+          <a:lstStyle/>
           <a:p/>
-        </p:txBody>
-      </p:sp>
-      <p:sp>
-        <p:nvSpPr>
-          <p:cNvPr id="3" name="Subtitle 2"/>
-          <p:cNvSpPr>
-            <a:spLocks noGrp="1"/>
-          </p:cNvSpPr>
-          <p:nvPr>
-            <p:ph type="subTitle" idx="1"/>
-          </p:nvPr>
-        </p:nvSpPr>
-        <p:spPr/>
-        <p:txBody>
-          <a:bodyPr/>
-          <a:lstStyle/>
-          <a:p>
-            <a:r>
-              <a:t>10,000 Reasons</a:t>
-            </a:r>
-          </a:p>
         </p:txBody>
       </p:sp>
     </p:spTree>
@@ -3157,72 +3163,42 @@
       <p:grpSpPr/>
       <p:sp>
         <p:nvSpPr>
-          <p:cNvPr id="2" name="TextBox 1"/>
-          <p:cNvSpPr txBox="1"/>
-          <p:nvPr/>
-        </p:nvSpPr>
-        <p:spPr>
-          <a:xfrm>
-            <a:off x="914400" y="228600"/>
-            <a:ext cx="7315200" cy="2971800"/>
-          </a:xfrm>
-          <a:prstGeom prst="rect">
-            <a:avLst/>
-          </a:prstGeom>
-          <a:noFill/>
-        </p:spPr>
-        <p:txBody>
-          <a:bodyPr wrap="square">
-            <a:spAutoFit/>
-          </a:bodyPr>
-          <a:lstStyle/>
-          <a:p/>
-          <a:p>
-            <a:pPr algn="ctr">
-              <a:defRPr sz="3500">
-                <a:solidFill>
-                  <a:srgbClr val="000000"/>
-                </a:solidFill>
-              </a:defRPr>
-            </a:pPr>
-            <a:r>
-              <a:t>มีสหายเลิศคือพระเยซู ผู้ได้แบกบาปทุกข์ของเรา มีอะไรรบกวนให้โศกเศร้า จงรีบเร่งนำมาเข้าเฝ้า เหตุไฉนเราลืมพระเจ้าบ่อย ใจเป็นทุกข์โดยไม่มีเหตุ เพราะการไหว้วอนเราได้ท้อถอย ไม่ได้ทูลผู้ทรงฤทธิ์เดช</a:t>
-            </a:r>
-          </a:p>
-        </p:txBody>
-      </p:sp>
-      <p:sp>
-        <p:nvSpPr>
-          <p:cNvPr id="3" name="TextBox 2"/>
-          <p:cNvSpPr txBox="1"/>
-          <p:nvPr/>
-        </p:nvSpPr>
-        <p:spPr>
-          <a:xfrm>
-            <a:off x="914400" y="3657600"/>
-            <a:ext cx="7315200" cy="2971800"/>
-          </a:xfrm>
-          <a:prstGeom prst="rect">
-            <a:avLst/>
-          </a:prstGeom>
-          <a:noFill/>
-        </p:spPr>
-        <p:txBody>
-          <a:bodyPr wrap="square">
-            <a:spAutoFit/>
-          </a:bodyPr>
-          <a:lstStyle/>
-          <a:p/>
-          <a:p>
-            <a:pPr algn="ctr">
-              <a:defRPr sz="3500">
-                <a:solidFill>
-                  <a:srgbClr val="3A70BC"/>
-                </a:solidFill>
-              </a:defRPr>
-            </a:pPr>
-            <a:r>
-              <a:t>What a Friend we have in Jesus, All our sins and griefs to bear. What a privilege to carry. Everything to God in prayer. O what peace we often forfeit, O what needless pain we bear, All because we do not carry. Everything to God in prayer.</a:t>
+          <p:cNvPr id="2" name="Title 1"/>
+          <p:cNvSpPr>
+            <a:spLocks noGrp="1"/>
+          </p:cNvSpPr>
+          <p:nvPr>
+            <p:ph type="ctrTitle"/>
+          </p:nvPr>
+        </p:nvSpPr>
+        <p:spPr/>
+        <p:txBody>
+          <a:bodyPr/>
+          <a:lstStyle/>
+          <a:p>
+            <a:r>
+              <a:t>ความรักมั่นคง</a:t>
+            </a:r>
+          </a:p>
+        </p:txBody>
+      </p:sp>
+      <p:sp>
+        <p:nvSpPr>
+          <p:cNvPr id="3" name="Subtitle 2"/>
+          <p:cNvSpPr>
+            <a:spLocks noGrp="1"/>
+          </p:cNvSpPr>
+          <p:nvPr>
+            <p:ph type="subTitle" idx="1"/>
+          </p:nvPr>
+        </p:nvSpPr>
+        <p:spPr/>
+        <p:txBody>
+          <a:bodyPr/>
+          <a:lstStyle/>
+          <a:p>
+            <a:r>
+              <a:t>The steadfast love of the Lord</a:t>
             </a:r>
           </a:p>
         </p:txBody>
@@ -3269,14 +3245,14 @@
           <a:p/>
           <a:p>
             <a:pPr algn="ctr">
-              <a:defRPr sz="3500">
+              <a:defRPr sz="4000">
                 <a:solidFill>
                   <a:srgbClr val="000000"/>
                 </a:solidFill>
               </a:defRPr>
             </a:pPr>
             <a:r>
-              <a:t>เราเป็นทุกข์เพราะถูกล่อลวงหรือ เคยเดือนร้อนลำบากหรือเปล่า ไม่ควรย่อท้อหรือใจห่อเหี่ยว แต่เร่งนำทุกสิ่งเข้าเฝ้า เราจะหาสหายที่วางใจ แก้ความทุกข์ลำบากเราได้ เพราะพระเยซูทราบความทุกข์นั้น จงทูลทุกสิ่งต่อพระองค์</a:t>
+              <a:t>ความรักมั่นคงของพระเจ้าไม่เคยยั้งหยุด พระเมตตาคุณหลั่งลงมาอยู่เสมอ ใหม่ทุกเช้าเร้าในดวงใจ ซาบซึ้งทุก ๆ วันใหม่ พระองค์ทรงความเที่ยงตรงยิ่งนัก พระองค์ทรงความเที่ยงตรง</a:t>
             </a:r>
           </a:p>
         </p:txBody>
@@ -3312,7 +3288,7 @@
               </a:defRPr>
             </a:pPr>
             <a:r>
-              <a:t>Have we trials and temptations. Is there trouble anywhere. We should never be discouraged, Take it to the Lord in prayer. Can we find a friend so faithful. Who will all our sorrows share. Jesus knows our every weakness, Take it to the Lord in prayer.</a:t>
+              <a:t>The steadfast love of the Lord never ceases; God’s mercies never come to an end. They are new every morning, new every morning; great is your faithfulness, O Lord, great is your faithfulness.</a:t>
             </a:r>
           </a:p>
         </p:txBody>
@@ -3337,14 +3313,70 @@
       <p:grpSpPr/>
       <p:sp>
         <p:nvSpPr>
+          <p:cNvPr id="2" name="Title 1"/>
+          <p:cNvSpPr>
+            <a:spLocks noGrp="1"/>
+          </p:cNvSpPr>
+          <p:nvPr>
+            <p:ph type="ctrTitle"/>
+          </p:nvPr>
+        </p:nvSpPr>
+        <p:spPr/>
+        <p:txBody>
+          <a:bodyPr/>
+          <a:lstStyle/>
+          <a:p/>
+        </p:txBody>
+      </p:sp>
+      <p:sp>
+        <p:nvSpPr>
+          <p:cNvPr id="3" name="Subtitle 2"/>
+          <p:cNvSpPr>
+            <a:spLocks noGrp="1"/>
+          </p:cNvSpPr>
+          <p:nvPr>
+            <p:ph type="subTitle" idx="1"/>
+          </p:nvPr>
+        </p:nvSpPr>
+        <p:spPr/>
+        <p:txBody>
+          <a:bodyPr/>
+          <a:lstStyle/>
+          <a:p>
+            <a:r>
+              <a:t>How Great Is Our God</a:t>
+            </a:r>
+          </a:p>
+        </p:txBody>
+      </p:sp>
+    </p:spTree>
+  </p:cSld>
+  <p:clrMapOvr>
+    <a:masterClrMapping/>
+  </p:clrMapOvr>
+</p:sld>
+</file>
+
+<file path=ppt/slides/slide13.xml><?xml version="1.0" encoding="utf-8"?>
+<p:sld xmlns:a="http://schemas.openxmlformats.org/drawingml/2006/main" xmlns:p="http://schemas.openxmlformats.org/presentationml/2006/main" xmlns:r="http://schemas.openxmlformats.org/officeDocument/2006/relationships">
+  <p:cSld>
+    <p:spTree>
+      <p:nvGrpSpPr>
+        <p:cNvPr id="1" name=""/>
+        <p:cNvGrpSpPr/>
+        <p:nvPr/>
+      </p:nvGrpSpPr>
+      <p:grpSpPr/>
+      <p:sp>
+        <p:nvSpPr>
           <p:cNvPr id="2" name="TextBox 1"/>
           <p:cNvSpPr txBox="1"/>
           <p:nvPr/>
         </p:nvSpPr>
         <p:spPr>
           <a:xfrm>
-            <a:off x="914400" y="228600"/>
-            <a:ext cx="7315200" cy="2971800"/>
+            <a:off x="914400" y="457200"/>
+            <a:ext cx="7315200" cy="5486400"/>
           </a:xfrm>
           <a:prstGeom prst="rect">
             <a:avLst/>
@@ -3359,28 +3391,46 @@
           <a:p/>
           <a:p>
             <a:pPr algn="ctr">
-              <a:defRPr sz="3500">
+              <a:defRPr sz="4000">
                 <a:solidFill>
                   <a:srgbClr val="000000"/>
                 </a:solidFill>
               </a:defRPr>
             </a:pPr>
             <a:r>
-              <a:t>เมื่อเหน็ดเหนื่อยเพราะแบกภาระหนัก เหลือกำลังและเราหมดแรง ผู้ประเสริฐทรงช่วยศิษย์ที่รัก ให้เราอ้อนวอนต่อพระองค์ ถ้าสหายดูหมิ่นเกลียดชังท่าน จงเร่งนำทุกสิ่งเข้าเฝ้า แล้วทรงยื่นพระหัตถ์รับท่านไว้ ท่านจึงได้รับความบรรเทา</a:t>
-            </a:r>
-          </a:p>
-        </p:txBody>
-      </p:sp>
-      <p:sp>
-        <p:nvSpPr>
-          <p:cNvPr id="3" name="TextBox 2"/>
+              <a:t>The splendor of a King, clothed in majesty. Let all the earth rejoice. All the earth rejoice. He wraps himself in Light, and darkness tries to hide. And trembles at His voice. Trembles at His voice.</a:t>
+            </a:r>
+          </a:p>
+        </p:txBody>
+      </p:sp>
+    </p:spTree>
+  </p:cSld>
+  <p:clrMapOvr>
+    <a:masterClrMapping/>
+  </p:clrMapOvr>
+</p:sld>
+</file>
+
+<file path=ppt/slides/slide14.xml><?xml version="1.0" encoding="utf-8"?>
+<p:sld xmlns:a="http://schemas.openxmlformats.org/drawingml/2006/main" xmlns:p="http://schemas.openxmlformats.org/presentationml/2006/main" xmlns:r="http://schemas.openxmlformats.org/officeDocument/2006/relationships">
+  <p:cSld>
+    <p:spTree>
+      <p:nvGrpSpPr>
+        <p:cNvPr id="1" name=""/>
+        <p:cNvGrpSpPr/>
+        <p:nvPr/>
+      </p:nvGrpSpPr>
+      <p:grpSpPr/>
+      <p:sp>
+        <p:nvSpPr>
+          <p:cNvPr id="2" name="TextBox 1"/>
           <p:cNvSpPr txBox="1"/>
           <p:nvPr/>
         </p:nvSpPr>
         <p:spPr>
           <a:xfrm>
-            <a:off x="914400" y="3657600"/>
-            <a:ext cx="7315200" cy="2971800"/>
+            <a:off x="914400" y="457200"/>
+            <a:ext cx="7315200" cy="5486400"/>
           </a:xfrm>
           <a:prstGeom prst="rect">
             <a:avLst/>
@@ -3388,6 +3438,77 @@
           <a:noFill/>
         </p:spPr>
         <p:txBody>
+          <a:bodyPr wrap="none">
+            <a:spAutoFit/>
+          </a:bodyPr>
+          <a:lstStyle/>
+          <a:p/>
+          <a:p>
+            <a:pPr algn="ctr">
+              <a:defRPr sz="4000">
+                <a:solidFill>
+                  <a:srgbClr val="000000"/>
+                </a:solidFill>
+              </a:defRPr>
+            </a:pPr>
+            <a:r>
+              <a:t>How great is our God</a:t>
+            </a:r>
+            <a:br/>
+            <a:r>
+              <a:t> sing with me</a:t>
+            </a:r>
+            <a:br/>
+            <a:r>
+              <a:t> How great is our God</a:t>
+            </a:r>
+            <a:br/>
+            <a:r>
+              <a:t> and all will see</a:t>
+            </a:r>
+            <a:br/>
+            <a:r>
+              <a:t> How great, how great is our God</a:t>
+            </a:r>
+            <a:br/>
+          </a:p>
+        </p:txBody>
+      </p:sp>
+    </p:spTree>
+  </p:cSld>
+  <p:clrMapOvr>
+    <a:masterClrMapping/>
+  </p:clrMapOvr>
+</p:sld>
+</file>
+
+<file path=ppt/slides/slide15.xml><?xml version="1.0" encoding="utf-8"?>
+<p:sld xmlns:a="http://schemas.openxmlformats.org/drawingml/2006/main" xmlns:p="http://schemas.openxmlformats.org/presentationml/2006/main" xmlns:r="http://schemas.openxmlformats.org/officeDocument/2006/relationships">
+  <p:cSld>
+    <p:spTree>
+      <p:nvGrpSpPr>
+        <p:cNvPr id="1" name=""/>
+        <p:cNvGrpSpPr/>
+        <p:nvPr/>
+      </p:nvGrpSpPr>
+      <p:grpSpPr/>
+      <p:sp>
+        <p:nvSpPr>
+          <p:cNvPr id="2" name="TextBox 1"/>
+          <p:cNvSpPr txBox="1"/>
+          <p:nvPr/>
+        </p:nvSpPr>
+        <p:spPr>
+          <a:xfrm>
+            <a:off x="914400" y="457200"/>
+            <a:ext cx="7315200" cy="5486400"/>
+          </a:xfrm>
+          <a:prstGeom prst="rect">
+            <a:avLst/>
+          </a:prstGeom>
+          <a:noFill/>
+        </p:spPr>
+        <p:txBody>
           <a:bodyPr wrap="square">
             <a:spAutoFit/>
           </a:bodyPr>
@@ -3395,15 +3516,224 @@
           <a:p/>
           <a:p>
             <a:pPr algn="ctr">
-              <a:defRPr sz="3500">
+              <a:defRPr sz="4000">
                 <a:solidFill>
-                  <a:srgbClr val="3A70BC"/>
+                  <a:srgbClr val="000000"/>
                 </a:solidFill>
               </a:defRPr>
             </a:pPr>
             <a:r>
-              <a:t>Are we weak and heavy-laden, Cumbered with a load of care. Precious Savior, still our refuge. Take it to the Lord in prayer; Do thy friends despise, forsake thee. Take it to the Lord in prayer; In His arms He’ll take and shield thee, Thou wilt find a solace there.</a:t>
-            </a:r>
+              <a:t>Age to age He stands. And time is in His hands. Beginning and the end. Beginning and the end. The Godhead Three in One. Father Spirit Son. The Lion and the Lamb. The Lion and the Lamb.</a:t>
+            </a:r>
+          </a:p>
+        </p:txBody>
+      </p:sp>
+    </p:spTree>
+  </p:cSld>
+  <p:clrMapOvr>
+    <a:masterClrMapping/>
+  </p:clrMapOvr>
+</p:sld>
+</file>
+
+<file path=ppt/slides/slide16.xml><?xml version="1.0" encoding="utf-8"?>
+<p:sld xmlns:a="http://schemas.openxmlformats.org/drawingml/2006/main" xmlns:p="http://schemas.openxmlformats.org/presentationml/2006/main" xmlns:r="http://schemas.openxmlformats.org/officeDocument/2006/relationships">
+  <p:cSld>
+    <p:spTree>
+      <p:nvGrpSpPr>
+        <p:cNvPr id="1" name=""/>
+        <p:cNvGrpSpPr/>
+        <p:nvPr/>
+      </p:nvGrpSpPr>
+      <p:grpSpPr/>
+      <p:sp>
+        <p:nvSpPr>
+          <p:cNvPr id="2" name="TextBox 1"/>
+          <p:cNvSpPr txBox="1"/>
+          <p:nvPr/>
+        </p:nvSpPr>
+        <p:spPr>
+          <a:xfrm>
+            <a:off x="914400" y="457200"/>
+            <a:ext cx="7315200" cy="5486400"/>
+          </a:xfrm>
+          <a:prstGeom prst="rect">
+            <a:avLst/>
+          </a:prstGeom>
+          <a:noFill/>
+        </p:spPr>
+        <p:txBody>
+          <a:bodyPr wrap="none">
+            <a:spAutoFit/>
+          </a:bodyPr>
+          <a:lstStyle/>
+          <a:p/>
+          <a:p>
+            <a:pPr algn="ctr">
+              <a:defRPr sz="4000">
+                <a:solidFill>
+                  <a:srgbClr val="000000"/>
+                </a:solidFill>
+              </a:defRPr>
+            </a:pPr>
+            <a:r>
+              <a:t>How great is our God</a:t>
+            </a:r>
+            <a:br/>
+            <a:r>
+              <a:t> sing with me</a:t>
+            </a:r>
+            <a:br/>
+            <a:r>
+              <a:t> How great is our God</a:t>
+            </a:r>
+            <a:br/>
+            <a:r>
+              <a:t> and all will see</a:t>
+            </a:r>
+            <a:br/>
+            <a:r>
+              <a:t> How great, how great is our God</a:t>
+            </a:r>
+            <a:br/>
+          </a:p>
+        </p:txBody>
+      </p:sp>
+    </p:spTree>
+  </p:cSld>
+  <p:clrMapOvr>
+    <a:masterClrMapping/>
+  </p:clrMapOvr>
+</p:sld>
+</file>
+
+<file path=ppt/slides/slide17.xml><?xml version="1.0" encoding="utf-8"?>
+<p:sld xmlns:a="http://schemas.openxmlformats.org/drawingml/2006/main" xmlns:p="http://schemas.openxmlformats.org/presentationml/2006/main" xmlns:r="http://schemas.openxmlformats.org/officeDocument/2006/relationships">
+  <p:cSld>
+    <p:spTree>
+      <p:nvGrpSpPr>
+        <p:cNvPr id="1" name=""/>
+        <p:cNvGrpSpPr/>
+        <p:nvPr/>
+      </p:nvGrpSpPr>
+      <p:grpSpPr/>
+      <p:sp>
+        <p:nvSpPr>
+          <p:cNvPr id="2" name="TextBox 1"/>
+          <p:cNvSpPr txBox="1"/>
+          <p:nvPr/>
+        </p:nvSpPr>
+        <p:spPr>
+          <a:xfrm>
+            <a:off x="914400" y="457200"/>
+            <a:ext cx="7315200" cy="5486400"/>
+          </a:xfrm>
+          <a:prstGeom prst="rect">
+            <a:avLst/>
+          </a:prstGeom>
+          <a:noFill/>
+        </p:spPr>
+        <p:txBody>
+          <a:bodyPr wrap="none">
+            <a:spAutoFit/>
+          </a:bodyPr>
+          <a:lstStyle/>
+          <a:p/>
+          <a:p>
+            <a:pPr algn="ctr">
+              <a:defRPr sz="4000">
+                <a:solidFill>
+                  <a:srgbClr val="000000"/>
+                </a:solidFill>
+              </a:defRPr>
+            </a:pPr>
+            <a:r>
+              <a:t>Name above all names</a:t>
+            </a:r>
+            <a:br/>
+            <a:r>
+              <a:t> Worthy of our praise</a:t>
+            </a:r>
+            <a:br/>
+            <a:r>
+              <a:t> My heart will sing</a:t>
+            </a:r>
+            <a:br/>
+            <a:r>
+              <a:t> How great is our God</a:t>
+            </a:r>
+            <a:br/>
+          </a:p>
+        </p:txBody>
+      </p:sp>
+    </p:spTree>
+  </p:cSld>
+  <p:clrMapOvr>
+    <a:masterClrMapping/>
+  </p:clrMapOvr>
+</p:sld>
+</file>
+
+<file path=ppt/slides/slide18.xml><?xml version="1.0" encoding="utf-8"?>
+<p:sld xmlns:a="http://schemas.openxmlformats.org/drawingml/2006/main" xmlns:p="http://schemas.openxmlformats.org/presentationml/2006/main" xmlns:r="http://schemas.openxmlformats.org/officeDocument/2006/relationships">
+  <p:cSld>
+    <p:spTree>
+      <p:nvGrpSpPr>
+        <p:cNvPr id="1" name=""/>
+        <p:cNvGrpSpPr/>
+        <p:nvPr/>
+      </p:nvGrpSpPr>
+      <p:grpSpPr/>
+      <p:sp>
+        <p:nvSpPr>
+          <p:cNvPr id="2" name="TextBox 1"/>
+          <p:cNvSpPr txBox="1"/>
+          <p:nvPr/>
+        </p:nvSpPr>
+        <p:spPr>
+          <a:xfrm>
+            <a:off x="914400" y="457200"/>
+            <a:ext cx="7315200" cy="5486400"/>
+          </a:xfrm>
+          <a:prstGeom prst="rect">
+            <a:avLst/>
+          </a:prstGeom>
+          <a:noFill/>
+        </p:spPr>
+        <p:txBody>
+          <a:bodyPr wrap="none">
+            <a:spAutoFit/>
+          </a:bodyPr>
+          <a:lstStyle/>
+          <a:p/>
+          <a:p>
+            <a:pPr algn="ctr">
+              <a:defRPr sz="4000">
+                <a:solidFill>
+                  <a:srgbClr val="000000"/>
+                </a:solidFill>
+              </a:defRPr>
+            </a:pPr>
+            <a:r>
+              <a:t>How great is our God</a:t>
+            </a:r>
+            <a:br/>
+            <a:r>
+              <a:t> sing with me</a:t>
+            </a:r>
+            <a:br/>
+            <a:r>
+              <a:t> How great is our God</a:t>
+            </a:r>
+            <a:br/>
+            <a:r>
+              <a:t> and all will see</a:t>
+            </a:r>
+            <a:br/>
+            <a:r>
+              <a:t> How great, how great is our God</a:t>
+            </a:r>
+            <a:br/>
           </a:p>
         </p:txBody>
       </p:sp>
@@ -3449,28 +3779,35 @@
           <a:p/>
           <a:p>
             <a:pPr algn="ctr">
-              <a:defRPr sz="3500">
+              <a:defRPr sz="4000">
                 <a:solidFill>
                   <a:srgbClr val="000000"/>
                 </a:solidFill>
               </a:defRPr>
             </a:pPr>
             <a:r>
-              <a:t>Bless the Lord, O my soul</a:t>
-            </a:r>
-            <a:br/>
-            <a:r>
-              <a:t> O my soul. Worship His holy name</a:t>
-            </a:r>
-            <a:br/>
-            <a:r>
-              <a:t> Sing like never before</a:t>
-            </a:r>
-            <a:br/>
-            <a:r>
-              <a:t> O my soul. I'll worship Your holy name</a:t>
-            </a:r>
-            <a:br/>
+              <a:t>จงสรรเสริญพระเจ้าเถิด</a:t>
+            </a:r>
+            <a:br/>
+            <a:r>
+              <a:t>เปล่งเสียงโห่ร้องถวาย</a:t>
+            </a:r>
+            <a:br/>
+            <a:r>
+              <a:t>จงเข้าไปในพระวิหาร และนมัสการพระองค์</a:t>
+            </a:r>
+            <a:br/>
+            <a:r>
+              <a:t>พระองค์ทรงสร้างทุกสิ่ง</a:t>
+            </a:r>
+            <a:br/>
+            <a:r>
+              <a:t>ขึ้นด้วยฝีพระหัตถ์ พระนามพระองค์ยิ่งใหญ่</a:t>
+            </a:r>
+            <a:br/>
+            <a:r>
+              <a:t>สมควรสรรเสริญ</a:t>
+            </a:r>
           </a:p>
         </p:txBody>
       </p:sp>
@@ -3516,28 +3853,35 @@
           <a:p/>
           <a:p>
             <a:pPr algn="ctr">
-              <a:defRPr sz="3500">
+              <a:defRPr sz="4000">
                 <a:solidFill>
                   <a:srgbClr val="000000"/>
                 </a:solidFill>
               </a:defRPr>
             </a:pPr>
             <a:r>
-              <a:t>The sun comes up, it's a new day dawning</a:t>
-            </a:r>
-            <a:br/>
-            <a:r>
-              <a:t> It's time to sing Your song again</a:t>
-            </a:r>
-            <a:br/>
-            <a:r>
-              <a:t> Whatever may pass and whatever lies before me</a:t>
-            </a:r>
-            <a:br/>
-            <a:r>
-              <a:t> Let me be singing when the evening comes</a:t>
-            </a:r>
-            <a:br/>
+              <a:t>ให้ทุกสิ่งที่อยู่ใต้ฟ้า</a:t>
+            </a:r>
+            <a:br/>
+            <a:r>
+              <a:t>ร้องสรรเสริญพระนามพระองค์</a:t>
+            </a:r>
+            <a:br/>
+            <a:r>
+              <a:t>ยกย่องความยิ่งใหญ่ ของพระองค์ร่วมกัน</a:t>
+            </a:r>
+            <a:br/>
+            <a:r>
+              <a:t>ร้องเพลงและเต้นรำถวาย</a:t>
+            </a:r>
+            <a:br/>
+            <a:r>
+              <a:t>สรรเสริญพระนามเกรียงไกร</a:t>
+            </a:r>
+            <a:br/>
+            <a:r>
+              <a:t>ทุก ๆ สิ่งที่หายใจ จงสรรเสริญพระเจ้า</a:t>
+            </a:r>
           </a:p>
         </p:txBody>
       </p:sp>
@@ -3561,50 +3905,39 @@
       <p:grpSpPr/>
       <p:sp>
         <p:nvSpPr>
-          <p:cNvPr id="2" name="TextBox 1"/>
-          <p:cNvSpPr txBox="1"/>
-          <p:nvPr/>
-        </p:nvSpPr>
-        <p:spPr>
-          <a:xfrm>
-            <a:off x="914400" y="457200"/>
-            <a:ext cx="7315200" cy="5486400"/>
-          </a:xfrm>
-          <a:prstGeom prst="rect">
-            <a:avLst/>
-          </a:prstGeom>
-          <a:noFill/>
-        </p:spPr>
-        <p:txBody>
-          <a:bodyPr wrap="none">
-            <a:spAutoFit/>
-          </a:bodyPr>
+          <p:cNvPr id="2" name="Title 1"/>
+          <p:cNvSpPr>
+            <a:spLocks noGrp="1"/>
+          </p:cNvSpPr>
+          <p:nvPr>
+            <p:ph type="ctrTitle"/>
+          </p:nvPr>
+        </p:nvSpPr>
+        <p:spPr/>
+        <p:txBody>
+          <a:bodyPr/>
           <a:lstStyle/>
           <a:p/>
-          <a:p>
-            <a:pPr algn="ctr">
-              <a:defRPr sz="3500">
-                <a:solidFill>
-                  <a:srgbClr val="000000"/>
-                </a:solidFill>
-              </a:defRPr>
-            </a:pPr>
-            <a:r>
-              <a:t>Bless the Lord, O my soul</a:t>
-            </a:r>
-            <a:br/>
-            <a:r>
-              <a:t> O my soul. Worship His holy name</a:t>
-            </a:r>
-            <a:br/>
-            <a:r>
-              <a:t> Sing like never before</a:t>
-            </a:r>
-            <a:br/>
-            <a:r>
-              <a:t> O my soul. I'll worship Your holy name</a:t>
-            </a:r>
-            <a:br/>
+        </p:txBody>
+      </p:sp>
+      <p:sp>
+        <p:nvSpPr>
+          <p:cNvPr id="3" name="Subtitle 2"/>
+          <p:cNvSpPr>
+            <a:spLocks noGrp="1"/>
+          </p:cNvSpPr>
+          <p:nvPr>
+            <p:ph type="subTitle" idx="1"/>
+          </p:nvPr>
+        </p:nvSpPr>
+        <p:spPr/>
+        <p:txBody>
+          <a:bodyPr/>
+          <a:lstStyle/>
+          <a:p>
+            <a:r>
+              <a:t>Forever</a:t>
+            </a:r>
           </a:p>
         </p:txBody>
       </p:sp>
@@ -3650,30 +3983,30 @@
           <a:p/>
           <a:p>
             <a:pPr algn="ctr">
-              <a:defRPr sz="3500">
+              <a:defRPr sz="4000">
                 <a:solidFill>
                   <a:srgbClr val="000000"/>
                 </a:solidFill>
               </a:defRPr>
             </a:pPr>
             <a:r>
-              <a:t>You're rich in love and You're slow to anger</a:t>
-            </a:r>
-            <a:br/>
-            <a:r>
-              <a:t> Your name is great and Your heart is kind</a:t>
-            </a:r>
-            <a:br/>
-            <a:r>
-              <a:t> For all Your goodness</a:t>
-            </a:r>
-            <a:br/>
-            <a:r>
-              <a:t> I will keep on singing</a:t>
-            </a:r>
-            <a:br/>
-            <a:r>
-              <a:t> Ten thousand reasons for my heart to find</a:t>
+              <a:t>Give thanks to the Lord our God and King</a:t>
+            </a:r>
+            <a:br/>
+            <a:r>
+              <a:t> His love endures forever</a:t>
+            </a:r>
+            <a:br/>
+            <a:r>
+              <a:t> For He is good, He is above all things</a:t>
+            </a:r>
+            <a:br/>
+            <a:r>
+              <a:t> His love endures forever</a:t>
+            </a:r>
+            <a:br/>
+            <a:r>
+              <a:t> Sing praise, sing praise</a:t>
             </a:r>
             <a:br/>
           </a:p>
@@ -3721,26 +4054,30 @@
           <a:p/>
           <a:p>
             <a:pPr algn="ctr">
-              <a:defRPr sz="3500">
+              <a:defRPr sz="4000">
                 <a:solidFill>
                   <a:srgbClr val="000000"/>
                 </a:solidFill>
               </a:defRPr>
             </a:pPr>
             <a:r>
-              <a:t>Bless the Lord, O my soul</a:t>
-            </a:r>
-            <a:br/>
-            <a:r>
-              <a:t> O my soul. Worship His holy name</a:t>
-            </a:r>
-            <a:br/>
-            <a:r>
-              <a:t> Sing like never before</a:t>
-            </a:r>
-            <a:br/>
-            <a:r>
-              <a:t> O my soul. I'll worship Your holy name</a:t>
+              <a:t>With a mighty hand and outstretched arm</a:t>
+            </a:r>
+            <a:br/>
+            <a:r>
+              <a:t> His love endures forever</a:t>
+            </a:r>
+            <a:br/>
+            <a:r>
+              <a:t> For the life that’s been reborn</a:t>
+            </a:r>
+            <a:br/>
+            <a:r>
+              <a:t> His love endures forever</a:t>
+            </a:r>
+            <a:br/>
+            <a:r>
+              <a:t> Sing praise, sing praise</a:t>
             </a:r>
             <a:br/>
           </a:p>
@@ -3788,30 +4125,26 @@
           <a:p/>
           <a:p>
             <a:pPr algn="ctr">
-              <a:defRPr sz="3500">
+              <a:defRPr sz="4000">
                 <a:solidFill>
                   <a:srgbClr val="000000"/>
                 </a:solidFill>
               </a:defRPr>
             </a:pPr>
             <a:r>
-              <a:t>And on that day when my strength is failing</a:t>
-            </a:r>
-            <a:br/>
-            <a:r>
-              <a:t> The end draws near and my time has come</a:t>
-            </a:r>
-            <a:br/>
-            <a:r>
-              <a:t> Still, my soul will sing Your praise unending</a:t>
-            </a:r>
-            <a:br/>
-            <a:r>
-              <a:t> Ten thousand years and then forevermore</a:t>
-            </a:r>
-            <a:br/>
-            <a:r>
-              <a:t> Forevermore.</a:t>
+              <a:t>Forever God is faithful</a:t>
+            </a:r>
+            <a:br/>
+            <a:r>
+              <a:t> Forever God is strong</a:t>
+            </a:r>
+            <a:br/>
+            <a:r>
+              <a:t> Forever God is with us</a:t>
+            </a:r>
+            <a:br/>
+            <a:r>
+              <a:t> Forever</a:t>
             </a:r>
           </a:p>
         </p:txBody>
@@ -3858,26 +4191,30 @@
           <a:p/>
           <a:p>
             <a:pPr algn="ctr">
-              <a:defRPr sz="3500">
+              <a:defRPr sz="4000">
                 <a:solidFill>
                   <a:srgbClr val="000000"/>
                 </a:solidFill>
               </a:defRPr>
             </a:pPr>
             <a:r>
-              <a:t>Bless the Lord, O my soul</a:t>
-            </a:r>
-            <a:br/>
-            <a:r>
-              <a:t> O my soul. Worship His holy name</a:t>
-            </a:r>
-            <a:br/>
-            <a:r>
-              <a:t> Sing like never before</a:t>
-            </a:r>
-            <a:br/>
-            <a:r>
-              <a:t> O my soul. I'll worship Your holy name</a:t>
+              <a:t>From the rising to the setting sun</a:t>
+            </a:r>
+            <a:br/>
+            <a:r>
+              <a:t> His love endures forever</a:t>
+            </a:r>
+            <a:br/>
+            <a:r>
+              <a:t> By the grace of God we will carry on</a:t>
+            </a:r>
+            <a:br/>
+            <a:r>
+              <a:t> His love endures forever</a:t>
+            </a:r>
+            <a:br/>
+            <a:r>
+              <a:t> Sing praise, sing praise</a:t>
             </a:r>
             <a:br/>
           </a:p>
@@ -3903,42 +4240,48 @@
       <p:grpSpPr/>
       <p:sp>
         <p:nvSpPr>
-          <p:cNvPr id="2" name="Title 1"/>
-          <p:cNvSpPr>
-            <a:spLocks noGrp="1"/>
-          </p:cNvSpPr>
-          <p:nvPr>
-            <p:ph type="ctrTitle"/>
-          </p:nvPr>
-        </p:nvSpPr>
-        <p:spPr/>
-        <p:txBody>
-          <a:bodyPr/>
-          <a:lstStyle/>
-          <a:p>
-            <a:r>
-              <a:t>มีสหายเลิศคือพระเยซู</a:t>
-            </a:r>
-          </a:p>
-        </p:txBody>
-      </p:sp>
-      <p:sp>
-        <p:nvSpPr>
-          <p:cNvPr id="3" name="Subtitle 2"/>
-          <p:cNvSpPr>
-            <a:spLocks noGrp="1"/>
-          </p:cNvSpPr>
-          <p:nvPr>
-            <p:ph type="subTitle" idx="1"/>
-          </p:nvPr>
-        </p:nvSpPr>
-        <p:spPr/>
-        <p:txBody>
-          <a:bodyPr/>
-          <a:lstStyle/>
-          <a:p>
-            <a:r>
-              <a:t>What a Friend we have in Jesus</a:t>
+          <p:cNvPr id="2" name="TextBox 1"/>
+          <p:cNvSpPr txBox="1"/>
+          <p:nvPr/>
+        </p:nvSpPr>
+        <p:spPr>
+          <a:xfrm>
+            <a:off x="914400" y="457200"/>
+            <a:ext cx="7315200" cy="5486400"/>
+          </a:xfrm>
+          <a:prstGeom prst="rect">
+            <a:avLst/>
+          </a:prstGeom>
+          <a:noFill/>
+        </p:spPr>
+        <p:txBody>
+          <a:bodyPr wrap="none">
+            <a:spAutoFit/>
+          </a:bodyPr>
+          <a:lstStyle/>
+          <a:p/>
+          <a:p>
+            <a:pPr algn="ctr">
+              <a:defRPr sz="4000">
+                <a:solidFill>
+                  <a:srgbClr val="000000"/>
+                </a:solidFill>
+              </a:defRPr>
+            </a:pPr>
+            <a:r>
+              <a:t>Forever God is faithful</a:t>
+            </a:r>
+            <a:br/>
+            <a:r>
+              <a:t> Forever God is strong</a:t>
+            </a:r>
+            <a:br/>
+            <a:r>
+              <a:t> Forever God is with us</a:t>
+            </a:r>
+            <a:br/>
+            <a:r>
+              <a:t> Forever</a:t>
             </a:r>
           </a:p>
         </p:txBody>

--- a/finishedppt/WorshipSongs.pptx
+++ b/finishedppt/WorshipSongs.pptx
@@ -7,22 +7,6 @@
   <p:sldIdLst>
     <p:sldId id="256" r:id="rId7"/>
     <p:sldId id="257" r:id="rId8"/>
-    <p:sldId id="258" r:id="rId9"/>
-    <p:sldId id="259" r:id="rId10"/>
-    <p:sldId id="260" r:id="rId11"/>
-    <p:sldId id="261" r:id="rId12"/>
-    <p:sldId id="262" r:id="rId13"/>
-    <p:sldId id="263" r:id="rId14"/>
-    <p:sldId id="264" r:id="rId15"/>
-    <p:sldId id="265" r:id="rId16"/>
-    <p:sldId id="266" r:id="rId17"/>
-    <p:sldId id="267" r:id="rId18"/>
-    <p:sldId id="268" r:id="rId19"/>
-    <p:sldId id="269" r:id="rId20"/>
-    <p:sldId id="270" r:id="rId21"/>
-    <p:sldId id="271" r:id="rId22"/>
-    <p:sldId id="272" r:id="rId23"/>
-    <p:sldId id="273" r:id="rId24"/>
   </p:sldIdLst>
   <p:sldSz cx="9144000" cy="6858000" type="screen4x3"/>
   <p:notesSz cx="6858000" cy="9144000"/>
@@ -3121,7 +3105,7 @@
           <a:lstStyle/>
           <a:p>
             <a:r>
-              <a:t>จงสรรเสริญพระเจ้าเถิด</a:t>
+              <a:t>ความรักมั่นคง</a:t>
             </a:r>
           </a:p>
         </p:txBody>
@@ -3141,600 +3125,6 @@
           <a:bodyPr/>
           <a:lstStyle/>
           <a:p/>
-        </p:txBody>
-      </p:sp>
-    </p:spTree>
-  </p:cSld>
-  <p:clrMapOvr>
-    <a:masterClrMapping/>
-  </p:clrMapOvr>
-</p:sld>
-</file>
-
-<file path=ppt/slides/slide10.xml><?xml version="1.0" encoding="utf-8"?>
-<p:sld xmlns:a="http://schemas.openxmlformats.org/drawingml/2006/main" xmlns:p="http://schemas.openxmlformats.org/presentationml/2006/main" xmlns:r="http://schemas.openxmlformats.org/officeDocument/2006/relationships">
-  <p:cSld>
-    <p:spTree>
-      <p:nvGrpSpPr>
-        <p:cNvPr id="1" name=""/>
-        <p:cNvGrpSpPr/>
-        <p:nvPr/>
-      </p:nvGrpSpPr>
-      <p:grpSpPr/>
-      <p:sp>
-        <p:nvSpPr>
-          <p:cNvPr id="2" name="Title 1"/>
-          <p:cNvSpPr>
-            <a:spLocks noGrp="1"/>
-          </p:cNvSpPr>
-          <p:nvPr>
-            <p:ph type="ctrTitle"/>
-          </p:nvPr>
-        </p:nvSpPr>
-        <p:spPr/>
-        <p:txBody>
-          <a:bodyPr/>
-          <a:lstStyle/>
-          <a:p>
-            <a:r>
-              <a:t>ความรักมั่นคง</a:t>
-            </a:r>
-          </a:p>
-        </p:txBody>
-      </p:sp>
-      <p:sp>
-        <p:nvSpPr>
-          <p:cNvPr id="3" name="Subtitle 2"/>
-          <p:cNvSpPr>
-            <a:spLocks noGrp="1"/>
-          </p:cNvSpPr>
-          <p:nvPr>
-            <p:ph type="subTitle" idx="1"/>
-          </p:nvPr>
-        </p:nvSpPr>
-        <p:spPr/>
-        <p:txBody>
-          <a:bodyPr/>
-          <a:lstStyle/>
-          <a:p>
-            <a:r>
-              <a:t>The steadfast love of the Lord</a:t>
-            </a:r>
-          </a:p>
-        </p:txBody>
-      </p:sp>
-    </p:spTree>
-  </p:cSld>
-  <p:clrMapOvr>
-    <a:masterClrMapping/>
-  </p:clrMapOvr>
-</p:sld>
-</file>
-
-<file path=ppt/slides/slide11.xml><?xml version="1.0" encoding="utf-8"?>
-<p:sld xmlns:a="http://schemas.openxmlformats.org/drawingml/2006/main" xmlns:p="http://schemas.openxmlformats.org/presentationml/2006/main" xmlns:r="http://schemas.openxmlformats.org/officeDocument/2006/relationships">
-  <p:cSld>
-    <p:spTree>
-      <p:nvGrpSpPr>
-        <p:cNvPr id="1" name=""/>
-        <p:cNvGrpSpPr/>
-        <p:nvPr/>
-      </p:nvGrpSpPr>
-      <p:grpSpPr/>
-      <p:sp>
-        <p:nvSpPr>
-          <p:cNvPr id="2" name="TextBox 1"/>
-          <p:cNvSpPr txBox="1"/>
-          <p:nvPr/>
-        </p:nvSpPr>
-        <p:spPr>
-          <a:xfrm>
-            <a:off x="914400" y="228600"/>
-            <a:ext cx="7315200" cy="2971800"/>
-          </a:xfrm>
-          <a:prstGeom prst="rect">
-            <a:avLst/>
-          </a:prstGeom>
-          <a:noFill/>
-        </p:spPr>
-        <p:txBody>
-          <a:bodyPr wrap="square">
-            <a:spAutoFit/>
-          </a:bodyPr>
-          <a:lstStyle/>
-          <a:p/>
-          <a:p>
-            <a:pPr algn="ctr">
-              <a:defRPr sz="4000">
-                <a:solidFill>
-                  <a:srgbClr val="000000"/>
-                </a:solidFill>
-              </a:defRPr>
-            </a:pPr>
-            <a:r>
-              <a:t>ความรักมั่นคงของพระเจ้าไม่เคยยั้งหยุด พระเมตตาคุณหลั่งลงมาอยู่เสมอ ใหม่ทุกเช้าเร้าในดวงใจ ซาบซึ้งทุก ๆ วันใหม่ พระองค์ทรงความเที่ยงตรงยิ่งนัก พระองค์ทรงความเที่ยงตรง</a:t>
-            </a:r>
-          </a:p>
-        </p:txBody>
-      </p:sp>
-      <p:sp>
-        <p:nvSpPr>
-          <p:cNvPr id="3" name="TextBox 2"/>
-          <p:cNvSpPr txBox="1"/>
-          <p:nvPr/>
-        </p:nvSpPr>
-        <p:spPr>
-          <a:xfrm>
-            <a:off x="914400" y="3657600"/>
-            <a:ext cx="7315200" cy="2971800"/>
-          </a:xfrm>
-          <a:prstGeom prst="rect">
-            <a:avLst/>
-          </a:prstGeom>
-          <a:noFill/>
-        </p:spPr>
-        <p:txBody>
-          <a:bodyPr wrap="square">
-            <a:spAutoFit/>
-          </a:bodyPr>
-          <a:lstStyle/>
-          <a:p/>
-          <a:p>
-            <a:pPr algn="ctr">
-              <a:defRPr sz="3500">
-                <a:solidFill>
-                  <a:srgbClr val="3A70BC"/>
-                </a:solidFill>
-              </a:defRPr>
-            </a:pPr>
-            <a:r>
-              <a:t>The steadfast love of the Lord never ceases; God’s mercies never come to an end. They are new every morning, new every morning; great is your faithfulness, O Lord, great is your faithfulness.</a:t>
-            </a:r>
-          </a:p>
-        </p:txBody>
-      </p:sp>
-    </p:spTree>
-  </p:cSld>
-  <p:clrMapOvr>
-    <a:masterClrMapping/>
-  </p:clrMapOvr>
-</p:sld>
-</file>
-
-<file path=ppt/slides/slide12.xml><?xml version="1.0" encoding="utf-8"?>
-<p:sld xmlns:a="http://schemas.openxmlformats.org/drawingml/2006/main" xmlns:p="http://schemas.openxmlformats.org/presentationml/2006/main" xmlns:r="http://schemas.openxmlformats.org/officeDocument/2006/relationships">
-  <p:cSld>
-    <p:spTree>
-      <p:nvGrpSpPr>
-        <p:cNvPr id="1" name=""/>
-        <p:cNvGrpSpPr/>
-        <p:nvPr/>
-      </p:nvGrpSpPr>
-      <p:grpSpPr/>
-      <p:sp>
-        <p:nvSpPr>
-          <p:cNvPr id="2" name="Title 1"/>
-          <p:cNvSpPr>
-            <a:spLocks noGrp="1"/>
-          </p:cNvSpPr>
-          <p:nvPr>
-            <p:ph type="ctrTitle"/>
-          </p:nvPr>
-        </p:nvSpPr>
-        <p:spPr/>
-        <p:txBody>
-          <a:bodyPr/>
-          <a:lstStyle/>
-          <a:p/>
-        </p:txBody>
-      </p:sp>
-      <p:sp>
-        <p:nvSpPr>
-          <p:cNvPr id="3" name="Subtitle 2"/>
-          <p:cNvSpPr>
-            <a:spLocks noGrp="1"/>
-          </p:cNvSpPr>
-          <p:nvPr>
-            <p:ph type="subTitle" idx="1"/>
-          </p:nvPr>
-        </p:nvSpPr>
-        <p:spPr/>
-        <p:txBody>
-          <a:bodyPr/>
-          <a:lstStyle/>
-          <a:p>
-            <a:r>
-              <a:t>How Great Is Our God</a:t>
-            </a:r>
-          </a:p>
-        </p:txBody>
-      </p:sp>
-    </p:spTree>
-  </p:cSld>
-  <p:clrMapOvr>
-    <a:masterClrMapping/>
-  </p:clrMapOvr>
-</p:sld>
-</file>
-
-<file path=ppt/slides/slide13.xml><?xml version="1.0" encoding="utf-8"?>
-<p:sld xmlns:a="http://schemas.openxmlformats.org/drawingml/2006/main" xmlns:p="http://schemas.openxmlformats.org/presentationml/2006/main" xmlns:r="http://schemas.openxmlformats.org/officeDocument/2006/relationships">
-  <p:cSld>
-    <p:spTree>
-      <p:nvGrpSpPr>
-        <p:cNvPr id="1" name=""/>
-        <p:cNvGrpSpPr/>
-        <p:nvPr/>
-      </p:nvGrpSpPr>
-      <p:grpSpPr/>
-      <p:sp>
-        <p:nvSpPr>
-          <p:cNvPr id="2" name="TextBox 1"/>
-          <p:cNvSpPr txBox="1"/>
-          <p:nvPr/>
-        </p:nvSpPr>
-        <p:spPr>
-          <a:xfrm>
-            <a:off x="914400" y="457200"/>
-            <a:ext cx="7315200" cy="5486400"/>
-          </a:xfrm>
-          <a:prstGeom prst="rect">
-            <a:avLst/>
-          </a:prstGeom>
-          <a:noFill/>
-        </p:spPr>
-        <p:txBody>
-          <a:bodyPr wrap="square">
-            <a:spAutoFit/>
-          </a:bodyPr>
-          <a:lstStyle/>
-          <a:p/>
-          <a:p>
-            <a:pPr algn="ctr">
-              <a:defRPr sz="4000">
-                <a:solidFill>
-                  <a:srgbClr val="000000"/>
-                </a:solidFill>
-              </a:defRPr>
-            </a:pPr>
-            <a:r>
-              <a:t>The splendor of a King, clothed in majesty. Let all the earth rejoice. All the earth rejoice. He wraps himself in Light, and darkness tries to hide. And trembles at His voice. Trembles at His voice.</a:t>
-            </a:r>
-          </a:p>
-        </p:txBody>
-      </p:sp>
-    </p:spTree>
-  </p:cSld>
-  <p:clrMapOvr>
-    <a:masterClrMapping/>
-  </p:clrMapOvr>
-</p:sld>
-</file>
-
-<file path=ppt/slides/slide14.xml><?xml version="1.0" encoding="utf-8"?>
-<p:sld xmlns:a="http://schemas.openxmlformats.org/drawingml/2006/main" xmlns:p="http://schemas.openxmlformats.org/presentationml/2006/main" xmlns:r="http://schemas.openxmlformats.org/officeDocument/2006/relationships">
-  <p:cSld>
-    <p:spTree>
-      <p:nvGrpSpPr>
-        <p:cNvPr id="1" name=""/>
-        <p:cNvGrpSpPr/>
-        <p:nvPr/>
-      </p:nvGrpSpPr>
-      <p:grpSpPr/>
-      <p:sp>
-        <p:nvSpPr>
-          <p:cNvPr id="2" name="TextBox 1"/>
-          <p:cNvSpPr txBox="1"/>
-          <p:nvPr/>
-        </p:nvSpPr>
-        <p:spPr>
-          <a:xfrm>
-            <a:off x="914400" y="457200"/>
-            <a:ext cx="7315200" cy="5486400"/>
-          </a:xfrm>
-          <a:prstGeom prst="rect">
-            <a:avLst/>
-          </a:prstGeom>
-          <a:noFill/>
-        </p:spPr>
-        <p:txBody>
-          <a:bodyPr wrap="none">
-            <a:spAutoFit/>
-          </a:bodyPr>
-          <a:lstStyle/>
-          <a:p/>
-          <a:p>
-            <a:pPr algn="ctr">
-              <a:defRPr sz="4000">
-                <a:solidFill>
-                  <a:srgbClr val="000000"/>
-                </a:solidFill>
-              </a:defRPr>
-            </a:pPr>
-            <a:r>
-              <a:t>How great is our God</a:t>
-            </a:r>
-            <a:br/>
-            <a:r>
-              <a:t> sing with me</a:t>
-            </a:r>
-            <a:br/>
-            <a:r>
-              <a:t> How great is our God</a:t>
-            </a:r>
-            <a:br/>
-            <a:r>
-              <a:t> and all will see</a:t>
-            </a:r>
-            <a:br/>
-            <a:r>
-              <a:t> How great, how great is our God</a:t>
-            </a:r>
-            <a:br/>
-          </a:p>
-        </p:txBody>
-      </p:sp>
-    </p:spTree>
-  </p:cSld>
-  <p:clrMapOvr>
-    <a:masterClrMapping/>
-  </p:clrMapOvr>
-</p:sld>
-</file>
-
-<file path=ppt/slides/slide15.xml><?xml version="1.0" encoding="utf-8"?>
-<p:sld xmlns:a="http://schemas.openxmlformats.org/drawingml/2006/main" xmlns:p="http://schemas.openxmlformats.org/presentationml/2006/main" xmlns:r="http://schemas.openxmlformats.org/officeDocument/2006/relationships">
-  <p:cSld>
-    <p:spTree>
-      <p:nvGrpSpPr>
-        <p:cNvPr id="1" name=""/>
-        <p:cNvGrpSpPr/>
-        <p:nvPr/>
-      </p:nvGrpSpPr>
-      <p:grpSpPr/>
-      <p:sp>
-        <p:nvSpPr>
-          <p:cNvPr id="2" name="TextBox 1"/>
-          <p:cNvSpPr txBox="1"/>
-          <p:nvPr/>
-        </p:nvSpPr>
-        <p:spPr>
-          <a:xfrm>
-            <a:off x="914400" y="457200"/>
-            <a:ext cx="7315200" cy="5486400"/>
-          </a:xfrm>
-          <a:prstGeom prst="rect">
-            <a:avLst/>
-          </a:prstGeom>
-          <a:noFill/>
-        </p:spPr>
-        <p:txBody>
-          <a:bodyPr wrap="square">
-            <a:spAutoFit/>
-          </a:bodyPr>
-          <a:lstStyle/>
-          <a:p/>
-          <a:p>
-            <a:pPr algn="ctr">
-              <a:defRPr sz="4000">
-                <a:solidFill>
-                  <a:srgbClr val="000000"/>
-                </a:solidFill>
-              </a:defRPr>
-            </a:pPr>
-            <a:r>
-              <a:t>Age to age He stands. And time is in His hands. Beginning and the end. Beginning and the end. The Godhead Three in One. Father Spirit Son. The Lion and the Lamb. The Lion and the Lamb.</a:t>
-            </a:r>
-          </a:p>
-        </p:txBody>
-      </p:sp>
-    </p:spTree>
-  </p:cSld>
-  <p:clrMapOvr>
-    <a:masterClrMapping/>
-  </p:clrMapOvr>
-</p:sld>
-</file>
-
-<file path=ppt/slides/slide16.xml><?xml version="1.0" encoding="utf-8"?>
-<p:sld xmlns:a="http://schemas.openxmlformats.org/drawingml/2006/main" xmlns:p="http://schemas.openxmlformats.org/presentationml/2006/main" xmlns:r="http://schemas.openxmlformats.org/officeDocument/2006/relationships">
-  <p:cSld>
-    <p:spTree>
-      <p:nvGrpSpPr>
-        <p:cNvPr id="1" name=""/>
-        <p:cNvGrpSpPr/>
-        <p:nvPr/>
-      </p:nvGrpSpPr>
-      <p:grpSpPr/>
-      <p:sp>
-        <p:nvSpPr>
-          <p:cNvPr id="2" name="TextBox 1"/>
-          <p:cNvSpPr txBox="1"/>
-          <p:nvPr/>
-        </p:nvSpPr>
-        <p:spPr>
-          <a:xfrm>
-            <a:off x="914400" y="457200"/>
-            <a:ext cx="7315200" cy="5486400"/>
-          </a:xfrm>
-          <a:prstGeom prst="rect">
-            <a:avLst/>
-          </a:prstGeom>
-          <a:noFill/>
-        </p:spPr>
-        <p:txBody>
-          <a:bodyPr wrap="none">
-            <a:spAutoFit/>
-          </a:bodyPr>
-          <a:lstStyle/>
-          <a:p/>
-          <a:p>
-            <a:pPr algn="ctr">
-              <a:defRPr sz="4000">
-                <a:solidFill>
-                  <a:srgbClr val="000000"/>
-                </a:solidFill>
-              </a:defRPr>
-            </a:pPr>
-            <a:r>
-              <a:t>How great is our God</a:t>
-            </a:r>
-            <a:br/>
-            <a:r>
-              <a:t> sing with me</a:t>
-            </a:r>
-            <a:br/>
-            <a:r>
-              <a:t> How great is our God</a:t>
-            </a:r>
-            <a:br/>
-            <a:r>
-              <a:t> and all will see</a:t>
-            </a:r>
-            <a:br/>
-            <a:r>
-              <a:t> How great, how great is our God</a:t>
-            </a:r>
-            <a:br/>
-          </a:p>
-        </p:txBody>
-      </p:sp>
-    </p:spTree>
-  </p:cSld>
-  <p:clrMapOvr>
-    <a:masterClrMapping/>
-  </p:clrMapOvr>
-</p:sld>
-</file>
-
-<file path=ppt/slides/slide17.xml><?xml version="1.0" encoding="utf-8"?>
-<p:sld xmlns:a="http://schemas.openxmlformats.org/drawingml/2006/main" xmlns:p="http://schemas.openxmlformats.org/presentationml/2006/main" xmlns:r="http://schemas.openxmlformats.org/officeDocument/2006/relationships">
-  <p:cSld>
-    <p:spTree>
-      <p:nvGrpSpPr>
-        <p:cNvPr id="1" name=""/>
-        <p:cNvGrpSpPr/>
-        <p:nvPr/>
-      </p:nvGrpSpPr>
-      <p:grpSpPr/>
-      <p:sp>
-        <p:nvSpPr>
-          <p:cNvPr id="2" name="TextBox 1"/>
-          <p:cNvSpPr txBox="1"/>
-          <p:nvPr/>
-        </p:nvSpPr>
-        <p:spPr>
-          <a:xfrm>
-            <a:off x="914400" y="457200"/>
-            <a:ext cx="7315200" cy="5486400"/>
-          </a:xfrm>
-          <a:prstGeom prst="rect">
-            <a:avLst/>
-          </a:prstGeom>
-          <a:noFill/>
-        </p:spPr>
-        <p:txBody>
-          <a:bodyPr wrap="none">
-            <a:spAutoFit/>
-          </a:bodyPr>
-          <a:lstStyle/>
-          <a:p/>
-          <a:p>
-            <a:pPr algn="ctr">
-              <a:defRPr sz="4000">
-                <a:solidFill>
-                  <a:srgbClr val="000000"/>
-                </a:solidFill>
-              </a:defRPr>
-            </a:pPr>
-            <a:r>
-              <a:t>Name above all names</a:t>
-            </a:r>
-            <a:br/>
-            <a:r>
-              <a:t> Worthy of our praise</a:t>
-            </a:r>
-            <a:br/>
-            <a:r>
-              <a:t> My heart will sing</a:t>
-            </a:r>
-            <a:br/>
-            <a:r>
-              <a:t> How great is our God</a:t>
-            </a:r>
-            <a:br/>
-          </a:p>
-        </p:txBody>
-      </p:sp>
-    </p:spTree>
-  </p:cSld>
-  <p:clrMapOvr>
-    <a:masterClrMapping/>
-  </p:clrMapOvr>
-</p:sld>
-</file>
-
-<file path=ppt/slides/slide18.xml><?xml version="1.0" encoding="utf-8"?>
-<p:sld xmlns:a="http://schemas.openxmlformats.org/drawingml/2006/main" xmlns:p="http://schemas.openxmlformats.org/presentationml/2006/main" xmlns:r="http://schemas.openxmlformats.org/officeDocument/2006/relationships">
-  <p:cSld>
-    <p:spTree>
-      <p:nvGrpSpPr>
-        <p:cNvPr id="1" name=""/>
-        <p:cNvGrpSpPr/>
-        <p:nvPr/>
-      </p:nvGrpSpPr>
-      <p:grpSpPr/>
-      <p:sp>
-        <p:nvSpPr>
-          <p:cNvPr id="2" name="TextBox 1"/>
-          <p:cNvSpPr txBox="1"/>
-          <p:nvPr/>
-        </p:nvSpPr>
-        <p:spPr>
-          <a:xfrm>
-            <a:off x="914400" y="457200"/>
-            <a:ext cx="7315200" cy="5486400"/>
-          </a:xfrm>
-          <a:prstGeom prst="rect">
-            <a:avLst/>
-          </a:prstGeom>
-          <a:noFill/>
-        </p:spPr>
-        <p:txBody>
-          <a:bodyPr wrap="none">
-            <a:spAutoFit/>
-          </a:bodyPr>
-          <a:lstStyle/>
-          <a:p/>
-          <a:p>
-            <a:pPr algn="ctr">
-              <a:defRPr sz="4000">
-                <a:solidFill>
-                  <a:srgbClr val="000000"/>
-                </a:solidFill>
-              </a:defRPr>
-            </a:pPr>
-            <a:r>
-              <a:t>How great is our God</a:t>
-            </a:r>
-            <a:br/>
-            <a:r>
-              <a:t> sing with me</a:t>
-            </a:r>
-            <a:br/>
-            <a:r>
-              <a:t> How great is our God</a:t>
-            </a:r>
-            <a:br/>
-            <a:r>
-              <a:t> and all will see</a:t>
-            </a:r>
-            <a:br/>
-            <a:r>
-              <a:t> How great, how great is our God</a:t>
-            </a:r>
-            <a:br/>
-          </a:p>
         </p:txBody>
       </p:sp>
     </p:spTree>
@@ -3772,516 +3162,24 @@
           <a:noFill/>
         </p:spPr>
         <p:txBody>
-          <a:bodyPr wrap="none">
+          <a:bodyPr wrap="square">
             <a:spAutoFit/>
           </a:bodyPr>
           <a:lstStyle/>
           <a:p/>
           <a:p>
             <a:pPr algn="ctr">
-              <a:defRPr sz="4000">
+              <a:lnSpc>
+                <a:spcPts val="7300"/>
+              </a:lnSpc>
+              <a:defRPr sz="7700">
                 <a:solidFill>
                   <a:srgbClr val="000000"/>
                 </a:solidFill>
               </a:defRPr>
             </a:pPr>
             <a:r>
-              <a:t>จงสรรเสริญพระเจ้าเถิด</a:t>
-            </a:r>
-            <a:br/>
-            <a:r>
-              <a:t>เปล่งเสียงโห่ร้องถวาย</a:t>
-            </a:r>
-            <a:br/>
-            <a:r>
-              <a:t>จงเข้าไปในพระวิหาร และนมัสการพระองค์</a:t>
-            </a:r>
-            <a:br/>
-            <a:r>
-              <a:t>พระองค์ทรงสร้างทุกสิ่ง</a:t>
-            </a:r>
-            <a:br/>
-            <a:r>
-              <a:t>ขึ้นด้วยฝีพระหัตถ์ พระนามพระองค์ยิ่งใหญ่</a:t>
-            </a:r>
-            <a:br/>
-            <a:r>
-              <a:t>สมควรสรรเสริญ</a:t>
-            </a:r>
-          </a:p>
-        </p:txBody>
-      </p:sp>
-    </p:spTree>
-  </p:cSld>
-  <p:clrMapOvr>
-    <a:masterClrMapping/>
-  </p:clrMapOvr>
-</p:sld>
-</file>
-
-<file path=ppt/slides/slide3.xml><?xml version="1.0" encoding="utf-8"?>
-<p:sld xmlns:a="http://schemas.openxmlformats.org/drawingml/2006/main" xmlns:p="http://schemas.openxmlformats.org/presentationml/2006/main" xmlns:r="http://schemas.openxmlformats.org/officeDocument/2006/relationships">
-  <p:cSld>
-    <p:spTree>
-      <p:nvGrpSpPr>
-        <p:cNvPr id="1" name=""/>
-        <p:cNvGrpSpPr/>
-        <p:nvPr/>
-      </p:nvGrpSpPr>
-      <p:grpSpPr/>
-      <p:sp>
-        <p:nvSpPr>
-          <p:cNvPr id="2" name="TextBox 1"/>
-          <p:cNvSpPr txBox="1"/>
-          <p:nvPr/>
-        </p:nvSpPr>
-        <p:spPr>
-          <a:xfrm>
-            <a:off x="914400" y="457200"/>
-            <a:ext cx="7315200" cy="5486400"/>
-          </a:xfrm>
-          <a:prstGeom prst="rect">
-            <a:avLst/>
-          </a:prstGeom>
-          <a:noFill/>
-        </p:spPr>
-        <p:txBody>
-          <a:bodyPr wrap="none">
-            <a:spAutoFit/>
-          </a:bodyPr>
-          <a:lstStyle/>
-          <a:p/>
-          <a:p>
-            <a:pPr algn="ctr">
-              <a:defRPr sz="4000">
-                <a:solidFill>
-                  <a:srgbClr val="000000"/>
-                </a:solidFill>
-              </a:defRPr>
-            </a:pPr>
-            <a:r>
-              <a:t>ให้ทุกสิ่งที่อยู่ใต้ฟ้า</a:t>
-            </a:r>
-            <a:br/>
-            <a:r>
-              <a:t>ร้องสรรเสริญพระนามพระองค์</a:t>
-            </a:r>
-            <a:br/>
-            <a:r>
-              <a:t>ยกย่องความยิ่งใหญ่ ของพระองค์ร่วมกัน</a:t>
-            </a:r>
-            <a:br/>
-            <a:r>
-              <a:t>ร้องเพลงและเต้นรำถวาย</a:t>
-            </a:r>
-            <a:br/>
-            <a:r>
-              <a:t>สรรเสริญพระนามเกรียงไกร</a:t>
-            </a:r>
-            <a:br/>
-            <a:r>
-              <a:t>ทุก ๆ สิ่งที่หายใจ จงสรรเสริญพระเจ้า</a:t>
-            </a:r>
-          </a:p>
-        </p:txBody>
-      </p:sp>
-    </p:spTree>
-  </p:cSld>
-  <p:clrMapOvr>
-    <a:masterClrMapping/>
-  </p:clrMapOvr>
-</p:sld>
-</file>
-
-<file path=ppt/slides/slide4.xml><?xml version="1.0" encoding="utf-8"?>
-<p:sld xmlns:a="http://schemas.openxmlformats.org/drawingml/2006/main" xmlns:p="http://schemas.openxmlformats.org/presentationml/2006/main" xmlns:r="http://schemas.openxmlformats.org/officeDocument/2006/relationships">
-  <p:cSld>
-    <p:spTree>
-      <p:nvGrpSpPr>
-        <p:cNvPr id="1" name=""/>
-        <p:cNvGrpSpPr/>
-        <p:nvPr/>
-      </p:nvGrpSpPr>
-      <p:grpSpPr/>
-      <p:sp>
-        <p:nvSpPr>
-          <p:cNvPr id="2" name="Title 1"/>
-          <p:cNvSpPr>
-            <a:spLocks noGrp="1"/>
-          </p:cNvSpPr>
-          <p:nvPr>
-            <p:ph type="ctrTitle"/>
-          </p:nvPr>
-        </p:nvSpPr>
-        <p:spPr/>
-        <p:txBody>
-          <a:bodyPr/>
-          <a:lstStyle/>
-          <a:p/>
-        </p:txBody>
-      </p:sp>
-      <p:sp>
-        <p:nvSpPr>
-          <p:cNvPr id="3" name="Subtitle 2"/>
-          <p:cNvSpPr>
-            <a:spLocks noGrp="1"/>
-          </p:cNvSpPr>
-          <p:nvPr>
-            <p:ph type="subTitle" idx="1"/>
-          </p:nvPr>
-        </p:nvSpPr>
-        <p:spPr/>
-        <p:txBody>
-          <a:bodyPr/>
-          <a:lstStyle/>
-          <a:p>
-            <a:r>
-              <a:t>Forever</a:t>
-            </a:r>
-          </a:p>
-        </p:txBody>
-      </p:sp>
-    </p:spTree>
-  </p:cSld>
-  <p:clrMapOvr>
-    <a:masterClrMapping/>
-  </p:clrMapOvr>
-</p:sld>
-</file>
-
-<file path=ppt/slides/slide5.xml><?xml version="1.0" encoding="utf-8"?>
-<p:sld xmlns:a="http://schemas.openxmlformats.org/drawingml/2006/main" xmlns:p="http://schemas.openxmlformats.org/presentationml/2006/main" xmlns:r="http://schemas.openxmlformats.org/officeDocument/2006/relationships">
-  <p:cSld>
-    <p:spTree>
-      <p:nvGrpSpPr>
-        <p:cNvPr id="1" name=""/>
-        <p:cNvGrpSpPr/>
-        <p:nvPr/>
-      </p:nvGrpSpPr>
-      <p:grpSpPr/>
-      <p:sp>
-        <p:nvSpPr>
-          <p:cNvPr id="2" name="TextBox 1"/>
-          <p:cNvSpPr txBox="1"/>
-          <p:nvPr/>
-        </p:nvSpPr>
-        <p:spPr>
-          <a:xfrm>
-            <a:off x="914400" y="457200"/>
-            <a:ext cx="7315200" cy="5486400"/>
-          </a:xfrm>
-          <a:prstGeom prst="rect">
-            <a:avLst/>
-          </a:prstGeom>
-          <a:noFill/>
-        </p:spPr>
-        <p:txBody>
-          <a:bodyPr wrap="none">
-            <a:spAutoFit/>
-          </a:bodyPr>
-          <a:lstStyle/>
-          <a:p/>
-          <a:p>
-            <a:pPr algn="ctr">
-              <a:defRPr sz="4000">
-                <a:solidFill>
-                  <a:srgbClr val="000000"/>
-                </a:solidFill>
-              </a:defRPr>
-            </a:pPr>
-            <a:r>
-              <a:t>Give thanks to the Lord our God and King</a:t>
-            </a:r>
-            <a:br/>
-            <a:r>
-              <a:t> His love endures forever</a:t>
-            </a:r>
-            <a:br/>
-            <a:r>
-              <a:t> For He is good, He is above all things</a:t>
-            </a:r>
-            <a:br/>
-            <a:r>
-              <a:t> His love endures forever</a:t>
-            </a:r>
-            <a:br/>
-            <a:r>
-              <a:t> Sing praise, sing praise</a:t>
-            </a:r>
-            <a:br/>
-          </a:p>
-        </p:txBody>
-      </p:sp>
-    </p:spTree>
-  </p:cSld>
-  <p:clrMapOvr>
-    <a:masterClrMapping/>
-  </p:clrMapOvr>
-</p:sld>
-</file>
-
-<file path=ppt/slides/slide6.xml><?xml version="1.0" encoding="utf-8"?>
-<p:sld xmlns:a="http://schemas.openxmlformats.org/drawingml/2006/main" xmlns:p="http://schemas.openxmlformats.org/presentationml/2006/main" xmlns:r="http://schemas.openxmlformats.org/officeDocument/2006/relationships">
-  <p:cSld>
-    <p:spTree>
-      <p:nvGrpSpPr>
-        <p:cNvPr id="1" name=""/>
-        <p:cNvGrpSpPr/>
-        <p:nvPr/>
-      </p:nvGrpSpPr>
-      <p:grpSpPr/>
-      <p:sp>
-        <p:nvSpPr>
-          <p:cNvPr id="2" name="TextBox 1"/>
-          <p:cNvSpPr txBox="1"/>
-          <p:nvPr/>
-        </p:nvSpPr>
-        <p:spPr>
-          <a:xfrm>
-            <a:off x="914400" y="457200"/>
-            <a:ext cx="7315200" cy="5486400"/>
-          </a:xfrm>
-          <a:prstGeom prst="rect">
-            <a:avLst/>
-          </a:prstGeom>
-          <a:noFill/>
-        </p:spPr>
-        <p:txBody>
-          <a:bodyPr wrap="none">
-            <a:spAutoFit/>
-          </a:bodyPr>
-          <a:lstStyle/>
-          <a:p/>
-          <a:p>
-            <a:pPr algn="ctr">
-              <a:defRPr sz="4000">
-                <a:solidFill>
-                  <a:srgbClr val="000000"/>
-                </a:solidFill>
-              </a:defRPr>
-            </a:pPr>
-            <a:r>
-              <a:t>With a mighty hand and outstretched arm</a:t>
-            </a:r>
-            <a:br/>
-            <a:r>
-              <a:t> His love endures forever</a:t>
-            </a:r>
-            <a:br/>
-            <a:r>
-              <a:t> For the life that’s been reborn</a:t>
-            </a:r>
-            <a:br/>
-            <a:r>
-              <a:t> His love endures forever</a:t>
-            </a:r>
-            <a:br/>
-            <a:r>
-              <a:t> Sing praise, sing praise</a:t>
-            </a:r>
-            <a:br/>
-          </a:p>
-        </p:txBody>
-      </p:sp>
-    </p:spTree>
-  </p:cSld>
-  <p:clrMapOvr>
-    <a:masterClrMapping/>
-  </p:clrMapOvr>
-</p:sld>
-</file>
-
-<file path=ppt/slides/slide7.xml><?xml version="1.0" encoding="utf-8"?>
-<p:sld xmlns:a="http://schemas.openxmlformats.org/drawingml/2006/main" xmlns:p="http://schemas.openxmlformats.org/presentationml/2006/main" xmlns:r="http://schemas.openxmlformats.org/officeDocument/2006/relationships">
-  <p:cSld>
-    <p:spTree>
-      <p:nvGrpSpPr>
-        <p:cNvPr id="1" name=""/>
-        <p:cNvGrpSpPr/>
-        <p:nvPr/>
-      </p:nvGrpSpPr>
-      <p:grpSpPr/>
-      <p:sp>
-        <p:nvSpPr>
-          <p:cNvPr id="2" name="TextBox 1"/>
-          <p:cNvSpPr txBox="1"/>
-          <p:nvPr/>
-        </p:nvSpPr>
-        <p:spPr>
-          <a:xfrm>
-            <a:off x="914400" y="457200"/>
-            <a:ext cx="7315200" cy="5486400"/>
-          </a:xfrm>
-          <a:prstGeom prst="rect">
-            <a:avLst/>
-          </a:prstGeom>
-          <a:noFill/>
-        </p:spPr>
-        <p:txBody>
-          <a:bodyPr wrap="none">
-            <a:spAutoFit/>
-          </a:bodyPr>
-          <a:lstStyle/>
-          <a:p/>
-          <a:p>
-            <a:pPr algn="ctr">
-              <a:defRPr sz="4000">
-                <a:solidFill>
-                  <a:srgbClr val="000000"/>
-                </a:solidFill>
-              </a:defRPr>
-            </a:pPr>
-            <a:r>
-              <a:t>Forever God is faithful</a:t>
-            </a:r>
-            <a:br/>
-            <a:r>
-              <a:t> Forever God is strong</a:t>
-            </a:r>
-            <a:br/>
-            <a:r>
-              <a:t> Forever God is with us</a:t>
-            </a:r>
-            <a:br/>
-            <a:r>
-              <a:t> Forever</a:t>
-            </a:r>
-          </a:p>
-        </p:txBody>
-      </p:sp>
-    </p:spTree>
-  </p:cSld>
-  <p:clrMapOvr>
-    <a:masterClrMapping/>
-  </p:clrMapOvr>
-</p:sld>
-</file>
-
-<file path=ppt/slides/slide8.xml><?xml version="1.0" encoding="utf-8"?>
-<p:sld xmlns:a="http://schemas.openxmlformats.org/drawingml/2006/main" xmlns:p="http://schemas.openxmlformats.org/presentationml/2006/main" xmlns:r="http://schemas.openxmlformats.org/officeDocument/2006/relationships">
-  <p:cSld>
-    <p:spTree>
-      <p:nvGrpSpPr>
-        <p:cNvPr id="1" name=""/>
-        <p:cNvGrpSpPr/>
-        <p:nvPr/>
-      </p:nvGrpSpPr>
-      <p:grpSpPr/>
-      <p:sp>
-        <p:nvSpPr>
-          <p:cNvPr id="2" name="TextBox 1"/>
-          <p:cNvSpPr txBox="1"/>
-          <p:nvPr/>
-        </p:nvSpPr>
-        <p:spPr>
-          <a:xfrm>
-            <a:off x="914400" y="457200"/>
-            <a:ext cx="7315200" cy="5486400"/>
-          </a:xfrm>
-          <a:prstGeom prst="rect">
-            <a:avLst/>
-          </a:prstGeom>
-          <a:noFill/>
-        </p:spPr>
-        <p:txBody>
-          <a:bodyPr wrap="none">
-            <a:spAutoFit/>
-          </a:bodyPr>
-          <a:lstStyle/>
-          <a:p/>
-          <a:p>
-            <a:pPr algn="ctr">
-              <a:defRPr sz="4000">
-                <a:solidFill>
-                  <a:srgbClr val="000000"/>
-                </a:solidFill>
-              </a:defRPr>
-            </a:pPr>
-            <a:r>
-              <a:t>From the rising to the setting sun</a:t>
-            </a:r>
-            <a:br/>
-            <a:r>
-              <a:t> His love endures forever</a:t>
-            </a:r>
-            <a:br/>
-            <a:r>
-              <a:t> By the grace of God we will carry on</a:t>
-            </a:r>
-            <a:br/>
-            <a:r>
-              <a:t> His love endures forever</a:t>
-            </a:r>
-            <a:br/>
-            <a:r>
-              <a:t> Sing praise, sing praise</a:t>
-            </a:r>
-            <a:br/>
-          </a:p>
-        </p:txBody>
-      </p:sp>
-    </p:spTree>
-  </p:cSld>
-  <p:clrMapOvr>
-    <a:masterClrMapping/>
-  </p:clrMapOvr>
-</p:sld>
-</file>
-
-<file path=ppt/slides/slide9.xml><?xml version="1.0" encoding="utf-8"?>
-<p:sld xmlns:a="http://schemas.openxmlformats.org/drawingml/2006/main" xmlns:p="http://schemas.openxmlformats.org/presentationml/2006/main" xmlns:r="http://schemas.openxmlformats.org/officeDocument/2006/relationships">
-  <p:cSld>
-    <p:spTree>
-      <p:nvGrpSpPr>
-        <p:cNvPr id="1" name=""/>
-        <p:cNvGrpSpPr/>
-        <p:nvPr/>
-      </p:nvGrpSpPr>
-      <p:grpSpPr/>
-      <p:sp>
-        <p:nvSpPr>
-          <p:cNvPr id="2" name="TextBox 1"/>
-          <p:cNvSpPr txBox="1"/>
-          <p:nvPr/>
-        </p:nvSpPr>
-        <p:spPr>
-          <a:xfrm>
-            <a:off x="914400" y="457200"/>
-            <a:ext cx="7315200" cy="5486400"/>
-          </a:xfrm>
-          <a:prstGeom prst="rect">
-            <a:avLst/>
-          </a:prstGeom>
-          <a:noFill/>
-        </p:spPr>
-        <p:txBody>
-          <a:bodyPr wrap="none">
-            <a:spAutoFit/>
-          </a:bodyPr>
-          <a:lstStyle/>
-          <a:p/>
-          <a:p>
-            <a:pPr algn="ctr">
-              <a:defRPr sz="4000">
-                <a:solidFill>
-                  <a:srgbClr val="000000"/>
-                </a:solidFill>
-              </a:defRPr>
-            </a:pPr>
-            <a:r>
-              <a:t>Forever God is faithful</a:t>
-            </a:r>
-            <a:br/>
-            <a:r>
-              <a:t> Forever God is strong</a:t>
-            </a:r>
-            <a:br/>
-            <a:r>
-              <a:t> Forever God is with us</a:t>
-            </a:r>
-            <a:br/>
-            <a:r>
-              <a:t> Forever</a:t>
+              <a:t>ความรักมั่นคงของพระเจ้าไม่เคยยั้งหยุด พระเมตตาคุณหลั่งลงมาอยู่เสมอ ใหม่ทุกเช้าเร้าในดวงใจ ซาบซึ้งทุก ๆ วันใหม่ พระองค์ทรงความเที่ยงตรงยิ่งนัก พระองค์ทรงความเที่ยงตรง</a:t>
             </a:r>
           </a:p>
         </p:txBody>

--- a/finishedppt/WorshipSongs.pptx
+++ b/finishedppt/WorshipSongs.pptx
@@ -7,6 +7,22 @@
   <p:sldIdLst>
     <p:sldId id="256" r:id="rId7"/>
     <p:sldId id="257" r:id="rId8"/>
+    <p:sldId id="258" r:id="rId9"/>
+    <p:sldId id="259" r:id="rId10"/>
+    <p:sldId id="260" r:id="rId11"/>
+    <p:sldId id="261" r:id="rId12"/>
+    <p:sldId id="262" r:id="rId13"/>
+    <p:sldId id="263" r:id="rId14"/>
+    <p:sldId id="264" r:id="rId15"/>
+    <p:sldId id="265" r:id="rId16"/>
+    <p:sldId id="266" r:id="rId17"/>
+    <p:sldId id="267" r:id="rId18"/>
+    <p:sldId id="268" r:id="rId19"/>
+    <p:sldId id="269" r:id="rId20"/>
+    <p:sldId id="270" r:id="rId21"/>
+    <p:sldId id="271" r:id="rId22"/>
+    <p:sldId id="272" r:id="rId23"/>
+    <p:sldId id="273" r:id="rId24"/>
   </p:sldIdLst>
   <p:sldSz cx="9144000" cy="6858000" type="screen4x3"/>
   <p:notesSz cx="6858000" cy="9144000"/>
@@ -3103,11 +3119,7 @@
         <p:txBody>
           <a:bodyPr/>
           <a:lstStyle/>
-          <a:p>
-            <a:r>
-              <a:t>ความรักมั่นคง</a:t>
-            </a:r>
-          </a:p>
+          <a:p/>
         </p:txBody>
       </p:sp>
       <p:sp>
@@ -3124,7 +3136,1035 @@
         <p:txBody>
           <a:bodyPr/>
           <a:lstStyle/>
+          <a:p>
+            <a:r>
+              <a:t>10,000 Reasons</a:t>
+            </a:r>
+          </a:p>
+        </p:txBody>
+      </p:sp>
+    </p:spTree>
+  </p:cSld>
+  <p:clrMapOvr>
+    <a:masterClrMapping/>
+  </p:clrMapOvr>
+</p:sld>
+</file>
+
+<file path=ppt/slides/slide10.xml><?xml version="1.0" encoding="utf-8"?>
+<p:sld xmlns:a="http://schemas.openxmlformats.org/drawingml/2006/main" xmlns:p="http://schemas.openxmlformats.org/presentationml/2006/main" xmlns:r="http://schemas.openxmlformats.org/officeDocument/2006/relationships">
+  <p:cSld>
+    <p:spTree>
+      <p:nvGrpSpPr>
+        <p:cNvPr id="1" name=""/>
+        <p:cNvGrpSpPr/>
+        <p:nvPr/>
+      </p:nvGrpSpPr>
+      <p:grpSpPr/>
+      <p:sp>
+        <p:nvSpPr>
+          <p:cNvPr id="2" name="TextBox 1"/>
+          <p:cNvSpPr txBox="1"/>
+          <p:nvPr/>
+        </p:nvSpPr>
+        <p:spPr>
+          <a:xfrm>
+            <a:off x="685800" y="228600"/>
+            <a:ext cx="7772400" cy="2971800"/>
+          </a:xfrm>
+          <a:prstGeom prst="rect">
+            <a:avLst/>
+          </a:prstGeom>
+          <a:noFill/>
+        </p:spPr>
+        <p:txBody>
+          <a:bodyPr wrap="square">
+            <a:spAutoFit/>
+          </a:bodyPr>
+          <a:lstStyle/>
           <a:p/>
+          <a:p>
+            <a:pPr algn="ctr">
+              <a:lnSpc>
+                <a:spcPts val="4200"/>
+              </a:lnSpc>
+              <a:defRPr sz="3500">
+                <a:solidFill>
+                  <a:srgbClr val="000000"/>
+                </a:solidFill>
+              </a:defRPr>
+            </a:pPr>
+            <a:r>
+              <a:t>มีสหายเลิศคือพระเยซู ผู้ได้แบกบาปทุกข์ของเรา มีอะไรรบกวนให้โศกเศร้า จงรีบเร่งนำมาเข้าเฝ้า เหตุไฉนเราลืมพระเจ้าบ่อย ใจเป็นทุกข์โดยไม่มีเหตุ เพราะการไหว้วอนเราได้ท้อถอย ไม่ได้ทูลผู้ทรงฤทธิ์เดช</a:t>
+            </a:r>
+          </a:p>
+        </p:txBody>
+      </p:sp>
+      <p:sp>
+        <p:nvSpPr>
+          <p:cNvPr id="3" name="TextBox 2"/>
+          <p:cNvSpPr txBox="1"/>
+          <p:nvPr/>
+        </p:nvSpPr>
+        <p:spPr>
+          <a:xfrm>
+            <a:off x="685800" y="3657600"/>
+            <a:ext cx="7772400" cy="2971800"/>
+          </a:xfrm>
+          <a:prstGeom prst="rect">
+            <a:avLst/>
+          </a:prstGeom>
+          <a:noFill/>
+        </p:spPr>
+        <p:txBody>
+          <a:bodyPr wrap="square">
+            <a:spAutoFit/>
+          </a:bodyPr>
+          <a:lstStyle/>
+          <a:p/>
+          <a:p>
+            <a:pPr algn="ctr">
+              <a:lnSpc>
+                <a:spcPts val="6600"/>
+              </a:lnSpc>
+              <a:defRPr sz="3500">
+                <a:solidFill>
+                  <a:srgbClr val="3A70BC"/>
+                </a:solidFill>
+              </a:defRPr>
+            </a:pPr>
+            <a:r>
+              <a:t>What a Friend we have in Jesus, All our sins and griefs to bear. What a privilege to carry. Everything to God in prayer. O what peace we often forfeit, O what needless pain we bear, All because we do not carry. Everything to God in prayer.</a:t>
+            </a:r>
+          </a:p>
+        </p:txBody>
+      </p:sp>
+    </p:spTree>
+  </p:cSld>
+  <p:clrMapOvr>
+    <a:masterClrMapping/>
+  </p:clrMapOvr>
+</p:sld>
+</file>
+
+<file path=ppt/slides/slide11.xml><?xml version="1.0" encoding="utf-8"?>
+<p:sld xmlns:a="http://schemas.openxmlformats.org/drawingml/2006/main" xmlns:p="http://schemas.openxmlformats.org/presentationml/2006/main" xmlns:r="http://schemas.openxmlformats.org/officeDocument/2006/relationships">
+  <p:cSld>
+    <p:spTree>
+      <p:nvGrpSpPr>
+        <p:cNvPr id="1" name=""/>
+        <p:cNvGrpSpPr/>
+        <p:nvPr/>
+      </p:nvGrpSpPr>
+      <p:grpSpPr/>
+      <p:sp>
+        <p:nvSpPr>
+          <p:cNvPr id="2" name="TextBox 1"/>
+          <p:cNvSpPr txBox="1"/>
+          <p:nvPr/>
+        </p:nvSpPr>
+        <p:spPr>
+          <a:xfrm>
+            <a:off x="685800" y="228600"/>
+            <a:ext cx="7772400" cy="2971800"/>
+          </a:xfrm>
+          <a:prstGeom prst="rect">
+            <a:avLst/>
+          </a:prstGeom>
+          <a:noFill/>
+        </p:spPr>
+        <p:txBody>
+          <a:bodyPr wrap="square">
+            <a:spAutoFit/>
+          </a:bodyPr>
+          <a:lstStyle/>
+          <a:p/>
+          <a:p>
+            <a:pPr algn="ctr">
+              <a:lnSpc>
+                <a:spcPts val="4200"/>
+              </a:lnSpc>
+              <a:defRPr sz="3500">
+                <a:solidFill>
+                  <a:srgbClr val="000000"/>
+                </a:solidFill>
+              </a:defRPr>
+            </a:pPr>
+            <a:r>
+              <a:t>เราเป็นทุกข์เพราะถูกล่อลวงหรือ เคยเดือนร้อนลำบากหรือเปล่า ไม่ควรย่อท้อหรือใจห่อเหี่ยว แต่เร่งนำทุกสิ่งเข้าเฝ้า เราจะหาสหายที่วางใจ แก้ความทุกข์ลำบากเราได้ เพราะพระเยซูทราบความทุกข์นั้น จงทูลทุกสิ่งต่อพระองค์</a:t>
+            </a:r>
+          </a:p>
+        </p:txBody>
+      </p:sp>
+      <p:sp>
+        <p:nvSpPr>
+          <p:cNvPr id="3" name="TextBox 2"/>
+          <p:cNvSpPr txBox="1"/>
+          <p:nvPr/>
+        </p:nvSpPr>
+        <p:spPr>
+          <a:xfrm>
+            <a:off x="685800" y="3657600"/>
+            <a:ext cx="7772400" cy="2971800"/>
+          </a:xfrm>
+          <a:prstGeom prst="rect">
+            <a:avLst/>
+          </a:prstGeom>
+          <a:noFill/>
+        </p:spPr>
+        <p:txBody>
+          <a:bodyPr wrap="square">
+            <a:spAutoFit/>
+          </a:bodyPr>
+          <a:lstStyle/>
+          <a:p/>
+          <a:p>
+            <a:pPr algn="ctr">
+              <a:lnSpc>
+                <a:spcPts val="6600"/>
+              </a:lnSpc>
+              <a:defRPr sz="3500">
+                <a:solidFill>
+                  <a:srgbClr val="3A70BC"/>
+                </a:solidFill>
+              </a:defRPr>
+            </a:pPr>
+            <a:r>
+              <a:t>Have we trials and temptations. Is there trouble anywhere. We should never be discouraged, Take it to the Lord in prayer. Can we find a friend so faithful. Who will all our sorrows share. Jesus knows our every weakness, Take it to the Lord in prayer.</a:t>
+            </a:r>
+          </a:p>
+        </p:txBody>
+      </p:sp>
+    </p:spTree>
+  </p:cSld>
+  <p:clrMapOvr>
+    <a:masterClrMapping/>
+  </p:clrMapOvr>
+</p:sld>
+</file>
+
+<file path=ppt/slides/slide12.xml><?xml version="1.0" encoding="utf-8"?>
+<p:sld xmlns:a="http://schemas.openxmlformats.org/drawingml/2006/main" xmlns:p="http://schemas.openxmlformats.org/presentationml/2006/main" xmlns:r="http://schemas.openxmlformats.org/officeDocument/2006/relationships">
+  <p:cSld>
+    <p:spTree>
+      <p:nvGrpSpPr>
+        <p:cNvPr id="1" name=""/>
+        <p:cNvGrpSpPr/>
+        <p:nvPr/>
+      </p:nvGrpSpPr>
+      <p:grpSpPr/>
+      <p:sp>
+        <p:nvSpPr>
+          <p:cNvPr id="2" name="TextBox 1"/>
+          <p:cNvSpPr txBox="1"/>
+          <p:nvPr/>
+        </p:nvSpPr>
+        <p:spPr>
+          <a:xfrm>
+            <a:off x="685800" y="228600"/>
+            <a:ext cx="7772400" cy="2971800"/>
+          </a:xfrm>
+          <a:prstGeom prst="rect">
+            <a:avLst/>
+          </a:prstGeom>
+          <a:noFill/>
+        </p:spPr>
+        <p:txBody>
+          <a:bodyPr wrap="square">
+            <a:spAutoFit/>
+          </a:bodyPr>
+          <a:lstStyle/>
+          <a:p/>
+          <a:p>
+            <a:pPr algn="ctr">
+              <a:lnSpc>
+                <a:spcPts val="4200"/>
+              </a:lnSpc>
+              <a:defRPr sz="3500">
+                <a:solidFill>
+                  <a:srgbClr val="000000"/>
+                </a:solidFill>
+              </a:defRPr>
+            </a:pPr>
+            <a:r>
+              <a:t>เมื่อเหน็ดเหนื่อยเพราะแบกภาระหนัก เหลือกำลังและเราหมดแรง ผู้ประเสริฐทรงช่วยศิษย์ที่รัก ให้เราอ้อนวอนต่อพระองค์ ถ้าสหายดูหมิ่นเกลียดชังท่าน จงเร่งนำทุกสิ่งเข้าเฝ้า แล้วทรงยื่นพระหัตถ์รับท่านไว้ ท่านจึงได้รับความบรรเทา</a:t>
+            </a:r>
+          </a:p>
+        </p:txBody>
+      </p:sp>
+      <p:sp>
+        <p:nvSpPr>
+          <p:cNvPr id="3" name="TextBox 2"/>
+          <p:cNvSpPr txBox="1"/>
+          <p:nvPr/>
+        </p:nvSpPr>
+        <p:spPr>
+          <a:xfrm>
+            <a:off x="685800" y="3657600"/>
+            <a:ext cx="7772400" cy="2971800"/>
+          </a:xfrm>
+          <a:prstGeom prst="rect">
+            <a:avLst/>
+          </a:prstGeom>
+          <a:noFill/>
+        </p:spPr>
+        <p:txBody>
+          <a:bodyPr wrap="square">
+            <a:spAutoFit/>
+          </a:bodyPr>
+          <a:lstStyle/>
+          <a:p/>
+          <a:p>
+            <a:pPr algn="ctr">
+              <a:lnSpc>
+                <a:spcPts val="6600"/>
+              </a:lnSpc>
+              <a:defRPr sz="3500">
+                <a:solidFill>
+                  <a:srgbClr val="3A70BC"/>
+                </a:solidFill>
+              </a:defRPr>
+            </a:pPr>
+            <a:r>
+              <a:t>Are we weak and heavy-laden, Cumbered with a load of care. Precious Savior, still our refuge. Take it to the Lord in prayer; Do thy friends despise, forsake thee. Take it to the Lord in prayer; In His arms He’ll take and shield thee, Thou wilt find a solace there.</a:t>
+            </a:r>
+          </a:p>
+        </p:txBody>
+      </p:sp>
+    </p:spTree>
+  </p:cSld>
+  <p:clrMapOvr>
+    <a:masterClrMapping/>
+  </p:clrMapOvr>
+</p:sld>
+</file>
+
+<file path=ppt/slides/slide13.xml><?xml version="1.0" encoding="utf-8"?>
+<p:sld xmlns:a="http://schemas.openxmlformats.org/drawingml/2006/main" xmlns:p="http://schemas.openxmlformats.org/presentationml/2006/main" xmlns:r="http://schemas.openxmlformats.org/officeDocument/2006/relationships">
+  <p:cSld>
+    <p:spTree>
+      <p:nvGrpSpPr>
+        <p:cNvPr id="1" name=""/>
+        <p:cNvGrpSpPr/>
+        <p:nvPr/>
+      </p:nvGrpSpPr>
+      <p:grpSpPr/>
+      <p:sp>
+        <p:nvSpPr>
+          <p:cNvPr id="2" name="Title 1"/>
+          <p:cNvSpPr>
+            <a:spLocks noGrp="1"/>
+          </p:cNvSpPr>
+          <p:nvPr>
+            <p:ph type="ctrTitle"/>
+          </p:nvPr>
+        </p:nvSpPr>
+        <p:spPr/>
+        <p:txBody>
+          <a:bodyPr/>
+          <a:lstStyle/>
+          <a:p>
+            <a:r>
+              <a:t>พระคุณพระเจ้า</a:t>
+            </a:r>
+          </a:p>
+        </p:txBody>
+      </p:sp>
+      <p:sp>
+        <p:nvSpPr>
+          <p:cNvPr id="3" name="Subtitle 2"/>
+          <p:cNvSpPr>
+            <a:spLocks noGrp="1"/>
+          </p:cNvSpPr>
+          <p:nvPr>
+            <p:ph type="subTitle" idx="1"/>
+          </p:nvPr>
+        </p:nvSpPr>
+        <p:spPr/>
+        <p:txBody>
+          <a:bodyPr/>
+          <a:lstStyle/>
+          <a:p>
+            <a:r>
+              <a:t>Amazing Grace</a:t>
+            </a:r>
+          </a:p>
+        </p:txBody>
+      </p:sp>
+    </p:spTree>
+  </p:cSld>
+  <p:clrMapOvr>
+    <a:masterClrMapping/>
+  </p:clrMapOvr>
+</p:sld>
+</file>
+
+<file path=ppt/slides/slide14.xml><?xml version="1.0" encoding="utf-8"?>
+<p:sld xmlns:a="http://schemas.openxmlformats.org/drawingml/2006/main" xmlns:p="http://schemas.openxmlformats.org/presentationml/2006/main" xmlns:r="http://schemas.openxmlformats.org/officeDocument/2006/relationships">
+  <p:cSld>
+    <p:spTree>
+      <p:nvGrpSpPr>
+        <p:cNvPr id="1" name=""/>
+        <p:cNvGrpSpPr/>
+        <p:nvPr/>
+      </p:nvGrpSpPr>
+      <p:grpSpPr/>
+      <p:sp>
+        <p:nvSpPr>
+          <p:cNvPr id="2" name="TextBox 1"/>
+          <p:cNvSpPr txBox="1"/>
+          <p:nvPr/>
+        </p:nvSpPr>
+        <p:spPr>
+          <a:xfrm>
+            <a:off x="457200" y="228600"/>
+            <a:ext cx="8229600" cy="1828800"/>
+          </a:xfrm>
+          <a:prstGeom prst="rect">
+            <a:avLst/>
+          </a:prstGeom>
+          <a:noFill/>
+        </p:spPr>
+        <p:txBody>
+          <a:bodyPr wrap="square">
+            <a:spAutoFit/>
+          </a:bodyPr>
+          <a:lstStyle/>
+          <a:p/>
+          <a:p>
+            <a:pPr algn="ctr">
+              <a:lnSpc>
+                <a:spcPts val="4200"/>
+              </a:lnSpc>
+              <a:defRPr sz="3500">
+                <a:solidFill>
+                  <a:srgbClr val="000000"/>
+                </a:solidFill>
+              </a:defRPr>
+            </a:pPr>
+            <a:r>
+              <a:t>พระคุณพระเจ้านั้นแสนชื่นใจ ช่วยได้คนชั่วอย่างฉัน ครั้งนั้นฉันหลงพระองค์ตามหา ตาบอดแต่ฉันเห็นแล้ว</a:t>
+            </a:r>
+          </a:p>
+        </p:txBody>
+      </p:sp>
+      <p:sp>
+        <p:nvSpPr>
+          <p:cNvPr id="3" name="TextBox 2"/>
+          <p:cNvSpPr txBox="1"/>
+          <p:nvPr/>
+        </p:nvSpPr>
+        <p:spPr>
+          <a:xfrm>
+            <a:off x="457200" y="2514600"/>
+            <a:ext cx="8229600" cy="1828800"/>
+          </a:xfrm>
+          <a:prstGeom prst="rect">
+            <a:avLst/>
+          </a:prstGeom>
+          <a:noFill/>
+        </p:spPr>
+        <p:txBody>
+          <a:bodyPr wrap="square">
+            <a:spAutoFit/>
+          </a:bodyPr>
+          <a:lstStyle/>
+          <a:p/>
+          <a:p>
+            <a:pPr algn="ctr">
+              <a:lnSpc>
+                <a:spcPts val="6600"/>
+              </a:lnSpc>
+              <a:defRPr sz="3500">
+                <a:solidFill>
+                  <a:srgbClr val="3A70BC"/>
+                </a:solidFill>
+              </a:defRPr>
+            </a:pPr>
+            <a:r>
+              <a:t>AMAZING GRACE HOW SWEET THE SOUND. THAT SAVED A WRETCH LIKE ME! I ONCE WAS LOST, BUT NOW AM FOUND WAS BLIND, BUT NOW I SEE</a:t>
+            </a:r>
+          </a:p>
+        </p:txBody>
+      </p:sp>
+      <p:sp>
+        <p:nvSpPr>
+          <p:cNvPr id="4" name="TextBox 3"/>
+          <p:cNvSpPr txBox="1"/>
+          <p:nvPr/>
+        </p:nvSpPr>
+        <p:spPr>
+          <a:xfrm>
+            <a:off x="457200" y="4572000"/>
+            <a:ext cx="8229600" cy="1828800"/>
+          </a:xfrm>
+          <a:prstGeom prst="rect">
+            <a:avLst/>
+          </a:prstGeom>
+          <a:noFill/>
+        </p:spPr>
+        <p:txBody>
+          <a:bodyPr wrap="square">
+            <a:spAutoFit/>
+          </a:bodyPr>
+          <a:lstStyle/>
+          <a:p/>
+          <a:p>
+            <a:pPr algn="ctr">
+              <a:lnSpc>
+                <a:spcPts val="4200"/>
+              </a:lnSpc>
+              <a:defRPr sz="3500">
+                <a:solidFill>
+                  <a:srgbClr val="F44242"/>
+                </a:solidFill>
+              </a:defRPr>
+            </a:pPr>
+            <a:r>
+              <a:t>หฒอย โฮล เญย เอน, หฒะเก้ง คู้ เฝียน, เย^ซู ต้าย ล์อ เหฌียว เยีย. เยีย มฒีง แม่ง เมี่ยน, นิ่น เถง ปวัด ฌัง, ต่อง เจ๊า, นิ่น ต้าย ล์อ เยีย.</a:t>
+            </a:r>
+          </a:p>
+        </p:txBody>
+      </p:sp>
+    </p:spTree>
+  </p:cSld>
+  <p:clrMapOvr>
+    <a:masterClrMapping/>
+  </p:clrMapOvr>
+</p:sld>
+</file>
+
+<file path=ppt/slides/slide15.xml><?xml version="1.0" encoding="utf-8"?>
+<p:sld xmlns:a="http://schemas.openxmlformats.org/drawingml/2006/main" xmlns:p="http://schemas.openxmlformats.org/presentationml/2006/main" xmlns:r="http://schemas.openxmlformats.org/officeDocument/2006/relationships">
+  <p:cSld>
+    <p:spTree>
+      <p:nvGrpSpPr>
+        <p:cNvPr id="1" name=""/>
+        <p:cNvGrpSpPr/>
+        <p:nvPr/>
+      </p:nvGrpSpPr>
+      <p:grpSpPr/>
+      <p:sp>
+        <p:nvSpPr>
+          <p:cNvPr id="2" name="TextBox 1"/>
+          <p:cNvSpPr txBox="1"/>
+          <p:nvPr/>
+        </p:nvSpPr>
+        <p:spPr>
+          <a:xfrm>
+            <a:off x="457200" y="228600"/>
+            <a:ext cx="8229600" cy="1828800"/>
+          </a:xfrm>
+          <a:prstGeom prst="rect">
+            <a:avLst/>
+          </a:prstGeom>
+          <a:noFill/>
+        </p:spPr>
+        <p:txBody>
+          <a:bodyPr wrap="square">
+            <a:spAutoFit/>
+          </a:bodyPr>
+          <a:lstStyle/>
+          <a:p/>
+          <a:p>
+            <a:pPr algn="ctr">
+              <a:lnSpc>
+                <a:spcPts val="4200"/>
+              </a:lnSpc>
+              <a:defRPr sz="3500">
+                <a:solidFill>
+                  <a:srgbClr val="000000"/>
+                </a:solidFill>
+              </a:defRPr>
+            </a:pPr>
+            <a:r>
+              <a:t>บ่วงมารวางไว้ทุกข์ภัยหลายอย่าง ตามทางฉันพ้นมาแล้ว แต่เพราะพระคุณฉันจึงคลาดแคล้ว พระองค์นำฉันกลับบ้าน</a:t>
+            </a:r>
+          </a:p>
+        </p:txBody>
+      </p:sp>
+      <p:sp>
+        <p:nvSpPr>
+          <p:cNvPr id="3" name="TextBox 2"/>
+          <p:cNvSpPr txBox="1"/>
+          <p:nvPr/>
+        </p:nvSpPr>
+        <p:spPr>
+          <a:xfrm>
+            <a:off x="457200" y="2514600"/>
+            <a:ext cx="8229600" cy="1828800"/>
+          </a:xfrm>
+          <a:prstGeom prst="rect">
+            <a:avLst/>
+          </a:prstGeom>
+          <a:noFill/>
+        </p:spPr>
+        <p:txBody>
+          <a:bodyPr wrap="square">
+            <a:spAutoFit/>
+          </a:bodyPr>
+          <a:lstStyle/>
+          <a:p/>
+          <a:p>
+            <a:pPr algn="ctr">
+              <a:lnSpc>
+                <a:spcPts val="6600"/>
+              </a:lnSpc>
+              <a:defRPr sz="3500">
+                <a:solidFill>
+                  <a:srgbClr val="3A70BC"/>
+                </a:solidFill>
+              </a:defRPr>
+            </a:pPr>
+            <a:r>
+              <a:t>Twas grace that taught my heart to fear, And grace my fears relieved; How precious did that grace appear, the hour I first believed.</a:t>
+            </a:r>
+          </a:p>
+        </p:txBody>
+      </p:sp>
+      <p:sp>
+        <p:nvSpPr>
+          <p:cNvPr id="4" name="TextBox 3"/>
+          <p:cNvSpPr txBox="1"/>
+          <p:nvPr/>
+        </p:nvSpPr>
+        <p:spPr>
+          <a:xfrm>
+            <a:off x="457200" y="4572000"/>
+            <a:ext cx="8229600" cy="1828800"/>
+          </a:xfrm>
+          <a:prstGeom prst="rect">
+            <a:avLst/>
+          </a:prstGeom>
+          <a:noFill/>
+        </p:spPr>
+        <p:txBody>
+          <a:bodyPr wrap="square">
+            <a:spAutoFit/>
+          </a:bodyPr>
+          <a:lstStyle/>
+          <a:p/>
+          <a:p>
+            <a:pPr algn="ctr">
+              <a:lnSpc>
+                <a:spcPts val="4200"/>
+              </a:lnSpc>
+              <a:defRPr sz="3500">
+                <a:solidFill>
+                  <a:srgbClr val="F44242"/>
+                </a:solidFill>
+              </a:defRPr>
+            </a:pPr>
+            <a:r>
+              <a:t>ทิน-ฮู่ง เญย เอน หฌาว เยีย ท่าย นิ่น, อ๋อย ปุน เยีย เสียน เขา นิ่น. ต้ง นิ่น เหธย เอน เถง ไม้ กั้ม เหฑีย, ปุน นิ่น เญย แป้ง ออน เปียะ.</a:t>
+            </a:r>
+          </a:p>
+        </p:txBody>
+      </p:sp>
+    </p:spTree>
+  </p:cSld>
+  <p:clrMapOvr>
+    <a:masterClrMapping/>
+  </p:clrMapOvr>
+</p:sld>
+</file>
+
+<file path=ppt/slides/slide16.xml><?xml version="1.0" encoding="utf-8"?>
+<p:sld xmlns:a="http://schemas.openxmlformats.org/drawingml/2006/main" xmlns:p="http://schemas.openxmlformats.org/presentationml/2006/main" xmlns:r="http://schemas.openxmlformats.org/officeDocument/2006/relationships">
+  <p:cSld>
+    <p:spTree>
+      <p:nvGrpSpPr>
+        <p:cNvPr id="1" name=""/>
+        <p:cNvGrpSpPr/>
+        <p:nvPr/>
+      </p:nvGrpSpPr>
+      <p:grpSpPr/>
+      <p:sp>
+        <p:nvSpPr>
+          <p:cNvPr id="2" name="TextBox 1"/>
+          <p:cNvSpPr txBox="1"/>
+          <p:nvPr/>
+        </p:nvSpPr>
+        <p:spPr>
+          <a:xfrm>
+            <a:off x="457200" y="228600"/>
+            <a:ext cx="8229600" cy="1828800"/>
+          </a:xfrm>
+          <a:prstGeom prst="rect">
+            <a:avLst/>
+          </a:prstGeom>
+          <a:noFill/>
+        </p:spPr>
+        <p:txBody>
+          <a:bodyPr wrap="square">
+            <a:spAutoFit/>
+          </a:bodyPr>
+          <a:lstStyle/>
+          <a:p/>
+          <a:p>
+            <a:pPr algn="ctr">
+              <a:lnSpc>
+                <a:spcPts val="4200"/>
+              </a:lnSpc>
+              <a:defRPr sz="3500">
+                <a:solidFill>
+                  <a:srgbClr val="000000"/>
+                </a:solidFill>
+              </a:defRPr>
+            </a:pPr>
+            <a:r>
+              <a:t>พระคุณสอนให้ใจฉันยำเกรง เร่งให้ความกลัวต้องหนี พระคุณอันเลิศประเสริฐยิ่งใหญ่ ไม่มีหมู่มารได้ชัย</a:t>
+            </a:r>
+            <a:br/>
+          </a:p>
+        </p:txBody>
+      </p:sp>
+      <p:sp>
+        <p:nvSpPr>
+          <p:cNvPr id="3" name="TextBox 2"/>
+          <p:cNvSpPr txBox="1"/>
+          <p:nvPr/>
+        </p:nvSpPr>
+        <p:spPr>
+          <a:xfrm>
+            <a:off x="457200" y="2514600"/>
+            <a:ext cx="8229600" cy="1828800"/>
+          </a:xfrm>
+          <a:prstGeom prst="rect">
+            <a:avLst/>
+          </a:prstGeom>
+          <a:noFill/>
+        </p:spPr>
+        <p:txBody>
+          <a:bodyPr wrap="square">
+            <a:spAutoFit/>
+          </a:bodyPr>
+          <a:lstStyle/>
+          <a:p/>
+          <a:p>
+            <a:pPr algn="ctr">
+              <a:lnSpc>
+                <a:spcPts val="6600"/>
+              </a:lnSpc>
+              <a:defRPr sz="3500">
+                <a:solidFill>
+                  <a:srgbClr val="3A70BC"/>
+                </a:solidFill>
+              </a:defRPr>
+            </a:pPr>
+            <a:r>
+              <a:t>Through many dangers, toils and snares, I have already come. 'tis grace that brought me safe thus far, and grace will lead us home.</a:t>
+            </a:r>
+          </a:p>
+        </p:txBody>
+      </p:sp>
+      <p:sp>
+        <p:nvSpPr>
+          <p:cNvPr id="4" name="TextBox 3"/>
+          <p:cNvSpPr txBox="1"/>
+          <p:nvPr/>
+        </p:nvSpPr>
+        <p:spPr>
+          <a:xfrm>
+            <a:off x="457200" y="4572000"/>
+            <a:ext cx="8229600" cy="1828800"/>
+          </a:xfrm>
+          <a:prstGeom prst="rect">
+            <a:avLst/>
+          </a:prstGeom>
+          <a:noFill/>
+        </p:spPr>
+        <p:txBody>
+          <a:bodyPr wrap="square">
+            <a:spAutoFit/>
+          </a:bodyPr>
+          <a:lstStyle/>
+          <a:p/>
+          <a:p>
+            <a:pPr algn="ctr">
+              <a:lnSpc>
+                <a:spcPts val="4200"/>
+              </a:lnSpc>
+              <a:defRPr sz="3500">
+                <a:solidFill>
+                  <a:srgbClr val="F44242"/>
+                </a:solidFill>
+              </a:defRPr>
+            </a:pPr>
+            <a:r>
+              <a:t>ยั่ง เจี๋ย เญย เจ๊า หฒะเก้ง ฮยวัง-เฮยี้ยน, นิ่น หย่า ต้อ เยีย เถา น้าย เหว่ย เฒี้ยว เญย เอน ต้อ เยีย ซิ้ม ฆอย, นิ่น อย่า อ๋อย เคน เถา เปย๊า.</a:t>
+            </a:r>
+          </a:p>
+        </p:txBody>
+      </p:sp>
+    </p:spTree>
+  </p:cSld>
+  <p:clrMapOvr>
+    <a:masterClrMapping/>
+  </p:clrMapOvr>
+</p:sld>
+</file>
+
+<file path=ppt/slides/slide17.xml><?xml version="1.0" encoding="utf-8"?>
+<p:sld xmlns:a="http://schemas.openxmlformats.org/drawingml/2006/main" xmlns:p="http://schemas.openxmlformats.org/presentationml/2006/main" xmlns:r="http://schemas.openxmlformats.org/officeDocument/2006/relationships">
+  <p:cSld>
+    <p:spTree>
+      <p:nvGrpSpPr>
+        <p:cNvPr id="1" name=""/>
+        <p:cNvGrpSpPr/>
+        <p:nvPr/>
+      </p:nvGrpSpPr>
+      <p:grpSpPr/>
+      <p:sp>
+        <p:nvSpPr>
+          <p:cNvPr id="2" name="TextBox 1"/>
+          <p:cNvSpPr txBox="1"/>
+          <p:nvPr/>
+        </p:nvSpPr>
+        <p:spPr>
+          <a:xfrm>
+            <a:off x="457200" y="228600"/>
+            <a:ext cx="8229600" cy="1828800"/>
+          </a:xfrm>
+          <a:prstGeom prst="rect">
+            <a:avLst/>
+          </a:prstGeom>
+          <a:noFill/>
+        </p:spPr>
+        <p:txBody>
+          <a:bodyPr wrap="square">
+            <a:spAutoFit/>
+          </a:bodyPr>
+          <a:lstStyle/>
+          <a:p/>
+          <a:p>
+            <a:pPr algn="ctr">
+              <a:lnSpc>
+                <a:spcPts val="4200"/>
+              </a:lnSpc>
+              <a:defRPr sz="3500">
+                <a:solidFill>
+                  <a:srgbClr val="000000"/>
+                </a:solidFill>
+              </a:defRPr>
+            </a:pPr>
+            <a:r>
+              <a:t>พระเจ้าประทานแต่สิ่งที่ดี พระธรรมให้มีความหวัง พระองค์คุ้มครองป้องกันทุกที เมื่อมีสิ่งชั่วบีฑา</a:t>
+            </a:r>
+          </a:p>
+        </p:txBody>
+      </p:sp>
+      <p:sp>
+        <p:nvSpPr>
+          <p:cNvPr id="3" name="TextBox 2"/>
+          <p:cNvSpPr txBox="1"/>
+          <p:nvPr/>
+        </p:nvSpPr>
+        <p:spPr>
+          <a:xfrm>
+            <a:off x="457200" y="2514600"/>
+            <a:ext cx="8229600" cy="1828800"/>
+          </a:xfrm>
+          <a:prstGeom prst="rect">
+            <a:avLst/>
+          </a:prstGeom>
+          <a:noFill/>
+        </p:spPr>
+        <p:txBody>
+          <a:bodyPr wrap="square">
+            <a:spAutoFit/>
+          </a:bodyPr>
+          <a:lstStyle/>
+          <a:p/>
+          <a:p>
+            <a:pPr algn="ctr">
+              <a:lnSpc>
+                <a:spcPts val="6600"/>
+              </a:lnSpc>
+              <a:defRPr sz="3500">
+                <a:solidFill>
+                  <a:srgbClr val="3A70BC"/>
+                </a:solidFill>
+              </a:defRPr>
+            </a:pPr>
+            <a:r>
+              <a:t>The Lord hath promised good to me, His word my hope secures; He will my shield and portion be As long as life endures.</a:t>
+            </a:r>
+          </a:p>
+        </p:txBody>
+      </p:sp>
+      <p:sp>
+        <p:nvSpPr>
+          <p:cNvPr id="4" name="TextBox 3"/>
+          <p:cNvSpPr txBox="1"/>
+          <p:nvPr/>
+        </p:nvSpPr>
+        <p:spPr>
+          <a:xfrm>
+            <a:off x="457200" y="4572000"/>
+            <a:ext cx="8229600" cy="1828800"/>
+          </a:xfrm>
+          <a:prstGeom prst="rect">
+            <a:avLst/>
+          </a:prstGeom>
+          <a:noFill/>
+        </p:spPr>
+        <p:txBody>
+          <a:bodyPr wrap="square">
+            <a:spAutoFit/>
+          </a:bodyPr>
+          <a:lstStyle/>
+          <a:p/>
+          <a:p>
+            <a:pPr algn="ctr">
+              <a:lnSpc>
+                <a:spcPts val="4200"/>
+              </a:lnSpc>
+              <a:defRPr sz="3500">
+                <a:solidFill>
+                  <a:srgbClr val="F44242"/>
+                </a:solidFill>
+              </a:defRPr>
+            </a:pPr>
+            <a:r>
+              <a:t>เยียม วั้ว ทิน-ต้อง ตุ๊ เหฒีย ธิน หฮญัง, เก้า ฌัง-หล่าง เจี๋ย บะฮนอย. เยีย แอ๋ง ม่าย เฒี่ยง โห่ เธง หฒั่ง เตี๋ย, หธ่อ ฮนั้ง เยียม เจี๋ย กอน นอ</a:t>
+            </a:r>
+          </a:p>
+        </p:txBody>
+      </p:sp>
+    </p:spTree>
+  </p:cSld>
+  <p:clrMapOvr>
+    <a:masterClrMapping/>
+  </p:clrMapOvr>
+</p:sld>
+</file>
+
+<file path=ppt/slides/slide18.xml><?xml version="1.0" encoding="utf-8"?>
+<p:sld xmlns:a="http://schemas.openxmlformats.org/drawingml/2006/main" xmlns:p="http://schemas.openxmlformats.org/presentationml/2006/main" xmlns:r="http://schemas.openxmlformats.org/officeDocument/2006/relationships">
+  <p:cSld>
+    <p:spTree>
+      <p:nvGrpSpPr>
+        <p:cNvPr id="1" name=""/>
+        <p:cNvGrpSpPr/>
+        <p:nvPr/>
+      </p:nvGrpSpPr>
+      <p:grpSpPr/>
+      <p:sp>
+        <p:nvSpPr>
+          <p:cNvPr id="2" name="TextBox 1"/>
+          <p:cNvSpPr txBox="1"/>
+          <p:nvPr/>
+        </p:nvSpPr>
+        <p:spPr>
+          <a:xfrm>
+            <a:off x="457200" y="228600"/>
+            <a:ext cx="8229600" cy="1828800"/>
+          </a:xfrm>
+          <a:prstGeom prst="rect">
+            <a:avLst/>
+          </a:prstGeom>
+          <a:noFill/>
+        </p:spPr>
+        <p:txBody>
+          <a:bodyPr wrap="square">
+            <a:spAutoFit/>
+          </a:bodyPr>
+          <a:lstStyle/>
+          <a:p/>
+          <a:p>
+            <a:pPr algn="ctr">
+              <a:lnSpc>
+                <a:spcPts val="4200"/>
+              </a:lnSpc>
+              <a:defRPr sz="3500">
+                <a:solidFill>
+                  <a:srgbClr val="000000"/>
+                </a:solidFill>
+              </a:defRPr>
+            </a:pPr>
+            <a:r>
+              <a:t>เมื่อเราได้ไปอยู่เมืองสวรรค์ ช้านานนับหลายพันปี ยังมีเวลาร้องเพลงสรรเสริญ เท่ากันกับเมื่อเริ่มต้น</a:t>
+            </a:r>
+          </a:p>
+        </p:txBody>
+      </p:sp>
+      <p:sp>
+        <p:nvSpPr>
+          <p:cNvPr id="3" name="TextBox 2"/>
+          <p:cNvSpPr txBox="1"/>
+          <p:nvPr/>
+        </p:nvSpPr>
+        <p:spPr>
+          <a:xfrm>
+            <a:off x="457200" y="2514600"/>
+            <a:ext cx="8229600" cy="1828800"/>
+          </a:xfrm>
+          <a:prstGeom prst="rect">
+            <a:avLst/>
+          </a:prstGeom>
+          <a:noFill/>
+        </p:spPr>
+        <p:txBody>
+          <a:bodyPr wrap="square">
+            <a:spAutoFit/>
+          </a:bodyPr>
+          <a:lstStyle/>
+          <a:p/>
+          <a:p>
+            <a:pPr algn="ctr">
+              <a:lnSpc>
+                <a:spcPts val="6600"/>
+              </a:lnSpc>
+              <a:defRPr sz="3500">
+                <a:solidFill>
+                  <a:srgbClr val="3A70BC"/>
+                </a:solidFill>
+              </a:defRPr>
+            </a:pPr>
+            <a:r>
+              <a:t>When we’ve been there ten thousand years, Bright shining as the sun, We’ve no less days to sing God’s praise. Than when we first begun</a:t>
+            </a:r>
+          </a:p>
+        </p:txBody>
+      </p:sp>
+      <p:sp>
+        <p:nvSpPr>
+          <p:cNvPr id="4" name="TextBox 3"/>
+          <p:cNvSpPr txBox="1"/>
+          <p:nvPr/>
+        </p:nvSpPr>
+        <p:spPr>
+          <a:xfrm>
+            <a:off x="457200" y="4572000"/>
+            <a:ext cx="8229600" cy="1828800"/>
+          </a:xfrm>
+          <a:prstGeom prst="rect">
+            <a:avLst/>
+          </a:prstGeom>
+          <a:noFill/>
+        </p:spPr>
+        <p:txBody>
+          <a:bodyPr wrap="square">
+            <a:spAutoFit/>
+          </a:bodyPr>
+          <a:lstStyle/>
+          <a:p/>
+          <a:p>
+            <a:pPr algn="ctr">
+              <a:lnSpc>
+                <a:spcPts val="4200"/>
+              </a:lnSpc>
+              <a:defRPr sz="3500">
+                <a:solidFill>
+                  <a:srgbClr val="F44242"/>
+                </a:solidFill>
+              </a:defRPr>
+            </a:pPr>
+            <a:r>
+              <a:t> </a:t>
+            </a:r>
+          </a:p>
         </p:txBody>
       </p:sp>
     </p:spTree>
@@ -3162,7 +4202,7 @@
           <a:noFill/>
         </p:spPr>
         <p:txBody>
-          <a:bodyPr wrap="square">
+          <a:bodyPr wrap="none">
             <a:spAutoFit/>
           </a:bodyPr>
           <a:lstStyle/>
@@ -3170,16 +4210,516 @@
           <a:p>
             <a:pPr algn="ctr">
               <a:lnSpc>
-                <a:spcPts val="7300"/>
+                <a:spcPts val="11000"/>
               </a:lnSpc>
-              <a:defRPr sz="7700">
+              <a:defRPr sz="3500">
                 <a:solidFill>
                   <a:srgbClr val="000000"/>
                 </a:solidFill>
               </a:defRPr>
             </a:pPr>
             <a:r>
-              <a:t>ความรักมั่นคงของพระเจ้าไม่เคยยั้งหยุด พระเมตตาคุณหลั่งลงมาอยู่เสมอ ใหม่ทุกเช้าเร้าในดวงใจ ซาบซึ้งทุก ๆ วันใหม่ พระองค์ทรงความเที่ยงตรงยิ่งนัก พระองค์ทรงความเที่ยงตรง</a:t>
+              <a:t>Bless the Lord, O my soul</a:t>
+            </a:r>
+            <a:br/>
+            <a:r>
+              <a:t> O my soul. Worship His holy name</a:t>
+            </a:r>
+            <a:br/>
+            <a:r>
+              <a:t> Sing like never before</a:t>
+            </a:r>
+            <a:br/>
+            <a:r>
+              <a:t> O my soul. I'll worship Your holy name</a:t>
+            </a:r>
+            <a:br/>
+          </a:p>
+        </p:txBody>
+      </p:sp>
+    </p:spTree>
+  </p:cSld>
+  <p:clrMapOvr>
+    <a:masterClrMapping/>
+  </p:clrMapOvr>
+</p:sld>
+</file>
+
+<file path=ppt/slides/slide3.xml><?xml version="1.0" encoding="utf-8"?>
+<p:sld xmlns:a="http://schemas.openxmlformats.org/drawingml/2006/main" xmlns:p="http://schemas.openxmlformats.org/presentationml/2006/main" xmlns:r="http://schemas.openxmlformats.org/officeDocument/2006/relationships">
+  <p:cSld>
+    <p:spTree>
+      <p:nvGrpSpPr>
+        <p:cNvPr id="1" name=""/>
+        <p:cNvGrpSpPr/>
+        <p:nvPr/>
+      </p:nvGrpSpPr>
+      <p:grpSpPr/>
+      <p:sp>
+        <p:nvSpPr>
+          <p:cNvPr id="2" name="TextBox 1"/>
+          <p:cNvSpPr txBox="1"/>
+          <p:nvPr/>
+        </p:nvSpPr>
+        <p:spPr>
+          <a:xfrm>
+            <a:off x="914400" y="457200"/>
+            <a:ext cx="7315200" cy="5486400"/>
+          </a:xfrm>
+          <a:prstGeom prst="rect">
+            <a:avLst/>
+          </a:prstGeom>
+          <a:noFill/>
+        </p:spPr>
+        <p:txBody>
+          <a:bodyPr wrap="none">
+            <a:spAutoFit/>
+          </a:bodyPr>
+          <a:lstStyle/>
+          <a:p/>
+          <a:p>
+            <a:pPr algn="ctr">
+              <a:lnSpc>
+                <a:spcPts val="6900"/>
+              </a:lnSpc>
+              <a:defRPr sz="3500">
+                <a:solidFill>
+                  <a:srgbClr val="000000"/>
+                </a:solidFill>
+              </a:defRPr>
+            </a:pPr>
+            <a:r>
+              <a:t>The sun comes up, it's a new day dawning</a:t>
+            </a:r>
+            <a:br/>
+            <a:r>
+              <a:t> It's time to sing Your song again</a:t>
+            </a:r>
+            <a:br/>
+            <a:r>
+              <a:t> Whatever may pass and whatever lies before me</a:t>
+            </a:r>
+            <a:br/>
+            <a:r>
+              <a:t> Let me be singing when the evening comes</a:t>
+            </a:r>
+            <a:br/>
+          </a:p>
+        </p:txBody>
+      </p:sp>
+    </p:spTree>
+  </p:cSld>
+  <p:clrMapOvr>
+    <a:masterClrMapping/>
+  </p:clrMapOvr>
+</p:sld>
+</file>
+
+<file path=ppt/slides/slide4.xml><?xml version="1.0" encoding="utf-8"?>
+<p:sld xmlns:a="http://schemas.openxmlformats.org/drawingml/2006/main" xmlns:p="http://schemas.openxmlformats.org/presentationml/2006/main" xmlns:r="http://schemas.openxmlformats.org/officeDocument/2006/relationships">
+  <p:cSld>
+    <p:spTree>
+      <p:nvGrpSpPr>
+        <p:cNvPr id="1" name=""/>
+        <p:cNvGrpSpPr/>
+        <p:nvPr/>
+      </p:nvGrpSpPr>
+      <p:grpSpPr/>
+      <p:sp>
+        <p:nvSpPr>
+          <p:cNvPr id="2" name="TextBox 1"/>
+          <p:cNvSpPr txBox="1"/>
+          <p:nvPr/>
+        </p:nvSpPr>
+        <p:spPr>
+          <a:xfrm>
+            <a:off x="914400" y="457200"/>
+            <a:ext cx="7315200" cy="5486400"/>
+          </a:xfrm>
+          <a:prstGeom prst="rect">
+            <a:avLst/>
+          </a:prstGeom>
+          <a:noFill/>
+        </p:spPr>
+        <p:txBody>
+          <a:bodyPr wrap="none">
+            <a:spAutoFit/>
+          </a:bodyPr>
+          <a:lstStyle/>
+          <a:p/>
+          <a:p>
+            <a:pPr algn="ctr">
+              <a:lnSpc>
+                <a:spcPts val="11000"/>
+              </a:lnSpc>
+              <a:defRPr sz="3500">
+                <a:solidFill>
+                  <a:srgbClr val="000000"/>
+                </a:solidFill>
+              </a:defRPr>
+            </a:pPr>
+            <a:r>
+              <a:t>Bless the Lord, O my soul</a:t>
+            </a:r>
+            <a:br/>
+            <a:r>
+              <a:t> O my soul. Worship His holy name</a:t>
+            </a:r>
+            <a:br/>
+            <a:r>
+              <a:t> Sing like never before</a:t>
+            </a:r>
+            <a:br/>
+            <a:r>
+              <a:t> O my soul. I'll worship Your holy name</a:t>
+            </a:r>
+            <a:br/>
+          </a:p>
+        </p:txBody>
+      </p:sp>
+    </p:spTree>
+  </p:cSld>
+  <p:clrMapOvr>
+    <a:masterClrMapping/>
+  </p:clrMapOvr>
+</p:sld>
+</file>
+
+<file path=ppt/slides/slide5.xml><?xml version="1.0" encoding="utf-8"?>
+<p:sld xmlns:a="http://schemas.openxmlformats.org/drawingml/2006/main" xmlns:p="http://schemas.openxmlformats.org/presentationml/2006/main" xmlns:r="http://schemas.openxmlformats.org/officeDocument/2006/relationships">
+  <p:cSld>
+    <p:spTree>
+      <p:nvGrpSpPr>
+        <p:cNvPr id="1" name=""/>
+        <p:cNvGrpSpPr/>
+        <p:nvPr/>
+      </p:nvGrpSpPr>
+      <p:grpSpPr/>
+      <p:sp>
+        <p:nvSpPr>
+          <p:cNvPr id="2" name="TextBox 1"/>
+          <p:cNvSpPr txBox="1"/>
+          <p:nvPr/>
+        </p:nvSpPr>
+        <p:spPr>
+          <a:xfrm>
+            <a:off x="914400" y="457200"/>
+            <a:ext cx="7315200" cy="5486400"/>
+          </a:xfrm>
+          <a:prstGeom prst="rect">
+            <a:avLst/>
+          </a:prstGeom>
+          <a:noFill/>
+        </p:spPr>
+        <p:txBody>
+          <a:bodyPr wrap="none">
+            <a:spAutoFit/>
+          </a:bodyPr>
+          <a:lstStyle/>
+          <a:p/>
+          <a:p>
+            <a:pPr algn="ctr">
+              <a:lnSpc>
+                <a:spcPts val="5600"/>
+              </a:lnSpc>
+              <a:defRPr sz="3500">
+                <a:solidFill>
+                  <a:srgbClr val="000000"/>
+                </a:solidFill>
+              </a:defRPr>
+            </a:pPr>
+            <a:r>
+              <a:t>You're rich in love and You're slow to anger</a:t>
+            </a:r>
+            <a:br/>
+            <a:r>
+              <a:t> Your name is great and Your heart is kind</a:t>
+            </a:r>
+            <a:br/>
+            <a:r>
+              <a:t> For all Your goodness</a:t>
+            </a:r>
+            <a:br/>
+            <a:r>
+              <a:t> I will keep on singing</a:t>
+            </a:r>
+            <a:br/>
+            <a:r>
+              <a:t> Ten thousand reasons for my heart to find</a:t>
+            </a:r>
+            <a:br/>
+          </a:p>
+        </p:txBody>
+      </p:sp>
+    </p:spTree>
+  </p:cSld>
+  <p:clrMapOvr>
+    <a:masterClrMapping/>
+  </p:clrMapOvr>
+</p:sld>
+</file>
+
+<file path=ppt/slides/slide6.xml><?xml version="1.0" encoding="utf-8"?>
+<p:sld xmlns:a="http://schemas.openxmlformats.org/drawingml/2006/main" xmlns:p="http://schemas.openxmlformats.org/presentationml/2006/main" xmlns:r="http://schemas.openxmlformats.org/officeDocument/2006/relationships">
+  <p:cSld>
+    <p:spTree>
+      <p:nvGrpSpPr>
+        <p:cNvPr id="1" name=""/>
+        <p:cNvGrpSpPr/>
+        <p:nvPr/>
+      </p:nvGrpSpPr>
+      <p:grpSpPr/>
+      <p:sp>
+        <p:nvSpPr>
+          <p:cNvPr id="2" name="TextBox 1"/>
+          <p:cNvSpPr txBox="1"/>
+          <p:nvPr/>
+        </p:nvSpPr>
+        <p:spPr>
+          <a:xfrm>
+            <a:off x="914400" y="457200"/>
+            <a:ext cx="7315200" cy="5486400"/>
+          </a:xfrm>
+          <a:prstGeom prst="rect">
+            <a:avLst/>
+          </a:prstGeom>
+          <a:noFill/>
+        </p:spPr>
+        <p:txBody>
+          <a:bodyPr wrap="none">
+            <a:spAutoFit/>
+          </a:bodyPr>
+          <a:lstStyle/>
+          <a:p/>
+          <a:p>
+            <a:pPr algn="ctr">
+              <a:lnSpc>
+                <a:spcPts val="11000"/>
+              </a:lnSpc>
+              <a:defRPr sz="3500">
+                <a:solidFill>
+                  <a:srgbClr val="000000"/>
+                </a:solidFill>
+              </a:defRPr>
+            </a:pPr>
+            <a:r>
+              <a:t>Bless the Lord, O my soul</a:t>
+            </a:r>
+            <a:br/>
+            <a:r>
+              <a:t> O my soul. Worship His holy name</a:t>
+            </a:r>
+            <a:br/>
+            <a:r>
+              <a:t> Sing like never before</a:t>
+            </a:r>
+            <a:br/>
+            <a:r>
+              <a:t> O my soul. I'll worship Your holy name</a:t>
+            </a:r>
+            <a:br/>
+          </a:p>
+        </p:txBody>
+      </p:sp>
+    </p:spTree>
+  </p:cSld>
+  <p:clrMapOvr>
+    <a:masterClrMapping/>
+  </p:clrMapOvr>
+</p:sld>
+</file>
+
+<file path=ppt/slides/slide7.xml><?xml version="1.0" encoding="utf-8"?>
+<p:sld xmlns:a="http://schemas.openxmlformats.org/drawingml/2006/main" xmlns:p="http://schemas.openxmlformats.org/presentationml/2006/main" xmlns:r="http://schemas.openxmlformats.org/officeDocument/2006/relationships">
+  <p:cSld>
+    <p:spTree>
+      <p:nvGrpSpPr>
+        <p:cNvPr id="1" name=""/>
+        <p:cNvGrpSpPr/>
+        <p:nvPr/>
+      </p:nvGrpSpPr>
+      <p:grpSpPr/>
+      <p:sp>
+        <p:nvSpPr>
+          <p:cNvPr id="2" name="TextBox 1"/>
+          <p:cNvSpPr txBox="1"/>
+          <p:nvPr/>
+        </p:nvSpPr>
+        <p:spPr>
+          <a:xfrm>
+            <a:off x="914400" y="457200"/>
+            <a:ext cx="7315200" cy="5486400"/>
+          </a:xfrm>
+          <a:prstGeom prst="rect">
+            <a:avLst/>
+          </a:prstGeom>
+          <a:noFill/>
+        </p:spPr>
+        <p:txBody>
+          <a:bodyPr wrap="none">
+            <a:spAutoFit/>
+          </a:bodyPr>
+          <a:lstStyle/>
+          <a:p/>
+          <a:p>
+            <a:pPr algn="ctr">
+              <a:lnSpc>
+                <a:spcPts val="4800"/>
+              </a:lnSpc>
+              <a:defRPr sz="3500">
+                <a:solidFill>
+                  <a:srgbClr val="000000"/>
+                </a:solidFill>
+              </a:defRPr>
+            </a:pPr>
+            <a:r>
+              <a:t>And on that day when my strength is failing</a:t>
+            </a:r>
+            <a:br/>
+            <a:r>
+              <a:t> The end draws near and my time has come</a:t>
+            </a:r>
+            <a:br/>
+            <a:r>
+              <a:t> Still, my soul will sing Your praise unending</a:t>
+            </a:r>
+            <a:br/>
+            <a:r>
+              <a:t> Ten thousand years and then forevermore</a:t>
+            </a:r>
+            <a:br/>
+            <a:r>
+              <a:t> Forevermore.</a:t>
+            </a:r>
+          </a:p>
+        </p:txBody>
+      </p:sp>
+    </p:spTree>
+  </p:cSld>
+  <p:clrMapOvr>
+    <a:masterClrMapping/>
+  </p:clrMapOvr>
+</p:sld>
+</file>
+
+<file path=ppt/slides/slide8.xml><?xml version="1.0" encoding="utf-8"?>
+<p:sld xmlns:a="http://schemas.openxmlformats.org/drawingml/2006/main" xmlns:p="http://schemas.openxmlformats.org/presentationml/2006/main" xmlns:r="http://schemas.openxmlformats.org/officeDocument/2006/relationships">
+  <p:cSld>
+    <p:spTree>
+      <p:nvGrpSpPr>
+        <p:cNvPr id="1" name=""/>
+        <p:cNvGrpSpPr/>
+        <p:nvPr/>
+      </p:nvGrpSpPr>
+      <p:grpSpPr/>
+      <p:sp>
+        <p:nvSpPr>
+          <p:cNvPr id="2" name="TextBox 1"/>
+          <p:cNvSpPr txBox="1"/>
+          <p:nvPr/>
+        </p:nvSpPr>
+        <p:spPr>
+          <a:xfrm>
+            <a:off x="914400" y="457200"/>
+            <a:ext cx="7315200" cy="5486400"/>
+          </a:xfrm>
+          <a:prstGeom prst="rect">
+            <a:avLst/>
+          </a:prstGeom>
+          <a:noFill/>
+        </p:spPr>
+        <p:txBody>
+          <a:bodyPr wrap="none">
+            <a:spAutoFit/>
+          </a:bodyPr>
+          <a:lstStyle/>
+          <a:p/>
+          <a:p>
+            <a:pPr algn="ctr">
+              <a:lnSpc>
+                <a:spcPts val="11000"/>
+              </a:lnSpc>
+              <a:defRPr sz="3500">
+                <a:solidFill>
+                  <a:srgbClr val="000000"/>
+                </a:solidFill>
+              </a:defRPr>
+            </a:pPr>
+            <a:r>
+              <a:t>Bless the Lord, O my soul</a:t>
+            </a:r>
+            <a:br/>
+            <a:r>
+              <a:t> O my soul. Worship His holy name</a:t>
+            </a:r>
+            <a:br/>
+            <a:r>
+              <a:t> Sing like never before</a:t>
+            </a:r>
+            <a:br/>
+            <a:r>
+              <a:t> O my soul. I'll worship Your holy name</a:t>
+            </a:r>
+            <a:br/>
+          </a:p>
+        </p:txBody>
+      </p:sp>
+    </p:spTree>
+  </p:cSld>
+  <p:clrMapOvr>
+    <a:masterClrMapping/>
+  </p:clrMapOvr>
+</p:sld>
+</file>
+
+<file path=ppt/slides/slide9.xml><?xml version="1.0" encoding="utf-8"?>
+<p:sld xmlns:a="http://schemas.openxmlformats.org/drawingml/2006/main" xmlns:p="http://schemas.openxmlformats.org/presentationml/2006/main" xmlns:r="http://schemas.openxmlformats.org/officeDocument/2006/relationships">
+  <p:cSld>
+    <p:spTree>
+      <p:nvGrpSpPr>
+        <p:cNvPr id="1" name=""/>
+        <p:cNvGrpSpPr/>
+        <p:nvPr/>
+      </p:nvGrpSpPr>
+      <p:grpSpPr/>
+      <p:sp>
+        <p:nvSpPr>
+          <p:cNvPr id="2" name="Title 1"/>
+          <p:cNvSpPr>
+            <a:spLocks noGrp="1"/>
+          </p:cNvSpPr>
+          <p:nvPr>
+            <p:ph type="ctrTitle"/>
+          </p:nvPr>
+        </p:nvSpPr>
+        <p:spPr/>
+        <p:txBody>
+          <a:bodyPr/>
+          <a:lstStyle/>
+          <a:p>
+            <a:r>
+              <a:t>มีสหายเลิศคือพระเยซู</a:t>
+            </a:r>
+          </a:p>
+        </p:txBody>
+      </p:sp>
+      <p:sp>
+        <p:nvSpPr>
+          <p:cNvPr id="3" name="Subtitle 2"/>
+          <p:cNvSpPr>
+            <a:spLocks noGrp="1"/>
+          </p:cNvSpPr>
+          <p:nvPr>
+            <p:ph type="subTitle" idx="1"/>
+          </p:nvPr>
+        </p:nvSpPr>
+        <p:spPr/>
+        <p:txBody>
+          <a:bodyPr/>
+          <a:lstStyle/>
+          <a:p>
+            <a:r>
+              <a:t>What a Friend we have in Jesus</a:t>
             </a:r>
           </a:p>
         </p:txBody>

--- a/finishedppt/WorshipSongs.pptx
+++ b/finishedppt/WorshipSongs.pptx
@@ -20,9 +20,6 @@
     <p:sldId id="268" r:id="rId19"/>
     <p:sldId id="269" r:id="rId20"/>
     <p:sldId id="270" r:id="rId21"/>
-    <p:sldId id="271" r:id="rId22"/>
-    <p:sldId id="272" r:id="rId23"/>
-    <p:sldId id="273" r:id="rId24"/>
   </p:sldIdLst>
   <p:sldSz cx="9144000" cy="6858000" type="screen4x3"/>
   <p:notesSz cx="6858000" cy="9144000"/>
@@ -3119,7 +3116,11 @@
         <p:txBody>
           <a:bodyPr/>
           <a:lstStyle/>
-          <a:p/>
+          <a:p>
+            <a:r>
+              <a:t>ขอบคุณ ขอบคุณพระเจ้า</a:t>
+            </a:r>
+          </a:p>
         </p:txBody>
       </p:sp>
       <p:sp>
@@ -3138,7 +3139,7 @@
           <a:lstStyle/>
           <a:p>
             <a:r>
-              <a:t>10,000 Reasons</a:t>
+              <a:t>Thank you thank you Jesus</a:t>
             </a:r>
           </a:p>
         </p:txBody>
@@ -3186,16 +3187,16 @@
           <a:p>
             <a:pPr algn="ctr">
               <a:lnSpc>
-                <a:spcPts val="4200"/>
+                <a:spcPts val="4800"/>
               </a:lnSpc>
-              <a:defRPr sz="3500">
+              <a:defRPr sz="4500">
                 <a:solidFill>
                   <a:srgbClr val="000000"/>
                 </a:solidFill>
               </a:defRPr>
             </a:pPr>
             <a:r>
-              <a:t>มีสหายเลิศคือพระเยซู ผู้ได้แบกบาปทุกข์ของเรา มีอะไรรบกวนให้โศกเศร้า จงรีบเร่งนำมาเข้าเฝ้า เหตุไฉนเราลืมพระเจ้าบ่อย ใจเป็นทุกข์โดยไม่มีเหตุ เพราะการไหว้วอนเราได้ท้อถอย ไม่ได้ทูลผู้ทรงฤทธิ์เดช</a:t>
+              <a:t>พระองค์เจ้าข้า ข้าเฝ้ามองดูด้วยยำเกรง เพราะพระองค์เอง เป็นผู้สร้างจักรวาล เมื่อมองดูดาว เมื่อคราวยินเสียงฟ้าคำราม เห็นฝีพระหัตถ์ของพระองค์บนท้องฟ้า</a:t>
             </a:r>
           </a:p>
         </p:txBody>
@@ -3225,7 +3226,7 @@
           <a:p>
             <a:pPr algn="ctr">
               <a:lnSpc>
-                <a:spcPts val="6600"/>
+                <a:spcPts val="4800"/>
               </a:lnSpc>
               <a:defRPr sz="3500">
                 <a:solidFill>
@@ -3234,7 +3235,7 @@
               </a:defRPr>
             </a:pPr>
             <a:r>
-              <a:t>What a Friend we have in Jesus, All our sins and griefs to bear. What a privilege to carry. Everything to God in prayer. O what peace we often forfeit, O what needless pain we bear, All because we do not carry. Everything to God in prayer.</a:t>
+              <a:t>O Lord, my God, when I in awesome wonder. Consider all the worlds Thy Hands have made. I see the stars, I hear the rolling thunder. Thy power throughout the universe displayed</a:t>
             </a:r>
           </a:p>
         </p:txBody>
@@ -3274,7 +3275,7 @@
           <a:noFill/>
         </p:spPr>
         <p:txBody>
-          <a:bodyPr wrap="square">
+          <a:bodyPr wrap="none">
             <a:spAutoFit/>
           </a:bodyPr>
           <a:lstStyle/>
@@ -3282,16 +3283,28 @@
           <a:p>
             <a:pPr algn="ctr">
               <a:lnSpc>
-                <a:spcPts val="4200"/>
+                <a:spcPts val="4800"/>
               </a:lnSpc>
-              <a:defRPr sz="3500">
+              <a:defRPr sz="4500">
                 <a:solidFill>
                   <a:srgbClr val="000000"/>
                 </a:solidFill>
               </a:defRPr>
             </a:pPr>
             <a:r>
-              <a:t>เราเป็นทุกข์เพราะถูกล่อลวงหรือ เคยเดือนร้อนลำบากหรือเปล่า ไม่ควรย่อท้อหรือใจห่อเหี่ยว แต่เร่งนำทุกสิ่งเข้าเฝ้า เราจะหาสหายที่วางใจ แก้ความทุกข์ลำบากเราได้ เพราะพระเยซูทราบความทุกข์นั้น จงทูลทุกสิ่งต่อพระองค์</a:t>
+              <a:t>จิตข้าสรรเสริญ พระเจ้าองค์พระผู้ช่วย</a:t>
+            </a:r>
+            <a:br/>
+            <a:r>
+              <a:t>พระเจ้ายิ่งใหญ่ พระเจ้ายิ่งใหญ่ จิตข้าสรรเสริญ</a:t>
+            </a:r>
+            <a:br/>
+            <a:r>
+              <a:t>พระเจ้าองค์พระผู้ช่วย พระเจ้ายิ่งใหญ่</a:t>
+            </a:r>
+            <a:br/>
+            <a:r>
+              <a:t>พระเจ้ายิ่งใหญ่</a:t>
             </a:r>
           </a:p>
         </p:txBody>
@@ -3321,7 +3334,7 @@
           <a:p>
             <a:pPr algn="ctr">
               <a:lnSpc>
-                <a:spcPts val="6600"/>
+                <a:spcPts val="4800"/>
               </a:lnSpc>
               <a:defRPr sz="3500">
                 <a:solidFill>
@@ -3330,7 +3343,7 @@
               </a:defRPr>
             </a:pPr>
             <a:r>
-              <a:t>Have we trials and temptations. Is there trouble anywhere. We should never be discouraged, Take it to the Lord in prayer. Can we find a friend so faithful. Who will all our sorrows share. Jesus knows our every weakness, Take it to the Lord in prayer.</a:t>
+              <a:t>Then sings my soul, my Saviour God, to Thee. How great Thou art, how great Thou art. Then sings my soul, my Saviour God, to Thee. How great Thou art, how great Thou art</a:t>
             </a:r>
           </a:p>
         </p:txBody>
@@ -3378,16 +3391,16 @@
           <a:p>
             <a:pPr algn="ctr">
               <a:lnSpc>
-                <a:spcPts val="4200"/>
+                <a:spcPts val="4800"/>
               </a:lnSpc>
-              <a:defRPr sz="3500">
+              <a:defRPr sz="4500">
                 <a:solidFill>
                   <a:srgbClr val="000000"/>
                 </a:solidFill>
               </a:defRPr>
             </a:pPr>
             <a:r>
-              <a:t>เมื่อเหน็ดเหนื่อยเพราะแบกภาระหนัก เหลือกำลังและเราหมดแรง ผู้ประเสริฐทรงช่วยศิษย์ที่รัก ให้เราอ้อนวอนต่อพระองค์ ถ้าสหายดูหมิ่นเกลียดชังท่าน จงเร่งนำทุกสิ่งเข้าเฝ้า แล้วทรงยื่นพระหัตถ์รับท่านไว้ ท่านจึงได้รับความบรรเทา</a:t>
+              <a:t>เมื่อข้าคิดถึง พระเจ้า ผู้ไม่ทรงเสียดาย พระบุตรองค์เดียวเสด็จมาเป็นผู้ไถ่ ถูกทรมาน ตรึงไว้บนกางเขนเพื่อข้า ข้าขอบพระคุณที่พระองค์ทรงเมตตา</a:t>
             </a:r>
           </a:p>
         </p:txBody>
@@ -3417,7 +3430,7 @@
           <a:p>
             <a:pPr algn="ctr">
               <a:lnSpc>
-                <a:spcPts val="6600"/>
+                <a:spcPts val="4800"/>
               </a:lnSpc>
               <a:defRPr sz="3500">
                 <a:solidFill>
@@ -3426,7 +3439,7 @@
               </a:defRPr>
             </a:pPr>
             <a:r>
-              <a:t>Are we weak and heavy-laden, Cumbered with a load of care. Precious Savior, still our refuge. Take it to the Lord in prayer; Do thy friends despise, forsake thee. Take it to the Lord in prayer; In His arms He’ll take and shield thee, Thou wilt find a solace there.</a:t>
+              <a:t>And when I think of God, His Son not sparing Sent Him to die, I scarce can take it in. That on the Cross, my burden gladly bearing He bled and died to take away my sin</a:t>
             </a:r>
           </a:p>
         </p:txBody>
@@ -3451,42 +3464,90 @@
       <p:grpSpPr/>
       <p:sp>
         <p:nvSpPr>
-          <p:cNvPr id="2" name="Title 1"/>
-          <p:cNvSpPr>
-            <a:spLocks noGrp="1"/>
-          </p:cNvSpPr>
-          <p:nvPr>
-            <p:ph type="ctrTitle"/>
-          </p:nvPr>
-        </p:nvSpPr>
-        <p:spPr/>
-        <p:txBody>
-          <a:bodyPr/>
-          <a:lstStyle/>
-          <a:p>
-            <a:r>
-              <a:t>พระคุณพระเจ้า</a:t>
-            </a:r>
-          </a:p>
-        </p:txBody>
-      </p:sp>
-      <p:sp>
-        <p:nvSpPr>
-          <p:cNvPr id="3" name="Subtitle 2"/>
-          <p:cNvSpPr>
-            <a:spLocks noGrp="1"/>
-          </p:cNvSpPr>
-          <p:nvPr>
-            <p:ph type="subTitle" idx="1"/>
-          </p:nvPr>
-        </p:nvSpPr>
-        <p:spPr/>
-        <p:txBody>
-          <a:bodyPr/>
-          <a:lstStyle/>
-          <a:p>
-            <a:r>
-              <a:t>Amazing Grace</a:t>
+          <p:cNvPr id="2" name="TextBox 1"/>
+          <p:cNvSpPr txBox="1"/>
+          <p:nvPr/>
+        </p:nvSpPr>
+        <p:spPr>
+          <a:xfrm>
+            <a:off x="685800" y="228600"/>
+            <a:ext cx="7772400" cy="2971800"/>
+          </a:xfrm>
+          <a:prstGeom prst="rect">
+            <a:avLst/>
+          </a:prstGeom>
+          <a:noFill/>
+        </p:spPr>
+        <p:txBody>
+          <a:bodyPr wrap="none">
+            <a:spAutoFit/>
+          </a:bodyPr>
+          <a:lstStyle/>
+          <a:p/>
+          <a:p>
+            <a:pPr algn="ctr">
+              <a:lnSpc>
+                <a:spcPts val="4800"/>
+              </a:lnSpc>
+              <a:defRPr sz="4500">
+                <a:solidFill>
+                  <a:srgbClr val="000000"/>
+                </a:solidFill>
+              </a:defRPr>
+            </a:pPr>
+            <a:r>
+              <a:t>จิตข้าสรรเสริญ พระเจ้าองค์พระผู้ช่วย</a:t>
+            </a:r>
+            <a:br/>
+            <a:r>
+              <a:t>พระเจ้ายิ่งใหญ่ พระเจ้ายิ่งใหญ่ จิตข้าสรรเสริญ</a:t>
+            </a:r>
+            <a:br/>
+            <a:r>
+              <a:t>พระเจ้าองค์พระผู้ช่วย พระเจ้ายิ่งใหญ่</a:t>
+            </a:r>
+            <a:br/>
+            <a:r>
+              <a:t>พระเจ้ายิ่งใหญ่</a:t>
+            </a:r>
+          </a:p>
+        </p:txBody>
+      </p:sp>
+      <p:sp>
+        <p:nvSpPr>
+          <p:cNvPr id="3" name="TextBox 2"/>
+          <p:cNvSpPr txBox="1"/>
+          <p:nvPr/>
+        </p:nvSpPr>
+        <p:spPr>
+          <a:xfrm>
+            <a:off x="685800" y="3657600"/>
+            <a:ext cx="7772400" cy="2971800"/>
+          </a:xfrm>
+          <a:prstGeom prst="rect">
+            <a:avLst/>
+          </a:prstGeom>
+          <a:noFill/>
+        </p:spPr>
+        <p:txBody>
+          <a:bodyPr wrap="square">
+            <a:spAutoFit/>
+          </a:bodyPr>
+          <a:lstStyle/>
+          <a:p/>
+          <a:p>
+            <a:pPr algn="ctr">
+              <a:lnSpc>
+                <a:spcPts val="4800"/>
+              </a:lnSpc>
+              <a:defRPr sz="3500">
+                <a:solidFill>
+                  <a:srgbClr val="3A70BC"/>
+                </a:solidFill>
+              </a:defRPr>
+            </a:pPr>
+            <a:r>
+              <a:t>Then sings my soul, my Saviour God, to Thee. How great Thou art, how great Thou art. Then sings my soul, my Saviour God, to Thee. How great Thou art, how great Thou art</a:t>
             </a:r>
           </a:p>
         </p:txBody>
@@ -3517,8 +3578,8 @@
         </p:nvSpPr>
         <p:spPr>
           <a:xfrm>
-            <a:off x="457200" y="228600"/>
-            <a:ext cx="8229600" cy="1828800"/>
+            <a:off x="685800" y="228600"/>
+            <a:ext cx="7772400" cy="2971800"/>
           </a:xfrm>
           <a:prstGeom prst="rect">
             <a:avLst/>
@@ -3534,16 +3595,16 @@
           <a:p>
             <a:pPr algn="ctr">
               <a:lnSpc>
-                <a:spcPts val="4200"/>
+                <a:spcPts val="4800"/>
               </a:lnSpc>
-              <a:defRPr sz="3500">
+              <a:defRPr sz="4500">
                 <a:solidFill>
                   <a:srgbClr val="000000"/>
                 </a:solidFill>
               </a:defRPr>
             </a:pPr>
             <a:r>
-              <a:t>พระคุณพระเจ้านั้นแสนชื่นใจ ช่วยได้คนชั่วอย่างฉัน ครั้งนั้นฉันหลงพระองค์ตามหา ตาบอดแต่ฉันเห็นแล้ว</a:t>
+              <a:t>พระคริสต์กลับมา ด้วยเสียงแตรดังก้องเวหา เพื่อมารับข้า กลับไปอยู่ในเมืองฟ้า ข้าจะกราบลง ที่พระบาทาด้วยถ่อมใจ และสรรเสริญว่า พระเจ้าของข้ายิ่งใหญ่</a:t>
             </a:r>
           </a:p>
         </p:txBody>
@@ -3556,8 +3617,8 @@
         </p:nvSpPr>
         <p:spPr>
           <a:xfrm>
-            <a:off x="457200" y="2514600"/>
-            <a:ext cx="8229600" cy="1828800"/>
+            <a:off x="685800" y="3657600"/>
+            <a:ext cx="7772400" cy="2971800"/>
           </a:xfrm>
           <a:prstGeom prst="rect">
             <a:avLst/>
@@ -3573,7 +3634,7 @@
           <a:p>
             <a:pPr algn="ctr">
               <a:lnSpc>
-                <a:spcPts val="6600"/>
+                <a:spcPts val="4800"/>
               </a:lnSpc>
               <a:defRPr sz="3500">
                 <a:solidFill>
@@ -3582,46 +3643,7 @@
               </a:defRPr>
             </a:pPr>
             <a:r>
-              <a:t>AMAZING GRACE HOW SWEET THE SOUND. THAT SAVED A WRETCH LIKE ME! I ONCE WAS LOST, BUT NOW AM FOUND WAS BLIND, BUT NOW I SEE</a:t>
-            </a:r>
-          </a:p>
-        </p:txBody>
-      </p:sp>
-      <p:sp>
-        <p:nvSpPr>
-          <p:cNvPr id="4" name="TextBox 3"/>
-          <p:cNvSpPr txBox="1"/>
-          <p:nvPr/>
-        </p:nvSpPr>
-        <p:spPr>
-          <a:xfrm>
-            <a:off x="457200" y="4572000"/>
-            <a:ext cx="8229600" cy="1828800"/>
-          </a:xfrm>
-          <a:prstGeom prst="rect">
-            <a:avLst/>
-          </a:prstGeom>
-          <a:noFill/>
-        </p:spPr>
-        <p:txBody>
-          <a:bodyPr wrap="square">
-            <a:spAutoFit/>
-          </a:bodyPr>
-          <a:lstStyle/>
-          <a:p/>
-          <a:p>
-            <a:pPr algn="ctr">
-              <a:lnSpc>
-                <a:spcPts val="4200"/>
-              </a:lnSpc>
-              <a:defRPr sz="3500">
-                <a:solidFill>
-                  <a:srgbClr val="F44242"/>
-                </a:solidFill>
-              </a:defRPr>
-            </a:pPr>
-            <a:r>
-              <a:t>หฒอย โฮล เญย เอน, หฒะเก้ง คู้ เฝียน, เย^ซู ต้าย ล์อ เหฌียว เยีย. เยีย มฒีง แม่ง เมี่ยน, นิ่น เถง ปวัด ฌัง, ต่อง เจ๊า, นิ่น ต้าย ล์อ เยีย.</a:t>
+              <a:t>When Christ shall come with shout of acclamation. And lead me home, what joy shall fill my heart. Then I shall bow with humble adoration. And then proclaim, my God, how great Thou art</a:t>
             </a:r>
           </a:p>
         </p:txBody>
@@ -3652,8 +3674,8 @@
         </p:nvSpPr>
         <p:spPr>
           <a:xfrm>
-            <a:off x="457200" y="228600"/>
-            <a:ext cx="8229600" cy="1828800"/>
+            <a:off x="685800" y="228600"/>
+            <a:ext cx="7772400" cy="2971800"/>
           </a:xfrm>
           <a:prstGeom prst="rect">
             <a:avLst/>
@@ -3661,7 +3683,7 @@
           <a:noFill/>
         </p:spPr>
         <p:txBody>
-          <a:bodyPr wrap="square">
+          <a:bodyPr wrap="none">
             <a:spAutoFit/>
           </a:bodyPr>
           <a:lstStyle/>
@@ -3669,16 +3691,28 @@
           <a:p>
             <a:pPr algn="ctr">
               <a:lnSpc>
-                <a:spcPts val="4200"/>
+                <a:spcPts val="4800"/>
               </a:lnSpc>
-              <a:defRPr sz="3500">
+              <a:defRPr sz="4500">
                 <a:solidFill>
                   <a:srgbClr val="000000"/>
                 </a:solidFill>
               </a:defRPr>
             </a:pPr>
             <a:r>
-              <a:t>บ่วงมารวางไว้ทุกข์ภัยหลายอย่าง ตามทางฉันพ้นมาแล้ว แต่เพราะพระคุณฉันจึงคลาดแคล้ว พระองค์นำฉันกลับบ้าน</a:t>
+              <a:t>จิตข้าสรรเสริญ พระเจ้าองค์พระผู้ช่วย</a:t>
+            </a:r>
+            <a:br/>
+            <a:r>
+              <a:t>พระเจ้ายิ่งใหญ่ พระเจ้ายิ่งใหญ่ จิตข้าสรรเสริญ</a:t>
+            </a:r>
+            <a:br/>
+            <a:r>
+              <a:t>พระเจ้าองค์พระผู้ช่วย พระเจ้ายิ่งใหญ่</a:t>
+            </a:r>
+            <a:br/>
+            <a:r>
+              <a:t>พระเจ้ายิ่งใหญ่</a:t>
             </a:r>
           </a:p>
         </p:txBody>
@@ -3691,8 +3725,8 @@
         </p:nvSpPr>
         <p:spPr>
           <a:xfrm>
-            <a:off x="457200" y="2514600"/>
-            <a:ext cx="8229600" cy="1828800"/>
+            <a:off x="685800" y="3657600"/>
+            <a:ext cx="7772400" cy="2971800"/>
           </a:xfrm>
           <a:prstGeom prst="rect">
             <a:avLst/>
@@ -3708,7 +3742,7 @@
           <a:p>
             <a:pPr algn="ctr">
               <a:lnSpc>
-                <a:spcPts val="6600"/>
+                <a:spcPts val="4800"/>
               </a:lnSpc>
               <a:defRPr sz="3500">
                 <a:solidFill>
@@ -3717,452 +3751,7 @@
               </a:defRPr>
             </a:pPr>
             <a:r>
-              <a:t>Twas grace that taught my heart to fear, And grace my fears relieved; How precious did that grace appear, the hour I first believed.</a:t>
-            </a:r>
-          </a:p>
-        </p:txBody>
-      </p:sp>
-      <p:sp>
-        <p:nvSpPr>
-          <p:cNvPr id="4" name="TextBox 3"/>
-          <p:cNvSpPr txBox="1"/>
-          <p:nvPr/>
-        </p:nvSpPr>
-        <p:spPr>
-          <a:xfrm>
-            <a:off x="457200" y="4572000"/>
-            <a:ext cx="8229600" cy="1828800"/>
-          </a:xfrm>
-          <a:prstGeom prst="rect">
-            <a:avLst/>
-          </a:prstGeom>
-          <a:noFill/>
-        </p:spPr>
-        <p:txBody>
-          <a:bodyPr wrap="square">
-            <a:spAutoFit/>
-          </a:bodyPr>
-          <a:lstStyle/>
-          <a:p/>
-          <a:p>
-            <a:pPr algn="ctr">
-              <a:lnSpc>
-                <a:spcPts val="4200"/>
-              </a:lnSpc>
-              <a:defRPr sz="3500">
-                <a:solidFill>
-                  <a:srgbClr val="F44242"/>
-                </a:solidFill>
-              </a:defRPr>
-            </a:pPr>
-            <a:r>
-              <a:t>ทิน-ฮู่ง เญย เอน หฌาว เยีย ท่าย นิ่น, อ๋อย ปุน เยีย เสียน เขา นิ่น. ต้ง นิ่น เหธย เอน เถง ไม้ กั้ม เหฑีย, ปุน นิ่น เญย แป้ง ออน เปียะ.</a:t>
-            </a:r>
-          </a:p>
-        </p:txBody>
-      </p:sp>
-    </p:spTree>
-  </p:cSld>
-  <p:clrMapOvr>
-    <a:masterClrMapping/>
-  </p:clrMapOvr>
-</p:sld>
-</file>
-
-<file path=ppt/slides/slide16.xml><?xml version="1.0" encoding="utf-8"?>
-<p:sld xmlns:a="http://schemas.openxmlformats.org/drawingml/2006/main" xmlns:p="http://schemas.openxmlformats.org/presentationml/2006/main" xmlns:r="http://schemas.openxmlformats.org/officeDocument/2006/relationships">
-  <p:cSld>
-    <p:spTree>
-      <p:nvGrpSpPr>
-        <p:cNvPr id="1" name=""/>
-        <p:cNvGrpSpPr/>
-        <p:nvPr/>
-      </p:nvGrpSpPr>
-      <p:grpSpPr/>
-      <p:sp>
-        <p:nvSpPr>
-          <p:cNvPr id="2" name="TextBox 1"/>
-          <p:cNvSpPr txBox="1"/>
-          <p:nvPr/>
-        </p:nvSpPr>
-        <p:spPr>
-          <a:xfrm>
-            <a:off x="457200" y="228600"/>
-            <a:ext cx="8229600" cy="1828800"/>
-          </a:xfrm>
-          <a:prstGeom prst="rect">
-            <a:avLst/>
-          </a:prstGeom>
-          <a:noFill/>
-        </p:spPr>
-        <p:txBody>
-          <a:bodyPr wrap="square">
-            <a:spAutoFit/>
-          </a:bodyPr>
-          <a:lstStyle/>
-          <a:p/>
-          <a:p>
-            <a:pPr algn="ctr">
-              <a:lnSpc>
-                <a:spcPts val="4200"/>
-              </a:lnSpc>
-              <a:defRPr sz="3500">
-                <a:solidFill>
-                  <a:srgbClr val="000000"/>
-                </a:solidFill>
-              </a:defRPr>
-            </a:pPr>
-            <a:r>
-              <a:t>พระคุณสอนให้ใจฉันยำเกรง เร่งให้ความกลัวต้องหนี พระคุณอันเลิศประเสริฐยิ่งใหญ่ ไม่มีหมู่มารได้ชัย</a:t>
-            </a:r>
-            <a:br/>
-          </a:p>
-        </p:txBody>
-      </p:sp>
-      <p:sp>
-        <p:nvSpPr>
-          <p:cNvPr id="3" name="TextBox 2"/>
-          <p:cNvSpPr txBox="1"/>
-          <p:nvPr/>
-        </p:nvSpPr>
-        <p:spPr>
-          <a:xfrm>
-            <a:off x="457200" y="2514600"/>
-            <a:ext cx="8229600" cy="1828800"/>
-          </a:xfrm>
-          <a:prstGeom prst="rect">
-            <a:avLst/>
-          </a:prstGeom>
-          <a:noFill/>
-        </p:spPr>
-        <p:txBody>
-          <a:bodyPr wrap="square">
-            <a:spAutoFit/>
-          </a:bodyPr>
-          <a:lstStyle/>
-          <a:p/>
-          <a:p>
-            <a:pPr algn="ctr">
-              <a:lnSpc>
-                <a:spcPts val="6600"/>
-              </a:lnSpc>
-              <a:defRPr sz="3500">
-                <a:solidFill>
-                  <a:srgbClr val="3A70BC"/>
-                </a:solidFill>
-              </a:defRPr>
-            </a:pPr>
-            <a:r>
-              <a:t>Through many dangers, toils and snares, I have already come. 'tis grace that brought me safe thus far, and grace will lead us home.</a:t>
-            </a:r>
-          </a:p>
-        </p:txBody>
-      </p:sp>
-      <p:sp>
-        <p:nvSpPr>
-          <p:cNvPr id="4" name="TextBox 3"/>
-          <p:cNvSpPr txBox="1"/>
-          <p:nvPr/>
-        </p:nvSpPr>
-        <p:spPr>
-          <a:xfrm>
-            <a:off x="457200" y="4572000"/>
-            <a:ext cx="8229600" cy="1828800"/>
-          </a:xfrm>
-          <a:prstGeom prst="rect">
-            <a:avLst/>
-          </a:prstGeom>
-          <a:noFill/>
-        </p:spPr>
-        <p:txBody>
-          <a:bodyPr wrap="square">
-            <a:spAutoFit/>
-          </a:bodyPr>
-          <a:lstStyle/>
-          <a:p/>
-          <a:p>
-            <a:pPr algn="ctr">
-              <a:lnSpc>
-                <a:spcPts val="4200"/>
-              </a:lnSpc>
-              <a:defRPr sz="3500">
-                <a:solidFill>
-                  <a:srgbClr val="F44242"/>
-                </a:solidFill>
-              </a:defRPr>
-            </a:pPr>
-            <a:r>
-              <a:t>ยั่ง เจี๋ย เญย เจ๊า หฒะเก้ง ฮยวัง-เฮยี้ยน, นิ่น หย่า ต้อ เยีย เถา น้าย เหว่ย เฒี้ยว เญย เอน ต้อ เยีย ซิ้ม ฆอย, นิ่น อย่า อ๋อย เคน เถา เปย๊า.</a:t>
-            </a:r>
-          </a:p>
-        </p:txBody>
-      </p:sp>
-    </p:spTree>
-  </p:cSld>
-  <p:clrMapOvr>
-    <a:masterClrMapping/>
-  </p:clrMapOvr>
-</p:sld>
-</file>
-
-<file path=ppt/slides/slide17.xml><?xml version="1.0" encoding="utf-8"?>
-<p:sld xmlns:a="http://schemas.openxmlformats.org/drawingml/2006/main" xmlns:p="http://schemas.openxmlformats.org/presentationml/2006/main" xmlns:r="http://schemas.openxmlformats.org/officeDocument/2006/relationships">
-  <p:cSld>
-    <p:spTree>
-      <p:nvGrpSpPr>
-        <p:cNvPr id="1" name=""/>
-        <p:cNvGrpSpPr/>
-        <p:nvPr/>
-      </p:nvGrpSpPr>
-      <p:grpSpPr/>
-      <p:sp>
-        <p:nvSpPr>
-          <p:cNvPr id="2" name="TextBox 1"/>
-          <p:cNvSpPr txBox="1"/>
-          <p:nvPr/>
-        </p:nvSpPr>
-        <p:spPr>
-          <a:xfrm>
-            <a:off x="457200" y="228600"/>
-            <a:ext cx="8229600" cy="1828800"/>
-          </a:xfrm>
-          <a:prstGeom prst="rect">
-            <a:avLst/>
-          </a:prstGeom>
-          <a:noFill/>
-        </p:spPr>
-        <p:txBody>
-          <a:bodyPr wrap="square">
-            <a:spAutoFit/>
-          </a:bodyPr>
-          <a:lstStyle/>
-          <a:p/>
-          <a:p>
-            <a:pPr algn="ctr">
-              <a:lnSpc>
-                <a:spcPts val="4200"/>
-              </a:lnSpc>
-              <a:defRPr sz="3500">
-                <a:solidFill>
-                  <a:srgbClr val="000000"/>
-                </a:solidFill>
-              </a:defRPr>
-            </a:pPr>
-            <a:r>
-              <a:t>พระเจ้าประทานแต่สิ่งที่ดี พระธรรมให้มีความหวัง พระองค์คุ้มครองป้องกันทุกที เมื่อมีสิ่งชั่วบีฑา</a:t>
-            </a:r>
-          </a:p>
-        </p:txBody>
-      </p:sp>
-      <p:sp>
-        <p:nvSpPr>
-          <p:cNvPr id="3" name="TextBox 2"/>
-          <p:cNvSpPr txBox="1"/>
-          <p:nvPr/>
-        </p:nvSpPr>
-        <p:spPr>
-          <a:xfrm>
-            <a:off x="457200" y="2514600"/>
-            <a:ext cx="8229600" cy="1828800"/>
-          </a:xfrm>
-          <a:prstGeom prst="rect">
-            <a:avLst/>
-          </a:prstGeom>
-          <a:noFill/>
-        </p:spPr>
-        <p:txBody>
-          <a:bodyPr wrap="square">
-            <a:spAutoFit/>
-          </a:bodyPr>
-          <a:lstStyle/>
-          <a:p/>
-          <a:p>
-            <a:pPr algn="ctr">
-              <a:lnSpc>
-                <a:spcPts val="6600"/>
-              </a:lnSpc>
-              <a:defRPr sz="3500">
-                <a:solidFill>
-                  <a:srgbClr val="3A70BC"/>
-                </a:solidFill>
-              </a:defRPr>
-            </a:pPr>
-            <a:r>
-              <a:t>The Lord hath promised good to me, His word my hope secures; He will my shield and portion be As long as life endures.</a:t>
-            </a:r>
-          </a:p>
-        </p:txBody>
-      </p:sp>
-      <p:sp>
-        <p:nvSpPr>
-          <p:cNvPr id="4" name="TextBox 3"/>
-          <p:cNvSpPr txBox="1"/>
-          <p:nvPr/>
-        </p:nvSpPr>
-        <p:spPr>
-          <a:xfrm>
-            <a:off x="457200" y="4572000"/>
-            <a:ext cx="8229600" cy="1828800"/>
-          </a:xfrm>
-          <a:prstGeom prst="rect">
-            <a:avLst/>
-          </a:prstGeom>
-          <a:noFill/>
-        </p:spPr>
-        <p:txBody>
-          <a:bodyPr wrap="square">
-            <a:spAutoFit/>
-          </a:bodyPr>
-          <a:lstStyle/>
-          <a:p/>
-          <a:p>
-            <a:pPr algn="ctr">
-              <a:lnSpc>
-                <a:spcPts val="4200"/>
-              </a:lnSpc>
-              <a:defRPr sz="3500">
-                <a:solidFill>
-                  <a:srgbClr val="F44242"/>
-                </a:solidFill>
-              </a:defRPr>
-            </a:pPr>
-            <a:r>
-              <a:t>เยียม วั้ว ทิน-ต้อง ตุ๊ เหฒีย ธิน หฮญัง, เก้า ฌัง-หล่าง เจี๋ย บะฮนอย. เยีย แอ๋ง ม่าย เฒี่ยง โห่ เธง หฒั่ง เตี๋ย, หธ่อ ฮนั้ง เยียม เจี๋ย กอน นอ</a:t>
-            </a:r>
-          </a:p>
-        </p:txBody>
-      </p:sp>
-    </p:spTree>
-  </p:cSld>
-  <p:clrMapOvr>
-    <a:masterClrMapping/>
-  </p:clrMapOvr>
-</p:sld>
-</file>
-
-<file path=ppt/slides/slide18.xml><?xml version="1.0" encoding="utf-8"?>
-<p:sld xmlns:a="http://schemas.openxmlformats.org/drawingml/2006/main" xmlns:p="http://schemas.openxmlformats.org/presentationml/2006/main" xmlns:r="http://schemas.openxmlformats.org/officeDocument/2006/relationships">
-  <p:cSld>
-    <p:spTree>
-      <p:nvGrpSpPr>
-        <p:cNvPr id="1" name=""/>
-        <p:cNvGrpSpPr/>
-        <p:nvPr/>
-      </p:nvGrpSpPr>
-      <p:grpSpPr/>
-      <p:sp>
-        <p:nvSpPr>
-          <p:cNvPr id="2" name="TextBox 1"/>
-          <p:cNvSpPr txBox="1"/>
-          <p:nvPr/>
-        </p:nvSpPr>
-        <p:spPr>
-          <a:xfrm>
-            <a:off x="457200" y="228600"/>
-            <a:ext cx="8229600" cy="1828800"/>
-          </a:xfrm>
-          <a:prstGeom prst="rect">
-            <a:avLst/>
-          </a:prstGeom>
-          <a:noFill/>
-        </p:spPr>
-        <p:txBody>
-          <a:bodyPr wrap="square">
-            <a:spAutoFit/>
-          </a:bodyPr>
-          <a:lstStyle/>
-          <a:p/>
-          <a:p>
-            <a:pPr algn="ctr">
-              <a:lnSpc>
-                <a:spcPts val="4200"/>
-              </a:lnSpc>
-              <a:defRPr sz="3500">
-                <a:solidFill>
-                  <a:srgbClr val="000000"/>
-                </a:solidFill>
-              </a:defRPr>
-            </a:pPr>
-            <a:r>
-              <a:t>เมื่อเราได้ไปอยู่เมืองสวรรค์ ช้านานนับหลายพันปี ยังมีเวลาร้องเพลงสรรเสริญ เท่ากันกับเมื่อเริ่มต้น</a:t>
-            </a:r>
-          </a:p>
-        </p:txBody>
-      </p:sp>
-      <p:sp>
-        <p:nvSpPr>
-          <p:cNvPr id="3" name="TextBox 2"/>
-          <p:cNvSpPr txBox="1"/>
-          <p:nvPr/>
-        </p:nvSpPr>
-        <p:spPr>
-          <a:xfrm>
-            <a:off x="457200" y="2514600"/>
-            <a:ext cx="8229600" cy="1828800"/>
-          </a:xfrm>
-          <a:prstGeom prst="rect">
-            <a:avLst/>
-          </a:prstGeom>
-          <a:noFill/>
-        </p:spPr>
-        <p:txBody>
-          <a:bodyPr wrap="square">
-            <a:spAutoFit/>
-          </a:bodyPr>
-          <a:lstStyle/>
-          <a:p/>
-          <a:p>
-            <a:pPr algn="ctr">
-              <a:lnSpc>
-                <a:spcPts val="6600"/>
-              </a:lnSpc>
-              <a:defRPr sz="3500">
-                <a:solidFill>
-                  <a:srgbClr val="3A70BC"/>
-                </a:solidFill>
-              </a:defRPr>
-            </a:pPr>
-            <a:r>
-              <a:t>When we’ve been there ten thousand years, Bright shining as the sun, We’ve no less days to sing God’s praise. Than when we first begun</a:t>
-            </a:r>
-          </a:p>
-        </p:txBody>
-      </p:sp>
-      <p:sp>
-        <p:nvSpPr>
-          <p:cNvPr id="4" name="TextBox 3"/>
-          <p:cNvSpPr txBox="1"/>
-          <p:nvPr/>
-        </p:nvSpPr>
-        <p:spPr>
-          <a:xfrm>
-            <a:off x="457200" y="4572000"/>
-            <a:ext cx="8229600" cy="1828800"/>
-          </a:xfrm>
-          <a:prstGeom prst="rect">
-            <a:avLst/>
-          </a:prstGeom>
-          <a:noFill/>
-        </p:spPr>
-        <p:txBody>
-          <a:bodyPr wrap="square">
-            <a:spAutoFit/>
-          </a:bodyPr>
-          <a:lstStyle/>
-          <a:p/>
-          <a:p>
-            <a:pPr algn="ctr">
-              <a:lnSpc>
-                <a:spcPts val="4200"/>
-              </a:lnSpc>
-              <a:defRPr sz="3500">
-                <a:solidFill>
-                  <a:srgbClr val="F44242"/>
-                </a:solidFill>
-              </a:defRPr>
-            </a:pPr>
-            <a:r>
-              <a:t> </a:t>
+              <a:t>Then sings my soul, my Saviour God, to Thee. How great Thou art, how great Thou art. Then sings my soul, my Saviour God, to Thee. How great Thou art, how great Thou art</a:t>
             </a:r>
           </a:p>
         </p:txBody>
@@ -4193,8 +3782,8 @@
         </p:nvSpPr>
         <p:spPr>
           <a:xfrm>
-            <a:off x="914400" y="457200"/>
-            <a:ext cx="7315200" cy="5486400"/>
+            <a:off x="685800" y="228600"/>
+            <a:ext cx="7772400" cy="2971800"/>
           </a:xfrm>
           <a:prstGeom prst="rect">
             <a:avLst/>
@@ -4210,28 +3799,75 @@
           <a:p>
             <a:pPr algn="ctr">
               <a:lnSpc>
-                <a:spcPts val="11000"/>
+                <a:spcPts val="4800"/>
               </a:lnSpc>
-              <a:defRPr sz="3500">
+              <a:defRPr sz="4500">
                 <a:solidFill>
                   <a:srgbClr val="000000"/>
                 </a:solidFill>
               </a:defRPr>
             </a:pPr>
             <a:r>
-              <a:t>Bless the Lord, O my soul</a:t>
+              <a:t>ขอบคุณ ขอบคุณพระเจ้า</a:t>
             </a:r>
             <a:br/>
             <a:r>
-              <a:t> O my soul. Worship His holy name</a:t>
+              <a:t>ขอบคุณ ขอบคุณพระเจ้า</a:t>
             </a:r>
             <a:br/>
             <a:r>
-              <a:t> Sing like never before</a:t>
+              <a:t>ขอบคุณ ขอบคุณพระเจ้า</a:t>
             </a:r>
             <a:br/>
             <a:r>
-              <a:t> O my soul. I'll worship Your holy name</a:t>
+              <a:t>ในใจฉัน</a:t>
+            </a:r>
+          </a:p>
+        </p:txBody>
+      </p:sp>
+      <p:sp>
+        <p:nvSpPr>
+          <p:cNvPr id="3" name="TextBox 2"/>
+          <p:cNvSpPr txBox="1"/>
+          <p:nvPr/>
+        </p:nvSpPr>
+        <p:spPr>
+          <a:xfrm>
+            <a:off x="685800" y="3657600"/>
+            <a:ext cx="7772400" cy="2971800"/>
+          </a:xfrm>
+          <a:prstGeom prst="rect">
+            <a:avLst/>
+          </a:prstGeom>
+          <a:noFill/>
+        </p:spPr>
+        <p:txBody>
+          <a:bodyPr wrap="none">
+            <a:spAutoFit/>
+          </a:bodyPr>
+          <a:lstStyle/>
+          <a:p/>
+          <a:p>
+            <a:pPr algn="ctr">
+              <a:lnSpc>
+                <a:spcPts val="4800"/>
+              </a:lnSpc>
+              <a:defRPr sz="3500">
+                <a:solidFill>
+                  <a:srgbClr val="3A70BC"/>
+                </a:solidFill>
+              </a:defRPr>
+            </a:pPr>
+            <a:r>
+              <a:t>Thank you thank you Jesus</a:t>
+            </a:r>
+            <a:br/>
+            <a:r>
+              <a:t> Thank you thank you Jesus</a:t>
+            </a:r>
+            <a:br/>
+            <a:r>
+              <a:t> Thank you thank you Jesus in my heart</a:t>
             </a:r>
             <a:br/>
           </a:p>
@@ -4257,53 +3893,43 @@
       <p:grpSpPr/>
       <p:sp>
         <p:nvSpPr>
-          <p:cNvPr id="2" name="TextBox 1"/>
-          <p:cNvSpPr txBox="1"/>
-          <p:nvPr/>
-        </p:nvSpPr>
-        <p:spPr>
-          <a:xfrm>
-            <a:off x="914400" y="457200"/>
-            <a:ext cx="7315200" cy="5486400"/>
-          </a:xfrm>
-          <a:prstGeom prst="rect">
-            <a:avLst/>
-          </a:prstGeom>
-          <a:noFill/>
-        </p:spPr>
-        <p:txBody>
-          <a:bodyPr wrap="none">
-            <a:spAutoFit/>
-          </a:bodyPr>
-          <a:lstStyle/>
-          <a:p/>
-          <a:p>
-            <a:pPr algn="ctr">
-              <a:lnSpc>
-                <a:spcPts val="6900"/>
-              </a:lnSpc>
-              <a:defRPr sz="3500">
-                <a:solidFill>
-                  <a:srgbClr val="000000"/>
-                </a:solidFill>
-              </a:defRPr>
-            </a:pPr>
-            <a:r>
-              <a:t>The sun comes up, it's a new day dawning</a:t>
-            </a:r>
-            <a:br/>
-            <a:r>
-              <a:t> It's time to sing Your song again</a:t>
-            </a:r>
-            <a:br/>
-            <a:r>
-              <a:t> Whatever may pass and whatever lies before me</a:t>
-            </a:r>
-            <a:br/>
-            <a:r>
-              <a:t> Let me be singing when the evening comes</a:t>
-            </a:r>
-            <a:br/>
+          <p:cNvPr id="2" name="Title 1"/>
+          <p:cNvSpPr>
+            <a:spLocks noGrp="1"/>
+          </p:cNvSpPr>
+          <p:nvPr>
+            <p:ph type="ctrTitle"/>
+          </p:nvPr>
+        </p:nvSpPr>
+        <p:spPr/>
+        <p:txBody>
+          <a:bodyPr/>
+          <a:lstStyle/>
+          <a:p>
+            <a:r>
+              <a:t>เราเป็นหนึ่งในความรักพระคริสต์</a:t>
+            </a:r>
+          </a:p>
+        </p:txBody>
+      </p:sp>
+      <p:sp>
+        <p:nvSpPr>
+          <p:cNvPr id="3" name="Subtitle 2"/>
+          <p:cNvSpPr>
+            <a:spLocks noGrp="1"/>
+          </p:cNvSpPr>
+          <p:nvPr>
+            <p:ph type="subTitle" idx="1"/>
+          </p:nvPr>
+        </p:nvSpPr>
+        <p:spPr/>
+        <p:txBody>
+          <a:bodyPr/>
+          <a:lstStyle/>
+          <a:p>
+            <a:r>
+              <a:t>We are one in the bond of love.</a:t>
+            </a:r>
           </a:p>
         </p:txBody>
       </p:sp>
@@ -4333,8 +3959,8 @@
         </p:nvSpPr>
         <p:spPr>
           <a:xfrm>
-            <a:off x="914400" y="457200"/>
-            <a:ext cx="7315200" cy="5486400"/>
+            <a:off x="685800" y="228600"/>
+            <a:ext cx="7772400" cy="2971800"/>
           </a:xfrm>
           <a:prstGeom prst="rect">
             <a:avLst/>
@@ -4342,7 +3968,7 @@
           <a:noFill/>
         </p:spPr>
         <p:txBody>
-          <a:bodyPr wrap="none">
+          <a:bodyPr wrap="square">
             <a:spAutoFit/>
           </a:bodyPr>
           <a:lstStyle/>
@@ -4350,30 +3976,56 @@
           <a:p>
             <a:pPr algn="ctr">
               <a:lnSpc>
-                <a:spcPts val="11000"/>
+                <a:spcPts val="4800"/>
               </a:lnSpc>
-              <a:defRPr sz="3500">
+              <a:defRPr sz="4500">
                 <a:solidFill>
                   <a:srgbClr val="000000"/>
                 </a:solidFill>
               </a:defRPr>
             </a:pPr>
             <a:r>
-              <a:t>Bless the Lord, O my soul</a:t>
-            </a:r>
-            <a:br/>
-            <a:r>
-              <a:t> O my soul. Worship His holy name</a:t>
-            </a:r>
-            <a:br/>
-            <a:r>
-              <a:t> Sing like never before</a:t>
-            </a:r>
-            <a:br/>
-            <a:r>
-              <a:t> O my soul. I'll worship Your holy name</a:t>
-            </a:r>
-            <a:br/>
+              <a:t>เราเป็นหนึ่งในความรักพระคริสต์ เราเป็นหนึ่งในความรักพระคริสต์ วิญญาณจิตเราผูกพันกับองค์พระวิญญาณ เราเป็นหนึ่งในความรักพระคริสต์</a:t>
+            </a:r>
+          </a:p>
+        </p:txBody>
+      </p:sp>
+      <p:sp>
+        <p:nvSpPr>
+          <p:cNvPr id="3" name="TextBox 2"/>
+          <p:cNvSpPr txBox="1"/>
+          <p:nvPr/>
+        </p:nvSpPr>
+        <p:spPr>
+          <a:xfrm>
+            <a:off x="685800" y="3657600"/>
+            <a:ext cx="7772400" cy="2971800"/>
+          </a:xfrm>
+          <a:prstGeom prst="rect">
+            <a:avLst/>
+          </a:prstGeom>
+          <a:noFill/>
+        </p:spPr>
+        <p:txBody>
+          <a:bodyPr wrap="square">
+            <a:spAutoFit/>
+          </a:bodyPr>
+          <a:lstStyle/>
+          <a:p/>
+          <a:p>
+            <a:pPr algn="ctr">
+              <a:lnSpc>
+                <a:spcPts val="4800"/>
+              </a:lnSpc>
+              <a:defRPr sz="3500">
+                <a:solidFill>
+                  <a:srgbClr val="3A70BC"/>
+                </a:solidFill>
+              </a:defRPr>
+            </a:pPr>
+            <a:r>
+              <a:t>We are one in the bond of love. We are one in the bond of love. We have join our spirit with Spirit of God. We are one in the bond of love.</a:t>
+            </a:r>
           </a:p>
         </p:txBody>
       </p:sp>
@@ -4403,8 +4055,8 @@
         </p:nvSpPr>
         <p:spPr>
           <a:xfrm>
-            <a:off x="914400" y="457200"/>
-            <a:ext cx="7315200" cy="5486400"/>
+            <a:off x="685800" y="228600"/>
+            <a:ext cx="7772400" cy="2971800"/>
           </a:xfrm>
           <a:prstGeom prst="rect">
             <a:avLst/>
@@ -4412,7 +4064,7 @@
           <a:noFill/>
         </p:spPr>
         <p:txBody>
-          <a:bodyPr wrap="none">
+          <a:bodyPr wrap="square">
             <a:spAutoFit/>
           </a:bodyPr>
           <a:lstStyle/>
@@ -4420,34 +4072,56 @@
           <a:p>
             <a:pPr algn="ctr">
               <a:lnSpc>
-                <a:spcPts val="5600"/>
+                <a:spcPts val="4800"/>
               </a:lnSpc>
-              <a:defRPr sz="3500">
+              <a:defRPr sz="4500">
                 <a:solidFill>
                   <a:srgbClr val="000000"/>
                 </a:solidFill>
               </a:defRPr>
             </a:pPr>
             <a:r>
-              <a:t>You're rich in love and You're slow to anger</a:t>
-            </a:r>
-            <a:br/>
-            <a:r>
-              <a:t> Your name is great and Your heart is kind</a:t>
-            </a:r>
-            <a:br/>
-            <a:r>
-              <a:t> For all Your goodness</a:t>
-            </a:r>
-            <a:br/>
-            <a:r>
-              <a:t> I will keep on singing</a:t>
-            </a:r>
-            <a:br/>
-            <a:r>
-              <a:t> Ten thousand reasons for my heart to find</a:t>
-            </a:r>
-            <a:br/>
+              <a:t>ขอให้เราร่วมร้องเพลงกันเถิด เปิดดวงใจรับความรักพระเจ้า ให้เราจับมือกันและประกาศให้โลกรู้ เราเป็นหนึ่งในความรักพระคริสต์</a:t>
+            </a:r>
+          </a:p>
+        </p:txBody>
+      </p:sp>
+      <p:sp>
+        <p:nvSpPr>
+          <p:cNvPr id="3" name="TextBox 2"/>
+          <p:cNvSpPr txBox="1"/>
+          <p:nvPr/>
+        </p:nvSpPr>
+        <p:spPr>
+          <a:xfrm>
+            <a:off x="685800" y="3657600"/>
+            <a:ext cx="7772400" cy="2971800"/>
+          </a:xfrm>
+          <a:prstGeom prst="rect">
+            <a:avLst/>
+          </a:prstGeom>
+          <a:noFill/>
+        </p:spPr>
+        <p:txBody>
+          <a:bodyPr wrap="square">
+            <a:spAutoFit/>
+          </a:bodyPr>
+          <a:lstStyle/>
+          <a:p/>
+          <a:p>
+            <a:pPr algn="ctr">
+              <a:lnSpc>
+                <a:spcPts val="4800"/>
+              </a:lnSpc>
+              <a:defRPr sz="3500">
+                <a:solidFill>
+                  <a:srgbClr val="3A70BC"/>
+                </a:solidFill>
+              </a:defRPr>
+            </a:pPr>
+            <a:r>
+              <a:t>Let us sing now, ev'ry one; Let us feel His love begun. Let us join our hands, that the world will know; We are one in the bond of love.</a:t>
+            </a:r>
           </a:p>
         </p:txBody>
       </p:sp>
@@ -4471,53 +4145,39 @@
       <p:grpSpPr/>
       <p:sp>
         <p:nvSpPr>
-          <p:cNvPr id="2" name="TextBox 1"/>
-          <p:cNvSpPr txBox="1"/>
-          <p:nvPr/>
-        </p:nvSpPr>
-        <p:spPr>
-          <a:xfrm>
-            <a:off x="914400" y="457200"/>
-            <a:ext cx="7315200" cy="5486400"/>
-          </a:xfrm>
-          <a:prstGeom prst="rect">
-            <a:avLst/>
-          </a:prstGeom>
-          <a:noFill/>
-        </p:spPr>
-        <p:txBody>
-          <a:bodyPr wrap="none">
-            <a:spAutoFit/>
-          </a:bodyPr>
+          <p:cNvPr id="2" name="Title 1"/>
+          <p:cNvSpPr>
+            <a:spLocks noGrp="1"/>
+          </p:cNvSpPr>
+          <p:nvPr>
+            <p:ph type="ctrTitle"/>
+          </p:nvPr>
+        </p:nvSpPr>
+        <p:spPr/>
+        <p:txBody>
+          <a:bodyPr/>
           <a:lstStyle/>
           <a:p/>
-          <a:p>
-            <a:pPr algn="ctr">
-              <a:lnSpc>
-                <a:spcPts val="11000"/>
-              </a:lnSpc>
-              <a:defRPr sz="3500">
-                <a:solidFill>
-                  <a:srgbClr val="000000"/>
-                </a:solidFill>
-              </a:defRPr>
-            </a:pPr>
-            <a:r>
-              <a:t>Bless the Lord, O my soul</a:t>
-            </a:r>
-            <a:br/>
-            <a:r>
-              <a:t> O my soul. Worship His holy name</a:t>
-            </a:r>
-            <a:br/>
-            <a:r>
-              <a:t> Sing like never before</a:t>
-            </a:r>
-            <a:br/>
-            <a:r>
-              <a:t> O my soul. I'll worship Your holy name</a:t>
-            </a:r>
-            <a:br/>
+        </p:txBody>
+      </p:sp>
+      <p:sp>
+        <p:nvSpPr>
+          <p:cNvPr id="3" name="Subtitle 2"/>
+          <p:cNvSpPr>
+            <a:spLocks noGrp="1"/>
+          </p:cNvSpPr>
+          <p:nvPr>
+            <p:ph type="subTitle" idx="1"/>
+          </p:nvPr>
+        </p:nvSpPr>
+        <p:spPr/>
+        <p:txBody>
+          <a:bodyPr/>
+          <a:lstStyle/>
+          <a:p>
+            <a:r>
+              <a:t>Step by Step</a:t>
+            </a:r>
           </a:p>
         </p:txBody>
       </p:sp>
@@ -4564,33 +4224,26 @@
           <a:p>
             <a:pPr algn="ctr">
               <a:lnSpc>
-                <a:spcPts val="4800"/>
+                <a:spcPts val="16200"/>
               </a:lnSpc>
-              <a:defRPr sz="3500">
+              <a:defRPr sz="4500">
                 <a:solidFill>
                   <a:srgbClr val="000000"/>
                 </a:solidFill>
               </a:defRPr>
             </a:pPr>
             <a:r>
-              <a:t>And on that day when my strength is failing</a:t>
+              <a:t>Oh God, You are my God</a:t>
             </a:r>
             <a:br/>
             <a:r>
-              <a:t> The end draws near and my time has come</a:t>
+              <a:t> Oh God, You are my God</a:t>
             </a:r>
             <a:br/>
             <a:r>
-              <a:t> Still, my soul will sing Your praise unending</a:t>
+              <a:t> And I will ever praise You</a:t>
             </a:r>
             <a:br/>
-            <a:r>
-              <a:t> Ten thousand years and then forevermore</a:t>
-            </a:r>
-            <a:br/>
-            <a:r>
-              <a:t> Forevermore.</a:t>
-            </a:r>
           </a:p>
         </p:txBody>
       </p:sp>
@@ -4637,28 +4290,28 @@
           <a:p>
             <a:pPr algn="ctr">
               <a:lnSpc>
-                <a:spcPts val="11000"/>
+                <a:spcPts val="9600"/>
               </a:lnSpc>
-              <a:defRPr sz="3500">
+              <a:defRPr sz="4500">
                 <a:solidFill>
                   <a:srgbClr val="000000"/>
                 </a:solidFill>
               </a:defRPr>
             </a:pPr>
             <a:r>
-              <a:t>Bless the Lord, O my soul</a:t>
+              <a:t>I will seek You in the morning</a:t>
             </a:r>
             <a:br/>
             <a:r>
-              <a:t> O my soul. Worship His holy name</a:t>
+              <a:t> And I will learn to walk in Your ways</a:t>
             </a:r>
             <a:br/>
             <a:r>
-              <a:t> Sing like never before</a:t>
+              <a:t> And Step by step You'll lead me</a:t>
             </a:r>
             <a:br/>
             <a:r>
-              <a:t> O my soul. I'll worship Your holy name</a:t>
+              <a:t> And I will follow You all of my days</a:t>
             </a:r>
             <a:br/>
           </a:p>
@@ -4698,7 +4351,7 @@
           <a:lstStyle/>
           <a:p>
             <a:r>
-              <a:t>มีสหายเลิศคือพระเยซู</a:t>
+              <a:t>พระเจ้ายิ่งใหญ่</a:t>
             </a:r>
           </a:p>
         </p:txBody>
@@ -4719,7 +4372,7 @@
           <a:lstStyle/>
           <a:p>
             <a:r>
-              <a:t>What a Friend we have in Jesus</a:t>
+              <a:t>HOW GREAT THOU ART</a:t>
             </a:r>
           </a:p>
         </p:txBody>

--- a/finishedppt/WorshipSongs.pptx
+++ b/finishedppt/WorshipSongs.pptx
@@ -20,6 +20,23 @@
     <p:sldId id="268" r:id="rId19"/>
     <p:sldId id="269" r:id="rId20"/>
     <p:sldId id="270" r:id="rId21"/>
+    <p:sldId id="271" r:id="rId22"/>
+    <p:sldId id="272" r:id="rId23"/>
+    <p:sldId id="273" r:id="rId24"/>
+    <p:sldId id="274" r:id="rId25"/>
+    <p:sldId id="275" r:id="rId26"/>
+    <p:sldId id="276" r:id="rId27"/>
+    <p:sldId id="277" r:id="rId28"/>
+    <p:sldId id="278" r:id="rId29"/>
+    <p:sldId id="279" r:id="rId30"/>
+    <p:sldId id="280" r:id="rId31"/>
+    <p:sldId id="281" r:id="rId32"/>
+    <p:sldId id="282" r:id="rId33"/>
+    <p:sldId id="283" r:id="rId34"/>
+    <p:sldId id="284" r:id="rId35"/>
+    <p:sldId id="285" r:id="rId36"/>
+    <p:sldId id="286" r:id="rId37"/>
+    <p:sldId id="287" r:id="rId38"/>
   </p:sldIdLst>
   <p:sldSz cx="9144000" cy="6858000" type="screen4x3"/>
   <p:notesSz cx="6858000" cy="9144000"/>
@@ -3116,11 +3133,7 @@
         <p:txBody>
           <a:bodyPr/>
           <a:lstStyle/>
-          <a:p>
-            <a:r>
-              <a:t>ขอบคุณ ขอบคุณพระเจ้า</a:t>
-            </a:r>
-          </a:p>
+          <a:p/>
         </p:txBody>
       </p:sp>
       <p:sp>
@@ -3139,7 +3152,7 @@
           <a:lstStyle/>
           <a:p>
             <a:r>
-              <a:t>Thank you thank you Jesus</a:t>
+              <a:t>Lord, I Lift Your Name on High</a:t>
             </a:r>
           </a:p>
         </p:txBody>
@@ -3170,8 +3183,8 @@
         </p:nvSpPr>
         <p:spPr>
           <a:xfrm>
-            <a:off x="685800" y="228600"/>
-            <a:ext cx="7772400" cy="2971800"/>
+            <a:off x="914400" y="457200"/>
+            <a:ext cx="7315200" cy="5486400"/>
           </a:xfrm>
           <a:prstGeom prst="rect">
             <a:avLst/>
@@ -3187,55 +3200,16 @@
           <a:p>
             <a:pPr algn="ctr">
               <a:lnSpc>
-                <a:spcPts val="4800"/>
+                <a:spcPts val="12800"/>
               </a:lnSpc>
-              <a:defRPr sz="4500">
+              <a:defRPr sz="4000">
                 <a:solidFill>
                   <a:srgbClr val="000000"/>
                 </a:solidFill>
               </a:defRPr>
             </a:pPr>
             <a:r>
-              <a:t>พระองค์เจ้าข้า ข้าเฝ้ามองดูด้วยยำเกรง เพราะพระองค์เอง เป็นผู้สร้างจักรวาล เมื่อมองดูดาว เมื่อคราวยินเสียงฟ้าคำราม เห็นฝีพระหัตถ์ของพระองค์บนท้องฟ้า</a:t>
-            </a:r>
-          </a:p>
-        </p:txBody>
-      </p:sp>
-      <p:sp>
-        <p:nvSpPr>
-          <p:cNvPr id="3" name="TextBox 2"/>
-          <p:cNvSpPr txBox="1"/>
-          <p:nvPr/>
-        </p:nvSpPr>
-        <p:spPr>
-          <a:xfrm>
-            <a:off x="685800" y="3657600"/>
-            <a:ext cx="7772400" cy="2971800"/>
-          </a:xfrm>
-          <a:prstGeom prst="rect">
-            <a:avLst/>
-          </a:prstGeom>
-          <a:noFill/>
-        </p:spPr>
-        <p:txBody>
-          <a:bodyPr wrap="square">
-            <a:spAutoFit/>
-          </a:bodyPr>
-          <a:lstStyle/>
-          <a:p/>
-          <a:p>
-            <a:pPr algn="ctr">
-              <a:lnSpc>
-                <a:spcPts val="4800"/>
-              </a:lnSpc>
-              <a:defRPr sz="3500">
-                <a:solidFill>
-                  <a:srgbClr val="3A70BC"/>
-                </a:solidFill>
-              </a:defRPr>
-            </a:pPr>
-            <a:r>
-              <a:t>O Lord, my God, when I in awesome wonder. Consider all the worlds Thy Hands have made. I see the stars, I hear the rolling thunder. Thy power throughout the universe displayed</a:t>
+              <a:t>I am a flower quickly fading: Here today and gone tomorrow. A wave tossed in the ocean, A vapor in the wind.</a:t>
             </a:r>
           </a:p>
         </p:txBody>
@@ -3266,8 +3240,8 @@
         </p:nvSpPr>
         <p:spPr>
           <a:xfrm>
-            <a:off x="685800" y="228600"/>
-            <a:ext cx="7772400" cy="2971800"/>
+            <a:off x="914400" y="457200"/>
+            <a:ext cx="7315200" cy="5486400"/>
           </a:xfrm>
           <a:prstGeom prst="rect">
             <a:avLst/>
@@ -3283,67 +3257,28 @@
           <a:p>
             <a:pPr algn="ctr">
               <a:lnSpc>
-                <a:spcPts val="4800"/>
+                <a:spcPts val="12300"/>
               </a:lnSpc>
-              <a:defRPr sz="4500">
+              <a:defRPr sz="4000">
                 <a:solidFill>
                   <a:srgbClr val="000000"/>
                 </a:solidFill>
               </a:defRPr>
             </a:pPr>
             <a:r>
-              <a:t>จิตข้าสรรเสริญ พระเจ้าองค์พระผู้ช่วย</a:t>
-            </a:r>
-            <a:br/>
-            <a:r>
-              <a:t>พระเจ้ายิ่งใหญ่ พระเจ้ายิ่งใหญ่ จิตข้าสรรเสริญ</a:t>
-            </a:r>
-            <a:br/>
-            <a:r>
-              <a:t>พระเจ้าองค์พระผู้ช่วย พระเจ้ายิ่งใหญ่</a:t>
-            </a:r>
-            <a:br/>
-            <a:r>
-              <a:t>พระเจ้ายิ่งใหญ่</a:t>
-            </a:r>
-          </a:p>
-        </p:txBody>
-      </p:sp>
-      <p:sp>
-        <p:nvSpPr>
-          <p:cNvPr id="3" name="TextBox 2"/>
-          <p:cNvSpPr txBox="1"/>
-          <p:nvPr/>
-        </p:nvSpPr>
-        <p:spPr>
-          <a:xfrm>
-            <a:off x="685800" y="3657600"/>
-            <a:ext cx="7772400" cy="2971800"/>
-          </a:xfrm>
-          <a:prstGeom prst="rect">
-            <a:avLst/>
-          </a:prstGeom>
-          <a:noFill/>
-        </p:spPr>
-        <p:txBody>
-          <a:bodyPr wrap="square">
-            <a:spAutoFit/>
-          </a:bodyPr>
-          <a:lstStyle/>
-          <a:p/>
-          <a:p>
-            <a:pPr algn="ctr">
-              <a:lnSpc>
-                <a:spcPts val="4800"/>
-              </a:lnSpc>
-              <a:defRPr sz="3500">
-                <a:solidFill>
-                  <a:srgbClr val="3A70BC"/>
-                </a:solidFill>
-              </a:defRPr>
-            </a:pPr>
-            <a:r>
-              <a:t>Then sings my soul, my Saviour God, to Thee. How great Thou art, how great Thou art. Then sings my soul, my Saviour God, to Thee. How great Thou art, how great Thou art</a:t>
+              <a:t>Still You hear me when I'm calling</a:t>
+            </a:r>
+            <a:br/>
+            <a:r>
+              <a:t> Lord, You catch me when I'm falling</a:t>
+            </a:r>
+            <a:br/>
+            <a:r>
+              <a:t> And You've told me who I am</a:t>
+            </a:r>
+            <a:br/>
+            <a:r>
+              <a:t> I am Yours.</a:t>
             </a:r>
           </a:p>
         </p:txBody>
@@ -3374,8 +3309,8 @@
         </p:nvSpPr>
         <p:spPr>
           <a:xfrm>
-            <a:off x="685800" y="228600"/>
-            <a:ext cx="7772400" cy="2971800"/>
+            <a:off x="914400" y="457200"/>
+            <a:ext cx="7315200" cy="5486400"/>
           </a:xfrm>
           <a:prstGeom prst="rect">
             <a:avLst/>
@@ -3393,53 +3328,14 @@
               <a:lnSpc>
                 <a:spcPts val="4800"/>
               </a:lnSpc>
-              <a:defRPr sz="4500">
+              <a:defRPr sz="4000">
                 <a:solidFill>
                   <a:srgbClr val="000000"/>
                 </a:solidFill>
               </a:defRPr>
             </a:pPr>
             <a:r>
-              <a:t>เมื่อข้าคิดถึง พระเจ้า ผู้ไม่ทรงเสียดาย พระบุตรองค์เดียวเสด็จมาเป็นผู้ไถ่ ถูกทรมาน ตรึงไว้บนกางเขนเพื่อข้า ข้าขอบพระคุณที่พระองค์ทรงเมตตา</a:t>
-            </a:r>
-          </a:p>
-        </p:txBody>
-      </p:sp>
-      <p:sp>
-        <p:nvSpPr>
-          <p:cNvPr id="3" name="TextBox 2"/>
-          <p:cNvSpPr txBox="1"/>
-          <p:nvPr/>
-        </p:nvSpPr>
-        <p:spPr>
-          <a:xfrm>
-            <a:off x="685800" y="3657600"/>
-            <a:ext cx="7772400" cy="2971800"/>
-          </a:xfrm>
-          <a:prstGeom prst="rect">
-            <a:avLst/>
-          </a:prstGeom>
-          <a:noFill/>
-        </p:spPr>
-        <p:txBody>
-          <a:bodyPr wrap="square">
-            <a:spAutoFit/>
-          </a:bodyPr>
-          <a:lstStyle/>
-          <a:p/>
-          <a:p>
-            <a:pPr algn="ctr">
-              <a:lnSpc>
-                <a:spcPts val="4800"/>
-              </a:lnSpc>
-              <a:defRPr sz="3500">
-                <a:solidFill>
-                  <a:srgbClr val="3A70BC"/>
-                </a:solidFill>
-              </a:defRPr>
-            </a:pPr>
-            <a:r>
-              <a:t>And when I think of God, His Son not sparing Sent Him to die, I scarce can take it in. That on the Cross, my burden gladly bearing He bled and died to take away my sin</a:t>
+              <a:t>Who am I, that the eyes that see my sin. Would look on me with love and watch me rise again? Who am I, that the voice that calmed the sea. Would call out through the rain. And calm the storm in me?</a:t>
             </a:r>
           </a:p>
         </p:txBody>
@@ -3470,8 +3366,8 @@
         </p:nvSpPr>
         <p:spPr>
           <a:xfrm>
-            <a:off x="685800" y="228600"/>
-            <a:ext cx="7772400" cy="2971800"/>
+            <a:off x="914400" y="457200"/>
+            <a:ext cx="7315200" cy="5486400"/>
           </a:xfrm>
           <a:prstGeom prst="rect">
             <a:avLst/>
@@ -3487,68 +3383,30 @@
           <a:p>
             <a:pPr algn="ctr">
               <a:lnSpc>
-                <a:spcPts val="4800"/>
+                <a:spcPts val="12000"/>
               </a:lnSpc>
-              <a:defRPr sz="4500">
+              <a:defRPr sz="4000">
                 <a:solidFill>
                   <a:srgbClr val="000000"/>
                 </a:solidFill>
               </a:defRPr>
             </a:pPr>
             <a:r>
-              <a:t>จิตข้าสรรเสริญ พระเจ้าองค์พระผู้ช่วย</a:t>
-            </a:r>
-            <a:br/>
-            <a:r>
-              <a:t>พระเจ้ายิ่งใหญ่ พระเจ้ายิ่งใหญ่ จิตข้าสรรเสริญ</a:t>
-            </a:r>
-            <a:br/>
-            <a:r>
-              <a:t>พระเจ้าองค์พระผู้ช่วย พระเจ้ายิ่งใหญ่</a:t>
-            </a:r>
-            <a:br/>
-            <a:r>
-              <a:t>พระเจ้ายิ่งใหญ่</a:t>
-            </a:r>
-          </a:p>
-        </p:txBody>
-      </p:sp>
-      <p:sp>
-        <p:nvSpPr>
-          <p:cNvPr id="3" name="TextBox 2"/>
-          <p:cNvSpPr txBox="1"/>
-          <p:nvPr/>
-        </p:nvSpPr>
-        <p:spPr>
-          <a:xfrm>
-            <a:off x="685800" y="3657600"/>
-            <a:ext cx="7772400" cy="2971800"/>
-          </a:xfrm>
-          <a:prstGeom prst="rect">
-            <a:avLst/>
-          </a:prstGeom>
-          <a:noFill/>
-        </p:spPr>
-        <p:txBody>
-          <a:bodyPr wrap="square">
-            <a:spAutoFit/>
-          </a:bodyPr>
-          <a:lstStyle/>
-          <a:p/>
-          <a:p>
-            <a:pPr algn="ctr">
-              <a:lnSpc>
-                <a:spcPts val="4800"/>
-              </a:lnSpc>
-              <a:defRPr sz="3500">
-                <a:solidFill>
-                  <a:srgbClr val="3A70BC"/>
-                </a:solidFill>
-              </a:defRPr>
-            </a:pPr>
-            <a:r>
-              <a:t>Then sings my soul, my Saviour God, to Thee. How great Thou art, how great Thou art. Then sings my soul, my Saviour God, to Thee. How great Thou art, how great Thou art</a:t>
-            </a:r>
+              <a:t>Not because of who I am</a:t>
+            </a:r>
+            <a:br/>
+            <a:r>
+              <a:t> But because of what You've done</a:t>
+            </a:r>
+            <a:br/>
+            <a:r>
+              <a:t> Not because of what I've done</a:t>
+            </a:r>
+            <a:br/>
+            <a:r>
+              <a:t> But because of who You are</a:t>
+            </a:r>
+            <a:br/>
           </a:p>
         </p:txBody>
       </p:sp>
@@ -3578,8 +3436,8 @@
         </p:nvSpPr>
         <p:spPr>
           <a:xfrm>
-            <a:off x="685800" y="228600"/>
-            <a:ext cx="7772400" cy="2971800"/>
+            <a:off x="914400" y="457200"/>
+            <a:ext cx="7315200" cy="5486400"/>
           </a:xfrm>
           <a:prstGeom prst="rect">
             <a:avLst/>
@@ -3595,55 +3453,16 @@
           <a:p>
             <a:pPr algn="ctr">
               <a:lnSpc>
-                <a:spcPts val="4800"/>
+                <a:spcPts val="12800"/>
               </a:lnSpc>
-              <a:defRPr sz="4500">
+              <a:defRPr sz="4000">
                 <a:solidFill>
                   <a:srgbClr val="000000"/>
                 </a:solidFill>
               </a:defRPr>
             </a:pPr>
             <a:r>
-              <a:t>พระคริสต์กลับมา ด้วยเสียงแตรดังก้องเวหา เพื่อมารับข้า กลับไปอยู่ในเมืองฟ้า ข้าจะกราบลง ที่พระบาทาด้วยถ่อมใจ และสรรเสริญว่า พระเจ้าของข้ายิ่งใหญ่</a:t>
-            </a:r>
-          </a:p>
-        </p:txBody>
-      </p:sp>
-      <p:sp>
-        <p:nvSpPr>
-          <p:cNvPr id="3" name="TextBox 2"/>
-          <p:cNvSpPr txBox="1"/>
-          <p:nvPr/>
-        </p:nvSpPr>
-        <p:spPr>
-          <a:xfrm>
-            <a:off x="685800" y="3657600"/>
-            <a:ext cx="7772400" cy="2971800"/>
-          </a:xfrm>
-          <a:prstGeom prst="rect">
-            <a:avLst/>
-          </a:prstGeom>
-          <a:noFill/>
-        </p:spPr>
-        <p:txBody>
-          <a:bodyPr wrap="square">
-            <a:spAutoFit/>
-          </a:bodyPr>
-          <a:lstStyle/>
-          <a:p/>
-          <a:p>
-            <a:pPr algn="ctr">
-              <a:lnSpc>
-                <a:spcPts val="4800"/>
-              </a:lnSpc>
-              <a:defRPr sz="3500">
-                <a:solidFill>
-                  <a:srgbClr val="3A70BC"/>
-                </a:solidFill>
-              </a:defRPr>
-            </a:pPr>
-            <a:r>
-              <a:t>When Christ shall come with shout of acclamation. And lead me home, what joy shall fill my heart. Then I shall bow with humble adoration. And then proclaim, my God, how great Thou art</a:t>
+              <a:t>I am a flower quickly fading: Here today and gone tomorrow. A wave tossed in the ocean, A vapor in the wind.</a:t>
             </a:r>
           </a:p>
         </p:txBody>
@@ -3674,6 +3493,135 @@
         </p:nvSpPr>
         <p:spPr>
           <a:xfrm>
+            <a:off x="914400" y="457200"/>
+            <a:ext cx="7315200" cy="5486400"/>
+          </a:xfrm>
+          <a:prstGeom prst="rect">
+            <a:avLst/>
+          </a:prstGeom>
+          <a:noFill/>
+        </p:spPr>
+        <p:txBody>
+          <a:bodyPr wrap="none">
+            <a:spAutoFit/>
+          </a:bodyPr>
+          <a:lstStyle/>
+          <a:p/>
+          <a:p>
+            <a:pPr algn="ctr">
+              <a:lnSpc>
+                <a:spcPts val="12300"/>
+              </a:lnSpc>
+              <a:defRPr sz="4000">
+                <a:solidFill>
+                  <a:srgbClr val="000000"/>
+                </a:solidFill>
+              </a:defRPr>
+            </a:pPr>
+            <a:r>
+              <a:t>Still You hear me when I'm calling</a:t>
+            </a:r>
+            <a:br/>
+            <a:r>
+              <a:t> Lord, You catch me when I'm falling</a:t>
+            </a:r>
+            <a:br/>
+            <a:r>
+              <a:t> And You've told me who I am</a:t>
+            </a:r>
+            <a:br/>
+            <a:r>
+              <a:t> I am Yours.</a:t>
+            </a:r>
+          </a:p>
+        </p:txBody>
+      </p:sp>
+    </p:spTree>
+  </p:cSld>
+  <p:clrMapOvr>
+    <a:masterClrMapping/>
+  </p:clrMapOvr>
+</p:sld>
+</file>
+
+<file path=ppt/slides/slide16.xml><?xml version="1.0" encoding="utf-8"?>
+<p:sld xmlns:a="http://schemas.openxmlformats.org/drawingml/2006/main" xmlns:p="http://schemas.openxmlformats.org/presentationml/2006/main" xmlns:r="http://schemas.openxmlformats.org/officeDocument/2006/relationships">
+  <p:cSld>
+    <p:spTree>
+      <p:nvGrpSpPr>
+        <p:cNvPr id="1" name=""/>
+        <p:cNvGrpSpPr/>
+        <p:nvPr/>
+      </p:nvGrpSpPr>
+      <p:grpSpPr/>
+      <p:sp>
+        <p:nvSpPr>
+          <p:cNvPr id="2" name="Title 1"/>
+          <p:cNvSpPr>
+            <a:spLocks noGrp="1"/>
+          </p:cNvSpPr>
+          <p:nvPr>
+            <p:ph type="ctrTitle"/>
+          </p:nvPr>
+        </p:nvSpPr>
+        <p:spPr/>
+        <p:txBody>
+          <a:bodyPr/>
+          <a:lstStyle/>
+          <a:p>
+            <a:r>
+              <a:t>พระเยซู พระผู้ช่วย</a:t>
+            </a:r>
+          </a:p>
+        </p:txBody>
+      </p:sp>
+      <p:sp>
+        <p:nvSpPr>
+          <p:cNvPr id="3" name="Subtitle 2"/>
+          <p:cNvSpPr>
+            <a:spLocks noGrp="1"/>
+          </p:cNvSpPr>
+          <p:nvPr>
+            <p:ph type="subTitle" idx="1"/>
+          </p:nvPr>
+        </p:nvSpPr>
+        <p:spPr/>
+        <p:txBody>
+          <a:bodyPr/>
+          <a:lstStyle/>
+          <a:p>
+            <a:r>
+              <a:t>Shout To The Lord</a:t>
+            </a:r>
+          </a:p>
+        </p:txBody>
+      </p:sp>
+    </p:spTree>
+  </p:cSld>
+  <p:clrMapOvr>
+    <a:masterClrMapping/>
+  </p:clrMapOvr>
+</p:sld>
+</file>
+
+<file path=ppt/slides/slide17.xml><?xml version="1.0" encoding="utf-8"?>
+<p:sld xmlns:a="http://schemas.openxmlformats.org/drawingml/2006/main" xmlns:p="http://schemas.openxmlformats.org/presentationml/2006/main" xmlns:r="http://schemas.openxmlformats.org/officeDocument/2006/relationships">
+  <p:cSld>
+    <p:spTree>
+      <p:nvGrpSpPr>
+        <p:cNvPr id="1" name=""/>
+        <p:cNvGrpSpPr/>
+        <p:nvPr/>
+      </p:nvGrpSpPr>
+      <p:grpSpPr/>
+      <p:sp>
+        <p:nvSpPr>
+          <p:cNvPr id="2" name="TextBox 1"/>
+          <p:cNvSpPr txBox="1"/>
+          <p:nvPr/>
+        </p:nvSpPr>
+        <p:spPr>
+          <a:xfrm>
             <a:off x="685800" y="228600"/>
             <a:ext cx="7772400" cy="2971800"/>
           </a:xfrm>
@@ -3693,26 +3641,22 @@
               <a:lnSpc>
                 <a:spcPts val="4800"/>
               </a:lnSpc>
-              <a:defRPr sz="4500">
+              <a:defRPr sz="4000">
                 <a:solidFill>
                   <a:srgbClr val="000000"/>
                 </a:solidFill>
               </a:defRPr>
             </a:pPr>
             <a:r>
-              <a:t>จิตข้าสรรเสริญ พระเจ้าองค์พระผู้ช่วย</a:t>
-            </a:r>
-            <a:br/>
-            <a:r>
-              <a:t>พระเจ้ายิ่งใหญ่ พระเจ้ายิ่งใหญ่ จิตข้าสรรเสริญ</a:t>
-            </a:r>
-            <a:br/>
-            <a:r>
-              <a:t>พระเจ้าองค์พระผู้ช่วย พระเจ้ายิ่งใหญ่</a:t>
-            </a:r>
-            <a:br/>
-            <a:r>
-              <a:t>พระเจ้ายิ่งใหญ่</a:t>
+              <a:t>พระเยซู พระผู้ช่วย ไม่มีผู้ใดเปรียบพระองค์</a:t>
+            </a:r>
+            <a:br/>
+            <a:r>
+              <a:t>ในทุกๆ วัน ฉันอยากสรรเสริญ</a:t>
+            </a:r>
+            <a:br/>
+            <a:r>
+              <a:t>ความรักยิ่งใหญ่ของพระองค์เจ้า</a:t>
             </a:r>
           </a:p>
         </p:txBody>
@@ -3734,7 +3678,7 @@
           <a:noFill/>
         </p:spPr>
         <p:txBody>
-          <a:bodyPr wrap="square">
+          <a:bodyPr wrap="none">
             <a:spAutoFit/>
           </a:bodyPr>
           <a:lstStyle/>
@@ -3751,7 +3695,240 @@
               </a:defRPr>
             </a:pPr>
             <a:r>
-              <a:t>Then sings my soul, my Saviour God, to Thee. How great Thou art, how great Thou art. Then sings my soul, my Saviour God, to Thee. How great Thou art, how great Thou art</a:t>
+              <a:t>My jesus, my savior, Lord, there is none like you</a:t>
+            </a:r>
+            <a:br/>
+            <a:r>
+              <a:t> All of my days, I want to praise</a:t>
+            </a:r>
+            <a:br/>
+            <a:r>
+              <a:t> The wonders of your mighty love</a:t>
+            </a:r>
+            <a:br/>
+          </a:p>
+        </p:txBody>
+      </p:sp>
+    </p:spTree>
+  </p:cSld>
+  <p:clrMapOvr>
+    <a:masterClrMapping/>
+  </p:clrMapOvr>
+</p:sld>
+</file>
+
+<file path=ppt/slides/slide18.xml><?xml version="1.0" encoding="utf-8"?>
+<p:sld xmlns:a="http://schemas.openxmlformats.org/drawingml/2006/main" xmlns:p="http://schemas.openxmlformats.org/presentationml/2006/main" xmlns:r="http://schemas.openxmlformats.org/officeDocument/2006/relationships">
+  <p:cSld>
+    <p:spTree>
+      <p:nvGrpSpPr>
+        <p:cNvPr id="1" name=""/>
+        <p:cNvGrpSpPr/>
+        <p:nvPr/>
+      </p:nvGrpSpPr>
+      <p:grpSpPr/>
+      <p:sp>
+        <p:nvSpPr>
+          <p:cNvPr id="2" name="TextBox 1"/>
+          <p:cNvSpPr txBox="1"/>
+          <p:nvPr/>
+        </p:nvSpPr>
+        <p:spPr>
+          <a:xfrm>
+            <a:off x="685800" y="228600"/>
+            <a:ext cx="7772400" cy="2971800"/>
+          </a:xfrm>
+          <a:prstGeom prst="rect">
+            <a:avLst/>
+          </a:prstGeom>
+          <a:noFill/>
+        </p:spPr>
+        <p:txBody>
+          <a:bodyPr wrap="none">
+            <a:spAutoFit/>
+          </a:bodyPr>
+          <a:lstStyle/>
+          <a:p/>
+          <a:p>
+            <a:pPr algn="ctr">
+              <a:lnSpc>
+                <a:spcPts val="4800"/>
+              </a:lnSpc>
+              <a:defRPr sz="4000">
+                <a:solidFill>
+                  <a:srgbClr val="000000"/>
+                </a:solidFill>
+              </a:defRPr>
+            </a:pPr>
+            <a:r>
+              <a:t>พระทรงเป็น ที่กำบัง ป้อมปราการและกำลังใจ</a:t>
+            </a:r>
+            <a:br/>
+            <a:r>
+              <a:t>เชิญทุกชีวิตและทุกๆสิ่ง</a:t>
+            </a:r>
+            <a:br/>
+            <a:r>
+              <a:t>พากันสรรเสริญพระเจ้า</a:t>
+            </a:r>
+          </a:p>
+        </p:txBody>
+      </p:sp>
+      <p:sp>
+        <p:nvSpPr>
+          <p:cNvPr id="3" name="TextBox 2"/>
+          <p:cNvSpPr txBox="1"/>
+          <p:nvPr/>
+        </p:nvSpPr>
+        <p:spPr>
+          <a:xfrm>
+            <a:off x="685800" y="3657600"/>
+            <a:ext cx="7772400" cy="2971800"/>
+          </a:xfrm>
+          <a:prstGeom prst="rect">
+            <a:avLst/>
+          </a:prstGeom>
+          <a:noFill/>
+        </p:spPr>
+        <p:txBody>
+          <a:bodyPr wrap="square">
+            <a:spAutoFit/>
+          </a:bodyPr>
+          <a:lstStyle/>
+          <a:p/>
+          <a:p>
+            <a:pPr algn="ctr">
+              <a:lnSpc>
+                <a:spcPts val="4800"/>
+              </a:lnSpc>
+              <a:defRPr sz="3500">
+                <a:solidFill>
+                  <a:srgbClr val="3A70BC"/>
+                </a:solidFill>
+              </a:defRPr>
+            </a:pPr>
+            <a:r>
+              <a:t>My comfort, my shelter, Tower of refuge and strength. Let every breath, all that I am, Never cease to worship you.</a:t>
+            </a:r>
+          </a:p>
+        </p:txBody>
+      </p:sp>
+    </p:spTree>
+  </p:cSld>
+  <p:clrMapOvr>
+    <a:masterClrMapping/>
+  </p:clrMapOvr>
+</p:sld>
+</file>
+
+<file path=ppt/slides/slide19.xml><?xml version="1.0" encoding="utf-8"?>
+<p:sld xmlns:a="http://schemas.openxmlformats.org/drawingml/2006/main" xmlns:p="http://schemas.openxmlformats.org/presentationml/2006/main" xmlns:r="http://schemas.openxmlformats.org/officeDocument/2006/relationships">
+  <p:cSld>
+    <p:spTree>
+      <p:nvGrpSpPr>
+        <p:cNvPr id="1" name=""/>
+        <p:cNvGrpSpPr/>
+        <p:nvPr/>
+      </p:nvGrpSpPr>
+      <p:grpSpPr/>
+      <p:sp>
+        <p:nvSpPr>
+          <p:cNvPr id="2" name="TextBox 1"/>
+          <p:cNvSpPr txBox="1"/>
+          <p:nvPr/>
+        </p:nvSpPr>
+        <p:spPr>
+          <a:xfrm>
+            <a:off x="685800" y="228600"/>
+            <a:ext cx="7772400" cy="2971800"/>
+          </a:xfrm>
+          <a:prstGeom prst="rect">
+            <a:avLst/>
+          </a:prstGeom>
+          <a:noFill/>
+        </p:spPr>
+        <p:txBody>
+          <a:bodyPr wrap="none">
+            <a:spAutoFit/>
+          </a:bodyPr>
+          <a:lstStyle/>
+          <a:p/>
+          <a:p>
+            <a:pPr algn="ctr">
+              <a:lnSpc>
+                <a:spcPts val="4800"/>
+              </a:lnSpc>
+              <a:defRPr sz="4000">
+                <a:solidFill>
+                  <a:srgbClr val="000000"/>
+                </a:solidFill>
+              </a:defRPr>
+            </a:pPr>
+            <a:r>
+              <a:t>สรรเสริญพระเจ้า ทั่วโลกา ร่วมร้องเพลง</a:t>
+            </a:r>
+            <a:br/>
+            <a:r>
+              <a:t>พลังและฤทธิ์เดช สรรเสริญกษัตรา</a:t>
+            </a:r>
+            <a:br/>
+            <a:r>
+              <a:t>ภูเขากราบลง และทะเลคึกคะนอง ส่งเสียงร้อง</a:t>
+            </a:r>
+            <a:br/>
+            <a:r>
+              <a:t>สรรเสริญ</a:t>
+            </a:r>
+          </a:p>
+        </p:txBody>
+      </p:sp>
+      <p:sp>
+        <p:nvSpPr>
+          <p:cNvPr id="3" name="TextBox 2"/>
+          <p:cNvSpPr txBox="1"/>
+          <p:nvPr/>
+        </p:nvSpPr>
+        <p:spPr>
+          <a:xfrm>
+            <a:off x="685800" y="3657600"/>
+            <a:ext cx="7772400" cy="2971800"/>
+          </a:xfrm>
+          <a:prstGeom prst="rect">
+            <a:avLst/>
+          </a:prstGeom>
+          <a:noFill/>
+        </p:spPr>
+        <p:txBody>
+          <a:bodyPr wrap="none">
+            <a:spAutoFit/>
+          </a:bodyPr>
+          <a:lstStyle/>
+          <a:p/>
+          <a:p>
+            <a:pPr algn="ctr">
+              <a:lnSpc>
+                <a:spcPts val="4800"/>
+              </a:lnSpc>
+              <a:defRPr sz="3500">
+                <a:solidFill>
+                  <a:srgbClr val="3A70BC"/>
+                </a:solidFill>
+              </a:defRPr>
+            </a:pPr>
+            <a:r>
+              <a:t>Shout to the lord, all the earth let us sing</a:t>
+            </a:r>
+            <a:br/>
+            <a:r>
+              <a:t> Power and majesty, praise to the king</a:t>
+            </a:r>
+            <a:br/>
+            <a:r>
+              <a:t> Mountains bow down, and the seas will roar</a:t>
+            </a:r>
+            <a:br/>
+            <a:r>
+              <a:t> At the sound of your name.</a:t>
             </a:r>
           </a:p>
         </p:txBody>
@@ -3782,6 +3959,76 @@
         </p:nvSpPr>
         <p:spPr>
           <a:xfrm>
+            <a:off x="914400" y="457200"/>
+            <a:ext cx="7315200" cy="5486400"/>
+          </a:xfrm>
+          <a:prstGeom prst="rect">
+            <a:avLst/>
+          </a:prstGeom>
+          <a:noFill/>
+        </p:spPr>
+        <p:txBody>
+          <a:bodyPr wrap="none">
+            <a:spAutoFit/>
+          </a:bodyPr>
+          <a:lstStyle/>
+          <a:p/>
+          <a:p>
+            <a:pPr algn="ctr">
+              <a:lnSpc>
+                <a:spcPts val="10600"/>
+              </a:lnSpc>
+              <a:defRPr sz="4000">
+                <a:solidFill>
+                  <a:srgbClr val="000000"/>
+                </a:solidFill>
+              </a:defRPr>
+            </a:pPr>
+            <a:r>
+              <a:t>Lord, I lift Your name on high</a:t>
+            </a:r>
+            <a:br/>
+            <a:r>
+              <a:t> Lord, I love to sing Your praises</a:t>
+            </a:r>
+            <a:br/>
+            <a:r>
+              <a:t> I'm so glad You're in my life</a:t>
+            </a:r>
+            <a:br/>
+            <a:r>
+              <a:t> I'm so glad You came to save us</a:t>
+            </a:r>
+            <a:br/>
+          </a:p>
+        </p:txBody>
+      </p:sp>
+    </p:spTree>
+  </p:cSld>
+  <p:clrMapOvr>
+    <a:masterClrMapping/>
+  </p:clrMapOvr>
+</p:sld>
+</file>
+
+<file path=ppt/slides/slide20.xml><?xml version="1.0" encoding="utf-8"?>
+<p:sld xmlns:a="http://schemas.openxmlformats.org/drawingml/2006/main" xmlns:p="http://schemas.openxmlformats.org/presentationml/2006/main" xmlns:r="http://schemas.openxmlformats.org/officeDocument/2006/relationships">
+  <p:cSld>
+    <p:spTree>
+      <p:nvGrpSpPr>
+        <p:cNvPr id="1" name=""/>
+        <p:cNvGrpSpPr/>
+        <p:nvPr/>
+      </p:nvGrpSpPr>
+      <p:grpSpPr/>
+      <p:sp>
+        <p:nvSpPr>
+          <p:cNvPr id="2" name="TextBox 1"/>
+          <p:cNvSpPr txBox="1"/>
+          <p:nvPr/>
+        </p:nvSpPr>
+        <p:spPr>
+          <a:xfrm>
             <a:off x="685800" y="228600"/>
             <a:ext cx="7772400" cy="2971800"/>
           </a:xfrm>
@@ -3801,26 +4048,22 @@
               <a:lnSpc>
                 <a:spcPts val="4800"/>
               </a:lnSpc>
-              <a:defRPr sz="4500">
+              <a:defRPr sz="4000">
                 <a:solidFill>
                   <a:srgbClr val="000000"/>
                 </a:solidFill>
               </a:defRPr>
             </a:pPr>
             <a:r>
-              <a:t>ขอบคุณ ขอบคุณพระเจ้า</a:t>
-            </a:r>
-            <a:br/>
-            <a:r>
-              <a:t>ขอบคุณ ขอบคุณพระเจ้า</a:t>
-            </a:r>
-            <a:br/>
-            <a:r>
-              <a:t>ขอบคุณ ขอบคุณพระเจ้า</a:t>
-            </a:r>
-            <a:br/>
-            <a:r>
-              <a:t>ในใจฉัน</a:t>
+              <a:t>ฉันร้องชื่นชม ยินดีในฝีพระหัตถ์</a:t>
+            </a:r>
+            <a:br/>
+            <a:r>
+              <a:t>และฉันจะรัก พระองค์ตลอดชีพวางวาย</a:t>
+            </a:r>
+            <a:br/>
+            <a:r>
+              <a:t>ไม่มีสิ่งใดจะเปรียบปาน สัญญากับพระองค์</a:t>
             </a:r>
           </a:p>
         </p:txBody>
@@ -3859,17 +4102,878 @@
               </a:defRPr>
             </a:pPr>
             <a:r>
-              <a:t>Thank you thank you Jesus</a:t>
-            </a:r>
-            <a:br/>
-            <a:r>
-              <a:t> Thank you thank you Jesus</a:t>
-            </a:r>
-            <a:br/>
-            <a:r>
-              <a:t> Thank you thank you Jesus in my heart</a:t>
-            </a:r>
-            <a:br/>
+              <a:t>I sing for joy at the work of your hands</a:t>
+            </a:r>
+            <a:br/>
+            <a:r>
+              <a:t> Forever I'll love you, Forever I'll stand</a:t>
+            </a:r>
+            <a:br/>
+            <a:r>
+              <a:t> Nothing compares to the promise I have In you</a:t>
+            </a:r>
+            <a:br/>
+          </a:p>
+        </p:txBody>
+      </p:sp>
+    </p:spTree>
+  </p:cSld>
+  <p:clrMapOvr>
+    <a:masterClrMapping/>
+  </p:clrMapOvr>
+</p:sld>
+</file>
+
+<file path=ppt/slides/slide21.xml><?xml version="1.0" encoding="utf-8"?>
+<p:sld xmlns:a="http://schemas.openxmlformats.org/drawingml/2006/main" xmlns:p="http://schemas.openxmlformats.org/presentationml/2006/main" xmlns:r="http://schemas.openxmlformats.org/officeDocument/2006/relationships">
+  <p:cSld>
+    <p:spTree>
+      <p:nvGrpSpPr>
+        <p:cNvPr id="1" name=""/>
+        <p:cNvGrpSpPr/>
+        <p:nvPr/>
+      </p:nvGrpSpPr>
+      <p:grpSpPr/>
+      <p:sp>
+        <p:nvSpPr>
+          <p:cNvPr id="2" name="Title 1"/>
+          <p:cNvSpPr>
+            <a:spLocks noGrp="1"/>
+          </p:cNvSpPr>
+          <p:nvPr>
+            <p:ph type="ctrTitle"/>
+          </p:nvPr>
+        </p:nvSpPr>
+        <p:spPr/>
+        <p:txBody>
+          <a:bodyPr/>
+          <a:lstStyle/>
+          <a:p>
+            <a:r>
+              <a:t>พระเจ้าทรงยิ่งใหญ่</a:t>
+            </a:r>
+          </a:p>
+        </p:txBody>
+      </p:sp>
+      <p:sp>
+        <p:nvSpPr>
+          <p:cNvPr id="3" name="Subtitle 2"/>
+          <p:cNvSpPr>
+            <a:spLocks noGrp="1"/>
+          </p:cNvSpPr>
+          <p:nvPr>
+            <p:ph type="subTitle" idx="1"/>
+          </p:nvPr>
+        </p:nvSpPr>
+        <p:spPr/>
+        <p:txBody>
+          <a:bodyPr/>
+          <a:lstStyle/>
+          <a:p>
+            <a:r>
+              <a:t>How Great Is Our God</a:t>
+            </a:r>
+          </a:p>
+        </p:txBody>
+      </p:sp>
+    </p:spTree>
+  </p:cSld>
+  <p:clrMapOvr>
+    <a:masterClrMapping/>
+  </p:clrMapOvr>
+</p:sld>
+</file>
+
+<file path=ppt/slides/slide22.xml><?xml version="1.0" encoding="utf-8"?>
+<p:sld xmlns:a="http://schemas.openxmlformats.org/drawingml/2006/main" xmlns:p="http://schemas.openxmlformats.org/presentationml/2006/main" xmlns:r="http://schemas.openxmlformats.org/officeDocument/2006/relationships">
+  <p:cSld>
+    <p:spTree>
+      <p:nvGrpSpPr>
+        <p:cNvPr id="1" name=""/>
+        <p:cNvGrpSpPr/>
+        <p:nvPr/>
+      </p:nvGrpSpPr>
+      <p:grpSpPr/>
+      <p:sp>
+        <p:nvSpPr>
+          <p:cNvPr id="2" name="TextBox 1"/>
+          <p:cNvSpPr txBox="1"/>
+          <p:nvPr/>
+        </p:nvSpPr>
+        <p:spPr>
+          <a:xfrm>
+            <a:off x="685800" y="228600"/>
+            <a:ext cx="7772400" cy="2971800"/>
+          </a:xfrm>
+          <a:prstGeom prst="rect">
+            <a:avLst/>
+          </a:prstGeom>
+          <a:noFill/>
+        </p:spPr>
+        <p:txBody>
+          <a:bodyPr wrap="none">
+            <a:spAutoFit/>
+          </a:bodyPr>
+          <a:lstStyle/>
+          <a:p/>
+          <a:p>
+            <a:pPr algn="ctr">
+              <a:lnSpc>
+                <a:spcPts val="4800"/>
+              </a:lnSpc>
+              <a:defRPr sz="4000">
+                <a:solidFill>
+                  <a:srgbClr val="000000"/>
+                </a:solidFill>
+              </a:defRPr>
+            </a:pPr>
+            <a:r>
+              <a:t>พระองค์งดงามตระการ ควรพระบารมี ให้เราร่วมกันยินดี</a:t>
+            </a:r>
+            <a:br/>
+            <a:r>
+              <a:t>ให้เราร่วมกันยินดี พระองค์เป็นความสว่าง</a:t>
+            </a:r>
+            <a:br/>
+            <a:r>
+              <a:t>และความมืดอันตรธาน สะท้านด้วยเสียงพระองค์</a:t>
+            </a:r>
+            <a:br/>
+            <a:r>
+              <a:t>สะท้านด้วยเสียงพระองค์</a:t>
+            </a:r>
+          </a:p>
+        </p:txBody>
+      </p:sp>
+      <p:sp>
+        <p:nvSpPr>
+          <p:cNvPr id="3" name="TextBox 2"/>
+          <p:cNvSpPr txBox="1"/>
+          <p:nvPr/>
+        </p:nvSpPr>
+        <p:spPr>
+          <a:xfrm>
+            <a:off x="685800" y="3657600"/>
+            <a:ext cx="7772400" cy="2971800"/>
+          </a:xfrm>
+          <a:prstGeom prst="rect">
+            <a:avLst/>
+          </a:prstGeom>
+          <a:noFill/>
+        </p:spPr>
+        <p:txBody>
+          <a:bodyPr wrap="square">
+            <a:spAutoFit/>
+          </a:bodyPr>
+          <a:lstStyle/>
+          <a:p/>
+          <a:p>
+            <a:pPr algn="ctr">
+              <a:lnSpc>
+                <a:spcPts val="4800"/>
+              </a:lnSpc>
+              <a:defRPr sz="3500">
+                <a:solidFill>
+                  <a:srgbClr val="3A70BC"/>
+                </a:solidFill>
+              </a:defRPr>
+            </a:pPr>
+            <a:r>
+              <a:t>The splendor of a King, clothed in majesty. Let all the earth rejoice. All the earth rejoice. He wraps himself in Light, and darkness tries to hide. And trembles at His voice. Trembles at His voice.</a:t>
+            </a:r>
+          </a:p>
+        </p:txBody>
+      </p:sp>
+    </p:spTree>
+  </p:cSld>
+  <p:clrMapOvr>
+    <a:masterClrMapping/>
+  </p:clrMapOvr>
+</p:sld>
+</file>
+
+<file path=ppt/slides/slide23.xml><?xml version="1.0" encoding="utf-8"?>
+<p:sld xmlns:a="http://schemas.openxmlformats.org/drawingml/2006/main" xmlns:p="http://schemas.openxmlformats.org/presentationml/2006/main" xmlns:r="http://schemas.openxmlformats.org/officeDocument/2006/relationships">
+  <p:cSld>
+    <p:spTree>
+      <p:nvGrpSpPr>
+        <p:cNvPr id="1" name=""/>
+        <p:cNvGrpSpPr/>
+        <p:nvPr/>
+      </p:nvGrpSpPr>
+      <p:grpSpPr/>
+      <p:sp>
+        <p:nvSpPr>
+          <p:cNvPr id="2" name="TextBox 1"/>
+          <p:cNvSpPr txBox="1"/>
+          <p:nvPr/>
+        </p:nvSpPr>
+        <p:spPr>
+          <a:xfrm>
+            <a:off x="685800" y="228600"/>
+            <a:ext cx="7772400" cy="2971800"/>
+          </a:xfrm>
+          <a:prstGeom prst="rect">
+            <a:avLst/>
+          </a:prstGeom>
+          <a:noFill/>
+        </p:spPr>
+        <p:txBody>
+          <a:bodyPr wrap="none">
+            <a:spAutoFit/>
+          </a:bodyPr>
+          <a:lstStyle/>
+          <a:p/>
+          <a:p>
+            <a:pPr algn="ctr">
+              <a:lnSpc>
+                <a:spcPts val="4800"/>
+              </a:lnSpc>
+              <a:defRPr sz="4000">
+                <a:solidFill>
+                  <a:srgbClr val="000000"/>
+                </a:solidFill>
+              </a:defRPr>
+            </a:pPr>
+            <a:r>
+              <a:t>พระเจ้าทรงยิ่งใหญ่ ร้องสรรเสริญ</a:t>
+            </a:r>
+            <a:br/>
+            <a:r>
+              <a:t>พระเจ้าทรงยิ่งใหญ่ ร้องสรรเสริญ</a:t>
+            </a:r>
+            <a:br/>
+            <a:r>
+              <a:t>พระเจ้า พระเจ้า ทรงยิ่งใหญ่</a:t>
+            </a:r>
+          </a:p>
+        </p:txBody>
+      </p:sp>
+      <p:sp>
+        <p:nvSpPr>
+          <p:cNvPr id="3" name="TextBox 2"/>
+          <p:cNvSpPr txBox="1"/>
+          <p:nvPr/>
+        </p:nvSpPr>
+        <p:spPr>
+          <a:xfrm>
+            <a:off x="685800" y="3657600"/>
+            <a:ext cx="7772400" cy="2971800"/>
+          </a:xfrm>
+          <a:prstGeom prst="rect">
+            <a:avLst/>
+          </a:prstGeom>
+          <a:noFill/>
+        </p:spPr>
+        <p:txBody>
+          <a:bodyPr wrap="none">
+            <a:spAutoFit/>
+          </a:bodyPr>
+          <a:lstStyle/>
+          <a:p/>
+          <a:p>
+            <a:pPr algn="ctr">
+              <a:lnSpc>
+                <a:spcPts val="4800"/>
+              </a:lnSpc>
+              <a:defRPr sz="3500">
+                <a:solidFill>
+                  <a:srgbClr val="3A70BC"/>
+                </a:solidFill>
+              </a:defRPr>
+            </a:pPr>
+            <a:r>
+              <a:t>How great is our God, sing with me</a:t>
+            </a:r>
+            <a:br/>
+            <a:r>
+              <a:t> How great is our God, and all will see</a:t>
+            </a:r>
+            <a:br/>
+            <a:r>
+              <a:t> How great, how great is our God</a:t>
+            </a:r>
+            <a:br/>
+          </a:p>
+        </p:txBody>
+      </p:sp>
+    </p:spTree>
+  </p:cSld>
+  <p:clrMapOvr>
+    <a:masterClrMapping/>
+  </p:clrMapOvr>
+</p:sld>
+</file>
+
+<file path=ppt/slides/slide24.xml><?xml version="1.0" encoding="utf-8"?>
+<p:sld xmlns:a="http://schemas.openxmlformats.org/drawingml/2006/main" xmlns:p="http://schemas.openxmlformats.org/presentationml/2006/main" xmlns:r="http://schemas.openxmlformats.org/officeDocument/2006/relationships">
+  <p:cSld>
+    <p:spTree>
+      <p:nvGrpSpPr>
+        <p:cNvPr id="1" name=""/>
+        <p:cNvGrpSpPr/>
+        <p:nvPr/>
+      </p:nvGrpSpPr>
+      <p:grpSpPr/>
+      <p:sp>
+        <p:nvSpPr>
+          <p:cNvPr id="2" name="TextBox 1"/>
+          <p:cNvSpPr txBox="1"/>
+          <p:nvPr/>
+        </p:nvSpPr>
+        <p:spPr>
+          <a:xfrm>
+            <a:off x="685800" y="228600"/>
+            <a:ext cx="7772400" cy="2971800"/>
+          </a:xfrm>
+          <a:prstGeom prst="rect">
+            <a:avLst/>
+          </a:prstGeom>
+          <a:noFill/>
+        </p:spPr>
+        <p:txBody>
+          <a:bodyPr wrap="none">
+            <a:spAutoFit/>
+          </a:bodyPr>
+          <a:lstStyle/>
+          <a:p/>
+          <a:p>
+            <a:pPr algn="ctr">
+              <a:lnSpc>
+                <a:spcPts val="4800"/>
+              </a:lnSpc>
+              <a:defRPr sz="4000">
+                <a:solidFill>
+                  <a:srgbClr val="000000"/>
+                </a:solidFill>
+              </a:defRPr>
+            </a:pPr>
+            <a:r>
+              <a:t>พระองค์ผู้ทรงครอบครอง และทรงเหนือกาลเวลา</a:t>
+            </a:r>
+            <a:br/>
+            <a:r>
+              <a:t>ทรงเป็นเบื้องต้นเบื้องปลาย ทรงเป็นเบื้องต้นเบื้องปลาย</a:t>
+            </a:r>
+            <a:br/>
+            <a:r>
+              <a:t>พระบิดา พระวิญญาณ พระเยซูพระบุตร ผู้ทรงเป็นจอมราชา</a:t>
+            </a:r>
+            <a:br/>
+            <a:r>
+              <a:t>ผู้ทรงเป็นจอมราชา</a:t>
+            </a:r>
+          </a:p>
+        </p:txBody>
+      </p:sp>
+      <p:sp>
+        <p:nvSpPr>
+          <p:cNvPr id="3" name="TextBox 2"/>
+          <p:cNvSpPr txBox="1"/>
+          <p:nvPr/>
+        </p:nvSpPr>
+        <p:spPr>
+          <a:xfrm>
+            <a:off x="685800" y="3657600"/>
+            <a:ext cx="7772400" cy="2971800"/>
+          </a:xfrm>
+          <a:prstGeom prst="rect">
+            <a:avLst/>
+          </a:prstGeom>
+          <a:noFill/>
+        </p:spPr>
+        <p:txBody>
+          <a:bodyPr wrap="square">
+            <a:spAutoFit/>
+          </a:bodyPr>
+          <a:lstStyle/>
+          <a:p/>
+          <a:p>
+            <a:pPr algn="ctr">
+              <a:lnSpc>
+                <a:spcPts val="4800"/>
+              </a:lnSpc>
+              <a:defRPr sz="3500">
+                <a:solidFill>
+                  <a:srgbClr val="3A70BC"/>
+                </a:solidFill>
+              </a:defRPr>
+            </a:pPr>
+            <a:r>
+              <a:t>Age to age He stands. And time is in His hands. Beginning and the end. Beginning and the end. The Godhead Three in One. Father Spirit Son. The Lion and the Lamb. The Lion and the Lamb.</a:t>
+            </a:r>
+          </a:p>
+        </p:txBody>
+      </p:sp>
+    </p:spTree>
+  </p:cSld>
+  <p:clrMapOvr>
+    <a:masterClrMapping/>
+  </p:clrMapOvr>
+</p:sld>
+</file>
+
+<file path=ppt/slides/slide25.xml><?xml version="1.0" encoding="utf-8"?>
+<p:sld xmlns:a="http://schemas.openxmlformats.org/drawingml/2006/main" xmlns:p="http://schemas.openxmlformats.org/presentationml/2006/main" xmlns:r="http://schemas.openxmlformats.org/officeDocument/2006/relationships">
+  <p:cSld>
+    <p:spTree>
+      <p:nvGrpSpPr>
+        <p:cNvPr id="1" name=""/>
+        <p:cNvGrpSpPr/>
+        <p:nvPr/>
+      </p:nvGrpSpPr>
+      <p:grpSpPr/>
+      <p:sp>
+        <p:nvSpPr>
+          <p:cNvPr id="2" name="TextBox 1"/>
+          <p:cNvSpPr txBox="1"/>
+          <p:nvPr/>
+        </p:nvSpPr>
+        <p:spPr>
+          <a:xfrm>
+            <a:off x="685800" y="228600"/>
+            <a:ext cx="7772400" cy="2971800"/>
+          </a:xfrm>
+          <a:prstGeom prst="rect">
+            <a:avLst/>
+          </a:prstGeom>
+          <a:noFill/>
+        </p:spPr>
+        <p:txBody>
+          <a:bodyPr wrap="none">
+            <a:spAutoFit/>
+          </a:bodyPr>
+          <a:lstStyle/>
+          <a:p/>
+          <a:p>
+            <a:pPr algn="ctr">
+              <a:lnSpc>
+                <a:spcPts val="4800"/>
+              </a:lnSpc>
+              <a:defRPr sz="4000">
+                <a:solidFill>
+                  <a:srgbClr val="000000"/>
+                </a:solidFill>
+              </a:defRPr>
+            </a:pPr>
+            <a:r>
+              <a:t>พระเจ้าทรงยิ่งใหญ่ ร้องสรรเสริญ</a:t>
+            </a:r>
+            <a:br/>
+            <a:r>
+              <a:t>พระเจ้าทรงยิ่งใหญ่ ร้องสรรเสริญ</a:t>
+            </a:r>
+            <a:br/>
+            <a:r>
+              <a:t>พระเจ้า พระเจ้า ทรงยิ่งใหญ่</a:t>
+            </a:r>
+          </a:p>
+        </p:txBody>
+      </p:sp>
+      <p:sp>
+        <p:nvSpPr>
+          <p:cNvPr id="3" name="TextBox 2"/>
+          <p:cNvSpPr txBox="1"/>
+          <p:nvPr/>
+        </p:nvSpPr>
+        <p:spPr>
+          <a:xfrm>
+            <a:off x="685800" y="3657600"/>
+            <a:ext cx="7772400" cy="2971800"/>
+          </a:xfrm>
+          <a:prstGeom prst="rect">
+            <a:avLst/>
+          </a:prstGeom>
+          <a:noFill/>
+        </p:spPr>
+        <p:txBody>
+          <a:bodyPr wrap="none">
+            <a:spAutoFit/>
+          </a:bodyPr>
+          <a:lstStyle/>
+          <a:p/>
+          <a:p>
+            <a:pPr algn="ctr">
+              <a:lnSpc>
+                <a:spcPts val="4800"/>
+              </a:lnSpc>
+              <a:defRPr sz="3500">
+                <a:solidFill>
+                  <a:srgbClr val="3A70BC"/>
+                </a:solidFill>
+              </a:defRPr>
+            </a:pPr>
+            <a:r>
+              <a:t>How great is our God, sing with me</a:t>
+            </a:r>
+            <a:br/>
+            <a:r>
+              <a:t> How great is our God, and all will see</a:t>
+            </a:r>
+            <a:br/>
+            <a:r>
+              <a:t> How great, how great is our God</a:t>
+            </a:r>
+            <a:br/>
+          </a:p>
+        </p:txBody>
+      </p:sp>
+    </p:spTree>
+  </p:cSld>
+  <p:clrMapOvr>
+    <a:masterClrMapping/>
+  </p:clrMapOvr>
+</p:sld>
+</file>
+
+<file path=ppt/slides/slide26.xml><?xml version="1.0" encoding="utf-8"?>
+<p:sld xmlns:a="http://schemas.openxmlformats.org/drawingml/2006/main" xmlns:p="http://schemas.openxmlformats.org/presentationml/2006/main" xmlns:r="http://schemas.openxmlformats.org/officeDocument/2006/relationships">
+  <p:cSld>
+    <p:spTree>
+      <p:nvGrpSpPr>
+        <p:cNvPr id="1" name=""/>
+        <p:cNvGrpSpPr/>
+        <p:nvPr/>
+      </p:nvGrpSpPr>
+      <p:grpSpPr/>
+      <p:sp>
+        <p:nvSpPr>
+          <p:cNvPr id="2" name="TextBox 1"/>
+          <p:cNvSpPr txBox="1"/>
+          <p:nvPr/>
+        </p:nvSpPr>
+        <p:spPr>
+          <a:xfrm>
+            <a:off x="685800" y="228600"/>
+            <a:ext cx="7772400" cy="2971800"/>
+          </a:xfrm>
+          <a:prstGeom prst="rect">
+            <a:avLst/>
+          </a:prstGeom>
+          <a:noFill/>
+        </p:spPr>
+        <p:txBody>
+          <a:bodyPr wrap="none">
+            <a:spAutoFit/>
+          </a:bodyPr>
+          <a:lstStyle/>
+          <a:p/>
+          <a:p>
+            <a:pPr algn="ctr">
+              <a:lnSpc>
+                <a:spcPts val="4800"/>
+              </a:lnSpc>
+              <a:defRPr sz="4000">
+                <a:solidFill>
+                  <a:srgbClr val="000000"/>
+                </a:solidFill>
+              </a:defRPr>
+            </a:pPr>
+            <a:r>
+              <a:t>พระนามเหนือนามทั้งปวง</a:t>
+            </a:r>
+            <a:br/>
+            <a:r>
+              <a:t>ควรคู่คำสรรเสริญ จิตใจฉันร้อง</a:t>
+            </a:r>
+            <a:br/>
+            <a:r>
+              <a:t>พระเจ้าทรงยิ่งใหญ่</a:t>
+            </a:r>
+          </a:p>
+        </p:txBody>
+      </p:sp>
+      <p:sp>
+        <p:nvSpPr>
+          <p:cNvPr id="3" name="TextBox 2"/>
+          <p:cNvSpPr txBox="1"/>
+          <p:nvPr/>
+        </p:nvSpPr>
+        <p:spPr>
+          <a:xfrm>
+            <a:off x="685800" y="3657600"/>
+            <a:ext cx="7772400" cy="2971800"/>
+          </a:xfrm>
+          <a:prstGeom prst="rect">
+            <a:avLst/>
+          </a:prstGeom>
+          <a:noFill/>
+        </p:spPr>
+        <p:txBody>
+          <a:bodyPr wrap="none">
+            <a:spAutoFit/>
+          </a:bodyPr>
+          <a:lstStyle/>
+          <a:p/>
+          <a:p>
+            <a:pPr algn="ctr">
+              <a:lnSpc>
+                <a:spcPts val="4800"/>
+              </a:lnSpc>
+              <a:defRPr sz="3500">
+                <a:solidFill>
+                  <a:srgbClr val="3A70BC"/>
+                </a:solidFill>
+              </a:defRPr>
+            </a:pPr>
+            <a:r>
+              <a:t>Name above all names</a:t>
+            </a:r>
+            <a:br/>
+            <a:r>
+              <a:t> Worthy of our praise</a:t>
+            </a:r>
+            <a:br/>
+            <a:r>
+              <a:t> My heart will sing. How great is our God</a:t>
+            </a:r>
+            <a:br/>
+          </a:p>
+        </p:txBody>
+      </p:sp>
+    </p:spTree>
+  </p:cSld>
+  <p:clrMapOvr>
+    <a:masterClrMapping/>
+  </p:clrMapOvr>
+</p:sld>
+</file>
+
+<file path=ppt/slides/slide27.xml><?xml version="1.0" encoding="utf-8"?>
+<p:sld xmlns:a="http://schemas.openxmlformats.org/drawingml/2006/main" xmlns:p="http://schemas.openxmlformats.org/presentationml/2006/main" xmlns:r="http://schemas.openxmlformats.org/officeDocument/2006/relationships">
+  <p:cSld>
+    <p:spTree>
+      <p:nvGrpSpPr>
+        <p:cNvPr id="1" name=""/>
+        <p:cNvGrpSpPr/>
+        <p:nvPr/>
+      </p:nvGrpSpPr>
+      <p:grpSpPr/>
+      <p:sp>
+        <p:nvSpPr>
+          <p:cNvPr id="2" name="TextBox 1"/>
+          <p:cNvSpPr txBox="1"/>
+          <p:nvPr/>
+        </p:nvSpPr>
+        <p:spPr>
+          <a:xfrm>
+            <a:off x="685800" y="228600"/>
+            <a:ext cx="7772400" cy="2971800"/>
+          </a:xfrm>
+          <a:prstGeom prst="rect">
+            <a:avLst/>
+          </a:prstGeom>
+          <a:noFill/>
+        </p:spPr>
+        <p:txBody>
+          <a:bodyPr wrap="none">
+            <a:spAutoFit/>
+          </a:bodyPr>
+          <a:lstStyle/>
+          <a:p/>
+          <a:p>
+            <a:pPr algn="ctr">
+              <a:lnSpc>
+                <a:spcPts val="4800"/>
+              </a:lnSpc>
+              <a:defRPr sz="4000">
+                <a:solidFill>
+                  <a:srgbClr val="000000"/>
+                </a:solidFill>
+              </a:defRPr>
+            </a:pPr>
+            <a:r>
+              <a:t>พระเจ้าทรงยิ่งใหญ่ ร้องสรรเสริญ</a:t>
+            </a:r>
+            <a:br/>
+            <a:r>
+              <a:t>พระเจ้าทรงยิ่งใหญ่ ร้องสรรเสริญ</a:t>
+            </a:r>
+            <a:br/>
+            <a:r>
+              <a:t>พระเจ้า พระเจ้า ทรงยิ่งใหญ่</a:t>
+            </a:r>
+          </a:p>
+        </p:txBody>
+      </p:sp>
+      <p:sp>
+        <p:nvSpPr>
+          <p:cNvPr id="3" name="TextBox 2"/>
+          <p:cNvSpPr txBox="1"/>
+          <p:nvPr/>
+        </p:nvSpPr>
+        <p:spPr>
+          <a:xfrm>
+            <a:off x="685800" y="3657600"/>
+            <a:ext cx="7772400" cy="2971800"/>
+          </a:xfrm>
+          <a:prstGeom prst="rect">
+            <a:avLst/>
+          </a:prstGeom>
+          <a:noFill/>
+        </p:spPr>
+        <p:txBody>
+          <a:bodyPr wrap="none">
+            <a:spAutoFit/>
+          </a:bodyPr>
+          <a:lstStyle/>
+          <a:p/>
+          <a:p>
+            <a:pPr algn="ctr">
+              <a:lnSpc>
+                <a:spcPts val="4800"/>
+              </a:lnSpc>
+              <a:defRPr sz="3500">
+                <a:solidFill>
+                  <a:srgbClr val="3A70BC"/>
+                </a:solidFill>
+              </a:defRPr>
+            </a:pPr>
+            <a:r>
+              <a:t>How great is our God, sing with me</a:t>
+            </a:r>
+            <a:br/>
+            <a:r>
+              <a:t> How great is our God, and all will see</a:t>
+            </a:r>
+            <a:br/>
+            <a:r>
+              <a:t> How great, how great is our God</a:t>
+            </a:r>
+            <a:br/>
+          </a:p>
+        </p:txBody>
+      </p:sp>
+    </p:spTree>
+  </p:cSld>
+  <p:clrMapOvr>
+    <a:masterClrMapping/>
+  </p:clrMapOvr>
+</p:sld>
+</file>
+
+<file path=ppt/slides/slide28.xml><?xml version="1.0" encoding="utf-8"?>
+<p:sld xmlns:a="http://schemas.openxmlformats.org/drawingml/2006/main" xmlns:p="http://schemas.openxmlformats.org/presentationml/2006/main" xmlns:r="http://schemas.openxmlformats.org/officeDocument/2006/relationships">
+  <p:cSld>
+    <p:spTree>
+      <p:nvGrpSpPr>
+        <p:cNvPr id="1" name=""/>
+        <p:cNvGrpSpPr/>
+        <p:nvPr/>
+      </p:nvGrpSpPr>
+      <p:grpSpPr/>
+      <p:sp>
+        <p:nvSpPr>
+          <p:cNvPr id="2" name="Title 1"/>
+          <p:cNvSpPr>
+            <a:spLocks noGrp="1"/>
+          </p:cNvSpPr>
+          <p:nvPr>
+            <p:ph type="ctrTitle"/>
+          </p:nvPr>
+        </p:nvSpPr>
+        <p:spPr/>
+        <p:txBody>
+          <a:bodyPr/>
+          <a:lstStyle/>
+          <a:p>
+            <a:r>
+              <a:t>หัวใจผู้รับใช้</a:t>
+            </a:r>
+          </a:p>
+        </p:txBody>
+      </p:sp>
+      <p:sp>
+        <p:nvSpPr>
+          <p:cNvPr id="3" name="Subtitle 2"/>
+          <p:cNvSpPr>
+            <a:spLocks noGrp="1"/>
+          </p:cNvSpPr>
+          <p:nvPr>
+            <p:ph type="subTitle" idx="1"/>
+          </p:nvPr>
+        </p:nvSpPr>
+        <p:spPr/>
+        <p:txBody>
+          <a:bodyPr/>
+          <a:lstStyle/>
+          <a:p/>
+        </p:txBody>
+      </p:sp>
+    </p:spTree>
+  </p:cSld>
+  <p:clrMapOvr>
+    <a:masterClrMapping/>
+  </p:clrMapOvr>
+</p:sld>
+</file>
+
+<file path=ppt/slides/slide29.xml><?xml version="1.0" encoding="utf-8"?>
+<p:sld xmlns:a="http://schemas.openxmlformats.org/drawingml/2006/main" xmlns:p="http://schemas.openxmlformats.org/presentationml/2006/main" xmlns:r="http://schemas.openxmlformats.org/officeDocument/2006/relationships">
+  <p:cSld>
+    <p:spTree>
+      <p:nvGrpSpPr>
+        <p:cNvPr id="1" name=""/>
+        <p:cNvGrpSpPr/>
+        <p:nvPr/>
+      </p:nvGrpSpPr>
+      <p:grpSpPr/>
+      <p:sp>
+        <p:nvSpPr>
+          <p:cNvPr id="2" name="TextBox 1"/>
+          <p:cNvSpPr txBox="1"/>
+          <p:nvPr/>
+        </p:nvSpPr>
+        <p:spPr>
+          <a:xfrm>
+            <a:off x="914400" y="457200"/>
+            <a:ext cx="7315200" cy="5486400"/>
+          </a:xfrm>
+          <a:prstGeom prst="rect">
+            <a:avLst/>
+          </a:prstGeom>
+          <a:noFill/>
+        </p:spPr>
+        <p:txBody>
+          <a:bodyPr wrap="none">
+            <a:spAutoFit/>
+          </a:bodyPr>
+          <a:lstStyle/>
+          <a:p/>
+          <a:p>
+            <a:pPr algn="ctr">
+              <a:lnSpc>
+                <a:spcPts val="4800"/>
+              </a:lnSpc>
+              <a:defRPr sz="4000">
+                <a:solidFill>
+                  <a:srgbClr val="000000"/>
+                </a:solidFill>
+              </a:defRPr>
+            </a:pPr>
+            <a:r>
+              <a:t>สุดรักและสุดหวง ถนอมดังแก้วตา</a:t>
+            </a:r>
+            <a:br/>
+            <a:r>
+              <a:t>ดุจดังบิดาที่รักลูก ปลูกฝังสร้างชีวิต</a:t>
+            </a:r>
+            <a:br/>
+            <a:r>
+              <a:t>อุทิศทั้งจิตใจ หวังเพียงให้เจ้าเติบโต</a:t>
+            </a:r>
+            <a:br/>
+            <a:r>
+              <a:t>จากวันที่เกิดมา ลูกจ๋าพ่อห่วงใย</a:t>
+            </a:r>
+            <a:br/>
+            <a:r>
+              <a:t>ดูแลอยู่ใกล้ไม่ทิ้งห่าง เมื่อยามมีปัญหา</a:t>
+            </a:r>
+            <a:br/>
+            <a:r>
+              <a:t>เข้ามาช่วยแก้ไข นี่แหละใจผู้รับใช้</a:t>
+            </a:r>
           </a:p>
         </p:txBody>
       </p:sp>
@@ -3893,42 +4997,287 @@
       <p:grpSpPr/>
       <p:sp>
         <p:nvSpPr>
-          <p:cNvPr id="2" name="Title 1"/>
-          <p:cNvSpPr>
-            <a:spLocks noGrp="1"/>
-          </p:cNvSpPr>
-          <p:nvPr>
-            <p:ph type="ctrTitle"/>
-          </p:nvPr>
-        </p:nvSpPr>
-        <p:spPr/>
-        <p:txBody>
-          <a:bodyPr/>
-          <a:lstStyle/>
-          <a:p>
-            <a:r>
-              <a:t>เราเป็นหนึ่งในความรักพระคริสต์</a:t>
-            </a:r>
-          </a:p>
-        </p:txBody>
-      </p:sp>
-      <p:sp>
-        <p:nvSpPr>
-          <p:cNvPr id="3" name="Subtitle 2"/>
-          <p:cNvSpPr>
-            <a:spLocks noGrp="1"/>
-          </p:cNvSpPr>
-          <p:nvPr>
-            <p:ph type="subTitle" idx="1"/>
-          </p:nvPr>
-        </p:nvSpPr>
-        <p:spPr/>
-        <p:txBody>
-          <a:bodyPr/>
-          <a:lstStyle/>
-          <a:p>
-            <a:r>
-              <a:t>We are one in the bond of love.</a:t>
+          <p:cNvPr id="2" name="TextBox 1"/>
+          <p:cNvSpPr txBox="1"/>
+          <p:nvPr/>
+        </p:nvSpPr>
+        <p:spPr>
+          <a:xfrm>
+            <a:off x="914400" y="457200"/>
+            <a:ext cx="7315200" cy="5486400"/>
+          </a:xfrm>
+          <a:prstGeom prst="rect">
+            <a:avLst/>
+          </a:prstGeom>
+          <a:noFill/>
+        </p:spPr>
+        <p:txBody>
+          <a:bodyPr wrap="none">
+            <a:spAutoFit/>
+          </a:bodyPr>
+          <a:lstStyle/>
+          <a:p/>
+          <a:p>
+            <a:pPr algn="ctr">
+              <a:lnSpc>
+                <a:spcPts val="5900"/>
+              </a:lnSpc>
+              <a:defRPr sz="4000">
+                <a:solidFill>
+                  <a:srgbClr val="000000"/>
+                </a:solidFill>
+              </a:defRPr>
+            </a:pPr>
+            <a:r>
+              <a:t>You came from Heaven to earth to show the way</a:t>
+            </a:r>
+            <a:br/>
+            <a:r>
+              <a:t> From the earth to the cross my debt to pay</a:t>
+            </a:r>
+            <a:br/>
+            <a:r>
+              <a:t>From the cross to the grave</a:t>
+            </a:r>
+            <a:br/>
+            <a:r>
+              <a:t> From the grave to the sky</a:t>
+            </a:r>
+            <a:br/>
+            <a:r>
+              <a:t> Lord, I lift Your name on high</a:t>
+            </a:r>
+            <a:br/>
+          </a:p>
+        </p:txBody>
+      </p:sp>
+    </p:spTree>
+  </p:cSld>
+  <p:clrMapOvr>
+    <a:masterClrMapping/>
+  </p:clrMapOvr>
+</p:sld>
+</file>
+
+<file path=ppt/slides/slide30.xml><?xml version="1.0" encoding="utf-8"?>
+<p:sld xmlns:a="http://schemas.openxmlformats.org/drawingml/2006/main" xmlns:p="http://schemas.openxmlformats.org/presentationml/2006/main" xmlns:r="http://schemas.openxmlformats.org/officeDocument/2006/relationships">
+  <p:cSld>
+    <p:spTree>
+      <p:nvGrpSpPr>
+        <p:cNvPr id="1" name=""/>
+        <p:cNvGrpSpPr/>
+        <p:nvPr/>
+      </p:nvGrpSpPr>
+      <p:grpSpPr/>
+      <p:sp>
+        <p:nvSpPr>
+          <p:cNvPr id="2" name="TextBox 1"/>
+          <p:cNvSpPr txBox="1"/>
+          <p:nvPr/>
+        </p:nvSpPr>
+        <p:spPr>
+          <a:xfrm>
+            <a:off x="914400" y="457200"/>
+            <a:ext cx="7315200" cy="5486400"/>
+          </a:xfrm>
+          <a:prstGeom prst="rect">
+            <a:avLst/>
+          </a:prstGeom>
+          <a:noFill/>
+        </p:spPr>
+        <p:txBody>
+          <a:bodyPr wrap="none">
+            <a:spAutoFit/>
+          </a:bodyPr>
+          <a:lstStyle/>
+          <a:p/>
+          <a:p>
+            <a:pPr algn="ctr">
+              <a:lnSpc>
+                <a:spcPts val="4800"/>
+              </a:lnSpc>
+              <a:defRPr sz="4000">
+                <a:solidFill>
+                  <a:srgbClr val="000000"/>
+                </a:solidFill>
+              </a:defRPr>
+            </a:pPr>
+            <a:r>
+              <a:t>จะทุ่มเทร่างกาย จิตใจและวิญญาณ</a:t>
+            </a:r>
+            <a:br/>
+            <a:r>
+              <a:t>ทุกโมงยามสั่งสอนเทศนา ด้วยมานะและอดทน</a:t>
+            </a:r>
+            <a:br/>
+            <a:r>
+              <a:t>ต่อสู้ไม่เคยหวั่น ในใจนั้นหวังเพียงเจ้าเติบโต</a:t>
+            </a:r>
+            <a:br/>
+            <a:r>
+              <a:t>ไม่ว่าเป็นหรือตาย กลับกลายเป็นผงคลี</a:t>
+            </a:r>
+            <a:br/>
+            <a:r>
+              <a:t>จะไม่หนีจากทางที่มุ่งหวัง เปี่ยมพลังที่ฝังใจ</a:t>
+            </a:r>
+            <a:br/>
+            <a:r>
+              <a:t>หลักชัยที่หมายมั่น รอวันนั้นรางวัลแห่งศักดิ์ศรี</a:t>
+            </a:r>
+          </a:p>
+        </p:txBody>
+      </p:sp>
+    </p:spTree>
+  </p:cSld>
+  <p:clrMapOvr>
+    <a:masterClrMapping/>
+  </p:clrMapOvr>
+</p:sld>
+</file>
+
+<file path=ppt/slides/slide31.xml><?xml version="1.0" encoding="utf-8"?>
+<p:sld xmlns:a="http://schemas.openxmlformats.org/drawingml/2006/main" xmlns:p="http://schemas.openxmlformats.org/presentationml/2006/main" xmlns:r="http://schemas.openxmlformats.org/officeDocument/2006/relationships">
+  <p:cSld>
+    <p:spTree>
+      <p:nvGrpSpPr>
+        <p:cNvPr id="1" name=""/>
+        <p:cNvGrpSpPr/>
+        <p:nvPr/>
+      </p:nvGrpSpPr>
+      <p:grpSpPr/>
+      <p:sp>
+        <p:nvSpPr>
+          <p:cNvPr id="2" name="TextBox 1"/>
+          <p:cNvSpPr txBox="1"/>
+          <p:nvPr/>
+        </p:nvSpPr>
+        <p:spPr>
+          <a:xfrm>
+            <a:off x="914400" y="457200"/>
+            <a:ext cx="7315200" cy="5486400"/>
+          </a:xfrm>
+          <a:prstGeom prst="rect">
+            <a:avLst/>
+          </a:prstGeom>
+          <a:noFill/>
+        </p:spPr>
+        <p:txBody>
+          <a:bodyPr wrap="none">
+            <a:spAutoFit/>
+          </a:bodyPr>
+          <a:lstStyle/>
+          <a:p/>
+          <a:p>
+            <a:pPr algn="ctr">
+              <a:lnSpc>
+                <a:spcPts val="4800"/>
+              </a:lnSpc>
+              <a:defRPr sz="4000">
+                <a:solidFill>
+                  <a:srgbClr val="000000"/>
+                </a:solidFill>
+              </a:defRPr>
+            </a:pPr>
+            <a:r>
+              <a:t>สุดรักสุดบูชา เสาะหาน้ำพระทัย</a:t>
+            </a:r>
+            <a:br/>
+            <a:r>
+              <a:t>ถ่อมจิตใจในพระเจ้า เชื่อฟังพระบัญชา</a:t>
+            </a:r>
+            <a:br/>
+            <a:r>
+              <a:t>สั่งว่าจงเลี้ยงดู ฝูงแกะที่เราได้มอบหมาย</a:t>
+            </a:r>
+            <a:br/>
+            <a:r>
+              <a:t>ไม่คิดจะท้อแท้ หากแม้กายเสื่อมไป</a:t>
+            </a:r>
+            <a:br/>
+            <a:r>
+              <a:t>แต่จิตใจจำเริญขึ้น ต่อสู้สุดกำลัง</a:t>
+            </a:r>
+            <a:br/>
+            <a:r>
+              <a:t>แข่งขันถึงจุดหมาย จนชีพวายใต้กางเขน</a:t>
+            </a:r>
+          </a:p>
+        </p:txBody>
+      </p:sp>
+    </p:spTree>
+  </p:cSld>
+  <p:clrMapOvr>
+    <a:masterClrMapping/>
+  </p:clrMapOvr>
+</p:sld>
+</file>
+
+<file path=ppt/slides/slide32.xml><?xml version="1.0" encoding="utf-8"?>
+<p:sld xmlns:a="http://schemas.openxmlformats.org/drawingml/2006/main" xmlns:p="http://schemas.openxmlformats.org/presentationml/2006/main" xmlns:r="http://schemas.openxmlformats.org/officeDocument/2006/relationships">
+  <p:cSld>
+    <p:spTree>
+      <p:nvGrpSpPr>
+        <p:cNvPr id="1" name=""/>
+        <p:cNvGrpSpPr/>
+        <p:nvPr/>
+      </p:nvGrpSpPr>
+      <p:grpSpPr/>
+      <p:sp>
+        <p:nvSpPr>
+          <p:cNvPr id="2" name="TextBox 1"/>
+          <p:cNvSpPr txBox="1"/>
+          <p:nvPr/>
+        </p:nvSpPr>
+        <p:spPr>
+          <a:xfrm>
+            <a:off x="914400" y="457200"/>
+            <a:ext cx="7315200" cy="5486400"/>
+          </a:xfrm>
+          <a:prstGeom prst="rect">
+            <a:avLst/>
+          </a:prstGeom>
+          <a:noFill/>
+        </p:spPr>
+        <p:txBody>
+          <a:bodyPr wrap="none">
+            <a:spAutoFit/>
+          </a:bodyPr>
+          <a:lstStyle/>
+          <a:p/>
+          <a:p>
+            <a:pPr algn="ctr">
+              <a:lnSpc>
+                <a:spcPts val="4800"/>
+              </a:lnSpc>
+              <a:defRPr sz="4000">
+                <a:solidFill>
+                  <a:srgbClr val="000000"/>
+                </a:solidFill>
+              </a:defRPr>
+            </a:pPr>
+            <a:r>
+              <a:t>จะทุ่มเทร่างกาย จิตใจและวิญญาณ</a:t>
+            </a:r>
+            <a:br/>
+            <a:r>
+              <a:t>ทุกโมงยามสั่งสอนเทศนา ด้วยมานะและอดทน</a:t>
+            </a:r>
+            <a:br/>
+            <a:r>
+              <a:t>ต่อสู้ไม่เคยหวั่น ในใจนั้นหวังเพียงเจ้าเติบโต</a:t>
+            </a:r>
+            <a:br/>
+            <a:r>
+              <a:t>ไม่ว่าเป็นหรือตาย กลับกลายเป็นผงคลี</a:t>
+            </a:r>
+            <a:br/>
+            <a:r>
+              <a:t>จะไม่หนีจากทางที่มุ่งหวัง เปี่ยมพลังที่ฝังใจ</a:t>
+            </a:r>
+            <a:br/>
+            <a:r>
+              <a:t>หลักชัยที่หมายมั่น รอวันนั้นรางวัลแห่งศักดิ์ศรี</a:t>
             </a:r>
           </a:p>
         </p:txBody>
@@ -3953,78 +5302,38 @@
       <p:grpSpPr/>
       <p:sp>
         <p:nvSpPr>
-          <p:cNvPr id="2" name="TextBox 1"/>
-          <p:cNvSpPr txBox="1"/>
-          <p:nvPr/>
-        </p:nvSpPr>
-        <p:spPr>
-          <a:xfrm>
-            <a:off x="685800" y="228600"/>
-            <a:ext cx="7772400" cy="2971800"/>
-          </a:xfrm>
-          <a:prstGeom prst="rect">
-            <a:avLst/>
-          </a:prstGeom>
-          <a:noFill/>
-        </p:spPr>
-        <p:txBody>
-          <a:bodyPr wrap="square">
-            <a:spAutoFit/>
-          </a:bodyPr>
+          <p:cNvPr id="2" name="Title 1"/>
+          <p:cNvSpPr>
+            <a:spLocks noGrp="1"/>
+          </p:cNvSpPr>
+          <p:nvPr>
+            <p:ph type="ctrTitle"/>
+          </p:nvPr>
+        </p:nvSpPr>
+        <p:spPr/>
+        <p:txBody>
+          <a:bodyPr/>
           <a:lstStyle/>
           <a:p/>
-          <a:p>
-            <a:pPr algn="ctr">
-              <a:lnSpc>
-                <a:spcPts val="4800"/>
-              </a:lnSpc>
-              <a:defRPr sz="4500">
-                <a:solidFill>
-                  <a:srgbClr val="000000"/>
-                </a:solidFill>
-              </a:defRPr>
-            </a:pPr>
-            <a:r>
-              <a:t>เราเป็นหนึ่งในความรักพระคริสต์ เราเป็นหนึ่งในความรักพระคริสต์ วิญญาณจิตเราผูกพันกับองค์พระวิญญาณ เราเป็นหนึ่งในความรักพระคริสต์</a:t>
-            </a:r>
-          </a:p>
-        </p:txBody>
-      </p:sp>
-      <p:sp>
-        <p:nvSpPr>
-          <p:cNvPr id="3" name="TextBox 2"/>
-          <p:cNvSpPr txBox="1"/>
-          <p:nvPr/>
-        </p:nvSpPr>
-        <p:spPr>
-          <a:xfrm>
-            <a:off x="685800" y="3657600"/>
-            <a:ext cx="7772400" cy="2971800"/>
-          </a:xfrm>
-          <a:prstGeom prst="rect">
-            <a:avLst/>
-          </a:prstGeom>
-          <a:noFill/>
-        </p:spPr>
-        <p:txBody>
-          <a:bodyPr wrap="square">
-            <a:spAutoFit/>
-          </a:bodyPr>
-          <a:lstStyle/>
-          <a:p/>
-          <a:p>
-            <a:pPr algn="ctr">
-              <a:lnSpc>
-                <a:spcPts val="4800"/>
-              </a:lnSpc>
-              <a:defRPr sz="3500">
-                <a:solidFill>
-                  <a:srgbClr val="3A70BC"/>
-                </a:solidFill>
-              </a:defRPr>
-            </a:pPr>
-            <a:r>
-              <a:t>We are one in the bond of love. We are one in the bond of love. We have join our spirit with Spirit of God. We are one in the bond of love.</a:t>
+        </p:txBody>
+      </p:sp>
+      <p:sp>
+        <p:nvSpPr>
+          <p:cNvPr id="3" name="Subtitle 2"/>
+          <p:cNvSpPr>
+            <a:spLocks noGrp="1"/>
+          </p:cNvSpPr>
+          <p:nvPr>
+            <p:ph type="subTitle" idx="1"/>
+          </p:nvPr>
+        </p:nvSpPr>
+        <p:spPr/>
+        <p:txBody>
+          <a:bodyPr/>
+          <a:lstStyle/>
+          <a:p>
+            <a:r>
+              <a:t>Step by Step</a:t>
             </a:r>
           </a:p>
         </p:txBody>
@@ -4055,8 +5364,8 @@
         </p:nvSpPr>
         <p:spPr>
           <a:xfrm>
-            <a:off x="685800" y="228600"/>
-            <a:ext cx="7772400" cy="2971800"/>
+            <a:off x="914400" y="457200"/>
+            <a:ext cx="7315200" cy="5486400"/>
           </a:xfrm>
           <a:prstGeom prst="rect">
             <a:avLst/>
@@ -4064,7 +5373,7 @@
           <a:noFill/>
         </p:spPr>
         <p:txBody>
-          <a:bodyPr wrap="square">
+          <a:bodyPr wrap="none">
             <a:spAutoFit/>
           </a:bodyPr>
           <a:lstStyle/>
@@ -4072,56 +5381,26 @@
           <a:p>
             <a:pPr algn="ctr">
               <a:lnSpc>
-                <a:spcPts val="4800"/>
+                <a:spcPts val="16100"/>
               </a:lnSpc>
-              <a:defRPr sz="4500">
+              <a:defRPr sz="4000">
                 <a:solidFill>
                   <a:srgbClr val="000000"/>
                 </a:solidFill>
               </a:defRPr>
             </a:pPr>
             <a:r>
-              <a:t>ขอให้เราร่วมร้องเพลงกันเถิด เปิดดวงใจรับความรักพระเจ้า ให้เราจับมือกันและประกาศให้โลกรู้ เราเป็นหนึ่งในความรักพระคริสต์</a:t>
-            </a:r>
-          </a:p>
-        </p:txBody>
-      </p:sp>
-      <p:sp>
-        <p:nvSpPr>
-          <p:cNvPr id="3" name="TextBox 2"/>
-          <p:cNvSpPr txBox="1"/>
-          <p:nvPr/>
-        </p:nvSpPr>
-        <p:spPr>
-          <a:xfrm>
-            <a:off x="685800" y="3657600"/>
-            <a:ext cx="7772400" cy="2971800"/>
-          </a:xfrm>
-          <a:prstGeom prst="rect">
-            <a:avLst/>
-          </a:prstGeom>
-          <a:noFill/>
-        </p:spPr>
-        <p:txBody>
-          <a:bodyPr wrap="square">
-            <a:spAutoFit/>
-          </a:bodyPr>
-          <a:lstStyle/>
-          <a:p/>
-          <a:p>
-            <a:pPr algn="ctr">
-              <a:lnSpc>
-                <a:spcPts val="4800"/>
-              </a:lnSpc>
-              <a:defRPr sz="3500">
-                <a:solidFill>
-                  <a:srgbClr val="3A70BC"/>
-                </a:solidFill>
-              </a:defRPr>
-            </a:pPr>
-            <a:r>
-              <a:t>Let us sing now, ev'ry one; Let us feel His love begun. Let us join our hands, that the world will know; We are one in the bond of love.</a:t>
-            </a:r>
+              <a:t>Oh God, You are my God</a:t>
+            </a:r>
+            <a:br/>
+            <a:r>
+              <a:t> Oh God, You are my God</a:t>
+            </a:r>
+            <a:br/>
+            <a:r>
+              <a:t> And I will ever praise You</a:t>
+            </a:r>
+            <a:br/>
           </a:p>
         </p:txBody>
       </p:sp>
@@ -4145,39 +5424,53 @@
       <p:grpSpPr/>
       <p:sp>
         <p:nvSpPr>
-          <p:cNvPr id="2" name="Title 1"/>
-          <p:cNvSpPr>
-            <a:spLocks noGrp="1"/>
-          </p:cNvSpPr>
-          <p:nvPr>
-            <p:ph type="ctrTitle"/>
-          </p:nvPr>
-        </p:nvSpPr>
-        <p:spPr/>
-        <p:txBody>
-          <a:bodyPr/>
+          <p:cNvPr id="2" name="TextBox 1"/>
+          <p:cNvSpPr txBox="1"/>
+          <p:nvPr/>
+        </p:nvSpPr>
+        <p:spPr>
+          <a:xfrm>
+            <a:off x="914400" y="457200"/>
+            <a:ext cx="7315200" cy="5486400"/>
+          </a:xfrm>
+          <a:prstGeom prst="rect">
+            <a:avLst/>
+          </a:prstGeom>
+          <a:noFill/>
+        </p:spPr>
+        <p:txBody>
+          <a:bodyPr wrap="none">
+            <a:spAutoFit/>
+          </a:bodyPr>
           <a:lstStyle/>
           <a:p/>
-        </p:txBody>
-      </p:sp>
-      <p:sp>
-        <p:nvSpPr>
-          <p:cNvPr id="3" name="Subtitle 2"/>
-          <p:cNvSpPr>
-            <a:spLocks noGrp="1"/>
-          </p:cNvSpPr>
-          <p:nvPr>
-            <p:ph type="subTitle" idx="1"/>
-          </p:nvPr>
-        </p:nvSpPr>
-        <p:spPr/>
-        <p:txBody>
-          <a:bodyPr/>
-          <a:lstStyle/>
-          <a:p>
-            <a:r>
-              <a:t>Step by Step</a:t>
-            </a:r>
+          <a:p>
+            <a:pPr algn="ctr">
+              <a:lnSpc>
+                <a:spcPts val="9500"/>
+              </a:lnSpc>
+              <a:defRPr sz="4000">
+                <a:solidFill>
+                  <a:srgbClr val="000000"/>
+                </a:solidFill>
+              </a:defRPr>
+            </a:pPr>
+            <a:r>
+              <a:t>I will seek You in the morning</a:t>
+            </a:r>
+            <a:br/>
+            <a:r>
+              <a:t> And I will learn to walk in Your ways</a:t>
+            </a:r>
+            <a:br/>
+            <a:r>
+              <a:t> And Step by step You'll lead me</a:t>
+            </a:r>
+            <a:br/>
+            <a:r>
+              <a:t> And I will follow You all of my days</a:t>
+            </a:r>
+            <a:br/>
           </a:p>
         </p:txBody>
       </p:sp>
@@ -4201,49 +5494,39 @@
       <p:grpSpPr/>
       <p:sp>
         <p:nvSpPr>
-          <p:cNvPr id="2" name="TextBox 1"/>
-          <p:cNvSpPr txBox="1"/>
-          <p:nvPr/>
-        </p:nvSpPr>
-        <p:spPr>
-          <a:xfrm>
-            <a:off x="914400" y="457200"/>
-            <a:ext cx="7315200" cy="5486400"/>
-          </a:xfrm>
-          <a:prstGeom prst="rect">
-            <a:avLst/>
-          </a:prstGeom>
-          <a:noFill/>
-        </p:spPr>
-        <p:txBody>
-          <a:bodyPr wrap="none">
-            <a:spAutoFit/>
-          </a:bodyPr>
+          <p:cNvPr id="2" name="Title 1"/>
+          <p:cNvSpPr>
+            <a:spLocks noGrp="1"/>
+          </p:cNvSpPr>
+          <p:nvPr>
+            <p:ph type="ctrTitle"/>
+          </p:nvPr>
+        </p:nvSpPr>
+        <p:spPr/>
+        <p:txBody>
+          <a:bodyPr/>
           <a:lstStyle/>
           <a:p/>
-          <a:p>
-            <a:pPr algn="ctr">
-              <a:lnSpc>
-                <a:spcPts val="16200"/>
-              </a:lnSpc>
-              <a:defRPr sz="4500">
-                <a:solidFill>
-                  <a:srgbClr val="000000"/>
-                </a:solidFill>
-              </a:defRPr>
-            </a:pPr>
-            <a:r>
-              <a:t>Oh God, You are my God</a:t>
-            </a:r>
-            <a:br/>
-            <a:r>
-              <a:t> Oh God, You are my God</a:t>
-            </a:r>
-            <a:br/>
-            <a:r>
-              <a:t> And I will ever praise You</a:t>
-            </a:r>
-            <a:br/>
+        </p:txBody>
+      </p:sp>
+      <p:sp>
+        <p:nvSpPr>
+          <p:cNvPr id="3" name="Subtitle 2"/>
+          <p:cNvSpPr>
+            <a:spLocks noGrp="1"/>
+          </p:cNvSpPr>
+          <p:nvPr>
+            <p:ph type="subTitle" idx="1"/>
+          </p:nvPr>
+        </p:nvSpPr>
+        <p:spPr/>
+        <p:txBody>
+          <a:bodyPr/>
+          <a:lstStyle/>
+          <a:p>
+            <a:r>
+              <a:t>Who am I</a:t>
+            </a:r>
           </a:p>
         </p:txBody>
       </p:sp>
@@ -4290,30 +5573,37 @@
           <a:p>
             <a:pPr algn="ctr">
               <a:lnSpc>
-                <a:spcPts val="9600"/>
+                <a:spcPts val="4800"/>
               </a:lnSpc>
-              <a:defRPr sz="4500">
+              <a:defRPr sz="4000">
                 <a:solidFill>
                   <a:srgbClr val="000000"/>
                 </a:solidFill>
               </a:defRPr>
             </a:pPr>
             <a:r>
-              <a:t>I will seek You in the morning</a:t>
-            </a:r>
-            <a:br/>
-            <a:r>
-              <a:t> And I will learn to walk in Your ways</a:t>
-            </a:r>
-            <a:br/>
-            <a:r>
-              <a:t> And Step by step You'll lead me</a:t>
-            </a:r>
-            <a:br/>
-            <a:r>
-              <a:t> And I will follow You all of my days</a:t>
-            </a:r>
-            <a:br/>
+              <a:t>Who am I, that the Lord of all the earth</a:t>
+            </a:r>
+            <a:br/>
+            <a:r>
+              <a:t> Would care to know my name</a:t>
+            </a:r>
+            <a:br/>
+            <a:r>
+              <a:t> Would care to feel my hurt? Who am I</a:t>
+            </a:r>
+            <a:br/>
+            <a:r>
+              <a:t> that the Bright and Morning Star</a:t>
+            </a:r>
+            <a:br/>
+            <a:r>
+              <a:t> Would choose to light the way</a:t>
+            </a:r>
+            <a:br/>
+            <a:r>
+              <a:t> For my ever wandering heart?</a:t>
+            </a:r>
           </a:p>
         </p:txBody>
       </p:sp>
@@ -4337,43 +5627,53 @@
       <p:grpSpPr/>
       <p:sp>
         <p:nvSpPr>
-          <p:cNvPr id="2" name="Title 1"/>
-          <p:cNvSpPr>
-            <a:spLocks noGrp="1"/>
-          </p:cNvSpPr>
-          <p:nvPr>
-            <p:ph type="ctrTitle"/>
-          </p:nvPr>
-        </p:nvSpPr>
-        <p:spPr/>
-        <p:txBody>
-          <a:bodyPr/>
-          <a:lstStyle/>
-          <a:p>
-            <a:r>
-              <a:t>พระเจ้ายิ่งใหญ่</a:t>
-            </a:r>
-          </a:p>
-        </p:txBody>
-      </p:sp>
-      <p:sp>
-        <p:nvSpPr>
-          <p:cNvPr id="3" name="Subtitle 2"/>
-          <p:cNvSpPr>
-            <a:spLocks noGrp="1"/>
-          </p:cNvSpPr>
-          <p:nvPr>
-            <p:ph type="subTitle" idx="1"/>
-          </p:nvPr>
-        </p:nvSpPr>
-        <p:spPr/>
-        <p:txBody>
-          <a:bodyPr/>
-          <a:lstStyle/>
-          <a:p>
-            <a:r>
-              <a:t>HOW GREAT THOU ART</a:t>
-            </a:r>
+          <p:cNvPr id="2" name="TextBox 1"/>
+          <p:cNvSpPr txBox="1"/>
+          <p:nvPr/>
+        </p:nvSpPr>
+        <p:spPr>
+          <a:xfrm>
+            <a:off x="914400" y="457200"/>
+            <a:ext cx="7315200" cy="5486400"/>
+          </a:xfrm>
+          <a:prstGeom prst="rect">
+            <a:avLst/>
+          </a:prstGeom>
+          <a:noFill/>
+        </p:spPr>
+        <p:txBody>
+          <a:bodyPr wrap="none">
+            <a:spAutoFit/>
+          </a:bodyPr>
+          <a:lstStyle/>
+          <a:p/>
+          <a:p>
+            <a:pPr algn="ctr">
+              <a:lnSpc>
+                <a:spcPts val="12000"/>
+              </a:lnSpc>
+              <a:defRPr sz="4000">
+                <a:solidFill>
+                  <a:srgbClr val="000000"/>
+                </a:solidFill>
+              </a:defRPr>
+            </a:pPr>
+            <a:r>
+              <a:t>Not because of who I am</a:t>
+            </a:r>
+            <a:br/>
+            <a:r>
+              <a:t> But because of what You've done</a:t>
+            </a:r>
+            <a:br/>
+            <a:r>
+              <a:t> Not because of what I've done</a:t>
+            </a:r>
+            <a:br/>
+            <a:r>
+              <a:t> But because of who You are</a:t>
+            </a:r>
+            <a:br/>
           </a:p>
         </p:txBody>
       </p:sp>

--- a/finishedppt/WorshipSongs.pptx
+++ b/finishedppt/WorshipSongs.pptx
@@ -21,22 +21,6 @@
     <p:sldId id="269" r:id="rId20"/>
     <p:sldId id="270" r:id="rId21"/>
     <p:sldId id="271" r:id="rId22"/>
-    <p:sldId id="272" r:id="rId23"/>
-    <p:sldId id="273" r:id="rId24"/>
-    <p:sldId id="274" r:id="rId25"/>
-    <p:sldId id="275" r:id="rId26"/>
-    <p:sldId id="276" r:id="rId27"/>
-    <p:sldId id="277" r:id="rId28"/>
-    <p:sldId id="278" r:id="rId29"/>
-    <p:sldId id="279" r:id="rId30"/>
-    <p:sldId id="280" r:id="rId31"/>
-    <p:sldId id="281" r:id="rId32"/>
-    <p:sldId id="282" r:id="rId33"/>
-    <p:sldId id="283" r:id="rId34"/>
-    <p:sldId id="284" r:id="rId35"/>
-    <p:sldId id="285" r:id="rId36"/>
-    <p:sldId id="286" r:id="rId37"/>
-    <p:sldId id="287" r:id="rId38"/>
   </p:sldIdLst>
   <p:sldSz cx="9144000" cy="6858000" type="screen4x3"/>
   <p:notesSz cx="6858000" cy="9144000"/>
@@ -3133,7 +3117,11 @@
         <p:txBody>
           <a:bodyPr/>
           <a:lstStyle/>
-          <a:p/>
+          <a:p>
+            <a:r>
+              <a:t>เราเป็นหนึ่งในความรักพระคริสต์</a:t>
+            </a:r>
+          </a:p>
         </p:txBody>
       </p:sp>
       <p:sp>
@@ -3152,7 +3140,7 @@
           <a:lstStyle/>
           <a:p>
             <a:r>
-              <a:t>Lord, I Lift Your Name on High</a:t>
+              <a:t>We are one in the bond of love.</a:t>
             </a:r>
           </a:p>
         </p:txBody>
@@ -3192,7 +3180,7 @@
           <a:noFill/>
         </p:spPr>
         <p:txBody>
-          <a:bodyPr wrap="square">
+          <a:bodyPr wrap="none">
             <a:spAutoFit/>
           </a:bodyPr>
           <a:lstStyle/>
@@ -3200,7 +3188,7 @@
           <a:p>
             <a:pPr algn="ctr">
               <a:lnSpc>
-                <a:spcPts val="12800"/>
+                <a:spcPts val="13200"/>
               </a:lnSpc>
               <a:defRPr sz="4000">
                 <a:solidFill>
@@ -3209,8 +3197,21 @@
               </a:defRPr>
             </a:pPr>
             <a:r>
-              <a:t>I am a flower quickly fading: Here today and gone tomorrow. A wave tossed in the ocean, A vapor in the wind.</a:t>
-            </a:r>
+              <a:t>I see the king of glory</a:t>
+            </a:r>
+            <a:br/>
+            <a:r>
+              <a:t> Coming on the clouds with fire</a:t>
+            </a:r>
+            <a:br/>
+            <a:r>
+              <a:t> The whole earth shakes</a:t>
+            </a:r>
+            <a:br/>
+            <a:r>
+              <a:t> The whole earth shakes</a:t>
+            </a:r>
+            <a:br/>
           </a:p>
         </p:txBody>
       </p:sp>
@@ -3257,7 +3258,7 @@
           <a:p>
             <a:pPr algn="ctr">
               <a:lnSpc>
-                <a:spcPts val="12300"/>
+                <a:spcPts val="15100"/>
               </a:lnSpc>
               <a:defRPr sz="4000">
                 <a:solidFill>
@@ -3266,20 +3267,21 @@
               </a:defRPr>
             </a:pPr>
             <a:r>
-              <a:t>Still You hear me when I'm calling</a:t>
+              <a:t>I see his love and mercy</a:t>
             </a:r>
             <a:br/>
             <a:r>
-              <a:t> Lord, You catch me when I'm falling</a:t>
+              <a:t> Washing over all our sin</a:t>
             </a:r>
             <a:br/>
             <a:r>
-              <a:t> And You've told me who I am</a:t>
+              <a:t> The people sing</a:t>
             </a:r>
             <a:br/>
             <a:r>
-              <a:t> I am Yours.</a:t>
-            </a:r>
+              <a:t> The people sing</a:t>
+            </a:r>
+            <a:br/>
           </a:p>
         </p:txBody>
       </p:sp>
@@ -3318,7 +3320,7 @@
           <a:noFill/>
         </p:spPr>
         <p:txBody>
-          <a:bodyPr wrap="square">
+          <a:bodyPr wrap="none">
             <a:spAutoFit/>
           </a:bodyPr>
           <a:lstStyle/>
@@ -3326,7 +3328,7 @@
           <a:p>
             <a:pPr algn="ctr">
               <a:lnSpc>
-                <a:spcPts val="4800"/>
+                <a:spcPts val="19600"/>
               </a:lnSpc>
               <a:defRPr sz="4000">
                 <a:solidFill>
@@ -3335,8 +3337,13 @@
               </a:defRPr>
             </a:pPr>
             <a:r>
-              <a:t>Who am I, that the eyes that see my sin. Would look on me with love and watch me rise again? Who am I, that the voice that calmed the sea. Would call out through the rain. And calm the storm in me?</a:t>
-            </a:r>
+              <a:t>Hosanna Hosanna</a:t>
+            </a:r>
+            <a:br/>
+            <a:r>
+              <a:t> Hosanna in the Highest</a:t>
+            </a:r>
+            <a:br/>
           </a:p>
         </p:txBody>
       </p:sp>
@@ -3383,7 +3390,7 @@
           <a:p>
             <a:pPr algn="ctr">
               <a:lnSpc>
-                <a:spcPts val="12000"/>
+                <a:spcPts val="14400"/>
               </a:lnSpc>
               <a:defRPr sz="4000">
                 <a:solidFill>
@@ -3392,19 +3399,19 @@
               </a:defRPr>
             </a:pPr>
             <a:r>
-              <a:t>Not because of who I am</a:t>
+              <a:t>I see a generation</a:t>
             </a:r>
             <a:br/>
             <a:r>
-              <a:t> But because of what You've done</a:t>
+              <a:t> Rising up to take their place</a:t>
             </a:r>
             <a:br/>
             <a:r>
-              <a:t> Not because of what I've done</a:t>
+              <a:t> With selfless faith</a:t>
             </a:r>
             <a:br/>
             <a:r>
-              <a:t> But because of who You are</a:t>
+              <a:t> With selfless faith</a:t>
             </a:r>
             <a:br/>
           </a:p>
@@ -3445,7 +3452,7 @@
           <a:noFill/>
         </p:spPr>
         <p:txBody>
-          <a:bodyPr wrap="square">
+          <a:bodyPr wrap="none">
             <a:spAutoFit/>
           </a:bodyPr>
           <a:lstStyle/>
@@ -3453,7 +3460,7 @@
           <a:p>
             <a:pPr algn="ctr">
               <a:lnSpc>
-                <a:spcPts val="12800"/>
+                <a:spcPts val="14500"/>
               </a:lnSpc>
               <a:defRPr sz="4000">
                 <a:solidFill>
@@ -3462,8 +3469,21 @@
               </a:defRPr>
             </a:pPr>
             <a:r>
-              <a:t>I am a flower quickly fading: Here today and gone tomorrow. A wave tossed in the ocean, A vapor in the wind.</a:t>
-            </a:r>
+              <a:t>I see a near revival</a:t>
+            </a:r>
+            <a:br/>
+            <a:r>
+              <a:t> Stirring as we pray and seek</a:t>
+            </a:r>
+            <a:br/>
+            <a:r>
+              <a:t> We're on our knees</a:t>
+            </a:r>
+            <a:br/>
+            <a:r>
+              <a:t> We're on our knees</a:t>
+            </a:r>
+            <a:br/>
           </a:p>
         </p:txBody>
       </p:sp>
@@ -3510,7 +3530,7 @@
           <a:p>
             <a:pPr algn="ctr">
               <a:lnSpc>
-                <a:spcPts val="12300"/>
+                <a:spcPts val="19600"/>
               </a:lnSpc>
               <a:defRPr sz="4000">
                 <a:solidFill>
@@ -3519,20 +3539,13 @@
               </a:defRPr>
             </a:pPr>
             <a:r>
-              <a:t>Still You hear me when I'm calling</a:t>
+              <a:t>Hosanna Hosanna</a:t>
             </a:r>
             <a:br/>
             <a:r>
-              <a:t> Lord, You catch me when I'm falling</a:t>
+              <a:t> Hosanna in the Highest</a:t>
             </a:r>
             <a:br/>
-            <a:r>
-              <a:t> And You've told me who I am</a:t>
-            </a:r>
-            <a:br/>
-            <a:r>
-              <a:t> I am Yours.</a:t>
-            </a:r>
           </a:p>
         </p:txBody>
       </p:sp>
@@ -3556,74 +3569,14 @@
       <p:grpSpPr/>
       <p:sp>
         <p:nvSpPr>
-          <p:cNvPr id="2" name="Title 1"/>
-          <p:cNvSpPr>
-            <a:spLocks noGrp="1"/>
-          </p:cNvSpPr>
-          <p:nvPr>
-            <p:ph type="ctrTitle"/>
-          </p:nvPr>
-        </p:nvSpPr>
-        <p:spPr/>
-        <p:txBody>
-          <a:bodyPr/>
-          <a:lstStyle/>
-          <a:p>
-            <a:r>
-              <a:t>พระเยซู พระผู้ช่วย</a:t>
-            </a:r>
-          </a:p>
-        </p:txBody>
-      </p:sp>
-      <p:sp>
-        <p:nvSpPr>
-          <p:cNvPr id="3" name="Subtitle 2"/>
-          <p:cNvSpPr>
-            <a:spLocks noGrp="1"/>
-          </p:cNvSpPr>
-          <p:nvPr>
-            <p:ph type="subTitle" idx="1"/>
-          </p:nvPr>
-        </p:nvSpPr>
-        <p:spPr/>
-        <p:txBody>
-          <a:bodyPr/>
-          <a:lstStyle/>
-          <a:p>
-            <a:r>
-              <a:t>Shout To The Lord</a:t>
-            </a:r>
-          </a:p>
-        </p:txBody>
-      </p:sp>
-    </p:spTree>
-  </p:cSld>
-  <p:clrMapOvr>
-    <a:masterClrMapping/>
-  </p:clrMapOvr>
-</p:sld>
-</file>
-
-<file path=ppt/slides/slide17.xml><?xml version="1.0" encoding="utf-8"?>
-<p:sld xmlns:a="http://schemas.openxmlformats.org/drawingml/2006/main" xmlns:p="http://schemas.openxmlformats.org/presentationml/2006/main" xmlns:r="http://schemas.openxmlformats.org/officeDocument/2006/relationships">
-  <p:cSld>
-    <p:spTree>
-      <p:nvGrpSpPr>
-        <p:cNvPr id="1" name=""/>
-        <p:cNvGrpSpPr/>
-        <p:nvPr/>
-      </p:nvGrpSpPr>
-      <p:grpSpPr/>
-      <p:sp>
-        <p:nvSpPr>
           <p:cNvPr id="2" name="TextBox 1"/>
           <p:cNvSpPr txBox="1"/>
           <p:nvPr/>
         </p:nvSpPr>
         <p:spPr>
           <a:xfrm>
-            <a:off x="685800" y="228600"/>
-            <a:ext cx="7772400" cy="2971800"/>
+            <a:off x="914400" y="457200"/>
+            <a:ext cx="7315200" cy="5486400"/>
           </a:xfrm>
           <a:prstGeom prst="rect">
             <a:avLst/>
@@ -3648,288 +3601,29 @@
               </a:defRPr>
             </a:pPr>
             <a:r>
-              <a:t>พระเยซู พระผู้ช่วย ไม่มีผู้ใดเปรียบพระองค์</a:t>
+              <a:t>Heal my heart and make it clean</a:t>
             </a:r>
             <a:br/>
             <a:r>
-              <a:t>ในทุกๆ วัน ฉันอยากสรรเสริญ</a:t>
+              <a:t> Open up my eyes to the things unseen</a:t>
             </a:r>
             <a:br/>
             <a:r>
-              <a:t>ความรักยิ่งใหญ่ของพระองค์เจ้า</a:t>
-            </a:r>
-          </a:p>
-        </p:txBody>
-      </p:sp>
-      <p:sp>
-        <p:nvSpPr>
-          <p:cNvPr id="3" name="TextBox 2"/>
-          <p:cNvSpPr txBox="1"/>
-          <p:nvPr/>
-        </p:nvSpPr>
-        <p:spPr>
-          <a:xfrm>
-            <a:off x="685800" y="3657600"/>
-            <a:ext cx="7772400" cy="2971800"/>
-          </a:xfrm>
-          <a:prstGeom prst="rect">
-            <a:avLst/>
-          </a:prstGeom>
-          <a:noFill/>
-        </p:spPr>
-        <p:txBody>
-          <a:bodyPr wrap="none">
-            <a:spAutoFit/>
-          </a:bodyPr>
-          <a:lstStyle/>
-          <a:p/>
-          <a:p>
-            <a:pPr algn="ctr">
-              <a:lnSpc>
-                <a:spcPts val="4800"/>
-              </a:lnSpc>
-              <a:defRPr sz="3500">
-                <a:solidFill>
-                  <a:srgbClr val="3A70BC"/>
-                </a:solidFill>
-              </a:defRPr>
-            </a:pPr>
-            <a:r>
-              <a:t>My jesus, my savior, Lord, there is none like you</a:t>
+              <a:t> Show me how to love like you have loved me</a:t>
             </a:r>
             <a:br/>
             <a:r>
-              <a:t> All of my days, I want to praise</a:t>
+              <a:t> Break my heart for what breaks yours</a:t>
             </a:r>
             <a:br/>
             <a:r>
-              <a:t> The wonders of your mighty love</a:t>
+              <a:t> Everything I am for your Kingdom's cause</a:t>
             </a:r>
             <a:br/>
-          </a:p>
-        </p:txBody>
-      </p:sp>
-    </p:spTree>
-  </p:cSld>
-  <p:clrMapOvr>
-    <a:masterClrMapping/>
-  </p:clrMapOvr>
-</p:sld>
-</file>
-
-<file path=ppt/slides/slide18.xml><?xml version="1.0" encoding="utf-8"?>
-<p:sld xmlns:a="http://schemas.openxmlformats.org/drawingml/2006/main" xmlns:p="http://schemas.openxmlformats.org/presentationml/2006/main" xmlns:r="http://schemas.openxmlformats.org/officeDocument/2006/relationships">
-  <p:cSld>
-    <p:spTree>
-      <p:nvGrpSpPr>
-        <p:cNvPr id="1" name=""/>
-        <p:cNvGrpSpPr/>
-        <p:nvPr/>
-      </p:nvGrpSpPr>
-      <p:grpSpPr/>
-      <p:sp>
-        <p:nvSpPr>
-          <p:cNvPr id="2" name="TextBox 1"/>
-          <p:cNvSpPr txBox="1"/>
-          <p:nvPr/>
-        </p:nvSpPr>
-        <p:spPr>
-          <a:xfrm>
-            <a:off x="685800" y="228600"/>
-            <a:ext cx="7772400" cy="2971800"/>
-          </a:xfrm>
-          <a:prstGeom prst="rect">
-            <a:avLst/>
-          </a:prstGeom>
-          <a:noFill/>
-        </p:spPr>
-        <p:txBody>
-          <a:bodyPr wrap="none">
-            <a:spAutoFit/>
-          </a:bodyPr>
-          <a:lstStyle/>
-          <a:p/>
-          <a:p>
-            <a:pPr algn="ctr">
-              <a:lnSpc>
-                <a:spcPts val="4800"/>
-              </a:lnSpc>
-              <a:defRPr sz="4000">
-                <a:solidFill>
-                  <a:srgbClr val="000000"/>
-                </a:solidFill>
-              </a:defRPr>
-            </a:pPr>
-            <a:r>
-              <a:t>พระทรงเป็น ที่กำบัง ป้อมปราการและกำลังใจ</a:t>
+            <a:r>
+              <a:t> As I walk from Earth into Eternity</a:t>
             </a:r>
             <a:br/>
-            <a:r>
-              <a:t>เชิญทุกชีวิตและทุกๆสิ่ง</a:t>
-            </a:r>
-            <a:br/>
-            <a:r>
-              <a:t>พากันสรรเสริญพระเจ้า</a:t>
-            </a:r>
-          </a:p>
-        </p:txBody>
-      </p:sp>
-      <p:sp>
-        <p:nvSpPr>
-          <p:cNvPr id="3" name="TextBox 2"/>
-          <p:cNvSpPr txBox="1"/>
-          <p:nvPr/>
-        </p:nvSpPr>
-        <p:spPr>
-          <a:xfrm>
-            <a:off x="685800" y="3657600"/>
-            <a:ext cx="7772400" cy="2971800"/>
-          </a:xfrm>
-          <a:prstGeom prst="rect">
-            <a:avLst/>
-          </a:prstGeom>
-          <a:noFill/>
-        </p:spPr>
-        <p:txBody>
-          <a:bodyPr wrap="square">
-            <a:spAutoFit/>
-          </a:bodyPr>
-          <a:lstStyle/>
-          <a:p/>
-          <a:p>
-            <a:pPr algn="ctr">
-              <a:lnSpc>
-                <a:spcPts val="4800"/>
-              </a:lnSpc>
-              <a:defRPr sz="3500">
-                <a:solidFill>
-                  <a:srgbClr val="3A70BC"/>
-                </a:solidFill>
-              </a:defRPr>
-            </a:pPr>
-            <a:r>
-              <a:t>My comfort, my shelter, Tower of refuge and strength. Let every breath, all that I am, Never cease to worship you.</a:t>
-            </a:r>
-          </a:p>
-        </p:txBody>
-      </p:sp>
-    </p:spTree>
-  </p:cSld>
-  <p:clrMapOvr>
-    <a:masterClrMapping/>
-  </p:clrMapOvr>
-</p:sld>
-</file>
-
-<file path=ppt/slides/slide19.xml><?xml version="1.0" encoding="utf-8"?>
-<p:sld xmlns:a="http://schemas.openxmlformats.org/drawingml/2006/main" xmlns:p="http://schemas.openxmlformats.org/presentationml/2006/main" xmlns:r="http://schemas.openxmlformats.org/officeDocument/2006/relationships">
-  <p:cSld>
-    <p:spTree>
-      <p:nvGrpSpPr>
-        <p:cNvPr id="1" name=""/>
-        <p:cNvGrpSpPr/>
-        <p:nvPr/>
-      </p:nvGrpSpPr>
-      <p:grpSpPr/>
-      <p:sp>
-        <p:nvSpPr>
-          <p:cNvPr id="2" name="TextBox 1"/>
-          <p:cNvSpPr txBox="1"/>
-          <p:nvPr/>
-        </p:nvSpPr>
-        <p:spPr>
-          <a:xfrm>
-            <a:off x="685800" y="228600"/>
-            <a:ext cx="7772400" cy="2971800"/>
-          </a:xfrm>
-          <a:prstGeom prst="rect">
-            <a:avLst/>
-          </a:prstGeom>
-          <a:noFill/>
-        </p:spPr>
-        <p:txBody>
-          <a:bodyPr wrap="none">
-            <a:spAutoFit/>
-          </a:bodyPr>
-          <a:lstStyle/>
-          <a:p/>
-          <a:p>
-            <a:pPr algn="ctr">
-              <a:lnSpc>
-                <a:spcPts val="4800"/>
-              </a:lnSpc>
-              <a:defRPr sz="4000">
-                <a:solidFill>
-                  <a:srgbClr val="000000"/>
-                </a:solidFill>
-              </a:defRPr>
-            </a:pPr>
-            <a:r>
-              <a:t>สรรเสริญพระเจ้า ทั่วโลกา ร่วมร้องเพลง</a:t>
-            </a:r>
-            <a:br/>
-            <a:r>
-              <a:t>พลังและฤทธิ์เดช สรรเสริญกษัตรา</a:t>
-            </a:r>
-            <a:br/>
-            <a:r>
-              <a:t>ภูเขากราบลง และทะเลคึกคะนอง ส่งเสียงร้อง</a:t>
-            </a:r>
-            <a:br/>
-            <a:r>
-              <a:t>สรรเสริญ</a:t>
-            </a:r>
-          </a:p>
-        </p:txBody>
-      </p:sp>
-      <p:sp>
-        <p:nvSpPr>
-          <p:cNvPr id="3" name="TextBox 2"/>
-          <p:cNvSpPr txBox="1"/>
-          <p:nvPr/>
-        </p:nvSpPr>
-        <p:spPr>
-          <a:xfrm>
-            <a:off x="685800" y="3657600"/>
-            <a:ext cx="7772400" cy="2971800"/>
-          </a:xfrm>
-          <a:prstGeom prst="rect">
-            <a:avLst/>
-          </a:prstGeom>
-          <a:noFill/>
-        </p:spPr>
-        <p:txBody>
-          <a:bodyPr wrap="none">
-            <a:spAutoFit/>
-          </a:bodyPr>
-          <a:lstStyle/>
-          <a:p/>
-          <a:p>
-            <a:pPr algn="ctr">
-              <a:lnSpc>
-                <a:spcPts val="4800"/>
-              </a:lnSpc>
-              <a:defRPr sz="3500">
-                <a:solidFill>
-                  <a:srgbClr val="3A70BC"/>
-                </a:solidFill>
-              </a:defRPr>
-            </a:pPr>
-            <a:r>
-              <a:t>Shout to the lord, all the earth let us sing</a:t>
-            </a:r>
-            <a:br/>
-            <a:r>
-              <a:t> Power and majesty, praise to the king</a:t>
-            </a:r>
-            <a:br/>
-            <a:r>
-              <a:t> Mountains bow down, and the seas will roar</a:t>
-            </a:r>
-            <a:br/>
-            <a:r>
-              <a:t> At the sound of your name.</a:t>
-            </a:r>
           </a:p>
         </p:txBody>
       </p:sp>
@@ -3959,76 +3653,6 @@
         </p:nvSpPr>
         <p:spPr>
           <a:xfrm>
-            <a:off x="914400" y="457200"/>
-            <a:ext cx="7315200" cy="5486400"/>
-          </a:xfrm>
-          <a:prstGeom prst="rect">
-            <a:avLst/>
-          </a:prstGeom>
-          <a:noFill/>
-        </p:spPr>
-        <p:txBody>
-          <a:bodyPr wrap="none">
-            <a:spAutoFit/>
-          </a:bodyPr>
-          <a:lstStyle/>
-          <a:p/>
-          <a:p>
-            <a:pPr algn="ctr">
-              <a:lnSpc>
-                <a:spcPts val="10600"/>
-              </a:lnSpc>
-              <a:defRPr sz="4000">
-                <a:solidFill>
-                  <a:srgbClr val="000000"/>
-                </a:solidFill>
-              </a:defRPr>
-            </a:pPr>
-            <a:r>
-              <a:t>Lord, I lift Your name on high</a:t>
-            </a:r>
-            <a:br/>
-            <a:r>
-              <a:t> Lord, I love to sing Your praises</a:t>
-            </a:r>
-            <a:br/>
-            <a:r>
-              <a:t> I'm so glad You're in my life</a:t>
-            </a:r>
-            <a:br/>
-            <a:r>
-              <a:t> I'm so glad You came to save us</a:t>
-            </a:r>
-            <a:br/>
-          </a:p>
-        </p:txBody>
-      </p:sp>
-    </p:spTree>
-  </p:cSld>
-  <p:clrMapOvr>
-    <a:masterClrMapping/>
-  </p:clrMapOvr>
-</p:sld>
-</file>
-
-<file path=ppt/slides/slide20.xml><?xml version="1.0" encoding="utf-8"?>
-<p:sld xmlns:a="http://schemas.openxmlformats.org/drawingml/2006/main" xmlns:p="http://schemas.openxmlformats.org/presentationml/2006/main" xmlns:r="http://schemas.openxmlformats.org/officeDocument/2006/relationships">
-  <p:cSld>
-    <p:spTree>
-      <p:nvGrpSpPr>
-        <p:cNvPr id="1" name=""/>
-        <p:cNvGrpSpPr/>
-        <p:nvPr/>
-      </p:nvGrpSpPr>
-      <p:grpSpPr/>
-      <p:sp>
-        <p:nvSpPr>
-          <p:cNvPr id="2" name="TextBox 1"/>
-          <p:cNvSpPr txBox="1"/>
-          <p:nvPr/>
-        </p:nvSpPr>
-        <p:spPr>
-          <a:xfrm>
             <a:off x="685800" y="228600"/>
             <a:ext cx="7772400" cy="2971800"/>
           </a:xfrm>
@@ -4038,7 +3662,7 @@
           <a:noFill/>
         </p:spPr>
         <p:txBody>
-          <a:bodyPr wrap="none">
+          <a:bodyPr wrap="square">
             <a:spAutoFit/>
           </a:bodyPr>
           <a:lstStyle/>
@@ -4055,15 +3679,7 @@
               </a:defRPr>
             </a:pPr>
             <a:r>
-              <a:t>ฉันร้องชื่นชม ยินดีในฝีพระหัตถ์</a:t>
-            </a:r>
-            <a:br/>
-            <a:r>
-              <a:t>และฉันจะรัก พระองค์ตลอดชีพวางวาย</a:t>
-            </a:r>
-            <a:br/>
-            <a:r>
-              <a:t>ไม่มีสิ่งใดจะเปรียบปาน สัญญากับพระองค์</a:t>
+              <a:t>เราเป็นหนึ่งในความรักพระคริสต์ เราเป็นหนึ่งในความรักพระคริสต์ วิญญาณจิตเราผูกพันกับองค์พระวิญญาณ เราเป็นหนึ่งในความรักพระคริสต์</a:t>
             </a:r>
           </a:p>
         </p:txBody>
@@ -4085,7 +3701,7 @@
           <a:noFill/>
         </p:spPr>
         <p:txBody>
-          <a:bodyPr wrap="none">
+          <a:bodyPr wrap="square">
             <a:spAutoFit/>
           </a:bodyPr>
           <a:lstStyle/>
@@ -4102,877 +3718,7 @@
               </a:defRPr>
             </a:pPr>
             <a:r>
-              <a:t>I sing for joy at the work of your hands</a:t>
-            </a:r>
-            <a:br/>
-            <a:r>
-              <a:t> Forever I'll love you, Forever I'll stand</a:t>
-            </a:r>
-            <a:br/>
-            <a:r>
-              <a:t> Nothing compares to the promise I have In you</a:t>
-            </a:r>
-            <a:br/>
-          </a:p>
-        </p:txBody>
-      </p:sp>
-    </p:spTree>
-  </p:cSld>
-  <p:clrMapOvr>
-    <a:masterClrMapping/>
-  </p:clrMapOvr>
-</p:sld>
-</file>
-
-<file path=ppt/slides/slide21.xml><?xml version="1.0" encoding="utf-8"?>
-<p:sld xmlns:a="http://schemas.openxmlformats.org/drawingml/2006/main" xmlns:p="http://schemas.openxmlformats.org/presentationml/2006/main" xmlns:r="http://schemas.openxmlformats.org/officeDocument/2006/relationships">
-  <p:cSld>
-    <p:spTree>
-      <p:nvGrpSpPr>
-        <p:cNvPr id="1" name=""/>
-        <p:cNvGrpSpPr/>
-        <p:nvPr/>
-      </p:nvGrpSpPr>
-      <p:grpSpPr/>
-      <p:sp>
-        <p:nvSpPr>
-          <p:cNvPr id="2" name="Title 1"/>
-          <p:cNvSpPr>
-            <a:spLocks noGrp="1"/>
-          </p:cNvSpPr>
-          <p:nvPr>
-            <p:ph type="ctrTitle"/>
-          </p:nvPr>
-        </p:nvSpPr>
-        <p:spPr/>
-        <p:txBody>
-          <a:bodyPr/>
-          <a:lstStyle/>
-          <a:p>
-            <a:r>
-              <a:t>พระเจ้าทรงยิ่งใหญ่</a:t>
-            </a:r>
-          </a:p>
-        </p:txBody>
-      </p:sp>
-      <p:sp>
-        <p:nvSpPr>
-          <p:cNvPr id="3" name="Subtitle 2"/>
-          <p:cNvSpPr>
-            <a:spLocks noGrp="1"/>
-          </p:cNvSpPr>
-          <p:nvPr>
-            <p:ph type="subTitle" idx="1"/>
-          </p:nvPr>
-        </p:nvSpPr>
-        <p:spPr/>
-        <p:txBody>
-          <a:bodyPr/>
-          <a:lstStyle/>
-          <a:p>
-            <a:r>
-              <a:t>How Great Is Our God</a:t>
-            </a:r>
-          </a:p>
-        </p:txBody>
-      </p:sp>
-    </p:spTree>
-  </p:cSld>
-  <p:clrMapOvr>
-    <a:masterClrMapping/>
-  </p:clrMapOvr>
-</p:sld>
-</file>
-
-<file path=ppt/slides/slide22.xml><?xml version="1.0" encoding="utf-8"?>
-<p:sld xmlns:a="http://schemas.openxmlformats.org/drawingml/2006/main" xmlns:p="http://schemas.openxmlformats.org/presentationml/2006/main" xmlns:r="http://schemas.openxmlformats.org/officeDocument/2006/relationships">
-  <p:cSld>
-    <p:spTree>
-      <p:nvGrpSpPr>
-        <p:cNvPr id="1" name=""/>
-        <p:cNvGrpSpPr/>
-        <p:nvPr/>
-      </p:nvGrpSpPr>
-      <p:grpSpPr/>
-      <p:sp>
-        <p:nvSpPr>
-          <p:cNvPr id="2" name="TextBox 1"/>
-          <p:cNvSpPr txBox="1"/>
-          <p:nvPr/>
-        </p:nvSpPr>
-        <p:spPr>
-          <a:xfrm>
-            <a:off x="685800" y="228600"/>
-            <a:ext cx="7772400" cy="2971800"/>
-          </a:xfrm>
-          <a:prstGeom prst="rect">
-            <a:avLst/>
-          </a:prstGeom>
-          <a:noFill/>
-        </p:spPr>
-        <p:txBody>
-          <a:bodyPr wrap="none">
-            <a:spAutoFit/>
-          </a:bodyPr>
-          <a:lstStyle/>
-          <a:p/>
-          <a:p>
-            <a:pPr algn="ctr">
-              <a:lnSpc>
-                <a:spcPts val="4800"/>
-              </a:lnSpc>
-              <a:defRPr sz="4000">
-                <a:solidFill>
-                  <a:srgbClr val="000000"/>
-                </a:solidFill>
-              </a:defRPr>
-            </a:pPr>
-            <a:r>
-              <a:t>พระองค์งดงามตระการ ควรพระบารมี ให้เราร่วมกันยินดี</a:t>
-            </a:r>
-            <a:br/>
-            <a:r>
-              <a:t>ให้เราร่วมกันยินดี พระองค์เป็นความสว่าง</a:t>
-            </a:r>
-            <a:br/>
-            <a:r>
-              <a:t>และความมืดอันตรธาน สะท้านด้วยเสียงพระองค์</a:t>
-            </a:r>
-            <a:br/>
-            <a:r>
-              <a:t>สะท้านด้วยเสียงพระองค์</a:t>
-            </a:r>
-          </a:p>
-        </p:txBody>
-      </p:sp>
-      <p:sp>
-        <p:nvSpPr>
-          <p:cNvPr id="3" name="TextBox 2"/>
-          <p:cNvSpPr txBox="1"/>
-          <p:nvPr/>
-        </p:nvSpPr>
-        <p:spPr>
-          <a:xfrm>
-            <a:off x="685800" y="3657600"/>
-            <a:ext cx="7772400" cy="2971800"/>
-          </a:xfrm>
-          <a:prstGeom prst="rect">
-            <a:avLst/>
-          </a:prstGeom>
-          <a:noFill/>
-        </p:spPr>
-        <p:txBody>
-          <a:bodyPr wrap="square">
-            <a:spAutoFit/>
-          </a:bodyPr>
-          <a:lstStyle/>
-          <a:p/>
-          <a:p>
-            <a:pPr algn="ctr">
-              <a:lnSpc>
-                <a:spcPts val="4800"/>
-              </a:lnSpc>
-              <a:defRPr sz="3500">
-                <a:solidFill>
-                  <a:srgbClr val="3A70BC"/>
-                </a:solidFill>
-              </a:defRPr>
-            </a:pPr>
-            <a:r>
-              <a:t>The splendor of a King, clothed in majesty. Let all the earth rejoice. All the earth rejoice. He wraps himself in Light, and darkness tries to hide. And trembles at His voice. Trembles at His voice.</a:t>
-            </a:r>
-          </a:p>
-        </p:txBody>
-      </p:sp>
-    </p:spTree>
-  </p:cSld>
-  <p:clrMapOvr>
-    <a:masterClrMapping/>
-  </p:clrMapOvr>
-</p:sld>
-</file>
-
-<file path=ppt/slides/slide23.xml><?xml version="1.0" encoding="utf-8"?>
-<p:sld xmlns:a="http://schemas.openxmlformats.org/drawingml/2006/main" xmlns:p="http://schemas.openxmlformats.org/presentationml/2006/main" xmlns:r="http://schemas.openxmlformats.org/officeDocument/2006/relationships">
-  <p:cSld>
-    <p:spTree>
-      <p:nvGrpSpPr>
-        <p:cNvPr id="1" name=""/>
-        <p:cNvGrpSpPr/>
-        <p:nvPr/>
-      </p:nvGrpSpPr>
-      <p:grpSpPr/>
-      <p:sp>
-        <p:nvSpPr>
-          <p:cNvPr id="2" name="TextBox 1"/>
-          <p:cNvSpPr txBox="1"/>
-          <p:nvPr/>
-        </p:nvSpPr>
-        <p:spPr>
-          <a:xfrm>
-            <a:off x="685800" y="228600"/>
-            <a:ext cx="7772400" cy="2971800"/>
-          </a:xfrm>
-          <a:prstGeom prst="rect">
-            <a:avLst/>
-          </a:prstGeom>
-          <a:noFill/>
-        </p:spPr>
-        <p:txBody>
-          <a:bodyPr wrap="none">
-            <a:spAutoFit/>
-          </a:bodyPr>
-          <a:lstStyle/>
-          <a:p/>
-          <a:p>
-            <a:pPr algn="ctr">
-              <a:lnSpc>
-                <a:spcPts val="4800"/>
-              </a:lnSpc>
-              <a:defRPr sz="4000">
-                <a:solidFill>
-                  <a:srgbClr val="000000"/>
-                </a:solidFill>
-              </a:defRPr>
-            </a:pPr>
-            <a:r>
-              <a:t>พระเจ้าทรงยิ่งใหญ่ ร้องสรรเสริญ</a:t>
-            </a:r>
-            <a:br/>
-            <a:r>
-              <a:t>พระเจ้าทรงยิ่งใหญ่ ร้องสรรเสริญ</a:t>
-            </a:r>
-            <a:br/>
-            <a:r>
-              <a:t>พระเจ้า พระเจ้า ทรงยิ่งใหญ่</a:t>
-            </a:r>
-          </a:p>
-        </p:txBody>
-      </p:sp>
-      <p:sp>
-        <p:nvSpPr>
-          <p:cNvPr id="3" name="TextBox 2"/>
-          <p:cNvSpPr txBox="1"/>
-          <p:nvPr/>
-        </p:nvSpPr>
-        <p:spPr>
-          <a:xfrm>
-            <a:off x="685800" y="3657600"/>
-            <a:ext cx="7772400" cy="2971800"/>
-          </a:xfrm>
-          <a:prstGeom prst="rect">
-            <a:avLst/>
-          </a:prstGeom>
-          <a:noFill/>
-        </p:spPr>
-        <p:txBody>
-          <a:bodyPr wrap="none">
-            <a:spAutoFit/>
-          </a:bodyPr>
-          <a:lstStyle/>
-          <a:p/>
-          <a:p>
-            <a:pPr algn="ctr">
-              <a:lnSpc>
-                <a:spcPts val="4800"/>
-              </a:lnSpc>
-              <a:defRPr sz="3500">
-                <a:solidFill>
-                  <a:srgbClr val="3A70BC"/>
-                </a:solidFill>
-              </a:defRPr>
-            </a:pPr>
-            <a:r>
-              <a:t>How great is our God, sing with me</a:t>
-            </a:r>
-            <a:br/>
-            <a:r>
-              <a:t> How great is our God, and all will see</a:t>
-            </a:r>
-            <a:br/>
-            <a:r>
-              <a:t> How great, how great is our God</a:t>
-            </a:r>
-            <a:br/>
-          </a:p>
-        </p:txBody>
-      </p:sp>
-    </p:spTree>
-  </p:cSld>
-  <p:clrMapOvr>
-    <a:masterClrMapping/>
-  </p:clrMapOvr>
-</p:sld>
-</file>
-
-<file path=ppt/slides/slide24.xml><?xml version="1.0" encoding="utf-8"?>
-<p:sld xmlns:a="http://schemas.openxmlformats.org/drawingml/2006/main" xmlns:p="http://schemas.openxmlformats.org/presentationml/2006/main" xmlns:r="http://schemas.openxmlformats.org/officeDocument/2006/relationships">
-  <p:cSld>
-    <p:spTree>
-      <p:nvGrpSpPr>
-        <p:cNvPr id="1" name=""/>
-        <p:cNvGrpSpPr/>
-        <p:nvPr/>
-      </p:nvGrpSpPr>
-      <p:grpSpPr/>
-      <p:sp>
-        <p:nvSpPr>
-          <p:cNvPr id="2" name="TextBox 1"/>
-          <p:cNvSpPr txBox="1"/>
-          <p:nvPr/>
-        </p:nvSpPr>
-        <p:spPr>
-          <a:xfrm>
-            <a:off x="685800" y="228600"/>
-            <a:ext cx="7772400" cy="2971800"/>
-          </a:xfrm>
-          <a:prstGeom prst="rect">
-            <a:avLst/>
-          </a:prstGeom>
-          <a:noFill/>
-        </p:spPr>
-        <p:txBody>
-          <a:bodyPr wrap="none">
-            <a:spAutoFit/>
-          </a:bodyPr>
-          <a:lstStyle/>
-          <a:p/>
-          <a:p>
-            <a:pPr algn="ctr">
-              <a:lnSpc>
-                <a:spcPts val="4800"/>
-              </a:lnSpc>
-              <a:defRPr sz="4000">
-                <a:solidFill>
-                  <a:srgbClr val="000000"/>
-                </a:solidFill>
-              </a:defRPr>
-            </a:pPr>
-            <a:r>
-              <a:t>พระองค์ผู้ทรงครอบครอง และทรงเหนือกาลเวลา</a:t>
-            </a:r>
-            <a:br/>
-            <a:r>
-              <a:t>ทรงเป็นเบื้องต้นเบื้องปลาย ทรงเป็นเบื้องต้นเบื้องปลาย</a:t>
-            </a:r>
-            <a:br/>
-            <a:r>
-              <a:t>พระบิดา พระวิญญาณ พระเยซูพระบุตร ผู้ทรงเป็นจอมราชา</a:t>
-            </a:r>
-            <a:br/>
-            <a:r>
-              <a:t>ผู้ทรงเป็นจอมราชา</a:t>
-            </a:r>
-          </a:p>
-        </p:txBody>
-      </p:sp>
-      <p:sp>
-        <p:nvSpPr>
-          <p:cNvPr id="3" name="TextBox 2"/>
-          <p:cNvSpPr txBox="1"/>
-          <p:nvPr/>
-        </p:nvSpPr>
-        <p:spPr>
-          <a:xfrm>
-            <a:off x="685800" y="3657600"/>
-            <a:ext cx="7772400" cy="2971800"/>
-          </a:xfrm>
-          <a:prstGeom prst="rect">
-            <a:avLst/>
-          </a:prstGeom>
-          <a:noFill/>
-        </p:spPr>
-        <p:txBody>
-          <a:bodyPr wrap="square">
-            <a:spAutoFit/>
-          </a:bodyPr>
-          <a:lstStyle/>
-          <a:p/>
-          <a:p>
-            <a:pPr algn="ctr">
-              <a:lnSpc>
-                <a:spcPts val="4800"/>
-              </a:lnSpc>
-              <a:defRPr sz="3500">
-                <a:solidFill>
-                  <a:srgbClr val="3A70BC"/>
-                </a:solidFill>
-              </a:defRPr>
-            </a:pPr>
-            <a:r>
-              <a:t>Age to age He stands. And time is in His hands. Beginning and the end. Beginning and the end. The Godhead Three in One. Father Spirit Son. The Lion and the Lamb. The Lion and the Lamb.</a:t>
-            </a:r>
-          </a:p>
-        </p:txBody>
-      </p:sp>
-    </p:spTree>
-  </p:cSld>
-  <p:clrMapOvr>
-    <a:masterClrMapping/>
-  </p:clrMapOvr>
-</p:sld>
-</file>
-
-<file path=ppt/slides/slide25.xml><?xml version="1.0" encoding="utf-8"?>
-<p:sld xmlns:a="http://schemas.openxmlformats.org/drawingml/2006/main" xmlns:p="http://schemas.openxmlformats.org/presentationml/2006/main" xmlns:r="http://schemas.openxmlformats.org/officeDocument/2006/relationships">
-  <p:cSld>
-    <p:spTree>
-      <p:nvGrpSpPr>
-        <p:cNvPr id="1" name=""/>
-        <p:cNvGrpSpPr/>
-        <p:nvPr/>
-      </p:nvGrpSpPr>
-      <p:grpSpPr/>
-      <p:sp>
-        <p:nvSpPr>
-          <p:cNvPr id="2" name="TextBox 1"/>
-          <p:cNvSpPr txBox="1"/>
-          <p:nvPr/>
-        </p:nvSpPr>
-        <p:spPr>
-          <a:xfrm>
-            <a:off x="685800" y="228600"/>
-            <a:ext cx="7772400" cy="2971800"/>
-          </a:xfrm>
-          <a:prstGeom prst="rect">
-            <a:avLst/>
-          </a:prstGeom>
-          <a:noFill/>
-        </p:spPr>
-        <p:txBody>
-          <a:bodyPr wrap="none">
-            <a:spAutoFit/>
-          </a:bodyPr>
-          <a:lstStyle/>
-          <a:p/>
-          <a:p>
-            <a:pPr algn="ctr">
-              <a:lnSpc>
-                <a:spcPts val="4800"/>
-              </a:lnSpc>
-              <a:defRPr sz="4000">
-                <a:solidFill>
-                  <a:srgbClr val="000000"/>
-                </a:solidFill>
-              </a:defRPr>
-            </a:pPr>
-            <a:r>
-              <a:t>พระเจ้าทรงยิ่งใหญ่ ร้องสรรเสริญ</a:t>
-            </a:r>
-            <a:br/>
-            <a:r>
-              <a:t>พระเจ้าทรงยิ่งใหญ่ ร้องสรรเสริญ</a:t>
-            </a:r>
-            <a:br/>
-            <a:r>
-              <a:t>พระเจ้า พระเจ้า ทรงยิ่งใหญ่</a:t>
-            </a:r>
-          </a:p>
-        </p:txBody>
-      </p:sp>
-      <p:sp>
-        <p:nvSpPr>
-          <p:cNvPr id="3" name="TextBox 2"/>
-          <p:cNvSpPr txBox="1"/>
-          <p:nvPr/>
-        </p:nvSpPr>
-        <p:spPr>
-          <a:xfrm>
-            <a:off x="685800" y="3657600"/>
-            <a:ext cx="7772400" cy="2971800"/>
-          </a:xfrm>
-          <a:prstGeom prst="rect">
-            <a:avLst/>
-          </a:prstGeom>
-          <a:noFill/>
-        </p:spPr>
-        <p:txBody>
-          <a:bodyPr wrap="none">
-            <a:spAutoFit/>
-          </a:bodyPr>
-          <a:lstStyle/>
-          <a:p/>
-          <a:p>
-            <a:pPr algn="ctr">
-              <a:lnSpc>
-                <a:spcPts val="4800"/>
-              </a:lnSpc>
-              <a:defRPr sz="3500">
-                <a:solidFill>
-                  <a:srgbClr val="3A70BC"/>
-                </a:solidFill>
-              </a:defRPr>
-            </a:pPr>
-            <a:r>
-              <a:t>How great is our God, sing with me</a:t>
-            </a:r>
-            <a:br/>
-            <a:r>
-              <a:t> How great is our God, and all will see</a:t>
-            </a:r>
-            <a:br/>
-            <a:r>
-              <a:t> How great, how great is our God</a:t>
-            </a:r>
-            <a:br/>
-          </a:p>
-        </p:txBody>
-      </p:sp>
-    </p:spTree>
-  </p:cSld>
-  <p:clrMapOvr>
-    <a:masterClrMapping/>
-  </p:clrMapOvr>
-</p:sld>
-</file>
-
-<file path=ppt/slides/slide26.xml><?xml version="1.0" encoding="utf-8"?>
-<p:sld xmlns:a="http://schemas.openxmlformats.org/drawingml/2006/main" xmlns:p="http://schemas.openxmlformats.org/presentationml/2006/main" xmlns:r="http://schemas.openxmlformats.org/officeDocument/2006/relationships">
-  <p:cSld>
-    <p:spTree>
-      <p:nvGrpSpPr>
-        <p:cNvPr id="1" name=""/>
-        <p:cNvGrpSpPr/>
-        <p:nvPr/>
-      </p:nvGrpSpPr>
-      <p:grpSpPr/>
-      <p:sp>
-        <p:nvSpPr>
-          <p:cNvPr id="2" name="TextBox 1"/>
-          <p:cNvSpPr txBox="1"/>
-          <p:nvPr/>
-        </p:nvSpPr>
-        <p:spPr>
-          <a:xfrm>
-            <a:off x="685800" y="228600"/>
-            <a:ext cx="7772400" cy="2971800"/>
-          </a:xfrm>
-          <a:prstGeom prst="rect">
-            <a:avLst/>
-          </a:prstGeom>
-          <a:noFill/>
-        </p:spPr>
-        <p:txBody>
-          <a:bodyPr wrap="none">
-            <a:spAutoFit/>
-          </a:bodyPr>
-          <a:lstStyle/>
-          <a:p/>
-          <a:p>
-            <a:pPr algn="ctr">
-              <a:lnSpc>
-                <a:spcPts val="4800"/>
-              </a:lnSpc>
-              <a:defRPr sz="4000">
-                <a:solidFill>
-                  <a:srgbClr val="000000"/>
-                </a:solidFill>
-              </a:defRPr>
-            </a:pPr>
-            <a:r>
-              <a:t>พระนามเหนือนามทั้งปวง</a:t>
-            </a:r>
-            <a:br/>
-            <a:r>
-              <a:t>ควรคู่คำสรรเสริญ จิตใจฉันร้อง</a:t>
-            </a:r>
-            <a:br/>
-            <a:r>
-              <a:t>พระเจ้าทรงยิ่งใหญ่</a:t>
-            </a:r>
-          </a:p>
-        </p:txBody>
-      </p:sp>
-      <p:sp>
-        <p:nvSpPr>
-          <p:cNvPr id="3" name="TextBox 2"/>
-          <p:cNvSpPr txBox="1"/>
-          <p:nvPr/>
-        </p:nvSpPr>
-        <p:spPr>
-          <a:xfrm>
-            <a:off x="685800" y="3657600"/>
-            <a:ext cx="7772400" cy="2971800"/>
-          </a:xfrm>
-          <a:prstGeom prst="rect">
-            <a:avLst/>
-          </a:prstGeom>
-          <a:noFill/>
-        </p:spPr>
-        <p:txBody>
-          <a:bodyPr wrap="none">
-            <a:spAutoFit/>
-          </a:bodyPr>
-          <a:lstStyle/>
-          <a:p/>
-          <a:p>
-            <a:pPr algn="ctr">
-              <a:lnSpc>
-                <a:spcPts val="4800"/>
-              </a:lnSpc>
-              <a:defRPr sz="3500">
-                <a:solidFill>
-                  <a:srgbClr val="3A70BC"/>
-                </a:solidFill>
-              </a:defRPr>
-            </a:pPr>
-            <a:r>
-              <a:t>Name above all names</a:t>
-            </a:r>
-            <a:br/>
-            <a:r>
-              <a:t> Worthy of our praise</a:t>
-            </a:r>
-            <a:br/>
-            <a:r>
-              <a:t> My heart will sing. How great is our God</a:t>
-            </a:r>
-            <a:br/>
-          </a:p>
-        </p:txBody>
-      </p:sp>
-    </p:spTree>
-  </p:cSld>
-  <p:clrMapOvr>
-    <a:masterClrMapping/>
-  </p:clrMapOvr>
-</p:sld>
-</file>
-
-<file path=ppt/slides/slide27.xml><?xml version="1.0" encoding="utf-8"?>
-<p:sld xmlns:a="http://schemas.openxmlformats.org/drawingml/2006/main" xmlns:p="http://schemas.openxmlformats.org/presentationml/2006/main" xmlns:r="http://schemas.openxmlformats.org/officeDocument/2006/relationships">
-  <p:cSld>
-    <p:spTree>
-      <p:nvGrpSpPr>
-        <p:cNvPr id="1" name=""/>
-        <p:cNvGrpSpPr/>
-        <p:nvPr/>
-      </p:nvGrpSpPr>
-      <p:grpSpPr/>
-      <p:sp>
-        <p:nvSpPr>
-          <p:cNvPr id="2" name="TextBox 1"/>
-          <p:cNvSpPr txBox="1"/>
-          <p:nvPr/>
-        </p:nvSpPr>
-        <p:spPr>
-          <a:xfrm>
-            <a:off x="685800" y="228600"/>
-            <a:ext cx="7772400" cy="2971800"/>
-          </a:xfrm>
-          <a:prstGeom prst="rect">
-            <a:avLst/>
-          </a:prstGeom>
-          <a:noFill/>
-        </p:spPr>
-        <p:txBody>
-          <a:bodyPr wrap="none">
-            <a:spAutoFit/>
-          </a:bodyPr>
-          <a:lstStyle/>
-          <a:p/>
-          <a:p>
-            <a:pPr algn="ctr">
-              <a:lnSpc>
-                <a:spcPts val="4800"/>
-              </a:lnSpc>
-              <a:defRPr sz="4000">
-                <a:solidFill>
-                  <a:srgbClr val="000000"/>
-                </a:solidFill>
-              </a:defRPr>
-            </a:pPr>
-            <a:r>
-              <a:t>พระเจ้าทรงยิ่งใหญ่ ร้องสรรเสริญ</a:t>
-            </a:r>
-            <a:br/>
-            <a:r>
-              <a:t>พระเจ้าทรงยิ่งใหญ่ ร้องสรรเสริญ</a:t>
-            </a:r>
-            <a:br/>
-            <a:r>
-              <a:t>พระเจ้า พระเจ้า ทรงยิ่งใหญ่</a:t>
-            </a:r>
-          </a:p>
-        </p:txBody>
-      </p:sp>
-      <p:sp>
-        <p:nvSpPr>
-          <p:cNvPr id="3" name="TextBox 2"/>
-          <p:cNvSpPr txBox="1"/>
-          <p:nvPr/>
-        </p:nvSpPr>
-        <p:spPr>
-          <a:xfrm>
-            <a:off x="685800" y="3657600"/>
-            <a:ext cx="7772400" cy="2971800"/>
-          </a:xfrm>
-          <a:prstGeom prst="rect">
-            <a:avLst/>
-          </a:prstGeom>
-          <a:noFill/>
-        </p:spPr>
-        <p:txBody>
-          <a:bodyPr wrap="none">
-            <a:spAutoFit/>
-          </a:bodyPr>
-          <a:lstStyle/>
-          <a:p/>
-          <a:p>
-            <a:pPr algn="ctr">
-              <a:lnSpc>
-                <a:spcPts val="4800"/>
-              </a:lnSpc>
-              <a:defRPr sz="3500">
-                <a:solidFill>
-                  <a:srgbClr val="3A70BC"/>
-                </a:solidFill>
-              </a:defRPr>
-            </a:pPr>
-            <a:r>
-              <a:t>How great is our God, sing with me</a:t>
-            </a:r>
-            <a:br/>
-            <a:r>
-              <a:t> How great is our God, and all will see</a:t>
-            </a:r>
-            <a:br/>
-            <a:r>
-              <a:t> How great, how great is our God</a:t>
-            </a:r>
-            <a:br/>
-          </a:p>
-        </p:txBody>
-      </p:sp>
-    </p:spTree>
-  </p:cSld>
-  <p:clrMapOvr>
-    <a:masterClrMapping/>
-  </p:clrMapOvr>
-</p:sld>
-</file>
-
-<file path=ppt/slides/slide28.xml><?xml version="1.0" encoding="utf-8"?>
-<p:sld xmlns:a="http://schemas.openxmlformats.org/drawingml/2006/main" xmlns:p="http://schemas.openxmlformats.org/presentationml/2006/main" xmlns:r="http://schemas.openxmlformats.org/officeDocument/2006/relationships">
-  <p:cSld>
-    <p:spTree>
-      <p:nvGrpSpPr>
-        <p:cNvPr id="1" name=""/>
-        <p:cNvGrpSpPr/>
-        <p:nvPr/>
-      </p:nvGrpSpPr>
-      <p:grpSpPr/>
-      <p:sp>
-        <p:nvSpPr>
-          <p:cNvPr id="2" name="Title 1"/>
-          <p:cNvSpPr>
-            <a:spLocks noGrp="1"/>
-          </p:cNvSpPr>
-          <p:nvPr>
-            <p:ph type="ctrTitle"/>
-          </p:nvPr>
-        </p:nvSpPr>
-        <p:spPr/>
-        <p:txBody>
-          <a:bodyPr/>
-          <a:lstStyle/>
-          <a:p>
-            <a:r>
-              <a:t>หัวใจผู้รับใช้</a:t>
-            </a:r>
-          </a:p>
-        </p:txBody>
-      </p:sp>
-      <p:sp>
-        <p:nvSpPr>
-          <p:cNvPr id="3" name="Subtitle 2"/>
-          <p:cNvSpPr>
-            <a:spLocks noGrp="1"/>
-          </p:cNvSpPr>
-          <p:nvPr>
-            <p:ph type="subTitle" idx="1"/>
-          </p:nvPr>
-        </p:nvSpPr>
-        <p:spPr/>
-        <p:txBody>
-          <a:bodyPr/>
-          <a:lstStyle/>
-          <a:p/>
-        </p:txBody>
-      </p:sp>
-    </p:spTree>
-  </p:cSld>
-  <p:clrMapOvr>
-    <a:masterClrMapping/>
-  </p:clrMapOvr>
-</p:sld>
-</file>
-
-<file path=ppt/slides/slide29.xml><?xml version="1.0" encoding="utf-8"?>
-<p:sld xmlns:a="http://schemas.openxmlformats.org/drawingml/2006/main" xmlns:p="http://schemas.openxmlformats.org/presentationml/2006/main" xmlns:r="http://schemas.openxmlformats.org/officeDocument/2006/relationships">
-  <p:cSld>
-    <p:spTree>
-      <p:nvGrpSpPr>
-        <p:cNvPr id="1" name=""/>
-        <p:cNvGrpSpPr/>
-        <p:nvPr/>
-      </p:nvGrpSpPr>
-      <p:grpSpPr/>
-      <p:sp>
-        <p:nvSpPr>
-          <p:cNvPr id="2" name="TextBox 1"/>
-          <p:cNvSpPr txBox="1"/>
-          <p:nvPr/>
-        </p:nvSpPr>
-        <p:spPr>
-          <a:xfrm>
-            <a:off x="914400" y="457200"/>
-            <a:ext cx="7315200" cy="5486400"/>
-          </a:xfrm>
-          <a:prstGeom prst="rect">
-            <a:avLst/>
-          </a:prstGeom>
-          <a:noFill/>
-        </p:spPr>
-        <p:txBody>
-          <a:bodyPr wrap="none">
-            <a:spAutoFit/>
-          </a:bodyPr>
-          <a:lstStyle/>
-          <a:p/>
-          <a:p>
-            <a:pPr algn="ctr">
-              <a:lnSpc>
-                <a:spcPts val="4800"/>
-              </a:lnSpc>
-              <a:defRPr sz="4000">
-                <a:solidFill>
-                  <a:srgbClr val="000000"/>
-                </a:solidFill>
-              </a:defRPr>
-            </a:pPr>
-            <a:r>
-              <a:t>สุดรักและสุดหวง ถนอมดังแก้วตา</a:t>
-            </a:r>
-            <a:br/>
-            <a:r>
-              <a:t>ดุจดังบิดาที่รักลูก ปลูกฝังสร้างชีวิต</a:t>
-            </a:r>
-            <a:br/>
-            <a:r>
-              <a:t>อุทิศทั้งจิตใจ หวังเพียงให้เจ้าเติบโต</a:t>
-            </a:r>
-            <a:br/>
-            <a:r>
-              <a:t>จากวันที่เกิดมา ลูกจ๋าพ่อห่วงใย</a:t>
-            </a:r>
-            <a:br/>
-            <a:r>
-              <a:t>ดูแลอยู่ใกล้ไม่ทิ้งห่าง เมื่อยามมีปัญหา</a:t>
-            </a:r>
-            <a:br/>
-            <a:r>
-              <a:t>เข้ามาช่วยแก้ไข นี่แหละใจผู้รับใช้</a:t>
+              <a:t>We are one in the bond of love. We are one in the bond of love. We have join our spirit with Spirit of God. We are one in the bond of love.</a:t>
             </a:r>
           </a:p>
         </p:txBody>
@@ -5003,82 +3749,8 @@
         </p:nvSpPr>
         <p:spPr>
           <a:xfrm>
-            <a:off x="914400" y="457200"/>
-            <a:ext cx="7315200" cy="5486400"/>
-          </a:xfrm>
-          <a:prstGeom prst="rect">
-            <a:avLst/>
-          </a:prstGeom>
-          <a:noFill/>
-        </p:spPr>
-        <p:txBody>
-          <a:bodyPr wrap="none">
-            <a:spAutoFit/>
-          </a:bodyPr>
-          <a:lstStyle/>
-          <a:p/>
-          <a:p>
-            <a:pPr algn="ctr">
-              <a:lnSpc>
-                <a:spcPts val="5900"/>
-              </a:lnSpc>
-              <a:defRPr sz="4000">
-                <a:solidFill>
-                  <a:srgbClr val="000000"/>
-                </a:solidFill>
-              </a:defRPr>
-            </a:pPr>
-            <a:r>
-              <a:t>You came from Heaven to earth to show the way</a:t>
-            </a:r>
-            <a:br/>
-            <a:r>
-              <a:t> From the earth to the cross my debt to pay</a:t>
-            </a:r>
-            <a:br/>
-            <a:r>
-              <a:t>From the cross to the grave</a:t>
-            </a:r>
-            <a:br/>
-            <a:r>
-              <a:t> From the grave to the sky</a:t>
-            </a:r>
-            <a:br/>
-            <a:r>
-              <a:t> Lord, I lift Your name on high</a:t>
-            </a:r>
-            <a:br/>
-          </a:p>
-        </p:txBody>
-      </p:sp>
-    </p:spTree>
-  </p:cSld>
-  <p:clrMapOvr>
-    <a:masterClrMapping/>
-  </p:clrMapOvr>
-</p:sld>
-</file>
-
-<file path=ppt/slides/slide30.xml><?xml version="1.0" encoding="utf-8"?>
-<p:sld xmlns:a="http://schemas.openxmlformats.org/drawingml/2006/main" xmlns:p="http://schemas.openxmlformats.org/presentationml/2006/main" xmlns:r="http://schemas.openxmlformats.org/officeDocument/2006/relationships">
-  <p:cSld>
-    <p:spTree>
-      <p:nvGrpSpPr>
-        <p:cNvPr id="1" name=""/>
-        <p:cNvGrpSpPr/>
-        <p:nvPr/>
-      </p:nvGrpSpPr>
-      <p:grpSpPr/>
-      <p:sp>
-        <p:nvSpPr>
-          <p:cNvPr id="2" name="TextBox 1"/>
-          <p:cNvSpPr txBox="1"/>
-          <p:nvPr/>
-        </p:nvSpPr>
-        <p:spPr>
-          <a:xfrm>
-            <a:off x="914400" y="457200"/>
-            <a:ext cx="7315200" cy="5486400"/>
+            <a:off x="685800" y="228600"/>
+            <a:ext cx="7772400" cy="2971800"/>
           </a:xfrm>
           <a:prstGeom prst="rect">
             <a:avLst/>
@@ -5103,59 +3775,29 @@
               </a:defRPr>
             </a:pPr>
             <a:r>
-              <a:t>จะทุ่มเทร่างกาย จิตใจและวิญญาณ</a:t>
+              <a:t>ขอให้เราร่วมร้องเพลงกันเถิด เปิดดวงใจรับความรักพระเจ้า</a:t>
             </a:r>
             <a:br/>
             <a:r>
-              <a:t>ทุกโมงยามสั่งสอนเทศนา ด้วยมานะและอดทน</a:t>
+              <a:t>ให้เราจับมือกันและประกาศให้โลกรู้</a:t>
             </a:r>
             <a:br/>
             <a:r>
-              <a:t>ต่อสู้ไม่เคยหวั่น ในใจนั้นหวังเพียงเจ้าเติบโต</a:t>
-            </a:r>
-            <a:br/>
-            <a:r>
-              <a:t>ไม่ว่าเป็นหรือตาย กลับกลายเป็นผงคลี</a:t>
-            </a:r>
-            <a:br/>
-            <a:r>
-              <a:t>จะไม่หนีจากทางที่มุ่งหวัง เปี่ยมพลังที่ฝังใจ</a:t>
-            </a:r>
-            <a:br/>
-            <a:r>
-              <a:t>หลักชัยที่หมายมั่น รอวันนั้นรางวัลแห่งศักดิ์ศรี</a:t>
-            </a:r>
-          </a:p>
-        </p:txBody>
-      </p:sp>
-    </p:spTree>
-  </p:cSld>
-  <p:clrMapOvr>
-    <a:masterClrMapping/>
-  </p:clrMapOvr>
-</p:sld>
-</file>
-
-<file path=ppt/slides/slide31.xml><?xml version="1.0" encoding="utf-8"?>
-<p:sld xmlns:a="http://schemas.openxmlformats.org/drawingml/2006/main" xmlns:p="http://schemas.openxmlformats.org/presentationml/2006/main" xmlns:r="http://schemas.openxmlformats.org/officeDocument/2006/relationships">
-  <p:cSld>
-    <p:spTree>
-      <p:nvGrpSpPr>
-        <p:cNvPr id="1" name=""/>
-        <p:cNvGrpSpPr/>
-        <p:nvPr/>
-      </p:nvGrpSpPr>
-      <p:grpSpPr/>
-      <p:sp>
-        <p:nvSpPr>
-          <p:cNvPr id="2" name="TextBox 1"/>
+              <a:t>เราเป็นหนึ่งในความรักพระคริสต์</a:t>
+            </a:r>
+          </a:p>
+        </p:txBody>
+      </p:sp>
+      <p:sp>
+        <p:nvSpPr>
+          <p:cNvPr id="3" name="TextBox 2"/>
           <p:cNvSpPr txBox="1"/>
           <p:nvPr/>
         </p:nvSpPr>
         <p:spPr>
           <a:xfrm>
-            <a:off x="914400" y="457200"/>
-            <a:ext cx="7315200" cy="5486400"/>
+            <a:off x="685800" y="3657600"/>
+            <a:ext cx="7772400" cy="2971800"/>
           </a:xfrm>
           <a:prstGeom prst="rect">
             <a:avLst/>
@@ -5163,7 +3805,7 @@
           <a:noFill/>
         </p:spPr>
         <p:txBody>
-          <a:bodyPr wrap="none">
+          <a:bodyPr wrap="square">
             <a:spAutoFit/>
           </a:bodyPr>
           <a:lstStyle/>
@@ -5173,111 +3815,14 @@
               <a:lnSpc>
                 <a:spcPts val="4800"/>
               </a:lnSpc>
-              <a:defRPr sz="4000">
+              <a:defRPr sz="3500">
                 <a:solidFill>
-                  <a:srgbClr val="000000"/>
+                  <a:srgbClr val="3A70BC"/>
                 </a:solidFill>
               </a:defRPr>
             </a:pPr>
             <a:r>
-              <a:t>สุดรักสุดบูชา เสาะหาน้ำพระทัย</a:t>
-            </a:r>
-            <a:br/>
-            <a:r>
-              <a:t>ถ่อมจิตใจในพระเจ้า เชื่อฟังพระบัญชา</a:t>
-            </a:r>
-            <a:br/>
-            <a:r>
-              <a:t>สั่งว่าจงเลี้ยงดู ฝูงแกะที่เราได้มอบหมาย</a:t>
-            </a:r>
-            <a:br/>
-            <a:r>
-              <a:t>ไม่คิดจะท้อแท้ หากแม้กายเสื่อมไป</a:t>
-            </a:r>
-            <a:br/>
-            <a:r>
-              <a:t>แต่จิตใจจำเริญขึ้น ต่อสู้สุดกำลัง</a:t>
-            </a:r>
-            <a:br/>
-            <a:r>
-              <a:t>แข่งขันถึงจุดหมาย จนชีพวายใต้กางเขน</a:t>
-            </a:r>
-          </a:p>
-        </p:txBody>
-      </p:sp>
-    </p:spTree>
-  </p:cSld>
-  <p:clrMapOvr>
-    <a:masterClrMapping/>
-  </p:clrMapOvr>
-</p:sld>
-</file>
-
-<file path=ppt/slides/slide32.xml><?xml version="1.0" encoding="utf-8"?>
-<p:sld xmlns:a="http://schemas.openxmlformats.org/drawingml/2006/main" xmlns:p="http://schemas.openxmlformats.org/presentationml/2006/main" xmlns:r="http://schemas.openxmlformats.org/officeDocument/2006/relationships">
-  <p:cSld>
-    <p:spTree>
-      <p:nvGrpSpPr>
-        <p:cNvPr id="1" name=""/>
-        <p:cNvGrpSpPr/>
-        <p:nvPr/>
-      </p:nvGrpSpPr>
-      <p:grpSpPr/>
-      <p:sp>
-        <p:nvSpPr>
-          <p:cNvPr id="2" name="TextBox 1"/>
-          <p:cNvSpPr txBox="1"/>
-          <p:nvPr/>
-        </p:nvSpPr>
-        <p:spPr>
-          <a:xfrm>
-            <a:off x="914400" y="457200"/>
-            <a:ext cx="7315200" cy="5486400"/>
-          </a:xfrm>
-          <a:prstGeom prst="rect">
-            <a:avLst/>
-          </a:prstGeom>
-          <a:noFill/>
-        </p:spPr>
-        <p:txBody>
-          <a:bodyPr wrap="none">
-            <a:spAutoFit/>
-          </a:bodyPr>
-          <a:lstStyle/>
-          <a:p/>
-          <a:p>
-            <a:pPr algn="ctr">
-              <a:lnSpc>
-                <a:spcPts val="4800"/>
-              </a:lnSpc>
-              <a:defRPr sz="4000">
-                <a:solidFill>
-                  <a:srgbClr val="000000"/>
-                </a:solidFill>
-              </a:defRPr>
-            </a:pPr>
-            <a:r>
-              <a:t>จะทุ่มเทร่างกาย จิตใจและวิญญาณ</a:t>
-            </a:r>
-            <a:br/>
-            <a:r>
-              <a:t>ทุกโมงยามสั่งสอนเทศนา ด้วยมานะและอดทน</a:t>
-            </a:r>
-            <a:br/>
-            <a:r>
-              <a:t>ต่อสู้ไม่เคยหวั่น ในใจนั้นหวังเพียงเจ้าเติบโต</a:t>
-            </a:r>
-            <a:br/>
-            <a:r>
-              <a:t>ไม่ว่าเป็นหรือตาย กลับกลายเป็นผงคลี</a:t>
-            </a:r>
-            <a:br/>
-            <a:r>
-              <a:t>จะไม่หนีจากทางที่มุ่งหวัง เปี่ยมพลังที่ฝังใจ</a:t>
-            </a:r>
-            <a:br/>
-            <a:r>
-              <a:t>หลักชัยที่หมายมั่น รอวันนั้นรางวัลแห่งศักดิ์ศรี</a:t>
+              <a:t>Let us sing now, ev'ry one; Let us feel His love begun. Let us join our hands, that the world will know; We are one in the bond of love.</a:t>
             </a:r>
           </a:p>
         </p:txBody>
@@ -5314,7 +3859,11 @@
         <p:txBody>
           <a:bodyPr/>
           <a:lstStyle/>
-          <a:p/>
+          <a:p>
+            <a:r>
+              <a:t>เชิญพระวิญญาณแห่งความรักยิ่งใหญ่</a:t>
+            </a:r>
+          </a:p>
         </p:txBody>
       </p:sp>
       <p:sp>
@@ -5333,7 +3882,7 @@
           <a:lstStyle/>
           <a:p>
             <a:r>
-              <a:t>Step by Step</a:t>
+              <a:t>Spirit Song</a:t>
             </a:r>
           </a:p>
         </p:txBody>
@@ -5364,8 +3913,8 @@
         </p:nvSpPr>
         <p:spPr>
           <a:xfrm>
-            <a:off x="914400" y="457200"/>
-            <a:ext cx="7315200" cy="5486400"/>
+            <a:off x="685800" y="228600"/>
+            <a:ext cx="7772400" cy="2971800"/>
           </a:xfrm>
           <a:prstGeom prst="rect">
             <a:avLst/>
@@ -5373,7 +3922,7 @@
           <a:noFill/>
         </p:spPr>
         <p:txBody>
-          <a:bodyPr wrap="none">
+          <a:bodyPr wrap="square">
             <a:spAutoFit/>
           </a:bodyPr>
           <a:lstStyle/>
@@ -5381,7 +3930,7 @@
           <a:p>
             <a:pPr algn="ctr">
               <a:lnSpc>
-                <a:spcPts val="16100"/>
+                <a:spcPts val="4800"/>
               </a:lnSpc>
               <a:defRPr sz="4000">
                 <a:solidFill>
@@ -5390,17 +3939,47 @@
               </a:defRPr>
             </a:pPr>
             <a:r>
-              <a:t>Oh God, You are my God</a:t>
-            </a:r>
-            <a:br/>
-            <a:r>
-              <a:t> Oh God, You are my God</a:t>
-            </a:r>
-            <a:br/>
-            <a:r>
-              <a:t> And I will ever praise You</a:t>
-            </a:r>
-            <a:br/>
+              <a:t>เชิญพระวิญญาณแห่งความรักยิ่งใหญ่ ทรงเคลื่อนไหวเหนือเราทุกคน ให้เต็มล้นภายในสันติสุข อิ่มเอมใจ ขอทรงครอบครองความคิดและชีวิต ให้เป็นของพระองค์ทุกสิ่ง โดยพระวิญญาณบริสุทธิ์ เป็นผู้ทรงนำ</a:t>
+            </a:r>
+          </a:p>
+        </p:txBody>
+      </p:sp>
+      <p:sp>
+        <p:nvSpPr>
+          <p:cNvPr id="3" name="TextBox 2"/>
+          <p:cNvSpPr txBox="1"/>
+          <p:nvPr/>
+        </p:nvSpPr>
+        <p:spPr>
+          <a:xfrm>
+            <a:off x="685800" y="3657600"/>
+            <a:ext cx="7772400" cy="2971800"/>
+          </a:xfrm>
+          <a:prstGeom prst="rect">
+            <a:avLst/>
+          </a:prstGeom>
+          <a:noFill/>
+        </p:spPr>
+        <p:txBody>
+          <a:bodyPr wrap="square">
+            <a:spAutoFit/>
+          </a:bodyPr>
+          <a:lstStyle/>
+          <a:p/>
+          <a:p>
+            <a:pPr algn="ctr">
+              <a:lnSpc>
+                <a:spcPts val="4800"/>
+              </a:lnSpc>
+              <a:defRPr sz="3500">
+                <a:solidFill>
+                  <a:srgbClr val="3A70BC"/>
+                </a:solidFill>
+              </a:defRPr>
+            </a:pPr>
+            <a:r>
+              <a:t>Oh let the Son of God enfold you. With His Spirit and His love. Let Him fill your heart and satisfy your soul. Oh let Him have those things that hold you. And His Spirit like a dove. Will descend upon your life and make you whole.</a:t>
+            </a:r>
           </a:p>
         </p:txBody>
       </p:sp>
@@ -5430,8 +4009,8 @@
         </p:nvSpPr>
         <p:spPr>
           <a:xfrm>
-            <a:off x="914400" y="457200"/>
-            <a:ext cx="7315200" cy="5486400"/>
+            <a:off x="685800" y="228600"/>
+            <a:ext cx="7772400" cy="2971800"/>
           </a:xfrm>
           <a:prstGeom prst="rect">
             <a:avLst/>
@@ -5447,7 +4026,7 @@
           <a:p>
             <a:pPr algn="ctr">
               <a:lnSpc>
-                <a:spcPts val="9500"/>
+                <a:spcPts val="4800"/>
               </a:lnSpc>
               <a:defRPr sz="4000">
                 <a:solidFill>
@@ -5456,19 +4035,62 @@
               </a:defRPr>
             </a:pPr>
             <a:r>
-              <a:t>I will seek You in the morning</a:t>
+              <a:t>เย...ซู โอ้เย....ซู</a:t>
             </a:r>
             <a:br/>
             <a:r>
-              <a:t> And I will learn to walk in Your ways</a:t>
+              <a:t>โปรด เจิม เราด้วยไฟ</a:t>
             </a:r>
             <a:br/>
             <a:r>
-              <a:t> And Step by step You'll lead me</a:t>
+              <a:t>เย..ซู โอ้เย....ซู โปรด</a:t>
             </a:r>
             <a:br/>
             <a:r>
-              <a:t> And I will follow You all of my days</a:t>
+              <a:t>เจิมเรา ด้วยไฟ</a:t>
+            </a:r>
+          </a:p>
+        </p:txBody>
+      </p:sp>
+      <p:sp>
+        <p:nvSpPr>
+          <p:cNvPr id="3" name="TextBox 2"/>
+          <p:cNvSpPr txBox="1"/>
+          <p:nvPr/>
+        </p:nvSpPr>
+        <p:spPr>
+          <a:xfrm>
+            <a:off x="685800" y="3657600"/>
+            <a:ext cx="7772400" cy="2971800"/>
+          </a:xfrm>
+          <a:prstGeom prst="rect">
+            <a:avLst/>
+          </a:prstGeom>
+          <a:noFill/>
+        </p:spPr>
+        <p:txBody>
+          <a:bodyPr wrap="none">
+            <a:spAutoFit/>
+          </a:bodyPr>
+          <a:lstStyle/>
+          <a:p/>
+          <a:p>
+            <a:pPr algn="ctr">
+              <a:lnSpc>
+                <a:spcPts val="4800"/>
+              </a:lnSpc>
+              <a:defRPr sz="3500">
+                <a:solidFill>
+                  <a:srgbClr val="3A70BC"/>
+                </a:solidFill>
+              </a:defRPr>
+            </a:pPr>
+            <a:r>
+              <a:t>Jesus oh Jesus, Come and fill Your lambs</a:t>
+            </a:r>
+            <a:br/>
+            <a:r>
+              <a:t> Jesus oh Jesus, Come and fill Your lambs</a:t>
             </a:r>
             <a:br/>
           </a:p>
@@ -5494,38 +4116,78 @@
       <p:grpSpPr/>
       <p:sp>
         <p:nvSpPr>
-          <p:cNvPr id="2" name="Title 1"/>
-          <p:cNvSpPr>
-            <a:spLocks noGrp="1"/>
-          </p:cNvSpPr>
-          <p:nvPr>
-            <p:ph type="ctrTitle"/>
-          </p:nvPr>
-        </p:nvSpPr>
-        <p:spPr/>
-        <p:txBody>
-          <a:bodyPr/>
+          <p:cNvPr id="2" name="TextBox 1"/>
+          <p:cNvSpPr txBox="1"/>
+          <p:nvPr/>
+        </p:nvSpPr>
+        <p:spPr>
+          <a:xfrm>
+            <a:off x="685800" y="228600"/>
+            <a:ext cx="7772400" cy="2971800"/>
+          </a:xfrm>
+          <a:prstGeom prst="rect">
+            <a:avLst/>
+          </a:prstGeom>
+          <a:noFill/>
+        </p:spPr>
+        <p:txBody>
+          <a:bodyPr wrap="square">
+            <a:spAutoFit/>
+          </a:bodyPr>
           <a:lstStyle/>
           <a:p/>
-        </p:txBody>
-      </p:sp>
-      <p:sp>
-        <p:nvSpPr>
-          <p:cNvPr id="3" name="Subtitle 2"/>
-          <p:cNvSpPr>
-            <a:spLocks noGrp="1"/>
-          </p:cNvSpPr>
-          <p:nvPr>
-            <p:ph type="subTitle" idx="1"/>
-          </p:nvPr>
-        </p:nvSpPr>
-        <p:spPr/>
-        <p:txBody>
-          <a:bodyPr/>
-          <a:lstStyle/>
-          <a:p>
-            <a:r>
-              <a:t>Who am I</a:t>
+          <a:p>
+            <a:pPr algn="ctr">
+              <a:lnSpc>
+                <a:spcPts val="4800"/>
+              </a:lnSpc>
+              <a:defRPr sz="4000">
+                <a:solidFill>
+                  <a:srgbClr val="000000"/>
+                </a:solidFill>
+              </a:defRPr>
+            </a:pPr>
+            <a:r>
+              <a:t>...</a:t>
+            </a:r>
+          </a:p>
+        </p:txBody>
+      </p:sp>
+      <p:sp>
+        <p:nvSpPr>
+          <p:cNvPr id="3" name="TextBox 2"/>
+          <p:cNvSpPr txBox="1"/>
+          <p:nvPr/>
+        </p:nvSpPr>
+        <p:spPr>
+          <a:xfrm>
+            <a:off x="685800" y="3657600"/>
+            <a:ext cx="7772400" cy="2971800"/>
+          </a:xfrm>
+          <a:prstGeom prst="rect">
+            <a:avLst/>
+          </a:prstGeom>
+          <a:noFill/>
+        </p:spPr>
+        <p:txBody>
+          <a:bodyPr wrap="square">
+            <a:spAutoFit/>
+          </a:bodyPr>
+          <a:lstStyle/>
+          <a:p/>
+          <a:p>
+            <a:pPr algn="ctr">
+              <a:lnSpc>
+                <a:spcPts val="4800"/>
+              </a:lnSpc>
+              <a:defRPr sz="3500">
+                <a:solidFill>
+                  <a:srgbClr val="3A70BC"/>
+                </a:solidFill>
+              </a:defRPr>
+            </a:pPr>
+            <a:r>
+              <a:t>Oh come and sing the song of gladness. As your hearts are filled with joy. Lift your hands in sweet surrender to His name. Oh give Him all your tears and sadness. Give Him all your years of pain. And you'll enter into life in Jesus' name.</a:t>
             </a:r>
           </a:p>
         </p:txBody>
@@ -5556,8 +4218,8 @@
         </p:nvSpPr>
         <p:spPr>
           <a:xfrm>
-            <a:off x="914400" y="457200"/>
-            <a:ext cx="7315200" cy="5486400"/>
+            <a:off x="685800" y="228600"/>
+            <a:ext cx="7772400" cy="2971800"/>
           </a:xfrm>
           <a:prstGeom prst="rect">
             <a:avLst/>
@@ -5582,28 +4244,64 @@
               </a:defRPr>
             </a:pPr>
             <a:r>
-              <a:t>Who am I, that the Lord of all the earth</a:t>
+              <a:t>เย...ซู โอ้เย....ซู</a:t>
             </a:r>
             <a:br/>
             <a:r>
-              <a:t> Would care to know my name</a:t>
+              <a:t>โปรด เจิม เราด้วยไฟ</a:t>
             </a:r>
             <a:br/>
             <a:r>
-              <a:t> Would care to feel my hurt? Who am I</a:t>
+              <a:t>เย..ซู โอ้เย....ซู โปรด</a:t>
             </a:r>
             <a:br/>
             <a:r>
-              <a:t> that the Bright and Morning Star</a:t>
+              <a:t>เจิมเรา ด้วยไฟ</a:t>
+            </a:r>
+          </a:p>
+        </p:txBody>
+      </p:sp>
+      <p:sp>
+        <p:nvSpPr>
+          <p:cNvPr id="3" name="TextBox 2"/>
+          <p:cNvSpPr txBox="1"/>
+          <p:nvPr/>
+        </p:nvSpPr>
+        <p:spPr>
+          <a:xfrm>
+            <a:off x="685800" y="3657600"/>
+            <a:ext cx="7772400" cy="2971800"/>
+          </a:xfrm>
+          <a:prstGeom prst="rect">
+            <a:avLst/>
+          </a:prstGeom>
+          <a:noFill/>
+        </p:spPr>
+        <p:txBody>
+          <a:bodyPr wrap="none">
+            <a:spAutoFit/>
+          </a:bodyPr>
+          <a:lstStyle/>
+          <a:p/>
+          <a:p>
+            <a:pPr algn="ctr">
+              <a:lnSpc>
+                <a:spcPts val="4800"/>
+              </a:lnSpc>
+              <a:defRPr sz="3500">
+                <a:solidFill>
+                  <a:srgbClr val="3A70BC"/>
+                </a:solidFill>
+              </a:defRPr>
+            </a:pPr>
+            <a:r>
+              <a:t>Jesus oh Jesus, Come and fill Your lambs</a:t>
             </a:r>
             <a:br/>
             <a:r>
-              <a:t> Would choose to light the way</a:t>
+              <a:t> Jesus oh Jesus, Come and fill Your lambs</a:t>
             </a:r>
             <a:br/>
-            <a:r>
-              <a:t> For my ever wandering heart?</a:t>
-            </a:r>
           </a:p>
         </p:txBody>
       </p:sp>
@@ -5627,53 +4325,39 @@
       <p:grpSpPr/>
       <p:sp>
         <p:nvSpPr>
-          <p:cNvPr id="2" name="TextBox 1"/>
-          <p:cNvSpPr txBox="1"/>
-          <p:nvPr/>
-        </p:nvSpPr>
-        <p:spPr>
-          <a:xfrm>
-            <a:off x="914400" y="457200"/>
-            <a:ext cx="7315200" cy="5486400"/>
-          </a:xfrm>
-          <a:prstGeom prst="rect">
-            <a:avLst/>
-          </a:prstGeom>
-          <a:noFill/>
-        </p:spPr>
-        <p:txBody>
-          <a:bodyPr wrap="none">
-            <a:spAutoFit/>
-          </a:bodyPr>
+          <p:cNvPr id="2" name="Title 1"/>
+          <p:cNvSpPr>
+            <a:spLocks noGrp="1"/>
+          </p:cNvSpPr>
+          <p:nvPr>
+            <p:ph type="ctrTitle"/>
+          </p:nvPr>
+        </p:nvSpPr>
+        <p:spPr/>
+        <p:txBody>
+          <a:bodyPr/>
           <a:lstStyle/>
           <a:p/>
-          <a:p>
-            <a:pPr algn="ctr">
-              <a:lnSpc>
-                <a:spcPts val="12000"/>
-              </a:lnSpc>
-              <a:defRPr sz="4000">
-                <a:solidFill>
-                  <a:srgbClr val="000000"/>
-                </a:solidFill>
-              </a:defRPr>
-            </a:pPr>
-            <a:r>
-              <a:t>Not because of who I am</a:t>
-            </a:r>
-            <a:br/>
-            <a:r>
-              <a:t> But because of what You've done</a:t>
-            </a:r>
-            <a:br/>
-            <a:r>
-              <a:t> Not because of what I've done</a:t>
-            </a:r>
-            <a:br/>
-            <a:r>
-              <a:t> But because of who You are</a:t>
-            </a:r>
-            <a:br/>
+        </p:txBody>
+      </p:sp>
+      <p:sp>
+        <p:nvSpPr>
+          <p:cNvPr id="3" name="Subtitle 2"/>
+          <p:cNvSpPr>
+            <a:spLocks noGrp="1"/>
+          </p:cNvSpPr>
+          <p:nvPr>
+            <p:ph type="subTitle" idx="1"/>
+          </p:nvPr>
+        </p:nvSpPr>
+        <p:spPr/>
+        <p:txBody>
+          <a:bodyPr/>
+          <a:lstStyle/>
+          <a:p>
+            <a:r>
+              <a:t>Hosanna</a:t>
+            </a:r>
           </a:p>
         </p:txBody>
       </p:sp>

--- a/finishedppt/WorshipSongs.pptx
+++ b/finishedppt/WorshipSongs.pptx
@@ -21,6 +21,49 @@
     <p:sldId id="269" r:id="rId20"/>
     <p:sldId id="270" r:id="rId21"/>
     <p:sldId id="271" r:id="rId22"/>
+    <p:sldId id="272" r:id="rId23"/>
+    <p:sldId id="273" r:id="rId24"/>
+    <p:sldId id="274" r:id="rId25"/>
+    <p:sldId id="275" r:id="rId26"/>
+    <p:sldId id="276" r:id="rId27"/>
+    <p:sldId id="277" r:id="rId28"/>
+    <p:sldId id="278" r:id="rId29"/>
+    <p:sldId id="279" r:id="rId30"/>
+    <p:sldId id="280" r:id="rId31"/>
+    <p:sldId id="281" r:id="rId32"/>
+    <p:sldId id="282" r:id="rId33"/>
+    <p:sldId id="283" r:id="rId34"/>
+    <p:sldId id="284" r:id="rId35"/>
+    <p:sldId id="285" r:id="rId36"/>
+    <p:sldId id="286" r:id="rId37"/>
+    <p:sldId id="287" r:id="rId38"/>
+    <p:sldId id="288" r:id="rId39"/>
+    <p:sldId id="289" r:id="rId40"/>
+    <p:sldId id="290" r:id="rId41"/>
+    <p:sldId id="291" r:id="rId42"/>
+    <p:sldId id="292" r:id="rId43"/>
+    <p:sldId id="293" r:id="rId44"/>
+    <p:sldId id="294" r:id="rId45"/>
+    <p:sldId id="295" r:id="rId46"/>
+    <p:sldId id="296" r:id="rId47"/>
+    <p:sldId id="297" r:id="rId48"/>
+    <p:sldId id="298" r:id="rId49"/>
+    <p:sldId id="299" r:id="rId50"/>
+    <p:sldId id="300" r:id="rId51"/>
+    <p:sldId id="301" r:id="rId52"/>
+    <p:sldId id="302" r:id="rId53"/>
+    <p:sldId id="303" r:id="rId54"/>
+    <p:sldId id="304" r:id="rId55"/>
+    <p:sldId id="305" r:id="rId56"/>
+    <p:sldId id="306" r:id="rId57"/>
+    <p:sldId id="307" r:id="rId58"/>
+    <p:sldId id="308" r:id="rId59"/>
+    <p:sldId id="309" r:id="rId60"/>
+    <p:sldId id="310" r:id="rId61"/>
+    <p:sldId id="311" r:id="rId62"/>
+    <p:sldId id="312" r:id="rId63"/>
+    <p:sldId id="313" r:id="rId64"/>
+    <p:sldId id="314" r:id="rId65"/>
   </p:sldIdLst>
   <p:sldSz cx="9144000" cy="6858000" type="screen4x3"/>
   <p:notesSz cx="6858000" cy="9144000"/>
@@ -3119,7 +3162,7 @@
           <a:lstStyle/>
           <a:p>
             <a:r>
-              <a:t>เราเป็นหนึ่งในความรักพระคริสต์</a:t>
+              <a:t>ทุกวันเวลา (ข้าอยากใกล้ชิดพระองค์)</a:t>
             </a:r>
           </a:p>
         </p:txBody>
@@ -3138,11 +3181,7 @@
         <p:txBody>
           <a:bodyPr/>
           <a:lstStyle/>
-          <a:p>
-            <a:r>
-              <a:t>We are one in the bond of love.</a:t>
-            </a:r>
-          </a:p>
+          <a:p/>
         </p:txBody>
       </p:sp>
     </p:spTree>
@@ -3180,7 +3219,7 @@
           <a:noFill/>
         </p:spPr>
         <p:txBody>
-          <a:bodyPr wrap="none">
+          <a:bodyPr wrap="square">
             <a:spAutoFit/>
           </a:bodyPr>
           <a:lstStyle/>
@@ -3188,30 +3227,17 @@
           <a:p>
             <a:pPr algn="ctr">
               <a:lnSpc>
-                <a:spcPts val="13200"/>
+                <a:spcPts val="6100"/>
               </a:lnSpc>
-              <a:defRPr sz="4000">
+              <a:defRPr sz="4300">
                 <a:solidFill>
                   <a:srgbClr val="000000"/>
                 </a:solidFill>
               </a:defRPr>
             </a:pPr>
             <a:r>
-              <a:t>I see the king of glory</a:t>
-            </a:r>
-            <a:br/>
-            <a:r>
-              <a:t> Coming on the clouds with fire</a:t>
-            </a:r>
-            <a:br/>
-            <a:r>
-              <a:t> The whole earth shakes</a:t>
-            </a:r>
-            <a:br/>
-            <a:r>
-              <a:t> The whole earth shakes</a:t>
-            </a:r>
-            <a:br/>
+              <a:t>I believe in a hope that's so secure. In Your love there is no fear, Salvation is sure. I believe on the cross You took my pain. All my sins are washed away. Forgiven and free.</a:t>
+            </a:r>
           </a:p>
         </p:txBody>
       </p:sp>
@@ -3258,30 +3284,25 @@
           <a:p>
             <a:pPr algn="ctr">
               <a:lnSpc>
-                <a:spcPts val="15100"/>
+                <a:spcPts val="7000"/>
               </a:lnSpc>
-              <a:defRPr sz="4000">
+              <a:defRPr sz="4300">
                 <a:solidFill>
                   <a:srgbClr val="000000"/>
                 </a:solidFill>
               </a:defRPr>
             </a:pPr>
             <a:r>
-              <a:t>I see his love and mercy</a:t>
-            </a:r>
-            <a:br/>
-            <a:r>
-              <a:t> Washing over all our sin</a:t>
-            </a:r>
-            <a:br/>
-            <a:r>
-              <a:t> The people sing</a:t>
-            </a:r>
-            <a:br/>
-            <a:r>
-              <a:t> The people sing</a:t>
-            </a:r>
-            <a:br/>
+              <a:t>And now I see</a:t>
+            </a:r>
+            <a:br/>
+            <a:r>
+              <a:t> As You are</a:t>
+            </a:r>
+            <a:br/>
+            <a:r>
+              <a:t> so are we</a:t>
+            </a:r>
           </a:p>
         </p:txBody>
       </p:sp>
@@ -3328,20 +3349,28 @@
           <a:p>
             <a:pPr algn="ctr">
               <a:lnSpc>
-                <a:spcPts val="19600"/>
+                <a:spcPts val="7000"/>
               </a:lnSpc>
-              <a:defRPr sz="4000">
+              <a:defRPr sz="4300">
                 <a:solidFill>
                   <a:srgbClr val="000000"/>
                 </a:solidFill>
               </a:defRPr>
             </a:pPr>
             <a:r>
-              <a:t>Hosanna Hosanna</a:t>
-            </a:r>
-            <a:br/>
-            <a:r>
-              <a:t> Hosanna in the Highest</a:t>
+              <a:t>Let my life resound Your praise</a:t>
+            </a:r>
+            <a:br/>
+            <a:r>
+              <a:t> As an anthem of Your grace</a:t>
+            </a:r>
+            <a:br/>
+            <a:r>
+              <a:t> There is power in Your name</a:t>
+            </a:r>
+            <a:br/>
+            <a:r>
+              <a:t> Hallelujah Jesus You reign</a:t>
             </a:r>
             <a:br/>
           </a:p>
@@ -3390,30 +3419,37 @@
           <a:p>
             <a:pPr algn="ctr">
               <a:lnSpc>
-                <a:spcPts val="14400"/>
+                <a:spcPts val="5900"/>
               </a:lnSpc>
-              <a:defRPr sz="4000">
+              <a:defRPr sz="4300">
                 <a:solidFill>
                   <a:srgbClr val="000000"/>
                 </a:solidFill>
               </a:defRPr>
             </a:pPr>
             <a:r>
-              <a:t>I see a generation</a:t>
-            </a:r>
-            <a:br/>
-            <a:r>
-              <a:t> Rising up to take their place</a:t>
-            </a:r>
-            <a:br/>
-            <a:r>
-              <a:t> With selfless faith</a:t>
-            </a:r>
-            <a:br/>
-            <a:r>
-              <a:t> With selfless faith</a:t>
-            </a:r>
-            <a:br/>
+              <a:t>I believe I am righteous through the One</a:t>
+            </a:r>
+            <a:br/>
+            <a:r>
+              <a:t> Your obedience has won</a:t>
+            </a:r>
+            <a:br/>
+            <a:r>
+              <a:t> I rest in all You've done</a:t>
+            </a:r>
+            <a:br/>
+            <a:r>
+              <a:t> I believe You are everything I need</a:t>
+            </a:r>
+            <a:br/>
+            <a:r>
+              <a:t> More of You and less of me</a:t>
+            </a:r>
+            <a:br/>
+            <a:r>
+              <a:t> I fall at Your feet.</a:t>
+            </a:r>
           </a:p>
         </p:txBody>
       </p:sp>
@@ -3460,30 +3496,25 @@
           <a:p>
             <a:pPr algn="ctr">
               <a:lnSpc>
-                <a:spcPts val="14500"/>
+                <a:spcPts val="7000"/>
               </a:lnSpc>
-              <a:defRPr sz="4000">
+              <a:defRPr sz="4300">
                 <a:solidFill>
                   <a:srgbClr val="000000"/>
                 </a:solidFill>
               </a:defRPr>
             </a:pPr>
             <a:r>
-              <a:t>I see a near revival</a:t>
-            </a:r>
-            <a:br/>
-            <a:r>
-              <a:t> Stirring as we pray and seek</a:t>
-            </a:r>
-            <a:br/>
-            <a:r>
-              <a:t> We're on our knees</a:t>
-            </a:r>
-            <a:br/>
-            <a:r>
-              <a:t> We're on our knees</a:t>
-            </a:r>
-            <a:br/>
+              <a:t>And now I see</a:t>
+            </a:r>
+            <a:br/>
+            <a:r>
+              <a:t> As You are</a:t>
+            </a:r>
+            <a:br/>
+            <a:r>
+              <a:t> so are we</a:t>
+            </a:r>
           </a:p>
         </p:txBody>
       </p:sp>
@@ -3530,20 +3561,28 @@
           <a:p>
             <a:pPr algn="ctr">
               <a:lnSpc>
-                <a:spcPts val="19600"/>
+                <a:spcPts val="7000"/>
               </a:lnSpc>
-              <a:defRPr sz="4000">
+              <a:defRPr sz="4300">
                 <a:solidFill>
                   <a:srgbClr val="000000"/>
                 </a:solidFill>
               </a:defRPr>
             </a:pPr>
             <a:r>
-              <a:t>Hosanna Hosanna</a:t>
-            </a:r>
-            <a:br/>
-            <a:r>
-              <a:t> Hosanna in the Highest</a:t>
+              <a:t>Let my life resound Your praise</a:t>
+            </a:r>
+            <a:br/>
+            <a:r>
+              <a:t> As an anthem of Your grace</a:t>
+            </a:r>
+            <a:br/>
+            <a:r>
+              <a:t> There is power in Your name</a:t>
+            </a:r>
+            <a:br/>
+            <a:r>
+              <a:t> Hallelujah Jesus You reign</a:t>
             </a:r>
             <a:br/>
           </a:p>
@@ -3592,38 +3631,221 @@
           <a:p>
             <a:pPr algn="ctr">
               <a:lnSpc>
-                <a:spcPts val="4800"/>
+                <a:spcPts val="7000"/>
               </a:lnSpc>
-              <a:defRPr sz="4000">
+              <a:defRPr sz="4300">
                 <a:solidFill>
                   <a:srgbClr val="000000"/>
                 </a:solidFill>
               </a:defRPr>
             </a:pPr>
             <a:r>
-              <a:t>Heal my heart and make it clean</a:t>
-            </a:r>
-            <a:br/>
-            <a:r>
-              <a:t> Open up my eyes to the things unseen</a:t>
-            </a:r>
-            <a:br/>
-            <a:r>
-              <a:t> Show me how to love like you have loved me</a:t>
-            </a:r>
-            <a:br/>
-            <a:r>
-              <a:t> Break my heart for what breaks yours</a:t>
-            </a:r>
-            <a:br/>
-            <a:r>
-              <a:t> Everything I am for your Kingdom's cause</a:t>
-            </a:r>
-            <a:br/>
-            <a:r>
-              <a:t> As I walk from Earth into Eternity</a:t>
-            </a:r>
-            <a:br/>
+              <a:t>Mountains be cast down</a:t>
+            </a:r>
+            <a:br/>
+            <a:r>
+              <a:t> Valleys be raised</a:t>
+            </a:r>
+            <a:br/>
+            <a:r>
+              <a:t> Christ be exalted lifted on high</a:t>
+            </a:r>
+            <a:br/>
+            <a:r>
+              <a:t> Mountains be cast down</a:t>
+            </a:r>
+            <a:br/>
+            <a:r>
+              <a:t> Valleys be raised</a:t>
+            </a:r>
+            <a:br/>
+            <a:r>
+              <a:t> Christ be exalted lifted on high</a:t>
+            </a:r>
+            <a:br/>
+          </a:p>
+        </p:txBody>
+      </p:sp>
+    </p:spTree>
+  </p:cSld>
+  <p:clrMapOvr>
+    <a:masterClrMapping/>
+  </p:clrMapOvr>
+</p:sld>
+</file>
+
+<file path=ppt/slides/slide17.xml><?xml version="1.0" encoding="utf-8"?>
+<p:sld xmlns:a="http://schemas.openxmlformats.org/drawingml/2006/main" xmlns:p="http://schemas.openxmlformats.org/presentationml/2006/main" xmlns:r="http://schemas.openxmlformats.org/officeDocument/2006/relationships">
+  <p:cSld>
+    <p:spTree>
+      <p:nvGrpSpPr>
+        <p:cNvPr id="1" name=""/>
+        <p:cNvGrpSpPr/>
+        <p:nvPr/>
+      </p:nvGrpSpPr>
+      <p:grpSpPr/>
+      <p:sp>
+        <p:nvSpPr>
+          <p:cNvPr id="2" name="Title 1"/>
+          <p:cNvSpPr>
+            <a:spLocks noGrp="1"/>
+          </p:cNvSpPr>
+          <p:nvPr>
+            <p:ph type="ctrTitle"/>
+          </p:nvPr>
+        </p:nvSpPr>
+        <p:spPr/>
+        <p:txBody>
+          <a:bodyPr/>
+          <a:lstStyle/>
+          <a:p/>
+        </p:txBody>
+      </p:sp>
+      <p:sp>
+        <p:nvSpPr>
+          <p:cNvPr id="3" name="Subtitle 2"/>
+          <p:cNvSpPr>
+            <a:spLocks noGrp="1"/>
+          </p:cNvSpPr>
+          <p:nvPr>
+            <p:ph type="subTitle" idx="1"/>
+          </p:nvPr>
+        </p:nvSpPr>
+        <p:spPr/>
+        <p:txBody>
+          <a:bodyPr/>
+          <a:lstStyle/>
+          <a:p>
+            <a:r>
+              <a:t>10,000 Reasons</a:t>
+            </a:r>
+          </a:p>
+        </p:txBody>
+      </p:sp>
+    </p:spTree>
+  </p:cSld>
+  <p:clrMapOvr>
+    <a:masterClrMapping/>
+  </p:clrMapOvr>
+</p:sld>
+</file>
+
+<file path=ppt/slides/slide18.xml><?xml version="1.0" encoding="utf-8"?>
+<p:sld xmlns:a="http://schemas.openxmlformats.org/drawingml/2006/main" xmlns:p="http://schemas.openxmlformats.org/presentationml/2006/main" xmlns:r="http://schemas.openxmlformats.org/officeDocument/2006/relationships">
+  <p:cSld>
+    <p:spTree>
+      <p:nvGrpSpPr>
+        <p:cNvPr id="1" name=""/>
+        <p:cNvGrpSpPr/>
+        <p:nvPr/>
+      </p:nvGrpSpPr>
+      <p:grpSpPr/>
+      <p:sp>
+        <p:nvSpPr>
+          <p:cNvPr id="2" name="TextBox 1"/>
+          <p:cNvSpPr txBox="1"/>
+          <p:nvPr/>
+        </p:nvSpPr>
+        <p:spPr>
+          <a:xfrm>
+            <a:off x="914400" y="457200"/>
+            <a:ext cx="7315200" cy="5486400"/>
+          </a:xfrm>
+          <a:prstGeom prst="rect">
+            <a:avLst/>
+          </a:prstGeom>
+          <a:noFill/>
+        </p:spPr>
+        <p:txBody>
+          <a:bodyPr wrap="none">
+            <a:spAutoFit/>
+          </a:bodyPr>
+          <a:lstStyle/>
+          <a:p/>
+          <a:p>
+            <a:pPr algn="ctr">
+              <a:lnSpc>
+                <a:spcPts val="7000"/>
+              </a:lnSpc>
+              <a:defRPr sz="4300">
+                <a:solidFill>
+                  <a:srgbClr val="000000"/>
+                </a:solidFill>
+              </a:defRPr>
+            </a:pPr>
+            <a:r>
+              <a:t>Bless the Lord, O my soul</a:t>
+            </a:r>
+            <a:br/>
+            <a:r>
+              <a:t> O my soul. Worship His holy name</a:t>
+            </a:r>
+            <a:br/>
+            <a:r>
+              <a:t> Sing like never before</a:t>
+            </a:r>
+            <a:br/>
+            <a:r>
+              <a:t> O my soul. I'll worship Your holy name</a:t>
+            </a:r>
+            <a:br/>
+          </a:p>
+        </p:txBody>
+      </p:sp>
+    </p:spTree>
+  </p:cSld>
+  <p:clrMapOvr>
+    <a:masterClrMapping/>
+  </p:clrMapOvr>
+</p:sld>
+</file>
+
+<file path=ppt/slides/slide19.xml><?xml version="1.0" encoding="utf-8"?>
+<p:sld xmlns:a="http://schemas.openxmlformats.org/drawingml/2006/main" xmlns:p="http://schemas.openxmlformats.org/presentationml/2006/main" xmlns:r="http://schemas.openxmlformats.org/officeDocument/2006/relationships">
+  <p:cSld>
+    <p:spTree>
+      <p:nvGrpSpPr>
+        <p:cNvPr id="1" name=""/>
+        <p:cNvGrpSpPr/>
+        <p:nvPr/>
+      </p:nvGrpSpPr>
+      <p:grpSpPr/>
+      <p:sp>
+        <p:nvSpPr>
+          <p:cNvPr id="2" name="TextBox 1"/>
+          <p:cNvSpPr txBox="1"/>
+          <p:nvPr/>
+        </p:nvSpPr>
+        <p:spPr>
+          <a:xfrm>
+            <a:off x="914400" y="457200"/>
+            <a:ext cx="7315200" cy="5486400"/>
+          </a:xfrm>
+          <a:prstGeom prst="rect">
+            <a:avLst/>
+          </a:prstGeom>
+          <a:noFill/>
+        </p:spPr>
+        <p:txBody>
+          <a:bodyPr wrap="square">
+            <a:spAutoFit/>
+          </a:bodyPr>
+          <a:lstStyle/>
+          <a:p/>
+          <a:p>
+            <a:pPr algn="ctr">
+              <a:lnSpc>
+                <a:spcPts val="7000"/>
+              </a:lnSpc>
+              <a:defRPr sz="4300">
+                <a:solidFill>
+                  <a:srgbClr val="000000"/>
+                </a:solidFill>
+              </a:defRPr>
+            </a:pPr>
+            <a:r>
+              <a:t>The sun comes up, it's a new day dawning. It's time to sing Your song again. Whatever may pass and whatever lies before me. Let me be singing when the evening comes.</a:t>
+            </a:r>
           </a:p>
         </p:txBody>
       </p:sp>
@@ -3653,8 +3875,8 @@
         </p:nvSpPr>
         <p:spPr>
           <a:xfrm>
-            <a:off x="685800" y="228600"/>
-            <a:ext cx="7772400" cy="2971800"/>
+            <a:off x="914400" y="457200"/>
+            <a:ext cx="7315200" cy="5486400"/>
           </a:xfrm>
           <a:prstGeom prst="rect">
             <a:avLst/>
@@ -3662,7 +3884,7 @@
           <a:noFill/>
         </p:spPr>
         <p:txBody>
-          <a:bodyPr wrap="square">
+          <a:bodyPr wrap="none">
             <a:spAutoFit/>
           </a:bodyPr>
           <a:lstStyle/>
@@ -3670,30 +3892,64 @@
           <a:p>
             <a:pPr algn="ctr">
               <a:lnSpc>
-                <a:spcPts val="4800"/>
+                <a:spcPts val="7000"/>
               </a:lnSpc>
-              <a:defRPr sz="4000">
+              <a:defRPr sz="4300">
                 <a:solidFill>
                   <a:srgbClr val="000000"/>
                 </a:solidFill>
               </a:defRPr>
             </a:pPr>
             <a:r>
-              <a:t>เราเป็นหนึ่งในความรักพระคริสต์ เราเป็นหนึ่งในความรักพระคริสต์ วิญญาณจิตเราผูกพันกับองค์พระวิญญาณ เราเป็นหนึ่งในความรักพระคริสต์</a:t>
-            </a:r>
-          </a:p>
-        </p:txBody>
-      </p:sp>
-      <p:sp>
-        <p:nvSpPr>
-          <p:cNvPr id="3" name="TextBox 2"/>
+              <a:t>ทุกวันเวลา ข้าอยากอยู่ใกล้ชิดพระองค์</a:t>
+            </a:r>
+            <a:br/>
+            <a:r>
+              <a:t>ทุกวันเวลา อยู่ในความรักของพระองค์</a:t>
+            </a:r>
+            <a:br/>
+            <a:r>
+              <a:t>ทุกวันเวลา ข้าอยากสรรเสริญ</a:t>
+            </a:r>
+            <a:br/>
+            <a:r>
+              <a:t>ทุกวันเวลา ข้าขอบพระคุณ</a:t>
+            </a:r>
+            <a:br/>
+            <a:r>
+              <a:t>แด่พระเจ้าสูงสุด ผู้สมควรสรรเสริญ</a:t>
+            </a:r>
+          </a:p>
+        </p:txBody>
+      </p:sp>
+    </p:spTree>
+  </p:cSld>
+  <p:clrMapOvr>
+    <a:masterClrMapping/>
+  </p:clrMapOvr>
+</p:sld>
+</file>
+
+<file path=ppt/slides/slide20.xml><?xml version="1.0" encoding="utf-8"?>
+<p:sld xmlns:a="http://schemas.openxmlformats.org/drawingml/2006/main" xmlns:p="http://schemas.openxmlformats.org/presentationml/2006/main" xmlns:r="http://schemas.openxmlformats.org/officeDocument/2006/relationships">
+  <p:cSld>
+    <p:spTree>
+      <p:nvGrpSpPr>
+        <p:cNvPr id="1" name=""/>
+        <p:cNvGrpSpPr/>
+        <p:nvPr/>
+      </p:nvGrpSpPr>
+      <p:grpSpPr/>
+      <p:sp>
+        <p:nvSpPr>
+          <p:cNvPr id="2" name="TextBox 1"/>
           <p:cNvSpPr txBox="1"/>
           <p:nvPr/>
         </p:nvSpPr>
         <p:spPr>
           <a:xfrm>
-            <a:off x="685800" y="3657600"/>
-            <a:ext cx="7772400" cy="2971800"/>
+            <a:off x="914400" y="457200"/>
+            <a:ext cx="7315200" cy="5486400"/>
           </a:xfrm>
           <a:prstGeom prst="rect">
             <a:avLst/>
@@ -3701,6 +3957,76 @@
           <a:noFill/>
         </p:spPr>
         <p:txBody>
+          <a:bodyPr wrap="none">
+            <a:spAutoFit/>
+          </a:bodyPr>
+          <a:lstStyle/>
+          <a:p/>
+          <a:p>
+            <a:pPr algn="ctr">
+              <a:lnSpc>
+                <a:spcPts val="7000"/>
+              </a:lnSpc>
+              <a:defRPr sz="4300">
+                <a:solidFill>
+                  <a:srgbClr val="000000"/>
+                </a:solidFill>
+              </a:defRPr>
+            </a:pPr>
+            <a:r>
+              <a:t>Bless the Lord, O my soul</a:t>
+            </a:r>
+            <a:br/>
+            <a:r>
+              <a:t> O my soul. Worship His holy name</a:t>
+            </a:r>
+            <a:br/>
+            <a:r>
+              <a:t> Sing like never before</a:t>
+            </a:r>
+            <a:br/>
+            <a:r>
+              <a:t> O my soul. I'll worship Your holy name</a:t>
+            </a:r>
+            <a:br/>
+          </a:p>
+        </p:txBody>
+      </p:sp>
+    </p:spTree>
+  </p:cSld>
+  <p:clrMapOvr>
+    <a:masterClrMapping/>
+  </p:clrMapOvr>
+</p:sld>
+</file>
+
+<file path=ppt/slides/slide21.xml><?xml version="1.0" encoding="utf-8"?>
+<p:sld xmlns:a="http://schemas.openxmlformats.org/drawingml/2006/main" xmlns:p="http://schemas.openxmlformats.org/presentationml/2006/main" xmlns:r="http://schemas.openxmlformats.org/officeDocument/2006/relationships">
+  <p:cSld>
+    <p:spTree>
+      <p:nvGrpSpPr>
+        <p:cNvPr id="1" name=""/>
+        <p:cNvGrpSpPr/>
+        <p:nvPr/>
+      </p:nvGrpSpPr>
+      <p:grpSpPr/>
+      <p:sp>
+        <p:nvSpPr>
+          <p:cNvPr id="2" name="TextBox 1"/>
+          <p:cNvSpPr txBox="1"/>
+          <p:nvPr/>
+        </p:nvSpPr>
+        <p:spPr>
+          <a:xfrm>
+            <a:off x="914400" y="457200"/>
+            <a:ext cx="7315200" cy="5486400"/>
+          </a:xfrm>
+          <a:prstGeom prst="rect">
+            <a:avLst/>
+          </a:prstGeom>
+          <a:noFill/>
+        </p:spPr>
+        <p:txBody>
           <a:bodyPr wrap="square">
             <a:spAutoFit/>
           </a:bodyPr>
@@ -3709,17 +4035,570 @@
           <a:p>
             <a:pPr algn="ctr">
               <a:lnSpc>
-                <a:spcPts val="4800"/>
+                <a:spcPts val="5900"/>
               </a:lnSpc>
-              <a:defRPr sz="3500">
+              <a:defRPr sz="4300">
                 <a:solidFill>
-                  <a:srgbClr val="3A70BC"/>
+                  <a:srgbClr val="000000"/>
                 </a:solidFill>
               </a:defRPr>
             </a:pPr>
             <a:r>
-              <a:t>We are one in the bond of love. We are one in the bond of love. We have join our spirit with Spirit of God. We are one in the bond of love.</a:t>
-            </a:r>
+              <a:t>You're rich in love and You're slow to anger. Your name is great and Your heart is kind. For all Your goodness, I will keep on singing. Ten thousand reasons for my heart to find.</a:t>
+            </a:r>
+          </a:p>
+        </p:txBody>
+      </p:sp>
+    </p:spTree>
+  </p:cSld>
+  <p:clrMapOvr>
+    <a:masterClrMapping/>
+  </p:clrMapOvr>
+</p:sld>
+</file>
+
+<file path=ppt/slides/slide22.xml><?xml version="1.0" encoding="utf-8"?>
+<p:sld xmlns:a="http://schemas.openxmlformats.org/drawingml/2006/main" xmlns:p="http://schemas.openxmlformats.org/presentationml/2006/main" xmlns:r="http://schemas.openxmlformats.org/officeDocument/2006/relationships">
+  <p:cSld>
+    <p:spTree>
+      <p:nvGrpSpPr>
+        <p:cNvPr id="1" name=""/>
+        <p:cNvGrpSpPr/>
+        <p:nvPr/>
+      </p:nvGrpSpPr>
+      <p:grpSpPr/>
+      <p:sp>
+        <p:nvSpPr>
+          <p:cNvPr id="2" name="TextBox 1"/>
+          <p:cNvSpPr txBox="1"/>
+          <p:nvPr/>
+        </p:nvSpPr>
+        <p:spPr>
+          <a:xfrm>
+            <a:off x="914400" y="457200"/>
+            <a:ext cx="7315200" cy="5486400"/>
+          </a:xfrm>
+          <a:prstGeom prst="rect">
+            <a:avLst/>
+          </a:prstGeom>
+          <a:noFill/>
+        </p:spPr>
+        <p:txBody>
+          <a:bodyPr wrap="none">
+            <a:spAutoFit/>
+          </a:bodyPr>
+          <a:lstStyle/>
+          <a:p/>
+          <a:p>
+            <a:pPr algn="ctr">
+              <a:lnSpc>
+                <a:spcPts val="7000"/>
+              </a:lnSpc>
+              <a:defRPr sz="4300">
+                <a:solidFill>
+                  <a:srgbClr val="000000"/>
+                </a:solidFill>
+              </a:defRPr>
+            </a:pPr>
+            <a:r>
+              <a:t>Bless the Lord, O my soul</a:t>
+            </a:r>
+            <a:br/>
+            <a:r>
+              <a:t> O my soul. Worship His holy name</a:t>
+            </a:r>
+            <a:br/>
+            <a:r>
+              <a:t> Sing like never before</a:t>
+            </a:r>
+            <a:br/>
+            <a:r>
+              <a:t> O my soul. I'll worship Your holy name</a:t>
+            </a:r>
+            <a:br/>
+          </a:p>
+        </p:txBody>
+      </p:sp>
+    </p:spTree>
+  </p:cSld>
+  <p:clrMapOvr>
+    <a:masterClrMapping/>
+  </p:clrMapOvr>
+</p:sld>
+</file>
+
+<file path=ppt/slides/slide23.xml><?xml version="1.0" encoding="utf-8"?>
+<p:sld xmlns:a="http://schemas.openxmlformats.org/drawingml/2006/main" xmlns:p="http://schemas.openxmlformats.org/presentationml/2006/main" xmlns:r="http://schemas.openxmlformats.org/officeDocument/2006/relationships">
+  <p:cSld>
+    <p:spTree>
+      <p:nvGrpSpPr>
+        <p:cNvPr id="1" name=""/>
+        <p:cNvGrpSpPr/>
+        <p:nvPr/>
+      </p:nvGrpSpPr>
+      <p:grpSpPr/>
+      <p:sp>
+        <p:nvSpPr>
+          <p:cNvPr id="2" name="TextBox 1"/>
+          <p:cNvSpPr txBox="1"/>
+          <p:nvPr/>
+        </p:nvSpPr>
+        <p:spPr>
+          <a:xfrm>
+            <a:off x="914400" y="457200"/>
+            <a:ext cx="7315200" cy="5486400"/>
+          </a:xfrm>
+          <a:prstGeom prst="rect">
+            <a:avLst/>
+          </a:prstGeom>
+          <a:noFill/>
+        </p:spPr>
+        <p:txBody>
+          <a:bodyPr wrap="square">
+            <a:spAutoFit/>
+          </a:bodyPr>
+          <a:lstStyle/>
+          <a:p/>
+          <a:p>
+            <a:pPr algn="ctr">
+              <a:lnSpc>
+                <a:spcPts val="5100"/>
+              </a:lnSpc>
+              <a:defRPr sz="4300">
+                <a:solidFill>
+                  <a:srgbClr val="000000"/>
+                </a:solidFill>
+              </a:defRPr>
+            </a:pPr>
+            <a:r>
+              <a:t>And on that day when my strength is failing. The end draws near and my time has come. Still, my soul will sing Your praise unending. Ten thousand years and then forevermore. Forevermore.</a:t>
+            </a:r>
+          </a:p>
+        </p:txBody>
+      </p:sp>
+    </p:spTree>
+  </p:cSld>
+  <p:clrMapOvr>
+    <a:masterClrMapping/>
+  </p:clrMapOvr>
+</p:sld>
+</file>
+
+<file path=ppt/slides/slide24.xml><?xml version="1.0" encoding="utf-8"?>
+<p:sld xmlns:a="http://schemas.openxmlformats.org/drawingml/2006/main" xmlns:p="http://schemas.openxmlformats.org/presentationml/2006/main" xmlns:r="http://schemas.openxmlformats.org/officeDocument/2006/relationships">
+  <p:cSld>
+    <p:spTree>
+      <p:nvGrpSpPr>
+        <p:cNvPr id="1" name=""/>
+        <p:cNvGrpSpPr/>
+        <p:nvPr/>
+      </p:nvGrpSpPr>
+      <p:grpSpPr/>
+      <p:sp>
+        <p:nvSpPr>
+          <p:cNvPr id="2" name="TextBox 1"/>
+          <p:cNvSpPr txBox="1"/>
+          <p:nvPr/>
+        </p:nvSpPr>
+        <p:spPr>
+          <a:xfrm>
+            <a:off x="914400" y="457200"/>
+            <a:ext cx="7315200" cy="5486400"/>
+          </a:xfrm>
+          <a:prstGeom prst="rect">
+            <a:avLst/>
+          </a:prstGeom>
+          <a:noFill/>
+        </p:spPr>
+        <p:txBody>
+          <a:bodyPr wrap="none">
+            <a:spAutoFit/>
+          </a:bodyPr>
+          <a:lstStyle/>
+          <a:p/>
+          <a:p>
+            <a:pPr algn="ctr">
+              <a:lnSpc>
+                <a:spcPts val="7000"/>
+              </a:lnSpc>
+              <a:defRPr sz="4300">
+                <a:solidFill>
+                  <a:srgbClr val="000000"/>
+                </a:solidFill>
+              </a:defRPr>
+            </a:pPr>
+            <a:r>
+              <a:t>Bless the Lord, O my soul</a:t>
+            </a:r>
+            <a:br/>
+            <a:r>
+              <a:t> O my soul. Worship His holy name</a:t>
+            </a:r>
+            <a:br/>
+            <a:r>
+              <a:t> Sing like never before</a:t>
+            </a:r>
+            <a:br/>
+            <a:r>
+              <a:t> O my soul. I'll worship Your holy name</a:t>
+            </a:r>
+            <a:br/>
+          </a:p>
+        </p:txBody>
+      </p:sp>
+    </p:spTree>
+  </p:cSld>
+  <p:clrMapOvr>
+    <a:masterClrMapping/>
+  </p:clrMapOvr>
+</p:sld>
+</file>
+
+<file path=ppt/slides/slide25.xml><?xml version="1.0" encoding="utf-8"?>
+<p:sld xmlns:a="http://schemas.openxmlformats.org/drawingml/2006/main" xmlns:p="http://schemas.openxmlformats.org/presentationml/2006/main" xmlns:r="http://schemas.openxmlformats.org/officeDocument/2006/relationships">
+  <p:cSld>
+    <p:spTree>
+      <p:nvGrpSpPr>
+        <p:cNvPr id="1" name=""/>
+        <p:cNvGrpSpPr/>
+        <p:nvPr/>
+      </p:nvGrpSpPr>
+      <p:grpSpPr/>
+      <p:sp>
+        <p:nvSpPr>
+          <p:cNvPr id="2" name="Title 1"/>
+          <p:cNvSpPr>
+            <a:spLocks noGrp="1"/>
+          </p:cNvSpPr>
+          <p:nvPr>
+            <p:ph type="ctrTitle"/>
+          </p:nvPr>
+        </p:nvSpPr>
+        <p:spPr/>
+        <p:txBody>
+          <a:bodyPr/>
+          <a:lstStyle/>
+          <a:p/>
+        </p:txBody>
+      </p:sp>
+      <p:sp>
+        <p:nvSpPr>
+          <p:cNvPr id="3" name="Subtitle 2"/>
+          <p:cNvSpPr>
+            <a:spLocks noGrp="1"/>
+          </p:cNvSpPr>
+          <p:nvPr>
+            <p:ph type="subTitle" idx="1"/>
+          </p:nvPr>
+        </p:nvSpPr>
+        <p:spPr/>
+        <p:txBody>
+          <a:bodyPr/>
+          <a:lstStyle/>
+          <a:p>
+            <a:r>
+              <a:t>Broken Vessels</a:t>
+            </a:r>
+          </a:p>
+        </p:txBody>
+      </p:sp>
+    </p:spTree>
+  </p:cSld>
+  <p:clrMapOvr>
+    <a:masterClrMapping/>
+  </p:clrMapOvr>
+</p:sld>
+</file>
+
+<file path=ppt/slides/slide26.xml><?xml version="1.0" encoding="utf-8"?>
+<p:sld xmlns:a="http://schemas.openxmlformats.org/drawingml/2006/main" xmlns:p="http://schemas.openxmlformats.org/presentationml/2006/main" xmlns:r="http://schemas.openxmlformats.org/officeDocument/2006/relationships">
+  <p:cSld>
+    <p:spTree>
+      <p:nvGrpSpPr>
+        <p:cNvPr id="1" name=""/>
+        <p:cNvGrpSpPr/>
+        <p:nvPr/>
+      </p:nvGrpSpPr>
+      <p:grpSpPr/>
+      <p:sp>
+        <p:nvSpPr>
+          <p:cNvPr id="2" name="TextBox 1"/>
+          <p:cNvSpPr txBox="1"/>
+          <p:nvPr/>
+        </p:nvSpPr>
+        <p:spPr>
+          <a:xfrm>
+            <a:off x="914400" y="457200"/>
+            <a:ext cx="7315200" cy="5486400"/>
+          </a:xfrm>
+          <a:prstGeom prst="rect">
+            <a:avLst/>
+          </a:prstGeom>
+          <a:noFill/>
+        </p:spPr>
+        <p:txBody>
+          <a:bodyPr wrap="none">
+            <a:spAutoFit/>
+          </a:bodyPr>
+          <a:lstStyle/>
+          <a:p/>
+          <a:p>
+            <a:pPr algn="ctr">
+              <a:lnSpc>
+                <a:spcPts val="7000"/>
+              </a:lnSpc>
+              <a:defRPr sz="4300">
+                <a:solidFill>
+                  <a:srgbClr val="000000"/>
+                </a:solidFill>
+              </a:defRPr>
+            </a:pPr>
+            <a:r>
+              <a:t>All these pieces broken and scattered</a:t>
+            </a:r>
+            <a:br/>
+            <a:r>
+              <a:t> In mercy gathered</a:t>
+            </a:r>
+            <a:br/>
+            <a:r>
+              <a:t> mended and whole</a:t>
+            </a:r>
+            <a:br/>
+            <a:r>
+              <a:t> Empty handed but not forsaken</a:t>
+            </a:r>
+            <a:br/>
+            <a:r>
+              <a:t> I've been set free</a:t>
+            </a:r>
+            <a:br/>
+            <a:r>
+              <a:t> I've been set free</a:t>
+            </a:r>
+            <a:br/>
+          </a:p>
+        </p:txBody>
+      </p:sp>
+    </p:spTree>
+  </p:cSld>
+  <p:clrMapOvr>
+    <a:masterClrMapping/>
+  </p:clrMapOvr>
+</p:sld>
+</file>
+
+<file path=ppt/slides/slide27.xml><?xml version="1.0" encoding="utf-8"?>
+<p:sld xmlns:a="http://schemas.openxmlformats.org/drawingml/2006/main" xmlns:p="http://schemas.openxmlformats.org/presentationml/2006/main" xmlns:r="http://schemas.openxmlformats.org/officeDocument/2006/relationships">
+  <p:cSld>
+    <p:spTree>
+      <p:nvGrpSpPr>
+        <p:cNvPr id="1" name=""/>
+        <p:cNvGrpSpPr/>
+        <p:nvPr/>
+      </p:nvGrpSpPr>
+      <p:grpSpPr/>
+      <p:sp>
+        <p:nvSpPr>
+          <p:cNvPr id="2" name="TextBox 1"/>
+          <p:cNvSpPr txBox="1"/>
+          <p:nvPr/>
+        </p:nvSpPr>
+        <p:spPr>
+          <a:xfrm>
+            <a:off x="914400" y="457200"/>
+            <a:ext cx="7315200" cy="5486400"/>
+          </a:xfrm>
+          <a:prstGeom prst="rect">
+            <a:avLst/>
+          </a:prstGeom>
+          <a:noFill/>
+        </p:spPr>
+        <p:txBody>
+          <a:bodyPr wrap="none">
+            <a:spAutoFit/>
+          </a:bodyPr>
+          <a:lstStyle/>
+          <a:p/>
+          <a:p>
+            <a:pPr algn="ctr">
+              <a:lnSpc>
+                <a:spcPts val="7000"/>
+              </a:lnSpc>
+              <a:defRPr sz="4300">
+                <a:solidFill>
+                  <a:srgbClr val="000000"/>
+                </a:solidFill>
+              </a:defRPr>
+            </a:pPr>
+            <a:r>
+              <a:t>Amazing grace, how sweet the sound</a:t>
+            </a:r>
+            <a:br/>
+            <a:r>
+              <a:t> That saved a wretch like me</a:t>
+            </a:r>
+            <a:br/>
+            <a:r>
+              <a:t> I once was lost</a:t>
+            </a:r>
+            <a:br/>
+            <a:r>
+              <a:t> but now I'm found</a:t>
+            </a:r>
+            <a:br/>
+            <a:r>
+              <a:t> Was blind but now I see</a:t>
+            </a:r>
+            <a:br/>
+          </a:p>
+        </p:txBody>
+      </p:sp>
+    </p:spTree>
+  </p:cSld>
+  <p:clrMapOvr>
+    <a:masterClrMapping/>
+  </p:clrMapOvr>
+</p:sld>
+</file>
+
+<file path=ppt/slides/slide28.xml><?xml version="1.0" encoding="utf-8"?>
+<p:sld xmlns:a="http://schemas.openxmlformats.org/drawingml/2006/main" xmlns:p="http://schemas.openxmlformats.org/presentationml/2006/main" xmlns:r="http://schemas.openxmlformats.org/officeDocument/2006/relationships">
+  <p:cSld>
+    <p:spTree>
+      <p:nvGrpSpPr>
+        <p:cNvPr id="1" name=""/>
+        <p:cNvGrpSpPr/>
+        <p:nvPr/>
+      </p:nvGrpSpPr>
+      <p:grpSpPr/>
+      <p:sp>
+        <p:nvSpPr>
+          <p:cNvPr id="2" name="TextBox 1"/>
+          <p:cNvSpPr txBox="1"/>
+          <p:nvPr/>
+        </p:nvSpPr>
+        <p:spPr>
+          <a:xfrm>
+            <a:off x="914400" y="457200"/>
+            <a:ext cx="7315200" cy="5486400"/>
+          </a:xfrm>
+          <a:prstGeom prst="rect">
+            <a:avLst/>
+          </a:prstGeom>
+          <a:noFill/>
+        </p:spPr>
+        <p:txBody>
+          <a:bodyPr wrap="none">
+            <a:spAutoFit/>
+          </a:bodyPr>
+          <a:lstStyle/>
+          <a:p/>
+          <a:p>
+            <a:pPr algn="ctr">
+              <a:lnSpc>
+                <a:spcPts val="7000"/>
+              </a:lnSpc>
+              <a:defRPr sz="4300">
+                <a:solidFill>
+                  <a:srgbClr val="000000"/>
+                </a:solidFill>
+              </a:defRPr>
+            </a:pPr>
+            <a:r>
+              <a:t>Oh, I can see you now</a:t>
+            </a:r>
+            <a:br/>
+            <a:r>
+              <a:t> Oh, I can see the love in Your eyes</a:t>
+            </a:r>
+            <a:br/>
+            <a:r>
+              <a:t> Laying Yourself down</a:t>
+            </a:r>
+            <a:br/>
+            <a:r>
+              <a:t> Raising up the broken to life</a:t>
+            </a:r>
+            <a:br/>
+          </a:p>
+        </p:txBody>
+      </p:sp>
+    </p:spTree>
+  </p:cSld>
+  <p:clrMapOvr>
+    <a:masterClrMapping/>
+  </p:clrMapOvr>
+</p:sld>
+</file>
+
+<file path=ppt/slides/slide29.xml><?xml version="1.0" encoding="utf-8"?>
+<p:sld xmlns:a="http://schemas.openxmlformats.org/drawingml/2006/main" xmlns:p="http://schemas.openxmlformats.org/presentationml/2006/main" xmlns:r="http://schemas.openxmlformats.org/officeDocument/2006/relationships">
+  <p:cSld>
+    <p:spTree>
+      <p:nvGrpSpPr>
+        <p:cNvPr id="1" name=""/>
+        <p:cNvGrpSpPr/>
+        <p:nvPr/>
+      </p:nvGrpSpPr>
+      <p:grpSpPr/>
+      <p:sp>
+        <p:nvSpPr>
+          <p:cNvPr id="2" name="TextBox 1"/>
+          <p:cNvSpPr txBox="1"/>
+          <p:nvPr/>
+        </p:nvSpPr>
+        <p:spPr>
+          <a:xfrm>
+            <a:off x="914400" y="457200"/>
+            <a:ext cx="7315200" cy="5486400"/>
+          </a:xfrm>
+          <a:prstGeom prst="rect">
+            <a:avLst/>
+          </a:prstGeom>
+          <a:noFill/>
+        </p:spPr>
+        <p:txBody>
+          <a:bodyPr wrap="none">
+            <a:spAutoFit/>
+          </a:bodyPr>
+          <a:lstStyle/>
+          <a:p/>
+          <a:p>
+            <a:pPr algn="ctr">
+              <a:lnSpc>
+                <a:spcPts val="7000"/>
+              </a:lnSpc>
+              <a:defRPr sz="4300">
+                <a:solidFill>
+                  <a:srgbClr val="000000"/>
+                </a:solidFill>
+              </a:defRPr>
+            </a:pPr>
+            <a:r>
+              <a:t>You take our failure</a:t>
+            </a:r>
+            <a:br/>
+            <a:r>
+              <a:t> You take our weakness</a:t>
+            </a:r>
+            <a:br/>
+            <a:r>
+              <a:t> You set Your treasure in jars of clay</a:t>
+            </a:r>
+            <a:br/>
+            <a:r>
+              <a:t> So take this heart, Lord</a:t>
+            </a:r>
+            <a:br/>
+            <a:r>
+              <a:t> I'll be Your vessel</a:t>
+            </a:r>
+            <a:br/>
+            <a:r>
+              <a:t> The world to see Your life in me</a:t>
+            </a:r>
+            <a:br/>
           </a:p>
         </p:txBody>
       </p:sp>
@@ -3749,8 +4628,8 @@
         </p:nvSpPr>
         <p:spPr>
           <a:xfrm>
-            <a:off x="685800" y="228600"/>
-            <a:ext cx="7772400" cy="2971800"/>
+            <a:off x="914400" y="457200"/>
+            <a:ext cx="7315200" cy="5486400"/>
           </a:xfrm>
           <a:prstGeom prst="rect">
             <a:avLst/>
@@ -3766,38 +4645,68 @@
           <a:p>
             <a:pPr algn="ctr">
               <a:lnSpc>
-                <a:spcPts val="4800"/>
+                <a:spcPts val="5000"/>
               </a:lnSpc>
-              <a:defRPr sz="4000">
+              <a:defRPr sz="4300">
                 <a:solidFill>
                   <a:srgbClr val="000000"/>
                 </a:solidFill>
               </a:defRPr>
             </a:pPr>
             <a:r>
-              <a:t>ขอให้เราร่วมร้องเพลงกันเถิด เปิดดวงใจรับความรักพระเจ้า</a:t>
-            </a:r>
-            <a:br/>
-            <a:r>
-              <a:t>ให้เราจับมือกันและประกาศให้โลกรู้</a:t>
-            </a:r>
-            <a:br/>
-            <a:r>
-              <a:t>เราเป็นหนึ่งในความรักพระคริสต์</a:t>
-            </a:r>
-          </a:p>
-        </p:txBody>
-      </p:sp>
-      <p:sp>
-        <p:nvSpPr>
-          <p:cNvPr id="3" name="TextBox 2"/>
+              <a:t>ขอสรรเสริญพระเจ้า สุดหัวใจ</a:t>
+            </a:r>
+            <a:br/>
+            <a:r>
+              <a:t>ขอสรรเสริญพระเจ้าผู้ยิ่งใหญ่</a:t>
+            </a:r>
+            <a:br/>
+            <a:r>
+              <a:t>ทรงเคลื่อนไหวในเรา ด้วยฤทธิ์</a:t>
+            </a:r>
+            <a:br/>
+            <a:r>
+              <a:t>องค์พระวิญญาณ เติมชัยชนะให้เต็มหัวใจ</a:t>
+            </a:r>
+            <a:br/>
+            <a:r>
+              <a:t>ให้ความยินดีเต็มล้นภายใน</a:t>
+            </a:r>
+            <a:br/>
+            <a:r>
+              <a:t>ถวายคำสรรเสริญ แด่พระเจ้าชั่วนิจนิรันดร์</a:t>
+            </a:r>
+          </a:p>
+        </p:txBody>
+      </p:sp>
+    </p:spTree>
+  </p:cSld>
+  <p:clrMapOvr>
+    <a:masterClrMapping/>
+  </p:clrMapOvr>
+</p:sld>
+</file>
+
+<file path=ppt/slides/slide30.xml><?xml version="1.0" encoding="utf-8"?>
+<p:sld xmlns:a="http://schemas.openxmlformats.org/drawingml/2006/main" xmlns:p="http://schemas.openxmlformats.org/presentationml/2006/main" xmlns:r="http://schemas.openxmlformats.org/officeDocument/2006/relationships">
+  <p:cSld>
+    <p:spTree>
+      <p:nvGrpSpPr>
+        <p:cNvPr id="1" name=""/>
+        <p:cNvGrpSpPr/>
+        <p:nvPr/>
+      </p:nvGrpSpPr>
+      <p:grpSpPr/>
+      <p:sp>
+        <p:nvSpPr>
+          <p:cNvPr id="2" name="TextBox 1"/>
           <p:cNvSpPr txBox="1"/>
           <p:nvPr/>
         </p:nvSpPr>
         <p:spPr>
           <a:xfrm>
-            <a:off x="685800" y="3657600"/>
-            <a:ext cx="7772400" cy="2971800"/>
+            <a:off x="914400" y="457200"/>
+            <a:ext cx="7315200" cy="5486400"/>
           </a:xfrm>
           <a:prstGeom prst="rect">
             <a:avLst/>
@@ -3805,6 +4714,610 @@
           <a:noFill/>
         </p:spPr>
         <p:txBody>
+          <a:bodyPr wrap="none">
+            <a:spAutoFit/>
+          </a:bodyPr>
+          <a:lstStyle/>
+          <a:p/>
+          <a:p>
+            <a:pPr algn="ctr">
+              <a:lnSpc>
+                <a:spcPts val="7000"/>
+              </a:lnSpc>
+              <a:defRPr sz="4300">
+                <a:solidFill>
+                  <a:srgbClr val="000000"/>
+                </a:solidFill>
+              </a:defRPr>
+            </a:pPr>
+            <a:r>
+              <a:t>Amazing grace, how sweet the sound</a:t>
+            </a:r>
+            <a:br/>
+            <a:r>
+              <a:t> That saved a wretch like me</a:t>
+            </a:r>
+            <a:br/>
+            <a:r>
+              <a:t> I once was lost</a:t>
+            </a:r>
+            <a:br/>
+            <a:r>
+              <a:t> but now I'm found</a:t>
+            </a:r>
+            <a:br/>
+            <a:r>
+              <a:t> Was blind but now I see</a:t>
+            </a:r>
+            <a:br/>
+          </a:p>
+        </p:txBody>
+      </p:sp>
+    </p:spTree>
+  </p:cSld>
+  <p:clrMapOvr>
+    <a:masterClrMapping/>
+  </p:clrMapOvr>
+</p:sld>
+</file>
+
+<file path=ppt/slides/slide31.xml><?xml version="1.0" encoding="utf-8"?>
+<p:sld xmlns:a="http://schemas.openxmlformats.org/drawingml/2006/main" xmlns:p="http://schemas.openxmlformats.org/presentationml/2006/main" xmlns:r="http://schemas.openxmlformats.org/officeDocument/2006/relationships">
+  <p:cSld>
+    <p:spTree>
+      <p:nvGrpSpPr>
+        <p:cNvPr id="1" name=""/>
+        <p:cNvGrpSpPr/>
+        <p:nvPr/>
+      </p:nvGrpSpPr>
+      <p:grpSpPr/>
+      <p:sp>
+        <p:nvSpPr>
+          <p:cNvPr id="2" name="TextBox 1"/>
+          <p:cNvSpPr txBox="1"/>
+          <p:nvPr/>
+        </p:nvSpPr>
+        <p:spPr>
+          <a:xfrm>
+            <a:off x="914400" y="457200"/>
+            <a:ext cx="7315200" cy="5486400"/>
+          </a:xfrm>
+          <a:prstGeom prst="rect">
+            <a:avLst/>
+          </a:prstGeom>
+          <a:noFill/>
+        </p:spPr>
+        <p:txBody>
+          <a:bodyPr wrap="none">
+            <a:spAutoFit/>
+          </a:bodyPr>
+          <a:lstStyle/>
+          <a:p/>
+          <a:p>
+            <a:pPr algn="ctr">
+              <a:lnSpc>
+                <a:spcPts val="7000"/>
+              </a:lnSpc>
+              <a:defRPr sz="4300">
+                <a:solidFill>
+                  <a:srgbClr val="000000"/>
+                </a:solidFill>
+              </a:defRPr>
+            </a:pPr>
+            <a:r>
+              <a:t>Oh, I can see you now</a:t>
+            </a:r>
+            <a:br/>
+            <a:r>
+              <a:t> Oh, I can see the love in Your eyes</a:t>
+            </a:r>
+            <a:br/>
+            <a:r>
+              <a:t> Laying Yourself down</a:t>
+            </a:r>
+            <a:br/>
+            <a:r>
+              <a:t> Raising up the broken to life</a:t>
+            </a:r>
+            <a:br/>
+          </a:p>
+        </p:txBody>
+      </p:sp>
+    </p:spTree>
+  </p:cSld>
+  <p:clrMapOvr>
+    <a:masterClrMapping/>
+  </p:clrMapOvr>
+</p:sld>
+</file>
+
+<file path=ppt/slides/slide32.xml><?xml version="1.0" encoding="utf-8"?>
+<p:sld xmlns:a="http://schemas.openxmlformats.org/drawingml/2006/main" xmlns:p="http://schemas.openxmlformats.org/presentationml/2006/main" xmlns:r="http://schemas.openxmlformats.org/officeDocument/2006/relationships">
+  <p:cSld>
+    <p:spTree>
+      <p:nvGrpSpPr>
+        <p:cNvPr id="1" name=""/>
+        <p:cNvGrpSpPr/>
+        <p:nvPr/>
+      </p:nvGrpSpPr>
+      <p:grpSpPr/>
+      <p:sp>
+        <p:nvSpPr>
+          <p:cNvPr id="2" name="Title 1"/>
+          <p:cNvSpPr>
+            <a:spLocks noGrp="1"/>
+          </p:cNvSpPr>
+          <p:nvPr>
+            <p:ph type="ctrTitle"/>
+          </p:nvPr>
+        </p:nvSpPr>
+        <p:spPr/>
+        <p:txBody>
+          <a:bodyPr/>
+          <a:lstStyle/>
+          <a:p/>
+        </p:txBody>
+      </p:sp>
+      <p:sp>
+        <p:nvSpPr>
+          <p:cNvPr id="3" name="Subtitle 2"/>
+          <p:cNvSpPr>
+            <a:spLocks noGrp="1"/>
+          </p:cNvSpPr>
+          <p:nvPr>
+            <p:ph type="subTitle" idx="1"/>
+          </p:nvPr>
+        </p:nvSpPr>
+        <p:spPr/>
+        <p:txBody>
+          <a:bodyPr/>
+          <a:lstStyle/>
+          <a:p>
+            <a:r>
+              <a:t>Hosanna</a:t>
+            </a:r>
+          </a:p>
+        </p:txBody>
+      </p:sp>
+    </p:spTree>
+  </p:cSld>
+  <p:clrMapOvr>
+    <a:masterClrMapping/>
+  </p:clrMapOvr>
+</p:sld>
+</file>
+
+<file path=ppt/slides/slide33.xml><?xml version="1.0" encoding="utf-8"?>
+<p:sld xmlns:a="http://schemas.openxmlformats.org/drawingml/2006/main" xmlns:p="http://schemas.openxmlformats.org/presentationml/2006/main" xmlns:r="http://schemas.openxmlformats.org/officeDocument/2006/relationships">
+  <p:cSld>
+    <p:spTree>
+      <p:nvGrpSpPr>
+        <p:cNvPr id="1" name=""/>
+        <p:cNvGrpSpPr/>
+        <p:nvPr/>
+      </p:nvGrpSpPr>
+      <p:grpSpPr/>
+      <p:sp>
+        <p:nvSpPr>
+          <p:cNvPr id="2" name="TextBox 1"/>
+          <p:cNvSpPr txBox="1"/>
+          <p:nvPr/>
+        </p:nvSpPr>
+        <p:spPr>
+          <a:xfrm>
+            <a:off x="914400" y="457200"/>
+            <a:ext cx="7315200" cy="5486400"/>
+          </a:xfrm>
+          <a:prstGeom prst="rect">
+            <a:avLst/>
+          </a:prstGeom>
+          <a:noFill/>
+        </p:spPr>
+        <p:txBody>
+          <a:bodyPr wrap="none">
+            <a:spAutoFit/>
+          </a:bodyPr>
+          <a:lstStyle/>
+          <a:p/>
+          <a:p>
+            <a:pPr algn="ctr">
+              <a:lnSpc>
+                <a:spcPts val="7000"/>
+              </a:lnSpc>
+              <a:defRPr sz="4300">
+                <a:solidFill>
+                  <a:srgbClr val="000000"/>
+                </a:solidFill>
+              </a:defRPr>
+            </a:pPr>
+            <a:r>
+              <a:t>I see the king of glory</a:t>
+            </a:r>
+            <a:br/>
+            <a:r>
+              <a:t> Coming on the clouds with fire</a:t>
+            </a:r>
+            <a:br/>
+            <a:r>
+              <a:t> The whole earth shakes</a:t>
+            </a:r>
+            <a:br/>
+            <a:r>
+              <a:t> The whole earth shakes</a:t>
+            </a:r>
+            <a:br/>
+          </a:p>
+        </p:txBody>
+      </p:sp>
+    </p:spTree>
+  </p:cSld>
+  <p:clrMapOvr>
+    <a:masterClrMapping/>
+  </p:clrMapOvr>
+</p:sld>
+</file>
+
+<file path=ppt/slides/slide34.xml><?xml version="1.0" encoding="utf-8"?>
+<p:sld xmlns:a="http://schemas.openxmlformats.org/drawingml/2006/main" xmlns:p="http://schemas.openxmlformats.org/presentationml/2006/main" xmlns:r="http://schemas.openxmlformats.org/officeDocument/2006/relationships">
+  <p:cSld>
+    <p:spTree>
+      <p:nvGrpSpPr>
+        <p:cNvPr id="1" name=""/>
+        <p:cNvGrpSpPr/>
+        <p:nvPr/>
+      </p:nvGrpSpPr>
+      <p:grpSpPr/>
+      <p:sp>
+        <p:nvSpPr>
+          <p:cNvPr id="2" name="TextBox 1"/>
+          <p:cNvSpPr txBox="1"/>
+          <p:nvPr/>
+        </p:nvSpPr>
+        <p:spPr>
+          <a:xfrm>
+            <a:off x="914400" y="457200"/>
+            <a:ext cx="7315200" cy="5486400"/>
+          </a:xfrm>
+          <a:prstGeom prst="rect">
+            <a:avLst/>
+          </a:prstGeom>
+          <a:noFill/>
+        </p:spPr>
+        <p:txBody>
+          <a:bodyPr wrap="none">
+            <a:spAutoFit/>
+          </a:bodyPr>
+          <a:lstStyle/>
+          <a:p/>
+          <a:p>
+            <a:pPr algn="ctr">
+              <a:lnSpc>
+                <a:spcPts val="7000"/>
+              </a:lnSpc>
+              <a:defRPr sz="4300">
+                <a:solidFill>
+                  <a:srgbClr val="000000"/>
+                </a:solidFill>
+              </a:defRPr>
+            </a:pPr>
+            <a:r>
+              <a:t>I see his love and mercy</a:t>
+            </a:r>
+            <a:br/>
+            <a:r>
+              <a:t> Washing over all our sin</a:t>
+            </a:r>
+            <a:br/>
+            <a:r>
+              <a:t> The people sing</a:t>
+            </a:r>
+            <a:br/>
+            <a:r>
+              <a:t> The people sing</a:t>
+            </a:r>
+            <a:br/>
+          </a:p>
+        </p:txBody>
+      </p:sp>
+    </p:spTree>
+  </p:cSld>
+  <p:clrMapOvr>
+    <a:masterClrMapping/>
+  </p:clrMapOvr>
+</p:sld>
+</file>
+
+<file path=ppt/slides/slide35.xml><?xml version="1.0" encoding="utf-8"?>
+<p:sld xmlns:a="http://schemas.openxmlformats.org/drawingml/2006/main" xmlns:p="http://schemas.openxmlformats.org/presentationml/2006/main" xmlns:r="http://schemas.openxmlformats.org/officeDocument/2006/relationships">
+  <p:cSld>
+    <p:spTree>
+      <p:nvGrpSpPr>
+        <p:cNvPr id="1" name=""/>
+        <p:cNvGrpSpPr/>
+        <p:nvPr/>
+      </p:nvGrpSpPr>
+      <p:grpSpPr/>
+      <p:sp>
+        <p:nvSpPr>
+          <p:cNvPr id="2" name="TextBox 1"/>
+          <p:cNvSpPr txBox="1"/>
+          <p:nvPr/>
+        </p:nvSpPr>
+        <p:spPr>
+          <a:xfrm>
+            <a:off x="914400" y="457200"/>
+            <a:ext cx="7315200" cy="5486400"/>
+          </a:xfrm>
+          <a:prstGeom prst="rect">
+            <a:avLst/>
+          </a:prstGeom>
+          <a:noFill/>
+        </p:spPr>
+        <p:txBody>
+          <a:bodyPr wrap="none">
+            <a:spAutoFit/>
+          </a:bodyPr>
+          <a:lstStyle/>
+          <a:p/>
+          <a:p>
+            <a:pPr algn="ctr">
+              <a:lnSpc>
+                <a:spcPts val="7000"/>
+              </a:lnSpc>
+              <a:defRPr sz="4300">
+                <a:solidFill>
+                  <a:srgbClr val="000000"/>
+                </a:solidFill>
+              </a:defRPr>
+            </a:pPr>
+            <a:r>
+              <a:t>Hosanna Hosanna</a:t>
+            </a:r>
+            <a:br/>
+            <a:r>
+              <a:t> Hosanna in the Highest</a:t>
+            </a:r>
+            <a:br/>
+          </a:p>
+        </p:txBody>
+      </p:sp>
+    </p:spTree>
+  </p:cSld>
+  <p:clrMapOvr>
+    <a:masterClrMapping/>
+  </p:clrMapOvr>
+</p:sld>
+</file>
+
+<file path=ppt/slides/slide36.xml><?xml version="1.0" encoding="utf-8"?>
+<p:sld xmlns:a="http://schemas.openxmlformats.org/drawingml/2006/main" xmlns:p="http://schemas.openxmlformats.org/presentationml/2006/main" xmlns:r="http://schemas.openxmlformats.org/officeDocument/2006/relationships">
+  <p:cSld>
+    <p:spTree>
+      <p:nvGrpSpPr>
+        <p:cNvPr id="1" name=""/>
+        <p:cNvGrpSpPr/>
+        <p:nvPr/>
+      </p:nvGrpSpPr>
+      <p:grpSpPr/>
+      <p:sp>
+        <p:nvSpPr>
+          <p:cNvPr id="2" name="TextBox 1"/>
+          <p:cNvSpPr txBox="1"/>
+          <p:nvPr/>
+        </p:nvSpPr>
+        <p:spPr>
+          <a:xfrm>
+            <a:off x="914400" y="457200"/>
+            <a:ext cx="7315200" cy="5486400"/>
+          </a:xfrm>
+          <a:prstGeom prst="rect">
+            <a:avLst/>
+          </a:prstGeom>
+          <a:noFill/>
+        </p:spPr>
+        <p:txBody>
+          <a:bodyPr wrap="none">
+            <a:spAutoFit/>
+          </a:bodyPr>
+          <a:lstStyle/>
+          <a:p/>
+          <a:p>
+            <a:pPr algn="ctr">
+              <a:lnSpc>
+                <a:spcPts val="7000"/>
+              </a:lnSpc>
+              <a:defRPr sz="4300">
+                <a:solidFill>
+                  <a:srgbClr val="000000"/>
+                </a:solidFill>
+              </a:defRPr>
+            </a:pPr>
+            <a:r>
+              <a:t>I see a generation</a:t>
+            </a:r>
+            <a:br/>
+            <a:r>
+              <a:t> Rising up to take their place</a:t>
+            </a:r>
+            <a:br/>
+            <a:r>
+              <a:t> With selfless faith</a:t>
+            </a:r>
+            <a:br/>
+            <a:r>
+              <a:t> With selfless faith</a:t>
+            </a:r>
+            <a:br/>
+          </a:p>
+        </p:txBody>
+      </p:sp>
+    </p:spTree>
+  </p:cSld>
+  <p:clrMapOvr>
+    <a:masterClrMapping/>
+  </p:clrMapOvr>
+</p:sld>
+</file>
+
+<file path=ppt/slides/slide37.xml><?xml version="1.0" encoding="utf-8"?>
+<p:sld xmlns:a="http://schemas.openxmlformats.org/drawingml/2006/main" xmlns:p="http://schemas.openxmlformats.org/presentationml/2006/main" xmlns:r="http://schemas.openxmlformats.org/officeDocument/2006/relationships">
+  <p:cSld>
+    <p:spTree>
+      <p:nvGrpSpPr>
+        <p:cNvPr id="1" name=""/>
+        <p:cNvGrpSpPr/>
+        <p:nvPr/>
+      </p:nvGrpSpPr>
+      <p:grpSpPr/>
+      <p:sp>
+        <p:nvSpPr>
+          <p:cNvPr id="2" name="TextBox 1"/>
+          <p:cNvSpPr txBox="1"/>
+          <p:nvPr/>
+        </p:nvSpPr>
+        <p:spPr>
+          <a:xfrm>
+            <a:off x="914400" y="457200"/>
+            <a:ext cx="7315200" cy="5486400"/>
+          </a:xfrm>
+          <a:prstGeom prst="rect">
+            <a:avLst/>
+          </a:prstGeom>
+          <a:noFill/>
+        </p:spPr>
+        <p:txBody>
+          <a:bodyPr wrap="none">
+            <a:spAutoFit/>
+          </a:bodyPr>
+          <a:lstStyle/>
+          <a:p/>
+          <a:p>
+            <a:pPr algn="ctr">
+              <a:lnSpc>
+                <a:spcPts val="7000"/>
+              </a:lnSpc>
+              <a:defRPr sz="4300">
+                <a:solidFill>
+                  <a:srgbClr val="000000"/>
+                </a:solidFill>
+              </a:defRPr>
+            </a:pPr>
+            <a:r>
+              <a:t>I see a near revival</a:t>
+            </a:r>
+            <a:br/>
+            <a:r>
+              <a:t> Stirring as we pray and seek</a:t>
+            </a:r>
+            <a:br/>
+            <a:r>
+              <a:t> We're on our knees</a:t>
+            </a:r>
+            <a:br/>
+            <a:r>
+              <a:t> We're on our knees</a:t>
+            </a:r>
+            <a:br/>
+          </a:p>
+        </p:txBody>
+      </p:sp>
+    </p:spTree>
+  </p:cSld>
+  <p:clrMapOvr>
+    <a:masterClrMapping/>
+  </p:clrMapOvr>
+</p:sld>
+</file>
+
+<file path=ppt/slides/slide38.xml><?xml version="1.0" encoding="utf-8"?>
+<p:sld xmlns:a="http://schemas.openxmlformats.org/drawingml/2006/main" xmlns:p="http://schemas.openxmlformats.org/presentationml/2006/main" xmlns:r="http://schemas.openxmlformats.org/officeDocument/2006/relationships">
+  <p:cSld>
+    <p:spTree>
+      <p:nvGrpSpPr>
+        <p:cNvPr id="1" name=""/>
+        <p:cNvGrpSpPr/>
+        <p:nvPr/>
+      </p:nvGrpSpPr>
+      <p:grpSpPr/>
+      <p:sp>
+        <p:nvSpPr>
+          <p:cNvPr id="2" name="TextBox 1"/>
+          <p:cNvSpPr txBox="1"/>
+          <p:nvPr/>
+        </p:nvSpPr>
+        <p:spPr>
+          <a:xfrm>
+            <a:off x="914400" y="457200"/>
+            <a:ext cx="7315200" cy="5486400"/>
+          </a:xfrm>
+          <a:prstGeom prst="rect">
+            <a:avLst/>
+          </a:prstGeom>
+          <a:noFill/>
+        </p:spPr>
+        <p:txBody>
+          <a:bodyPr wrap="none">
+            <a:spAutoFit/>
+          </a:bodyPr>
+          <a:lstStyle/>
+          <a:p/>
+          <a:p>
+            <a:pPr algn="ctr">
+              <a:lnSpc>
+                <a:spcPts val="7000"/>
+              </a:lnSpc>
+              <a:defRPr sz="4300">
+                <a:solidFill>
+                  <a:srgbClr val="000000"/>
+                </a:solidFill>
+              </a:defRPr>
+            </a:pPr>
+            <a:r>
+              <a:t>Hosanna Hosanna</a:t>
+            </a:r>
+            <a:br/>
+            <a:r>
+              <a:t> Hosanna in the Highest</a:t>
+            </a:r>
+            <a:br/>
+          </a:p>
+        </p:txBody>
+      </p:sp>
+    </p:spTree>
+  </p:cSld>
+  <p:clrMapOvr>
+    <a:masterClrMapping/>
+  </p:clrMapOvr>
+</p:sld>
+</file>
+
+<file path=ppt/slides/slide39.xml><?xml version="1.0" encoding="utf-8"?>
+<p:sld xmlns:a="http://schemas.openxmlformats.org/drawingml/2006/main" xmlns:p="http://schemas.openxmlformats.org/presentationml/2006/main" xmlns:r="http://schemas.openxmlformats.org/officeDocument/2006/relationships">
+  <p:cSld>
+    <p:spTree>
+      <p:nvGrpSpPr>
+        <p:cNvPr id="1" name=""/>
+        <p:cNvGrpSpPr/>
+        <p:nvPr/>
+      </p:nvGrpSpPr>
+      <p:grpSpPr/>
+      <p:sp>
+        <p:nvSpPr>
+          <p:cNvPr id="2" name="TextBox 1"/>
+          <p:cNvSpPr txBox="1"/>
+          <p:nvPr/>
+        </p:nvSpPr>
+        <p:spPr>
+          <a:xfrm>
+            <a:off x="914400" y="457200"/>
+            <a:ext cx="7315200" cy="5486400"/>
+          </a:xfrm>
+          <a:prstGeom prst="rect">
+            <a:avLst/>
+          </a:prstGeom>
+          <a:noFill/>
+        </p:spPr>
+        <p:txBody>
           <a:bodyPr wrap="square">
             <a:spAutoFit/>
           </a:bodyPr>
@@ -3815,14 +5328,14 @@
               <a:lnSpc>
                 <a:spcPts val="4800"/>
               </a:lnSpc>
-              <a:defRPr sz="3500">
+              <a:defRPr sz="4300">
                 <a:solidFill>
-                  <a:srgbClr val="3A70BC"/>
+                  <a:srgbClr val="000000"/>
                 </a:solidFill>
               </a:defRPr>
             </a:pPr>
             <a:r>
-              <a:t>Let us sing now, ev'ry one; Let us feel His love begun. Let us join our hands, that the world will know; We are one in the bond of love.</a:t>
+              <a:t>Heal my heart and make it clean. Open up my eyes to the things unseen. Show me how to love like you have loved me. Break my heart for what breaks yours. Everything I am for your Kingdom's cause. As I walk from Earth into Eternity.</a:t>
             </a:r>
           </a:p>
         </p:txBody>
@@ -3859,11 +5372,7 @@
         <p:txBody>
           <a:bodyPr/>
           <a:lstStyle/>
-          <a:p>
-            <a:r>
-              <a:t>เชิญพระวิญญาณแห่งความรักยิ่งใหญ่</a:t>
-            </a:r>
-          </a:p>
+          <a:p/>
         </p:txBody>
       </p:sp>
       <p:sp>
@@ -3882,8 +5391,876 @@
           <a:lstStyle/>
           <a:p>
             <a:r>
-              <a:t>Spirit Song</a:t>
-            </a:r>
+              <a:t>For Who You Are</a:t>
+            </a:r>
+          </a:p>
+        </p:txBody>
+      </p:sp>
+    </p:spTree>
+  </p:cSld>
+  <p:clrMapOvr>
+    <a:masterClrMapping/>
+  </p:clrMapOvr>
+</p:sld>
+</file>
+
+<file path=ppt/slides/slide40.xml><?xml version="1.0" encoding="utf-8"?>
+<p:sld xmlns:a="http://schemas.openxmlformats.org/drawingml/2006/main" xmlns:p="http://schemas.openxmlformats.org/presentationml/2006/main" xmlns:r="http://schemas.openxmlformats.org/officeDocument/2006/relationships">
+  <p:cSld>
+    <p:spTree>
+      <p:nvGrpSpPr>
+        <p:cNvPr id="1" name=""/>
+        <p:cNvGrpSpPr/>
+        <p:nvPr/>
+      </p:nvGrpSpPr>
+      <p:grpSpPr/>
+      <p:sp>
+        <p:nvSpPr>
+          <p:cNvPr id="2" name="Title 1"/>
+          <p:cNvSpPr>
+            <a:spLocks noGrp="1"/>
+          </p:cNvSpPr>
+          <p:nvPr>
+            <p:ph type="ctrTitle"/>
+          </p:nvPr>
+        </p:nvSpPr>
+        <p:spPr/>
+        <p:txBody>
+          <a:bodyPr/>
+          <a:lstStyle/>
+          <a:p>
+            <a:r>
+              <a:t>พระเจ้ายิ่งใหญ่</a:t>
+            </a:r>
+          </a:p>
+        </p:txBody>
+      </p:sp>
+      <p:sp>
+        <p:nvSpPr>
+          <p:cNvPr id="3" name="Subtitle 2"/>
+          <p:cNvSpPr>
+            <a:spLocks noGrp="1"/>
+          </p:cNvSpPr>
+          <p:nvPr>
+            <p:ph type="subTitle" idx="1"/>
+          </p:nvPr>
+        </p:nvSpPr>
+        <p:spPr/>
+        <p:txBody>
+          <a:bodyPr/>
+          <a:lstStyle/>
+          <a:p>
+            <a:r>
+              <a:t>HOW GREAT THOU ART</a:t>
+            </a:r>
+          </a:p>
+        </p:txBody>
+      </p:sp>
+    </p:spTree>
+  </p:cSld>
+  <p:clrMapOvr>
+    <a:masterClrMapping/>
+  </p:clrMapOvr>
+</p:sld>
+</file>
+
+<file path=ppt/slides/slide41.xml><?xml version="1.0" encoding="utf-8"?>
+<p:sld xmlns:a="http://schemas.openxmlformats.org/drawingml/2006/main" xmlns:p="http://schemas.openxmlformats.org/presentationml/2006/main" xmlns:r="http://schemas.openxmlformats.org/officeDocument/2006/relationships">
+  <p:cSld>
+    <p:spTree>
+      <p:nvGrpSpPr>
+        <p:cNvPr id="1" name=""/>
+        <p:cNvGrpSpPr/>
+        <p:nvPr/>
+      </p:nvGrpSpPr>
+      <p:grpSpPr/>
+      <p:sp>
+        <p:nvSpPr>
+          <p:cNvPr id="2" name="TextBox 1"/>
+          <p:cNvSpPr txBox="1"/>
+          <p:nvPr/>
+        </p:nvSpPr>
+        <p:spPr>
+          <a:xfrm>
+            <a:off x="685800" y="228600"/>
+            <a:ext cx="7772400" cy="2971800"/>
+          </a:xfrm>
+          <a:prstGeom prst="rect">
+            <a:avLst/>
+          </a:prstGeom>
+          <a:noFill/>
+        </p:spPr>
+        <p:txBody>
+          <a:bodyPr wrap="square">
+            <a:spAutoFit/>
+          </a:bodyPr>
+          <a:lstStyle/>
+          <a:p/>
+          <a:p>
+            <a:pPr algn="ctr">
+              <a:lnSpc>
+                <a:spcPts val="4800"/>
+              </a:lnSpc>
+              <a:defRPr sz="4300">
+                <a:solidFill>
+                  <a:srgbClr val="000000"/>
+                </a:solidFill>
+              </a:defRPr>
+            </a:pPr>
+            <a:r>
+              <a:t>พระองค์เจ้าข้า ข้าเฝ้ามองดูด้วยยำเกรง เพราะพระองค์เอง เป็นผู้สร้างจักรวาล เมื่อมองดูดาว เมื่อคราวยินเสียงฟ้าคำราม เห็นฝีพระหัตถ์ของพระองค์บนท้องฟ้า</a:t>
+            </a:r>
+          </a:p>
+        </p:txBody>
+      </p:sp>
+      <p:sp>
+        <p:nvSpPr>
+          <p:cNvPr id="3" name="TextBox 2"/>
+          <p:cNvSpPr txBox="1"/>
+          <p:nvPr/>
+        </p:nvSpPr>
+        <p:spPr>
+          <a:xfrm>
+            <a:off x="685800" y="3657600"/>
+            <a:ext cx="7772400" cy="2971800"/>
+          </a:xfrm>
+          <a:prstGeom prst="rect">
+            <a:avLst/>
+          </a:prstGeom>
+          <a:noFill/>
+        </p:spPr>
+        <p:txBody>
+          <a:bodyPr wrap="square">
+            <a:spAutoFit/>
+          </a:bodyPr>
+          <a:lstStyle/>
+          <a:p/>
+          <a:p>
+            <a:pPr algn="ctr">
+              <a:lnSpc>
+                <a:spcPts val="4800"/>
+              </a:lnSpc>
+              <a:defRPr sz="4000">
+                <a:solidFill>
+                  <a:srgbClr val="3A70BC"/>
+                </a:solidFill>
+              </a:defRPr>
+            </a:pPr>
+            <a:r>
+              <a:t>O Lord, my God, when I in awesome wonder. Consider all the worlds Thy Hands have made. I see the stars, I hear the rolling thunder. Thy power throughout the universe displayed</a:t>
+            </a:r>
+          </a:p>
+        </p:txBody>
+      </p:sp>
+    </p:spTree>
+  </p:cSld>
+  <p:clrMapOvr>
+    <a:masterClrMapping/>
+  </p:clrMapOvr>
+</p:sld>
+</file>
+
+<file path=ppt/slides/slide42.xml><?xml version="1.0" encoding="utf-8"?>
+<p:sld xmlns:a="http://schemas.openxmlformats.org/drawingml/2006/main" xmlns:p="http://schemas.openxmlformats.org/presentationml/2006/main" xmlns:r="http://schemas.openxmlformats.org/officeDocument/2006/relationships">
+  <p:cSld>
+    <p:spTree>
+      <p:nvGrpSpPr>
+        <p:cNvPr id="1" name=""/>
+        <p:cNvGrpSpPr/>
+        <p:nvPr/>
+      </p:nvGrpSpPr>
+      <p:grpSpPr/>
+      <p:sp>
+        <p:nvSpPr>
+          <p:cNvPr id="2" name="TextBox 1"/>
+          <p:cNvSpPr txBox="1"/>
+          <p:nvPr/>
+        </p:nvSpPr>
+        <p:spPr>
+          <a:xfrm>
+            <a:off x="685800" y="228600"/>
+            <a:ext cx="7772400" cy="2971800"/>
+          </a:xfrm>
+          <a:prstGeom prst="rect">
+            <a:avLst/>
+          </a:prstGeom>
+          <a:noFill/>
+        </p:spPr>
+        <p:txBody>
+          <a:bodyPr wrap="none">
+            <a:spAutoFit/>
+          </a:bodyPr>
+          <a:lstStyle/>
+          <a:p/>
+          <a:p>
+            <a:pPr algn="ctr">
+              <a:lnSpc>
+                <a:spcPts val="4800"/>
+              </a:lnSpc>
+              <a:defRPr sz="4300">
+                <a:solidFill>
+                  <a:srgbClr val="000000"/>
+                </a:solidFill>
+              </a:defRPr>
+            </a:pPr>
+            <a:r>
+              <a:t>จิตข้าสรรเสริญ พระเจ้าองค์พระผู้ช่วย</a:t>
+            </a:r>
+            <a:br/>
+            <a:r>
+              <a:t>พระเจ้ายิ่งใหญ่ พระเจ้ายิ่งใหญ่ จิตข้าสรรเสริญ</a:t>
+            </a:r>
+            <a:br/>
+            <a:r>
+              <a:t>พระเจ้าองค์พระผู้ช่วย พระเจ้ายิ่งใหญ่</a:t>
+            </a:r>
+            <a:br/>
+            <a:r>
+              <a:t>พระเจ้ายิ่งใหญ่</a:t>
+            </a:r>
+          </a:p>
+        </p:txBody>
+      </p:sp>
+      <p:sp>
+        <p:nvSpPr>
+          <p:cNvPr id="3" name="TextBox 2"/>
+          <p:cNvSpPr txBox="1"/>
+          <p:nvPr/>
+        </p:nvSpPr>
+        <p:spPr>
+          <a:xfrm>
+            <a:off x="685800" y="3657600"/>
+            <a:ext cx="7772400" cy="2971800"/>
+          </a:xfrm>
+          <a:prstGeom prst="rect">
+            <a:avLst/>
+          </a:prstGeom>
+          <a:noFill/>
+        </p:spPr>
+        <p:txBody>
+          <a:bodyPr wrap="square">
+            <a:spAutoFit/>
+          </a:bodyPr>
+          <a:lstStyle/>
+          <a:p/>
+          <a:p>
+            <a:pPr algn="ctr">
+              <a:lnSpc>
+                <a:spcPts val="4800"/>
+              </a:lnSpc>
+              <a:defRPr sz="4000">
+                <a:solidFill>
+                  <a:srgbClr val="3A70BC"/>
+                </a:solidFill>
+              </a:defRPr>
+            </a:pPr>
+            <a:r>
+              <a:t>Then sings my soul, my Saviour God, to Thee. How great Thou art, how great Thou art. Then sings my soul, my Saviour God, to Thee. How great Thou art, how great Thou art</a:t>
+            </a:r>
+          </a:p>
+        </p:txBody>
+      </p:sp>
+    </p:spTree>
+  </p:cSld>
+  <p:clrMapOvr>
+    <a:masterClrMapping/>
+  </p:clrMapOvr>
+</p:sld>
+</file>
+
+<file path=ppt/slides/slide43.xml><?xml version="1.0" encoding="utf-8"?>
+<p:sld xmlns:a="http://schemas.openxmlformats.org/drawingml/2006/main" xmlns:p="http://schemas.openxmlformats.org/presentationml/2006/main" xmlns:r="http://schemas.openxmlformats.org/officeDocument/2006/relationships">
+  <p:cSld>
+    <p:spTree>
+      <p:nvGrpSpPr>
+        <p:cNvPr id="1" name=""/>
+        <p:cNvGrpSpPr/>
+        <p:nvPr/>
+      </p:nvGrpSpPr>
+      <p:grpSpPr/>
+      <p:sp>
+        <p:nvSpPr>
+          <p:cNvPr id="2" name="TextBox 1"/>
+          <p:cNvSpPr txBox="1"/>
+          <p:nvPr/>
+        </p:nvSpPr>
+        <p:spPr>
+          <a:xfrm>
+            <a:off x="685800" y="228600"/>
+            <a:ext cx="7772400" cy="2971800"/>
+          </a:xfrm>
+          <a:prstGeom prst="rect">
+            <a:avLst/>
+          </a:prstGeom>
+          <a:noFill/>
+        </p:spPr>
+        <p:txBody>
+          <a:bodyPr wrap="square">
+            <a:spAutoFit/>
+          </a:bodyPr>
+          <a:lstStyle/>
+          <a:p/>
+          <a:p>
+            <a:pPr algn="ctr">
+              <a:lnSpc>
+                <a:spcPts val="4800"/>
+              </a:lnSpc>
+              <a:defRPr sz="4300">
+                <a:solidFill>
+                  <a:srgbClr val="000000"/>
+                </a:solidFill>
+              </a:defRPr>
+            </a:pPr>
+            <a:r>
+              <a:t>เมื่อข้าคิดถึง พระเจ้า ผู้ไม่ทรงเสียดาย พระบุตรองค์เดียวเสด็จมาเป็นผู้ไถ่ ถูกทรมาน ตรึงไว้บนกางเขนเพื่อข้า ข้าขอบพระคุณที่พระองค์ทรงเมตตา</a:t>
+            </a:r>
+          </a:p>
+        </p:txBody>
+      </p:sp>
+      <p:sp>
+        <p:nvSpPr>
+          <p:cNvPr id="3" name="TextBox 2"/>
+          <p:cNvSpPr txBox="1"/>
+          <p:nvPr/>
+        </p:nvSpPr>
+        <p:spPr>
+          <a:xfrm>
+            <a:off x="685800" y="3657600"/>
+            <a:ext cx="7772400" cy="2971800"/>
+          </a:xfrm>
+          <a:prstGeom prst="rect">
+            <a:avLst/>
+          </a:prstGeom>
+          <a:noFill/>
+        </p:spPr>
+        <p:txBody>
+          <a:bodyPr wrap="square">
+            <a:spAutoFit/>
+          </a:bodyPr>
+          <a:lstStyle/>
+          <a:p/>
+          <a:p>
+            <a:pPr algn="ctr">
+              <a:lnSpc>
+                <a:spcPts val="4800"/>
+              </a:lnSpc>
+              <a:defRPr sz="4000">
+                <a:solidFill>
+                  <a:srgbClr val="3A70BC"/>
+                </a:solidFill>
+              </a:defRPr>
+            </a:pPr>
+            <a:r>
+              <a:t>And when I think of God, His Son not sparing Sent Him to die, I scarce can take it in. That on the Cross, my burden gladly bearing He bled and died to take away my sin</a:t>
+            </a:r>
+          </a:p>
+        </p:txBody>
+      </p:sp>
+    </p:spTree>
+  </p:cSld>
+  <p:clrMapOvr>
+    <a:masterClrMapping/>
+  </p:clrMapOvr>
+</p:sld>
+</file>
+
+<file path=ppt/slides/slide44.xml><?xml version="1.0" encoding="utf-8"?>
+<p:sld xmlns:a="http://schemas.openxmlformats.org/drawingml/2006/main" xmlns:p="http://schemas.openxmlformats.org/presentationml/2006/main" xmlns:r="http://schemas.openxmlformats.org/officeDocument/2006/relationships">
+  <p:cSld>
+    <p:spTree>
+      <p:nvGrpSpPr>
+        <p:cNvPr id="1" name=""/>
+        <p:cNvGrpSpPr/>
+        <p:nvPr/>
+      </p:nvGrpSpPr>
+      <p:grpSpPr/>
+      <p:sp>
+        <p:nvSpPr>
+          <p:cNvPr id="2" name="TextBox 1"/>
+          <p:cNvSpPr txBox="1"/>
+          <p:nvPr/>
+        </p:nvSpPr>
+        <p:spPr>
+          <a:xfrm>
+            <a:off x="685800" y="228600"/>
+            <a:ext cx="7772400" cy="2971800"/>
+          </a:xfrm>
+          <a:prstGeom prst="rect">
+            <a:avLst/>
+          </a:prstGeom>
+          <a:noFill/>
+        </p:spPr>
+        <p:txBody>
+          <a:bodyPr wrap="none">
+            <a:spAutoFit/>
+          </a:bodyPr>
+          <a:lstStyle/>
+          <a:p/>
+          <a:p>
+            <a:pPr algn="ctr">
+              <a:lnSpc>
+                <a:spcPts val="4800"/>
+              </a:lnSpc>
+              <a:defRPr sz="4300">
+                <a:solidFill>
+                  <a:srgbClr val="000000"/>
+                </a:solidFill>
+              </a:defRPr>
+            </a:pPr>
+            <a:r>
+              <a:t>จิตข้าสรรเสริญ พระเจ้าองค์พระผู้ช่วย</a:t>
+            </a:r>
+            <a:br/>
+            <a:r>
+              <a:t>พระเจ้ายิ่งใหญ่ พระเจ้ายิ่งใหญ่ จิตข้าสรรเสริญ</a:t>
+            </a:r>
+            <a:br/>
+            <a:r>
+              <a:t>พระเจ้าองค์พระผู้ช่วย พระเจ้ายิ่งใหญ่</a:t>
+            </a:r>
+            <a:br/>
+            <a:r>
+              <a:t>พระเจ้ายิ่งใหญ่</a:t>
+            </a:r>
+          </a:p>
+        </p:txBody>
+      </p:sp>
+      <p:sp>
+        <p:nvSpPr>
+          <p:cNvPr id="3" name="TextBox 2"/>
+          <p:cNvSpPr txBox="1"/>
+          <p:nvPr/>
+        </p:nvSpPr>
+        <p:spPr>
+          <a:xfrm>
+            <a:off x="685800" y="3657600"/>
+            <a:ext cx="7772400" cy="2971800"/>
+          </a:xfrm>
+          <a:prstGeom prst="rect">
+            <a:avLst/>
+          </a:prstGeom>
+          <a:noFill/>
+        </p:spPr>
+        <p:txBody>
+          <a:bodyPr wrap="square">
+            <a:spAutoFit/>
+          </a:bodyPr>
+          <a:lstStyle/>
+          <a:p/>
+          <a:p>
+            <a:pPr algn="ctr">
+              <a:lnSpc>
+                <a:spcPts val="4800"/>
+              </a:lnSpc>
+              <a:defRPr sz="4000">
+                <a:solidFill>
+                  <a:srgbClr val="3A70BC"/>
+                </a:solidFill>
+              </a:defRPr>
+            </a:pPr>
+            <a:r>
+              <a:t>Then sings my soul, my Saviour God, to Thee. How great Thou art, how great Thou art. Then sings my soul, my Saviour God, to Thee. How great Thou art, how great Thou art</a:t>
+            </a:r>
+          </a:p>
+        </p:txBody>
+      </p:sp>
+    </p:spTree>
+  </p:cSld>
+  <p:clrMapOvr>
+    <a:masterClrMapping/>
+  </p:clrMapOvr>
+</p:sld>
+</file>
+
+<file path=ppt/slides/slide45.xml><?xml version="1.0" encoding="utf-8"?>
+<p:sld xmlns:a="http://schemas.openxmlformats.org/drawingml/2006/main" xmlns:p="http://schemas.openxmlformats.org/presentationml/2006/main" xmlns:r="http://schemas.openxmlformats.org/officeDocument/2006/relationships">
+  <p:cSld>
+    <p:spTree>
+      <p:nvGrpSpPr>
+        <p:cNvPr id="1" name=""/>
+        <p:cNvGrpSpPr/>
+        <p:nvPr/>
+      </p:nvGrpSpPr>
+      <p:grpSpPr/>
+      <p:sp>
+        <p:nvSpPr>
+          <p:cNvPr id="2" name="TextBox 1"/>
+          <p:cNvSpPr txBox="1"/>
+          <p:nvPr/>
+        </p:nvSpPr>
+        <p:spPr>
+          <a:xfrm>
+            <a:off x="685800" y="228600"/>
+            <a:ext cx="7772400" cy="2971800"/>
+          </a:xfrm>
+          <a:prstGeom prst="rect">
+            <a:avLst/>
+          </a:prstGeom>
+          <a:noFill/>
+        </p:spPr>
+        <p:txBody>
+          <a:bodyPr wrap="square">
+            <a:spAutoFit/>
+          </a:bodyPr>
+          <a:lstStyle/>
+          <a:p/>
+          <a:p>
+            <a:pPr algn="ctr">
+              <a:lnSpc>
+                <a:spcPts val="4800"/>
+              </a:lnSpc>
+              <a:defRPr sz="4300">
+                <a:solidFill>
+                  <a:srgbClr val="000000"/>
+                </a:solidFill>
+              </a:defRPr>
+            </a:pPr>
+            <a:r>
+              <a:t>พระคริสต์กลับมา ด้วยเสียงแตรดังก้องเวหา เพื่อมารับข้า กลับไปอยู่ในเมืองฟ้า ข้าจะกราบลง ที่พระบาทาด้วยถ่อมใจ และสรรเสริญว่า พระเจ้าของข้ายิ่งใหญ่</a:t>
+            </a:r>
+          </a:p>
+        </p:txBody>
+      </p:sp>
+      <p:sp>
+        <p:nvSpPr>
+          <p:cNvPr id="3" name="TextBox 2"/>
+          <p:cNvSpPr txBox="1"/>
+          <p:nvPr/>
+        </p:nvSpPr>
+        <p:spPr>
+          <a:xfrm>
+            <a:off x="685800" y="3657600"/>
+            <a:ext cx="7772400" cy="2971800"/>
+          </a:xfrm>
+          <a:prstGeom prst="rect">
+            <a:avLst/>
+          </a:prstGeom>
+          <a:noFill/>
+        </p:spPr>
+        <p:txBody>
+          <a:bodyPr wrap="square">
+            <a:spAutoFit/>
+          </a:bodyPr>
+          <a:lstStyle/>
+          <a:p/>
+          <a:p>
+            <a:pPr algn="ctr">
+              <a:lnSpc>
+                <a:spcPts val="4800"/>
+              </a:lnSpc>
+              <a:defRPr sz="4000">
+                <a:solidFill>
+                  <a:srgbClr val="3A70BC"/>
+                </a:solidFill>
+              </a:defRPr>
+            </a:pPr>
+            <a:r>
+              <a:t>When Christ shall come with shout of acclamation. And lead me home, what joy shall fill my heart. Then I shall bow with humble adoration. And then proclaim, my God, how great Thou art</a:t>
+            </a:r>
+          </a:p>
+        </p:txBody>
+      </p:sp>
+    </p:spTree>
+  </p:cSld>
+  <p:clrMapOvr>
+    <a:masterClrMapping/>
+  </p:clrMapOvr>
+</p:sld>
+</file>
+
+<file path=ppt/slides/slide46.xml><?xml version="1.0" encoding="utf-8"?>
+<p:sld xmlns:a="http://schemas.openxmlformats.org/drawingml/2006/main" xmlns:p="http://schemas.openxmlformats.org/presentationml/2006/main" xmlns:r="http://schemas.openxmlformats.org/officeDocument/2006/relationships">
+  <p:cSld>
+    <p:spTree>
+      <p:nvGrpSpPr>
+        <p:cNvPr id="1" name=""/>
+        <p:cNvGrpSpPr/>
+        <p:nvPr/>
+      </p:nvGrpSpPr>
+      <p:grpSpPr/>
+      <p:sp>
+        <p:nvSpPr>
+          <p:cNvPr id="2" name="TextBox 1"/>
+          <p:cNvSpPr txBox="1"/>
+          <p:nvPr/>
+        </p:nvSpPr>
+        <p:spPr>
+          <a:xfrm>
+            <a:off x="685800" y="228600"/>
+            <a:ext cx="7772400" cy="2971800"/>
+          </a:xfrm>
+          <a:prstGeom prst="rect">
+            <a:avLst/>
+          </a:prstGeom>
+          <a:noFill/>
+        </p:spPr>
+        <p:txBody>
+          <a:bodyPr wrap="none">
+            <a:spAutoFit/>
+          </a:bodyPr>
+          <a:lstStyle/>
+          <a:p/>
+          <a:p>
+            <a:pPr algn="ctr">
+              <a:lnSpc>
+                <a:spcPts val="4800"/>
+              </a:lnSpc>
+              <a:defRPr sz="4300">
+                <a:solidFill>
+                  <a:srgbClr val="000000"/>
+                </a:solidFill>
+              </a:defRPr>
+            </a:pPr>
+            <a:r>
+              <a:t>จิตข้าสรรเสริญ พระเจ้าองค์พระผู้ช่วย</a:t>
+            </a:r>
+            <a:br/>
+            <a:r>
+              <a:t>พระเจ้ายิ่งใหญ่ พระเจ้ายิ่งใหญ่ จิตข้าสรรเสริญ</a:t>
+            </a:r>
+            <a:br/>
+            <a:r>
+              <a:t>พระเจ้าองค์พระผู้ช่วย พระเจ้ายิ่งใหญ่</a:t>
+            </a:r>
+            <a:br/>
+            <a:r>
+              <a:t>พระเจ้ายิ่งใหญ่</a:t>
+            </a:r>
+          </a:p>
+        </p:txBody>
+      </p:sp>
+      <p:sp>
+        <p:nvSpPr>
+          <p:cNvPr id="3" name="TextBox 2"/>
+          <p:cNvSpPr txBox="1"/>
+          <p:nvPr/>
+        </p:nvSpPr>
+        <p:spPr>
+          <a:xfrm>
+            <a:off x="685800" y="3657600"/>
+            <a:ext cx="7772400" cy="2971800"/>
+          </a:xfrm>
+          <a:prstGeom prst="rect">
+            <a:avLst/>
+          </a:prstGeom>
+          <a:noFill/>
+        </p:spPr>
+        <p:txBody>
+          <a:bodyPr wrap="square">
+            <a:spAutoFit/>
+          </a:bodyPr>
+          <a:lstStyle/>
+          <a:p/>
+          <a:p>
+            <a:pPr algn="ctr">
+              <a:lnSpc>
+                <a:spcPts val="4800"/>
+              </a:lnSpc>
+              <a:defRPr sz="4000">
+                <a:solidFill>
+                  <a:srgbClr val="3A70BC"/>
+                </a:solidFill>
+              </a:defRPr>
+            </a:pPr>
+            <a:r>
+              <a:t>Then sings my soul, my Saviour God, to Thee. How great Thou art, how great Thou art. Then sings my soul, my Saviour God, to Thee. How great Thou art, how great Thou art</a:t>
+            </a:r>
+          </a:p>
+        </p:txBody>
+      </p:sp>
+    </p:spTree>
+  </p:cSld>
+  <p:clrMapOvr>
+    <a:masterClrMapping/>
+  </p:clrMapOvr>
+</p:sld>
+</file>
+
+<file path=ppt/slides/slide47.xml><?xml version="1.0" encoding="utf-8"?>
+<p:sld xmlns:a="http://schemas.openxmlformats.org/drawingml/2006/main" xmlns:p="http://schemas.openxmlformats.org/presentationml/2006/main" xmlns:r="http://schemas.openxmlformats.org/officeDocument/2006/relationships">
+  <p:cSld>
+    <p:spTree>
+      <p:nvGrpSpPr>
+        <p:cNvPr id="1" name=""/>
+        <p:cNvGrpSpPr/>
+        <p:nvPr/>
+      </p:nvGrpSpPr>
+      <p:grpSpPr/>
+      <p:sp>
+        <p:nvSpPr>
+          <p:cNvPr id="2" name="Title 1"/>
+          <p:cNvSpPr>
+            <a:spLocks noGrp="1"/>
+          </p:cNvSpPr>
+          <p:nvPr>
+            <p:ph type="ctrTitle"/>
+          </p:nvPr>
+        </p:nvSpPr>
+        <p:spPr/>
+        <p:txBody>
+          <a:bodyPr/>
+          <a:lstStyle/>
+          <a:p/>
+        </p:txBody>
+      </p:sp>
+      <p:sp>
+        <p:nvSpPr>
+          <p:cNvPr id="3" name="Subtitle 2"/>
+          <p:cNvSpPr>
+            <a:spLocks noGrp="1"/>
+          </p:cNvSpPr>
+          <p:nvPr>
+            <p:ph type="subTitle" idx="1"/>
+          </p:nvPr>
+        </p:nvSpPr>
+        <p:spPr/>
+        <p:txBody>
+          <a:bodyPr/>
+          <a:lstStyle/>
+          <a:p>
+            <a:r>
+              <a:t>Christ Is Enough</a:t>
+            </a:r>
+          </a:p>
+        </p:txBody>
+      </p:sp>
+    </p:spTree>
+  </p:cSld>
+  <p:clrMapOvr>
+    <a:masterClrMapping/>
+  </p:clrMapOvr>
+</p:sld>
+</file>
+
+<file path=ppt/slides/slide48.xml><?xml version="1.0" encoding="utf-8"?>
+<p:sld xmlns:a="http://schemas.openxmlformats.org/drawingml/2006/main" xmlns:p="http://schemas.openxmlformats.org/presentationml/2006/main" xmlns:r="http://schemas.openxmlformats.org/officeDocument/2006/relationships">
+  <p:cSld>
+    <p:spTree>
+      <p:nvGrpSpPr>
+        <p:cNvPr id="1" name=""/>
+        <p:cNvGrpSpPr/>
+        <p:nvPr/>
+      </p:nvGrpSpPr>
+      <p:grpSpPr/>
+      <p:sp>
+        <p:nvSpPr>
+          <p:cNvPr id="2" name="TextBox 1"/>
+          <p:cNvSpPr txBox="1"/>
+          <p:nvPr/>
+        </p:nvSpPr>
+        <p:spPr>
+          <a:xfrm>
+            <a:off x="914400" y="457200"/>
+            <a:ext cx="7315200" cy="5486400"/>
+          </a:xfrm>
+          <a:prstGeom prst="rect">
+            <a:avLst/>
+          </a:prstGeom>
+          <a:noFill/>
+        </p:spPr>
+        <p:txBody>
+          <a:bodyPr wrap="none">
+            <a:spAutoFit/>
+          </a:bodyPr>
+          <a:lstStyle/>
+          <a:p/>
+          <a:p>
+            <a:pPr algn="ctr">
+              <a:lnSpc>
+                <a:spcPts val="7000"/>
+              </a:lnSpc>
+              <a:defRPr sz="4300">
+                <a:solidFill>
+                  <a:srgbClr val="000000"/>
+                </a:solidFill>
+              </a:defRPr>
+            </a:pPr>
+            <a:r>
+              <a:t>Christ is my reward</a:t>
+            </a:r>
+            <a:br/>
+            <a:r>
+              <a:t> And all of my devotion</a:t>
+            </a:r>
+            <a:br/>
+            <a:r>
+              <a:t> Now there's nothing in this world</a:t>
+            </a:r>
+            <a:br/>
+            <a:r>
+              <a:t> That could ever satisfy</a:t>
+            </a:r>
+            <a:br/>
+          </a:p>
+        </p:txBody>
+      </p:sp>
+    </p:spTree>
+  </p:cSld>
+  <p:clrMapOvr>
+    <a:masterClrMapping/>
+  </p:clrMapOvr>
+</p:sld>
+</file>
+
+<file path=ppt/slides/slide49.xml><?xml version="1.0" encoding="utf-8"?>
+<p:sld xmlns:a="http://schemas.openxmlformats.org/drawingml/2006/main" xmlns:p="http://schemas.openxmlformats.org/presentationml/2006/main" xmlns:r="http://schemas.openxmlformats.org/officeDocument/2006/relationships">
+  <p:cSld>
+    <p:spTree>
+      <p:nvGrpSpPr>
+        <p:cNvPr id="1" name=""/>
+        <p:cNvGrpSpPr/>
+        <p:nvPr/>
+      </p:nvGrpSpPr>
+      <p:grpSpPr/>
+      <p:sp>
+        <p:nvSpPr>
+          <p:cNvPr id="2" name="TextBox 1"/>
+          <p:cNvSpPr txBox="1"/>
+          <p:nvPr/>
+        </p:nvSpPr>
+        <p:spPr>
+          <a:xfrm>
+            <a:off x="914400" y="457200"/>
+            <a:ext cx="7315200" cy="5486400"/>
+          </a:xfrm>
+          <a:prstGeom prst="rect">
+            <a:avLst/>
+          </a:prstGeom>
+          <a:noFill/>
+        </p:spPr>
+        <p:txBody>
+          <a:bodyPr wrap="none">
+            <a:spAutoFit/>
+          </a:bodyPr>
+          <a:lstStyle/>
+          <a:p/>
+          <a:p>
+            <a:pPr algn="ctr">
+              <a:lnSpc>
+                <a:spcPts val="7000"/>
+              </a:lnSpc>
+              <a:defRPr sz="4300">
+                <a:solidFill>
+                  <a:srgbClr val="000000"/>
+                </a:solidFill>
+              </a:defRPr>
+            </a:pPr>
+            <a:r>
+              <a:t>Through every trial</a:t>
+            </a:r>
+            <a:br/>
+            <a:r>
+              <a:t> My soul will sing</a:t>
+            </a:r>
+            <a:br/>
+            <a:r>
+              <a:t> No turning back</a:t>
+            </a:r>
+            <a:br/>
+            <a:r>
+              <a:t> I've been set free</a:t>
+            </a:r>
+            <a:br/>
           </a:p>
         </p:txBody>
       </p:sp>
@@ -3913,8 +6290,8 @@
         </p:nvSpPr>
         <p:spPr>
           <a:xfrm>
-            <a:off x="685800" y="228600"/>
-            <a:ext cx="7772400" cy="2971800"/>
+            <a:off x="914400" y="457200"/>
+            <a:ext cx="7315200" cy="5486400"/>
           </a:xfrm>
           <a:prstGeom prst="rect">
             <a:avLst/>
@@ -3922,7 +6299,7 @@
           <a:noFill/>
         </p:spPr>
         <p:txBody>
-          <a:bodyPr wrap="square">
+          <a:bodyPr wrap="none">
             <a:spAutoFit/>
           </a:bodyPr>
           <a:lstStyle/>
@@ -3930,30 +6307,61 @@
           <a:p>
             <a:pPr algn="ctr">
               <a:lnSpc>
-                <a:spcPts val="4800"/>
+                <a:spcPts val="7000"/>
               </a:lnSpc>
-              <a:defRPr sz="4000">
+              <a:defRPr sz="4300">
                 <a:solidFill>
                   <a:srgbClr val="000000"/>
                 </a:solidFill>
               </a:defRPr>
             </a:pPr>
             <a:r>
-              <a:t>เชิญพระวิญญาณแห่งความรักยิ่งใหญ่ ทรงเคลื่อนไหวเหนือเราทุกคน ให้เต็มล้นภายในสันติสุข อิ่มเอมใจ ขอทรงครอบครองความคิดและชีวิต ให้เป็นของพระองค์ทุกสิ่ง โดยพระวิญญาณบริสุทธิ์ เป็นผู้ทรงนำ</a:t>
-            </a:r>
-          </a:p>
-        </p:txBody>
-      </p:sp>
-      <p:sp>
-        <p:nvSpPr>
-          <p:cNvPr id="3" name="TextBox 2"/>
+              <a:t>Standing here in Your presence</a:t>
+            </a:r>
+            <a:br/>
+            <a:r>
+              <a:t> Thinking of the good things you have done</a:t>
+            </a:r>
+            <a:br/>
+            <a:r>
+              <a:t> Waiting here patiently</a:t>
+            </a:r>
+            <a:br/>
+            <a:r>
+              <a:t> Just to hear Your still small voice again</a:t>
+            </a:r>
+            <a:br/>
+          </a:p>
+        </p:txBody>
+      </p:sp>
+    </p:spTree>
+  </p:cSld>
+  <p:clrMapOvr>
+    <a:masterClrMapping/>
+  </p:clrMapOvr>
+</p:sld>
+</file>
+
+<file path=ppt/slides/slide50.xml><?xml version="1.0" encoding="utf-8"?>
+<p:sld xmlns:a="http://schemas.openxmlformats.org/drawingml/2006/main" xmlns:p="http://schemas.openxmlformats.org/presentationml/2006/main" xmlns:r="http://schemas.openxmlformats.org/officeDocument/2006/relationships">
+  <p:cSld>
+    <p:spTree>
+      <p:nvGrpSpPr>
+        <p:cNvPr id="1" name=""/>
+        <p:cNvGrpSpPr/>
+        <p:nvPr/>
+      </p:nvGrpSpPr>
+      <p:grpSpPr/>
+      <p:sp>
+        <p:nvSpPr>
+          <p:cNvPr id="2" name="TextBox 1"/>
           <p:cNvSpPr txBox="1"/>
           <p:nvPr/>
         </p:nvSpPr>
         <p:spPr>
           <a:xfrm>
-            <a:off x="685800" y="3657600"/>
-            <a:ext cx="7772400" cy="2971800"/>
+            <a:off x="914400" y="457200"/>
+            <a:ext cx="7315200" cy="5486400"/>
           </a:xfrm>
           <a:prstGeom prst="rect">
             <a:avLst/>
@@ -3961,7 +6369,7 @@
           <a:noFill/>
         </p:spPr>
         <p:txBody>
-          <a:bodyPr wrap="square">
+          <a:bodyPr wrap="none">
             <a:spAutoFit/>
           </a:bodyPr>
           <a:lstStyle/>
@@ -3969,16 +6377,665 @@
           <a:p>
             <a:pPr algn="ctr">
               <a:lnSpc>
-                <a:spcPts val="4800"/>
+                <a:spcPts val="7000"/>
               </a:lnSpc>
-              <a:defRPr sz="3500">
+              <a:defRPr sz="4300">
                 <a:solidFill>
-                  <a:srgbClr val="3A70BC"/>
+                  <a:srgbClr val="000000"/>
                 </a:solidFill>
               </a:defRPr>
             </a:pPr>
             <a:r>
-              <a:t>Oh let the Son of God enfold you. With His Spirit and His love. Let Him fill your heart and satisfy your soul. Oh let Him have those things that hold you. And His Spirit like a dove. Will descend upon your life and make you whole.</a:t>
+              <a:t>Christ is enough for me</a:t>
+            </a:r>
+            <a:br/>
+            <a:r>
+              <a:t> Christ is enough for me</a:t>
+            </a:r>
+            <a:br/>
+            <a:r>
+              <a:t> Everything I need is in You</a:t>
+            </a:r>
+            <a:br/>
+            <a:r>
+              <a:t> Everything I need</a:t>
+            </a:r>
+            <a:br/>
+          </a:p>
+        </p:txBody>
+      </p:sp>
+    </p:spTree>
+  </p:cSld>
+  <p:clrMapOvr>
+    <a:masterClrMapping/>
+  </p:clrMapOvr>
+</p:sld>
+</file>
+
+<file path=ppt/slides/slide51.xml><?xml version="1.0" encoding="utf-8"?>
+<p:sld xmlns:a="http://schemas.openxmlformats.org/drawingml/2006/main" xmlns:p="http://schemas.openxmlformats.org/presentationml/2006/main" xmlns:r="http://schemas.openxmlformats.org/officeDocument/2006/relationships">
+  <p:cSld>
+    <p:spTree>
+      <p:nvGrpSpPr>
+        <p:cNvPr id="1" name=""/>
+        <p:cNvGrpSpPr/>
+        <p:nvPr/>
+      </p:nvGrpSpPr>
+      <p:grpSpPr/>
+      <p:sp>
+        <p:nvSpPr>
+          <p:cNvPr id="2" name="TextBox 1"/>
+          <p:cNvSpPr txBox="1"/>
+          <p:nvPr/>
+        </p:nvSpPr>
+        <p:spPr>
+          <a:xfrm>
+            <a:off x="914400" y="457200"/>
+            <a:ext cx="7315200" cy="5486400"/>
+          </a:xfrm>
+          <a:prstGeom prst="rect">
+            <a:avLst/>
+          </a:prstGeom>
+          <a:noFill/>
+        </p:spPr>
+        <p:txBody>
+          <a:bodyPr wrap="none">
+            <a:spAutoFit/>
+          </a:bodyPr>
+          <a:lstStyle/>
+          <a:p/>
+          <a:p>
+            <a:pPr algn="ctr">
+              <a:lnSpc>
+                <a:spcPts val="7000"/>
+              </a:lnSpc>
+              <a:defRPr sz="4300">
+                <a:solidFill>
+                  <a:srgbClr val="000000"/>
+                </a:solidFill>
+              </a:defRPr>
+            </a:pPr>
+            <a:r>
+              <a:t>Christ my all in all</a:t>
+            </a:r>
+            <a:br/>
+            <a:r>
+              <a:t> The joy of my salvation</a:t>
+            </a:r>
+            <a:br/>
+            <a:r>
+              <a:t> And this hope will never fail</a:t>
+            </a:r>
+            <a:br/>
+            <a:r>
+              <a:t> Heaven is our home</a:t>
+            </a:r>
+            <a:br/>
+          </a:p>
+        </p:txBody>
+      </p:sp>
+    </p:spTree>
+  </p:cSld>
+  <p:clrMapOvr>
+    <a:masterClrMapping/>
+  </p:clrMapOvr>
+</p:sld>
+</file>
+
+<file path=ppt/slides/slide52.xml><?xml version="1.0" encoding="utf-8"?>
+<p:sld xmlns:a="http://schemas.openxmlformats.org/drawingml/2006/main" xmlns:p="http://schemas.openxmlformats.org/presentationml/2006/main" xmlns:r="http://schemas.openxmlformats.org/officeDocument/2006/relationships">
+  <p:cSld>
+    <p:spTree>
+      <p:nvGrpSpPr>
+        <p:cNvPr id="1" name=""/>
+        <p:cNvGrpSpPr/>
+        <p:nvPr/>
+      </p:nvGrpSpPr>
+      <p:grpSpPr/>
+      <p:sp>
+        <p:nvSpPr>
+          <p:cNvPr id="2" name="TextBox 1"/>
+          <p:cNvSpPr txBox="1"/>
+          <p:nvPr/>
+        </p:nvSpPr>
+        <p:spPr>
+          <a:xfrm>
+            <a:off x="914400" y="457200"/>
+            <a:ext cx="7315200" cy="5486400"/>
+          </a:xfrm>
+          <a:prstGeom prst="rect">
+            <a:avLst/>
+          </a:prstGeom>
+          <a:noFill/>
+        </p:spPr>
+        <p:txBody>
+          <a:bodyPr wrap="none">
+            <a:spAutoFit/>
+          </a:bodyPr>
+          <a:lstStyle/>
+          <a:p/>
+          <a:p>
+            <a:pPr algn="ctr">
+              <a:lnSpc>
+                <a:spcPts val="7000"/>
+              </a:lnSpc>
+              <a:defRPr sz="4300">
+                <a:solidFill>
+                  <a:srgbClr val="000000"/>
+                </a:solidFill>
+              </a:defRPr>
+            </a:pPr>
+            <a:r>
+              <a:t>Through every storm</a:t>
+            </a:r>
+            <a:br/>
+            <a:r>
+              <a:t> My soul will sing</a:t>
+            </a:r>
+            <a:br/>
+            <a:r>
+              <a:t> Jesus is here</a:t>
+            </a:r>
+            <a:br/>
+            <a:r>
+              <a:t> To God be the glory</a:t>
+            </a:r>
+            <a:br/>
+          </a:p>
+        </p:txBody>
+      </p:sp>
+    </p:spTree>
+  </p:cSld>
+  <p:clrMapOvr>
+    <a:masterClrMapping/>
+  </p:clrMapOvr>
+</p:sld>
+</file>
+
+<file path=ppt/slides/slide53.xml><?xml version="1.0" encoding="utf-8"?>
+<p:sld xmlns:a="http://schemas.openxmlformats.org/drawingml/2006/main" xmlns:p="http://schemas.openxmlformats.org/presentationml/2006/main" xmlns:r="http://schemas.openxmlformats.org/officeDocument/2006/relationships">
+  <p:cSld>
+    <p:spTree>
+      <p:nvGrpSpPr>
+        <p:cNvPr id="1" name=""/>
+        <p:cNvGrpSpPr/>
+        <p:nvPr/>
+      </p:nvGrpSpPr>
+      <p:grpSpPr/>
+      <p:sp>
+        <p:nvSpPr>
+          <p:cNvPr id="2" name="TextBox 1"/>
+          <p:cNvSpPr txBox="1"/>
+          <p:nvPr/>
+        </p:nvSpPr>
+        <p:spPr>
+          <a:xfrm>
+            <a:off x="914400" y="457200"/>
+            <a:ext cx="7315200" cy="5486400"/>
+          </a:xfrm>
+          <a:prstGeom prst="rect">
+            <a:avLst/>
+          </a:prstGeom>
+          <a:noFill/>
+        </p:spPr>
+        <p:txBody>
+          <a:bodyPr wrap="none">
+            <a:spAutoFit/>
+          </a:bodyPr>
+          <a:lstStyle/>
+          <a:p/>
+          <a:p>
+            <a:pPr algn="ctr">
+              <a:lnSpc>
+                <a:spcPts val="7000"/>
+              </a:lnSpc>
+              <a:defRPr sz="4300">
+                <a:solidFill>
+                  <a:srgbClr val="000000"/>
+                </a:solidFill>
+              </a:defRPr>
+            </a:pPr>
+            <a:r>
+              <a:t>Christ is enough for me</a:t>
+            </a:r>
+            <a:br/>
+            <a:r>
+              <a:t> Christ is enough for me</a:t>
+            </a:r>
+            <a:br/>
+            <a:r>
+              <a:t> Everything I need is in You</a:t>
+            </a:r>
+            <a:br/>
+            <a:r>
+              <a:t> Everything I need</a:t>
+            </a:r>
+            <a:br/>
+          </a:p>
+        </p:txBody>
+      </p:sp>
+    </p:spTree>
+  </p:cSld>
+  <p:clrMapOvr>
+    <a:masterClrMapping/>
+  </p:clrMapOvr>
+</p:sld>
+</file>
+
+<file path=ppt/slides/slide54.xml><?xml version="1.0" encoding="utf-8"?>
+<p:sld xmlns:a="http://schemas.openxmlformats.org/drawingml/2006/main" xmlns:p="http://schemas.openxmlformats.org/presentationml/2006/main" xmlns:r="http://schemas.openxmlformats.org/officeDocument/2006/relationships">
+  <p:cSld>
+    <p:spTree>
+      <p:nvGrpSpPr>
+        <p:cNvPr id="1" name=""/>
+        <p:cNvGrpSpPr/>
+        <p:nvPr/>
+      </p:nvGrpSpPr>
+      <p:grpSpPr/>
+      <p:sp>
+        <p:nvSpPr>
+          <p:cNvPr id="2" name="TextBox 1"/>
+          <p:cNvSpPr txBox="1"/>
+          <p:nvPr/>
+        </p:nvSpPr>
+        <p:spPr>
+          <a:xfrm>
+            <a:off x="914400" y="457200"/>
+            <a:ext cx="7315200" cy="5486400"/>
+          </a:xfrm>
+          <a:prstGeom prst="rect">
+            <a:avLst/>
+          </a:prstGeom>
+          <a:noFill/>
+        </p:spPr>
+        <p:txBody>
+          <a:bodyPr wrap="none">
+            <a:spAutoFit/>
+          </a:bodyPr>
+          <a:lstStyle/>
+          <a:p/>
+          <a:p>
+            <a:pPr algn="ctr">
+              <a:lnSpc>
+                <a:spcPts val="7000"/>
+              </a:lnSpc>
+              <a:defRPr sz="4300">
+                <a:solidFill>
+                  <a:srgbClr val="000000"/>
+                </a:solidFill>
+              </a:defRPr>
+            </a:pPr>
+            <a:r>
+              <a:t>I have decided to follow Jesus</a:t>
+            </a:r>
+            <a:br/>
+            <a:r>
+              <a:t> No turning back. No turning back</a:t>
+            </a:r>
+            <a:br/>
+            <a:r>
+              <a:t> The cross before me</a:t>
+            </a:r>
+            <a:br/>
+            <a:r>
+              <a:t> The world behind me</a:t>
+            </a:r>
+            <a:br/>
+            <a:r>
+              <a:t> No turning back. No turning back</a:t>
+            </a:r>
+            <a:br/>
+          </a:p>
+        </p:txBody>
+      </p:sp>
+    </p:spTree>
+  </p:cSld>
+  <p:clrMapOvr>
+    <a:masterClrMapping/>
+  </p:clrMapOvr>
+</p:sld>
+</file>
+
+<file path=ppt/slides/slide55.xml><?xml version="1.0" encoding="utf-8"?>
+<p:sld xmlns:a="http://schemas.openxmlformats.org/drawingml/2006/main" xmlns:p="http://schemas.openxmlformats.org/presentationml/2006/main" xmlns:r="http://schemas.openxmlformats.org/officeDocument/2006/relationships">
+  <p:cSld>
+    <p:spTree>
+      <p:nvGrpSpPr>
+        <p:cNvPr id="1" name=""/>
+        <p:cNvGrpSpPr/>
+        <p:nvPr/>
+      </p:nvGrpSpPr>
+      <p:grpSpPr/>
+      <p:sp>
+        <p:nvSpPr>
+          <p:cNvPr id="2" name="Title 1"/>
+          <p:cNvSpPr>
+            <a:spLocks noGrp="1"/>
+          </p:cNvSpPr>
+          <p:nvPr>
+            <p:ph type="ctrTitle"/>
+          </p:nvPr>
+        </p:nvSpPr>
+        <p:spPr/>
+        <p:txBody>
+          <a:bodyPr/>
+          <a:lstStyle/>
+          <a:p>
+            <a:r>
+              <a:t>ไม่ว่าอยู่แห่งหนไหน</a:t>
+            </a:r>
+          </a:p>
+        </p:txBody>
+      </p:sp>
+      <p:sp>
+        <p:nvSpPr>
+          <p:cNvPr id="3" name="Subtitle 2"/>
+          <p:cNvSpPr>
+            <a:spLocks noGrp="1"/>
+          </p:cNvSpPr>
+          <p:nvPr>
+            <p:ph type="subTitle" idx="1"/>
+          </p:nvPr>
+        </p:nvSpPr>
+        <p:spPr/>
+        <p:txBody>
+          <a:bodyPr/>
+          <a:lstStyle/>
+          <a:p/>
+        </p:txBody>
+      </p:sp>
+    </p:spTree>
+  </p:cSld>
+  <p:clrMapOvr>
+    <a:masterClrMapping/>
+  </p:clrMapOvr>
+</p:sld>
+</file>
+
+<file path=ppt/slides/slide56.xml><?xml version="1.0" encoding="utf-8"?>
+<p:sld xmlns:a="http://schemas.openxmlformats.org/drawingml/2006/main" xmlns:p="http://schemas.openxmlformats.org/presentationml/2006/main" xmlns:r="http://schemas.openxmlformats.org/officeDocument/2006/relationships">
+  <p:cSld>
+    <p:spTree>
+      <p:nvGrpSpPr>
+        <p:cNvPr id="1" name=""/>
+        <p:cNvGrpSpPr/>
+        <p:nvPr/>
+      </p:nvGrpSpPr>
+      <p:grpSpPr/>
+      <p:sp>
+        <p:nvSpPr>
+          <p:cNvPr id="2" name="TextBox 1"/>
+          <p:cNvSpPr txBox="1"/>
+          <p:nvPr/>
+        </p:nvSpPr>
+        <p:spPr>
+          <a:xfrm>
+            <a:off x="914400" y="457200"/>
+            <a:ext cx="7315200" cy="5486400"/>
+          </a:xfrm>
+          <a:prstGeom prst="rect">
+            <a:avLst/>
+          </a:prstGeom>
+          <a:noFill/>
+        </p:spPr>
+        <p:txBody>
+          <a:bodyPr wrap="none">
+            <a:spAutoFit/>
+          </a:bodyPr>
+          <a:lstStyle/>
+          <a:p/>
+          <a:p>
+            <a:pPr algn="ctr">
+              <a:lnSpc>
+                <a:spcPts val="7000"/>
+              </a:lnSpc>
+              <a:defRPr sz="4300">
+                <a:solidFill>
+                  <a:srgbClr val="000000"/>
+                </a:solidFill>
+              </a:defRPr>
+            </a:pPr>
+            <a:r>
+              <a:t>เมื่อตาใจข้าได้เห็น</a:t>
+            </a:r>
+            <a:br/>
+            <a:r>
+              <a:t>พระวิญญาณของพระเจ้า</a:t>
+            </a:r>
+            <a:br/>
+            <a:r>
+              <a:t>ข้าได้พบสันติสุข</a:t>
+            </a:r>
+            <a:br/>
+            <a:r>
+              <a:t>ที่โอบล้อมรอบตัวข้าไว้</a:t>
+            </a:r>
+            <a:br/>
+            <a:r>
+              <a:t>ข้าสุขใจเหลือจะบรรยาย</a:t>
+            </a:r>
+          </a:p>
+        </p:txBody>
+      </p:sp>
+    </p:spTree>
+  </p:cSld>
+  <p:clrMapOvr>
+    <a:masterClrMapping/>
+  </p:clrMapOvr>
+</p:sld>
+</file>
+
+<file path=ppt/slides/slide57.xml><?xml version="1.0" encoding="utf-8"?>
+<p:sld xmlns:a="http://schemas.openxmlformats.org/drawingml/2006/main" xmlns:p="http://schemas.openxmlformats.org/presentationml/2006/main" xmlns:r="http://schemas.openxmlformats.org/officeDocument/2006/relationships">
+  <p:cSld>
+    <p:spTree>
+      <p:nvGrpSpPr>
+        <p:cNvPr id="1" name=""/>
+        <p:cNvGrpSpPr/>
+        <p:nvPr/>
+      </p:nvGrpSpPr>
+      <p:grpSpPr/>
+      <p:sp>
+        <p:nvSpPr>
+          <p:cNvPr id="2" name="TextBox 1"/>
+          <p:cNvSpPr txBox="1"/>
+          <p:nvPr/>
+        </p:nvSpPr>
+        <p:spPr>
+          <a:xfrm>
+            <a:off x="914400" y="457200"/>
+            <a:ext cx="7315200" cy="5486400"/>
+          </a:xfrm>
+          <a:prstGeom prst="rect">
+            <a:avLst/>
+          </a:prstGeom>
+          <a:noFill/>
+        </p:spPr>
+        <p:txBody>
+          <a:bodyPr wrap="none">
+            <a:spAutoFit/>
+          </a:bodyPr>
+          <a:lstStyle/>
+          <a:p/>
+          <a:p>
+            <a:pPr algn="ctr">
+              <a:lnSpc>
+                <a:spcPts val="7000"/>
+              </a:lnSpc>
+              <a:defRPr sz="4300">
+                <a:solidFill>
+                  <a:srgbClr val="000000"/>
+                </a:solidFill>
+              </a:defRPr>
+            </a:pPr>
+            <a:r>
+              <a:t>ไม่ว่าอยู่แห่งหนไหน</a:t>
+            </a:r>
+            <a:br/>
+            <a:r>
+              <a:t>ข้าจะนมัสการ และไม่ว่าเป็นเช่นใด</a:t>
+            </a:r>
+            <a:br/>
+            <a:r>
+              <a:t>ข้าจะนมัสการ ไม่ว่าอยู่แห่งหนไหน</a:t>
+            </a:r>
+            <a:br/>
+            <a:r>
+              <a:t>ข้าจะนมัสการ และไม่ว่าเป็นเช่นใด</a:t>
+            </a:r>
+            <a:br/>
+            <a:r>
+              <a:t>ก็จะนมัสการ</a:t>
+            </a:r>
+          </a:p>
+        </p:txBody>
+      </p:sp>
+    </p:spTree>
+  </p:cSld>
+  <p:clrMapOvr>
+    <a:masterClrMapping/>
+  </p:clrMapOvr>
+</p:sld>
+</file>
+
+<file path=ppt/slides/slide58.xml><?xml version="1.0" encoding="utf-8"?>
+<p:sld xmlns:a="http://schemas.openxmlformats.org/drawingml/2006/main" xmlns:p="http://schemas.openxmlformats.org/presentationml/2006/main" xmlns:r="http://schemas.openxmlformats.org/officeDocument/2006/relationships">
+  <p:cSld>
+    <p:spTree>
+      <p:nvGrpSpPr>
+        <p:cNvPr id="1" name=""/>
+        <p:cNvGrpSpPr/>
+        <p:nvPr/>
+      </p:nvGrpSpPr>
+      <p:grpSpPr/>
+      <p:sp>
+        <p:nvSpPr>
+          <p:cNvPr id="2" name="TextBox 1"/>
+          <p:cNvSpPr txBox="1"/>
+          <p:nvPr/>
+        </p:nvSpPr>
+        <p:spPr>
+          <a:xfrm>
+            <a:off x="914400" y="457200"/>
+            <a:ext cx="7315200" cy="5486400"/>
+          </a:xfrm>
+          <a:prstGeom prst="rect">
+            <a:avLst/>
+          </a:prstGeom>
+          <a:noFill/>
+        </p:spPr>
+        <p:txBody>
+          <a:bodyPr wrap="none">
+            <a:spAutoFit/>
+          </a:bodyPr>
+          <a:lstStyle/>
+          <a:p/>
+          <a:p>
+            <a:pPr algn="ctr">
+              <a:lnSpc>
+                <a:spcPts val="7000"/>
+              </a:lnSpc>
+              <a:defRPr sz="4300">
+                <a:solidFill>
+                  <a:srgbClr val="000000"/>
+                </a:solidFill>
+              </a:defRPr>
+            </a:pPr>
+            <a:r>
+              <a:t>ข้าได้เห็นแสงสว่าง</a:t>
+            </a:r>
+            <a:br/>
+            <a:r>
+              <a:t>แห่งความจริงและความรัก</a:t>
+            </a:r>
+            <a:br/>
+            <a:r>
+              <a:t>ข้าได้พบสันติสุข</a:t>
+            </a:r>
+            <a:br/>
+            <a:r>
+              <a:t>ที่โอบล้อมรอบตัวข้าไว้</a:t>
+            </a:r>
+            <a:br/>
+            <a:r>
+              <a:t>อยู่ในความรักของพระองค์</a:t>
+            </a:r>
+          </a:p>
+        </p:txBody>
+      </p:sp>
+    </p:spTree>
+  </p:cSld>
+  <p:clrMapOvr>
+    <a:masterClrMapping/>
+  </p:clrMapOvr>
+</p:sld>
+</file>
+
+<file path=ppt/slides/slide59.xml><?xml version="1.0" encoding="utf-8"?>
+<p:sld xmlns:a="http://schemas.openxmlformats.org/drawingml/2006/main" xmlns:p="http://schemas.openxmlformats.org/presentationml/2006/main" xmlns:r="http://schemas.openxmlformats.org/officeDocument/2006/relationships">
+  <p:cSld>
+    <p:spTree>
+      <p:nvGrpSpPr>
+        <p:cNvPr id="1" name=""/>
+        <p:cNvGrpSpPr/>
+        <p:nvPr/>
+      </p:nvGrpSpPr>
+      <p:grpSpPr/>
+      <p:sp>
+        <p:nvSpPr>
+          <p:cNvPr id="2" name="TextBox 1"/>
+          <p:cNvSpPr txBox="1"/>
+          <p:nvPr/>
+        </p:nvSpPr>
+        <p:spPr>
+          <a:xfrm>
+            <a:off x="914400" y="457200"/>
+            <a:ext cx="7315200" cy="5486400"/>
+          </a:xfrm>
+          <a:prstGeom prst="rect">
+            <a:avLst/>
+          </a:prstGeom>
+          <a:noFill/>
+        </p:spPr>
+        <p:txBody>
+          <a:bodyPr wrap="none">
+            <a:spAutoFit/>
+          </a:bodyPr>
+          <a:lstStyle/>
+          <a:p/>
+          <a:p>
+            <a:pPr algn="ctr">
+              <a:lnSpc>
+                <a:spcPts val="7000"/>
+              </a:lnSpc>
+              <a:defRPr sz="4300">
+                <a:solidFill>
+                  <a:srgbClr val="000000"/>
+                </a:solidFill>
+              </a:defRPr>
+            </a:pPr>
+            <a:r>
+              <a:t>และในทุกเส้นทาง ที่ก้าวและเดินไป</a:t>
+            </a:r>
+            <a:br/>
+            <a:r>
+              <a:t>ให้ทุกวันเวลาในชีวิต</a:t>
+            </a:r>
+            <a:br/>
+            <a:r>
+              <a:t>นมัสการพระองค์เรื่อยไป</a:t>
+            </a:r>
+            <a:br/>
+            <a:r>
+              <a:t>และในทุกเส้นทาง ที่ก้าวและเดินไป</a:t>
+            </a:r>
+            <a:br/>
+            <a:r>
+              <a:t>ให้ทุกวันเวลาในชีวิต</a:t>
+            </a:r>
+            <a:br/>
+            <a:r>
+              <a:t>นมัสการพระองค์นิรันดร์</a:t>
             </a:r>
           </a:p>
         </p:txBody>
@@ -4009,8 +7066,8 @@
         </p:nvSpPr>
         <p:spPr>
           <a:xfrm>
-            <a:off x="685800" y="228600"/>
-            <a:ext cx="7772400" cy="2971800"/>
+            <a:off x="914400" y="457200"/>
+            <a:ext cx="7315200" cy="5486400"/>
           </a:xfrm>
           <a:prstGeom prst="rect">
             <a:avLst/>
@@ -4026,71 +7083,28 @@
           <a:p>
             <a:pPr algn="ctr">
               <a:lnSpc>
-                <a:spcPts val="4800"/>
+                <a:spcPts val="7000"/>
               </a:lnSpc>
-              <a:defRPr sz="4000">
+              <a:defRPr sz="4300">
                 <a:solidFill>
                   <a:srgbClr val="000000"/>
                 </a:solidFill>
               </a:defRPr>
             </a:pPr>
             <a:r>
-              <a:t>เย...ซู โอ้เย....ซู</a:t>
-            </a:r>
-            <a:br/>
-            <a:r>
-              <a:t>โปรด เจิม เราด้วยไฟ</a:t>
-            </a:r>
-            <a:br/>
-            <a:r>
-              <a:t>เย..ซู โอ้เย....ซู โปรด</a:t>
-            </a:r>
-            <a:br/>
-            <a:r>
-              <a:t>เจิมเรา ด้วยไฟ</a:t>
-            </a:r>
-          </a:p>
-        </p:txBody>
-      </p:sp>
-      <p:sp>
-        <p:nvSpPr>
-          <p:cNvPr id="3" name="TextBox 2"/>
-          <p:cNvSpPr txBox="1"/>
-          <p:nvPr/>
-        </p:nvSpPr>
-        <p:spPr>
-          <a:xfrm>
-            <a:off x="685800" y="3657600"/>
-            <a:ext cx="7772400" cy="2971800"/>
-          </a:xfrm>
-          <a:prstGeom prst="rect">
-            <a:avLst/>
-          </a:prstGeom>
-          <a:noFill/>
-        </p:spPr>
-        <p:txBody>
-          <a:bodyPr wrap="none">
-            <a:spAutoFit/>
-          </a:bodyPr>
-          <a:lstStyle/>
-          <a:p/>
-          <a:p>
-            <a:pPr algn="ctr">
-              <a:lnSpc>
-                <a:spcPts val="4800"/>
-              </a:lnSpc>
-              <a:defRPr sz="3500">
-                <a:solidFill>
-                  <a:srgbClr val="3A70BC"/>
-                </a:solidFill>
-              </a:defRPr>
-            </a:pPr>
-            <a:r>
-              <a:t>Jesus oh Jesus, Come and fill Your lambs</a:t>
-            </a:r>
-            <a:br/>
-            <a:r>
-              <a:t> Jesus oh Jesus, Come and fill Your lambs</a:t>
+              <a:t>Holy, righteous</a:t>
+            </a:r>
+            <a:br/>
+            <a:r>
+              <a:t> Faithful till the end</a:t>
+            </a:r>
+            <a:br/>
+            <a:r>
+              <a:t> Savior, Healer</a:t>
+            </a:r>
+            <a:br/>
+            <a:r>
+              <a:t> Redeemer and Friend</a:t>
             </a:r>
             <a:br/>
           </a:p>
@@ -4122,8 +7136,8 @@
         </p:nvSpPr>
         <p:spPr>
           <a:xfrm>
-            <a:off x="685800" y="228600"/>
-            <a:ext cx="7772400" cy="2971800"/>
+            <a:off x="914400" y="457200"/>
+            <a:ext cx="7315200" cy="5486400"/>
           </a:xfrm>
           <a:prstGeom prst="rect">
             <a:avLst/>
@@ -4131,7 +7145,7 @@
           <a:noFill/>
         </p:spPr>
         <p:txBody>
-          <a:bodyPr wrap="square">
+          <a:bodyPr wrap="none">
             <a:spAutoFit/>
           </a:bodyPr>
           <a:lstStyle/>
@@ -4139,55 +7153,28 @@
           <a:p>
             <a:pPr algn="ctr">
               <a:lnSpc>
-                <a:spcPts val="4800"/>
+                <a:spcPts val="7000"/>
               </a:lnSpc>
-              <a:defRPr sz="4000">
+              <a:defRPr sz="4300">
                 <a:solidFill>
                   <a:srgbClr val="000000"/>
                 </a:solidFill>
               </a:defRPr>
             </a:pPr>
             <a:r>
-              <a:t>...</a:t>
-            </a:r>
-          </a:p>
-        </p:txBody>
-      </p:sp>
-      <p:sp>
-        <p:nvSpPr>
-          <p:cNvPr id="3" name="TextBox 2"/>
-          <p:cNvSpPr txBox="1"/>
-          <p:nvPr/>
-        </p:nvSpPr>
-        <p:spPr>
-          <a:xfrm>
-            <a:off x="685800" y="3657600"/>
-            <a:ext cx="7772400" cy="2971800"/>
-          </a:xfrm>
-          <a:prstGeom prst="rect">
-            <a:avLst/>
-          </a:prstGeom>
-          <a:noFill/>
-        </p:spPr>
-        <p:txBody>
-          <a:bodyPr wrap="square">
-            <a:spAutoFit/>
-          </a:bodyPr>
-          <a:lstStyle/>
-          <a:p/>
-          <a:p>
-            <a:pPr algn="ctr">
-              <a:lnSpc>
-                <a:spcPts val="4800"/>
-              </a:lnSpc>
-              <a:defRPr sz="3500">
-                <a:solidFill>
-                  <a:srgbClr val="3A70BC"/>
-                </a:solidFill>
-              </a:defRPr>
-            </a:pPr>
-            <a:r>
-              <a:t>Oh come and sing the song of gladness. As your hearts are filled with joy. Lift your hands in sweet surrender to His name. Oh give Him all your tears and sadness. Give Him all your years of pain. And you'll enter into life in Jesus' name.</a:t>
+              <a:t>I will worship You for who You are</a:t>
+            </a:r>
+            <a:br/>
+            <a:r>
+              <a:t> I will worship You for who You are</a:t>
+            </a:r>
+            <a:br/>
+            <a:r>
+              <a:t> I will worship You for who You are</a:t>
+            </a:r>
+            <a:br/>
+            <a:r>
+              <a:t> Jesus.</a:t>
             </a:r>
           </a:p>
         </p:txBody>
@@ -4218,8 +7205,8 @@
         </p:nvSpPr>
         <p:spPr>
           <a:xfrm>
-            <a:off x="685800" y="228600"/>
-            <a:ext cx="7772400" cy="2971800"/>
+            <a:off x="914400" y="457200"/>
+            <a:ext cx="7315200" cy="5486400"/>
           </a:xfrm>
           <a:prstGeom prst="rect">
             <a:avLst/>
@@ -4235,71 +7222,24 @@
           <a:p>
             <a:pPr algn="ctr">
               <a:lnSpc>
-                <a:spcPts val="4800"/>
+                <a:spcPts val="7000"/>
               </a:lnSpc>
-              <a:defRPr sz="4000">
+              <a:defRPr sz="4300">
                 <a:solidFill>
                   <a:srgbClr val="000000"/>
                 </a:solidFill>
               </a:defRPr>
             </a:pPr>
             <a:r>
-              <a:t>เย...ซู โอ้เย....ซู</a:t>
-            </a:r>
-            <a:br/>
-            <a:r>
-              <a:t>โปรด เจิม เราด้วยไฟ</a:t>
-            </a:r>
-            <a:br/>
-            <a:r>
-              <a:t>เย..ซู โอ้เย....ซู โปรด</a:t>
-            </a:r>
-            <a:br/>
-            <a:r>
-              <a:t>เจิมเรา ด้วยไฟ</a:t>
-            </a:r>
-          </a:p>
-        </p:txBody>
-      </p:sp>
-      <p:sp>
-        <p:nvSpPr>
-          <p:cNvPr id="3" name="TextBox 2"/>
-          <p:cNvSpPr txBox="1"/>
-          <p:nvPr/>
-        </p:nvSpPr>
-        <p:spPr>
-          <a:xfrm>
-            <a:off x="685800" y="3657600"/>
-            <a:ext cx="7772400" cy="2971800"/>
-          </a:xfrm>
-          <a:prstGeom prst="rect">
-            <a:avLst/>
-          </a:prstGeom>
-          <a:noFill/>
-        </p:spPr>
-        <p:txBody>
-          <a:bodyPr wrap="none">
-            <a:spAutoFit/>
-          </a:bodyPr>
-          <a:lstStyle/>
-          <a:p/>
-          <a:p>
-            <a:pPr algn="ctr">
-              <a:lnSpc>
-                <a:spcPts val="4800"/>
-              </a:lnSpc>
-              <a:defRPr sz="3500">
-                <a:solidFill>
-                  <a:srgbClr val="3A70BC"/>
-                </a:solidFill>
-              </a:defRPr>
-            </a:pPr>
-            <a:r>
-              <a:t>Jesus oh Jesus, Come and fill Your lambs</a:t>
-            </a:r>
-            <a:br/>
-            <a:r>
-              <a:t> Jesus oh Jesus, Come and fill Your lambs</a:t>
+              <a:t>My soul secure</a:t>
+            </a:r>
+            <a:br/>
+            <a:r>
+              <a:t> Your promise sure</a:t>
+            </a:r>
+            <a:br/>
+            <a:r>
+              <a:t> Your love endures always</a:t>
             </a:r>
             <a:br/>
           </a:p>
@@ -4356,7 +7296,7 @@
           <a:lstStyle/>
           <a:p>
             <a:r>
-              <a:t>Hosanna</a:t>
+              <a:t>Anthem Of Grace</a:t>
             </a:r>
           </a:p>
         </p:txBody>

--- a/finishedppt/WorshipSongs.pptx
+++ b/finishedppt/WorshipSongs.pptx
@@ -13,57 +13,6 @@
     <p:sldId id="261" r:id="rId12"/>
     <p:sldId id="262" r:id="rId13"/>
     <p:sldId id="263" r:id="rId14"/>
-    <p:sldId id="264" r:id="rId15"/>
-    <p:sldId id="265" r:id="rId16"/>
-    <p:sldId id="266" r:id="rId17"/>
-    <p:sldId id="267" r:id="rId18"/>
-    <p:sldId id="268" r:id="rId19"/>
-    <p:sldId id="269" r:id="rId20"/>
-    <p:sldId id="270" r:id="rId21"/>
-    <p:sldId id="271" r:id="rId22"/>
-    <p:sldId id="272" r:id="rId23"/>
-    <p:sldId id="273" r:id="rId24"/>
-    <p:sldId id="274" r:id="rId25"/>
-    <p:sldId id="275" r:id="rId26"/>
-    <p:sldId id="276" r:id="rId27"/>
-    <p:sldId id="277" r:id="rId28"/>
-    <p:sldId id="278" r:id="rId29"/>
-    <p:sldId id="279" r:id="rId30"/>
-    <p:sldId id="280" r:id="rId31"/>
-    <p:sldId id="281" r:id="rId32"/>
-    <p:sldId id="282" r:id="rId33"/>
-    <p:sldId id="283" r:id="rId34"/>
-    <p:sldId id="284" r:id="rId35"/>
-    <p:sldId id="285" r:id="rId36"/>
-    <p:sldId id="286" r:id="rId37"/>
-    <p:sldId id="287" r:id="rId38"/>
-    <p:sldId id="288" r:id="rId39"/>
-    <p:sldId id="289" r:id="rId40"/>
-    <p:sldId id="290" r:id="rId41"/>
-    <p:sldId id="291" r:id="rId42"/>
-    <p:sldId id="292" r:id="rId43"/>
-    <p:sldId id="293" r:id="rId44"/>
-    <p:sldId id="294" r:id="rId45"/>
-    <p:sldId id="295" r:id="rId46"/>
-    <p:sldId id="296" r:id="rId47"/>
-    <p:sldId id="297" r:id="rId48"/>
-    <p:sldId id="298" r:id="rId49"/>
-    <p:sldId id="299" r:id="rId50"/>
-    <p:sldId id="300" r:id="rId51"/>
-    <p:sldId id="301" r:id="rId52"/>
-    <p:sldId id="302" r:id="rId53"/>
-    <p:sldId id="303" r:id="rId54"/>
-    <p:sldId id="304" r:id="rId55"/>
-    <p:sldId id="305" r:id="rId56"/>
-    <p:sldId id="306" r:id="rId57"/>
-    <p:sldId id="307" r:id="rId58"/>
-    <p:sldId id="308" r:id="rId59"/>
-    <p:sldId id="309" r:id="rId60"/>
-    <p:sldId id="310" r:id="rId61"/>
-    <p:sldId id="311" r:id="rId62"/>
-    <p:sldId id="312" r:id="rId63"/>
-    <p:sldId id="313" r:id="rId64"/>
-    <p:sldId id="314" r:id="rId65"/>
   </p:sldIdLst>
   <p:sldSz cx="9144000" cy="6858000" type="screen4x3"/>
   <p:notesSz cx="6858000" cy="9144000"/>
@@ -3162,7 +3111,7 @@
           <a:lstStyle/>
           <a:p>
             <a:r>
-              <a:t>ทุกวันเวลา (ข้าอยากใกล้ชิดพระองค์)</a:t>
+              <a:t>โฮซันนา</a:t>
             </a:r>
           </a:p>
         </p:txBody>
@@ -3181,670 +3130,9 @@
         <p:txBody>
           <a:bodyPr/>
           <a:lstStyle/>
-          <a:p/>
-        </p:txBody>
-      </p:sp>
-    </p:spTree>
-  </p:cSld>
-  <p:clrMapOvr>
-    <a:masterClrMapping/>
-  </p:clrMapOvr>
-</p:sld>
-</file>
-
-<file path=ppt/slides/slide10.xml><?xml version="1.0" encoding="utf-8"?>
-<p:sld xmlns:a="http://schemas.openxmlformats.org/drawingml/2006/main" xmlns:p="http://schemas.openxmlformats.org/presentationml/2006/main" xmlns:r="http://schemas.openxmlformats.org/officeDocument/2006/relationships">
-  <p:cSld>
-    <p:spTree>
-      <p:nvGrpSpPr>
-        <p:cNvPr id="1" name=""/>
-        <p:cNvGrpSpPr/>
-        <p:nvPr/>
-      </p:nvGrpSpPr>
-      <p:grpSpPr/>
-      <p:sp>
-        <p:nvSpPr>
-          <p:cNvPr id="2" name="TextBox 1"/>
-          <p:cNvSpPr txBox="1"/>
-          <p:nvPr/>
-        </p:nvSpPr>
-        <p:spPr>
-          <a:xfrm>
-            <a:off x="914400" y="457200"/>
-            <a:ext cx="7315200" cy="5486400"/>
-          </a:xfrm>
-          <a:prstGeom prst="rect">
-            <a:avLst/>
-          </a:prstGeom>
-          <a:noFill/>
-        </p:spPr>
-        <p:txBody>
-          <a:bodyPr wrap="square">
-            <a:spAutoFit/>
-          </a:bodyPr>
-          <a:lstStyle/>
-          <a:p/>
-          <a:p>
-            <a:pPr algn="ctr">
-              <a:lnSpc>
-                <a:spcPts val="6100"/>
-              </a:lnSpc>
-              <a:defRPr sz="4300">
-                <a:solidFill>
-                  <a:srgbClr val="000000"/>
-                </a:solidFill>
-              </a:defRPr>
-            </a:pPr>
-            <a:r>
-              <a:t>I believe in a hope that's so secure. In Your love there is no fear, Salvation is sure. I believe on the cross You took my pain. All my sins are washed away. Forgiven and free.</a:t>
-            </a:r>
-          </a:p>
-        </p:txBody>
-      </p:sp>
-    </p:spTree>
-  </p:cSld>
-  <p:clrMapOvr>
-    <a:masterClrMapping/>
-  </p:clrMapOvr>
-</p:sld>
-</file>
-
-<file path=ppt/slides/slide11.xml><?xml version="1.0" encoding="utf-8"?>
-<p:sld xmlns:a="http://schemas.openxmlformats.org/drawingml/2006/main" xmlns:p="http://schemas.openxmlformats.org/presentationml/2006/main" xmlns:r="http://schemas.openxmlformats.org/officeDocument/2006/relationships">
-  <p:cSld>
-    <p:spTree>
-      <p:nvGrpSpPr>
-        <p:cNvPr id="1" name=""/>
-        <p:cNvGrpSpPr/>
-        <p:nvPr/>
-      </p:nvGrpSpPr>
-      <p:grpSpPr/>
-      <p:sp>
-        <p:nvSpPr>
-          <p:cNvPr id="2" name="TextBox 1"/>
-          <p:cNvSpPr txBox="1"/>
-          <p:nvPr/>
-        </p:nvSpPr>
-        <p:spPr>
-          <a:xfrm>
-            <a:off x="914400" y="457200"/>
-            <a:ext cx="7315200" cy="5486400"/>
-          </a:xfrm>
-          <a:prstGeom prst="rect">
-            <a:avLst/>
-          </a:prstGeom>
-          <a:noFill/>
-        </p:spPr>
-        <p:txBody>
-          <a:bodyPr wrap="none">
-            <a:spAutoFit/>
-          </a:bodyPr>
-          <a:lstStyle/>
-          <a:p/>
-          <a:p>
-            <a:pPr algn="ctr">
-              <a:lnSpc>
-                <a:spcPts val="7000"/>
-              </a:lnSpc>
-              <a:defRPr sz="4300">
-                <a:solidFill>
-                  <a:srgbClr val="000000"/>
-                </a:solidFill>
-              </a:defRPr>
-            </a:pPr>
-            <a:r>
-              <a:t>And now I see</a:t>
-            </a:r>
-            <a:br/>
-            <a:r>
-              <a:t> As You are</a:t>
-            </a:r>
-            <a:br/>
-            <a:r>
-              <a:t> so are we</a:t>
-            </a:r>
-          </a:p>
-        </p:txBody>
-      </p:sp>
-    </p:spTree>
-  </p:cSld>
-  <p:clrMapOvr>
-    <a:masterClrMapping/>
-  </p:clrMapOvr>
-</p:sld>
-</file>
-
-<file path=ppt/slides/slide12.xml><?xml version="1.0" encoding="utf-8"?>
-<p:sld xmlns:a="http://schemas.openxmlformats.org/drawingml/2006/main" xmlns:p="http://schemas.openxmlformats.org/presentationml/2006/main" xmlns:r="http://schemas.openxmlformats.org/officeDocument/2006/relationships">
-  <p:cSld>
-    <p:spTree>
-      <p:nvGrpSpPr>
-        <p:cNvPr id="1" name=""/>
-        <p:cNvGrpSpPr/>
-        <p:nvPr/>
-      </p:nvGrpSpPr>
-      <p:grpSpPr/>
-      <p:sp>
-        <p:nvSpPr>
-          <p:cNvPr id="2" name="TextBox 1"/>
-          <p:cNvSpPr txBox="1"/>
-          <p:nvPr/>
-        </p:nvSpPr>
-        <p:spPr>
-          <a:xfrm>
-            <a:off x="914400" y="457200"/>
-            <a:ext cx="7315200" cy="5486400"/>
-          </a:xfrm>
-          <a:prstGeom prst="rect">
-            <a:avLst/>
-          </a:prstGeom>
-          <a:noFill/>
-        </p:spPr>
-        <p:txBody>
-          <a:bodyPr wrap="none">
-            <a:spAutoFit/>
-          </a:bodyPr>
-          <a:lstStyle/>
-          <a:p/>
-          <a:p>
-            <a:pPr algn="ctr">
-              <a:lnSpc>
-                <a:spcPts val="7000"/>
-              </a:lnSpc>
-              <a:defRPr sz="4300">
-                <a:solidFill>
-                  <a:srgbClr val="000000"/>
-                </a:solidFill>
-              </a:defRPr>
-            </a:pPr>
-            <a:r>
-              <a:t>Let my life resound Your praise</a:t>
-            </a:r>
-            <a:br/>
-            <a:r>
-              <a:t> As an anthem of Your grace</a:t>
-            </a:r>
-            <a:br/>
-            <a:r>
-              <a:t> There is power in Your name</a:t>
-            </a:r>
-            <a:br/>
-            <a:r>
-              <a:t> Hallelujah Jesus You reign</a:t>
-            </a:r>
-            <a:br/>
-          </a:p>
-        </p:txBody>
-      </p:sp>
-    </p:spTree>
-  </p:cSld>
-  <p:clrMapOvr>
-    <a:masterClrMapping/>
-  </p:clrMapOvr>
-</p:sld>
-</file>
-
-<file path=ppt/slides/slide13.xml><?xml version="1.0" encoding="utf-8"?>
-<p:sld xmlns:a="http://schemas.openxmlformats.org/drawingml/2006/main" xmlns:p="http://schemas.openxmlformats.org/presentationml/2006/main" xmlns:r="http://schemas.openxmlformats.org/officeDocument/2006/relationships">
-  <p:cSld>
-    <p:spTree>
-      <p:nvGrpSpPr>
-        <p:cNvPr id="1" name=""/>
-        <p:cNvGrpSpPr/>
-        <p:nvPr/>
-      </p:nvGrpSpPr>
-      <p:grpSpPr/>
-      <p:sp>
-        <p:nvSpPr>
-          <p:cNvPr id="2" name="TextBox 1"/>
-          <p:cNvSpPr txBox="1"/>
-          <p:nvPr/>
-        </p:nvSpPr>
-        <p:spPr>
-          <a:xfrm>
-            <a:off x="914400" y="457200"/>
-            <a:ext cx="7315200" cy="5486400"/>
-          </a:xfrm>
-          <a:prstGeom prst="rect">
-            <a:avLst/>
-          </a:prstGeom>
-          <a:noFill/>
-        </p:spPr>
-        <p:txBody>
-          <a:bodyPr wrap="none">
-            <a:spAutoFit/>
-          </a:bodyPr>
-          <a:lstStyle/>
-          <a:p/>
-          <a:p>
-            <a:pPr algn="ctr">
-              <a:lnSpc>
-                <a:spcPts val="5900"/>
-              </a:lnSpc>
-              <a:defRPr sz="4300">
-                <a:solidFill>
-                  <a:srgbClr val="000000"/>
-                </a:solidFill>
-              </a:defRPr>
-            </a:pPr>
-            <a:r>
-              <a:t>I believe I am righteous through the One</a:t>
-            </a:r>
-            <a:br/>
-            <a:r>
-              <a:t> Your obedience has won</a:t>
-            </a:r>
-            <a:br/>
-            <a:r>
-              <a:t> I rest in all You've done</a:t>
-            </a:r>
-            <a:br/>
-            <a:r>
-              <a:t> I believe You are everything I need</a:t>
-            </a:r>
-            <a:br/>
-            <a:r>
-              <a:t> More of You and less of me</a:t>
-            </a:r>
-            <a:br/>
-            <a:r>
-              <a:t> I fall at Your feet.</a:t>
-            </a:r>
-          </a:p>
-        </p:txBody>
-      </p:sp>
-    </p:spTree>
-  </p:cSld>
-  <p:clrMapOvr>
-    <a:masterClrMapping/>
-  </p:clrMapOvr>
-</p:sld>
-</file>
-
-<file path=ppt/slides/slide14.xml><?xml version="1.0" encoding="utf-8"?>
-<p:sld xmlns:a="http://schemas.openxmlformats.org/drawingml/2006/main" xmlns:p="http://schemas.openxmlformats.org/presentationml/2006/main" xmlns:r="http://schemas.openxmlformats.org/officeDocument/2006/relationships">
-  <p:cSld>
-    <p:spTree>
-      <p:nvGrpSpPr>
-        <p:cNvPr id="1" name=""/>
-        <p:cNvGrpSpPr/>
-        <p:nvPr/>
-      </p:nvGrpSpPr>
-      <p:grpSpPr/>
-      <p:sp>
-        <p:nvSpPr>
-          <p:cNvPr id="2" name="TextBox 1"/>
-          <p:cNvSpPr txBox="1"/>
-          <p:nvPr/>
-        </p:nvSpPr>
-        <p:spPr>
-          <a:xfrm>
-            <a:off x="914400" y="457200"/>
-            <a:ext cx="7315200" cy="5486400"/>
-          </a:xfrm>
-          <a:prstGeom prst="rect">
-            <a:avLst/>
-          </a:prstGeom>
-          <a:noFill/>
-        </p:spPr>
-        <p:txBody>
-          <a:bodyPr wrap="none">
-            <a:spAutoFit/>
-          </a:bodyPr>
-          <a:lstStyle/>
-          <a:p/>
-          <a:p>
-            <a:pPr algn="ctr">
-              <a:lnSpc>
-                <a:spcPts val="7000"/>
-              </a:lnSpc>
-              <a:defRPr sz="4300">
-                <a:solidFill>
-                  <a:srgbClr val="000000"/>
-                </a:solidFill>
-              </a:defRPr>
-            </a:pPr>
-            <a:r>
-              <a:t>And now I see</a:t>
-            </a:r>
-            <a:br/>
-            <a:r>
-              <a:t> As You are</a:t>
-            </a:r>
-            <a:br/>
-            <a:r>
-              <a:t> so are we</a:t>
-            </a:r>
-          </a:p>
-        </p:txBody>
-      </p:sp>
-    </p:spTree>
-  </p:cSld>
-  <p:clrMapOvr>
-    <a:masterClrMapping/>
-  </p:clrMapOvr>
-</p:sld>
-</file>
-
-<file path=ppt/slides/slide15.xml><?xml version="1.0" encoding="utf-8"?>
-<p:sld xmlns:a="http://schemas.openxmlformats.org/drawingml/2006/main" xmlns:p="http://schemas.openxmlformats.org/presentationml/2006/main" xmlns:r="http://schemas.openxmlformats.org/officeDocument/2006/relationships">
-  <p:cSld>
-    <p:spTree>
-      <p:nvGrpSpPr>
-        <p:cNvPr id="1" name=""/>
-        <p:cNvGrpSpPr/>
-        <p:nvPr/>
-      </p:nvGrpSpPr>
-      <p:grpSpPr/>
-      <p:sp>
-        <p:nvSpPr>
-          <p:cNvPr id="2" name="TextBox 1"/>
-          <p:cNvSpPr txBox="1"/>
-          <p:nvPr/>
-        </p:nvSpPr>
-        <p:spPr>
-          <a:xfrm>
-            <a:off x="914400" y="457200"/>
-            <a:ext cx="7315200" cy="5486400"/>
-          </a:xfrm>
-          <a:prstGeom prst="rect">
-            <a:avLst/>
-          </a:prstGeom>
-          <a:noFill/>
-        </p:spPr>
-        <p:txBody>
-          <a:bodyPr wrap="none">
-            <a:spAutoFit/>
-          </a:bodyPr>
-          <a:lstStyle/>
-          <a:p/>
-          <a:p>
-            <a:pPr algn="ctr">
-              <a:lnSpc>
-                <a:spcPts val="7000"/>
-              </a:lnSpc>
-              <a:defRPr sz="4300">
-                <a:solidFill>
-                  <a:srgbClr val="000000"/>
-                </a:solidFill>
-              </a:defRPr>
-            </a:pPr>
-            <a:r>
-              <a:t>Let my life resound Your praise</a:t>
-            </a:r>
-            <a:br/>
-            <a:r>
-              <a:t> As an anthem of Your grace</a:t>
-            </a:r>
-            <a:br/>
-            <a:r>
-              <a:t> There is power in Your name</a:t>
-            </a:r>
-            <a:br/>
-            <a:r>
-              <a:t> Hallelujah Jesus You reign</a:t>
-            </a:r>
-            <a:br/>
-          </a:p>
-        </p:txBody>
-      </p:sp>
-    </p:spTree>
-  </p:cSld>
-  <p:clrMapOvr>
-    <a:masterClrMapping/>
-  </p:clrMapOvr>
-</p:sld>
-</file>
-
-<file path=ppt/slides/slide16.xml><?xml version="1.0" encoding="utf-8"?>
-<p:sld xmlns:a="http://schemas.openxmlformats.org/drawingml/2006/main" xmlns:p="http://schemas.openxmlformats.org/presentationml/2006/main" xmlns:r="http://schemas.openxmlformats.org/officeDocument/2006/relationships">
-  <p:cSld>
-    <p:spTree>
-      <p:nvGrpSpPr>
-        <p:cNvPr id="1" name=""/>
-        <p:cNvGrpSpPr/>
-        <p:nvPr/>
-      </p:nvGrpSpPr>
-      <p:grpSpPr/>
-      <p:sp>
-        <p:nvSpPr>
-          <p:cNvPr id="2" name="TextBox 1"/>
-          <p:cNvSpPr txBox="1"/>
-          <p:nvPr/>
-        </p:nvSpPr>
-        <p:spPr>
-          <a:xfrm>
-            <a:off x="914400" y="457200"/>
-            <a:ext cx="7315200" cy="5486400"/>
-          </a:xfrm>
-          <a:prstGeom prst="rect">
-            <a:avLst/>
-          </a:prstGeom>
-          <a:noFill/>
-        </p:spPr>
-        <p:txBody>
-          <a:bodyPr wrap="none">
-            <a:spAutoFit/>
-          </a:bodyPr>
-          <a:lstStyle/>
-          <a:p/>
-          <a:p>
-            <a:pPr algn="ctr">
-              <a:lnSpc>
-                <a:spcPts val="7000"/>
-              </a:lnSpc>
-              <a:defRPr sz="4300">
-                <a:solidFill>
-                  <a:srgbClr val="000000"/>
-                </a:solidFill>
-              </a:defRPr>
-            </a:pPr>
-            <a:r>
-              <a:t>Mountains be cast down</a:t>
-            </a:r>
-            <a:br/>
-            <a:r>
-              <a:t> Valleys be raised</a:t>
-            </a:r>
-            <a:br/>
-            <a:r>
-              <a:t> Christ be exalted lifted on high</a:t>
-            </a:r>
-            <a:br/>
-            <a:r>
-              <a:t> Mountains be cast down</a:t>
-            </a:r>
-            <a:br/>
-            <a:r>
-              <a:t> Valleys be raised</a:t>
-            </a:r>
-            <a:br/>
-            <a:r>
-              <a:t> Christ be exalted lifted on high</a:t>
-            </a:r>
-            <a:br/>
-          </a:p>
-        </p:txBody>
-      </p:sp>
-    </p:spTree>
-  </p:cSld>
-  <p:clrMapOvr>
-    <a:masterClrMapping/>
-  </p:clrMapOvr>
-</p:sld>
-</file>
-
-<file path=ppt/slides/slide17.xml><?xml version="1.0" encoding="utf-8"?>
-<p:sld xmlns:a="http://schemas.openxmlformats.org/drawingml/2006/main" xmlns:p="http://schemas.openxmlformats.org/presentationml/2006/main" xmlns:r="http://schemas.openxmlformats.org/officeDocument/2006/relationships">
-  <p:cSld>
-    <p:spTree>
-      <p:nvGrpSpPr>
-        <p:cNvPr id="1" name=""/>
-        <p:cNvGrpSpPr/>
-        <p:nvPr/>
-      </p:nvGrpSpPr>
-      <p:grpSpPr/>
-      <p:sp>
-        <p:nvSpPr>
-          <p:cNvPr id="2" name="Title 1"/>
-          <p:cNvSpPr>
-            <a:spLocks noGrp="1"/>
-          </p:cNvSpPr>
-          <p:nvPr>
-            <p:ph type="ctrTitle"/>
-          </p:nvPr>
-        </p:nvSpPr>
-        <p:spPr/>
-        <p:txBody>
-          <a:bodyPr/>
-          <a:lstStyle/>
-          <a:p/>
-        </p:txBody>
-      </p:sp>
-      <p:sp>
-        <p:nvSpPr>
-          <p:cNvPr id="3" name="Subtitle 2"/>
-          <p:cNvSpPr>
-            <a:spLocks noGrp="1"/>
-          </p:cNvSpPr>
-          <p:nvPr>
-            <p:ph type="subTitle" idx="1"/>
-          </p:nvPr>
-        </p:nvSpPr>
-        <p:spPr/>
-        <p:txBody>
-          <a:bodyPr/>
-          <a:lstStyle/>
-          <a:p>
-            <a:r>
-              <a:t>10,000 Reasons</a:t>
-            </a:r>
-          </a:p>
-        </p:txBody>
-      </p:sp>
-    </p:spTree>
-  </p:cSld>
-  <p:clrMapOvr>
-    <a:masterClrMapping/>
-  </p:clrMapOvr>
-</p:sld>
-</file>
-
-<file path=ppt/slides/slide18.xml><?xml version="1.0" encoding="utf-8"?>
-<p:sld xmlns:a="http://schemas.openxmlformats.org/drawingml/2006/main" xmlns:p="http://schemas.openxmlformats.org/presentationml/2006/main" xmlns:r="http://schemas.openxmlformats.org/officeDocument/2006/relationships">
-  <p:cSld>
-    <p:spTree>
-      <p:nvGrpSpPr>
-        <p:cNvPr id="1" name=""/>
-        <p:cNvGrpSpPr/>
-        <p:nvPr/>
-      </p:nvGrpSpPr>
-      <p:grpSpPr/>
-      <p:sp>
-        <p:nvSpPr>
-          <p:cNvPr id="2" name="TextBox 1"/>
-          <p:cNvSpPr txBox="1"/>
-          <p:nvPr/>
-        </p:nvSpPr>
-        <p:spPr>
-          <a:xfrm>
-            <a:off x="914400" y="457200"/>
-            <a:ext cx="7315200" cy="5486400"/>
-          </a:xfrm>
-          <a:prstGeom prst="rect">
-            <a:avLst/>
-          </a:prstGeom>
-          <a:noFill/>
-        </p:spPr>
-        <p:txBody>
-          <a:bodyPr wrap="none">
-            <a:spAutoFit/>
-          </a:bodyPr>
-          <a:lstStyle/>
-          <a:p/>
-          <a:p>
-            <a:pPr algn="ctr">
-              <a:lnSpc>
-                <a:spcPts val="7000"/>
-              </a:lnSpc>
-              <a:defRPr sz="4300">
-                <a:solidFill>
-                  <a:srgbClr val="000000"/>
-                </a:solidFill>
-              </a:defRPr>
-            </a:pPr>
-            <a:r>
-              <a:t>Bless the Lord, O my soul</a:t>
-            </a:r>
-            <a:br/>
-            <a:r>
-              <a:t> O my soul. Worship His holy name</a:t>
-            </a:r>
-            <a:br/>
-            <a:r>
-              <a:t> Sing like never before</a:t>
-            </a:r>
-            <a:br/>
-            <a:r>
-              <a:t> O my soul. I'll worship Your holy name</a:t>
-            </a:r>
-            <a:br/>
-          </a:p>
-        </p:txBody>
-      </p:sp>
-    </p:spTree>
-  </p:cSld>
-  <p:clrMapOvr>
-    <a:masterClrMapping/>
-  </p:clrMapOvr>
-</p:sld>
-</file>
-
-<file path=ppt/slides/slide19.xml><?xml version="1.0" encoding="utf-8"?>
-<p:sld xmlns:a="http://schemas.openxmlformats.org/drawingml/2006/main" xmlns:p="http://schemas.openxmlformats.org/presentationml/2006/main" xmlns:r="http://schemas.openxmlformats.org/officeDocument/2006/relationships">
-  <p:cSld>
-    <p:spTree>
-      <p:nvGrpSpPr>
-        <p:cNvPr id="1" name=""/>
-        <p:cNvGrpSpPr/>
-        <p:nvPr/>
-      </p:nvGrpSpPr>
-      <p:grpSpPr/>
-      <p:sp>
-        <p:nvSpPr>
-          <p:cNvPr id="2" name="TextBox 1"/>
-          <p:cNvSpPr txBox="1"/>
-          <p:nvPr/>
-        </p:nvSpPr>
-        <p:spPr>
-          <a:xfrm>
-            <a:off x="914400" y="457200"/>
-            <a:ext cx="7315200" cy="5486400"/>
-          </a:xfrm>
-          <a:prstGeom prst="rect">
-            <a:avLst/>
-          </a:prstGeom>
-          <a:noFill/>
-        </p:spPr>
-        <p:txBody>
-          <a:bodyPr wrap="square">
-            <a:spAutoFit/>
-          </a:bodyPr>
-          <a:lstStyle/>
-          <a:p/>
-          <a:p>
-            <a:pPr algn="ctr">
-              <a:lnSpc>
-                <a:spcPts val="7000"/>
-              </a:lnSpc>
-              <a:defRPr sz="4300">
-                <a:solidFill>
-                  <a:srgbClr val="000000"/>
-                </a:solidFill>
-              </a:defRPr>
-            </a:pPr>
-            <a:r>
-              <a:t>The sun comes up, it's a new day dawning. It's time to sing Your song again. Whatever may pass and whatever lies before me. Let me be singing when the evening comes.</a:t>
+          <a:p>
+            <a:r>
+              <a:t>Hosanna</a:t>
             </a:r>
           </a:p>
         </p:txBody>
@@ -3875,8 +3163,8 @@
         </p:nvSpPr>
         <p:spPr>
           <a:xfrm>
-            <a:off x="914400" y="457200"/>
-            <a:ext cx="7315200" cy="5486400"/>
+            <a:off x="685800" y="228600"/>
+            <a:ext cx="7772400" cy="2971800"/>
           </a:xfrm>
           <a:prstGeom prst="rect">
             <a:avLst/>
@@ -3892,64 +3180,38 @@
           <a:p>
             <a:pPr algn="ctr">
               <a:lnSpc>
-                <a:spcPts val="7000"/>
+                <a:spcPts val="4800"/>
               </a:lnSpc>
-              <a:defRPr sz="4300">
+              <a:defRPr sz="4000">
                 <a:solidFill>
                   <a:srgbClr val="000000"/>
                 </a:solidFill>
               </a:defRPr>
             </a:pPr>
             <a:r>
-              <a:t>ทุกวันเวลา ข้าอยากอยู่ใกล้ชิดพระองค์</a:t>
+              <a:t>ฉันเห็นราชาแห่งพระสิริ</a:t>
             </a:r>
             <a:br/>
             <a:r>
-              <a:t>ทุกวันเวลา อยู่ในความรักของพระองค์</a:t>
+              <a:t>มาด้วยเมฆและไฟบนฟ้า</a:t>
             </a:r>
             <a:br/>
             <a:r>
-              <a:t>ทุกวันเวลา ข้าอยากสรรเสริญ</a:t>
-            </a:r>
-            <a:br/>
-            <a:r>
-              <a:t>ทุกวันเวลา ข้าขอบพระคุณ</a:t>
-            </a:r>
-            <a:br/>
-            <a:r>
-              <a:t>แด่พระเจ้าสูงสุด ผู้สมควรสรรเสริญ</a:t>
-            </a:r>
-          </a:p>
-        </p:txBody>
-      </p:sp>
-    </p:spTree>
-  </p:cSld>
-  <p:clrMapOvr>
-    <a:masterClrMapping/>
-  </p:clrMapOvr>
-</p:sld>
-</file>
-
-<file path=ppt/slides/slide20.xml><?xml version="1.0" encoding="utf-8"?>
-<p:sld xmlns:a="http://schemas.openxmlformats.org/drawingml/2006/main" xmlns:p="http://schemas.openxmlformats.org/presentationml/2006/main" xmlns:r="http://schemas.openxmlformats.org/officeDocument/2006/relationships">
-  <p:cSld>
-    <p:spTree>
-      <p:nvGrpSpPr>
-        <p:cNvPr id="1" name=""/>
-        <p:cNvGrpSpPr/>
-        <p:nvPr/>
-      </p:nvGrpSpPr>
-      <p:grpSpPr/>
-      <p:sp>
-        <p:nvSpPr>
-          <p:cNvPr id="2" name="TextBox 1"/>
+              <a:t>ทั่วทั้งโลกา สะท้านสะเทือน</a:t>
+            </a:r>
+          </a:p>
+        </p:txBody>
+      </p:sp>
+      <p:sp>
+        <p:nvSpPr>
+          <p:cNvPr id="3" name="TextBox 2"/>
           <p:cNvSpPr txBox="1"/>
           <p:nvPr/>
         </p:nvSpPr>
         <p:spPr>
           <a:xfrm>
-            <a:off x="914400" y="457200"/>
-            <a:ext cx="7315200" cy="5486400"/>
+            <a:off x="685800" y="3657600"/>
+            <a:ext cx="7772400" cy="2971800"/>
           </a:xfrm>
           <a:prstGeom prst="rect">
             <a:avLst/>
@@ -3957,7 +3219,7 @@
           <a:noFill/>
         </p:spPr>
         <p:txBody>
-          <a:bodyPr wrap="none">
+          <a:bodyPr wrap="square">
             <a:spAutoFit/>
           </a:bodyPr>
           <a:lstStyle/>
@@ -3965,640 +3227,17 @@
           <a:p>
             <a:pPr algn="ctr">
               <a:lnSpc>
-                <a:spcPts val="7000"/>
+                <a:spcPts val="4800"/>
               </a:lnSpc>
-              <a:defRPr sz="4300">
+              <a:defRPr sz="3500">
                 <a:solidFill>
-                  <a:srgbClr val="000000"/>
+                  <a:srgbClr val="3A70BC"/>
                 </a:solidFill>
               </a:defRPr>
             </a:pPr>
             <a:r>
-              <a:t>Bless the Lord, O my soul</a:t>
-            </a:r>
-            <a:br/>
-            <a:r>
-              <a:t> O my soul. Worship His holy name</a:t>
-            </a:r>
-            <a:br/>
-            <a:r>
-              <a:t> Sing like never before</a:t>
-            </a:r>
-            <a:br/>
-            <a:r>
-              <a:t> O my soul. I'll worship Your holy name</a:t>
-            </a:r>
-            <a:br/>
-          </a:p>
-        </p:txBody>
-      </p:sp>
-    </p:spTree>
-  </p:cSld>
-  <p:clrMapOvr>
-    <a:masterClrMapping/>
-  </p:clrMapOvr>
-</p:sld>
-</file>
-
-<file path=ppt/slides/slide21.xml><?xml version="1.0" encoding="utf-8"?>
-<p:sld xmlns:a="http://schemas.openxmlformats.org/drawingml/2006/main" xmlns:p="http://schemas.openxmlformats.org/presentationml/2006/main" xmlns:r="http://schemas.openxmlformats.org/officeDocument/2006/relationships">
-  <p:cSld>
-    <p:spTree>
-      <p:nvGrpSpPr>
-        <p:cNvPr id="1" name=""/>
-        <p:cNvGrpSpPr/>
-        <p:nvPr/>
-      </p:nvGrpSpPr>
-      <p:grpSpPr/>
-      <p:sp>
-        <p:nvSpPr>
-          <p:cNvPr id="2" name="TextBox 1"/>
-          <p:cNvSpPr txBox="1"/>
-          <p:nvPr/>
-        </p:nvSpPr>
-        <p:spPr>
-          <a:xfrm>
-            <a:off x="914400" y="457200"/>
-            <a:ext cx="7315200" cy="5486400"/>
-          </a:xfrm>
-          <a:prstGeom prst="rect">
-            <a:avLst/>
-          </a:prstGeom>
-          <a:noFill/>
-        </p:spPr>
-        <p:txBody>
-          <a:bodyPr wrap="square">
-            <a:spAutoFit/>
-          </a:bodyPr>
-          <a:lstStyle/>
-          <a:p/>
-          <a:p>
-            <a:pPr algn="ctr">
-              <a:lnSpc>
-                <a:spcPts val="5900"/>
-              </a:lnSpc>
-              <a:defRPr sz="4300">
-                <a:solidFill>
-                  <a:srgbClr val="000000"/>
-                </a:solidFill>
-              </a:defRPr>
-            </a:pPr>
-            <a:r>
-              <a:t>You're rich in love and You're slow to anger. Your name is great and Your heart is kind. For all Your goodness, I will keep on singing. Ten thousand reasons for my heart to find.</a:t>
-            </a:r>
-          </a:p>
-        </p:txBody>
-      </p:sp>
-    </p:spTree>
-  </p:cSld>
-  <p:clrMapOvr>
-    <a:masterClrMapping/>
-  </p:clrMapOvr>
-</p:sld>
-</file>
-
-<file path=ppt/slides/slide22.xml><?xml version="1.0" encoding="utf-8"?>
-<p:sld xmlns:a="http://schemas.openxmlformats.org/drawingml/2006/main" xmlns:p="http://schemas.openxmlformats.org/presentationml/2006/main" xmlns:r="http://schemas.openxmlformats.org/officeDocument/2006/relationships">
-  <p:cSld>
-    <p:spTree>
-      <p:nvGrpSpPr>
-        <p:cNvPr id="1" name=""/>
-        <p:cNvGrpSpPr/>
-        <p:nvPr/>
-      </p:nvGrpSpPr>
-      <p:grpSpPr/>
-      <p:sp>
-        <p:nvSpPr>
-          <p:cNvPr id="2" name="TextBox 1"/>
-          <p:cNvSpPr txBox="1"/>
-          <p:nvPr/>
-        </p:nvSpPr>
-        <p:spPr>
-          <a:xfrm>
-            <a:off x="914400" y="457200"/>
-            <a:ext cx="7315200" cy="5486400"/>
-          </a:xfrm>
-          <a:prstGeom prst="rect">
-            <a:avLst/>
-          </a:prstGeom>
-          <a:noFill/>
-        </p:spPr>
-        <p:txBody>
-          <a:bodyPr wrap="none">
-            <a:spAutoFit/>
-          </a:bodyPr>
-          <a:lstStyle/>
-          <a:p/>
-          <a:p>
-            <a:pPr algn="ctr">
-              <a:lnSpc>
-                <a:spcPts val="7000"/>
-              </a:lnSpc>
-              <a:defRPr sz="4300">
-                <a:solidFill>
-                  <a:srgbClr val="000000"/>
-                </a:solidFill>
-              </a:defRPr>
-            </a:pPr>
-            <a:r>
-              <a:t>Bless the Lord, O my soul</a:t>
-            </a:r>
-            <a:br/>
-            <a:r>
-              <a:t> O my soul. Worship His holy name</a:t>
-            </a:r>
-            <a:br/>
-            <a:r>
-              <a:t> Sing like never before</a:t>
-            </a:r>
-            <a:br/>
-            <a:r>
-              <a:t> O my soul. I'll worship Your holy name</a:t>
-            </a:r>
-            <a:br/>
-          </a:p>
-        </p:txBody>
-      </p:sp>
-    </p:spTree>
-  </p:cSld>
-  <p:clrMapOvr>
-    <a:masterClrMapping/>
-  </p:clrMapOvr>
-</p:sld>
-</file>
-
-<file path=ppt/slides/slide23.xml><?xml version="1.0" encoding="utf-8"?>
-<p:sld xmlns:a="http://schemas.openxmlformats.org/drawingml/2006/main" xmlns:p="http://schemas.openxmlformats.org/presentationml/2006/main" xmlns:r="http://schemas.openxmlformats.org/officeDocument/2006/relationships">
-  <p:cSld>
-    <p:spTree>
-      <p:nvGrpSpPr>
-        <p:cNvPr id="1" name=""/>
-        <p:cNvGrpSpPr/>
-        <p:nvPr/>
-      </p:nvGrpSpPr>
-      <p:grpSpPr/>
-      <p:sp>
-        <p:nvSpPr>
-          <p:cNvPr id="2" name="TextBox 1"/>
-          <p:cNvSpPr txBox="1"/>
-          <p:nvPr/>
-        </p:nvSpPr>
-        <p:spPr>
-          <a:xfrm>
-            <a:off x="914400" y="457200"/>
-            <a:ext cx="7315200" cy="5486400"/>
-          </a:xfrm>
-          <a:prstGeom prst="rect">
-            <a:avLst/>
-          </a:prstGeom>
-          <a:noFill/>
-        </p:spPr>
-        <p:txBody>
-          <a:bodyPr wrap="square">
-            <a:spAutoFit/>
-          </a:bodyPr>
-          <a:lstStyle/>
-          <a:p/>
-          <a:p>
-            <a:pPr algn="ctr">
-              <a:lnSpc>
-                <a:spcPts val="5100"/>
-              </a:lnSpc>
-              <a:defRPr sz="4300">
-                <a:solidFill>
-                  <a:srgbClr val="000000"/>
-                </a:solidFill>
-              </a:defRPr>
-            </a:pPr>
-            <a:r>
-              <a:t>And on that day when my strength is failing. The end draws near and my time has come. Still, my soul will sing Your praise unending. Ten thousand years and then forevermore. Forevermore.</a:t>
-            </a:r>
-          </a:p>
-        </p:txBody>
-      </p:sp>
-    </p:spTree>
-  </p:cSld>
-  <p:clrMapOvr>
-    <a:masterClrMapping/>
-  </p:clrMapOvr>
-</p:sld>
-</file>
-
-<file path=ppt/slides/slide24.xml><?xml version="1.0" encoding="utf-8"?>
-<p:sld xmlns:a="http://schemas.openxmlformats.org/drawingml/2006/main" xmlns:p="http://schemas.openxmlformats.org/presentationml/2006/main" xmlns:r="http://schemas.openxmlformats.org/officeDocument/2006/relationships">
-  <p:cSld>
-    <p:spTree>
-      <p:nvGrpSpPr>
-        <p:cNvPr id="1" name=""/>
-        <p:cNvGrpSpPr/>
-        <p:nvPr/>
-      </p:nvGrpSpPr>
-      <p:grpSpPr/>
-      <p:sp>
-        <p:nvSpPr>
-          <p:cNvPr id="2" name="TextBox 1"/>
-          <p:cNvSpPr txBox="1"/>
-          <p:nvPr/>
-        </p:nvSpPr>
-        <p:spPr>
-          <a:xfrm>
-            <a:off x="914400" y="457200"/>
-            <a:ext cx="7315200" cy="5486400"/>
-          </a:xfrm>
-          <a:prstGeom prst="rect">
-            <a:avLst/>
-          </a:prstGeom>
-          <a:noFill/>
-        </p:spPr>
-        <p:txBody>
-          <a:bodyPr wrap="none">
-            <a:spAutoFit/>
-          </a:bodyPr>
-          <a:lstStyle/>
-          <a:p/>
-          <a:p>
-            <a:pPr algn="ctr">
-              <a:lnSpc>
-                <a:spcPts val="7000"/>
-              </a:lnSpc>
-              <a:defRPr sz="4300">
-                <a:solidFill>
-                  <a:srgbClr val="000000"/>
-                </a:solidFill>
-              </a:defRPr>
-            </a:pPr>
-            <a:r>
-              <a:t>Bless the Lord, O my soul</a:t>
-            </a:r>
-            <a:br/>
-            <a:r>
-              <a:t> O my soul. Worship His holy name</a:t>
-            </a:r>
-            <a:br/>
-            <a:r>
-              <a:t> Sing like never before</a:t>
-            </a:r>
-            <a:br/>
-            <a:r>
-              <a:t> O my soul. I'll worship Your holy name</a:t>
-            </a:r>
-            <a:br/>
-          </a:p>
-        </p:txBody>
-      </p:sp>
-    </p:spTree>
-  </p:cSld>
-  <p:clrMapOvr>
-    <a:masterClrMapping/>
-  </p:clrMapOvr>
-</p:sld>
-</file>
-
-<file path=ppt/slides/slide25.xml><?xml version="1.0" encoding="utf-8"?>
-<p:sld xmlns:a="http://schemas.openxmlformats.org/drawingml/2006/main" xmlns:p="http://schemas.openxmlformats.org/presentationml/2006/main" xmlns:r="http://schemas.openxmlformats.org/officeDocument/2006/relationships">
-  <p:cSld>
-    <p:spTree>
-      <p:nvGrpSpPr>
-        <p:cNvPr id="1" name=""/>
-        <p:cNvGrpSpPr/>
-        <p:nvPr/>
-      </p:nvGrpSpPr>
-      <p:grpSpPr/>
-      <p:sp>
-        <p:nvSpPr>
-          <p:cNvPr id="2" name="Title 1"/>
-          <p:cNvSpPr>
-            <a:spLocks noGrp="1"/>
-          </p:cNvSpPr>
-          <p:nvPr>
-            <p:ph type="ctrTitle"/>
-          </p:nvPr>
-        </p:nvSpPr>
-        <p:spPr/>
-        <p:txBody>
-          <a:bodyPr/>
-          <a:lstStyle/>
-          <a:p/>
-        </p:txBody>
-      </p:sp>
-      <p:sp>
-        <p:nvSpPr>
-          <p:cNvPr id="3" name="Subtitle 2"/>
-          <p:cNvSpPr>
-            <a:spLocks noGrp="1"/>
-          </p:cNvSpPr>
-          <p:nvPr>
-            <p:ph type="subTitle" idx="1"/>
-          </p:nvPr>
-        </p:nvSpPr>
-        <p:spPr/>
-        <p:txBody>
-          <a:bodyPr/>
-          <a:lstStyle/>
-          <a:p>
-            <a:r>
-              <a:t>Broken Vessels</a:t>
-            </a:r>
-          </a:p>
-        </p:txBody>
-      </p:sp>
-    </p:spTree>
-  </p:cSld>
-  <p:clrMapOvr>
-    <a:masterClrMapping/>
-  </p:clrMapOvr>
-</p:sld>
-</file>
-
-<file path=ppt/slides/slide26.xml><?xml version="1.0" encoding="utf-8"?>
-<p:sld xmlns:a="http://schemas.openxmlformats.org/drawingml/2006/main" xmlns:p="http://schemas.openxmlformats.org/presentationml/2006/main" xmlns:r="http://schemas.openxmlformats.org/officeDocument/2006/relationships">
-  <p:cSld>
-    <p:spTree>
-      <p:nvGrpSpPr>
-        <p:cNvPr id="1" name=""/>
-        <p:cNvGrpSpPr/>
-        <p:nvPr/>
-      </p:nvGrpSpPr>
-      <p:grpSpPr/>
-      <p:sp>
-        <p:nvSpPr>
-          <p:cNvPr id="2" name="TextBox 1"/>
-          <p:cNvSpPr txBox="1"/>
-          <p:nvPr/>
-        </p:nvSpPr>
-        <p:spPr>
-          <a:xfrm>
-            <a:off x="914400" y="457200"/>
-            <a:ext cx="7315200" cy="5486400"/>
-          </a:xfrm>
-          <a:prstGeom prst="rect">
-            <a:avLst/>
-          </a:prstGeom>
-          <a:noFill/>
-        </p:spPr>
-        <p:txBody>
-          <a:bodyPr wrap="none">
-            <a:spAutoFit/>
-          </a:bodyPr>
-          <a:lstStyle/>
-          <a:p/>
-          <a:p>
-            <a:pPr algn="ctr">
-              <a:lnSpc>
-                <a:spcPts val="7000"/>
-              </a:lnSpc>
-              <a:defRPr sz="4300">
-                <a:solidFill>
-                  <a:srgbClr val="000000"/>
-                </a:solidFill>
-              </a:defRPr>
-            </a:pPr>
-            <a:r>
-              <a:t>All these pieces broken and scattered</a:t>
-            </a:r>
-            <a:br/>
-            <a:r>
-              <a:t> In mercy gathered</a:t>
-            </a:r>
-            <a:br/>
-            <a:r>
-              <a:t> mended and whole</a:t>
-            </a:r>
-            <a:br/>
-            <a:r>
-              <a:t> Empty handed but not forsaken</a:t>
-            </a:r>
-            <a:br/>
-            <a:r>
-              <a:t> I've been set free</a:t>
-            </a:r>
-            <a:br/>
-            <a:r>
-              <a:t> I've been set free</a:t>
-            </a:r>
-            <a:br/>
-          </a:p>
-        </p:txBody>
-      </p:sp>
-    </p:spTree>
-  </p:cSld>
-  <p:clrMapOvr>
-    <a:masterClrMapping/>
-  </p:clrMapOvr>
-</p:sld>
-</file>
-
-<file path=ppt/slides/slide27.xml><?xml version="1.0" encoding="utf-8"?>
-<p:sld xmlns:a="http://schemas.openxmlformats.org/drawingml/2006/main" xmlns:p="http://schemas.openxmlformats.org/presentationml/2006/main" xmlns:r="http://schemas.openxmlformats.org/officeDocument/2006/relationships">
-  <p:cSld>
-    <p:spTree>
-      <p:nvGrpSpPr>
-        <p:cNvPr id="1" name=""/>
-        <p:cNvGrpSpPr/>
-        <p:nvPr/>
-      </p:nvGrpSpPr>
-      <p:grpSpPr/>
-      <p:sp>
-        <p:nvSpPr>
-          <p:cNvPr id="2" name="TextBox 1"/>
-          <p:cNvSpPr txBox="1"/>
-          <p:nvPr/>
-        </p:nvSpPr>
-        <p:spPr>
-          <a:xfrm>
-            <a:off x="914400" y="457200"/>
-            <a:ext cx="7315200" cy="5486400"/>
-          </a:xfrm>
-          <a:prstGeom prst="rect">
-            <a:avLst/>
-          </a:prstGeom>
-          <a:noFill/>
-        </p:spPr>
-        <p:txBody>
-          <a:bodyPr wrap="none">
-            <a:spAutoFit/>
-          </a:bodyPr>
-          <a:lstStyle/>
-          <a:p/>
-          <a:p>
-            <a:pPr algn="ctr">
-              <a:lnSpc>
-                <a:spcPts val="7000"/>
-              </a:lnSpc>
-              <a:defRPr sz="4300">
-                <a:solidFill>
-                  <a:srgbClr val="000000"/>
-                </a:solidFill>
-              </a:defRPr>
-            </a:pPr>
-            <a:r>
-              <a:t>Amazing grace, how sweet the sound</a:t>
-            </a:r>
-            <a:br/>
-            <a:r>
-              <a:t> That saved a wretch like me</a:t>
-            </a:r>
-            <a:br/>
-            <a:r>
-              <a:t> I once was lost</a:t>
-            </a:r>
-            <a:br/>
-            <a:r>
-              <a:t> but now I'm found</a:t>
-            </a:r>
-            <a:br/>
-            <a:r>
-              <a:t> Was blind but now I see</a:t>
-            </a:r>
-            <a:br/>
-          </a:p>
-        </p:txBody>
-      </p:sp>
-    </p:spTree>
-  </p:cSld>
-  <p:clrMapOvr>
-    <a:masterClrMapping/>
-  </p:clrMapOvr>
-</p:sld>
-</file>
-
-<file path=ppt/slides/slide28.xml><?xml version="1.0" encoding="utf-8"?>
-<p:sld xmlns:a="http://schemas.openxmlformats.org/drawingml/2006/main" xmlns:p="http://schemas.openxmlformats.org/presentationml/2006/main" xmlns:r="http://schemas.openxmlformats.org/officeDocument/2006/relationships">
-  <p:cSld>
-    <p:spTree>
-      <p:nvGrpSpPr>
-        <p:cNvPr id="1" name=""/>
-        <p:cNvGrpSpPr/>
-        <p:nvPr/>
-      </p:nvGrpSpPr>
-      <p:grpSpPr/>
-      <p:sp>
-        <p:nvSpPr>
-          <p:cNvPr id="2" name="TextBox 1"/>
-          <p:cNvSpPr txBox="1"/>
-          <p:nvPr/>
-        </p:nvSpPr>
-        <p:spPr>
-          <a:xfrm>
-            <a:off x="914400" y="457200"/>
-            <a:ext cx="7315200" cy="5486400"/>
-          </a:xfrm>
-          <a:prstGeom prst="rect">
-            <a:avLst/>
-          </a:prstGeom>
-          <a:noFill/>
-        </p:spPr>
-        <p:txBody>
-          <a:bodyPr wrap="none">
-            <a:spAutoFit/>
-          </a:bodyPr>
-          <a:lstStyle/>
-          <a:p/>
-          <a:p>
-            <a:pPr algn="ctr">
-              <a:lnSpc>
-                <a:spcPts val="7000"/>
-              </a:lnSpc>
-              <a:defRPr sz="4300">
-                <a:solidFill>
-                  <a:srgbClr val="000000"/>
-                </a:solidFill>
-              </a:defRPr>
-            </a:pPr>
-            <a:r>
-              <a:t>Oh, I can see you now</a:t>
-            </a:r>
-            <a:br/>
-            <a:r>
-              <a:t> Oh, I can see the love in Your eyes</a:t>
-            </a:r>
-            <a:br/>
-            <a:r>
-              <a:t> Laying Yourself down</a:t>
-            </a:r>
-            <a:br/>
-            <a:r>
-              <a:t> Raising up the broken to life</a:t>
-            </a:r>
-            <a:br/>
-          </a:p>
-        </p:txBody>
-      </p:sp>
-    </p:spTree>
-  </p:cSld>
-  <p:clrMapOvr>
-    <a:masterClrMapping/>
-  </p:clrMapOvr>
-</p:sld>
-</file>
-
-<file path=ppt/slides/slide29.xml><?xml version="1.0" encoding="utf-8"?>
-<p:sld xmlns:a="http://schemas.openxmlformats.org/drawingml/2006/main" xmlns:p="http://schemas.openxmlformats.org/presentationml/2006/main" xmlns:r="http://schemas.openxmlformats.org/officeDocument/2006/relationships">
-  <p:cSld>
-    <p:spTree>
-      <p:nvGrpSpPr>
-        <p:cNvPr id="1" name=""/>
-        <p:cNvGrpSpPr/>
-        <p:nvPr/>
-      </p:nvGrpSpPr>
-      <p:grpSpPr/>
-      <p:sp>
-        <p:nvSpPr>
-          <p:cNvPr id="2" name="TextBox 1"/>
-          <p:cNvSpPr txBox="1"/>
-          <p:nvPr/>
-        </p:nvSpPr>
-        <p:spPr>
-          <a:xfrm>
-            <a:off x="914400" y="457200"/>
-            <a:ext cx="7315200" cy="5486400"/>
-          </a:xfrm>
-          <a:prstGeom prst="rect">
-            <a:avLst/>
-          </a:prstGeom>
-          <a:noFill/>
-        </p:spPr>
-        <p:txBody>
-          <a:bodyPr wrap="none">
-            <a:spAutoFit/>
-          </a:bodyPr>
-          <a:lstStyle/>
-          <a:p/>
-          <a:p>
-            <a:pPr algn="ctr">
-              <a:lnSpc>
-                <a:spcPts val="7000"/>
-              </a:lnSpc>
-              <a:defRPr sz="4300">
-                <a:solidFill>
-                  <a:srgbClr val="000000"/>
-                </a:solidFill>
-              </a:defRPr>
-            </a:pPr>
-            <a:r>
-              <a:t>You take our failure</a:t>
-            </a:r>
-            <a:br/>
-            <a:r>
-              <a:t> You take our weakness</a:t>
-            </a:r>
-            <a:br/>
-            <a:r>
-              <a:t> You set Your treasure in jars of clay</a:t>
-            </a:r>
-            <a:br/>
-            <a:r>
-              <a:t> So take this heart, Lord</a:t>
-            </a:r>
-            <a:br/>
-            <a:r>
-              <a:t> I'll be Your vessel</a:t>
-            </a:r>
-            <a:br/>
-            <a:r>
-              <a:t> The world to see Your life in me</a:t>
-            </a:r>
-            <a:br/>
+              <a:t>I see the king of glory. Coming on the clouds with fire. The whole earth shakes. The whole earth shakes.</a:t>
+            </a:r>
           </a:p>
         </p:txBody>
       </p:sp>
@@ -4628,8 +3267,8 @@
         </p:nvSpPr>
         <p:spPr>
           <a:xfrm>
-            <a:off x="914400" y="457200"/>
-            <a:ext cx="7315200" cy="5486400"/>
+            <a:off x="685800" y="228600"/>
+            <a:ext cx="7772400" cy="2971800"/>
           </a:xfrm>
           <a:prstGeom prst="rect">
             <a:avLst/>
@@ -4645,68 +3284,38 @@
           <a:p>
             <a:pPr algn="ctr">
               <a:lnSpc>
-                <a:spcPts val="5000"/>
+                <a:spcPts val="4800"/>
               </a:lnSpc>
-              <a:defRPr sz="4300">
+              <a:defRPr sz="4000">
                 <a:solidFill>
                   <a:srgbClr val="000000"/>
                 </a:solidFill>
               </a:defRPr>
             </a:pPr>
             <a:r>
-              <a:t>ขอสรรเสริญพระเจ้า สุดหัวใจ</a:t>
+              <a:t>ฉันเห็นความรักและเมตตา</a:t>
             </a:r>
             <a:br/>
             <a:r>
-              <a:t>ขอสรรเสริญพระเจ้าผู้ยิ่งใหญ่</a:t>
+              <a:t>ที่ได้ทรงชำระบาปเรา</a:t>
             </a:r>
             <a:br/>
             <a:r>
-              <a:t>ทรงเคลื่อนไหวในเรา ด้วยฤทธิ์</a:t>
-            </a:r>
-            <a:br/>
-            <a:r>
-              <a:t>องค์พระวิญญาณ เติมชัยชนะให้เต็มหัวใจ</a:t>
-            </a:r>
-            <a:br/>
-            <a:r>
-              <a:t>ให้ความยินดีเต็มล้นภายใน</a:t>
-            </a:r>
-            <a:br/>
-            <a:r>
-              <a:t>ถวายคำสรรเสริญ แด่พระเจ้าชั่วนิจนิรันดร์</a:t>
-            </a:r>
-          </a:p>
-        </p:txBody>
-      </p:sp>
-    </p:spTree>
-  </p:cSld>
-  <p:clrMapOvr>
-    <a:masterClrMapping/>
-  </p:clrMapOvr>
-</p:sld>
-</file>
-
-<file path=ppt/slides/slide30.xml><?xml version="1.0" encoding="utf-8"?>
-<p:sld xmlns:a="http://schemas.openxmlformats.org/drawingml/2006/main" xmlns:p="http://schemas.openxmlformats.org/presentationml/2006/main" xmlns:r="http://schemas.openxmlformats.org/officeDocument/2006/relationships">
-  <p:cSld>
-    <p:spTree>
-      <p:nvGrpSpPr>
-        <p:cNvPr id="1" name=""/>
-        <p:cNvGrpSpPr/>
-        <p:nvPr/>
-      </p:nvGrpSpPr>
-      <p:grpSpPr/>
-      <p:sp>
-        <p:nvSpPr>
-          <p:cNvPr id="2" name="TextBox 1"/>
+              <a:t>และทุกคนต่าง แซ่ซ้องสรรเสริญ</a:t>
+            </a:r>
+          </a:p>
+        </p:txBody>
+      </p:sp>
+      <p:sp>
+        <p:nvSpPr>
+          <p:cNvPr id="3" name="TextBox 2"/>
           <p:cNvSpPr txBox="1"/>
           <p:nvPr/>
         </p:nvSpPr>
         <p:spPr>
           <a:xfrm>
-            <a:off x="914400" y="457200"/>
-            <a:ext cx="7315200" cy="5486400"/>
+            <a:off x="685800" y="3657600"/>
+            <a:ext cx="7772400" cy="2971800"/>
           </a:xfrm>
           <a:prstGeom prst="rect">
             <a:avLst/>
@@ -4722,621 +3331,26 @@
           <a:p>
             <a:pPr algn="ctr">
               <a:lnSpc>
-                <a:spcPts val="7000"/>
+                <a:spcPts val="4800"/>
               </a:lnSpc>
-              <a:defRPr sz="4300">
+              <a:defRPr sz="3500">
                 <a:solidFill>
-                  <a:srgbClr val="000000"/>
+                  <a:srgbClr val="3A70BC"/>
                 </a:solidFill>
               </a:defRPr>
             </a:pPr>
             <a:r>
-              <a:t>Amazing grace, how sweet the sound</a:t>
+              <a:t>I see his love and mercy</a:t>
             </a:r>
             <a:br/>
             <a:r>
-              <a:t> That saved a wretch like me</a:t>
+              <a:t> Washing over all our sin</a:t>
             </a:r>
             <a:br/>
             <a:r>
-              <a:t> I once was lost</a:t>
+              <a:t> The people sing. The people sing</a:t>
             </a:r>
             <a:br/>
-            <a:r>
-              <a:t> but now I'm found</a:t>
-            </a:r>
-            <a:br/>
-            <a:r>
-              <a:t> Was blind but now I see</a:t>
-            </a:r>
-            <a:br/>
-          </a:p>
-        </p:txBody>
-      </p:sp>
-    </p:spTree>
-  </p:cSld>
-  <p:clrMapOvr>
-    <a:masterClrMapping/>
-  </p:clrMapOvr>
-</p:sld>
-</file>
-
-<file path=ppt/slides/slide31.xml><?xml version="1.0" encoding="utf-8"?>
-<p:sld xmlns:a="http://schemas.openxmlformats.org/drawingml/2006/main" xmlns:p="http://schemas.openxmlformats.org/presentationml/2006/main" xmlns:r="http://schemas.openxmlformats.org/officeDocument/2006/relationships">
-  <p:cSld>
-    <p:spTree>
-      <p:nvGrpSpPr>
-        <p:cNvPr id="1" name=""/>
-        <p:cNvGrpSpPr/>
-        <p:nvPr/>
-      </p:nvGrpSpPr>
-      <p:grpSpPr/>
-      <p:sp>
-        <p:nvSpPr>
-          <p:cNvPr id="2" name="TextBox 1"/>
-          <p:cNvSpPr txBox="1"/>
-          <p:nvPr/>
-        </p:nvSpPr>
-        <p:spPr>
-          <a:xfrm>
-            <a:off x="914400" y="457200"/>
-            <a:ext cx="7315200" cy="5486400"/>
-          </a:xfrm>
-          <a:prstGeom prst="rect">
-            <a:avLst/>
-          </a:prstGeom>
-          <a:noFill/>
-        </p:spPr>
-        <p:txBody>
-          <a:bodyPr wrap="none">
-            <a:spAutoFit/>
-          </a:bodyPr>
-          <a:lstStyle/>
-          <a:p/>
-          <a:p>
-            <a:pPr algn="ctr">
-              <a:lnSpc>
-                <a:spcPts val="7000"/>
-              </a:lnSpc>
-              <a:defRPr sz="4300">
-                <a:solidFill>
-                  <a:srgbClr val="000000"/>
-                </a:solidFill>
-              </a:defRPr>
-            </a:pPr>
-            <a:r>
-              <a:t>Oh, I can see you now</a:t>
-            </a:r>
-            <a:br/>
-            <a:r>
-              <a:t> Oh, I can see the love in Your eyes</a:t>
-            </a:r>
-            <a:br/>
-            <a:r>
-              <a:t> Laying Yourself down</a:t>
-            </a:r>
-            <a:br/>
-            <a:r>
-              <a:t> Raising up the broken to life</a:t>
-            </a:r>
-            <a:br/>
-          </a:p>
-        </p:txBody>
-      </p:sp>
-    </p:spTree>
-  </p:cSld>
-  <p:clrMapOvr>
-    <a:masterClrMapping/>
-  </p:clrMapOvr>
-</p:sld>
-</file>
-
-<file path=ppt/slides/slide32.xml><?xml version="1.0" encoding="utf-8"?>
-<p:sld xmlns:a="http://schemas.openxmlformats.org/drawingml/2006/main" xmlns:p="http://schemas.openxmlformats.org/presentationml/2006/main" xmlns:r="http://schemas.openxmlformats.org/officeDocument/2006/relationships">
-  <p:cSld>
-    <p:spTree>
-      <p:nvGrpSpPr>
-        <p:cNvPr id="1" name=""/>
-        <p:cNvGrpSpPr/>
-        <p:nvPr/>
-      </p:nvGrpSpPr>
-      <p:grpSpPr/>
-      <p:sp>
-        <p:nvSpPr>
-          <p:cNvPr id="2" name="Title 1"/>
-          <p:cNvSpPr>
-            <a:spLocks noGrp="1"/>
-          </p:cNvSpPr>
-          <p:nvPr>
-            <p:ph type="ctrTitle"/>
-          </p:nvPr>
-        </p:nvSpPr>
-        <p:spPr/>
-        <p:txBody>
-          <a:bodyPr/>
-          <a:lstStyle/>
-          <a:p/>
-        </p:txBody>
-      </p:sp>
-      <p:sp>
-        <p:nvSpPr>
-          <p:cNvPr id="3" name="Subtitle 2"/>
-          <p:cNvSpPr>
-            <a:spLocks noGrp="1"/>
-          </p:cNvSpPr>
-          <p:nvPr>
-            <p:ph type="subTitle" idx="1"/>
-          </p:nvPr>
-        </p:nvSpPr>
-        <p:spPr/>
-        <p:txBody>
-          <a:bodyPr/>
-          <a:lstStyle/>
-          <a:p>
-            <a:r>
-              <a:t>Hosanna</a:t>
-            </a:r>
-          </a:p>
-        </p:txBody>
-      </p:sp>
-    </p:spTree>
-  </p:cSld>
-  <p:clrMapOvr>
-    <a:masterClrMapping/>
-  </p:clrMapOvr>
-</p:sld>
-</file>
-
-<file path=ppt/slides/slide33.xml><?xml version="1.0" encoding="utf-8"?>
-<p:sld xmlns:a="http://schemas.openxmlformats.org/drawingml/2006/main" xmlns:p="http://schemas.openxmlformats.org/presentationml/2006/main" xmlns:r="http://schemas.openxmlformats.org/officeDocument/2006/relationships">
-  <p:cSld>
-    <p:spTree>
-      <p:nvGrpSpPr>
-        <p:cNvPr id="1" name=""/>
-        <p:cNvGrpSpPr/>
-        <p:nvPr/>
-      </p:nvGrpSpPr>
-      <p:grpSpPr/>
-      <p:sp>
-        <p:nvSpPr>
-          <p:cNvPr id="2" name="TextBox 1"/>
-          <p:cNvSpPr txBox="1"/>
-          <p:nvPr/>
-        </p:nvSpPr>
-        <p:spPr>
-          <a:xfrm>
-            <a:off x="914400" y="457200"/>
-            <a:ext cx="7315200" cy="5486400"/>
-          </a:xfrm>
-          <a:prstGeom prst="rect">
-            <a:avLst/>
-          </a:prstGeom>
-          <a:noFill/>
-        </p:spPr>
-        <p:txBody>
-          <a:bodyPr wrap="none">
-            <a:spAutoFit/>
-          </a:bodyPr>
-          <a:lstStyle/>
-          <a:p/>
-          <a:p>
-            <a:pPr algn="ctr">
-              <a:lnSpc>
-                <a:spcPts val="7000"/>
-              </a:lnSpc>
-              <a:defRPr sz="4300">
-                <a:solidFill>
-                  <a:srgbClr val="000000"/>
-                </a:solidFill>
-              </a:defRPr>
-            </a:pPr>
-            <a:r>
-              <a:t>I see the king of glory</a:t>
-            </a:r>
-            <a:br/>
-            <a:r>
-              <a:t> Coming on the clouds with fire</a:t>
-            </a:r>
-            <a:br/>
-            <a:r>
-              <a:t> The whole earth shakes</a:t>
-            </a:r>
-            <a:br/>
-            <a:r>
-              <a:t> The whole earth shakes</a:t>
-            </a:r>
-            <a:br/>
-          </a:p>
-        </p:txBody>
-      </p:sp>
-    </p:spTree>
-  </p:cSld>
-  <p:clrMapOvr>
-    <a:masterClrMapping/>
-  </p:clrMapOvr>
-</p:sld>
-</file>
-
-<file path=ppt/slides/slide34.xml><?xml version="1.0" encoding="utf-8"?>
-<p:sld xmlns:a="http://schemas.openxmlformats.org/drawingml/2006/main" xmlns:p="http://schemas.openxmlformats.org/presentationml/2006/main" xmlns:r="http://schemas.openxmlformats.org/officeDocument/2006/relationships">
-  <p:cSld>
-    <p:spTree>
-      <p:nvGrpSpPr>
-        <p:cNvPr id="1" name=""/>
-        <p:cNvGrpSpPr/>
-        <p:nvPr/>
-      </p:nvGrpSpPr>
-      <p:grpSpPr/>
-      <p:sp>
-        <p:nvSpPr>
-          <p:cNvPr id="2" name="TextBox 1"/>
-          <p:cNvSpPr txBox="1"/>
-          <p:nvPr/>
-        </p:nvSpPr>
-        <p:spPr>
-          <a:xfrm>
-            <a:off x="914400" y="457200"/>
-            <a:ext cx="7315200" cy="5486400"/>
-          </a:xfrm>
-          <a:prstGeom prst="rect">
-            <a:avLst/>
-          </a:prstGeom>
-          <a:noFill/>
-        </p:spPr>
-        <p:txBody>
-          <a:bodyPr wrap="none">
-            <a:spAutoFit/>
-          </a:bodyPr>
-          <a:lstStyle/>
-          <a:p/>
-          <a:p>
-            <a:pPr algn="ctr">
-              <a:lnSpc>
-                <a:spcPts val="7000"/>
-              </a:lnSpc>
-              <a:defRPr sz="4300">
-                <a:solidFill>
-                  <a:srgbClr val="000000"/>
-                </a:solidFill>
-              </a:defRPr>
-            </a:pPr>
-            <a:r>
-              <a:t>I see his love and mercy</a:t>
-            </a:r>
-            <a:br/>
-            <a:r>
-              <a:t> Washing over all our sin</a:t>
-            </a:r>
-            <a:br/>
-            <a:r>
-              <a:t> The people sing</a:t>
-            </a:r>
-            <a:br/>
-            <a:r>
-              <a:t> The people sing</a:t>
-            </a:r>
-            <a:br/>
-          </a:p>
-        </p:txBody>
-      </p:sp>
-    </p:spTree>
-  </p:cSld>
-  <p:clrMapOvr>
-    <a:masterClrMapping/>
-  </p:clrMapOvr>
-</p:sld>
-</file>
-
-<file path=ppt/slides/slide35.xml><?xml version="1.0" encoding="utf-8"?>
-<p:sld xmlns:a="http://schemas.openxmlformats.org/drawingml/2006/main" xmlns:p="http://schemas.openxmlformats.org/presentationml/2006/main" xmlns:r="http://schemas.openxmlformats.org/officeDocument/2006/relationships">
-  <p:cSld>
-    <p:spTree>
-      <p:nvGrpSpPr>
-        <p:cNvPr id="1" name=""/>
-        <p:cNvGrpSpPr/>
-        <p:nvPr/>
-      </p:nvGrpSpPr>
-      <p:grpSpPr/>
-      <p:sp>
-        <p:nvSpPr>
-          <p:cNvPr id="2" name="TextBox 1"/>
-          <p:cNvSpPr txBox="1"/>
-          <p:nvPr/>
-        </p:nvSpPr>
-        <p:spPr>
-          <a:xfrm>
-            <a:off x="914400" y="457200"/>
-            <a:ext cx="7315200" cy="5486400"/>
-          </a:xfrm>
-          <a:prstGeom prst="rect">
-            <a:avLst/>
-          </a:prstGeom>
-          <a:noFill/>
-        </p:spPr>
-        <p:txBody>
-          <a:bodyPr wrap="none">
-            <a:spAutoFit/>
-          </a:bodyPr>
-          <a:lstStyle/>
-          <a:p/>
-          <a:p>
-            <a:pPr algn="ctr">
-              <a:lnSpc>
-                <a:spcPts val="7000"/>
-              </a:lnSpc>
-              <a:defRPr sz="4300">
-                <a:solidFill>
-                  <a:srgbClr val="000000"/>
-                </a:solidFill>
-              </a:defRPr>
-            </a:pPr>
-            <a:r>
-              <a:t>Hosanna Hosanna</a:t>
-            </a:r>
-            <a:br/>
-            <a:r>
-              <a:t> Hosanna in the Highest</a:t>
-            </a:r>
-            <a:br/>
-          </a:p>
-        </p:txBody>
-      </p:sp>
-    </p:spTree>
-  </p:cSld>
-  <p:clrMapOvr>
-    <a:masterClrMapping/>
-  </p:clrMapOvr>
-</p:sld>
-</file>
-
-<file path=ppt/slides/slide36.xml><?xml version="1.0" encoding="utf-8"?>
-<p:sld xmlns:a="http://schemas.openxmlformats.org/drawingml/2006/main" xmlns:p="http://schemas.openxmlformats.org/presentationml/2006/main" xmlns:r="http://schemas.openxmlformats.org/officeDocument/2006/relationships">
-  <p:cSld>
-    <p:spTree>
-      <p:nvGrpSpPr>
-        <p:cNvPr id="1" name=""/>
-        <p:cNvGrpSpPr/>
-        <p:nvPr/>
-      </p:nvGrpSpPr>
-      <p:grpSpPr/>
-      <p:sp>
-        <p:nvSpPr>
-          <p:cNvPr id="2" name="TextBox 1"/>
-          <p:cNvSpPr txBox="1"/>
-          <p:nvPr/>
-        </p:nvSpPr>
-        <p:spPr>
-          <a:xfrm>
-            <a:off x="914400" y="457200"/>
-            <a:ext cx="7315200" cy="5486400"/>
-          </a:xfrm>
-          <a:prstGeom prst="rect">
-            <a:avLst/>
-          </a:prstGeom>
-          <a:noFill/>
-        </p:spPr>
-        <p:txBody>
-          <a:bodyPr wrap="none">
-            <a:spAutoFit/>
-          </a:bodyPr>
-          <a:lstStyle/>
-          <a:p/>
-          <a:p>
-            <a:pPr algn="ctr">
-              <a:lnSpc>
-                <a:spcPts val="7000"/>
-              </a:lnSpc>
-              <a:defRPr sz="4300">
-                <a:solidFill>
-                  <a:srgbClr val="000000"/>
-                </a:solidFill>
-              </a:defRPr>
-            </a:pPr>
-            <a:r>
-              <a:t>I see a generation</a:t>
-            </a:r>
-            <a:br/>
-            <a:r>
-              <a:t> Rising up to take their place</a:t>
-            </a:r>
-            <a:br/>
-            <a:r>
-              <a:t> With selfless faith</a:t>
-            </a:r>
-            <a:br/>
-            <a:r>
-              <a:t> With selfless faith</a:t>
-            </a:r>
-            <a:br/>
-          </a:p>
-        </p:txBody>
-      </p:sp>
-    </p:spTree>
-  </p:cSld>
-  <p:clrMapOvr>
-    <a:masterClrMapping/>
-  </p:clrMapOvr>
-</p:sld>
-</file>
-
-<file path=ppt/slides/slide37.xml><?xml version="1.0" encoding="utf-8"?>
-<p:sld xmlns:a="http://schemas.openxmlformats.org/drawingml/2006/main" xmlns:p="http://schemas.openxmlformats.org/presentationml/2006/main" xmlns:r="http://schemas.openxmlformats.org/officeDocument/2006/relationships">
-  <p:cSld>
-    <p:spTree>
-      <p:nvGrpSpPr>
-        <p:cNvPr id="1" name=""/>
-        <p:cNvGrpSpPr/>
-        <p:nvPr/>
-      </p:nvGrpSpPr>
-      <p:grpSpPr/>
-      <p:sp>
-        <p:nvSpPr>
-          <p:cNvPr id="2" name="TextBox 1"/>
-          <p:cNvSpPr txBox="1"/>
-          <p:nvPr/>
-        </p:nvSpPr>
-        <p:spPr>
-          <a:xfrm>
-            <a:off x="914400" y="457200"/>
-            <a:ext cx="7315200" cy="5486400"/>
-          </a:xfrm>
-          <a:prstGeom prst="rect">
-            <a:avLst/>
-          </a:prstGeom>
-          <a:noFill/>
-        </p:spPr>
-        <p:txBody>
-          <a:bodyPr wrap="none">
-            <a:spAutoFit/>
-          </a:bodyPr>
-          <a:lstStyle/>
-          <a:p/>
-          <a:p>
-            <a:pPr algn="ctr">
-              <a:lnSpc>
-                <a:spcPts val="7000"/>
-              </a:lnSpc>
-              <a:defRPr sz="4300">
-                <a:solidFill>
-                  <a:srgbClr val="000000"/>
-                </a:solidFill>
-              </a:defRPr>
-            </a:pPr>
-            <a:r>
-              <a:t>I see a near revival</a:t>
-            </a:r>
-            <a:br/>
-            <a:r>
-              <a:t> Stirring as we pray and seek</a:t>
-            </a:r>
-            <a:br/>
-            <a:r>
-              <a:t> We're on our knees</a:t>
-            </a:r>
-            <a:br/>
-            <a:r>
-              <a:t> We're on our knees</a:t>
-            </a:r>
-            <a:br/>
-          </a:p>
-        </p:txBody>
-      </p:sp>
-    </p:spTree>
-  </p:cSld>
-  <p:clrMapOvr>
-    <a:masterClrMapping/>
-  </p:clrMapOvr>
-</p:sld>
-</file>
-
-<file path=ppt/slides/slide38.xml><?xml version="1.0" encoding="utf-8"?>
-<p:sld xmlns:a="http://schemas.openxmlformats.org/drawingml/2006/main" xmlns:p="http://schemas.openxmlformats.org/presentationml/2006/main" xmlns:r="http://schemas.openxmlformats.org/officeDocument/2006/relationships">
-  <p:cSld>
-    <p:spTree>
-      <p:nvGrpSpPr>
-        <p:cNvPr id="1" name=""/>
-        <p:cNvGrpSpPr/>
-        <p:nvPr/>
-      </p:nvGrpSpPr>
-      <p:grpSpPr/>
-      <p:sp>
-        <p:nvSpPr>
-          <p:cNvPr id="2" name="TextBox 1"/>
-          <p:cNvSpPr txBox="1"/>
-          <p:nvPr/>
-        </p:nvSpPr>
-        <p:spPr>
-          <a:xfrm>
-            <a:off x="914400" y="457200"/>
-            <a:ext cx="7315200" cy="5486400"/>
-          </a:xfrm>
-          <a:prstGeom prst="rect">
-            <a:avLst/>
-          </a:prstGeom>
-          <a:noFill/>
-        </p:spPr>
-        <p:txBody>
-          <a:bodyPr wrap="none">
-            <a:spAutoFit/>
-          </a:bodyPr>
-          <a:lstStyle/>
-          <a:p/>
-          <a:p>
-            <a:pPr algn="ctr">
-              <a:lnSpc>
-                <a:spcPts val="7000"/>
-              </a:lnSpc>
-              <a:defRPr sz="4300">
-                <a:solidFill>
-                  <a:srgbClr val="000000"/>
-                </a:solidFill>
-              </a:defRPr>
-            </a:pPr>
-            <a:r>
-              <a:t>Hosanna Hosanna</a:t>
-            </a:r>
-            <a:br/>
-            <a:r>
-              <a:t> Hosanna in the Highest</a:t>
-            </a:r>
-            <a:br/>
-          </a:p>
-        </p:txBody>
-      </p:sp>
-    </p:spTree>
-  </p:cSld>
-  <p:clrMapOvr>
-    <a:masterClrMapping/>
-  </p:clrMapOvr>
-</p:sld>
-</file>
-
-<file path=ppt/slides/slide39.xml><?xml version="1.0" encoding="utf-8"?>
-<p:sld xmlns:a="http://schemas.openxmlformats.org/drawingml/2006/main" xmlns:p="http://schemas.openxmlformats.org/presentationml/2006/main" xmlns:r="http://schemas.openxmlformats.org/officeDocument/2006/relationships">
-  <p:cSld>
-    <p:spTree>
-      <p:nvGrpSpPr>
-        <p:cNvPr id="1" name=""/>
-        <p:cNvGrpSpPr/>
-        <p:nvPr/>
-      </p:nvGrpSpPr>
-      <p:grpSpPr/>
-      <p:sp>
-        <p:nvSpPr>
-          <p:cNvPr id="2" name="TextBox 1"/>
-          <p:cNvSpPr txBox="1"/>
-          <p:nvPr/>
-        </p:nvSpPr>
-        <p:spPr>
-          <a:xfrm>
-            <a:off x="914400" y="457200"/>
-            <a:ext cx="7315200" cy="5486400"/>
-          </a:xfrm>
-          <a:prstGeom prst="rect">
-            <a:avLst/>
-          </a:prstGeom>
-          <a:noFill/>
-        </p:spPr>
-        <p:txBody>
-          <a:bodyPr wrap="square">
-            <a:spAutoFit/>
-          </a:bodyPr>
-          <a:lstStyle/>
-          <a:p/>
-          <a:p>
-            <a:pPr algn="ctr">
-              <a:lnSpc>
-                <a:spcPts val="4800"/>
-              </a:lnSpc>
-              <a:defRPr sz="4300">
-                <a:solidFill>
-                  <a:srgbClr val="000000"/>
-                </a:solidFill>
-              </a:defRPr>
-            </a:pPr>
-            <a:r>
-              <a:t>Heal my heart and make it clean. Open up my eyes to the things unseen. Show me how to love like you have loved me. Break my heart for what breaks yours. Everything I am for your Kingdom's cause. As I walk from Earth into Eternity.</a:t>
-            </a:r>
           </a:p>
         </p:txBody>
       </p:sp>
@@ -5360,122 +3374,6 @@
       <p:grpSpPr/>
       <p:sp>
         <p:nvSpPr>
-          <p:cNvPr id="2" name="Title 1"/>
-          <p:cNvSpPr>
-            <a:spLocks noGrp="1"/>
-          </p:cNvSpPr>
-          <p:nvPr>
-            <p:ph type="ctrTitle"/>
-          </p:nvPr>
-        </p:nvSpPr>
-        <p:spPr/>
-        <p:txBody>
-          <a:bodyPr/>
-          <a:lstStyle/>
-          <a:p/>
-        </p:txBody>
-      </p:sp>
-      <p:sp>
-        <p:nvSpPr>
-          <p:cNvPr id="3" name="Subtitle 2"/>
-          <p:cNvSpPr>
-            <a:spLocks noGrp="1"/>
-          </p:cNvSpPr>
-          <p:nvPr>
-            <p:ph type="subTitle" idx="1"/>
-          </p:nvPr>
-        </p:nvSpPr>
-        <p:spPr/>
-        <p:txBody>
-          <a:bodyPr/>
-          <a:lstStyle/>
-          <a:p>
-            <a:r>
-              <a:t>For Who You Are</a:t>
-            </a:r>
-          </a:p>
-        </p:txBody>
-      </p:sp>
-    </p:spTree>
-  </p:cSld>
-  <p:clrMapOvr>
-    <a:masterClrMapping/>
-  </p:clrMapOvr>
-</p:sld>
-</file>
-
-<file path=ppt/slides/slide40.xml><?xml version="1.0" encoding="utf-8"?>
-<p:sld xmlns:a="http://schemas.openxmlformats.org/drawingml/2006/main" xmlns:p="http://schemas.openxmlformats.org/presentationml/2006/main" xmlns:r="http://schemas.openxmlformats.org/officeDocument/2006/relationships">
-  <p:cSld>
-    <p:spTree>
-      <p:nvGrpSpPr>
-        <p:cNvPr id="1" name=""/>
-        <p:cNvGrpSpPr/>
-        <p:nvPr/>
-      </p:nvGrpSpPr>
-      <p:grpSpPr/>
-      <p:sp>
-        <p:nvSpPr>
-          <p:cNvPr id="2" name="Title 1"/>
-          <p:cNvSpPr>
-            <a:spLocks noGrp="1"/>
-          </p:cNvSpPr>
-          <p:nvPr>
-            <p:ph type="ctrTitle"/>
-          </p:nvPr>
-        </p:nvSpPr>
-        <p:spPr/>
-        <p:txBody>
-          <a:bodyPr/>
-          <a:lstStyle/>
-          <a:p>
-            <a:r>
-              <a:t>พระเจ้ายิ่งใหญ่</a:t>
-            </a:r>
-          </a:p>
-        </p:txBody>
-      </p:sp>
-      <p:sp>
-        <p:nvSpPr>
-          <p:cNvPr id="3" name="Subtitle 2"/>
-          <p:cNvSpPr>
-            <a:spLocks noGrp="1"/>
-          </p:cNvSpPr>
-          <p:nvPr>
-            <p:ph type="subTitle" idx="1"/>
-          </p:nvPr>
-        </p:nvSpPr>
-        <p:spPr/>
-        <p:txBody>
-          <a:bodyPr/>
-          <a:lstStyle/>
-          <a:p>
-            <a:r>
-              <a:t>HOW GREAT THOU ART</a:t>
-            </a:r>
-          </a:p>
-        </p:txBody>
-      </p:sp>
-    </p:spTree>
-  </p:cSld>
-  <p:clrMapOvr>
-    <a:masterClrMapping/>
-  </p:clrMapOvr>
-</p:sld>
-</file>
-
-<file path=ppt/slides/slide41.xml><?xml version="1.0" encoding="utf-8"?>
-<p:sld xmlns:a="http://schemas.openxmlformats.org/drawingml/2006/main" xmlns:p="http://schemas.openxmlformats.org/presentationml/2006/main" xmlns:r="http://schemas.openxmlformats.org/officeDocument/2006/relationships">
-  <p:cSld>
-    <p:spTree>
-      <p:nvGrpSpPr>
-        <p:cNvPr id="1" name=""/>
-        <p:cNvGrpSpPr/>
-        <p:nvPr/>
-      </p:nvGrpSpPr>
-      <p:grpSpPr/>
-      <p:sp>
-        <p:nvSpPr>
           <p:cNvPr id="2" name="TextBox 1"/>
           <p:cNvSpPr txBox="1"/>
           <p:nvPr/>
@@ -5491,7 +3389,7 @@
           <a:noFill/>
         </p:spPr>
         <p:txBody>
-          <a:bodyPr wrap="square">
+          <a:bodyPr wrap="none">
             <a:spAutoFit/>
           </a:bodyPr>
           <a:lstStyle/>
@@ -5501,14 +3399,22 @@
               <a:lnSpc>
                 <a:spcPts val="4800"/>
               </a:lnSpc>
-              <a:defRPr sz="4300">
+              <a:defRPr sz="4000">
                 <a:solidFill>
                   <a:srgbClr val="000000"/>
                 </a:solidFill>
               </a:defRPr>
             </a:pPr>
             <a:r>
-              <a:t>พระองค์เจ้าข้า ข้าเฝ้ามองดูด้วยยำเกรง เพราะพระองค์เอง เป็นผู้สร้างจักรวาล เมื่อมองดูดาว เมื่อคราวยินเสียงฟ้าคำราม เห็นฝีพระหัตถ์ของพระองค์บนท้องฟ้า</a:t>
+              <a:t>โฮซันนา โฮซันนา โฮซันนา</a:t>
+            </a:r>
+            <a:br/>
+            <a:r>
+              <a:t>แด่ผู้สูงสุด โฮซันนา</a:t>
+            </a:r>
+            <a:br/>
+            <a:r>
+              <a:t>โฮซันนา โฮซันนา แด่ผู้สูงสุด</a:t>
             </a:r>
           </a:p>
         </p:txBody>
@@ -5530,7 +3436,7 @@
           <a:noFill/>
         </p:spPr>
         <p:txBody>
-          <a:bodyPr wrap="square">
+          <a:bodyPr wrap="none">
             <a:spAutoFit/>
           </a:bodyPr>
           <a:lstStyle/>
@@ -5540,725 +3446,18 @@
               <a:lnSpc>
                 <a:spcPts val="4800"/>
               </a:lnSpc>
-              <a:defRPr sz="4000">
+              <a:defRPr sz="3500">
                 <a:solidFill>
                   <a:srgbClr val="3A70BC"/>
                 </a:solidFill>
               </a:defRPr>
             </a:pPr>
             <a:r>
-              <a:t>O Lord, my God, when I in awesome wonder. Consider all the worlds Thy Hands have made. I see the stars, I hear the rolling thunder. Thy power throughout the universe displayed</a:t>
-            </a:r>
-          </a:p>
-        </p:txBody>
-      </p:sp>
-    </p:spTree>
-  </p:cSld>
-  <p:clrMapOvr>
-    <a:masterClrMapping/>
-  </p:clrMapOvr>
-</p:sld>
-</file>
-
-<file path=ppt/slides/slide42.xml><?xml version="1.0" encoding="utf-8"?>
-<p:sld xmlns:a="http://schemas.openxmlformats.org/drawingml/2006/main" xmlns:p="http://schemas.openxmlformats.org/presentationml/2006/main" xmlns:r="http://schemas.openxmlformats.org/officeDocument/2006/relationships">
-  <p:cSld>
-    <p:spTree>
-      <p:nvGrpSpPr>
-        <p:cNvPr id="1" name=""/>
-        <p:cNvGrpSpPr/>
-        <p:nvPr/>
-      </p:nvGrpSpPr>
-      <p:grpSpPr/>
-      <p:sp>
-        <p:nvSpPr>
-          <p:cNvPr id="2" name="TextBox 1"/>
-          <p:cNvSpPr txBox="1"/>
-          <p:nvPr/>
-        </p:nvSpPr>
-        <p:spPr>
-          <a:xfrm>
-            <a:off x="685800" y="228600"/>
-            <a:ext cx="7772400" cy="2971800"/>
-          </a:xfrm>
-          <a:prstGeom prst="rect">
-            <a:avLst/>
-          </a:prstGeom>
-          <a:noFill/>
-        </p:spPr>
-        <p:txBody>
-          <a:bodyPr wrap="none">
-            <a:spAutoFit/>
-          </a:bodyPr>
-          <a:lstStyle/>
-          <a:p/>
-          <a:p>
-            <a:pPr algn="ctr">
-              <a:lnSpc>
-                <a:spcPts val="4800"/>
-              </a:lnSpc>
-              <a:defRPr sz="4300">
-                <a:solidFill>
-                  <a:srgbClr val="000000"/>
-                </a:solidFill>
-              </a:defRPr>
-            </a:pPr>
-            <a:r>
-              <a:t>จิตข้าสรรเสริญ พระเจ้าองค์พระผู้ช่วย</a:t>
+              <a:t>Hosanna Hosanna</a:t>
             </a:r>
             <a:br/>
             <a:r>
-              <a:t>พระเจ้ายิ่งใหญ่ พระเจ้ายิ่งใหญ่ จิตข้าสรรเสริญ</a:t>
-            </a:r>
-            <a:br/>
-            <a:r>
-              <a:t>พระเจ้าองค์พระผู้ช่วย พระเจ้ายิ่งใหญ่</a:t>
-            </a:r>
-            <a:br/>
-            <a:r>
-              <a:t>พระเจ้ายิ่งใหญ่</a:t>
-            </a:r>
-          </a:p>
-        </p:txBody>
-      </p:sp>
-      <p:sp>
-        <p:nvSpPr>
-          <p:cNvPr id="3" name="TextBox 2"/>
-          <p:cNvSpPr txBox="1"/>
-          <p:nvPr/>
-        </p:nvSpPr>
-        <p:spPr>
-          <a:xfrm>
-            <a:off x="685800" y="3657600"/>
-            <a:ext cx="7772400" cy="2971800"/>
-          </a:xfrm>
-          <a:prstGeom prst="rect">
-            <a:avLst/>
-          </a:prstGeom>
-          <a:noFill/>
-        </p:spPr>
-        <p:txBody>
-          <a:bodyPr wrap="square">
-            <a:spAutoFit/>
-          </a:bodyPr>
-          <a:lstStyle/>
-          <a:p/>
-          <a:p>
-            <a:pPr algn="ctr">
-              <a:lnSpc>
-                <a:spcPts val="4800"/>
-              </a:lnSpc>
-              <a:defRPr sz="4000">
-                <a:solidFill>
-                  <a:srgbClr val="3A70BC"/>
-                </a:solidFill>
-              </a:defRPr>
-            </a:pPr>
-            <a:r>
-              <a:t>Then sings my soul, my Saviour God, to Thee. How great Thou art, how great Thou art. Then sings my soul, my Saviour God, to Thee. How great Thou art, how great Thou art</a:t>
-            </a:r>
-          </a:p>
-        </p:txBody>
-      </p:sp>
-    </p:spTree>
-  </p:cSld>
-  <p:clrMapOvr>
-    <a:masterClrMapping/>
-  </p:clrMapOvr>
-</p:sld>
-</file>
-
-<file path=ppt/slides/slide43.xml><?xml version="1.0" encoding="utf-8"?>
-<p:sld xmlns:a="http://schemas.openxmlformats.org/drawingml/2006/main" xmlns:p="http://schemas.openxmlformats.org/presentationml/2006/main" xmlns:r="http://schemas.openxmlformats.org/officeDocument/2006/relationships">
-  <p:cSld>
-    <p:spTree>
-      <p:nvGrpSpPr>
-        <p:cNvPr id="1" name=""/>
-        <p:cNvGrpSpPr/>
-        <p:nvPr/>
-      </p:nvGrpSpPr>
-      <p:grpSpPr/>
-      <p:sp>
-        <p:nvSpPr>
-          <p:cNvPr id="2" name="TextBox 1"/>
-          <p:cNvSpPr txBox="1"/>
-          <p:nvPr/>
-        </p:nvSpPr>
-        <p:spPr>
-          <a:xfrm>
-            <a:off x="685800" y="228600"/>
-            <a:ext cx="7772400" cy="2971800"/>
-          </a:xfrm>
-          <a:prstGeom prst="rect">
-            <a:avLst/>
-          </a:prstGeom>
-          <a:noFill/>
-        </p:spPr>
-        <p:txBody>
-          <a:bodyPr wrap="square">
-            <a:spAutoFit/>
-          </a:bodyPr>
-          <a:lstStyle/>
-          <a:p/>
-          <a:p>
-            <a:pPr algn="ctr">
-              <a:lnSpc>
-                <a:spcPts val="4800"/>
-              </a:lnSpc>
-              <a:defRPr sz="4300">
-                <a:solidFill>
-                  <a:srgbClr val="000000"/>
-                </a:solidFill>
-              </a:defRPr>
-            </a:pPr>
-            <a:r>
-              <a:t>เมื่อข้าคิดถึง พระเจ้า ผู้ไม่ทรงเสียดาย พระบุตรองค์เดียวเสด็จมาเป็นผู้ไถ่ ถูกทรมาน ตรึงไว้บนกางเขนเพื่อข้า ข้าขอบพระคุณที่พระองค์ทรงเมตตา</a:t>
-            </a:r>
-          </a:p>
-        </p:txBody>
-      </p:sp>
-      <p:sp>
-        <p:nvSpPr>
-          <p:cNvPr id="3" name="TextBox 2"/>
-          <p:cNvSpPr txBox="1"/>
-          <p:nvPr/>
-        </p:nvSpPr>
-        <p:spPr>
-          <a:xfrm>
-            <a:off x="685800" y="3657600"/>
-            <a:ext cx="7772400" cy="2971800"/>
-          </a:xfrm>
-          <a:prstGeom prst="rect">
-            <a:avLst/>
-          </a:prstGeom>
-          <a:noFill/>
-        </p:spPr>
-        <p:txBody>
-          <a:bodyPr wrap="square">
-            <a:spAutoFit/>
-          </a:bodyPr>
-          <a:lstStyle/>
-          <a:p/>
-          <a:p>
-            <a:pPr algn="ctr">
-              <a:lnSpc>
-                <a:spcPts val="4800"/>
-              </a:lnSpc>
-              <a:defRPr sz="4000">
-                <a:solidFill>
-                  <a:srgbClr val="3A70BC"/>
-                </a:solidFill>
-              </a:defRPr>
-            </a:pPr>
-            <a:r>
-              <a:t>And when I think of God, His Son not sparing Sent Him to die, I scarce can take it in. That on the Cross, my burden gladly bearing He bled and died to take away my sin</a:t>
-            </a:r>
-          </a:p>
-        </p:txBody>
-      </p:sp>
-    </p:spTree>
-  </p:cSld>
-  <p:clrMapOvr>
-    <a:masterClrMapping/>
-  </p:clrMapOvr>
-</p:sld>
-</file>
-
-<file path=ppt/slides/slide44.xml><?xml version="1.0" encoding="utf-8"?>
-<p:sld xmlns:a="http://schemas.openxmlformats.org/drawingml/2006/main" xmlns:p="http://schemas.openxmlformats.org/presentationml/2006/main" xmlns:r="http://schemas.openxmlformats.org/officeDocument/2006/relationships">
-  <p:cSld>
-    <p:spTree>
-      <p:nvGrpSpPr>
-        <p:cNvPr id="1" name=""/>
-        <p:cNvGrpSpPr/>
-        <p:nvPr/>
-      </p:nvGrpSpPr>
-      <p:grpSpPr/>
-      <p:sp>
-        <p:nvSpPr>
-          <p:cNvPr id="2" name="TextBox 1"/>
-          <p:cNvSpPr txBox="1"/>
-          <p:nvPr/>
-        </p:nvSpPr>
-        <p:spPr>
-          <a:xfrm>
-            <a:off x="685800" y="228600"/>
-            <a:ext cx="7772400" cy="2971800"/>
-          </a:xfrm>
-          <a:prstGeom prst="rect">
-            <a:avLst/>
-          </a:prstGeom>
-          <a:noFill/>
-        </p:spPr>
-        <p:txBody>
-          <a:bodyPr wrap="none">
-            <a:spAutoFit/>
-          </a:bodyPr>
-          <a:lstStyle/>
-          <a:p/>
-          <a:p>
-            <a:pPr algn="ctr">
-              <a:lnSpc>
-                <a:spcPts val="4800"/>
-              </a:lnSpc>
-              <a:defRPr sz="4300">
-                <a:solidFill>
-                  <a:srgbClr val="000000"/>
-                </a:solidFill>
-              </a:defRPr>
-            </a:pPr>
-            <a:r>
-              <a:t>จิตข้าสรรเสริญ พระเจ้าองค์พระผู้ช่วย</a:t>
-            </a:r>
-            <a:br/>
-            <a:r>
-              <a:t>พระเจ้ายิ่งใหญ่ พระเจ้ายิ่งใหญ่ จิตข้าสรรเสริญ</a:t>
-            </a:r>
-            <a:br/>
-            <a:r>
-              <a:t>พระเจ้าองค์พระผู้ช่วย พระเจ้ายิ่งใหญ่</a:t>
-            </a:r>
-            <a:br/>
-            <a:r>
-              <a:t>พระเจ้ายิ่งใหญ่</a:t>
-            </a:r>
-          </a:p>
-        </p:txBody>
-      </p:sp>
-      <p:sp>
-        <p:nvSpPr>
-          <p:cNvPr id="3" name="TextBox 2"/>
-          <p:cNvSpPr txBox="1"/>
-          <p:nvPr/>
-        </p:nvSpPr>
-        <p:spPr>
-          <a:xfrm>
-            <a:off x="685800" y="3657600"/>
-            <a:ext cx="7772400" cy="2971800"/>
-          </a:xfrm>
-          <a:prstGeom prst="rect">
-            <a:avLst/>
-          </a:prstGeom>
-          <a:noFill/>
-        </p:spPr>
-        <p:txBody>
-          <a:bodyPr wrap="square">
-            <a:spAutoFit/>
-          </a:bodyPr>
-          <a:lstStyle/>
-          <a:p/>
-          <a:p>
-            <a:pPr algn="ctr">
-              <a:lnSpc>
-                <a:spcPts val="4800"/>
-              </a:lnSpc>
-              <a:defRPr sz="4000">
-                <a:solidFill>
-                  <a:srgbClr val="3A70BC"/>
-                </a:solidFill>
-              </a:defRPr>
-            </a:pPr>
-            <a:r>
-              <a:t>Then sings my soul, my Saviour God, to Thee. How great Thou art, how great Thou art. Then sings my soul, my Saviour God, to Thee. How great Thou art, how great Thou art</a:t>
-            </a:r>
-          </a:p>
-        </p:txBody>
-      </p:sp>
-    </p:spTree>
-  </p:cSld>
-  <p:clrMapOvr>
-    <a:masterClrMapping/>
-  </p:clrMapOvr>
-</p:sld>
-</file>
-
-<file path=ppt/slides/slide45.xml><?xml version="1.0" encoding="utf-8"?>
-<p:sld xmlns:a="http://schemas.openxmlformats.org/drawingml/2006/main" xmlns:p="http://schemas.openxmlformats.org/presentationml/2006/main" xmlns:r="http://schemas.openxmlformats.org/officeDocument/2006/relationships">
-  <p:cSld>
-    <p:spTree>
-      <p:nvGrpSpPr>
-        <p:cNvPr id="1" name=""/>
-        <p:cNvGrpSpPr/>
-        <p:nvPr/>
-      </p:nvGrpSpPr>
-      <p:grpSpPr/>
-      <p:sp>
-        <p:nvSpPr>
-          <p:cNvPr id="2" name="TextBox 1"/>
-          <p:cNvSpPr txBox="1"/>
-          <p:nvPr/>
-        </p:nvSpPr>
-        <p:spPr>
-          <a:xfrm>
-            <a:off x="685800" y="228600"/>
-            <a:ext cx="7772400" cy="2971800"/>
-          </a:xfrm>
-          <a:prstGeom prst="rect">
-            <a:avLst/>
-          </a:prstGeom>
-          <a:noFill/>
-        </p:spPr>
-        <p:txBody>
-          <a:bodyPr wrap="square">
-            <a:spAutoFit/>
-          </a:bodyPr>
-          <a:lstStyle/>
-          <a:p/>
-          <a:p>
-            <a:pPr algn="ctr">
-              <a:lnSpc>
-                <a:spcPts val="4800"/>
-              </a:lnSpc>
-              <a:defRPr sz="4300">
-                <a:solidFill>
-                  <a:srgbClr val="000000"/>
-                </a:solidFill>
-              </a:defRPr>
-            </a:pPr>
-            <a:r>
-              <a:t>พระคริสต์กลับมา ด้วยเสียงแตรดังก้องเวหา เพื่อมารับข้า กลับไปอยู่ในเมืองฟ้า ข้าจะกราบลง ที่พระบาทาด้วยถ่อมใจ และสรรเสริญว่า พระเจ้าของข้ายิ่งใหญ่</a:t>
-            </a:r>
-          </a:p>
-        </p:txBody>
-      </p:sp>
-      <p:sp>
-        <p:nvSpPr>
-          <p:cNvPr id="3" name="TextBox 2"/>
-          <p:cNvSpPr txBox="1"/>
-          <p:nvPr/>
-        </p:nvSpPr>
-        <p:spPr>
-          <a:xfrm>
-            <a:off x="685800" y="3657600"/>
-            <a:ext cx="7772400" cy="2971800"/>
-          </a:xfrm>
-          <a:prstGeom prst="rect">
-            <a:avLst/>
-          </a:prstGeom>
-          <a:noFill/>
-        </p:spPr>
-        <p:txBody>
-          <a:bodyPr wrap="square">
-            <a:spAutoFit/>
-          </a:bodyPr>
-          <a:lstStyle/>
-          <a:p/>
-          <a:p>
-            <a:pPr algn="ctr">
-              <a:lnSpc>
-                <a:spcPts val="4800"/>
-              </a:lnSpc>
-              <a:defRPr sz="4000">
-                <a:solidFill>
-                  <a:srgbClr val="3A70BC"/>
-                </a:solidFill>
-              </a:defRPr>
-            </a:pPr>
-            <a:r>
-              <a:t>When Christ shall come with shout of acclamation. And lead me home, what joy shall fill my heart. Then I shall bow with humble adoration. And then proclaim, my God, how great Thou art</a:t>
-            </a:r>
-          </a:p>
-        </p:txBody>
-      </p:sp>
-    </p:spTree>
-  </p:cSld>
-  <p:clrMapOvr>
-    <a:masterClrMapping/>
-  </p:clrMapOvr>
-</p:sld>
-</file>
-
-<file path=ppt/slides/slide46.xml><?xml version="1.0" encoding="utf-8"?>
-<p:sld xmlns:a="http://schemas.openxmlformats.org/drawingml/2006/main" xmlns:p="http://schemas.openxmlformats.org/presentationml/2006/main" xmlns:r="http://schemas.openxmlformats.org/officeDocument/2006/relationships">
-  <p:cSld>
-    <p:spTree>
-      <p:nvGrpSpPr>
-        <p:cNvPr id="1" name=""/>
-        <p:cNvGrpSpPr/>
-        <p:nvPr/>
-      </p:nvGrpSpPr>
-      <p:grpSpPr/>
-      <p:sp>
-        <p:nvSpPr>
-          <p:cNvPr id="2" name="TextBox 1"/>
-          <p:cNvSpPr txBox="1"/>
-          <p:nvPr/>
-        </p:nvSpPr>
-        <p:spPr>
-          <a:xfrm>
-            <a:off x="685800" y="228600"/>
-            <a:ext cx="7772400" cy="2971800"/>
-          </a:xfrm>
-          <a:prstGeom prst="rect">
-            <a:avLst/>
-          </a:prstGeom>
-          <a:noFill/>
-        </p:spPr>
-        <p:txBody>
-          <a:bodyPr wrap="none">
-            <a:spAutoFit/>
-          </a:bodyPr>
-          <a:lstStyle/>
-          <a:p/>
-          <a:p>
-            <a:pPr algn="ctr">
-              <a:lnSpc>
-                <a:spcPts val="4800"/>
-              </a:lnSpc>
-              <a:defRPr sz="4300">
-                <a:solidFill>
-                  <a:srgbClr val="000000"/>
-                </a:solidFill>
-              </a:defRPr>
-            </a:pPr>
-            <a:r>
-              <a:t>จิตข้าสรรเสริญ พระเจ้าองค์พระผู้ช่วย</a:t>
-            </a:r>
-            <a:br/>
-            <a:r>
-              <a:t>พระเจ้ายิ่งใหญ่ พระเจ้ายิ่งใหญ่ จิตข้าสรรเสริญ</a:t>
-            </a:r>
-            <a:br/>
-            <a:r>
-              <a:t>พระเจ้าองค์พระผู้ช่วย พระเจ้ายิ่งใหญ่</a:t>
-            </a:r>
-            <a:br/>
-            <a:r>
-              <a:t>พระเจ้ายิ่งใหญ่</a:t>
-            </a:r>
-          </a:p>
-        </p:txBody>
-      </p:sp>
-      <p:sp>
-        <p:nvSpPr>
-          <p:cNvPr id="3" name="TextBox 2"/>
-          <p:cNvSpPr txBox="1"/>
-          <p:nvPr/>
-        </p:nvSpPr>
-        <p:spPr>
-          <a:xfrm>
-            <a:off x="685800" y="3657600"/>
-            <a:ext cx="7772400" cy="2971800"/>
-          </a:xfrm>
-          <a:prstGeom prst="rect">
-            <a:avLst/>
-          </a:prstGeom>
-          <a:noFill/>
-        </p:spPr>
-        <p:txBody>
-          <a:bodyPr wrap="square">
-            <a:spAutoFit/>
-          </a:bodyPr>
-          <a:lstStyle/>
-          <a:p/>
-          <a:p>
-            <a:pPr algn="ctr">
-              <a:lnSpc>
-                <a:spcPts val="4800"/>
-              </a:lnSpc>
-              <a:defRPr sz="4000">
-                <a:solidFill>
-                  <a:srgbClr val="3A70BC"/>
-                </a:solidFill>
-              </a:defRPr>
-            </a:pPr>
-            <a:r>
-              <a:t>Then sings my soul, my Saviour God, to Thee. How great Thou art, how great Thou art. Then sings my soul, my Saviour God, to Thee. How great Thou art, how great Thou art</a:t>
-            </a:r>
-          </a:p>
-        </p:txBody>
-      </p:sp>
-    </p:spTree>
-  </p:cSld>
-  <p:clrMapOvr>
-    <a:masterClrMapping/>
-  </p:clrMapOvr>
-</p:sld>
-</file>
-
-<file path=ppt/slides/slide47.xml><?xml version="1.0" encoding="utf-8"?>
-<p:sld xmlns:a="http://schemas.openxmlformats.org/drawingml/2006/main" xmlns:p="http://schemas.openxmlformats.org/presentationml/2006/main" xmlns:r="http://schemas.openxmlformats.org/officeDocument/2006/relationships">
-  <p:cSld>
-    <p:spTree>
-      <p:nvGrpSpPr>
-        <p:cNvPr id="1" name=""/>
-        <p:cNvGrpSpPr/>
-        <p:nvPr/>
-      </p:nvGrpSpPr>
-      <p:grpSpPr/>
-      <p:sp>
-        <p:nvSpPr>
-          <p:cNvPr id="2" name="Title 1"/>
-          <p:cNvSpPr>
-            <a:spLocks noGrp="1"/>
-          </p:cNvSpPr>
-          <p:nvPr>
-            <p:ph type="ctrTitle"/>
-          </p:nvPr>
-        </p:nvSpPr>
-        <p:spPr/>
-        <p:txBody>
-          <a:bodyPr/>
-          <a:lstStyle/>
-          <a:p/>
-        </p:txBody>
-      </p:sp>
-      <p:sp>
-        <p:nvSpPr>
-          <p:cNvPr id="3" name="Subtitle 2"/>
-          <p:cNvSpPr>
-            <a:spLocks noGrp="1"/>
-          </p:cNvSpPr>
-          <p:nvPr>
-            <p:ph type="subTitle" idx="1"/>
-          </p:nvPr>
-        </p:nvSpPr>
-        <p:spPr/>
-        <p:txBody>
-          <a:bodyPr/>
-          <a:lstStyle/>
-          <a:p>
-            <a:r>
-              <a:t>Christ Is Enough</a:t>
-            </a:r>
-          </a:p>
-        </p:txBody>
-      </p:sp>
-    </p:spTree>
-  </p:cSld>
-  <p:clrMapOvr>
-    <a:masterClrMapping/>
-  </p:clrMapOvr>
-</p:sld>
-</file>
-
-<file path=ppt/slides/slide48.xml><?xml version="1.0" encoding="utf-8"?>
-<p:sld xmlns:a="http://schemas.openxmlformats.org/drawingml/2006/main" xmlns:p="http://schemas.openxmlformats.org/presentationml/2006/main" xmlns:r="http://schemas.openxmlformats.org/officeDocument/2006/relationships">
-  <p:cSld>
-    <p:spTree>
-      <p:nvGrpSpPr>
-        <p:cNvPr id="1" name=""/>
-        <p:cNvGrpSpPr/>
-        <p:nvPr/>
-      </p:nvGrpSpPr>
-      <p:grpSpPr/>
-      <p:sp>
-        <p:nvSpPr>
-          <p:cNvPr id="2" name="TextBox 1"/>
-          <p:cNvSpPr txBox="1"/>
-          <p:nvPr/>
-        </p:nvSpPr>
-        <p:spPr>
-          <a:xfrm>
-            <a:off x="914400" y="457200"/>
-            <a:ext cx="7315200" cy="5486400"/>
-          </a:xfrm>
-          <a:prstGeom prst="rect">
-            <a:avLst/>
-          </a:prstGeom>
-          <a:noFill/>
-        </p:spPr>
-        <p:txBody>
-          <a:bodyPr wrap="none">
-            <a:spAutoFit/>
-          </a:bodyPr>
-          <a:lstStyle/>
-          <a:p/>
-          <a:p>
-            <a:pPr algn="ctr">
-              <a:lnSpc>
-                <a:spcPts val="7000"/>
-              </a:lnSpc>
-              <a:defRPr sz="4300">
-                <a:solidFill>
-                  <a:srgbClr val="000000"/>
-                </a:solidFill>
-              </a:defRPr>
-            </a:pPr>
-            <a:r>
-              <a:t>Christ is my reward</a:t>
-            </a:r>
-            <a:br/>
-            <a:r>
-              <a:t> And all of my devotion</a:t>
-            </a:r>
-            <a:br/>
-            <a:r>
-              <a:t> Now there's nothing in this world</a:t>
-            </a:r>
-            <a:br/>
-            <a:r>
-              <a:t> That could ever satisfy</a:t>
-            </a:r>
-            <a:br/>
-          </a:p>
-        </p:txBody>
-      </p:sp>
-    </p:spTree>
-  </p:cSld>
-  <p:clrMapOvr>
-    <a:masterClrMapping/>
-  </p:clrMapOvr>
-</p:sld>
-</file>
-
-<file path=ppt/slides/slide49.xml><?xml version="1.0" encoding="utf-8"?>
-<p:sld xmlns:a="http://schemas.openxmlformats.org/drawingml/2006/main" xmlns:p="http://schemas.openxmlformats.org/presentationml/2006/main" xmlns:r="http://schemas.openxmlformats.org/officeDocument/2006/relationships">
-  <p:cSld>
-    <p:spTree>
-      <p:nvGrpSpPr>
-        <p:cNvPr id="1" name=""/>
-        <p:cNvGrpSpPr/>
-        <p:nvPr/>
-      </p:nvGrpSpPr>
-      <p:grpSpPr/>
-      <p:sp>
-        <p:nvSpPr>
-          <p:cNvPr id="2" name="TextBox 1"/>
-          <p:cNvSpPr txBox="1"/>
-          <p:nvPr/>
-        </p:nvSpPr>
-        <p:spPr>
-          <a:xfrm>
-            <a:off x="914400" y="457200"/>
-            <a:ext cx="7315200" cy="5486400"/>
-          </a:xfrm>
-          <a:prstGeom prst="rect">
-            <a:avLst/>
-          </a:prstGeom>
-          <a:noFill/>
-        </p:spPr>
-        <p:txBody>
-          <a:bodyPr wrap="none">
-            <a:spAutoFit/>
-          </a:bodyPr>
-          <a:lstStyle/>
-          <a:p/>
-          <a:p>
-            <a:pPr algn="ctr">
-              <a:lnSpc>
-                <a:spcPts val="7000"/>
-              </a:lnSpc>
-              <a:defRPr sz="4300">
-                <a:solidFill>
-                  <a:srgbClr val="000000"/>
-                </a:solidFill>
-              </a:defRPr>
-            </a:pPr>
-            <a:r>
-              <a:t>Through every trial</a:t>
-            </a:r>
-            <a:br/>
-            <a:r>
-              <a:t> My soul will sing</a:t>
-            </a:r>
-            <a:br/>
-            <a:r>
-              <a:t> No turning back</a:t>
-            </a:r>
-            <a:br/>
-            <a:r>
-              <a:t> I've been set free</a:t>
+              <a:t> Hosanna in the Highest</a:t>
             </a:r>
             <a:br/>
           </a:p>
@@ -6290,8 +3489,8 @@
         </p:nvSpPr>
         <p:spPr>
           <a:xfrm>
-            <a:off x="914400" y="457200"/>
-            <a:ext cx="7315200" cy="5486400"/>
+            <a:off x="685800" y="228600"/>
+            <a:ext cx="7772400" cy="2971800"/>
           </a:xfrm>
           <a:prstGeom prst="rect">
             <a:avLst/>
@@ -6307,61 +3506,42 @@
           <a:p>
             <a:pPr algn="ctr">
               <a:lnSpc>
-                <a:spcPts val="7000"/>
+                <a:spcPts val="4800"/>
               </a:lnSpc>
-              <a:defRPr sz="4300">
+              <a:defRPr sz="4000">
                 <a:solidFill>
                   <a:srgbClr val="000000"/>
                 </a:solidFill>
               </a:defRPr>
             </a:pPr>
             <a:r>
-              <a:t>Standing here in Your presence</a:t>
+              <a:t>ฉันเห็นบรรดาชนมากมาย</a:t>
             </a:r>
             <a:br/>
             <a:r>
-              <a:t> Thinking of the good things you have done</a:t>
+              <a:t>ลุกขึ้นเพื่อทำตามพระทัย</a:t>
             </a:r>
             <a:br/>
             <a:r>
-              <a:t> Waiting here patiently</a:t>
+              <a:t>เปี่ยมด้วยความเชื่อ</a:t>
             </a:r>
             <a:br/>
             <a:r>
-              <a:t> Just to hear Your still small voice again</a:t>
-            </a:r>
-            <a:br/>
-          </a:p>
-        </p:txBody>
-      </p:sp>
-    </p:spTree>
-  </p:cSld>
-  <p:clrMapOvr>
-    <a:masterClrMapping/>
-  </p:clrMapOvr>
-</p:sld>
-</file>
-
-<file path=ppt/slides/slide50.xml><?xml version="1.0" encoding="utf-8"?>
-<p:sld xmlns:a="http://schemas.openxmlformats.org/drawingml/2006/main" xmlns:p="http://schemas.openxmlformats.org/presentationml/2006/main" xmlns:r="http://schemas.openxmlformats.org/officeDocument/2006/relationships">
-  <p:cSld>
-    <p:spTree>
-      <p:nvGrpSpPr>
-        <p:cNvPr id="1" name=""/>
-        <p:cNvGrpSpPr/>
-        <p:nvPr/>
-      </p:nvGrpSpPr>
-      <p:grpSpPr/>
-      <p:sp>
-        <p:nvSpPr>
-          <p:cNvPr id="2" name="TextBox 1"/>
+              <a:t>สุดสิ้นหัวใจ</a:t>
+            </a:r>
+          </a:p>
+        </p:txBody>
+      </p:sp>
+      <p:sp>
+        <p:nvSpPr>
+          <p:cNvPr id="3" name="TextBox 2"/>
           <p:cNvSpPr txBox="1"/>
           <p:nvPr/>
         </p:nvSpPr>
         <p:spPr>
           <a:xfrm>
-            <a:off x="914400" y="457200"/>
-            <a:ext cx="7315200" cy="5486400"/>
+            <a:off x="685800" y="3657600"/>
+            <a:ext cx="7772400" cy="2971800"/>
           </a:xfrm>
           <a:prstGeom prst="rect">
             <a:avLst/>
@@ -6377,666 +3557,22 @@
           <a:p>
             <a:pPr algn="ctr">
               <a:lnSpc>
-                <a:spcPts val="7000"/>
+                <a:spcPts val="4800"/>
               </a:lnSpc>
-              <a:defRPr sz="4300">
+              <a:defRPr sz="3500">
                 <a:solidFill>
-                  <a:srgbClr val="000000"/>
+                  <a:srgbClr val="3A70BC"/>
                 </a:solidFill>
               </a:defRPr>
             </a:pPr>
             <a:r>
-              <a:t>Christ is enough for me</a:t>
+              <a:t>I see a generation. Rising up to take their place</a:t>
             </a:r>
             <a:br/>
             <a:r>
-              <a:t> Christ is enough for me</a:t>
+              <a:t> With selfless faith. With selfless faith</a:t>
             </a:r>
             <a:br/>
-            <a:r>
-              <a:t> Everything I need is in You</a:t>
-            </a:r>
-            <a:br/>
-            <a:r>
-              <a:t> Everything I need</a:t>
-            </a:r>
-            <a:br/>
-          </a:p>
-        </p:txBody>
-      </p:sp>
-    </p:spTree>
-  </p:cSld>
-  <p:clrMapOvr>
-    <a:masterClrMapping/>
-  </p:clrMapOvr>
-</p:sld>
-</file>
-
-<file path=ppt/slides/slide51.xml><?xml version="1.0" encoding="utf-8"?>
-<p:sld xmlns:a="http://schemas.openxmlformats.org/drawingml/2006/main" xmlns:p="http://schemas.openxmlformats.org/presentationml/2006/main" xmlns:r="http://schemas.openxmlformats.org/officeDocument/2006/relationships">
-  <p:cSld>
-    <p:spTree>
-      <p:nvGrpSpPr>
-        <p:cNvPr id="1" name=""/>
-        <p:cNvGrpSpPr/>
-        <p:nvPr/>
-      </p:nvGrpSpPr>
-      <p:grpSpPr/>
-      <p:sp>
-        <p:nvSpPr>
-          <p:cNvPr id="2" name="TextBox 1"/>
-          <p:cNvSpPr txBox="1"/>
-          <p:nvPr/>
-        </p:nvSpPr>
-        <p:spPr>
-          <a:xfrm>
-            <a:off x="914400" y="457200"/>
-            <a:ext cx="7315200" cy="5486400"/>
-          </a:xfrm>
-          <a:prstGeom prst="rect">
-            <a:avLst/>
-          </a:prstGeom>
-          <a:noFill/>
-        </p:spPr>
-        <p:txBody>
-          <a:bodyPr wrap="none">
-            <a:spAutoFit/>
-          </a:bodyPr>
-          <a:lstStyle/>
-          <a:p/>
-          <a:p>
-            <a:pPr algn="ctr">
-              <a:lnSpc>
-                <a:spcPts val="7000"/>
-              </a:lnSpc>
-              <a:defRPr sz="4300">
-                <a:solidFill>
-                  <a:srgbClr val="000000"/>
-                </a:solidFill>
-              </a:defRPr>
-            </a:pPr>
-            <a:r>
-              <a:t>Christ my all in all</a:t>
-            </a:r>
-            <a:br/>
-            <a:r>
-              <a:t> The joy of my salvation</a:t>
-            </a:r>
-            <a:br/>
-            <a:r>
-              <a:t> And this hope will never fail</a:t>
-            </a:r>
-            <a:br/>
-            <a:r>
-              <a:t> Heaven is our home</a:t>
-            </a:r>
-            <a:br/>
-          </a:p>
-        </p:txBody>
-      </p:sp>
-    </p:spTree>
-  </p:cSld>
-  <p:clrMapOvr>
-    <a:masterClrMapping/>
-  </p:clrMapOvr>
-</p:sld>
-</file>
-
-<file path=ppt/slides/slide52.xml><?xml version="1.0" encoding="utf-8"?>
-<p:sld xmlns:a="http://schemas.openxmlformats.org/drawingml/2006/main" xmlns:p="http://schemas.openxmlformats.org/presentationml/2006/main" xmlns:r="http://schemas.openxmlformats.org/officeDocument/2006/relationships">
-  <p:cSld>
-    <p:spTree>
-      <p:nvGrpSpPr>
-        <p:cNvPr id="1" name=""/>
-        <p:cNvGrpSpPr/>
-        <p:nvPr/>
-      </p:nvGrpSpPr>
-      <p:grpSpPr/>
-      <p:sp>
-        <p:nvSpPr>
-          <p:cNvPr id="2" name="TextBox 1"/>
-          <p:cNvSpPr txBox="1"/>
-          <p:nvPr/>
-        </p:nvSpPr>
-        <p:spPr>
-          <a:xfrm>
-            <a:off x="914400" y="457200"/>
-            <a:ext cx="7315200" cy="5486400"/>
-          </a:xfrm>
-          <a:prstGeom prst="rect">
-            <a:avLst/>
-          </a:prstGeom>
-          <a:noFill/>
-        </p:spPr>
-        <p:txBody>
-          <a:bodyPr wrap="none">
-            <a:spAutoFit/>
-          </a:bodyPr>
-          <a:lstStyle/>
-          <a:p/>
-          <a:p>
-            <a:pPr algn="ctr">
-              <a:lnSpc>
-                <a:spcPts val="7000"/>
-              </a:lnSpc>
-              <a:defRPr sz="4300">
-                <a:solidFill>
-                  <a:srgbClr val="000000"/>
-                </a:solidFill>
-              </a:defRPr>
-            </a:pPr>
-            <a:r>
-              <a:t>Through every storm</a:t>
-            </a:r>
-            <a:br/>
-            <a:r>
-              <a:t> My soul will sing</a:t>
-            </a:r>
-            <a:br/>
-            <a:r>
-              <a:t> Jesus is here</a:t>
-            </a:r>
-            <a:br/>
-            <a:r>
-              <a:t> To God be the glory</a:t>
-            </a:r>
-            <a:br/>
-          </a:p>
-        </p:txBody>
-      </p:sp>
-    </p:spTree>
-  </p:cSld>
-  <p:clrMapOvr>
-    <a:masterClrMapping/>
-  </p:clrMapOvr>
-</p:sld>
-</file>
-
-<file path=ppt/slides/slide53.xml><?xml version="1.0" encoding="utf-8"?>
-<p:sld xmlns:a="http://schemas.openxmlformats.org/drawingml/2006/main" xmlns:p="http://schemas.openxmlformats.org/presentationml/2006/main" xmlns:r="http://schemas.openxmlformats.org/officeDocument/2006/relationships">
-  <p:cSld>
-    <p:spTree>
-      <p:nvGrpSpPr>
-        <p:cNvPr id="1" name=""/>
-        <p:cNvGrpSpPr/>
-        <p:nvPr/>
-      </p:nvGrpSpPr>
-      <p:grpSpPr/>
-      <p:sp>
-        <p:nvSpPr>
-          <p:cNvPr id="2" name="TextBox 1"/>
-          <p:cNvSpPr txBox="1"/>
-          <p:nvPr/>
-        </p:nvSpPr>
-        <p:spPr>
-          <a:xfrm>
-            <a:off x="914400" y="457200"/>
-            <a:ext cx="7315200" cy="5486400"/>
-          </a:xfrm>
-          <a:prstGeom prst="rect">
-            <a:avLst/>
-          </a:prstGeom>
-          <a:noFill/>
-        </p:spPr>
-        <p:txBody>
-          <a:bodyPr wrap="none">
-            <a:spAutoFit/>
-          </a:bodyPr>
-          <a:lstStyle/>
-          <a:p/>
-          <a:p>
-            <a:pPr algn="ctr">
-              <a:lnSpc>
-                <a:spcPts val="7000"/>
-              </a:lnSpc>
-              <a:defRPr sz="4300">
-                <a:solidFill>
-                  <a:srgbClr val="000000"/>
-                </a:solidFill>
-              </a:defRPr>
-            </a:pPr>
-            <a:r>
-              <a:t>Christ is enough for me</a:t>
-            </a:r>
-            <a:br/>
-            <a:r>
-              <a:t> Christ is enough for me</a:t>
-            </a:r>
-            <a:br/>
-            <a:r>
-              <a:t> Everything I need is in You</a:t>
-            </a:r>
-            <a:br/>
-            <a:r>
-              <a:t> Everything I need</a:t>
-            </a:r>
-            <a:br/>
-          </a:p>
-        </p:txBody>
-      </p:sp>
-    </p:spTree>
-  </p:cSld>
-  <p:clrMapOvr>
-    <a:masterClrMapping/>
-  </p:clrMapOvr>
-</p:sld>
-</file>
-
-<file path=ppt/slides/slide54.xml><?xml version="1.0" encoding="utf-8"?>
-<p:sld xmlns:a="http://schemas.openxmlformats.org/drawingml/2006/main" xmlns:p="http://schemas.openxmlformats.org/presentationml/2006/main" xmlns:r="http://schemas.openxmlformats.org/officeDocument/2006/relationships">
-  <p:cSld>
-    <p:spTree>
-      <p:nvGrpSpPr>
-        <p:cNvPr id="1" name=""/>
-        <p:cNvGrpSpPr/>
-        <p:nvPr/>
-      </p:nvGrpSpPr>
-      <p:grpSpPr/>
-      <p:sp>
-        <p:nvSpPr>
-          <p:cNvPr id="2" name="TextBox 1"/>
-          <p:cNvSpPr txBox="1"/>
-          <p:nvPr/>
-        </p:nvSpPr>
-        <p:spPr>
-          <a:xfrm>
-            <a:off x="914400" y="457200"/>
-            <a:ext cx="7315200" cy="5486400"/>
-          </a:xfrm>
-          <a:prstGeom prst="rect">
-            <a:avLst/>
-          </a:prstGeom>
-          <a:noFill/>
-        </p:spPr>
-        <p:txBody>
-          <a:bodyPr wrap="none">
-            <a:spAutoFit/>
-          </a:bodyPr>
-          <a:lstStyle/>
-          <a:p/>
-          <a:p>
-            <a:pPr algn="ctr">
-              <a:lnSpc>
-                <a:spcPts val="7000"/>
-              </a:lnSpc>
-              <a:defRPr sz="4300">
-                <a:solidFill>
-                  <a:srgbClr val="000000"/>
-                </a:solidFill>
-              </a:defRPr>
-            </a:pPr>
-            <a:r>
-              <a:t>I have decided to follow Jesus</a:t>
-            </a:r>
-            <a:br/>
-            <a:r>
-              <a:t> No turning back. No turning back</a:t>
-            </a:r>
-            <a:br/>
-            <a:r>
-              <a:t> The cross before me</a:t>
-            </a:r>
-            <a:br/>
-            <a:r>
-              <a:t> The world behind me</a:t>
-            </a:r>
-            <a:br/>
-            <a:r>
-              <a:t> No turning back. No turning back</a:t>
-            </a:r>
-            <a:br/>
-          </a:p>
-        </p:txBody>
-      </p:sp>
-    </p:spTree>
-  </p:cSld>
-  <p:clrMapOvr>
-    <a:masterClrMapping/>
-  </p:clrMapOvr>
-</p:sld>
-</file>
-
-<file path=ppt/slides/slide55.xml><?xml version="1.0" encoding="utf-8"?>
-<p:sld xmlns:a="http://schemas.openxmlformats.org/drawingml/2006/main" xmlns:p="http://schemas.openxmlformats.org/presentationml/2006/main" xmlns:r="http://schemas.openxmlformats.org/officeDocument/2006/relationships">
-  <p:cSld>
-    <p:spTree>
-      <p:nvGrpSpPr>
-        <p:cNvPr id="1" name=""/>
-        <p:cNvGrpSpPr/>
-        <p:nvPr/>
-      </p:nvGrpSpPr>
-      <p:grpSpPr/>
-      <p:sp>
-        <p:nvSpPr>
-          <p:cNvPr id="2" name="Title 1"/>
-          <p:cNvSpPr>
-            <a:spLocks noGrp="1"/>
-          </p:cNvSpPr>
-          <p:nvPr>
-            <p:ph type="ctrTitle"/>
-          </p:nvPr>
-        </p:nvSpPr>
-        <p:spPr/>
-        <p:txBody>
-          <a:bodyPr/>
-          <a:lstStyle/>
-          <a:p>
-            <a:r>
-              <a:t>ไม่ว่าอยู่แห่งหนไหน</a:t>
-            </a:r>
-          </a:p>
-        </p:txBody>
-      </p:sp>
-      <p:sp>
-        <p:nvSpPr>
-          <p:cNvPr id="3" name="Subtitle 2"/>
-          <p:cNvSpPr>
-            <a:spLocks noGrp="1"/>
-          </p:cNvSpPr>
-          <p:nvPr>
-            <p:ph type="subTitle" idx="1"/>
-          </p:nvPr>
-        </p:nvSpPr>
-        <p:spPr/>
-        <p:txBody>
-          <a:bodyPr/>
-          <a:lstStyle/>
-          <a:p/>
-        </p:txBody>
-      </p:sp>
-    </p:spTree>
-  </p:cSld>
-  <p:clrMapOvr>
-    <a:masterClrMapping/>
-  </p:clrMapOvr>
-</p:sld>
-</file>
-
-<file path=ppt/slides/slide56.xml><?xml version="1.0" encoding="utf-8"?>
-<p:sld xmlns:a="http://schemas.openxmlformats.org/drawingml/2006/main" xmlns:p="http://schemas.openxmlformats.org/presentationml/2006/main" xmlns:r="http://schemas.openxmlformats.org/officeDocument/2006/relationships">
-  <p:cSld>
-    <p:spTree>
-      <p:nvGrpSpPr>
-        <p:cNvPr id="1" name=""/>
-        <p:cNvGrpSpPr/>
-        <p:nvPr/>
-      </p:nvGrpSpPr>
-      <p:grpSpPr/>
-      <p:sp>
-        <p:nvSpPr>
-          <p:cNvPr id="2" name="TextBox 1"/>
-          <p:cNvSpPr txBox="1"/>
-          <p:nvPr/>
-        </p:nvSpPr>
-        <p:spPr>
-          <a:xfrm>
-            <a:off x="914400" y="457200"/>
-            <a:ext cx="7315200" cy="5486400"/>
-          </a:xfrm>
-          <a:prstGeom prst="rect">
-            <a:avLst/>
-          </a:prstGeom>
-          <a:noFill/>
-        </p:spPr>
-        <p:txBody>
-          <a:bodyPr wrap="none">
-            <a:spAutoFit/>
-          </a:bodyPr>
-          <a:lstStyle/>
-          <a:p/>
-          <a:p>
-            <a:pPr algn="ctr">
-              <a:lnSpc>
-                <a:spcPts val="7000"/>
-              </a:lnSpc>
-              <a:defRPr sz="4300">
-                <a:solidFill>
-                  <a:srgbClr val="000000"/>
-                </a:solidFill>
-              </a:defRPr>
-            </a:pPr>
-            <a:r>
-              <a:t>เมื่อตาใจข้าได้เห็น</a:t>
-            </a:r>
-            <a:br/>
-            <a:r>
-              <a:t>พระวิญญาณของพระเจ้า</a:t>
-            </a:r>
-            <a:br/>
-            <a:r>
-              <a:t>ข้าได้พบสันติสุข</a:t>
-            </a:r>
-            <a:br/>
-            <a:r>
-              <a:t>ที่โอบล้อมรอบตัวข้าไว้</a:t>
-            </a:r>
-            <a:br/>
-            <a:r>
-              <a:t>ข้าสุขใจเหลือจะบรรยาย</a:t>
-            </a:r>
-          </a:p>
-        </p:txBody>
-      </p:sp>
-    </p:spTree>
-  </p:cSld>
-  <p:clrMapOvr>
-    <a:masterClrMapping/>
-  </p:clrMapOvr>
-</p:sld>
-</file>
-
-<file path=ppt/slides/slide57.xml><?xml version="1.0" encoding="utf-8"?>
-<p:sld xmlns:a="http://schemas.openxmlformats.org/drawingml/2006/main" xmlns:p="http://schemas.openxmlformats.org/presentationml/2006/main" xmlns:r="http://schemas.openxmlformats.org/officeDocument/2006/relationships">
-  <p:cSld>
-    <p:spTree>
-      <p:nvGrpSpPr>
-        <p:cNvPr id="1" name=""/>
-        <p:cNvGrpSpPr/>
-        <p:nvPr/>
-      </p:nvGrpSpPr>
-      <p:grpSpPr/>
-      <p:sp>
-        <p:nvSpPr>
-          <p:cNvPr id="2" name="TextBox 1"/>
-          <p:cNvSpPr txBox="1"/>
-          <p:nvPr/>
-        </p:nvSpPr>
-        <p:spPr>
-          <a:xfrm>
-            <a:off x="914400" y="457200"/>
-            <a:ext cx="7315200" cy="5486400"/>
-          </a:xfrm>
-          <a:prstGeom prst="rect">
-            <a:avLst/>
-          </a:prstGeom>
-          <a:noFill/>
-        </p:spPr>
-        <p:txBody>
-          <a:bodyPr wrap="none">
-            <a:spAutoFit/>
-          </a:bodyPr>
-          <a:lstStyle/>
-          <a:p/>
-          <a:p>
-            <a:pPr algn="ctr">
-              <a:lnSpc>
-                <a:spcPts val="7000"/>
-              </a:lnSpc>
-              <a:defRPr sz="4300">
-                <a:solidFill>
-                  <a:srgbClr val="000000"/>
-                </a:solidFill>
-              </a:defRPr>
-            </a:pPr>
-            <a:r>
-              <a:t>ไม่ว่าอยู่แห่งหนไหน</a:t>
-            </a:r>
-            <a:br/>
-            <a:r>
-              <a:t>ข้าจะนมัสการ และไม่ว่าเป็นเช่นใด</a:t>
-            </a:r>
-            <a:br/>
-            <a:r>
-              <a:t>ข้าจะนมัสการ ไม่ว่าอยู่แห่งหนไหน</a:t>
-            </a:r>
-            <a:br/>
-            <a:r>
-              <a:t>ข้าจะนมัสการ และไม่ว่าเป็นเช่นใด</a:t>
-            </a:r>
-            <a:br/>
-            <a:r>
-              <a:t>ก็จะนมัสการ</a:t>
-            </a:r>
-          </a:p>
-        </p:txBody>
-      </p:sp>
-    </p:spTree>
-  </p:cSld>
-  <p:clrMapOvr>
-    <a:masterClrMapping/>
-  </p:clrMapOvr>
-</p:sld>
-</file>
-
-<file path=ppt/slides/slide58.xml><?xml version="1.0" encoding="utf-8"?>
-<p:sld xmlns:a="http://schemas.openxmlformats.org/drawingml/2006/main" xmlns:p="http://schemas.openxmlformats.org/presentationml/2006/main" xmlns:r="http://schemas.openxmlformats.org/officeDocument/2006/relationships">
-  <p:cSld>
-    <p:spTree>
-      <p:nvGrpSpPr>
-        <p:cNvPr id="1" name=""/>
-        <p:cNvGrpSpPr/>
-        <p:nvPr/>
-      </p:nvGrpSpPr>
-      <p:grpSpPr/>
-      <p:sp>
-        <p:nvSpPr>
-          <p:cNvPr id="2" name="TextBox 1"/>
-          <p:cNvSpPr txBox="1"/>
-          <p:nvPr/>
-        </p:nvSpPr>
-        <p:spPr>
-          <a:xfrm>
-            <a:off x="914400" y="457200"/>
-            <a:ext cx="7315200" cy="5486400"/>
-          </a:xfrm>
-          <a:prstGeom prst="rect">
-            <a:avLst/>
-          </a:prstGeom>
-          <a:noFill/>
-        </p:spPr>
-        <p:txBody>
-          <a:bodyPr wrap="none">
-            <a:spAutoFit/>
-          </a:bodyPr>
-          <a:lstStyle/>
-          <a:p/>
-          <a:p>
-            <a:pPr algn="ctr">
-              <a:lnSpc>
-                <a:spcPts val="7000"/>
-              </a:lnSpc>
-              <a:defRPr sz="4300">
-                <a:solidFill>
-                  <a:srgbClr val="000000"/>
-                </a:solidFill>
-              </a:defRPr>
-            </a:pPr>
-            <a:r>
-              <a:t>ข้าได้เห็นแสงสว่าง</a:t>
-            </a:r>
-            <a:br/>
-            <a:r>
-              <a:t>แห่งความจริงและความรัก</a:t>
-            </a:r>
-            <a:br/>
-            <a:r>
-              <a:t>ข้าได้พบสันติสุข</a:t>
-            </a:r>
-            <a:br/>
-            <a:r>
-              <a:t>ที่โอบล้อมรอบตัวข้าไว้</a:t>
-            </a:r>
-            <a:br/>
-            <a:r>
-              <a:t>อยู่ในความรักของพระองค์</a:t>
-            </a:r>
-          </a:p>
-        </p:txBody>
-      </p:sp>
-    </p:spTree>
-  </p:cSld>
-  <p:clrMapOvr>
-    <a:masterClrMapping/>
-  </p:clrMapOvr>
-</p:sld>
-</file>
-
-<file path=ppt/slides/slide59.xml><?xml version="1.0" encoding="utf-8"?>
-<p:sld xmlns:a="http://schemas.openxmlformats.org/drawingml/2006/main" xmlns:p="http://schemas.openxmlformats.org/presentationml/2006/main" xmlns:r="http://schemas.openxmlformats.org/officeDocument/2006/relationships">
-  <p:cSld>
-    <p:spTree>
-      <p:nvGrpSpPr>
-        <p:cNvPr id="1" name=""/>
-        <p:cNvGrpSpPr/>
-        <p:nvPr/>
-      </p:nvGrpSpPr>
-      <p:grpSpPr/>
-      <p:sp>
-        <p:nvSpPr>
-          <p:cNvPr id="2" name="TextBox 1"/>
-          <p:cNvSpPr txBox="1"/>
-          <p:nvPr/>
-        </p:nvSpPr>
-        <p:spPr>
-          <a:xfrm>
-            <a:off x="914400" y="457200"/>
-            <a:ext cx="7315200" cy="5486400"/>
-          </a:xfrm>
-          <a:prstGeom prst="rect">
-            <a:avLst/>
-          </a:prstGeom>
-          <a:noFill/>
-        </p:spPr>
-        <p:txBody>
-          <a:bodyPr wrap="none">
-            <a:spAutoFit/>
-          </a:bodyPr>
-          <a:lstStyle/>
-          <a:p/>
-          <a:p>
-            <a:pPr algn="ctr">
-              <a:lnSpc>
-                <a:spcPts val="7000"/>
-              </a:lnSpc>
-              <a:defRPr sz="4300">
-                <a:solidFill>
-                  <a:srgbClr val="000000"/>
-                </a:solidFill>
-              </a:defRPr>
-            </a:pPr>
-            <a:r>
-              <a:t>และในทุกเส้นทาง ที่ก้าวและเดินไป</a:t>
-            </a:r>
-            <a:br/>
-            <a:r>
-              <a:t>ให้ทุกวันเวลาในชีวิต</a:t>
-            </a:r>
-            <a:br/>
-            <a:r>
-              <a:t>นมัสการพระองค์เรื่อยไป</a:t>
-            </a:r>
-            <a:br/>
-            <a:r>
-              <a:t>และในทุกเส้นทาง ที่ก้าวและเดินไป</a:t>
-            </a:r>
-            <a:br/>
-            <a:r>
-              <a:t>ให้ทุกวันเวลาในชีวิต</a:t>
-            </a:r>
-            <a:br/>
-            <a:r>
-              <a:t>นมัสการพระองค์นิรันดร์</a:t>
-            </a:r>
           </a:p>
         </p:txBody>
       </p:sp>
@@ -7066,8 +3602,8 @@
         </p:nvSpPr>
         <p:spPr>
           <a:xfrm>
-            <a:off x="914400" y="457200"/>
-            <a:ext cx="7315200" cy="5486400"/>
+            <a:off x="685800" y="228600"/>
+            <a:ext cx="7772400" cy="2971800"/>
           </a:xfrm>
           <a:prstGeom prst="rect">
             <a:avLst/>
@@ -7083,28 +3619,67 @@
           <a:p>
             <a:pPr algn="ctr">
               <a:lnSpc>
-                <a:spcPts val="7000"/>
+                <a:spcPts val="4800"/>
               </a:lnSpc>
-              <a:defRPr sz="4300">
+              <a:defRPr sz="4000">
                 <a:solidFill>
                   <a:srgbClr val="000000"/>
                 </a:solidFill>
               </a:defRPr>
             </a:pPr>
             <a:r>
-              <a:t>Holy, righteous</a:t>
+              <a:t>ฉันเห็นเปลวไฟการฟื้นฟู</a:t>
             </a:r>
             <a:br/>
             <a:r>
-              <a:t> Faithful till the end</a:t>
+              <a:t>เคลื่อนเข้ามาเมื่อเราร้องทูล</a:t>
             </a:r>
             <a:br/>
             <a:r>
-              <a:t> Savior, Healer</a:t>
+              <a:t>และทุกหัวเข่า ร่ำร้องวิงวอน</a:t>
+            </a:r>
+          </a:p>
+        </p:txBody>
+      </p:sp>
+      <p:sp>
+        <p:nvSpPr>
+          <p:cNvPr id="3" name="TextBox 2"/>
+          <p:cNvSpPr txBox="1"/>
+          <p:nvPr/>
+        </p:nvSpPr>
+        <p:spPr>
+          <a:xfrm>
+            <a:off x="685800" y="3657600"/>
+            <a:ext cx="7772400" cy="2971800"/>
+          </a:xfrm>
+          <a:prstGeom prst="rect">
+            <a:avLst/>
+          </a:prstGeom>
+          <a:noFill/>
+        </p:spPr>
+        <p:txBody>
+          <a:bodyPr wrap="none">
+            <a:spAutoFit/>
+          </a:bodyPr>
+          <a:lstStyle/>
+          <a:p/>
+          <a:p>
+            <a:pPr algn="ctr">
+              <a:lnSpc>
+                <a:spcPts val="4800"/>
+              </a:lnSpc>
+              <a:defRPr sz="3500">
+                <a:solidFill>
+                  <a:srgbClr val="3A70BC"/>
+                </a:solidFill>
+              </a:defRPr>
+            </a:pPr>
+            <a:r>
+              <a:t>I see a near revival. Stirring as we pray and seek</a:t>
             </a:r>
             <a:br/>
             <a:r>
-              <a:t> Redeemer and Friend</a:t>
+              <a:t> We're on our knees. We're on our knees</a:t>
             </a:r>
             <a:br/>
           </a:p>
@@ -7136,8 +3711,8 @@
         </p:nvSpPr>
         <p:spPr>
           <a:xfrm>
-            <a:off x="914400" y="457200"/>
-            <a:ext cx="7315200" cy="5486400"/>
+            <a:off x="685800" y="228600"/>
+            <a:ext cx="7772400" cy="2971800"/>
           </a:xfrm>
           <a:prstGeom prst="rect">
             <a:avLst/>
@@ -7153,29 +3728,69 @@
           <a:p>
             <a:pPr algn="ctr">
               <a:lnSpc>
-                <a:spcPts val="7000"/>
+                <a:spcPts val="4800"/>
               </a:lnSpc>
-              <a:defRPr sz="4300">
+              <a:defRPr sz="4000">
                 <a:solidFill>
                   <a:srgbClr val="000000"/>
                 </a:solidFill>
               </a:defRPr>
             </a:pPr>
             <a:r>
-              <a:t>I will worship You for who You are</a:t>
+              <a:t>โฮซันนา โฮซันนา โฮซันนา</a:t>
             </a:r>
             <a:br/>
             <a:r>
-              <a:t> I will worship You for who You are</a:t>
+              <a:t>แด่ผู้สูงสุด โฮซันนา</a:t>
             </a:r>
             <a:br/>
             <a:r>
-              <a:t> I will worship You for who You are</a:t>
+              <a:t>โฮซันนา โฮซันนา แด่ผู้สูงสุด</a:t>
+            </a:r>
+          </a:p>
+        </p:txBody>
+      </p:sp>
+      <p:sp>
+        <p:nvSpPr>
+          <p:cNvPr id="3" name="TextBox 2"/>
+          <p:cNvSpPr txBox="1"/>
+          <p:nvPr/>
+        </p:nvSpPr>
+        <p:spPr>
+          <a:xfrm>
+            <a:off x="685800" y="3657600"/>
+            <a:ext cx="7772400" cy="2971800"/>
+          </a:xfrm>
+          <a:prstGeom prst="rect">
+            <a:avLst/>
+          </a:prstGeom>
+          <a:noFill/>
+        </p:spPr>
+        <p:txBody>
+          <a:bodyPr wrap="none">
+            <a:spAutoFit/>
+          </a:bodyPr>
+          <a:lstStyle/>
+          <a:p/>
+          <a:p>
+            <a:pPr algn="ctr">
+              <a:lnSpc>
+                <a:spcPts val="4800"/>
+              </a:lnSpc>
+              <a:defRPr sz="3500">
+                <a:solidFill>
+                  <a:srgbClr val="3A70BC"/>
+                </a:solidFill>
+              </a:defRPr>
+            </a:pPr>
+            <a:r>
+              <a:t>Hosanna Hosanna</a:t>
             </a:r>
             <a:br/>
             <a:r>
-              <a:t> Jesus.</a:t>
-            </a:r>
+              <a:t> Hosanna in the Highest</a:t>
+            </a:r>
+            <a:br/>
           </a:p>
         </p:txBody>
       </p:sp>
@@ -7205,8 +3820,8 @@
         </p:nvSpPr>
         <p:spPr>
           <a:xfrm>
-            <a:off x="914400" y="457200"/>
-            <a:ext cx="7315200" cy="5486400"/>
+            <a:off x="685800" y="228600"/>
+            <a:ext cx="7772400" cy="2971800"/>
           </a:xfrm>
           <a:prstGeom prst="rect">
             <a:avLst/>
@@ -7222,81 +3837,67 @@
           <a:p>
             <a:pPr algn="ctr">
               <a:lnSpc>
-                <a:spcPts val="7000"/>
+                <a:spcPts val="4800"/>
               </a:lnSpc>
-              <a:defRPr sz="4300">
+              <a:defRPr sz="4000">
                 <a:solidFill>
                   <a:srgbClr val="000000"/>
                 </a:solidFill>
               </a:defRPr>
             </a:pPr>
             <a:r>
-              <a:t>My soul secure</a:t>
+              <a:t>ขอพระองค์ชำระหัวใจ ให้ดวงตาฉันเห็น สิ่งที่ยังซ่อนอยู่</a:t>
             </a:r>
             <a:br/>
             <a:r>
-              <a:t> Your promise sure</a:t>
+              <a:t>ขอให้ฉันได้มีความรัก เหมือนพระองค์ ขอพระองค์ละลายหัวใจ</a:t>
             </a:r>
             <a:br/>
             <a:r>
-              <a:t> Your love endures always</a:t>
+              <a:t>มอบชีวิตถวาย อยู่ในน้ำพระทัย ทุกวันคืนที่ฉันเดินไป</a:t>
             </a:r>
             <a:br/>
-          </a:p>
-        </p:txBody>
-      </p:sp>
-    </p:spTree>
-  </p:cSld>
-  <p:clrMapOvr>
-    <a:masterClrMapping/>
-  </p:clrMapOvr>
-</p:sld>
-</file>
-
-<file path=ppt/slides/slide9.xml><?xml version="1.0" encoding="utf-8"?>
-<p:sld xmlns:a="http://schemas.openxmlformats.org/drawingml/2006/main" xmlns:p="http://schemas.openxmlformats.org/presentationml/2006/main" xmlns:r="http://schemas.openxmlformats.org/officeDocument/2006/relationships">
-  <p:cSld>
-    <p:spTree>
-      <p:nvGrpSpPr>
-        <p:cNvPr id="1" name=""/>
-        <p:cNvGrpSpPr/>
-        <p:nvPr/>
-      </p:nvGrpSpPr>
-      <p:grpSpPr/>
-      <p:sp>
-        <p:nvSpPr>
-          <p:cNvPr id="2" name="Title 1"/>
-          <p:cNvSpPr>
-            <a:spLocks noGrp="1"/>
-          </p:cNvSpPr>
-          <p:nvPr>
-            <p:ph type="ctrTitle"/>
-          </p:nvPr>
-        </p:nvSpPr>
-        <p:spPr/>
-        <p:txBody>
-          <a:bodyPr/>
+            <a:r>
+              <a:t>สู่นิจนิรันดร์</a:t>
+            </a:r>
+          </a:p>
+        </p:txBody>
+      </p:sp>
+      <p:sp>
+        <p:nvSpPr>
+          <p:cNvPr id="3" name="TextBox 2"/>
+          <p:cNvSpPr txBox="1"/>
+          <p:nvPr/>
+        </p:nvSpPr>
+        <p:spPr>
+          <a:xfrm>
+            <a:off x="685800" y="3657600"/>
+            <a:ext cx="7772400" cy="2971800"/>
+          </a:xfrm>
+          <a:prstGeom prst="rect">
+            <a:avLst/>
+          </a:prstGeom>
+          <a:noFill/>
+        </p:spPr>
+        <p:txBody>
+          <a:bodyPr wrap="square">
+            <a:spAutoFit/>
+          </a:bodyPr>
           <a:lstStyle/>
           <a:p/>
-        </p:txBody>
-      </p:sp>
-      <p:sp>
-        <p:nvSpPr>
-          <p:cNvPr id="3" name="Subtitle 2"/>
-          <p:cNvSpPr>
-            <a:spLocks noGrp="1"/>
-          </p:cNvSpPr>
-          <p:nvPr>
-            <p:ph type="subTitle" idx="1"/>
-          </p:nvPr>
-        </p:nvSpPr>
-        <p:spPr/>
-        <p:txBody>
-          <a:bodyPr/>
-          <a:lstStyle/>
-          <a:p>
-            <a:r>
-              <a:t>Anthem Of Grace</a:t>
+          <a:p>
+            <a:pPr algn="ctr">
+              <a:lnSpc>
+                <a:spcPts val="4800"/>
+              </a:lnSpc>
+              <a:defRPr sz="3500">
+                <a:solidFill>
+                  <a:srgbClr val="3A70BC"/>
+                </a:solidFill>
+              </a:defRPr>
+            </a:pPr>
+            <a:r>
+              <a:t>Heal my heart and make it clean. Open up my eyes to the things unseen. Show me how to love like you have loved me. Break my heart for what breaks yours. Everything I am for your Kingdom's cause. As I walk from Earth into Eternity.</a:t>
             </a:r>
           </a:p>
         </p:txBody>

--- a/finishedppt/WorshipSongs.pptx
+++ b/finishedppt/WorshipSongs.pptx
@@ -13,6 +13,25 @@
     <p:sldId id="261" r:id="rId12"/>
     <p:sldId id="262" r:id="rId13"/>
     <p:sldId id="263" r:id="rId14"/>
+    <p:sldId id="264" r:id="rId15"/>
+    <p:sldId id="265" r:id="rId16"/>
+    <p:sldId id="266" r:id="rId17"/>
+    <p:sldId id="267" r:id="rId18"/>
+    <p:sldId id="268" r:id="rId19"/>
+    <p:sldId id="269" r:id="rId20"/>
+    <p:sldId id="270" r:id="rId21"/>
+    <p:sldId id="271" r:id="rId22"/>
+    <p:sldId id="272" r:id="rId23"/>
+    <p:sldId id="273" r:id="rId24"/>
+    <p:sldId id="274" r:id="rId25"/>
+    <p:sldId id="275" r:id="rId26"/>
+    <p:sldId id="276" r:id="rId27"/>
+    <p:sldId id="277" r:id="rId28"/>
+    <p:sldId id="278" r:id="rId29"/>
+    <p:sldId id="279" r:id="rId30"/>
+    <p:sldId id="280" r:id="rId31"/>
+    <p:sldId id="281" r:id="rId32"/>
+    <p:sldId id="282" r:id="rId33"/>
   </p:sldIdLst>
   <p:sldSz cx="9144000" cy="6858000" type="screen4x3"/>
   <p:notesSz cx="6858000" cy="9144000"/>
@@ -3111,7 +3130,7 @@
           <a:lstStyle/>
           <a:p>
             <a:r>
-              <a:t>โฮซันนา</a:t>
+              <a:t>เพราะพระองค์ทรงอยู่</a:t>
             </a:r>
           </a:p>
         </p:txBody>
@@ -3132,7 +3151,884 @@
           <a:lstStyle/>
           <a:p>
             <a:r>
-              <a:t>Hosanna</a:t>
+              <a:t>Because He Lives</a:t>
+            </a:r>
+          </a:p>
+        </p:txBody>
+      </p:sp>
+    </p:spTree>
+  </p:cSld>
+  <p:clrMapOvr>
+    <a:masterClrMapping/>
+  </p:clrMapOvr>
+</p:sld>
+</file>
+
+<file path=ppt/slides/slide10.xml><?xml version="1.0" encoding="utf-8"?>
+<p:sld xmlns:a="http://schemas.openxmlformats.org/drawingml/2006/main" xmlns:p="http://schemas.openxmlformats.org/presentationml/2006/main" xmlns:r="http://schemas.openxmlformats.org/officeDocument/2006/relationships">
+  <p:cSld>
+    <p:spTree>
+      <p:nvGrpSpPr>
+        <p:cNvPr id="1" name=""/>
+        <p:cNvGrpSpPr/>
+        <p:nvPr/>
+      </p:nvGrpSpPr>
+      <p:grpSpPr/>
+      <p:sp>
+        <p:nvSpPr>
+          <p:cNvPr id="2" name="TextBox 1"/>
+          <p:cNvSpPr txBox="1"/>
+          <p:nvPr/>
+        </p:nvSpPr>
+        <p:spPr>
+          <a:xfrm>
+            <a:off x="685800" y="228600"/>
+            <a:ext cx="7772400" cy="2971800"/>
+          </a:xfrm>
+          <a:prstGeom prst="rect">
+            <a:avLst/>
+          </a:prstGeom>
+          <a:noFill/>
+        </p:spPr>
+        <p:txBody>
+          <a:bodyPr wrap="square">
+            <a:spAutoFit/>
+          </a:bodyPr>
+          <a:lstStyle/>
+          <a:p/>
+          <a:p>
+            <a:pPr algn="ctr">
+              <a:lnSpc>
+                <a:spcPts val="4800"/>
+              </a:lnSpc>
+              <a:defRPr sz="4200">
+                <a:solidFill>
+                  <a:srgbClr val="000000"/>
+                </a:solidFill>
+              </a:defRPr>
+            </a:pPr>
+            <a:r>
+              <a:t>แสงพระเยซู ส่องดินแดนด้วยพระสิริพระบิดา ขอพระวิญญาณเจิมใจเราด้วยไฟ ไหลดั่งแม่น้ำท่วมวิญญาณเหล่าประชา ด้วยพระคุณ และทรงการุณย์พระคำเป็นความสว่าง</a:t>
+            </a:r>
+          </a:p>
+        </p:txBody>
+      </p:sp>
+      <p:sp>
+        <p:nvSpPr>
+          <p:cNvPr id="3" name="TextBox 2"/>
+          <p:cNvSpPr txBox="1"/>
+          <p:nvPr/>
+        </p:nvSpPr>
+        <p:spPr>
+          <a:xfrm>
+            <a:off x="685800" y="3657600"/>
+            <a:ext cx="7772400" cy="2971800"/>
+          </a:xfrm>
+          <a:prstGeom prst="rect">
+            <a:avLst/>
+          </a:prstGeom>
+          <a:noFill/>
+        </p:spPr>
+        <p:txBody>
+          <a:bodyPr wrap="square">
+            <a:spAutoFit/>
+          </a:bodyPr>
+          <a:lstStyle/>
+          <a:p/>
+          <a:p>
+            <a:pPr algn="ctr">
+              <a:lnSpc>
+                <a:spcPts val="4800"/>
+              </a:lnSpc>
+              <a:defRPr sz="4000">
+                <a:solidFill>
+                  <a:srgbClr val="3A70BC"/>
+                </a:solidFill>
+              </a:defRPr>
+            </a:pPr>
+            <a:r>
+              <a:t>Shine, Jesus shine, Fill this land with the Father's glory. Blaze, Spirit blaze, Set our hearts on fire. Flow, river flow, Flood the nations with grace and mercy. Send forth Your word, Lord and let there be light.</a:t>
+            </a:r>
+          </a:p>
+        </p:txBody>
+      </p:sp>
+    </p:spTree>
+  </p:cSld>
+  <p:clrMapOvr>
+    <a:masterClrMapping/>
+  </p:clrMapOvr>
+</p:sld>
+</file>
+
+<file path=ppt/slides/slide11.xml><?xml version="1.0" encoding="utf-8"?>
+<p:sld xmlns:a="http://schemas.openxmlformats.org/drawingml/2006/main" xmlns:p="http://schemas.openxmlformats.org/presentationml/2006/main" xmlns:r="http://schemas.openxmlformats.org/officeDocument/2006/relationships">
+  <p:cSld>
+    <p:spTree>
+      <p:nvGrpSpPr>
+        <p:cNvPr id="1" name=""/>
+        <p:cNvGrpSpPr/>
+        <p:nvPr/>
+      </p:nvGrpSpPr>
+      <p:grpSpPr/>
+      <p:sp>
+        <p:nvSpPr>
+          <p:cNvPr id="2" name="TextBox 1"/>
+          <p:cNvSpPr txBox="1"/>
+          <p:nvPr/>
+        </p:nvSpPr>
+        <p:spPr>
+          <a:xfrm>
+            <a:off x="685800" y="228600"/>
+            <a:ext cx="7772400" cy="2971800"/>
+          </a:xfrm>
+          <a:prstGeom prst="rect">
+            <a:avLst/>
+          </a:prstGeom>
+          <a:noFill/>
+        </p:spPr>
+        <p:txBody>
+          <a:bodyPr wrap="square">
+            <a:spAutoFit/>
+          </a:bodyPr>
+          <a:lstStyle/>
+          <a:p/>
+          <a:p>
+            <a:pPr algn="ctr">
+              <a:lnSpc>
+                <a:spcPts val="4800"/>
+              </a:lnSpc>
+              <a:defRPr sz="4200">
+                <a:solidFill>
+                  <a:srgbClr val="000000"/>
+                </a:solidFill>
+              </a:defRPr>
+            </a:pPr>
+            <a:r>
+              <a:t>เราเข้าเฝ้าที่ประทับองค์พระเจ้า สู่แสงแห่งรัศมีของพระองค์ โดยโลหิตแห่งพระคริสต์ชีวิตสดใส ส่องจิตใจเราเป็นไท พ้นความมืดมน ส่องยังพวกเรา ส่องยังพวกเรา</a:t>
+            </a:r>
+          </a:p>
+        </p:txBody>
+      </p:sp>
+      <p:sp>
+        <p:nvSpPr>
+          <p:cNvPr id="3" name="TextBox 2"/>
+          <p:cNvSpPr txBox="1"/>
+          <p:nvPr/>
+        </p:nvSpPr>
+        <p:spPr>
+          <a:xfrm>
+            <a:off x="685800" y="3657600"/>
+            <a:ext cx="7772400" cy="2971800"/>
+          </a:xfrm>
+          <a:prstGeom prst="rect">
+            <a:avLst/>
+          </a:prstGeom>
+          <a:noFill/>
+        </p:spPr>
+        <p:txBody>
+          <a:bodyPr wrap="square">
+            <a:spAutoFit/>
+          </a:bodyPr>
+          <a:lstStyle/>
+          <a:p/>
+          <a:p>
+            <a:pPr algn="ctr">
+              <a:lnSpc>
+                <a:spcPts val="4800"/>
+              </a:lnSpc>
+              <a:defRPr sz="4000">
+                <a:solidFill>
+                  <a:srgbClr val="3A70BC"/>
+                </a:solidFill>
+              </a:defRPr>
+            </a:pPr>
+            <a:r>
+              <a:t>Lord I come to Your awesome presence, From the shadows into Your radiance. By the blood I may enter Your brightness, Search me, try me, consume all my darkness. Shine on me. Shine on me.</a:t>
+            </a:r>
+          </a:p>
+        </p:txBody>
+      </p:sp>
+    </p:spTree>
+  </p:cSld>
+  <p:clrMapOvr>
+    <a:masterClrMapping/>
+  </p:clrMapOvr>
+</p:sld>
+</file>
+
+<file path=ppt/slides/slide12.xml><?xml version="1.0" encoding="utf-8"?>
+<p:sld xmlns:a="http://schemas.openxmlformats.org/drawingml/2006/main" xmlns:p="http://schemas.openxmlformats.org/presentationml/2006/main" xmlns:r="http://schemas.openxmlformats.org/officeDocument/2006/relationships">
+  <p:cSld>
+    <p:spTree>
+      <p:nvGrpSpPr>
+        <p:cNvPr id="1" name=""/>
+        <p:cNvGrpSpPr/>
+        <p:nvPr/>
+      </p:nvGrpSpPr>
+      <p:grpSpPr/>
+      <p:sp>
+        <p:nvSpPr>
+          <p:cNvPr id="2" name="TextBox 1"/>
+          <p:cNvSpPr txBox="1"/>
+          <p:nvPr/>
+        </p:nvSpPr>
+        <p:spPr>
+          <a:xfrm>
+            <a:off x="685800" y="228600"/>
+            <a:ext cx="7772400" cy="2971800"/>
+          </a:xfrm>
+          <a:prstGeom prst="rect">
+            <a:avLst/>
+          </a:prstGeom>
+          <a:noFill/>
+        </p:spPr>
+        <p:txBody>
+          <a:bodyPr wrap="square">
+            <a:spAutoFit/>
+          </a:bodyPr>
+          <a:lstStyle/>
+          <a:p/>
+          <a:p>
+            <a:pPr algn="ctr">
+              <a:lnSpc>
+                <a:spcPts val="4800"/>
+              </a:lnSpc>
+              <a:defRPr sz="4200">
+                <a:solidFill>
+                  <a:srgbClr val="000000"/>
+                </a:solidFill>
+              </a:defRPr>
+            </a:pPr>
+            <a:r>
+              <a:t>แสงพระเยซู ส่องดินแดนด้วยพระสิริพระบิดา ขอพระวิญญาณเจิมใจเราด้วยไฟ ไหลดั่งแม่น้ำท่วมวิญญาณเหล่าประชา ด้วยพระคุณ และทรงการุณย์พระคำเป็นความสว่าง</a:t>
+            </a:r>
+          </a:p>
+        </p:txBody>
+      </p:sp>
+      <p:sp>
+        <p:nvSpPr>
+          <p:cNvPr id="3" name="TextBox 2"/>
+          <p:cNvSpPr txBox="1"/>
+          <p:nvPr/>
+        </p:nvSpPr>
+        <p:spPr>
+          <a:xfrm>
+            <a:off x="685800" y="3657600"/>
+            <a:ext cx="7772400" cy="2971800"/>
+          </a:xfrm>
+          <a:prstGeom prst="rect">
+            <a:avLst/>
+          </a:prstGeom>
+          <a:noFill/>
+        </p:spPr>
+        <p:txBody>
+          <a:bodyPr wrap="square">
+            <a:spAutoFit/>
+          </a:bodyPr>
+          <a:lstStyle/>
+          <a:p/>
+          <a:p>
+            <a:pPr algn="ctr">
+              <a:lnSpc>
+                <a:spcPts val="4800"/>
+              </a:lnSpc>
+              <a:defRPr sz="4000">
+                <a:solidFill>
+                  <a:srgbClr val="3A70BC"/>
+                </a:solidFill>
+              </a:defRPr>
+            </a:pPr>
+            <a:r>
+              <a:t>Shine, Jesus shine, Fill this land with the Father's glory. Blaze, Spirit blaze, Set our hearts on fire. Flow, river flow, Flood the nations with grace and mercy. Send forth Your word, Lord and let there be light.</a:t>
+            </a:r>
+          </a:p>
+        </p:txBody>
+      </p:sp>
+    </p:spTree>
+  </p:cSld>
+  <p:clrMapOvr>
+    <a:masterClrMapping/>
+  </p:clrMapOvr>
+</p:sld>
+</file>
+
+<file path=ppt/slides/slide13.xml><?xml version="1.0" encoding="utf-8"?>
+<p:sld xmlns:a="http://schemas.openxmlformats.org/drawingml/2006/main" xmlns:p="http://schemas.openxmlformats.org/presentationml/2006/main" xmlns:r="http://schemas.openxmlformats.org/officeDocument/2006/relationships">
+  <p:cSld>
+    <p:spTree>
+      <p:nvGrpSpPr>
+        <p:cNvPr id="1" name=""/>
+        <p:cNvGrpSpPr/>
+        <p:nvPr/>
+      </p:nvGrpSpPr>
+      <p:grpSpPr/>
+      <p:sp>
+        <p:nvSpPr>
+          <p:cNvPr id="2" name="TextBox 1"/>
+          <p:cNvSpPr txBox="1"/>
+          <p:nvPr/>
+        </p:nvSpPr>
+        <p:spPr>
+          <a:xfrm>
+            <a:off x="685800" y="228600"/>
+            <a:ext cx="7772400" cy="2971800"/>
+          </a:xfrm>
+          <a:prstGeom prst="rect">
+            <a:avLst/>
+          </a:prstGeom>
+          <a:noFill/>
+        </p:spPr>
+        <p:txBody>
+          <a:bodyPr wrap="square">
+            <a:spAutoFit/>
+          </a:bodyPr>
+          <a:lstStyle/>
+          <a:p/>
+          <a:p>
+            <a:pPr algn="ctr">
+              <a:lnSpc>
+                <a:spcPts val="4800"/>
+              </a:lnSpc>
+              <a:defRPr sz="4200">
+                <a:solidFill>
+                  <a:srgbClr val="000000"/>
+                </a:solidFill>
+              </a:defRPr>
+            </a:pPr>
+            <a:r>
+              <a:t>เมื่อมองดูพักตร์พระเจ้าบรรเจิดจ้า บนใบหน้าเราจะเหมือนดังพระองค์ ขอเปลี่ยนแปลง และนำเราสู่พระสิริ เพื่อชีวิตจะสะท้อน ให้เห็นพระองค์ ส่องยังพวกเรา ส่องยังพวกเรา</a:t>
+            </a:r>
+          </a:p>
+        </p:txBody>
+      </p:sp>
+      <p:sp>
+        <p:nvSpPr>
+          <p:cNvPr id="3" name="TextBox 2"/>
+          <p:cNvSpPr txBox="1"/>
+          <p:nvPr/>
+        </p:nvSpPr>
+        <p:spPr>
+          <a:xfrm>
+            <a:off x="685800" y="3657600"/>
+            <a:ext cx="7772400" cy="2971800"/>
+          </a:xfrm>
+          <a:prstGeom prst="rect">
+            <a:avLst/>
+          </a:prstGeom>
+          <a:noFill/>
+        </p:spPr>
+        <p:txBody>
+          <a:bodyPr wrap="square">
+            <a:spAutoFit/>
+          </a:bodyPr>
+          <a:lstStyle/>
+          <a:p/>
+          <a:p>
+            <a:pPr algn="ctr">
+              <a:lnSpc>
+                <a:spcPts val="4800"/>
+              </a:lnSpc>
+              <a:defRPr sz="4000">
+                <a:solidFill>
+                  <a:srgbClr val="3A70BC"/>
+                </a:solidFill>
+              </a:defRPr>
+            </a:pPr>
+            <a:r>
+              <a:t>As we gaze on Your kindly brightness. So our faces display Your likeness. Ever changing from glory to glory, Mirrored here may our lives tell Your story. Shine on me. Shine on me.</a:t>
+            </a:r>
+          </a:p>
+        </p:txBody>
+      </p:sp>
+    </p:spTree>
+  </p:cSld>
+  <p:clrMapOvr>
+    <a:masterClrMapping/>
+  </p:clrMapOvr>
+</p:sld>
+</file>
+
+<file path=ppt/slides/slide14.xml><?xml version="1.0" encoding="utf-8"?>
+<p:sld xmlns:a="http://schemas.openxmlformats.org/drawingml/2006/main" xmlns:p="http://schemas.openxmlformats.org/presentationml/2006/main" xmlns:r="http://schemas.openxmlformats.org/officeDocument/2006/relationships">
+  <p:cSld>
+    <p:spTree>
+      <p:nvGrpSpPr>
+        <p:cNvPr id="1" name=""/>
+        <p:cNvGrpSpPr/>
+        <p:nvPr/>
+      </p:nvGrpSpPr>
+      <p:grpSpPr/>
+      <p:sp>
+        <p:nvSpPr>
+          <p:cNvPr id="2" name="TextBox 1"/>
+          <p:cNvSpPr txBox="1"/>
+          <p:nvPr/>
+        </p:nvSpPr>
+        <p:spPr>
+          <a:xfrm>
+            <a:off x="685800" y="228600"/>
+            <a:ext cx="7772400" cy="2971800"/>
+          </a:xfrm>
+          <a:prstGeom prst="rect">
+            <a:avLst/>
+          </a:prstGeom>
+          <a:noFill/>
+        </p:spPr>
+        <p:txBody>
+          <a:bodyPr wrap="square">
+            <a:spAutoFit/>
+          </a:bodyPr>
+          <a:lstStyle/>
+          <a:p/>
+          <a:p>
+            <a:pPr algn="ctr">
+              <a:lnSpc>
+                <a:spcPts val="4800"/>
+              </a:lnSpc>
+              <a:defRPr sz="4200">
+                <a:solidFill>
+                  <a:srgbClr val="000000"/>
+                </a:solidFill>
+              </a:defRPr>
+            </a:pPr>
+            <a:r>
+              <a:t>แสงพระเยซู ส่องดินแดนด้วยพระสิริพระบิดา ขอพระวิญญาณเจิมใจเราด้วยไฟ ไหลดั่งแม่น้ำท่วมวิญญาณเหล่าประชา ด้วยพระคุณ และทรงการุณย์พระคำเป็นความสว่าง</a:t>
+            </a:r>
+          </a:p>
+        </p:txBody>
+      </p:sp>
+      <p:sp>
+        <p:nvSpPr>
+          <p:cNvPr id="3" name="TextBox 2"/>
+          <p:cNvSpPr txBox="1"/>
+          <p:nvPr/>
+        </p:nvSpPr>
+        <p:spPr>
+          <a:xfrm>
+            <a:off x="685800" y="3657600"/>
+            <a:ext cx="7772400" cy="2971800"/>
+          </a:xfrm>
+          <a:prstGeom prst="rect">
+            <a:avLst/>
+          </a:prstGeom>
+          <a:noFill/>
+        </p:spPr>
+        <p:txBody>
+          <a:bodyPr wrap="square">
+            <a:spAutoFit/>
+          </a:bodyPr>
+          <a:lstStyle/>
+          <a:p/>
+          <a:p>
+            <a:pPr algn="ctr">
+              <a:lnSpc>
+                <a:spcPts val="4800"/>
+              </a:lnSpc>
+              <a:defRPr sz="4000">
+                <a:solidFill>
+                  <a:srgbClr val="3A70BC"/>
+                </a:solidFill>
+              </a:defRPr>
+            </a:pPr>
+            <a:r>
+              <a:t>Shine, Jesus shine, Fill this land with the Father's glory. Blaze, Spirit blaze, Set our hearts on fire. Flow, river flow, Flood the nations with grace and mercy. Send forth Your word, Lord and let there be light.</a:t>
+            </a:r>
+          </a:p>
+        </p:txBody>
+      </p:sp>
+    </p:spTree>
+  </p:cSld>
+  <p:clrMapOvr>
+    <a:masterClrMapping/>
+  </p:clrMapOvr>
+</p:sld>
+</file>
+
+<file path=ppt/slides/slide15.xml><?xml version="1.0" encoding="utf-8"?>
+<p:sld xmlns:a="http://schemas.openxmlformats.org/drawingml/2006/main" xmlns:p="http://schemas.openxmlformats.org/presentationml/2006/main" xmlns:r="http://schemas.openxmlformats.org/officeDocument/2006/relationships">
+  <p:cSld>
+    <p:spTree>
+      <p:nvGrpSpPr>
+        <p:cNvPr id="1" name=""/>
+        <p:cNvGrpSpPr/>
+        <p:nvPr/>
+      </p:nvGrpSpPr>
+      <p:grpSpPr/>
+      <p:sp>
+        <p:nvSpPr>
+          <p:cNvPr id="2" name="Title 1"/>
+          <p:cNvSpPr>
+            <a:spLocks noGrp="1"/>
+          </p:cNvSpPr>
+          <p:nvPr>
+            <p:ph type="ctrTitle"/>
+          </p:nvPr>
+        </p:nvSpPr>
+        <p:spPr/>
+        <p:txBody>
+          <a:bodyPr/>
+          <a:lstStyle/>
+          <a:p>
+            <a:r>
+              <a:t>ขอถวายหมดดวงใจ</a:t>
+            </a:r>
+          </a:p>
+        </p:txBody>
+      </p:sp>
+      <p:sp>
+        <p:nvSpPr>
+          <p:cNvPr id="3" name="Subtitle 2"/>
+          <p:cNvSpPr>
+            <a:spLocks noGrp="1"/>
+          </p:cNvSpPr>
+          <p:nvPr>
+            <p:ph type="subTitle" idx="1"/>
+          </p:nvPr>
+        </p:nvSpPr>
+        <p:spPr/>
+        <p:txBody>
+          <a:bodyPr/>
+          <a:lstStyle/>
+          <a:p>
+            <a:r>
+              <a:t>I Give You My Heart</a:t>
+            </a:r>
+          </a:p>
+        </p:txBody>
+      </p:sp>
+    </p:spTree>
+  </p:cSld>
+  <p:clrMapOvr>
+    <a:masterClrMapping/>
+  </p:clrMapOvr>
+</p:sld>
+</file>
+
+<file path=ppt/slides/slide16.xml><?xml version="1.0" encoding="utf-8"?>
+<p:sld xmlns:a="http://schemas.openxmlformats.org/drawingml/2006/main" xmlns:p="http://schemas.openxmlformats.org/presentationml/2006/main" xmlns:r="http://schemas.openxmlformats.org/officeDocument/2006/relationships">
+  <p:cSld>
+    <p:spTree>
+      <p:nvGrpSpPr>
+        <p:cNvPr id="1" name=""/>
+        <p:cNvGrpSpPr/>
+        <p:nvPr/>
+      </p:nvGrpSpPr>
+      <p:grpSpPr/>
+      <p:sp>
+        <p:nvSpPr>
+          <p:cNvPr id="2" name="TextBox 1"/>
+          <p:cNvSpPr txBox="1"/>
+          <p:nvPr/>
+        </p:nvSpPr>
+        <p:spPr>
+          <a:xfrm>
+            <a:off x="685800" y="228600"/>
+            <a:ext cx="7772400" cy="2971800"/>
+          </a:xfrm>
+          <a:prstGeom prst="rect">
+            <a:avLst/>
+          </a:prstGeom>
+          <a:noFill/>
+        </p:spPr>
+        <p:txBody>
+          <a:bodyPr wrap="none">
+            <a:spAutoFit/>
+          </a:bodyPr>
+          <a:lstStyle/>
+          <a:p/>
+          <a:p>
+            <a:pPr algn="ctr">
+              <a:lnSpc>
+                <a:spcPts val="4800"/>
+              </a:lnSpc>
+              <a:defRPr sz="4200">
+                <a:solidFill>
+                  <a:srgbClr val="000000"/>
+                </a:solidFill>
+              </a:defRPr>
+            </a:pPr>
+            <a:r>
+              <a:t>สิ่งประเสริฐที่ฉันต้องการ คือถวายเกียรติ</a:t>
+            </a:r>
+            <a:br/>
+            <a:r>
+              <a:t>ในจิตใจของฉันนั้นอยาก นมัสการ สรรพสิ่งที่ฉันมีอยู่</a:t>
+            </a:r>
+            <a:br/>
+            <a:r>
+              <a:t>เพื่อใช้สรรเสริญ องค์ราชาที่ฉันบูชา</a:t>
+            </a:r>
+            <a:br/>
+            <a:r>
+              <a:t>คือพระองค์</a:t>
+            </a:r>
+          </a:p>
+        </p:txBody>
+      </p:sp>
+      <p:sp>
+        <p:nvSpPr>
+          <p:cNvPr id="3" name="TextBox 2"/>
+          <p:cNvSpPr txBox="1"/>
+          <p:nvPr/>
+        </p:nvSpPr>
+        <p:spPr>
+          <a:xfrm>
+            <a:off x="685800" y="3657600"/>
+            <a:ext cx="7772400" cy="2971800"/>
+          </a:xfrm>
+          <a:prstGeom prst="rect">
+            <a:avLst/>
+          </a:prstGeom>
+          <a:noFill/>
+        </p:spPr>
+        <p:txBody>
+          <a:bodyPr wrap="square">
+            <a:spAutoFit/>
+          </a:bodyPr>
+          <a:lstStyle/>
+          <a:p/>
+          <a:p>
+            <a:pPr algn="ctr">
+              <a:lnSpc>
+                <a:spcPts val="4800"/>
+              </a:lnSpc>
+              <a:defRPr sz="4000">
+                <a:solidFill>
+                  <a:srgbClr val="3A70BC"/>
+                </a:solidFill>
+              </a:defRPr>
+            </a:pPr>
+            <a:r>
+              <a:t>This is my desire, to honour You. Lord with all my heart I worship You. All I have within me. I give You praise. All that I adore is in You.</a:t>
+            </a:r>
+          </a:p>
+        </p:txBody>
+      </p:sp>
+    </p:spTree>
+  </p:cSld>
+  <p:clrMapOvr>
+    <a:masterClrMapping/>
+  </p:clrMapOvr>
+</p:sld>
+</file>
+
+<file path=ppt/slides/slide17.xml><?xml version="1.0" encoding="utf-8"?>
+<p:sld xmlns:a="http://schemas.openxmlformats.org/drawingml/2006/main" xmlns:p="http://schemas.openxmlformats.org/presentationml/2006/main" xmlns:r="http://schemas.openxmlformats.org/officeDocument/2006/relationships">
+  <p:cSld>
+    <p:spTree>
+      <p:nvGrpSpPr>
+        <p:cNvPr id="1" name=""/>
+        <p:cNvGrpSpPr/>
+        <p:nvPr/>
+      </p:nvGrpSpPr>
+      <p:grpSpPr/>
+      <p:sp>
+        <p:nvSpPr>
+          <p:cNvPr id="2" name="TextBox 1"/>
+          <p:cNvSpPr txBox="1"/>
+          <p:nvPr/>
+        </p:nvSpPr>
+        <p:spPr>
+          <a:xfrm>
+            <a:off x="685800" y="228600"/>
+            <a:ext cx="7772400" cy="2971800"/>
+          </a:xfrm>
+          <a:prstGeom prst="rect">
+            <a:avLst/>
+          </a:prstGeom>
+          <a:noFill/>
+        </p:spPr>
+        <p:txBody>
+          <a:bodyPr wrap="none">
+            <a:spAutoFit/>
+          </a:bodyPr>
+          <a:lstStyle/>
+          <a:p/>
+          <a:p>
+            <a:pPr algn="ctr">
+              <a:lnSpc>
+                <a:spcPts val="4800"/>
+              </a:lnSpc>
+              <a:defRPr sz="4200">
+                <a:solidFill>
+                  <a:srgbClr val="000000"/>
+                </a:solidFill>
+              </a:defRPr>
+            </a:pPr>
+            <a:r>
+              <a:t>ขอถวายหมดดวงใจ ถวายหมดดวงจิต</a:t>
+            </a:r>
+            <a:br/>
+            <a:r>
+              <a:t>ถวายชีวิตรับใช้ ลมหายใจที่ยังมี</a:t>
+            </a:r>
+            <a:br/>
+            <a:r>
+              <a:t>ชีวีที่ดำเนินไป จะขอทำตามพระทัย</a:t>
+            </a:r>
+          </a:p>
+        </p:txBody>
+      </p:sp>
+      <p:sp>
+        <p:nvSpPr>
+          <p:cNvPr id="3" name="TextBox 2"/>
+          <p:cNvSpPr txBox="1"/>
+          <p:nvPr/>
+        </p:nvSpPr>
+        <p:spPr>
+          <a:xfrm>
+            <a:off x="685800" y="3657600"/>
+            <a:ext cx="7772400" cy="2971800"/>
+          </a:xfrm>
+          <a:prstGeom prst="rect">
+            <a:avLst/>
+          </a:prstGeom>
+          <a:noFill/>
+        </p:spPr>
+        <p:txBody>
+          <a:bodyPr wrap="square">
+            <a:spAutoFit/>
+          </a:bodyPr>
+          <a:lstStyle/>
+          <a:p/>
+          <a:p>
+            <a:pPr algn="ctr">
+              <a:lnSpc>
+                <a:spcPts val="4800"/>
+              </a:lnSpc>
+              <a:defRPr sz="4000">
+                <a:solidFill>
+                  <a:srgbClr val="3A70BC"/>
+                </a:solidFill>
+              </a:defRPr>
+            </a:pPr>
+            <a:r>
+              <a:t>Lord I give You my heart. I give You my soul. I live for You alone. Every breath that I take. Every moment I'm awake. Lord have Your way in me.</a:t>
+            </a:r>
+          </a:p>
+        </p:txBody>
+      </p:sp>
+    </p:spTree>
+  </p:cSld>
+  <p:clrMapOvr>
+    <a:masterClrMapping/>
+  </p:clrMapOvr>
+</p:sld>
+</file>
+
+<file path=ppt/slides/slide18.xml><?xml version="1.0" encoding="utf-8"?>
+<p:sld xmlns:a="http://schemas.openxmlformats.org/drawingml/2006/main" xmlns:p="http://schemas.openxmlformats.org/presentationml/2006/main" xmlns:r="http://schemas.openxmlformats.org/officeDocument/2006/relationships">
+  <p:cSld>
+    <p:spTree>
+      <p:nvGrpSpPr>
+        <p:cNvPr id="1" name=""/>
+        <p:cNvGrpSpPr/>
+        <p:nvPr/>
+      </p:nvGrpSpPr>
+      <p:grpSpPr/>
+      <p:sp>
+        <p:nvSpPr>
+          <p:cNvPr id="2" name="Title 1"/>
+          <p:cNvSpPr>
+            <a:spLocks noGrp="1"/>
+          </p:cNvSpPr>
+          <p:nvPr>
+            <p:ph type="ctrTitle"/>
+          </p:nvPr>
+        </p:nvSpPr>
+        <p:spPr/>
+        <p:txBody>
+          <a:bodyPr/>
+          <a:lstStyle/>
+          <a:p>
+            <a:r>
+              <a:t>เรานมัสการ (เราพึ่งพาพระองค์)</a:t>
+            </a:r>
+          </a:p>
+        </p:txBody>
+      </p:sp>
+      <p:sp>
+        <p:nvSpPr>
+          <p:cNvPr id="3" name="Subtitle 2"/>
+          <p:cNvSpPr>
+            <a:spLocks noGrp="1"/>
+          </p:cNvSpPr>
+          <p:nvPr>
+            <p:ph type="subTitle" idx="1"/>
+          </p:nvPr>
+        </p:nvSpPr>
+        <p:spPr/>
+        <p:txBody>
+          <a:bodyPr/>
+          <a:lstStyle/>
+          <a:p/>
+        </p:txBody>
+      </p:sp>
+    </p:spTree>
+  </p:cSld>
+  <p:clrMapOvr>
+    <a:masterClrMapping/>
+  </p:clrMapOvr>
+</p:sld>
+</file>
+
+<file path=ppt/slides/slide19.xml><?xml version="1.0" encoding="utf-8"?>
+<p:sld xmlns:a="http://schemas.openxmlformats.org/drawingml/2006/main" xmlns:p="http://schemas.openxmlformats.org/presentationml/2006/main" xmlns:r="http://schemas.openxmlformats.org/officeDocument/2006/relationships">
+  <p:cSld>
+    <p:spTree>
+      <p:nvGrpSpPr>
+        <p:cNvPr id="1" name=""/>
+        <p:cNvGrpSpPr/>
+        <p:nvPr/>
+      </p:nvGrpSpPr>
+      <p:grpSpPr/>
+      <p:sp>
+        <p:nvSpPr>
+          <p:cNvPr id="2" name="TextBox 1"/>
+          <p:cNvSpPr txBox="1"/>
+          <p:nvPr/>
+        </p:nvSpPr>
+        <p:spPr>
+          <a:xfrm>
+            <a:off x="914400" y="457200"/>
+            <a:ext cx="7315200" cy="5486400"/>
+          </a:xfrm>
+          <a:prstGeom prst="rect">
+            <a:avLst/>
+          </a:prstGeom>
+          <a:noFill/>
+        </p:spPr>
+        <p:txBody>
+          <a:bodyPr wrap="none">
+            <a:spAutoFit/>
+          </a:bodyPr>
+          <a:lstStyle/>
+          <a:p/>
+          <a:p>
+            <a:pPr algn="ctr">
+              <a:lnSpc>
+                <a:spcPts val="7000"/>
+              </a:lnSpc>
+              <a:defRPr sz="4200">
+                <a:solidFill>
+                  <a:srgbClr val="000000"/>
+                </a:solidFill>
+              </a:defRPr>
+            </a:pPr>
+            <a:r>
+              <a:t>เราพี่งพาพระองค์</a:t>
+            </a:r>
+            <a:br/>
+            <a:r>
+              <a:t>พระองค์ทรงเป็นทุกสิ่งที่ใจเราต้องการ</a:t>
+            </a:r>
+            <a:br/>
+            <a:r>
+              <a:t>เราเชื่อในพระองค์</a:t>
+            </a:r>
+            <a:br/>
+            <a:r>
+              <a:t>พระองค์บรรดาลทุกสิ่งที่เกินความเข้าใจของเรา</a:t>
             </a:r>
           </a:p>
         </p:txBody>
@@ -3182,22 +4078,22 @@
               <a:lnSpc>
                 <a:spcPts val="4800"/>
               </a:lnSpc>
-              <a:defRPr sz="4000">
+              <a:defRPr sz="4200">
                 <a:solidFill>
                   <a:srgbClr val="000000"/>
                 </a:solidFill>
               </a:defRPr>
             </a:pPr>
             <a:r>
-              <a:t>ฉันเห็นราชาแห่งพระสิริ</a:t>
+              <a:t>พระเจ้าประทาน พระเยซู พระบุตร ทรงรักและให้อภัยแก่ข้า</a:t>
             </a:r>
             <a:br/>
             <a:r>
-              <a:t>มาด้วยเมฆและไฟบนฟ้า</a:t>
+              <a:t>ทรงไถ่ตัวข้า ด้วยสละพระชนม์ อุโมงค์ว่างเปล่า</a:t>
             </a:r>
             <a:br/>
             <a:r>
-              <a:t>ทั่วทั้งโลกา สะท้านสะเทือน</a:t>
+              <a:t>ย่อมยืนยันว่าพระองค์ทรงอยู่</a:t>
             </a:r>
           </a:p>
         </p:txBody>
@@ -3229,14 +4125,767 @@
               <a:lnSpc>
                 <a:spcPts val="4800"/>
               </a:lnSpc>
-              <a:defRPr sz="3500">
+              <a:defRPr sz="4000">
                 <a:solidFill>
                   <a:srgbClr val="3A70BC"/>
                 </a:solidFill>
               </a:defRPr>
             </a:pPr>
             <a:r>
-              <a:t>I see the king of glory. Coming on the clouds with fire. The whole earth shakes. The whole earth shakes.</a:t>
+              <a:t>God sent His son, they called Him Jesus; He came to love, heal and forgive; He lived and died to buy my pardon, An empty grave is there to prove my Savior lives!</a:t>
+            </a:r>
+          </a:p>
+        </p:txBody>
+      </p:sp>
+    </p:spTree>
+  </p:cSld>
+  <p:clrMapOvr>
+    <a:masterClrMapping/>
+  </p:clrMapOvr>
+</p:sld>
+</file>
+
+<file path=ppt/slides/slide20.xml><?xml version="1.0" encoding="utf-8"?>
+<p:sld xmlns:a="http://schemas.openxmlformats.org/drawingml/2006/main" xmlns:p="http://schemas.openxmlformats.org/presentationml/2006/main" xmlns:r="http://schemas.openxmlformats.org/officeDocument/2006/relationships">
+  <p:cSld>
+    <p:spTree>
+      <p:nvGrpSpPr>
+        <p:cNvPr id="1" name=""/>
+        <p:cNvGrpSpPr/>
+        <p:nvPr/>
+      </p:nvGrpSpPr>
+      <p:grpSpPr/>
+      <p:sp>
+        <p:nvSpPr>
+          <p:cNvPr id="2" name="TextBox 1"/>
+          <p:cNvSpPr txBox="1"/>
+          <p:nvPr/>
+        </p:nvSpPr>
+        <p:spPr>
+          <a:xfrm>
+            <a:off x="914400" y="457200"/>
+            <a:ext cx="7315200" cy="5486400"/>
+          </a:xfrm>
+          <a:prstGeom prst="rect">
+            <a:avLst/>
+          </a:prstGeom>
+          <a:noFill/>
+        </p:spPr>
+        <p:txBody>
+          <a:bodyPr wrap="none">
+            <a:spAutoFit/>
+          </a:bodyPr>
+          <a:lstStyle/>
+          <a:p/>
+          <a:p>
+            <a:pPr algn="ctr">
+              <a:lnSpc>
+                <a:spcPts val="7000"/>
+              </a:lnSpc>
+              <a:defRPr sz="4200">
+                <a:solidFill>
+                  <a:srgbClr val="000000"/>
+                </a:solidFill>
+              </a:defRPr>
+            </a:pPr>
+            <a:r>
+              <a:t>เรานมัสการ องค์พระเจ้ายิ่งใหญ่</a:t>
+            </a:r>
+            <a:br/>
+            <a:r>
+              <a:t>ไม่มีอะไรที่อยากเกินกว่าพระองค์จะทำ</a:t>
+            </a:r>
+            <a:br/>
+            <a:r>
+              <a:t>เรานมัสการ องค์พระเจ้ายิ่งใหญ่</a:t>
+            </a:r>
+            <a:br/>
+            <a:r>
+              <a:t>และไม่มีใครเทียบได้กับพระองค์</a:t>
+            </a:r>
+          </a:p>
+        </p:txBody>
+      </p:sp>
+    </p:spTree>
+  </p:cSld>
+  <p:clrMapOvr>
+    <a:masterClrMapping/>
+  </p:clrMapOvr>
+</p:sld>
+</file>
+
+<file path=ppt/slides/slide21.xml><?xml version="1.0" encoding="utf-8"?>
+<p:sld xmlns:a="http://schemas.openxmlformats.org/drawingml/2006/main" xmlns:p="http://schemas.openxmlformats.org/presentationml/2006/main" xmlns:r="http://schemas.openxmlformats.org/officeDocument/2006/relationships">
+  <p:cSld>
+    <p:spTree>
+      <p:nvGrpSpPr>
+        <p:cNvPr id="1" name=""/>
+        <p:cNvGrpSpPr/>
+        <p:nvPr/>
+      </p:nvGrpSpPr>
+      <p:grpSpPr/>
+      <p:sp>
+        <p:nvSpPr>
+          <p:cNvPr id="2" name="Title 1"/>
+          <p:cNvSpPr>
+            <a:spLocks noGrp="1"/>
+          </p:cNvSpPr>
+          <p:nvPr>
+            <p:ph type="ctrTitle"/>
+          </p:nvPr>
+        </p:nvSpPr>
+        <p:spPr/>
+        <p:txBody>
+          <a:bodyPr/>
+          <a:lstStyle/>
+          <a:p>
+            <a:r>
+              <a:t>อย่าหยุดอ้อนวอน</a:t>
+            </a:r>
+          </a:p>
+        </p:txBody>
+      </p:sp>
+      <p:sp>
+        <p:nvSpPr>
+          <p:cNvPr id="3" name="Subtitle 2"/>
+          <p:cNvSpPr>
+            <a:spLocks noGrp="1"/>
+          </p:cNvSpPr>
+          <p:nvPr>
+            <p:ph type="subTitle" idx="1"/>
+          </p:nvPr>
+        </p:nvSpPr>
+        <p:spPr/>
+        <p:txBody>
+          <a:bodyPr/>
+          <a:lstStyle/>
+          <a:p>
+            <a:r>
+              <a:t>Don't Stop Praying</a:t>
+            </a:r>
+          </a:p>
+        </p:txBody>
+      </p:sp>
+    </p:spTree>
+  </p:cSld>
+  <p:clrMapOvr>
+    <a:masterClrMapping/>
+  </p:clrMapOvr>
+</p:sld>
+</file>
+
+<file path=ppt/slides/slide22.xml><?xml version="1.0" encoding="utf-8"?>
+<p:sld xmlns:a="http://schemas.openxmlformats.org/drawingml/2006/main" xmlns:p="http://schemas.openxmlformats.org/presentationml/2006/main" xmlns:r="http://schemas.openxmlformats.org/officeDocument/2006/relationships">
+  <p:cSld>
+    <p:spTree>
+      <p:nvGrpSpPr>
+        <p:cNvPr id="1" name=""/>
+        <p:cNvGrpSpPr/>
+        <p:nvPr/>
+      </p:nvGrpSpPr>
+      <p:grpSpPr/>
+      <p:sp>
+        <p:nvSpPr>
+          <p:cNvPr id="2" name="TextBox 1"/>
+          <p:cNvSpPr txBox="1"/>
+          <p:nvPr/>
+        </p:nvSpPr>
+        <p:spPr>
+          <a:xfrm>
+            <a:off x="685800" y="228600"/>
+            <a:ext cx="7772400" cy="2971800"/>
+          </a:xfrm>
+          <a:prstGeom prst="rect">
+            <a:avLst/>
+          </a:prstGeom>
+          <a:noFill/>
+        </p:spPr>
+        <p:txBody>
+          <a:bodyPr wrap="none">
+            <a:spAutoFit/>
+          </a:bodyPr>
+          <a:lstStyle/>
+          <a:p/>
+          <a:p>
+            <a:pPr algn="ctr">
+              <a:lnSpc>
+                <a:spcPts val="4800"/>
+              </a:lnSpc>
+              <a:defRPr sz="4200">
+                <a:solidFill>
+                  <a:srgbClr val="000000"/>
+                </a:solidFill>
+              </a:defRPr>
+            </a:pPr>
+            <a:r>
+              <a:t>อย่าหยุดอ้อนวอน พระเจ้าอยู่ใกล้</a:t>
+            </a:r>
+            <a:br/>
+            <a:r>
+              <a:t>อย่าเว้นอ้อนวอน พระเจ้าโปรดได้</a:t>
+            </a:r>
+            <a:br/>
+            <a:r>
+              <a:t>อย่าหยุดอ้อนวอน พระองค์สัญญา</a:t>
+            </a:r>
+            <a:br/>
+            <a:r>
+              <a:t>ทูลขอสิ่งใดประทานให้มา</a:t>
+            </a:r>
+          </a:p>
+        </p:txBody>
+      </p:sp>
+      <p:sp>
+        <p:nvSpPr>
+          <p:cNvPr id="3" name="TextBox 2"/>
+          <p:cNvSpPr txBox="1"/>
+          <p:nvPr/>
+        </p:nvSpPr>
+        <p:spPr>
+          <a:xfrm>
+            <a:off x="685800" y="3657600"/>
+            <a:ext cx="7772400" cy="2971800"/>
+          </a:xfrm>
+          <a:prstGeom prst="rect">
+            <a:avLst/>
+          </a:prstGeom>
+          <a:noFill/>
+        </p:spPr>
+        <p:txBody>
+          <a:bodyPr wrap="square">
+            <a:spAutoFit/>
+          </a:bodyPr>
+          <a:lstStyle/>
+          <a:p/>
+          <a:p>
+            <a:pPr algn="ctr">
+              <a:lnSpc>
+                <a:spcPts val="4800"/>
+              </a:lnSpc>
+              <a:defRPr sz="4000">
+                <a:solidFill>
+                  <a:srgbClr val="3A70BC"/>
+                </a:solidFill>
+              </a:defRPr>
+            </a:pPr>
+            <a:r>
+              <a:t>Don't stop praying! The Lord is nigh; Don't stop praying! He'll hear your cry; God has promised, and He is true; Don't stop praying; He'll answer you.</a:t>
+            </a:r>
+          </a:p>
+        </p:txBody>
+      </p:sp>
+    </p:spTree>
+  </p:cSld>
+  <p:clrMapOvr>
+    <a:masterClrMapping/>
+  </p:clrMapOvr>
+</p:sld>
+</file>
+
+<file path=ppt/slides/slide23.xml><?xml version="1.0" encoding="utf-8"?>
+<p:sld xmlns:a="http://schemas.openxmlformats.org/drawingml/2006/main" xmlns:p="http://schemas.openxmlformats.org/presentationml/2006/main" xmlns:r="http://schemas.openxmlformats.org/officeDocument/2006/relationships">
+  <p:cSld>
+    <p:spTree>
+      <p:nvGrpSpPr>
+        <p:cNvPr id="1" name=""/>
+        <p:cNvGrpSpPr/>
+        <p:nvPr/>
+      </p:nvGrpSpPr>
+      <p:grpSpPr/>
+      <p:sp>
+        <p:nvSpPr>
+          <p:cNvPr id="2" name="TextBox 1"/>
+          <p:cNvSpPr txBox="1"/>
+          <p:nvPr/>
+        </p:nvSpPr>
+        <p:spPr>
+          <a:xfrm>
+            <a:off x="685800" y="228600"/>
+            <a:ext cx="7772400" cy="2971800"/>
+          </a:xfrm>
+          <a:prstGeom prst="rect">
+            <a:avLst/>
+          </a:prstGeom>
+          <a:noFill/>
+        </p:spPr>
+        <p:txBody>
+          <a:bodyPr wrap="none">
+            <a:spAutoFit/>
+          </a:bodyPr>
+          <a:lstStyle/>
+          <a:p/>
+          <a:p>
+            <a:pPr algn="ctr">
+              <a:lnSpc>
+                <a:spcPts val="4800"/>
+              </a:lnSpc>
+              <a:defRPr sz="4200">
+                <a:solidFill>
+                  <a:srgbClr val="000000"/>
+                </a:solidFill>
+              </a:defRPr>
+            </a:pPr>
+            <a:r>
+              <a:t>อย่าหยุดอ้อนวอนทูลขอทุกอย่าง</a:t>
+            </a:r>
+            <a:br/>
+            <a:r>
+              <a:t>อย่าเว้นอ้อนวอนพระองค์ทรงฟัง</a:t>
+            </a:r>
+            <a:br/>
+            <a:r>
+              <a:t>คำร้องทูลขอสำคัญนักหนา อย่าเว้นอ้อนวอนพระพรจะมา</a:t>
+            </a:r>
+          </a:p>
+        </p:txBody>
+      </p:sp>
+      <p:sp>
+        <p:nvSpPr>
+          <p:cNvPr id="3" name="TextBox 2"/>
+          <p:cNvSpPr txBox="1"/>
+          <p:nvPr/>
+        </p:nvSpPr>
+        <p:spPr>
+          <a:xfrm>
+            <a:off x="685800" y="3657600"/>
+            <a:ext cx="7772400" cy="2971800"/>
+          </a:xfrm>
+          <a:prstGeom prst="rect">
+            <a:avLst/>
+          </a:prstGeom>
+          <a:noFill/>
+        </p:spPr>
+        <p:txBody>
+          <a:bodyPr wrap="square">
+            <a:spAutoFit/>
+          </a:bodyPr>
+          <a:lstStyle/>
+          <a:p/>
+          <a:p>
+            <a:pPr algn="ctr">
+              <a:lnSpc>
+                <a:spcPts val="4800"/>
+              </a:lnSpc>
+              <a:defRPr sz="4000">
+                <a:solidFill>
+                  <a:srgbClr val="3A70BC"/>
+                </a:solidFill>
+              </a:defRPr>
+            </a:pPr>
+            <a:r>
+              <a:t>Don't stop praying! For ev’ry need; Don't stop praying! The Lord will heed; No petition to Him is small; Don't stop praying! He'll hold your hand.</a:t>
+            </a:r>
+          </a:p>
+        </p:txBody>
+      </p:sp>
+    </p:spTree>
+  </p:cSld>
+  <p:clrMapOvr>
+    <a:masterClrMapping/>
+  </p:clrMapOvr>
+</p:sld>
+</file>
+
+<file path=ppt/slides/slide24.xml><?xml version="1.0" encoding="utf-8"?>
+<p:sld xmlns:a="http://schemas.openxmlformats.org/drawingml/2006/main" xmlns:p="http://schemas.openxmlformats.org/presentationml/2006/main" xmlns:r="http://schemas.openxmlformats.org/officeDocument/2006/relationships">
+  <p:cSld>
+    <p:spTree>
+      <p:nvGrpSpPr>
+        <p:cNvPr id="1" name=""/>
+        <p:cNvGrpSpPr/>
+        <p:nvPr/>
+      </p:nvGrpSpPr>
+      <p:grpSpPr/>
+      <p:sp>
+        <p:nvSpPr>
+          <p:cNvPr id="2" name="TextBox 1"/>
+          <p:cNvSpPr txBox="1"/>
+          <p:nvPr/>
+        </p:nvSpPr>
+        <p:spPr>
+          <a:xfrm>
+            <a:off x="685800" y="228600"/>
+            <a:ext cx="7772400" cy="2971800"/>
+          </a:xfrm>
+          <a:prstGeom prst="rect">
+            <a:avLst/>
+          </a:prstGeom>
+          <a:noFill/>
+        </p:spPr>
+        <p:txBody>
+          <a:bodyPr wrap="none">
+            <a:spAutoFit/>
+          </a:bodyPr>
+          <a:lstStyle/>
+          <a:p/>
+          <a:p>
+            <a:pPr algn="ctr">
+              <a:lnSpc>
+                <a:spcPts val="4800"/>
+              </a:lnSpc>
+              <a:defRPr sz="4200">
+                <a:solidFill>
+                  <a:srgbClr val="000000"/>
+                </a:solidFill>
+              </a:defRPr>
+            </a:pPr>
+            <a:r>
+              <a:t>อย่าหยุดอ้อนวอนเมื่อถูกล่อลวง</a:t>
+            </a:r>
+            <a:br/>
+            <a:r>
+              <a:t>อย่าเว้นอ้อนวอนจะหลุดจากบ่วง</a:t>
+            </a:r>
+            <a:br/>
+            <a:r>
+              <a:t>พระเจ้ารู้แจ้งความภายในใจ อย่าเว้นอ้อนวอนจะทรงโปรดให้</a:t>
+            </a:r>
+          </a:p>
+        </p:txBody>
+      </p:sp>
+      <p:sp>
+        <p:nvSpPr>
+          <p:cNvPr id="3" name="TextBox 2"/>
+          <p:cNvSpPr txBox="1"/>
+          <p:nvPr/>
+        </p:nvSpPr>
+        <p:spPr>
+          <a:xfrm>
+            <a:off x="685800" y="3657600"/>
+            <a:ext cx="7772400" cy="2971800"/>
+          </a:xfrm>
+          <a:prstGeom prst="rect">
+            <a:avLst/>
+          </a:prstGeom>
+          <a:noFill/>
+        </p:spPr>
+        <p:txBody>
+          <a:bodyPr wrap="square">
+            <a:spAutoFit/>
+          </a:bodyPr>
+          <a:lstStyle/>
+          <a:p/>
+          <a:p>
+            <a:pPr algn="ctr">
+              <a:lnSpc>
+                <a:spcPts val="4800"/>
+              </a:lnSpc>
+              <a:defRPr sz="4000">
+                <a:solidFill>
+                  <a:srgbClr val="3A70BC"/>
+                </a:solidFill>
+              </a:defRPr>
+            </a:pPr>
+            <a:r>
+              <a:t>Don’t stop praying when led to sin; Don’t stop praying! That good may win; Christ was tempted and understands; Don’t stop praying! He’ll hold your hands.</a:t>
+            </a:r>
+          </a:p>
+        </p:txBody>
+      </p:sp>
+    </p:spTree>
+  </p:cSld>
+  <p:clrMapOvr>
+    <a:masterClrMapping/>
+  </p:clrMapOvr>
+</p:sld>
+</file>
+
+<file path=ppt/slides/slide25.xml><?xml version="1.0" encoding="utf-8"?>
+<p:sld xmlns:a="http://schemas.openxmlformats.org/drawingml/2006/main" xmlns:p="http://schemas.openxmlformats.org/presentationml/2006/main" xmlns:r="http://schemas.openxmlformats.org/officeDocument/2006/relationships">
+  <p:cSld>
+    <p:spTree>
+      <p:nvGrpSpPr>
+        <p:cNvPr id="1" name=""/>
+        <p:cNvGrpSpPr/>
+        <p:nvPr/>
+      </p:nvGrpSpPr>
+      <p:grpSpPr/>
+      <p:sp>
+        <p:nvSpPr>
+          <p:cNvPr id="2" name="TextBox 1"/>
+          <p:cNvSpPr txBox="1"/>
+          <p:nvPr/>
+        </p:nvSpPr>
+        <p:spPr>
+          <a:xfrm>
+            <a:off x="685800" y="228600"/>
+            <a:ext cx="7772400" cy="2971800"/>
+          </a:xfrm>
+          <a:prstGeom prst="rect">
+            <a:avLst/>
+          </a:prstGeom>
+          <a:noFill/>
+        </p:spPr>
+        <p:txBody>
+          <a:bodyPr wrap="square">
+            <a:spAutoFit/>
+          </a:bodyPr>
+          <a:lstStyle/>
+          <a:p/>
+          <a:p>
+            <a:pPr algn="ctr">
+              <a:lnSpc>
+                <a:spcPts val="4800"/>
+              </a:lnSpc>
+              <a:defRPr sz="4200">
+                <a:solidFill>
+                  <a:srgbClr val="000000"/>
+                </a:solidFill>
+              </a:defRPr>
+            </a:pPr>
+            <a:r>
+              <a:t>อย่าหยุดอ้อนวอนเมื่อทุกข์หนักใจ อย่าเว้นอ้อนวอนเมื่อร้อนภายใน ความทุกข์เหล่านั้นทรงทราบประจักษ์ อย่าเว้นอ้อนวอนคงสมความรัก</a:t>
+            </a:r>
+          </a:p>
+        </p:txBody>
+      </p:sp>
+      <p:sp>
+        <p:nvSpPr>
+          <p:cNvPr id="3" name="TextBox 2"/>
+          <p:cNvSpPr txBox="1"/>
+          <p:nvPr/>
+        </p:nvSpPr>
+        <p:spPr>
+          <a:xfrm>
+            <a:off x="685800" y="3657600"/>
+            <a:ext cx="7772400" cy="2971800"/>
+          </a:xfrm>
+          <a:prstGeom prst="rect">
+            <a:avLst/>
+          </a:prstGeom>
+          <a:noFill/>
+        </p:spPr>
+        <p:txBody>
+          <a:bodyPr wrap="square">
+            <a:spAutoFit/>
+          </a:bodyPr>
+          <a:lstStyle/>
+          <a:p/>
+          <a:p>
+            <a:pPr algn="ctr">
+              <a:lnSpc>
+                <a:spcPts val="4800"/>
+              </a:lnSpc>
+              <a:defRPr sz="4000">
+                <a:solidFill>
+                  <a:srgbClr val="3A70BC"/>
+                </a:solidFill>
+              </a:defRPr>
+            </a:pPr>
+            <a:r>
+              <a:t>Don't stop praying! When bow’d with grief; Don't stop praying! You'll get relief; Troubles never escape God's sight; Don't stop praying! He'll make it right.</a:t>
+            </a:r>
+          </a:p>
+        </p:txBody>
+      </p:sp>
+    </p:spTree>
+  </p:cSld>
+  <p:clrMapOvr>
+    <a:masterClrMapping/>
+  </p:clrMapOvr>
+</p:sld>
+</file>
+
+<file path=ppt/slides/slide26.xml><?xml version="1.0" encoding="utf-8"?>
+<p:sld xmlns:a="http://schemas.openxmlformats.org/drawingml/2006/main" xmlns:p="http://schemas.openxmlformats.org/presentationml/2006/main" xmlns:r="http://schemas.openxmlformats.org/officeDocument/2006/relationships">
+  <p:cSld>
+    <p:spTree>
+      <p:nvGrpSpPr>
+        <p:cNvPr id="1" name=""/>
+        <p:cNvGrpSpPr/>
+        <p:nvPr/>
+      </p:nvGrpSpPr>
+      <p:grpSpPr/>
+      <p:sp>
+        <p:nvSpPr>
+          <p:cNvPr id="2" name="TextBox 1"/>
+          <p:cNvSpPr txBox="1"/>
+          <p:nvPr/>
+        </p:nvSpPr>
+        <p:spPr>
+          <a:xfrm>
+            <a:off x="685800" y="228600"/>
+            <a:ext cx="7772400" cy="2971800"/>
+          </a:xfrm>
+          <a:prstGeom prst="rect">
+            <a:avLst/>
+          </a:prstGeom>
+          <a:noFill/>
+        </p:spPr>
+        <p:txBody>
+          <a:bodyPr wrap="square">
+            <a:spAutoFit/>
+          </a:bodyPr>
+          <a:lstStyle/>
+          <a:p/>
+          <a:p>
+            <a:pPr algn="ctr">
+              <a:lnSpc>
+                <a:spcPts val="4800"/>
+              </a:lnSpc>
+              <a:defRPr sz="4200">
+                <a:solidFill>
+                  <a:srgbClr val="000000"/>
+                </a:solidFill>
+              </a:defRPr>
+            </a:pPr>
+            <a:r>
+              <a:t>อย่าหยุดอ้อนวอนทำตามพระทัย อย่าเว้นอ้อนวอนร่ำร้องทูลไป ความเชื่อจะดับความกังวลใจ อย่าเว้นอ้อนวอนต้องตามพระทัย</a:t>
+            </a:r>
+          </a:p>
+        </p:txBody>
+      </p:sp>
+      <p:sp>
+        <p:nvSpPr>
+          <p:cNvPr id="3" name="TextBox 2"/>
+          <p:cNvSpPr txBox="1"/>
+          <p:nvPr/>
+        </p:nvSpPr>
+        <p:spPr>
+          <a:xfrm>
+            <a:off x="685800" y="3657600"/>
+            <a:ext cx="7772400" cy="2971800"/>
+          </a:xfrm>
+          <a:prstGeom prst="rect">
+            <a:avLst/>
+          </a:prstGeom>
+          <a:noFill/>
+        </p:spPr>
+        <p:txBody>
+          <a:bodyPr wrap="square">
+            <a:spAutoFit/>
+          </a:bodyPr>
+          <a:lstStyle/>
+          <a:p/>
+          <a:p>
+            <a:pPr algn="ctr">
+              <a:lnSpc>
+                <a:spcPts val="4800"/>
+              </a:lnSpc>
+              <a:defRPr sz="4000">
+                <a:solidFill>
+                  <a:srgbClr val="3A70BC"/>
+                </a:solidFill>
+              </a:defRPr>
+            </a:pPr>
+            <a:r>
+              <a:t>Don't stop praying! But have more trust; Don't stop praying! For pray we must; Faith will banish a mount of care; Don't stop praying! God answers prayer.</a:t>
+            </a:r>
+          </a:p>
+        </p:txBody>
+      </p:sp>
+    </p:spTree>
+  </p:cSld>
+  <p:clrMapOvr>
+    <a:masterClrMapping/>
+  </p:clrMapOvr>
+</p:sld>
+</file>
+
+<file path=ppt/slides/slide27.xml><?xml version="1.0" encoding="utf-8"?>
+<p:sld xmlns:a="http://schemas.openxmlformats.org/drawingml/2006/main" xmlns:p="http://schemas.openxmlformats.org/presentationml/2006/main" xmlns:r="http://schemas.openxmlformats.org/officeDocument/2006/relationships">
+  <p:cSld>
+    <p:spTree>
+      <p:nvGrpSpPr>
+        <p:cNvPr id="1" name=""/>
+        <p:cNvGrpSpPr/>
+        <p:nvPr/>
+      </p:nvGrpSpPr>
+      <p:grpSpPr/>
+      <p:sp>
+        <p:nvSpPr>
+          <p:cNvPr id="2" name="TextBox 1"/>
+          <p:cNvSpPr txBox="1"/>
+          <p:nvPr/>
+        </p:nvSpPr>
+        <p:spPr>
+          <a:xfrm>
+            <a:off x="685800" y="228600"/>
+            <a:ext cx="7772400" cy="2971800"/>
+          </a:xfrm>
+          <a:prstGeom prst="rect">
+            <a:avLst/>
+          </a:prstGeom>
+          <a:noFill/>
+        </p:spPr>
+        <p:txBody>
+          <a:bodyPr wrap="none">
+            <a:spAutoFit/>
+          </a:bodyPr>
+          <a:lstStyle/>
+          <a:p/>
+          <a:p>
+            <a:pPr algn="ctr">
+              <a:lnSpc>
+                <a:spcPts val="4800"/>
+              </a:lnSpc>
+              <a:defRPr sz="4200">
+                <a:solidFill>
+                  <a:srgbClr val="000000"/>
+                </a:solidFill>
+              </a:defRPr>
+            </a:pPr>
+            <a:r>
+              <a:t>อย่าหยุดอ้อนวอนเพื่อคนทั้งหลาย</a:t>
+            </a:r>
+            <a:br/>
+            <a:r>
+              <a:t>อย่าเว้นอ้อนวอนจะสายเกินไป ความเชื่อชนะจิตใจศัตรู</a:t>
+            </a:r>
+            <a:br/>
+            <a:r>
+              <a:t>อย่าเว้นอ้อนวอนอย่างพระเยซู</a:t>
+            </a:r>
+          </a:p>
+        </p:txBody>
+      </p:sp>
+      <p:sp>
+        <p:nvSpPr>
+          <p:cNvPr id="3" name="TextBox 2"/>
+          <p:cNvSpPr txBox="1"/>
+          <p:nvPr/>
+        </p:nvSpPr>
+        <p:spPr>
+          <a:xfrm>
+            <a:off x="685800" y="3657600"/>
+            <a:ext cx="7772400" cy="2971800"/>
+          </a:xfrm>
+          <a:prstGeom prst="rect">
+            <a:avLst/>
+          </a:prstGeom>
+          <a:noFill/>
+        </p:spPr>
+        <p:txBody>
+          <a:bodyPr wrap="none">
+            <a:spAutoFit/>
+          </a:bodyPr>
+          <a:lstStyle/>
+          <a:p/>
+          <a:p>
+            <a:pPr algn="ctr">
+              <a:lnSpc>
+                <a:spcPts val="4800"/>
+              </a:lnSpc>
+              <a:defRPr sz="4000">
+                <a:solidFill>
+                  <a:srgbClr val="3A70BC"/>
+                </a:solidFill>
+              </a:defRPr>
+            </a:pPr>
+            <a:r>
+              <a:t>Pray always! Though your eyes grow dim</a:t>
+            </a:r>
+            <a:br/>
+            <a:r>
+              <a:t> Go with your troubles straight to Him</a:t>
+            </a:r>
+            <a:br/>
+            <a:r>
+              <a:t> Pray always for God understands; Have faith</a:t>
+            </a:r>
+            <a:br/>
+            <a:r>
+              <a:t> leaving all in His hands.</a:t>
             </a:r>
           </a:p>
         </p:txBody>
@@ -3286,22 +4935,26 @@
               <a:lnSpc>
                 <a:spcPts val="4800"/>
               </a:lnSpc>
-              <a:defRPr sz="4000">
+              <a:defRPr sz="4200">
                 <a:solidFill>
                   <a:srgbClr val="000000"/>
                 </a:solidFill>
               </a:defRPr>
             </a:pPr>
             <a:r>
-              <a:t>ฉันเห็นความรักและเมตตา</a:t>
+              <a:t>เพราะพระองค์ทรงอยู่ ข้าเผชิญพรุ่งนี้ได้</a:t>
             </a:r>
             <a:br/>
             <a:r>
-              <a:t>ที่ได้ทรงชำระบาปเรา</a:t>
+              <a:t>เพราะพระองค์ทรงอยู่ ความกลัวหายไป เพราะข้าแน่ใจ</a:t>
             </a:r>
             <a:br/>
             <a:r>
-              <a:t>และทุกคนต่าง แซ่ซ้องสรรเสริญ</a:t>
+              <a:t>(แน่ใจ) พระองค์ทรงนำหน้า ข้าจะอดทนเพราะข้าแน่ใจ</a:t>
+            </a:r>
+            <a:br/>
+            <a:r>
+              <a:t>พระองค์ทรงอยู่</a:t>
             </a:r>
           </a:p>
         </p:txBody>
@@ -3323,7 +4976,7 @@
           <a:noFill/>
         </p:spPr>
         <p:txBody>
-          <a:bodyPr wrap="none">
+          <a:bodyPr wrap="square">
             <a:spAutoFit/>
           </a:bodyPr>
           <a:lstStyle/>
@@ -3333,24 +4986,15 @@
               <a:lnSpc>
                 <a:spcPts val="4800"/>
               </a:lnSpc>
-              <a:defRPr sz="3500">
+              <a:defRPr sz="4000">
                 <a:solidFill>
                   <a:srgbClr val="3A70BC"/>
                 </a:solidFill>
               </a:defRPr>
             </a:pPr>
             <a:r>
-              <a:t>I see his love and mercy</a:t>
-            </a:r>
-            <a:br/>
-            <a:r>
-              <a:t> Washing over all our sin</a:t>
-            </a:r>
-            <a:br/>
-            <a:r>
-              <a:t> The people sing. The people sing</a:t>
-            </a:r>
-            <a:br/>
+              <a:t>Because He lives, I can face tomorrow, Because He lives, all fear is gone; Because I know He holds the future, And life is worth the living, Just because He lives!</a:t>
+            </a:r>
           </a:p>
         </p:txBody>
       </p:sp>
@@ -3389,7 +5033,46 @@
           <a:noFill/>
         </p:spPr>
         <p:txBody>
-          <a:bodyPr wrap="none">
+          <a:bodyPr wrap="square">
+            <a:spAutoFit/>
+          </a:bodyPr>
+          <a:lstStyle/>
+          <a:p/>
+          <a:p>
+            <a:pPr algn="ctr">
+              <a:lnSpc>
+                <a:spcPts val="4800"/>
+              </a:lnSpc>
+              <a:defRPr sz="4200">
+                <a:solidFill>
+                  <a:srgbClr val="000000"/>
+                </a:solidFill>
+              </a:defRPr>
+            </a:pPr>
+            <a:r>
+              <a:t>ชื่นใจที่ได้อุ้มทารกเกิดใหม่ ด้วยความภูมิใจและความยินดี แต่ยิ่งใหญ่กว่าคือความแน่วแน่ใจ ที่อาจเผชิญทุกสิ่งได้ เพราะพระองค์ทรงอยู่</a:t>
+            </a:r>
+          </a:p>
+        </p:txBody>
+      </p:sp>
+      <p:sp>
+        <p:nvSpPr>
+          <p:cNvPr id="3" name="TextBox 2"/>
+          <p:cNvSpPr txBox="1"/>
+          <p:nvPr/>
+        </p:nvSpPr>
+        <p:spPr>
+          <a:xfrm>
+            <a:off x="685800" y="3657600"/>
+            <a:ext cx="7772400" cy="2971800"/>
+          </a:xfrm>
+          <a:prstGeom prst="rect">
+            <a:avLst/>
+          </a:prstGeom>
+          <a:noFill/>
+        </p:spPr>
+        <p:txBody>
+          <a:bodyPr wrap="square">
             <a:spAutoFit/>
           </a:bodyPr>
           <a:lstStyle/>
@@ -3401,65 +5084,13 @@
               </a:lnSpc>
               <a:defRPr sz="4000">
                 <a:solidFill>
-                  <a:srgbClr val="000000"/>
+                  <a:srgbClr val="3A70BC"/>
                 </a:solidFill>
               </a:defRPr>
             </a:pPr>
             <a:r>
-              <a:t>โฮซันนา โฮซันนา โฮซันนา</a:t>
-            </a:r>
-            <a:br/>
-            <a:r>
-              <a:t>แด่ผู้สูงสุด โฮซันนา</a:t>
-            </a:r>
-            <a:br/>
-            <a:r>
-              <a:t>โฮซันนา โฮซันนา แด่ผู้สูงสุด</a:t>
-            </a:r>
-          </a:p>
-        </p:txBody>
-      </p:sp>
-      <p:sp>
-        <p:nvSpPr>
-          <p:cNvPr id="3" name="TextBox 2"/>
-          <p:cNvSpPr txBox="1"/>
-          <p:nvPr/>
-        </p:nvSpPr>
-        <p:spPr>
-          <a:xfrm>
-            <a:off x="685800" y="3657600"/>
-            <a:ext cx="7772400" cy="2971800"/>
-          </a:xfrm>
-          <a:prstGeom prst="rect">
-            <a:avLst/>
-          </a:prstGeom>
-          <a:noFill/>
-        </p:spPr>
-        <p:txBody>
-          <a:bodyPr wrap="none">
-            <a:spAutoFit/>
-          </a:bodyPr>
-          <a:lstStyle/>
-          <a:p/>
-          <a:p>
-            <a:pPr algn="ctr">
-              <a:lnSpc>
-                <a:spcPts val="4800"/>
-              </a:lnSpc>
-              <a:defRPr sz="3500">
-                <a:solidFill>
-                  <a:srgbClr val="3A70BC"/>
-                </a:solidFill>
-              </a:defRPr>
-            </a:pPr>
-            <a:r>
-              <a:t>Hosanna Hosanna</a:t>
-            </a:r>
-            <a:br/>
-            <a:r>
-              <a:t> Hosanna in the Highest</a:t>
-            </a:r>
-            <a:br/>
+              <a:t>How sweet to hold a newborn baby, And feel the pride and joy he gives; But greater still the calm assurance: This child can face uncertain days because He Lives!</a:t>
+            </a:r>
           </a:p>
         </p:txBody>
       </p:sp>
@@ -3508,26 +5139,26 @@
               <a:lnSpc>
                 <a:spcPts val="4800"/>
               </a:lnSpc>
-              <a:defRPr sz="4000">
+              <a:defRPr sz="4200">
                 <a:solidFill>
                   <a:srgbClr val="000000"/>
                 </a:solidFill>
               </a:defRPr>
             </a:pPr>
             <a:r>
-              <a:t>ฉันเห็นบรรดาชนมากมาย</a:t>
+              <a:t>เพราะพระองค์ทรงอยู่ ข้าเผชิญพรุ่งนี้ได้</a:t>
             </a:r>
             <a:br/>
             <a:r>
-              <a:t>ลุกขึ้นเพื่อทำตามพระทัย</a:t>
+              <a:t>เพราะพระองค์ทรงอยู่ ความกลัวหายไป เพราะข้าแน่ใจ</a:t>
             </a:r>
             <a:br/>
             <a:r>
-              <a:t>เปี่ยมด้วยความเชื่อ</a:t>
+              <a:t>(แน่ใจ) พระองค์ทรงนำหน้า ข้าจะอดทนเพราะข้าแน่ใจ</a:t>
             </a:r>
             <a:br/>
             <a:r>
-              <a:t>สุดสิ้นหัวใจ</a:t>
+              <a:t>พระองค์ทรงอยู่</a:t>
             </a:r>
           </a:p>
         </p:txBody>
@@ -3549,7 +5180,7 @@
           <a:noFill/>
         </p:spPr>
         <p:txBody>
-          <a:bodyPr wrap="none">
+          <a:bodyPr wrap="square">
             <a:spAutoFit/>
           </a:bodyPr>
           <a:lstStyle/>
@@ -3559,20 +5190,15 @@
               <a:lnSpc>
                 <a:spcPts val="4800"/>
               </a:lnSpc>
-              <a:defRPr sz="3500">
+              <a:defRPr sz="4000">
                 <a:solidFill>
                   <a:srgbClr val="3A70BC"/>
                 </a:solidFill>
               </a:defRPr>
             </a:pPr>
             <a:r>
-              <a:t>I see a generation. Rising up to take their place</a:t>
-            </a:r>
-            <a:br/>
-            <a:r>
-              <a:t> With selfless faith. With selfless faith</a:t>
-            </a:r>
-            <a:br/>
+              <a:t>Because He lives, I can face tomorrow, Because He lives, all fear is gone; Because I know He holds the future, And life is worth the living, Just because He lives!</a:t>
+            </a:r>
           </a:p>
         </p:txBody>
       </p:sp>
@@ -3621,22 +5247,22 @@
               <a:lnSpc>
                 <a:spcPts val="4800"/>
               </a:lnSpc>
-              <a:defRPr sz="4000">
+              <a:defRPr sz="4200">
                 <a:solidFill>
                   <a:srgbClr val="000000"/>
                 </a:solidFill>
               </a:defRPr>
             </a:pPr>
             <a:r>
-              <a:t>ฉันเห็นเปลวไฟการฟื้นฟู</a:t>
+              <a:t>และในวันหนึ่ง ข้าฯ จะเดินข้ามไป เพื่อได้ต่อสู้</a:t>
             </a:r>
             <a:br/>
             <a:r>
-              <a:t>เคลื่อนเข้ามาเมื่อเราร้องทูล</a:t>
+              <a:t>ศัตรูสุดท้าย แต่เมื่อความตาย นำสู่ความมีชัย</a:t>
             </a:r>
             <a:br/>
             <a:r>
-              <a:t>และทุกหัวเข่า ร่ำร้องวิงวอน</a:t>
+              <a:t>จะได้เห็นแสงแห่งราศี เพราะพระองค์ทรงอยู่</a:t>
             </a:r>
           </a:p>
         </p:txBody>
@@ -3658,7 +5284,7 @@
           <a:noFill/>
         </p:spPr>
         <p:txBody>
-          <a:bodyPr wrap="none">
+          <a:bodyPr wrap="square">
             <a:spAutoFit/>
           </a:bodyPr>
           <a:lstStyle/>
@@ -3668,20 +5294,15 @@
               <a:lnSpc>
                 <a:spcPts val="4800"/>
               </a:lnSpc>
-              <a:defRPr sz="3500">
+              <a:defRPr sz="4000">
                 <a:solidFill>
                   <a:srgbClr val="3A70BC"/>
                 </a:solidFill>
               </a:defRPr>
             </a:pPr>
             <a:r>
-              <a:t>I see a near revival. Stirring as we pray and seek</a:t>
-            </a:r>
-            <a:br/>
-            <a:r>
-              <a:t> We're on our knees. We're on our knees</a:t>
-            </a:r>
-            <a:br/>
+              <a:t>And then one day, I'll cross the river, I'll fight life's final war with pain; And then, as death gives way to victory, I'll see the lights of glory and I'll know He lives!</a:t>
+            </a:r>
           </a:p>
         </p:txBody>
       </p:sp>
@@ -3730,22 +5351,26 @@
               <a:lnSpc>
                 <a:spcPts val="4800"/>
               </a:lnSpc>
-              <a:defRPr sz="4000">
+              <a:defRPr sz="4200">
                 <a:solidFill>
                   <a:srgbClr val="000000"/>
                 </a:solidFill>
               </a:defRPr>
             </a:pPr>
             <a:r>
-              <a:t>โฮซันนา โฮซันนา โฮซันนา</a:t>
+              <a:t>เพราะพระองค์ทรงอยู่ ข้าเผชิญพรุ่งนี้ได้</a:t>
             </a:r>
             <a:br/>
             <a:r>
-              <a:t>แด่ผู้สูงสุด โฮซันนา</a:t>
+              <a:t>เพราะพระองค์ทรงอยู่ ความกลัวหายไป เพราะข้าแน่ใจ</a:t>
             </a:r>
             <a:br/>
             <a:r>
-              <a:t>โฮซันนา โฮซันนา แด่ผู้สูงสุด</a:t>
+              <a:t>(แน่ใจ) พระองค์ทรงนำหน้า ข้าจะอดทนเพราะข้าแน่ใจ</a:t>
+            </a:r>
+            <a:br/>
+            <a:r>
+              <a:t>พระองค์ทรงอยู่</a:t>
             </a:r>
           </a:p>
         </p:txBody>
@@ -3767,7 +5392,7 @@
           <a:noFill/>
         </p:spPr>
         <p:txBody>
-          <a:bodyPr wrap="none">
+          <a:bodyPr wrap="square">
             <a:spAutoFit/>
           </a:bodyPr>
           <a:lstStyle/>
@@ -3777,20 +5402,15 @@
               <a:lnSpc>
                 <a:spcPts val="4800"/>
               </a:lnSpc>
-              <a:defRPr sz="3500">
+              <a:defRPr sz="4000">
                 <a:solidFill>
                   <a:srgbClr val="3A70BC"/>
                 </a:solidFill>
               </a:defRPr>
             </a:pPr>
             <a:r>
-              <a:t>Hosanna Hosanna</a:t>
-            </a:r>
-            <a:br/>
-            <a:r>
-              <a:t> Hosanna in the Highest</a:t>
-            </a:r>
-            <a:br/>
+              <a:t>Because He lives, I can face tomorrow, Because He lives, all fear is gone; Because I know He holds the future, And life is worth the living, Just because He lives!</a:t>
+            </a:r>
           </a:p>
         </p:txBody>
       </p:sp>
@@ -3814,6 +5434,66 @@
       <p:grpSpPr/>
       <p:sp>
         <p:nvSpPr>
+          <p:cNvPr id="2" name="Title 1"/>
+          <p:cNvSpPr>
+            <a:spLocks noGrp="1"/>
+          </p:cNvSpPr>
+          <p:nvPr>
+            <p:ph type="ctrTitle"/>
+          </p:nvPr>
+        </p:nvSpPr>
+        <p:spPr/>
+        <p:txBody>
+          <a:bodyPr/>
+          <a:lstStyle/>
+          <a:p>
+            <a:r>
+              <a:t>แสงพระเยซู</a:t>
+            </a:r>
+          </a:p>
+        </p:txBody>
+      </p:sp>
+      <p:sp>
+        <p:nvSpPr>
+          <p:cNvPr id="3" name="Subtitle 2"/>
+          <p:cNvSpPr>
+            <a:spLocks noGrp="1"/>
+          </p:cNvSpPr>
+          <p:nvPr>
+            <p:ph type="subTitle" idx="1"/>
+          </p:nvPr>
+        </p:nvSpPr>
+        <p:spPr/>
+        <p:txBody>
+          <a:bodyPr/>
+          <a:lstStyle/>
+          <a:p>
+            <a:r>
+              <a:t>Shine Jesus Shine</a:t>
+            </a:r>
+          </a:p>
+        </p:txBody>
+      </p:sp>
+    </p:spTree>
+  </p:cSld>
+  <p:clrMapOvr>
+    <a:masterClrMapping/>
+  </p:clrMapOvr>
+</p:sld>
+</file>
+
+<file path=ppt/slides/slide9.xml><?xml version="1.0" encoding="utf-8"?>
+<p:sld xmlns:a="http://schemas.openxmlformats.org/drawingml/2006/main" xmlns:p="http://schemas.openxmlformats.org/presentationml/2006/main" xmlns:r="http://schemas.openxmlformats.org/officeDocument/2006/relationships">
+  <p:cSld>
+    <p:spTree>
+      <p:nvGrpSpPr>
+        <p:cNvPr id="1" name=""/>
+        <p:cNvGrpSpPr/>
+        <p:nvPr/>
+      </p:nvGrpSpPr>
+      <p:grpSpPr/>
+      <p:sp>
+        <p:nvSpPr>
           <p:cNvPr id="2" name="TextBox 1"/>
           <p:cNvSpPr txBox="1"/>
           <p:nvPr/>
@@ -3829,7 +5509,46 @@
           <a:noFill/>
         </p:spPr>
         <p:txBody>
-          <a:bodyPr wrap="none">
+          <a:bodyPr wrap="square">
+            <a:spAutoFit/>
+          </a:bodyPr>
+          <a:lstStyle/>
+          <a:p/>
+          <a:p>
+            <a:pPr algn="ctr">
+              <a:lnSpc>
+                <a:spcPts val="4800"/>
+              </a:lnSpc>
+              <a:defRPr sz="4200">
+                <a:solidFill>
+                  <a:srgbClr val="000000"/>
+                </a:solidFill>
+              </a:defRPr>
+            </a:pPr>
+            <a:r>
+              <a:t>องค์พระเจ้าแห่งความรักทรงส่องแสง ในท่ามกลางความมืดมิดแห่งชีวิต พระเยซูเป็นสว่างส่องเหนือพวกเรา ทรงปลดปล่อยนำเราด้วยความจริงยิ่งใหญ่ ส่องยังพวกเรา ส่องยังพวกเรา</a:t>
+            </a:r>
+          </a:p>
+        </p:txBody>
+      </p:sp>
+      <p:sp>
+        <p:nvSpPr>
+          <p:cNvPr id="3" name="TextBox 2"/>
+          <p:cNvSpPr txBox="1"/>
+          <p:nvPr/>
+        </p:nvSpPr>
+        <p:spPr>
+          <a:xfrm>
+            <a:off x="685800" y="3657600"/>
+            <a:ext cx="7772400" cy="2971800"/>
+          </a:xfrm>
+          <a:prstGeom prst="rect">
+            <a:avLst/>
+          </a:prstGeom>
+          <a:noFill/>
+        </p:spPr>
+        <p:txBody>
+          <a:bodyPr wrap="square">
             <a:spAutoFit/>
           </a:bodyPr>
           <a:lstStyle/>
@@ -3841,63 +5560,12 @@
               </a:lnSpc>
               <a:defRPr sz="4000">
                 <a:solidFill>
-                  <a:srgbClr val="000000"/>
+                  <a:srgbClr val="3A70BC"/>
                 </a:solidFill>
               </a:defRPr>
             </a:pPr>
             <a:r>
-              <a:t>ขอพระองค์ชำระหัวใจ ให้ดวงตาฉันเห็น สิ่งที่ยังซ่อนอยู่</a:t>
-            </a:r>
-            <a:br/>
-            <a:r>
-              <a:t>ขอให้ฉันได้มีความรัก เหมือนพระองค์ ขอพระองค์ละลายหัวใจ</a:t>
-            </a:r>
-            <a:br/>
-            <a:r>
-              <a:t>มอบชีวิตถวาย อยู่ในน้ำพระทัย ทุกวันคืนที่ฉันเดินไป</a:t>
-            </a:r>
-            <a:br/>
-            <a:r>
-              <a:t>สู่นิจนิรันดร์</a:t>
-            </a:r>
-          </a:p>
-        </p:txBody>
-      </p:sp>
-      <p:sp>
-        <p:nvSpPr>
-          <p:cNvPr id="3" name="TextBox 2"/>
-          <p:cNvSpPr txBox="1"/>
-          <p:nvPr/>
-        </p:nvSpPr>
-        <p:spPr>
-          <a:xfrm>
-            <a:off x="685800" y="3657600"/>
-            <a:ext cx="7772400" cy="2971800"/>
-          </a:xfrm>
-          <a:prstGeom prst="rect">
-            <a:avLst/>
-          </a:prstGeom>
-          <a:noFill/>
-        </p:spPr>
-        <p:txBody>
-          <a:bodyPr wrap="square">
-            <a:spAutoFit/>
-          </a:bodyPr>
-          <a:lstStyle/>
-          <a:p/>
-          <a:p>
-            <a:pPr algn="ctr">
-              <a:lnSpc>
-                <a:spcPts val="4800"/>
-              </a:lnSpc>
-              <a:defRPr sz="3500">
-                <a:solidFill>
-                  <a:srgbClr val="3A70BC"/>
-                </a:solidFill>
-              </a:defRPr>
-            </a:pPr>
-            <a:r>
-              <a:t>Heal my heart and make it clean. Open up my eyes to the things unseen. Show me how to love like you have loved me. Break my heart for what breaks yours. Everything I am for your Kingdom's cause. As I walk from Earth into Eternity.</a:t>
+              <a:t>Lord, the Light of Your Love is shining, In the midst of the darkness shining, Jesus, Light of the World, shine upon us, Set us free by the truth You now bring us, Shine on me. Shine on me.</a:t>
             </a:r>
           </a:p>
         </p:txBody>

--- a/finishedppt/WorshipSongs.pptx
+++ b/finishedppt/WorshipSongs.pptx
@@ -32,6 +32,9 @@
     <p:sldId id="280" r:id="rId31"/>
     <p:sldId id="281" r:id="rId32"/>
     <p:sldId id="282" r:id="rId33"/>
+    <p:sldId id="283" r:id="rId34"/>
+    <p:sldId id="284" r:id="rId35"/>
+    <p:sldId id="285" r:id="rId36"/>
   </p:sldIdLst>
   <p:sldSz cx="9144000" cy="6858000" type="screen4x3"/>
   <p:notesSz cx="6858000" cy="9144000"/>
@@ -3130,7 +3133,7 @@
           <a:lstStyle/>
           <a:p>
             <a:r>
-              <a:t>เพราะพระองค์ทรงอยู่</a:t>
+              <a:t>พระเจ้าของเรา</a:t>
             </a:r>
           </a:p>
         </p:txBody>
@@ -3151,7 +3154,7 @@
           <a:lstStyle/>
           <a:p>
             <a:r>
-              <a:t>Because He Lives</a:t>
+              <a:t>Our God</a:t>
             </a:r>
           </a:p>
         </p:txBody>
@@ -3208,7 +3211,7 @@
               </a:defRPr>
             </a:pPr>
             <a:r>
-              <a:t>แสงพระเยซู ส่องดินแดนด้วยพระสิริพระบิดา ขอพระวิญญาณเจิมใจเราด้วยไฟ ไหลดั่งแม่น้ำท่วมวิญญาณเหล่าประชา ด้วยพระคุณ และทรงการุณย์พระคำเป็นความสว่าง</a:t>
+              <a:t>แม้บุคคลทั้งปวง มีทรัพย์สมบัติมากมาย แต่พระเจ้าสัญญา ให้พรจนนับไม่ไหว รับพระพร ซึ่งทรัพย์สินเงินทองซื้อไม่ได้ แล้วพระเจ้าประทาน บำเหน็จจนเหลือบรรยาย</a:t>
             </a:r>
           </a:p>
         </p:txBody>
@@ -3240,14 +3243,14 @@
               <a:lnSpc>
                 <a:spcPts val="4800"/>
               </a:lnSpc>
-              <a:defRPr sz="4000">
+              <a:defRPr sz="3800">
                 <a:solidFill>
                   <a:srgbClr val="3A70BC"/>
                 </a:solidFill>
               </a:defRPr>
             </a:pPr>
             <a:r>
-              <a:t>Shine, Jesus shine, Fill this land with the Father's glory. Blaze, Spirit blaze, Set our hearts on fire. Flow, river flow, Flood the nations with grace and mercy. Send forth Your word, Lord and let there be light.</a:t>
+              <a:t>Are you ever burdened with a load of care? Does the cross seem heavy you are called to bear? Count your many blessings, ev'ry doubt will fly, And you will be singing as the days go by.</a:t>
             </a:r>
           </a:p>
         </p:txBody>
@@ -3287,7 +3290,7 @@
           <a:noFill/>
         </p:spPr>
         <p:txBody>
-          <a:bodyPr wrap="square">
+          <a:bodyPr wrap="none">
             <a:spAutoFit/>
           </a:bodyPr>
           <a:lstStyle/>
@@ -3304,7 +3307,15 @@
               </a:defRPr>
             </a:pPr>
             <a:r>
-              <a:t>เราเข้าเฝ้าที่ประทับองค์พระเจ้า สู่แสงแห่งรัศมีของพระองค์ โดยโลหิตแห่งพระคริสต์ชีวิตสดใส ส่องจิตใจเราเป็นไท พ้นความมืดมน ส่องยังพวกเรา ส่องยังพวกเรา</a:t>
+              <a:t>นับพระพรของท่านดูทีละอัน นับพระพรซึ่งพระเยซูประทาน</a:t>
+            </a:r>
+            <a:br/>
+            <a:r>
+              <a:t>นับพระพรนั้น นับดูทีละอัน นับพระพรของท่าน</a:t>
+            </a:r>
+            <a:br/>
+            <a:r>
+              <a:t>ซึ่งพระเยซูประทาน</a:t>
             </a:r>
           </a:p>
         </p:txBody>
@@ -3336,14 +3347,14 @@
               <a:lnSpc>
                 <a:spcPts val="4800"/>
               </a:lnSpc>
-              <a:defRPr sz="4000">
+              <a:defRPr sz="3800">
                 <a:solidFill>
                   <a:srgbClr val="3A70BC"/>
                 </a:solidFill>
               </a:defRPr>
             </a:pPr>
             <a:r>
-              <a:t>Lord I come to Your awesome presence, From the shadows into Your radiance. By the blood I may enter Your brightness, Search me, try me, consume all my darkness. Shine on me. Shine on me.</a:t>
+              <a:t>Count your blessings, name them one by one; Count your blessings, see what God hath done; Count your blessings, name them one by one; Count your many blessings, see what God hath done.</a:t>
             </a:r>
           </a:p>
         </p:txBody>
@@ -3383,7 +3394,7 @@
           <a:noFill/>
         </p:spPr>
         <p:txBody>
-          <a:bodyPr wrap="square">
+          <a:bodyPr wrap="none">
             <a:spAutoFit/>
           </a:bodyPr>
           <a:lstStyle/>
@@ -3400,7 +3411,19 @@
               </a:defRPr>
             </a:pPr>
             <a:r>
-              <a:t>แสงพระเยซู ส่องดินแดนด้วยพระสิริพระบิดา ขอพระวิญญาณเจิมใจเราด้วยไฟ ไหลดั่งแม่น้ำท่วมวิญญาณเหล่าประชา ด้วยพระคุณ และทรงการุณย์พระคำเป็นความสว่าง</a:t>
+              <a:t>เวลาท่านต่อสู้ จะเป็นการเล็กหรือใหญ่</a:t>
+            </a:r>
+            <a:br/>
+            <a:r>
+              <a:t>อย่าระอาอ่อนใจ พระผู้เป็นเจ้าอยู่ใกล้</a:t>
+            </a:r>
+            <a:br/>
+            <a:r>
+              <a:t>จงนับดูพระพร เพราะทูตสวรรค์ป้องกัน ช่วยปลอบโยนดวงจิต</a:t>
+            </a:r>
+            <a:br/>
+            <a:r>
+              <a:t>ท่านจนตลอดสิ้นกาล</a:t>
             </a:r>
           </a:p>
         </p:txBody>
@@ -3432,14 +3455,14 @@
               <a:lnSpc>
                 <a:spcPts val="4800"/>
               </a:lnSpc>
-              <a:defRPr sz="4000">
+              <a:defRPr sz="3800">
                 <a:solidFill>
                   <a:srgbClr val="3A70BC"/>
                 </a:solidFill>
               </a:defRPr>
             </a:pPr>
             <a:r>
-              <a:t>Shine, Jesus shine, Fill this land with the Father's glory. Blaze, Spirit blaze, Set our hearts on fire. Flow, river flow, Flood the nations with grace and mercy. Send forth Your word, Lord and let there be light.</a:t>
+              <a:t>So, amid the conflict, whether great or small, Do not be discouraged, God is over all; Count your many blessings, angels will attend, Help and comfort give you to your journey's end.</a:t>
             </a:r>
           </a:p>
         </p:txBody>
@@ -3479,7 +3502,7 @@
           <a:noFill/>
         </p:spPr>
         <p:txBody>
-          <a:bodyPr wrap="square">
+          <a:bodyPr wrap="none">
             <a:spAutoFit/>
           </a:bodyPr>
           <a:lstStyle/>
@@ -3496,7 +3519,15 @@
               </a:defRPr>
             </a:pPr>
             <a:r>
-              <a:t>เมื่อมองดูพักตร์พระเจ้าบรรเจิดจ้า บนใบหน้าเราจะเหมือนดังพระองค์ ขอเปลี่ยนแปลง และนำเราสู่พระสิริ เพื่อชีวิตจะสะท้อน ให้เห็นพระองค์ ส่องยังพวกเรา ส่องยังพวกเรา</a:t>
+              <a:t>นับพระพรของท่านดูทีละอัน นับพระพรซึ่งพระเยซูประทาน</a:t>
+            </a:r>
+            <a:br/>
+            <a:r>
+              <a:t>นับพระพรนั้น นับดูทีละอัน นับพระพรของท่าน</a:t>
+            </a:r>
+            <a:br/>
+            <a:r>
+              <a:t>ซึ่งพระเยซูประทาน</a:t>
             </a:r>
           </a:p>
         </p:txBody>
@@ -3528,14 +3559,14 @@
               <a:lnSpc>
                 <a:spcPts val="4800"/>
               </a:lnSpc>
-              <a:defRPr sz="4000">
+              <a:defRPr sz="3800">
                 <a:solidFill>
                   <a:srgbClr val="3A70BC"/>
                 </a:solidFill>
               </a:defRPr>
             </a:pPr>
             <a:r>
-              <a:t>As we gaze on Your kindly brightness. So our faces display Your likeness. Ever changing from glory to glory, Mirrored here may our lives tell Your story. Shine on me. Shine on me.</a:t>
+              <a:t>Count your blessings, name them one by one; Count your blessings, see what God hath done; Count your blessings, name them one by one; Count your many blessings, see what God hath done.</a:t>
             </a:r>
           </a:p>
         </p:txBody>
@@ -3560,78 +3591,42 @@
       <p:grpSpPr/>
       <p:sp>
         <p:nvSpPr>
-          <p:cNvPr id="2" name="TextBox 1"/>
-          <p:cNvSpPr txBox="1"/>
-          <p:nvPr/>
-        </p:nvSpPr>
-        <p:spPr>
-          <a:xfrm>
-            <a:off x="685800" y="228600"/>
-            <a:ext cx="7772400" cy="2971800"/>
-          </a:xfrm>
-          <a:prstGeom prst="rect">
-            <a:avLst/>
-          </a:prstGeom>
-          <a:noFill/>
-        </p:spPr>
-        <p:txBody>
-          <a:bodyPr wrap="square">
-            <a:spAutoFit/>
-          </a:bodyPr>
-          <a:lstStyle/>
-          <a:p/>
-          <a:p>
-            <a:pPr algn="ctr">
-              <a:lnSpc>
-                <a:spcPts val="4800"/>
-              </a:lnSpc>
-              <a:defRPr sz="4200">
-                <a:solidFill>
-                  <a:srgbClr val="000000"/>
-                </a:solidFill>
-              </a:defRPr>
-            </a:pPr>
-            <a:r>
-              <a:t>แสงพระเยซู ส่องดินแดนด้วยพระสิริพระบิดา ขอพระวิญญาณเจิมใจเราด้วยไฟ ไหลดั่งแม่น้ำท่วมวิญญาณเหล่าประชา ด้วยพระคุณ และทรงการุณย์พระคำเป็นความสว่าง</a:t>
-            </a:r>
-          </a:p>
-        </p:txBody>
-      </p:sp>
-      <p:sp>
-        <p:nvSpPr>
-          <p:cNvPr id="3" name="TextBox 2"/>
-          <p:cNvSpPr txBox="1"/>
-          <p:nvPr/>
-        </p:nvSpPr>
-        <p:spPr>
-          <a:xfrm>
-            <a:off x="685800" y="3657600"/>
-            <a:ext cx="7772400" cy="2971800"/>
-          </a:xfrm>
-          <a:prstGeom prst="rect">
-            <a:avLst/>
-          </a:prstGeom>
-          <a:noFill/>
-        </p:spPr>
-        <p:txBody>
-          <a:bodyPr wrap="square">
-            <a:spAutoFit/>
-          </a:bodyPr>
-          <a:lstStyle/>
-          <a:p/>
-          <a:p>
-            <a:pPr algn="ctr">
-              <a:lnSpc>
-                <a:spcPts val="4800"/>
-              </a:lnSpc>
-              <a:defRPr sz="4000">
-                <a:solidFill>
-                  <a:srgbClr val="3A70BC"/>
-                </a:solidFill>
-              </a:defRPr>
-            </a:pPr>
-            <a:r>
-              <a:t>Shine, Jesus shine, Fill this land with the Father's glory. Blaze, Spirit blaze, Set our hearts on fire. Flow, river flow, Flood the nations with grace and mercy. Send forth Your word, Lord and let there be light.</a:t>
+          <p:cNvPr id="2" name="Title 1"/>
+          <p:cNvSpPr>
+            <a:spLocks noGrp="1"/>
+          </p:cNvSpPr>
+          <p:nvPr>
+            <p:ph type="ctrTitle"/>
+          </p:nvPr>
+        </p:nvSpPr>
+        <p:spPr/>
+        <p:txBody>
+          <a:bodyPr/>
+          <a:lstStyle/>
+          <a:p>
+            <a:r>
+              <a:t>เรามาเต้นรำในบ้านหลังนี้</a:t>
+            </a:r>
+          </a:p>
+        </p:txBody>
+      </p:sp>
+      <p:sp>
+        <p:nvSpPr>
+          <p:cNvPr id="3" name="Subtitle 2"/>
+          <p:cNvSpPr>
+            <a:spLocks noGrp="1"/>
+          </p:cNvSpPr>
+          <p:nvPr>
+            <p:ph type="subTitle" idx="1"/>
+          </p:nvPr>
+        </p:nvSpPr>
+        <p:spPr/>
+        <p:txBody>
+          <a:bodyPr/>
+          <a:lstStyle/>
+          <a:p>
+            <a:r>
+              <a:t>Hear Our Praises</a:t>
             </a:r>
           </a:p>
         </p:txBody>
@@ -3656,42 +3651,90 @@
       <p:grpSpPr/>
       <p:sp>
         <p:nvSpPr>
-          <p:cNvPr id="2" name="Title 1"/>
-          <p:cNvSpPr>
-            <a:spLocks noGrp="1"/>
-          </p:cNvSpPr>
-          <p:nvPr>
-            <p:ph type="ctrTitle"/>
-          </p:nvPr>
-        </p:nvSpPr>
-        <p:spPr/>
-        <p:txBody>
-          <a:bodyPr/>
-          <a:lstStyle/>
-          <a:p>
-            <a:r>
-              <a:t>ขอถวายหมดดวงใจ</a:t>
-            </a:r>
-          </a:p>
-        </p:txBody>
-      </p:sp>
-      <p:sp>
-        <p:nvSpPr>
-          <p:cNvPr id="3" name="Subtitle 2"/>
-          <p:cNvSpPr>
-            <a:spLocks noGrp="1"/>
-          </p:cNvSpPr>
-          <p:nvPr>
-            <p:ph type="subTitle" idx="1"/>
-          </p:nvPr>
-        </p:nvSpPr>
-        <p:spPr/>
-        <p:txBody>
-          <a:bodyPr/>
-          <a:lstStyle/>
-          <a:p>
-            <a:r>
-              <a:t>I Give You My Heart</a:t>
+          <p:cNvPr id="2" name="TextBox 1"/>
+          <p:cNvSpPr txBox="1"/>
+          <p:nvPr/>
+        </p:nvSpPr>
+        <p:spPr>
+          <a:xfrm>
+            <a:off x="685800" y="228600"/>
+            <a:ext cx="7772400" cy="2971800"/>
+          </a:xfrm>
+          <a:prstGeom prst="rect">
+            <a:avLst/>
+          </a:prstGeom>
+          <a:noFill/>
+        </p:spPr>
+        <p:txBody>
+          <a:bodyPr wrap="none">
+            <a:spAutoFit/>
+          </a:bodyPr>
+          <a:lstStyle/>
+          <a:p/>
+          <a:p>
+            <a:pPr algn="ctr">
+              <a:lnSpc>
+                <a:spcPts val="4800"/>
+              </a:lnSpc>
+              <a:defRPr sz="4200">
+                <a:solidFill>
+                  <a:srgbClr val="000000"/>
+                </a:solidFill>
+              </a:defRPr>
+            </a:pPr>
+            <a:r>
+              <a:t>เรามาเต้นรำในบ้านหลังนี้</a:t>
+            </a:r>
+            <a:br/>
+            <a:r>
+              <a:t>ให้ท้องถนนเปรมปรีดิ์ทั่วกัน</a:t>
+            </a:r>
+            <a:br/>
+            <a:r>
+              <a:t>มวลมนุษย์กราบองค์พระเยซู</a:t>
+            </a:r>
+            <a:br/>
+            <a:r>
+              <a:t>นมัสการและอธิษฐาน</a:t>
+            </a:r>
+          </a:p>
+        </p:txBody>
+      </p:sp>
+      <p:sp>
+        <p:nvSpPr>
+          <p:cNvPr id="3" name="TextBox 2"/>
+          <p:cNvSpPr txBox="1"/>
+          <p:nvPr/>
+        </p:nvSpPr>
+        <p:spPr>
+          <a:xfrm>
+            <a:off x="685800" y="3657600"/>
+            <a:ext cx="7772400" cy="2971800"/>
+          </a:xfrm>
+          <a:prstGeom prst="rect">
+            <a:avLst/>
+          </a:prstGeom>
+          <a:noFill/>
+        </p:spPr>
+        <p:txBody>
+          <a:bodyPr wrap="square">
+            <a:spAutoFit/>
+          </a:bodyPr>
+          <a:lstStyle/>
+          <a:p/>
+          <a:p>
+            <a:pPr algn="ctr">
+              <a:lnSpc>
+                <a:spcPts val="4800"/>
+              </a:lnSpc>
+              <a:defRPr sz="3800">
+                <a:solidFill>
+                  <a:srgbClr val="3A70BC"/>
+                </a:solidFill>
+              </a:defRPr>
+            </a:pPr>
+            <a:r>
+              <a:t>May our homes be filled with dancing. May our streets be filled with joy. May injustice bow to Jesus. As the people turn to pray.</a:t>
             </a:r>
           </a:p>
         </p:txBody>
@@ -3748,19 +3791,19 @@
               </a:defRPr>
             </a:pPr>
             <a:r>
-              <a:t>สิ่งประเสริฐที่ฉันต้องการ คือถวายเกียรติ</a:t>
-            </a:r>
-            <a:br/>
-            <a:r>
-              <a:t>ในจิตใจของฉันนั้นอยาก นมัสการ สรรพสิ่งที่ฉันมีอยู่</a:t>
-            </a:r>
-            <a:br/>
-            <a:r>
-              <a:t>เพื่อใช้สรรเสริญ องค์ราชาที่ฉันบูชา</a:t>
-            </a:r>
-            <a:br/>
-            <a:r>
-              <a:t>คือพระองค์</a:t>
+              <a:t>คำสรรเสริญจาก เสียงของพวกเรา</a:t>
+            </a:r>
+            <a:br/>
+            <a:r>
+              <a:t>ถึงพระเจ้าไป ไกลลับฟ้า จากภูเขาสู่</a:t>
+            </a:r>
+            <a:br/>
+            <a:r>
+              <a:t>เหวลึกที่สุด ถึงยังสวรรค์</a:t>
+            </a:r>
+            <a:br/>
+            <a:r>
+              <a:t>ชนทุกชาติ</a:t>
             </a:r>
           </a:p>
         </p:txBody>
@@ -3792,14 +3835,14 @@
               <a:lnSpc>
                 <a:spcPts val="4800"/>
               </a:lnSpc>
-              <a:defRPr sz="4000">
+              <a:defRPr sz="3800">
                 <a:solidFill>
                   <a:srgbClr val="3A70BC"/>
                 </a:solidFill>
               </a:defRPr>
             </a:pPr>
             <a:r>
-              <a:t>This is my desire, to honour You. Lord with all my heart I worship You. All I have within me. I give You praise. All that I adore is in You.</a:t>
+              <a:t>From the mountain to the valley, Hear our praises rise to You. From the heavens to the nations. Hear our singing fill the air.</a:t>
             </a:r>
           </a:p>
         </p:txBody>
@@ -3856,15 +3899,15 @@
               </a:defRPr>
             </a:pPr>
             <a:r>
-              <a:t>ขอถวายหมดดวงใจ ถวายหมดดวงจิต</a:t>
-            </a:r>
-            <a:br/>
-            <a:r>
-              <a:t>ถวายชีวิตรับใช้ ลมหายใจที่ยังมี</a:t>
-            </a:r>
-            <a:br/>
-            <a:r>
-              <a:t>ชีวีที่ดำเนินไป จะขอทำตามพระทัย</a:t>
+              <a:t>ไม้กางเขน ที่เรารับแบกไว้</a:t>
+            </a:r>
+            <a:br/>
+            <a:r>
+              <a:t>ขอให้เราเป็นแสงสว่าง พระสิริพระเจ้าเต็มท่วมท้น</a:t>
+            </a:r>
+            <a:br/>
+            <a:r>
+              <a:t>หมือนดังน้ำในท้องทะเล</a:t>
             </a:r>
           </a:p>
         </p:txBody>
@@ -3896,14 +3939,14 @@
               <a:lnSpc>
                 <a:spcPts val="4800"/>
               </a:lnSpc>
-              <a:defRPr sz="4000">
+              <a:defRPr sz="3800">
                 <a:solidFill>
                   <a:srgbClr val="3A70BC"/>
                 </a:solidFill>
               </a:defRPr>
             </a:pPr>
             <a:r>
-              <a:t>Lord I give You my heart. I give You my soul. I live for You alone. Every breath that I take. Every moment I'm awake. Lord have Your way in me.</a:t>
+              <a:t>May a light shine in the darkness. As we walk before the cross. May your glory fill the whole earth. As the water o'er the seas.</a:t>
             </a:r>
           </a:p>
         </p:txBody>
@@ -3928,40 +3971,92 @@
       <p:grpSpPr/>
       <p:sp>
         <p:nvSpPr>
-          <p:cNvPr id="2" name="Title 1"/>
-          <p:cNvSpPr>
-            <a:spLocks noGrp="1"/>
-          </p:cNvSpPr>
-          <p:nvPr>
-            <p:ph type="ctrTitle"/>
-          </p:nvPr>
-        </p:nvSpPr>
-        <p:spPr/>
-        <p:txBody>
-          <a:bodyPr/>
-          <a:lstStyle/>
-          <a:p>
-            <a:r>
-              <a:t>เรานมัสการ (เราพึ่งพาพระองค์)</a:t>
-            </a:r>
-          </a:p>
-        </p:txBody>
-      </p:sp>
-      <p:sp>
-        <p:nvSpPr>
-          <p:cNvPr id="3" name="Subtitle 2"/>
-          <p:cNvSpPr>
-            <a:spLocks noGrp="1"/>
-          </p:cNvSpPr>
-          <p:nvPr>
-            <p:ph type="subTitle" idx="1"/>
-          </p:nvPr>
-        </p:nvSpPr>
-        <p:spPr/>
-        <p:txBody>
-          <a:bodyPr/>
+          <p:cNvPr id="2" name="TextBox 1"/>
+          <p:cNvSpPr txBox="1"/>
+          <p:nvPr/>
+        </p:nvSpPr>
+        <p:spPr>
+          <a:xfrm>
+            <a:off x="685800" y="228600"/>
+            <a:ext cx="7772400" cy="2971800"/>
+          </a:xfrm>
+          <a:prstGeom prst="rect">
+            <a:avLst/>
+          </a:prstGeom>
+          <a:noFill/>
+        </p:spPr>
+        <p:txBody>
+          <a:bodyPr wrap="none">
+            <a:spAutoFit/>
+          </a:bodyPr>
           <a:lstStyle/>
           <a:p/>
+          <a:p>
+            <a:pPr algn="ctr">
+              <a:lnSpc>
+                <a:spcPts val="4800"/>
+              </a:lnSpc>
+              <a:defRPr sz="4200">
+                <a:solidFill>
+                  <a:srgbClr val="000000"/>
+                </a:solidFill>
+              </a:defRPr>
+            </a:pPr>
+            <a:r>
+              <a:t>คำสรรเสริญจาก เสียงของพวกเรา</a:t>
+            </a:r>
+            <a:br/>
+            <a:r>
+              <a:t>ถึงพระเจ้าไป ไกลลับฟ้า จากภูเขาสู่</a:t>
+            </a:r>
+            <a:br/>
+            <a:r>
+              <a:t>เหวลึกที่สุด ถึงยังสวรรค์</a:t>
+            </a:r>
+            <a:br/>
+            <a:r>
+              <a:t>ชนทุกชาติ</a:t>
+            </a:r>
+          </a:p>
+        </p:txBody>
+      </p:sp>
+      <p:sp>
+        <p:nvSpPr>
+          <p:cNvPr id="3" name="TextBox 2"/>
+          <p:cNvSpPr txBox="1"/>
+          <p:nvPr/>
+        </p:nvSpPr>
+        <p:spPr>
+          <a:xfrm>
+            <a:off x="685800" y="3657600"/>
+            <a:ext cx="7772400" cy="2971800"/>
+          </a:xfrm>
+          <a:prstGeom prst="rect">
+            <a:avLst/>
+          </a:prstGeom>
+          <a:noFill/>
+        </p:spPr>
+        <p:txBody>
+          <a:bodyPr wrap="square">
+            <a:spAutoFit/>
+          </a:bodyPr>
+          <a:lstStyle/>
+          <a:p/>
+          <a:p>
+            <a:pPr algn="ctr">
+              <a:lnSpc>
+                <a:spcPts val="4800"/>
+              </a:lnSpc>
+              <a:defRPr sz="3800">
+                <a:solidFill>
+                  <a:srgbClr val="3A70BC"/>
+                </a:solidFill>
+              </a:defRPr>
+            </a:pPr>
+            <a:r>
+              <a:t>From the mountain to the valley, Hear our praises rise to You. From the heavens to the nations. Hear our singing fill the air.</a:t>
+            </a:r>
+          </a:p>
         </p:txBody>
       </p:sp>
     </p:spTree>
@@ -3990,8 +4085,8 @@
         </p:nvSpPr>
         <p:spPr>
           <a:xfrm>
-            <a:off x="914400" y="457200"/>
-            <a:ext cx="7315200" cy="5486400"/>
+            <a:off x="685800" y="228600"/>
+            <a:ext cx="7772400" cy="2971800"/>
           </a:xfrm>
           <a:prstGeom prst="rect">
             <a:avLst/>
@@ -4007,7 +4102,7 @@
           <a:p>
             <a:pPr algn="ctr">
               <a:lnSpc>
-                <a:spcPts val="7000"/>
+                <a:spcPts val="4800"/>
               </a:lnSpc>
               <a:defRPr sz="4200">
                 <a:solidFill>
@@ -4016,19 +4111,58 @@
               </a:defRPr>
             </a:pPr>
             <a:r>
-              <a:t>เราพี่งพาพระองค์</a:t>
-            </a:r>
-            <a:br/>
-            <a:r>
-              <a:t>พระองค์ทรงเป็นทุกสิ่งที่ใจเราต้องการ</a:t>
-            </a:r>
-            <a:br/>
-            <a:r>
-              <a:t>เราเชื่อในพระองค์</a:t>
-            </a:r>
-            <a:br/>
-            <a:r>
-              <a:t>พระองค์บรรดาลทุกสิ่งที่เกินความเข้าใจของเรา</a:t>
+              <a:t>ฮาเลลูยา</a:t>
+            </a:r>
+            <a:br/>
+            <a:r>
+              <a:t>ฮาเลลูยา</a:t>
+            </a:r>
+            <a:br/>
+            <a:r>
+              <a:t>ฮาเลลูยา</a:t>
+            </a:r>
+            <a:br/>
+            <a:r>
+              <a:t>ฮาเลลูยา</a:t>
+            </a:r>
+          </a:p>
+        </p:txBody>
+      </p:sp>
+      <p:sp>
+        <p:nvSpPr>
+          <p:cNvPr id="3" name="TextBox 2"/>
+          <p:cNvSpPr txBox="1"/>
+          <p:nvPr/>
+        </p:nvSpPr>
+        <p:spPr>
+          <a:xfrm>
+            <a:off x="685800" y="3657600"/>
+            <a:ext cx="7772400" cy="2971800"/>
+          </a:xfrm>
+          <a:prstGeom prst="rect">
+            <a:avLst/>
+          </a:prstGeom>
+          <a:noFill/>
+        </p:spPr>
+        <p:txBody>
+          <a:bodyPr wrap="square">
+            <a:spAutoFit/>
+          </a:bodyPr>
+          <a:lstStyle/>
+          <a:p/>
+          <a:p>
+            <a:pPr algn="ctr">
+              <a:lnSpc>
+                <a:spcPts val="4800"/>
+              </a:lnSpc>
+              <a:defRPr sz="3800">
+                <a:solidFill>
+                  <a:srgbClr val="3A70BC"/>
+                </a:solidFill>
+              </a:defRPr>
+            </a:pPr>
+            <a:r>
+              <a:t>Halllelujah Hallelujah Hallelujah Hallelujah</a:t>
             </a:r>
           </a:p>
         </p:txBody>
@@ -4085,15 +4219,15 @@
               </a:defRPr>
             </a:pPr>
             <a:r>
-              <a:t>พระเจ้าประทาน พระเยซู พระบุตร ทรงรักและให้อภัยแก่ข้า</a:t>
-            </a:r>
-            <a:br/>
-            <a:r>
-              <a:t>ทรงไถ่ตัวข้า ด้วยสละพระชนม์ อุโมงค์ว่างเปล่า</a:t>
-            </a:r>
-            <a:br/>
-            <a:r>
-              <a:t>ย่อมยืนยันว่าพระองค์ทรงอยู่</a:t>
+              <a:t>พระองค์ทรงความอัศจรรย์</a:t>
+            </a:r>
+            <a:br/>
+            <a:r>
+              <a:t>มากมายสุดเกินจะบรรยาย</a:t>
+            </a:r>
+            <a:br/>
+            <a:r>
+              <a:t>จะหาผู้ใดเปรียบ เหมือนพระองค์</a:t>
             </a:r>
           </a:p>
         </p:txBody>
@@ -4115,7 +4249,7 @@
           <a:noFill/>
         </p:spPr>
         <p:txBody>
-          <a:bodyPr wrap="square">
+          <a:bodyPr wrap="none">
             <a:spAutoFit/>
           </a:bodyPr>
           <a:lstStyle/>
@@ -4125,14 +4259,26 @@
               <a:lnSpc>
                 <a:spcPts val="4800"/>
               </a:lnSpc>
-              <a:defRPr sz="4000">
+              <a:defRPr sz="3800">
                 <a:solidFill>
                   <a:srgbClr val="3A70BC"/>
                 </a:solidFill>
               </a:defRPr>
             </a:pPr>
             <a:r>
-              <a:t>God sent His son, they called Him Jesus; He came to love, heal and forgive; He lived and died to buy my pardon, An empty grave is there to prove my Savior lives!</a:t>
+              <a:t>Water You turned into wine</a:t>
+            </a:r>
+            <a:br/>
+            <a:r>
+              <a:t> Opened the eyes of the blind</a:t>
+            </a:r>
+            <a:br/>
+            <a:r>
+              <a:t> There's no one like You</a:t>
+            </a:r>
+            <a:br/>
+            <a:r>
+              <a:t> None like You.</a:t>
             </a:r>
           </a:p>
         </p:txBody>
@@ -4157,51 +4303,42 @@
       <p:grpSpPr/>
       <p:sp>
         <p:nvSpPr>
-          <p:cNvPr id="2" name="TextBox 1"/>
-          <p:cNvSpPr txBox="1"/>
-          <p:nvPr/>
-        </p:nvSpPr>
-        <p:spPr>
-          <a:xfrm>
-            <a:off x="914400" y="457200"/>
-            <a:ext cx="7315200" cy="5486400"/>
-          </a:xfrm>
-          <a:prstGeom prst="rect">
-            <a:avLst/>
-          </a:prstGeom>
-          <a:noFill/>
-        </p:spPr>
-        <p:txBody>
-          <a:bodyPr wrap="none">
-            <a:spAutoFit/>
-          </a:bodyPr>
-          <a:lstStyle/>
-          <a:p/>
-          <a:p>
-            <a:pPr algn="ctr">
-              <a:lnSpc>
-                <a:spcPts val="7000"/>
-              </a:lnSpc>
-              <a:defRPr sz="4200">
-                <a:solidFill>
-                  <a:srgbClr val="000000"/>
-                </a:solidFill>
-              </a:defRPr>
-            </a:pPr>
-            <a:r>
-              <a:t>เรานมัสการ องค์พระเจ้ายิ่งใหญ่</a:t>
-            </a:r>
-            <a:br/>
-            <a:r>
-              <a:t>ไม่มีอะไรที่อยากเกินกว่าพระองค์จะทำ</a:t>
-            </a:r>
-            <a:br/>
-            <a:r>
-              <a:t>เรานมัสการ องค์พระเจ้ายิ่งใหญ่</a:t>
-            </a:r>
-            <a:br/>
-            <a:r>
-              <a:t>และไม่มีใครเทียบได้กับพระองค์</a:t>
+          <p:cNvPr id="2" name="Title 1"/>
+          <p:cNvSpPr>
+            <a:spLocks noGrp="1"/>
+          </p:cNvSpPr>
+          <p:nvPr>
+            <p:ph type="ctrTitle"/>
+          </p:nvPr>
+        </p:nvSpPr>
+        <p:spPr/>
+        <p:txBody>
+          <a:bodyPr/>
+          <a:lstStyle/>
+          <a:p>
+            <a:r>
+              <a:t>หมดทั้งชีวิต</a:t>
+            </a:r>
+          </a:p>
+        </p:txBody>
+      </p:sp>
+      <p:sp>
+        <p:nvSpPr>
+          <p:cNvPr id="3" name="Subtitle 2"/>
+          <p:cNvSpPr>
+            <a:spLocks noGrp="1"/>
+          </p:cNvSpPr>
+          <p:nvPr>
+            <p:ph type="subTitle" idx="1"/>
+          </p:nvPr>
+        </p:nvSpPr>
+        <p:spPr/>
+        <p:txBody>
+          <a:bodyPr/>
+          <a:lstStyle/>
+          <a:p>
+            <a:r>
+              <a:t>Lord I Offer My Life To You</a:t>
             </a:r>
           </a:p>
         </p:txBody>
@@ -4226,42 +4363,90 @@
       <p:grpSpPr/>
       <p:sp>
         <p:nvSpPr>
-          <p:cNvPr id="2" name="Title 1"/>
-          <p:cNvSpPr>
-            <a:spLocks noGrp="1"/>
-          </p:cNvSpPr>
-          <p:nvPr>
-            <p:ph type="ctrTitle"/>
-          </p:nvPr>
-        </p:nvSpPr>
-        <p:spPr/>
-        <p:txBody>
-          <a:bodyPr/>
-          <a:lstStyle/>
-          <a:p>
-            <a:r>
-              <a:t>อย่าหยุดอ้อนวอน</a:t>
-            </a:r>
-          </a:p>
-        </p:txBody>
-      </p:sp>
-      <p:sp>
-        <p:nvSpPr>
-          <p:cNvPr id="3" name="Subtitle 2"/>
-          <p:cNvSpPr>
-            <a:spLocks noGrp="1"/>
-          </p:cNvSpPr>
-          <p:nvPr>
-            <p:ph type="subTitle" idx="1"/>
-          </p:nvPr>
-        </p:nvSpPr>
-        <p:spPr/>
-        <p:txBody>
-          <a:bodyPr/>
-          <a:lstStyle/>
-          <a:p>
-            <a:r>
-              <a:t>Don't Stop Praying</a:t>
+          <p:cNvPr id="2" name="TextBox 1"/>
+          <p:cNvSpPr txBox="1"/>
+          <p:nvPr/>
+        </p:nvSpPr>
+        <p:spPr>
+          <a:xfrm>
+            <a:off x="685800" y="228600"/>
+            <a:ext cx="7772400" cy="2971800"/>
+          </a:xfrm>
+          <a:prstGeom prst="rect">
+            <a:avLst/>
+          </a:prstGeom>
+          <a:noFill/>
+        </p:spPr>
+        <p:txBody>
+          <a:bodyPr wrap="none">
+            <a:spAutoFit/>
+          </a:bodyPr>
+          <a:lstStyle/>
+          <a:p/>
+          <a:p>
+            <a:pPr algn="ctr">
+              <a:lnSpc>
+                <a:spcPts val="4800"/>
+              </a:lnSpc>
+              <a:defRPr sz="4200">
+                <a:solidFill>
+                  <a:srgbClr val="000000"/>
+                </a:solidFill>
+              </a:defRPr>
+            </a:pPr>
+            <a:r>
+              <a:t>หมดทั้งชีวิต หมดที่ข้าฯ มี ข้าฯ</a:t>
+            </a:r>
+            <a:br/>
+            <a:r>
+              <a:t>ขอวางลงจำเพาะพระพักตร์พระองค์ ทุกความรู้สึก</a:t>
+            </a:r>
+            <a:br/>
+            <a:r>
+              <a:t>เจ็บปวดหรือชื่นชม ยินดีหรือทุกข์ใจ</a:t>
+            </a:r>
+            <a:br/>
+            <a:r>
+              <a:t>มอบไว้แด่พระองค์</a:t>
+            </a:r>
+          </a:p>
+        </p:txBody>
+      </p:sp>
+      <p:sp>
+        <p:nvSpPr>
+          <p:cNvPr id="3" name="TextBox 2"/>
+          <p:cNvSpPr txBox="1"/>
+          <p:nvPr/>
+        </p:nvSpPr>
+        <p:spPr>
+          <a:xfrm>
+            <a:off x="685800" y="3657600"/>
+            <a:ext cx="7772400" cy="2971800"/>
+          </a:xfrm>
+          <a:prstGeom prst="rect">
+            <a:avLst/>
+          </a:prstGeom>
+          <a:noFill/>
+        </p:spPr>
+        <p:txBody>
+          <a:bodyPr wrap="square">
+            <a:spAutoFit/>
+          </a:bodyPr>
+          <a:lstStyle/>
+          <a:p/>
+          <a:p>
+            <a:pPr algn="ctr">
+              <a:lnSpc>
+                <a:spcPts val="4800"/>
+              </a:lnSpc>
+              <a:defRPr sz="3800">
+                <a:solidFill>
+                  <a:srgbClr val="3A70BC"/>
+                </a:solidFill>
+              </a:defRPr>
+            </a:pPr>
+            <a:r>
+              <a:t>All that I am, all that I have. I lay them down before you, oh Lord. All my regrets, all my acclaims. The joy and the pain, I'm making them yours.</a:t>
             </a:r>
           </a:p>
         </p:txBody>
@@ -4318,19 +4503,19 @@
               </a:defRPr>
             </a:pPr>
             <a:r>
-              <a:t>อย่าหยุดอ้อนวอน พระเจ้าอยู่ใกล้</a:t>
-            </a:r>
-            <a:br/>
-            <a:r>
-              <a:t>อย่าเว้นอ้อนวอน พระเจ้าโปรดได้</a:t>
-            </a:r>
-            <a:br/>
-            <a:r>
-              <a:t>อย่าหยุดอ้อนวอน พระองค์สัญญา</a:t>
-            </a:r>
-            <a:br/>
-            <a:r>
-              <a:t>ทูลขอสิ่งใดประทานให้มา</a:t>
+              <a:t>พระเจ้าข้าฯ มอบถวายทั้งชีวี ทั้งหมดทุกสิ่งที่มี</a:t>
+            </a:r>
+            <a:br/>
+            <a:r>
+              <a:t>เพื่อถวายพระสิริ พระเจ้าข้าฯ มอบทุกวันคืนที่มี</a:t>
+            </a:r>
+            <a:br/>
+            <a:r>
+              <a:t>เพื่อสรรเสริญทั้งชีวี เป็นเครื่องบูชาที่พอพระทัย</a:t>
+            </a:r>
+            <a:br/>
+            <a:r>
+              <a:t>พระเจ้าข้าฯ มอบชีวิตถวาย</a:t>
             </a:r>
           </a:p>
         </p:txBody>
@@ -4362,14 +4547,14 @@
               <a:lnSpc>
                 <a:spcPts val="4800"/>
               </a:lnSpc>
-              <a:defRPr sz="4000">
+              <a:defRPr sz="3800">
                 <a:solidFill>
                   <a:srgbClr val="3A70BC"/>
                 </a:solidFill>
               </a:defRPr>
             </a:pPr>
             <a:r>
-              <a:t>Don't stop praying! The Lord is nigh; Don't stop praying! He'll hear your cry; God has promised, and He is true; Don't stop praying; He'll answer you.</a:t>
+              <a:t>Lord, I offer my life to you. Everything I've been through. Use it for your glory. Lord I offer my days to you. Lifting my praise to you. As a pleasing sacrifice. Lord I offer you my life.</a:t>
             </a:r>
           </a:p>
         </p:txBody>
@@ -4426,15 +4611,19 @@
               </a:defRPr>
             </a:pPr>
             <a:r>
-              <a:t>อย่าหยุดอ้อนวอนทูลขอทุกอย่าง</a:t>
-            </a:r>
-            <a:br/>
-            <a:r>
-              <a:t>อย่าเว้นอ้อนวอนพระองค์ทรงฟัง</a:t>
-            </a:r>
-            <a:br/>
-            <a:r>
-              <a:t>คำร้องทูลขอสำคัญนักหนา อย่าเว้นอ้อนวอนพระพรจะมา</a:t>
+              <a:t>สิ่งที่เคยพบ สิ่งที่จะเจอ ทุกความต้องการ</a:t>
+            </a:r>
+            <a:br/>
+            <a:r>
+              <a:t>และทุกๆ ความใฝ่ฝัน ทุกความหวังใจ</a:t>
+            </a:r>
+            <a:br/>
+            <a:r>
+              <a:t>และในทุกแผนการ ชูมือและใจข้าฯ</a:t>
+            </a:r>
+            <a:br/>
+            <a:r>
+              <a:t>ถวายแด่พระองค์</a:t>
             </a:r>
           </a:p>
         </p:txBody>
@@ -4466,14 +4655,14 @@
               <a:lnSpc>
                 <a:spcPts val="4800"/>
               </a:lnSpc>
-              <a:defRPr sz="4000">
+              <a:defRPr sz="3800">
                 <a:solidFill>
                   <a:srgbClr val="3A70BC"/>
                 </a:solidFill>
               </a:defRPr>
             </a:pPr>
             <a:r>
-              <a:t>Don't stop praying! For ev’ry need; Don't stop praying! The Lord will heed; No petition to Him is small; Don't stop praying! He'll hold your hand.</a:t>
+              <a:t>Things in the past, things yet unseen. Wishes and dreams that are yet to come true. All of my heart, all of my praise. My heart and my hands are lifted to you.</a:t>
             </a:r>
           </a:p>
         </p:txBody>
@@ -4530,15 +4719,19 @@
               </a:defRPr>
             </a:pPr>
             <a:r>
-              <a:t>อย่าหยุดอ้อนวอนเมื่อถูกล่อลวง</a:t>
-            </a:r>
-            <a:br/>
-            <a:r>
-              <a:t>อย่าเว้นอ้อนวอนจะหลุดจากบ่วง</a:t>
-            </a:r>
-            <a:br/>
-            <a:r>
-              <a:t>พระเจ้ารู้แจ้งความภายในใจ อย่าเว้นอ้อนวอนจะทรงโปรดให้</a:t>
+              <a:t>พระเจ้าข้าฯ มอบถวายทั้งชีวี ทั้งหมดทุกสิ่งที่มี</a:t>
+            </a:r>
+            <a:br/>
+            <a:r>
+              <a:t>เพื่อถวายพระสิริ พระเจ้าข้าฯ มอบทุกวันคืนที่มี</a:t>
+            </a:r>
+            <a:br/>
+            <a:r>
+              <a:t>เพื่อสรรเสริญทั้งชีวี เป็นเครื่องบูชาที่พอพระทัย</a:t>
+            </a:r>
+            <a:br/>
+            <a:r>
+              <a:t>พระเจ้าข้าฯ มอบชีวิตถวาย</a:t>
             </a:r>
           </a:p>
         </p:txBody>
@@ -4570,14 +4763,14 @@
               <a:lnSpc>
                 <a:spcPts val="4800"/>
               </a:lnSpc>
-              <a:defRPr sz="4000">
+              <a:defRPr sz="3800">
                 <a:solidFill>
                   <a:srgbClr val="3A70BC"/>
                 </a:solidFill>
               </a:defRPr>
             </a:pPr>
             <a:r>
-              <a:t>Don’t stop praying when led to sin; Don’t stop praying! That good may win; Christ was tempted and understands; Don’t stop praying! He’ll hold your hands.</a:t>
+              <a:t>Lord, I offer my life to you. Everything I've been through. Use it for your glory. Lord I offer my days to you. Lifting my praise to you. As a pleasing sacrifice. Lord I offer you my life.</a:t>
             </a:r>
           </a:p>
         </p:txBody>
@@ -4602,78 +4795,38 @@
       <p:grpSpPr/>
       <p:sp>
         <p:nvSpPr>
-          <p:cNvPr id="2" name="TextBox 1"/>
-          <p:cNvSpPr txBox="1"/>
-          <p:nvPr/>
-        </p:nvSpPr>
-        <p:spPr>
-          <a:xfrm>
-            <a:off x="685800" y="228600"/>
-            <a:ext cx="7772400" cy="2971800"/>
-          </a:xfrm>
-          <a:prstGeom prst="rect">
-            <a:avLst/>
-          </a:prstGeom>
-          <a:noFill/>
-        </p:spPr>
-        <p:txBody>
-          <a:bodyPr wrap="square">
-            <a:spAutoFit/>
-          </a:bodyPr>
+          <p:cNvPr id="2" name="Title 1"/>
+          <p:cNvSpPr>
+            <a:spLocks noGrp="1"/>
+          </p:cNvSpPr>
+          <p:nvPr>
+            <p:ph type="ctrTitle"/>
+          </p:nvPr>
+        </p:nvSpPr>
+        <p:spPr/>
+        <p:txBody>
+          <a:bodyPr/>
           <a:lstStyle/>
           <a:p/>
-          <a:p>
-            <a:pPr algn="ctr">
-              <a:lnSpc>
-                <a:spcPts val="4800"/>
-              </a:lnSpc>
-              <a:defRPr sz="4200">
-                <a:solidFill>
-                  <a:srgbClr val="000000"/>
-                </a:solidFill>
-              </a:defRPr>
-            </a:pPr>
-            <a:r>
-              <a:t>อย่าหยุดอ้อนวอนเมื่อทุกข์หนักใจ อย่าเว้นอ้อนวอนเมื่อร้อนภายใน ความทุกข์เหล่านั้นทรงทราบประจักษ์ อย่าเว้นอ้อนวอนคงสมความรัก</a:t>
-            </a:r>
-          </a:p>
-        </p:txBody>
-      </p:sp>
-      <p:sp>
-        <p:nvSpPr>
-          <p:cNvPr id="3" name="TextBox 2"/>
-          <p:cNvSpPr txBox="1"/>
-          <p:nvPr/>
-        </p:nvSpPr>
-        <p:spPr>
-          <a:xfrm>
-            <a:off x="685800" y="3657600"/>
-            <a:ext cx="7772400" cy="2971800"/>
-          </a:xfrm>
-          <a:prstGeom prst="rect">
-            <a:avLst/>
-          </a:prstGeom>
-          <a:noFill/>
-        </p:spPr>
-        <p:txBody>
-          <a:bodyPr wrap="square">
-            <a:spAutoFit/>
-          </a:bodyPr>
-          <a:lstStyle/>
-          <a:p/>
-          <a:p>
-            <a:pPr algn="ctr">
-              <a:lnSpc>
-                <a:spcPts val="4800"/>
-              </a:lnSpc>
-              <a:defRPr sz="4000">
-                <a:solidFill>
-                  <a:srgbClr val="3A70BC"/>
-                </a:solidFill>
-              </a:defRPr>
-            </a:pPr>
-            <a:r>
-              <a:t>Don't stop praying! When bow’d with grief; Don't stop praying! You'll get relief; Troubles never escape God's sight; Don't stop praying! He'll make it right.</a:t>
+        </p:txBody>
+      </p:sp>
+      <p:sp>
+        <p:nvSpPr>
+          <p:cNvPr id="3" name="Subtitle 2"/>
+          <p:cNvSpPr>
+            <a:spLocks noGrp="1"/>
+          </p:cNvSpPr>
+          <p:nvPr>
+            <p:ph type="subTitle" idx="1"/>
+          </p:nvPr>
+        </p:nvSpPr>
+        <p:spPr/>
+        <p:txBody>
+          <a:bodyPr/>
+          <a:lstStyle/>
+          <a:p>
+            <a:r>
+              <a:t>You Are My All In All</a:t>
             </a:r>
           </a:p>
         </p:txBody>
@@ -4704,8 +4857,8 @@
         </p:nvSpPr>
         <p:spPr>
           <a:xfrm>
-            <a:off x="685800" y="228600"/>
-            <a:ext cx="7772400" cy="2971800"/>
+            <a:off x="914400" y="457200"/>
+            <a:ext cx="7315200" cy="5486400"/>
           </a:xfrm>
           <a:prstGeom prst="rect">
             <a:avLst/>
@@ -4713,7 +4866,7 @@
           <a:noFill/>
         </p:spPr>
         <p:txBody>
-          <a:bodyPr wrap="square">
+          <a:bodyPr wrap="none">
             <a:spAutoFit/>
           </a:bodyPr>
           <a:lstStyle/>
@@ -4721,7 +4874,7 @@
           <a:p>
             <a:pPr algn="ctr">
               <a:lnSpc>
-                <a:spcPts val="4800"/>
+                <a:spcPts val="7000"/>
               </a:lnSpc>
               <a:defRPr sz="4200">
                 <a:solidFill>
@@ -4730,47 +4883,17 @@
               </a:defRPr>
             </a:pPr>
             <a:r>
-              <a:t>อย่าหยุดอ้อนวอนทำตามพระทัย อย่าเว้นอ้อนวอนร่ำร้องทูลไป ความเชื่อจะดับความกังวลใจ อย่าเว้นอ้อนวอนต้องตามพระทัย</a:t>
-            </a:r>
-          </a:p>
-        </p:txBody>
-      </p:sp>
-      <p:sp>
-        <p:nvSpPr>
-          <p:cNvPr id="3" name="TextBox 2"/>
-          <p:cNvSpPr txBox="1"/>
-          <p:nvPr/>
-        </p:nvSpPr>
-        <p:spPr>
-          <a:xfrm>
-            <a:off x="685800" y="3657600"/>
-            <a:ext cx="7772400" cy="2971800"/>
-          </a:xfrm>
-          <a:prstGeom prst="rect">
-            <a:avLst/>
-          </a:prstGeom>
-          <a:noFill/>
-        </p:spPr>
-        <p:txBody>
-          <a:bodyPr wrap="square">
-            <a:spAutoFit/>
-          </a:bodyPr>
-          <a:lstStyle/>
-          <a:p/>
-          <a:p>
-            <a:pPr algn="ctr">
-              <a:lnSpc>
-                <a:spcPts val="4800"/>
-              </a:lnSpc>
-              <a:defRPr sz="4000">
-                <a:solidFill>
-                  <a:srgbClr val="3A70BC"/>
-                </a:solidFill>
-              </a:defRPr>
-            </a:pPr>
-            <a:r>
-              <a:t>Don't stop praying! But have more trust; Don't stop praying! For pray we must; Faith will banish a mount of care; Don't stop praying! God answers prayer.</a:t>
-            </a:r>
+              <a:t>You are my strength when I am weak</a:t>
+            </a:r>
+            <a:br/>
+            <a:r>
+              <a:t> You are the treasure that I seek</a:t>
+            </a:r>
+            <a:br/>
+            <a:r>
+              <a:t> You are my all in all</a:t>
+            </a:r>
+            <a:br/>
           </a:p>
         </p:txBody>
       </p:sp>
@@ -4800,8 +4923,8 @@
         </p:nvSpPr>
         <p:spPr>
           <a:xfrm>
-            <a:off x="685800" y="228600"/>
-            <a:ext cx="7772400" cy="2971800"/>
+            <a:off x="914400" y="457200"/>
+            <a:ext cx="7315200" cy="5486400"/>
           </a:xfrm>
           <a:prstGeom prst="rect">
             <a:avLst/>
@@ -4817,7 +4940,7 @@
           <a:p>
             <a:pPr algn="ctr">
               <a:lnSpc>
-                <a:spcPts val="4800"/>
+                <a:spcPts val="7000"/>
               </a:lnSpc>
               <a:defRPr sz="4200">
                 <a:solidFill>
@@ -4826,29 +4949,48 @@
               </a:defRPr>
             </a:pPr>
             <a:r>
-              <a:t>อย่าหยุดอ้อนวอนเพื่อคนทั้งหลาย</a:t>
-            </a:r>
-            <a:br/>
-            <a:r>
-              <a:t>อย่าเว้นอ้อนวอนจะสายเกินไป ความเชื่อชนะจิตใจศัตรู</a:t>
-            </a:r>
-            <a:br/>
-            <a:r>
-              <a:t>อย่าเว้นอ้อนวอนอย่างพระเยซู</a:t>
-            </a:r>
-          </a:p>
-        </p:txBody>
-      </p:sp>
-      <p:sp>
-        <p:nvSpPr>
-          <p:cNvPr id="3" name="TextBox 2"/>
+              <a:t>Seeking You as a precious jewel</a:t>
+            </a:r>
+            <a:br/>
+            <a:r>
+              <a:t> Lord to give up I'd be a fool</a:t>
+            </a:r>
+            <a:br/>
+            <a:r>
+              <a:t> You are my all in all</a:t>
+            </a:r>
+            <a:br/>
+          </a:p>
+        </p:txBody>
+      </p:sp>
+    </p:spTree>
+  </p:cSld>
+  <p:clrMapOvr>
+    <a:masterClrMapping/>
+  </p:clrMapOvr>
+</p:sld>
+</file>
+
+<file path=ppt/slides/slide28.xml><?xml version="1.0" encoding="utf-8"?>
+<p:sld xmlns:a="http://schemas.openxmlformats.org/drawingml/2006/main" xmlns:p="http://schemas.openxmlformats.org/presentationml/2006/main" xmlns:r="http://schemas.openxmlformats.org/officeDocument/2006/relationships">
+  <p:cSld>
+    <p:spTree>
+      <p:nvGrpSpPr>
+        <p:cNvPr id="1" name=""/>
+        <p:cNvGrpSpPr/>
+        <p:nvPr/>
+      </p:nvGrpSpPr>
+      <p:grpSpPr/>
+      <p:sp>
+        <p:nvSpPr>
+          <p:cNvPr id="2" name="TextBox 1"/>
           <p:cNvSpPr txBox="1"/>
           <p:nvPr/>
         </p:nvSpPr>
         <p:spPr>
           <a:xfrm>
-            <a:off x="685800" y="3657600"/>
-            <a:ext cx="7772400" cy="2971800"/>
+            <a:off x="914400" y="457200"/>
+            <a:ext cx="7315200" cy="5486400"/>
           </a:xfrm>
           <a:prstGeom prst="rect">
             <a:avLst/>
@@ -4864,29 +5006,88 @@
           <a:p>
             <a:pPr algn="ctr">
               <a:lnSpc>
-                <a:spcPts val="4800"/>
+                <a:spcPts val="7000"/>
               </a:lnSpc>
-              <a:defRPr sz="4000">
-                <a:solidFill>
-                  <a:srgbClr val="3A70BC"/>
+              <a:defRPr sz="4200">
+                <a:solidFill>
+                  <a:srgbClr val="000000"/>
                 </a:solidFill>
               </a:defRPr>
             </a:pPr>
             <a:r>
-              <a:t>Pray always! Though your eyes grow dim</a:t>
-            </a:r>
-            <a:br/>
-            <a:r>
-              <a:t> Go with your troubles straight to Him</a:t>
-            </a:r>
-            <a:br/>
-            <a:r>
-              <a:t> Pray always for God understands; Have faith</a:t>
-            </a:r>
-            <a:br/>
-            <a:r>
-              <a:t> leaving all in His hands.</a:t>
-            </a:r>
+              <a:t>Jesus Lamb of God worthy is your name</a:t>
+            </a:r>
+            <a:br/>
+            <a:r>
+              <a:t> Jesus Lamb of God worthy is your name</a:t>
+            </a:r>
+            <a:br/>
+          </a:p>
+        </p:txBody>
+      </p:sp>
+    </p:spTree>
+  </p:cSld>
+  <p:clrMapOvr>
+    <a:masterClrMapping/>
+  </p:clrMapOvr>
+</p:sld>
+</file>
+
+<file path=ppt/slides/slide29.xml><?xml version="1.0" encoding="utf-8"?>
+<p:sld xmlns:a="http://schemas.openxmlformats.org/drawingml/2006/main" xmlns:p="http://schemas.openxmlformats.org/presentationml/2006/main" xmlns:r="http://schemas.openxmlformats.org/officeDocument/2006/relationships">
+  <p:cSld>
+    <p:spTree>
+      <p:nvGrpSpPr>
+        <p:cNvPr id="1" name=""/>
+        <p:cNvGrpSpPr/>
+        <p:nvPr/>
+      </p:nvGrpSpPr>
+      <p:grpSpPr/>
+      <p:sp>
+        <p:nvSpPr>
+          <p:cNvPr id="2" name="TextBox 1"/>
+          <p:cNvSpPr txBox="1"/>
+          <p:nvPr/>
+        </p:nvSpPr>
+        <p:spPr>
+          <a:xfrm>
+            <a:off x="914400" y="457200"/>
+            <a:ext cx="7315200" cy="5486400"/>
+          </a:xfrm>
+          <a:prstGeom prst="rect">
+            <a:avLst/>
+          </a:prstGeom>
+          <a:noFill/>
+        </p:spPr>
+        <p:txBody>
+          <a:bodyPr wrap="none">
+            <a:spAutoFit/>
+          </a:bodyPr>
+          <a:lstStyle/>
+          <a:p/>
+          <a:p>
+            <a:pPr algn="ctr">
+              <a:lnSpc>
+                <a:spcPts val="7000"/>
+              </a:lnSpc>
+              <a:defRPr sz="4200">
+                <a:solidFill>
+                  <a:srgbClr val="000000"/>
+                </a:solidFill>
+              </a:defRPr>
+            </a:pPr>
+            <a:r>
+              <a:t>Taking my sin my cross my shame</a:t>
+            </a:r>
+            <a:br/>
+            <a:r>
+              <a:t> Rising again I bless your name</a:t>
+            </a:r>
+            <a:br/>
+            <a:r>
+              <a:t> You are my all in all</a:t>
+            </a:r>
+            <a:br/>
           </a:p>
         </p:txBody>
       </p:sp>
@@ -4942,19 +5143,19 @@
               </a:defRPr>
             </a:pPr>
             <a:r>
-              <a:t>เพราะพระองค์ทรงอยู่ ข้าเผชิญพรุ่งนี้ได้</a:t>
-            </a:r>
-            <a:br/>
-            <a:r>
-              <a:t>เพราะพระองค์ทรงอยู่ ความกลัวหายไป เพราะข้าแน่ใจ</a:t>
-            </a:r>
-            <a:br/>
-            <a:r>
-              <a:t>(แน่ใจ) พระองค์ทรงนำหน้า ข้าจะอดทนเพราะข้าแน่ใจ</a:t>
-            </a:r>
-            <a:br/>
-            <a:r>
-              <a:t>พระองค์ทรงอยู่</a:t>
+              <a:t>พระองค์ทรงเข้มแข็ง ยิ่งใหญ่กว่าสิ่งไหน</a:t>
+            </a:r>
+            <a:br/>
+            <a:r>
+              <a:t>พระองค์อยู่เหนือทุกๆอย่าง เกินผู้ใด</a:t>
+            </a:r>
+            <a:br/>
+            <a:r>
+              <a:t>พระองค์ผู้รักษา ทรงเปี่ยมด้วยฤทธา</a:t>
+            </a:r>
+            <a:br/>
+            <a:r>
+              <a:t>พระเจ้าของเรา</a:t>
             </a:r>
           </a:p>
         </p:txBody>
@@ -4976,7 +5177,7 @@
           <a:noFill/>
         </p:spPr>
         <p:txBody>
-          <a:bodyPr wrap="square">
+          <a:bodyPr wrap="none">
             <a:spAutoFit/>
           </a:bodyPr>
           <a:lstStyle/>
@@ -4986,15 +5187,93 @@
               <a:lnSpc>
                 <a:spcPts val="4800"/>
               </a:lnSpc>
-              <a:defRPr sz="4000">
+              <a:defRPr sz="3800">
                 <a:solidFill>
                   <a:srgbClr val="3A70BC"/>
                 </a:solidFill>
               </a:defRPr>
             </a:pPr>
             <a:r>
-              <a:t>Because He lives, I can face tomorrow, Because He lives, all fear is gone; Because I know He holds the future, And life is worth the living, Just because He lives!</a:t>
-            </a:r>
+              <a:t>Our God is greater, our God is stronger</a:t>
+            </a:r>
+            <a:br/>
+            <a:r>
+              <a:t> God, You are higher than any other</a:t>
+            </a:r>
+            <a:br/>
+            <a:r>
+              <a:t> Our God is healer, awesome in power</a:t>
+            </a:r>
+            <a:br/>
+            <a:r>
+              <a:t> Our God, our God.</a:t>
+            </a:r>
+          </a:p>
+        </p:txBody>
+      </p:sp>
+    </p:spTree>
+  </p:cSld>
+  <p:clrMapOvr>
+    <a:masterClrMapping/>
+  </p:clrMapOvr>
+</p:sld>
+</file>
+
+<file path=ppt/slides/slide30.xml><?xml version="1.0" encoding="utf-8"?>
+<p:sld xmlns:a="http://schemas.openxmlformats.org/drawingml/2006/main" xmlns:p="http://schemas.openxmlformats.org/presentationml/2006/main" xmlns:r="http://schemas.openxmlformats.org/officeDocument/2006/relationships">
+  <p:cSld>
+    <p:spTree>
+      <p:nvGrpSpPr>
+        <p:cNvPr id="1" name=""/>
+        <p:cNvGrpSpPr/>
+        <p:nvPr/>
+      </p:nvGrpSpPr>
+      <p:grpSpPr/>
+      <p:sp>
+        <p:nvSpPr>
+          <p:cNvPr id="2" name="TextBox 1"/>
+          <p:cNvSpPr txBox="1"/>
+          <p:nvPr/>
+        </p:nvSpPr>
+        <p:spPr>
+          <a:xfrm>
+            <a:off x="914400" y="457200"/>
+            <a:ext cx="7315200" cy="5486400"/>
+          </a:xfrm>
+          <a:prstGeom prst="rect">
+            <a:avLst/>
+          </a:prstGeom>
+          <a:noFill/>
+        </p:spPr>
+        <p:txBody>
+          <a:bodyPr wrap="none">
+            <a:spAutoFit/>
+          </a:bodyPr>
+          <a:lstStyle/>
+          <a:p/>
+          <a:p>
+            <a:pPr algn="ctr">
+              <a:lnSpc>
+                <a:spcPts val="7000"/>
+              </a:lnSpc>
+              <a:defRPr sz="4200">
+                <a:solidFill>
+                  <a:srgbClr val="000000"/>
+                </a:solidFill>
+              </a:defRPr>
+            </a:pPr>
+            <a:r>
+              <a:t>When I fall down You lift me up</a:t>
+            </a:r>
+            <a:br/>
+            <a:r>
+              <a:t> When I am dry You fill my cup</a:t>
+            </a:r>
+            <a:br/>
+            <a:r>
+              <a:t> You are my all in all</a:t>
+            </a:r>
+            <a:br/>
           </a:p>
         </p:txBody>
       </p:sp>
@@ -5033,7 +5312,7 @@
           <a:noFill/>
         </p:spPr>
         <p:txBody>
-          <a:bodyPr wrap="square">
+          <a:bodyPr wrap="none">
             <a:spAutoFit/>
           </a:bodyPr>
           <a:lstStyle/>
@@ -5050,7 +5329,15 @@
               </a:defRPr>
             </a:pPr>
             <a:r>
-              <a:t>ชื่นใจที่ได้อุ้มทารกเกิดใหม่ ด้วยความภูมิใจและความยินดี แต่ยิ่งใหญ่กว่าคือความแน่วแน่ใจ ที่อาจเผชิญทุกสิ่งได้ เพราะพระองค์ทรงอยู่</a:t>
+              <a:t>ที่ใดมืดมน ทรงเป็นทาง</a:t>
+            </a:r>
+            <a:br/>
+            <a:r>
+              <a:t>พระองค์เปลี่ยนแปลง เราทั้งหลาย</a:t>
+            </a:r>
+            <a:br/>
+            <a:r>
+              <a:t>จะหาผู้ใดเปรียบ เหมือนพระองค์</a:t>
             </a:r>
           </a:p>
         </p:txBody>
@@ -5072,7 +5359,7 @@
           <a:noFill/>
         </p:spPr>
         <p:txBody>
-          <a:bodyPr wrap="square">
+          <a:bodyPr wrap="none">
             <a:spAutoFit/>
           </a:bodyPr>
           <a:lstStyle/>
@@ -5082,14 +5369,26 @@
               <a:lnSpc>
                 <a:spcPts val="4800"/>
               </a:lnSpc>
-              <a:defRPr sz="4000">
+              <a:defRPr sz="3800">
                 <a:solidFill>
                   <a:srgbClr val="3A70BC"/>
                 </a:solidFill>
               </a:defRPr>
             </a:pPr>
             <a:r>
-              <a:t>How sweet to hold a newborn baby, And feel the pride and joy he gives; But greater still the calm assurance: This child can face uncertain days because He Lives!</a:t>
+              <a:t>Into the darkness, You shine</a:t>
+            </a:r>
+            <a:br/>
+            <a:r>
+              <a:t> Out of the ashes, we rise</a:t>
+            </a:r>
+            <a:br/>
+            <a:r>
+              <a:t> There's no one like You</a:t>
+            </a:r>
+            <a:br/>
+            <a:r>
+              <a:t> None like You!</a:t>
             </a:r>
           </a:p>
         </p:txBody>
@@ -5146,19 +5445,19 @@
               </a:defRPr>
             </a:pPr>
             <a:r>
-              <a:t>เพราะพระองค์ทรงอยู่ ข้าเผชิญพรุ่งนี้ได้</a:t>
-            </a:r>
-            <a:br/>
-            <a:r>
-              <a:t>เพราะพระองค์ทรงอยู่ ความกลัวหายไป เพราะข้าแน่ใจ</a:t>
-            </a:r>
-            <a:br/>
-            <a:r>
-              <a:t>(แน่ใจ) พระองค์ทรงนำหน้า ข้าจะอดทนเพราะข้าแน่ใจ</a:t>
-            </a:r>
-            <a:br/>
-            <a:r>
-              <a:t>พระองค์ทรงอยู่</a:t>
+              <a:t>พระองค์ทรงเข้มแข็ง ยิ่งใหญ่กว่าสิ่งไหน</a:t>
+            </a:r>
+            <a:br/>
+            <a:r>
+              <a:t>พระองค์อยู่เหนือทุกๆอย่าง เกินผู้ใด</a:t>
+            </a:r>
+            <a:br/>
+            <a:r>
+              <a:t>พระองค์ผู้รักษา ทรงเปี่ยมด้วยฤทธา</a:t>
+            </a:r>
+            <a:br/>
+            <a:r>
+              <a:t>พระเจ้าของเรา</a:t>
             </a:r>
           </a:p>
         </p:txBody>
@@ -5180,7 +5479,7 @@
           <a:noFill/>
         </p:spPr>
         <p:txBody>
-          <a:bodyPr wrap="square">
+          <a:bodyPr wrap="none">
             <a:spAutoFit/>
           </a:bodyPr>
           <a:lstStyle/>
@@ -5190,14 +5489,26 @@
               <a:lnSpc>
                 <a:spcPts val="4800"/>
               </a:lnSpc>
-              <a:defRPr sz="4000">
+              <a:defRPr sz="3800">
                 <a:solidFill>
                   <a:srgbClr val="3A70BC"/>
                 </a:solidFill>
               </a:defRPr>
             </a:pPr>
             <a:r>
-              <a:t>Because He lives, I can face tomorrow, Because He lives, all fear is gone; Because I know He holds the future, And life is worth the living, Just because He lives!</a:t>
+              <a:t>Our God is greater, our God is stronger</a:t>
+            </a:r>
+            <a:br/>
+            <a:r>
+              <a:t> God, You are higher than any other</a:t>
+            </a:r>
+            <a:br/>
+            <a:r>
+              <a:t> Our God is healer, awesome in power</a:t>
+            </a:r>
+            <a:br/>
+            <a:r>
+              <a:t> Our God, our God.</a:t>
             </a:r>
           </a:p>
         </p:txBody>
@@ -5254,15 +5565,15 @@
               </a:defRPr>
             </a:pPr>
             <a:r>
-              <a:t>และในวันหนึ่ง ข้าฯ จะเดินข้ามไป เพื่อได้ต่อสู้</a:t>
-            </a:r>
-            <a:br/>
-            <a:r>
-              <a:t>ศัตรูสุดท้าย แต่เมื่อความตาย นำสู่ความมีชัย</a:t>
-            </a:r>
-            <a:br/>
-            <a:r>
-              <a:t>จะได้เห็นแสงแห่งราศี เพราะพระองค์ทรงอยู่</a:t>
+              <a:t>และถ้าพระเจ้าอยู่ข้างเรา</a:t>
+            </a:r>
+            <a:br/>
+            <a:r>
+              <a:t>จะมีผู้ใดหยุดยั้งเรา และถ้าพระเจ้าอยู่ข้างเรา</a:t>
+            </a:r>
+            <a:br/>
+            <a:r>
+              <a:t>จะมีอะไรมาต้านทาน</a:t>
             </a:r>
           </a:p>
         </p:txBody>
@@ -5294,14 +5605,14 @@
               <a:lnSpc>
                 <a:spcPts val="4800"/>
               </a:lnSpc>
-              <a:defRPr sz="4000">
+              <a:defRPr sz="3800">
                 <a:solidFill>
                   <a:srgbClr val="3A70BC"/>
                 </a:solidFill>
               </a:defRPr>
             </a:pPr>
             <a:r>
-              <a:t>And then one day, I'll cross the river, I'll fight life's final war with pain; And then, as death gives way to victory, I'll see the lights of glory and I'll know He lives!</a:t>
+              <a:t>And if our God is for us, then who could ever stop us. And if our God is with us, then what could stand against. Then what could stand against!</a:t>
             </a:r>
           </a:p>
         </p:txBody>
@@ -5326,90 +5637,42 @@
       <p:grpSpPr/>
       <p:sp>
         <p:nvSpPr>
-          <p:cNvPr id="2" name="TextBox 1"/>
-          <p:cNvSpPr txBox="1"/>
-          <p:nvPr/>
-        </p:nvSpPr>
-        <p:spPr>
-          <a:xfrm>
-            <a:off x="685800" y="228600"/>
-            <a:ext cx="7772400" cy="2971800"/>
-          </a:xfrm>
-          <a:prstGeom prst="rect">
-            <a:avLst/>
-          </a:prstGeom>
-          <a:noFill/>
-        </p:spPr>
-        <p:txBody>
-          <a:bodyPr wrap="none">
-            <a:spAutoFit/>
-          </a:bodyPr>
-          <a:lstStyle/>
-          <a:p/>
-          <a:p>
-            <a:pPr algn="ctr">
-              <a:lnSpc>
-                <a:spcPts val="4800"/>
-              </a:lnSpc>
-              <a:defRPr sz="4200">
-                <a:solidFill>
-                  <a:srgbClr val="000000"/>
-                </a:solidFill>
-              </a:defRPr>
-            </a:pPr>
-            <a:r>
-              <a:t>เพราะพระองค์ทรงอยู่ ข้าเผชิญพรุ่งนี้ได้</a:t>
-            </a:r>
-            <a:br/>
-            <a:r>
-              <a:t>เพราะพระองค์ทรงอยู่ ความกลัวหายไป เพราะข้าแน่ใจ</a:t>
-            </a:r>
-            <a:br/>
-            <a:r>
-              <a:t>(แน่ใจ) พระองค์ทรงนำหน้า ข้าจะอดทนเพราะข้าแน่ใจ</a:t>
-            </a:r>
-            <a:br/>
-            <a:r>
-              <a:t>พระองค์ทรงอยู่</a:t>
-            </a:r>
-          </a:p>
-        </p:txBody>
-      </p:sp>
-      <p:sp>
-        <p:nvSpPr>
-          <p:cNvPr id="3" name="TextBox 2"/>
-          <p:cNvSpPr txBox="1"/>
-          <p:nvPr/>
-        </p:nvSpPr>
-        <p:spPr>
-          <a:xfrm>
-            <a:off x="685800" y="3657600"/>
-            <a:ext cx="7772400" cy="2971800"/>
-          </a:xfrm>
-          <a:prstGeom prst="rect">
-            <a:avLst/>
-          </a:prstGeom>
-          <a:noFill/>
-        </p:spPr>
-        <p:txBody>
-          <a:bodyPr wrap="square">
-            <a:spAutoFit/>
-          </a:bodyPr>
-          <a:lstStyle/>
-          <a:p/>
-          <a:p>
-            <a:pPr algn="ctr">
-              <a:lnSpc>
-                <a:spcPts val="4800"/>
-              </a:lnSpc>
-              <a:defRPr sz="4000">
-                <a:solidFill>
-                  <a:srgbClr val="3A70BC"/>
-                </a:solidFill>
-              </a:defRPr>
-            </a:pPr>
-            <a:r>
-              <a:t>Because He lives, I can face tomorrow, Because He lives, all fear is gone; Because I know He holds the future, And life is worth the living, Just because He lives!</a:t>
+          <p:cNvPr id="2" name="Title 1"/>
+          <p:cNvSpPr>
+            <a:spLocks noGrp="1"/>
+          </p:cNvSpPr>
+          <p:nvPr>
+            <p:ph type="ctrTitle"/>
+          </p:nvPr>
+        </p:nvSpPr>
+        <p:spPr/>
+        <p:txBody>
+          <a:bodyPr/>
+          <a:lstStyle/>
+          <a:p>
+            <a:r>
+              <a:t>นับพระพร</a:t>
+            </a:r>
+          </a:p>
+        </p:txBody>
+      </p:sp>
+      <p:sp>
+        <p:nvSpPr>
+          <p:cNvPr id="3" name="Subtitle 2"/>
+          <p:cNvSpPr>
+            <a:spLocks noGrp="1"/>
+          </p:cNvSpPr>
+          <p:nvPr>
+            <p:ph type="subTitle" idx="1"/>
+          </p:nvPr>
+        </p:nvSpPr>
+        <p:spPr/>
+        <p:txBody>
+          <a:bodyPr/>
+          <a:lstStyle/>
+          <a:p>
+            <a:r>
+              <a:t>Count your blessings</a:t>
             </a:r>
           </a:p>
         </p:txBody>
@@ -5434,42 +5697,78 @@
       <p:grpSpPr/>
       <p:sp>
         <p:nvSpPr>
-          <p:cNvPr id="2" name="Title 1"/>
-          <p:cNvSpPr>
-            <a:spLocks noGrp="1"/>
-          </p:cNvSpPr>
-          <p:nvPr>
-            <p:ph type="ctrTitle"/>
-          </p:nvPr>
-        </p:nvSpPr>
-        <p:spPr/>
-        <p:txBody>
-          <a:bodyPr/>
-          <a:lstStyle/>
-          <a:p>
-            <a:r>
-              <a:t>แสงพระเยซู</a:t>
-            </a:r>
-          </a:p>
-        </p:txBody>
-      </p:sp>
-      <p:sp>
-        <p:nvSpPr>
-          <p:cNvPr id="3" name="Subtitle 2"/>
-          <p:cNvSpPr>
-            <a:spLocks noGrp="1"/>
-          </p:cNvSpPr>
-          <p:nvPr>
-            <p:ph type="subTitle" idx="1"/>
-          </p:nvPr>
-        </p:nvSpPr>
-        <p:spPr/>
-        <p:txBody>
-          <a:bodyPr/>
-          <a:lstStyle/>
-          <a:p>
-            <a:r>
-              <a:t>Shine Jesus Shine</a:t>
+          <p:cNvPr id="2" name="TextBox 1"/>
+          <p:cNvSpPr txBox="1"/>
+          <p:nvPr/>
+        </p:nvSpPr>
+        <p:spPr>
+          <a:xfrm>
+            <a:off x="685800" y="228600"/>
+            <a:ext cx="7772400" cy="2971800"/>
+          </a:xfrm>
+          <a:prstGeom prst="rect">
+            <a:avLst/>
+          </a:prstGeom>
+          <a:noFill/>
+        </p:spPr>
+        <p:txBody>
+          <a:bodyPr wrap="square">
+            <a:spAutoFit/>
+          </a:bodyPr>
+          <a:lstStyle/>
+          <a:p/>
+          <a:p>
+            <a:pPr algn="ctr">
+              <a:lnSpc>
+                <a:spcPts val="4800"/>
+              </a:lnSpc>
+              <a:defRPr sz="4200">
+                <a:solidFill>
+                  <a:srgbClr val="000000"/>
+                </a:solidFill>
+              </a:defRPr>
+            </a:pPr>
+            <a:r>
+              <a:t>แม้นความทุกข์ลำบาก เกิดขึ้นแก่ท่านเมื่อใด มีภาระหนักมาก ท่านคิดว่าแบกไม่ไหว หันมานับพระพรย้อนดูนับทีละอัน แปลกแต่จริงแน่แล้ว พระเจ้าทรงโปรดช่วยท่าน</a:t>
+            </a:r>
+          </a:p>
+        </p:txBody>
+      </p:sp>
+      <p:sp>
+        <p:nvSpPr>
+          <p:cNvPr id="3" name="TextBox 2"/>
+          <p:cNvSpPr txBox="1"/>
+          <p:nvPr/>
+        </p:nvSpPr>
+        <p:spPr>
+          <a:xfrm>
+            <a:off x="685800" y="3657600"/>
+            <a:ext cx="7772400" cy="2971800"/>
+          </a:xfrm>
+          <a:prstGeom prst="rect">
+            <a:avLst/>
+          </a:prstGeom>
+          <a:noFill/>
+        </p:spPr>
+        <p:txBody>
+          <a:bodyPr wrap="square">
+            <a:spAutoFit/>
+          </a:bodyPr>
+          <a:lstStyle/>
+          <a:p/>
+          <a:p>
+            <a:pPr algn="ctr">
+              <a:lnSpc>
+                <a:spcPts val="4800"/>
+              </a:lnSpc>
+              <a:defRPr sz="3800">
+                <a:solidFill>
+                  <a:srgbClr val="3A70BC"/>
+                </a:solidFill>
+              </a:defRPr>
+            </a:pPr>
+            <a:r>
+              <a:t>When upon life's billows you are tempest tossed, When you are discouraged, thinking all is lost, Count your many blessings, name them one by one, And it will surprise you what the Lord hath done.</a:t>
             </a:r>
           </a:p>
         </p:txBody>
@@ -5509,7 +5808,7 @@
           <a:noFill/>
         </p:spPr>
         <p:txBody>
-          <a:bodyPr wrap="square">
+          <a:bodyPr wrap="none">
             <a:spAutoFit/>
           </a:bodyPr>
           <a:lstStyle/>
@@ -5526,7 +5825,15 @@
               </a:defRPr>
             </a:pPr>
             <a:r>
-              <a:t>องค์พระเจ้าแห่งความรักทรงส่องแสง ในท่ามกลางความมืดมิดแห่งชีวิต พระเยซูเป็นสว่างส่องเหนือพวกเรา ทรงปลดปล่อยนำเราด้วยความจริงยิ่งใหญ่ ส่องยังพวกเรา ส่องยังพวกเรา</a:t>
+              <a:t>นับพระพรของท่านดูทีละอัน นับพระพรซึ่งพระเยซูประทาน</a:t>
+            </a:r>
+            <a:br/>
+            <a:r>
+              <a:t>นับพระพรนั้น นับดูทีละอัน นับพระพรของท่าน</a:t>
+            </a:r>
+            <a:br/>
+            <a:r>
+              <a:t>ซึ่งพระเยซูประทาน</a:t>
             </a:r>
           </a:p>
         </p:txBody>
@@ -5558,14 +5865,14 @@
               <a:lnSpc>
                 <a:spcPts val="4800"/>
               </a:lnSpc>
-              <a:defRPr sz="4000">
+              <a:defRPr sz="3800">
                 <a:solidFill>
                   <a:srgbClr val="3A70BC"/>
                 </a:solidFill>
               </a:defRPr>
             </a:pPr>
             <a:r>
-              <a:t>Lord, the Light of Your Love is shining, In the midst of the darkness shining, Jesus, Light of the World, shine upon us, Set us free by the truth You now bring us, Shine on me. Shine on me.</a:t>
+              <a:t>Count your blessings, name them one by one; Count your blessings, see what God hath done; Count your blessings, name them one by one; Count your many blessings, see what God hath done.</a:t>
             </a:r>
           </a:p>
         </p:txBody>

--- a/finishedppt/WorshipSongs.pptx
+++ b/finishedppt/WorshipSongs.pptx
@@ -11,30 +11,6 @@
     <p:sldId id="259" r:id="rId10"/>
     <p:sldId id="260" r:id="rId11"/>
     <p:sldId id="261" r:id="rId12"/>
-    <p:sldId id="262" r:id="rId13"/>
-    <p:sldId id="263" r:id="rId14"/>
-    <p:sldId id="264" r:id="rId15"/>
-    <p:sldId id="265" r:id="rId16"/>
-    <p:sldId id="266" r:id="rId17"/>
-    <p:sldId id="267" r:id="rId18"/>
-    <p:sldId id="268" r:id="rId19"/>
-    <p:sldId id="269" r:id="rId20"/>
-    <p:sldId id="270" r:id="rId21"/>
-    <p:sldId id="271" r:id="rId22"/>
-    <p:sldId id="272" r:id="rId23"/>
-    <p:sldId id="273" r:id="rId24"/>
-    <p:sldId id="274" r:id="rId25"/>
-    <p:sldId id="275" r:id="rId26"/>
-    <p:sldId id="276" r:id="rId27"/>
-    <p:sldId id="277" r:id="rId28"/>
-    <p:sldId id="278" r:id="rId29"/>
-    <p:sldId id="279" r:id="rId30"/>
-    <p:sldId id="280" r:id="rId31"/>
-    <p:sldId id="281" r:id="rId32"/>
-    <p:sldId id="282" r:id="rId33"/>
-    <p:sldId id="283" r:id="rId34"/>
-    <p:sldId id="284" r:id="rId35"/>
-    <p:sldId id="285" r:id="rId36"/>
   </p:sldIdLst>
   <p:sldSz cx="9144000" cy="6858000" type="screen4x3"/>
   <p:notesSz cx="6858000" cy="9144000"/>
@@ -3133,7 +3109,7 @@
           <a:lstStyle/>
           <a:p>
             <a:r>
-              <a:t>พระเจ้าของเรา</a:t>
+              <a:t>พระองค์เป็นทุกสิ่ง</a:t>
             </a:r>
           </a:p>
         </p:txBody>
@@ -3154,1015 +3130,7 @@
           <a:lstStyle/>
           <a:p>
             <a:r>
-              <a:t>Our God</a:t>
-            </a:r>
-          </a:p>
-        </p:txBody>
-      </p:sp>
-    </p:spTree>
-  </p:cSld>
-  <p:clrMapOvr>
-    <a:masterClrMapping/>
-  </p:clrMapOvr>
-</p:sld>
-</file>
-
-<file path=ppt/slides/slide10.xml><?xml version="1.0" encoding="utf-8"?>
-<p:sld xmlns:a="http://schemas.openxmlformats.org/drawingml/2006/main" xmlns:p="http://schemas.openxmlformats.org/presentationml/2006/main" xmlns:r="http://schemas.openxmlformats.org/officeDocument/2006/relationships">
-  <p:cSld>
-    <p:spTree>
-      <p:nvGrpSpPr>
-        <p:cNvPr id="1" name=""/>
-        <p:cNvGrpSpPr/>
-        <p:nvPr/>
-      </p:nvGrpSpPr>
-      <p:grpSpPr/>
-      <p:sp>
-        <p:nvSpPr>
-          <p:cNvPr id="2" name="TextBox 1"/>
-          <p:cNvSpPr txBox="1"/>
-          <p:nvPr/>
-        </p:nvSpPr>
-        <p:spPr>
-          <a:xfrm>
-            <a:off x="685800" y="228600"/>
-            <a:ext cx="7772400" cy="2971800"/>
-          </a:xfrm>
-          <a:prstGeom prst="rect">
-            <a:avLst/>
-          </a:prstGeom>
-          <a:noFill/>
-        </p:spPr>
-        <p:txBody>
-          <a:bodyPr wrap="square">
-            <a:spAutoFit/>
-          </a:bodyPr>
-          <a:lstStyle/>
-          <a:p/>
-          <a:p>
-            <a:pPr algn="ctr">
-              <a:lnSpc>
-                <a:spcPts val="4800"/>
-              </a:lnSpc>
-              <a:defRPr sz="4200">
-                <a:solidFill>
-                  <a:srgbClr val="000000"/>
-                </a:solidFill>
-              </a:defRPr>
-            </a:pPr>
-            <a:r>
-              <a:t>แม้บุคคลทั้งปวง มีทรัพย์สมบัติมากมาย แต่พระเจ้าสัญญา ให้พรจนนับไม่ไหว รับพระพร ซึ่งทรัพย์สินเงินทองซื้อไม่ได้ แล้วพระเจ้าประทาน บำเหน็จจนเหลือบรรยาย</a:t>
-            </a:r>
-          </a:p>
-        </p:txBody>
-      </p:sp>
-      <p:sp>
-        <p:nvSpPr>
-          <p:cNvPr id="3" name="TextBox 2"/>
-          <p:cNvSpPr txBox="1"/>
-          <p:nvPr/>
-        </p:nvSpPr>
-        <p:spPr>
-          <a:xfrm>
-            <a:off x="685800" y="3657600"/>
-            <a:ext cx="7772400" cy="2971800"/>
-          </a:xfrm>
-          <a:prstGeom prst="rect">
-            <a:avLst/>
-          </a:prstGeom>
-          <a:noFill/>
-        </p:spPr>
-        <p:txBody>
-          <a:bodyPr wrap="square">
-            <a:spAutoFit/>
-          </a:bodyPr>
-          <a:lstStyle/>
-          <a:p/>
-          <a:p>
-            <a:pPr algn="ctr">
-              <a:lnSpc>
-                <a:spcPts val="4800"/>
-              </a:lnSpc>
-              <a:defRPr sz="3800">
-                <a:solidFill>
-                  <a:srgbClr val="3A70BC"/>
-                </a:solidFill>
-              </a:defRPr>
-            </a:pPr>
-            <a:r>
-              <a:t>Are you ever burdened with a load of care? Does the cross seem heavy you are called to bear? Count your many blessings, ev'ry doubt will fly, And you will be singing as the days go by.</a:t>
-            </a:r>
-          </a:p>
-        </p:txBody>
-      </p:sp>
-    </p:spTree>
-  </p:cSld>
-  <p:clrMapOvr>
-    <a:masterClrMapping/>
-  </p:clrMapOvr>
-</p:sld>
-</file>
-
-<file path=ppt/slides/slide11.xml><?xml version="1.0" encoding="utf-8"?>
-<p:sld xmlns:a="http://schemas.openxmlformats.org/drawingml/2006/main" xmlns:p="http://schemas.openxmlformats.org/presentationml/2006/main" xmlns:r="http://schemas.openxmlformats.org/officeDocument/2006/relationships">
-  <p:cSld>
-    <p:spTree>
-      <p:nvGrpSpPr>
-        <p:cNvPr id="1" name=""/>
-        <p:cNvGrpSpPr/>
-        <p:nvPr/>
-      </p:nvGrpSpPr>
-      <p:grpSpPr/>
-      <p:sp>
-        <p:nvSpPr>
-          <p:cNvPr id="2" name="TextBox 1"/>
-          <p:cNvSpPr txBox="1"/>
-          <p:nvPr/>
-        </p:nvSpPr>
-        <p:spPr>
-          <a:xfrm>
-            <a:off x="685800" y="228600"/>
-            <a:ext cx="7772400" cy="2971800"/>
-          </a:xfrm>
-          <a:prstGeom prst="rect">
-            <a:avLst/>
-          </a:prstGeom>
-          <a:noFill/>
-        </p:spPr>
-        <p:txBody>
-          <a:bodyPr wrap="none">
-            <a:spAutoFit/>
-          </a:bodyPr>
-          <a:lstStyle/>
-          <a:p/>
-          <a:p>
-            <a:pPr algn="ctr">
-              <a:lnSpc>
-                <a:spcPts val="4800"/>
-              </a:lnSpc>
-              <a:defRPr sz="4200">
-                <a:solidFill>
-                  <a:srgbClr val="000000"/>
-                </a:solidFill>
-              </a:defRPr>
-            </a:pPr>
-            <a:r>
-              <a:t>นับพระพรของท่านดูทีละอัน นับพระพรซึ่งพระเยซูประทาน</a:t>
-            </a:r>
-            <a:br/>
-            <a:r>
-              <a:t>นับพระพรนั้น นับดูทีละอัน นับพระพรของท่าน</a:t>
-            </a:r>
-            <a:br/>
-            <a:r>
-              <a:t>ซึ่งพระเยซูประทาน</a:t>
-            </a:r>
-          </a:p>
-        </p:txBody>
-      </p:sp>
-      <p:sp>
-        <p:nvSpPr>
-          <p:cNvPr id="3" name="TextBox 2"/>
-          <p:cNvSpPr txBox="1"/>
-          <p:nvPr/>
-        </p:nvSpPr>
-        <p:spPr>
-          <a:xfrm>
-            <a:off x="685800" y="3657600"/>
-            <a:ext cx="7772400" cy="2971800"/>
-          </a:xfrm>
-          <a:prstGeom prst="rect">
-            <a:avLst/>
-          </a:prstGeom>
-          <a:noFill/>
-        </p:spPr>
-        <p:txBody>
-          <a:bodyPr wrap="square">
-            <a:spAutoFit/>
-          </a:bodyPr>
-          <a:lstStyle/>
-          <a:p/>
-          <a:p>
-            <a:pPr algn="ctr">
-              <a:lnSpc>
-                <a:spcPts val="4800"/>
-              </a:lnSpc>
-              <a:defRPr sz="3800">
-                <a:solidFill>
-                  <a:srgbClr val="3A70BC"/>
-                </a:solidFill>
-              </a:defRPr>
-            </a:pPr>
-            <a:r>
-              <a:t>Count your blessings, name them one by one; Count your blessings, see what God hath done; Count your blessings, name them one by one; Count your many blessings, see what God hath done.</a:t>
-            </a:r>
-          </a:p>
-        </p:txBody>
-      </p:sp>
-    </p:spTree>
-  </p:cSld>
-  <p:clrMapOvr>
-    <a:masterClrMapping/>
-  </p:clrMapOvr>
-</p:sld>
-</file>
-
-<file path=ppt/slides/slide12.xml><?xml version="1.0" encoding="utf-8"?>
-<p:sld xmlns:a="http://schemas.openxmlformats.org/drawingml/2006/main" xmlns:p="http://schemas.openxmlformats.org/presentationml/2006/main" xmlns:r="http://schemas.openxmlformats.org/officeDocument/2006/relationships">
-  <p:cSld>
-    <p:spTree>
-      <p:nvGrpSpPr>
-        <p:cNvPr id="1" name=""/>
-        <p:cNvGrpSpPr/>
-        <p:nvPr/>
-      </p:nvGrpSpPr>
-      <p:grpSpPr/>
-      <p:sp>
-        <p:nvSpPr>
-          <p:cNvPr id="2" name="TextBox 1"/>
-          <p:cNvSpPr txBox="1"/>
-          <p:nvPr/>
-        </p:nvSpPr>
-        <p:spPr>
-          <a:xfrm>
-            <a:off x="685800" y="228600"/>
-            <a:ext cx="7772400" cy="2971800"/>
-          </a:xfrm>
-          <a:prstGeom prst="rect">
-            <a:avLst/>
-          </a:prstGeom>
-          <a:noFill/>
-        </p:spPr>
-        <p:txBody>
-          <a:bodyPr wrap="none">
-            <a:spAutoFit/>
-          </a:bodyPr>
-          <a:lstStyle/>
-          <a:p/>
-          <a:p>
-            <a:pPr algn="ctr">
-              <a:lnSpc>
-                <a:spcPts val="4800"/>
-              </a:lnSpc>
-              <a:defRPr sz="4200">
-                <a:solidFill>
-                  <a:srgbClr val="000000"/>
-                </a:solidFill>
-              </a:defRPr>
-            </a:pPr>
-            <a:r>
-              <a:t>เวลาท่านต่อสู้ จะเป็นการเล็กหรือใหญ่</a:t>
-            </a:r>
-            <a:br/>
-            <a:r>
-              <a:t>อย่าระอาอ่อนใจ พระผู้เป็นเจ้าอยู่ใกล้</a:t>
-            </a:r>
-            <a:br/>
-            <a:r>
-              <a:t>จงนับดูพระพร เพราะทูตสวรรค์ป้องกัน ช่วยปลอบโยนดวงจิต</a:t>
-            </a:r>
-            <a:br/>
-            <a:r>
-              <a:t>ท่านจนตลอดสิ้นกาล</a:t>
-            </a:r>
-          </a:p>
-        </p:txBody>
-      </p:sp>
-      <p:sp>
-        <p:nvSpPr>
-          <p:cNvPr id="3" name="TextBox 2"/>
-          <p:cNvSpPr txBox="1"/>
-          <p:nvPr/>
-        </p:nvSpPr>
-        <p:spPr>
-          <a:xfrm>
-            <a:off x="685800" y="3657600"/>
-            <a:ext cx="7772400" cy="2971800"/>
-          </a:xfrm>
-          <a:prstGeom prst="rect">
-            <a:avLst/>
-          </a:prstGeom>
-          <a:noFill/>
-        </p:spPr>
-        <p:txBody>
-          <a:bodyPr wrap="square">
-            <a:spAutoFit/>
-          </a:bodyPr>
-          <a:lstStyle/>
-          <a:p/>
-          <a:p>
-            <a:pPr algn="ctr">
-              <a:lnSpc>
-                <a:spcPts val="4800"/>
-              </a:lnSpc>
-              <a:defRPr sz="3800">
-                <a:solidFill>
-                  <a:srgbClr val="3A70BC"/>
-                </a:solidFill>
-              </a:defRPr>
-            </a:pPr>
-            <a:r>
-              <a:t>So, amid the conflict, whether great or small, Do not be discouraged, God is over all; Count your many blessings, angels will attend, Help and comfort give you to your journey's end.</a:t>
-            </a:r>
-          </a:p>
-        </p:txBody>
-      </p:sp>
-    </p:spTree>
-  </p:cSld>
-  <p:clrMapOvr>
-    <a:masterClrMapping/>
-  </p:clrMapOvr>
-</p:sld>
-</file>
-
-<file path=ppt/slides/slide13.xml><?xml version="1.0" encoding="utf-8"?>
-<p:sld xmlns:a="http://schemas.openxmlformats.org/drawingml/2006/main" xmlns:p="http://schemas.openxmlformats.org/presentationml/2006/main" xmlns:r="http://schemas.openxmlformats.org/officeDocument/2006/relationships">
-  <p:cSld>
-    <p:spTree>
-      <p:nvGrpSpPr>
-        <p:cNvPr id="1" name=""/>
-        <p:cNvGrpSpPr/>
-        <p:nvPr/>
-      </p:nvGrpSpPr>
-      <p:grpSpPr/>
-      <p:sp>
-        <p:nvSpPr>
-          <p:cNvPr id="2" name="TextBox 1"/>
-          <p:cNvSpPr txBox="1"/>
-          <p:nvPr/>
-        </p:nvSpPr>
-        <p:spPr>
-          <a:xfrm>
-            <a:off x="685800" y="228600"/>
-            <a:ext cx="7772400" cy="2971800"/>
-          </a:xfrm>
-          <a:prstGeom prst="rect">
-            <a:avLst/>
-          </a:prstGeom>
-          <a:noFill/>
-        </p:spPr>
-        <p:txBody>
-          <a:bodyPr wrap="none">
-            <a:spAutoFit/>
-          </a:bodyPr>
-          <a:lstStyle/>
-          <a:p/>
-          <a:p>
-            <a:pPr algn="ctr">
-              <a:lnSpc>
-                <a:spcPts val="4800"/>
-              </a:lnSpc>
-              <a:defRPr sz="4200">
-                <a:solidFill>
-                  <a:srgbClr val="000000"/>
-                </a:solidFill>
-              </a:defRPr>
-            </a:pPr>
-            <a:r>
-              <a:t>นับพระพรของท่านดูทีละอัน นับพระพรซึ่งพระเยซูประทาน</a:t>
-            </a:r>
-            <a:br/>
-            <a:r>
-              <a:t>นับพระพรนั้น นับดูทีละอัน นับพระพรของท่าน</a:t>
-            </a:r>
-            <a:br/>
-            <a:r>
-              <a:t>ซึ่งพระเยซูประทาน</a:t>
-            </a:r>
-          </a:p>
-        </p:txBody>
-      </p:sp>
-      <p:sp>
-        <p:nvSpPr>
-          <p:cNvPr id="3" name="TextBox 2"/>
-          <p:cNvSpPr txBox="1"/>
-          <p:nvPr/>
-        </p:nvSpPr>
-        <p:spPr>
-          <a:xfrm>
-            <a:off x="685800" y="3657600"/>
-            <a:ext cx="7772400" cy="2971800"/>
-          </a:xfrm>
-          <a:prstGeom prst="rect">
-            <a:avLst/>
-          </a:prstGeom>
-          <a:noFill/>
-        </p:spPr>
-        <p:txBody>
-          <a:bodyPr wrap="square">
-            <a:spAutoFit/>
-          </a:bodyPr>
-          <a:lstStyle/>
-          <a:p/>
-          <a:p>
-            <a:pPr algn="ctr">
-              <a:lnSpc>
-                <a:spcPts val="4800"/>
-              </a:lnSpc>
-              <a:defRPr sz="3800">
-                <a:solidFill>
-                  <a:srgbClr val="3A70BC"/>
-                </a:solidFill>
-              </a:defRPr>
-            </a:pPr>
-            <a:r>
-              <a:t>Count your blessings, name them one by one; Count your blessings, see what God hath done; Count your blessings, name them one by one; Count your many blessings, see what God hath done.</a:t>
-            </a:r>
-          </a:p>
-        </p:txBody>
-      </p:sp>
-    </p:spTree>
-  </p:cSld>
-  <p:clrMapOvr>
-    <a:masterClrMapping/>
-  </p:clrMapOvr>
-</p:sld>
-</file>
-
-<file path=ppt/slides/slide14.xml><?xml version="1.0" encoding="utf-8"?>
-<p:sld xmlns:a="http://schemas.openxmlformats.org/drawingml/2006/main" xmlns:p="http://schemas.openxmlformats.org/presentationml/2006/main" xmlns:r="http://schemas.openxmlformats.org/officeDocument/2006/relationships">
-  <p:cSld>
-    <p:spTree>
-      <p:nvGrpSpPr>
-        <p:cNvPr id="1" name=""/>
-        <p:cNvGrpSpPr/>
-        <p:nvPr/>
-      </p:nvGrpSpPr>
-      <p:grpSpPr/>
-      <p:sp>
-        <p:nvSpPr>
-          <p:cNvPr id="2" name="Title 1"/>
-          <p:cNvSpPr>
-            <a:spLocks noGrp="1"/>
-          </p:cNvSpPr>
-          <p:nvPr>
-            <p:ph type="ctrTitle"/>
-          </p:nvPr>
-        </p:nvSpPr>
-        <p:spPr/>
-        <p:txBody>
-          <a:bodyPr/>
-          <a:lstStyle/>
-          <a:p>
-            <a:r>
-              <a:t>เรามาเต้นรำในบ้านหลังนี้</a:t>
-            </a:r>
-          </a:p>
-        </p:txBody>
-      </p:sp>
-      <p:sp>
-        <p:nvSpPr>
-          <p:cNvPr id="3" name="Subtitle 2"/>
-          <p:cNvSpPr>
-            <a:spLocks noGrp="1"/>
-          </p:cNvSpPr>
-          <p:nvPr>
-            <p:ph type="subTitle" idx="1"/>
-          </p:nvPr>
-        </p:nvSpPr>
-        <p:spPr/>
-        <p:txBody>
-          <a:bodyPr/>
-          <a:lstStyle/>
-          <a:p>
-            <a:r>
-              <a:t>Hear Our Praises</a:t>
-            </a:r>
-          </a:p>
-        </p:txBody>
-      </p:sp>
-    </p:spTree>
-  </p:cSld>
-  <p:clrMapOvr>
-    <a:masterClrMapping/>
-  </p:clrMapOvr>
-</p:sld>
-</file>
-
-<file path=ppt/slides/slide15.xml><?xml version="1.0" encoding="utf-8"?>
-<p:sld xmlns:a="http://schemas.openxmlformats.org/drawingml/2006/main" xmlns:p="http://schemas.openxmlformats.org/presentationml/2006/main" xmlns:r="http://schemas.openxmlformats.org/officeDocument/2006/relationships">
-  <p:cSld>
-    <p:spTree>
-      <p:nvGrpSpPr>
-        <p:cNvPr id="1" name=""/>
-        <p:cNvGrpSpPr/>
-        <p:nvPr/>
-      </p:nvGrpSpPr>
-      <p:grpSpPr/>
-      <p:sp>
-        <p:nvSpPr>
-          <p:cNvPr id="2" name="TextBox 1"/>
-          <p:cNvSpPr txBox="1"/>
-          <p:nvPr/>
-        </p:nvSpPr>
-        <p:spPr>
-          <a:xfrm>
-            <a:off x="685800" y="228600"/>
-            <a:ext cx="7772400" cy="2971800"/>
-          </a:xfrm>
-          <a:prstGeom prst="rect">
-            <a:avLst/>
-          </a:prstGeom>
-          <a:noFill/>
-        </p:spPr>
-        <p:txBody>
-          <a:bodyPr wrap="none">
-            <a:spAutoFit/>
-          </a:bodyPr>
-          <a:lstStyle/>
-          <a:p/>
-          <a:p>
-            <a:pPr algn="ctr">
-              <a:lnSpc>
-                <a:spcPts val="4800"/>
-              </a:lnSpc>
-              <a:defRPr sz="4200">
-                <a:solidFill>
-                  <a:srgbClr val="000000"/>
-                </a:solidFill>
-              </a:defRPr>
-            </a:pPr>
-            <a:r>
-              <a:t>เรามาเต้นรำในบ้านหลังนี้</a:t>
-            </a:r>
-            <a:br/>
-            <a:r>
-              <a:t>ให้ท้องถนนเปรมปรีดิ์ทั่วกัน</a:t>
-            </a:r>
-            <a:br/>
-            <a:r>
-              <a:t>มวลมนุษย์กราบองค์พระเยซู</a:t>
-            </a:r>
-            <a:br/>
-            <a:r>
-              <a:t>นมัสการและอธิษฐาน</a:t>
-            </a:r>
-          </a:p>
-        </p:txBody>
-      </p:sp>
-      <p:sp>
-        <p:nvSpPr>
-          <p:cNvPr id="3" name="TextBox 2"/>
-          <p:cNvSpPr txBox="1"/>
-          <p:nvPr/>
-        </p:nvSpPr>
-        <p:spPr>
-          <a:xfrm>
-            <a:off x="685800" y="3657600"/>
-            <a:ext cx="7772400" cy="2971800"/>
-          </a:xfrm>
-          <a:prstGeom prst="rect">
-            <a:avLst/>
-          </a:prstGeom>
-          <a:noFill/>
-        </p:spPr>
-        <p:txBody>
-          <a:bodyPr wrap="square">
-            <a:spAutoFit/>
-          </a:bodyPr>
-          <a:lstStyle/>
-          <a:p/>
-          <a:p>
-            <a:pPr algn="ctr">
-              <a:lnSpc>
-                <a:spcPts val="4800"/>
-              </a:lnSpc>
-              <a:defRPr sz="3800">
-                <a:solidFill>
-                  <a:srgbClr val="3A70BC"/>
-                </a:solidFill>
-              </a:defRPr>
-            </a:pPr>
-            <a:r>
-              <a:t>May our homes be filled with dancing. May our streets be filled with joy. May injustice bow to Jesus. As the people turn to pray.</a:t>
-            </a:r>
-          </a:p>
-        </p:txBody>
-      </p:sp>
-    </p:spTree>
-  </p:cSld>
-  <p:clrMapOvr>
-    <a:masterClrMapping/>
-  </p:clrMapOvr>
-</p:sld>
-</file>
-
-<file path=ppt/slides/slide16.xml><?xml version="1.0" encoding="utf-8"?>
-<p:sld xmlns:a="http://schemas.openxmlformats.org/drawingml/2006/main" xmlns:p="http://schemas.openxmlformats.org/presentationml/2006/main" xmlns:r="http://schemas.openxmlformats.org/officeDocument/2006/relationships">
-  <p:cSld>
-    <p:spTree>
-      <p:nvGrpSpPr>
-        <p:cNvPr id="1" name=""/>
-        <p:cNvGrpSpPr/>
-        <p:nvPr/>
-      </p:nvGrpSpPr>
-      <p:grpSpPr/>
-      <p:sp>
-        <p:nvSpPr>
-          <p:cNvPr id="2" name="TextBox 1"/>
-          <p:cNvSpPr txBox="1"/>
-          <p:nvPr/>
-        </p:nvSpPr>
-        <p:spPr>
-          <a:xfrm>
-            <a:off x="685800" y="228600"/>
-            <a:ext cx="7772400" cy="2971800"/>
-          </a:xfrm>
-          <a:prstGeom prst="rect">
-            <a:avLst/>
-          </a:prstGeom>
-          <a:noFill/>
-        </p:spPr>
-        <p:txBody>
-          <a:bodyPr wrap="none">
-            <a:spAutoFit/>
-          </a:bodyPr>
-          <a:lstStyle/>
-          <a:p/>
-          <a:p>
-            <a:pPr algn="ctr">
-              <a:lnSpc>
-                <a:spcPts val="4800"/>
-              </a:lnSpc>
-              <a:defRPr sz="4200">
-                <a:solidFill>
-                  <a:srgbClr val="000000"/>
-                </a:solidFill>
-              </a:defRPr>
-            </a:pPr>
-            <a:r>
-              <a:t>คำสรรเสริญจาก เสียงของพวกเรา</a:t>
-            </a:r>
-            <a:br/>
-            <a:r>
-              <a:t>ถึงพระเจ้าไป ไกลลับฟ้า จากภูเขาสู่</a:t>
-            </a:r>
-            <a:br/>
-            <a:r>
-              <a:t>เหวลึกที่สุด ถึงยังสวรรค์</a:t>
-            </a:r>
-            <a:br/>
-            <a:r>
-              <a:t>ชนทุกชาติ</a:t>
-            </a:r>
-          </a:p>
-        </p:txBody>
-      </p:sp>
-      <p:sp>
-        <p:nvSpPr>
-          <p:cNvPr id="3" name="TextBox 2"/>
-          <p:cNvSpPr txBox="1"/>
-          <p:nvPr/>
-        </p:nvSpPr>
-        <p:spPr>
-          <a:xfrm>
-            <a:off x="685800" y="3657600"/>
-            <a:ext cx="7772400" cy="2971800"/>
-          </a:xfrm>
-          <a:prstGeom prst="rect">
-            <a:avLst/>
-          </a:prstGeom>
-          <a:noFill/>
-        </p:spPr>
-        <p:txBody>
-          <a:bodyPr wrap="square">
-            <a:spAutoFit/>
-          </a:bodyPr>
-          <a:lstStyle/>
-          <a:p/>
-          <a:p>
-            <a:pPr algn="ctr">
-              <a:lnSpc>
-                <a:spcPts val="4800"/>
-              </a:lnSpc>
-              <a:defRPr sz="3800">
-                <a:solidFill>
-                  <a:srgbClr val="3A70BC"/>
-                </a:solidFill>
-              </a:defRPr>
-            </a:pPr>
-            <a:r>
-              <a:t>From the mountain to the valley, Hear our praises rise to You. From the heavens to the nations. Hear our singing fill the air.</a:t>
-            </a:r>
-          </a:p>
-        </p:txBody>
-      </p:sp>
-    </p:spTree>
-  </p:cSld>
-  <p:clrMapOvr>
-    <a:masterClrMapping/>
-  </p:clrMapOvr>
-</p:sld>
-</file>
-
-<file path=ppt/slides/slide17.xml><?xml version="1.0" encoding="utf-8"?>
-<p:sld xmlns:a="http://schemas.openxmlformats.org/drawingml/2006/main" xmlns:p="http://schemas.openxmlformats.org/presentationml/2006/main" xmlns:r="http://schemas.openxmlformats.org/officeDocument/2006/relationships">
-  <p:cSld>
-    <p:spTree>
-      <p:nvGrpSpPr>
-        <p:cNvPr id="1" name=""/>
-        <p:cNvGrpSpPr/>
-        <p:nvPr/>
-      </p:nvGrpSpPr>
-      <p:grpSpPr/>
-      <p:sp>
-        <p:nvSpPr>
-          <p:cNvPr id="2" name="TextBox 1"/>
-          <p:cNvSpPr txBox="1"/>
-          <p:nvPr/>
-        </p:nvSpPr>
-        <p:spPr>
-          <a:xfrm>
-            <a:off x="685800" y="228600"/>
-            <a:ext cx="7772400" cy="2971800"/>
-          </a:xfrm>
-          <a:prstGeom prst="rect">
-            <a:avLst/>
-          </a:prstGeom>
-          <a:noFill/>
-        </p:spPr>
-        <p:txBody>
-          <a:bodyPr wrap="none">
-            <a:spAutoFit/>
-          </a:bodyPr>
-          <a:lstStyle/>
-          <a:p/>
-          <a:p>
-            <a:pPr algn="ctr">
-              <a:lnSpc>
-                <a:spcPts val="4800"/>
-              </a:lnSpc>
-              <a:defRPr sz="4200">
-                <a:solidFill>
-                  <a:srgbClr val="000000"/>
-                </a:solidFill>
-              </a:defRPr>
-            </a:pPr>
-            <a:r>
-              <a:t>ไม้กางเขน ที่เรารับแบกไว้</a:t>
-            </a:r>
-            <a:br/>
-            <a:r>
-              <a:t>ขอให้เราเป็นแสงสว่าง พระสิริพระเจ้าเต็มท่วมท้น</a:t>
-            </a:r>
-            <a:br/>
-            <a:r>
-              <a:t>หมือนดังน้ำในท้องทะเล</a:t>
-            </a:r>
-          </a:p>
-        </p:txBody>
-      </p:sp>
-      <p:sp>
-        <p:nvSpPr>
-          <p:cNvPr id="3" name="TextBox 2"/>
-          <p:cNvSpPr txBox="1"/>
-          <p:nvPr/>
-        </p:nvSpPr>
-        <p:spPr>
-          <a:xfrm>
-            <a:off x="685800" y="3657600"/>
-            <a:ext cx="7772400" cy="2971800"/>
-          </a:xfrm>
-          <a:prstGeom prst="rect">
-            <a:avLst/>
-          </a:prstGeom>
-          <a:noFill/>
-        </p:spPr>
-        <p:txBody>
-          <a:bodyPr wrap="square">
-            <a:spAutoFit/>
-          </a:bodyPr>
-          <a:lstStyle/>
-          <a:p/>
-          <a:p>
-            <a:pPr algn="ctr">
-              <a:lnSpc>
-                <a:spcPts val="4800"/>
-              </a:lnSpc>
-              <a:defRPr sz="3800">
-                <a:solidFill>
-                  <a:srgbClr val="3A70BC"/>
-                </a:solidFill>
-              </a:defRPr>
-            </a:pPr>
-            <a:r>
-              <a:t>May a light shine in the darkness. As we walk before the cross. May your glory fill the whole earth. As the water o'er the seas.</a:t>
-            </a:r>
-          </a:p>
-        </p:txBody>
-      </p:sp>
-    </p:spTree>
-  </p:cSld>
-  <p:clrMapOvr>
-    <a:masterClrMapping/>
-  </p:clrMapOvr>
-</p:sld>
-</file>
-
-<file path=ppt/slides/slide18.xml><?xml version="1.0" encoding="utf-8"?>
-<p:sld xmlns:a="http://schemas.openxmlformats.org/drawingml/2006/main" xmlns:p="http://schemas.openxmlformats.org/presentationml/2006/main" xmlns:r="http://schemas.openxmlformats.org/officeDocument/2006/relationships">
-  <p:cSld>
-    <p:spTree>
-      <p:nvGrpSpPr>
-        <p:cNvPr id="1" name=""/>
-        <p:cNvGrpSpPr/>
-        <p:nvPr/>
-      </p:nvGrpSpPr>
-      <p:grpSpPr/>
-      <p:sp>
-        <p:nvSpPr>
-          <p:cNvPr id="2" name="TextBox 1"/>
-          <p:cNvSpPr txBox="1"/>
-          <p:nvPr/>
-        </p:nvSpPr>
-        <p:spPr>
-          <a:xfrm>
-            <a:off x="685800" y="228600"/>
-            <a:ext cx="7772400" cy="2971800"/>
-          </a:xfrm>
-          <a:prstGeom prst="rect">
-            <a:avLst/>
-          </a:prstGeom>
-          <a:noFill/>
-        </p:spPr>
-        <p:txBody>
-          <a:bodyPr wrap="none">
-            <a:spAutoFit/>
-          </a:bodyPr>
-          <a:lstStyle/>
-          <a:p/>
-          <a:p>
-            <a:pPr algn="ctr">
-              <a:lnSpc>
-                <a:spcPts val="4800"/>
-              </a:lnSpc>
-              <a:defRPr sz="4200">
-                <a:solidFill>
-                  <a:srgbClr val="000000"/>
-                </a:solidFill>
-              </a:defRPr>
-            </a:pPr>
-            <a:r>
-              <a:t>คำสรรเสริญจาก เสียงของพวกเรา</a:t>
-            </a:r>
-            <a:br/>
-            <a:r>
-              <a:t>ถึงพระเจ้าไป ไกลลับฟ้า จากภูเขาสู่</a:t>
-            </a:r>
-            <a:br/>
-            <a:r>
-              <a:t>เหวลึกที่สุด ถึงยังสวรรค์</a:t>
-            </a:r>
-            <a:br/>
-            <a:r>
-              <a:t>ชนทุกชาติ</a:t>
-            </a:r>
-          </a:p>
-        </p:txBody>
-      </p:sp>
-      <p:sp>
-        <p:nvSpPr>
-          <p:cNvPr id="3" name="TextBox 2"/>
-          <p:cNvSpPr txBox="1"/>
-          <p:nvPr/>
-        </p:nvSpPr>
-        <p:spPr>
-          <a:xfrm>
-            <a:off x="685800" y="3657600"/>
-            <a:ext cx="7772400" cy="2971800"/>
-          </a:xfrm>
-          <a:prstGeom prst="rect">
-            <a:avLst/>
-          </a:prstGeom>
-          <a:noFill/>
-        </p:spPr>
-        <p:txBody>
-          <a:bodyPr wrap="square">
-            <a:spAutoFit/>
-          </a:bodyPr>
-          <a:lstStyle/>
-          <a:p/>
-          <a:p>
-            <a:pPr algn="ctr">
-              <a:lnSpc>
-                <a:spcPts val="4800"/>
-              </a:lnSpc>
-              <a:defRPr sz="3800">
-                <a:solidFill>
-                  <a:srgbClr val="3A70BC"/>
-                </a:solidFill>
-              </a:defRPr>
-            </a:pPr>
-            <a:r>
-              <a:t>From the mountain to the valley, Hear our praises rise to You. From the heavens to the nations. Hear our singing fill the air.</a:t>
-            </a:r>
-          </a:p>
-        </p:txBody>
-      </p:sp>
-    </p:spTree>
-  </p:cSld>
-  <p:clrMapOvr>
-    <a:masterClrMapping/>
-  </p:clrMapOvr>
-</p:sld>
-</file>
-
-<file path=ppt/slides/slide19.xml><?xml version="1.0" encoding="utf-8"?>
-<p:sld xmlns:a="http://schemas.openxmlformats.org/drawingml/2006/main" xmlns:p="http://schemas.openxmlformats.org/presentationml/2006/main" xmlns:r="http://schemas.openxmlformats.org/officeDocument/2006/relationships">
-  <p:cSld>
-    <p:spTree>
-      <p:nvGrpSpPr>
-        <p:cNvPr id="1" name=""/>
-        <p:cNvGrpSpPr/>
-        <p:nvPr/>
-      </p:nvGrpSpPr>
-      <p:grpSpPr/>
-      <p:sp>
-        <p:nvSpPr>
-          <p:cNvPr id="2" name="TextBox 1"/>
-          <p:cNvSpPr txBox="1"/>
-          <p:nvPr/>
-        </p:nvSpPr>
-        <p:spPr>
-          <a:xfrm>
-            <a:off x="685800" y="228600"/>
-            <a:ext cx="7772400" cy="2971800"/>
-          </a:xfrm>
-          <a:prstGeom prst="rect">
-            <a:avLst/>
-          </a:prstGeom>
-          <a:noFill/>
-        </p:spPr>
-        <p:txBody>
-          <a:bodyPr wrap="none">
-            <a:spAutoFit/>
-          </a:bodyPr>
-          <a:lstStyle/>
-          <a:p/>
-          <a:p>
-            <a:pPr algn="ctr">
-              <a:lnSpc>
-                <a:spcPts val="4800"/>
-              </a:lnSpc>
-              <a:defRPr sz="4200">
-                <a:solidFill>
-                  <a:srgbClr val="000000"/>
-                </a:solidFill>
-              </a:defRPr>
-            </a:pPr>
-            <a:r>
-              <a:t>ฮาเลลูยา</a:t>
-            </a:r>
-            <a:br/>
-            <a:r>
-              <a:t>ฮาเลลูยา</a:t>
-            </a:r>
-            <a:br/>
-            <a:r>
-              <a:t>ฮาเลลูยา</a:t>
-            </a:r>
-            <a:br/>
-            <a:r>
-              <a:t>ฮาเลลูยา</a:t>
-            </a:r>
-          </a:p>
-        </p:txBody>
-      </p:sp>
-      <p:sp>
-        <p:nvSpPr>
-          <p:cNvPr id="3" name="TextBox 2"/>
-          <p:cNvSpPr txBox="1"/>
-          <p:nvPr/>
-        </p:nvSpPr>
-        <p:spPr>
-          <a:xfrm>
-            <a:off x="685800" y="3657600"/>
-            <a:ext cx="7772400" cy="2971800"/>
-          </a:xfrm>
-          <a:prstGeom prst="rect">
-            <a:avLst/>
-          </a:prstGeom>
-          <a:noFill/>
-        </p:spPr>
-        <p:txBody>
-          <a:bodyPr wrap="square">
-            <a:spAutoFit/>
-          </a:bodyPr>
-          <a:lstStyle/>
-          <a:p/>
-          <a:p>
-            <a:pPr algn="ctr">
-              <a:lnSpc>
-                <a:spcPts val="4800"/>
-              </a:lnSpc>
-              <a:defRPr sz="3800">
-                <a:solidFill>
-                  <a:srgbClr val="3A70BC"/>
-                </a:solidFill>
-              </a:defRPr>
-            </a:pPr>
-            <a:r>
-              <a:t>Halllelujah Hallelujah Hallelujah Hallelujah</a:t>
+              <a:t>You Are My All In All</a:t>
             </a:r>
           </a:p>
         </p:txBody>
@@ -4219,15 +3187,15 @@
               </a:defRPr>
             </a:pPr>
             <a:r>
-              <a:t>พระองค์ทรงความอัศจรรย์</a:t>
+              <a:t>ทรงเป็นเรี่ยวแรงยามใจอ่อนแอ</a:t>
             </a:r>
             <a:br/>
             <a:r>
-              <a:t>มากมายสุดเกินจะบรรยาย</a:t>
+              <a:t>ทรงเป็นสรรพสิ่งที่ฉันต้องการ</a:t>
             </a:r>
             <a:br/>
             <a:r>
-              <a:t>จะหาผู้ใดเปรียบ เหมือนพระองค์</a:t>
+              <a:t>ทรงเป็นดวงใจของฉัน</a:t>
             </a:r>
           </a:p>
         </p:txBody>
@@ -4259,829 +3227,18 @@
               <a:lnSpc>
                 <a:spcPts val="4800"/>
               </a:lnSpc>
-              <a:defRPr sz="3800">
+              <a:defRPr sz="4000">
                 <a:solidFill>
                   <a:srgbClr val="3A70BC"/>
                 </a:solidFill>
               </a:defRPr>
             </a:pPr>
             <a:r>
-              <a:t>Water You turned into wine</a:t>
+              <a:t>You are my strength when I am weak</a:t>
             </a:r>
             <a:br/>
             <a:r>
-              <a:t> Opened the eyes of the blind</a:t>
-            </a:r>
-            <a:br/>
-            <a:r>
-              <a:t> There's no one like You</a:t>
-            </a:r>
-            <a:br/>
-            <a:r>
-              <a:t> None like You.</a:t>
-            </a:r>
-          </a:p>
-        </p:txBody>
-      </p:sp>
-    </p:spTree>
-  </p:cSld>
-  <p:clrMapOvr>
-    <a:masterClrMapping/>
-  </p:clrMapOvr>
-</p:sld>
-</file>
-
-<file path=ppt/slides/slide20.xml><?xml version="1.0" encoding="utf-8"?>
-<p:sld xmlns:a="http://schemas.openxmlformats.org/drawingml/2006/main" xmlns:p="http://schemas.openxmlformats.org/presentationml/2006/main" xmlns:r="http://schemas.openxmlformats.org/officeDocument/2006/relationships">
-  <p:cSld>
-    <p:spTree>
-      <p:nvGrpSpPr>
-        <p:cNvPr id="1" name=""/>
-        <p:cNvGrpSpPr/>
-        <p:nvPr/>
-      </p:nvGrpSpPr>
-      <p:grpSpPr/>
-      <p:sp>
-        <p:nvSpPr>
-          <p:cNvPr id="2" name="Title 1"/>
-          <p:cNvSpPr>
-            <a:spLocks noGrp="1"/>
-          </p:cNvSpPr>
-          <p:nvPr>
-            <p:ph type="ctrTitle"/>
-          </p:nvPr>
-        </p:nvSpPr>
-        <p:spPr/>
-        <p:txBody>
-          <a:bodyPr/>
-          <a:lstStyle/>
-          <a:p>
-            <a:r>
-              <a:t>หมดทั้งชีวิต</a:t>
-            </a:r>
-          </a:p>
-        </p:txBody>
-      </p:sp>
-      <p:sp>
-        <p:nvSpPr>
-          <p:cNvPr id="3" name="Subtitle 2"/>
-          <p:cNvSpPr>
-            <a:spLocks noGrp="1"/>
-          </p:cNvSpPr>
-          <p:nvPr>
-            <p:ph type="subTitle" idx="1"/>
-          </p:nvPr>
-        </p:nvSpPr>
-        <p:spPr/>
-        <p:txBody>
-          <a:bodyPr/>
-          <a:lstStyle/>
-          <a:p>
-            <a:r>
-              <a:t>Lord I Offer My Life To You</a:t>
-            </a:r>
-          </a:p>
-        </p:txBody>
-      </p:sp>
-    </p:spTree>
-  </p:cSld>
-  <p:clrMapOvr>
-    <a:masterClrMapping/>
-  </p:clrMapOvr>
-</p:sld>
-</file>
-
-<file path=ppt/slides/slide21.xml><?xml version="1.0" encoding="utf-8"?>
-<p:sld xmlns:a="http://schemas.openxmlformats.org/drawingml/2006/main" xmlns:p="http://schemas.openxmlformats.org/presentationml/2006/main" xmlns:r="http://schemas.openxmlformats.org/officeDocument/2006/relationships">
-  <p:cSld>
-    <p:spTree>
-      <p:nvGrpSpPr>
-        <p:cNvPr id="1" name=""/>
-        <p:cNvGrpSpPr/>
-        <p:nvPr/>
-      </p:nvGrpSpPr>
-      <p:grpSpPr/>
-      <p:sp>
-        <p:nvSpPr>
-          <p:cNvPr id="2" name="TextBox 1"/>
-          <p:cNvSpPr txBox="1"/>
-          <p:nvPr/>
-        </p:nvSpPr>
-        <p:spPr>
-          <a:xfrm>
-            <a:off x="685800" y="228600"/>
-            <a:ext cx="7772400" cy="2971800"/>
-          </a:xfrm>
-          <a:prstGeom prst="rect">
-            <a:avLst/>
-          </a:prstGeom>
-          <a:noFill/>
-        </p:spPr>
-        <p:txBody>
-          <a:bodyPr wrap="none">
-            <a:spAutoFit/>
-          </a:bodyPr>
-          <a:lstStyle/>
-          <a:p/>
-          <a:p>
-            <a:pPr algn="ctr">
-              <a:lnSpc>
-                <a:spcPts val="4800"/>
-              </a:lnSpc>
-              <a:defRPr sz="4200">
-                <a:solidFill>
-                  <a:srgbClr val="000000"/>
-                </a:solidFill>
-              </a:defRPr>
-            </a:pPr>
-            <a:r>
-              <a:t>หมดทั้งชีวิต หมดที่ข้าฯ มี ข้าฯ</a:t>
-            </a:r>
-            <a:br/>
-            <a:r>
-              <a:t>ขอวางลงจำเพาะพระพักตร์พระองค์ ทุกความรู้สึก</a:t>
-            </a:r>
-            <a:br/>
-            <a:r>
-              <a:t>เจ็บปวดหรือชื่นชม ยินดีหรือทุกข์ใจ</a:t>
-            </a:r>
-            <a:br/>
-            <a:r>
-              <a:t>มอบไว้แด่พระองค์</a:t>
-            </a:r>
-          </a:p>
-        </p:txBody>
-      </p:sp>
-      <p:sp>
-        <p:nvSpPr>
-          <p:cNvPr id="3" name="TextBox 2"/>
-          <p:cNvSpPr txBox="1"/>
-          <p:nvPr/>
-        </p:nvSpPr>
-        <p:spPr>
-          <a:xfrm>
-            <a:off x="685800" y="3657600"/>
-            <a:ext cx="7772400" cy="2971800"/>
-          </a:xfrm>
-          <a:prstGeom prst="rect">
-            <a:avLst/>
-          </a:prstGeom>
-          <a:noFill/>
-        </p:spPr>
-        <p:txBody>
-          <a:bodyPr wrap="square">
-            <a:spAutoFit/>
-          </a:bodyPr>
-          <a:lstStyle/>
-          <a:p/>
-          <a:p>
-            <a:pPr algn="ctr">
-              <a:lnSpc>
-                <a:spcPts val="4800"/>
-              </a:lnSpc>
-              <a:defRPr sz="3800">
-                <a:solidFill>
-                  <a:srgbClr val="3A70BC"/>
-                </a:solidFill>
-              </a:defRPr>
-            </a:pPr>
-            <a:r>
-              <a:t>All that I am, all that I have. I lay them down before you, oh Lord. All my regrets, all my acclaims. The joy and the pain, I'm making them yours.</a:t>
-            </a:r>
-          </a:p>
-        </p:txBody>
-      </p:sp>
-    </p:spTree>
-  </p:cSld>
-  <p:clrMapOvr>
-    <a:masterClrMapping/>
-  </p:clrMapOvr>
-</p:sld>
-</file>
-
-<file path=ppt/slides/slide22.xml><?xml version="1.0" encoding="utf-8"?>
-<p:sld xmlns:a="http://schemas.openxmlformats.org/drawingml/2006/main" xmlns:p="http://schemas.openxmlformats.org/presentationml/2006/main" xmlns:r="http://schemas.openxmlformats.org/officeDocument/2006/relationships">
-  <p:cSld>
-    <p:spTree>
-      <p:nvGrpSpPr>
-        <p:cNvPr id="1" name=""/>
-        <p:cNvGrpSpPr/>
-        <p:nvPr/>
-      </p:nvGrpSpPr>
-      <p:grpSpPr/>
-      <p:sp>
-        <p:nvSpPr>
-          <p:cNvPr id="2" name="TextBox 1"/>
-          <p:cNvSpPr txBox="1"/>
-          <p:nvPr/>
-        </p:nvSpPr>
-        <p:spPr>
-          <a:xfrm>
-            <a:off x="685800" y="228600"/>
-            <a:ext cx="7772400" cy="2971800"/>
-          </a:xfrm>
-          <a:prstGeom prst="rect">
-            <a:avLst/>
-          </a:prstGeom>
-          <a:noFill/>
-        </p:spPr>
-        <p:txBody>
-          <a:bodyPr wrap="none">
-            <a:spAutoFit/>
-          </a:bodyPr>
-          <a:lstStyle/>
-          <a:p/>
-          <a:p>
-            <a:pPr algn="ctr">
-              <a:lnSpc>
-                <a:spcPts val="4800"/>
-              </a:lnSpc>
-              <a:defRPr sz="4200">
-                <a:solidFill>
-                  <a:srgbClr val="000000"/>
-                </a:solidFill>
-              </a:defRPr>
-            </a:pPr>
-            <a:r>
-              <a:t>พระเจ้าข้าฯ มอบถวายทั้งชีวี ทั้งหมดทุกสิ่งที่มี</a:t>
-            </a:r>
-            <a:br/>
-            <a:r>
-              <a:t>เพื่อถวายพระสิริ พระเจ้าข้าฯ มอบทุกวันคืนที่มี</a:t>
-            </a:r>
-            <a:br/>
-            <a:r>
-              <a:t>เพื่อสรรเสริญทั้งชีวี เป็นเครื่องบูชาที่พอพระทัย</a:t>
-            </a:r>
-            <a:br/>
-            <a:r>
-              <a:t>พระเจ้าข้าฯ มอบชีวิตถวาย</a:t>
-            </a:r>
-          </a:p>
-        </p:txBody>
-      </p:sp>
-      <p:sp>
-        <p:nvSpPr>
-          <p:cNvPr id="3" name="TextBox 2"/>
-          <p:cNvSpPr txBox="1"/>
-          <p:nvPr/>
-        </p:nvSpPr>
-        <p:spPr>
-          <a:xfrm>
-            <a:off x="685800" y="3657600"/>
-            <a:ext cx="7772400" cy="2971800"/>
-          </a:xfrm>
-          <a:prstGeom prst="rect">
-            <a:avLst/>
-          </a:prstGeom>
-          <a:noFill/>
-        </p:spPr>
-        <p:txBody>
-          <a:bodyPr wrap="square">
-            <a:spAutoFit/>
-          </a:bodyPr>
-          <a:lstStyle/>
-          <a:p/>
-          <a:p>
-            <a:pPr algn="ctr">
-              <a:lnSpc>
-                <a:spcPts val="4800"/>
-              </a:lnSpc>
-              <a:defRPr sz="3800">
-                <a:solidFill>
-                  <a:srgbClr val="3A70BC"/>
-                </a:solidFill>
-              </a:defRPr>
-            </a:pPr>
-            <a:r>
-              <a:t>Lord, I offer my life to you. Everything I've been through. Use it for your glory. Lord I offer my days to you. Lifting my praise to you. As a pleasing sacrifice. Lord I offer you my life.</a:t>
-            </a:r>
-          </a:p>
-        </p:txBody>
-      </p:sp>
-    </p:spTree>
-  </p:cSld>
-  <p:clrMapOvr>
-    <a:masterClrMapping/>
-  </p:clrMapOvr>
-</p:sld>
-</file>
-
-<file path=ppt/slides/slide23.xml><?xml version="1.0" encoding="utf-8"?>
-<p:sld xmlns:a="http://schemas.openxmlformats.org/drawingml/2006/main" xmlns:p="http://schemas.openxmlformats.org/presentationml/2006/main" xmlns:r="http://schemas.openxmlformats.org/officeDocument/2006/relationships">
-  <p:cSld>
-    <p:spTree>
-      <p:nvGrpSpPr>
-        <p:cNvPr id="1" name=""/>
-        <p:cNvGrpSpPr/>
-        <p:nvPr/>
-      </p:nvGrpSpPr>
-      <p:grpSpPr/>
-      <p:sp>
-        <p:nvSpPr>
-          <p:cNvPr id="2" name="TextBox 1"/>
-          <p:cNvSpPr txBox="1"/>
-          <p:nvPr/>
-        </p:nvSpPr>
-        <p:spPr>
-          <a:xfrm>
-            <a:off x="685800" y="228600"/>
-            <a:ext cx="7772400" cy="2971800"/>
-          </a:xfrm>
-          <a:prstGeom prst="rect">
-            <a:avLst/>
-          </a:prstGeom>
-          <a:noFill/>
-        </p:spPr>
-        <p:txBody>
-          <a:bodyPr wrap="none">
-            <a:spAutoFit/>
-          </a:bodyPr>
-          <a:lstStyle/>
-          <a:p/>
-          <a:p>
-            <a:pPr algn="ctr">
-              <a:lnSpc>
-                <a:spcPts val="4800"/>
-              </a:lnSpc>
-              <a:defRPr sz="4200">
-                <a:solidFill>
-                  <a:srgbClr val="000000"/>
-                </a:solidFill>
-              </a:defRPr>
-            </a:pPr>
-            <a:r>
-              <a:t>สิ่งที่เคยพบ สิ่งที่จะเจอ ทุกความต้องการ</a:t>
-            </a:r>
-            <a:br/>
-            <a:r>
-              <a:t>และทุกๆ ความใฝ่ฝัน ทุกความหวังใจ</a:t>
-            </a:r>
-            <a:br/>
-            <a:r>
-              <a:t>และในทุกแผนการ ชูมือและใจข้าฯ</a:t>
-            </a:r>
-            <a:br/>
-            <a:r>
-              <a:t>ถวายแด่พระองค์</a:t>
-            </a:r>
-          </a:p>
-        </p:txBody>
-      </p:sp>
-      <p:sp>
-        <p:nvSpPr>
-          <p:cNvPr id="3" name="TextBox 2"/>
-          <p:cNvSpPr txBox="1"/>
-          <p:nvPr/>
-        </p:nvSpPr>
-        <p:spPr>
-          <a:xfrm>
-            <a:off x="685800" y="3657600"/>
-            <a:ext cx="7772400" cy="2971800"/>
-          </a:xfrm>
-          <a:prstGeom prst="rect">
-            <a:avLst/>
-          </a:prstGeom>
-          <a:noFill/>
-        </p:spPr>
-        <p:txBody>
-          <a:bodyPr wrap="square">
-            <a:spAutoFit/>
-          </a:bodyPr>
-          <a:lstStyle/>
-          <a:p/>
-          <a:p>
-            <a:pPr algn="ctr">
-              <a:lnSpc>
-                <a:spcPts val="4800"/>
-              </a:lnSpc>
-              <a:defRPr sz="3800">
-                <a:solidFill>
-                  <a:srgbClr val="3A70BC"/>
-                </a:solidFill>
-              </a:defRPr>
-            </a:pPr>
-            <a:r>
-              <a:t>Things in the past, things yet unseen. Wishes and dreams that are yet to come true. All of my heart, all of my praise. My heart and my hands are lifted to you.</a:t>
-            </a:r>
-          </a:p>
-        </p:txBody>
-      </p:sp>
-    </p:spTree>
-  </p:cSld>
-  <p:clrMapOvr>
-    <a:masterClrMapping/>
-  </p:clrMapOvr>
-</p:sld>
-</file>
-
-<file path=ppt/slides/slide24.xml><?xml version="1.0" encoding="utf-8"?>
-<p:sld xmlns:a="http://schemas.openxmlformats.org/drawingml/2006/main" xmlns:p="http://schemas.openxmlformats.org/presentationml/2006/main" xmlns:r="http://schemas.openxmlformats.org/officeDocument/2006/relationships">
-  <p:cSld>
-    <p:spTree>
-      <p:nvGrpSpPr>
-        <p:cNvPr id="1" name=""/>
-        <p:cNvGrpSpPr/>
-        <p:nvPr/>
-      </p:nvGrpSpPr>
-      <p:grpSpPr/>
-      <p:sp>
-        <p:nvSpPr>
-          <p:cNvPr id="2" name="TextBox 1"/>
-          <p:cNvSpPr txBox="1"/>
-          <p:nvPr/>
-        </p:nvSpPr>
-        <p:spPr>
-          <a:xfrm>
-            <a:off x="685800" y="228600"/>
-            <a:ext cx="7772400" cy="2971800"/>
-          </a:xfrm>
-          <a:prstGeom prst="rect">
-            <a:avLst/>
-          </a:prstGeom>
-          <a:noFill/>
-        </p:spPr>
-        <p:txBody>
-          <a:bodyPr wrap="none">
-            <a:spAutoFit/>
-          </a:bodyPr>
-          <a:lstStyle/>
-          <a:p/>
-          <a:p>
-            <a:pPr algn="ctr">
-              <a:lnSpc>
-                <a:spcPts val="4800"/>
-              </a:lnSpc>
-              <a:defRPr sz="4200">
-                <a:solidFill>
-                  <a:srgbClr val="000000"/>
-                </a:solidFill>
-              </a:defRPr>
-            </a:pPr>
-            <a:r>
-              <a:t>พระเจ้าข้าฯ มอบถวายทั้งชีวี ทั้งหมดทุกสิ่งที่มี</a:t>
-            </a:r>
-            <a:br/>
-            <a:r>
-              <a:t>เพื่อถวายพระสิริ พระเจ้าข้าฯ มอบทุกวันคืนที่มี</a:t>
-            </a:r>
-            <a:br/>
-            <a:r>
-              <a:t>เพื่อสรรเสริญทั้งชีวี เป็นเครื่องบูชาที่พอพระทัย</a:t>
-            </a:r>
-            <a:br/>
-            <a:r>
-              <a:t>พระเจ้าข้าฯ มอบชีวิตถวาย</a:t>
-            </a:r>
-          </a:p>
-        </p:txBody>
-      </p:sp>
-      <p:sp>
-        <p:nvSpPr>
-          <p:cNvPr id="3" name="TextBox 2"/>
-          <p:cNvSpPr txBox="1"/>
-          <p:nvPr/>
-        </p:nvSpPr>
-        <p:spPr>
-          <a:xfrm>
-            <a:off x="685800" y="3657600"/>
-            <a:ext cx="7772400" cy="2971800"/>
-          </a:xfrm>
-          <a:prstGeom prst="rect">
-            <a:avLst/>
-          </a:prstGeom>
-          <a:noFill/>
-        </p:spPr>
-        <p:txBody>
-          <a:bodyPr wrap="square">
-            <a:spAutoFit/>
-          </a:bodyPr>
-          <a:lstStyle/>
-          <a:p/>
-          <a:p>
-            <a:pPr algn="ctr">
-              <a:lnSpc>
-                <a:spcPts val="4800"/>
-              </a:lnSpc>
-              <a:defRPr sz="3800">
-                <a:solidFill>
-                  <a:srgbClr val="3A70BC"/>
-                </a:solidFill>
-              </a:defRPr>
-            </a:pPr>
-            <a:r>
-              <a:t>Lord, I offer my life to you. Everything I've been through. Use it for your glory. Lord I offer my days to you. Lifting my praise to you. As a pleasing sacrifice. Lord I offer you my life.</a:t>
-            </a:r>
-          </a:p>
-        </p:txBody>
-      </p:sp>
-    </p:spTree>
-  </p:cSld>
-  <p:clrMapOvr>
-    <a:masterClrMapping/>
-  </p:clrMapOvr>
-</p:sld>
-</file>
-
-<file path=ppt/slides/slide25.xml><?xml version="1.0" encoding="utf-8"?>
-<p:sld xmlns:a="http://schemas.openxmlformats.org/drawingml/2006/main" xmlns:p="http://schemas.openxmlformats.org/presentationml/2006/main" xmlns:r="http://schemas.openxmlformats.org/officeDocument/2006/relationships">
-  <p:cSld>
-    <p:spTree>
-      <p:nvGrpSpPr>
-        <p:cNvPr id="1" name=""/>
-        <p:cNvGrpSpPr/>
-        <p:nvPr/>
-      </p:nvGrpSpPr>
-      <p:grpSpPr/>
-      <p:sp>
-        <p:nvSpPr>
-          <p:cNvPr id="2" name="Title 1"/>
-          <p:cNvSpPr>
-            <a:spLocks noGrp="1"/>
-          </p:cNvSpPr>
-          <p:nvPr>
-            <p:ph type="ctrTitle"/>
-          </p:nvPr>
-        </p:nvSpPr>
-        <p:spPr/>
-        <p:txBody>
-          <a:bodyPr/>
-          <a:lstStyle/>
-          <a:p/>
-        </p:txBody>
-      </p:sp>
-      <p:sp>
-        <p:nvSpPr>
-          <p:cNvPr id="3" name="Subtitle 2"/>
-          <p:cNvSpPr>
-            <a:spLocks noGrp="1"/>
-          </p:cNvSpPr>
-          <p:nvPr>
-            <p:ph type="subTitle" idx="1"/>
-          </p:nvPr>
-        </p:nvSpPr>
-        <p:spPr/>
-        <p:txBody>
-          <a:bodyPr/>
-          <a:lstStyle/>
-          <a:p>
-            <a:r>
-              <a:t>You Are My All In All</a:t>
-            </a:r>
-          </a:p>
-        </p:txBody>
-      </p:sp>
-    </p:spTree>
-  </p:cSld>
-  <p:clrMapOvr>
-    <a:masterClrMapping/>
-  </p:clrMapOvr>
-</p:sld>
-</file>
-
-<file path=ppt/slides/slide26.xml><?xml version="1.0" encoding="utf-8"?>
-<p:sld xmlns:a="http://schemas.openxmlformats.org/drawingml/2006/main" xmlns:p="http://schemas.openxmlformats.org/presentationml/2006/main" xmlns:r="http://schemas.openxmlformats.org/officeDocument/2006/relationships">
-  <p:cSld>
-    <p:spTree>
-      <p:nvGrpSpPr>
-        <p:cNvPr id="1" name=""/>
-        <p:cNvGrpSpPr/>
-        <p:nvPr/>
-      </p:nvGrpSpPr>
-      <p:grpSpPr/>
-      <p:sp>
-        <p:nvSpPr>
-          <p:cNvPr id="2" name="TextBox 1"/>
-          <p:cNvSpPr txBox="1"/>
-          <p:nvPr/>
-        </p:nvSpPr>
-        <p:spPr>
-          <a:xfrm>
-            <a:off x="914400" y="457200"/>
-            <a:ext cx="7315200" cy="5486400"/>
-          </a:xfrm>
-          <a:prstGeom prst="rect">
-            <a:avLst/>
-          </a:prstGeom>
-          <a:noFill/>
-        </p:spPr>
-        <p:txBody>
-          <a:bodyPr wrap="none">
-            <a:spAutoFit/>
-          </a:bodyPr>
-          <a:lstStyle/>
-          <a:p/>
-          <a:p>
-            <a:pPr algn="ctr">
-              <a:lnSpc>
-                <a:spcPts val="7000"/>
-              </a:lnSpc>
-              <a:defRPr sz="4200">
-                <a:solidFill>
-                  <a:srgbClr val="000000"/>
-                </a:solidFill>
-              </a:defRPr>
-            </a:pPr>
-            <a:r>
-              <a:t>You are my strength when I am weak</a:t>
-            </a:r>
-            <a:br/>
-            <a:r>
               <a:t> You are the treasure that I seek</a:t>
-            </a:r>
-            <a:br/>
-            <a:r>
-              <a:t> You are my all in all</a:t>
-            </a:r>
-            <a:br/>
-          </a:p>
-        </p:txBody>
-      </p:sp>
-    </p:spTree>
-  </p:cSld>
-  <p:clrMapOvr>
-    <a:masterClrMapping/>
-  </p:clrMapOvr>
-</p:sld>
-</file>
-
-<file path=ppt/slides/slide27.xml><?xml version="1.0" encoding="utf-8"?>
-<p:sld xmlns:a="http://schemas.openxmlformats.org/drawingml/2006/main" xmlns:p="http://schemas.openxmlformats.org/presentationml/2006/main" xmlns:r="http://schemas.openxmlformats.org/officeDocument/2006/relationships">
-  <p:cSld>
-    <p:spTree>
-      <p:nvGrpSpPr>
-        <p:cNvPr id="1" name=""/>
-        <p:cNvGrpSpPr/>
-        <p:nvPr/>
-      </p:nvGrpSpPr>
-      <p:grpSpPr/>
-      <p:sp>
-        <p:nvSpPr>
-          <p:cNvPr id="2" name="TextBox 1"/>
-          <p:cNvSpPr txBox="1"/>
-          <p:nvPr/>
-        </p:nvSpPr>
-        <p:spPr>
-          <a:xfrm>
-            <a:off x="914400" y="457200"/>
-            <a:ext cx="7315200" cy="5486400"/>
-          </a:xfrm>
-          <a:prstGeom prst="rect">
-            <a:avLst/>
-          </a:prstGeom>
-          <a:noFill/>
-        </p:spPr>
-        <p:txBody>
-          <a:bodyPr wrap="none">
-            <a:spAutoFit/>
-          </a:bodyPr>
-          <a:lstStyle/>
-          <a:p/>
-          <a:p>
-            <a:pPr algn="ctr">
-              <a:lnSpc>
-                <a:spcPts val="7000"/>
-              </a:lnSpc>
-              <a:defRPr sz="4200">
-                <a:solidFill>
-                  <a:srgbClr val="000000"/>
-                </a:solidFill>
-              </a:defRPr>
-            </a:pPr>
-            <a:r>
-              <a:t>Seeking You as a precious jewel</a:t>
-            </a:r>
-            <a:br/>
-            <a:r>
-              <a:t> Lord to give up I'd be a fool</a:t>
-            </a:r>
-            <a:br/>
-            <a:r>
-              <a:t> You are my all in all</a:t>
-            </a:r>
-            <a:br/>
-          </a:p>
-        </p:txBody>
-      </p:sp>
-    </p:spTree>
-  </p:cSld>
-  <p:clrMapOvr>
-    <a:masterClrMapping/>
-  </p:clrMapOvr>
-</p:sld>
-</file>
-
-<file path=ppt/slides/slide28.xml><?xml version="1.0" encoding="utf-8"?>
-<p:sld xmlns:a="http://schemas.openxmlformats.org/drawingml/2006/main" xmlns:p="http://schemas.openxmlformats.org/presentationml/2006/main" xmlns:r="http://schemas.openxmlformats.org/officeDocument/2006/relationships">
-  <p:cSld>
-    <p:spTree>
-      <p:nvGrpSpPr>
-        <p:cNvPr id="1" name=""/>
-        <p:cNvGrpSpPr/>
-        <p:nvPr/>
-      </p:nvGrpSpPr>
-      <p:grpSpPr/>
-      <p:sp>
-        <p:nvSpPr>
-          <p:cNvPr id="2" name="TextBox 1"/>
-          <p:cNvSpPr txBox="1"/>
-          <p:nvPr/>
-        </p:nvSpPr>
-        <p:spPr>
-          <a:xfrm>
-            <a:off x="914400" y="457200"/>
-            <a:ext cx="7315200" cy="5486400"/>
-          </a:xfrm>
-          <a:prstGeom prst="rect">
-            <a:avLst/>
-          </a:prstGeom>
-          <a:noFill/>
-        </p:spPr>
-        <p:txBody>
-          <a:bodyPr wrap="none">
-            <a:spAutoFit/>
-          </a:bodyPr>
-          <a:lstStyle/>
-          <a:p/>
-          <a:p>
-            <a:pPr algn="ctr">
-              <a:lnSpc>
-                <a:spcPts val="7000"/>
-              </a:lnSpc>
-              <a:defRPr sz="4200">
-                <a:solidFill>
-                  <a:srgbClr val="000000"/>
-                </a:solidFill>
-              </a:defRPr>
-            </a:pPr>
-            <a:r>
-              <a:t>Jesus Lamb of God worthy is your name</a:t>
-            </a:r>
-            <a:br/>
-            <a:r>
-              <a:t> Jesus Lamb of God worthy is your name</a:t>
-            </a:r>
-            <a:br/>
-          </a:p>
-        </p:txBody>
-      </p:sp>
-    </p:spTree>
-  </p:cSld>
-  <p:clrMapOvr>
-    <a:masterClrMapping/>
-  </p:clrMapOvr>
-</p:sld>
-</file>
-
-<file path=ppt/slides/slide29.xml><?xml version="1.0" encoding="utf-8"?>
-<p:sld xmlns:a="http://schemas.openxmlformats.org/drawingml/2006/main" xmlns:p="http://schemas.openxmlformats.org/presentationml/2006/main" xmlns:r="http://schemas.openxmlformats.org/officeDocument/2006/relationships">
-  <p:cSld>
-    <p:spTree>
-      <p:nvGrpSpPr>
-        <p:cNvPr id="1" name=""/>
-        <p:cNvGrpSpPr/>
-        <p:nvPr/>
-      </p:nvGrpSpPr>
-      <p:grpSpPr/>
-      <p:sp>
-        <p:nvSpPr>
-          <p:cNvPr id="2" name="TextBox 1"/>
-          <p:cNvSpPr txBox="1"/>
-          <p:nvPr/>
-        </p:nvSpPr>
-        <p:spPr>
-          <a:xfrm>
-            <a:off x="914400" y="457200"/>
-            <a:ext cx="7315200" cy="5486400"/>
-          </a:xfrm>
-          <a:prstGeom prst="rect">
-            <a:avLst/>
-          </a:prstGeom>
-          <a:noFill/>
-        </p:spPr>
-        <p:txBody>
-          <a:bodyPr wrap="none">
-            <a:spAutoFit/>
-          </a:bodyPr>
-          <a:lstStyle/>
-          <a:p/>
-          <a:p>
-            <a:pPr algn="ctr">
-              <a:lnSpc>
-                <a:spcPts val="7000"/>
-              </a:lnSpc>
-              <a:defRPr sz="4200">
-                <a:solidFill>
-                  <a:srgbClr val="000000"/>
-                </a:solidFill>
-              </a:defRPr>
-            </a:pPr>
-            <a:r>
-              <a:t>Taking my sin my cross my shame</a:t>
-            </a:r>
-            <a:br/>
-            <a:r>
-              <a:t> Rising again I bless your name</a:t>
             </a:r>
             <a:br/>
             <a:r>
@@ -5143,19 +3300,15 @@
               </a:defRPr>
             </a:pPr>
             <a:r>
-              <a:t>พระองค์ทรงเข้มแข็ง ยิ่งใหญ่กว่าสิ่งไหน</a:t>
+              <a:t>อยากจะได้พระองค์มากกว่าทอง</a:t>
             </a:r>
             <a:br/>
             <a:r>
-              <a:t>พระองค์อยู่เหนือทุกๆอย่าง เกินผู้ใด</a:t>
+              <a:t>อยากจะพ้นจากจิตใจเศร้าหมอง</a:t>
             </a:r>
             <a:br/>
             <a:r>
-              <a:t>พระองค์ผู้รักษา ทรงเปี่ยมด้วยฤทธา</a:t>
-            </a:r>
-            <a:br/>
-            <a:r>
-              <a:t>พระเจ้าของเรา</a:t>
+              <a:t>ทรงเป็นดวงใจของฉัน</a:t>
             </a:r>
           </a:p>
         </p:txBody>
@@ -5187,87 +3340,18 @@
               <a:lnSpc>
                 <a:spcPts val="4800"/>
               </a:lnSpc>
-              <a:defRPr sz="3800">
+              <a:defRPr sz="4000">
                 <a:solidFill>
                   <a:srgbClr val="3A70BC"/>
                 </a:solidFill>
               </a:defRPr>
             </a:pPr>
             <a:r>
-              <a:t>Our God is greater, our God is stronger</a:t>
+              <a:t>Seeking You as a precious jewel</a:t>
             </a:r>
             <a:br/>
             <a:r>
-              <a:t> God, You are higher than any other</a:t>
-            </a:r>
-            <a:br/>
-            <a:r>
-              <a:t> Our God is healer, awesome in power</a:t>
-            </a:r>
-            <a:br/>
-            <a:r>
-              <a:t> Our God, our God.</a:t>
-            </a:r>
-          </a:p>
-        </p:txBody>
-      </p:sp>
-    </p:spTree>
-  </p:cSld>
-  <p:clrMapOvr>
-    <a:masterClrMapping/>
-  </p:clrMapOvr>
-</p:sld>
-</file>
-
-<file path=ppt/slides/slide30.xml><?xml version="1.0" encoding="utf-8"?>
-<p:sld xmlns:a="http://schemas.openxmlformats.org/drawingml/2006/main" xmlns:p="http://schemas.openxmlformats.org/presentationml/2006/main" xmlns:r="http://schemas.openxmlformats.org/officeDocument/2006/relationships">
-  <p:cSld>
-    <p:spTree>
-      <p:nvGrpSpPr>
-        <p:cNvPr id="1" name=""/>
-        <p:cNvGrpSpPr/>
-        <p:nvPr/>
-      </p:nvGrpSpPr>
-      <p:grpSpPr/>
-      <p:sp>
-        <p:nvSpPr>
-          <p:cNvPr id="2" name="TextBox 1"/>
-          <p:cNvSpPr txBox="1"/>
-          <p:nvPr/>
-        </p:nvSpPr>
-        <p:spPr>
-          <a:xfrm>
-            <a:off x="914400" y="457200"/>
-            <a:ext cx="7315200" cy="5486400"/>
-          </a:xfrm>
-          <a:prstGeom prst="rect">
-            <a:avLst/>
-          </a:prstGeom>
-          <a:noFill/>
-        </p:spPr>
-        <p:txBody>
-          <a:bodyPr wrap="none">
-            <a:spAutoFit/>
-          </a:bodyPr>
-          <a:lstStyle/>
-          <a:p/>
-          <a:p>
-            <a:pPr algn="ctr">
-              <a:lnSpc>
-                <a:spcPts val="7000"/>
-              </a:lnSpc>
-              <a:defRPr sz="4200">
-                <a:solidFill>
-                  <a:srgbClr val="000000"/>
-                </a:solidFill>
-              </a:defRPr>
-            </a:pPr>
-            <a:r>
-              <a:t>When I fall down You lift me up</a:t>
-            </a:r>
-            <a:br/>
-            <a:r>
-              <a:t> When I am dry You fill my cup</a:t>
+              <a:t> Lord to give up I'd be a fool</a:t>
             </a:r>
             <a:br/>
             <a:r>
@@ -5329,15 +3413,19 @@
               </a:defRPr>
             </a:pPr>
             <a:r>
-              <a:t>ที่ใดมืดมน ทรงเป็นทาง</a:t>
+              <a:t>พระเยซู บุตรพระเจ้า</a:t>
             </a:r>
             <a:br/>
             <a:r>
-              <a:t>พระองค์เปลี่ยนแปลง เราทั้งหลาย</a:t>
+              <a:t>นามพระองค์ทรงคุณอนันต์</a:t>
             </a:r>
             <a:br/>
             <a:r>
-              <a:t>จะหาผู้ใดเปรียบ เหมือนพระองค์</a:t>
+              <a:t>พระเยซู บุตรพระเจ้า</a:t>
+            </a:r>
+            <a:br/>
+            <a:r>
+              <a:t>ทรงพระคุณอนันต์</a:t>
             </a:r>
           </a:p>
         </p:txBody>
@@ -5369,27 +3457,20 @@
               <a:lnSpc>
                 <a:spcPts val="4800"/>
               </a:lnSpc>
-              <a:defRPr sz="3800">
+              <a:defRPr sz="4000">
                 <a:solidFill>
                   <a:srgbClr val="3A70BC"/>
                 </a:solidFill>
               </a:defRPr>
             </a:pPr>
             <a:r>
-              <a:t>Into the darkness, You shine</a:t>
+              <a:t>Jesus Lamb of God worthy is your name</a:t>
             </a:r>
             <a:br/>
             <a:r>
-              <a:t> Out of the ashes, we rise</a:t>
+              <a:t> Jesus Lamb of God worthy is your name</a:t>
             </a:r>
             <a:br/>
-            <a:r>
-              <a:t> There's no one like You</a:t>
-            </a:r>
-            <a:br/>
-            <a:r>
-              <a:t> None like You!</a:t>
-            </a:r>
           </a:p>
         </p:txBody>
       </p:sp>
@@ -5445,19 +3526,15 @@
               </a:defRPr>
             </a:pPr>
             <a:r>
-              <a:t>พระองค์ทรงเข้มแข็ง ยิ่งใหญ่กว่าสิ่งไหน</a:t>
+              <a:t>ทรงชำระความอบายอับอาย</a:t>
             </a:r>
             <a:br/>
             <a:r>
-              <a:t>พระองค์อยู่เหนือทุกๆอย่าง เกินผู้ใด</a:t>
+              <a:t>ปากของฉันจะสรรเสริญเรื่อยไป</a:t>
             </a:r>
             <a:br/>
             <a:r>
-              <a:t>พระองค์ผู้รักษา ทรงเปี่ยมด้วยฤทธา</a:t>
-            </a:r>
-            <a:br/>
-            <a:r>
-              <a:t>พระเจ้าของเรา</a:t>
+              <a:t>ทรงเป็นดวงใจของฉัน</a:t>
             </a:r>
           </a:p>
         </p:txBody>
@@ -5489,27 +3566,24 @@
               <a:lnSpc>
                 <a:spcPts val="4800"/>
               </a:lnSpc>
-              <a:defRPr sz="3800">
+              <a:defRPr sz="4000">
                 <a:solidFill>
                   <a:srgbClr val="3A70BC"/>
                 </a:solidFill>
               </a:defRPr>
             </a:pPr>
             <a:r>
-              <a:t>Our God is greater, our God is stronger</a:t>
+              <a:t>Taking my sin my cross my shame</a:t>
             </a:r>
             <a:br/>
             <a:r>
-              <a:t> God, You are higher than any other</a:t>
+              <a:t> Rising again I bless your name</a:t>
             </a:r>
             <a:br/>
             <a:r>
-              <a:t> Our God is healer, awesome in power</a:t>
+              <a:t> You are my all in all</a:t>
             </a:r>
             <a:br/>
-            <a:r>
-              <a:t> Our God, our God.</a:t>
-            </a:r>
           </a:p>
         </p:txBody>
       </p:sp>
@@ -5565,15 +3639,15 @@
               </a:defRPr>
             </a:pPr>
             <a:r>
-              <a:t>และถ้าพระเจ้าอยู่ข้างเรา</a:t>
+              <a:t>เมื่อฉันล้มลงทรงเฝ้าประคอง</a:t>
             </a:r>
             <a:br/>
             <a:r>
-              <a:t>จะมีผู้ใดหยุดยั้งเรา และถ้าพระเจ้าอยู่ข้างเรา</a:t>
+              <a:t>เมื่อใจฉันเหน็ดเหนื่อยทรงเพิ่มแรง</a:t>
             </a:r>
             <a:br/>
             <a:r>
-              <a:t>จะมีอะไรมาต้านทาน</a:t>
+              <a:t>ทรงเป็นดวงใจของฉัน</a:t>
             </a:r>
           </a:p>
         </p:txBody>
@@ -5595,7 +3669,7 @@
           <a:noFill/>
         </p:spPr>
         <p:txBody>
-          <a:bodyPr wrap="square">
+          <a:bodyPr wrap="none">
             <a:spAutoFit/>
           </a:bodyPr>
           <a:lstStyle/>
@@ -5605,275 +3679,24 @@
               <a:lnSpc>
                 <a:spcPts val="4800"/>
               </a:lnSpc>
-              <a:defRPr sz="3800">
+              <a:defRPr sz="4000">
                 <a:solidFill>
                   <a:srgbClr val="3A70BC"/>
                 </a:solidFill>
               </a:defRPr>
             </a:pPr>
             <a:r>
-              <a:t>And if our God is for us, then who could ever stop us. And if our God is with us, then what could stand against. Then what could stand against!</a:t>
-            </a:r>
-          </a:p>
-        </p:txBody>
-      </p:sp>
-    </p:spTree>
-  </p:cSld>
-  <p:clrMapOvr>
-    <a:masterClrMapping/>
-  </p:clrMapOvr>
-</p:sld>
-</file>
-
-<file path=ppt/slides/slide7.xml><?xml version="1.0" encoding="utf-8"?>
-<p:sld xmlns:a="http://schemas.openxmlformats.org/drawingml/2006/main" xmlns:p="http://schemas.openxmlformats.org/presentationml/2006/main" xmlns:r="http://schemas.openxmlformats.org/officeDocument/2006/relationships">
-  <p:cSld>
-    <p:spTree>
-      <p:nvGrpSpPr>
-        <p:cNvPr id="1" name=""/>
-        <p:cNvGrpSpPr/>
-        <p:nvPr/>
-      </p:nvGrpSpPr>
-      <p:grpSpPr/>
-      <p:sp>
-        <p:nvSpPr>
-          <p:cNvPr id="2" name="Title 1"/>
-          <p:cNvSpPr>
-            <a:spLocks noGrp="1"/>
-          </p:cNvSpPr>
-          <p:nvPr>
-            <p:ph type="ctrTitle"/>
-          </p:nvPr>
-        </p:nvSpPr>
-        <p:spPr/>
-        <p:txBody>
-          <a:bodyPr/>
-          <a:lstStyle/>
-          <a:p>
-            <a:r>
-              <a:t>นับพระพร</a:t>
-            </a:r>
-          </a:p>
-        </p:txBody>
-      </p:sp>
-      <p:sp>
-        <p:nvSpPr>
-          <p:cNvPr id="3" name="Subtitle 2"/>
-          <p:cNvSpPr>
-            <a:spLocks noGrp="1"/>
-          </p:cNvSpPr>
-          <p:nvPr>
-            <p:ph type="subTitle" idx="1"/>
-          </p:nvPr>
-        </p:nvSpPr>
-        <p:spPr/>
-        <p:txBody>
-          <a:bodyPr/>
-          <a:lstStyle/>
-          <a:p>
-            <a:r>
-              <a:t>Count your blessings</a:t>
-            </a:r>
-          </a:p>
-        </p:txBody>
-      </p:sp>
-    </p:spTree>
-  </p:cSld>
-  <p:clrMapOvr>
-    <a:masterClrMapping/>
-  </p:clrMapOvr>
-</p:sld>
-</file>
-
-<file path=ppt/slides/slide8.xml><?xml version="1.0" encoding="utf-8"?>
-<p:sld xmlns:a="http://schemas.openxmlformats.org/drawingml/2006/main" xmlns:p="http://schemas.openxmlformats.org/presentationml/2006/main" xmlns:r="http://schemas.openxmlformats.org/officeDocument/2006/relationships">
-  <p:cSld>
-    <p:spTree>
-      <p:nvGrpSpPr>
-        <p:cNvPr id="1" name=""/>
-        <p:cNvGrpSpPr/>
-        <p:nvPr/>
-      </p:nvGrpSpPr>
-      <p:grpSpPr/>
-      <p:sp>
-        <p:nvSpPr>
-          <p:cNvPr id="2" name="TextBox 1"/>
-          <p:cNvSpPr txBox="1"/>
-          <p:nvPr/>
-        </p:nvSpPr>
-        <p:spPr>
-          <a:xfrm>
-            <a:off x="685800" y="228600"/>
-            <a:ext cx="7772400" cy="2971800"/>
-          </a:xfrm>
-          <a:prstGeom prst="rect">
-            <a:avLst/>
-          </a:prstGeom>
-          <a:noFill/>
-        </p:spPr>
-        <p:txBody>
-          <a:bodyPr wrap="square">
-            <a:spAutoFit/>
-          </a:bodyPr>
-          <a:lstStyle/>
-          <a:p/>
-          <a:p>
-            <a:pPr algn="ctr">
-              <a:lnSpc>
-                <a:spcPts val="4800"/>
-              </a:lnSpc>
-              <a:defRPr sz="4200">
-                <a:solidFill>
-                  <a:srgbClr val="000000"/>
-                </a:solidFill>
-              </a:defRPr>
-            </a:pPr>
-            <a:r>
-              <a:t>แม้นความทุกข์ลำบาก เกิดขึ้นแก่ท่านเมื่อใด มีภาระหนักมาก ท่านคิดว่าแบกไม่ไหว หันมานับพระพรย้อนดูนับทีละอัน แปลกแต่จริงแน่แล้ว พระเจ้าทรงโปรดช่วยท่าน</a:t>
-            </a:r>
-          </a:p>
-        </p:txBody>
-      </p:sp>
-      <p:sp>
-        <p:nvSpPr>
-          <p:cNvPr id="3" name="TextBox 2"/>
-          <p:cNvSpPr txBox="1"/>
-          <p:nvPr/>
-        </p:nvSpPr>
-        <p:spPr>
-          <a:xfrm>
-            <a:off x="685800" y="3657600"/>
-            <a:ext cx="7772400" cy="2971800"/>
-          </a:xfrm>
-          <a:prstGeom prst="rect">
-            <a:avLst/>
-          </a:prstGeom>
-          <a:noFill/>
-        </p:spPr>
-        <p:txBody>
-          <a:bodyPr wrap="square">
-            <a:spAutoFit/>
-          </a:bodyPr>
-          <a:lstStyle/>
-          <a:p/>
-          <a:p>
-            <a:pPr algn="ctr">
-              <a:lnSpc>
-                <a:spcPts val="4800"/>
-              </a:lnSpc>
-              <a:defRPr sz="3800">
-                <a:solidFill>
-                  <a:srgbClr val="3A70BC"/>
-                </a:solidFill>
-              </a:defRPr>
-            </a:pPr>
-            <a:r>
-              <a:t>When upon life's billows you are tempest tossed, When you are discouraged, thinking all is lost, Count your many blessings, name them one by one, And it will surprise you what the Lord hath done.</a:t>
-            </a:r>
-          </a:p>
-        </p:txBody>
-      </p:sp>
-    </p:spTree>
-  </p:cSld>
-  <p:clrMapOvr>
-    <a:masterClrMapping/>
-  </p:clrMapOvr>
-</p:sld>
-</file>
-
-<file path=ppt/slides/slide9.xml><?xml version="1.0" encoding="utf-8"?>
-<p:sld xmlns:a="http://schemas.openxmlformats.org/drawingml/2006/main" xmlns:p="http://schemas.openxmlformats.org/presentationml/2006/main" xmlns:r="http://schemas.openxmlformats.org/officeDocument/2006/relationships">
-  <p:cSld>
-    <p:spTree>
-      <p:nvGrpSpPr>
-        <p:cNvPr id="1" name=""/>
-        <p:cNvGrpSpPr/>
-        <p:nvPr/>
-      </p:nvGrpSpPr>
-      <p:grpSpPr/>
-      <p:sp>
-        <p:nvSpPr>
-          <p:cNvPr id="2" name="TextBox 1"/>
-          <p:cNvSpPr txBox="1"/>
-          <p:nvPr/>
-        </p:nvSpPr>
-        <p:spPr>
-          <a:xfrm>
-            <a:off x="685800" y="228600"/>
-            <a:ext cx="7772400" cy="2971800"/>
-          </a:xfrm>
-          <a:prstGeom prst="rect">
-            <a:avLst/>
-          </a:prstGeom>
-          <a:noFill/>
-        </p:spPr>
-        <p:txBody>
-          <a:bodyPr wrap="none">
-            <a:spAutoFit/>
-          </a:bodyPr>
-          <a:lstStyle/>
-          <a:p/>
-          <a:p>
-            <a:pPr algn="ctr">
-              <a:lnSpc>
-                <a:spcPts val="4800"/>
-              </a:lnSpc>
-              <a:defRPr sz="4200">
-                <a:solidFill>
-                  <a:srgbClr val="000000"/>
-                </a:solidFill>
-              </a:defRPr>
-            </a:pPr>
-            <a:r>
-              <a:t>นับพระพรของท่านดูทีละอัน นับพระพรซึ่งพระเยซูประทาน</a:t>
+              <a:t>When I fall down You lift me up</a:t>
             </a:r>
             <a:br/>
             <a:r>
-              <a:t>นับพระพรนั้น นับดูทีละอัน นับพระพรของท่าน</a:t>
+              <a:t> When I am dry You fill my cup</a:t>
             </a:r>
             <a:br/>
             <a:r>
-              <a:t>ซึ่งพระเยซูประทาน</a:t>
-            </a:r>
-          </a:p>
-        </p:txBody>
-      </p:sp>
-      <p:sp>
-        <p:nvSpPr>
-          <p:cNvPr id="3" name="TextBox 2"/>
-          <p:cNvSpPr txBox="1"/>
-          <p:nvPr/>
-        </p:nvSpPr>
-        <p:spPr>
-          <a:xfrm>
-            <a:off x="685800" y="3657600"/>
-            <a:ext cx="7772400" cy="2971800"/>
-          </a:xfrm>
-          <a:prstGeom prst="rect">
-            <a:avLst/>
-          </a:prstGeom>
-          <a:noFill/>
-        </p:spPr>
-        <p:txBody>
-          <a:bodyPr wrap="square">
-            <a:spAutoFit/>
-          </a:bodyPr>
-          <a:lstStyle/>
-          <a:p/>
-          <a:p>
-            <a:pPr algn="ctr">
-              <a:lnSpc>
-                <a:spcPts val="4800"/>
-              </a:lnSpc>
-              <a:defRPr sz="3800">
-                <a:solidFill>
-                  <a:srgbClr val="3A70BC"/>
-                </a:solidFill>
-              </a:defRPr>
-            </a:pPr>
-            <a:r>
-              <a:t>Count your blessings, name them one by one; Count your blessings, see what God hath done; Count your blessings, name them one by one; Count your many blessings, see what God hath done.</a:t>
-            </a:r>
+              <a:t> You are my all in all</a:t>
+            </a:r>
+            <a:br/>
           </a:p>
         </p:txBody>
       </p:sp>

--- a/finishedppt/WorshipSongs.pptx
+++ b/finishedppt/WorshipSongs.pptx
@@ -11,6 +11,16 @@
     <p:sldId id="259" r:id="rId10"/>
     <p:sldId id="260" r:id="rId11"/>
     <p:sldId id="261" r:id="rId12"/>
+    <p:sldId id="262" r:id="rId13"/>
+    <p:sldId id="263" r:id="rId14"/>
+    <p:sldId id="264" r:id="rId15"/>
+    <p:sldId id="265" r:id="rId16"/>
+    <p:sldId id="266" r:id="rId17"/>
+    <p:sldId id="267" r:id="rId18"/>
+    <p:sldId id="268" r:id="rId19"/>
+    <p:sldId id="269" r:id="rId20"/>
+    <p:sldId id="270" r:id="rId21"/>
+    <p:sldId id="271" r:id="rId22"/>
   </p:sldIdLst>
   <p:sldSz cx="9144000" cy="6858000" type="screen4x3"/>
   <p:notesSz cx="6858000" cy="9144000"/>
@@ -3109,7 +3119,7 @@
           <a:lstStyle/>
           <a:p>
             <a:r>
-              <a:t>พระองค์เป็นทุกสิ่ง</a:t>
+              <a:t>เราเป็นหนึ่งในความรักพระคริสต์</a:t>
             </a:r>
           </a:p>
         </p:txBody>
@@ -3129,8 +3139,766 @@
           <a:bodyPr/>
           <a:lstStyle/>
           <a:p>
-            <a:r>
-              <a:t>You Are My All In All</a:t>
+            <a:pPr>
+              <a:defRPr sz="4000">
+                <a:solidFill>
+                  <a:srgbClr val="3A70BC"/>
+                </a:solidFill>
+              </a:defRPr>
+            </a:pPr>
+            <a:r>
+              <a:t>We are one in the bond of love.</a:t>
+            </a:r>
+          </a:p>
+        </p:txBody>
+      </p:sp>
+    </p:spTree>
+  </p:cSld>
+  <p:clrMapOvr>
+    <a:masterClrMapping/>
+  </p:clrMapOvr>
+</p:sld>
+</file>
+
+<file path=ppt/slides/slide10.xml><?xml version="1.0" encoding="utf-8"?>
+<p:sld xmlns:a="http://schemas.openxmlformats.org/drawingml/2006/main" xmlns:p="http://schemas.openxmlformats.org/presentationml/2006/main" xmlns:r="http://schemas.openxmlformats.org/officeDocument/2006/relationships">
+  <p:cSld>
+    <p:spTree>
+      <p:nvGrpSpPr>
+        <p:cNvPr id="1" name=""/>
+        <p:cNvGrpSpPr/>
+        <p:nvPr/>
+      </p:nvGrpSpPr>
+      <p:grpSpPr/>
+      <p:sp>
+        <p:nvSpPr>
+          <p:cNvPr id="2" name="TextBox 1"/>
+          <p:cNvSpPr txBox="1"/>
+          <p:nvPr/>
+        </p:nvSpPr>
+        <p:spPr>
+          <a:xfrm>
+            <a:off x="685800" y="228600"/>
+            <a:ext cx="7772400" cy="2971800"/>
+          </a:xfrm>
+          <a:prstGeom prst="rect">
+            <a:avLst/>
+          </a:prstGeom>
+          <a:noFill/>
+        </p:spPr>
+        <p:txBody>
+          <a:bodyPr wrap="none">
+            <a:spAutoFit/>
+          </a:bodyPr>
+          <a:lstStyle/>
+          <a:p>
+            <a:pPr algn="ctr">
+              <a:lnSpc>
+                <a:spcPts val="4800"/>
+              </a:lnSpc>
+              <a:defRPr sz="4000">
+                <a:solidFill>
+                  <a:srgbClr val="000000"/>
+                </a:solidFill>
+              </a:defRPr>
+            </a:pPr>
+            <a:r>
+              <a:t>ฉันเห็นราชาแห่งพระสิริ</a:t>
+            </a:r>
+            <a:br/>
+            <a:r>
+              <a:t>มาด้วยเมฆและไฟบนฟ้า</a:t>
+            </a:r>
+            <a:br/>
+            <a:r>
+              <a:t>ทั่วทั้งโลกา สะท้านสะเทือน</a:t>
+            </a:r>
+          </a:p>
+        </p:txBody>
+      </p:sp>
+      <p:sp>
+        <p:nvSpPr>
+          <p:cNvPr id="3" name="TextBox 2"/>
+          <p:cNvSpPr txBox="1"/>
+          <p:nvPr/>
+        </p:nvSpPr>
+        <p:spPr>
+          <a:xfrm>
+            <a:off x="685800" y="3657600"/>
+            <a:ext cx="7772400" cy="2971800"/>
+          </a:xfrm>
+          <a:prstGeom prst="rect">
+            <a:avLst/>
+          </a:prstGeom>
+          <a:noFill/>
+        </p:spPr>
+        <p:txBody>
+          <a:bodyPr wrap="square">
+            <a:spAutoFit/>
+          </a:bodyPr>
+          <a:lstStyle/>
+          <a:p>
+            <a:pPr algn="ctr">
+              <a:lnSpc>
+                <a:spcPts val="4800"/>
+              </a:lnSpc>
+              <a:defRPr sz="3500">
+                <a:solidFill>
+                  <a:srgbClr val="3A70BC"/>
+                </a:solidFill>
+              </a:defRPr>
+            </a:pPr>
+            <a:r>
+              <a:t>I see the king of glory. Coming on the clouds with fire. The whole earth shakes. The whole earth shakes.</a:t>
+            </a:r>
+          </a:p>
+        </p:txBody>
+      </p:sp>
+    </p:spTree>
+  </p:cSld>
+  <p:clrMapOvr>
+    <a:masterClrMapping/>
+  </p:clrMapOvr>
+</p:sld>
+</file>
+
+<file path=ppt/slides/slide11.xml><?xml version="1.0" encoding="utf-8"?>
+<p:sld xmlns:a="http://schemas.openxmlformats.org/drawingml/2006/main" xmlns:p="http://schemas.openxmlformats.org/presentationml/2006/main" xmlns:r="http://schemas.openxmlformats.org/officeDocument/2006/relationships">
+  <p:cSld>
+    <p:spTree>
+      <p:nvGrpSpPr>
+        <p:cNvPr id="1" name=""/>
+        <p:cNvGrpSpPr/>
+        <p:nvPr/>
+      </p:nvGrpSpPr>
+      <p:grpSpPr/>
+      <p:sp>
+        <p:nvSpPr>
+          <p:cNvPr id="2" name="TextBox 1"/>
+          <p:cNvSpPr txBox="1"/>
+          <p:nvPr/>
+        </p:nvSpPr>
+        <p:spPr>
+          <a:xfrm>
+            <a:off x="685800" y="228600"/>
+            <a:ext cx="7772400" cy="2971800"/>
+          </a:xfrm>
+          <a:prstGeom prst="rect">
+            <a:avLst/>
+          </a:prstGeom>
+          <a:noFill/>
+        </p:spPr>
+        <p:txBody>
+          <a:bodyPr wrap="none">
+            <a:spAutoFit/>
+          </a:bodyPr>
+          <a:lstStyle/>
+          <a:p>
+            <a:pPr algn="ctr">
+              <a:lnSpc>
+                <a:spcPts val="4800"/>
+              </a:lnSpc>
+              <a:defRPr sz="4000">
+                <a:solidFill>
+                  <a:srgbClr val="000000"/>
+                </a:solidFill>
+              </a:defRPr>
+            </a:pPr>
+            <a:r>
+              <a:t>ฉันเห็นความรักและเมตตา</a:t>
+            </a:r>
+            <a:br/>
+            <a:r>
+              <a:t>ที่ได้ทรงชำระบาปเรา</a:t>
+            </a:r>
+            <a:br/>
+            <a:r>
+              <a:t>และทุกคนต่าง แซ่ซ้องสรรเสริญ</a:t>
+            </a:r>
+          </a:p>
+        </p:txBody>
+      </p:sp>
+      <p:sp>
+        <p:nvSpPr>
+          <p:cNvPr id="3" name="TextBox 2"/>
+          <p:cNvSpPr txBox="1"/>
+          <p:nvPr/>
+        </p:nvSpPr>
+        <p:spPr>
+          <a:xfrm>
+            <a:off x="685800" y="3657600"/>
+            <a:ext cx="7772400" cy="2971800"/>
+          </a:xfrm>
+          <a:prstGeom prst="rect">
+            <a:avLst/>
+          </a:prstGeom>
+          <a:noFill/>
+        </p:spPr>
+        <p:txBody>
+          <a:bodyPr wrap="none">
+            <a:spAutoFit/>
+          </a:bodyPr>
+          <a:lstStyle/>
+          <a:p>
+            <a:pPr algn="ctr">
+              <a:lnSpc>
+                <a:spcPts val="4800"/>
+              </a:lnSpc>
+              <a:defRPr sz="3500">
+                <a:solidFill>
+                  <a:srgbClr val="3A70BC"/>
+                </a:solidFill>
+              </a:defRPr>
+            </a:pPr>
+            <a:r>
+              <a:t>I see his love and mercy</a:t>
+            </a:r>
+            <a:br/>
+            <a:r>
+              <a:t> Washing over all our sin</a:t>
+            </a:r>
+            <a:br/>
+            <a:r>
+              <a:t> The people sing. The people sing</a:t>
+            </a:r>
+            <a:br/>
+          </a:p>
+        </p:txBody>
+      </p:sp>
+    </p:spTree>
+  </p:cSld>
+  <p:clrMapOvr>
+    <a:masterClrMapping/>
+  </p:clrMapOvr>
+</p:sld>
+</file>
+
+<file path=ppt/slides/slide12.xml><?xml version="1.0" encoding="utf-8"?>
+<p:sld xmlns:a="http://schemas.openxmlformats.org/drawingml/2006/main" xmlns:p="http://schemas.openxmlformats.org/presentationml/2006/main" xmlns:r="http://schemas.openxmlformats.org/officeDocument/2006/relationships">
+  <p:cSld>
+    <p:spTree>
+      <p:nvGrpSpPr>
+        <p:cNvPr id="1" name=""/>
+        <p:cNvGrpSpPr/>
+        <p:nvPr/>
+      </p:nvGrpSpPr>
+      <p:grpSpPr/>
+      <p:sp>
+        <p:nvSpPr>
+          <p:cNvPr id="2" name="TextBox 1"/>
+          <p:cNvSpPr txBox="1"/>
+          <p:nvPr/>
+        </p:nvSpPr>
+        <p:spPr>
+          <a:xfrm>
+            <a:off x="685800" y="228600"/>
+            <a:ext cx="7772400" cy="2971800"/>
+          </a:xfrm>
+          <a:prstGeom prst="rect">
+            <a:avLst/>
+          </a:prstGeom>
+          <a:noFill/>
+        </p:spPr>
+        <p:txBody>
+          <a:bodyPr wrap="none">
+            <a:spAutoFit/>
+          </a:bodyPr>
+          <a:lstStyle/>
+          <a:p>
+            <a:pPr algn="ctr">
+              <a:lnSpc>
+                <a:spcPts val="4800"/>
+              </a:lnSpc>
+              <a:defRPr sz="4000">
+                <a:solidFill>
+                  <a:srgbClr val="000000"/>
+                </a:solidFill>
+              </a:defRPr>
+            </a:pPr>
+            <a:r>
+              <a:t>โฮซันนา โฮซันนา โฮซันนา</a:t>
+            </a:r>
+            <a:br/>
+            <a:r>
+              <a:t>แด่ผู้สูงสุด โฮซันนา</a:t>
+            </a:r>
+            <a:br/>
+            <a:r>
+              <a:t>โฮซันนา โฮซันนา แด่ผู้สูงสุด</a:t>
+            </a:r>
+          </a:p>
+        </p:txBody>
+      </p:sp>
+      <p:sp>
+        <p:nvSpPr>
+          <p:cNvPr id="3" name="TextBox 2"/>
+          <p:cNvSpPr txBox="1"/>
+          <p:nvPr/>
+        </p:nvSpPr>
+        <p:spPr>
+          <a:xfrm>
+            <a:off x="685800" y="3657600"/>
+            <a:ext cx="7772400" cy="2971800"/>
+          </a:xfrm>
+          <a:prstGeom prst="rect">
+            <a:avLst/>
+          </a:prstGeom>
+          <a:noFill/>
+        </p:spPr>
+        <p:txBody>
+          <a:bodyPr wrap="none">
+            <a:spAutoFit/>
+          </a:bodyPr>
+          <a:lstStyle/>
+          <a:p>
+            <a:pPr algn="ctr">
+              <a:lnSpc>
+                <a:spcPts val="4800"/>
+              </a:lnSpc>
+              <a:defRPr sz="3500">
+                <a:solidFill>
+                  <a:srgbClr val="3A70BC"/>
+                </a:solidFill>
+              </a:defRPr>
+            </a:pPr>
+            <a:r>
+              <a:t>Hosanna Hosanna</a:t>
+            </a:r>
+            <a:br/>
+            <a:r>
+              <a:t> Hosanna in the Highest</a:t>
+            </a:r>
+            <a:br/>
+          </a:p>
+        </p:txBody>
+      </p:sp>
+    </p:spTree>
+  </p:cSld>
+  <p:clrMapOvr>
+    <a:masterClrMapping/>
+  </p:clrMapOvr>
+</p:sld>
+</file>
+
+<file path=ppt/slides/slide13.xml><?xml version="1.0" encoding="utf-8"?>
+<p:sld xmlns:a="http://schemas.openxmlformats.org/drawingml/2006/main" xmlns:p="http://schemas.openxmlformats.org/presentationml/2006/main" xmlns:r="http://schemas.openxmlformats.org/officeDocument/2006/relationships">
+  <p:cSld>
+    <p:spTree>
+      <p:nvGrpSpPr>
+        <p:cNvPr id="1" name=""/>
+        <p:cNvGrpSpPr/>
+        <p:nvPr/>
+      </p:nvGrpSpPr>
+      <p:grpSpPr/>
+      <p:sp>
+        <p:nvSpPr>
+          <p:cNvPr id="2" name="TextBox 1"/>
+          <p:cNvSpPr txBox="1"/>
+          <p:nvPr/>
+        </p:nvSpPr>
+        <p:spPr>
+          <a:xfrm>
+            <a:off x="685800" y="228600"/>
+            <a:ext cx="7772400" cy="2971800"/>
+          </a:xfrm>
+          <a:prstGeom prst="rect">
+            <a:avLst/>
+          </a:prstGeom>
+          <a:noFill/>
+        </p:spPr>
+        <p:txBody>
+          <a:bodyPr wrap="none">
+            <a:spAutoFit/>
+          </a:bodyPr>
+          <a:lstStyle/>
+          <a:p>
+            <a:pPr algn="ctr">
+              <a:lnSpc>
+                <a:spcPts val="4800"/>
+              </a:lnSpc>
+              <a:defRPr sz="4000">
+                <a:solidFill>
+                  <a:srgbClr val="000000"/>
+                </a:solidFill>
+              </a:defRPr>
+            </a:pPr>
+            <a:r>
+              <a:t>ฉันเห็นบรรดาชนมากมาย</a:t>
+            </a:r>
+            <a:br/>
+            <a:r>
+              <a:t>ลุกขึ้นเพื่อทำตามพระทัย</a:t>
+            </a:r>
+            <a:br/>
+            <a:r>
+              <a:t>เปี่ยมด้วยความเชื่อ</a:t>
+            </a:r>
+            <a:br/>
+            <a:r>
+              <a:t>สุดสิ้นหัวใจ</a:t>
+            </a:r>
+          </a:p>
+        </p:txBody>
+      </p:sp>
+      <p:sp>
+        <p:nvSpPr>
+          <p:cNvPr id="3" name="TextBox 2"/>
+          <p:cNvSpPr txBox="1"/>
+          <p:nvPr/>
+        </p:nvSpPr>
+        <p:spPr>
+          <a:xfrm>
+            <a:off x="685800" y="3657600"/>
+            <a:ext cx="7772400" cy="2971800"/>
+          </a:xfrm>
+          <a:prstGeom prst="rect">
+            <a:avLst/>
+          </a:prstGeom>
+          <a:noFill/>
+        </p:spPr>
+        <p:txBody>
+          <a:bodyPr wrap="none">
+            <a:spAutoFit/>
+          </a:bodyPr>
+          <a:lstStyle/>
+          <a:p>
+            <a:pPr algn="ctr">
+              <a:lnSpc>
+                <a:spcPts val="4800"/>
+              </a:lnSpc>
+              <a:defRPr sz="3500">
+                <a:solidFill>
+                  <a:srgbClr val="3A70BC"/>
+                </a:solidFill>
+              </a:defRPr>
+            </a:pPr>
+            <a:r>
+              <a:t>I see a generation. Rising up to take their place</a:t>
+            </a:r>
+            <a:br/>
+            <a:r>
+              <a:t> With selfless faith. With selfless faith</a:t>
+            </a:r>
+            <a:br/>
+          </a:p>
+        </p:txBody>
+      </p:sp>
+    </p:spTree>
+  </p:cSld>
+  <p:clrMapOvr>
+    <a:masterClrMapping/>
+  </p:clrMapOvr>
+</p:sld>
+</file>
+
+<file path=ppt/slides/slide14.xml><?xml version="1.0" encoding="utf-8"?>
+<p:sld xmlns:a="http://schemas.openxmlformats.org/drawingml/2006/main" xmlns:p="http://schemas.openxmlformats.org/presentationml/2006/main" xmlns:r="http://schemas.openxmlformats.org/officeDocument/2006/relationships">
+  <p:cSld>
+    <p:spTree>
+      <p:nvGrpSpPr>
+        <p:cNvPr id="1" name=""/>
+        <p:cNvGrpSpPr/>
+        <p:nvPr/>
+      </p:nvGrpSpPr>
+      <p:grpSpPr/>
+      <p:sp>
+        <p:nvSpPr>
+          <p:cNvPr id="2" name="TextBox 1"/>
+          <p:cNvSpPr txBox="1"/>
+          <p:nvPr/>
+        </p:nvSpPr>
+        <p:spPr>
+          <a:xfrm>
+            <a:off x="685800" y="228600"/>
+            <a:ext cx="7772400" cy="2971800"/>
+          </a:xfrm>
+          <a:prstGeom prst="rect">
+            <a:avLst/>
+          </a:prstGeom>
+          <a:noFill/>
+        </p:spPr>
+        <p:txBody>
+          <a:bodyPr wrap="none">
+            <a:spAutoFit/>
+          </a:bodyPr>
+          <a:lstStyle/>
+          <a:p>
+            <a:pPr algn="ctr">
+              <a:lnSpc>
+                <a:spcPts val="4800"/>
+              </a:lnSpc>
+              <a:defRPr sz="4000">
+                <a:solidFill>
+                  <a:srgbClr val="000000"/>
+                </a:solidFill>
+              </a:defRPr>
+            </a:pPr>
+            <a:r>
+              <a:t>ฉันเห็นเปลวไฟการฟื้นฟู</a:t>
+            </a:r>
+            <a:br/>
+            <a:r>
+              <a:t>เคลื่อนเข้ามาเมื่อเราร้องทูล</a:t>
+            </a:r>
+            <a:br/>
+            <a:r>
+              <a:t>และทุกหัวเข่า ร่ำร้องวิงวอน</a:t>
+            </a:r>
+          </a:p>
+        </p:txBody>
+      </p:sp>
+      <p:sp>
+        <p:nvSpPr>
+          <p:cNvPr id="3" name="TextBox 2"/>
+          <p:cNvSpPr txBox="1"/>
+          <p:nvPr/>
+        </p:nvSpPr>
+        <p:spPr>
+          <a:xfrm>
+            <a:off x="685800" y="3657600"/>
+            <a:ext cx="7772400" cy="2971800"/>
+          </a:xfrm>
+          <a:prstGeom prst="rect">
+            <a:avLst/>
+          </a:prstGeom>
+          <a:noFill/>
+        </p:spPr>
+        <p:txBody>
+          <a:bodyPr wrap="none">
+            <a:spAutoFit/>
+          </a:bodyPr>
+          <a:lstStyle/>
+          <a:p>
+            <a:pPr algn="ctr">
+              <a:lnSpc>
+                <a:spcPts val="4800"/>
+              </a:lnSpc>
+              <a:defRPr sz="3500">
+                <a:solidFill>
+                  <a:srgbClr val="3A70BC"/>
+                </a:solidFill>
+              </a:defRPr>
+            </a:pPr>
+            <a:r>
+              <a:t>I see a near revival. Stirring as we pray and seek</a:t>
+            </a:r>
+            <a:br/>
+            <a:r>
+              <a:t> We're on our knees. We're on our knees</a:t>
+            </a:r>
+            <a:br/>
+          </a:p>
+        </p:txBody>
+      </p:sp>
+    </p:spTree>
+  </p:cSld>
+  <p:clrMapOvr>
+    <a:masterClrMapping/>
+  </p:clrMapOvr>
+</p:sld>
+</file>
+
+<file path=ppt/slides/slide15.xml><?xml version="1.0" encoding="utf-8"?>
+<p:sld xmlns:a="http://schemas.openxmlformats.org/drawingml/2006/main" xmlns:p="http://schemas.openxmlformats.org/presentationml/2006/main" xmlns:r="http://schemas.openxmlformats.org/officeDocument/2006/relationships">
+  <p:cSld>
+    <p:spTree>
+      <p:nvGrpSpPr>
+        <p:cNvPr id="1" name=""/>
+        <p:cNvGrpSpPr/>
+        <p:nvPr/>
+      </p:nvGrpSpPr>
+      <p:grpSpPr/>
+      <p:sp>
+        <p:nvSpPr>
+          <p:cNvPr id="2" name="TextBox 1"/>
+          <p:cNvSpPr txBox="1"/>
+          <p:nvPr/>
+        </p:nvSpPr>
+        <p:spPr>
+          <a:xfrm>
+            <a:off x="685800" y="228600"/>
+            <a:ext cx="7772400" cy="2971800"/>
+          </a:xfrm>
+          <a:prstGeom prst="rect">
+            <a:avLst/>
+          </a:prstGeom>
+          <a:noFill/>
+        </p:spPr>
+        <p:txBody>
+          <a:bodyPr wrap="none">
+            <a:spAutoFit/>
+          </a:bodyPr>
+          <a:lstStyle/>
+          <a:p>
+            <a:pPr algn="ctr">
+              <a:lnSpc>
+                <a:spcPts val="4800"/>
+              </a:lnSpc>
+              <a:defRPr sz="4000">
+                <a:solidFill>
+                  <a:srgbClr val="000000"/>
+                </a:solidFill>
+              </a:defRPr>
+            </a:pPr>
+            <a:r>
+              <a:t>โฮซันนา โฮซันนา โฮซันนา</a:t>
+            </a:r>
+            <a:br/>
+            <a:r>
+              <a:t>แด่ผู้สูงสุด โฮซันนา</a:t>
+            </a:r>
+            <a:br/>
+            <a:r>
+              <a:t>โฮซันนา โฮซันนา แด่ผู้สูงสุด</a:t>
+            </a:r>
+          </a:p>
+        </p:txBody>
+      </p:sp>
+      <p:sp>
+        <p:nvSpPr>
+          <p:cNvPr id="3" name="TextBox 2"/>
+          <p:cNvSpPr txBox="1"/>
+          <p:nvPr/>
+        </p:nvSpPr>
+        <p:spPr>
+          <a:xfrm>
+            <a:off x="685800" y="3657600"/>
+            <a:ext cx="7772400" cy="2971800"/>
+          </a:xfrm>
+          <a:prstGeom prst="rect">
+            <a:avLst/>
+          </a:prstGeom>
+          <a:noFill/>
+        </p:spPr>
+        <p:txBody>
+          <a:bodyPr wrap="none">
+            <a:spAutoFit/>
+          </a:bodyPr>
+          <a:lstStyle/>
+          <a:p>
+            <a:pPr algn="ctr">
+              <a:lnSpc>
+                <a:spcPts val="4800"/>
+              </a:lnSpc>
+              <a:defRPr sz="3500">
+                <a:solidFill>
+                  <a:srgbClr val="3A70BC"/>
+                </a:solidFill>
+              </a:defRPr>
+            </a:pPr>
+            <a:r>
+              <a:t>Hosanna Hosanna</a:t>
+            </a:r>
+            <a:br/>
+            <a:r>
+              <a:t> Hosanna in the Highest</a:t>
+            </a:r>
+            <a:br/>
+          </a:p>
+        </p:txBody>
+      </p:sp>
+    </p:spTree>
+  </p:cSld>
+  <p:clrMapOvr>
+    <a:masterClrMapping/>
+  </p:clrMapOvr>
+</p:sld>
+</file>
+
+<file path=ppt/slides/slide16.xml><?xml version="1.0" encoding="utf-8"?>
+<p:sld xmlns:a="http://schemas.openxmlformats.org/drawingml/2006/main" xmlns:p="http://schemas.openxmlformats.org/presentationml/2006/main" xmlns:r="http://schemas.openxmlformats.org/officeDocument/2006/relationships">
+  <p:cSld>
+    <p:spTree>
+      <p:nvGrpSpPr>
+        <p:cNvPr id="1" name=""/>
+        <p:cNvGrpSpPr/>
+        <p:nvPr/>
+      </p:nvGrpSpPr>
+      <p:grpSpPr/>
+      <p:sp>
+        <p:nvSpPr>
+          <p:cNvPr id="2" name="TextBox 1"/>
+          <p:cNvSpPr txBox="1"/>
+          <p:nvPr/>
+        </p:nvSpPr>
+        <p:spPr>
+          <a:xfrm>
+            <a:off x="685800" y="228600"/>
+            <a:ext cx="7772400" cy="2971800"/>
+          </a:xfrm>
+          <a:prstGeom prst="rect">
+            <a:avLst/>
+          </a:prstGeom>
+          <a:noFill/>
+        </p:spPr>
+        <p:txBody>
+          <a:bodyPr wrap="none">
+            <a:spAutoFit/>
+          </a:bodyPr>
+          <a:lstStyle/>
+          <a:p>
+            <a:pPr algn="ctr">
+              <a:lnSpc>
+                <a:spcPts val="4800"/>
+              </a:lnSpc>
+              <a:defRPr sz="4000">
+                <a:solidFill>
+                  <a:srgbClr val="000000"/>
+                </a:solidFill>
+              </a:defRPr>
+            </a:pPr>
+            <a:r>
+              <a:t>ขอพระองค์ชำระหัวใจ ให้ดวงตาฉันเห็น สิ่งที่ยังซ่อนอยู่</a:t>
+            </a:r>
+            <a:br/>
+            <a:r>
+              <a:t>ขอให้ฉันได้มีความรัก เหมือนพระองค์ ขอพระองค์ละลายหัวใจ</a:t>
+            </a:r>
+            <a:br/>
+            <a:r>
+              <a:t>มอบชีวิตถวาย อยู่ในน้ำพระทัย ทุกวันคืนที่ฉันเดินไป</a:t>
+            </a:r>
+            <a:br/>
+            <a:r>
+              <a:t>สู่นิจนิรันดร์</a:t>
+            </a:r>
+          </a:p>
+        </p:txBody>
+      </p:sp>
+      <p:sp>
+        <p:nvSpPr>
+          <p:cNvPr id="3" name="TextBox 2"/>
+          <p:cNvSpPr txBox="1"/>
+          <p:nvPr/>
+        </p:nvSpPr>
+        <p:spPr>
+          <a:xfrm>
+            <a:off x="685800" y="3657600"/>
+            <a:ext cx="7772400" cy="2971800"/>
+          </a:xfrm>
+          <a:prstGeom prst="rect">
+            <a:avLst/>
+          </a:prstGeom>
+          <a:noFill/>
+        </p:spPr>
+        <p:txBody>
+          <a:bodyPr wrap="square">
+            <a:spAutoFit/>
+          </a:bodyPr>
+          <a:lstStyle/>
+          <a:p>
+            <a:pPr algn="ctr">
+              <a:lnSpc>
+                <a:spcPts val="4800"/>
+              </a:lnSpc>
+              <a:defRPr sz="3500">
+                <a:solidFill>
+                  <a:srgbClr val="3A70BC"/>
+                </a:solidFill>
+              </a:defRPr>
+            </a:pPr>
+            <a:r>
+              <a:t>Heal my heart and make it clean. Open up my eyes to the things unseen. Show me how to love like you have loved me. Break my heart for what breaks yours. Everything I am for your Kingdom's cause. As I walk from Earth into Eternity.</a:t>
             </a:r>
           </a:p>
         </p:txBody>
@@ -3170,32 +3938,23 @@
           <a:noFill/>
         </p:spPr>
         <p:txBody>
-          <a:bodyPr wrap="none">
+          <a:bodyPr wrap="square">
             <a:spAutoFit/>
           </a:bodyPr>
           <a:lstStyle/>
-          <a:p/>
           <a:p>
             <a:pPr algn="ctr">
               <a:lnSpc>
                 <a:spcPts val="4800"/>
               </a:lnSpc>
-              <a:defRPr sz="4200">
+              <a:defRPr sz="4000">
                 <a:solidFill>
                   <a:srgbClr val="000000"/>
                 </a:solidFill>
               </a:defRPr>
             </a:pPr>
             <a:r>
-              <a:t>ทรงเป็นเรี่ยวแรงยามใจอ่อนแอ</a:t>
-            </a:r>
-            <a:br/>
-            <a:r>
-              <a:t>ทรงเป็นสรรพสิ่งที่ฉันต้องการ</a:t>
-            </a:r>
-            <a:br/>
-            <a:r>
-              <a:t>ทรงเป็นดวงใจของฉัน</a:t>
+              <a:t>เราเป็นหนึ่งในความรักพระคริสต์ เราเป็นหนึ่งในความรักพระคริสต์ วิญญาณจิตเราผูกพันกับองค์พระวิญญาณ เราเป็นหนึ่งในความรักพระคริสต์</a:t>
             </a:r>
           </a:p>
         </p:txBody>
@@ -3217,34 +3976,24 @@
           <a:noFill/>
         </p:spPr>
         <p:txBody>
-          <a:bodyPr wrap="none">
+          <a:bodyPr wrap="square">
             <a:spAutoFit/>
           </a:bodyPr>
           <a:lstStyle/>
-          <a:p/>
           <a:p>
             <a:pPr algn="ctr">
               <a:lnSpc>
                 <a:spcPts val="4800"/>
               </a:lnSpc>
-              <a:defRPr sz="4000">
+              <a:defRPr sz="3500">
                 <a:solidFill>
                   <a:srgbClr val="3A70BC"/>
                 </a:solidFill>
               </a:defRPr>
             </a:pPr>
             <a:r>
-              <a:t>You are my strength when I am weak</a:t>
-            </a:r>
-            <a:br/>
-            <a:r>
-              <a:t> You are the treasure that I seek</a:t>
-            </a:r>
-            <a:br/>
-            <a:r>
-              <a:t> You are my all in all</a:t>
-            </a:r>
-            <a:br/>
+              <a:t>We are one in the bond of love. We are one in the bond of love. We have join our spirit with Spirit of God. We are one in the bond of love.</a:t>
+            </a:r>
           </a:p>
         </p:txBody>
       </p:sp>
@@ -3287,28 +4036,27 @@
             <a:spAutoFit/>
           </a:bodyPr>
           <a:lstStyle/>
-          <a:p/>
           <a:p>
             <a:pPr algn="ctr">
               <a:lnSpc>
                 <a:spcPts val="4800"/>
               </a:lnSpc>
-              <a:defRPr sz="4200">
+              <a:defRPr sz="4000">
                 <a:solidFill>
                   <a:srgbClr val="000000"/>
                 </a:solidFill>
               </a:defRPr>
             </a:pPr>
             <a:r>
-              <a:t>อยากจะได้พระองค์มากกว่าทอง</a:t>
+              <a:t>ขอให้เราร่วมร้องเพลงกันเถิด เปิดดวงใจรับความรักพระเจ้า</a:t>
             </a:r>
             <a:br/>
             <a:r>
-              <a:t>อยากจะพ้นจากจิตใจเศร้าหมอง</a:t>
+              <a:t>ให้เราจับมือกันและประกาศให้โลกรู้</a:t>
             </a:r>
             <a:br/>
             <a:r>
-              <a:t>ทรงเป็นดวงใจของฉัน</a:t>
+              <a:t>เราเป็นหนึ่งในความรักพระคริสต์</a:t>
             </a:r>
           </a:p>
         </p:txBody>
@@ -3330,34 +4078,24 @@
           <a:noFill/>
         </p:spPr>
         <p:txBody>
-          <a:bodyPr wrap="none">
+          <a:bodyPr wrap="square">
             <a:spAutoFit/>
           </a:bodyPr>
           <a:lstStyle/>
-          <a:p/>
           <a:p>
             <a:pPr algn="ctr">
               <a:lnSpc>
                 <a:spcPts val="4800"/>
               </a:lnSpc>
-              <a:defRPr sz="4000">
+              <a:defRPr sz="3500">
                 <a:solidFill>
                   <a:srgbClr val="3A70BC"/>
                 </a:solidFill>
               </a:defRPr>
             </a:pPr>
             <a:r>
-              <a:t>Seeking You as a precious jewel</a:t>
-            </a:r>
-            <a:br/>
-            <a:r>
-              <a:t> Lord to give up I'd be a fool</a:t>
-            </a:r>
-            <a:br/>
-            <a:r>
-              <a:t> You are my all in all</a:t>
-            </a:r>
-            <a:br/>
+              <a:t>Let us sing now, ev'ry one; Let us feel His love begun. Let us join our hands, that the world will know; We are one in the bond of love.</a:t>
+            </a:r>
           </a:p>
         </p:txBody>
       </p:sp>
@@ -3381,82 +4119,41 @@
       <p:grpSpPr/>
       <p:sp>
         <p:nvSpPr>
-          <p:cNvPr id="2" name="TextBox 1"/>
-          <p:cNvSpPr txBox="1"/>
-          <p:nvPr/>
-        </p:nvSpPr>
-        <p:spPr>
-          <a:xfrm>
-            <a:off x="685800" y="228600"/>
-            <a:ext cx="7772400" cy="2971800"/>
-          </a:xfrm>
-          <a:prstGeom prst="rect">
-            <a:avLst/>
-          </a:prstGeom>
-          <a:noFill/>
-        </p:spPr>
-        <p:txBody>
-          <a:bodyPr wrap="none">
-            <a:spAutoFit/>
-          </a:bodyPr>
-          <a:lstStyle/>
-          <a:p/>
-          <a:p>
-            <a:pPr algn="ctr">
-              <a:lnSpc>
-                <a:spcPts val="4800"/>
-              </a:lnSpc>
-              <a:defRPr sz="4200">
-                <a:solidFill>
-                  <a:srgbClr val="000000"/>
-                </a:solidFill>
-              </a:defRPr>
-            </a:pPr>
-            <a:r>
-              <a:t>พระเยซู บุตรพระเจ้า</a:t>
-            </a:r>
-            <a:br/>
-            <a:r>
-              <a:t>นามพระองค์ทรงคุณอนันต์</a:t>
-            </a:r>
-            <a:br/>
-            <a:r>
-              <a:t>พระเยซู บุตรพระเจ้า</a:t>
-            </a:r>
-            <a:br/>
-            <a:r>
-              <a:t>ทรงพระคุณอนันต์</a:t>
-            </a:r>
-          </a:p>
-        </p:txBody>
-      </p:sp>
-      <p:sp>
-        <p:nvSpPr>
-          <p:cNvPr id="3" name="TextBox 2"/>
-          <p:cNvSpPr txBox="1"/>
-          <p:nvPr/>
-        </p:nvSpPr>
-        <p:spPr>
-          <a:xfrm>
-            <a:off x="685800" y="3657600"/>
-            <a:ext cx="7772400" cy="2971800"/>
-          </a:xfrm>
-          <a:prstGeom prst="rect">
-            <a:avLst/>
-          </a:prstGeom>
-          <a:noFill/>
-        </p:spPr>
-        <p:txBody>
-          <a:bodyPr wrap="none">
-            <a:spAutoFit/>
-          </a:bodyPr>
-          <a:lstStyle/>
-          <a:p/>
-          <a:p>
-            <a:pPr algn="ctr">
-              <a:lnSpc>
-                <a:spcPts val="4800"/>
-              </a:lnSpc>
+          <p:cNvPr id="2" name="Title 1"/>
+          <p:cNvSpPr>
+            <a:spLocks noGrp="1"/>
+          </p:cNvSpPr>
+          <p:nvPr>
+            <p:ph type="ctrTitle"/>
+          </p:nvPr>
+        </p:nvSpPr>
+        <p:spPr/>
+        <p:txBody>
+          <a:bodyPr/>
+          <a:lstStyle/>
+          <a:p>
+            <a:r>
+              <a:t>เชิญพระวิญญาณแห่งความรักยิ่งใหญ่</a:t>
+            </a:r>
+          </a:p>
+        </p:txBody>
+      </p:sp>
+      <p:sp>
+        <p:nvSpPr>
+          <p:cNvPr id="3" name="Subtitle 2"/>
+          <p:cNvSpPr>
+            <a:spLocks noGrp="1"/>
+          </p:cNvSpPr>
+          <p:nvPr>
+            <p:ph type="subTitle" idx="1"/>
+          </p:nvPr>
+        </p:nvSpPr>
+        <p:spPr/>
+        <p:txBody>
+          <a:bodyPr/>
+          <a:lstStyle/>
+          <a:p>
+            <a:pPr>
               <a:defRPr sz="4000">
                 <a:solidFill>
                   <a:srgbClr val="3A70BC"/>
@@ -3464,13 +4161,8 @@
               </a:defRPr>
             </a:pPr>
             <a:r>
-              <a:t>Jesus Lamb of God worthy is your name</a:t>
-            </a:r>
-            <a:br/>
-            <a:r>
-              <a:t> Jesus Lamb of God worthy is your name</a:t>
-            </a:r>
-            <a:br/>
+              <a:t>Spirit Song</a:t>
+            </a:r>
           </a:p>
         </p:txBody>
       </p:sp>
@@ -3509,32 +4201,23 @@
           <a:noFill/>
         </p:spPr>
         <p:txBody>
-          <a:bodyPr wrap="none">
+          <a:bodyPr wrap="square">
             <a:spAutoFit/>
           </a:bodyPr>
           <a:lstStyle/>
-          <a:p/>
           <a:p>
             <a:pPr algn="ctr">
               <a:lnSpc>
                 <a:spcPts val="4800"/>
               </a:lnSpc>
-              <a:defRPr sz="4200">
+              <a:defRPr sz="4000">
                 <a:solidFill>
                   <a:srgbClr val="000000"/>
                 </a:solidFill>
               </a:defRPr>
             </a:pPr>
             <a:r>
-              <a:t>ทรงชำระความอบายอับอาย</a:t>
-            </a:r>
-            <a:br/>
-            <a:r>
-              <a:t>ปากของฉันจะสรรเสริญเรื่อยไป</a:t>
-            </a:r>
-            <a:br/>
-            <a:r>
-              <a:t>ทรงเป็นดวงใจของฉัน</a:t>
+              <a:t>เชิญพระวิญญาณแห่งความรักยิ่งใหญ่ ทรงเคลื่อนไหวเหนือเราทุกคน ให้เต็มล้นภายในสันติสุข อิ่มเอมใจ ขอทรงครอบครองความคิดและชีวิต ให้เป็นของพระองค์ทุกสิ่ง โดยพระวิญญาณบริสุทธิ์ เป็นผู้ทรงนำ</a:t>
             </a:r>
           </a:p>
         </p:txBody>
@@ -3556,34 +4239,24 @@
           <a:noFill/>
         </p:spPr>
         <p:txBody>
-          <a:bodyPr wrap="none">
+          <a:bodyPr wrap="square">
             <a:spAutoFit/>
           </a:bodyPr>
           <a:lstStyle/>
-          <a:p/>
           <a:p>
             <a:pPr algn="ctr">
               <a:lnSpc>
                 <a:spcPts val="4800"/>
               </a:lnSpc>
-              <a:defRPr sz="4000">
+              <a:defRPr sz="3500">
                 <a:solidFill>
                   <a:srgbClr val="3A70BC"/>
                 </a:solidFill>
               </a:defRPr>
             </a:pPr>
             <a:r>
-              <a:t>Taking my sin my cross my shame</a:t>
-            </a:r>
-            <a:br/>
-            <a:r>
-              <a:t> Rising again I bless your name</a:t>
-            </a:r>
-            <a:br/>
-            <a:r>
-              <a:t> You are my all in all</a:t>
-            </a:r>
-            <a:br/>
+              <a:t>Oh let the Son of God enfold you. With His Spirit and His love. Let Him fill your heart and satisfy your soul. Oh let Him have those things that hold you. And His Spirit like a dove. Will descend upon your life and make you whole.</a:t>
+            </a:r>
           </a:p>
         </p:txBody>
       </p:sp>
@@ -3626,28 +4299,31 @@
             <a:spAutoFit/>
           </a:bodyPr>
           <a:lstStyle/>
-          <a:p/>
           <a:p>
             <a:pPr algn="ctr">
               <a:lnSpc>
                 <a:spcPts val="4800"/>
               </a:lnSpc>
-              <a:defRPr sz="4200">
+              <a:defRPr sz="4000">
                 <a:solidFill>
                   <a:srgbClr val="000000"/>
                 </a:solidFill>
               </a:defRPr>
             </a:pPr>
             <a:r>
-              <a:t>เมื่อฉันล้มลงทรงเฝ้าประคอง</a:t>
+              <a:t>เย...ซู โอ้เย....ซู</a:t>
             </a:r>
             <a:br/>
             <a:r>
-              <a:t>เมื่อใจฉันเหน็ดเหนื่อยทรงเพิ่มแรง</a:t>
+              <a:t>โปรด เจิม เราด้วยไฟ</a:t>
             </a:r>
             <a:br/>
             <a:r>
-              <a:t>ทรงเป็นดวงใจของฉัน</a:t>
+              <a:t>เย..ซู โอ้เย....ซู โปรด</a:t>
+            </a:r>
+            <a:br/>
+            <a:r>
+              <a:t>เจิมเรา ด้วยไฟ</a:t>
             </a:r>
           </a:p>
         </p:txBody>
@@ -3673,7 +4349,67 @@
             <a:spAutoFit/>
           </a:bodyPr>
           <a:lstStyle/>
-          <a:p/>
+          <a:p>
+            <a:pPr algn="ctr">
+              <a:lnSpc>
+                <a:spcPts val="4800"/>
+              </a:lnSpc>
+              <a:defRPr sz="3500">
+                <a:solidFill>
+                  <a:srgbClr val="3A70BC"/>
+                </a:solidFill>
+              </a:defRPr>
+            </a:pPr>
+            <a:r>
+              <a:t>Jesus oh Jesus, Come and fill Your lambs</a:t>
+            </a:r>
+            <a:br/>
+            <a:r>
+              <a:t> Jesus oh Jesus, Come and fill Your lambs</a:t>
+            </a:r>
+            <a:br/>
+          </a:p>
+        </p:txBody>
+      </p:sp>
+    </p:spTree>
+  </p:cSld>
+  <p:clrMapOvr>
+    <a:masterClrMapping/>
+  </p:clrMapOvr>
+</p:sld>
+</file>
+
+<file path=ppt/slides/slide7.xml><?xml version="1.0" encoding="utf-8"?>
+<p:sld xmlns:a="http://schemas.openxmlformats.org/drawingml/2006/main" xmlns:p="http://schemas.openxmlformats.org/presentationml/2006/main" xmlns:r="http://schemas.openxmlformats.org/officeDocument/2006/relationships">
+  <p:cSld>
+    <p:spTree>
+      <p:nvGrpSpPr>
+        <p:cNvPr id="1" name=""/>
+        <p:cNvGrpSpPr/>
+        <p:nvPr/>
+      </p:nvGrpSpPr>
+      <p:grpSpPr/>
+      <p:sp>
+        <p:nvSpPr>
+          <p:cNvPr id="2" name="TextBox 1"/>
+          <p:cNvSpPr txBox="1"/>
+          <p:nvPr/>
+        </p:nvSpPr>
+        <p:spPr>
+          <a:xfrm>
+            <a:off x="685800" y="228600"/>
+            <a:ext cx="7772400" cy="2971800"/>
+          </a:xfrm>
+          <a:prstGeom prst="rect">
+            <a:avLst/>
+          </a:prstGeom>
+          <a:noFill/>
+        </p:spPr>
+        <p:txBody>
+          <a:bodyPr wrap="square">
+            <a:spAutoFit/>
+          </a:bodyPr>
+          <a:lstStyle/>
           <a:p>
             <a:pPr algn="ctr">
               <a:lnSpc>
@@ -3681,22 +4417,229 @@
               </a:lnSpc>
               <a:defRPr sz="4000">
                 <a:solidFill>
+                  <a:srgbClr val="000000"/>
+                </a:solidFill>
+              </a:defRPr>
+            </a:pPr>
+            <a:r>
+              <a:t>...</a:t>
+            </a:r>
+          </a:p>
+        </p:txBody>
+      </p:sp>
+      <p:sp>
+        <p:nvSpPr>
+          <p:cNvPr id="3" name="TextBox 2"/>
+          <p:cNvSpPr txBox="1"/>
+          <p:nvPr/>
+        </p:nvSpPr>
+        <p:spPr>
+          <a:xfrm>
+            <a:off x="685800" y="3657600"/>
+            <a:ext cx="7772400" cy="2971800"/>
+          </a:xfrm>
+          <a:prstGeom prst="rect">
+            <a:avLst/>
+          </a:prstGeom>
+          <a:noFill/>
+        </p:spPr>
+        <p:txBody>
+          <a:bodyPr wrap="square">
+            <a:spAutoFit/>
+          </a:bodyPr>
+          <a:lstStyle/>
+          <a:p>
+            <a:pPr algn="ctr">
+              <a:lnSpc>
+                <a:spcPts val="4800"/>
+              </a:lnSpc>
+              <a:defRPr sz="3500">
+                <a:solidFill>
                   <a:srgbClr val="3A70BC"/>
                 </a:solidFill>
               </a:defRPr>
             </a:pPr>
             <a:r>
-              <a:t>When I fall down You lift me up</a:t>
+              <a:t>Oh come and sing the song of gladness. As your hearts are filled with joy. Lift your hands in sweet surrender to His name. Oh give Him all your tears and sadness. Give Him all your years of pain. And you'll enter into life in Jesus' name.</a:t>
+            </a:r>
+          </a:p>
+        </p:txBody>
+      </p:sp>
+    </p:spTree>
+  </p:cSld>
+  <p:clrMapOvr>
+    <a:masterClrMapping/>
+  </p:clrMapOvr>
+</p:sld>
+</file>
+
+<file path=ppt/slides/slide8.xml><?xml version="1.0" encoding="utf-8"?>
+<p:sld xmlns:a="http://schemas.openxmlformats.org/drawingml/2006/main" xmlns:p="http://schemas.openxmlformats.org/presentationml/2006/main" xmlns:r="http://schemas.openxmlformats.org/officeDocument/2006/relationships">
+  <p:cSld>
+    <p:spTree>
+      <p:nvGrpSpPr>
+        <p:cNvPr id="1" name=""/>
+        <p:cNvGrpSpPr/>
+        <p:nvPr/>
+      </p:nvGrpSpPr>
+      <p:grpSpPr/>
+      <p:sp>
+        <p:nvSpPr>
+          <p:cNvPr id="2" name="TextBox 1"/>
+          <p:cNvSpPr txBox="1"/>
+          <p:nvPr/>
+        </p:nvSpPr>
+        <p:spPr>
+          <a:xfrm>
+            <a:off x="685800" y="228600"/>
+            <a:ext cx="7772400" cy="2971800"/>
+          </a:xfrm>
+          <a:prstGeom prst="rect">
+            <a:avLst/>
+          </a:prstGeom>
+          <a:noFill/>
+        </p:spPr>
+        <p:txBody>
+          <a:bodyPr wrap="none">
+            <a:spAutoFit/>
+          </a:bodyPr>
+          <a:lstStyle/>
+          <a:p>
+            <a:pPr algn="ctr">
+              <a:lnSpc>
+                <a:spcPts val="4800"/>
+              </a:lnSpc>
+              <a:defRPr sz="4000">
+                <a:solidFill>
+                  <a:srgbClr val="000000"/>
+                </a:solidFill>
+              </a:defRPr>
+            </a:pPr>
+            <a:r>
+              <a:t>เย...ซู โอ้เย....ซู</a:t>
             </a:r>
             <a:br/>
             <a:r>
-              <a:t> When I am dry You fill my cup</a:t>
+              <a:t>โปรด เจิม เราด้วยไฟ</a:t>
             </a:r>
             <a:br/>
             <a:r>
-              <a:t> You are my all in all</a:t>
+              <a:t>เย..ซู โอ้เย....ซู โปรด</a:t>
             </a:r>
             <a:br/>
+            <a:r>
+              <a:t>เจิมเรา ด้วยไฟ</a:t>
+            </a:r>
+          </a:p>
+        </p:txBody>
+      </p:sp>
+      <p:sp>
+        <p:nvSpPr>
+          <p:cNvPr id="3" name="TextBox 2"/>
+          <p:cNvSpPr txBox="1"/>
+          <p:nvPr/>
+        </p:nvSpPr>
+        <p:spPr>
+          <a:xfrm>
+            <a:off x="685800" y="3657600"/>
+            <a:ext cx="7772400" cy="2971800"/>
+          </a:xfrm>
+          <a:prstGeom prst="rect">
+            <a:avLst/>
+          </a:prstGeom>
+          <a:noFill/>
+        </p:spPr>
+        <p:txBody>
+          <a:bodyPr wrap="none">
+            <a:spAutoFit/>
+          </a:bodyPr>
+          <a:lstStyle/>
+          <a:p>
+            <a:pPr algn="ctr">
+              <a:lnSpc>
+                <a:spcPts val="4800"/>
+              </a:lnSpc>
+              <a:defRPr sz="3500">
+                <a:solidFill>
+                  <a:srgbClr val="3A70BC"/>
+                </a:solidFill>
+              </a:defRPr>
+            </a:pPr>
+            <a:r>
+              <a:t>Jesus oh Jesus, Come and fill Your lambs</a:t>
+            </a:r>
+            <a:br/>
+            <a:r>
+              <a:t> Jesus oh Jesus, Come and fill Your lambs</a:t>
+            </a:r>
+            <a:br/>
+          </a:p>
+        </p:txBody>
+      </p:sp>
+    </p:spTree>
+  </p:cSld>
+  <p:clrMapOvr>
+    <a:masterClrMapping/>
+  </p:clrMapOvr>
+</p:sld>
+</file>
+
+<file path=ppt/slides/slide9.xml><?xml version="1.0" encoding="utf-8"?>
+<p:sld xmlns:a="http://schemas.openxmlformats.org/drawingml/2006/main" xmlns:p="http://schemas.openxmlformats.org/presentationml/2006/main" xmlns:r="http://schemas.openxmlformats.org/officeDocument/2006/relationships">
+  <p:cSld>
+    <p:spTree>
+      <p:nvGrpSpPr>
+        <p:cNvPr id="1" name=""/>
+        <p:cNvGrpSpPr/>
+        <p:nvPr/>
+      </p:nvGrpSpPr>
+      <p:grpSpPr/>
+      <p:sp>
+        <p:nvSpPr>
+          <p:cNvPr id="2" name="Title 1"/>
+          <p:cNvSpPr>
+            <a:spLocks noGrp="1"/>
+          </p:cNvSpPr>
+          <p:nvPr>
+            <p:ph type="ctrTitle"/>
+          </p:nvPr>
+        </p:nvSpPr>
+        <p:spPr/>
+        <p:txBody>
+          <a:bodyPr/>
+          <a:lstStyle/>
+          <a:p>
+            <a:r>
+              <a:t>โฮซันนา</a:t>
+            </a:r>
+          </a:p>
+        </p:txBody>
+      </p:sp>
+      <p:sp>
+        <p:nvSpPr>
+          <p:cNvPr id="3" name="Subtitle 2"/>
+          <p:cNvSpPr>
+            <a:spLocks noGrp="1"/>
+          </p:cNvSpPr>
+          <p:nvPr>
+            <p:ph type="subTitle" idx="1"/>
+          </p:nvPr>
+        </p:nvSpPr>
+        <p:spPr/>
+        <p:txBody>
+          <a:bodyPr/>
+          <a:lstStyle/>
+          <a:p>
+            <a:pPr>
+              <a:defRPr sz="4000">
+                <a:solidFill>
+                  <a:srgbClr val="3A70BC"/>
+                </a:solidFill>
+              </a:defRPr>
+            </a:pPr>
+            <a:r>
+              <a:t>Hosanna</a:t>
+            </a:r>
           </a:p>
         </p:txBody>
       </p:sp>

--- a/finishedppt/WorshipSongs.pptx
+++ b/finishedppt/WorshipSongs.pptx
@@ -9,18 +9,6 @@
     <p:sldId id="257" r:id="rId8"/>
     <p:sldId id="258" r:id="rId9"/>
     <p:sldId id="259" r:id="rId10"/>
-    <p:sldId id="260" r:id="rId11"/>
-    <p:sldId id="261" r:id="rId12"/>
-    <p:sldId id="262" r:id="rId13"/>
-    <p:sldId id="263" r:id="rId14"/>
-    <p:sldId id="264" r:id="rId15"/>
-    <p:sldId id="265" r:id="rId16"/>
-    <p:sldId id="266" r:id="rId17"/>
-    <p:sldId id="267" r:id="rId18"/>
-    <p:sldId id="268" r:id="rId19"/>
-    <p:sldId id="269" r:id="rId20"/>
-    <p:sldId id="270" r:id="rId21"/>
-    <p:sldId id="271" r:id="rId22"/>
   </p:sldIdLst>
   <p:sldSz cx="9144000" cy="6858000" type="screen4x3"/>
   <p:notesSz cx="6858000" cy="9144000"/>
@@ -3119,7 +3107,7 @@
           <a:lstStyle/>
           <a:p>
             <a:r>
-              <a:t>เราเป็นหนึ่งในความรักพระคริสต์</a:t>
+              <a:t>ความสุขดุจธง</a:t>
             </a:r>
           </a:p>
         </p:txBody>
@@ -3147,758 +3135,7 @@
               </a:defRPr>
             </a:pPr>
             <a:r>
-              <a:t>We are one in the bond of love.</a:t>
-            </a:r>
-          </a:p>
-        </p:txBody>
-      </p:sp>
-    </p:spTree>
-  </p:cSld>
-  <p:clrMapOvr>
-    <a:masterClrMapping/>
-  </p:clrMapOvr>
-</p:sld>
-</file>
-
-<file path=ppt/slides/slide10.xml><?xml version="1.0" encoding="utf-8"?>
-<p:sld xmlns:a="http://schemas.openxmlformats.org/drawingml/2006/main" xmlns:p="http://schemas.openxmlformats.org/presentationml/2006/main" xmlns:r="http://schemas.openxmlformats.org/officeDocument/2006/relationships">
-  <p:cSld>
-    <p:spTree>
-      <p:nvGrpSpPr>
-        <p:cNvPr id="1" name=""/>
-        <p:cNvGrpSpPr/>
-        <p:nvPr/>
-      </p:nvGrpSpPr>
-      <p:grpSpPr/>
-      <p:sp>
-        <p:nvSpPr>
-          <p:cNvPr id="2" name="TextBox 1"/>
-          <p:cNvSpPr txBox="1"/>
-          <p:nvPr/>
-        </p:nvSpPr>
-        <p:spPr>
-          <a:xfrm>
-            <a:off x="685800" y="228600"/>
-            <a:ext cx="7772400" cy="2971800"/>
-          </a:xfrm>
-          <a:prstGeom prst="rect">
-            <a:avLst/>
-          </a:prstGeom>
-          <a:noFill/>
-        </p:spPr>
-        <p:txBody>
-          <a:bodyPr wrap="none">
-            <a:spAutoFit/>
-          </a:bodyPr>
-          <a:lstStyle/>
-          <a:p>
-            <a:pPr algn="ctr">
-              <a:lnSpc>
-                <a:spcPts val="4800"/>
-              </a:lnSpc>
-              <a:defRPr sz="4000">
-                <a:solidFill>
-                  <a:srgbClr val="000000"/>
-                </a:solidFill>
-              </a:defRPr>
-            </a:pPr>
-            <a:r>
-              <a:t>ฉันเห็นราชาแห่งพระสิริ</a:t>
-            </a:r>
-            <a:br/>
-            <a:r>
-              <a:t>มาด้วยเมฆและไฟบนฟ้า</a:t>
-            </a:r>
-            <a:br/>
-            <a:r>
-              <a:t>ทั่วทั้งโลกา สะท้านสะเทือน</a:t>
-            </a:r>
-          </a:p>
-        </p:txBody>
-      </p:sp>
-      <p:sp>
-        <p:nvSpPr>
-          <p:cNvPr id="3" name="TextBox 2"/>
-          <p:cNvSpPr txBox="1"/>
-          <p:nvPr/>
-        </p:nvSpPr>
-        <p:spPr>
-          <a:xfrm>
-            <a:off x="685800" y="3657600"/>
-            <a:ext cx="7772400" cy="2971800"/>
-          </a:xfrm>
-          <a:prstGeom prst="rect">
-            <a:avLst/>
-          </a:prstGeom>
-          <a:noFill/>
-        </p:spPr>
-        <p:txBody>
-          <a:bodyPr wrap="square">
-            <a:spAutoFit/>
-          </a:bodyPr>
-          <a:lstStyle/>
-          <a:p>
-            <a:pPr algn="ctr">
-              <a:lnSpc>
-                <a:spcPts val="4800"/>
-              </a:lnSpc>
-              <a:defRPr sz="3500">
-                <a:solidFill>
-                  <a:srgbClr val="3A70BC"/>
-                </a:solidFill>
-              </a:defRPr>
-            </a:pPr>
-            <a:r>
-              <a:t>I see the king of glory. Coming on the clouds with fire. The whole earth shakes. The whole earth shakes.</a:t>
-            </a:r>
-          </a:p>
-        </p:txBody>
-      </p:sp>
-    </p:spTree>
-  </p:cSld>
-  <p:clrMapOvr>
-    <a:masterClrMapping/>
-  </p:clrMapOvr>
-</p:sld>
-</file>
-
-<file path=ppt/slides/slide11.xml><?xml version="1.0" encoding="utf-8"?>
-<p:sld xmlns:a="http://schemas.openxmlformats.org/drawingml/2006/main" xmlns:p="http://schemas.openxmlformats.org/presentationml/2006/main" xmlns:r="http://schemas.openxmlformats.org/officeDocument/2006/relationships">
-  <p:cSld>
-    <p:spTree>
-      <p:nvGrpSpPr>
-        <p:cNvPr id="1" name=""/>
-        <p:cNvGrpSpPr/>
-        <p:nvPr/>
-      </p:nvGrpSpPr>
-      <p:grpSpPr/>
-      <p:sp>
-        <p:nvSpPr>
-          <p:cNvPr id="2" name="TextBox 1"/>
-          <p:cNvSpPr txBox="1"/>
-          <p:nvPr/>
-        </p:nvSpPr>
-        <p:spPr>
-          <a:xfrm>
-            <a:off x="685800" y="228600"/>
-            <a:ext cx="7772400" cy="2971800"/>
-          </a:xfrm>
-          <a:prstGeom prst="rect">
-            <a:avLst/>
-          </a:prstGeom>
-          <a:noFill/>
-        </p:spPr>
-        <p:txBody>
-          <a:bodyPr wrap="none">
-            <a:spAutoFit/>
-          </a:bodyPr>
-          <a:lstStyle/>
-          <a:p>
-            <a:pPr algn="ctr">
-              <a:lnSpc>
-                <a:spcPts val="4800"/>
-              </a:lnSpc>
-              <a:defRPr sz="4000">
-                <a:solidFill>
-                  <a:srgbClr val="000000"/>
-                </a:solidFill>
-              </a:defRPr>
-            </a:pPr>
-            <a:r>
-              <a:t>ฉันเห็นความรักและเมตตา</a:t>
-            </a:r>
-            <a:br/>
-            <a:r>
-              <a:t>ที่ได้ทรงชำระบาปเรา</a:t>
-            </a:r>
-            <a:br/>
-            <a:r>
-              <a:t>และทุกคนต่าง แซ่ซ้องสรรเสริญ</a:t>
-            </a:r>
-          </a:p>
-        </p:txBody>
-      </p:sp>
-      <p:sp>
-        <p:nvSpPr>
-          <p:cNvPr id="3" name="TextBox 2"/>
-          <p:cNvSpPr txBox="1"/>
-          <p:nvPr/>
-        </p:nvSpPr>
-        <p:spPr>
-          <a:xfrm>
-            <a:off x="685800" y="3657600"/>
-            <a:ext cx="7772400" cy="2971800"/>
-          </a:xfrm>
-          <a:prstGeom prst="rect">
-            <a:avLst/>
-          </a:prstGeom>
-          <a:noFill/>
-        </p:spPr>
-        <p:txBody>
-          <a:bodyPr wrap="none">
-            <a:spAutoFit/>
-          </a:bodyPr>
-          <a:lstStyle/>
-          <a:p>
-            <a:pPr algn="ctr">
-              <a:lnSpc>
-                <a:spcPts val="4800"/>
-              </a:lnSpc>
-              <a:defRPr sz="3500">
-                <a:solidFill>
-                  <a:srgbClr val="3A70BC"/>
-                </a:solidFill>
-              </a:defRPr>
-            </a:pPr>
-            <a:r>
-              <a:t>I see his love and mercy</a:t>
-            </a:r>
-            <a:br/>
-            <a:r>
-              <a:t> Washing over all our sin</a:t>
-            </a:r>
-            <a:br/>
-            <a:r>
-              <a:t> The people sing. The people sing</a:t>
-            </a:r>
-            <a:br/>
-          </a:p>
-        </p:txBody>
-      </p:sp>
-    </p:spTree>
-  </p:cSld>
-  <p:clrMapOvr>
-    <a:masterClrMapping/>
-  </p:clrMapOvr>
-</p:sld>
-</file>
-
-<file path=ppt/slides/slide12.xml><?xml version="1.0" encoding="utf-8"?>
-<p:sld xmlns:a="http://schemas.openxmlformats.org/drawingml/2006/main" xmlns:p="http://schemas.openxmlformats.org/presentationml/2006/main" xmlns:r="http://schemas.openxmlformats.org/officeDocument/2006/relationships">
-  <p:cSld>
-    <p:spTree>
-      <p:nvGrpSpPr>
-        <p:cNvPr id="1" name=""/>
-        <p:cNvGrpSpPr/>
-        <p:nvPr/>
-      </p:nvGrpSpPr>
-      <p:grpSpPr/>
-      <p:sp>
-        <p:nvSpPr>
-          <p:cNvPr id="2" name="TextBox 1"/>
-          <p:cNvSpPr txBox="1"/>
-          <p:nvPr/>
-        </p:nvSpPr>
-        <p:spPr>
-          <a:xfrm>
-            <a:off x="685800" y="228600"/>
-            <a:ext cx="7772400" cy="2971800"/>
-          </a:xfrm>
-          <a:prstGeom prst="rect">
-            <a:avLst/>
-          </a:prstGeom>
-          <a:noFill/>
-        </p:spPr>
-        <p:txBody>
-          <a:bodyPr wrap="none">
-            <a:spAutoFit/>
-          </a:bodyPr>
-          <a:lstStyle/>
-          <a:p>
-            <a:pPr algn="ctr">
-              <a:lnSpc>
-                <a:spcPts val="4800"/>
-              </a:lnSpc>
-              <a:defRPr sz="4000">
-                <a:solidFill>
-                  <a:srgbClr val="000000"/>
-                </a:solidFill>
-              </a:defRPr>
-            </a:pPr>
-            <a:r>
-              <a:t>โฮซันนา โฮซันนา โฮซันนา</a:t>
-            </a:r>
-            <a:br/>
-            <a:r>
-              <a:t>แด่ผู้สูงสุด โฮซันนา</a:t>
-            </a:r>
-            <a:br/>
-            <a:r>
-              <a:t>โฮซันนา โฮซันนา แด่ผู้สูงสุด</a:t>
-            </a:r>
-          </a:p>
-        </p:txBody>
-      </p:sp>
-      <p:sp>
-        <p:nvSpPr>
-          <p:cNvPr id="3" name="TextBox 2"/>
-          <p:cNvSpPr txBox="1"/>
-          <p:nvPr/>
-        </p:nvSpPr>
-        <p:spPr>
-          <a:xfrm>
-            <a:off x="685800" y="3657600"/>
-            <a:ext cx="7772400" cy="2971800"/>
-          </a:xfrm>
-          <a:prstGeom prst="rect">
-            <a:avLst/>
-          </a:prstGeom>
-          <a:noFill/>
-        </p:spPr>
-        <p:txBody>
-          <a:bodyPr wrap="none">
-            <a:spAutoFit/>
-          </a:bodyPr>
-          <a:lstStyle/>
-          <a:p>
-            <a:pPr algn="ctr">
-              <a:lnSpc>
-                <a:spcPts val="4800"/>
-              </a:lnSpc>
-              <a:defRPr sz="3500">
-                <a:solidFill>
-                  <a:srgbClr val="3A70BC"/>
-                </a:solidFill>
-              </a:defRPr>
-            </a:pPr>
-            <a:r>
-              <a:t>Hosanna Hosanna</a:t>
-            </a:r>
-            <a:br/>
-            <a:r>
-              <a:t> Hosanna in the Highest</a:t>
-            </a:r>
-            <a:br/>
-          </a:p>
-        </p:txBody>
-      </p:sp>
-    </p:spTree>
-  </p:cSld>
-  <p:clrMapOvr>
-    <a:masterClrMapping/>
-  </p:clrMapOvr>
-</p:sld>
-</file>
-
-<file path=ppt/slides/slide13.xml><?xml version="1.0" encoding="utf-8"?>
-<p:sld xmlns:a="http://schemas.openxmlformats.org/drawingml/2006/main" xmlns:p="http://schemas.openxmlformats.org/presentationml/2006/main" xmlns:r="http://schemas.openxmlformats.org/officeDocument/2006/relationships">
-  <p:cSld>
-    <p:spTree>
-      <p:nvGrpSpPr>
-        <p:cNvPr id="1" name=""/>
-        <p:cNvGrpSpPr/>
-        <p:nvPr/>
-      </p:nvGrpSpPr>
-      <p:grpSpPr/>
-      <p:sp>
-        <p:nvSpPr>
-          <p:cNvPr id="2" name="TextBox 1"/>
-          <p:cNvSpPr txBox="1"/>
-          <p:nvPr/>
-        </p:nvSpPr>
-        <p:spPr>
-          <a:xfrm>
-            <a:off x="685800" y="228600"/>
-            <a:ext cx="7772400" cy="2971800"/>
-          </a:xfrm>
-          <a:prstGeom prst="rect">
-            <a:avLst/>
-          </a:prstGeom>
-          <a:noFill/>
-        </p:spPr>
-        <p:txBody>
-          <a:bodyPr wrap="none">
-            <a:spAutoFit/>
-          </a:bodyPr>
-          <a:lstStyle/>
-          <a:p>
-            <a:pPr algn="ctr">
-              <a:lnSpc>
-                <a:spcPts val="4800"/>
-              </a:lnSpc>
-              <a:defRPr sz="4000">
-                <a:solidFill>
-                  <a:srgbClr val="000000"/>
-                </a:solidFill>
-              </a:defRPr>
-            </a:pPr>
-            <a:r>
-              <a:t>ฉันเห็นบรรดาชนมากมาย</a:t>
-            </a:r>
-            <a:br/>
-            <a:r>
-              <a:t>ลุกขึ้นเพื่อทำตามพระทัย</a:t>
-            </a:r>
-            <a:br/>
-            <a:r>
-              <a:t>เปี่ยมด้วยความเชื่อ</a:t>
-            </a:r>
-            <a:br/>
-            <a:r>
-              <a:t>สุดสิ้นหัวใจ</a:t>
-            </a:r>
-          </a:p>
-        </p:txBody>
-      </p:sp>
-      <p:sp>
-        <p:nvSpPr>
-          <p:cNvPr id="3" name="TextBox 2"/>
-          <p:cNvSpPr txBox="1"/>
-          <p:nvPr/>
-        </p:nvSpPr>
-        <p:spPr>
-          <a:xfrm>
-            <a:off x="685800" y="3657600"/>
-            <a:ext cx="7772400" cy="2971800"/>
-          </a:xfrm>
-          <a:prstGeom prst="rect">
-            <a:avLst/>
-          </a:prstGeom>
-          <a:noFill/>
-        </p:spPr>
-        <p:txBody>
-          <a:bodyPr wrap="none">
-            <a:spAutoFit/>
-          </a:bodyPr>
-          <a:lstStyle/>
-          <a:p>
-            <a:pPr algn="ctr">
-              <a:lnSpc>
-                <a:spcPts val="4800"/>
-              </a:lnSpc>
-              <a:defRPr sz="3500">
-                <a:solidFill>
-                  <a:srgbClr val="3A70BC"/>
-                </a:solidFill>
-              </a:defRPr>
-            </a:pPr>
-            <a:r>
-              <a:t>I see a generation. Rising up to take their place</a:t>
-            </a:r>
-            <a:br/>
-            <a:r>
-              <a:t> With selfless faith. With selfless faith</a:t>
-            </a:r>
-            <a:br/>
-          </a:p>
-        </p:txBody>
-      </p:sp>
-    </p:spTree>
-  </p:cSld>
-  <p:clrMapOvr>
-    <a:masterClrMapping/>
-  </p:clrMapOvr>
-</p:sld>
-</file>
-
-<file path=ppt/slides/slide14.xml><?xml version="1.0" encoding="utf-8"?>
-<p:sld xmlns:a="http://schemas.openxmlformats.org/drawingml/2006/main" xmlns:p="http://schemas.openxmlformats.org/presentationml/2006/main" xmlns:r="http://schemas.openxmlformats.org/officeDocument/2006/relationships">
-  <p:cSld>
-    <p:spTree>
-      <p:nvGrpSpPr>
-        <p:cNvPr id="1" name=""/>
-        <p:cNvGrpSpPr/>
-        <p:nvPr/>
-      </p:nvGrpSpPr>
-      <p:grpSpPr/>
-      <p:sp>
-        <p:nvSpPr>
-          <p:cNvPr id="2" name="TextBox 1"/>
-          <p:cNvSpPr txBox="1"/>
-          <p:nvPr/>
-        </p:nvSpPr>
-        <p:spPr>
-          <a:xfrm>
-            <a:off x="685800" y="228600"/>
-            <a:ext cx="7772400" cy="2971800"/>
-          </a:xfrm>
-          <a:prstGeom prst="rect">
-            <a:avLst/>
-          </a:prstGeom>
-          <a:noFill/>
-        </p:spPr>
-        <p:txBody>
-          <a:bodyPr wrap="none">
-            <a:spAutoFit/>
-          </a:bodyPr>
-          <a:lstStyle/>
-          <a:p>
-            <a:pPr algn="ctr">
-              <a:lnSpc>
-                <a:spcPts val="4800"/>
-              </a:lnSpc>
-              <a:defRPr sz="4000">
-                <a:solidFill>
-                  <a:srgbClr val="000000"/>
-                </a:solidFill>
-              </a:defRPr>
-            </a:pPr>
-            <a:r>
-              <a:t>ฉันเห็นเปลวไฟการฟื้นฟู</a:t>
-            </a:r>
-            <a:br/>
-            <a:r>
-              <a:t>เคลื่อนเข้ามาเมื่อเราร้องทูล</a:t>
-            </a:r>
-            <a:br/>
-            <a:r>
-              <a:t>และทุกหัวเข่า ร่ำร้องวิงวอน</a:t>
-            </a:r>
-          </a:p>
-        </p:txBody>
-      </p:sp>
-      <p:sp>
-        <p:nvSpPr>
-          <p:cNvPr id="3" name="TextBox 2"/>
-          <p:cNvSpPr txBox="1"/>
-          <p:nvPr/>
-        </p:nvSpPr>
-        <p:spPr>
-          <a:xfrm>
-            <a:off x="685800" y="3657600"/>
-            <a:ext cx="7772400" cy="2971800"/>
-          </a:xfrm>
-          <a:prstGeom prst="rect">
-            <a:avLst/>
-          </a:prstGeom>
-          <a:noFill/>
-        </p:spPr>
-        <p:txBody>
-          <a:bodyPr wrap="none">
-            <a:spAutoFit/>
-          </a:bodyPr>
-          <a:lstStyle/>
-          <a:p>
-            <a:pPr algn="ctr">
-              <a:lnSpc>
-                <a:spcPts val="4800"/>
-              </a:lnSpc>
-              <a:defRPr sz="3500">
-                <a:solidFill>
-                  <a:srgbClr val="3A70BC"/>
-                </a:solidFill>
-              </a:defRPr>
-            </a:pPr>
-            <a:r>
-              <a:t>I see a near revival. Stirring as we pray and seek</a:t>
-            </a:r>
-            <a:br/>
-            <a:r>
-              <a:t> We're on our knees. We're on our knees</a:t>
-            </a:r>
-            <a:br/>
-          </a:p>
-        </p:txBody>
-      </p:sp>
-    </p:spTree>
-  </p:cSld>
-  <p:clrMapOvr>
-    <a:masterClrMapping/>
-  </p:clrMapOvr>
-</p:sld>
-</file>
-
-<file path=ppt/slides/slide15.xml><?xml version="1.0" encoding="utf-8"?>
-<p:sld xmlns:a="http://schemas.openxmlformats.org/drawingml/2006/main" xmlns:p="http://schemas.openxmlformats.org/presentationml/2006/main" xmlns:r="http://schemas.openxmlformats.org/officeDocument/2006/relationships">
-  <p:cSld>
-    <p:spTree>
-      <p:nvGrpSpPr>
-        <p:cNvPr id="1" name=""/>
-        <p:cNvGrpSpPr/>
-        <p:nvPr/>
-      </p:nvGrpSpPr>
-      <p:grpSpPr/>
-      <p:sp>
-        <p:nvSpPr>
-          <p:cNvPr id="2" name="TextBox 1"/>
-          <p:cNvSpPr txBox="1"/>
-          <p:nvPr/>
-        </p:nvSpPr>
-        <p:spPr>
-          <a:xfrm>
-            <a:off x="685800" y="228600"/>
-            <a:ext cx="7772400" cy="2971800"/>
-          </a:xfrm>
-          <a:prstGeom prst="rect">
-            <a:avLst/>
-          </a:prstGeom>
-          <a:noFill/>
-        </p:spPr>
-        <p:txBody>
-          <a:bodyPr wrap="none">
-            <a:spAutoFit/>
-          </a:bodyPr>
-          <a:lstStyle/>
-          <a:p>
-            <a:pPr algn="ctr">
-              <a:lnSpc>
-                <a:spcPts val="4800"/>
-              </a:lnSpc>
-              <a:defRPr sz="4000">
-                <a:solidFill>
-                  <a:srgbClr val="000000"/>
-                </a:solidFill>
-              </a:defRPr>
-            </a:pPr>
-            <a:r>
-              <a:t>โฮซันนา โฮซันนา โฮซันนา</a:t>
-            </a:r>
-            <a:br/>
-            <a:r>
-              <a:t>แด่ผู้สูงสุด โฮซันนา</a:t>
-            </a:r>
-            <a:br/>
-            <a:r>
-              <a:t>โฮซันนา โฮซันนา แด่ผู้สูงสุด</a:t>
-            </a:r>
-          </a:p>
-        </p:txBody>
-      </p:sp>
-      <p:sp>
-        <p:nvSpPr>
-          <p:cNvPr id="3" name="TextBox 2"/>
-          <p:cNvSpPr txBox="1"/>
-          <p:nvPr/>
-        </p:nvSpPr>
-        <p:spPr>
-          <a:xfrm>
-            <a:off x="685800" y="3657600"/>
-            <a:ext cx="7772400" cy="2971800"/>
-          </a:xfrm>
-          <a:prstGeom prst="rect">
-            <a:avLst/>
-          </a:prstGeom>
-          <a:noFill/>
-        </p:spPr>
-        <p:txBody>
-          <a:bodyPr wrap="none">
-            <a:spAutoFit/>
-          </a:bodyPr>
-          <a:lstStyle/>
-          <a:p>
-            <a:pPr algn="ctr">
-              <a:lnSpc>
-                <a:spcPts val="4800"/>
-              </a:lnSpc>
-              <a:defRPr sz="3500">
-                <a:solidFill>
-                  <a:srgbClr val="3A70BC"/>
-                </a:solidFill>
-              </a:defRPr>
-            </a:pPr>
-            <a:r>
-              <a:t>Hosanna Hosanna</a:t>
-            </a:r>
-            <a:br/>
-            <a:r>
-              <a:t> Hosanna in the Highest</a:t>
-            </a:r>
-            <a:br/>
-          </a:p>
-        </p:txBody>
-      </p:sp>
-    </p:spTree>
-  </p:cSld>
-  <p:clrMapOvr>
-    <a:masterClrMapping/>
-  </p:clrMapOvr>
-</p:sld>
-</file>
-
-<file path=ppt/slides/slide16.xml><?xml version="1.0" encoding="utf-8"?>
-<p:sld xmlns:a="http://schemas.openxmlformats.org/drawingml/2006/main" xmlns:p="http://schemas.openxmlformats.org/presentationml/2006/main" xmlns:r="http://schemas.openxmlformats.org/officeDocument/2006/relationships">
-  <p:cSld>
-    <p:spTree>
-      <p:nvGrpSpPr>
-        <p:cNvPr id="1" name=""/>
-        <p:cNvGrpSpPr/>
-        <p:nvPr/>
-      </p:nvGrpSpPr>
-      <p:grpSpPr/>
-      <p:sp>
-        <p:nvSpPr>
-          <p:cNvPr id="2" name="TextBox 1"/>
-          <p:cNvSpPr txBox="1"/>
-          <p:nvPr/>
-        </p:nvSpPr>
-        <p:spPr>
-          <a:xfrm>
-            <a:off x="685800" y="228600"/>
-            <a:ext cx="7772400" cy="2971800"/>
-          </a:xfrm>
-          <a:prstGeom prst="rect">
-            <a:avLst/>
-          </a:prstGeom>
-          <a:noFill/>
-        </p:spPr>
-        <p:txBody>
-          <a:bodyPr wrap="none">
-            <a:spAutoFit/>
-          </a:bodyPr>
-          <a:lstStyle/>
-          <a:p>
-            <a:pPr algn="ctr">
-              <a:lnSpc>
-                <a:spcPts val="4800"/>
-              </a:lnSpc>
-              <a:defRPr sz="4000">
-                <a:solidFill>
-                  <a:srgbClr val="000000"/>
-                </a:solidFill>
-              </a:defRPr>
-            </a:pPr>
-            <a:r>
-              <a:t>ขอพระองค์ชำระหัวใจ ให้ดวงตาฉันเห็น สิ่งที่ยังซ่อนอยู่</a:t>
-            </a:r>
-            <a:br/>
-            <a:r>
-              <a:t>ขอให้ฉันได้มีความรัก เหมือนพระองค์ ขอพระองค์ละลายหัวใจ</a:t>
-            </a:r>
-            <a:br/>
-            <a:r>
-              <a:t>มอบชีวิตถวาย อยู่ในน้ำพระทัย ทุกวันคืนที่ฉันเดินไป</a:t>
-            </a:r>
-            <a:br/>
-            <a:r>
-              <a:t>สู่นิจนิรันดร์</a:t>
-            </a:r>
-          </a:p>
-        </p:txBody>
-      </p:sp>
-      <p:sp>
-        <p:nvSpPr>
-          <p:cNvPr id="3" name="TextBox 2"/>
-          <p:cNvSpPr txBox="1"/>
-          <p:nvPr/>
-        </p:nvSpPr>
-        <p:spPr>
-          <a:xfrm>
-            <a:off x="685800" y="3657600"/>
-            <a:ext cx="7772400" cy="2971800"/>
-          </a:xfrm>
-          <a:prstGeom prst="rect">
-            <a:avLst/>
-          </a:prstGeom>
-          <a:noFill/>
-        </p:spPr>
-        <p:txBody>
-          <a:bodyPr wrap="square">
-            <a:spAutoFit/>
-          </a:bodyPr>
-          <a:lstStyle/>
-          <a:p>
-            <a:pPr algn="ctr">
-              <a:lnSpc>
-                <a:spcPts val="4800"/>
-              </a:lnSpc>
-              <a:defRPr sz="3500">
-                <a:solidFill>
-                  <a:srgbClr val="3A70BC"/>
-                </a:solidFill>
-              </a:defRPr>
-            </a:pPr>
-            <a:r>
-              <a:t>Heal my heart and make it clean. Open up my eyes to the things unseen. Show me how to love like you have loved me. Break my heart for what breaks yours. Everything I am for your Kingdom's cause. As I walk from Earth into Eternity.</a:t>
+              <a:t>Joy is The Flag Flown High</a:t>
             </a:r>
           </a:p>
         </p:txBody>
@@ -3938,7 +3175,7 @@
           <a:noFill/>
         </p:spPr>
         <p:txBody>
-          <a:bodyPr wrap="square">
+          <a:bodyPr wrap="none">
             <a:spAutoFit/>
           </a:bodyPr>
           <a:lstStyle/>
@@ -3947,14 +3184,22 @@
               <a:lnSpc>
                 <a:spcPts val="4800"/>
               </a:lnSpc>
-              <a:defRPr sz="4000">
+              <a:defRPr sz="4400">
                 <a:solidFill>
                   <a:srgbClr val="000000"/>
                 </a:solidFill>
               </a:defRPr>
             </a:pPr>
             <a:r>
-              <a:t>เราเป็นหนึ่งในความรักพระคริสต์ เราเป็นหนึ่งในความรักพระคริสต์ วิญญาณจิตเราผูกพันกับองค์พระวิญญาณ เราเป็นหนึ่งในความรักพระคริสต์</a:t>
+              <a:t>ฉันมีความสุขดุจธง โบกอยู่เหนือวังแห่งจิตใจ</a:t>
+            </a:r>
+            <a:br/>
+            <a:r>
+              <a:t>โบกอยู่เหนือวังแห่งจิตใจ</a:t>
+            </a:r>
+            <a:br/>
+            <a:r>
+              <a:t>โบกอยู่เหนือวังแห่งจิตใจ</a:t>
             </a:r>
           </a:p>
         </p:txBody>
@@ -3985,14 +3230,14 @@
               <a:lnSpc>
                 <a:spcPts val="4800"/>
               </a:lnSpc>
-              <a:defRPr sz="3500">
+              <a:defRPr sz="4000">
                 <a:solidFill>
                   <a:srgbClr val="3A70BC"/>
                 </a:solidFill>
               </a:defRPr>
             </a:pPr>
             <a:r>
-              <a:t>We are one in the bond of love. We are one in the bond of love. We have join our spirit with Spirit of God. We are one in the bond of love.</a:t>
+              <a:t>Joy is the flag flown high. From the castle of my heart. From the castle of my heart. From the castle of my heart.</a:t>
             </a:r>
           </a:p>
         </p:txBody>
@@ -4041,22 +3286,22 @@
               <a:lnSpc>
                 <a:spcPts val="4800"/>
               </a:lnSpc>
-              <a:defRPr sz="4000">
+              <a:defRPr sz="4400">
                 <a:solidFill>
                   <a:srgbClr val="000000"/>
                 </a:solidFill>
               </a:defRPr>
             </a:pPr>
             <a:r>
-              <a:t>ขอให้เราร่วมร้องเพลงกันเถิด เปิดดวงใจรับความรักพระเจ้า</a:t>
+              <a:t>ฉันมีความสุขดุจธง โบกอยู่เหนือวังแห่งจิตใจ</a:t>
             </a:r>
             <a:br/>
             <a:r>
-              <a:t>ให้เราจับมือกันและประกาศให้โลกรู้</a:t>
+              <a:t>เพราะพระคริสต์ ทรงสถิต</a:t>
             </a:r>
             <a:br/>
             <a:r>
-              <a:t>เราเป็นหนึ่งในความรักพระคริสต์</a:t>
+              <a:t>ณ ที่นั่น</a:t>
             </a:r>
           </a:p>
         </p:txBody>
@@ -4078,7 +3323,7 @@
           <a:noFill/>
         </p:spPr>
         <p:txBody>
-          <a:bodyPr wrap="square">
+          <a:bodyPr wrap="none">
             <a:spAutoFit/>
           </a:bodyPr>
           <a:lstStyle/>
@@ -4087,15 +3332,24 @@
               <a:lnSpc>
                 <a:spcPts val="4800"/>
               </a:lnSpc>
-              <a:defRPr sz="3500">
+              <a:defRPr sz="4000">
                 <a:solidFill>
                   <a:srgbClr val="3A70BC"/>
                 </a:solidFill>
               </a:defRPr>
             </a:pPr>
             <a:r>
-              <a:t>Let us sing now, ev'ry one; Let us feel His love begun. Let us join our hands, that the world will know; We are one in the bond of love.</a:t>
-            </a:r>
+              <a:t>Joy is the flag flown high</a:t>
+            </a:r>
+            <a:br/>
+            <a:r>
+              <a:t> From the castle of my heart</a:t>
+            </a:r>
+            <a:br/>
+            <a:r>
+              <a:t> When the King is in residence there</a:t>
+            </a:r>
+            <a:br/>
           </a:p>
         </p:txBody>
       </p:sp>
@@ -4119,73 +3373,6 @@
       <p:grpSpPr/>
       <p:sp>
         <p:nvSpPr>
-          <p:cNvPr id="2" name="Title 1"/>
-          <p:cNvSpPr>
-            <a:spLocks noGrp="1"/>
-          </p:cNvSpPr>
-          <p:nvPr>
-            <p:ph type="ctrTitle"/>
-          </p:nvPr>
-        </p:nvSpPr>
-        <p:spPr/>
-        <p:txBody>
-          <a:bodyPr/>
-          <a:lstStyle/>
-          <a:p>
-            <a:r>
-              <a:t>เชิญพระวิญญาณแห่งความรักยิ่งใหญ่</a:t>
-            </a:r>
-          </a:p>
-        </p:txBody>
-      </p:sp>
-      <p:sp>
-        <p:nvSpPr>
-          <p:cNvPr id="3" name="Subtitle 2"/>
-          <p:cNvSpPr>
-            <a:spLocks noGrp="1"/>
-          </p:cNvSpPr>
-          <p:nvPr>
-            <p:ph type="subTitle" idx="1"/>
-          </p:nvPr>
-        </p:nvSpPr>
-        <p:spPr/>
-        <p:txBody>
-          <a:bodyPr/>
-          <a:lstStyle/>
-          <a:p>
-            <a:pPr>
-              <a:defRPr sz="4000">
-                <a:solidFill>
-                  <a:srgbClr val="3A70BC"/>
-                </a:solidFill>
-              </a:defRPr>
-            </a:pPr>
-            <a:r>
-              <a:t>Spirit Song</a:t>
-            </a:r>
-          </a:p>
-        </p:txBody>
-      </p:sp>
-    </p:spTree>
-  </p:cSld>
-  <p:clrMapOvr>
-    <a:masterClrMapping/>
-  </p:clrMapOvr>
-</p:sld>
-</file>
-
-<file path=ppt/slides/slide5.xml><?xml version="1.0" encoding="utf-8"?>
-<p:sld xmlns:a="http://schemas.openxmlformats.org/drawingml/2006/main" xmlns:p="http://schemas.openxmlformats.org/presentationml/2006/main" xmlns:r="http://schemas.openxmlformats.org/officeDocument/2006/relationships">
-  <p:cSld>
-    <p:spTree>
-      <p:nvGrpSpPr>
-        <p:cNvPr id="1" name=""/>
-        <p:cNvGrpSpPr/>
-        <p:nvPr/>
-      </p:nvGrpSpPr>
-      <p:grpSpPr/>
-      <p:sp>
-        <p:nvSpPr>
           <p:cNvPr id="2" name="TextBox 1"/>
           <p:cNvSpPr txBox="1"/>
           <p:nvPr/>
@@ -4210,14 +3397,14 @@
               <a:lnSpc>
                 <a:spcPts val="4800"/>
               </a:lnSpc>
-              <a:defRPr sz="4000">
+              <a:defRPr sz="4400">
                 <a:solidFill>
                   <a:srgbClr val="000000"/>
                 </a:solidFill>
               </a:defRPr>
             </a:pPr>
             <a:r>
-              <a:t>เชิญพระวิญญาณแห่งความรักยิ่งใหญ่ ทรงเคลื่อนไหวเหนือเราทุกคน ให้เต็มล้นภายในสันติสุข อิ่มเอมใจ ขอทรงครอบครองความคิดและชีวิต ให้เป็นของพระองค์ทุกสิ่ง โดยพระวิญญาณบริสุทธิ์ เป็นผู้ทรงนำ</a:t>
+              <a:t>ชักธงขึ้น สู่ท้องฟ้า ให้ชาวโลกได้เห็น ให้ชาวโลกได้เห็น ให้ชาวโลกได้เห็น ชักธงขึ้นสู่ท้องฟ้า ให้ชาวโลกได้เห็น ว่าพระคริสต์ ทรงสถิต ณ ที่นั่น</a:t>
             </a:r>
           </a:p>
         </p:txBody>
@@ -4248,389 +3435,6 @@
               <a:lnSpc>
                 <a:spcPts val="4800"/>
               </a:lnSpc>
-              <a:defRPr sz="3500">
-                <a:solidFill>
-                  <a:srgbClr val="3A70BC"/>
-                </a:solidFill>
-              </a:defRPr>
-            </a:pPr>
-            <a:r>
-              <a:t>Oh let the Son of God enfold you. With His Spirit and His love. Let Him fill your heart and satisfy your soul. Oh let Him have those things that hold you. And His Spirit like a dove. Will descend upon your life and make you whole.</a:t>
-            </a:r>
-          </a:p>
-        </p:txBody>
-      </p:sp>
-    </p:spTree>
-  </p:cSld>
-  <p:clrMapOvr>
-    <a:masterClrMapping/>
-  </p:clrMapOvr>
-</p:sld>
-</file>
-
-<file path=ppt/slides/slide6.xml><?xml version="1.0" encoding="utf-8"?>
-<p:sld xmlns:a="http://schemas.openxmlformats.org/drawingml/2006/main" xmlns:p="http://schemas.openxmlformats.org/presentationml/2006/main" xmlns:r="http://schemas.openxmlformats.org/officeDocument/2006/relationships">
-  <p:cSld>
-    <p:spTree>
-      <p:nvGrpSpPr>
-        <p:cNvPr id="1" name=""/>
-        <p:cNvGrpSpPr/>
-        <p:nvPr/>
-      </p:nvGrpSpPr>
-      <p:grpSpPr/>
-      <p:sp>
-        <p:nvSpPr>
-          <p:cNvPr id="2" name="TextBox 1"/>
-          <p:cNvSpPr txBox="1"/>
-          <p:nvPr/>
-        </p:nvSpPr>
-        <p:spPr>
-          <a:xfrm>
-            <a:off x="685800" y="228600"/>
-            <a:ext cx="7772400" cy="2971800"/>
-          </a:xfrm>
-          <a:prstGeom prst="rect">
-            <a:avLst/>
-          </a:prstGeom>
-          <a:noFill/>
-        </p:spPr>
-        <p:txBody>
-          <a:bodyPr wrap="none">
-            <a:spAutoFit/>
-          </a:bodyPr>
-          <a:lstStyle/>
-          <a:p>
-            <a:pPr algn="ctr">
-              <a:lnSpc>
-                <a:spcPts val="4800"/>
-              </a:lnSpc>
-              <a:defRPr sz="4000">
-                <a:solidFill>
-                  <a:srgbClr val="000000"/>
-                </a:solidFill>
-              </a:defRPr>
-            </a:pPr>
-            <a:r>
-              <a:t>เย...ซู โอ้เย....ซู</a:t>
-            </a:r>
-            <a:br/>
-            <a:r>
-              <a:t>โปรด เจิม เราด้วยไฟ</a:t>
-            </a:r>
-            <a:br/>
-            <a:r>
-              <a:t>เย..ซู โอ้เย....ซู โปรด</a:t>
-            </a:r>
-            <a:br/>
-            <a:r>
-              <a:t>เจิมเรา ด้วยไฟ</a:t>
-            </a:r>
-          </a:p>
-        </p:txBody>
-      </p:sp>
-      <p:sp>
-        <p:nvSpPr>
-          <p:cNvPr id="3" name="TextBox 2"/>
-          <p:cNvSpPr txBox="1"/>
-          <p:nvPr/>
-        </p:nvSpPr>
-        <p:spPr>
-          <a:xfrm>
-            <a:off x="685800" y="3657600"/>
-            <a:ext cx="7772400" cy="2971800"/>
-          </a:xfrm>
-          <a:prstGeom prst="rect">
-            <a:avLst/>
-          </a:prstGeom>
-          <a:noFill/>
-        </p:spPr>
-        <p:txBody>
-          <a:bodyPr wrap="none">
-            <a:spAutoFit/>
-          </a:bodyPr>
-          <a:lstStyle/>
-          <a:p>
-            <a:pPr algn="ctr">
-              <a:lnSpc>
-                <a:spcPts val="4800"/>
-              </a:lnSpc>
-              <a:defRPr sz="3500">
-                <a:solidFill>
-                  <a:srgbClr val="3A70BC"/>
-                </a:solidFill>
-              </a:defRPr>
-            </a:pPr>
-            <a:r>
-              <a:t>Jesus oh Jesus, Come and fill Your lambs</a:t>
-            </a:r>
-            <a:br/>
-            <a:r>
-              <a:t> Jesus oh Jesus, Come and fill Your lambs</a:t>
-            </a:r>
-            <a:br/>
-          </a:p>
-        </p:txBody>
-      </p:sp>
-    </p:spTree>
-  </p:cSld>
-  <p:clrMapOvr>
-    <a:masterClrMapping/>
-  </p:clrMapOvr>
-</p:sld>
-</file>
-
-<file path=ppt/slides/slide7.xml><?xml version="1.0" encoding="utf-8"?>
-<p:sld xmlns:a="http://schemas.openxmlformats.org/drawingml/2006/main" xmlns:p="http://schemas.openxmlformats.org/presentationml/2006/main" xmlns:r="http://schemas.openxmlformats.org/officeDocument/2006/relationships">
-  <p:cSld>
-    <p:spTree>
-      <p:nvGrpSpPr>
-        <p:cNvPr id="1" name=""/>
-        <p:cNvGrpSpPr/>
-        <p:nvPr/>
-      </p:nvGrpSpPr>
-      <p:grpSpPr/>
-      <p:sp>
-        <p:nvSpPr>
-          <p:cNvPr id="2" name="TextBox 1"/>
-          <p:cNvSpPr txBox="1"/>
-          <p:nvPr/>
-        </p:nvSpPr>
-        <p:spPr>
-          <a:xfrm>
-            <a:off x="685800" y="228600"/>
-            <a:ext cx="7772400" cy="2971800"/>
-          </a:xfrm>
-          <a:prstGeom prst="rect">
-            <a:avLst/>
-          </a:prstGeom>
-          <a:noFill/>
-        </p:spPr>
-        <p:txBody>
-          <a:bodyPr wrap="square">
-            <a:spAutoFit/>
-          </a:bodyPr>
-          <a:lstStyle/>
-          <a:p>
-            <a:pPr algn="ctr">
-              <a:lnSpc>
-                <a:spcPts val="4800"/>
-              </a:lnSpc>
-              <a:defRPr sz="4000">
-                <a:solidFill>
-                  <a:srgbClr val="000000"/>
-                </a:solidFill>
-              </a:defRPr>
-            </a:pPr>
-            <a:r>
-              <a:t>...</a:t>
-            </a:r>
-          </a:p>
-        </p:txBody>
-      </p:sp>
-      <p:sp>
-        <p:nvSpPr>
-          <p:cNvPr id="3" name="TextBox 2"/>
-          <p:cNvSpPr txBox="1"/>
-          <p:nvPr/>
-        </p:nvSpPr>
-        <p:spPr>
-          <a:xfrm>
-            <a:off x="685800" y="3657600"/>
-            <a:ext cx="7772400" cy="2971800"/>
-          </a:xfrm>
-          <a:prstGeom prst="rect">
-            <a:avLst/>
-          </a:prstGeom>
-          <a:noFill/>
-        </p:spPr>
-        <p:txBody>
-          <a:bodyPr wrap="square">
-            <a:spAutoFit/>
-          </a:bodyPr>
-          <a:lstStyle/>
-          <a:p>
-            <a:pPr algn="ctr">
-              <a:lnSpc>
-                <a:spcPts val="4800"/>
-              </a:lnSpc>
-              <a:defRPr sz="3500">
-                <a:solidFill>
-                  <a:srgbClr val="3A70BC"/>
-                </a:solidFill>
-              </a:defRPr>
-            </a:pPr>
-            <a:r>
-              <a:t>Oh come and sing the song of gladness. As your hearts are filled with joy. Lift your hands in sweet surrender to His name. Oh give Him all your tears and sadness. Give Him all your years of pain. And you'll enter into life in Jesus' name.</a:t>
-            </a:r>
-          </a:p>
-        </p:txBody>
-      </p:sp>
-    </p:spTree>
-  </p:cSld>
-  <p:clrMapOvr>
-    <a:masterClrMapping/>
-  </p:clrMapOvr>
-</p:sld>
-</file>
-
-<file path=ppt/slides/slide8.xml><?xml version="1.0" encoding="utf-8"?>
-<p:sld xmlns:a="http://schemas.openxmlformats.org/drawingml/2006/main" xmlns:p="http://schemas.openxmlformats.org/presentationml/2006/main" xmlns:r="http://schemas.openxmlformats.org/officeDocument/2006/relationships">
-  <p:cSld>
-    <p:spTree>
-      <p:nvGrpSpPr>
-        <p:cNvPr id="1" name=""/>
-        <p:cNvGrpSpPr/>
-        <p:nvPr/>
-      </p:nvGrpSpPr>
-      <p:grpSpPr/>
-      <p:sp>
-        <p:nvSpPr>
-          <p:cNvPr id="2" name="TextBox 1"/>
-          <p:cNvSpPr txBox="1"/>
-          <p:nvPr/>
-        </p:nvSpPr>
-        <p:spPr>
-          <a:xfrm>
-            <a:off x="685800" y="228600"/>
-            <a:ext cx="7772400" cy="2971800"/>
-          </a:xfrm>
-          <a:prstGeom prst="rect">
-            <a:avLst/>
-          </a:prstGeom>
-          <a:noFill/>
-        </p:spPr>
-        <p:txBody>
-          <a:bodyPr wrap="none">
-            <a:spAutoFit/>
-          </a:bodyPr>
-          <a:lstStyle/>
-          <a:p>
-            <a:pPr algn="ctr">
-              <a:lnSpc>
-                <a:spcPts val="4800"/>
-              </a:lnSpc>
-              <a:defRPr sz="4000">
-                <a:solidFill>
-                  <a:srgbClr val="000000"/>
-                </a:solidFill>
-              </a:defRPr>
-            </a:pPr>
-            <a:r>
-              <a:t>เย...ซู โอ้เย....ซู</a:t>
-            </a:r>
-            <a:br/>
-            <a:r>
-              <a:t>โปรด เจิม เราด้วยไฟ</a:t>
-            </a:r>
-            <a:br/>
-            <a:r>
-              <a:t>เย..ซู โอ้เย....ซู โปรด</a:t>
-            </a:r>
-            <a:br/>
-            <a:r>
-              <a:t>เจิมเรา ด้วยไฟ</a:t>
-            </a:r>
-          </a:p>
-        </p:txBody>
-      </p:sp>
-      <p:sp>
-        <p:nvSpPr>
-          <p:cNvPr id="3" name="TextBox 2"/>
-          <p:cNvSpPr txBox="1"/>
-          <p:nvPr/>
-        </p:nvSpPr>
-        <p:spPr>
-          <a:xfrm>
-            <a:off x="685800" y="3657600"/>
-            <a:ext cx="7772400" cy="2971800"/>
-          </a:xfrm>
-          <a:prstGeom prst="rect">
-            <a:avLst/>
-          </a:prstGeom>
-          <a:noFill/>
-        </p:spPr>
-        <p:txBody>
-          <a:bodyPr wrap="none">
-            <a:spAutoFit/>
-          </a:bodyPr>
-          <a:lstStyle/>
-          <a:p>
-            <a:pPr algn="ctr">
-              <a:lnSpc>
-                <a:spcPts val="4800"/>
-              </a:lnSpc>
-              <a:defRPr sz="3500">
-                <a:solidFill>
-                  <a:srgbClr val="3A70BC"/>
-                </a:solidFill>
-              </a:defRPr>
-            </a:pPr>
-            <a:r>
-              <a:t>Jesus oh Jesus, Come and fill Your lambs</a:t>
-            </a:r>
-            <a:br/>
-            <a:r>
-              <a:t> Jesus oh Jesus, Come and fill Your lambs</a:t>
-            </a:r>
-            <a:br/>
-          </a:p>
-        </p:txBody>
-      </p:sp>
-    </p:spTree>
-  </p:cSld>
-  <p:clrMapOvr>
-    <a:masterClrMapping/>
-  </p:clrMapOvr>
-</p:sld>
-</file>
-
-<file path=ppt/slides/slide9.xml><?xml version="1.0" encoding="utf-8"?>
-<p:sld xmlns:a="http://schemas.openxmlformats.org/drawingml/2006/main" xmlns:p="http://schemas.openxmlformats.org/presentationml/2006/main" xmlns:r="http://schemas.openxmlformats.org/officeDocument/2006/relationships">
-  <p:cSld>
-    <p:spTree>
-      <p:nvGrpSpPr>
-        <p:cNvPr id="1" name=""/>
-        <p:cNvGrpSpPr/>
-        <p:nvPr/>
-      </p:nvGrpSpPr>
-      <p:grpSpPr/>
-      <p:sp>
-        <p:nvSpPr>
-          <p:cNvPr id="2" name="Title 1"/>
-          <p:cNvSpPr>
-            <a:spLocks noGrp="1"/>
-          </p:cNvSpPr>
-          <p:nvPr>
-            <p:ph type="ctrTitle"/>
-          </p:nvPr>
-        </p:nvSpPr>
-        <p:spPr/>
-        <p:txBody>
-          <a:bodyPr/>
-          <a:lstStyle/>
-          <a:p>
-            <a:r>
-              <a:t>โฮซันนา</a:t>
-            </a:r>
-          </a:p>
-        </p:txBody>
-      </p:sp>
-      <p:sp>
-        <p:nvSpPr>
-          <p:cNvPr id="3" name="Subtitle 2"/>
-          <p:cNvSpPr>
-            <a:spLocks noGrp="1"/>
-          </p:cNvSpPr>
-          <p:nvPr>
-            <p:ph type="subTitle" idx="1"/>
-          </p:nvPr>
-        </p:nvSpPr>
-        <p:spPr/>
-        <p:txBody>
-          <a:bodyPr/>
-          <a:lstStyle/>
-          <a:p>
-            <a:pPr>
               <a:defRPr sz="4000">
                 <a:solidFill>
                   <a:srgbClr val="3A70BC"/>
@@ -4638,7 +3442,7 @@
               </a:defRPr>
             </a:pPr>
             <a:r>
-              <a:t>Hosanna</a:t>
+              <a:t>So let it fly in the sky. Let the whole world know. Let the whole world know. Let the whole world know. Let it fly in the sky. Let the whole world know. That the King is in residence there.</a:t>
             </a:r>
           </a:p>
         </p:txBody>

--- a/finishedppt/WorshipSongs.pptx
+++ b/finishedppt/WorshipSongs.pptx
@@ -9,6 +9,7 @@
     <p:sldId id="257" r:id="rId8"/>
     <p:sldId id="258" r:id="rId9"/>
     <p:sldId id="259" r:id="rId10"/>
+    <p:sldId id="260" r:id="rId11"/>
   </p:sldIdLst>
   <p:sldSz cx="9144000" cy="6858000" type="screen4x3"/>
   <p:notesSz cx="6858000" cy="9144000"/>
@@ -3107,7 +3108,7 @@
           <a:lstStyle/>
           <a:p>
             <a:r>
-              <a:t>ความสุขดุจธง</a:t>
+              <a:t>จงสรรเสริญพระเจ้าเถิด</a:t>
             </a:r>
           </a:p>
         </p:txBody>
@@ -3135,7 +3136,7 @@
               </a:defRPr>
             </a:pPr>
             <a:r>
-              <a:t>Joy is The Flag Flown High</a:t>
+              <a:t>Come and praise the Lord</a:t>
             </a:r>
           </a:p>
         </p:txBody>
@@ -3184,22 +3185,22 @@
               <a:lnSpc>
                 <a:spcPts val="4800"/>
               </a:lnSpc>
-              <a:defRPr sz="4400">
+              <a:defRPr sz="4500">
                 <a:solidFill>
                   <a:srgbClr val="000000"/>
                 </a:solidFill>
               </a:defRPr>
             </a:pPr>
             <a:r>
-              <a:t>ฉันมีความสุขดุจธง โบกอยู่เหนือวังแห่งจิตใจ</a:t>
+              <a:t>จงสรรเสริญพระเจ้าเถิด</a:t>
             </a:r>
             <a:br/>
             <a:r>
-              <a:t>โบกอยู่เหนือวังแห่งจิตใจ</a:t>
+              <a:t>เปล่งเสียงโห่ร้องถวาย</a:t>
             </a:r>
             <a:br/>
             <a:r>
-              <a:t>โบกอยู่เหนือวังแห่งจิตใจ</a:t>
+              <a:t>จงเข้าไปในพระวิหาร และนมัสการพระองค์</a:t>
             </a:r>
           </a:p>
         </p:txBody>
@@ -3230,14 +3231,14 @@
               <a:lnSpc>
                 <a:spcPts val="4800"/>
               </a:lnSpc>
-              <a:defRPr sz="4000">
+              <a:defRPr sz="4400">
                 <a:solidFill>
                   <a:srgbClr val="3A70BC"/>
                 </a:solidFill>
               </a:defRPr>
             </a:pPr>
             <a:r>
-              <a:t>Joy is the flag flown high. From the castle of my heart. From the castle of my heart. From the castle of my heart.</a:t>
+              <a:t>Come and praise the Lord lift our voices up to thee. Enter into the temple and worship the Lord.</a:t>
             </a:r>
           </a:p>
         </p:txBody>
@@ -3286,22 +3287,22 @@
               <a:lnSpc>
                 <a:spcPts val="4800"/>
               </a:lnSpc>
-              <a:defRPr sz="4400">
+              <a:defRPr sz="4500">
                 <a:solidFill>
                   <a:srgbClr val="000000"/>
                 </a:solidFill>
               </a:defRPr>
             </a:pPr>
             <a:r>
-              <a:t>ฉันมีความสุขดุจธง โบกอยู่เหนือวังแห่งจิตใจ</a:t>
+              <a:t>พระองค์ทรงสร้างทุกสิ่ง</a:t>
             </a:r>
             <a:br/>
             <a:r>
-              <a:t>เพราะพระคริสต์ ทรงสถิต</a:t>
+              <a:t>ขึ้นด้วยฝีพระหัตถ์ พระนามพระองค์ยิ่งใหญ่</a:t>
             </a:r>
             <a:br/>
             <a:r>
-              <a:t>ณ ที่นั่น</a:t>
+              <a:t>สมควรสรรเสริญ</a:t>
             </a:r>
           </a:p>
         </p:txBody>
@@ -3323,7 +3324,7 @@
           <a:noFill/>
         </p:spPr>
         <p:txBody>
-          <a:bodyPr wrap="none">
+          <a:bodyPr wrap="square">
             <a:spAutoFit/>
           </a:bodyPr>
           <a:lstStyle/>
@@ -3332,24 +3333,15 @@
               <a:lnSpc>
                 <a:spcPts val="4800"/>
               </a:lnSpc>
-              <a:defRPr sz="4000">
+              <a:defRPr sz="4400">
                 <a:solidFill>
                   <a:srgbClr val="3A70BC"/>
                 </a:solidFill>
               </a:defRPr>
             </a:pPr>
             <a:r>
-              <a:t>Joy is the flag flown high</a:t>
-            </a:r>
-            <a:br/>
-            <a:r>
-              <a:t> From the castle of my heart</a:t>
-            </a:r>
-            <a:br/>
-            <a:r>
-              <a:t> When the King is in residence there</a:t>
-            </a:r>
-            <a:br/>
+              <a:t>God created everything with His mighty hands. His name is almighty to be praise.</a:t>
+            </a:r>
           </a:p>
         </p:txBody>
       </p:sp>
@@ -3388,7 +3380,7 @@
           <a:noFill/>
         </p:spPr>
         <p:txBody>
-          <a:bodyPr wrap="square">
+          <a:bodyPr wrap="none">
             <a:spAutoFit/>
           </a:bodyPr>
           <a:lstStyle/>
@@ -3397,15 +3389,24 @@
               <a:lnSpc>
                 <a:spcPts val="4800"/>
               </a:lnSpc>
-              <a:defRPr sz="4400">
+              <a:defRPr sz="4500">
                 <a:solidFill>
                   <a:srgbClr val="000000"/>
                 </a:solidFill>
               </a:defRPr>
             </a:pPr>
             <a:r>
-              <a:t>ชักธงขึ้น สู่ท้องฟ้า ให้ชาวโลกได้เห็น ให้ชาวโลกได้เห็น ให้ชาวโลกได้เห็น ชักธงขึ้นสู่ท้องฟ้า ให้ชาวโลกได้เห็น ว่าพระคริสต์ ทรงสถิต ณ ที่นั่น</a:t>
-            </a:r>
+              <a:t>ให้ทุกสิ่งที่อยู่ใต้ฟ้า</a:t>
+            </a:r>
+            <a:br/>
+            <a:r>
+              <a:t>ร้องสรรเสริญพระนามพระองค์</a:t>
+            </a:r>
+            <a:br/>
+            <a:r>
+              <a:t>ยกย่องความยิ่งใหญ่ ของพระองค์ร่วมกัน</a:t>
+            </a:r>
+            <a:br/>
           </a:p>
         </p:txBody>
       </p:sp>
@@ -3435,14 +3436,116 @@
               <a:lnSpc>
                 <a:spcPts val="4800"/>
               </a:lnSpc>
-              <a:defRPr sz="4000">
+              <a:defRPr sz="4400">
                 <a:solidFill>
                   <a:srgbClr val="3A70BC"/>
                 </a:solidFill>
               </a:defRPr>
             </a:pPr>
             <a:r>
-              <a:t>So let it fly in the sky. Let the whole world know. Let the whole world know. Let the whole world know. Let it fly in the sky. Let the whole world know. That the King is in residence there.</a:t>
+              <a:t>Let all creature on earth praise the name of the Lord. Let us join our heart exalt His greatness.</a:t>
+            </a:r>
+          </a:p>
+        </p:txBody>
+      </p:sp>
+    </p:spTree>
+  </p:cSld>
+  <p:clrMapOvr>
+    <a:masterClrMapping/>
+  </p:clrMapOvr>
+</p:sld>
+</file>
+
+<file path=ppt/slides/slide5.xml><?xml version="1.0" encoding="utf-8"?>
+<p:sld xmlns:a="http://schemas.openxmlformats.org/drawingml/2006/main" xmlns:p="http://schemas.openxmlformats.org/presentationml/2006/main" xmlns:r="http://schemas.openxmlformats.org/officeDocument/2006/relationships">
+  <p:cSld>
+    <p:spTree>
+      <p:nvGrpSpPr>
+        <p:cNvPr id="1" name=""/>
+        <p:cNvGrpSpPr/>
+        <p:nvPr/>
+      </p:nvGrpSpPr>
+      <p:grpSpPr/>
+      <p:sp>
+        <p:nvSpPr>
+          <p:cNvPr id="2" name="TextBox 1"/>
+          <p:cNvSpPr txBox="1"/>
+          <p:nvPr/>
+        </p:nvSpPr>
+        <p:spPr>
+          <a:xfrm>
+            <a:off x="685800" y="228600"/>
+            <a:ext cx="7772400" cy="2971800"/>
+          </a:xfrm>
+          <a:prstGeom prst="rect">
+            <a:avLst/>
+          </a:prstGeom>
+          <a:noFill/>
+        </p:spPr>
+        <p:txBody>
+          <a:bodyPr wrap="none">
+            <a:spAutoFit/>
+          </a:bodyPr>
+          <a:lstStyle/>
+          <a:p>
+            <a:pPr algn="ctr">
+              <a:lnSpc>
+                <a:spcPts val="4800"/>
+              </a:lnSpc>
+              <a:defRPr sz="4500">
+                <a:solidFill>
+                  <a:srgbClr val="000000"/>
+                </a:solidFill>
+              </a:defRPr>
+            </a:pPr>
+            <a:r>
+              <a:t>ร้องเพลงและเต้นรำถวาย</a:t>
+            </a:r>
+            <a:br/>
+            <a:r>
+              <a:t>สรรเสริญพระนามเกรียงไกร</a:t>
+            </a:r>
+            <a:br/>
+            <a:r>
+              <a:t>ทุก ๆ สิ่งที่หายใจ จงสรรเสริญพระเจ้า</a:t>
+            </a:r>
+          </a:p>
+        </p:txBody>
+      </p:sp>
+      <p:sp>
+        <p:nvSpPr>
+          <p:cNvPr id="3" name="TextBox 2"/>
+          <p:cNvSpPr txBox="1"/>
+          <p:nvPr/>
+        </p:nvSpPr>
+        <p:spPr>
+          <a:xfrm>
+            <a:off x="685800" y="3657600"/>
+            <a:ext cx="7772400" cy="2971800"/>
+          </a:xfrm>
+          <a:prstGeom prst="rect">
+            <a:avLst/>
+          </a:prstGeom>
+          <a:noFill/>
+        </p:spPr>
+        <p:txBody>
+          <a:bodyPr wrap="square">
+            <a:spAutoFit/>
+          </a:bodyPr>
+          <a:lstStyle/>
+          <a:p>
+            <a:pPr algn="ctr">
+              <a:lnSpc>
+                <a:spcPts val="4800"/>
+              </a:lnSpc>
+              <a:defRPr sz="4400">
+                <a:solidFill>
+                  <a:srgbClr val="3A70BC"/>
+                </a:solidFill>
+              </a:defRPr>
+            </a:pPr>
+            <a:r>
+              <a:t>Let us sing songs and dance praise the mighty name. Let everything that has breath praise the Lord.</a:t>
             </a:r>
           </a:p>
         </p:txBody>

--- a/finishedppt/WorshipSongs.pptx
+++ b/finishedppt/WorshipSongs.pptx
@@ -3108,7 +3108,7 @@
           <a:lstStyle/>
           <a:p>
             <a:r>
-              <a:t>จงสรรเสริญพระเจ้าเถิด</a:t>
+              <a:t>บัญญัติรัก</a:t>
             </a:r>
           </a:p>
         </p:txBody>
@@ -3135,9 +3135,6 @@
                 </a:solidFill>
               </a:defRPr>
             </a:pPr>
-            <a:r>
-              <a:t>Come and praise the Lord</a:t>
-            </a:r>
           </a:p>
         </p:txBody>
       </p:sp>
@@ -3167,8 +3164,8 @@
         </p:nvSpPr>
         <p:spPr>
           <a:xfrm>
-            <a:off x="685800" y="228600"/>
-            <a:ext cx="7772400" cy="2971800"/>
+            <a:off x="914400" y="457200"/>
+            <a:ext cx="7315200" cy="5486400"/>
           </a:xfrm>
           <a:prstGeom prst="rect">
             <a:avLst/>
@@ -3183,62 +3180,28 @@
           <a:p>
             <a:pPr algn="ctr">
               <a:lnSpc>
-                <a:spcPts val="4800"/>
+                <a:spcPts val="7000"/>
               </a:lnSpc>
-              <a:defRPr sz="4500">
+              <a:defRPr sz="5000">
                 <a:solidFill>
                   <a:srgbClr val="000000"/>
                 </a:solidFill>
               </a:defRPr>
             </a:pPr>
             <a:r>
-              <a:t>จงสรรเสริญพระเจ้าเถิด</a:t>
+              <a:t>ยามเราอยู่ร่วมกัน</a:t>
             </a:r>
             <a:br/>
             <a:r>
-              <a:t>เปล่งเสียงโห่ร้องถวาย</a:t>
+              <a:t>เราจะช่วยเหลือกัน</a:t>
             </a:r>
             <a:br/>
             <a:r>
-              <a:t>จงเข้าไปในพระวิหาร และนมัสการพระองค์</a:t>
-            </a:r>
-          </a:p>
-        </p:txBody>
-      </p:sp>
-      <p:sp>
-        <p:nvSpPr>
-          <p:cNvPr id="3" name="TextBox 2"/>
-          <p:cNvSpPr txBox="1"/>
-          <p:nvPr/>
-        </p:nvSpPr>
-        <p:spPr>
-          <a:xfrm>
-            <a:off x="685800" y="3657600"/>
-            <a:ext cx="7772400" cy="2971800"/>
-          </a:xfrm>
-          <a:prstGeom prst="rect">
-            <a:avLst/>
-          </a:prstGeom>
-          <a:noFill/>
-        </p:spPr>
-        <p:txBody>
-          <a:bodyPr wrap="square">
-            <a:spAutoFit/>
-          </a:bodyPr>
-          <a:lstStyle/>
-          <a:p>
-            <a:pPr algn="ctr">
-              <a:lnSpc>
-                <a:spcPts val="4800"/>
-              </a:lnSpc>
-              <a:defRPr sz="4400">
-                <a:solidFill>
-                  <a:srgbClr val="3A70BC"/>
-                </a:solidFill>
-              </a:defRPr>
-            </a:pPr>
-            <a:r>
-              <a:t>Come and praise the Lord lift our voices up to thee. Enter into the temple and worship the Lord.</a:t>
+              <a:t>ทุกข์สุขปัญหาใด</a:t>
+            </a:r>
+            <a:br/>
+            <a:r>
+              <a:t>จับมือกันก้าวไป</a:t>
             </a:r>
           </a:p>
         </p:txBody>
@@ -3269,8 +3232,8 @@
         </p:nvSpPr>
         <p:spPr>
           <a:xfrm>
-            <a:off x="685800" y="228600"/>
-            <a:ext cx="7772400" cy="2971800"/>
+            <a:off x="914400" y="457200"/>
+            <a:ext cx="7315200" cy="5486400"/>
           </a:xfrm>
           <a:prstGeom prst="rect">
             <a:avLst/>
@@ -3285,62 +3248,36 @@
           <a:p>
             <a:pPr algn="ctr">
               <a:lnSpc>
-                <a:spcPts val="4800"/>
+                <a:spcPts val="7000"/>
               </a:lnSpc>
-              <a:defRPr sz="4500">
+              <a:defRPr sz="5000">
                 <a:solidFill>
                   <a:srgbClr val="000000"/>
                 </a:solidFill>
               </a:defRPr>
             </a:pPr>
             <a:r>
-              <a:t>พระองค์ทรงสร้างทุกสิ่ง</a:t>
+              <a:t>บัญญัติรักยิ่งใหญ่</a:t>
             </a:r>
             <a:br/>
             <a:r>
-              <a:t>ขึ้นด้วยฝีพระหัตถ์ พระนามพระองค์ยิ่งใหญ่</a:t>
+              <a:t>ให้เรารักพระองค์</a:t>
             </a:r>
             <a:br/>
             <a:r>
-              <a:t>สมควรสรรเสริญ</a:t>
-            </a:r>
-          </a:p>
-        </p:txBody>
-      </p:sp>
-      <p:sp>
-        <p:nvSpPr>
-          <p:cNvPr id="3" name="TextBox 2"/>
-          <p:cNvSpPr txBox="1"/>
-          <p:nvPr/>
-        </p:nvSpPr>
-        <p:spPr>
-          <a:xfrm>
-            <a:off x="685800" y="3657600"/>
-            <a:ext cx="7772400" cy="2971800"/>
-          </a:xfrm>
-          <a:prstGeom prst="rect">
-            <a:avLst/>
-          </a:prstGeom>
-          <a:noFill/>
-        </p:spPr>
-        <p:txBody>
-          <a:bodyPr wrap="square">
-            <a:spAutoFit/>
-          </a:bodyPr>
-          <a:lstStyle/>
-          <a:p>
-            <a:pPr algn="ctr">
-              <a:lnSpc>
-                <a:spcPts val="4800"/>
-              </a:lnSpc>
-              <a:defRPr sz="4400">
-                <a:solidFill>
-                  <a:srgbClr val="3A70BC"/>
-                </a:solidFill>
-              </a:defRPr>
-            </a:pPr>
-            <a:r>
-              <a:t>God created everything with His mighty hands. His name is almighty to be praise.</a:t>
+              <a:t>ด้วยสุดใจ สุดจิต</a:t>
+            </a:r>
+            <a:br/>
+            <a:r>
+              <a:t>สุดกำลังความคิด</a:t>
+            </a:r>
+            <a:br/>
+            <a:r>
+              <a:t>บัญญัติรักพระเจ้า</a:t>
+            </a:r>
+            <a:br/>
+            <a:r>
+              <a:t>ให้เรารักเพื่อนบ้านเหมือนรักตนเอง</a:t>
             </a:r>
           </a:p>
         </p:txBody>
@@ -3371,8 +3308,8 @@
         </p:nvSpPr>
         <p:spPr>
           <a:xfrm>
-            <a:off x="685800" y="228600"/>
-            <a:ext cx="7772400" cy="2971800"/>
+            <a:off x="914400" y="457200"/>
+            <a:ext cx="7315200" cy="5486400"/>
           </a:xfrm>
           <a:prstGeom prst="rect">
             <a:avLst/>
@@ -3387,63 +3324,28 @@
           <a:p>
             <a:pPr algn="ctr">
               <a:lnSpc>
-                <a:spcPts val="4800"/>
+                <a:spcPts val="7000"/>
               </a:lnSpc>
-              <a:defRPr sz="4500">
+              <a:defRPr sz="5000">
                 <a:solidFill>
                   <a:srgbClr val="000000"/>
                 </a:solidFill>
               </a:defRPr>
             </a:pPr>
             <a:r>
-              <a:t>ให้ทุกสิ่งที่อยู่ใต้ฟ้า</a:t>
+              <a:t>ถ้าเรารักกัน</a:t>
             </a:r>
             <a:br/>
             <a:r>
-              <a:t>ร้องสรรเสริญพระนามพระองค์</a:t>
+              <a:t>นั่นแหละคนทั้งปวง</a:t>
             </a:r>
             <a:br/>
             <a:r>
-              <a:t>ยกย่องความยิ่งใหญ่ ของพระองค์ร่วมกัน</a:t>
+              <a:t>จะรู้ว่าเรา</a:t>
             </a:r>
             <a:br/>
-          </a:p>
-        </p:txBody>
-      </p:sp>
-      <p:sp>
-        <p:nvSpPr>
-          <p:cNvPr id="3" name="TextBox 2"/>
-          <p:cNvSpPr txBox="1"/>
-          <p:nvPr/>
-        </p:nvSpPr>
-        <p:spPr>
-          <a:xfrm>
-            <a:off x="685800" y="3657600"/>
-            <a:ext cx="7772400" cy="2971800"/>
-          </a:xfrm>
-          <a:prstGeom prst="rect">
-            <a:avLst/>
-          </a:prstGeom>
-          <a:noFill/>
-        </p:spPr>
-        <p:txBody>
-          <a:bodyPr wrap="square">
-            <a:spAutoFit/>
-          </a:bodyPr>
-          <a:lstStyle/>
-          <a:p>
-            <a:pPr algn="ctr">
-              <a:lnSpc>
-                <a:spcPts val="4800"/>
-              </a:lnSpc>
-              <a:defRPr sz="4400">
-                <a:solidFill>
-                  <a:srgbClr val="3A70BC"/>
-                </a:solidFill>
-              </a:defRPr>
-            </a:pPr>
-            <a:r>
-              <a:t>Let all creature on earth praise the name of the Lord. Let us join our heart exalt His greatness.</a:t>
+            <a:r>
+              <a:t>เป็นสาวกพระองค์</a:t>
             </a:r>
           </a:p>
         </p:txBody>
@@ -3474,8 +3376,8 @@
         </p:nvSpPr>
         <p:spPr>
           <a:xfrm>
-            <a:off x="685800" y="228600"/>
-            <a:ext cx="7772400" cy="2971800"/>
+            <a:off x="914400" y="457200"/>
+            <a:ext cx="7315200" cy="5486400"/>
           </a:xfrm>
           <a:prstGeom prst="rect">
             <a:avLst/>
@@ -3490,62 +3392,36 @@
           <a:p>
             <a:pPr algn="ctr">
               <a:lnSpc>
-                <a:spcPts val="4800"/>
+                <a:spcPts val="7000"/>
               </a:lnSpc>
-              <a:defRPr sz="4500">
+              <a:defRPr sz="5000">
                 <a:solidFill>
                   <a:srgbClr val="000000"/>
                 </a:solidFill>
               </a:defRPr>
             </a:pPr>
             <a:r>
-              <a:t>ร้องเพลงและเต้นรำถวาย</a:t>
+              <a:t>บัญญัติรักยิ่งใหญ่</a:t>
             </a:r>
             <a:br/>
             <a:r>
-              <a:t>สรรเสริญพระนามเกรียงไกร</a:t>
+              <a:t>ให้เรารักพระองค์</a:t>
             </a:r>
             <a:br/>
             <a:r>
-              <a:t>ทุก ๆ สิ่งที่หายใจ จงสรรเสริญพระเจ้า</a:t>
-            </a:r>
-          </a:p>
-        </p:txBody>
-      </p:sp>
-      <p:sp>
-        <p:nvSpPr>
-          <p:cNvPr id="3" name="TextBox 2"/>
-          <p:cNvSpPr txBox="1"/>
-          <p:nvPr/>
-        </p:nvSpPr>
-        <p:spPr>
-          <a:xfrm>
-            <a:off x="685800" y="3657600"/>
-            <a:ext cx="7772400" cy="2971800"/>
-          </a:xfrm>
-          <a:prstGeom prst="rect">
-            <a:avLst/>
-          </a:prstGeom>
-          <a:noFill/>
-        </p:spPr>
-        <p:txBody>
-          <a:bodyPr wrap="square">
-            <a:spAutoFit/>
-          </a:bodyPr>
-          <a:lstStyle/>
-          <a:p>
-            <a:pPr algn="ctr">
-              <a:lnSpc>
-                <a:spcPts val="4800"/>
-              </a:lnSpc>
-              <a:defRPr sz="4400">
-                <a:solidFill>
-                  <a:srgbClr val="3A70BC"/>
-                </a:solidFill>
-              </a:defRPr>
-            </a:pPr>
-            <a:r>
-              <a:t>Let us sing songs and dance praise the mighty name. Let everything that has breath praise the Lord.</a:t>
+              <a:t>ด้วยสุดใจ สุดจิต</a:t>
+            </a:r>
+            <a:br/>
+            <a:r>
+              <a:t>สุดกำลังความคิด</a:t>
+            </a:r>
+            <a:br/>
+            <a:r>
+              <a:t>บัญญัติรักพระเจ้า</a:t>
+            </a:r>
+            <a:br/>
+            <a:r>
+              <a:t>ให้เรารักเพื่อนบ้านเหมือนรักตนเอง</a:t>
             </a:r>
           </a:p>
         </p:txBody>

--- a/finishedppt/WorshipSongs.pptx
+++ b/finishedppt/WorshipSongs.pptx
@@ -3108,7 +3108,7 @@
           <a:lstStyle/>
           <a:p>
             <a:r>
-              <a:t>บัญญัติรัก</a:t>
+              <a:t>คริสตมาสเป็นเวลา</a:t>
             </a:r>
           </a:p>
         </p:txBody>
@@ -3180,28 +3180,36 @@
           <a:p>
             <a:pPr algn="ctr">
               <a:lnSpc>
-                <a:spcPts val="7000"/>
+                <a:spcPts val="4800"/>
               </a:lnSpc>
-              <a:defRPr sz="5000">
+              <a:defRPr sz="4000">
                 <a:solidFill>
                   <a:srgbClr val="000000"/>
                 </a:solidFill>
               </a:defRPr>
             </a:pPr>
             <a:r>
-              <a:t>ยามเราอยู่ร่วมกัน</a:t>
+              <a:t>คริสตมาสเป็นเวลาคริสตมาสเป็นเวลา</a:t>
             </a:r>
             <a:br/>
             <a:r>
-              <a:t>เราจะช่วยเหลือกัน</a:t>
+              <a:t>คริสตมาสเป็นเวลาแห่งความรัก(2)</a:t>
             </a:r>
             <a:br/>
             <a:r>
-              <a:t>ทุกข์สุขปัญหาใด</a:t>
+              <a:t>บ่อยครั้งที่เรามัวกลุ้มใจทิ้งให้ชีวิตหม่นหมอง</a:t>
             </a:r>
             <a:br/>
             <a:r>
-              <a:t>จับมือกันก้าวไป</a:t>
+              <a:t>เฝ้ามองมีใครบ้างไหมที่จะเข้าใจ</a:t>
+            </a:r>
+            <a:br/>
+            <a:r>
+              <a:t>ข่าวดีวันนี้พระเจ้าให้สายใยใจรักผูกพัน</a:t>
+            </a:r>
+            <a:br/>
+            <a:r>
+              <a:t>พระเยซูบังเกิดในรางหญ้า</a:t>
             </a:r>
           </a:p>
         </p:txBody>
@@ -3226,59 +3234,47 @@
       <p:grpSpPr/>
       <p:sp>
         <p:nvSpPr>
-          <p:cNvPr id="2" name="TextBox 1"/>
-          <p:cNvSpPr txBox="1"/>
-          <p:nvPr/>
-        </p:nvSpPr>
-        <p:spPr>
-          <a:xfrm>
-            <a:off x="914400" y="457200"/>
-            <a:ext cx="7315200" cy="5486400"/>
-          </a:xfrm>
-          <a:prstGeom prst="rect">
-            <a:avLst/>
-          </a:prstGeom>
-          <a:noFill/>
-        </p:spPr>
-        <p:txBody>
-          <a:bodyPr wrap="none">
-            <a:spAutoFit/>
-          </a:bodyPr>
-          <a:lstStyle/>
-          <a:p>
-            <a:pPr algn="ctr">
-              <a:lnSpc>
-                <a:spcPts val="7000"/>
-              </a:lnSpc>
-              <a:defRPr sz="5000">
+          <p:cNvPr id="2" name="Title 1"/>
+          <p:cNvSpPr>
+            <a:spLocks noGrp="1"/>
+          </p:cNvSpPr>
+          <p:nvPr>
+            <p:ph type="ctrTitle"/>
+          </p:nvPr>
+        </p:nvSpPr>
+        <p:spPr/>
+        <p:txBody>
+          <a:bodyPr/>
+          <a:lstStyle/>
+          <a:p>
+            <a:r>
+              <a:t>ฉันเกิดมาเพื่อสรรเสริญ</a:t>
+            </a:r>
+          </a:p>
+        </p:txBody>
+      </p:sp>
+      <p:sp>
+        <p:nvSpPr>
+          <p:cNvPr id="3" name="Subtitle 2"/>
+          <p:cNvSpPr>
+            <a:spLocks noGrp="1"/>
+          </p:cNvSpPr>
+          <p:nvPr>
+            <p:ph type="subTitle" idx="1"/>
+          </p:nvPr>
+        </p:nvSpPr>
+        <p:spPr/>
+        <p:txBody>
+          <a:bodyPr/>
+          <a:lstStyle/>
+          <a:p>
+            <a:pPr>
+              <a:defRPr sz="4000">
                 <a:solidFill>
-                  <a:srgbClr val="000000"/>
+                  <a:srgbClr val="3A70BC"/>
                 </a:solidFill>
               </a:defRPr>
             </a:pPr>
-            <a:r>
-              <a:t>บัญญัติรักยิ่งใหญ่</a:t>
-            </a:r>
-            <a:br/>
-            <a:r>
-              <a:t>ให้เรารักพระองค์</a:t>
-            </a:r>
-            <a:br/>
-            <a:r>
-              <a:t>ด้วยสุดใจ สุดจิต</a:t>
-            </a:r>
-            <a:br/>
-            <a:r>
-              <a:t>สุดกำลังความคิด</a:t>
-            </a:r>
-            <a:br/>
-            <a:r>
-              <a:t>บัญญัติรักพระเจ้า</a:t>
-            </a:r>
-            <a:br/>
-            <a:r>
-              <a:t>ให้เรารักเพื่อนบ้านเหมือนรักตนเอง</a:t>
-            </a:r>
           </a:p>
         </p:txBody>
       </p:sp>
@@ -3324,28 +3320,36 @@
           <a:p>
             <a:pPr algn="ctr">
               <a:lnSpc>
-                <a:spcPts val="7000"/>
+                <a:spcPts val="5700"/>
               </a:lnSpc>
-              <a:defRPr sz="5000">
+              <a:defRPr sz="4000">
                 <a:solidFill>
                   <a:srgbClr val="000000"/>
                 </a:solidFill>
               </a:defRPr>
             </a:pPr>
             <a:r>
-              <a:t>ถ้าเรารักกัน</a:t>
+              <a:t>ฉันเกิดมาเพื่อสรรเสริญ</a:t>
             </a:r>
             <a:br/>
             <a:r>
-              <a:t>นั่นแหละคนทั้งปวง</a:t>
+              <a:t>ฉันเกิดมาเพื่อยกพระนามพระองค์</a:t>
             </a:r>
             <a:br/>
             <a:r>
-              <a:t>จะรู้ว่าเรา</a:t>
+              <a:t>ตลอดชีวีของฉันจะโมทนาขอบพระคุณ</a:t>
             </a:r>
             <a:br/>
             <a:r>
-              <a:t>เป็นสาวกพระองค์</a:t>
+              <a:t>เพราะฉันเกิดมาเพื่อรักพระองค์</a:t>
+            </a:r>
+            <a:br/>
+            <a:r>
+              <a:t>(จะ)ขอนมัสการที่เบื้องพระบาท</a:t>
+            </a:r>
+            <a:br/>
+            <a:r>
+              <a:t>และจะทำตามพระทัย ฉันอยู่เพื่อพระองค์</a:t>
             </a:r>
           </a:p>
         </p:txBody>
@@ -3392,36 +3396,32 @@
           <a:p>
             <a:pPr algn="ctr">
               <a:lnSpc>
-                <a:spcPts val="7000"/>
+                <a:spcPts val="6100"/>
               </a:lnSpc>
-              <a:defRPr sz="5000">
+              <a:defRPr sz="4000">
                 <a:solidFill>
                   <a:srgbClr val="000000"/>
                 </a:solidFill>
               </a:defRPr>
             </a:pPr>
             <a:r>
-              <a:t>บัญญัติรักยิ่งใหญ่</a:t>
+              <a:t>ฉันจะสรรเสริญเสมอ ฉันจะยอพระเกียรติพระองค์เรื่อยไป</a:t>
             </a:r>
             <a:br/>
             <a:r>
-              <a:t>ให้เรารักพระองค์</a:t>
+              <a:t>ตลอดชีวิตของฉันจะโมทนาขอบพระคุณ</a:t>
             </a:r>
             <a:br/>
             <a:r>
-              <a:t>ด้วยสุดใจ สุดจิต</a:t>
+              <a:t>เพราะฉันจะรักพระองค์เสมอ</a:t>
             </a:r>
             <a:br/>
             <a:r>
-              <a:t>สุดกำลังความคิด</a:t>
+              <a:t>(จะ)ขอนมัสการที่เบื้องพระบาท</a:t>
             </a:r>
             <a:br/>
             <a:r>
-              <a:t>บัญญัติรักพระเจ้า</a:t>
-            </a:r>
-            <a:br/>
-            <a:r>
-              <a:t>ให้เรารักเพื่อนบ้านเหมือนรักตนเอง</a:t>
+              <a:t>และจะยำเกรงพระองค์ ฉันอยู่เพื่อพระองค์</a:t>
             </a:r>
           </a:p>
         </p:txBody>

--- a/finishedppt/WorshipSongs.pptx
+++ b/finishedppt/WorshipSongs.pptx
@@ -10,6 +10,9 @@
     <p:sldId id="258" r:id="rId9"/>
     <p:sldId id="259" r:id="rId10"/>
     <p:sldId id="260" r:id="rId11"/>
+    <p:sldId id="261" r:id="rId12"/>
+    <p:sldId id="262" r:id="rId13"/>
+    <p:sldId id="263" r:id="rId14"/>
   </p:sldIdLst>
   <p:sldSz cx="9144000" cy="6858000" type="screen4x3"/>
   <p:notesSz cx="6858000" cy="9144000"/>
@@ -3108,7 +3111,7 @@
           <a:lstStyle/>
           <a:p>
             <a:r>
-              <a:t>คริสตมาสเป็นเวลา</a:t>
+              <a:t>หนึ่งหมื่นเหตุผล</a:t>
             </a:r>
           </a:p>
         </p:txBody>
@@ -3135,6 +3138,9 @@
                 </a:solidFill>
               </a:defRPr>
             </a:pPr>
+            <a:r>
+              <a:t>10,000 Reasons</a:t>
+            </a:r>
           </a:p>
         </p:txBody>
       </p:sp>
@@ -3164,8 +3170,8 @@
         </p:nvSpPr>
         <p:spPr>
           <a:xfrm>
-            <a:off x="914400" y="457200"/>
-            <a:ext cx="7315200" cy="5486400"/>
+            <a:off x="685800" y="228600"/>
+            <a:ext cx="7772400" cy="2971800"/>
           </a:xfrm>
           <a:prstGeom prst="rect">
             <a:avLst/>
@@ -3189,28 +3195,63 @@
               </a:defRPr>
             </a:pPr>
             <a:r>
-              <a:t>คริสตมาสเป็นเวลาคริสตมาสเป็นเวลา</a:t>
+              <a:t>จิตใจฉัน ขอสรรเสริญ จิตวิญญาณ</a:t>
             </a:r>
             <a:br/>
             <a:r>
-              <a:t>คริสตมาสเป็นเวลาแห่งความรัก(2)</a:t>
+              <a:t>สรรเสริญ นามบริสุทธิ์ เปล่งเสียงร้องด้วยสิ้นสุดใจ</a:t>
             </a:r>
             <a:br/>
             <a:r>
-              <a:t>บ่อยครั้งที่เรามัวกลุ้มใจทิ้งให้ชีวิตหม่นหมอง</a:t>
+              <a:t>จิตวิญญาณ สรรเสริญ นามบริสุทธิ์</a:t>
+            </a:r>
+          </a:p>
+        </p:txBody>
+      </p:sp>
+      <p:sp>
+        <p:nvSpPr>
+          <p:cNvPr id="3" name="TextBox 2"/>
+          <p:cNvSpPr txBox="1"/>
+          <p:nvPr/>
+        </p:nvSpPr>
+        <p:spPr>
+          <a:xfrm>
+            <a:off x="685800" y="3657600"/>
+            <a:ext cx="7772400" cy="2971800"/>
+          </a:xfrm>
+          <a:prstGeom prst="rect">
+            <a:avLst/>
+          </a:prstGeom>
+          <a:noFill/>
+        </p:spPr>
+        <p:txBody>
+          <a:bodyPr wrap="none">
+            <a:spAutoFit/>
+          </a:bodyPr>
+          <a:lstStyle/>
+          <a:p>
+            <a:pPr algn="ctr">
+              <a:lnSpc>
+                <a:spcPts val="4800"/>
+              </a:lnSpc>
+              <a:defRPr sz="3500">
+                <a:solidFill>
+                  <a:srgbClr val="3A70BC"/>
+                </a:solidFill>
+              </a:defRPr>
+            </a:pPr>
+            <a:r>
+              <a:t>Bless the Lord, O my soul, O my soul</a:t>
             </a:r>
             <a:br/>
             <a:r>
-              <a:t>เฝ้ามองมีใครบ้างไหมที่จะเข้าใจ</a:t>
+              <a:t> Worship His holy name. Sing like never before</a:t>
             </a:r>
             <a:br/>
             <a:r>
-              <a:t>ข่าวดีวันนี้พระเจ้าให้สายใยใจรักผูกพัน</a:t>
+              <a:t> O my soul. I'll worship Your holy name</a:t>
             </a:r>
             <a:br/>
-            <a:r>
-              <a:t>พระเยซูบังเกิดในรางหญ้า</a:t>
-            </a:r>
           </a:p>
         </p:txBody>
       </p:sp>
@@ -3234,47 +3275,85 @@
       <p:grpSpPr/>
       <p:sp>
         <p:nvSpPr>
-          <p:cNvPr id="2" name="Title 1"/>
-          <p:cNvSpPr>
-            <a:spLocks noGrp="1"/>
-          </p:cNvSpPr>
-          <p:nvPr>
-            <p:ph type="ctrTitle"/>
-          </p:nvPr>
-        </p:nvSpPr>
-        <p:spPr/>
-        <p:txBody>
-          <a:bodyPr/>
-          <a:lstStyle/>
-          <a:p>
-            <a:r>
-              <a:t>ฉันเกิดมาเพื่อสรรเสริญ</a:t>
-            </a:r>
-          </a:p>
-        </p:txBody>
-      </p:sp>
-      <p:sp>
-        <p:nvSpPr>
-          <p:cNvPr id="3" name="Subtitle 2"/>
-          <p:cNvSpPr>
-            <a:spLocks noGrp="1"/>
-          </p:cNvSpPr>
-          <p:nvPr>
-            <p:ph type="subTitle" idx="1"/>
-          </p:nvPr>
-        </p:nvSpPr>
-        <p:spPr/>
-        <p:txBody>
-          <a:bodyPr/>
-          <a:lstStyle/>
-          <a:p>
-            <a:pPr>
+          <p:cNvPr id="2" name="TextBox 1"/>
+          <p:cNvSpPr txBox="1"/>
+          <p:nvPr/>
+        </p:nvSpPr>
+        <p:spPr>
+          <a:xfrm>
+            <a:off x="685800" y="228600"/>
+            <a:ext cx="7772400" cy="2971800"/>
+          </a:xfrm>
+          <a:prstGeom prst="rect">
+            <a:avLst/>
+          </a:prstGeom>
+          <a:noFill/>
+        </p:spPr>
+        <p:txBody>
+          <a:bodyPr wrap="none">
+            <a:spAutoFit/>
+          </a:bodyPr>
+          <a:lstStyle/>
+          <a:p>
+            <a:pPr algn="ctr">
+              <a:lnSpc>
+                <a:spcPts val="4800"/>
+              </a:lnSpc>
               <a:defRPr sz="4000">
+                <a:solidFill>
+                  <a:srgbClr val="000000"/>
+                </a:solidFill>
+              </a:defRPr>
+            </a:pPr>
+            <a:r>
+              <a:t>ดวงอาทิตย์ฉายแสงและลาลับไป นี่เป็นเวลาสรรเสริญอีกครา</a:t>
+            </a:r>
+            <a:br/>
+            <a:r>
+              <a:t>ทุกสิ่งพัดผ่านไปและทุกสิ่งจะเกิดขึ้นตามมา</a:t>
+            </a:r>
+            <a:br/>
+            <a:r>
+              <a:t>และฉันจะสรรเสริญเมื่อยามเย็นเยือนมา</a:t>
+            </a:r>
+          </a:p>
+        </p:txBody>
+      </p:sp>
+      <p:sp>
+        <p:nvSpPr>
+          <p:cNvPr id="3" name="TextBox 2"/>
+          <p:cNvSpPr txBox="1"/>
+          <p:nvPr/>
+        </p:nvSpPr>
+        <p:spPr>
+          <a:xfrm>
+            <a:off x="685800" y="3657600"/>
+            <a:ext cx="7772400" cy="2971800"/>
+          </a:xfrm>
+          <a:prstGeom prst="rect">
+            <a:avLst/>
+          </a:prstGeom>
+          <a:noFill/>
+        </p:spPr>
+        <p:txBody>
+          <a:bodyPr wrap="square">
+            <a:spAutoFit/>
+          </a:bodyPr>
+          <a:lstStyle/>
+          <a:p>
+            <a:pPr algn="ctr">
+              <a:lnSpc>
+                <a:spcPts val="4800"/>
+              </a:lnSpc>
+              <a:defRPr sz="3500">
                 <a:solidFill>
                   <a:srgbClr val="3A70BC"/>
                 </a:solidFill>
               </a:defRPr>
             </a:pPr>
+            <a:r>
+              <a:t>The sun comes up, it's a new day dawning. It's time to sing Your song again. Whatever may pass and whatever lies before me. Let me be singing when the evening comes.</a:t>
+            </a:r>
           </a:p>
         </p:txBody>
       </p:sp>
@@ -3304,8 +3383,8 @@
         </p:nvSpPr>
         <p:spPr>
           <a:xfrm>
-            <a:off x="914400" y="457200"/>
-            <a:ext cx="7315200" cy="5486400"/>
+            <a:off x="685800" y="228600"/>
+            <a:ext cx="7772400" cy="2971800"/>
           </a:xfrm>
           <a:prstGeom prst="rect">
             <a:avLst/>
@@ -3320,7 +3399,7 @@
           <a:p>
             <a:pPr algn="ctr">
               <a:lnSpc>
-                <a:spcPts val="5700"/>
+                <a:spcPts val="4800"/>
               </a:lnSpc>
               <a:defRPr sz="4000">
                 <a:solidFill>
@@ -3329,28 +3408,63 @@
               </a:defRPr>
             </a:pPr>
             <a:r>
-              <a:t>ฉันเกิดมาเพื่อสรรเสริญ</a:t>
+              <a:t>จิตใจฉัน ขอสรรเสริญ จิตวิญญาณ</a:t>
             </a:r>
             <a:br/>
             <a:r>
-              <a:t>ฉันเกิดมาเพื่อยกพระนามพระองค์</a:t>
+              <a:t>สรรเสริญ นามบริสุทธิ์ เปล่งเสียงร้องด้วยสิ้นสุดใจ</a:t>
             </a:r>
             <a:br/>
             <a:r>
-              <a:t>ตลอดชีวีของฉันจะโมทนาขอบพระคุณ</a:t>
+              <a:t>จิตวิญญาณ สรรเสริญ นามบริสุทธิ์</a:t>
+            </a:r>
+          </a:p>
+        </p:txBody>
+      </p:sp>
+      <p:sp>
+        <p:nvSpPr>
+          <p:cNvPr id="3" name="TextBox 2"/>
+          <p:cNvSpPr txBox="1"/>
+          <p:nvPr/>
+        </p:nvSpPr>
+        <p:spPr>
+          <a:xfrm>
+            <a:off x="685800" y="3657600"/>
+            <a:ext cx="7772400" cy="2971800"/>
+          </a:xfrm>
+          <a:prstGeom prst="rect">
+            <a:avLst/>
+          </a:prstGeom>
+          <a:noFill/>
+        </p:spPr>
+        <p:txBody>
+          <a:bodyPr wrap="none">
+            <a:spAutoFit/>
+          </a:bodyPr>
+          <a:lstStyle/>
+          <a:p>
+            <a:pPr algn="ctr">
+              <a:lnSpc>
+                <a:spcPts val="4800"/>
+              </a:lnSpc>
+              <a:defRPr sz="3500">
+                <a:solidFill>
+                  <a:srgbClr val="3A70BC"/>
+                </a:solidFill>
+              </a:defRPr>
+            </a:pPr>
+            <a:r>
+              <a:t>Bless the Lord, O my soul, O my soul</a:t>
             </a:r>
             <a:br/>
             <a:r>
-              <a:t>เพราะฉันเกิดมาเพื่อรักพระองค์</a:t>
+              <a:t> Worship His holy name. Sing like never before</a:t>
             </a:r>
             <a:br/>
             <a:r>
-              <a:t>(จะ)ขอนมัสการที่เบื้องพระบาท</a:t>
+              <a:t> O my soul. I'll worship Your holy name</a:t>
             </a:r>
             <a:br/>
-            <a:r>
-              <a:t>และจะทำตามพระทัย ฉันอยู่เพื่อพระองค์</a:t>
-            </a:r>
           </a:p>
         </p:txBody>
       </p:sp>
@@ -3380,8 +3494,8 @@
         </p:nvSpPr>
         <p:spPr>
           <a:xfrm>
-            <a:off x="914400" y="457200"/>
-            <a:ext cx="7315200" cy="5486400"/>
+            <a:off x="685800" y="228600"/>
+            <a:ext cx="7772400" cy="2971800"/>
           </a:xfrm>
           <a:prstGeom prst="rect">
             <a:avLst/>
@@ -3389,14 +3503,14 @@
           <a:noFill/>
         </p:spPr>
         <p:txBody>
-          <a:bodyPr wrap="none">
+          <a:bodyPr wrap="square">
             <a:spAutoFit/>
           </a:bodyPr>
           <a:lstStyle/>
           <a:p>
             <a:pPr algn="ctr">
               <a:lnSpc>
-                <a:spcPts val="6100"/>
+                <a:spcPts val="4800"/>
               </a:lnSpc>
               <a:defRPr sz="4000">
                 <a:solidFill>
@@ -3405,24 +3519,360 @@
               </a:defRPr>
             </a:pPr>
             <a:r>
-              <a:t>ฉันจะสรรเสริญเสมอ ฉันจะยอพระเกียรติพระองค์เรื่อยไป</a:t>
+              <a:t>ความรักมั่นคง ไม่ทรงโกรธเร็วไว พระนามยิ่งใหญ่ พระทัยพระองค์งดงาม ความดีของพระองค์จะทรงทำให้ฉันร้องเพลง หนึ่งหมื่นเหตุผล ใจฉันเองได้สัมผัส</a:t>
+            </a:r>
+          </a:p>
+        </p:txBody>
+      </p:sp>
+      <p:sp>
+        <p:nvSpPr>
+          <p:cNvPr id="3" name="TextBox 2"/>
+          <p:cNvSpPr txBox="1"/>
+          <p:nvPr/>
+        </p:nvSpPr>
+        <p:spPr>
+          <a:xfrm>
+            <a:off x="685800" y="3657600"/>
+            <a:ext cx="7772400" cy="2971800"/>
+          </a:xfrm>
+          <a:prstGeom prst="rect">
+            <a:avLst/>
+          </a:prstGeom>
+          <a:noFill/>
+        </p:spPr>
+        <p:txBody>
+          <a:bodyPr wrap="square">
+            <a:spAutoFit/>
+          </a:bodyPr>
+          <a:lstStyle/>
+          <a:p>
+            <a:pPr algn="ctr">
+              <a:lnSpc>
+                <a:spcPts val="4800"/>
+              </a:lnSpc>
+              <a:defRPr sz="3500">
+                <a:solidFill>
+                  <a:srgbClr val="3A70BC"/>
+                </a:solidFill>
+              </a:defRPr>
+            </a:pPr>
+            <a:r>
+              <a:t>You're rich in love and You're slow to anger. Your name is great and Your heart is kind. For all Your goodness, I will keep on singing. Ten thousand reasons for my heart to find.</a:t>
+            </a:r>
+          </a:p>
+        </p:txBody>
+      </p:sp>
+    </p:spTree>
+  </p:cSld>
+  <p:clrMapOvr>
+    <a:masterClrMapping/>
+  </p:clrMapOvr>
+</p:sld>
+</file>
+
+<file path=ppt/slides/slide6.xml><?xml version="1.0" encoding="utf-8"?>
+<p:sld xmlns:a="http://schemas.openxmlformats.org/drawingml/2006/main" xmlns:p="http://schemas.openxmlformats.org/presentationml/2006/main" xmlns:r="http://schemas.openxmlformats.org/officeDocument/2006/relationships">
+  <p:cSld>
+    <p:spTree>
+      <p:nvGrpSpPr>
+        <p:cNvPr id="1" name=""/>
+        <p:cNvGrpSpPr/>
+        <p:nvPr/>
+      </p:nvGrpSpPr>
+      <p:grpSpPr/>
+      <p:sp>
+        <p:nvSpPr>
+          <p:cNvPr id="2" name="TextBox 1"/>
+          <p:cNvSpPr txBox="1"/>
+          <p:nvPr/>
+        </p:nvSpPr>
+        <p:spPr>
+          <a:xfrm>
+            <a:off x="685800" y="228600"/>
+            <a:ext cx="7772400" cy="2971800"/>
+          </a:xfrm>
+          <a:prstGeom prst="rect">
+            <a:avLst/>
+          </a:prstGeom>
+          <a:noFill/>
+        </p:spPr>
+        <p:txBody>
+          <a:bodyPr wrap="none">
+            <a:spAutoFit/>
+          </a:bodyPr>
+          <a:lstStyle/>
+          <a:p>
+            <a:pPr algn="ctr">
+              <a:lnSpc>
+                <a:spcPts val="4800"/>
+              </a:lnSpc>
+              <a:defRPr sz="4000">
+                <a:solidFill>
+                  <a:srgbClr val="000000"/>
+                </a:solidFill>
+              </a:defRPr>
+            </a:pPr>
+            <a:r>
+              <a:t>จิตใจฉัน ขอสรรเสริญ จิตวิญญาณ</a:t>
             </a:r>
             <a:br/>
             <a:r>
-              <a:t>ตลอดชีวิตของฉันจะโมทนาขอบพระคุณ</a:t>
+              <a:t>สรรเสริญ นามบริสุทธิ์ เปล่งเสียงร้องด้วยสิ้นสุดใจ</a:t>
             </a:r>
             <a:br/>
             <a:r>
-              <a:t>เพราะฉันจะรักพระองค์เสมอ</a:t>
+              <a:t>จิตวิญญาณ สรรเสริญ นามบริสุทธิ์</a:t>
+            </a:r>
+          </a:p>
+        </p:txBody>
+      </p:sp>
+      <p:sp>
+        <p:nvSpPr>
+          <p:cNvPr id="3" name="TextBox 2"/>
+          <p:cNvSpPr txBox="1"/>
+          <p:nvPr/>
+        </p:nvSpPr>
+        <p:spPr>
+          <a:xfrm>
+            <a:off x="685800" y="3657600"/>
+            <a:ext cx="7772400" cy="2971800"/>
+          </a:xfrm>
+          <a:prstGeom prst="rect">
+            <a:avLst/>
+          </a:prstGeom>
+          <a:noFill/>
+        </p:spPr>
+        <p:txBody>
+          <a:bodyPr wrap="none">
+            <a:spAutoFit/>
+          </a:bodyPr>
+          <a:lstStyle/>
+          <a:p>
+            <a:pPr algn="ctr">
+              <a:lnSpc>
+                <a:spcPts val="4800"/>
+              </a:lnSpc>
+              <a:defRPr sz="3500">
+                <a:solidFill>
+                  <a:srgbClr val="3A70BC"/>
+                </a:solidFill>
+              </a:defRPr>
+            </a:pPr>
+            <a:r>
+              <a:t>Bless the Lord, O my soul, O my soul</a:t>
             </a:r>
             <a:br/>
             <a:r>
-              <a:t>(จะ)ขอนมัสการที่เบื้องพระบาท</a:t>
+              <a:t> Worship His holy name. Sing like never before</a:t>
             </a:r>
             <a:br/>
             <a:r>
-              <a:t>และจะยำเกรงพระองค์ ฉันอยู่เพื่อพระองค์</a:t>
-            </a:r>
+              <a:t> O my soul. I'll worship Your holy name</a:t>
+            </a:r>
+            <a:br/>
+          </a:p>
+        </p:txBody>
+      </p:sp>
+    </p:spTree>
+  </p:cSld>
+  <p:clrMapOvr>
+    <a:masterClrMapping/>
+  </p:clrMapOvr>
+</p:sld>
+</file>
+
+<file path=ppt/slides/slide7.xml><?xml version="1.0" encoding="utf-8"?>
+<p:sld xmlns:a="http://schemas.openxmlformats.org/drawingml/2006/main" xmlns:p="http://schemas.openxmlformats.org/presentationml/2006/main" xmlns:r="http://schemas.openxmlformats.org/officeDocument/2006/relationships">
+  <p:cSld>
+    <p:spTree>
+      <p:nvGrpSpPr>
+        <p:cNvPr id="1" name=""/>
+        <p:cNvGrpSpPr/>
+        <p:nvPr/>
+      </p:nvGrpSpPr>
+      <p:grpSpPr/>
+      <p:sp>
+        <p:nvSpPr>
+          <p:cNvPr id="2" name="TextBox 1"/>
+          <p:cNvSpPr txBox="1"/>
+          <p:nvPr/>
+        </p:nvSpPr>
+        <p:spPr>
+          <a:xfrm>
+            <a:off x="685800" y="228600"/>
+            <a:ext cx="7772400" cy="2971800"/>
+          </a:xfrm>
+          <a:prstGeom prst="rect">
+            <a:avLst/>
+          </a:prstGeom>
+          <a:noFill/>
+        </p:spPr>
+        <p:txBody>
+          <a:bodyPr wrap="none">
+            <a:spAutoFit/>
+          </a:bodyPr>
+          <a:lstStyle/>
+          <a:p>
+            <a:pPr algn="ctr">
+              <a:lnSpc>
+                <a:spcPts val="4800"/>
+              </a:lnSpc>
+              <a:defRPr sz="4000">
+                <a:solidFill>
+                  <a:srgbClr val="000000"/>
+                </a:solidFill>
+              </a:defRPr>
+            </a:pPr>
+            <a:br/>
+          </a:p>
+        </p:txBody>
+      </p:sp>
+      <p:sp>
+        <p:nvSpPr>
+          <p:cNvPr id="3" name="TextBox 2"/>
+          <p:cNvSpPr txBox="1"/>
+          <p:nvPr/>
+        </p:nvSpPr>
+        <p:spPr>
+          <a:xfrm>
+            <a:off x="685800" y="3657600"/>
+            <a:ext cx="7772400" cy="2971800"/>
+          </a:xfrm>
+          <a:prstGeom prst="rect">
+            <a:avLst/>
+          </a:prstGeom>
+          <a:noFill/>
+        </p:spPr>
+        <p:txBody>
+          <a:bodyPr wrap="square">
+            <a:spAutoFit/>
+          </a:bodyPr>
+          <a:lstStyle/>
+          <a:p>
+            <a:pPr algn="ctr">
+              <a:lnSpc>
+                <a:spcPts val="4800"/>
+              </a:lnSpc>
+              <a:defRPr sz="3500">
+                <a:solidFill>
+                  <a:srgbClr val="3A70BC"/>
+                </a:solidFill>
+              </a:defRPr>
+            </a:pPr>
+            <a:r>
+              <a:t>And on that day when my strength is failing. The end draws near and my time has come. Still, my soul will sing Your praise unending. Ten thousand years and then forevermore. Forevermore.</a:t>
+            </a:r>
+          </a:p>
+        </p:txBody>
+      </p:sp>
+    </p:spTree>
+  </p:cSld>
+  <p:clrMapOvr>
+    <a:masterClrMapping/>
+  </p:clrMapOvr>
+</p:sld>
+</file>
+
+<file path=ppt/slides/slide8.xml><?xml version="1.0" encoding="utf-8"?>
+<p:sld xmlns:a="http://schemas.openxmlformats.org/drawingml/2006/main" xmlns:p="http://schemas.openxmlformats.org/presentationml/2006/main" xmlns:r="http://schemas.openxmlformats.org/officeDocument/2006/relationships">
+  <p:cSld>
+    <p:spTree>
+      <p:nvGrpSpPr>
+        <p:cNvPr id="1" name=""/>
+        <p:cNvGrpSpPr/>
+        <p:nvPr/>
+      </p:nvGrpSpPr>
+      <p:grpSpPr/>
+      <p:sp>
+        <p:nvSpPr>
+          <p:cNvPr id="2" name="TextBox 1"/>
+          <p:cNvSpPr txBox="1"/>
+          <p:nvPr/>
+        </p:nvSpPr>
+        <p:spPr>
+          <a:xfrm>
+            <a:off x="685800" y="228600"/>
+            <a:ext cx="7772400" cy="2971800"/>
+          </a:xfrm>
+          <a:prstGeom prst="rect">
+            <a:avLst/>
+          </a:prstGeom>
+          <a:noFill/>
+        </p:spPr>
+        <p:txBody>
+          <a:bodyPr wrap="none">
+            <a:spAutoFit/>
+          </a:bodyPr>
+          <a:lstStyle/>
+          <a:p>
+            <a:pPr algn="ctr">
+              <a:lnSpc>
+                <a:spcPts val="4800"/>
+              </a:lnSpc>
+              <a:defRPr sz="4000">
+                <a:solidFill>
+                  <a:srgbClr val="000000"/>
+                </a:solidFill>
+              </a:defRPr>
+            </a:pPr>
+            <a:r>
+              <a:t>จิตใจฉัน ขอสรรเสริญ จิตวิญญาณ</a:t>
+            </a:r>
+            <a:br/>
+            <a:r>
+              <a:t>สรรเสริญ นามบริสุทธิ์ เปล่งเสียงร้องด้วยสิ้นสุดใจ</a:t>
+            </a:r>
+            <a:br/>
+            <a:r>
+              <a:t>จิตวิญญาณ สรรเสริญ นามบริสุทธิ์</a:t>
+            </a:r>
+          </a:p>
+        </p:txBody>
+      </p:sp>
+      <p:sp>
+        <p:nvSpPr>
+          <p:cNvPr id="3" name="TextBox 2"/>
+          <p:cNvSpPr txBox="1"/>
+          <p:nvPr/>
+        </p:nvSpPr>
+        <p:spPr>
+          <a:xfrm>
+            <a:off x="685800" y="3657600"/>
+            <a:ext cx="7772400" cy="2971800"/>
+          </a:xfrm>
+          <a:prstGeom prst="rect">
+            <a:avLst/>
+          </a:prstGeom>
+          <a:noFill/>
+        </p:spPr>
+        <p:txBody>
+          <a:bodyPr wrap="none">
+            <a:spAutoFit/>
+          </a:bodyPr>
+          <a:lstStyle/>
+          <a:p>
+            <a:pPr algn="ctr">
+              <a:lnSpc>
+                <a:spcPts val="4800"/>
+              </a:lnSpc>
+              <a:defRPr sz="3500">
+                <a:solidFill>
+                  <a:srgbClr val="3A70BC"/>
+                </a:solidFill>
+              </a:defRPr>
+            </a:pPr>
+            <a:r>
+              <a:t>Bless the Lord, O my soul, O my soul</a:t>
+            </a:r>
+            <a:br/>
+            <a:r>
+              <a:t> Worship His holy name. Sing like never before</a:t>
+            </a:r>
+            <a:br/>
+            <a:r>
+              <a:t> O my soul. I'll worship Your holy name</a:t>
+            </a:r>
+            <a:br/>
           </a:p>
         </p:txBody>
       </p:sp>

--- a/finishedppt/WorshipSongs.pptx
+++ b/finishedppt/WorshipSongs.pptx
@@ -13,6 +13,35 @@
     <p:sldId id="261" r:id="rId12"/>
     <p:sldId id="262" r:id="rId13"/>
     <p:sldId id="263" r:id="rId14"/>
+    <p:sldId id="264" r:id="rId15"/>
+    <p:sldId id="265" r:id="rId16"/>
+    <p:sldId id="266" r:id="rId17"/>
+    <p:sldId id="267" r:id="rId18"/>
+    <p:sldId id="268" r:id="rId19"/>
+    <p:sldId id="269" r:id="rId20"/>
+    <p:sldId id="270" r:id="rId21"/>
+    <p:sldId id="271" r:id="rId22"/>
+    <p:sldId id="272" r:id="rId23"/>
+    <p:sldId id="273" r:id="rId24"/>
+    <p:sldId id="274" r:id="rId25"/>
+    <p:sldId id="275" r:id="rId26"/>
+    <p:sldId id="276" r:id="rId27"/>
+    <p:sldId id="277" r:id="rId28"/>
+    <p:sldId id="278" r:id="rId29"/>
+    <p:sldId id="279" r:id="rId30"/>
+    <p:sldId id="280" r:id="rId31"/>
+    <p:sldId id="281" r:id="rId32"/>
+    <p:sldId id="282" r:id="rId33"/>
+    <p:sldId id="283" r:id="rId34"/>
+    <p:sldId id="284" r:id="rId35"/>
+    <p:sldId id="285" r:id="rId36"/>
+    <p:sldId id="286" r:id="rId37"/>
+    <p:sldId id="287" r:id="rId38"/>
+    <p:sldId id="288" r:id="rId39"/>
+    <p:sldId id="289" r:id="rId40"/>
+    <p:sldId id="290" r:id="rId41"/>
+    <p:sldId id="291" r:id="rId42"/>
+    <p:sldId id="292" r:id="rId43"/>
   </p:sldIdLst>
   <p:sldSz cx="9144000" cy="6858000" type="screen4x3"/>
   <p:notesSz cx="6858000" cy="9144000"/>
@@ -3152,6 +3181,896 @@
 </p:sld>
 </file>
 
+<file path=ppt/slides/slide10.xml><?xml version="1.0" encoding="utf-8"?>
+<p:sld xmlns:a="http://schemas.openxmlformats.org/drawingml/2006/main" xmlns:p="http://schemas.openxmlformats.org/presentationml/2006/main" xmlns:r="http://schemas.openxmlformats.org/officeDocument/2006/relationships">
+  <p:cSld>
+    <p:spTree>
+      <p:nvGrpSpPr>
+        <p:cNvPr id="1" name=""/>
+        <p:cNvGrpSpPr/>
+        <p:nvPr/>
+      </p:nvGrpSpPr>
+      <p:grpSpPr/>
+      <p:sp>
+        <p:nvSpPr>
+          <p:cNvPr id="2" name="TextBox 1"/>
+          <p:cNvSpPr txBox="1"/>
+          <p:nvPr/>
+        </p:nvSpPr>
+        <p:spPr>
+          <a:xfrm>
+            <a:off x="685800" y="228600"/>
+            <a:ext cx="7772400" cy="2971800"/>
+          </a:xfrm>
+          <a:prstGeom prst="rect">
+            <a:avLst/>
+          </a:prstGeom>
+          <a:noFill/>
+        </p:spPr>
+        <p:txBody>
+          <a:bodyPr wrap="square">
+            <a:spAutoFit/>
+          </a:bodyPr>
+          <a:lstStyle/>
+          <a:p>
+            <a:pPr algn="ctr">
+              <a:lnSpc>
+                <a:spcPts val="4800"/>
+              </a:lnSpc>
+              <a:defRPr sz="4500">
+                <a:solidFill>
+                  <a:srgbClr val="000000"/>
+                </a:solidFill>
+              </a:defRPr>
+            </a:pPr>
+            <a:r>
+              <a:t>พระเจ้าประทาน พระเยซู พระบุตร ทรงรักและให้อภัยแก่ข้า ทรงไถ่ตัวข้า ด้วยสละพระชนม์ อุโมงค์ว่างเปล่า ย่อมยืนยันว่าพระองค์ทรงอยู่</a:t>
+            </a:r>
+          </a:p>
+        </p:txBody>
+      </p:sp>
+      <p:sp>
+        <p:nvSpPr>
+          <p:cNvPr id="3" name="TextBox 2"/>
+          <p:cNvSpPr txBox="1"/>
+          <p:nvPr/>
+        </p:nvSpPr>
+        <p:spPr>
+          <a:xfrm>
+            <a:off x="685800" y="3657600"/>
+            <a:ext cx="7772400" cy="2971800"/>
+          </a:xfrm>
+          <a:prstGeom prst="rect">
+            <a:avLst/>
+          </a:prstGeom>
+          <a:noFill/>
+        </p:spPr>
+        <p:txBody>
+          <a:bodyPr wrap="square">
+            <a:spAutoFit/>
+          </a:bodyPr>
+          <a:lstStyle/>
+          <a:p>
+            <a:pPr algn="ctr">
+              <a:lnSpc>
+                <a:spcPts val="4800"/>
+              </a:lnSpc>
+              <a:defRPr sz="4200">
+                <a:solidFill>
+                  <a:srgbClr val="3A70BC"/>
+                </a:solidFill>
+              </a:defRPr>
+            </a:pPr>
+            <a:r>
+              <a:t>God sent His son, they called Him Jesus; He came to love, heal and forgive; He lived and died to buy my pardon, An empty grave is there to prove my Savior lives!</a:t>
+            </a:r>
+          </a:p>
+        </p:txBody>
+      </p:sp>
+    </p:spTree>
+  </p:cSld>
+  <p:clrMapOvr>
+    <a:masterClrMapping/>
+  </p:clrMapOvr>
+</p:sld>
+</file>
+
+<file path=ppt/slides/slide11.xml><?xml version="1.0" encoding="utf-8"?>
+<p:sld xmlns:a="http://schemas.openxmlformats.org/drawingml/2006/main" xmlns:p="http://schemas.openxmlformats.org/presentationml/2006/main" xmlns:r="http://schemas.openxmlformats.org/officeDocument/2006/relationships">
+  <p:cSld>
+    <p:spTree>
+      <p:nvGrpSpPr>
+        <p:cNvPr id="1" name=""/>
+        <p:cNvGrpSpPr/>
+        <p:nvPr/>
+      </p:nvGrpSpPr>
+      <p:grpSpPr/>
+      <p:sp>
+        <p:nvSpPr>
+          <p:cNvPr id="2" name="TextBox 1"/>
+          <p:cNvSpPr txBox="1"/>
+          <p:nvPr/>
+        </p:nvSpPr>
+        <p:spPr>
+          <a:xfrm>
+            <a:off x="685800" y="228600"/>
+            <a:ext cx="7772400" cy="2971800"/>
+          </a:xfrm>
+          <a:prstGeom prst="rect">
+            <a:avLst/>
+          </a:prstGeom>
+          <a:noFill/>
+        </p:spPr>
+        <p:txBody>
+          <a:bodyPr wrap="none">
+            <a:spAutoFit/>
+          </a:bodyPr>
+          <a:lstStyle/>
+          <a:p>
+            <a:pPr algn="ctr">
+              <a:lnSpc>
+                <a:spcPts val="4800"/>
+              </a:lnSpc>
+              <a:defRPr sz="4500">
+                <a:solidFill>
+                  <a:srgbClr val="000000"/>
+                </a:solidFill>
+              </a:defRPr>
+            </a:pPr>
+            <a:r>
+              <a:t>เพราะพระองค์ทรงอยู่ ข้าเผชิญพรุ่งนี้ได้</a:t>
+            </a:r>
+            <a:br/>
+            <a:r>
+              <a:t>เพราะพระองค์ทรงอยู่ ความกลัวหายไป เพราะข้าแน่ใจ</a:t>
+            </a:r>
+            <a:br/>
+            <a:r>
+              <a:t>(แน่ใจ) พระองค์ทรงนำหน้า ข้าจะอดทนเพราะข้าแน่ใจ</a:t>
+            </a:r>
+            <a:br/>
+            <a:r>
+              <a:t>พระองค์ทรงอยู่</a:t>
+            </a:r>
+          </a:p>
+        </p:txBody>
+      </p:sp>
+      <p:sp>
+        <p:nvSpPr>
+          <p:cNvPr id="3" name="TextBox 2"/>
+          <p:cNvSpPr txBox="1"/>
+          <p:nvPr/>
+        </p:nvSpPr>
+        <p:spPr>
+          <a:xfrm>
+            <a:off x="685800" y="3657600"/>
+            <a:ext cx="7772400" cy="2971800"/>
+          </a:xfrm>
+          <a:prstGeom prst="rect">
+            <a:avLst/>
+          </a:prstGeom>
+          <a:noFill/>
+        </p:spPr>
+        <p:txBody>
+          <a:bodyPr wrap="square">
+            <a:spAutoFit/>
+          </a:bodyPr>
+          <a:lstStyle/>
+          <a:p>
+            <a:pPr algn="ctr">
+              <a:lnSpc>
+                <a:spcPts val="4800"/>
+              </a:lnSpc>
+              <a:defRPr sz="4200">
+                <a:solidFill>
+                  <a:srgbClr val="3A70BC"/>
+                </a:solidFill>
+              </a:defRPr>
+            </a:pPr>
+            <a:r>
+              <a:t>Because He lives, I can face tomorrow, Because He lives, all fear is gone; Because I know He holds the future, And life is worth the living, Just because He lives!</a:t>
+            </a:r>
+          </a:p>
+        </p:txBody>
+      </p:sp>
+    </p:spTree>
+  </p:cSld>
+  <p:clrMapOvr>
+    <a:masterClrMapping/>
+  </p:clrMapOvr>
+</p:sld>
+</file>
+
+<file path=ppt/slides/slide12.xml><?xml version="1.0" encoding="utf-8"?>
+<p:sld xmlns:a="http://schemas.openxmlformats.org/drawingml/2006/main" xmlns:p="http://schemas.openxmlformats.org/presentationml/2006/main" xmlns:r="http://schemas.openxmlformats.org/officeDocument/2006/relationships">
+  <p:cSld>
+    <p:spTree>
+      <p:nvGrpSpPr>
+        <p:cNvPr id="1" name=""/>
+        <p:cNvGrpSpPr/>
+        <p:nvPr/>
+      </p:nvGrpSpPr>
+      <p:grpSpPr/>
+      <p:sp>
+        <p:nvSpPr>
+          <p:cNvPr id="2" name="TextBox 1"/>
+          <p:cNvSpPr txBox="1"/>
+          <p:nvPr/>
+        </p:nvSpPr>
+        <p:spPr>
+          <a:xfrm>
+            <a:off x="685800" y="228600"/>
+            <a:ext cx="7772400" cy="2971800"/>
+          </a:xfrm>
+          <a:prstGeom prst="rect">
+            <a:avLst/>
+          </a:prstGeom>
+          <a:noFill/>
+        </p:spPr>
+        <p:txBody>
+          <a:bodyPr wrap="square">
+            <a:spAutoFit/>
+          </a:bodyPr>
+          <a:lstStyle/>
+          <a:p>
+            <a:pPr algn="ctr">
+              <a:lnSpc>
+                <a:spcPts val="4800"/>
+              </a:lnSpc>
+              <a:defRPr sz="4500">
+                <a:solidFill>
+                  <a:srgbClr val="000000"/>
+                </a:solidFill>
+              </a:defRPr>
+            </a:pPr>
+            <a:r>
+              <a:t>ชื่นใจที่ได้อุ้มทารกเกิดใหม่ ด้วยความภูมิใจและความยินดี แต่ยิ่งใหญ่กว่าคือความแน่วแน่ใจ ที่อาจเผชิญทุกสิ่งได้ เพราะพระองค์ทรงอยู่</a:t>
+            </a:r>
+          </a:p>
+        </p:txBody>
+      </p:sp>
+      <p:sp>
+        <p:nvSpPr>
+          <p:cNvPr id="3" name="TextBox 2"/>
+          <p:cNvSpPr txBox="1"/>
+          <p:nvPr/>
+        </p:nvSpPr>
+        <p:spPr>
+          <a:xfrm>
+            <a:off x="685800" y="3657600"/>
+            <a:ext cx="7772400" cy="2971800"/>
+          </a:xfrm>
+          <a:prstGeom prst="rect">
+            <a:avLst/>
+          </a:prstGeom>
+          <a:noFill/>
+        </p:spPr>
+        <p:txBody>
+          <a:bodyPr wrap="square">
+            <a:spAutoFit/>
+          </a:bodyPr>
+          <a:lstStyle/>
+          <a:p>
+            <a:pPr algn="ctr">
+              <a:lnSpc>
+                <a:spcPts val="4800"/>
+              </a:lnSpc>
+              <a:defRPr sz="4200">
+                <a:solidFill>
+                  <a:srgbClr val="3A70BC"/>
+                </a:solidFill>
+              </a:defRPr>
+            </a:pPr>
+            <a:r>
+              <a:t>How sweet to hold a newborn baby, And feel the pride and joy he gives; But greater still the calm assurance: This child can face uncertain days because He Lives!</a:t>
+            </a:r>
+          </a:p>
+        </p:txBody>
+      </p:sp>
+    </p:spTree>
+  </p:cSld>
+  <p:clrMapOvr>
+    <a:masterClrMapping/>
+  </p:clrMapOvr>
+</p:sld>
+</file>
+
+<file path=ppt/slides/slide13.xml><?xml version="1.0" encoding="utf-8"?>
+<p:sld xmlns:a="http://schemas.openxmlformats.org/drawingml/2006/main" xmlns:p="http://schemas.openxmlformats.org/presentationml/2006/main" xmlns:r="http://schemas.openxmlformats.org/officeDocument/2006/relationships">
+  <p:cSld>
+    <p:spTree>
+      <p:nvGrpSpPr>
+        <p:cNvPr id="1" name=""/>
+        <p:cNvGrpSpPr/>
+        <p:nvPr/>
+      </p:nvGrpSpPr>
+      <p:grpSpPr/>
+      <p:sp>
+        <p:nvSpPr>
+          <p:cNvPr id="2" name="TextBox 1"/>
+          <p:cNvSpPr txBox="1"/>
+          <p:nvPr/>
+        </p:nvSpPr>
+        <p:spPr>
+          <a:xfrm>
+            <a:off x="685800" y="228600"/>
+            <a:ext cx="7772400" cy="2971800"/>
+          </a:xfrm>
+          <a:prstGeom prst="rect">
+            <a:avLst/>
+          </a:prstGeom>
+          <a:noFill/>
+        </p:spPr>
+        <p:txBody>
+          <a:bodyPr wrap="none">
+            <a:spAutoFit/>
+          </a:bodyPr>
+          <a:lstStyle/>
+          <a:p>
+            <a:pPr algn="ctr">
+              <a:lnSpc>
+                <a:spcPts val="4800"/>
+              </a:lnSpc>
+              <a:defRPr sz="4500">
+                <a:solidFill>
+                  <a:srgbClr val="000000"/>
+                </a:solidFill>
+              </a:defRPr>
+            </a:pPr>
+            <a:r>
+              <a:t>เพราะพระองค์ทรงอยู่ ข้าเผชิญพรุ่งนี้ได้</a:t>
+            </a:r>
+            <a:br/>
+            <a:r>
+              <a:t>เพราะพระองค์ทรงอยู่ ความกลัวหายไป เพราะข้าแน่ใจ</a:t>
+            </a:r>
+            <a:br/>
+            <a:r>
+              <a:t>(แน่ใจ) พระองค์ทรงนำหน้า ข้าจะอดทนเพราะข้าแน่ใจ</a:t>
+            </a:r>
+            <a:br/>
+            <a:r>
+              <a:t>พระองค์ทรงอยู่</a:t>
+            </a:r>
+          </a:p>
+        </p:txBody>
+      </p:sp>
+      <p:sp>
+        <p:nvSpPr>
+          <p:cNvPr id="3" name="TextBox 2"/>
+          <p:cNvSpPr txBox="1"/>
+          <p:nvPr/>
+        </p:nvSpPr>
+        <p:spPr>
+          <a:xfrm>
+            <a:off x="685800" y="3657600"/>
+            <a:ext cx="7772400" cy="2971800"/>
+          </a:xfrm>
+          <a:prstGeom prst="rect">
+            <a:avLst/>
+          </a:prstGeom>
+          <a:noFill/>
+        </p:spPr>
+        <p:txBody>
+          <a:bodyPr wrap="square">
+            <a:spAutoFit/>
+          </a:bodyPr>
+          <a:lstStyle/>
+          <a:p>
+            <a:pPr algn="ctr">
+              <a:lnSpc>
+                <a:spcPts val="4800"/>
+              </a:lnSpc>
+              <a:defRPr sz="4200">
+                <a:solidFill>
+                  <a:srgbClr val="3A70BC"/>
+                </a:solidFill>
+              </a:defRPr>
+            </a:pPr>
+            <a:r>
+              <a:t>Because He lives, I can face tomorrow, Because He lives, all fear is gone; Because I know He holds the future, And life is worth the living, Just because He lives!</a:t>
+            </a:r>
+          </a:p>
+        </p:txBody>
+      </p:sp>
+    </p:spTree>
+  </p:cSld>
+  <p:clrMapOvr>
+    <a:masterClrMapping/>
+  </p:clrMapOvr>
+</p:sld>
+</file>
+
+<file path=ppt/slides/slide14.xml><?xml version="1.0" encoding="utf-8"?>
+<p:sld xmlns:a="http://schemas.openxmlformats.org/drawingml/2006/main" xmlns:p="http://schemas.openxmlformats.org/presentationml/2006/main" xmlns:r="http://schemas.openxmlformats.org/officeDocument/2006/relationships">
+  <p:cSld>
+    <p:spTree>
+      <p:nvGrpSpPr>
+        <p:cNvPr id="1" name=""/>
+        <p:cNvGrpSpPr/>
+        <p:nvPr/>
+      </p:nvGrpSpPr>
+      <p:grpSpPr/>
+      <p:sp>
+        <p:nvSpPr>
+          <p:cNvPr id="2" name="TextBox 1"/>
+          <p:cNvSpPr txBox="1"/>
+          <p:nvPr/>
+        </p:nvSpPr>
+        <p:spPr>
+          <a:xfrm>
+            <a:off x="685800" y="228600"/>
+            <a:ext cx="7772400" cy="2971800"/>
+          </a:xfrm>
+          <a:prstGeom prst="rect">
+            <a:avLst/>
+          </a:prstGeom>
+          <a:noFill/>
+        </p:spPr>
+        <p:txBody>
+          <a:bodyPr wrap="none">
+            <a:spAutoFit/>
+          </a:bodyPr>
+          <a:lstStyle/>
+          <a:p>
+            <a:pPr algn="ctr">
+              <a:lnSpc>
+                <a:spcPts val="4800"/>
+              </a:lnSpc>
+              <a:defRPr sz="4500">
+                <a:solidFill>
+                  <a:srgbClr val="000000"/>
+                </a:solidFill>
+              </a:defRPr>
+            </a:pPr>
+            <a:r>
+              <a:t>และในวันหนึ่ง ข้าฯ จะเดินข้ามไป เพื่อได้ต่อสู้</a:t>
+            </a:r>
+            <a:br/>
+            <a:r>
+              <a:t>ศัตรูสุดท้าย แต่เมื่อความตาย นำสู่ความมีชัย</a:t>
+            </a:r>
+            <a:br/>
+            <a:r>
+              <a:t>จะได้เห็นแสงแห่งราศี เพราะพระองค์ทรงอยู่</a:t>
+            </a:r>
+          </a:p>
+        </p:txBody>
+      </p:sp>
+      <p:sp>
+        <p:nvSpPr>
+          <p:cNvPr id="3" name="TextBox 2"/>
+          <p:cNvSpPr txBox="1"/>
+          <p:nvPr/>
+        </p:nvSpPr>
+        <p:spPr>
+          <a:xfrm>
+            <a:off x="685800" y="3657600"/>
+            <a:ext cx="7772400" cy="2971800"/>
+          </a:xfrm>
+          <a:prstGeom prst="rect">
+            <a:avLst/>
+          </a:prstGeom>
+          <a:noFill/>
+        </p:spPr>
+        <p:txBody>
+          <a:bodyPr wrap="square">
+            <a:spAutoFit/>
+          </a:bodyPr>
+          <a:lstStyle/>
+          <a:p>
+            <a:pPr algn="ctr">
+              <a:lnSpc>
+                <a:spcPts val="4800"/>
+              </a:lnSpc>
+              <a:defRPr sz="4200">
+                <a:solidFill>
+                  <a:srgbClr val="3A70BC"/>
+                </a:solidFill>
+              </a:defRPr>
+            </a:pPr>
+            <a:r>
+              <a:t>And then one day, I'll cross the river, I'll fight life's final war with pain; And then, as death gives way to victory, I'll see the lights of glory and I'll know He lives!</a:t>
+            </a:r>
+          </a:p>
+        </p:txBody>
+      </p:sp>
+    </p:spTree>
+  </p:cSld>
+  <p:clrMapOvr>
+    <a:masterClrMapping/>
+  </p:clrMapOvr>
+</p:sld>
+</file>
+
+<file path=ppt/slides/slide15.xml><?xml version="1.0" encoding="utf-8"?>
+<p:sld xmlns:a="http://schemas.openxmlformats.org/drawingml/2006/main" xmlns:p="http://schemas.openxmlformats.org/presentationml/2006/main" xmlns:r="http://schemas.openxmlformats.org/officeDocument/2006/relationships">
+  <p:cSld>
+    <p:spTree>
+      <p:nvGrpSpPr>
+        <p:cNvPr id="1" name=""/>
+        <p:cNvGrpSpPr/>
+        <p:nvPr/>
+      </p:nvGrpSpPr>
+      <p:grpSpPr/>
+      <p:sp>
+        <p:nvSpPr>
+          <p:cNvPr id="2" name="TextBox 1"/>
+          <p:cNvSpPr txBox="1"/>
+          <p:nvPr/>
+        </p:nvSpPr>
+        <p:spPr>
+          <a:xfrm>
+            <a:off x="685800" y="228600"/>
+            <a:ext cx="7772400" cy="2971800"/>
+          </a:xfrm>
+          <a:prstGeom prst="rect">
+            <a:avLst/>
+          </a:prstGeom>
+          <a:noFill/>
+        </p:spPr>
+        <p:txBody>
+          <a:bodyPr wrap="none">
+            <a:spAutoFit/>
+          </a:bodyPr>
+          <a:lstStyle/>
+          <a:p>
+            <a:pPr algn="ctr">
+              <a:lnSpc>
+                <a:spcPts val="4800"/>
+              </a:lnSpc>
+              <a:defRPr sz="4500">
+                <a:solidFill>
+                  <a:srgbClr val="000000"/>
+                </a:solidFill>
+              </a:defRPr>
+            </a:pPr>
+            <a:r>
+              <a:t>เพราะพระองค์ทรงอยู่ ข้าเผชิญพรุ่งนี้ได้</a:t>
+            </a:r>
+            <a:br/>
+            <a:r>
+              <a:t>เพราะพระองค์ทรงอยู่ ความกลัวหายไป เพราะข้าแน่ใจ</a:t>
+            </a:r>
+            <a:br/>
+            <a:r>
+              <a:t>(แน่ใจ) พระองค์ทรงนำหน้า ข้าจะอดทนเพราะข้าแน่ใจ</a:t>
+            </a:r>
+            <a:br/>
+            <a:r>
+              <a:t>พระองค์ทรงอยู่</a:t>
+            </a:r>
+          </a:p>
+        </p:txBody>
+      </p:sp>
+      <p:sp>
+        <p:nvSpPr>
+          <p:cNvPr id="3" name="TextBox 2"/>
+          <p:cNvSpPr txBox="1"/>
+          <p:nvPr/>
+        </p:nvSpPr>
+        <p:spPr>
+          <a:xfrm>
+            <a:off x="685800" y="3657600"/>
+            <a:ext cx="7772400" cy="2971800"/>
+          </a:xfrm>
+          <a:prstGeom prst="rect">
+            <a:avLst/>
+          </a:prstGeom>
+          <a:noFill/>
+        </p:spPr>
+        <p:txBody>
+          <a:bodyPr wrap="square">
+            <a:spAutoFit/>
+          </a:bodyPr>
+          <a:lstStyle/>
+          <a:p>
+            <a:pPr algn="ctr">
+              <a:lnSpc>
+                <a:spcPts val="4800"/>
+              </a:lnSpc>
+              <a:defRPr sz="4200">
+                <a:solidFill>
+                  <a:srgbClr val="3A70BC"/>
+                </a:solidFill>
+              </a:defRPr>
+            </a:pPr>
+            <a:r>
+              <a:t>Because He lives, I can face tomorrow, Because He lives, all fear is gone; Because I know He holds the future, And life is worth the living, Just because He lives!</a:t>
+            </a:r>
+          </a:p>
+        </p:txBody>
+      </p:sp>
+    </p:spTree>
+  </p:cSld>
+  <p:clrMapOvr>
+    <a:masterClrMapping/>
+  </p:clrMapOvr>
+</p:sld>
+</file>
+
+<file path=ppt/slides/slide16.xml><?xml version="1.0" encoding="utf-8"?>
+<p:sld xmlns:a="http://schemas.openxmlformats.org/drawingml/2006/main" xmlns:p="http://schemas.openxmlformats.org/presentationml/2006/main" xmlns:r="http://schemas.openxmlformats.org/officeDocument/2006/relationships">
+  <p:cSld>
+    <p:spTree>
+      <p:nvGrpSpPr>
+        <p:cNvPr id="1" name=""/>
+        <p:cNvGrpSpPr/>
+        <p:nvPr/>
+      </p:nvGrpSpPr>
+      <p:grpSpPr/>
+      <p:sp>
+        <p:nvSpPr>
+          <p:cNvPr id="2" name="Title 1"/>
+          <p:cNvSpPr>
+            <a:spLocks noGrp="1"/>
+          </p:cNvSpPr>
+          <p:nvPr>
+            <p:ph type="ctrTitle"/>
+          </p:nvPr>
+        </p:nvSpPr>
+        <p:spPr/>
+        <p:txBody>
+          <a:bodyPr/>
+          <a:lstStyle/>
+          <a:p/>
+        </p:txBody>
+      </p:sp>
+      <p:sp>
+        <p:nvSpPr>
+          <p:cNvPr id="3" name="Subtitle 2"/>
+          <p:cNvSpPr>
+            <a:spLocks noGrp="1"/>
+          </p:cNvSpPr>
+          <p:nvPr>
+            <p:ph type="subTitle" idx="1"/>
+          </p:nvPr>
+        </p:nvSpPr>
+        <p:spPr/>
+        <p:txBody>
+          <a:bodyPr/>
+          <a:lstStyle/>
+          <a:p>
+            <a:pPr>
+              <a:defRPr sz="4000">
+                <a:solidFill>
+                  <a:srgbClr val="3A70BC"/>
+                </a:solidFill>
+              </a:defRPr>
+            </a:pPr>
+            <a:r>
+              <a:t>God Of Wonders</a:t>
+            </a:r>
+          </a:p>
+        </p:txBody>
+      </p:sp>
+    </p:spTree>
+  </p:cSld>
+  <p:clrMapOvr>
+    <a:masterClrMapping/>
+  </p:clrMapOvr>
+</p:sld>
+</file>
+
+<file path=ppt/slides/slide17.xml><?xml version="1.0" encoding="utf-8"?>
+<p:sld xmlns:a="http://schemas.openxmlformats.org/drawingml/2006/main" xmlns:p="http://schemas.openxmlformats.org/presentationml/2006/main" xmlns:r="http://schemas.openxmlformats.org/officeDocument/2006/relationships">
+  <p:cSld>
+    <p:spTree>
+      <p:nvGrpSpPr>
+        <p:cNvPr id="1" name=""/>
+        <p:cNvGrpSpPr/>
+        <p:nvPr/>
+      </p:nvGrpSpPr>
+      <p:grpSpPr/>
+      <p:sp>
+        <p:nvSpPr>
+          <p:cNvPr id="2" name="TextBox 1"/>
+          <p:cNvSpPr txBox="1"/>
+          <p:nvPr/>
+        </p:nvSpPr>
+        <p:spPr>
+          <a:xfrm>
+            <a:off x="914400" y="457200"/>
+            <a:ext cx="7315200" cy="5486400"/>
+          </a:xfrm>
+          <a:prstGeom prst="rect">
+            <a:avLst/>
+          </a:prstGeom>
+          <a:noFill/>
+        </p:spPr>
+        <p:txBody>
+          <a:bodyPr wrap="none">
+            <a:spAutoFit/>
+          </a:bodyPr>
+          <a:lstStyle/>
+          <a:p>
+            <a:pPr algn="ctr">
+              <a:lnSpc>
+                <a:spcPts val="7000"/>
+              </a:lnSpc>
+              <a:defRPr sz="4500">
+                <a:solidFill>
+                  <a:srgbClr val="000000"/>
+                </a:solidFill>
+              </a:defRPr>
+            </a:pPr>
+            <a:r>
+              <a:t>Lord of all creation</a:t>
+            </a:r>
+            <a:br/>
+            <a:r>
+              <a:t> Of the water</a:t>
+            </a:r>
+            <a:br/>
+            <a:r>
+              <a:t> earth and sky</a:t>
+            </a:r>
+            <a:br/>
+            <a:r>
+              <a:t> The Heavens are Your Tabernacle</a:t>
+            </a:r>
+            <a:br/>
+            <a:r>
+              <a:t> Glory to the Lord on high</a:t>
+            </a:r>
+            <a:br/>
+          </a:p>
+        </p:txBody>
+      </p:sp>
+    </p:spTree>
+  </p:cSld>
+  <p:clrMapOvr>
+    <a:masterClrMapping/>
+  </p:clrMapOvr>
+</p:sld>
+</file>
+
+<file path=ppt/slides/slide18.xml><?xml version="1.0" encoding="utf-8"?>
+<p:sld xmlns:a="http://schemas.openxmlformats.org/drawingml/2006/main" xmlns:p="http://schemas.openxmlformats.org/presentationml/2006/main" xmlns:r="http://schemas.openxmlformats.org/officeDocument/2006/relationships">
+  <p:cSld>
+    <p:spTree>
+      <p:nvGrpSpPr>
+        <p:cNvPr id="1" name=""/>
+        <p:cNvGrpSpPr/>
+        <p:nvPr/>
+      </p:nvGrpSpPr>
+      <p:grpSpPr/>
+      <p:sp>
+        <p:nvSpPr>
+          <p:cNvPr id="2" name="TextBox 1"/>
+          <p:cNvSpPr txBox="1"/>
+          <p:nvPr/>
+        </p:nvSpPr>
+        <p:spPr>
+          <a:xfrm>
+            <a:off x="914400" y="457200"/>
+            <a:ext cx="7315200" cy="5486400"/>
+          </a:xfrm>
+          <a:prstGeom prst="rect">
+            <a:avLst/>
+          </a:prstGeom>
+          <a:noFill/>
+        </p:spPr>
+        <p:txBody>
+          <a:bodyPr wrap="none">
+            <a:spAutoFit/>
+          </a:bodyPr>
+          <a:lstStyle/>
+          <a:p>
+            <a:pPr algn="ctr">
+              <a:lnSpc>
+                <a:spcPts val="7000"/>
+              </a:lnSpc>
+              <a:defRPr sz="4500">
+                <a:solidFill>
+                  <a:srgbClr val="000000"/>
+                </a:solidFill>
+              </a:defRPr>
+            </a:pPr>
+            <a:r>
+              <a:t>God of wonders, beyond our galaxy</a:t>
+            </a:r>
+            <a:br/>
+            <a:r>
+              <a:t> You are holy, holy</a:t>
+            </a:r>
+            <a:br/>
+            <a:r>
+              <a:t> The universe declares Your majesty</a:t>
+            </a:r>
+            <a:br/>
+            <a:r>
+              <a:t> You are holy, holy</a:t>
+            </a:r>
+            <a:br/>
+            <a:r>
+              <a:t> Lord of Heaven and Earth</a:t>
+            </a:r>
+            <a:br/>
+            <a:r>
+              <a:t> Lord of Heaven and Earth</a:t>
+            </a:r>
+            <a:br/>
+          </a:p>
+        </p:txBody>
+      </p:sp>
+    </p:spTree>
+  </p:cSld>
+  <p:clrMapOvr>
+    <a:masterClrMapping/>
+  </p:clrMapOvr>
+</p:sld>
+</file>
+
+<file path=ppt/slides/slide19.xml><?xml version="1.0" encoding="utf-8"?>
+<p:sld xmlns:a="http://schemas.openxmlformats.org/drawingml/2006/main" xmlns:p="http://schemas.openxmlformats.org/presentationml/2006/main" xmlns:r="http://schemas.openxmlformats.org/officeDocument/2006/relationships">
+  <p:cSld>
+    <p:spTree>
+      <p:nvGrpSpPr>
+        <p:cNvPr id="1" name=""/>
+        <p:cNvGrpSpPr/>
+        <p:nvPr/>
+      </p:nvGrpSpPr>
+      <p:grpSpPr/>
+      <p:sp>
+        <p:nvSpPr>
+          <p:cNvPr id="2" name="TextBox 1"/>
+          <p:cNvSpPr txBox="1"/>
+          <p:nvPr/>
+        </p:nvSpPr>
+        <p:spPr>
+          <a:xfrm>
+            <a:off x="914400" y="457200"/>
+            <a:ext cx="7315200" cy="5486400"/>
+          </a:xfrm>
+          <a:prstGeom prst="rect">
+            <a:avLst/>
+          </a:prstGeom>
+          <a:noFill/>
+        </p:spPr>
+        <p:txBody>
+          <a:bodyPr wrap="none">
+            <a:spAutoFit/>
+          </a:bodyPr>
+          <a:lstStyle/>
+          <a:p>
+            <a:pPr algn="ctr">
+              <a:lnSpc>
+                <a:spcPts val="7000"/>
+              </a:lnSpc>
+              <a:defRPr sz="4500">
+                <a:solidFill>
+                  <a:srgbClr val="000000"/>
+                </a:solidFill>
+              </a:defRPr>
+            </a:pPr>
+            <a:r>
+              <a:t>Early in the morning</a:t>
+            </a:r>
+            <a:br/>
+            <a:r>
+              <a:t> I will celebrate the light</a:t>
+            </a:r>
+            <a:br/>
+            <a:r>
+              <a:t> And when I stumble into darkness</a:t>
+            </a:r>
+            <a:br/>
+            <a:r>
+              <a:t> I will call Your name by night</a:t>
+            </a:r>
+            <a:br/>
+          </a:p>
+        </p:txBody>
+      </p:sp>
+    </p:spTree>
+  </p:cSld>
+  <p:clrMapOvr>
+    <a:masterClrMapping/>
+  </p:clrMapOvr>
+</p:sld>
+</file>
+
 <file path=ppt/slides/slide2.xml><?xml version="1.0" encoding="utf-8"?>
 <p:sld xmlns:a="http://schemas.openxmlformats.org/drawingml/2006/main" xmlns:p="http://schemas.openxmlformats.org/presentationml/2006/main" xmlns:r="http://schemas.openxmlformats.org/officeDocument/2006/relationships">
   <p:cSld>
@@ -3188,7 +4107,7 @@
               <a:lnSpc>
                 <a:spcPts val="4800"/>
               </a:lnSpc>
-              <a:defRPr sz="4000">
+              <a:defRPr sz="4500">
                 <a:solidFill>
                   <a:srgbClr val="000000"/>
                 </a:solidFill>
@@ -3225,7 +4144,7 @@
           <a:noFill/>
         </p:spPr>
         <p:txBody>
-          <a:bodyPr wrap="none">
+          <a:bodyPr wrap="square">
             <a:spAutoFit/>
           </a:bodyPr>
           <a:lstStyle/>
@@ -3234,24 +4153,948 @@
               <a:lnSpc>
                 <a:spcPts val="4800"/>
               </a:lnSpc>
-              <a:defRPr sz="3500">
+              <a:defRPr sz="4200">
                 <a:solidFill>
                   <a:srgbClr val="3A70BC"/>
                 </a:solidFill>
               </a:defRPr>
             </a:pPr>
             <a:r>
-              <a:t>Bless the Lord, O my soul, O my soul</a:t>
-            </a:r>
-            <a:br/>
-            <a:r>
-              <a:t> Worship His holy name. Sing like never before</a:t>
-            </a:r>
-            <a:br/>
-            <a:r>
-              <a:t> O my soul. I'll worship Your holy name</a:t>
-            </a:r>
-            <a:br/>
+              <a:t>Bless the Lord, O my soul, O my soul. Worship His holy name. Sing like never before, O my soul. I'll worship Your holy name.</a:t>
+            </a:r>
+          </a:p>
+        </p:txBody>
+      </p:sp>
+    </p:spTree>
+  </p:cSld>
+  <p:clrMapOvr>
+    <a:masterClrMapping/>
+  </p:clrMapOvr>
+</p:sld>
+</file>
+
+<file path=ppt/slides/slide20.xml><?xml version="1.0" encoding="utf-8"?>
+<p:sld xmlns:a="http://schemas.openxmlformats.org/drawingml/2006/main" xmlns:p="http://schemas.openxmlformats.org/presentationml/2006/main" xmlns:r="http://schemas.openxmlformats.org/officeDocument/2006/relationships">
+  <p:cSld>
+    <p:spTree>
+      <p:nvGrpSpPr>
+        <p:cNvPr id="1" name=""/>
+        <p:cNvGrpSpPr/>
+        <p:nvPr/>
+      </p:nvGrpSpPr>
+      <p:grpSpPr/>
+      <p:sp>
+        <p:nvSpPr>
+          <p:cNvPr id="2" name="TextBox 1"/>
+          <p:cNvSpPr txBox="1"/>
+          <p:nvPr/>
+        </p:nvSpPr>
+        <p:spPr>
+          <a:xfrm>
+            <a:off x="914400" y="457200"/>
+            <a:ext cx="7315200" cy="5486400"/>
+          </a:xfrm>
+          <a:prstGeom prst="rect">
+            <a:avLst/>
+          </a:prstGeom>
+          <a:noFill/>
+        </p:spPr>
+        <p:txBody>
+          <a:bodyPr wrap="none">
+            <a:spAutoFit/>
+          </a:bodyPr>
+          <a:lstStyle/>
+          <a:p>
+            <a:pPr algn="ctr">
+              <a:lnSpc>
+                <a:spcPts val="7000"/>
+              </a:lnSpc>
+              <a:defRPr sz="4500">
+                <a:solidFill>
+                  <a:srgbClr val="000000"/>
+                </a:solidFill>
+              </a:defRPr>
+            </a:pPr>
+            <a:r>
+              <a:t>God of wonders, beyond our galaxy</a:t>
+            </a:r>
+            <a:br/>
+            <a:r>
+              <a:t> You are holy, holy</a:t>
+            </a:r>
+            <a:br/>
+            <a:r>
+              <a:t> The universe declares Your majesty</a:t>
+            </a:r>
+            <a:br/>
+            <a:r>
+              <a:t> You are holy, holy</a:t>
+            </a:r>
+            <a:br/>
+            <a:r>
+              <a:t> Lord of Heaven and Earth</a:t>
+            </a:r>
+            <a:br/>
+            <a:r>
+              <a:t> Lord of Heaven and Earth</a:t>
+            </a:r>
+            <a:br/>
+          </a:p>
+        </p:txBody>
+      </p:sp>
+    </p:spTree>
+  </p:cSld>
+  <p:clrMapOvr>
+    <a:masterClrMapping/>
+  </p:clrMapOvr>
+</p:sld>
+</file>
+
+<file path=ppt/slides/slide21.xml><?xml version="1.0" encoding="utf-8"?>
+<p:sld xmlns:a="http://schemas.openxmlformats.org/drawingml/2006/main" xmlns:p="http://schemas.openxmlformats.org/presentationml/2006/main" xmlns:r="http://schemas.openxmlformats.org/officeDocument/2006/relationships">
+  <p:cSld>
+    <p:spTree>
+      <p:nvGrpSpPr>
+        <p:cNvPr id="1" name=""/>
+        <p:cNvGrpSpPr/>
+        <p:nvPr/>
+      </p:nvGrpSpPr>
+      <p:grpSpPr/>
+      <p:sp>
+        <p:nvSpPr>
+          <p:cNvPr id="2" name="TextBox 1"/>
+          <p:cNvSpPr txBox="1"/>
+          <p:nvPr/>
+        </p:nvSpPr>
+        <p:spPr>
+          <a:xfrm>
+            <a:off x="914400" y="457200"/>
+            <a:ext cx="7315200" cy="5486400"/>
+          </a:xfrm>
+          <a:prstGeom prst="rect">
+            <a:avLst/>
+          </a:prstGeom>
+          <a:noFill/>
+        </p:spPr>
+        <p:txBody>
+          <a:bodyPr wrap="square">
+            <a:spAutoFit/>
+          </a:bodyPr>
+          <a:lstStyle/>
+          <a:p>
+            <a:pPr algn="ctr">
+              <a:lnSpc>
+                <a:spcPts val="7000"/>
+              </a:lnSpc>
+              <a:defRPr sz="4500">
+                <a:solidFill>
+                  <a:srgbClr val="000000"/>
+                </a:solidFill>
+              </a:defRPr>
+            </a:pPr>
+            <a:r>
+              <a:t>Hallelujah to the Lord of Heaven and earth.</a:t>
+            </a:r>
+          </a:p>
+        </p:txBody>
+      </p:sp>
+    </p:spTree>
+  </p:cSld>
+  <p:clrMapOvr>
+    <a:masterClrMapping/>
+  </p:clrMapOvr>
+</p:sld>
+</file>
+
+<file path=ppt/slides/slide22.xml><?xml version="1.0" encoding="utf-8"?>
+<p:sld xmlns:a="http://schemas.openxmlformats.org/drawingml/2006/main" xmlns:p="http://schemas.openxmlformats.org/presentationml/2006/main" xmlns:r="http://schemas.openxmlformats.org/officeDocument/2006/relationships">
+  <p:cSld>
+    <p:spTree>
+      <p:nvGrpSpPr>
+        <p:cNvPr id="1" name=""/>
+        <p:cNvGrpSpPr/>
+        <p:nvPr/>
+      </p:nvGrpSpPr>
+      <p:grpSpPr/>
+      <p:sp>
+        <p:nvSpPr>
+          <p:cNvPr id="2" name="Title 1"/>
+          <p:cNvSpPr>
+            <a:spLocks noGrp="1"/>
+          </p:cNvSpPr>
+          <p:nvPr>
+            <p:ph type="ctrTitle"/>
+          </p:nvPr>
+        </p:nvSpPr>
+        <p:spPr/>
+        <p:txBody>
+          <a:bodyPr/>
+          <a:lstStyle/>
+          <a:p>
+            <a:r>
+              <a:t>พระองค์เป็นทุกสิ่ง</a:t>
+            </a:r>
+          </a:p>
+        </p:txBody>
+      </p:sp>
+      <p:sp>
+        <p:nvSpPr>
+          <p:cNvPr id="3" name="Subtitle 2"/>
+          <p:cNvSpPr>
+            <a:spLocks noGrp="1"/>
+          </p:cNvSpPr>
+          <p:nvPr>
+            <p:ph type="subTitle" idx="1"/>
+          </p:nvPr>
+        </p:nvSpPr>
+        <p:spPr/>
+        <p:txBody>
+          <a:bodyPr/>
+          <a:lstStyle/>
+          <a:p>
+            <a:pPr>
+              <a:defRPr sz="4000">
+                <a:solidFill>
+                  <a:srgbClr val="3A70BC"/>
+                </a:solidFill>
+              </a:defRPr>
+            </a:pPr>
+            <a:r>
+              <a:t>You Are My All In All</a:t>
+            </a:r>
+          </a:p>
+        </p:txBody>
+      </p:sp>
+    </p:spTree>
+  </p:cSld>
+  <p:clrMapOvr>
+    <a:masterClrMapping/>
+  </p:clrMapOvr>
+</p:sld>
+</file>
+
+<file path=ppt/slides/slide23.xml><?xml version="1.0" encoding="utf-8"?>
+<p:sld xmlns:a="http://schemas.openxmlformats.org/drawingml/2006/main" xmlns:p="http://schemas.openxmlformats.org/presentationml/2006/main" xmlns:r="http://schemas.openxmlformats.org/officeDocument/2006/relationships">
+  <p:cSld>
+    <p:spTree>
+      <p:nvGrpSpPr>
+        <p:cNvPr id="1" name=""/>
+        <p:cNvGrpSpPr/>
+        <p:nvPr/>
+      </p:nvGrpSpPr>
+      <p:grpSpPr/>
+      <p:sp>
+        <p:nvSpPr>
+          <p:cNvPr id="2" name="TextBox 1"/>
+          <p:cNvSpPr txBox="1"/>
+          <p:nvPr/>
+        </p:nvSpPr>
+        <p:spPr>
+          <a:xfrm>
+            <a:off x="685800" y="228600"/>
+            <a:ext cx="7772400" cy="2971800"/>
+          </a:xfrm>
+          <a:prstGeom prst="rect">
+            <a:avLst/>
+          </a:prstGeom>
+          <a:noFill/>
+        </p:spPr>
+        <p:txBody>
+          <a:bodyPr wrap="none">
+            <a:spAutoFit/>
+          </a:bodyPr>
+          <a:lstStyle/>
+          <a:p>
+            <a:pPr algn="ctr">
+              <a:lnSpc>
+                <a:spcPts val="4800"/>
+              </a:lnSpc>
+              <a:defRPr sz="4500">
+                <a:solidFill>
+                  <a:srgbClr val="000000"/>
+                </a:solidFill>
+              </a:defRPr>
+            </a:pPr>
+            <a:r>
+              <a:t>ทรงเป็นเรี่ยวแรงยามใจอ่อนแอ</a:t>
+            </a:r>
+            <a:br/>
+            <a:r>
+              <a:t>ทรงเป็นสรรพสิ่งที่ฉันต้องการ</a:t>
+            </a:r>
+            <a:br/>
+            <a:r>
+              <a:t>ทรงเป็นดวงใจของฉัน</a:t>
+            </a:r>
+          </a:p>
+        </p:txBody>
+      </p:sp>
+      <p:sp>
+        <p:nvSpPr>
+          <p:cNvPr id="3" name="TextBox 2"/>
+          <p:cNvSpPr txBox="1"/>
+          <p:nvPr/>
+        </p:nvSpPr>
+        <p:spPr>
+          <a:xfrm>
+            <a:off x="685800" y="3657600"/>
+            <a:ext cx="7772400" cy="2971800"/>
+          </a:xfrm>
+          <a:prstGeom prst="rect">
+            <a:avLst/>
+          </a:prstGeom>
+          <a:noFill/>
+        </p:spPr>
+        <p:txBody>
+          <a:bodyPr wrap="none">
+            <a:spAutoFit/>
+          </a:bodyPr>
+          <a:lstStyle/>
+          <a:p>
+            <a:pPr algn="ctr">
+              <a:lnSpc>
+                <a:spcPts val="4800"/>
+              </a:lnSpc>
+              <a:defRPr sz="4200">
+                <a:solidFill>
+                  <a:srgbClr val="3A70BC"/>
+                </a:solidFill>
+              </a:defRPr>
+            </a:pPr>
+            <a:r>
+              <a:t>You are my strength when I am weak</a:t>
+            </a:r>
+            <a:br/>
+            <a:r>
+              <a:t> You are the treasure that I seek</a:t>
+            </a:r>
+            <a:br/>
+            <a:r>
+              <a:t> You are my all in all</a:t>
+            </a:r>
+            <a:br/>
+          </a:p>
+        </p:txBody>
+      </p:sp>
+    </p:spTree>
+  </p:cSld>
+  <p:clrMapOvr>
+    <a:masterClrMapping/>
+  </p:clrMapOvr>
+</p:sld>
+</file>
+
+<file path=ppt/slides/slide24.xml><?xml version="1.0" encoding="utf-8"?>
+<p:sld xmlns:a="http://schemas.openxmlformats.org/drawingml/2006/main" xmlns:p="http://schemas.openxmlformats.org/presentationml/2006/main" xmlns:r="http://schemas.openxmlformats.org/officeDocument/2006/relationships">
+  <p:cSld>
+    <p:spTree>
+      <p:nvGrpSpPr>
+        <p:cNvPr id="1" name=""/>
+        <p:cNvGrpSpPr/>
+        <p:nvPr/>
+      </p:nvGrpSpPr>
+      <p:grpSpPr/>
+      <p:sp>
+        <p:nvSpPr>
+          <p:cNvPr id="2" name="TextBox 1"/>
+          <p:cNvSpPr txBox="1"/>
+          <p:nvPr/>
+        </p:nvSpPr>
+        <p:spPr>
+          <a:xfrm>
+            <a:off x="685800" y="228600"/>
+            <a:ext cx="7772400" cy="2971800"/>
+          </a:xfrm>
+          <a:prstGeom prst="rect">
+            <a:avLst/>
+          </a:prstGeom>
+          <a:noFill/>
+        </p:spPr>
+        <p:txBody>
+          <a:bodyPr wrap="none">
+            <a:spAutoFit/>
+          </a:bodyPr>
+          <a:lstStyle/>
+          <a:p>
+            <a:pPr algn="ctr">
+              <a:lnSpc>
+                <a:spcPts val="4800"/>
+              </a:lnSpc>
+              <a:defRPr sz="4500">
+                <a:solidFill>
+                  <a:srgbClr val="000000"/>
+                </a:solidFill>
+              </a:defRPr>
+            </a:pPr>
+            <a:r>
+              <a:t>อยากจะได้พระองค์มากกว่าทอง</a:t>
+            </a:r>
+            <a:br/>
+            <a:r>
+              <a:t>อยากจะพ้นจากจิตใจเศร้าหมอง</a:t>
+            </a:r>
+            <a:br/>
+            <a:r>
+              <a:t>ทรงเป็นดวงใจของฉัน</a:t>
+            </a:r>
+          </a:p>
+        </p:txBody>
+      </p:sp>
+      <p:sp>
+        <p:nvSpPr>
+          <p:cNvPr id="3" name="TextBox 2"/>
+          <p:cNvSpPr txBox="1"/>
+          <p:nvPr/>
+        </p:nvSpPr>
+        <p:spPr>
+          <a:xfrm>
+            <a:off x="685800" y="3657600"/>
+            <a:ext cx="7772400" cy="2971800"/>
+          </a:xfrm>
+          <a:prstGeom prst="rect">
+            <a:avLst/>
+          </a:prstGeom>
+          <a:noFill/>
+        </p:spPr>
+        <p:txBody>
+          <a:bodyPr wrap="none">
+            <a:spAutoFit/>
+          </a:bodyPr>
+          <a:lstStyle/>
+          <a:p>
+            <a:pPr algn="ctr">
+              <a:lnSpc>
+                <a:spcPts val="4800"/>
+              </a:lnSpc>
+              <a:defRPr sz="4200">
+                <a:solidFill>
+                  <a:srgbClr val="3A70BC"/>
+                </a:solidFill>
+              </a:defRPr>
+            </a:pPr>
+            <a:r>
+              <a:t>Seeking You as a precious jewel</a:t>
+            </a:r>
+            <a:br/>
+            <a:r>
+              <a:t> Lord to give up I'd be a fool</a:t>
+            </a:r>
+            <a:br/>
+            <a:r>
+              <a:t> You are my all in all</a:t>
+            </a:r>
+            <a:br/>
+          </a:p>
+        </p:txBody>
+      </p:sp>
+    </p:spTree>
+  </p:cSld>
+  <p:clrMapOvr>
+    <a:masterClrMapping/>
+  </p:clrMapOvr>
+</p:sld>
+</file>
+
+<file path=ppt/slides/slide25.xml><?xml version="1.0" encoding="utf-8"?>
+<p:sld xmlns:a="http://schemas.openxmlformats.org/drawingml/2006/main" xmlns:p="http://schemas.openxmlformats.org/presentationml/2006/main" xmlns:r="http://schemas.openxmlformats.org/officeDocument/2006/relationships">
+  <p:cSld>
+    <p:spTree>
+      <p:nvGrpSpPr>
+        <p:cNvPr id="1" name=""/>
+        <p:cNvGrpSpPr/>
+        <p:nvPr/>
+      </p:nvGrpSpPr>
+      <p:grpSpPr/>
+      <p:sp>
+        <p:nvSpPr>
+          <p:cNvPr id="2" name="TextBox 1"/>
+          <p:cNvSpPr txBox="1"/>
+          <p:nvPr/>
+        </p:nvSpPr>
+        <p:spPr>
+          <a:xfrm>
+            <a:off x="685800" y="228600"/>
+            <a:ext cx="7772400" cy="2971800"/>
+          </a:xfrm>
+          <a:prstGeom prst="rect">
+            <a:avLst/>
+          </a:prstGeom>
+          <a:noFill/>
+        </p:spPr>
+        <p:txBody>
+          <a:bodyPr wrap="none">
+            <a:spAutoFit/>
+          </a:bodyPr>
+          <a:lstStyle/>
+          <a:p>
+            <a:pPr algn="ctr">
+              <a:lnSpc>
+                <a:spcPts val="4800"/>
+              </a:lnSpc>
+              <a:defRPr sz="4500">
+                <a:solidFill>
+                  <a:srgbClr val="000000"/>
+                </a:solidFill>
+              </a:defRPr>
+            </a:pPr>
+            <a:r>
+              <a:t>พระเยซู บุตรพระเจ้า</a:t>
+            </a:r>
+            <a:br/>
+            <a:r>
+              <a:t>นามพระองค์ทรงคุณอนันต์</a:t>
+            </a:r>
+            <a:br/>
+            <a:r>
+              <a:t>พระเยซู บุตรพระเจ้า</a:t>
+            </a:r>
+            <a:br/>
+            <a:r>
+              <a:t>ทรงพระคุณอนันต์</a:t>
+            </a:r>
+          </a:p>
+        </p:txBody>
+      </p:sp>
+      <p:sp>
+        <p:nvSpPr>
+          <p:cNvPr id="3" name="TextBox 2"/>
+          <p:cNvSpPr txBox="1"/>
+          <p:nvPr/>
+        </p:nvSpPr>
+        <p:spPr>
+          <a:xfrm>
+            <a:off x="685800" y="3657600"/>
+            <a:ext cx="7772400" cy="2971800"/>
+          </a:xfrm>
+          <a:prstGeom prst="rect">
+            <a:avLst/>
+          </a:prstGeom>
+          <a:noFill/>
+        </p:spPr>
+        <p:txBody>
+          <a:bodyPr wrap="none">
+            <a:spAutoFit/>
+          </a:bodyPr>
+          <a:lstStyle/>
+          <a:p>
+            <a:pPr algn="ctr">
+              <a:lnSpc>
+                <a:spcPts val="4800"/>
+              </a:lnSpc>
+              <a:defRPr sz="4200">
+                <a:solidFill>
+                  <a:srgbClr val="3A70BC"/>
+                </a:solidFill>
+              </a:defRPr>
+            </a:pPr>
+            <a:r>
+              <a:t>Jesus Lamb of God worthy is your name</a:t>
+            </a:r>
+            <a:br/>
+            <a:r>
+              <a:t> Jesus Lamb of God worthy is your name</a:t>
+            </a:r>
+            <a:br/>
+          </a:p>
+        </p:txBody>
+      </p:sp>
+    </p:spTree>
+  </p:cSld>
+  <p:clrMapOvr>
+    <a:masterClrMapping/>
+  </p:clrMapOvr>
+</p:sld>
+</file>
+
+<file path=ppt/slides/slide26.xml><?xml version="1.0" encoding="utf-8"?>
+<p:sld xmlns:a="http://schemas.openxmlformats.org/drawingml/2006/main" xmlns:p="http://schemas.openxmlformats.org/presentationml/2006/main" xmlns:r="http://schemas.openxmlformats.org/officeDocument/2006/relationships">
+  <p:cSld>
+    <p:spTree>
+      <p:nvGrpSpPr>
+        <p:cNvPr id="1" name=""/>
+        <p:cNvGrpSpPr/>
+        <p:nvPr/>
+      </p:nvGrpSpPr>
+      <p:grpSpPr/>
+      <p:sp>
+        <p:nvSpPr>
+          <p:cNvPr id="2" name="TextBox 1"/>
+          <p:cNvSpPr txBox="1"/>
+          <p:nvPr/>
+        </p:nvSpPr>
+        <p:spPr>
+          <a:xfrm>
+            <a:off x="685800" y="228600"/>
+            <a:ext cx="7772400" cy="2971800"/>
+          </a:xfrm>
+          <a:prstGeom prst="rect">
+            <a:avLst/>
+          </a:prstGeom>
+          <a:noFill/>
+        </p:spPr>
+        <p:txBody>
+          <a:bodyPr wrap="none">
+            <a:spAutoFit/>
+          </a:bodyPr>
+          <a:lstStyle/>
+          <a:p>
+            <a:pPr algn="ctr">
+              <a:lnSpc>
+                <a:spcPts val="4800"/>
+              </a:lnSpc>
+              <a:defRPr sz="4500">
+                <a:solidFill>
+                  <a:srgbClr val="000000"/>
+                </a:solidFill>
+              </a:defRPr>
+            </a:pPr>
+            <a:r>
+              <a:t>ทรงชำระความอบายอับอาย</a:t>
+            </a:r>
+            <a:br/>
+            <a:r>
+              <a:t>ปากของฉันจะสรรเสริญเรื่อยไป</a:t>
+            </a:r>
+            <a:br/>
+            <a:r>
+              <a:t>ทรงเป็นดวงใจของฉัน</a:t>
+            </a:r>
+          </a:p>
+        </p:txBody>
+      </p:sp>
+      <p:sp>
+        <p:nvSpPr>
+          <p:cNvPr id="3" name="TextBox 2"/>
+          <p:cNvSpPr txBox="1"/>
+          <p:nvPr/>
+        </p:nvSpPr>
+        <p:spPr>
+          <a:xfrm>
+            <a:off x="685800" y="3657600"/>
+            <a:ext cx="7772400" cy="2971800"/>
+          </a:xfrm>
+          <a:prstGeom prst="rect">
+            <a:avLst/>
+          </a:prstGeom>
+          <a:noFill/>
+        </p:spPr>
+        <p:txBody>
+          <a:bodyPr wrap="none">
+            <a:spAutoFit/>
+          </a:bodyPr>
+          <a:lstStyle/>
+          <a:p>
+            <a:pPr algn="ctr">
+              <a:lnSpc>
+                <a:spcPts val="4800"/>
+              </a:lnSpc>
+              <a:defRPr sz="4200">
+                <a:solidFill>
+                  <a:srgbClr val="3A70BC"/>
+                </a:solidFill>
+              </a:defRPr>
+            </a:pPr>
+            <a:r>
+              <a:t>Taking my sin my cross my shame</a:t>
+            </a:r>
+            <a:br/>
+            <a:r>
+              <a:t> Rising again I bless your name</a:t>
+            </a:r>
+            <a:br/>
+            <a:r>
+              <a:t> You are my all in all</a:t>
+            </a:r>
+            <a:br/>
+          </a:p>
+        </p:txBody>
+      </p:sp>
+    </p:spTree>
+  </p:cSld>
+  <p:clrMapOvr>
+    <a:masterClrMapping/>
+  </p:clrMapOvr>
+</p:sld>
+</file>
+
+<file path=ppt/slides/slide27.xml><?xml version="1.0" encoding="utf-8"?>
+<p:sld xmlns:a="http://schemas.openxmlformats.org/drawingml/2006/main" xmlns:p="http://schemas.openxmlformats.org/presentationml/2006/main" xmlns:r="http://schemas.openxmlformats.org/officeDocument/2006/relationships">
+  <p:cSld>
+    <p:spTree>
+      <p:nvGrpSpPr>
+        <p:cNvPr id="1" name=""/>
+        <p:cNvGrpSpPr/>
+        <p:nvPr/>
+      </p:nvGrpSpPr>
+      <p:grpSpPr/>
+      <p:sp>
+        <p:nvSpPr>
+          <p:cNvPr id="2" name="TextBox 1"/>
+          <p:cNvSpPr txBox="1"/>
+          <p:nvPr/>
+        </p:nvSpPr>
+        <p:spPr>
+          <a:xfrm>
+            <a:off x="685800" y="228600"/>
+            <a:ext cx="7772400" cy="2971800"/>
+          </a:xfrm>
+          <a:prstGeom prst="rect">
+            <a:avLst/>
+          </a:prstGeom>
+          <a:noFill/>
+        </p:spPr>
+        <p:txBody>
+          <a:bodyPr wrap="none">
+            <a:spAutoFit/>
+          </a:bodyPr>
+          <a:lstStyle/>
+          <a:p>
+            <a:pPr algn="ctr">
+              <a:lnSpc>
+                <a:spcPts val="4800"/>
+              </a:lnSpc>
+              <a:defRPr sz="4500">
+                <a:solidFill>
+                  <a:srgbClr val="000000"/>
+                </a:solidFill>
+              </a:defRPr>
+            </a:pPr>
+            <a:r>
+              <a:t>เมื่อฉันล้มลงทรงเฝ้าประคอง</a:t>
+            </a:r>
+            <a:br/>
+            <a:r>
+              <a:t>เมื่อใจฉันเหน็ดเหนื่อยทรงเพิ่มแรง</a:t>
+            </a:r>
+            <a:br/>
+            <a:r>
+              <a:t>ทรงเป็นดวงใจของฉัน</a:t>
+            </a:r>
+          </a:p>
+        </p:txBody>
+      </p:sp>
+      <p:sp>
+        <p:nvSpPr>
+          <p:cNvPr id="3" name="TextBox 2"/>
+          <p:cNvSpPr txBox="1"/>
+          <p:nvPr/>
+        </p:nvSpPr>
+        <p:spPr>
+          <a:xfrm>
+            <a:off x="685800" y="3657600"/>
+            <a:ext cx="7772400" cy="2971800"/>
+          </a:xfrm>
+          <a:prstGeom prst="rect">
+            <a:avLst/>
+          </a:prstGeom>
+          <a:noFill/>
+        </p:spPr>
+        <p:txBody>
+          <a:bodyPr wrap="none">
+            <a:spAutoFit/>
+          </a:bodyPr>
+          <a:lstStyle/>
+          <a:p>
+            <a:pPr algn="ctr">
+              <a:lnSpc>
+                <a:spcPts val="4800"/>
+              </a:lnSpc>
+              <a:defRPr sz="4200">
+                <a:solidFill>
+                  <a:srgbClr val="3A70BC"/>
+                </a:solidFill>
+              </a:defRPr>
+            </a:pPr>
+            <a:r>
+              <a:t>When I fall down You lift me up</a:t>
+            </a:r>
+            <a:br/>
+            <a:r>
+              <a:t> When I am dry You fill my cup</a:t>
+            </a:r>
+            <a:br/>
+            <a:r>
+              <a:t> You are my all in all</a:t>
+            </a:r>
+            <a:br/>
+          </a:p>
+        </p:txBody>
+      </p:sp>
+    </p:spTree>
+  </p:cSld>
+  <p:clrMapOvr>
+    <a:masterClrMapping/>
+  </p:clrMapOvr>
+</p:sld>
+</file>
+
+<file path=ppt/slides/slide28.xml><?xml version="1.0" encoding="utf-8"?>
+<p:sld xmlns:a="http://schemas.openxmlformats.org/drawingml/2006/main" xmlns:p="http://schemas.openxmlformats.org/presentationml/2006/main" xmlns:r="http://schemas.openxmlformats.org/officeDocument/2006/relationships">
+  <p:cSld>
+    <p:spTree>
+      <p:nvGrpSpPr>
+        <p:cNvPr id="1" name=""/>
+        <p:cNvGrpSpPr/>
+        <p:nvPr/>
+      </p:nvGrpSpPr>
+      <p:grpSpPr/>
+      <p:sp>
+        <p:nvSpPr>
+          <p:cNvPr id="2" name="TextBox 1"/>
+          <p:cNvSpPr txBox="1"/>
+          <p:nvPr/>
+        </p:nvSpPr>
+        <p:spPr>
+          <a:xfrm>
+            <a:off x="685800" y="228600"/>
+            <a:ext cx="7772400" cy="2971800"/>
+          </a:xfrm>
+          <a:prstGeom prst="rect">
+            <a:avLst/>
+          </a:prstGeom>
+          <a:noFill/>
+        </p:spPr>
+        <p:txBody>
+          <a:bodyPr wrap="none">
+            <a:spAutoFit/>
+          </a:bodyPr>
+          <a:lstStyle/>
+          <a:p>
+            <a:pPr algn="ctr">
+              <a:lnSpc>
+                <a:spcPts val="4800"/>
+              </a:lnSpc>
+              <a:defRPr sz="4500">
+                <a:solidFill>
+                  <a:srgbClr val="000000"/>
+                </a:solidFill>
+              </a:defRPr>
+            </a:pPr>
+            <a:r>
+              <a:t>พระเยซู บุตรพระเจ้า</a:t>
+            </a:r>
+            <a:br/>
+            <a:r>
+              <a:t>นามพระองค์ทรงคุณอนันต์</a:t>
+            </a:r>
+            <a:br/>
+            <a:r>
+              <a:t>พระเยซู บุตรพระเจ้า</a:t>
+            </a:r>
+            <a:br/>
+            <a:r>
+              <a:t>ทรงพระคุณอนันต์</a:t>
+            </a:r>
+          </a:p>
+        </p:txBody>
+      </p:sp>
+      <p:sp>
+        <p:nvSpPr>
+          <p:cNvPr id="3" name="TextBox 2"/>
+          <p:cNvSpPr txBox="1"/>
+          <p:nvPr/>
+        </p:nvSpPr>
+        <p:spPr>
+          <a:xfrm>
+            <a:off x="685800" y="3657600"/>
+            <a:ext cx="7772400" cy="2971800"/>
+          </a:xfrm>
+          <a:prstGeom prst="rect">
+            <a:avLst/>
+          </a:prstGeom>
+          <a:noFill/>
+        </p:spPr>
+        <p:txBody>
+          <a:bodyPr wrap="none">
+            <a:spAutoFit/>
+          </a:bodyPr>
+          <a:lstStyle/>
+          <a:p>
+            <a:pPr algn="ctr">
+              <a:lnSpc>
+                <a:spcPts val="4800"/>
+              </a:lnSpc>
+              <a:defRPr sz="4200">
+                <a:solidFill>
+                  <a:srgbClr val="3A70BC"/>
+                </a:solidFill>
+              </a:defRPr>
+            </a:pPr>
+            <a:r>
+              <a:t>Jesus Lamb of God worthy is your name</a:t>
+            </a:r>
+            <a:br/>
+            <a:r>
+              <a:t> Jesus Lamb of God worthy is your name</a:t>
+            </a:r>
+            <a:br/>
+          </a:p>
+        </p:txBody>
+      </p:sp>
+    </p:spTree>
+  </p:cSld>
+  <p:clrMapOvr>
+    <a:masterClrMapping/>
+  </p:clrMapOvr>
+</p:sld>
+</file>
+
+<file path=ppt/slides/slide29.xml><?xml version="1.0" encoding="utf-8"?>
+<p:sld xmlns:a="http://schemas.openxmlformats.org/drawingml/2006/main" xmlns:p="http://schemas.openxmlformats.org/presentationml/2006/main" xmlns:r="http://schemas.openxmlformats.org/officeDocument/2006/relationships">
+  <p:cSld>
+    <p:spTree>
+      <p:nvGrpSpPr>
+        <p:cNvPr id="1" name=""/>
+        <p:cNvGrpSpPr/>
+        <p:nvPr/>
+      </p:nvGrpSpPr>
+      <p:grpSpPr/>
+      <p:sp>
+        <p:nvSpPr>
+          <p:cNvPr id="2" name="Title 1"/>
+          <p:cNvSpPr>
+            <a:spLocks noGrp="1"/>
+          </p:cNvSpPr>
+          <p:nvPr>
+            <p:ph type="ctrTitle"/>
+          </p:nvPr>
+        </p:nvSpPr>
+        <p:spPr/>
+        <p:txBody>
+          <a:bodyPr/>
+          <a:lstStyle/>
+          <a:p>
+            <a:r>
+              <a:t>เชิญพระวิญญาณแห่งความรักยิ่งใหญ่</a:t>
+            </a:r>
+          </a:p>
+        </p:txBody>
+      </p:sp>
+      <p:sp>
+        <p:nvSpPr>
+          <p:cNvPr id="3" name="Subtitle 2"/>
+          <p:cNvSpPr>
+            <a:spLocks noGrp="1"/>
+          </p:cNvSpPr>
+          <p:nvPr>
+            <p:ph type="subTitle" idx="1"/>
+          </p:nvPr>
+        </p:nvSpPr>
+        <p:spPr/>
+        <p:txBody>
+          <a:bodyPr/>
+          <a:lstStyle/>
+          <a:p>
+            <a:pPr>
+              <a:defRPr sz="4000">
+                <a:solidFill>
+                  <a:srgbClr val="3A70BC"/>
+                </a:solidFill>
+              </a:defRPr>
+            </a:pPr>
+            <a:r>
+              <a:t>Spirit Song</a:t>
+            </a:r>
           </a:p>
         </p:txBody>
       </p:sp>
@@ -3290,7 +5133,7 @@
           <a:noFill/>
         </p:spPr>
         <p:txBody>
-          <a:bodyPr wrap="none">
+          <a:bodyPr wrap="square">
             <a:spAutoFit/>
           </a:bodyPr>
           <a:lstStyle/>
@@ -3299,22 +5142,14 @@
               <a:lnSpc>
                 <a:spcPts val="4800"/>
               </a:lnSpc>
-              <a:defRPr sz="4000">
+              <a:defRPr sz="4500">
                 <a:solidFill>
                   <a:srgbClr val="000000"/>
                 </a:solidFill>
               </a:defRPr>
             </a:pPr>
             <a:r>
-              <a:t>ดวงอาทิตย์ฉายแสงและลาลับไป นี่เป็นเวลาสรรเสริญอีกครา</a:t>
-            </a:r>
-            <a:br/>
-            <a:r>
-              <a:t>ทุกสิ่งพัดผ่านไปและทุกสิ่งจะเกิดขึ้นตามมา</a:t>
-            </a:r>
-            <a:br/>
-            <a:r>
-              <a:t>และฉันจะสรรเสริญเมื่อยามเย็นเยือนมา</a:t>
+              <a:t>ดวงอาทิตย์ฉายแสงและลาลับไป นี่เป็นเวลาสรรเสริญอีกครา ทุกสิ่งพัดผ่านไปและทุกสิ่งจะเกิดขึ้นตามมา และฉันจะสรรเสริญเมื่อยามเย็นเยือนมา</a:t>
             </a:r>
           </a:p>
         </p:txBody>
@@ -3345,7 +5180,7 @@
               <a:lnSpc>
                 <a:spcPts val="4800"/>
               </a:lnSpc>
-              <a:defRPr sz="3500">
+              <a:defRPr sz="4200">
                 <a:solidFill>
                   <a:srgbClr val="3A70BC"/>
                 </a:solidFill>
@@ -3353,6 +5188,813 @@
             </a:pPr>
             <a:r>
               <a:t>The sun comes up, it's a new day dawning. It's time to sing Your song again. Whatever may pass and whatever lies before me. Let me be singing when the evening comes.</a:t>
+            </a:r>
+          </a:p>
+        </p:txBody>
+      </p:sp>
+    </p:spTree>
+  </p:cSld>
+  <p:clrMapOvr>
+    <a:masterClrMapping/>
+  </p:clrMapOvr>
+</p:sld>
+</file>
+
+<file path=ppt/slides/slide30.xml><?xml version="1.0" encoding="utf-8"?>
+<p:sld xmlns:a="http://schemas.openxmlformats.org/drawingml/2006/main" xmlns:p="http://schemas.openxmlformats.org/presentationml/2006/main" xmlns:r="http://schemas.openxmlformats.org/officeDocument/2006/relationships">
+  <p:cSld>
+    <p:spTree>
+      <p:nvGrpSpPr>
+        <p:cNvPr id="1" name=""/>
+        <p:cNvGrpSpPr/>
+        <p:nvPr/>
+      </p:nvGrpSpPr>
+      <p:grpSpPr/>
+      <p:sp>
+        <p:nvSpPr>
+          <p:cNvPr id="2" name="TextBox 1"/>
+          <p:cNvSpPr txBox="1"/>
+          <p:nvPr/>
+        </p:nvSpPr>
+        <p:spPr>
+          <a:xfrm>
+            <a:off x="685800" y="228600"/>
+            <a:ext cx="7772400" cy="2971800"/>
+          </a:xfrm>
+          <a:prstGeom prst="rect">
+            <a:avLst/>
+          </a:prstGeom>
+          <a:noFill/>
+        </p:spPr>
+        <p:txBody>
+          <a:bodyPr wrap="square">
+            <a:spAutoFit/>
+          </a:bodyPr>
+          <a:lstStyle/>
+          <a:p>
+            <a:pPr algn="ctr">
+              <a:lnSpc>
+                <a:spcPts val="4800"/>
+              </a:lnSpc>
+              <a:defRPr sz="4500">
+                <a:solidFill>
+                  <a:srgbClr val="000000"/>
+                </a:solidFill>
+              </a:defRPr>
+            </a:pPr>
+            <a:r>
+              <a:t>เชิญพระวิญญาณแห่งความรักยิ่งใหญ่ ทรงเคลื่อนไหวเหนือเราทุกคน ให้เต็มล้นภายในสันติสุข อิ่มเอมใจ ขอทรงครอบครองความคิดและชีวิต ให้เป็นของพระองค์ทุกสิ่ง โดยพระวิญญาณบริสุทธิ์ เป็นผู้ทรงนำ</a:t>
+            </a:r>
+          </a:p>
+        </p:txBody>
+      </p:sp>
+      <p:sp>
+        <p:nvSpPr>
+          <p:cNvPr id="3" name="TextBox 2"/>
+          <p:cNvSpPr txBox="1"/>
+          <p:nvPr/>
+        </p:nvSpPr>
+        <p:spPr>
+          <a:xfrm>
+            <a:off x="685800" y="3657600"/>
+            <a:ext cx="7772400" cy="2971800"/>
+          </a:xfrm>
+          <a:prstGeom prst="rect">
+            <a:avLst/>
+          </a:prstGeom>
+          <a:noFill/>
+        </p:spPr>
+        <p:txBody>
+          <a:bodyPr wrap="square">
+            <a:spAutoFit/>
+          </a:bodyPr>
+          <a:lstStyle/>
+          <a:p>
+            <a:pPr algn="ctr">
+              <a:lnSpc>
+                <a:spcPts val="4800"/>
+              </a:lnSpc>
+              <a:defRPr sz="4200">
+                <a:solidFill>
+                  <a:srgbClr val="3A70BC"/>
+                </a:solidFill>
+              </a:defRPr>
+            </a:pPr>
+            <a:r>
+              <a:t>Oh let the Son of God enfold you. With His Spirit and His love. Let Him fill your heart and satisfy your soul. Oh let Him have those things that hold you. And His Spirit like a dove. Will descend upon your life and make you whole.</a:t>
+            </a:r>
+          </a:p>
+        </p:txBody>
+      </p:sp>
+    </p:spTree>
+  </p:cSld>
+  <p:clrMapOvr>
+    <a:masterClrMapping/>
+  </p:clrMapOvr>
+</p:sld>
+</file>
+
+<file path=ppt/slides/slide31.xml><?xml version="1.0" encoding="utf-8"?>
+<p:sld xmlns:a="http://schemas.openxmlformats.org/drawingml/2006/main" xmlns:p="http://schemas.openxmlformats.org/presentationml/2006/main" xmlns:r="http://schemas.openxmlformats.org/officeDocument/2006/relationships">
+  <p:cSld>
+    <p:spTree>
+      <p:nvGrpSpPr>
+        <p:cNvPr id="1" name=""/>
+        <p:cNvGrpSpPr/>
+        <p:nvPr/>
+      </p:nvGrpSpPr>
+      <p:grpSpPr/>
+      <p:sp>
+        <p:nvSpPr>
+          <p:cNvPr id="2" name="TextBox 1"/>
+          <p:cNvSpPr txBox="1"/>
+          <p:nvPr/>
+        </p:nvSpPr>
+        <p:spPr>
+          <a:xfrm>
+            <a:off x="685800" y="228600"/>
+            <a:ext cx="7772400" cy="2971800"/>
+          </a:xfrm>
+          <a:prstGeom prst="rect">
+            <a:avLst/>
+          </a:prstGeom>
+          <a:noFill/>
+        </p:spPr>
+        <p:txBody>
+          <a:bodyPr wrap="none">
+            <a:spAutoFit/>
+          </a:bodyPr>
+          <a:lstStyle/>
+          <a:p>
+            <a:pPr algn="ctr">
+              <a:lnSpc>
+                <a:spcPts val="4800"/>
+              </a:lnSpc>
+              <a:defRPr sz="4500">
+                <a:solidFill>
+                  <a:srgbClr val="000000"/>
+                </a:solidFill>
+              </a:defRPr>
+            </a:pPr>
+            <a:r>
+              <a:t>เย...ซู โอ้เย....ซู</a:t>
+            </a:r>
+            <a:br/>
+            <a:r>
+              <a:t>โปรด เจิม เราด้วยไฟ</a:t>
+            </a:r>
+            <a:br/>
+            <a:r>
+              <a:t>เย..ซู โอ้เย....ซู โปรด</a:t>
+            </a:r>
+            <a:br/>
+            <a:r>
+              <a:t>เจิมเรา ด้วยไฟ</a:t>
+            </a:r>
+          </a:p>
+        </p:txBody>
+      </p:sp>
+      <p:sp>
+        <p:nvSpPr>
+          <p:cNvPr id="3" name="TextBox 2"/>
+          <p:cNvSpPr txBox="1"/>
+          <p:nvPr/>
+        </p:nvSpPr>
+        <p:spPr>
+          <a:xfrm>
+            <a:off x="685800" y="3657600"/>
+            <a:ext cx="7772400" cy="2971800"/>
+          </a:xfrm>
+          <a:prstGeom prst="rect">
+            <a:avLst/>
+          </a:prstGeom>
+          <a:noFill/>
+        </p:spPr>
+        <p:txBody>
+          <a:bodyPr wrap="none">
+            <a:spAutoFit/>
+          </a:bodyPr>
+          <a:lstStyle/>
+          <a:p>
+            <a:pPr algn="ctr">
+              <a:lnSpc>
+                <a:spcPts val="4800"/>
+              </a:lnSpc>
+              <a:defRPr sz="4200">
+                <a:solidFill>
+                  <a:srgbClr val="3A70BC"/>
+                </a:solidFill>
+              </a:defRPr>
+            </a:pPr>
+            <a:r>
+              <a:t>Jesus oh Jesus, Come and fill Your lambs</a:t>
+            </a:r>
+            <a:br/>
+            <a:r>
+              <a:t> Jesus oh Jesus, Come and fill Your lambs</a:t>
+            </a:r>
+            <a:br/>
+          </a:p>
+        </p:txBody>
+      </p:sp>
+    </p:spTree>
+  </p:cSld>
+  <p:clrMapOvr>
+    <a:masterClrMapping/>
+  </p:clrMapOvr>
+</p:sld>
+</file>
+
+<file path=ppt/slides/slide32.xml><?xml version="1.0" encoding="utf-8"?>
+<p:sld xmlns:a="http://schemas.openxmlformats.org/drawingml/2006/main" xmlns:p="http://schemas.openxmlformats.org/presentationml/2006/main" xmlns:r="http://schemas.openxmlformats.org/officeDocument/2006/relationships">
+  <p:cSld>
+    <p:spTree>
+      <p:nvGrpSpPr>
+        <p:cNvPr id="1" name=""/>
+        <p:cNvGrpSpPr/>
+        <p:nvPr/>
+      </p:nvGrpSpPr>
+      <p:grpSpPr/>
+      <p:sp>
+        <p:nvSpPr>
+          <p:cNvPr id="2" name="TextBox 1"/>
+          <p:cNvSpPr txBox="1"/>
+          <p:nvPr/>
+        </p:nvSpPr>
+        <p:spPr>
+          <a:xfrm>
+            <a:off x="685800" y="228600"/>
+            <a:ext cx="7772400" cy="2971800"/>
+          </a:xfrm>
+          <a:prstGeom prst="rect">
+            <a:avLst/>
+          </a:prstGeom>
+          <a:noFill/>
+        </p:spPr>
+        <p:txBody>
+          <a:bodyPr wrap="square">
+            <a:spAutoFit/>
+          </a:bodyPr>
+          <a:lstStyle/>
+          <a:p>
+            <a:pPr algn="ctr">
+              <a:lnSpc>
+                <a:spcPts val="4800"/>
+              </a:lnSpc>
+              <a:defRPr sz="4500">
+                <a:solidFill>
+                  <a:srgbClr val="000000"/>
+                </a:solidFill>
+              </a:defRPr>
+            </a:pPr>
+            <a:r>
+              <a:t>...</a:t>
+            </a:r>
+          </a:p>
+        </p:txBody>
+      </p:sp>
+      <p:sp>
+        <p:nvSpPr>
+          <p:cNvPr id="3" name="TextBox 2"/>
+          <p:cNvSpPr txBox="1"/>
+          <p:nvPr/>
+        </p:nvSpPr>
+        <p:spPr>
+          <a:xfrm>
+            <a:off x="685800" y="3657600"/>
+            <a:ext cx="7772400" cy="2971800"/>
+          </a:xfrm>
+          <a:prstGeom prst="rect">
+            <a:avLst/>
+          </a:prstGeom>
+          <a:noFill/>
+        </p:spPr>
+        <p:txBody>
+          <a:bodyPr wrap="square">
+            <a:spAutoFit/>
+          </a:bodyPr>
+          <a:lstStyle/>
+          <a:p>
+            <a:pPr algn="ctr">
+              <a:lnSpc>
+                <a:spcPts val="4800"/>
+              </a:lnSpc>
+              <a:defRPr sz="4200">
+                <a:solidFill>
+                  <a:srgbClr val="3A70BC"/>
+                </a:solidFill>
+              </a:defRPr>
+            </a:pPr>
+            <a:r>
+              <a:t>Oh come and sing the song of gladness. As your hearts are filled with joy. Lift your hands in sweet surrender to His name. Oh give Him all your tears and sadness. Give Him all your years of pain. And you'll enter into life in Jesus' name.</a:t>
+            </a:r>
+          </a:p>
+        </p:txBody>
+      </p:sp>
+    </p:spTree>
+  </p:cSld>
+  <p:clrMapOvr>
+    <a:masterClrMapping/>
+  </p:clrMapOvr>
+</p:sld>
+</file>
+
+<file path=ppt/slides/slide33.xml><?xml version="1.0" encoding="utf-8"?>
+<p:sld xmlns:a="http://schemas.openxmlformats.org/drawingml/2006/main" xmlns:p="http://schemas.openxmlformats.org/presentationml/2006/main" xmlns:r="http://schemas.openxmlformats.org/officeDocument/2006/relationships">
+  <p:cSld>
+    <p:spTree>
+      <p:nvGrpSpPr>
+        <p:cNvPr id="1" name=""/>
+        <p:cNvGrpSpPr/>
+        <p:nvPr/>
+      </p:nvGrpSpPr>
+      <p:grpSpPr/>
+      <p:sp>
+        <p:nvSpPr>
+          <p:cNvPr id="2" name="TextBox 1"/>
+          <p:cNvSpPr txBox="1"/>
+          <p:nvPr/>
+        </p:nvSpPr>
+        <p:spPr>
+          <a:xfrm>
+            <a:off x="685800" y="228600"/>
+            <a:ext cx="7772400" cy="2971800"/>
+          </a:xfrm>
+          <a:prstGeom prst="rect">
+            <a:avLst/>
+          </a:prstGeom>
+          <a:noFill/>
+        </p:spPr>
+        <p:txBody>
+          <a:bodyPr wrap="none">
+            <a:spAutoFit/>
+          </a:bodyPr>
+          <a:lstStyle/>
+          <a:p>
+            <a:pPr algn="ctr">
+              <a:lnSpc>
+                <a:spcPts val="4800"/>
+              </a:lnSpc>
+              <a:defRPr sz="4500">
+                <a:solidFill>
+                  <a:srgbClr val="000000"/>
+                </a:solidFill>
+              </a:defRPr>
+            </a:pPr>
+            <a:r>
+              <a:t>เย...ซู โอ้เย....ซู</a:t>
+            </a:r>
+            <a:br/>
+            <a:r>
+              <a:t>โปรด เจิม เราด้วยไฟ</a:t>
+            </a:r>
+            <a:br/>
+            <a:r>
+              <a:t>เย..ซู โอ้เย....ซู โปรด</a:t>
+            </a:r>
+            <a:br/>
+            <a:r>
+              <a:t>เจิมเรา ด้วยไฟ</a:t>
+            </a:r>
+          </a:p>
+        </p:txBody>
+      </p:sp>
+      <p:sp>
+        <p:nvSpPr>
+          <p:cNvPr id="3" name="TextBox 2"/>
+          <p:cNvSpPr txBox="1"/>
+          <p:nvPr/>
+        </p:nvSpPr>
+        <p:spPr>
+          <a:xfrm>
+            <a:off x="685800" y="3657600"/>
+            <a:ext cx="7772400" cy="2971800"/>
+          </a:xfrm>
+          <a:prstGeom prst="rect">
+            <a:avLst/>
+          </a:prstGeom>
+          <a:noFill/>
+        </p:spPr>
+        <p:txBody>
+          <a:bodyPr wrap="none">
+            <a:spAutoFit/>
+          </a:bodyPr>
+          <a:lstStyle/>
+          <a:p>
+            <a:pPr algn="ctr">
+              <a:lnSpc>
+                <a:spcPts val="4800"/>
+              </a:lnSpc>
+              <a:defRPr sz="4200">
+                <a:solidFill>
+                  <a:srgbClr val="3A70BC"/>
+                </a:solidFill>
+              </a:defRPr>
+            </a:pPr>
+            <a:r>
+              <a:t>Jesus oh Jesus, Come and fill Your lambs</a:t>
+            </a:r>
+            <a:br/>
+            <a:r>
+              <a:t> Jesus oh Jesus, Come and fill Your lambs</a:t>
+            </a:r>
+            <a:br/>
+          </a:p>
+        </p:txBody>
+      </p:sp>
+    </p:spTree>
+  </p:cSld>
+  <p:clrMapOvr>
+    <a:masterClrMapping/>
+  </p:clrMapOvr>
+</p:sld>
+</file>
+
+<file path=ppt/slides/slide34.xml><?xml version="1.0" encoding="utf-8"?>
+<p:sld xmlns:a="http://schemas.openxmlformats.org/drawingml/2006/main" xmlns:p="http://schemas.openxmlformats.org/presentationml/2006/main" xmlns:r="http://schemas.openxmlformats.org/officeDocument/2006/relationships">
+  <p:cSld>
+    <p:spTree>
+      <p:nvGrpSpPr>
+        <p:cNvPr id="1" name=""/>
+        <p:cNvGrpSpPr/>
+        <p:nvPr/>
+      </p:nvGrpSpPr>
+      <p:grpSpPr/>
+      <p:sp>
+        <p:nvSpPr>
+          <p:cNvPr id="2" name="Title 1"/>
+          <p:cNvSpPr>
+            <a:spLocks noGrp="1"/>
+          </p:cNvSpPr>
+          <p:nvPr>
+            <p:ph type="ctrTitle"/>
+          </p:nvPr>
+        </p:nvSpPr>
+        <p:spPr/>
+        <p:txBody>
+          <a:bodyPr/>
+          <a:lstStyle/>
+          <a:p>
+            <a:r>
+              <a:t>ฉันตัดสินใจแล้ว</a:t>
+            </a:r>
+          </a:p>
+        </p:txBody>
+      </p:sp>
+      <p:sp>
+        <p:nvSpPr>
+          <p:cNvPr id="3" name="Subtitle 2"/>
+          <p:cNvSpPr>
+            <a:spLocks noGrp="1"/>
+          </p:cNvSpPr>
+          <p:nvPr>
+            <p:ph type="subTitle" idx="1"/>
+          </p:nvPr>
+        </p:nvSpPr>
+        <p:spPr/>
+        <p:txBody>
+          <a:bodyPr/>
+          <a:lstStyle/>
+          <a:p>
+            <a:pPr>
+              <a:defRPr sz="4000">
+                <a:solidFill>
+                  <a:srgbClr val="3A70BC"/>
+                </a:solidFill>
+              </a:defRPr>
+            </a:pPr>
+            <a:r>
+              <a:t>I Have Decided to Follow Jesus</a:t>
+            </a:r>
+          </a:p>
+        </p:txBody>
+      </p:sp>
+    </p:spTree>
+  </p:cSld>
+  <p:clrMapOvr>
+    <a:masterClrMapping/>
+  </p:clrMapOvr>
+</p:sld>
+</file>
+
+<file path=ppt/slides/slide35.xml><?xml version="1.0" encoding="utf-8"?>
+<p:sld xmlns:a="http://schemas.openxmlformats.org/drawingml/2006/main" xmlns:p="http://schemas.openxmlformats.org/presentationml/2006/main" xmlns:r="http://schemas.openxmlformats.org/officeDocument/2006/relationships">
+  <p:cSld>
+    <p:spTree>
+      <p:nvGrpSpPr>
+        <p:cNvPr id="1" name=""/>
+        <p:cNvGrpSpPr/>
+        <p:nvPr/>
+      </p:nvGrpSpPr>
+      <p:grpSpPr/>
+      <p:sp>
+        <p:nvSpPr>
+          <p:cNvPr id="2" name="TextBox 1"/>
+          <p:cNvSpPr txBox="1"/>
+          <p:nvPr/>
+        </p:nvSpPr>
+        <p:spPr>
+          <a:xfrm>
+            <a:off x="685800" y="228600"/>
+            <a:ext cx="7772400" cy="2971800"/>
+          </a:xfrm>
+          <a:prstGeom prst="rect">
+            <a:avLst/>
+          </a:prstGeom>
+          <a:noFill/>
+        </p:spPr>
+        <p:txBody>
+          <a:bodyPr wrap="none">
+            <a:spAutoFit/>
+          </a:bodyPr>
+          <a:lstStyle/>
+          <a:p>
+            <a:pPr algn="ctr">
+              <a:lnSpc>
+                <a:spcPts val="4800"/>
+              </a:lnSpc>
+              <a:defRPr sz="4500">
+                <a:solidFill>
+                  <a:srgbClr val="000000"/>
+                </a:solidFill>
+              </a:defRPr>
+            </a:pPr>
+            <a:r>
+              <a:t>1.ฉันตัดสินใจแล้วจะตามพระเยซู</a:t>
+            </a:r>
+            <a:br/>
+            <a:r>
+              <a:t> ฉันตัดสินใจแล้วจะตามพระเยซู</a:t>
+            </a:r>
+            <a:br/>
+            <a:r>
+              <a:t> ฉันตัดสินใจแล้วจะตามพระเยซู</a:t>
+            </a:r>
+            <a:br/>
+            <a:r>
+              <a:t> ไม่หันกลับเลยไม่หันกลับเลย</a:t>
+            </a:r>
+          </a:p>
+        </p:txBody>
+      </p:sp>
+      <p:sp>
+        <p:nvSpPr>
+          <p:cNvPr id="3" name="TextBox 2"/>
+          <p:cNvSpPr txBox="1"/>
+          <p:nvPr/>
+        </p:nvSpPr>
+        <p:spPr>
+          <a:xfrm>
+            <a:off x="685800" y="3657600"/>
+            <a:ext cx="7772400" cy="2971800"/>
+          </a:xfrm>
+          <a:prstGeom prst="rect">
+            <a:avLst/>
+          </a:prstGeom>
+          <a:noFill/>
+        </p:spPr>
+        <p:txBody>
+          <a:bodyPr wrap="square">
+            <a:spAutoFit/>
+          </a:bodyPr>
+          <a:lstStyle/>
+          <a:p>
+            <a:pPr algn="ctr">
+              <a:lnSpc>
+                <a:spcPts val="4800"/>
+              </a:lnSpc>
+              <a:defRPr sz="4200">
+                <a:solidFill>
+                  <a:srgbClr val="3A70BC"/>
+                </a:solidFill>
+              </a:defRPr>
+            </a:pPr>
+            <a:r>
+              <a:t>I have decided to follow Jesus. I have decided to follow Jesus. I have decided to follow Jesus. No turning back, no turning back.</a:t>
+            </a:r>
+          </a:p>
+        </p:txBody>
+      </p:sp>
+    </p:spTree>
+  </p:cSld>
+  <p:clrMapOvr>
+    <a:masterClrMapping/>
+  </p:clrMapOvr>
+</p:sld>
+</file>
+
+<file path=ppt/slides/slide36.xml><?xml version="1.0" encoding="utf-8"?>
+<p:sld xmlns:a="http://schemas.openxmlformats.org/drawingml/2006/main" xmlns:p="http://schemas.openxmlformats.org/presentationml/2006/main" xmlns:r="http://schemas.openxmlformats.org/officeDocument/2006/relationships">
+  <p:cSld>
+    <p:spTree>
+      <p:nvGrpSpPr>
+        <p:cNvPr id="1" name=""/>
+        <p:cNvGrpSpPr/>
+        <p:nvPr/>
+      </p:nvGrpSpPr>
+      <p:grpSpPr/>
+      <p:sp>
+        <p:nvSpPr>
+          <p:cNvPr id="2" name="TextBox 1"/>
+          <p:cNvSpPr txBox="1"/>
+          <p:nvPr/>
+        </p:nvSpPr>
+        <p:spPr>
+          <a:xfrm>
+            <a:off x="685800" y="228600"/>
+            <a:ext cx="7772400" cy="2971800"/>
+          </a:xfrm>
+          <a:prstGeom prst="rect">
+            <a:avLst/>
+          </a:prstGeom>
+          <a:noFill/>
+        </p:spPr>
+        <p:txBody>
+          <a:bodyPr wrap="none">
+            <a:spAutoFit/>
+          </a:bodyPr>
+          <a:lstStyle/>
+          <a:p>
+            <a:pPr algn="ctr">
+              <a:lnSpc>
+                <a:spcPts val="4800"/>
+              </a:lnSpc>
+              <a:defRPr sz="4500">
+                <a:solidFill>
+                  <a:srgbClr val="000000"/>
+                </a:solidFill>
+              </a:defRPr>
+            </a:pPr>
+            <a:r>
+              <a:t>2.กางเขนอยู่เบื้องหน้าทิ้งโลกไว้เบื้องหลัง</a:t>
+            </a:r>
+            <a:br/>
+            <a:r>
+              <a:t> กางเขนอยู่เบื้องหน้าทิ้งโลกไว้เบื้องหลัง</a:t>
+            </a:r>
+            <a:br/>
+            <a:r>
+              <a:t> กางเขนอยู่เบื้องหน้าทิ้งโลกไว้เบื้องหลัง</a:t>
+            </a:r>
+            <a:br/>
+            <a:r>
+              <a:t>ไม่หันกลับเลยไม่หันกลับเลย</a:t>
+            </a:r>
+          </a:p>
+        </p:txBody>
+      </p:sp>
+      <p:sp>
+        <p:nvSpPr>
+          <p:cNvPr id="3" name="TextBox 2"/>
+          <p:cNvSpPr txBox="1"/>
+          <p:nvPr/>
+        </p:nvSpPr>
+        <p:spPr>
+          <a:xfrm>
+            <a:off x="685800" y="3657600"/>
+            <a:ext cx="7772400" cy="2971800"/>
+          </a:xfrm>
+          <a:prstGeom prst="rect">
+            <a:avLst/>
+          </a:prstGeom>
+          <a:noFill/>
+        </p:spPr>
+        <p:txBody>
+          <a:bodyPr wrap="none">
+            <a:spAutoFit/>
+          </a:bodyPr>
+          <a:lstStyle/>
+          <a:p>
+            <a:pPr algn="ctr">
+              <a:lnSpc>
+                <a:spcPts val="4800"/>
+              </a:lnSpc>
+              <a:defRPr sz="4200">
+                <a:solidFill>
+                  <a:srgbClr val="3A70BC"/>
+                </a:solidFill>
+              </a:defRPr>
+            </a:pPr>
+            <a:r>
+              <a:t>The world behind me, the cross before me</a:t>
+            </a:r>
+            <a:br/>
+            <a:r>
+              <a:t> The world behind me, the cross before me</a:t>
+            </a:r>
+            <a:br/>
+            <a:r>
+              <a:t> The world behind me, the cross before me</a:t>
+            </a:r>
+            <a:br/>
+            <a:r>
+              <a:t> No turning back, no turning back.</a:t>
+            </a:r>
+          </a:p>
+        </p:txBody>
+      </p:sp>
+    </p:spTree>
+  </p:cSld>
+  <p:clrMapOvr>
+    <a:masterClrMapping/>
+  </p:clrMapOvr>
+</p:sld>
+</file>
+
+<file path=ppt/slides/slide37.xml><?xml version="1.0" encoding="utf-8"?>
+<p:sld xmlns:a="http://schemas.openxmlformats.org/drawingml/2006/main" xmlns:p="http://schemas.openxmlformats.org/presentationml/2006/main" xmlns:r="http://schemas.openxmlformats.org/officeDocument/2006/relationships">
+  <p:cSld>
+    <p:spTree>
+      <p:nvGrpSpPr>
+        <p:cNvPr id="1" name=""/>
+        <p:cNvGrpSpPr/>
+        <p:nvPr/>
+      </p:nvGrpSpPr>
+      <p:grpSpPr/>
+      <p:sp>
+        <p:nvSpPr>
+          <p:cNvPr id="2" name="TextBox 1"/>
+          <p:cNvSpPr txBox="1"/>
+          <p:nvPr/>
+        </p:nvSpPr>
+        <p:spPr>
+          <a:xfrm>
+            <a:off x="685800" y="228600"/>
+            <a:ext cx="7772400" cy="2971800"/>
+          </a:xfrm>
+          <a:prstGeom prst="rect">
+            <a:avLst/>
+          </a:prstGeom>
+          <a:noFill/>
+        </p:spPr>
+        <p:txBody>
+          <a:bodyPr wrap="none">
+            <a:spAutoFit/>
+          </a:bodyPr>
+          <a:lstStyle/>
+          <a:p>
+            <a:pPr algn="ctr">
+              <a:lnSpc>
+                <a:spcPts val="4800"/>
+              </a:lnSpc>
+              <a:defRPr sz="4500">
+                <a:solidFill>
+                  <a:srgbClr val="000000"/>
+                </a:solidFill>
+              </a:defRPr>
+            </a:pPr>
+            <a:r>
+              <a:t>3.แม้ใครไม่ไปด้วยฉันก็จะตามไป</a:t>
+            </a:r>
+            <a:br/>
+            <a:r>
+              <a:t> แม้ใครไม่ไปด้วยฉันก็จะตามไป</a:t>
+            </a:r>
+            <a:br/>
+            <a:r>
+              <a:t> แม้ใครไม่ไปด้วยฉันก็จะตามไป</a:t>
+            </a:r>
+            <a:br/>
+            <a:r>
+              <a:t> ไม่หันกลับเลยไม่หันกลับเลย</a:t>
+            </a:r>
+          </a:p>
+        </p:txBody>
+      </p:sp>
+      <p:sp>
+        <p:nvSpPr>
+          <p:cNvPr id="3" name="TextBox 2"/>
+          <p:cNvSpPr txBox="1"/>
+          <p:nvPr/>
+        </p:nvSpPr>
+        <p:spPr>
+          <a:xfrm>
+            <a:off x="685800" y="3657600"/>
+            <a:ext cx="7772400" cy="2971800"/>
+          </a:xfrm>
+          <a:prstGeom prst="rect">
+            <a:avLst/>
+          </a:prstGeom>
+          <a:noFill/>
+        </p:spPr>
+        <p:txBody>
+          <a:bodyPr wrap="square">
+            <a:spAutoFit/>
+          </a:bodyPr>
+          <a:lstStyle/>
+          <a:p>
+            <a:pPr algn="ctr">
+              <a:lnSpc>
+                <a:spcPts val="4800"/>
+              </a:lnSpc>
+              <a:defRPr sz="4200">
+                <a:solidFill>
+                  <a:srgbClr val="3A70BC"/>
+                </a:solidFill>
+              </a:defRPr>
+            </a:pPr>
+            <a:r>
+              <a:t>Though none go with me, still I will follow. Though none go with me, still I will follow. Though none go with me, still I will follow. No turning back, no turning back.</a:t>
             </a:r>
           </a:p>
         </p:txBody>
@@ -3401,7 +6043,7 @@
               <a:lnSpc>
                 <a:spcPts val="4800"/>
               </a:lnSpc>
-              <a:defRPr sz="4000">
+              <a:defRPr sz="4500">
                 <a:solidFill>
                   <a:srgbClr val="000000"/>
                 </a:solidFill>
@@ -3438,7 +6080,7 @@
           <a:noFill/>
         </p:spPr>
         <p:txBody>
-          <a:bodyPr wrap="none">
+          <a:bodyPr wrap="square">
             <a:spAutoFit/>
           </a:bodyPr>
           <a:lstStyle/>
@@ -3447,24 +6089,15 @@
               <a:lnSpc>
                 <a:spcPts val="4800"/>
               </a:lnSpc>
-              <a:defRPr sz="3500">
+              <a:defRPr sz="4200">
                 <a:solidFill>
                   <a:srgbClr val="3A70BC"/>
                 </a:solidFill>
               </a:defRPr>
             </a:pPr>
             <a:r>
-              <a:t>Bless the Lord, O my soul, O my soul</a:t>
-            </a:r>
-            <a:br/>
-            <a:r>
-              <a:t> Worship His holy name. Sing like never before</a:t>
-            </a:r>
-            <a:br/>
-            <a:r>
-              <a:t> O my soul. I'll worship Your holy name</a:t>
-            </a:r>
-            <a:br/>
+              <a:t>Bless the Lord, O my soul, O my soul. Worship His holy name. Sing like never before, O my soul. I'll worship Your holy name.</a:t>
+            </a:r>
           </a:p>
         </p:txBody>
       </p:sp>
@@ -3512,7 +6145,7 @@
               <a:lnSpc>
                 <a:spcPts val="4800"/>
               </a:lnSpc>
-              <a:defRPr sz="4000">
+              <a:defRPr sz="4500">
                 <a:solidFill>
                   <a:srgbClr val="000000"/>
                 </a:solidFill>
@@ -3550,7 +6183,7 @@
               <a:lnSpc>
                 <a:spcPts val="4800"/>
               </a:lnSpc>
-              <a:defRPr sz="3500">
+              <a:defRPr sz="4200">
                 <a:solidFill>
                   <a:srgbClr val="3A70BC"/>
                 </a:solidFill>
@@ -3606,7 +6239,7 @@
               <a:lnSpc>
                 <a:spcPts val="4800"/>
               </a:lnSpc>
-              <a:defRPr sz="4000">
+              <a:defRPr sz="4500">
                 <a:solidFill>
                   <a:srgbClr val="000000"/>
                 </a:solidFill>
@@ -3643,7 +6276,7 @@
           <a:noFill/>
         </p:spPr>
         <p:txBody>
-          <a:bodyPr wrap="none">
+          <a:bodyPr wrap="square">
             <a:spAutoFit/>
           </a:bodyPr>
           <a:lstStyle/>
@@ -3652,24 +6285,15 @@
               <a:lnSpc>
                 <a:spcPts val="4800"/>
               </a:lnSpc>
-              <a:defRPr sz="3500">
+              <a:defRPr sz="4200">
                 <a:solidFill>
                   <a:srgbClr val="3A70BC"/>
                 </a:solidFill>
               </a:defRPr>
             </a:pPr>
             <a:r>
-              <a:t>Bless the Lord, O my soul, O my soul</a:t>
-            </a:r>
-            <a:br/>
-            <a:r>
-              <a:t> Worship His holy name. Sing like never before</a:t>
-            </a:r>
-            <a:br/>
-            <a:r>
-              <a:t> O my soul. I'll worship Your holy name</a:t>
-            </a:r>
-            <a:br/>
+              <a:t>Bless the Lord, O my soul, O my soul. Worship His holy name. Sing like never before, O my soul. I'll worship Your holy name.</a:t>
+            </a:r>
           </a:p>
         </p:txBody>
       </p:sp>
@@ -3708,7 +6332,7 @@
           <a:noFill/>
         </p:spPr>
         <p:txBody>
-          <a:bodyPr wrap="none">
+          <a:bodyPr wrap="square">
             <a:spAutoFit/>
           </a:bodyPr>
           <a:lstStyle/>
@@ -3717,13 +6341,15 @@
               <a:lnSpc>
                 <a:spcPts val="4800"/>
               </a:lnSpc>
-              <a:defRPr sz="4000">
+              <a:defRPr sz="4500">
                 <a:solidFill>
                   <a:srgbClr val="000000"/>
                 </a:solidFill>
               </a:defRPr>
             </a:pPr>
-            <a:br/>
+            <a:r>
+              <a:t>ดวงอาทิตย์ฉายแสงและลาลับไป นี่เป็นเวลาสรรเสริญอีกครา ทุกสิ่งพัดผ่านไปและทุกสิ่งจะเกิดขึ้นตามมา และฉันจะสรรเสริญเมื่อยามเย็นเยือนมา</a:t>
+            </a:r>
           </a:p>
         </p:txBody>
       </p:sp>
@@ -3753,7 +6379,7 @@
               <a:lnSpc>
                 <a:spcPts val="4800"/>
               </a:lnSpc>
-              <a:defRPr sz="3500">
+              <a:defRPr sz="4200">
                 <a:solidFill>
                   <a:srgbClr val="3A70BC"/>
                 </a:solidFill>
@@ -3809,7 +6435,7 @@
               <a:lnSpc>
                 <a:spcPts val="4800"/>
               </a:lnSpc>
-              <a:defRPr sz="4000">
+              <a:defRPr sz="4500">
                 <a:solidFill>
                   <a:srgbClr val="000000"/>
                 </a:solidFill>
@@ -3846,7 +6472,7 @@
           <a:noFill/>
         </p:spPr>
         <p:txBody>
-          <a:bodyPr wrap="none">
+          <a:bodyPr wrap="square">
             <a:spAutoFit/>
           </a:bodyPr>
           <a:lstStyle/>
@@ -3855,24 +6481,82 @@
               <a:lnSpc>
                 <a:spcPts val="4800"/>
               </a:lnSpc>
-              <a:defRPr sz="3500">
+              <a:defRPr sz="4200">
                 <a:solidFill>
                   <a:srgbClr val="3A70BC"/>
                 </a:solidFill>
               </a:defRPr>
             </a:pPr>
             <a:r>
-              <a:t>Bless the Lord, O my soul, O my soul</a:t>
-            </a:r>
-            <a:br/>
-            <a:r>
-              <a:t> Worship His holy name. Sing like never before</a:t>
-            </a:r>
-            <a:br/>
-            <a:r>
-              <a:t> O my soul. I'll worship Your holy name</a:t>
-            </a:r>
-            <a:br/>
+              <a:t>Bless the Lord, O my soul, O my soul. Worship His holy name. Sing like never before, O my soul. I'll worship Your holy name.</a:t>
+            </a:r>
+          </a:p>
+        </p:txBody>
+      </p:sp>
+    </p:spTree>
+  </p:cSld>
+  <p:clrMapOvr>
+    <a:masterClrMapping/>
+  </p:clrMapOvr>
+</p:sld>
+</file>
+
+<file path=ppt/slides/slide9.xml><?xml version="1.0" encoding="utf-8"?>
+<p:sld xmlns:a="http://schemas.openxmlformats.org/drawingml/2006/main" xmlns:p="http://schemas.openxmlformats.org/presentationml/2006/main" xmlns:r="http://schemas.openxmlformats.org/officeDocument/2006/relationships">
+  <p:cSld>
+    <p:spTree>
+      <p:nvGrpSpPr>
+        <p:cNvPr id="1" name=""/>
+        <p:cNvGrpSpPr/>
+        <p:nvPr/>
+      </p:nvGrpSpPr>
+      <p:grpSpPr/>
+      <p:sp>
+        <p:nvSpPr>
+          <p:cNvPr id="2" name="Title 1"/>
+          <p:cNvSpPr>
+            <a:spLocks noGrp="1"/>
+          </p:cNvSpPr>
+          <p:nvPr>
+            <p:ph type="ctrTitle"/>
+          </p:nvPr>
+        </p:nvSpPr>
+        <p:spPr/>
+        <p:txBody>
+          <a:bodyPr/>
+          <a:lstStyle/>
+          <a:p>
+            <a:r>
+              <a:t>เพราะพระองค์ทรงอยู่</a:t>
+            </a:r>
+          </a:p>
+        </p:txBody>
+      </p:sp>
+      <p:sp>
+        <p:nvSpPr>
+          <p:cNvPr id="3" name="Subtitle 2"/>
+          <p:cNvSpPr>
+            <a:spLocks noGrp="1"/>
+          </p:cNvSpPr>
+          <p:nvPr>
+            <p:ph type="subTitle" idx="1"/>
+          </p:nvPr>
+        </p:nvSpPr>
+        <p:spPr/>
+        <p:txBody>
+          <a:bodyPr/>
+          <a:lstStyle/>
+          <a:p>
+            <a:pPr>
+              <a:defRPr sz="4000">
+                <a:solidFill>
+                  <a:srgbClr val="3A70BC"/>
+                </a:solidFill>
+              </a:defRPr>
+            </a:pPr>
+            <a:r>
+              <a:t>Because He Lives</a:t>
+            </a:r>
           </a:p>
         </p:txBody>
       </p:sp>

--- a/finishedppt/WorshipSongs.pptx
+++ b/finishedppt/WorshipSongs.pptx
@@ -30,18 +30,6 @@
     <p:sldId id="278" r:id="rId29"/>
     <p:sldId id="279" r:id="rId30"/>
     <p:sldId id="280" r:id="rId31"/>
-    <p:sldId id="281" r:id="rId32"/>
-    <p:sldId id="282" r:id="rId33"/>
-    <p:sldId id="283" r:id="rId34"/>
-    <p:sldId id="284" r:id="rId35"/>
-    <p:sldId id="285" r:id="rId36"/>
-    <p:sldId id="286" r:id="rId37"/>
-    <p:sldId id="287" r:id="rId38"/>
-    <p:sldId id="288" r:id="rId39"/>
-    <p:sldId id="289" r:id="rId40"/>
-    <p:sldId id="290" r:id="rId41"/>
-    <p:sldId id="291" r:id="rId42"/>
-    <p:sldId id="292" r:id="rId43"/>
   </p:sldIdLst>
   <p:sldSz cx="9144000" cy="6858000" type="screen4x3"/>
   <p:notesSz cx="6858000" cy="9144000"/>
@@ -3140,7 +3128,7 @@
           <a:lstStyle/>
           <a:p>
             <a:r>
-              <a:t>หนึ่งหมื่นเหตุผล</a:t>
+              <a:t>ไฟไฟไฟ</a:t>
             </a:r>
           </a:p>
         </p:txBody>
@@ -3167,9 +3155,6 @@
                 </a:solidFill>
               </a:defRPr>
             </a:pPr>
-            <a:r>
-              <a:t>10,000 Reasons</a:t>
-            </a:r>
           </a:p>
         </p:txBody>
       </p:sp>
@@ -3208,7 +3193,7 @@
           <a:noFill/>
         </p:spPr>
         <p:txBody>
-          <a:bodyPr wrap="square">
+          <a:bodyPr wrap="none">
             <a:spAutoFit/>
           </a:bodyPr>
           <a:lstStyle/>
@@ -3217,14 +3202,26 @@
               <a:lnSpc>
                 <a:spcPts val="4800"/>
               </a:lnSpc>
-              <a:defRPr sz="4500">
+              <a:defRPr sz="4400">
                 <a:solidFill>
                   <a:srgbClr val="000000"/>
                 </a:solidFill>
               </a:defRPr>
             </a:pPr>
             <a:r>
-              <a:t>พระเจ้าประทาน พระเยซู พระบุตร ทรงรักและให้อภัยแก่ข้า ทรงไถ่ตัวข้า ด้วยสละพระชนม์ อุโมงค์ว่างเปล่า ย่อมยืนยันว่าพระองค์ทรงอยู่</a:t>
+              <a:t>พระองค์งดงามตระการ ควรพระบารมี ให้เราร่วมกันยินดี</a:t>
+            </a:r>
+            <a:br/>
+            <a:r>
+              <a:t>ให้เราร่วมกันยินดี พระองค์เป็นความสว่าง</a:t>
+            </a:r>
+            <a:br/>
+            <a:r>
+              <a:t>และความมืดอันตรธาน สะท้านด้วยเสียงพระองค์</a:t>
+            </a:r>
+            <a:br/>
+            <a:r>
+              <a:t>สะท้านด้วยเสียงพระองค์</a:t>
             </a:r>
           </a:p>
         </p:txBody>
@@ -3262,7 +3259,7 @@
               </a:defRPr>
             </a:pPr>
             <a:r>
-              <a:t>God sent His son, they called Him Jesus; He came to love, heal and forgive; He lived and died to buy my pardon, An empty grave is there to prove my Savior lives!</a:t>
+              <a:t>The splendor of a King, clothed in majesty. Let all the earth rejoice. All the earth rejoice. He wraps himself in Light, and darkness tries to hide. And trembles at His voice. Trembles at His voice.</a:t>
             </a:r>
           </a:p>
         </p:txBody>
@@ -3311,26 +3308,22 @@
               <a:lnSpc>
                 <a:spcPts val="4800"/>
               </a:lnSpc>
-              <a:defRPr sz="4500">
+              <a:defRPr sz="4400">
                 <a:solidFill>
                   <a:srgbClr val="000000"/>
                 </a:solidFill>
               </a:defRPr>
             </a:pPr>
             <a:r>
-              <a:t>เพราะพระองค์ทรงอยู่ ข้าเผชิญพรุ่งนี้ได้</a:t>
+              <a:t>พระเจ้าทรงยิ่งใหญ่ ร้องสรรเสริญ</a:t>
             </a:r>
             <a:br/>
             <a:r>
-              <a:t>เพราะพระองค์ทรงอยู่ ความกลัวหายไป เพราะข้าแน่ใจ</a:t>
+              <a:t>พระเจ้าทรงยิ่งใหญ่ ร้องสรรเสริญ</a:t>
             </a:r>
             <a:br/>
             <a:r>
-              <a:t>(แน่ใจ) พระองค์ทรงนำหน้า ข้าจะอดทนเพราะข้าแน่ใจ</a:t>
-            </a:r>
-            <a:br/>
-            <a:r>
-              <a:t>พระองค์ทรงอยู่</a:t>
+              <a:t>พระเจ้า พระเจ้า ทรงยิ่งใหญ่</a:t>
             </a:r>
           </a:p>
         </p:txBody>
@@ -3352,7 +3345,7 @@
           <a:noFill/>
         </p:spPr>
         <p:txBody>
-          <a:bodyPr wrap="square">
+          <a:bodyPr wrap="none">
             <a:spAutoFit/>
           </a:bodyPr>
           <a:lstStyle/>
@@ -3368,8 +3361,17 @@
               </a:defRPr>
             </a:pPr>
             <a:r>
-              <a:t>Because He lives, I can face tomorrow, Because He lives, all fear is gone; Because I know He holds the future, And life is worth the living, Just because He lives!</a:t>
-            </a:r>
+              <a:t>How great is our God, sing with me</a:t>
+            </a:r>
+            <a:br/>
+            <a:r>
+              <a:t> How great is our God, and all will see</a:t>
+            </a:r>
+            <a:br/>
+            <a:r>
+              <a:t> How great, how great is our God</a:t>
+            </a:r>
+            <a:br/>
           </a:p>
         </p:txBody>
       </p:sp>
@@ -3417,14 +3419,14 @@
               <a:lnSpc>
                 <a:spcPts val="4800"/>
               </a:lnSpc>
-              <a:defRPr sz="4500">
+              <a:defRPr sz="4400">
                 <a:solidFill>
                   <a:srgbClr val="000000"/>
                 </a:solidFill>
               </a:defRPr>
             </a:pPr>
             <a:r>
-              <a:t>ชื่นใจที่ได้อุ้มทารกเกิดใหม่ ด้วยความภูมิใจและความยินดี แต่ยิ่งใหญ่กว่าคือความแน่วแน่ใจ ที่อาจเผชิญทุกสิ่งได้ เพราะพระองค์ทรงอยู่</a:t>
+              <a:t>พระองค์ผู้ทรงครอบครอง และทรงเหนือกาลเวลา ทรงเป็นเบื้องต้นเบื้องปลาย ทรงเป็นเบื้องต้นเบื้องปลาย พระบิดา พระวิญญาณ พระเยซูพระบุตร ผู้ทรงเป็นจอมราชา ผู้ทรงเป็นจอมราชา</a:t>
             </a:r>
           </a:p>
         </p:txBody>
@@ -3462,7 +3464,7 @@
               </a:defRPr>
             </a:pPr>
             <a:r>
-              <a:t>How sweet to hold a newborn baby, And feel the pride and joy he gives; But greater still the calm assurance: This child can face uncertain days because He Lives!</a:t>
+              <a:t>Age to age He stands. And time is in His hands. Beginning and the end. Beginning and the end. The Godhead Three in One. Father Spirit Son. The Lion and the Lamb. The Lion and the Lamb.</a:t>
             </a:r>
           </a:p>
         </p:txBody>
@@ -3511,26 +3513,22 @@
               <a:lnSpc>
                 <a:spcPts val="4800"/>
               </a:lnSpc>
-              <a:defRPr sz="4500">
+              <a:defRPr sz="4400">
                 <a:solidFill>
                   <a:srgbClr val="000000"/>
                 </a:solidFill>
               </a:defRPr>
             </a:pPr>
             <a:r>
-              <a:t>เพราะพระองค์ทรงอยู่ ข้าเผชิญพรุ่งนี้ได้</a:t>
+              <a:t>พระเจ้าทรงยิ่งใหญ่ ร้องสรรเสริญ</a:t>
             </a:r>
             <a:br/>
             <a:r>
-              <a:t>เพราะพระองค์ทรงอยู่ ความกลัวหายไป เพราะข้าแน่ใจ</a:t>
+              <a:t>พระเจ้าทรงยิ่งใหญ่ ร้องสรรเสริญ</a:t>
             </a:r>
             <a:br/>
             <a:r>
-              <a:t>(แน่ใจ) พระองค์ทรงนำหน้า ข้าจะอดทนเพราะข้าแน่ใจ</a:t>
-            </a:r>
-            <a:br/>
-            <a:r>
-              <a:t>พระองค์ทรงอยู่</a:t>
+              <a:t>พระเจ้า พระเจ้า ทรงยิ่งใหญ่</a:t>
             </a:r>
           </a:p>
         </p:txBody>
@@ -3552,7 +3550,7 @@
           <a:noFill/>
         </p:spPr>
         <p:txBody>
-          <a:bodyPr wrap="square">
+          <a:bodyPr wrap="none">
             <a:spAutoFit/>
           </a:bodyPr>
           <a:lstStyle/>
@@ -3568,8 +3566,17 @@
               </a:defRPr>
             </a:pPr>
             <a:r>
-              <a:t>Because He lives, I can face tomorrow, Because He lives, all fear is gone; Because I know He holds the future, And life is worth the living, Just because He lives!</a:t>
-            </a:r>
+              <a:t>How great is our God, sing with me</a:t>
+            </a:r>
+            <a:br/>
+            <a:r>
+              <a:t> How great is our God, and all will see</a:t>
+            </a:r>
+            <a:br/>
+            <a:r>
+              <a:t> How great, how great is our God</a:t>
+            </a:r>
+            <a:br/>
           </a:p>
         </p:txBody>
       </p:sp>
@@ -3617,22 +3624,22 @@
               <a:lnSpc>
                 <a:spcPts val="4800"/>
               </a:lnSpc>
-              <a:defRPr sz="4500">
+              <a:defRPr sz="4400">
                 <a:solidFill>
                   <a:srgbClr val="000000"/>
                 </a:solidFill>
               </a:defRPr>
             </a:pPr>
             <a:r>
-              <a:t>และในวันหนึ่ง ข้าฯ จะเดินข้ามไป เพื่อได้ต่อสู้</a:t>
+              <a:t>พระนามเหนือนามทั้งปวง</a:t>
             </a:r>
             <a:br/>
             <a:r>
-              <a:t>ศัตรูสุดท้าย แต่เมื่อความตาย นำสู่ความมีชัย</a:t>
+              <a:t>ควรคู่คำสรรเสริญ จิตใจฉันร้อง</a:t>
             </a:r>
             <a:br/>
             <a:r>
-              <a:t>จะได้เห็นแสงแห่งราศี เพราะพระองค์ทรงอยู่</a:t>
+              <a:t>พระเจ้าทรงยิ่งใหญ่</a:t>
             </a:r>
           </a:p>
         </p:txBody>
@@ -3654,7 +3661,7 @@
           <a:noFill/>
         </p:spPr>
         <p:txBody>
-          <a:bodyPr wrap="square">
+          <a:bodyPr wrap="none">
             <a:spAutoFit/>
           </a:bodyPr>
           <a:lstStyle/>
@@ -3670,8 +3677,17 @@
               </a:defRPr>
             </a:pPr>
             <a:r>
-              <a:t>And then one day, I'll cross the river, I'll fight life's final war with pain; And then, as death gives way to victory, I'll see the lights of glory and I'll know He lives!</a:t>
-            </a:r>
+              <a:t>Name above all names</a:t>
+            </a:r>
+            <a:br/>
+            <a:r>
+              <a:t> Worthy of our praise</a:t>
+            </a:r>
+            <a:br/>
+            <a:r>
+              <a:t> My heart will sing. How great is our God</a:t>
+            </a:r>
+            <a:br/>
           </a:p>
         </p:txBody>
       </p:sp>
@@ -3719,26 +3735,22 @@
               <a:lnSpc>
                 <a:spcPts val="4800"/>
               </a:lnSpc>
-              <a:defRPr sz="4500">
+              <a:defRPr sz="4400">
                 <a:solidFill>
                   <a:srgbClr val="000000"/>
                 </a:solidFill>
               </a:defRPr>
             </a:pPr>
             <a:r>
-              <a:t>เพราะพระองค์ทรงอยู่ ข้าเผชิญพรุ่งนี้ได้</a:t>
+              <a:t>พระเจ้าทรงยิ่งใหญ่ ร้องสรรเสริญ</a:t>
             </a:r>
             <a:br/>
             <a:r>
-              <a:t>เพราะพระองค์ทรงอยู่ ความกลัวหายไป เพราะข้าแน่ใจ</a:t>
+              <a:t>พระเจ้าทรงยิ่งใหญ่ ร้องสรรเสริญ</a:t>
             </a:r>
             <a:br/>
             <a:r>
-              <a:t>(แน่ใจ) พระองค์ทรงนำหน้า ข้าจะอดทนเพราะข้าแน่ใจ</a:t>
-            </a:r>
-            <a:br/>
-            <a:r>
-              <a:t>พระองค์ทรงอยู่</a:t>
+              <a:t>พระเจ้า พระเจ้า ทรงยิ่งใหญ่</a:t>
             </a:r>
           </a:p>
         </p:txBody>
@@ -3760,7 +3772,7 @@
           <a:noFill/>
         </p:spPr>
         <p:txBody>
-          <a:bodyPr wrap="square">
+          <a:bodyPr wrap="none">
             <a:spAutoFit/>
           </a:bodyPr>
           <a:lstStyle/>
@@ -3776,8 +3788,17 @@
               </a:defRPr>
             </a:pPr>
             <a:r>
-              <a:t>Because He lives, I can face tomorrow, Because He lives, all fear is gone; Because I know He holds the future, And life is worth the living, Just because He lives!</a:t>
-            </a:r>
+              <a:t>How great is our God, sing with me</a:t>
+            </a:r>
+            <a:br/>
+            <a:r>
+              <a:t> How great is our God, and all will see</a:t>
+            </a:r>
+            <a:br/>
+            <a:r>
+              <a:t> How great, how great is our God</a:t>
+            </a:r>
+            <a:br/>
           </a:p>
         </p:txBody>
       </p:sp>
@@ -3813,7 +3834,11 @@
         <p:txBody>
           <a:bodyPr/>
           <a:lstStyle/>
-          <a:p/>
+          <a:p>
+            <a:r>
+              <a:t>พระเจ้ายิ่งใหญ่</a:t>
+            </a:r>
+          </a:p>
         </p:txBody>
       </p:sp>
       <p:sp>
@@ -3839,7 +3864,7 @@
               </a:defRPr>
             </a:pPr>
             <a:r>
-              <a:t>God Of Wonders</a:t>
+              <a:t>HOW GREAT THOU ART</a:t>
             </a:r>
           </a:p>
         </p:txBody>
@@ -3870,8 +3895,8 @@
         </p:nvSpPr>
         <p:spPr>
           <a:xfrm>
-            <a:off x="914400" y="457200"/>
-            <a:ext cx="7315200" cy="5486400"/>
+            <a:off x="685800" y="228600"/>
+            <a:ext cx="7772400" cy="2971800"/>
           </a:xfrm>
           <a:prstGeom prst="rect">
             <a:avLst/>
@@ -3879,41 +3904,62 @@
           <a:noFill/>
         </p:spPr>
         <p:txBody>
-          <a:bodyPr wrap="none">
+          <a:bodyPr wrap="square">
             <a:spAutoFit/>
           </a:bodyPr>
           <a:lstStyle/>
           <a:p>
             <a:pPr algn="ctr">
               <a:lnSpc>
-                <a:spcPts val="7000"/>
+                <a:spcPts val="4800"/>
               </a:lnSpc>
-              <a:defRPr sz="4500">
+              <a:defRPr sz="4400">
                 <a:solidFill>
                   <a:srgbClr val="000000"/>
                 </a:solidFill>
               </a:defRPr>
             </a:pPr>
             <a:r>
-              <a:t>Lord of all creation</a:t>
-            </a:r>
-            <a:br/>
-            <a:r>
-              <a:t> Of the water</a:t>
-            </a:r>
-            <a:br/>
-            <a:r>
-              <a:t> earth and sky</a:t>
-            </a:r>
-            <a:br/>
-            <a:r>
-              <a:t> The Heavens are Your Tabernacle</a:t>
-            </a:r>
-            <a:br/>
-            <a:r>
-              <a:t> Glory to the Lord on high</a:t>
-            </a:r>
-            <a:br/>
+              <a:t>พระองค์เจ้าข้า ข้าเฝ้ามองดูด้วยยำเกรง เพราะพระองค์เอง เป็นผู้สร้างจักรวาล เมื่อมองดูดาว เมื่อคราวยินเสียงฟ้าคำราม เห็นฝีพระหัตถ์ของพระองค์บนท้องฟ้า</a:t>
+            </a:r>
+          </a:p>
+        </p:txBody>
+      </p:sp>
+      <p:sp>
+        <p:nvSpPr>
+          <p:cNvPr id="3" name="TextBox 2"/>
+          <p:cNvSpPr txBox="1"/>
+          <p:nvPr/>
+        </p:nvSpPr>
+        <p:spPr>
+          <a:xfrm>
+            <a:off x="685800" y="3657600"/>
+            <a:ext cx="7772400" cy="2971800"/>
+          </a:xfrm>
+          <a:prstGeom prst="rect">
+            <a:avLst/>
+          </a:prstGeom>
+          <a:noFill/>
+        </p:spPr>
+        <p:txBody>
+          <a:bodyPr wrap="square">
+            <a:spAutoFit/>
+          </a:bodyPr>
+          <a:lstStyle/>
+          <a:p>
+            <a:pPr algn="ctr">
+              <a:lnSpc>
+                <a:spcPts val="4800"/>
+              </a:lnSpc>
+              <a:defRPr sz="4200">
+                <a:solidFill>
+                  <a:srgbClr val="3A70BC"/>
+                </a:solidFill>
+              </a:defRPr>
+            </a:pPr>
+            <a:r>
+              <a:t>O Lord, my God, when I in awesome wonder. Consider all the worlds Thy Hands have made. I see the stars, I hear the rolling thunder. Thy power throughout the universe displayed</a:t>
+            </a:r>
           </a:p>
         </p:txBody>
       </p:sp>
@@ -3943,8 +3989,8 @@
         </p:nvSpPr>
         <p:spPr>
           <a:xfrm>
-            <a:off x="914400" y="457200"/>
-            <a:ext cx="7315200" cy="5486400"/>
+            <a:off x="685800" y="228600"/>
+            <a:ext cx="7772400" cy="2971800"/>
           </a:xfrm>
           <a:prstGeom prst="rect">
             <a:avLst/>
@@ -3959,38 +4005,67 @@
           <a:p>
             <a:pPr algn="ctr">
               <a:lnSpc>
-                <a:spcPts val="7000"/>
+                <a:spcPts val="4800"/>
               </a:lnSpc>
-              <a:defRPr sz="4500">
+              <a:defRPr sz="4400">
                 <a:solidFill>
                   <a:srgbClr val="000000"/>
                 </a:solidFill>
               </a:defRPr>
             </a:pPr>
             <a:r>
-              <a:t>God of wonders, beyond our galaxy</a:t>
+              <a:t>จิตข้าสรรเสริญ พระเจ้าองค์พระผู้ช่วย</a:t>
             </a:r>
             <a:br/>
             <a:r>
-              <a:t> You are holy, holy</a:t>
+              <a:t>พระเจ้ายิ่งใหญ่ พระเจ้ายิ่งใหญ่ จิตข้าสรรเสริญ</a:t>
             </a:r>
             <a:br/>
             <a:r>
-              <a:t> The universe declares Your majesty</a:t>
+              <a:t>พระเจ้าองค์พระผู้ช่วย พระเจ้ายิ่งใหญ่</a:t>
             </a:r>
             <a:br/>
             <a:r>
-              <a:t> You are holy, holy</a:t>
-            </a:r>
-            <a:br/>
-            <a:r>
-              <a:t> Lord of Heaven and Earth</a:t>
-            </a:r>
-            <a:br/>
-            <a:r>
-              <a:t> Lord of Heaven and Earth</a:t>
-            </a:r>
-            <a:br/>
+              <a:t>พระเจ้ายิ่งใหญ่</a:t>
+            </a:r>
+          </a:p>
+        </p:txBody>
+      </p:sp>
+      <p:sp>
+        <p:nvSpPr>
+          <p:cNvPr id="3" name="TextBox 2"/>
+          <p:cNvSpPr txBox="1"/>
+          <p:nvPr/>
+        </p:nvSpPr>
+        <p:spPr>
+          <a:xfrm>
+            <a:off x="685800" y="3657600"/>
+            <a:ext cx="7772400" cy="2971800"/>
+          </a:xfrm>
+          <a:prstGeom prst="rect">
+            <a:avLst/>
+          </a:prstGeom>
+          <a:noFill/>
+        </p:spPr>
+        <p:txBody>
+          <a:bodyPr wrap="square">
+            <a:spAutoFit/>
+          </a:bodyPr>
+          <a:lstStyle/>
+          <a:p>
+            <a:pPr algn="ctr">
+              <a:lnSpc>
+                <a:spcPts val="4800"/>
+              </a:lnSpc>
+              <a:defRPr sz="4200">
+                <a:solidFill>
+                  <a:srgbClr val="3A70BC"/>
+                </a:solidFill>
+              </a:defRPr>
+            </a:pPr>
+            <a:r>
+              <a:t>Then sings my soul, my Saviour God, to Thee. How great Thou art, how great Thou art. Then sings my soul, my Saviour God, to Thee. How great Thou art, how great Thou art</a:t>
+            </a:r>
           </a:p>
         </p:txBody>
       </p:sp>
@@ -4020,8 +4095,8 @@
         </p:nvSpPr>
         <p:spPr>
           <a:xfrm>
-            <a:off x="914400" y="457200"/>
-            <a:ext cx="7315200" cy="5486400"/>
+            <a:off x="685800" y="228600"/>
+            <a:ext cx="7772400" cy="2971800"/>
           </a:xfrm>
           <a:prstGeom prst="rect">
             <a:avLst/>
@@ -4029,37 +4104,62 @@
           <a:noFill/>
         </p:spPr>
         <p:txBody>
-          <a:bodyPr wrap="none">
+          <a:bodyPr wrap="square">
             <a:spAutoFit/>
           </a:bodyPr>
           <a:lstStyle/>
           <a:p>
             <a:pPr algn="ctr">
               <a:lnSpc>
-                <a:spcPts val="7000"/>
+                <a:spcPts val="4800"/>
               </a:lnSpc>
-              <a:defRPr sz="4500">
+              <a:defRPr sz="4400">
                 <a:solidFill>
                   <a:srgbClr val="000000"/>
                 </a:solidFill>
               </a:defRPr>
             </a:pPr>
             <a:r>
-              <a:t>Early in the morning</a:t>
-            </a:r>
-            <a:br/>
-            <a:r>
-              <a:t> I will celebrate the light</a:t>
-            </a:r>
-            <a:br/>
-            <a:r>
-              <a:t> And when I stumble into darkness</a:t>
-            </a:r>
-            <a:br/>
-            <a:r>
-              <a:t> I will call Your name by night</a:t>
-            </a:r>
-            <a:br/>
+              <a:t>เมื่อข้าคิดถึง พระเจ้า ผู้ไม่ทรงเสียดาย พระบุตรองค์เดียวเสด็จมาเป็นผู้ไถ่ ถูกทรมาน ตรึงไว้บนกางเขนเพื่อข้า ข้าขอบพระคุณที่พระองค์ทรงเมตตา</a:t>
+            </a:r>
+          </a:p>
+        </p:txBody>
+      </p:sp>
+      <p:sp>
+        <p:nvSpPr>
+          <p:cNvPr id="3" name="TextBox 2"/>
+          <p:cNvSpPr txBox="1"/>
+          <p:nvPr/>
+        </p:nvSpPr>
+        <p:spPr>
+          <a:xfrm>
+            <a:off x="685800" y="3657600"/>
+            <a:ext cx="7772400" cy="2971800"/>
+          </a:xfrm>
+          <a:prstGeom prst="rect">
+            <a:avLst/>
+          </a:prstGeom>
+          <a:noFill/>
+        </p:spPr>
+        <p:txBody>
+          <a:bodyPr wrap="square">
+            <a:spAutoFit/>
+          </a:bodyPr>
+          <a:lstStyle/>
+          <a:p>
+            <a:pPr algn="ctr">
+              <a:lnSpc>
+                <a:spcPts val="4800"/>
+              </a:lnSpc>
+              <a:defRPr sz="4200">
+                <a:solidFill>
+                  <a:srgbClr val="3A70BC"/>
+                </a:solidFill>
+              </a:defRPr>
+            </a:pPr>
+            <a:r>
+              <a:t>And when I think of God, His Son not sparing Sent Him to die, I scarce can take it in. That on the Cross, my burden gladly bearing He bled and died to take away my sin</a:t>
+            </a:r>
           </a:p>
         </p:txBody>
       </p:sp>
@@ -4089,8 +4189,8 @@
         </p:nvSpPr>
         <p:spPr>
           <a:xfrm>
-            <a:off x="685800" y="228600"/>
-            <a:ext cx="7772400" cy="2971800"/>
+            <a:off x="914400" y="457200"/>
+            <a:ext cx="7315200" cy="5486400"/>
           </a:xfrm>
           <a:prstGeom prst="rect">
             <a:avLst/>
@@ -4105,62 +4205,28 @@
           <a:p>
             <a:pPr algn="ctr">
               <a:lnSpc>
-                <a:spcPts val="4800"/>
+                <a:spcPts val="7000"/>
               </a:lnSpc>
-              <a:defRPr sz="4500">
+              <a:defRPr sz="4400">
                 <a:solidFill>
                   <a:srgbClr val="000000"/>
                 </a:solidFill>
               </a:defRPr>
             </a:pPr>
             <a:r>
-              <a:t>จิตใจฉัน ขอสรรเสริญ จิตวิญญาณ</a:t>
+              <a:t>ไฟไฟไฟขององค์พระเจ้า</a:t>
             </a:r>
             <a:br/>
             <a:r>
-              <a:t>สรรเสริญ นามบริสุทธิ์ เปล่งเสียงร้องด้วยสิ้นสุดใจ</a:t>
+              <a:t>ลอยลงมาเหนือพวกเรา</a:t>
             </a:r>
             <a:br/>
             <a:r>
-              <a:t>จิตวิญญาณ สรรเสริญ นามบริสุทธิ์</a:t>
-            </a:r>
-          </a:p>
-        </p:txBody>
-      </p:sp>
-      <p:sp>
-        <p:nvSpPr>
-          <p:cNvPr id="3" name="TextBox 2"/>
-          <p:cNvSpPr txBox="1"/>
-          <p:nvPr/>
-        </p:nvSpPr>
-        <p:spPr>
-          <a:xfrm>
-            <a:off x="685800" y="3657600"/>
-            <a:ext cx="7772400" cy="2971800"/>
-          </a:xfrm>
-          <a:prstGeom prst="rect">
-            <a:avLst/>
-          </a:prstGeom>
-          <a:noFill/>
-        </p:spPr>
-        <p:txBody>
-          <a:bodyPr wrap="square">
-            <a:spAutoFit/>
-          </a:bodyPr>
-          <a:lstStyle/>
-          <a:p>
-            <a:pPr algn="ctr">
-              <a:lnSpc>
-                <a:spcPts val="4800"/>
-              </a:lnSpc>
-              <a:defRPr sz="4200">
-                <a:solidFill>
-                  <a:srgbClr val="3A70BC"/>
-                </a:solidFill>
-              </a:defRPr>
-            </a:pPr>
-            <a:r>
-              <a:t>Bless the Lord, O my soul, O my soul. Worship His holy name. Sing like never before, O my soul. I'll worship Your holy name.</a:t>
+              <a:t>คริสเตียนไม่ควรซึมเซา</a:t>
+            </a:r>
+            <a:br/>
+            <a:r>
+              <a:t>มาพวกเราร้องเพลง</a:t>
             </a:r>
           </a:p>
         </p:txBody>
@@ -4191,8 +4257,8 @@
         </p:nvSpPr>
         <p:spPr>
           <a:xfrm>
-            <a:off x="914400" y="457200"/>
-            <a:ext cx="7315200" cy="5486400"/>
+            <a:off x="685800" y="228600"/>
+            <a:ext cx="7772400" cy="2971800"/>
           </a:xfrm>
           <a:prstGeom prst="rect">
             <a:avLst/>
@@ -4207,38 +4273,67 @@
           <a:p>
             <a:pPr algn="ctr">
               <a:lnSpc>
-                <a:spcPts val="7000"/>
+                <a:spcPts val="4800"/>
               </a:lnSpc>
-              <a:defRPr sz="4500">
+              <a:defRPr sz="4400">
                 <a:solidFill>
                   <a:srgbClr val="000000"/>
                 </a:solidFill>
               </a:defRPr>
             </a:pPr>
             <a:r>
-              <a:t>God of wonders, beyond our galaxy</a:t>
+              <a:t>จิตข้าสรรเสริญ พระเจ้าองค์พระผู้ช่วย</a:t>
             </a:r>
             <a:br/>
             <a:r>
-              <a:t> You are holy, holy</a:t>
+              <a:t>พระเจ้ายิ่งใหญ่ พระเจ้ายิ่งใหญ่ จิตข้าสรรเสริญ</a:t>
             </a:r>
             <a:br/>
             <a:r>
-              <a:t> The universe declares Your majesty</a:t>
+              <a:t>พระเจ้าองค์พระผู้ช่วย พระเจ้ายิ่งใหญ่</a:t>
             </a:r>
             <a:br/>
             <a:r>
-              <a:t> You are holy, holy</a:t>
-            </a:r>
-            <a:br/>
-            <a:r>
-              <a:t> Lord of Heaven and Earth</a:t>
-            </a:r>
-            <a:br/>
-            <a:r>
-              <a:t> Lord of Heaven and Earth</a:t>
-            </a:r>
-            <a:br/>
+              <a:t>พระเจ้ายิ่งใหญ่</a:t>
+            </a:r>
+          </a:p>
+        </p:txBody>
+      </p:sp>
+      <p:sp>
+        <p:nvSpPr>
+          <p:cNvPr id="3" name="TextBox 2"/>
+          <p:cNvSpPr txBox="1"/>
+          <p:nvPr/>
+        </p:nvSpPr>
+        <p:spPr>
+          <a:xfrm>
+            <a:off x="685800" y="3657600"/>
+            <a:ext cx="7772400" cy="2971800"/>
+          </a:xfrm>
+          <a:prstGeom prst="rect">
+            <a:avLst/>
+          </a:prstGeom>
+          <a:noFill/>
+        </p:spPr>
+        <p:txBody>
+          <a:bodyPr wrap="square">
+            <a:spAutoFit/>
+          </a:bodyPr>
+          <a:lstStyle/>
+          <a:p>
+            <a:pPr algn="ctr">
+              <a:lnSpc>
+                <a:spcPts val="4800"/>
+              </a:lnSpc>
+              <a:defRPr sz="4200">
+                <a:solidFill>
+                  <a:srgbClr val="3A70BC"/>
+                </a:solidFill>
+              </a:defRPr>
+            </a:pPr>
+            <a:r>
+              <a:t>Then sings my soul, my Saviour God, to Thee. How great Thou art, how great Thou art. Then sings my soul, my Saviour God, to Thee. How great Thou art, how great Thou art</a:t>
+            </a:r>
           </a:p>
         </p:txBody>
       </p:sp>
@@ -4268,8 +4363,8 @@
         </p:nvSpPr>
         <p:spPr>
           <a:xfrm>
-            <a:off x="914400" y="457200"/>
-            <a:ext cx="7315200" cy="5486400"/>
+            <a:off x="685800" y="228600"/>
+            <a:ext cx="7772400" cy="2971800"/>
           </a:xfrm>
           <a:prstGeom prst="rect">
             <a:avLst/>
@@ -4284,16 +4379,54 @@
           <a:p>
             <a:pPr algn="ctr">
               <a:lnSpc>
-                <a:spcPts val="7000"/>
+                <a:spcPts val="4800"/>
               </a:lnSpc>
-              <a:defRPr sz="4500">
+              <a:defRPr sz="4400">
                 <a:solidFill>
                   <a:srgbClr val="000000"/>
                 </a:solidFill>
               </a:defRPr>
             </a:pPr>
             <a:r>
-              <a:t>Hallelujah to the Lord of Heaven and earth.</a:t>
+              <a:t>พระคริสต์กลับมา ด้วยเสียงแตรดังก้องเวหา เพื่อมารับข้า กลับไปอยู่ในเมืองฟ้า ข้าจะกราบลง ที่พระบาทาด้วยถ่อมใจ และสรรเสริญว่า พระเจ้าของข้ายิ่งใหญ่</a:t>
+            </a:r>
+          </a:p>
+        </p:txBody>
+      </p:sp>
+      <p:sp>
+        <p:nvSpPr>
+          <p:cNvPr id="3" name="TextBox 2"/>
+          <p:cNvSpPr txBox="1"/>
+          <p:nvPr/>
+        </p:nvSpPr>
+        <p:spPr>
+          <a:xfrm>
+            <a:off x="685800" y="3657600"/>
+            <a:ext cx="7772400" cy="2971800"/>
+          </a:xfrm>
+          <a:prstGeom prst="rect">
+            <a:avLst/>
+          </a:prstGeom>
+          <a:noFill/>
+        </p:spPr>
+        <p:txBody>
+          <a:bodyPr wrap="square">
+            <a:spAutoFit/>
+          </a:bodyPr>
+          <a:lstStyle/>
+          <a:p>
+            <a:pPr algn="ctr">
+              <a:lnSpc>
+                <a:spcPts val="4800"/>
+              </a:lnSpc>
+              <a:defRPr sz="4200">
+                <a:solidFill>
+                  <a:srgbClr val="3A70BC"/>
+                </a:solidFill>
+              </a:defRPr>
+            </a:pPr>
+            <a:r>
+              <a:t>When Christ shall come with shout of acclamation. And lead me home, what joy shall fill my heart. Then I shall bow with humble adoration. And then proclaim, my God, how great Thou art</a:t>
             </a:r>
           </a:p>
         </p:txBody>
@@ -4318,49 +4451,88 @@
       <p:grpSpPr/>
       <p:sp>
         <p:nvSpPr>
-          <p:cNvPr id="2" name="Title 1"/>
-          <p:cNvSpPr>
-            <a:spLocks noGrp="1"/>
-          </p:cNvSpPr>
-          <p:nvPr>
-            <p:ph type="ctrTitle"/>
-          </p:nvPr>
-        </p:nvSpPr>
-        <p:spPr/>
-        <p:txBody>
-          <a:bodyPr/>
-          <a:lstStyle/>
-          <a:p>
-            <a:r>
-              <a:t>พระองค์เป็นทุกสิ่ง</a:t>
-            </a:r>
-          </a:p>
-        </p:txBody>
-      </p:sp>
-      <p:sp>
-        <p:nvSpPr>
-          <p:cNvPr id="3" name="Subtitle 2"/>
-          <p:cNvSpPr>
-            <a:spLocks noGrp="1"/>
-          </p:cNvSpPr>
-          <p:nvPr>
-            <p:ph type="subTitle" idx="1"/>
-          </p:nvPr>
-        </p:nvSpPr>
-        <p:spPr/>
-        <p:txBody>
-          <a:bodyPr/>
-          <a:lstStyle/>
-          <a:p>
-            <a:pPr>
-              <a:defRPr sz="4000">
+          <p:cNvPr id="2" name="TextBox 1"/>
+          <p:cNvSpPr txBox="1"/>
+          <p:nvPr/>
+        </p:nvSpPr>
+        <p:spPr>
+          <a:xfrm>
+            <a:off x="685800" y="228600"/>
+            <a:ext cx="7772400" cy="2971800"/>
+          </a:xfrm>
+          <a:prstGeom prst="rect">
+            <a:avLst/>
+          </a:prstGeom>
+          <a:noFill/>
+        </p:spPr>
+        <p:txBody>
+          <a:bodyPr wrap="none">
+            <a:spAutoFit/>
+          </a:bodyPr>
+          <a:lstStyle/>
+          <a:p>
+            <a:pPr algn="ctr">
+              <a:lnSpc>
+                <a:spcPts val="4800"/>
+              </a:lnSpc>
+              <a:defRPr sz="4400">
+                <a:solidFill>
+                  <a:srgbClr val="000000"/>
+                </a:solidFill>
+              </a:defRPr>
+            </a:pPr>
+            <a:r>
+              <a:t>จิตข้าสรรเสริญ พระเจ้าองค์พระผู้ช่วย</a:t>
+            </a:r>
+            <a:br/>
+            <a:r>
+              <a:t>พระเจ้ายิ่งใหญ่ พระเจ้ายิ่งใหญ่ จิตข้าสรรเสริญ</a:t>
+            </a:r>
+            <a:br/>
+            <a:r>
+              <a:t>พระเจ้าองค์พระผู้ช่วย พระเจ้ายิ่งใหญ่</a:t>
+            </a:r>
+            <a:br/>
+            <a:r>
+              <a:t>พระเจ้ายิ่งใหญ่</a:t>
+            </a:r>
+          </a:p>
+        </p:txBody>
+      </p:sp>
+      <p:sp>
+        <p:nvSpPr>
+          <p:cNvPr id="3" name="TextBox 2"/>
+          <p:cNvSpPr txBox="1"/>
+          <p:nvPr/>
+        </p:nvSpPr>
+        <p:spPr>
+          <a:xfrm>
+            <a:off x="685800" y="3657600"/>
+            <a:ext cx="7772400" cy="2971800"/>
+          </a:xfrm>
+          <a:prstGeom prst="rect">
+            <a:avLst/>
+          </a:prstGeom>
+          <a:noFill/>
+        </p:spPr>
+        <p:txBody>
+          <a:bodyPr wrap="square">
+            <a:spAutoFit/>
+          </a:bodyPr>
+          <a:lstStyle/>
+          <a:p>
+            <a:pPr algn="ctr">
+              <a:lnSpc>
+                <a:spcPts val="4800"/>
+              </a:lnSpc>
+              <a:defRPr sz="4200">
                 <a:solidFill>
                   <a:srgbClr val="3A70BC"/>
                 </a:solidFill>
               </a:defRPr>
             </a:pPr>
             <a:r>
-              <a:t>You Are My All In All</a:t>
+              <a:t>Then sings my soul, my Saviour God, to Thee. How great Thou art, how great Thou art. Then sings my soul, my Saviour God, to Thee. How great Thou art, how great Thou art</a:t>
             </a:r>
           </a:p>
         </p:txBody>
@@ -4385,94 +4557,47 @@
       <p:grpSpPr/>
       <p:sp>
         <p:nvSpPr>
-          <p:cNvPr id="2" name="TextBox 1"/>
-          <p:cNvSpPr txBox="1"/>
-          <p:nvPr/>
-        </p:nvSpPr>
-        <p:spPr>
-          <a:xfrm>
-            <a:off x="685800" y="228600"/>
-            <a:ext cx="7772400" cy="2971800"/>
-          </a:xfrm>
-          <a:prstGeom prst="rect">
-            <a:avLst/>
-          </a:prstGeom>
-          <a:noFill/>
-        </p:spPr>
-        <p:txBody>
-          <a:bodyPr wrap="none">
-            <a:spAutoFit/>
-          </a:bodyPr>
-          <a:lstStyle/>
-          <a:p>
-            <a:pPr algn="ctr">
-              <a:lnSpc>
-                <a:spcPts val="4800"/>
-              </a:lnSpc>
-              <a:defRPr sz="4500">
-                <a:solidFill>
-                  <a:srgbClr val="000000"/>
+          <p:cNvPr id="2" name="Title 1"/>
+          <p:cNvSpPr>
+            <a:spLocks noGrp="1"/>
+          </p:cNvSpPr>
+          <p:nvPr>
+            <p:ph type="ctrTitle"/>
+          </p:nvPr>
+        </p:nvSpPr>
+        <p:spPr/>
+        <p:txBody>
+          <a:bodyPr/>
+          <a:lstStyle/>
+          <a:p>
+            <a:r>
+              <a:t>ขอบคุณพระเยซู</a:t>
+            </a:r>
+          </a:p>
+        </p:txBody>
+      </p:sp>
+      <p:sp>
+        <p:nvSpPr>
+          <p:cNvPr id="3" name="Subtitle 2"/>
+          <p:cNvSpPr>
+            <a:spLocks noGrp="1"/>
+          </p:cNvSpPr>
+          <p:nvPr>
+            <p:ph type="subTitle" idx="1"/>
+          </p:nvPr>
+        </p:nvSpPr>
+        <p:spPr/>
+        <p:txBody>
+          <a:bodyPr/>
+          <a:lstStyle/>
+          <a:p>
+            <a:pPr>
+              <a:defRPr sz="4000">
+                <a:solidFill>
+                  <a:srgbClr val="3A70BC"/>
                 </a:solidFill>
               </a:defRPr>
             </a:pPr>
-            <a:r>
-              <a:t>ทรงเป็นเรี่ยวแรงยามใจอ่อนแอ</a:t>
-            </a:r>
-            <a:br/>
-            <a:r>
-              <a:t>ทรงเป็นสรรพสิ่งที่ฉันต้องการ</a:t>
-            </a:r>
-            <a:br/>
-            <a:r>
-              <a:t>ทรงเป็นดวงใจของฉัน</a:t>
-            </a:r>
-          </a:p>
-        </p:txBody>
-      </p:sp>
-      <p:sp>
-        <p:nvSpPr>
-          <p:cNvPr id="3" name="TextBox 2"/>
-          <p:cNvSpPr txBox="1"/>
-          <p:nvPr/>
-        </p:nvSpPr>
-        <p:spPr>
-          <a:xfrm>
-            <a:off x="685800" y="3657600"/>
-            <a:ext cx="7772400" cy="2971800"/>
-          </a:xfrm>
-          <a:prstGeom prst="rect">
-            <a:avLst/>
-          </a:prstGeom>
-          <a:noFill/>
-        </p:spPr>
-        <p:txBody>
-          <a:bodyPr wrap="none">
-            <a:spAutoFit/>
-          </a:bodyPr>
-          <a:lstStyle/>
-          <a:p>
-            <a:pPr algn="ctr">
-              <a:lnSpc>
-                <a:spcPts val="4800"/>
-              </a:lnSpc>
-              <a:defRPr sz="4200">
-                <a:solidFill>
-                  <a:srgbClr val="3A70BC"/>
-                </a:solidFill>
-              </a:defRPr>
-            </a:pPr>
-            <a:r>
-              <a:t>You are my strength when I am weak</a:t>
-            </a:r>
-            <a:br/>
-            <a:r>
-              <a:t> You are the treasure that I seek</a:t>
-            </a:r>
-            <a:br/>
-            <a:r>
-              <a:t> You are my all in all</a:t>
-            </a:r>
-            <a:br/>
           </a:p>
         </p:txBody>
       </p:sp>
@@ -4502,8 +4627,8 @@
         </p:nvSpPr>
         <p:spPr>
           <a:xfrm>
-            <a:off x="685800" y="228600"/>
-            <a:ext cx="7772400" cy="2971800"/>
+            <a:off x="914400" y="457200"/>
+            <a:ext cx="7315200" cy="5486400"/>
           </a:xfrm>
           <a:prstGeom prst="rect">
             <a:avLst/>
@@ -4518,72 +4643,21 @@
           <a:p>
             <a:pPr algn="ctr">
               <a:lnSpc>
-                <a:spcPts val="4800"/>
+                <a:spcPts val="7000"/>
               </a:lnSpc>
-              <a:defRPr sz="4500">
+              <a:defRPr sz="4400">
                 <a:solidFill>
                   <a:srgbClr val="000000"/>
                 </a:solidFill>
               </a:defRPr>
             </a:pPr>
             <a:r>
-              <a:t>อยากจะได้พระองค์มากกว่าทอง</a:t>
+              <a:t>ขอบคุณพระเยซูมอบความรักแก่เรา</a:t>
             </a:r>
             <a:br/>
             <a:r>
-              <a:t>อยากจะพ้นจากจิตใจเศร้าหมอง</a:t>
-            </a:r>
-            <a:br/>
-            <a:r>
-              <a:t>ทรงเป็นดวงใจของฉัน</a:t>
-            </a:r>
-          </a:p>
-        </p:txBody>
-      </p:sp>
-      <p:sp>
-        <p:nvSpPr>
-          <p:cNvPr id="3" name="TextBox 2"/>
-          <p:cNvSpPr txBox="1"/>
-          <p:nvPr/>
-        </p:nvSpPr>
-        <p:spPr>
-          <a:xfrm>
-            <a:off x="685800" y="3657600"/>
-            <a:ext cx="7772400" cy="2971800"/>
-          </a:xfrm>
-          <a:prstGeom prst="rect">
-            <a:avLst/>
-          </a:prstGeom>
-          <a:noFill/>
-        </p:spPr>
-        <p:txBody>
-          <a:bodyPr wrap="none">
-            <a:spAutoFit/>
-          </a:bodyPr>
-          <a:lstStyle/>
-          <a:p>
-            <a:pPr algn="ctr">
-              <a:lnSpc>
-                <a:spcPts val="4800"/>
-              </a:lnSpc>
-              <a:defRPr sz="4200">
-                <a:solidFill>
-                  <a:srgbClr val="3A70BC"/>
-                </a:solidFill>
-              </a:defRPr>
-            </a:pPr>
-            <a:r>
-              <a:t>Seeking You as a precious jewel</a:t>
-            </a:r>
-            <a:br/>
-            <a:r>
-              <a:t> Lord to give up I'd be a fool</a:t>
-            </a:r>
-            <a:br/>
-            <a:r>
-              <a:t> You are my all in all</a:t>
-            </a:r>
-            <a:br/>
+              <a:t>ขอบคุณพระเยซูทรงพระคุณมากมี</a:t>
+            </a:r>
           </a:p>
         </p:txBody>
       </p:sp>
@@ -4613,8 +4687,8 @@
         </p:nvSpPr>
         <p:spPr>
           <a:xfrm>
-            <a:off x="685800" y="228600"/>
-            <a:ext cx="7772400" cy="2971800"/>
+            <a:off x="914400" y="457200"/>
+            <a:ext cx="7315200" cy="5486400"/>
           </a:xfrm>
           <a:prstGeom prst="rect">
             <a:avLst/>
@@ -4629,471 +4703,24 @@
           <a:p>
             <a:pPr algn="ctr">
               <a:lnSpc>
-                <a:spcPts val="4800"/>
+                <a:spcPts val="7000"/>
               </a:lnSpc>
-              <a:defRPr sz="4500">
+              <a:defRPr sz="4400">
                 <a:solidFill>
                   <a:srgbClr val="000000"/>
                 </a:solidFill>
               </a:defRPr>
             </a:pPr>
             <a:r>
-              <a:t>พระเยซู บุตรพระเจ้า</a:t>
+              <a:t>*เราเปล่งเสียงร้องสรรเสริญพระนาม</a:t>
             </a:r>
             <a:br/>
             <a:r>
-              <a:t>นามพระองค์ทรงคุณอนันต์</a:t>
+              <a:t>ร้องสรรเสริญโมทนาพระองค์เป็นทุกสิ่ง</a:t>
             </a:r>
             <a:br/>
             <a:r>
-              <a:t>พระเยซู บุตรพระเจ้า</a:t>
-            </a:r>
-            <a:br/>
-            <a:r>
-              <a:t>ทรงพระคุณอนันต์</a:t>
-            </a:r>
-          </a:p>
-        </p:txBody>
-      </p:sp>
-      <p:sp>
-        <p:nvSpPr>
-          <p:cNvPr id="3" name="TextBox 2"/>
-          <p:cNvSpPr txBox="1"/>
-          <p:nvPr/>
-        </p:nvSpPr>
-        <p:spPr>
-          <a:xfrm>
-            <a:off x="685800" y="3657600"/>
-            <a:ext cx="7772400" cy="2971800"/>
-          </a:xfrm>
-          <a:prstGeom prst="rect">
-            <a:avLst/>
-          </a:prstGeom>
-          <a:noFill/>
-        </p:spPr>
-        <p:txBody>
-          <a:bodyPr wrap="none">
-            <a:spAutoFit/>
-          </a:bodyPr>
-          <a:lstStyle/>
-          <a:p>
-            <a:pPr algn="ctr">
-              <a:lnSpc>
-                <a:spcPts val="4800"/>
-              </a:lnSpc>
-              <a:defRPr sz="4200">
-                <a:solidFill>
-                  <a:srgbClr val="3A70BC"/>
-                </a:solidFill>
-              </a:defRPr>
-            </a:pPr>
-            <a:r>
-              <a:t>Jesus Lamb of God worthy is your name</a:t>
-            </a:r>
-            <a:br/>
-            <a:r>
-              <a:t> Jesus Lamb of God worthy is your name</a:t>
-            </a:r>
-            <a:br/>
-          </a:p>
-        </p:txBody>
-      </p:sp>
-    </p:spTree>
-  </p:cSld>
-  <p:clrMapOvr>
-    <a:masterClrMapping/>
-  </p:clrMapOvr>
-</p:sld>
-</file>
-
-<file path=ppt/slides/slide26.xml><?xml version="1.0" encoding="utf-8"?>
-<p:sld xmlns:a="http://schemas.openxmlformats.org/drawingml/2006/main" xmlns:p="http://schemas.openxmlformats.org/presentationml/2006/main" xmlns:r="http://schemas.openxmlformats.org/officeDocument/2006/relationships">
-  <p:cSld>
-    <p:spTree>
-      <p:nvGrpSpPr>
-        <p:cNvPr id="1" name=""/>
-        <p:cNvGrpSpPr/>
-        <p:nvPr/>
-      </p:nvGrpSpPr>
-      <p:grpSpPr/>
-      <p:sp>
-        <p:nvSpPr>
-          <p:cNvPr id="2" name="TextBox 1"/>
-          <p:cNvSpPr txBox="1"/>
-          <p:nvPr/>
-        </p:nvSpPr>
-        <p:spPr>
-          <a:xfrm>
-            <a:off x="685800" y="228600"/>
-            <a:ext cx="7772400" cy="2971800"/>
-          </a:xfrm>
-          <a:prstGeom prst="rect">
-            <a:avLst/>
-          </a:prstGeom>
-          <a:noFill/>
-        </p:spPr>
-        <p:txBody>
-          <a:bodyPr wrap="none">
-            <a:spAutoFit/>
-          </a:bodyPr>
-          <a:lstStyle/>
-          <a:p>
-            <a:pPr algn="ctr">
-              <a:lnSpc>
-                <a:spcPts val="4800"/>
-              </a:lnSpc>
-              <a:defRPr sz="4500">
-                <a:solidFill>
-                  <a:srgbClr val="000000"/>
-                </a:solidFill>
-              </a:defRPr>
-            </a:pPr>
-            <a:r>
-              <a:t>ทรงชำระความอบายอับอาย</a:t>
-            </a:r>
-            <a:br/>
-            <a:r>
-              <a:t>ปากของฉันจะสรรเสริญเรื่อยไป</a:t>
-            </a:r>
-            <a:br/>
-            <a:r>
-              <a:t>ทรงเป็นดวงใจของฉัน</a:t>
-            </a:r>
-          </a:p>
-        </p:txBody>
-      </p:sp>
-      <p:sp>
-        <p:nvSpPr>
-          <p:cNvPr id="3" name="TextBox 2"/>
-          <p:cNvSpPr txBox="1"/>
-          <p:nvPr/>
-        </p:nvSpPr>
-        <p:spPr>
-          <a:xfrm>
-            <a:off x="685800" y="3657600"/>
-            <a:ext cx="7772400" cy="2971800"/>
-          </a:xfrm>
-          <a:prstGeom prst="rect">
-            <a:avLst/>
-          </a:prstGeom>
-          <a:noFill/>
-        </p:spPr>
-        <p:txBody>
-          <a:bodyPr wrap="none">
-            <a:spAutoFit/>
-          </a:bodyPr>
-          <a:lstStyle/>
-          <a:p>
-            <a:pPr algn="ctr">
-              <a:lnSpc>
-                <a:spcPts val="4800"/>
-              </a:lnSpc>
-              <a:defRPr sz="4200">
-                <a:solidFill>
-                  <a:srgbClr val="3A70BC"/>
-                </a:solidFill>
-              </a:defRPr>
-            </a:pPr>
-            <a:r>
-              <a:t>Taking my sin my cross my shame</a:t>
-            </a:r>
-            <a:br/>
-            <a:r>
-              <a:t> Rising again I bless your name</a:t>
-            </a:r>
-            <a:br/>
-            <a:r>
-              <a:t> You are my all in all</a:t>
-            </a:r>
-            <a:br/>
-          </a:p>
-        </p:txBody>
-      </p:sp>
-    </p:spTree>
-  </p:cSld>
-  <p:clrMapOvr>
-    <a:masterClrMapping/>
-  </p:clrMapOvr>
-</p:sld>
-</file>
-
-<file path=ppt/slides/slide27.xml><?xml version="1.0" encoding="utf-8"?>
-<p:sld xmlns:a="http://schemas.openxmlformats.org/drawingml/2006/main" xmlns:p="http://schemas.openxmlformats.org/presentationml/2006/main" xmlns:r="http://schemas.openxmlformats.org/officeDocument/2006/relationships">
-  <p:cSld>
-    <p:spTree>
-      <p:nvGrpSpPr>
-        <p:cNvPr id="1" name=""/>
-        <p:cNvGrpSpPr/>
-        <p:nvPr/>
-      </p:nvGrpSpPr>
-      <p:grpSpPr/>
-      <p:sp>
-        <p:nvSpPr>
-          <p:cNvPr id="2" name="TextBox 1"/>
-          <p:cNvSpPr txBox="1"/>
-          <p:nvPr/>
-        </p:nvSpPr>
-        <p:spPr>
-          <a:xfrm>
-            <a:off x="685800" y="228600"/>
-            <a:ext cx="7772400" cy="2971800"/>
-          </a:xfrm>
-          <a:prstGeom prst="rect">
-            <a:avLst/>
-          </a:prstGeom>
-          <a:noFill/>
-        </p:spPr>
-        <p:txBody>
-          <a:bodyPr wrap="none">
-            <a:spAutoFit/>
-          </a:bodyPr>
-          <a:lstStyle/>
-          <a:p>
-            <a:pPr algn="ctr">
-              <a:lnSpc>
-                <a:spcPts val="4800"/>
-              </a:lnSpc>
-              <a:defRPr sz="4500">
-                <a:solidFill>
-                  <a:srgbClr val="000000"/>
-                </a:solidFill>
-              </a:defRPr>
-            </a:pPr>
-            <a:r>
-              <a:t>เมื่อฉันล้มลงทรงเฝ้าประคอง</a:t>
-            </a:r>
-            <a:br/>
-            <a:r>
-              <a:t>เมื่อใจฉันเหน็ดเหนื่อยทรงเพิ่มแรง</a:t>
-            </a:r>
-            <a:br/>
-            <a:r>
-              <a:t>ทรงเป็นดวงใจของฉัน</a:t>
-            </a:r>
-          </a:p>
-        </p:txBody>
-      </p:sp>
-      <p:sp>
-        <p:nvSpPr>
-          <p:cNvPr id="3" name="TextBox 2"/>
-          <p:cNvSpPr txBox="1"/>
-          <p:nvPr/>
-        </p:nvSpPr>
-        <p:spPr>
-          <a:xfrm>
-            <a:off x="685800" y="3657600"/>
-            <a:ext cx="7772400" cy="2971800"/>
-          </a:xfrm>
-          <a:prstGeom prst="rect">
-            <a:avLst/>
-          </a:prstGeom>
-          <a:noFill/>
-        </p:spPr>
-        <p:txBody>
-          <a:bodyPr wrap="none">
-            <a:spAutoFit/>
-          </a:bodyPr>
-          <a:lstStyle/>
-          <a:p>
-            <a:pPr algn="ctr">
-              <a:lnSpc>
-                <a:spcPts val="4800"/>
-              </a:lnSpc>
-              <a:defRPr sz="4200">
-                <a:solidFill>
-                  <a:srgbClr val="3A70BC"/>
-                </a:solidFill>
-              </a:defRPr>
-            </a:pPr>
-            <a:r>
-              <a:t>When I fall down You lift me up</a:t>
-            </a:r>
-            <a:br/>
-            <a:r>
-              <a:t> When I am dry You fill my cup</a:t>
-            </a:r>
-            <a:br/>
-            <a:r>
-              <a:t> You are my all in all</a:t>
-            </a:r>
-            <a:br/>
-          </a:p>
-        </p:txBody>
-      </p:sp>
-    </p:spTree>
-  </p:cSld>
-  <p:clrMapOvr>
-    <a:masterClrMapping/>
-  </p:clrMapOvr>
-</p:sld>
-</file>
-
-<file path=ppt/slides/slide28.xml><?xml version="1.0" encoding="utf-8"?>
-<p:sld xmlns:a="http://schemas.openxmlformats.org/drawingml/2006/main" xmlns:p="http://schemas.openxmlformats.org/presentationml/2006/main" xmlns:r="http://schemas.openxmlformats.org/officeDocument/2006/relationships">
-  <p:cSld>
-    <p:spTree>
-      <p:nvGrpSpPr>
-        <p:cNvPr id="1" name=""/>
-        <p:cNvGrpSpPr/>
-        <p:nvPr/>
-      </p:nvGrpSpPr>
-      <p:grpSpPr/>
-      <p:sp>
-        <p:nvSpPr>
-          <p:cNvPr id="2" name="TextBox 1"/>
-          <p:cNvSpPr txBox="1"/>
-          <p:nvPr/>
-        </p:nvSpPr>
-        <p:spPr>
-          <a:xfrm>
-            <a:off x="685800" y="228600"/>
-            <a:ext cx="7772400" cy="2971800"/>
-          </a:xfrm>
-          <a:prstGeom prst="rect">
-            <a:avLst/>
-          </a:prstGeom>
-          <a:noFill/>
-        </p:spPr>
-        <p:txBody>
-          <a:bodyPr wrap="none">
-            <a:spAutoFit/>
-          </a:bodyPr>
-          <a:lstStyle/>
-          <a:p>
-            <a:pPr algn="ctr">
-              <a:lnSpc>
-                <a:spcPts val="4800"/>
-              </a:lnSpc>
-              <a:defRPr sz="4500">
-                <a:solidFill>
-                  <a:srgbClr val="000000"/>
-                </a:solidFill>
-              </a:defRPr>
-            </a:pPr>
-            <a:r>
-              <a:t>พระเยซู บุตรพระเจ้า</a:t>
-            </a:r>
-            <a:br/>
-            <a:r>
-              <a:t>นามพระองค์ทรงคุณอนันต์</a:t>
-            </a:r>
-            <a:br/>
-            <a:r>
-              <a:t>พระเยซู บุตรพระเจ้า</a:t>
-            </a:r>
-            <a:br/>
-            <a:r>
-              <a:t>ทรงพระคุณอนันต์</a:t>
-            </a:r>
-          </a:p>
-        </p:txBody>
-      </p:sp>
-      <p:sp>
-        <p:nvSpPr>
-          <p:cNvPr id="3" name="TextBox 2"/>
-          <p:cNvSpPr txBox="1"/>
-          <p:nvPr/>
-        </p:nvSpPr>
-        <p:spPr>
-          <a:xfrm>
-            <a:off x="685800" y="3657600"/>
-            <a:ext cx="7772400" cy="2971800"/>
-          </a:xfrm>
-          <a:prstGeom prst="rect">
-            <a:avLst/>
-          </a:prstGeom>
-          <a:noFill/>
-        </p:spPr>
-        <p:txBody>
-          <a:bodyPr wrap="none">
-            <a:spAutoFit/>
-          </a:bodyPr>
-          <a:lstStyle/>
-          <a:p>
-            <a:pPr algn="ctr">
-              <a:lnSpc>
-                <a:spcPts val="4800"/>
-              </a:lnSpc>
-              <a:defRPr sz="4200">
-                <a:solidFill>
-                  <a:srgbClr val="3A70BC"/>
-                </a:solidFill>
-              </a:defRPr>
-            </a:pPr>
-            <a:r>
-              <a:t>Jesus Lamb of God worthy is your name</a:t>
-            </a:r>
-            <a:br/>
-            <a:r>
-              <a:t> Jesus Lamb of God worthy is your name</a:t>
-            </a:r>
-            <a:br/>
-          </a:p>
-        </p:txBody>
-      </p:sp>
-    </p:spTree>
-  </p:cSld>
-  <p:clrMapOvr>
-    <a:masterClrMapping/>
-  </p:clrMapOvr>
-</p:sld>
-</file>
-
-<file path=ppt/slides/slide29.xml><?xml version="1.0" encoding="utf-8"?>
-<p:sld xmlns:a="http://schemas.openxmlformats.org/drawingml/2006/main" xmlns:p="http://schemas.openxmlformats.org/presentationml/2006/main" xmlns:r="http://schemas.openxmlformats.org/officeDocument/2006/relationships">
-  <p:cSld>
-    <p:spTree>
-      <p:nvGrpSpPr>
-        <p:cNvPr id="1" name=""/>
-        <p:cNvGrpSpPr/>
-        <p:nvPr/>
-      </p:nvGrpSpPr>
-      <p:grpSpPr/>
-      <p:sp>
-        <p:nvSpPr>
-          <p:cNvPr id="2" name="Title 1"/>
-          <p:cNvSpPr>
-            <a:spLocks noGrp="1"/>
-          </p:cNvSpPr>
-          <p:nvPr>
-            <p:ph type="ctrTitle"/>
-          </p:nvPr>
-        </p:nvSpPr>
-        <p:spPr/>
-        <p:txBody>
-          <a:bodyPr/>
-          <a:lstStyle/>
-          <a:p>
-            <a:r>
-              <a:t>เชิญพระวิญญาณแห่งความรักยิ่งใหญ่</a:t>
-            </a:r>
-          </a:p>
-        </p:txBody>
-      </p:sp>
-      <p:sp>
-        <p:nvSpPr>
-          <p:cNvPr id="3" name="Subtitle 2"/>
-          <p:cNvSpPr>
-            <a:spLocks noGrp="1"/>
-          </p:cNvSpPr>
-          <p:nvPr>
-            <p:ph type="subTitle" idx="1"/>
-          </p:nvPr>
-        </p:nvSpPr>
-        <p:spPr/>
-        <p:txBody>
-          <a:bodyPr/>
-          <a:lstStyle/>
-          <a:p>
-            <a:pPr>
-              <a:defRPr sz="4000">
-                <a:solidFill>
-                  <a:srgbClr val="3A70BC"/>
-                </a:solidFill>
-              </a:defRPr>
-            </a:pPr>
-            <a:r>
-              <a:t>Spirit Song</a:t>
+              <a:t>เป็นพระเจ้าของเรา</a:t>
             </a:r>
           </a:p>
         </p:txBody>
@@ -5124,8 +4751,8 @@
         </p:nvSpPr>
         <p:spPr>
           <a:xfrm>
-            <a:off x="685800" y="228600"/>
-            <a:ext cx="7772400" cy="2971800"/>
+            <a:off x="914400" y="457200"/>
+            <a:ext cx="7315200" cy="5486400"/>
           </a:xfrm>
           <a:prstGeom prst="rect">
             <a:avLst/>
@@ -5133,194 +4760,6 @@
           <a:noFill/>
         </p:spPr>
         <p:txBody>
-          <a:bodyPr wrap="square">
-            <a:spAutoFit/>
-          </a:bodyPr>
-          <a:lstStyle/>
-          <a:p>
-            <a:pPr algn="ctr">
-              <a:lnSpc>
-                <a:spcPts val="4800"/>
-              </a:lnSpc>
-              <a:defRPr sz="4500">
-                <a:solidFill>
-                  <a:srgbClr val="000000"/>
-                </a:solidFill>
-              </a:defRPr>
-            </a:pPr>
-            <a:r>
-              <a:t>ดวงอาทิตย์ฉายแสงและลาลับไป นี่เป็นเวลาสรรเสริญอีกครา ทุกสิ่งพัดผ่านไปและทุกสิ่งจะเกิดขึ้นตามมา และฉันจะสรรเสริญเมื่อยามเย็นเยือนมา</a:t>
-            </a:r>
-          </a:p>
-        </p:txBody>
-      </p:sp>
-      <p:sp>
-        <p:nvSpPr>
-          <p:cNvPr id="3" name="TextBox 2"/>
-          <p:cNvSpPr txBox="1"/>
-          <p:nvPr/>
-        </p:nvSpPr>
-        <p:spPr>
-          <a:xfrm>
-            <a:off x="685800" y="3657600"/>
-            <a:ext cx="7772400" cy="2971800"/>
-          </a:xfrm>
-          <a:prstGeom prst="rect">
-            <a:avLst/>
-          </a:prstGeom>
-          <a:noFill/>
-        </p:spPr>
-        <p:txBody>
-          <a:bodyPr wrap="square">
-            <a:spAutoFit/>
-          </a:bodyPr>
-          <a:lstStyle/>
-          <a:p>
-            <a:pPr algn="ctr">
-              <a:lnSpc>
-                <a:spcPts val="4800"/>
-              </a:lnSpc>
-              <a:defRPr sz="4200">
-                <a:solidFill>
-                  <a:srgbClr val="3A70BC"/>
-                </a:solidFill>
-              </a:defRPr>
-            </a:pPr>
-            <a:r>
-              <a:t>The sun comes up, it's a new day dawning. It's time to sing Your song again. Whatever may pass and whatever lies before me. Let me be singing when the evening comes.</a:t>
-            </a:r>
-          </a:p>
-        </p:txBody>
-      </p:sp>
-    </p:spTree>
-  </p:cSld>
-  <p:clrMapOvr>
-    <a:masterClrMapping/>
-  </p:clrMapOvr>
-</p:sld>
-</file>
-
-<file path=ppt/slides/slide30.xml><?xml version="1.0" encoding="utf-8"?>
-<p:sld xmlns:a="http://schemas.openxmlformats.org/drawingml/2006/main" xmlns:p="http://schemas.openxmlformats.org/presentationml/2006/main" xmlns:r="http://schemas.openxmlformats.org/officeDocument/2006/relationships">
-  <p:cSld>
-    <p:spTree>
-      <p:nvGrpSpPr>
-        <p:cNvPr id="1" name=""/>
-        <p:cNvGrpSpPr/>
-        <p:nvPr/>
-      </p:nvGrpSpPr>
-      <p:grpSpPr/>
-      <p:sp>
-        <p:nvSpPr>
-          <p:cNvPr id="2" name="TextBox 1"/>
-          <p:cNvSpPr txBox="1"/>
-          <p:nvPr/>
-        </p:nvSpPr>
-        <p:spPr>
-          <a:xfrm>
-            <a:off x="685800" y="228600"/>
-            <a:ext cx="7772400" cy="2971800"/>
-          </a:xfrm>
-          <a:prstGeom prst="rect">
-            <a:avLst/>
-          </a:prstGeom>
-          <a:noFill/>
-        </p:spPr>
-        <p:txBody>
-          <a:bodyPr wrap="square">
-            <a:spAutoFit/>
-          </a:bodyPr>
-          <a:lstStyle/>
-          <a:p>
-            <a:pPr algn="ctr">
-              <a:lnSpc>
-                <a:spcPts val="4800"/>
-              </a:lnSpc>
-              <a:defRPr sz="4500">
-                <a:solidFill>
-                  <a:srgbClr val="000000"/>
-                </a:solidFill>
-              </a:defRPr>
-            </a:pPr>
-            <a:r>
-              <a:t>เชิญพระวิญญาณแห่งความรักยิ่งใหญ่ ทรงเคลื่อนไหวเหนือเราทุกคน ให้เต็มล้นภายในสันติสุข อิ่มเอมใจ ขอทรงครอบครองความคิดและชีวิต ให้เป็นของพระองค์ทุกสิ่ง โดยพระวิญญาณบริสุทธิ์ เป็นผู้ทรงนำ</a:t>
-            </a:r>
-          </a:p>
-        </p:txBody>
-      </p:sp>
-      <p:sp>
-        <p:nvSpPr>
-          <p:cNvPr id="3" name="TextBox 2"/>
-          <p:cNvSpPr txBox="1"/>
-          <p:nvPr/>
-        </p:nvSpPr>
-        <p:spPr>
-          <a:xfrm>
-            <a:off x="685800" y="3657600"/>
-            <a:ext cx="7772400" cy="2971800"/>
-          </a:xfrm>
-          <a:prstGeom prst="rect">
-            <a:avLst/>
-          </a:prstGeom>
-          <a:noFill/>
-        </p:spPr>
-        <p:txBody>
-          <a:bodyPr wrap="square">
-            <a:spAutoFit/>
-          </a:bodyPr>
-          <a:lstStyle/>
-          <a:p>
-            <a:pPr algn="ctr">
-              <a:lnSpc>
-                <a:spcPts val="4800"/>
-              </a:lnSpc>
-              <a:defRPr sz="4200">
-                <a:solidFill>
-                  <a:srgbClr val="3A70BC"/>
-                </a:solidFill>
-              </a:defRPr>
-            </a:pPr>
-            <a:r>
-              <a:t>Oh let the Son of God enfold you. With His Spirit and His love. Let Him fill your heart and satisfy your soul. Oh let Him have those things that hold you. And His Spirit like a dove. Will descend upon your life and make you whole.</a:t>
-            </a:r>
-          </a:p>
-        </p:txBody>
-      </p:sp>
-    </p:spTree>
-  </p:cSld>
-  <p:clrMapOvr>
-    <a:masterClrMapping/>
-  </p:clrMapOvr>
-</p:sld>
-</file>
-
-<file path=ppt/slides/slide31.xml><?xml version="1.0" encoding="utf-8"?>
-<p:sld xmlns:a="http://schemas.openxmlformats.org/drawingml/2006/main" xmlns:p="http://schemas.openxmlformats.org/presentationml/2006/main" xmlns:r="http://schemas.openxmlformats.org/officeDocument/2006/relationships">
-  <p:cSld>
-    <p:spTree>
-      <p:nvGrpSpPr>
-        <p:cNvPr id="1" name=""/>
-        <p:cNvGrpSpPr/>
-        <p:nvPr/>
-      </p:nvGrpSpPr>
-      <p:grpSpPr/>
-      <p:sp>
-        <p:nvSpPr>
-          <p:cNvPr id="2" name="TextBox 1"/>
-          <p:cNvSpPr txBox="1"/>
-          <p:nvPr/>
-        </p:nvSpPr>
-        <p:spPr>
-          <a:xfrm>
-            <a:off x="685800" y="228600"/>
-            <a:ext cx="7772400" cy="2971800"/>
-          </a:xfrm>
-          <a:prstGeom prst="rect">
-            <a:avLst/>
-          </a:prstGeom>
-          <a:noFill/>
-        </p:spPr>
-        <p:txBody>
           <a:bodyPr wrap="none">
             <a:spAutoFit/>
           </a:bodyPr>
@@ -5328,673 +4767,28 @@
           <a:p>
             <a:pPr algn="ctr">
               <a:lnSpc>
-                <a:spcPts val="4800"/>
+                <a:spcPts val="7000"/>
               </a:lnSpc>
-              <a:defRPr sz="4500">
+              <a:defRPr sz="4400">
                 <a:solidFill>
                   <a:srgbClr val="000000"/>
                 </a:solidFill>
               </a:defRPr>
             </a:pPr>
             <a:r>
-              <a:t>เย...ซู โอ้เย....ซู</a:t>
+              <a:t>ขอองค์พระเยซูเจ้า</a:t>
             </a:r>
             <a:br/>
             <a:r>
-              <a:t>โปรด เจิม เราด้วยไฟ</a:t>
+              <a:t>ประทานไฟลงมา</a:t>
             </a:r>
             <a:br/>
             <a:r>
-              <a:t>เย..ซู โอ้เย....ซู โปรด</a:t>
+              <a:t>ขอองค์พระเยซูเจ้า</a:t>
             </a:r>
             <a:br/>
             <a:r>
-              <a:t>เจิมเรา ด้วยไฟ</a:t>
-            </a:r>
-          </a:p>
-        </p:txBody>
-      </p:sp>
-      <p:sp>
-        <p:nvSpPr>
-          <p:cNvPr id="3" name="TextBox 2"/>
-          <p:cNvSpPr txBox="1"/>
-          <p:nvPr/>
-        </p:nvSpPr>
-        <p:spPr>
-          <a:xfrm>
-            <a:off x="685800" y="3657600"/>
-            <a:ext cx="7772400" cy="2971800"/>
-          </a:xfrm>
-          <a:prstGeom prst="rect">
-            <a:avLst/>
-          </a:prstGeom>
-          <a:noFill/>
-        </p:spPr>
-        <p:txBody>
-          <a:bodyPr wrap="none">
-            <a:spAutoFit/>
-          </a:bodyPr>
-          <a:lstStyle/>
-          <a:p>
-            <a:pPr algn="ctr">
-              <a:lnSpc>
-                <a:spcPts val="4800"/>
-              </a:lnSpc>
-              <a:defRPr sz="4200">
-                <a:solidFill>
-                  <a:srgbClr val="3A70BC"/>
-                </a:solidFill>
-              </a:defRPr>
-            </a:pPr>
-            <a:r>
-              <a:t>Jesus oh Jesus, Come and fill Your lambs</a:t>
-            </a:r>
-            <a:br/>
-            <a:r>
-              <a:t> Jesus oh Jesus, Come and fill Your lambs</a:t>
-            </a:r>
-            <a:br/>
-          </a:p>
-        </p:txBody>
-      </p:sp>
-    </p:spTree>
-  </p:cSld>
-  <p:clrMapOvr>
-    <a:masterClrMapping/>
-  </p:clrMapOvr>
-</p:sld>
-</file>
-
-<file path=ppt/slides/slide32.xml><?xml version="1.0" encoding="utf-8"?>
-<p:sld xmlns:a="http://schemas.openxmlformats.org/drawingml/2006/main" xmlns:p="http://schemas.openxmlformats.org/presentationml/2006/main" xmlns:r="http://schemas.openxmlformats.org/officeDocument/2006/relationships">
-  <p:cSld>
-    <p:spTree>
-      <p:nvGrpSpPr>
-        <p:cNvPr id="1" name=""/>
-        <p:cNvGrpSpPr/>
-        <p:nvPr/>
-      </p:nvGrpSpPr>
-      <p:grpSpPr/>
-      <p:sp>
-        <p:nvSpPr>
-          <p:cNvPr id="2" name="TextBox 1"/>
-          <p:cNvSpPr txBox="1"/>
-          <p:nvPr/>
-        </p:nvSpPr>
-        <p:spPr>
-          <a:xfrm>
-            <a:off x="685800" y="228600"/>
-            <a:ext cx="7772400" cy="2971800"/>
-          </a:xfrm>
-          <a:prstGeom prst="rect">
-            <a:avLst/>
-          </a:prstGeom>
-          <a:noFill/>
-        </p:spPr>
-        <p:txBody>
-          <a:bodyPr wrap="square">
-            <a:spAutoFit/>
-          </a:bodyPr>
-          <a:lstStyle/>
-          <a:p>
-            <a:pPr algn="ctr">
-              <a:lnSpc>
-                <a:spcPts val="4800"/>
-              </a:lnSpc>
-              <a:defRPr sz="4500">
-                <a:solidFill>
-                  <a:srgbClr val="000000"/>
-                </a:solidFill>
-              </a:defRPr>
-            </a:pPr>
-            <a:r>
-              <a:t>...</a:t>
-            </a:r>
-          </a:p>
-        </p:txBody>
-      </p:sp>
-      <p:sp>
-        <p:nvSpPr>
-          <p:cNvPr id="3" name="TextBox 2"/>
-          <p:cNvSpPr txBox="1"/>
-          <p:nvPr/>
-        </p:nvSpPr>
-        <p:spPr>
-          <a:xfrm>
-            <a:off x="685800" y="3657600"/>
-            <a:ext cx="7772400" cy="2971800"/>
-          </a:xfrm>
-          <a:prstGeom prst="rect">
-            <a:avLst/>
-          </a:prstGeom>
-          <a:noFill/>
-        </p:spPr>
-        <p:txBody>
-          <a:bodyPr wrap="square">
-            <a:spAutoFit/>
-          </a:bodyPr>
-          <a:lstStyle/>
-          <a:p>
-            <a:pPr algn="ctr">
-              <a:lnSpc>
-                <a:spcPts val="4800"/>
-              </a:lnSpc>
-              <a:defRPr sz="4200">
-                <a:solidFill>
-                  <a:srgbClr val="3A70BC"/>
-                </a:solidFill>
-              </a:defRPr>
-            </a:pPr>
-            <a:r>
-              <a:t>Oh come and sing the song of gladness. As your hearts are filled with joy. Lift your hands in sweet surrender to His name. Oh give Him all your tears and sadness. Give Him all your years of pain. And you'll enter into life in Jesus' name.</a:t>
-            </a:r>
-          </a:p>
-        </p:txBody>
-      </p:sp>
-    </p:spTree>
-  </p:cSld>
-  <p:clrMapOvr>
-    <a:masterClrMapping/>
-  </p:clrMapOvr>
-</p:sld>
-</file>
-
-<file path=ppt/slides/slide33.xml><?xml version="1.0" encoding="utf-8"?>
-<p:sld xmlns:a="http://schemas.openxmlformats.org/drawingml/2006/main" xmlns:p="http://schemas.openxmlformats.org/presentationml/2006/main" xmlns:r="http://schemas.openxmlformats.org/officeDocument/2006/relationships">
-  <p:cSld>
-    <p:spTree>
-      <p:nvGrpSpPr>
-        <p:cNvPr id="1" name=""/>
-        <p:cNvGrpSpPr/>
-        <p:nvPr/>
-      </p:nvGrpSpPr>
-      <p:grpSpPr/>
-      <p:sp>
-        <p:nvSpPr>
-          <p:cNvPr id="2" name="TextBox 1"/>
-          <p:cNvSpPr txBox="1"/>
-          <p:nvPr/>
-        </p:nvSpPr>
-        <p:spPr>
-          <a:xfrm>
-            <a:off x="685800" y="228600"/>
-            <a:ext cx="7772400" cy="2971800"/>
-          </a:xfrm>
-          <a:prstGeom prst="rect">
-            <a:avLst/>
-          </a:prstGeom>
-          <a:noFill/>
-        </p:spPr>
-        <p:txBody>
-          <a:bodyPr wrap="none">
-            <a:spAutoFit/>
-          </a:bodyPr>
-          <a:lstStyle/>
-          <a:p>
-            <a:pPr algn="ctr">
-              <a:lnSpc>
-                <a:spcPts val="4800"/>
-              </a:lnSpc>
-              <a:defRPr sz="4500">
-                <a:solidFill>
-                  <a:srgbClr val="000000"/>
-                </a:solidFill>
-              </a:defRPr>
-            </a:pPr>
-            <a:r>
-              <a:t>เย...ซู โอ้เย....ซู</a:t>
-            </a:r>
-            <a:br/>
-            <a:r>
-              <a:t>โปรด เจิม เราด้วยไฟ</a:t>
-            </a:r>
-            <a:br/>
-            <a:r>
-              <a:t>เย..ซู โอ้เย....ซู โปรด</a:t>
-            </a:r>
-            <a:br/>
-            <a:r>
-              <a:t>เจิมเรา ด้วยไฟ</a:t>
-            </a:r>
-          </a:p>
-        </p:txBody>
-      </p:sp>
-      <p:sp>
-        <p:nvSpPr>
-          <p:cNvPr id="3" name="TextBox 2"/>
-          <p:cNvSpPr txBox="1"/>
-          <p:nvPr/>
-        </p:nvSpPr>
-        <p:spPr>
-          <a:xfrm>
-            <a:off x="685800" y="3657600"/>
-            <a:ext cx="7772400" cy="2971800"/>
-          </a:xfrm>
-          <a:prstGeom prst="rect">
-            <a:avLst/>
-          </a:prstGeom>
-          <a:noFill/>
-        </p:spPr>
-        <p:txBody>
-          <a:bodyPr wrap="none">
-            <a:spAutoFit/>
-          </a:bodyPr>
-          <a:lstStyle/>
-          <a:p>
-            <a:pPr algn="ctr">
-              <a:lnSpc>
-                <a:spcPts val="4800"/>
-              </a:lnSpc>
-              <a:defRPr sz="4200">
-                <a:solidFill>
-                  <a:srgbClr val="3A70BC"/>
-                </a:solidFill>
-              </a:defRPr>
-            </a:pPr>
-            <a:r>
-              <a:t>Jesus oh Jesus, Come and fill Your lambs</a:t>
-            </a:r>
-            <a:br/>
-            <a:r>
-              <a:t> Jesus oh Jesus, Come and fill Your lambs</a:t>
-            </a:r>
-            <a:br/>
-          </a:p>
-        </p:txBody>
-      </p:sp>
-    </p:spTree>
-  </p:cSld>
-  <p:clrMapOvr>
-    <a:masterClrMapping/>
-  </p:clrMapOvr>
-</p:sld>
-</file>
-
-<file path=ppt/slides/slide34.xml><?xml version="1.0" encoding="utf-8"?>
-<p:sld xmlns:a="http://schemas.openxmlformats.org/drawingml/2006/main" xmlns:p="http://schemas.openxmlformats.org/presentationml/2006/main" xmlns:r="http://schemas.openxmlformats.org/officeDocument/2006/relationships">
-  <p:cSld>
-    <p:spTree>
-      <p:nvGrpSpPr>
-        <p:cNvPr id="1" name=""/>
-        <p:cNvGrpSpPr/>
-        <p:nvPr/>
-      </p:nvGrpSpPr>
-      <p:grpSpPr/>
-      <p:sp>
-        <p:nvSpPr>
-          <p:cNvPr id="2" name="Title 1"/>
-          <p:cNvSpPr>
-            <a:spLocks noGrp="1"/>
-          </p:cNvSpPr>
-          <p:nvPr>
-            <p:ph type="ctrTitle"/>
-          </p:nvPr>
-        </p:nvSpPr>
-        <p:spPr/>
-        <p:txBody>
-          <a:bodyPr/>
-          <a:lstStyle/>
-          <a:p>
-            <a:r>
-              <a:t>ฉันตัดสินใจแล้ว</a:t>
-            </a:r>
-          </a:p>
-        </p:txBody>
-      </p:sp>
-      <p:sp>
-        <p:nvSpPr>
-          <p:cNvPr id="3" name="Subtitle 2"/>
-          <p:cNvSpPr>
-            <a:spLocks noGrp="1"/>
-          </p:cNvSpPr>
-          <p:nvPr>
-            <p:ph type="subTitle" idx="1"/>
-          </p:nvPr>
-        </p:nvSpPr>
-        <p:spPr/>
-        <p:txBody>
-          <a:bodyPr/>
-          <a:lstStyle/>
-          <a:p>
-            <a:pPr>
-              <a:defRPr sz="4000">
-                <a:solidFill>
-                  <a:srgbClr val="3A70BC"/>
-                </a:solidFill>
-              </a:defRPr>
-            </a:pPr>
-            <a:r>
-              <a:t>I Have Decided to Follow Jesus</a:t>
-            </a:r>
-          </a:p>
-        </p:txBody>
-      </p:sp>
-    </p:spTree>
-  </p:cSld>
-  <p:clrMapOvr>
-    <a:masterClrMapping/>
-  </p:clrMapOvr>
-</p:sld>
-</file>
-
-<file path=ppt/slides/slide35.xml><?xml version="1.0" encoding="utf-8"?>
-<p:sld xmlns:a="http://schemas.openxmlformats.org/drawingml/2006/main" xmlns:p="http://schemas.openxmlformats.org/presentationml/2006/main" xmlns:r="http://schemas.openxmlformats.org/officeDocument/2006/relationships">
-  <p:cSld>
-    <p:spTree>
-      <p:nvGrpSpPr>
-        <p:cNvPr id="1" name=""/>
-        <p:cNvGrpSpPr/>
-        <p:nvPr/>
-      </p:nvGrpSpPr>
-      <p:grpSpPr/>
-      <p:sp>
-        <p:nvSpPr>
-          <p:cNvPr id="2" name="TextBox 1"/>
-          <p:cNvSpPr txBox="1"/>
-          <p:nvPr/>
-        </p:nvSpPr>
-        <p:spPr>
-          <a:xfrm>
-            <a:off x="685800" y="228600"/>
-            <a:ext cx="7772400" cy="2971800"/>
-          </a:xfrm>
-          <a:prstGeom prst="rect">
-            <a:avLst/>
-          </a:prstGeom>
-          <a:noFill/>
-        </p:spPr>
-        <p:txBody>
-          <a:bodyPr wrap="none">
-            <a:spAutoFit/>
-          </a:bodyPr>
-          <a:lstStyle/>
-          <a:p>
-            <a:pPr algn="ctr">
-              <a:lnSpc>
-                <a:spcPts val="4800"/>
-              </a:lnSpc>
-              <a:defRPr sz="4500">
-                <a:solidFill>
-                  <a:srgbClr val="000000"/>
-                </a:solidFill>
-              </a:defRPr>
-            </a:pPr>
-            <a:r>
-              <a:t>1.ฉันตัดสินใจแล้วจะตามพระเยซู</a:t>
-            </a:r>
-            <a:br/>
-            <a:r>
-              <a:t> ฉันตัดสินใจแล้วจะตามพระเยซู</a:t>
-            </a:r>
-            <a:br/>
-            <a:r>
-              <a:t> ฉันตัดสินใจแล้วจะตามพระเยซู</a:t>
-            </a:r>
-            <a:br/>
-            <a:r>
-              <a:t> ไม่หันกลับเลยไม่หันกลับเลย</a:t>
-            </a:r>
-          </a:p>
-        </p:txBody>
-      </p:sp>
-      <p:sp>
-        <p:nvSpPr>
-          <p:cNvPr id="3" name="TextBox 2"/>
-          <p:cNvSpPr txBox="1"/>
-          <p:nvPr/>
-        </p:nvSpPr>
-        <p:spPr>
-          <a:xfrm>
-            <a:off x="685800" y="3657600"/>
-            <a:ext cx="7772400" cy="2971800"/>
-          </a:xfrm>
-          <a:prstGeom prst="rect">
-            <a:avLst/>
-          </a:prstGeom>
-          <a:noFill/>
-        </p:spPr>
-        <p:txBody>
-          <a:bodyPr wrap="square">
-            <a:spAutoFit/>
-          </a:bodyPr>
-          <a:lstStyle/>
-          <a:p>
-            <a:pPr algn="ctr">
-              <a:lnSpc>
-                <a:spcPts val="4800"/>
-              </a:lnSpc>
-              <a:defRPr sz="4200">
-                <a:solidFill>
-                  <a:srgbClr val="3A70BC"/>
-                </a:solidFill>
-              </a:defRPr>
-            </a:pPr>
-            <a:r>
-              <a:t>I have decided to follow Jesus. I have decided to follow Jesus. I have decided to follow Jesus. No turning back, no turning back.</a:t>
-            </a:r>
-          </a:p>
-        </p:txBody>
-      </p:sp>
-    </p:spTree>
-  </p:cSld>
-  <p:clrMapOvr>
-    <a:masterClrMapping/>
-  </p:clrMapOvr>
-</p:sld>
-</file>
-
-<file path=ppt/slides/slide36.xml><?xml version="1.0" encoding="utf-8"?>
-<p:sld xmlns:a="http://schemas.openxmlformats.org/drawingml/2006/main" xmlns:p="http://schemas.openxmlformats.org/presentationml/2006/main" xmlns:r="http://schemas.openxmlformats.org/officeDocument/2006/relationships">
-  <p:cSld>
-    <p:spTree>
-      <p:nvGrpSpPr>
-        <p:cNvPr id="1" name=""/>
-        <p:cNvGrpSpPr/>
-        <p:nvPr/>
-      </p:nvGrpSpPr>
-      <p:grpSpPr/>
-      <p:sp>
-        <p:nvSpPr>
-          <p:cNvPr id="2" name="TextBox 1"/>
-          <p:cNvSpPr txBox="1"/>
-          <p:nvPr/>
-        </p:nvSpPr>
-        <p:spPr>
-          <a:xfrm>
-            <a:off x="685800" y="228600"/>
-            <a:ext cx="7772400" cy="2971800"/>
-          </a:xfrm>
-          <a:prstGeom prst="rect">
-            <a:avLst/>
-          </a:prstGeom>
-          <a:noFill/>
-        </p:spPr>
-        <p:txBody>
-          <a:bodyPr wrap="none">
-            <a:spAutoFit/>
-          </a:bodyPr>
-          <a:lstStyle/>
-          <a:p>
-            <a:pPr algn="ctr">
-              <a:lnSpc>
-                <a:spcPts val="4800"/>
-              </a:lnSpc>
-              <a:defRPr sz="4500">
-                <a:solidFill>
-                  <a:srgbClr val="000000"/>
-                </a:solidFill>
-              </a:defRPr>
-            </a:pPr>
-            <a:r>
-              <a:t>2.กางเขนอยู่เบื้องหน้าทิ้งโลกไว้เบื้องหลัง</a:t>
-            </a:r>
-            <a:br/>
-            <a:r>
-              <a:t> กางเขนอยู่เบื้องหน้าทิ้งโลกไว้เบื้องหลัง</a:t>
-            </a:r>
-            <a:br/>
-            <a:r>
-              <a:t> กางเขนอยู่เบื้องหน้าทิ้งโลกไว้เบื้องหลัง</a:t>
-            </a:r>
-            <a:br/>
-            <a:r>
-              <a:t>ไม่หันกลับเลยไม่หันกลับเลย</a:t>
-            </a:r>
-          </a:p>
-        </p:txBody>
-      </p:sp>
-      <p:sp>
-        <p:nvSpPr>
-          <p:cNvPr id="3" name="TextBox 2"/>
-          <p:cNvSpPr txBox="1"/>
-          <p:nvPr/>
-        </p:nvSpPr>
-        <p:spPr>
-          <a:xfrm>
-            <a:off x="685800" y="3657600"/>
-            <a:ext cx="7772400" cy="2971800"/>
-          </a:xfrm>
-          <a:prstGeom prst="rect">
-            <a:avLst/>
-          </a:prstGeom>
-          <a:noFill/>
-        </p:spPr>
-        <p:txBody>
-          <a:bodyPr wrap="none">
-            <a:spAutoFit/>
-          </a:bodyPr>
-          <a:lstStyle/>
-          <a:p>
-            <a:pPr algn="ctr">
-              <a:lnSpc>
-                <a:spcPts val="4800"/>
-              </a:lnSpc>
-              <a:defRPr sz="4200">
-                <a:solidFill>
-                  <a:srgbClr val="3A70BC"/>
-                </a:solidFill>
-              </a:defRPr>
-            </a:pPr>
-            <a:r>
-              <a:t>The world behind me, the cross before me</a:t>
-            </a:r>
-            <a:br/>
-            <a:r>
-              <a:t> The world behind me, the cross before me</a:t>
-            </a:r>
-            <a:br/>
-            <a:r>
-              <a:t> The world behind me, the cross before me</a:t>
-            </a:r>
-            <a:br/>
-            <a:r>
-              <a:t> No turning back, no turning back.</a:t>
-            </a:r>
-          </a:p>
-        </p:txBody>
-      </p:sp>
-    </p:spTree>
-  </p:cSld>
-  <p:clrMapOvr>
-    <a:masterClrMapping/>
-  </p:clrMapOvr>
-</p:sld>
-</file>
-
-<file path=ppt/slides/slide37.xml><?xml version="1.0" encoding="utf-8"?>
-<p:sld xmlns:a="http://schemas.openxmlformats.org/drawingml/2006/main" xmlns:p="http://schemas.openxmlformats.org/presentationml/2006/main" xmlns:r="http://schemas.openxmlformats.org/officeDocument/2006/relationships">
-  <p:cSld>
-    <p:spTree>
-      <p:nvGrpSpPr>
-        <p:cNvPr id="1" name=""/>
-        <p:cNvGrpSpPr/>
-        <p:nvPr/>
-      </p:nvGrpSpPr>
-      <p:grpSpPr/>
-      <p:sp>
-        <p:nvSpPr>
-          <p:cNvPr id="2" name="TextBox 1"/>
-          <p:cNvSpPr txBox="1"/>
-          <p:nvPr/>
-        </p:nvSpPr>
-        <p:spPr>
-          <a:xfrm>
-            <a:off x="685800" y="228600"/>
-            <a:ext cx="7772400" cy="2971800"/>
-          </a:xfrm>
-          <a:prstGeom prst="rect">
-            <a:avLst/>
-          </a:prstGeom>
-          <a:noFill/>
-        </p:spPr>
-        <p:txBody>
-          <a:bodyPr wrap="none">
-            <a:spAutoFit/>
-          </a:bodyPr>
-          <a:lstStyle/>
-          <a:p>
-            <a:pPr algn="ctr">
-              <a:lnSpc>
-                <a:spcPts val="4800"/>
-              </a:lnSpc>
-              <a:defRPr sz="4500">
-                <a:solidFill>
-                  <a:srgbClr val="000000"/>
-                </a:solidFill>
-              </a:defRPr>
-            </a:pPr>
-            <a:r>
-              <a:t>3.แม้ใครไม่ไปด้วยฉันก็จะตามไป</a:t>
-            </a:r>
-            <a:br/>
-            <a:r>
-              <a:t> แม้ใครไม่ไปด้วยฉันก็จะตามไป</a:t>
-            </a:r>
-            <a:br/>
-            <a:r>
-              <a:t> แม้ใครไม่ไปด้วยฉันก็จะตามไป</a:t>
-            </a:r>
-            <a:br/>
-            <a:r>
-              <a:t> ไม่หันกลับเลยไม่หันกลับเลย</a:t>
-            </a:r>
-          </a:p>
-        </p:txBody>
-      </p:sp>
-      <p:sp>
-        <p:nvSpPr>
-          <p:cNvPr id="3" name="TextBox 2"/>
-          <p:cNvSpPr txBox="1"/>
-          <p:nvPr/>
-        </p:nvSpPr>
-        <p:spPr>
-          <a:xfrm>
-            <a:off x="685800" y="3657600"/>
-            <a:ext cx="7772400" cy="2971800"/>
-          </a:xfrm>
-          <a:prstGeom prst="rect">
-            <a:avLst/>
-          </a:prstGeom>
-          <a:noFill/>
-        </p:spPr>
-        <p:txBody>
-          <a:bodyPr wrap="square">
-            <a:spAutoFit/>
-          </a:bodyPr>
-          <a:lstStyle/>
-          <a:p>
-            <a:pPr algn="ctr">
-              <a:lnSpc>
-                <a:spcPts val="4800"/>
-              </a:lnSpc>
-              <a:defRPr sz="4200">
-                <a:solidFill>
-                  <a:srgbClr val="3A70BC"/>
-                </a:solidFill>
-              </a:defRPr>
-            </a:pPr>
-            <a:r>
-              <a:t>Though none go with me, still I will follow. Though none go with me, still I will follow. Though none go with me, still I will follow. No turning back, no turning back.</a:t>
+              <a:t>ประทานไฟในใจข้า</a:t>
             </a:r>
           </a:p>
         </p:txBody>
@@ -6019,85 +4813,47 @@
       <p:grpSpPr/>
       <p:sp>
         <p:nvSpPr>
-          <p:cNvPr id="2" name="TextBox 1"/>
-          <p:cNvSpPr txBox="1"/>
-          <p:nvPr/>
-        </p:nvSpPr>
-        <p:spPr>
-          <a:xfrm>
-            <a:off x="685800" y="228600"/>
-            <a:ext cx="7772400" cy="2971800"/>
-          </a:xfrm>
-          <a:prstGeom prst="rect">
-            <a:avLst/>
-          </a:prstGeom>
-          <a:noFill/>
-        </p:spPr>
-        <p:txBody>
-          <a:bodyPr wrap="none">
-            <a:spAutoFit/>
-          </a:bodyPr>
-          <a:lstStyle/>
-          <a:p>
-            <a:pPr algn="ctr">
-              <a:lnSpc>
-                <a:spcPts val="4800"/>
-              </a:lnSpc>
-              <a:defRPr sz="4500">
-                <a:solidFill>
-                  <a:srgbClr val="000000"/>
+          <p:cNvPr id="2" name="Title 1"/>
+          <p:cNvSpPr>
+            <a:spLocks noGrp="1"/>
+          </p:cNvSpPr>
+          <p:nvPr>
+            <p:ph type="ctrTitle"/>
+          </p:nvPr>
+        </p:nvSpPr>
+        <p:spPr/>
+        <p:txBody>
+          <a:bodyPr/>
+          <a:lstStyle/>
+          <a:p>
+            <a:r>
+              <a:t>เข้าใจเธอ</a:t>
+            </a:r>
+          </a:p>
+        </p:txBody>
+      </p:sp>
+      <p:sp>
+        <p:nvSpPr>
+          <p:cNvPr id="3" name="Subtitle 2"/>
+          <p:cNvSpPr>
+            <a:spLocks noGrp="1"/>
+          </p:cNvSpPr>
+          <p:nvPr>
+            <p:ph type="subTitle" idx="1"/>
+          </p:nvPr>
+        </p:nvSpPr>
+        <p:spPr/>
+        <p:txBody>
+          <a:bodyPr/>
+          <a:lstStyle/>
+          <a:p>
+            <a:pPr>
+              <a:defRPr sz="4000">
+                <a:solidFill>
+                  <a:srgbClr val="3A70BC"/>
                 </a:solidFill>
               </a:defRPr>
             </a:pPr>
-            <a:r>
-              <a:t>จิตใจฉัน ขอสรรเสริญ จิตวิญญาณ</a:t>
-            </a:r>
-            <a:br/>
-            <a:r>
-              <a:t>สรรเสริญ นามบริสุทธิ์ เปล่งเสียงร้องด้วยสิ้นสุดใจ</a:t>
-            </a:r>
-            <a:br/>
-            <a:r>
-              <a:t>จิตวิญญาณ สรรเสริญ นามบริสุทธิ์</a:t>
-            </a:r>
-          </a:p>
-        </p:txBody>
-      </p:sp>
-      <p:sp>
-        <p:nvSpPr>
-          <p:cNvPr id="3" name="TextBox 2"/>
-          <p:cNvSpPr txBox="1"/>
-          <p:nvPr/>
-        </p:nvSpPr>
-        <p:spPr>
-          <a:xfrm>
-            <a:off x="685800" y="3657600"/>
-            <a:ext cx="7772400" cy="2971800"/>
-          </a:xfrm>
-          <a:prstGeom prst="rect">
-            <a:avLst/>
-          </a:prstGeom>
-          <a:noFill/>
-        </p:spPr>
-        <p:txBody>
-          <a:bodyPr wrap="square">
-            <a:spAutoFit/>
-          </a:bodyPr>
-          <a:lstStyle/>
-          <a:p>
-            <a:pPr algn="ctr">
-              <a:lnSpc>
-                <a:spcPts val="4800"/>
-              </a:lnSpc>
-              <a:defRPr sz="4200">
-                <a:solidFill>
-                  <a:srgbClr val="3A70BC"/>
-                </a:solidFill>
-              </a:defRPr>
-            </a:pPr>
-            <a:r>
-              <a:t>Bless the Lord, O my soul, O my soul. Worship His holy name. Sing like never before, O my soul. I'll worship Your holy name.</a:t>
-            </a:r>
           </a:p>
         </p:txBody>
       </p:sp>
@@ -6127,8 +4883,8 @@
         </p:nvSpPr>
         <p:spPr>
           <a:xfrm>
-            <a:off x="685800" y="228600"/>
-            <a:ext cx="7772400" cy="2971800"/>
+            <a:off x="914400" y="457200"/>
+            <a:ext cx="7315200" cy="5486400"/>
           </a:xfrm>
           <a:prstGeom prst="rect">
             <a:avLst/>
@@ -6136,61 +4892,35 @@
           <a:noFill/>
         </p:spPr>
         <p:txBody>
-          <a:bodyPr wrap="square">
+          <a:bodyPr wrap="none">
             <a:spAutoFit/>
           </a:bodyPr>
           <a:lstStyle/>
           <a:p>
             <a:pPr algn="ctr">
               <a:lnSpc>
-                <a:spcPts val="4800"/>
+                <a:spcPts val="7000"/>
               </a:lnSpc>
-              <a:defRPr sz="4500">
+              <a:defRPr sz="4400">
                 <a:solidFill>
                   <a:srgbClr val="000000"/>
                 </a:solidFill>
               </a:defRPr>
             </a:pPr>
             <a:r>
-              <a:t>ความรักมั่นคง ไม่ทรงโกรธเร็วไว พระนามยิ่งใหญ่ พระทัยพระองค์งดงาม ความดีของพระองค์จะทรงทำให้ฉันร้องเพลง หนึ่งหมื่นเหตุผล ใจฉันเองได้สัมผัส</a:t>
-            </a:r>
-          </a:p>
-        </p:txBody>
-      </p:sp>
-      <p:sp>
-        <p:nvSpPr>
-          <p:cNvPr id="3" name="TextBox 2"/>
-          <p:cNvSpPr txBox="1"/>
-          <p:nvPr/>
-        </p:nvSpPr>
-        <p:spPr>
-          <a:xfrm>
-            <a:off x="685800" y="3657600"/>
-            <a:ext cx="7772400" cy="2971800"/>
-          </a:xfrm>
-          <a:prstGeom prst="rect">
-            <a:avLst/>
-          </a:prstGeom>
-          <a:noFill/>
-        </p:spPr>
-        <p:txBody>
-          <a:bodyPr wrap="square">
-            <a:spAutoFit/>
-          </a:bodyPr>
-          <a:lstStyle/>
-          <a:p>
-            <a:pPr algn="ctr">
-              <a:lnSpc>
-                <a:spcPts val="4800"/>
-              </a:lnSpc>
-              <a:defRPr sz="4200">
-                <a:solidFill>
-                  <a:srgbClr val="3A70BC"/>
-                </a:solidFill>
-              </a:defRPr>
-            </a:pPr>
-            <a:r>
-              <a:t>You're rich in love and You're slow to anger. Your name is great and Your heart is kind. For all Your goodness, I will keep on singing. Ten thousand reasons for my heart to find.</a:t>
+              <a:t>วันใดที่เธอต้องการใครสักคน</a:t>
+            </a:r>
+            <a:br/>
+            <a:r>
+              <a:t>ใครเพียงสักคนที่พร้อมจะเข้าใจ</a:t>
+            </a:r>
+            <a:br/>
+            <a:r>
+              <a:t>ยังมีเรื่องราวเก็บไว้ข้างใน</a:t>
+            </a:r>
+            <a:br/>
+            <a:r>
+              <a:t>อยากระบาย ให้มันหมดใจ</a:t>
             </a:r>
           </a:p>
         </p:txBody>
@@ -6221,8 +4951,8 @@
         </p:nvSpPr>
         <p:spPr>
           <a:xfrm>
-            <a:off x="685800" y="228600"/>
-            <a:ext cx="7772400" cy="2971800"/>
+            <a:off x="914400" y="457200"/>
+            <a:ext cx="7315200" cy="5486400"/>
           </a:xfrm>
           <a:prstGeom prst="rect">
             <a:avLst/>
@@ -6230,52 +4960,6 @@
           <a:noFill/>
         </p:spPr>
         <p:txBody>
-          <a:bodyPr wrap="none">
-            <a:spAutoFit/>
-          </a:bodyPr>
-          <a:lstStyle/>
-          <a:p>
-            <a:pPr algn="ctr">
-              <a:lnSpc>
-                <a:spcPts val="4800"/>
-              </a:lnSpc>
-              <a:defRPr sz="4500">
-                <a:solidFill>
-                  <a:srgbClr val="000000"/>
-                </a:solidFill>
-              </a:defRPr>
-            </a:pPr>
-            <a:r>
-              <a:t>จิตใจฉัน ขอสรรเสริญ จิตวิญญาณ</a:t>
-            </a:r>
-            <a:br/>
-            <a:r>
-              <a:t>สรรเสริญ นามบริสุทธิ์ เปล่งเสียงร้องด้วยสิ้นสุดใจ</a:t>
-            </a:r>
-            <a:br/>
-            <a:r>
-              <a:t>จิตวิญญาณ สรรเสริญ นามบริสุทธิ์</a:t>
-            </a:r>
-          </a:p>
-        </p:txBody>
-      </p:sp>
-      <p:sp>
-        <p:nvSpPr>
-          <p:cNvPr id="3" name="TextBox 2"/>
-          <p:cNvSpPr txBox="1"/>
-          <p:nvPr/>
-        </p:nvSpPr>
-        <p:spPr>
-          <a:xfrm>
-            <a:off x="685800" y="3657600"/>
-            <a:ext cx="7772400" cy="2971800"/>
-          </a:xfrm>
-          <a:prstGeom prst="rect">
-            <a:avLst/>
-          </a:prstGeom>
-          <a:noFill/>
-        </p:spPr>
-        <p:txBody>
           <a:bodyPr wrap="square">
             <a:spAutoFit/>
           </a:bodyPr>
@@ -6283,16 +4967,16 @@
           <a:p>
             <a:pPr algn="ctr">
               <a:lnSpc>
-                <a:spcPts val="4800"/>
+                <a:spcPts val="7000"/>
               </a:lnSpc>
-              <a:defRPr sz="4200">
-                <a:solidFill>
-                  <a:srgbClr val="3A70BC"/>
+              <a:defRPr sz="4400">
+                <a:solidFill>
+                  <a:srgbClr val="000000"/>
                 </a:solidFill>
               </a:defRPr>
             </a:pPr>
             <a:r>
-              <a:t>Bless the Lord, O my soul, O my soul. Worship His holy name. Sing like never before, O my soul. I'll worship Your holy name.</a:t>
+              <a:t>หากวันไหนเธอมองไม่เห็นใคร อยากให้รู้มีใครอยู่ใกล้เธอ พร้อมจะเข้าใจเรื่องราวที่พบเจอไม่ว่ามันหนักหนาสักแค่ไหน</a:t>
             </a:r>
           </a:p>
         </p:txBody>
@@ -6323,8 +5007,8 @@
         </p:nvSpPr>
         <p:spPr>
           <a:xfrm>
-            <a:off x="685800" y="228600"/>
-            <a:ext cx="7772400" cy="2971800"/>
+            <a:off x="914400" y="457200"/>
+            <a:ext cx="7315200" cy="5486400"/>
           </a:xfrm>
           <a:prstGeom prst="rect">
             <a:avLst/>
@@ -6332,61 +5016,39 @@
           <a:noFill/>
         </p:spPr>
         <p:txBody>
-          <a:bodyPr wrap="square">
+          <a:bodyPr wrap="none">
             <a:spAutoFit/>
           </a:bodyPr>
           <a:lstStyle/>
           <a:p>
             <a:pPr algn="ctr">
               <a:lnSpc>
-                <a:spcPts val="4800"/>
+                <a:spcPts val="7000"/>
               </a:lnSpc>
-              <a:defRPr sz="4500">
+              <a:defRPr sz="4400">
                 <a:solidFill>
                   <a:srgbClr val="000000"/>
                 </a:solidFill>
               </a:defRPr>
             </a:pPr>
             <a:r>
-              <a:t>ดวงอาทิตย์ฉายแสงและลาลับไป นี่เป็นเวลาสรรเสริญอีกครา ทุกสิ่งพัดผ่านไปและทุกสิ่งจะเกิดขึ้นตามมา และฉันจะสรรเสริญเมื่อยามเย็นเยือนมา</a:t>
-            </a:r>
-          </a:p>
-        </p:txBody>
-      </p:sp>
-      <p:sp>
-        <p:nvSpPr>
-          <p:cNvPr id="3" name="TextBox 2"/>
-          <p:cNvSpPr txBox="1"/>
-          <p:nvPr/>
-        </p:nvSpPr>
-        <p:spPr>
-          <a:xfrm>
-            <a:off x="685800" y="3657600"/>
-            <a:ext cx="7772400" cy="2971800"/>
-          </a:xfrm>
-          <a:prstGeom prst="rect">
-            <a:avLst/>
-          </a:prstGeom>
-          <a:noFill/>
-        </p:spPr>
-        <p:txBody>
-          <a:bodyPr wrap="square">
-            <a:spAutoFit/>
-          </a:bodyPr>
-          <a:lstStyle/>
-          <a:p>
-            <a:pPr algn="ctr">
-              <a:lnSpc>
-                <a:spcPts val="4800"/>
-              </a:lnSpc>
-              <a:defRPr sz="4200">
-                <a:solidFill>
-                  <a:srgbClr val="3A70BC"/>
-                </a:solidFill>
-              </a:defRPr>
-            </a:pPr>
-            <a:r>
-              <a:t>And on that day when my strength is failing. The end draws near and my time has come. Still, my soul will sing Your praise unending. Ten thousand years and then forevermore. Forevermore.</a:t>
+              <a:t>พระเยซูเข้าใจและพร้อมจะช่วยเธอ</a:t>
+            </a:r>
+            <a:br/>
+            <a:r>
+              <a:t>นำเธอผ่านพ้นเวลาที่โหดร้าย</a:t>
+            </a:r>
+            <a:br/>
+            <a:r>
+              <a:t>ขอให้เธอมั่นใจ</a:t>
+            </a:r>
+            <a:br/>
+            <a:r>
+              <a:t>ว่าทุกๆ ก้าวที่เดินไป</a:t>
+            </a:r>
+            <a:br/>
+            <a:r>
+              <a:t>ให้เธอได้รู้ ว่าเธอยังมี</a:t>
             </a:r>
           </a:p>
         </p:txBody>
@@ -6417,8 +5079,8 @@
         </p:nvSpPr>
         <p:spPr>
           <a:xfrm>
-            <a:off x="685800" y="228600"/>
-            <a:ext cx="7772400" cy="2971800"/>
+            <a:off x="914400" y="457200"/>
+            <a:ext cx="7315200" cy="5486400"/>
           </a:xfrm>
           <a:prstGeom prst="rect">
             <a:avLst/>
@@ -6433,62 +5095,32 @@
           <a:p>
             <a:pPr algn="ctr">
               <a:lnSpc>
-                <a:spcPts val="4800"/>
+                <a:spcPts val="7000"/>
               </a:lnSpc>
-              <a:defRPr sz="4500">
+              <a:defRPr sz="4400">
                 <a:solidFill>
                   <a:srgbClr val="000000"/>
                 </a:solidFill>
               </a:defRPr>
             </a:pPr>
             <a:r>
-              <a:t>จิตใจฉัน ขอสรรเสริญ จิตวิญญาณ</a:t>
+              <a:t>(ให้เธอได้รู้ ว่าพระเยซูเข้าใจเธอ)</a:t>
             </a:r>
             <a:br/>
             <a:r>
-              <a:t>สรรเสริญ นามบริสุทธิ์ เปล่งเสียงร้องด้วยสิ้นสุดใจ</a:t>
+              <a:t>แค่อยากให้เธอ ได้รู้ได้เข้าใจ</a:t>
             </a:r>
             <a:br/>
             <a:r>
-              <a:t>จิตวิญญาณ สรรเสริญ นามบริสุทธิ์</a:t>
-            </a:r>
-          </a:p>
-        </p:txBody>
-      </p:sp>
-      <p:sp>
-        <p:nvSpPr>
-          <p:cNvPr id="3" name="TextBox 2"/>
-          <p:cNvSpPr txBox="1"/>
-          <p:nvPr/>
-        </p:nvSpPr>
-        <p:spPr>
-          <a:xfrm>
-            <a:off x="685800" y="3657600"/>
-            <a:ext cx="7772400" cy="2971800"/>
-          </a:xfrm>
-          <a:prstGeom prst="rect">
-            <a:avLst/>
-          </a:prstGeom>
-          <a:noFill/>
-        </p:spPr>
-        <p:txBody>
-          <a:bodyPr wrap="square">
-            <a:spAutoFit/>
-          </a:bodyPr>
-          <a:lstStyle/>
-          <a:p>
-            <a:pPr algn="ctr">
-              <a:lnSpc>
-                <a:spcPts val="4800"/>
-              </a:lnSpc>
-              <a:defRPr sz="4200">
-                <a:solidFill>
-                  <a:srgbClr val="3A70BC"/>
-                </a:solidFill>
-              </a:defRPr>
-            </a:pPr>
-            <a:r>
-              <a:t>Bless the Lord, O my soul, O my soul. Worship His holy name. Sing like never before, O my soul. I'll worship Your holy name.</a:t>
+              <a:t>ว่ายังมีใครห่วงใยเธอเสมอ</a:t>
+            </a:r>
+            <a:br/>
+            <a:r>
+              <a:t>พระองค์คอยอยู่เป็นคำตอบให้เธอ</a:t>
+            </a:r>
+            <a:br/>
+            <a:r>
+              <a:t>เป็นพลังให้เธอก้าวไป</a:t>
             </a:r>
           </a:p>
         </p:txBody>
@@ -6527,7 +5159,7 @@
           <a:lstStyle/>
           <a:p>
             <a:r>
-              <a:t>เพราะพระองค์ทรงอยู่</a:t>
+              <a:t>พระเจ้าทรงยิ่งใหญ่</a:t>
             </a:r>
           </a:p>
         </p:txBody>
@@ -6555,7 +5187,7 @@
               </a:defRPr>
             </a:pPr>
             <a:r>
-              <a:t>Because He Lives</a:t>
+              <a:t>How Great Is Our God</a:t>
             </a:r>
           </a:p>
         </p:txBody>

--- a/finishedppt/WorshipSongs.pptx
+++ b/finishedppt/WorshipSongs.pptx
@@ -18,18 +18,6 @@
     <p:sldId id="266" r:id="rId17"/>
     <p:sldId id="267" r:id="rId18"/>
     <p:sldId id="268" r:id="rId19"/>
-    <p:sldId id="269" r:id="rId20"/>
-    <p:sldId id="270" r:id="rId21"/>
-    <p:sldId id="271" r:id="rId22"/>
-    <p:sldId id="272" r:id="rId23"/>
-    <p:sldId id="273" r:id="rId24"/>
-    <p:sldId id="274" r:id="rId25"/>
-    <p:sldId id="275" r:id="rId26"/>
-    <p:sldId id="276" r:id="rId27"/>
-    <p:sldId id="277" r:id="rId28"/>
-    <p:sldId id="278" r:id="rId29"/>
-    <p:sldId id="279" r:id="rId30"/>
-    <p:sldId id="280" r:id="rId31"/>
   </p:sldIdLst>
   <p:sldSz cx="9144000" cy="6858000" type="screen4x3"/>
   <p:notesSz cx="6858000" cy="9144000"/>
@@ -3126,11 +3114,7 @@
         <p:txBody>
           <a:bodyPr/>
           <a:lstStyle/>
-          <a:p>
-            <a:r>
-              <a:t>ไฟไฟไฟ</a:t>
-            </a:r>
-          </a:p>
+          <a:p/>
         </p:txBody>
       </p:sp>
       <p:sp>
@@ -3155,6 +3139,9 @@
                 </a:solidFill>
               </a:defRPr>
             </a:pPr>
+            <a:r>
+              <a:t>I Will Rise </a:t>
+            </a:r>
           </a:p>
         </p:txBody>
       </p:sp>
@@ -3184,8 +3171,8 @@
         </p:nvSpPr>
         <p:spPr>
           <a:xfrm>
-            <a:off x="685800" y="228600"/>
-            <a:ext cx="7772400" cy="2971800"/>
+            <a:off x="914400" y="457200"/>
+            <a:ext cx="7315200" cy="5486400"/>
           </a:xfrm>
           <a:prstGeom prst="rect">
             <a:avLst/>
@@ -3193,73 +3180,23 @@
           <a:noFill/>
         </p:spPr>
         <p:txBody>
-          <a:bodyPr wrap="none">
+          <a:bodyPr wrap="square">
             <a:spAutoFit/>
           </a:bodyPr>
           <a:lstStyle/>
           <a:p>
             <a:pPr algn="ctr">
               <a:lnSpc>
-                <a:spcPts val="4800"/>
+                <a:spcPts val="7000"/>
               </a:lnSpc>
-              <a:defRPr sz="4400">
+              <a:defRPr sz="4000">
                 <a:solidFill>
                   <a:srgbClr val="000000"/>
                 </a:solidFill>
               </a:defRPr>
             </a:pPr>
             <a:r>
-              <a:t>พระองค์งดงามตระการ ควรพระบารมี ให้เราร่วมกันยินดี</a:t>
-            </a:r>
-            <a:br/>
-            <a:r>
-              <a:t>ให้เราร่วมกันยินดี พระองค์เป็นความสว่าง</a:t>
-            </a:r>
-            <a:br/>
-            <a:r>
-              <a:t>และความมืดอันตรธาน สะท้านด้วยเสียงพระองค์</a:t>
-            </a:r>
-            <a:br/>
-            <a:r>
-              <a:t>สะท้านด้วยเสียงพระองค์</a:t>
-            </a:r>
-          </a:p>
-        </p:txBody>
-      </p:sp>
-      <p:sp>
-        <p:nvSpPr>
-          <p:cNvPr id="3" name="TextBox 2"/>
-          <p:cNvSpPr txBox="1"/>
-          <p:nvPr/>
-        </p:nvSpPr>
-        <p:spPr>
-          <a:xfrm>
-            <a:off x="685800" y="3657600"/>
-            <a:ext cx="7772400" cy="2971800"/>
-          </a:xfrm>
-          <a:prstGeom prst="rect">
-            <a:avLst/>
-          </a:prstGeom>
-          <a:noFill/>
-        </p:spPr>
-        <p:txBody>
-          <a:bodyPr wrap="square">
-            <a:spAutoFit/>
-          </a:bodyPr>
-          <a:lstStyle/>
-          <a:p>
-            <a:pPr algn="ctr">
-              <a:lnSpc>
-                <a:spcPts val="4800"/>
-              </a:lnSpc>
-              <a:defRPr sz="4200">
-                <a:solidFill>
-                  <a:srgbClr val="3A70BC"/>
-                </a:solidFill>
-              </a:defRPr>
-            </a:pPr>
-            <a:r>
-              <a:t>The splendor of a King, clothed in majesty. Let all the earth rejoice. All the earth rejoice. He wraps himself in Light, and darkness tries to hide. And trembles at His voice. Trembles at His voice.</a:t>
+              <a:t>[Brief instrumental interlude]</a:t>
             </a:r>
           </a:p>
         </p:txBody>
@@ -3290,8 +3227,8 @@
         </p:nvSpPr>
         <p:spPr>
           <a:xfrm>
-            <a:off x="685800" y="228600"/>
-            <a:ext cx="7772400" cy="2971800"/>
+            <a:off x="914400" y="457200"/>
+            <a:ext cx="7315200" cy="5486400"/>
           </a:xfrm>
           <a:prstGeom prst="rect">
             <a:avLst/>
@@ -3306,72 +3243,41 @@
           <a:p>
             <a:pPr algn="ctr">
               <a:lnSpc>
-                <a:spcPts val="4800"/>
+                <a:spcPts val="4900"/>
               </a:lnSpc>
-              <a:defRPr sz="4400">
+              <a:defRPr sz="4000">
                 <a:solidFill>
                   <a:srgbClr val="000000"/>
                 </a:solidFill>
               </a:defRPr>
             </a:pPr>
             <a:r>
-              <a:t>พระเจ้าทรงยิ่งใหญ่ ร้องสรรเสริญ</a:t>
+              <a:t>Final Chorus: I will rise</a:t>
             </a:r>
             <a:br/>
             <a:r>
-              <a:t>พระเจ้าทรงยิ่งใหญ่ ร้องสรรเสริญ</a:t>
+              <a:t> when He calls my name</a:t>
             </a:r>
             <a:br/>
             <a:r>
-              <a:t>พระเจ้า พระเจ้า ทรงยิ่งใหญ่</a:t>
-            </a:r>
-          </a:p>
-        </p:txBody>
-      </p:sp>
-      <p:sp>
-        <p:nvSpPr>
-          <p:cNvPr id="3" name="TextBox 2"/>
-          <p:cNvSpPr txBox="1"/>
-          <p:nvPr/>
-        </p:nvSpPr>
-        <p:spPr>
-          <a:xfrm>
-            <a:off x="685800" y="3657600"/>
-            <a:ext cx="7772400" cy="2971800"/>
-          </a:xfrm>
-          <a:prstGeom prst="rect">
-            <a:avLst/>
-          </a:prstGeom>
-          <a:noFill/>
-        </p:spPr>
-        <p:txBody>
-          <a:bodyPr wrap="none">
-            <a:spAutoFit/>
-          </a:bodyPr>
-          <a:lstStyle/>
-          <a:p>
-            <a:pPr algn="ctr">
-              <a:lnSpc>
-                <a:spcPts val="4800"/>
-              </a:lnSpc>
-              <a:defRPr sz="4200">
-                <a:solidFill>
-                  <a:srgbClr val="3A70BC"/>
-                </a:solidFill>
-              </a:defRPr>
-            </a:pPr>
-            <a:r>
-              <a:t>How great is our God, sing with me</a:t>
+              <a:t> No more sorrow, no more pain</a:t>
             </a:r>
             <a:br/>
             <a:r>
-              <a:t> How great is our God, and all will see</a:t>
+              <a:t> I will rise, on eagle's wings</a:t>
             </a:r>
             <a:br/>
             <a:r>
-              <a:t> How great, how great is our God</a:t>
+              <a:t> Before my God. fall on my knees</a:t>
             </a:r>
             <a:br/>
+            <a:r>
+              <a:t> and rise.. I will rise</a:t>
+            </a:r>
+            <a:br/>
+            <a:r>
+              <a:t>.. I will rise..    </a:t>
+            </a:r>
           </a:p>
         </p:txBody>
       </p:sp>
@@ -3395,76 +3301,45 @@
       <p:grpSpPr/>
       <p:sp>
         <p:nvSpPr>
-          <p:cNvPr id="2" name="TextBox 1"/>
-          <p:cNvSpPr txBox="1"/>
-          <p:nvPr/>
-        </p:nvSpPr>
-        <p:spPr>
-          <a:xfrm>
-            <a:off x="685800" y="228600"/>
-            <a:ext cx="7772400" cy="2971800"/>
-          </a:xfrm>
-          <a:prstGeom prst="rect">
-            <a:avLst/>
-          </a:prstGeom>
-          <a:noFill/>
-        </p:spPr>
-        <p:txBody>
-          <a:bodyPr wrap="square">
-            <a:spAutoFit/>
-          </a:bodyPr>
-          <a:lstStyle/>
-          <a:p>
-            <a:pPr algn="ctr">
-              <a:lnSpc>
-                <a:spcPts val="4800"/>
-              </a:lnSpc>
-              <a:defRPr sz="4400">
-                <a:solidFill>
-                  <a:srgbClr val="000000"/>
-                </a:solidFill>
-              </a:defRPr>
-            </a:pPr>
-            <a:r>
-              <a:t>พระองค์ผู้ทรงครอบครอง และทรงเหนือกาลเวลา ทรงเป็นเบื้องต้นเบื้องปลาย ทรงเป็นเบื้องต้นเบื้องปลาย พระบิดา พระวิญญาณ พระเยซูพระบุตร ผู้ทรงเป็นจอมราชา ผู้ทรงเป็นจอมราชา</a:t>
-            </a:r>
-          </a:p>
-        </p:txBody>
-      </p:sp>
-      <p:sp>
-        <p:nvSpPr>
-          <p:cNvPr id="3" name="TextBox 2"/>
-          <p:cNvSpPr txBox="1"/>
-          <p:nvPr/>
-        </p:nvSpPr>
-        <p:spPr>
-          <a:xfrm>
-            <a:off x="685800" y="3657600"/>
-            <a:ext cx="7772400" cy="2971800"/>
-          </a:xfrm>
-          <a:prstGeom prst="rect">
-            <a:avLst/>
-          </a:prstGeom>
-          <a:noFill/>
-        </p:spPr>
-        <p:txBody>
-          <a:bodyPr wrap="square">
-            <a:spAutoFit/>
-          </a:bodyPr>
-          <a:lstStyle/>
-          <a:p>
-            <a:pPr algn="ctr">
-              <a:lnSpc>
-                <a:spcPts val="4800"/>
-              </a:lnSpc>
-              <a:defRPr sz="4200">
+          <p:cNvPr id="2" name="Title 1"/>
+          <p:cNvSpPr>
+            <a:spLocks noGrp="1"/>
+          </p:cNvSpPr>
+          <p:nvPr>
+            <p:ph type="ctrTitle"/>
+          </p:nvPr>
+        </p:nvSpPr>
+        <p:spPr/>
+        <p:txBody>
+          <a:bodyPr/>
+          <a:lstStyle/>
+          <a:p/>
+        </p:txBody>
+      </p:sp>
+      <p:sp>
+        <p:nvSpPr>
+          <p:cNvPr id="3" name="Subtitle 2"/>
+          <p:cNvSpPr>
+            <a:spLocks noGrp="1"/>
+          </p:cNvSpPr>
+          <p:nvPr>
+            <p:ph type="subTitle" idx="1"/>
+          </p:nvPr>
+        </p:nvSpPr>
+        <p:spPr/>
+        <p:txBody>
+          <a:bodyPr/>
+          <a:lstStyle/>
+          <a:p>
+            <a:pPr>
+              <a:defRPr sz="4000">
                 <a:solidFill>
                   <a:srgbClr val="3A70BC"/>
                 </a:solidFill>
               </a:defRPr>
             </a:pPr>
             <a:r>
-              <a:t>Age to age He stands. And time is in His hands. Beginning and the end. Beginning and the end. The Godhead Three in One. Father Spirit Son. The Lion and the Lamb. The Lion and the Lamb.</a:t>
+              <a:t>Come Thou Fount </a:t>
             </a:r>
           </a:p>
         </p:txBody>
@@ -3495,8 +3370,8 @@
         </p:nvSpPr>
         <p:spPr>
           <a:xfrm>
-            <a:off x="685800" y="228600"/>
-            <a:ext cx="7772400" cy="2971800"/>
+            <a:off x="914400" y="457200"/>
+            <a:ext cx="7315200" cy="5486400"/>
           </a:xfrm>
           <a:prstGeom prst="rect">
             <a:avLst/>
@@ -3504,7 +3379,7 @@
           <a:noFill/>
         </p:spPr>
         <p:txBody>
-          <a:bodyPr wrap="none">
+          <a:bodyPr wrap="square">
             <a:spAutoFit/>
           </a:bodyPr>
           <a:lstStyle/>
@@ -3513,652 +3388,14 @@
               <a:lnSpc>
                 <a:spcPts val="4800"/>
               </a:lnSpc>
-              <a:defRPr sz="4400">
+              <a:defRPr sz="4000">
                 <a:solidFill>
                   <a:srgbClr val="000000"/>
                 </a:solidFill>
               </a:defRPr>
             </a:pPr>
             <a:r>
-              <a:t>พระเจ้าทรงยิ่งใหญ่ ร้องสรรเสริญ</a:t>
-            </a:r>
-            <a:br/>
-            <a:r>
-              <a:t>พระเจ้าทรงยิ่งใหญ่ ร้องสรรเสริญ</a:t>
-            </a:r>
-            <a:br/>
-            <a:r>
-              <a:t>พระเจ้า พระเจ้า ทรงยิ่งใหญ่</a:t>
-            </a:r>
-          </a:p>
-        </p:txBody>
-      </p:sp>
-      <p:sp>
-        <p:nvSpPr>
-          <p:cNvPr id="3" name="TextBox 2"/>
-          <p:cNvSpPr txBox="1"/>
-          <p:nvPr/>
-        </p:nvSpPr>
-        <p:spPr>
-          <a:xfrm>
-            <a:off x="685800" y="3657600"/>
-            <a:ext cx="7772400" cy="2971800"/>
-          </a:xfrm>
-          <a:prstGeom prst="rect">
-            <a:avLst/>
-          </a:prstGeom>
-          <a:noFill/>
-        </p:spPr>
-        <p:txBody>
-          <a:bodyPr wrap="none">
-            <a:spAutoFit/>
-          </a:bodyPr>
-          <a:lstStyle/>
-          <a:p>
-            <a:pPr algn="ctr">
-              <a:lnSpc>
-                <a:spcPts val="4800"/>
-              </a:lnSpc>
-              <a:defRPr sz="4200">
-                <a:solidFill>
-                  <a:srgbClr val="3A70BC"/>
-                </a:solidFill>
-              </a:defRPr>
-            </a:pPr>
-            <a:r>
-              <a:t>How great is our God, sing with me</a:t>
-            </a:r>
-            <a:br/>
-            <a:r>
-              <a:t> How great is our God, and all will see</a:t>
-            </a:r>
-            <a:br/>
-            <a:r>
-              <a:t> How great, how great is our God</a:t>
-            </a:r>
-            <a:br/>
-          </a:p>
-        </p:txBody>
-      </p:sp>
-    </p:spTree>
-  </p:cSld>
-  <p:clrMapOvr>
-    <a:masterClrMapping/>
-  </p:clrMapOvr>
-</p:sld>
-</file>
-
-<file path=ppt/slides/slide14.xml><?xml version="1.0" encoding="utf-8"?>
-<p:sld xmlns:a="http://schemas.openxmlformats.org/drawingml/2006/main" xmlns:p="http://schemas.openxmlformats.org/presentationml/2006/main" xmlns:r="http://schemas.openxmlformats.org/officeDocument/2006/relationships">
-  <p:cSld>
-    <p:spTree>
-      <p:nvGrpSpPr>
-        <p:cNvPr id="1" name=""/>
-        <p:cNvGrpSpPr/>
-        <p:nvPr/>
-      </p:nvGrpSpPr>
-      <p:grpSpPr/>
-      <p:sp>
-        <p:nvSpPr>
-          <p:cNvPr id="2" name="TextBox 1"/>
-          <p:cNvSpPr txBox="1"/>
-          <p:nvPr/>
-        </p:nvSpPr>
-        <p:spPr>
-          <a:xfrm>
-            <a:off x="685800" y="228600"/>
-            <a:ext cx="7772400" cy="2971800"/>
-          </a:xfrm>
-          <a:prstGeom prst="rect">
-            <a:avLst/>
-          </a:prstGeom>
-          <a:noFill/>
-        </p:spPr>
-        <p:txBody>
-          <a:bodyPr wrap="none">
-            <a:spAutoFit/>
-          </a:bodyPr>
-          <a:lstStyle/>
-          <a:p>
-            <a:pPr algn="ctr">
-              <a:lnSpc>
-                <a:spcPts val="4800"/>
-              </a:lnSpc>
-              <a:defRPr sz="4400">
-                <a:solidFill>
-                  <a:srgbClr val="000000"/>
-                </a:solidFill>
-              </a:defRPr>
-            </a:pPr>
-            <a:r>
-              <a:t>พระนามเหนือนามทั้งปวง</a:t>
-            </a:r>
-            <a:br/>
-            <a:r>
-              <a:t>ควรคู่คำสรรเสริญ จิตใจฉันร้อง</a:t>
-            </a:r>
-            <a:br/>
-            <a:r>
-              <a:t>พระเจ้าทรงยิ่งใหญ่</a:t>
-            </a:r>
-          </a:p>
-        </p:txBody>
-      </p:sp>
-      <p:sp>
-        <p:nvSpPr>
-          <p:cNvPr id="3" name="TextBox 2"/>
-          <p:cNvSpPr txBox="1"/>
-          <p:nvPr/>
-        </p:nvSpPr>
-        <p:spPr>
-          <a:xfrm>
-            <a:off x="685800" y="3657600"/>
-            <a:ext cx="7772400" cy="2971800"/>
-          </a:xfrm>
-          <a:prstGeom prst="rect">
-            <a:avLst/>
-          </a:prstGeom>
-          <a:noFill/>
-        </p:spPr>
-        <p:txBody>
-          <a:bodyPr wrap="none">
-            <a:spAutoFit/>
-          </a:bodyPr>
-          <a:lstStyle/>
-          <a:p>
-            <a:pPr algn="ctr">
-              <a:lnSpc>
-                <a:spcPts val="4800"/>
-              </a:lnSpc>
-              <a:defRPr sz="4200">
-                <a:solidFill>
-                  <a:srgbClr val="3A70BC"/>
-                </a:solidFill>
-              </a:defRPr>
-            </a:pPr>
-            <a:r>
-              <a:t>Name above all names</a:t>
-            </a:r>
-            <a:br/>
-            <a:r>
-              <a:t> Worthy of our praise</a:t>
-            </a:r>
-            <a:br/>
-            <a:r>
-              <a:t> My heart will sing. How great is our God</a:t>
-            </a:r>
-            <a:br/>
-          </a:p>
-        </p:txBody>
-      </p:sp>
-    </p:spTree>
-  </p:cSld>
-  <p:clrMapOvr>
-    <a:masterClrMapping/>
-  </p:clrMapOvr>
-</p:sld>
-</file>
-
-<file path=ppt/slides/slide15.xml><?xml version="1.0" encoding="utf-8"?>
-<p:sld xmlns:a="http://schemas.openxmlformats.org/drawingml/2006/main" xmlns:p="http://schemas.openxmlformats.org/presentationml/2006/main" xmlns:r="http://schemas.openxmlformats.org/officeDocument/2006/relationships">
-  <p:cSld>
-    <p:spTree>
-      <p:nvGrpSpPr>
-        <p:cNvPr id="1" name=""/>
-        <p:cNvGrpSpPr/>
-        <p:nvPr/>
-      </p:nvGrpSpPr>
-      <p:grpSpPr/>
-      <p:sp>
-        <p:nvSpPr>
-          <p:cNvPr id="2" name="TextBox 1"/>
-          <p:cNvSpPr txBox="1"/>
-          <p:nvPr/>
-        </p:nvSpPr>
-        <p:spPr>
-          <a:xfrm>
-            <a:off x="685800" y="228600"/>
-            <a:ext cx="7772400" cy="2971800"/>
-          </a:xfrm>
-          <a:prstGeom prst="rect">
-            <a:avLst/>
-          </a:prstGeom>
-          <a:noFill/>
-        </p:spPr>
-        <p:txBody>
-          <a:bodyPr wrap="none">
-            <a:spAutoFit/>
-          </a:bodyPr>
-          <a:lstStyle/>
-          <a:p>
-            <a:pPr algn="ctr">
-              <a:lnSpc>
-                <a:spcPts val="4800"/>
-              </a:lnSpc>
-              <a:defRPr sz="4400">
-                <a:solidFill>
-                  <a:srgbClr val="000000"/>
-                </a:solidFill>
-              </a:defRPr>
-            </a:pPr>
-            <a:r>
-              <a:t>พระเจ้าทรงยิ่งใหญ่ ร้องสรรเสริญ</a:t>
-            </a:r>
-            <a:br/>
-            <a:r>
-              <a:t>พระเจ้าทรงยิ่งใหญ่ ร้องสรรเสริญ</a:t>
-            </a:r>
-            <a:br/>
-            <a:r>
-              <a:t>พระเจ้า พระเจ้า ทรงยิ่งใหญ่</a:t>
-            </a:r>
-          </a:p>
-        </p:txBody>
-      </p:sp>
-      <p:sp>
-        <p:nvSpPr>
-          <p:cNvPr id="3" name="TextBox 2"/>
-          <p:cNvSpPr txBox="1"/>
-          <p:nvPr/>
-        </p:nvSpPr>
-        <p:spPr>
-          <a:xfrm>
-            <a:off x="685800" y="3657600"/>
-            <a:ext cx="7772400" cy="2971800"/>
-          </a:xfrm>
-          <a:prstGeom prst="rect">
-            <a:avLst/>
-          </a:prstGeom>
-          <a:noFill/>
-        </p:spPr>
-        <p:txBody>
-          <a:bodyPr wrap="none">
-            <a:spAutoFit/>
-          </a:bodyPr>
-          <a:lstStyle/>
-          <a:p>
-            <a:pPr algn="ctr">
-              <a:lnSpc>
-                <a:spcPts val="4800"/>
-              </a:lnSpc>
-              <a:defRPr sz="4200">
-                <a:solidFill>
-                  <a:srgbClr val="3A70BC"/>
-                </a:solidFill>
-              </a:defRPr>
-            </a:pPr>
-            <a:r>
-              <a:t>How great is our God, sing with me</a:t>
-            </a:r>
-            <a:br/>
-            <a:r>
-              <a:t> How great is our God, and all will see</a:t>
-            </a:r>
-            <a:br/>
-            <a:r>
-              <a:t> How great, how great is our God</a:t>
-            </a:r>
-            <a:br/>
-          </a:p>
-        </p:txBody>
-      </p:sp>
-    </p:spTree>
-  </p:cSld>
-  <p:clrMapOvr>
-    <a:masterClrMapping/>
-  </p:clrMapOvr>
-</p:sld>
-</file>
-
-<file path=ppt/slides/slide16.xml><?xml version="1.0" encoding="utf-8"?>
-<p:sld xmlns:a="http://schemas.openxmlformats.org/drawingml/2006/main" xmlns:p="http://schemas.openxmlformats.org/presentationml/2006/main" xmlns:r="http://schemas.openxmlformats.org/officeDocument/2006/relationships">
-  <p:cSld>
-    <p:spTree>
-      <p:nvGrpSpPr>
-        <p:cNvPr id="1" name=""/>
-        <p:cNvGrpSpPr/>
-        <p:nvPr/>
-      </p:nvGrpSpPr>
-      <p:grpSpPr/>
-      <p:sp>
-        <p:nvSpPr>
-          <p:cNvPr id="2" name="Title 1"/>
-          <p:cNvSpPr>
-            <a:spLocks noGrp="1"/>
-          </p:cNvSpPr>
-          <p:nvPr>
-            <p:ph type="ctrTitle"/>
-          </p:nvPr>
-        </p:nvSpPr>
-        <p:spPr/>
-        <p:txBody>
-          <a:bodyPr/>
-          <a:lstStyle/>
-          <a:p>
-            <a:r>
-              <a:t>พระเจ้ายิ่งใหญ่</a:t>
-            </a:r>
-          </a:p>
-        </p:txBody>
-      </p:sp>
-      <p:sp>
-        <p:nvSpPr>
-          <p:cNvPr id="3" name="Subtitle 2"/>
-          <p:cNvSpPr>
-            <a:spLocks noGrp="1"/>
-          </p:cNvSpPr>
-          <p:nvPr>
-            <p:ph type="subTitle" idx="1"/>
-          </p:nvPr>
-        </p:nvSpPr>
-        <p:spPr/>
-        <p:txBody>
-          <a:bodyPr/>
-          <a:lstStyle/>
-          <a:p>
-            <a:pPr>
-              <a:defRPr sz="4000">
-                <a:solidFill>
-                  <a:srgbClr val="3A70BC"/>
-                </a:solidFill>
-              </a:defRPr>
-            </a:pPr>
-            <a:r>
-              <a:t>HOW GREAT THOU ART</a:t>
-            </a:r>
-          </a:p>
-        </p:txBody>
-      </p:sp>
-    </p:spTree>
-  </p:cSld>
-  <p:clrMapOvr>
-    <a:masterClrMapping/>
-  </p:clrMapOvr>
-</p:sld>
-</file>
-
-<file path=ppt/slides/slide17.xml><?xml version="1.0" encoding="utf-8"?>
-<p:sld xmlns:a="http://schemas.openxmlformats.org/drawingml/2006/main" xmlns:p="http://schemas.openxmlformats.org/presentationml/2006/main" xmlns:r="http://schemas.openxmlformats.org/officeDocument/2006/relationships">
-  <p:cSld>
-    <p:spTree>
-      <p:nvGrpSpPr>
-        <p:cNvPr id="1" name=""/>
-        <p:cNvGrpSpPr/>
-        <p:nvPr/>
-      </p:nvGrpSpPr>
-      <p:grpSpPr/>
-      <p:sp>
-        <p:nvSpPr>
-          <p:cNvPr id="2" name="TextBox 1"/>
-          <p:cNvSpPr txBox="1"/>
-          <p:nvPr/>
-        </p:nvSpPr>
-        <p:spPr>
-          <a:xfrm>
-            <a:off x="685800" y="228600"/>
-            <a:ext cx="7772400" cy="2971800"/>
-          </a:xfrm>
-          <a:prstGeom prst="rect">
-            <a:avLst/>
-          </a:prstGeom>
-          <a:noFill/>
-        </p:spPr>
-        <p:txBody>
-          <a:bodyPr wrap="square">
-            <a:spAutoFit/>
-          </a:bodyPr>
-          <a:lstStyle/>
-          <a:p>
-            <a:pPr algn="ctr">
-              <a:lnSpc>
-                <a:spcPts val="4800"/>
-              </a:lnSpc>
-              <a:defRPr sz="4400">
-                <a:solidFill>
-                  <a:srgbClr val="000000"/>
-                </a:solidFill>
-              </a:defRPr>
-            </a:pPr>
-            <a:r>
-              <a:t>พระองค์เจ้าข้า ข้าเฝ้ามองดูด้วยยำเกรง เพราะพระองค์เอง เป็นผู้สร้างจักรวาล เมื่อมองดูดาว เมื่อคราวยินเสียงฟ้าคำราม เห็นฝีพระหัตถ์ของพระองค์บนท้องฟ้า</a:t>
-            </a:r>
-          </a:p>
-        </p:txBody>
-      </p:sp>
-      <p:sp>
-        <p:nvSpPr>
-          <p:cNvPr id="3" name="TextBox 2"/>
-          <p:cNvSpPr txBox="1"/>
-          <p:nvPr/>
-        </p:nvSpPr>
-        <p:spPr>
-          <a:xfrm>
-            <a:off x="685800" y="3657600"/>
-            <a:ext cx="7772400" cy="2971800"/>
-          </a:xfrm>
-          <a:prstGeom prst="rect">
-            <a:avLst/>
-          </a:prstGeom>
-          <a:noFill/>
-        </p:spPr>
-        <p:txBody>
-          <a:bodyPr wrap="square">
-            <a:spAutoFit/>
-          </a:bodyPr>
-          <a:lstStyle/>
-          <a:p>
-            <a:pPr algn="ctr">
-              <a:lnSpc>
-                <a:spcPts val="4800"/>
-              </a:lnSpc>
-              <a:defRPr sz="4200">
-                <a:solidFill>
-                  <a:srgbClr val="3A70BC"/>
-                </a:solidFill>
-              </a:defRPr>
-            </a:pPr>
-            <a:r>
-              <a:t>O Lord, my God, when I in awesome wonder. Consider all the worlds Thy Hands have made. I see the stars, I hear the rolling thunder. Thy power throughout the universe displayed</a:t>
-            </a:r>
-          </a:p>
-        </p:txBody>
-      </p:sp>
-    </p:spTree>
-  </p:cSld>
-  <p:clrMapOvr>
-    <a:masterClrMapping/>
-  </p:clrMapOvr>
-</p:sld>
-</file>
-
-<file path=ppt/slides/slide18.xml><?xml version="1.0" encoding="utf-8"?>
-<p:sld xmlns:a="http://schemas.openxmlformats.org/drawingml/2006/main" xmlns:p="http://schemas.openxmlformats.org/presentationml/2006/main" xmlns:r="http://schemas.openxmlformats.org/officeDocument/2006/relationships">
-  <p:cSld>
-    <p:spTree>
-      <p:nvGrpSpPr>
-        <p:cNvPr id="1" name=""/>
-        <p:cNvGrpSpPr/>
-        <p:nvPr/>
-      </p:nvGrpSpPr>
-      <p:grpSpPr/>
-      <p:sp>
-        <p:nvSpPr>
-          <p:cNvPr id="2" name="TextBox 1"/>
-          <p:cNvSpPr txBox="1"/>
-          <p:nvPr/>
-        </p:nvSpPr>
-        <p:spPr>
-          <a:xfrm>
-            <a:off x="685800" y="228600"/>
-            <a:ext cx="7772400" cy="2971800"/>
-          </a:xfrm>
-          <a:prstGeom prst="rect">
-            <a:avLst/>
-          </a:prstGeom>
-          <a:noFill/>
-        </p:spPr>
-        <p:txBody>
-          <a:bodyPr wrap="none">
-            <a:spAutoFit/>
-          </a:bodyPr>
-          <a:lstStyle/>
-          <a:p>
-            <a:pPr algn="ctr">
-              <a:lnSpc>
-                <a:spcPts val="4800"/>
-              </a:lnSpc>
-              <a:defRPr sz="4400">
-                <a:solidFill>
-                  <a:srgbClr val="000000"/>
-                </a:solidFill>
-              </a:defRPr>
-            </a:pPr>
-            <a:r>
-              <a:t>จิตข้าสรรเสริญ พระเจ้าองค์พระผู้ช่วย</a:t>
-            </a:r>
-            <a:br/>
-            <a:r>
-              <a:t>พระเจ้ายิ่งใหญ่ พระเจ้ายิ่งใหญ่ จิตข้าสรรเสริญ</a:t>
-            </a:r>
-            <a:br/>
-            <a:r>
-              <a:t>พระเจ้าองค์พระผู้ช่วย พระเจ้ายิ่งใหญ่</a:t>
-            </a:r>
-            <a:br/>
-            <a:r>
-              <a:t>พระเจ้ายิ่งใหญ่</a:t>
-            </a:r>
-          </a:p>
-        </p:txBody>
-      </p:sp>
-      <p:sp>
-        <p:nvSpPr>
-          <p:cNvPr id="3" name="TextBox 2"/>
-          <p:cNvSpPr txBox="1"/>
-          <p:nvPr/>
-        </p:nvSpPr>
-        <p:spPr>
-          <a:xfrm>
-            <a:off x="685800" y="3657600"/>
-            <a:ext cx="7772400" cy="2971800"/>
-          </a:xfrm>
-          <a:prstGeom prst="rect">
-            <a:avLst/>
-          </a:prstGeom>
-          <a:noFill/>
-        </p:spPr>
-        <p:txBody>
-          <a:bodyPr wrap="square">
-            <a:spAutoFit/>
-          </a:bodyPr>
-          <a:lstStyle/>
-          <a:p>
-            <a:pPr algn="ctr">
-              <a:lnSpc>
-                <a:spcPts val="4800"/>
-              </a:lnSpc>
-              <a:defRPr sz="4200">
-                <a:solidFill>
-                  <a:srgbClr val="3A70BC"/>
-                </a:solidFill>
-              </a:defRPr>
-            </a:pPr>
-            <a:r>
-              <a:t>Then sings my soul, my Saviour God, to Thee. How great Thou art, how great Thou art. Then sings my soul, my Saviour God, to Thee. How great Thou art, how great Thou art</a:t>
-            </a:r>
-          </a:p>
-        </p:txBody>
-      </p:sp>
-    </p:spTree>
-  </p:cSld>
-  <p:clrMapOvr>
-    <a:masterClrMapping/>
-  </p:clrMapOvr>
-</p:sld>
-</file>
-
-<file path=ppt/slides/slide19.xml><?xml version="1.0" encoding="utf-8"?>
-<p:sld xmlns:a="http://schemas.openxmlformats.org/drawingml/2006/main" xmlns:p="http://schemas.openxmlformats.org/presentationml/2006/main" xmlns:r="http://schemas.openxmlformats.org/officeDocument/2006/relationships">
-  <p:cSld>
-    <p:spTree>
-      <p:nvGrpSpPr>
-        <p:cNvPr id="1" name=""/>
-        <p:cNvGrpSpPr/>
-        <p:nvPr/>
-      </p:nvGrpSpPr>
-      <p:grpSpPr/>
-      <p:sp>
-        <p:nvSpPr>
-          <p:cNvPr id="2" name="TextBox 1"/>
-          <p:cNvSpPr txBox="1"/>
-          <p:nvPr/>
-        </p:nvSpPr>
-        <p:spPr>
-          <a:xfrm>
-            <a:off x="685800" y="228600"/>
-            <a:ext cx="7772400" cy="2971800"/>
-          </a:xfrm>
-          <a:prstGeom prst="rect">
-            <a:avLst/>
-          </a:prstGeom>
-          <a:noFill/>
-        </p:spPr>
-        <p:txBody>
-          <a:bodyPr wrap="square">
-            <a:spAutoFit/>
-          </a:bodyPr>
-          <a:lstStyle/>
-          <a:p>
-            <a:pPr algn="ctr">
-              <a:lnSpc>
-                <a:spcPts val="4800"/>
-              </a:lnSpc>
-              <a:defRPr sz="4400">
-                <a:solidFill>
-                  <a:srgbClr val="000000"/>
-                </a:solidFill>
-              </a:defRPr>
-            </a:pPr>
-            <a:r>
-              <a:t>เมื่อข้าคิดถึง พระเจ้า ผู้ไม่ทรงเสียดาย พระบุตรองค์เดียวเสด็จมาเป็นผู้ไถ่ ถูกทรมาน ตรึงไว้บนกางเขนเพื่อข้า ข้าขอบพระคุณที่พระองค์ทรงเมตตา</a:t>
-            </a:r>
-          </a:p>
-        </p:txBody>
-      </p:sp>
-      <p:sp>
-        <p:nvSpPr>
-          <p:cNvPr id="3" name="TextBox 2"/>
-          <p:cNvSpPr txBox="1"/>
-          <p:nvPr/>
-        </p:nvSpPr>
-        <p:spPr>
-          <a:xfrm>
-            <a:off x="685800" y="3657600"/>
-            <a:ext cx="7772400" cy="2971800"/>
-          </a:xfrm>
-          <a:prstGeom prst="rect">
-            <a:avLst/>
-          </a:prstGeom>
-          <a:noFill/>
-        </p:spPr>
-        <p:txBody>
-          <a:bodyPr wrap="square">
-            <a:spAutoFit/>
-          </a:bodyPr>
-          <a:lstStyle/>
-          <a:p>
-            <a:pPr algn="ctr">
-              <a:lnSpc>
-                <a:spcPts val="4800"/>
-              </a:lnSpc>
-              <a:defRPr sz="4200">
-                <a:solidFill>
-                  <a:srgbClr val="3A70BC"/>
-                </a:solidFill>
-              </a:defRPr>
-            </a:pPr>
-            <a:r>
-              <a:t>And when I think of God, His Son not sparing Sent Him to die, I scarce can take it in. That on the Cross, my burden gladly bearing He bled and died to take away my sin</a:t>
+              <a:t>Come thou font of every blessing. Tune my heart to sing thy grace. Streams of mercy never ceasing. Call for songs of loudest praise. Teach me some melodious sonnet. Sung by flaming tongues above. Praise the mount I'm fixed upon it. Mount of thy redeeming love. Here I raise my Ebenezer. Hither by thy help I'm come. And I hope by thy good pleasure. Safely to arrive at home. Jesus sought me when a stranger. Wondering from the fold of God. He, to rescue me from danger. Interposed His precious blood. O to grace how how great a debtor daily I'm constrained to be!. Let thy goodness like a fetter, bind my wandering heart to thee. Prone to wander Lord I feel it, prone to leave the God I love. Here's my heart, O take and seal it, seal it for thy courts above    </a:t>
             </a:r>
           </a:p>
         </p:txBody>
@@ -4207,520 +3444,26 @@
               <a:lnSpc>
                 <a:spcPts val="7000"/>
               </a:lnSpc>
-              <a:defRPr sz="4400">
+              <a:defRPr sz="4000">
                 <a:solidFill>
                   <a:srgbClr val="000000"/>
                 </a:solidFill>
               </a:defRPr>
             </a:pPr>
             <a:r>
-              <a:t>ไฟไฟไฟขององค์พระเจ้า</a:t>
+              <a:t>Verse 1: There's a peace I've come to know</a:t>
             </a:r>
             <a:br/>
             <a:r>
-              <a:t>ลอยลงมาเหนือพวกเรา</a:t>
+              <a:t> Though my heart and flesh may fail</a:t>
             </a:r>
             <a:br/>
             <a:r>
-              <a:t>คริสเตียนไม่ควรซึมเซา</a:t>
+              <a:t> There's an anchor for my soul</a:t>
             </a:r>
             <a:br/>
             <a:r>
-              <a:t>มาพวกเราร้องเพลง</a:t>
-            </a:r>
-          </a:p>
-        </p:txBody>
-      </p:sp>
-    </p:spTree>
-  </p:cSld>
-  <p:clrMapOvr>
-    <a:masterClrMapping/>
-  </p:clrMapOvr>
-</p:sld>
-</file>
-
-<file path=ppt/slides/slide20.xml><?xml version="1.0" encoding="utf-8"?>
-<p:sld xmlns:a="http://schemas.openxmlformats.org/drawingml/2006/main" xmlns:p="http://schemas.openxmlformats.org/presentationml/2006/main" xmlns:r="http://schemas.openxmlformats.org/officeDocument/2006/relationships">
-  <p:cSld>
-    <p:spTree>
-      <p:nvGrpSpPr>
-        <p:cNvPr id="1" name=""/>
-        <p:cNvGrpSpPr/>
-        <p:nvPr/>
-      </p:nvGrpSpPr>
-      <p:grpSpPr/>
-      <p:sp>
-        <p:nvSpPr>
-          <p:cNvPr id="2" name="TextBox 1"/>
-          <p:cNvSpPr txBox="1"/>
-          <p:nvPr/>
-        </p:nvSpPr>
-        <p:spPr>
-          <a:xfrm>
-            <a:off x="685800" y="228600"/>
-            <a:ext cx="7772400" cy="2971800"/>
-          </a:xfrm>
-          <a:prstGeom prst="rect">
-            <a:avLst/>
-          </a:prstGeom>
-          <a:noFill/>
-        </p:spPr>
-        <p:txBody>
-          <a:bodyPr wrap="none">
-            <a:spAutoFit/>
-          </a:bodyPr>
-          <a:lstStyle/>
-          <a:p>
-            <a:pPr algn="ctr">
-              <a:lnSpc>
-                <a:spcPts val="4800"/>
-              </a:lnSpc>
-              <a:defRPr sz="4400">
-                <a:solidFill>
-                  <a:srgbClr val="000000"/>
-                </a:solidFill>
-              </a:defRPr>
-            </a:pPr>
-            <a:r>
-              <a:t>จิตข้าสรรเสริญ พระเจ้าองค์พระผู้ช่วย</a:t>
-            </a:r>
-            <a:br/>
-            <a:r>
-              <a:t>พระเจ้ายิ่งใหญ่ พระเจ้ายิ่งใหญ่ จิตข้าสรรเสริญ</a:t>
-            </a:r>
-            <a:br/>
-            <a:r>
-              <a:t>พระเจ้าองค์พระผู้ช่วย พระเจ้ายิ่งใหญ่</a:t>
-            </a:r>
-            <a:br/>
-            <a:r>
-              <a:t>พระเจ้ายิ่งใหญ่</a:t>
-            </a:r>
-          </a:p>
-        </p:txBody>
-      </p:sp>
-      <p:sp>
-        <p:nvSpPr>
-          <p:cNvPr id="3" name="TextBox 2"/>
-          <p:cNvSpPr txBox="1"/>
-          <p:nvPr/>
-        </p:nvSpPr>
-        <p:spPr>
-          <a:xfrm>
-            <a:off x="685800" y="3657600"/>
-            <a:ext cx="7772400" cy="2971800"/>
-          </a:xfrm>
-          <a:prstGeom prst="rect">
-            <a:avLst/>
-          </a:prstGeom>
-          <a:noFill/>
-        </p:spPr>
-        <p:txBody>
-          <a:bodyPr wrap="square">
-            <a:spAutoFit/>
-          </a:bodyPr>
-          <a:lstStyle/>
-          <a:p>
-            <a:pPr algn="ctr">
-              <a:lnSpc>
-                <a:spcPts val="4800"/>
-              </a:lnSpc>
-              <a:defRPr sz="4200">
-                <a:solidFill>
-                  <a:srgbClr val="3A70BC"/>
-                </a:solidFill>
-              </a:defRPr>
-            </a:pPr>
-            <a:r>
-              <a:t>Then sings my soul, my Saviour God, to Thee. How great Thou art, how great Thou art. Then sings my soul, my Saviour God, to Thee. How great Thou art, how great Thou art</a:t>
-            </a:r>
-          </a:p>
-        </p:txBody>
-      </p:sp>
-    </p:spTree>
-  </p:cSld>
-  <p:clrMapOvr>
-    <a:masterClrMapping/>
-  </p:clrMapOvr>
-</p:sld>
-</file>
-
-<file path=ppt/slides/slide21.xml><?xml version="1.0" encoding="utf-8"?>
-<p:sld xmlns:a="http://schemas.openxmlformats.org/drawingml/2006/main" xmlns:p="http://schemas.openxmlformats.org/presentationml/2006/main" xmlns:r="http://schemas.openxmlformats.org/officeDocument/2006/relationships">
-  <p:cSld>
-    <p:spTree>
-      <p:nvGrpSpPr>
-        <p:cNvPr id="1" name=""/>
-        <p:cNvGrpSpPr/>
-        <p:nvPr/>
-      </p:nvGrpSpPr>
-      <p:grpSpPr/>
-      <p:sp>
-        <p:nvSpPr>
-          <p:cNvPr id="2" name="TextBox 1"/>
-          <p:cNvSpPr txBox="1"/>
-          <p:nvPr/>
-        </p:nvSpPr>
-        <p:spPr>
-          <a:xfrm>
-            <a:off x="685800" y="228600"/>
-            <a:ext cx="7772400" cy="2971800"/>
-          </a:xfrm>
-          <a:prstGeom prst="rect">
-            <a:avLst/>
-          </a:prstGeom>
-          <a:noFill/>
-        </p:spPr>
-        <p:txBody>
-          <a:bodyPr wrap="square">
-            <a:spAutoFit/>
-          </a:bodyPr>
-          <a:lstStyle/>
-          <a:p>
-            <a:pPr algn="ctr">
-              <a:lnSpc>
-                <a:spcPts val="4800"/>
-              </a:lnSpc>
-              <a:defRPr sz="4400">
-                <a:solidFill>
-                  <a:srgbClr val="000000"/>
-                </a:solidFill>
-              </a:defRPr>
-            </a:pPr>
-            <a:r>
-              <a:t>พระคริสต์กลับมา ด้วยเสียงแตรดังก้องเวหา เพื่อมารับข้า กลับไปอยู่ในเมืองฟ้า ข้าจะกราบลง ที่พระบาทาด้วยถ่อมใจ และสรรเสริญว่า พระเจ้าของข้ายิ่งใหญ่</a:t>
-            </a:r>
-          </a:p>
-        </p:txBody>
-      </p:sp>
-      <p:sp>
-        <p:nvSpPr>
-          <p:cNvPr id="3" name="TextBox 2"/>
-          <p:cNvSpPr txBox="1"/>
-          <p:nvPr/>
-        </p:nvSpPr>
-        <p:spPr>
-          <a:xfrm>
-            <a:off x="685800" y="3657600"/>
-            <a:ext cx="7772400" cy="2971800"/>
-          </a:xfrm>
-          <a:prstGeom prst="rect">
-            <a:avLst/>
-          </a:prstGeom>
-          <a:noFill/>
-        </p:spPr>
-        <p:txBody>
-          <a:bodyPr wrap="square">
-            <a:spAutoFit/>
-          </a:bodyPr>
-          <a:lstStyle/>
-          <a:p>
-            <a:pPr algn="ctr">
-              <a:lnSpc>
-                <a:spcPts val="4800"/>
-              </a:lnSpc>
-              <a:defRPr sz="4200">
-                <a:solidFill>
-                  <a:srgbClr val="3A70BC"/>
-                </a:solidFill>
-              </a:defRPr>
-            </a:pPr>
-            <a:r>
-              <a:t>When Christ shall come with shout of acclamation. And lead me home, what joy shall fill my heart. Then I shall bow with humble adoration. And then proclaim, my God, how great Thou art</a:t>
-            </a:r>
-          </a:p>
-        </p:txBody>
-      </p:sp>
-    </p:spTree>
-  </p:cSld>
-  <p:clrMapOvr>
-    <a:masterClrMapping/>
-  </p:clrMapOvr>
-</p:sld>
-</file>
-
-<file path=ppt/slides/slide22.xml><?xml version="1.0" encoding="utf-8"?>
-<p:sld xmlns:a="http://schemas.openxmlformats.org/drawingml/2006/main" xmlns:p="http://schemas.openxmlformats.org/presentationml/2006/main" xmlns:r="http://schemas.openxmlformats.org/officeDocument/2006/relationships">
-  <p:cSld>
-    <p:spTree>
-      <p:nvGrpSpPr>
-        <p:cNvPr id="1" name=""/>
-        <p:cNvGrpSpPr/>
-        <p:nvPr/>
-      </p:nvGrpSpPr>
-      <p:grpSpPr/>
-      <p:sp>
-        <p:nvSpPr>
-          <p:cNvPr id="2" name="TextBox 1"/>
-          <p:cNvSpPr txBox="1"/>
-          <p:nvPr/>
-        </p:nvSpPr>
-        <p:spPr>
-          <a:xfrm>
-            <a:off x="685800" y="228600"/>
-            <a:ext cx="7772400" cy="2971800"/>
-          </a:xfrm>
-          <a:prstGeom prst="rect">
-            <a:avLst/>
-          </a:prstGeom>
-          <a:noFill/>
-        </p:spPr>
-        <p:txBody>
-          <a:bodyPr wrap="none">
-            <a:spAutoFit/>
-          </a:bodyPr>
-          <a:lstStyle/>
-          <a:p>
-            <a:pPr algn="ctr">
-              <a:lnSpc>
-                <a:spcPts val="4800"/>
-              </a:lnSpc>
-              <a:defRPr sz="4400">
-                <a:solidFill>
-                  <a:srgbClr val="000000"/>
-                </a:solidFill>
-              </a:defRPr>
-            </a:pPr>
-            <a:r>
-              <a:t>จิตข้าสรรเสริญ พระเจ้าองค์พระผู้ช่วย</a:t>
-            </a:r>
-            <a:br/>
-            <a:r>
-              <a:t>พระเจ้ายิ่งใหญ่ พระเจ้ายิ่งใหญ่ จิตข้าสรรเสริญ</a:t>
-            </a:r>
-            <a:br/>
-            <a:r>
-              <a:t>พระเจ้าองค์พระผู้ช่วย พระเจ้ายิ่งใหญ่</a:t>
-            </a:r>
-            <a:br/>
-            <a:r>
-              <a:t>พระเจ้ายิ่งใหญ่</a:t>
-            </a:r>
-          </a:p>
-        </p:txBody>
-      </p:sp>
-      <p:sp>
-        <p:nvSpPr>
-          <p:cNvPr id="3" name="TextBox 2"/>
-          <p:cNvSpPr txBox="1"/>
-          <p:nvPr/>
-        </p:nvSpPr>
-        <p:spPr>
-          <a:xfrm>
-            <a:off x="685800" y="3657600"/>
-            <a:ext cx="7772400" cy="2971800"/>
-          </a:xfrm>
-          <a:prstGeom prst="rect">
-            <a:avLst/>
-          </a:prstGeom>
-          <a:noFill/>
-        </p:spPr>
-        <p:txBody>
-          <a:bodyPr wrap="square">
-            <a:spAutoFit/>
-          </a:bodyPr>
-          <a:lstStyle/>
-          <a:p>
-            <a:pPr algn="ctr">
-              <a:lnSpc>
-                <a:spcPts val="4800"/>
-              </a:lnSpc>
-              <a:defRPr sz="4200">
-                <a:solidFill>
-                  <a:srgbClr val="3A70BC"/>
-                </a:solidFill>
-              </a:defRPr>
-            </a:pPr>
-            <a:r>
-              <a:t>Then sings my soul, my Saviour God, to Thee. How great Thou art, how great Thou art. Then sings my soul, my Saviour God, to Thee. How great Thou art, how great Thou art</a:t>
-            </a:r>
-          </a:p>
-        </p:txBody>
-      </p:sp>
-    </p:spTree>
-  </p:cSld>
-  <p:clrMapOvr>
-    <a:masterClrMapping/>
-  </p:clrMapOvr>
-</p:sld>
-</file>
-
-<file path=ppt/slides/slide23.xml><?xml version="1.0" encoding="utf-8"?>
-<p:sld xmlns:a="http://schemas.openxmlformats.org/drawingml/2006/main" xmlns:p="http://schemas.openxmlformats.org/presentationml/2006/main" xmlns:r="http://schemas.openxmlformats.org/officeDocument/2006/relationships">
-  <p:cSld>
-    <p:spTree>
-      <p:nvGrpSpPr>
-        <p:cNvPr id="1" name=""/>
-        <p:cNvGrpSpPr/>
-        <p:nvPr/>
-      </p:nvGrpSpPr>
-      <p:grpSpPr/>
-      <p:sp>
-        <p:nvSpPr>
-          <p:cNvPr id="2" name="Title 1"/>
-          <p:cNvSpPr>
-            <a:spLocks noGrp="1"/>
-          </p:cNvSpPr>
-          <p:nvPr>
-            <p:ph type="ctrTitle"/>
-          </p:nvPr>
-        </p:nvSpPr>
-        <p:spPr/>
-        <p:txBody>
-          <a:bodyPr/>
-          <a:lstStyle/>
-          <a:p>
-            <a:r>
-              <a:t>ขอบคุณพระเยซู</a:t>
-            </a:r>
-          </a:p>
-        </p:txBody>
-      </p:sp>
-      <p:sp>
-        <p:nvSpPr>
-          <p:cNvPr id="3" name="Subtitle 2"/>
-          <p:cNvSpPr>
-            <a:spLocks noGrp="1"/>
-          </p:cNvSpPr>
-          <p:nvPr>
-            <p:ph type="subTitle" idx="1"/>
-          </p:nvPr>
-        </p:nvSpPr>
-        <p:spPr/>
-        <p:txBody>
-          <a:bodyPr/>
-          <a:lstStyle/>
-          <a:p>
-            <a:pPr>
-              <a:defRPr sz="4000">
-                <a:solidFill>
-                  <a:srgbClr val="3A70BC"/>
-                </a:solidFill>
-              </a:defRPr>
-            </a:pPr>
-          </a:p>
-        </p:txBody>
-      </p:sp>
-    </p:spTree>
-  </p:cSld>
-  <p:clrMapOvr>
-    <a:masterClrMapping/>
-  </p:clrMapOvr>
-</p:sld>
-</file>
-
-<file path=ppt/slides/slide24.xml><?xml version="1.0" encoding="utf-8"?>
-<p:sld xmlns:a="http://schemas.openxmlformats.org/drawingml/2006/main" xmlns:p="http://schemas.openxmlformats.org/presentationml/2006/main" xmlns:r="http://schemas.openxmlformats.org/officeDocument/2006/relationships">
-  <p:cSld>
-    <p:spTree>
-      <p:nvGrpSpPr>
-        <p:cNvPr id="1" name=""/>
-        <p:cNvGrpSpPr/>
-        <p:nvPr/>
-      </p:nvGrpSpPr>
-      <p:grpSpPr/>
-      <p:sp>
-        <p:nvSpPr>
-          <p:cNvPr id="2" name="TextBox 1"/>
-          <p:cNvSpPr txBox="1"/>
-          <p:nvPr/>
-        </p:nvSpPr>
-        <p:spPr>
-          <a:xfrm>
-            <a:off x="914400" y="457200"/>
-            <a:ext cx="7315200" cy="5486400"/>
-          </a:xfrm>
-          <a:prstGeom prst="rect">
-            <a:avLst/>
-          </a:prstGeom>
-          <a:noFill/>
-        </p:spPr>
-        <p:txBody>
-          <a:bodyPr wrap="none">
-            <a:spAutoFit/>
-          </a:bodyPr>
-          <a:lstStyle/>
-          <a:p>
-            <a:pPr algn="ctr">
-              <a:lnSpc>
-                <a:spcPts val="7000"/>
-              </a:lnSpc>
-              <a:defRPr sz="4400">
-                <a:solidFill>
-                  <a:srgbClr val="000000"/>
-                </a:solidFill>
-              </a:defRPr>
-            </a:pPr>
-            <a:r>
-              <a:t>ขอบคุณพระเยซูมอบความรักแก่เรา</a:t>
-            </a:r>
-            <a:br/>
-            <a:r>
-              <a:t>ขอบคุณพระเยซูทรงพระคุณมากมี</a:t>
-            </a:r>
-          </a:p>
-        </p:txBody>
-      </p:sp>
-    </p:spTree>
-  </p:cSld>
-  <p:clrMapOvr>
-    <a:masterClrMapping/>
-  </p:clrMapOvr>
-</p:sld>
-</file>
-
-<file path=ppt/slides/slide25.xml><?xml version="1.0" encoding="utf-8"?>
-<p:sld xmlns:a="http://schemas.openxmlformats.org/drawingml/2006/main" xmlns:p="http://schemas.openxmlformats.org/presentationml/2006/main" xmlns:r="http://schemas.openxmlformats.org/officeDocument/2006/relationships">
-  <p:cSld>
-    <p:spTree>
-      <p:nvGrpSpPr>
-        <p:cNvPr id="1" name=""/>
-        <p:cNvGrpSpPr/>
-        <p:nvPr/>
-      </p:nvGrpSpPr>
-      <p:grpSpPr/>
-      <p:sp>
-        <p:nvSpPr>
-          <p:cNvPr id="2" name="TextBox 1"/>
-          <p:cNvSpPr txBox="1"/>
-          <p:nvPr/>
-        </p:nvSpPr>
-        <p:spPr>
-          <a:xfrm>
-            <a:off x="914400" y="457200"/>
-            <a:ext cx="7315200" cy="5486400"/>
-          </a:xfrm>
-          <a:prstGeom prst="rect">
-            <a:avLst/>
-          </a:prstGeom>
-          <a:noFill/>
-        </p:spPr>
-        <p:txBody>
-          <a:bodyPr wrap="none">
-            <a:spAutoFit/>
-          </a:bodyPr>
-          <a:lstStyle/>
-          <a:p>
-            <a:pPr algn="ctr">
-              <a:lnSpc>
-                <a:spcPts val="7000"/>
-              </a:lnSpc>
-              <a:defRPr sz="4400">
-                <a:solidFill>
-                  <a:srgbClr val="000000"/>
-                </a:solidFill>
-              </a:defRPr>
-            </a:pPr>
-            <a:r>
-              <a:t>*เราเปล่งเสียงร้องสรรเสริญพระนาม</a:t>
-            </a:r>
-            <a:br/>
-            <a:r>
-              <a:t>ร้องสรรเสริญโมทนาพระองค์เป็นทุกสิ่ง</a:t>
-            </a:r>
-            <a:br/>
-            <a:r>
-              <a:t>เป็นพระเจ้าของเรา</a:t>
+              <a:t> I can say, It is well</a:t>
             </a:r>
           </a:p>
         </p:txBody>
@@ -4769,26 +3512,26 @@
               <a:lnSpc>
                 <a:spcPts val="7000"/>
               </a:lnSpc>
-              <a:defRPr sz="4400">
+              <a:defRPr sz="4000">
                 <a:solidFill>
                   <a:srgbClr val="000000"/>
                 </a:solidFill>
               </a:defRPr>
             </a:pPr>
             <a:r>
-              <a:t>ขอองค์พระเยซูเจ้า</a:t>
+              <a:t>Pre-Chorus: Jesus has overcome</a:t>
             </a:r>
             <a:br/>
             <a:r>
-              <a:t>ประทานไฟลงมา</a:t>
+              <a:t> and the grave is overwhelmed</a:t>
             </a:r>
             <a:br/>
             <a:r>
-              <a:t>ขอองค์พระเยซูเจ้า</a:t>
+              <a:t> The victory is won</a:t>
             </a:r>
             <a:br/>
             <a:r>
-              <a:t>ประทานไฟในใจข้า</a:t>
+              <a:t> He is risen from the dead</a:t>
             </a:r>
           </a:p>
         </p:txBody>
@@ -4813,47 +3556,59 @@
       <p:grpSpPr/>
       <p:sp>
         <p:nvSpPr>
-          <p:cNvPr id="2" name="Title 1"/>
-          <p:cNvSpPr>
-            <a:spLocks noGrp="1"/>
-          </p:cNvSpPr>
-          <p:nvPr>
-            <p:ph type="ctrTitle"/>
-          </p:nvPr>
-        </p:nvSpPr>
-        <p:spPr/>
-        <p:txBody>
-          <a:bodyPr/>
-          <a:lstStyle/>
-          <a:p>
-            <a:r>
-              <a:t>เข้าใจเธอ</a:t>
-            </a:r>
-          </a:p>
-        </p:txBody>
-      </p:sp>
-      <p:sp>
-        <p:nvSpPr>
-          <p:cNvPr id="3" name="Subtitle 2"/>
-          <p:cNvSpPr>
-            <a:spLocks noGrp="1"/>
-          </p:cNvSpPr>
-          <p:nvPr>
-            <p:ph type="subTitle" idx="1"/>
-          </p:nvPr>
-        </p:nvSpPr>
-        <p:spPr/>
-        <p:txBody>
-          <a:bodyPr/>
-          <a:lstStyle/>
-          <a:p>
-            <a:pPr>
+          <p:cNvPr id="2" name="TextBox 1"/>
+          <p:cNvSpPr txBox="1"/>
+          <p:nvPr/>
+        </p:nvSpPr>
+        <p:spPr>
+          <a:xfrm>
+            <a:off x="914400" y="457200"/>
+            <a:ext cx="7315200" cy="5486400"/>
+          </a:xfrm>
+          <a:prstGeom prst="rect">
+            <a:avLst/>
+          </a:prstGeom>
+          <a:noFill/>
+        </p:spPr>
+        <p:txBody>
+          <a:bodyPr wrap="none">
+            <a:spAutoFit/>
+          </a:bodyPr>
+          <a:lstStyle/>
+          <a:p>
+            <a:pPr algn="ctr">
+              <a:lnSpc>
+                <a:spcPts val="7000"/>
+              </a:lnSpc>
               <a:defRPr sz="4000">
                 <a:solidFill>
-                  <a:srgbClr val="3A70BC"/>
+                  <a:srgbClr val="000000"/>
                 </a:solidFill>
               </a:defRPr>
             </a:pPr>
+            <a:r>
+              <a:t>Chorus: And I will rise</a:t>
+            </a:r>
+            <a:br/>
+            <a:r>
+              <a:t> When He calls my name</a:t>
+            </a:r>
+            <a:br/>
+            <a:r>
+              <a:t> No more sorrow, no more pain</a:t>
+            </a:r>
+            <a:br/>
+            <a:r>
+              <a:t> I will rise, on eagle's wings</a:t>
+            </a:r>
+            <a:br/>
+            <a:r>
+              <a:t> Before my God. fall on my knees</a:t>
+            </a:r>
+            <a:br/>
+            <a:r>
+              <a:t> and rise.. I will rise</a:t>
+            </a:r>
           </a:p>
         </p:txBody>
       </p:sp>
@@ -4901,26 +3656,26 @@
               <a:lnSpc>
                 <a:spcPts val="7000"/>
               </a:lnSpc>
-              <a:defRPr sz="4400">
+              <a:defRPr sz="4000">
                 <a:solidFill>
                   <a:srgbClr val="000000"/>
                 </a:solidFill>
               </a:defRPr>
             </a:pPr>
             <a:r>
-              <a:t>วันใดที่เธอต้องการใครสักคน</a:t>
+              <a:t>Verse 2: There's a day that's drawing near</a:t>
             </a:r>
             <a:br/>
             <a:r>
-              <a:t>ใครเพียงสักคนที่พร้อมจะเข้าใจ</a:t>
+              <a:t> when this darkness breaks to light</a:t>
             </a:r>
             <a:br/>
             <a:r>
-              <a:t>ยังมีเรื่องราวเก็บไว้ข้างใน</a:t>
+              <a:t> and the shadows disappear</a:t>
             </a:r>
             <a:br/>
             <a:r>
-              <a:t>อยากระบาย ให้มันหมดใจ</a:t>
+              <a:t> and my faith shall be my eyes</a:t>
             </a:r>
           </a:p>
         </p:txBody>
@@ -4960,7 +3715,7 @@
           <a:noFill/>
         </p:spPr>
         <p:txBody>
-          <a:bodyPr wrap="square">
+          <a:bodyPr wrap="none">
             <a:spAutoFit/>
           </a:bodyPr>
           <a:lstStyle/>
@@ -4969,14 +3724,26 @@
               <a:lnSpc>
                 <a:spcPts val="7000"/>
               </a:lnSpc>
-              <a:defRPr sz="4400">
+              <a:defRPr sz="4000">
                 <a:solidFill>
                   <a:srgbClr val="000000"/>
                 </a:solidFill>
               </a:defRPr>
             </a:pPr>
             <a:r>
-              <a:t>หากวันไหนเธอมองไม่เห็นใคร อยากให้รู้มีใครอยู่ใกล้เธอ พร้อมจะเข้าใจเรื่องราวที่พบเจอไม่ว่ามันหนักหนาสักแค่ไหน</a:t>
+              <a:t>Pre-Chorus: Jesus has overcome</a:t>
+            </a:r>
+            <a:br/>
+            <a:r>
+              <a:t> and the grave is overwhelmed</a:t>
+            </a:r>
+            <a:br/>
+            <a:r>
+              <a:t> The victory is won</a:t>
+            </a:r>
+            <a:br/>
+            <a:r>
+              <a:t> He is risen from the dead</a:t>
             </a:r>
           </a:p>
         </p:txBody>
@@ -5023,32 +3790,36 @@
           <a:p>
             <a:pPr algn="ctr">
               <a:lnSpc>
-                <a:spcPts val="7000"/>
+                <a:spcPts val="6900"/>
               </a:lnSpc>
-              <a:defRPr sz="4400">
+              <a:defRPr sz="4000">
                 <a:solidFill>
                   <a:srgbClr val="000000"/>
                 </a:solidFill>
               </a:defRPr>
             </a:pPr>
             <a:r>
-              <a:t>พระเยซูเข้าใจและพร้อมจะช่วยเธอ</a:t>
+              <a:t>Chorus 2X: And I will rise</a:t>
             </a:r>
             <a:br/>
             <a:r>
-              <a:t>นำเธอผ่านพ้นเวลาที่โหดร้าย</a:t>
+              <a:t> when He calls my name</a:t>
             </a:r>
             <a:br/>
             <a:r>
-              <a:t>ขอให้เธอมั่นใจ</a:t>
+              <a:t> No more sorrow, no more pain</a:t>
             </a:r>
             <a:br/>
             <a:r>
-              <a:t>ว่าทุกๆ ก้าวที่เดินไป</a:t>
+              <a:t> I will rise, on eagle's wings</a:t>
             </a:r>
             <a:br/>
             <a:r>
-              <a:t>ให้เธอได้รู้ ว่าเธอยังมี</a:t>
+              <a:t> Before my God. fall on my knees</a:t>
+            </a:r>
+            <a:br/>
+            <a:r>
+              <a:t> and rise.. I will rise</a:t>
             </a:r>
           </a:p>
         </p:txBody>
@@ -5097,30 +3868,26 @@
               <a:lnSpc>
                 <a:spcPts val="7000"/>
               </a:lnSpc>
-              <a:defRPr sz="4400">
+              <a:defRPr sz="4000">
                 <a:solidFill>
                   <a:srgbClr val="000000"/>
                 </a:solidFill>
               </a:defRPr>
             </a:pPr>
             <a:r>
-              <a:t>(ให้เธอได้รู้ ว่าพระเยซูเข้าใจเธอ)</a:t>
+              <a:t>And I hear the voice of many angels sing</a:t>
             </a:r>
             <a:br/>
             <a:r>
-              <a:t>แค่อยากให้เธอ ได้รู้ได้เข้าใจ</a:t>
+              <a:t> Worthy is the Lamb!</a:t>
             </a:r>
             <a:br/>
             <a:r>
-              <a:t>ว่ายังมีใครห่วงใยเธอเสมอ</a:t>
+              <a:t> And I hear the cry of every longing heart</a:t>
             </a:r>
             <a:br/>
             <a:r>
-              <a:t>พระองค์คอยอยู่เป็นคำตอบให้เธอ</a:t>
-            </a:r>
-            <a:br/>
-            <a:r>
-              <a:t>เป็นพลังให้เธอก้าวไป</a:t>
+              <a:t> Worthy is the Lamb!</a:t>
             </a:r>
           </a:p>
         </p:txBody>
@@ -5145,49 +3912,38 @@
       <p:grpSpPr/>
       <p:sp>
         <p:nvSpPr>
-          <p:cNvPr id="2" name="Title 1"/>
-          <p:cNvSpPr>
-            <a:spLocks noGrp="1"/>
-          </p:cNvSpPr>
-          <p:nvPr>
-            <p:ph type="ctrTitle"/>
-          </p:nvPr>
-        </p:nvSpPr>
-        <p:spPr/>
-        <p:txBody>
-          <a:bodyPr/>
-          <a:lstStyle/>
-          <a:p>
-            <a:r>
-              <a:t>พระเจ้าทรงยิ่งใหญ่</a:t>
-            </a:r>
-          </a:p>
-        </p:txBody>
-      </p:sp>
-      <p:sp>
-        <p:nvSpPr>
-          <p:cNvPr id="3" name="Subtitle 2"/>
-          <p:cNvSpPr>
-            <a:spLocks noGrp="1"/>
-          </p:cNvSpPr>
-          <p:nvPr>
-            <p:ph type="subTitle" idx="1"/>
-          </p:nvPr>
-        </p:nvSpPr>
-        <p:spPr/>
-        <p:txBody>
-          <a:bodyPr/>
-          <a:lstStyle/>
-          <a:p>
-            <a:pPr>
+          <p:cNvPr id="2" name="TextBox 1"/>
+          <p:cNvSpPr txBox="1"/>
+          <p:nvPr/>
+        </p:nvSpPr>
+        <p:spPr>
+          <a:xfrm>
+            <a:off x="914400" y="457200"/>
+            <a:ext cx="7315200" cy="5486400"/>
+          </a:xfrm>
+          <a:prstGeom prst="rect">
+            <a:avLst/>
+          </a:prstGeom>
+          <a:noFill/>
+        </p:spPr>
+        <p:txBody>
+          <a:bodyPr wrap="square">
+            <a:spAutoFit/>
+          </a:bodyPr>
+          <a:lstStyle/>
+          <a:p>
+            <a:pPr algn="ctr">
+              <a:lnSpc>
+                <a:spcPts val="4800"/>
+              </a:lnSpc>
               <a:defRPr sz="4000">
                 <a:solidFill>
-                  <a:srgbClr val="3A70BC"/>
+                  <a:srgbClr val="000000"/>
                 </a:solidFill>
               </a:defRPr>
             </a:pPr>
             <a:r>
-              <a:t>How Great Is Our God</a:t>
+              <a:t>And I hear the voice of many angels sing. Worthy is the Lamb!. And I hear the cry of every longing heart. (background: âWorthy is the Lamb!. You are worthy! You are worthy!. Worthy is the Lamb!</a:t>
             </a:r>
           </a:p>
         </p:txBody>

--- a/finishedppt/WorshipSongs.pptx
+++ b/finishedppt/WorshipSongs.pptx
@@ -18,6 +18,22 @@
     <p:sldId id="266" r:id="rId17"/>
     <p:sldId id="267" r:id="rId18"/>
     <p:sldId id="268" r:id="rId19"/>
+    <p:sldId id="269" r:id="rId20"/>
+    <p:sldId id="270" r:id="rId21"/>
+    <p:sldId id="271" r:id="rId22"/>
+    <p:sldId id="272" r:id="rId23"/>
+    <p:sldId id="273" r:id="rId24"/>
+    <p:sldId id="274" r:id="rId25"/>
+    <p:sldId id="275" r:id="rId26"/>
+    <p:sldId id="276" r:id="rId27"/>
+    <p:sldId id="277" r:id="rId28"/>
+    <p:sldId id="278" r:id="rId29"/>
+    <p:sldId id="279" r:id="rId30"/>
+    <p:sldId id="280" r:id="rId31"/>
+    <p:sldId id="281" r:id="rId32"/>
+    <p:sldId id="282" r:id="rId33"/>
+    <p:sldId id="283" r:id="rId34"/>
+    <p:sldId id="284" r:id="rId35"/>
   </p:sldIdLst>
   <p:sldSz cx="9144000" cy="6858000" type="screen4x3"/>
   <p:notesSz cx="6858000" cy="9144000"/>
@@ -3114,7 +3130,11 @@
         <p:txBody>
           <a:bodyPr/>
           <a:lstStyle/>
-          <a:p/>
+          <a:p>
+            <a:r>
+              <a:t>นับพระพร</a:t>
+            </a:r>
+          </a:p>
         </p:txBody>
       </p:sp>
       <p:sp>
@@ -3140,7 +3160,7 @@
               </a:defRPr>
             </a:pPr>
             <a:r>
-              <a:t>I Will Rise </a:t>
+              <a:t>Count your blessings</a:t>
             </a:r>
           </a:p>
         </p:txBody>
@@ -3171,8 +3191,8 @@
         </p:nvSpPr>
         <p:spPr>
           <a:xfrm>
-            <a:off x="914400" y="457200"/>
-            <a:ext cx="7315200" cy="5486400"/>
+            <a:off x="685800" y="228600"/>
+            <a:ext cx="7772400" cy="2971800"/>
           </a:xfrm>
           <a:prstGeom prst="rect">
             <a:avLst/>
@@ -3180,6 +3200,56 @@
           <a:noFill/>
         </p:spPr>
         <p:txBody>
+          <a:bodyPr wrap="none">
+            <a:spAutoFit/>
+          </a:bodyPr>
+          <a:lstStyle/>
+          <a:p>
+            <a:pPr algn="ctr">
+              <a:lnSpc>
+                <a:spcPts val="4800"/>
+              </a:lnSpc>
+              <a:defRPr sz="4400">
+                <a:solidFill>
+                  <a:srgbClr val="000000"/>
+                </a:solidFill>
+              </a:defRPr>
+            </a:pPr>
+            <a:r>
+              <a:t>ลงจากสวรรค์ถึงโลกา สำแดงหนทาง จากโลกา</a:t>
+            </a:r>
+            <a:br/>
+            <a:r>
+              <a:t>ถึงกางเขน ชำระความบาป จากกางเขนสู่อุโมงค์</a:t>
+            </a:r>
+            <a:br/>
+            <a:r>
+              <a:t>จากอุโมงค์สู่สวรรค์ ข้ายกนามพระองค์</a:t>
+            </a:r>
+            <a:br/>
+            <a:r>
+              <a:t>สูง สุด</a:t>
+            </a:r>
+          </a:p>
+        </p:txBody>
+      </p:sp>
+      <p:sp>
+        <p:nvSpPr>
+          <p:cNvPr id="3" name="TextBox 2"/>
+          <p:cNvSpPr txBox="1"/>
+          <p:nvPr/>
+        </p:nvSpPr>
+        <p:spPr>
+          <a:xfrm>
+            <a:off x="685800" y="3657600"/>
+            <a:ext cx="7772400" cy="2971800"/>
+          </a:xfrm>
+          <a:prstGeom prst="rect">
+            <a:avLst/>
+          </a:prstGeom>
+          <a:noFill/>
+        </p:spPr>
+        <p:txBody>
           <a:bodyPr wrap="square">
             <a:spAutoFit/>
           </a:bodyPr>
@@ -3187,16 +3257,16 @@
           <a:p>
             <a:pPr algn="ctr">
               <a:lnSpc>
-                <a:spcPts val="7000"/>
+                <a:spcPts val="4800"/>
               </a:lnSpc>
-              <a:defRPr sz="4000">
-                <a:solidFill>
-                  <a:srgbClr val="000000"/>
+              <a:defRPr sz="4200">
+                <a:solidFill>
+                  <a:srgbClr val="3A70BC"/>
                 </a:solidFill>
               </a:defRPr>
             </a:pPr>
             <a:r>
-              <a:t>[Brief instrumental interlude]</a:t>
+              <a:t>You came from Heaven to earth to show the way. From the earth to the cross my debt to pay.From the cross to the grave. From the grave to the sky. Lord, I lift Your name on high.</a:t>
             </a:r>
           </a:p>
         </p:txBody>
@@ -3221,62 +3291,49 @@
       <p:grpSpPr/>
       <p:sp>
         <p:nvSpPr>
-          <p:cNvPr id="2" name="TextBox 1"/>
-          <p:cNvSpPr txBox="1"/>
-          <p:nvPr/>
-        </p:nvSpPr>
-        <p:spPr>
-          <a:xfrm>
-            <a:off x="914400" y="457200"/>
-            <a:ext cx="7315200" cy="5486400"/>
-          </a:xfrm>
-          <a:prstGeom prst="rect">
-            <a:avLst/>
-          </a:prstGeom>
-          <a:noFill/>
-        </p:spPr>
-        <p:txBody>
-          <a:bodyPr wrap="none">
-            <a:spAutoFit/>
-          </a:bodyPr>
-          <a:lstStyle/>
-          <a:p>
-            <a:pPr algn="ctr">
-              <a:lnSpc>
-                <a:spcPts val="4900"/>
-              </a:lnSpc>
+          <p:cNvPr id="2" name="Title 1"/>
+          <p:cNvSpPr>
+            <a:spLocks noGrp="1"/>
+          </p:cNvSpPr>
+          <p:nvPr>
+            <p:ph type="ctrTitle"/>
+          </p:nvPr>
+        </p:nvSpPr>
+        <p:spPr/>
+        <p:txBody>
+          <a:bodyPr/>
+          <a:lstStyle/>
+          <a:p>
+            <a:r>
+              <a:t>ข้าเข้ามานมัสการ</a:t>
+            </a:r>
+          </a:p>
+        </p:txBody>
+      </p:sp>
+      <p:sp>
+        <p:nvSpPr>
+          <p:cNvPr id="3" name="Subtitle 2"/>
+          <p:cNvSpPr>
+            <a:spLocks noGrp="1"/>
+          </p:cNvSpPr>
+          <p:nvPr>
+            <p:ph type="subTitle" idx="1"/>
+          </p:nvPr>
+        </p:nvSpPr>
+        <p:spPr/>
+        <p:txBody>
+          <a:bodyPr/>
+          <a:lstStyle/>
+          <a:p>
+            <a:pPr>
               <a:defRPr sz="4000">
                 <a:solidFill>
-                  <a:srgbClr val="000000"/>
+                  <a:srgbClr val="3A70BC"/>
                 </a:solidFill>
               </a:defRPr>
             </a:pPr>
             <a:r>
-              <a:t>Final Chorus: I will rise</a:t>
-            </a:r>
-            <a:br/>
-            <a:r>
-              <a:t> when He calls my name</a:t>
-            </a:r>
-            <a:br/>
-            <a:r>
-              <a:t> No more sorrow, no more pain</a:t>
-            </a:r>
-            <a:br/>
-            <a:r>
-              <a:t> I will rise, on eagle's wings</a:t>
-            </a:r>
-            <a:br/>
-            <a:r>
-              <a:t> Before my God. fall on my knees</a:t>
-            </a:r>
-            <a:br/>
-            <a:r>
-              <a:t> and rise.. I will rise</a:t>
-            </a:r>
-            <a:br/>
-            <a:r>
-              <a:t>.. I will rise..    </a:t>
+              <a:t>Here I Am to Worship</a:t>
             </a:r>
           </a:p>
         </p:txBody>
@@ -3301,45 +3358,88 @@
       <p:grpSpPr/>
       <p:sp>
         <p:nvSpPr>
-          <p:cNvPr id="2" name="Title 1"/>
-          <p:cNvSpPr>
-            <a:spLocks noGrp="1"/>
-          </p:cNvSpPr>
-          <p:nvPr>
-            <p:ph type="ctrTitle"/>
-          </p:nvPr>
-        </p:nvSpPr>
-        <p:spPr/>
-        <p:txBody>
-          <a:bodyPr/>
-          <a:lstStyle/>
-          <a:p/>
-        </p:txBody>
-      </p:sp>
-      <p:sp>
-        <p:nvSpPr>
-          <p:cNvPr id="3" name="Subtitle 2"/>
-          <p:cNvSpPr>
-            <a:spLocks noGrp="1"/>
-          </p:cNvSpPr>
-          <p:nvPr>
-            <p:ph type="subTitle" idx="1"/>
-          </p:nvPr>
-        </p:nvSpPr>
-        <p:spPr/>
-        <p:txBody>
-          <a:bodyPr/>
-          <a:lstStyle/>
-          <a:p>
-            <a:pPr>
-              <a:defRPr sz="4000">
+          <p:cNvPr id="2" name="TextBox 1"/>
+          <p:cNvSpPr txBox="1"/>
+          <p:nvPr/>
+        </p:nvSpPr>
+        <p:spPr>
+          <a:xfrm>
+            <a:off x="685800" y="228600"/>
+            <a:ext cx="7772400" cy="2971800"/>
+          </a:xfrm>
+          <a:prstGeom prst="rect">
+            <a:avLst/>
+          </a:prstGeom>
+          <a:noFill/>
+        </p:spPr>
+        <p:txBody>
+          <a:bodyPr wrap="none">
+            <a:spAutoFit/>
+          </a:bodyPr>
+          <a:lstStyle/>
+          <a:p>
+            <a:pPr algn="ctr">
+              <a:lnSpc>
+                <a:spcPts val="4800"/>
+              </a:lnSpc>
+              <a:defRPr sz="4400">
+                <a:solidFill>
+                  <a:srgbClr val="000000"/>
+                </a:solidFill>
+              </a:defRPr>
+            </a:pPr>
+            <a:r>
+              <a:t>ดุจความสว่าง พระองค์เข้ามาในความมืดมิด</a:t>
+            </a:r>
+            <a:br/>
+            <a:r>
+              <a:t>ทรงเปิดดวงตาให้ข้าเห็น ความงามที่ทำ</a:t>
+            </a:r>
+            <a:br/>
+            <a:r>
+              <a:t>ให้ใจข้ารักพระเยซู หวังจะได้อยู่</a:t>
+            </a:r>
+            <a:br/>
+            <a:r>
+              <a:t>กับพระองค์</a:t>
+            </a:r>
+          </a:p>
+        </p:txBody>
+      </p:sp>
+      <p:sp>
+        <p:nvSpPr>
+          <p:cNvPr id="3" name="TextBox 2"/>
+          <p:cNvSpPr txBox="1"/>
+          <p:nvPr/>
+        </p:nvSpPr>
+        <p:spPr>
+          <a:xfrm>
+            <a:off x="685800" y="3657600"/>
+            <a:ext cx="7772400" cy="2971800"/>
+          </a:xfrm>
+          <a:prstGeom prst="rect">
+            <a:avLst/>
+          </a:prstGeom>
+          <a:noFill/>
+        </p:spPr>
+        <p:txBody>
+          <a:bodyPr wrap="square">
+            <a:spAutoFit/>
+          </a:bodyPr>
+          <a:lstStyle/>
+          <a:p>
+            <a:pPr algn="ctr">
+              <a:lnSpc>
+                <a:spcPts val="4800"/>
+              </a:lnSpc>
+              <a:defRPr sz="4200">
                 <a:solidFill>
                   <a:srgbClr val="3A70BC"/>
                 </a:solidFill>
               </a:defRPr>
             </a:pPr>
             <a:r>
-              <a:t>Come Thou Fount </a:t>
+              <a:t>Light of the World You stepped down into darkness. Open my eyes Let me see. Beauty that made This heart adore You. Hope of a life Spent with You.</a:t>
             </a:r>
           </a:p>
         </p:txBody>
@@ -3370,8 +3470,8 @@
         </p:nvSpPr>
         <p:spPr>
           <a:xfrm>
-            <a:off x="914400" y="457200"/>
-            <a:ext cx="7315200" cy="5486400"/>
+            <a:off x="685800" y="228600"/>
+            <a:ext cx="7772400" cy="2971800"/>
           </a:xfrm>
           <a:prstGeom prst="rect">
             <a:avLst/>
@@ -3388,14 +3488,559 @@
               <a:lnSpc>
                 <a:spcPts val="4800"/>
               </a:lnSpc>
+              <a:defRPr sz="4400">
+                <a:solidFill>
+                  <a:srgbClr val="000000"/>
+                </a:solidFill>
+              </a:defRPr>
+            </a:pPr>
+            <a:r>
+              <a:t>* ข้าเข้ามานมัสการ ข้าเข้ามาเพื่อก้มกราบ ข้ามาร้องว่าพระองค์ เป็นพระเจ้า พระองค์ทรงงดงามสง่า สมควรรับคำคำบูชา พระองค์ทรงแสนดีต่อ ชีวิตข้า องค์จอมราชา ผู้ประทับในที่สูงยิ่ง ทรงพระสิริ ในสวรรค์</a:t>
+            </a:r>
+          </a:p>
+        </p:txBody>
+      </p:sp>
+      <p:sp>
+        <p:nvSpPr>
+          <p:cNvPr id="3" name="TextBox 2"/>
+          <p:cNvSpPr txBox="1"/>
+          <p:nvPr/>
+        </p:nvSpPr>
+        <p:spPr>
+          <a:xfrm>
+            <a:off x="685800" y="3657600"/>
+            <a:ext cx="7772400" cy="2971800"/>
+          </a:xfrm>
+          <a:prstGeom prst="rect">
+            <a:avLst/>
+          </a:prstGeom>
+          <a:noFill/>
+        </p:spPr>
+        <p:txBody>
+          <a:bodyPr wrap="square">
+            <a:spAutoFit/>
+          </a:bodyPr>
+          <a:lstStyle/>
+          <a:p>
+            <a:pPr algn="ctr">
+              <a:lnSpc>
+                <a:spcPts val="4800"/>
+              </a:lnSpc>
+              <a:defRPr sz="4200">
+                <a:solidFill>
+                  <a:srgbClr val="3A70BC"/>
+                </a:solidFill>
+              </a:defRPr>
+            </a:pPr>
+            <a:r>
+              <a:t>Here I am to worship. Here I am to bow down. Here I am to say that You're my God. You're altogether lovely. Altogether worthy. Altogether wonderful to me.</a:t>
+            </a:r>
+          </a:p>
+        </p:txBody>
+      </p:sp>
+    </p:spTree>
+  </p:cSld>
+  <p:clrMapOvr>
+    <a:masterClrMapping/>
+  </p:clrMapOvr>
+</p:sld>
+</file>
+
+<file path=ppt/slides/slide14.xml><?xml version="1.0" encoding="utf-8"?>
+<p:sld xmlns:a="http://schemas.openxmlformats.org/drawingml/2006/main" xmlns:p="http://schemas.openxmlformats.org/presentationml/2006/main" xmlns:r="http://schemas.openxmlformats.org/officeDocument/2006/relationships">
+  <p:cSld>
+    <p:spTree>
+      <p:nvGrpSpPr>
+        <p:cNvPr id="1" name=""/>
+        <p:cNvGrpSpPr/>
+        <p:nvPr/>
+      </p:nvGrpSpPr>
+      <p:grpSpPr/>
+      <p:sp>
+        <p:nvSpPr>
+          <p:cNvPr id="2" name="TextBox 1"/>
+          <p:cNvSpPr txBox="1"/>
+          <p:nvPr/>
+        </p:nvSpPr>
+        <p:spPr>
+          <a:xfrm>
+            <a:off x="685800" y="228600"/>
+            <a:ext cx="7772400" cy="2971800"/>
+          </a:xfrm>
+          <a:prstGeom prst="rect">
+            <a:avLst/>
+          </a:prstGeom>
+          <a:noFill/>
+        </p:spPr>
+        <p:txBody>
+          <a:bodyPr wrap="square">
+            <a:spAutoFit/>
+          </a:bodyPr>
+          <a:lstStyle/>
+          <a:p>
+            <a:pPr algn="ctr">
+              <a:lnSpc>
+                <a:spcPts val="4800"/>
+              </a:lnSpc>
+              <a:defRPr sz="4400">
+                <a:solidFill>
+                  <a:srgbClr val="000000"/>
+                </a:solidFill>
+              </a:defRPr>
+            </a:pPr>
+            <a:r>
+              <a:t>องค์จอมราชา ผู้รับประทับในที่สูงยิ่ง ทรงพระสิริในสวรรค์ ลงมาในโลกที่ทรงสร้างด้วยหัวใจถ่อม ทรงยอมยากจน เพราะรักเรา</a:t>
+            </a:r>
+          </a:p>
+        </p:txBody>
+      </p:sp>
+      <p:sp>
+        <p:nvSpPr>
+          <p:cNvPr id="3" name="TextBox 2"/>
+          <p:cNvSpPr txBox="1"/>
+          <p:nvPr/>
+        </p:nvSpPr>
+        <p:spPr>
+          <a:xfrm>
+            <a:off x="685800" y="3657600"/>
+            <a:ext cx="7772400" cy="2971800"/>
+          </a:xfrm>
+          <a:prstGeom prst="rect">
+            <a:avLst/>
+          </a:prstGeom>
+          <a:noFill/>
+        </p:spPr>
+        <p:txBody>
+          <a:bodyPr wrap="square">
+            <a:spAutoFit/>
+          </a:bodyPr>
+          <a:lstStyle/>
+          <a:p>
+            <a:pPr algn="ctr">
+              <a:lnSpc>
+                <a:spcPts val="4800"/>
+              </a:lnSpc>
+              <a:defRPr sz="4200">
+                <a:solidFill>
+                  <a:srgbClr val="3A70BC"/>
+                </a:solidFill>
+              </a:defRPr>
+            </a:pPr>
+            <a:r>
+              <a:t>King of all days. Oh, so highly exalted. Glorious in Heaven above. Humbly You came. To the earth You created. All for love's sake became poor.</a:t>
+            </a:r>
+          </a:p>
+        </p:txBody>
+      </p:sp>
+    </p:spTree>
+  </p:cSld>
+  <p:clrMapOvr>
+    <a:masterClrMapping/>
+  </p:clrMapOvr>
+</p:sld>
+</file>
+
+<file path=ppt/slides/slide15.xml><?xml version="1.0" encoding="utf-8"?>
+<p:sld xmlns:a="http://schemas.openxmlformats.org/drawingml/2006/main" xmlns:p="http://schemas.openxmlformats.org/presentationml/2006/main" xmlns:r="http://schemas.openxmlformats.org/officeDocument/2006/relationships">
+  <p:cSld>
+    <p:spTree>
+      <p:nvGrpSpPr>
+        <p:cNvPr id="1" name=""/>
+        <p:cNvGrpSpPr/>
+        <p:nvPr/>
+      </p:nvGrpSpPr>
+      <p:grpSpPr/>
+      <p:sp>
+        <p:nvSpPr>
+          <p:cNvPr id="2" name="TextBox 1"/>
+          <p:cNvSpPr txBox="1"/>
+          <p:nvPr/>
+        </p:nvSpPr>
+        <p:spPr>
+          <a:xfrm>
+            <a:off x="685800" y="228600"/>
+            <a:ext cx="7772400" cy="2971800"/>
+          </a:xfrm>
+          <a:prstGeom prst="rect">
+            <a:avLst/>
+          </a:prstGeom>
+          <a:noFill/>
+        </p:spPr>
+        <p:txBody>
+          <a:bodyPr wrap="square">
+            <a:spAutoFit/>
+          </a:bodyPr>
+          <a:lstStyle/>
+          <a:p>
+            <a:pPr algn="ctr">
+              <a:lnSpc>
+                <a:spcPts val="4800"/>
+              </a:lnSpc>
+              <a:defRPr sz="4400">
+                <a:solidFill>
+                  <a:srgbClr val="000000"/>
+                </a:solidFill>
+              </a:defRPr>
+            </a:pPr>
+            <a:r>
+              <a:t>* ข้าเข้ามานมัสการ ข้าเข้ามาเพื่อก้มกราบ ข้ามาร้องว่าพระองค์ เป็นพระเจ้า พระองค์ทรงงดงามสง่า สมควรรับคำคำบูชา พระองค์ทรงแสนดีต่อ ชีวิตข้า องค์จอมราชา ผู้ประทับในที่สูงยิ่ง ทรงพระสิริ ในสวรรค์</a:t>
+            </a:r>
+          </a:p>
+        </p:txBody>
+      </p:sp>
+      <p:sp>
+        <p:nvSpPr>
+          <p:cNvPr id="3" name="TextBox 2"/>
+          <p:cNvSpPr txBox="1"/>
+          <p:nvPr/>
+        </p:nvSpPr>
+        <p:spPr>
+          <a:xfrm>
+            <a:off x="685800" y="3657600"/>
+            <a:ext cx="7772400" cy="2971800"/>
+          </a:xfrm>
+          <a:prstGeom prst="rect">
+            <a:avLst/>
+          </a:prstGeom>
+          <a:noFill/>
+        </p:spPr>
+        <p:txBody>
+          <a:bodyPr wrap="square">
+            <a:spAutoFit/>
+          </a:bodyPr>
+          <a:lstStyle/>
+          <a:p>
+            <a:pPr algn="ctr">
+              <a:lnSpc>
+                <a:spcPts val="4800"/>
+              </a:lnSpc>
+              <a:defRPr sz="4200">
+                <a:solidFill>
+                  <a:srgbClr val="3A70BC"/>
+                </a:solidFill>
+              </a:defRPr>
+            </a:pPr>
+            <a:r>
+              <a:t>Here I am to worship. Here I am to bow down. Here I am to say that You're my God. You're altogether lovely. Altogether worthy. Altogether wonderful to me.</a:t>
+            </a:r>
+          </a:p>
+        </p:txBody>
+      </p:sp>
+    </p:spTree>
+  </p:cSld>
+  <p:clrMapOvr>
+    <a:masterClrMapping/>
+  </p:clrMapOvr>
+</p:sld>
+</file>
+
+<file path=ppt/slides/slide16.xml><?xml version="1.0" encoding="utf-8"?>
+<p:sld xmlns:a="http://schemas.openxmlformats.org/drawingml/2006/main" xmlns:p="http://schemas.openxmlformats.org/presentationml/2006/main" xmlns:r="http://schemas.openxmlformats.org/officeDocument/2006/relationships">
+  <p:cSld>
+    <p:spTree>
+      <p:nvGrpSpPr>
+        <p:cNvPr id="1" name=""/>
+        <p:cNvGrpSpPr/>
+        <p:nvPr/>
+      </p:nvGrpSpPr>
+      <p:grpSpPr/>
+      <p:sp>
+        <p:nvSpPr>
+          <p:cNvPr id="2" name="TextBox 1"/>
+          <p:cNvSpPr txBox="1"/>
+          <p:nvPr/>
+        </p:nvSpPr>
+        <p:spPr>
+          <a:xfrm>
+            <a:off x="685800" y="228600"/>
+            <a:ext cx="7772400" cy="2971800"/>
+          </a:xfrm>
+          <a:prstGeom prst="rect">
+            <a:avLst/>
+          </a:prstGeom>
+          <a:noFill/>
+        </p:spPr>
+        <p:txBody>
+          <a:bodyPr wrap="square">
+            <a:spAutoFit/>
+          </a:bodyPr>
+          <a:lstStyle/>
+          <a:p>
+            <a:pPr algn="ctr">
+              <a:lnSpc>
+                <a:spcPts val="4800"/>
+              </a:lnSpc>
+              <a:defRPr sz="4400">
+                <a:solidFill>
+                  <a:srgbClr val="000000"/>
+                </a:solidFill>
+              </a:defRPr>
+            </a:pPr>
+            <a:r>
+              <a:t>ไม่มีวันรู้ ทุกข์ทนเพียงใด เพื่อไถ่บาปข้า ที่บนกางเขน ไม่มีวันรู้ ทุกข์ทนเพียงใด เพื่อไถ่บาปข้า ที่บนกางเขน ไม่มีวันรู้ ทุกข์ทนเพียงใด เพื่อไถ่บาปข้า ที่บนกางเขน ไม่มีวันรู้ ทุกข์ทนเพียงใด เพื่อไถ่บาปข้า ที่บนกางเขน</a:t>
+            </a:r>
+          </a:p>
+        </p:txBody>
+      </p:sp>
+      <p:sp>
+        <p:nvSpPr>
+          <p:cNvPr id="3" name="TextBox 2"/>
+          <p:cNvSpPr txBox="1"/>
+          <p:nvPr/>
+        </p:nvSpPr>
+        <p:spPr>
+          <a:xfrm>
+            <a:off x="685800" y="3657600"/>
+            <a:ext cx="7772400" cy="2971800"/>
+          </a:xfrm>
+          <a:prstGeom prst="rect">
+            <a:avLst/>
+          </a:prstGeom>
+          <a:noFill/>
+        </p:spPr>
+        <p:txBody>
+          <a:bodyPr wrap="square">
+            <a:spAutoFit/>
+          </a:bodyPr>
+          <a:lstStyle/>
+          <a:p>
+            <a:pPr algn="ctr">
+              <a:lnSpc>
+                <a:spcPts val="4800"/>
+              </a:lnSpc>
+              <a:defRPr sz="4200">
+                <a:solidFill>
+                  <a:srgbClr val="3A70BC"/>
+                </a:solidFill>
+              </a:defRPr>
+            </a:pPr>
+            <a:r>
+              <a:t>I'll never know how much it cost. To see my sin upon that cross. I'll never know how much it cost. To see my sin upon that cross. I'll never know how much it cost. To see my sin upon that cross. I'll never know how much it cost. To see my sin upon that cross.</a:t>
+            </a:r>
+          </a:p>
+        </p:txBody>
+      </p:sp>
+    </p:spTree>
+  </p:cSld>
+  <p:clrMapOvr>
+    <a:masterClrMapping/>
+  </p:clrMapOvr>
+</p:sld>
+</file>
+
+<file path=ppt/slides/slide17.xml><?xml version="1.0" encoding="utf-8"?>
+<p:sld xmlns:a="http://schemas.openxmlformats.org/drawingml/2006/main" xmlns:p="http://schemas.openxmlformats.org/presentationml/2006/main" xmlns:r="http://schemas.openxmlformats.org/officeDocument/2006/relationships">
+  <p:cSld>
+    <p:spTree>
+      <p:nvGrpSpPr>
+        <p:cNvPr id="1" name=""/>
+        <p:cNvGrpSpPr/>
+        <p:nvPr/>
+      </p:nvGrpSpPr>
+      <p:grpSpPr/>
+      <p:sp>
+        <p:nvSpPr>
+          <p:cNvPr id="2" name="TextBox 1"/>
+          <p:cNvSpPr txBox="1"/>
+          <p:nvPr/>
+        </p:nvSpPr>
+        <p:spPr>
+          <a:xfrm>
+            <a:off x="685800" y="228600"/>
+            <a:ext cx="7772400" cy="2971800"/>
+          </a:xfrm>
+          <a:prstGeom prst="rect">
+            <a:avLst/>
+          </a:prstGeom>
+          <a:noFill/>
+        </p:spPr>
+        <p:txBody>
+          <a:bodyPr wrap="square">
+            <a:spAutoFit/>
+          </a:bodyPr>
+          <a:lstStyle/>
+          <a:p>
+            <a:pPr algn="ctr">
+              <a:lnSpc>
+                <a:spcPts val="4800"/>
+              </a:lnSpc>
+              <a:defRPr sz="4400">
+                <a:solidFill>
+                  <a:srgbClr val="000000"/>
+                </a:solidFill>
+              </a:defRPr>
+            </a:pPr>
+            <a:r>
+              <a:t>* ข้าเข้ามานมัสการ ข้าเข้ามาเพื่อก้มกราบ ข้ามาร้องว่าพระองค์ เป็นพระเจ้า พระองค์ทรงงดงามสง่า สมควรรับคำคำบูชา พระองค์ทรงแสนดีต่อ ชีวิตข้า องค์จอมราชา ผู้ประทับในที่สูงยิ่ง ทรงพระสิริ ในสวรรค์</a:t>
+            </a:r>
+          </a:p>
+        </p:txBody>
+      </p:sp>
+      <p:sp>
+        <p:nvSpPr>
+          <p:cNvPr id="3" name="TextBox 2"/>
+          <p:cNvSpPr txBox="1"/>
+          <p:nvPr/>
+        </p:nvSpPr>
+        <p:spPr>
+          <a:xfrm>
+            <a:off x="685800" y="3657600"/>
+            <a:ext cx="7772400" cy="2971800"/>
+          </a:xfrm>
+          <a:prstGeom prst="rect">
+            <a:avLst/>
+          </a:prstGeom>
+          <a:noFill/>
+        </p:spPr>
+        <p:txBody>
+          <a:bodyPr wrap="square">
+            <a:spAutoFit/>
+          </a:bodyPr>
+          <a:lstStyle/>
+          <a:p>
+            <a:pPr algn="ctr">
+              <a:lnSpc>
+                <a:spcPts val="4800"/>
+              </a:lnSpc>
+              <a:defRPr sz="4200">
+                <a:solidFill>
+                  <a:srgbClr val="3A70BC"/>
+                </a:solidFill>
+              </a:defRPr>
+            </a:pPr>
+            <a:r>
+              <a:t>Here I am to worship. Here I am to bow down. Here I am to say that You're my God. You're altogether lovely. Altogether worthy. Altogether wonderful to me.</a:t>
+            </a:r>
+          </a:p>
+        </p:txBody>
+      </p:sp>
+    </p:spTree>
+  </p:cSld>
+  <p:clrMapOvr>
+    <a:masterClrMapping/>
+  </p:clrMapOvr>
+</p:sld>
+</file>
+
+<file path=ppt/slides/slide18.xml><?xml version="1.0" encoding="utf-8"?>
+<p:sld xmlns:a="http://schemas.openxmlformats.org/drawingml/2006/main" xmlns:p="http://schemas.openxmlformats.org/presentationml/2006/main" xmlns:r="http://schemas.openxmlformats.org/officeDocument/2006/relationships">
+  <p:cSld>
+    <p:spTree>
+      <p:nvGrpSpPr>
+        <p:cNvPr id="1" name=""/>
+        <p:cNvGrpSpPr/>
+        <p:nvPr/>
+      </p:nvGrpSpPr>
+      <p:grpSpPr/>
+      <p:sp>
+        <p:nvSpPr>
+          <p:cNvPr id="2" name="Title 1"/>
+          <p:cNvSpPr>
+            <a:spLocks noGrp="1"/>
+          </p:cNvSpPr>
+          <p:nvPr>
+            <p:ph type="ctrTitle"/>
+          </p:nvPr>
+        </p:nvSpPr>
+        <p:spPr/>
+        <p:txBody>
+          <a:bodyPr/>
+          <a:lstStyle/>
+          <a:p/>
+        </p:txBody>
+      </p:sp>
+      <p:sp>
+        <p:nvSpPr>
+          <p:cNvPr id="3" name="Subtitle 2"/>
+          <p:cNvSpPr>
+            <a:spLocks noGrp="1"/>
+          </p:cNvSpPr>
+          <p:nvPr>
+            <p:ph type="subTitle" idx="1"/>
+          </p:nvPr>
+        </p:nvSpPr>
+        <p:spPr/>
+        <p:txBody>
+          <a:bodyPr/>
+          <a:lstStyle/>
+          <a:p>
+            <a:pPr>
               <a:defRPr sz="4000">
                 <a:solidFill>
+                  <a:srgbClr val="3A70BC"/>
+                </a:solidFill>
+              </a:defRPr>
+            </a:pPr>
+            <a:r>
+              <a:t>Above All </a:t>
+            </a:r>
+          </a:p>
+        </p:txBody>
+      </p:sp>
+    </p:spTree>
+  </p:cSld>
+  <p:clrMapOvr>
+    <a:masterClrMapping/>
+  </p:clrMapOvr>
+</p:sld>
+</file>
+
+<file path=ppt/slides/slide19.xml><?xml version="1.0" encoding="utf-8"?>
+<p:sld xmlns:a="http://schemas.openxmlformats.org/drawingml/2006/main" xmlns:p="http://schemas.openxmlformats.org/presentationml/2006/main" xmlns:r="http://schemas.openxmlformats.org/officeDocument/2006/relationships">
+  <p:cSld>
+    <p:spTree>
+      <p:nvGrpSpPr>
+        <p:cNvPr id="1" name=""/>
+        <p:cNvGrpSpPr/>
+        <p:nvPr/>
+      </p:nvGrpSpPr>
+      <p:grpSpPr/>
+      <p:sp>
+        <p:nvSpPr>
+          <p:cNvPr id="2" name="TextBox 1"/>
+          <p:cNvSpPr txBox="1"/>
+          <p:nvPr/>
+        </p:nvSpPr>
+        <p:spPr>
+          <a:xfrm>
+            <a:off x="914400" y="457200"/>
+            <a:ext cx="7315200" cy="5486400"/>
+          </a:xfrm>
+          <a:prstGeom prst="rect">
+            <a:avLst/>
+          </a:prstGeom>
+          <a:noFill/>
+        </p:spPr>
+        <p:txBody>
+          <a:bodyPr wrap="none">
+            <a:spAutoFit/>
+          </a:bodyPr>
+          <a:lstStyle/>
+          <a:p>
+            <a:pPr algn="ctr">
+              <a:lnSpc>
+                <a:spcPts val="7000"/>
+              </a:lnSpc>
+              <a:defRPr sz="4400">
+                <a:solidFill>
                   <a:srgbClr val="000000"/>
                 </a:solidFill>
               </a:defRPr>
             </a:pPr>
             <a:r>
-              <a:t>Come thou font of every blessing. Tune my heart to sing thy grace. Streams of mercy never ceasing. Call for songs of loudest praise. Teach me some melodious sonnet. Sung by flaming tongues above. Praise the mount I'm fixed upon it. Mount of thy redeeming love. Here I raise my Ebenezer. Hither by thy help I'm come. And I hope by thy good pleasure. Safely to arrive at home. Jesus sought me when a stranger. Wondering from the fold of God. He, to rescue me from danger. Interposed His precious blood. O to grace how how great a debtor daily I'm constrained to be!. Let thy goodness like a fetter, bind my wandering heart to thee. Prone to wander Lord I feel it, prone to leave the God I love. Here's my heart, O take and seal it, seal it for thy courts above    </a:t>
+              <a:t>Above all powers, above all kings</a:t>
+            </a:r>
+            <a:br/>
+            <a:r>
+              <a:t> Above all nature and all created things</a:t>
+            </a:r>
+            <a:br/>
+            <a:r>
+              <a:t> Above all wisdom and all the ways of man</a:t>
+            </a:r>
+            <a:br/>
+            <a:r>
+              <a:t> You were here before the world began</a:t>
             </a:r>
           </a:p>
         </p:txBody>
@@ -3426,8 +4071,8 @@
         </p:nvSpPr>
         <p:spPr>
           <a:xfrm>
-            <a:off x="914400" y="457200"/>
-            <a:ext cx="7315200" cy="5486400"/>
+            <a:off x="685800" y="228600"/>
+            <a:ext cx="7772400" cy="2971800"/>
           </a:xfrm>
           <a:prstGeom prst="rect">
             <a:avLst/>
@@ -3435,6 +4080,156 @@
           <a:noFill/>
         </p:spPr>
         <p:txBody>
+          <a:bodyPr wrap="square">
+            <a:spAutoFit/>
+          </a:bodyPr>
+          <a:lstStyle/>
+          <a:p>
+            <a:pPr algn="ctr">
+              <a:lnSpc>
+                <a:spcPts val="4800"/>
+              </a:lnSpc>
+              <a:defRPr sz="4400">
+                <a:solidFill>
+                  <a:srgbClr val="000000"/>
+                </a:solidFill>
+              </a:defRPr>
+            </a:pPr>
+            <a:r>
+              <a:t>แม้นความทุกข์ลำบาก เกิดขึ้นแก่ท่านเมื่อใด มีภาระหนักมาก ท่านคิดว่าแบกไม่ไหว หันมานับพระพรย้อนดูนับทีละอัน แปลกแต่จริงแน่แล้ว พระเจ้าทรงโปรดช่วยท่าน</a:t>
+            </a:r>
+          </a:p>
+        </p:txBody>
+      </p:sp>
+      <p:sp>
+        <p:nvSpPr>
+          <p:cNvPr id="3" name="TextBox 2"/>
+          <p:cNvSpPr txBox="1"/>
+          <p:nvPr/>
+        </p:nvSpPr>
+        <p:spPr>
+          <a:xfrm>
+            <a:off x="685800" y="3657600"/>
+            <a:ext cx="7772400" cy="2971800"/>
+          </a:xfrm>
+          <a:prstGeom prst="rect">
+            <a:avLst/>
+          </a:prstGeom>
+          <a:noFill/>
+        </p:spPr>
+        <p:txBody>
+          <a:bodyPr wrap="square">
+            <a:spAutoFit/>
+          </a:bodyPr>
+          <a:lstStyle/>
+          <a:p>
+            <a:pPr algn="ctr">
+              <a:lnSpc>
+                <a:spcPts val="4800"/>
+              </a:lnSpc>
+              <a:defRPr sz="4200">
+                <a:solidFill>
+                  <a:srgbClr val="3A70BC"/>
+                </a:solidFill>
+              </a:defRPr>
+            </a:pPr>
+            <a:r>
+              <a:t>When upon life's billows you are tempest tossed, When you are discouraged, thinking all is lost, Count your many blessings, name them one by one, And it will surprise you what the Lord hath done.</a:t>
+            </a:r>
+          </a:p>
+        </p:txBody>
+      </p:sp>
+    </p:spTree>
+  </p:cSld>
+  <p:clrMapOvr>
+    <a:masterClrMapping/>
+  </p:clrMapOvr>
+</p:sld>
+</file>
+
+<file path=ppt/slides/slide20.xml><?xml version="1.0" encoding="utf-8"?>
+<p:sld xmlns:a="http://schemas.openxmlformats.org/drawingml/2006/main" xmlns:p="http://schemas.openxmlformats.org/presentationml/2006/main" xmlns:r="http://schemas.openxmlformats.org/officeDocument/2006/relationships">
+  <p:cSld>
+    <p:spTree>
+      <p:nvGrpSpPr>
+        <p:cNvPr id="1" name=""/>
+        <p:cNvGrpSpPr/>
+        <p:nvPr/>
+      </p:nvGrpSpPr>
+      <p:grpSpPr/>
+      <p:sp>
+        <p:nvSpPr>
+          <p:cNvPr id="2" name="TextBox 1"/>
+          <p:cNvSpPr txBox="1"/>
+          <p:nvPr/>
+        </p:nvSpPr>
+        <p:spPr>
+          <a:xfrm>
+            <a:off x="914400" y="457200"/>
+            <a:ext cx="7315200" cy="5486400"/>
+          </a:xfrm>
+          <a:prstGeom prst="rect">
+            <a:avLst/>
+          </a:prstGeom>
+          <a:noFill/>
+        </p:spPr>
+        <p:txBody>
+          <a:bodyPr wrap="square">
+            <a:spAutoFit/>
+          </a:bodyPr>
+          <a:lstStyle/>
+          <a:p>
+            <a:pPr algn="ctr">
+              <a:lnSpc>
+                <a:spcPts val="6600"/>
+              </a:lnSpc>
+              <a:defRPr sz="4400">
+                <a:solidFill>
+                  <a:srgbClr val="000000"/>
+                </a:solidFill>
+              </a:defRPr>
+            </a:pPr>
+            <a:r>
+              <a:t>Above all kingdoms, above all thrones. Above all wonders the world has ever known. Above all wealth and treasures of the earth. There's no way to measure what You're worth</a:t>
+            </a:r>
+          </a:p>
+        </p:txBody>
+      </p:sp>
+    </p:spTree>
+  </p:cSld>
+  <p:clrMapOvr>
+    <a:masterClrMapping/>
+  </p:clrMapOvr>
+</p:sld>
+</file>
+
+<file path=ppt/slides/slide21.xml><?xml version="1.0" encoding="utf-8"?>
+<p:sld xmlns:a="http://schemas.openxmlformats.org/drawingml/2006/main" xmlns:p="http://schemas.openxmlformats.org/presentationml/2006/main" xmlns:r="http://schemas.openxmlformats.org/officeDocument/2006/relationships">
+  <p:cSld>
+    <p:spTree>
+      <p:nvGrpSpPr>
+        <p:cNvPr id="1" name=""/>
+        <p:cNvGrpSpPr/>
+        <p:nvPr/>
+      </p:nvGrpSpPr>
+      <p:grpSpPr/>
+      <p:sp>
+        <p:nvSpPr>
+          <p:cNvPr id="2" name="TextBox 1"/>
+          <p:cNvSpPr txBox="1"/>
+          <p:nvPr/>
+        </p:nvSpPr>
+        <p:spPr>
+          <a:xfrm>
+            <a:off x="914400" y="457200"/>
+            <a:ext cx="7315200" cy="5486400"/>
+          </a:xfrm>
+          <a:prstGeom prst="rect">
+            <a:avLst/>
+          </a:prstGeom>
+          <a:noFill/>
+        </p:spPr>
+        <p:txBody>
           <a:bodyPr wrap="none">
             <a:spAutoFit/>
           </a:bodyPr>
@@ -3444,26 +4239,554 @@
               <a:lnSpc>
                 <a:spcPts val="7000"/>
               </a:lnSpc>
+              <a:defRPr sz="4400">
+                <a:solidFill>
+                  <a:srgbClr val="000000"/>
+                </a:solidFill>
+              </a:defRPr>
+            </a:pPr>
+            <a:r>
+              <a:t>Crucified. Laid behind the stone</a:t>
+            </a:r>
+            <a:br/>
+            <a:r>
+              <a:t> You lived to die, rejected and alone</a:t>
+            </a:r>
+            <a:br/>
+            <a:r>
+              <a:t> Like a rose trampled on the ground</a:t>
+            </a:r>
+            <a:br/>
+            <a:r>
+              <a:t> You took the fall and thought of me</a:t>
+            </a:r>
+            <a:br/>
+            <a:r>
+              <a:t> Above all</a:t>
+            </a:r>
+          </a:p>
+        </p:txBody>
+      </p:sp>
+    </p:spTree>
+  </p:cSld>
+  <p:clrMapOvr>
+    <a:masterClrMapping/>
+  </p:clrMapOvr>
+</p:sld>
+</file>
+
+<file path=ppt/slides/slide22.xml><?xml version="1.0" encoding="utf-8"?>
+<p:sld xmlns:a="http://schemas.openxmlformats.org/drawingml/2006/main" xmlns:p="http://schemas.openxmlformats.org/presentationml/2006/main" xmlns:r="http://schemas.openxmlformats.org/officeDocument/2006/relationships">
+  <p:cSld>
+    <p:spTree>
+      <p:nvGrpSpPr>
+        <p:cNvPr id="1" name=""/>
+        <p:cNvGrpSpPr/>
+        <p:nvPr/>
+      </p:nvGrpSpPr>
+      <p:grpSpPr/>
+      <p:sp>
+        <p:nvSpPr>
+          <p:cNvPr id="2" name="TextBox 1"/>
+          <p:cNvSpPr txBox="1"/>
+          <p:nvPr/>
+        </p:nvSpPr>
+        <p:spPr>
+          <a:xfrm>
+            <a:off x="914400" y="457200"/>
+            <a:ext cx="7315200" cy="5486400"/>
+          </a:xfrm>
+          <a:prstGeom prst="rect">
+            <a:avLst/>
+          </a:prstGeom>
+          <a:noFill/>
+        </p:spPr>
+        <p:txBody>
+          <a:bodyPr wrap="none">
+            <a:spAutoFit/>
+          </a:bodyPr>
+          <a:lstStyle/>
+          <a:p>
+            <a:pPr algn="ctr">
+              <a:lnSpc>
+                <a:spcPts val="7000"/>
+              </a:lnSpc>
+              <a:defRPr sz="4400">
+                <a:solidFill>
+                  <a:srgbClr val="000000"/>
+                </a:solidFill>
+              </a:defRPr>
+            </a:pPr>
+            <a:r>
+              <a:t>Above all powers, above all kings</a:t>
+            </a:r>
+            <a:br/>
+            <a:r>
+              <a:t> Above all nature and all created things</a:t>
+            </a:r>
+            <a:br/>
+            <a:r>
+              <a:t> Above all wisdom and all the ways of man</a:t>
+            </a:r>
+            <a:br/>
+            <a:r>
+              <a:t> You were here before the world began</a:t>
+            </a:r>
+          </a:p>
+        </p:txBody>
+      </p:sp>
+    </p:spTree>
+  </p:cSld>
+  <p:clrMapOvr>
+    <a:masterClrMapping/>
+  </p:clrMapOvr>
+</p:sld>
+</file>
+
+<file path=ppt/slides/slide23.xml><?xml version="1.0" encoding="utf-8"?>
+<p:sld xmlns:a="http://schemas.openxmlformats.org/drawingml/2006/main" xmlns:p="http://schemas.openxmlformats.org/presentationml/2006/main" xmlns:r="http://schemas.openxmlformats.org/officeDocument/2006/relationships">
+  <p:cSld>
+    <p:spTree>
+      <p:nvGrpSpPr>
+        <p:cNvPr id="1" name=""/>
+        <p:cNvGrpSpPr/>
+        <p:nvPr/>
+      </p:nvGrpSpPr>
+      <p:grpSpPr/>
+      <p:sp>
+        <p:nvSpPr>
+          <p:cNvPr id="2" name="TextBox 1"/>
+          <p:cNvSpPr txBox="1"/>
+          <p:nvPr/>
+        </p:nvSpPr>
+        <p:spPr>
+          <a:xfrm>
+            <a:off x="914400" y="457200"/>
+            <a:ext cx="7315200" cy="5486400"/>
+          </a:xfrm>
+          <a:prstGeom prst="rect">
+            <a:avLst/>
+          </a:prstGeom>
+          <a:noFill/>
+        </p:spPr>
+        <p:txBody>
+          <a:bodyPr wrap="square">
+            <a:spAutoFit/>
+          </a:bodyPr>
+          <a:lstStyle/>
+          <a:p>
+            <a:pPr algn="ctr">
+              <a:lnSpc>
+                <a:spcPts val="6600"/>
+              </a:lnSpc>
+              <a:defRPr sz="4400">
+                <a:solidFill>
+                  <a:srgbClr val="000000"/>
+                </a:solidFill>
+              </a:defRPr>
+            </a:pPr>
+            <a:r>
+              <a:t>Above all kingdoms, above all thrones. Above all wonders the world has ever known. Above all wealth and treasures of the earth. There's no way to measure what You're worth</a:t>
+            </a:r>
+          </a:p>
+        </p:txBody>
+      </p:sp>
+    </p:spTree>
+  </p:cSld>
+  <p:clrMapOvr>
+    <a:masterClrMapping/>
+  </p:clrMapOvr>
+</p:sld>
+</file>
+
+<file path=ppt/slides/slide24.xml><?xml version="1.0" encoding="utf-8"?>
+<p:sld xmlns:a="http://schemas.openxmlformats.org/drawingml/2006/main" xmlns:p="http://schemas.openxmlformats.org/presentationml/2006/main" xmlns:r="http://schemas.openxmlformats.org/officeDocument/2006/relationships">
+  <p:cSld>
+    <p:spTree>
+      <p:nvGrpSpPr>
+        <p:cNvPr id="1" name=""/>
+        <p:cNvGrpSpPr/>
+        <p:nvPr/>
+      </p:nvGrpSpPr>
+      <p:grpSpPr/>
+      <p:sp>
+        <p:nvSpPr>
+          <p:cNvPr id="2" name="TextBox 1"/>
+          <p:cNvSpPr txBox="1"/>
+          <p:nvPr/>
+        </p:nvSpPr>
+        <p:spPr>
+          <a:xfrm>
+            <a:off x="914400" y="457200"/>
+            <a:ext cx="7315200" cy="5486400"/>
+          </a:xfrm>
+          <a:prstGeom prst="rect">
+            <a:avLst/>
+          </a:prstGeom>
+          <a:noFill/>
+        </p:spPr>
+        <p:txBody>
+          <a:bodyPr wrap="none">
+            <a:spAutoFit/>
+          </a:bodyPr>
+          <a:lstStyle/>
+          <a:p>
+            <a:pPr algn="ctr">
+              <a:lnSpc>
+                <a:spcPts val="7000"/>
+              </a:lnSpc>
+              <a:defRPr sz="4400">
+                <a:solidFill>
+                  <a:srgbClr val="000000"/>
+                </a:solidFill>
+              </a:defRPr>
+            </a:pPr>
+            <a:r>
+              <a:t>Crucified. Laid behind the stone</a:t>
+            </a:r>
+            <a:br/>
+            <a:r>
+              <a:t> You lived to die</a:t>
+            </a:r>
+            <a:br/>
+            <a:r>
+              <a:t> rejected and alone</a:t>
+            </a:r>
+            <a:br/>
+            <a:r>
+              <a:t> Like a rose trampled on the ground</a:t>
+            </a:r>
+            <a:br/>
+            <a:r>
+              <a:t> You took the fall and thought of me</a:t>
+            </a:r>
+          </a:p>
+        </p:txBody>
+      </p:sp>
+    </p:spTree>
+  </p:cSld>
+  <p:clrMapOvr>
+    <a:masterClrMapping/>
+  </p:clrMapOvr>
+</p:sld>
+</file>
+
+<file path=ppt/slides/slide25.xml><?xml version="1.0" encoding="utf-8"?>
+<p:sld xmlns:a="http://schemas.openxmlformats.org/drawingml/2006/main" xmlns:p="http://schemas.openxmlformats.org/presentationml/2006/main" xmlns:r="http://schemas.openxmlformats.org/officeDocument/2006/relationships">
+  <p:cSld>
+    <p:spTree>
+      <p:nvGrpSpPr>
+        <p:cNvPr id="1" name=""/>
+        <p:cNvGrpSpPr/>
+        <p:nvPr/>
+      </p:nvGrpSpPr>
+      <p:grpSpPr/>
+      <p:sp>
+        <p:nvSpPr>
+          <p:cNvPr id="2" name="TextBox 1"/>
+          <p:cNvSpPr txBox="1"/>
+          <p:nvPr/>
+        </p:nvSpPr>
+        <p:spPr>
+          <a:xfrm>
+            <a:off x="914400" y="457200"/>
+            <a:ext cx="7315200" cy="5486400"/>
+          </a:xfrm>
+          <a:prstGeom prst="rect">
+            <a:avLst/>
+          </a:prstGeom>
+          <a:noFill/>
+        </p:spPr>
+        <p:txBody>
+          <a:bodyPr wrap="none">
+            <a:spAutoFit/>
+          </a:bodyPr>
+          <a:lstStyle/>
+          <a:p>
+            <a:pPr algn="ctr">
+              <a:lnSpc>
+                <a:spcPts val="7000"/>
+              </a:lnSpc>
+              <a:defRPr sz="4400">
+                <a:solidFill>
+                  <a:srgbClr val="000000"/>
+                </a:solidFill>
+              </a:defRPr>
+            </a:pPr>
+            <a:r>
+              <a:t>Crucified. Laid behind the stone</a:t>
+            </a:r>
+            <a:br/>
+            <a:r>
+              <a:t> You lived to die, rejected and alone</a:t>
+            </a:r>
+            <a:br/>
+            <a:r>
+              <a:t> Like a rose trampled on the ground</a:t>
+            </a:r>
+            <a:br/>
+            <a:r>
+              <a:t> You took the fall and thought of me</a:t>
+            </a:r>
+            <a:br/>
+            <a:r>
+              <a:t> Above all</a:t>
+            </a:r>
+          </a:p>
+        </p:txBody>
+      </p:sp>
+    </p:spTree>
+  </p:cSld>
+  <p:clrMapOvr>
+    <a:masterClrMapping/>
+  </p:clrMapOvr>
+</p:sld>
+</file>
+
+<file path=ppt/slides/slide26.xml><?xml version="1.0" encoding="utf-8"?>
+<p:sld xmlns:a="http://schemas.openxmlformats.org/drawingml/2006/main" xmlns:p="http://schemas.openxmlformats.org/presentationml/2006/main" xmlns:r="http://schemas.openxmlformats.org/officeDocument/2006/relationships">
+  <p:cSld>
+    <p:spTree>
+      <p:nvGrpSpPr>
+        <p:cNvPr id="1" name=""/>
+        <p:cNvGrpSpPr/>
+        <p:nvPr/>
+      </p:nvGrpSpPr>
+      <p:grpSpPr/>
+      <p:sp>
+        <p:nvSpPr>
+          <p:cNvPr id="2" name="TextBox 1"/>
+          <p:cNvSpPr txBox="1"/>
+          <p:nvPr/>
+        </p:nvSpPr>
+        <p:spPr>
+          <a:xfrm>
+            <a:off x="914400" y="457200"/>
+            <a:ext cx="7315200" cy="5486400"/>
+          </a:xfrm>
+          <a:prstGeom prst="rect">
+            <a:avLst/>
+          </a:prstGeom>
+          <a:noFill/>
+        </p:spPr>
+        <p:txBody>
+          <a:bodyPr wrap="none">
+            <a:spAutoFit/>
+          </a:bodyPr>
+          <a:lstStyle/>
+          <a:p>
+            <a:pPr algn="ctr">
+              <a:lnSpc>
+                <a:spcPts val="7000"/>
+              </a:lnSpc>
+              <a:defRPr sz="4400">
+                <a:solidFill>
+                  <a:srgbClr val="000000"/>
+                </a:solidFill>
+              </a:defRPr>
+            </a:pPr>
+            <a:r>
+              <a:t>Evermore, You thought of me</a:t>
+            </a:r>
+            <a:br/>
+            <a:r>
+              <a:t> Thought of me</a:t>
+            </a:r>
+            <a:br/>
+            <a:r>
+              <a:t> Jesus, You thought of me</a:t>
+            </a:r>
+            <a:br/>
+            <a:r>
+              <a:t> Thought of me    </a:t>
+            </a:r>
+          </a:p>
+        </p:txBody>
+      </p:sp>
+    </p:spTree>
+  </p:cSld>
+  <p:clrMapOvr>
+    <a:masterClrMapping/>
+  </p:clrMapOvr>
+</p:sld>
+</file>
+
+<file path=ppt/slides/slide27.xml><?xml version="1.0" encoding="utf-8"?>
+<p:sld xmlns:a="http://schemas.openxmlformats.org/drawingml/2006/main" xmlns:p="http://schemas.openxmlformats.org/presentationml/2006/main" xmlns:r="http://schemas.openxmlformats.org/officeDocument/2006/relationships">
+  <p:cSld>
+    <p:spTree>
+      <p:nvGrpSpPr>
+        <p:cNvPr id="1" name=""/>
+        <p:cNvGrpSpPr/>
+        <p:nvPr/>
+      </p:nvGrpSpPr>
+      <p:grpSpPr/>
+      <p:sp>
+        <p:nvSpPr>
+          <p:cNvPr id="2" name="Title 1"/>
+          <p:cNvSpPr>
+            <a:spLocks noGrp="1"/>
+          </p:cNvSpPr>
+          <p:nvPr>
+            <p:ph type="ctrTitle"/>
+          </p:nvPr>
+        </p:nvSpPr>
+        <p:spPr/>
+        <p:txBody>
+          <a:bodyPr/>
+          <a:lstStyle/>
+          <a:p>
+            <a:r>
+              <a:t>ขอบคุณพระเยซู</a:t>
+            </a:r>
+          </a:p>
+        </p:txBody>
+      </p:sp>
+      <p:sp>
+        <p:nvSpPr>
+          <p:cNvPr id="3" name="Subtitle 2"/>
+          <p:cNvSpPr>
+            <a:spLocks noGrp="1"/>
+          </p:cNvSpPr>
+          <p:nvPr>
+            <p:ph type="subTitle" idx="1"/>
+          </p:nvPr>
+        </p:nvSpPr>
+        <p:spPr/>
+        <p:txBody>
+          <a:bodyPr/>
+          <a:lstStyle/>
+          <a:p>
+            <a:pPr>
               <a:defRPr sz="4000">
                 <a:solidFill>
+                  <a:srgbClr val="3A70BC"/>
+                </a:solidFill>
+              </a:defRPr>
+            </a:pPr>
+          </a:p>
+        </p:txBody>
+      </p:sp>
+    </p:spTree>
+  </p:cSld>
+  <p:clrMapOvr>
+    <a:masterClrMapping/>
+  </p:clrMapOvr>
+</p:sld>
+</file>
+
+<file path=ppt/slides/slide28.xml><?xml version="1.0" encoding="utf-8"?>
+<p:sld xmlns:a="http://schemas.openxmlformats.org/drawingml/2006/main" xmlns:p="http://schemas.openxmlformats.org/presentationml/2006/main" xmlns:r="http://schemas.openxmlformats.org/officeDocument/2006/relationships">
+  <p:cSld>
+    <p:spTree>
+      <p:nvGrpSpPr>
+        <p:cNvPr id="1" name=""/>
+        <p:cNvGrpSpPr/>
+        <p:nvPr/>
+      </p:nvGrpSpPr>
+      <p:grpSpPr/>
+      <p:sp>
+        <p:nvSpPr>
+          <p:cNvPr id="2" name="TextBox 1"/>
+          <p:cNvSpPr txBox="1"/>
+          <p:nvPr/>
+        </p:nvSpPr>
+        <p:spPr>
+          <a:xfrm>
+            <a:off x="914400" y="457200"/>
+            <a:ext cx="7315200" cy="5486400"/>
+          </a:xfrm>
+          <a:prstGeom prst="rect">
+            <a:avLst/>
+          </a:prstGeom>
+          <a:noFill/>
+        </p:spPr>
+        <p:txBody>
+          <a:bodyPr wrap="none">
+            <a:spAutoFit/>
+          </a:bodyPr>
+          <a:lstStyle/>
+          <a:p>
+            <a:pPr algn="ctr">
+              <a:lnSpc>
+                <a:spcPts val="7000"/>
+              </a:lnSpc>
+              <a:defRPr sz="4400">
+                <a:solidFill>
                   <a:srgbClr val="000000"/>
                 </a:solidFill>
               </a:defRPr>
             </a:pPr>
             <a:r>
-              <a:t>Verse 1: There's a peace I've come to know</a:t>
+              <a:t>ขอบคุณพระเยซูมอบความรักแก่เรา</a:t>
             </a:r>
             <a:br/>
             <a:r>
-              <a:t> Though my heart and flesh may fail</a:t>
+              <a:t>ขอบคุณพระเยซูทรงพระคุณมากมี</a:t>
+            </a:r>
+          </a:p>
+        </p:txBody>
+      </p:sp>
+    </p:spTree>
+  </p:cSld>
+  <p:clrMapOvr>
+    <a:masterClrMapping/>
+  </p:clrMapOvr>
+</p:sld>
+</file>
+
+<file path=ppt/slides/slide29.xml><?xml version="1.0" encoding="utf-8"?>
+<p:sld xmlns:a="http://schemas.openxmlformats.org/drawingml/2006/main" xmlns:p="http://schemas.openxmlformats.org/presentationml/2006/main" xmlns:r="http://schemas.openxmlformats.org/officeDocument/2006/relationships">
+  <p:cSld>
+    <p:spTree>
+      <p:nvGrpSpPr>
+        <p:cNvPr id="1" name=""/>
+        <p:cNvGrpSpPr/>
+        <p:nvPr/>
+      </p:nvGrpSpPr>
+      <p:grpSpPr/>
+      <p:sp>
+        <p:nvSpPr>
+          <p:cNvPr id="2" name="TextBox 1"/>
+          <p:cNvSpPr txBox="1"/>
+          <p:nvPr/>
+        </p:nvSpPr>
+        <p:spPr>
+          <a:xfrm>
+            <a:off x="914400" y="457200"/>
+            <a:ext cx="7315200" cy="5486400"/>
+          </a:xfrm>
+          <a:prstGeom prst="rect">
+            <a:avLst/>
+          </a:prstGeom>
+          <a:noFill/>
+        </p:spPr>
+        <p:txBody>
+          <a:bodyPr wrap="none">
+            <a:spAutoFit/>
+          </a:bodyPr>
+          <a:lstStyle/>
+          <a:p>
+            <a:pPr algn="ctr">
+              <a:lnSpc>
+                <a:spcPts val="7000"/>
+              </a:lnSpc>
+              <a:defRPr sz="4400">
+                <a:solidFill>
+                  <a:srgbClr val="000000"/>
+                </a:solidFill>
+              </a:defRPr>
+            </a:pPr>
+            <a:r>
+              <a:t>*เราเปล่งเสียงร้องสรรเสริญพระนาม</a:t>
             </a:r>
             <a:br/>
             <a:r>
-              <a:t> There's an anchor for my soul</a:t>
+              <a:t>ร้องสรรเสริญโมทนาพระองค์เป็นทุกสิ่ง</a:t>
             </a:r>
             <a:br/>
             <a:r>
-              <a:t> I can say, It is well</a:t>
+              <a:t>เป็นพระเจ้าของเรา</a:t>
             </a:r>
           </a:p>
         </p:txBody>
@@ -3494,8 +4817,8 @@
         </p:nvSpPr>
         <p:spPr>
           <a:xfrm>
-            <a:off x="914400" y="457200"/>
-            <a:ext cx="7315200" cy="5486400"/>
+            <a:off x="685800" y="228600"/>
+            <a:ext cx="7772400" cy="2971800"/>
           </a:xfrm>
           <a:prstGeom prst="rect">
             <a:avLst/>
@@ -3510,28 +4833,62 @@
           <a:p>
             <a:pPr algn="ctr">
               <a:lnSpc>
-                <a:spcPts val="7000"/>
+                <a:spcPts val="4800"/>
               </a:lnSpc>
-              <a:defRPr sz="4000">
+              <a:defRPr sz="4400">
                 <a:solidFill>
                   <a:srgbClr val="000000"/>
                 </a:solidFill>
               </a:defRPr>
             </a:pPr>
             <a:r>
-              <a:t>Pre-Chorus: Jesus has overcome</a:t>
+              <a:t>นับพระพรของท่านดูทีละอัน นับพระพรซึ่งพระเยซูประทาน</a:t>
             </a:r>
             <a:br/>
             <a:r>
-              <a:t> and the grave is overwhelmed</a:t>
+              <a:t>นับพระพรนั้น นับดูทีละอัน นับพระพรของท่าน</a:t>
             </a:r>
             <a:br/>
             <a:r>
-              <a:t> The victory is won</a:t>
-            </a:r>
-            <a:br/>
-            <a:r>
-              <a:t> He is risen from the dead</a:t>
+              <a:t>ซึ่งพระเยซูประทาน</a:t>
+            </a:r>
+          </a:p>
+        </p:txBody>
+      </p:sp>
+      <p:sp>
+        <p:nvSpPr>
+          <p:cNvPr id="3" name="TextBox 2"/>
+          <p:cNvSpPr txBox="1"/>
+          <p:nvPr/>
+        </p:nvSpPr>
+        <p:spPr>
+          <a:xfrm>
+            <a:off x="685800" y="3657600"/>
+            <a:ext cx="7772400" cy="2971800"/>
+          </a:xfrm>
+          <a:prstGeom prst="rect">
+            <a:avLst/>
+          </a:prstGeom>
+          <a:noFill/>
+        </p:spPr>
+        <p:txBody>
+          <a:bodyPr wrap="square">
+            <a:spAutoFit/>
+          </a:bodyPr>
+          <a:lstStyle/>
+          <a:p>
+            <a:pPr algn="ctr">
+              <a:lnSpc>
+                <a:spcPts val="4800"/>
+              </a:lnSpc>
+              <a:defRPr sz="4200">
+                <a:solidFill>
+                  <a:srgbClr val="3A70BC"/>
+                </a:solidFill>
+              </a:defRPr>
+            </a:pPr>
+            <a:r>
+              <a:t>Count your blessings, name them one by one; Count your blessings, see what God hath done; Count your blessings, name them one by one; Count your many blessings, see what God hath done.</a:t>
             </a:r>
           </a:p>
         </p:txBody>
@@ -3562,8 +4919,8 @@
         </p:nvSpPr>
         <p:spPr>
           <a:xfrm>
-            <a:off x="914400" y="457200"/>
-            <a:ext cx="7315200" cy="5486400"/>
+            <a:off x="685800" y="228600"/>
+            <a:ext cx="7772400" cy="2971800"/>
           </a:xfrm>
           <a:prstGeom prst="rect">
             <a:avLst/>
@@ -3571,43 +4928,61 @@
           <a:noFill/>
         </p:spPr>
         <p:txBody>
-          <a:bodyPr wrap="none">
+          <a:bodyPr wrap="square">
             <a:spAutoFit/>
           </a:bodyPr>
           <a:lstStyle/>
           <a:p>
             <a:pPr algn="ctr">
               <a:lnSpc>
-                <a:spcPts val="7000"/>
+                <a:spcPts val="4800"/>
               </a:lnSpc>
-              <a:defRPr sz="4000">
+              <a:defRPr sz="4400">
                 <a:solidFill>
                   <a:srgbClr val="000000"/>
                 </a:solidFill>
               </a:defRPr>
             </a:pPr>
             <a:r>
-              <a:t>Chorus: And I will rise</a:t>
-            </a:r>
-            <a:br/>
-            <a:r>
-              <a:t> When He calls my name</a:t>
-            </a:r>
-            <a:br/>
-            <a:r>
-              <a:t> No more sorrow, no more pain</a:t>
-            </a:r>
-            <a:br/>
-            <a:r>
-              <a:t> I will rise, on eagle's wings</a:t>
-            </a:r>
-            <a:br/>
-            <a:r>
-              <a:t> Before my God. fall on my knees</a:t>
-            </a:r>
-            <a:br/>
-            <a:r>
-              <a:t> and rise.. I will rise</a:t>
+              <a:t>แม้บุคคลทั้งปวง มีทรัพย์สมบัติมากมาย แต่พระเจ้าสัญญา ให้พรจนนับไม่ไหว รับพระพร ซึ่งทรัพย์สินเงินทองซื้อไม่ได้ แล้วพระเจ้าประทาน บำเหน็จจนเหลือบรรยาย</a:t>
+            </a:r>
+          </a:p>
+        </p:txBody>
+      </p:sp>
+      <p:sp>
+        <p:nvSpPr>
+          <p:cNvPr id="3" name="TextBox 2"/>
+          <p:cNvSpPr txBox="1"/>
+          <p:nvPr/>
+        </p:nvSpPr>
+        <p:spPr>
+          <a:xfrm>
+            <a:off x="685800" y="3657600"/>
+            <a:ext cx="7772400" cy="2971800"/>
+          </a:xfrm>
+          <a:prstGeom prst="rect">
+            <a:avLst/>
+          </a:prstGeom>
+          <a:noFill/>
+        </p:spPr>
+        <p:txBody>
+          <a:bodyPr wrap="square">
+            <a:spAutoFit/>
+          </a:bodyPr>
+          <a:lstStyle/>
+          <a:p>
+            <a:pPr algn="ctr">
+              <a:lnSpc>
+                <a:spcPts val="4800"/>
+              </a:lnSpc>
+              <a:defRPr sz="4200">
+                <a:solidFill>
+                  <a:srgbClr val="3A70BC"/>
+                </a:solidFill>
+              </a:defRPr>
+            </a:pPr>
+            <a:r>
+              <a:t>Are you ever burdened with a load of care? Does the cross seem heavy you are called to bear? Count your many blessings, ev'ry doubt will fly, And you will be singing as the days go by.</a:t>
             </a:r>
           </a:p>
         </p:txBody>
@@ -3638,8 +5013,8 @@
         </p:nvSpPr>
         <p:spPr>
           <a:xfrm>
-            <a:off x="914400" y="457200"/>
-            <a:ext cx="7315200" cy="5486400"/>
+            <a:off x="685800" y="228600"/>
+            <a:ext cx="7772400" cy="2971800"/>
           </a:xfrm>
           <a:prstGeom prst="rect">
             <a:avLst/>
@@ -3654,28 +5029,62 @@
           <a:p>
             <a:pPr algn="ctr">
               <a:lnSpc>
-                <a:spcPts val="7000"/>
+                <a:spcPts val="4800"/>
               </a:lnSpc>
-              <a:defRPr sz="4000">
+              <a:defRPr sz="4400">
                 <a:solidFill>
                   <a:srgbClr val="000000"/>
                 </a:solidFill>
               </a:defRPr>
             </a:pPr>
             <a:r>
-              <a:t>Verse 2: There's a day that's drawing near</a:t>
+              <a:t>นับพระพรของท่านดูทีละอัน นับพระพรซึ่งพระเยซูประทาน</a:t>
             </a:r>
             <a:br/>
             <a:r>
-              <a:t> when this darkness breaks to light</a:t>
+              <a:t>นับพระพรนั้น นับดูทีละอัน นับพระพรของท่าน</a:t>
             </a:r>
             <a:br/>
             <a:r>
-              <a:t> and the shadows disappear</a:t>
-            </a:r>
-            <a:br/>
-            <a:r>
-              <a:t> and my faith shall be my eyes</a:t>
+              <a:t>ซึ่งพระเยซูประทาน</a:t>
+            </a:r>
+          </a:p>
+        </p:txBody>
+      </p:sp>
+      <p:sp>
+        <p:nvSpPr>
+          <p:cNvPr id="3" name="TextBox 2"/>
+          <p:cNvSpPr txBox="1"/>
+          <p:nvPr/>
+        </p:nvSpPr>
+        <p:spPr>
+          <a:xfrm>
+            <a:off x="685800" y="3657600"/>
+            <a:ext cx="7772400" cy="2971800"/>
+          </a:xfrm>
+          <a:prstGeom prst="rect">
+            <a:avLst/>
+          </a:prstGeom>
+          <a:noFill/>
+        </p:spPr>
+        <p:txBody>
+          <a:bodyPr wrap="square">
+            <a:spAutoFit/>
+          </a:bodyPr>
+          <a:lstStyle/>
+          <a:p>
+            <a:pPr algn="ctr">
+              <a:lnSpc>
+                <a:spcPts val="4800"/>
+              </a:lnSpc>
+              <a:defRPr sz="4200">
+                <a:solidFill>
+                  <a:srgbClr val="3A70BC"/>
+                </a:solidFill>
+              </a:defRPr>
+            </a:pPr>
+            <a:r>
+              <a:t>Count your blessings, name them one by one; Count your blessings, see what God hath done; Count your blessings, name them one by one; Count your many blessings, see what God hath done.</a:t>
             </a:r>
           </a:p>
         </p:txBody>
@@ -3706,8 +5115,8 @@
         </p:nvSpPr>
         <p:spPr>
           <a:xfrm>
-            <a:off x="914400" y="457200"/>
-            <a:ext cx="7315200" cy="5486400"/>
+            <a:off x="685800" y="228600"/>
+            <a:ext cx="7772400" cy="2971800"/>
           </a:xfrm>
           <a:prstGeom prst="rect">
             <a:avLst/>
@@ -3715,35 +5124,61 @@
           <a:noFill/>
         </p:spPr>
         <p:txBody>
-          <a:bodyPr wrap="none">
+          <a:bodyPr wrap="square">
             <a:spAutoFit/>
           </a:bodyPr>
           <a:lstStyle/>
           <a:p>
             <a:pPr algn="ctr">
               <a:lnSpc>
-                <a:spcPts val="7000"/>
+                <a:spcPts val="4800"/>
               </a:lnSpc>
-              <a:defRPr sz="4000">
+              <a:defRPr sz="4400">
                 <a:solidFill>
                   <a:srgbClr val="000000"/>
                 </a:solidFill>
               </a:defRPr>
             </a:pPr>
             <a:r>
-              <a:t>Pre-Chorus: Jesus has overcome</a:t>
-            </a:r>
-            <a:br/>
-            <a:r>
-              <a:t> and the grave is overwhelmed</a:t>
-            </a:r>
-            <a:br/>
-            <a:r>
-              <a:t> The victory is won</a:t>
-            </a:r>
-            <a:br/>
-            <a:r>
-              <a:t> He is risen from the dead</a:t>
+              <a:t>เวลาท่านต่อสู้ จะเป็นการเล็กหรือใหญ่ อย่าระอาอ่อนใจ พระผู้เป็นเจ้าอยู่ใกล้ จงนับดูพระพร เพราะทูตสวรรค์ป้องกัน ช่วยปลอบโยนดวงจิต ท่านจนตลอดสิ้นกาล</a:t>
+            </a:r>
+          </a:p>
+        </p:txBody>
+      </p:sp>
+      <p:sp>
+        <p:nvSpPr>
+          <p:cNvPr id="3" name="TextBox 2"/>
+          <p:cNvSpPr txBox="1"/>
+          <p:nvPr/>
+        </p:nvSpPr>
+        <p:spPr>
+          <a:xfrm>
+            <a:off x="685800" y="3657600"/>
+            <a:ext cx="7772400" cy="2971800"/>
+          </a:xfrm>
+          <a:prstGeom prst="rect">
+            <a:avLst/>
+          </a:prstGeom>
+          <a:noFill/>
+        </p:spPr>
+        <p:txBody>
+          <a:bodyPr wrap="square">
+            <a:spAutoFit/>
+          </a:bodyPr>
+          <a:lstStyle/>
+          <a:p>
+            <a:pPr algn="ctr">
+              <a:lnSpc>
+                <a:spcPts val="4800"/>
+              </a:lnSpc>
+              <a:defRPr sz="4200">
+                <a:solidFill>
+                  <a:srgbClr val="3A70BC"/>
+                </a:solidFill>
+              </a:defRPr>
+            </a:pPr>
+            <a:r>
+              <a:t>So, amid the conflict, whether great or small, Do not be discouraged, God is over all; Count your many blessings, angels will attend, Help and comfort give you to your journey's end.</a:t>
             </a:r>
           </a:p>
         </p:txBody>
@@ -3774,8 +5209,8 @@
         </p:nvSpPr>
         <p:spPr>
           <a:xfrm>
-            <a:off x="914400" y="457200"/>
-            <a:ext cx="7315200" cy="5486400"/>
+            <a:off x="685800" y="228600"/>
+            <a:ext cx="7772400" cy="2971800"/>
           </a:xfrm>
           <a:prstGeom prst="rect">
             <a:avLst/>
@@ -3790,36 +5225,62 @@
           <a:p>
             <a:pPr algn="ctr">
               <a:lnSpc>
-                <a:spcPts val="6900"/>
+                <a:spcPts val="4800"/>
               </a:lnSpc>
-              <a:defRPr sz="4000">
+              <a:defRPr sz="4400">
                 <a:solidFill>
                   <a:srgbClr val="000000"/>
                 </a:solidFill>
               </a:defRPr>
             </a:pPr>
             <a:r>
-              <a:t>Chorus 2X: And I will rise</a:t>
+              <a:t>นับพระพรของท่านดูทีละอัน นับพระพรซึ่งพระเยซูประทาน</a:t>
             </a:r>
             <a:br/>
             <a:r>
-              <a:t> when He calls my name</a:t>
+              <a:t>นับพระพรนั้น นับดูทีละอัน นับพระพรของท่าน</a:t>
             </a:r>
             <a:br/>
             <a:r>
-              <a:t> No more sorrow, no more pain</a:t>
-            </a:r>
-            <a:br/>
-            <a:r>
-              <a:t> I will rise, on eagle's wings</a:t>
-            </a:r>
-            <a:br/>
-            <a:r>
-              <a:t> Before my God. fall on my knees</a:t>
-            </a:r>
-            <a:br/>
-            <a:r>
-              <a:t> and rise.. I will rise</a:t>
+              <a:t>ซึ่งพระเยซูประทาน</a:t>
+            </a:r>
+          </a:p>
+        </p:txBody>
+      </p:sp>
+      <p:sp>
+        <p:nvSpPr>
+          <p:cNvPr id="3" name="TextBox 2"/>
+          <p:cNvSpPr txBox="1"/>
+          <p:nvPr/>
+        </p:nvSpPr>
+        <p:spPr>
+          <a:xfrm>
+            <a:off x="685800" y="3657600"/>
+            <a:ext cx="7772400" cy="2971800"/>
+          </a:xfrm>
+          <a:prstGeom prst="rect">
+            <a:avLst/>
+          </a:prstGeom>
+          <a:noFill/>
+        </p:spPr>
+        <p:txBody>
+          <a:bodyPr wrap="square">
+            <a:spAutoFit/>
+          </a:bodyPr>
+          <a:lstStyle/>
+          <a:p>
+            <a:pPr algn="ctr">
+              <a:lnSpc>
+                <a:spcPts val="4800"/>
+              </a:lnSpc>
+              <a:defRPr sz="4200">
+                <a:solidFill>
+                  <a:srgbClr val="3A70BC"/>
+                </a:solidFill>
+              </a:defRPr>
+            </a:pPr>
+            <a:r>
+              <a:t>Count your blessings, name them one by one; Count your blessings, see what God hath done; Count your blessings, name them one by one; Count your many blessings, see what God hath done.</a:t>
             </a:r>
           </a:p>
         </p:txBody>
@@ -3844,50 +5305,49 @@
       <p:grpSpPr/>
       <p:sp>
         <p:nvSpPr>
-          <p:cNvPr id="2" name="TextBox 1"/>
-          <p:cNvSpPr txBox="1"/>
-          <p:nvPr/>
-        </p:nvSpPr>
-        <p:spPr>
-          <a:xfrm>
-            <a:off x="914400" y="457200"/>
-            <a:ext cx="7315200" cy="5486400"/>
-          </a:xfrm>
-          <a:prstGeom prst="rect">
-            <a:avLst/>
-          </a:prstGeom>
-          <a:noFill/>
-        </p:spPr>
-        <p:txBody>
-          <a:bodyPr wrap="none">
-            <a:spAutoFit/>
-          </a:bodyPr>
-          <a:lstStyle/>
-          <a:p>
-            <a:pPr algn="ctr">
-              <a:lnSpc>
-                <a:spcPts val="7000"/>
-              </a:lnSpc>
+          <p:cNvPr id="2" name="Title 1"/>
+          <p:cNvSpPr>
+            <a:spLocks noGrp="1"/>
+          </p:cNvSpPr>
+          <p:nvPr>
+            <p:ph type="ctrTitle"/>
+          </p:nvPr>
+        </p:nvSpPr>
+        <p:spPr/>
+        <p:txBody>
+          <a:bodyPr/>
+          <a:lstStyle/>
+          <a:p>
+            <a:r>
+              <a:t>โอ ข้ายกพระนามพระองค์</a:t>
+            </a:r>
+          </a:p>
+        </p:txBody>
+      </p:sp>
+      <p:sp>
+        <p:nvSpPr>
+          <p:cNvPr id="3" name="Subtitle 2"/>
+          <p:cNvSpPr>
+            <a:spLocks noGrp="1"/>
+          </p:cNvSpPr>
+          <p:nvPr>
+            <p:ph type="subTitle" idx="1"/>
+          </p:nvPr>
+        </p:nvSpPr>
+        <p:spPr/>
+        <p:txBody>
+          <a:bodyPr/>
+          <a:lstStyle/>
+          <a:p>
+            <a:pPr>
               <a:defRPr sz="4000">
                 <a:solidFill>
-                  <a:srgbClr val="000000"/>
+                  <a:srgbClr val="3A70BC"/>
                 </a:solidFill>
               </a:defRPr>
             </a:pPr>
             <a:r>
-              <a:t>And I hear the voice of many angels sing</a:t>
-            </a:r>
-            <a:br/>
-            <a:r>
-              <a:t> Worthy is the Lamb!</a:t>
-            </a:r>
-            <a:br/>
-            <a:r>
-              <a:t> And I hear the cry of every longing heart</a:t>
-            </a:r>
-            <a:br/>
-            <a:r>
-              <a:t> Worthy is the Lamb!</a:t>
+              <a:t>Lord, I Lift Your Name on High</a:t>
             </a:r>
           </a:p>
         </p:txBody>
@@ -3918,8 +5378,8 @@
         </p:nvSpPr>
         <p:spPr>
           <a:xfrm>
-            <a:off x="914400" y="457200"/>
-            <a:ext cx="7315200" cy="5486400"/>
+            <a:off x="685800" y="228600"/>
+            <a:ext cx="7772400" cy="2971800"/>
           </a:xfrm>
           <a:prstGeom prst="rect">
             <a:avLst/>
@@ -3927,7 +5387,7 @@
           <a:noFill/>
         </p:spPr>
         <p:txBody>
-          <a:bodyPr wrap="square">
+          <a:bodyPr wrap="none">
             <a:spAutoFit/>
           </a:bodyPr>
           <a:lstStyle/>
@@ -3936,14 +5396,60 @@
               <a:lnSpc>
                 <a:spcPts val="4800"/>
               </a:lnSpc>
-              <a:defRPr sz="4000">
+              <a:defRPr sz="4400">
                 <a:solidFill>
                   <a:srgbClr val="000000"/>
                 </a:solidFill>
               </a:defRPr>
             </a:pPr>
             <a:r>
-              <a:t>And I hear the voice of many angels sing. Worthy is the Lamb!. And I hear the cry of every longing heart. (background: âWorthy is the Lamb!. You are worthy! You are worthy!. Worthy is the Lamb!</a:t>
+              <a:t>โอ ข้ายกพระนามพระองค์ โอ</a:t>
+            </a:r>
+            <a:br/>
+            <a:r>
+              <a:t>ข้ารักจึงร้องเพลงสรรเสริญ</a:t>
+            </a:r>
+            <a:br/>
+            <a:r>
+              <a:t>พระเยซูทรงอยู่ภายใน ข้ายินดีพระองค์ทรงช่วยให้รอด</a:t>
+            </a:r>
+          </a:p>
+        </p:txBody>
+      </p:sp>
+      <p:sp>
+        <p:nvSpPr>
+          <p:cNvPr id="3" name="TextBox 2"/>
+          <p:cNvSpPr txBox="1"/>
+          <p:nvPr/>
+        </p:nvSpPr>
+        <p:spPr>
+          <a:xfrm>
+            <a:off x="685800" y="3657600"/>
+            <a:ext cx="7772400" cy="2971800"/>
+          </a:xfrm>
+          <a:prstGeom prst="rect">
+            <a:avLst/>
+          </a:prstGeom>
+          <a:noFill/>
+        </p:spPr>
+        <p:txBody>
+          <a:bodyPr wrap="square">
+            <a:spAutoFit/>
+          </a:bodyPr>
+          <a:lstStyle/>
+          <a:p>
+            <a:pPr algn="ctr">
+              <a:lnSpc>
+                <a:spcPts val="4800"/>
+              </a:lnSpc>
+              <a:defRPr sz="4200">
+                <a:solidFill>
+                  <a:srgbClr val="3A70BC"/>
+                </a:solidFill>
+              </a:defRPr>
+            </a:pPr>
+            <a:r>
+              <a:t>Lord, I lift Your name on high. Lord, I love to sing Your praises. I'm so glad You're in my life. I'm so glad You came to save us.</a:t>
             </a:r>
           </a:p>
         </p:txBody>

--- a/finishedppt/WorshipSongs.pptx
+++ b/finishedppt/WorshipSongs.pptx
@@ -12,28 +12,6 @@
     <p:sldId id="260" r:id="rId11"/>
     <p:sldId id="261" r:id="rId12"/>
     <p:sldId id="262" r:id="rId13"/>
-    <p:sldId id="263" r:id="rId14"/>
-    <p:sldId id="264" r:id="rId15"/>
-    <p:sldId id="265" r:id="rId16"/>
-    <p:sldId id="266" r:id="rId17"/>
-    <p:sldId id="267" r:id="rId18"/>
-    <p:sldId id="268" r:id="rId19"/>
-    <p:sldId id="269" r:id="rId20"/>
-    <p:sldId id="270" r:id="rId21"/>
-    <p:sldId id="271" r:id="rId22"/>
-    <p:sldId id="272" r:id="rId23"/>
-    <p:sldId id="273" r:id="rId24"/>
-    <p:sldId id="274" r:id="rId25"/>
-    <p:sldId id="275" r:id="rId26"/>
-    <p:sldId id="276" r:id="rId27"/>
-    <p:sldId id="277" r:id="rId28"/>
-    <p:sldId id="278" r:id="rId29"/>
-    <p:sldId id="279" r:id="rId30"/>
-    <p:sldId id="280" r:id="rId31"/>
-    <p:sldId id="281" r:id="rId32"/>
-    <p:sldId id="282" r:id="rId33"/>
-    <p:sldId id="283" r:id="rId34"/>
-    <p:sldId id="284" r:id="rId35"/>
   </p:sldIdLst>
   <p:sldSz cx="9144000" cy="6858000" type="screen4x3"/>
   <p:notesSz cx="6858000" cy="9144000"/>
@@ -3132,7 +3110,7 @@
           <a:lstStyle/>
           <a:p>
             <a:r>
-              <a:t>นับพระพร</a:t>
+              <a:t>แสงพระเยซู</a:t>
             </a:r>
           </a:p>
         </p:txBody>
@@ -3160,887 +3138,7 @@
               </a:defRPr>
             </a:pPr>
             <a:r>
-              <a:t>Count your blessings</a:t>
-            </a:r>
-          </a:p>
-        </p:txBody>
-      </p:sp>
-    </p:spTree>
-  </p:cSld>
-  <p:clrMapOvr>
-    <a:masterClrMapping/>
-  </p:clrMapOvr>
-</p:sld>
-</file>
-
-<file path=ppt/slides/slide10.xml><?xml version="1.0" encoding="utf-8"?>
-<p:sld xmlns:a="http://schemas.openxmlformats.org/drawingml/2006/main" xmlns:p="http://schemas.openxmlformats.org/presentationml/2006/main" xmlns:r="http://schemas.openxmlformats.org/officeDocument/2006/relationships">
-  <p:cSld>
-    <p:spTree>
-      <p:nvGrpSpPr>
-        <p:cNvPr id="1" name=""/>
-        <p:cNvGrpSpPr/>
-        <p:nvPr/>
-      </p:nvGrpSpPr>
-      <p:grpSpPr/>
-      <p:sp>
-        <p:nvSpPr>
-          <p:cNvPr id="2" name="TextBox 1"/>
-          <p:cNvSpPr txBox="1"/>
-          <p:nvPr/>
-        </p:nvSpPr>
-        <p:spPr>
-          <a:xfrm>
-            <a:off x="685800" y="228600"/>
-            <a:ext cx="7772400" cy="2971800"/>
-          </a:xfrm>
-          <a:prstGeom prst="rect">
-            <a:avLst/>
-          </a:prstGeom>
-          <a:noFill/>
-        </p:spPr>
-        <p:txBody>
-          <a:bodyPr wrap="none">
-            <a:spAutoFit/>
-          </a:bodyPr>
-          <a:lstStyle/>
-          <a:p>
-            <a:pPr algn="ctr">
-              <a:lnSpc>
-                <a:spcPts val="4800"/>
-              </a:lnSpc>
-              <a:defRPr sz="4400">
-                <a:solidFill>
-                  <a:srgbClr val="000000"/>
-                </a:solidFill>
-              </a:defRPr>
-            </a:pPr>
-            <a:r>
-              <a:t>ลงจากสวรรค์ถึงโลกา สำแดงหนทาง จากโลกา</a:t>
-            </a:r>
-            <a:br/>
-            <a:r>
-              <a:t>ถึงกางเขน ชำระความบาป จากกางเขนสู่อุโมงค์</a:t>
-            </a:r>
-            <a:br/>
-            <a:r>
-              <a:t>จากอุโมงค์สู่สวรรค์ ข้ายกนามพระองค์</a:t>
-            </a:r>
-            <a:br/>
-            <a:r>
-              <a:t>สูง สุด</a:t>
-            </a:r>
-          </a:p>
-        </p:txBody>
-      </p:sp>
-      <p:sp>
-        <p:nvSpPr>
-          <p:cNvPr id="3" name="TextBox 2"/>
-          <p:cNvSpPr txBox="1"/>
-          <p:nvPr/>
-        </p:nvSpPr>
-        <p:spPr>
-          <a:xfrm>
-            <a:off x="685800" y="3657600"/>
-            <a:ext cx="7772400" cy="2971800"/>
-          </a:xfrm>
-          <a:prstGeom prst="rect">
-            <a:avLst/>
-          </a:prstGeom>
-          <a:noFill/>
-        </p:spPr>
-        <p:txBody>
-          <a:bodyPr wrap="square">
-            <a:spAutoFit/>
-          </a:bodyPr>
-          <a:lstStyle/>
-          <a:p>
-            <a:pPr algn="ctr">
-              <a:lnSpc>
-                <a:spcPts val="4800"/>
-              </a:lnSpc>
-              <a:defRPr sz="4200">
-                <a:solidFill>
-                  <a:srgbClr val="3A70BC"/>
-                </a:solidFill>
-              </a:defRPr>
-            </a:pPr>
-            <a:r>
-              <a:t>You came from Heaven to earth to show the way. From the earth to the cross my debt to pay.From the cross to the grave. From the grave to the sky. Lord, I lift Your name on high.</a:t>
-            </a:r>
-          </a:p>
-        </p:txBody>
-      </p:sp>
-    </p:spTree>
-  </p:cSld>
-  <p:clrMapOvr>
-    <a:masterClrMapping/>
-  </p:clrMapOvr>
-</p:sld>
-</file>
-
-<file path=ppt/slides/slide11.xml><?xml version="1.0" encoding="utf-8"?>
-<p:sld xmlns:a="http://schemas.openxmlformats.org/drawingml/2006/main" xmlns:p="http://schemas.openxmlformats.org/presentationml/2006/main" xmlns:r="http://schemas.openxmlformats.org/officeDocument/2006/relationships">
-  <p:cSld>
-    <p:spTree>
-      <p:nvGrpSpPr>
-        <p:cNvPr id="1" name=""/>
-        <p:cNvGrpSpPr/>
-        <p:nvPr/>
-      </p:nvGrpSpPr>
-      <p:grpSpPr/>
-      <p:sp>
-        <p:nvSpPr>
-          <p:cNvPr id="2" name="Title 1"/>
-          <p:cNvSpPr>
-            <a:spLocks noGrp="1"/>
-          </p:cNvSpPr>
-          <p:nvPr>
-            <p:ph type="ctrTitle"/>
-          </p:nvPr>
-        </p:nvSpPr>
-        <p:spPr/>
-        <p:txBody>
-          <a:bodyPr/>
-          <a:lstStyle/>
-          <a:p>
-            <a:r>
-              <a:t>ข้าเข้ามานมัสการ</a:t>
-            </a:r>
-          </a:p>
-        </p:txBody>
-      </p:sp>
-      <p:sp>
-        <p:nvSpPr>
-          <p:cNvPr id="3" name="Subtitle 2"/>
-          <p:cNvSpPr>
-            <a:spLocks noGrp="1"/>
-          </p:cNvSpPr>
-          <p:nvPr>
-            <p:ph type="subTitle" idx="1"/>
-          </p:nvPr>
-        </p:nvSpPr>
-        <p:spPr/>
-        <p:txBody>
-          <a:bodyPr/>
-          <a:lstStyle/>
-          <a:p>
-            <a:pPr>
-              <a:defRPr sz="4000">
-                <a:solidFill>
-                  <a:srgbClr val="3A70BC"/>
-                </a:solidFill>
-              </a:defRPr>
-            </a:pPr>
-            <a:r>
-              <a:t>Here I Am to Worship</a:t>
-            </a:r>
-          </a:p>
-        </p:txBody>
-      </p:sp>
-    </p:spTree>
-  </p:cSld>
-  <p:clrMapOvr>
-    <a:masterClrMapping/>
-  </p:clrMapOvr>
-</p:sld>
-</file>
-
-<file path=ppt/slides/slide12.xml><?xml version="1.0" encoding="utf-8"?>
-<p:sld xmlns:a="http://schemas.openxmlformats.org/drawingml/2006/main" xmlns:p="http://schemas.openxmlformats.org/presentationml/2006/main" xmlns:r="http://schemas.openxmlformats.org/officeDocument/2006/relationships">
-  <p:cSld>
-    <p:spTree>
-      <p:nvGrpSpPr>
-        <p:cNvPr id="1" name=""/>
-        <p:cNvGrpSpPr/>
-        <p:nvPr/>
-      </p:nvGrpSpPr>
-      <p:grpSpPr/>
-      <p:sp>
-        <p:nvSpPr>
-          <p:cNvPr id="2" name="TextBox 1"/>
-          <p:cNvSpPr txBox="1"/>
-          <p:nvPr/>
-        </p:nvSpPr>
-        <p:spPr>
-          <a:xfrm>
-            <a:off x="685800" y="228600"/>
-            <a:ext cx="7772400" cy="2971800"/>
-          </a:xfrm>
-          <a:prstGeom prst="rect">
-            <a:avLst/>
-          </a:prstGeom>
-          <a:noFill/>
-        </p:spPr>
-        <p:txBody>
-          <a:bodyPr wrap="none">
-            <a:spAutoFit/>
-          </a:bodyPr>
-          <a:lstStyle/>
-          <a:p>
-            <a:pPr algn="ctr">
-              <a:lnSpc>
-                <a:spcPts val="4800"/>
-              </a:lnSpc>
-              <a:defRPr sz="4400">
-                <a:solidFill>
-                  <a:srgbClr val="000000"/>
-                </a:solidFill>
-              </a:defRPr>
-            </a:pPr>
-            <a:r>
-              <a:t>ดุจความสว่าง พระองค์เข้ามาในความมืดมิด</a:t>
-            </a:r>
-            <a:br/>
-            <a:r>
-              <a:t>ทรงเปิดดวงตาให้ข้าเห็น ความงามที่ทำ</a:t>
-            </a:r>
-            <a:br/>
-            <a:r>
-              <a:t>ให้ใจข้ารักพระเยซู หวังจะได้อยู่</a:t>
-            </a:r>
-            <a:br/>
-            <a:r>
-              <a:t>กับพระองค์</a:t>
-            </a:r>
-          </a:p>
-        </p:txBody>
-      </p:sp>
-      <p:sp>
-        <p:nvSpPr>
-          <p:cNvPr id="3" name="TextBox 2"/>
-          <p:cNvSpPr txBox="1"/>
-          <p:nvPr/>
-        </p:nvSpPr>
-        <p:spPr>
-          <a:xfrm>
-            <a:off x="685800" y="3657600"/>
-            <a:ext cx="7772400" cy="2971800"/>
-          </a:xfrm>
-          <a:prstGeom prst="rect">
-            <a:avLst/>
-          </a:prstGeom>
-          <a:noFill/>
-        </p:spPr>
-        <p:txBody>
-          <a:bodyPr wrap="square">
-            <a:spAutoFit/>
-          </a:bodyPr>
-          <a:lstStyle/>
-          <a:p>
-            <a:pPr algn="ctr">
-              <a:lnSpc>
-                <a:spcPts val="4800"/>
-              </a:lnSpc>
-              <a:defRPr sz="4200">
-                <a:solidFill>
-                  <a:srgbClr val="3A70BC"/>
-                </a:solidFill>
-              </a:defRPr>
-            </a:pPr>
-            <a:r>
-              <a:t>Light of the World You stepped down into darkness. Open my eyes Let me see. Beauty that made This heart adore You. Hope of a life Spent with You.</a:t>
-            </a:r>
-          </a:p>
-        </p:txBody>
-      </p:sp>
-    </p:spTree>
-  </p:cSld>
-  <p:clrMapOvr>
-    <a:masterClrMapping/>
-  </p:clrMapOvr>
-</p:sld>
-</file>
-
-<file path=ppt/slides/slide13.xml><?xml version="1.0" encoding="utf-8"?>
-<p:sld xmlns:a="http://schemas.openxmlformats.org/drawingml/2006/main" xmlns:p="http://schemas.openxmlformats.org/presentationml/2006/main" xmlns:r="http://schemas.openxmlformats.org/officeDocument/2006/relationships">
-  <p:cSld>
-    <p:spTree>
-      <p:nvGrpSpPr>
-        <p:cNvPr id="1" name=""/>
-        <p:cNvGrpSpPr/>
-        <p:nvPr/>
-      </p:nvGrpSpPr>
-      <p:grpSpPr/>
-      <p:sp>
-        <p:nvSpPr>
-          <p:cNvPr id="2" name="TextBox 1"/>
-          <p:cNvSpPr txBox="1"/>
-          <p:nvPr/>
-        </p:nvSpPr>
-        <p:spPr>
-          <a:xfrm>
-            <a:off x="685800" y="228600"/>
-            <a:ext cx="7772400" cy="2971800"/>
-          </a:xfrm>
-          <a:prstGeom prst="rect">
-            <a:avLst/>
-          </a:prstGeom>
-          <a:noFill/>
-        </p:spPr>
-        <p:txBody>
-          <a:bodyPr wrap="square">
-            <a:spAutoFit/>
-          </a:bodyPr>
-          <a:lstStyle/>
-          <a:p>
-            <a:pPr algn="ctr">
-              <a:lnSpc>
-                <a:spcPts val="4800"/>
-              </a:lnSpc>
-              <a:defRPr sz="4400">
-                <a:solidFill>
-                  <a:srgbClr val="000000"/>
-                </a:solidFill>
-              </a:defRPr>
-            </a:pPr>
-            <a:r>
-              <a:t>* ข้าเข้ามานมัสการ ข้าเข้ามาเพื่อก้มกราบ ข้ามาร้องว่าพระองค์ เป็นพระเจ้า พระองค์ทรงงดงามสง่า สมควรรับคำคำบูชา พระองค์ทรงแสนดีต่อ ชีวิตข้า องค์จอมราชา ผู้ประทับในที่สูงยิ่ง ทรงพระสิริ ในสวรรค์</a:t>
-            </a:r>
-          </a:p>
-        </p:txBody>
-      </p:sp>
-      <p:sp>
-        <p:nvSpPr>
-          <p:cNvPr id="3" name="TextBox 2"/>
-          <p:cNvSpPr txBox="1"/>
-          <p:nvPr/>
-        </p:nvSpPr>
-        <p:spPr>
-          <a:xfrm>
-            <a:off x="685800" y="3657600"/>
-            <a:ext cx="7772400" cy="2971800"/>
-          </a:xfrm>
-          <a:prstGeom prst="rect">
-            <a:avLst/>
-          </a:prstGeom>
-          <a:noFill/>
-        </p:spPr>
-        <p:txBody>
-          <a:bodyPr wrap="square">
-            <a:spAutoFit/>
-          </a:bodyPr>
-          <a:lstStyle/>
-          <a:p>
-            <a:pPr algn="ctr">
-              <a:lnSpc>
-                <a:spcPts val="4800"/>
-              </a:lnSpc>
-              <a:defRPr sz="4200">
-                <a:solidFill>
-                  <a:srgbClr val="3A70BC"/>
-                </a:solidFill>
-              </a:defRPr>
-            </a:pPr>
-            <a:r>
-              <a:t>Here I am to worship. Here I am to bow down. Here I am to say that You're my God. You're altogether lovely. Altogether worthy. Altogether wonderful to me.</a:t>
-            </a:r>
-          </a:p>
-        </p:txBody>
-      </p:sp>
-    </p:spTree>
-  </p:cSld>
-  <p:clrMapOvr>
-    <a:masterClrMapping/>
-  </p:clrMapOvr>
-</p:sld>
-</file>
-
-<file path=ppt/slides/slide14.xml><?xml version="1.0" encoding="utf-8"?>
-<p:sld xmlns:a="http://schemas.openxmlformats.org/drawingml/2006/main" xmlns:p="http://schemas.openxmlformats.org/presentationml/2006/main" xmlns:r="http://schemas.openxmlformats.org/officeDocument/2006/relationships">
-  <p:cSld>
-    <p:spTree>
-      <p:nvGrpSpPr>
-        <p:cNvPr id="1" name=""/>
-        <p:cNvGrpSpPr/>
-        <p:nvPr/>
-      </p:nvGrpSpPr>
-      <p:grpSpPr/>
-      <p:sp>
-        <p:nvSpPr>
-          <p:cNvPr id="2" name="TextBox 1"/>
-          <p:cNvSpPr txBox="1"/>
-          <p:nvPr/>
-        </p:nvSpPr>
-        <p:spPr>
-          <a:xfrm>
-            <a:off x="685800" y="228600"/>
-            <a:ext cx="7772400" cy="2971800"/>
-          </a:xfrm>
-          <a:prstGeom prst="rect">
-            <a:avLst/>
-          </a:prstGeom>
-          <a:noFill/>
-        </p:spPr>
-        <p:txBody>
-          <a:bodyPr wrap="square">
-            <a:spAutoFit/>
-          </a:bodyPr>
-          <a:lstStyle/>
-          <a:p>
-            <a:pPr algn="ctr">
-              <a:lnSpc>
-                <a:spcPts val="4800"/>
-              </a:lnSpc>
-              <a:defRPr sz="4400">
-                <a:solidFill>
-                  <a:srgbClr val="000000"/>
-                </a:solidFill>
-              </a:defRPr>
-            </a:pPr>
-            <a:r>
-              <a:t>องค์จอมราชา ผู้รับประทับในที่สูงยิ่ง ทรงพระสิริในสวรรค์ ลงมาในโลกที่ทรงสร้างด้วยหัวใจถ่อม ทรงยอมยากจน เพราะรักเรา</a:t>
-            </a:r>
-          </a:p>
-        </p:txBody>
-      </p:sp>
-      <p:sp>
-        <p:nvSpPr>
-          <p:cNvPr id="3" name="TextBox 2"/>
-          <p:cNvSpPr txBox="1"/>
-          <p:nvPr/>
-        </p:nvSpPr>
-        <p:spPr>
-          <a:xfrm>
-            <a:off x="685800" y="3657600"/>
-            <a:ext cx="7772400" cy="2971800"/>
-          </a:xfrm>
-          <a:prstGeom prst="rect">
-            <a:avLst/>
-          </a:prstGeom>
-          <a:noFill/>
-        </p:spPr>
-        <p:txBody>
-          <a:bodyPr wrap="square">
-            <a:spAutoFit/>
-          </a:bodyPr>
-          <a:lstStyle/>
-          <a:p>
-            <a:pPr algn="ctr">
-              <a:lnSpc>
-                <a:spcPts val="4800"/>
-              </a:lnSpc>
-              <a:defRPr sz="4200">
-                <a:solidFill>
-                  <a:srgbClr val="3A70BC"/>
-                </a:solidFill>
-              </a:defRPr>
-            </a:pPr>
-            <a:r>
-              <a:t>King of all days. Oh, so highly exalted. Glorious in Heaven above. Humbly You came. To the earth You created. All for love's sake became poor.</a:t>
-            </a:r>
-          </a:p>
-        </p:txBody>
-      </p:sp>
-    </p:spTree>
-  </p:cSld>
-  <p:clrMapOvr>
-    <a:masterClrMapping/>
-  </p:clrMapOvr>
-</p:sld>
-</file>
-
-<file path=ppt/slides/slide15.xml><?xml version="1.0" encoding="utf-8"?>
-<p:sld xmlns:a="http://schemas.openxmlformats.org/drawingml/2006/main" xmlns:p="http://schemas.openxmlformats.org/presentationml/2006/main" xmlns:r="http://schemas.openxmlformats.org/officeDocument/2006/relationships">
-  <p:cSld>
-    <p:spTree>
-      <p:nvGrpSpPr>
-        <p:cNvPr id="1" name=""/>
-        <p:cNvGrpSpPr/>
-        <p:nvPr/>
-      </p:nvGrpSpPr>
-      <p:grpSpPr/>
-      <p:sp>
-        <p:nvSpPr>
-          <p:cNvPr id="2" name="TextBox 1"/>
-          <p:cNvSpPr txBox="1"/>
-          <p:nvPr/>
-        </p:nvSpPr>
-        <p:spPr>
-          <a:xfrm>
-            <a:off x="685800" y="228600"/>
-            <a:ext cx="7772400" cy="2971800"/>
-          </a:xfrm>
-          <a:prstGeom prst="rect">
-            <a:avLst/>
-          </a:prstGeom>
-          <a:noFill/>
-        </p:spPr>
-        <p:txBody>
-          <a:bodyPr wrap="square">
-            <a:spAutoFit/>
-          </a:bodyPr>
-          <a:lstStyle/>
-          <a:p>
-            <a:pPr algn="ctr">
-              <a:lnSpc>
-                <a:spcPts val="4800"/>
-              </a:lnSpc>
-              <a:defRPr sz="4400">
-                <a:solidFill>
-                  <a:srgbClr val="000000"/>
-                </a:solidFill>
-              </a:defRPr>
-            </a:pPr>
-            <a:r>
-              <a:t>* ข้าเข้ามานมัสการ ข้าเข้ามาเพื่อก้มกราบ ข้ามาร้องว่าพระองค์ เป็นพระเจ้า พระองค์ทรงงดงามสง่า สมควรรับคำคำบูชา พระองค์ทรงแสนดีต่อ ชีวิตข้า องค์จอมราชา ผู้ประทับในที่สูงยิ่ง ทรงพระสิริ ในสวรรค์</a:t>
-            </a:r>
-          </a:p>
-        </p:txBody>
-      </p:sp>
-      <p:sp>
-        <p:nvSpPr>
-          <p:cNvPr id="3" name="TextBox 2"/>
-          <p:cNvSpPr txBox="1"/>
-          <p:nvPr/>
-        </p:nvSpPr>
-        <p:spPr>
-          <a:xfrm>
-            <a:off x="685800" y="3657600"/>
-            <a:ext cx="7772400" cy="2971800"/>
-          </a:xfrm>
-          <a:prstGeom prst="rect">
-            <a:avLst/>
-          </a:prstGeom>
-          <a:noFill/>
-        </p:spPr>
-        <p:txBody>
-          <a:bodyPr wrap="square">
-            <a:spAutoFit/>
-          </a:bodyPr>
-          <a:lstStyle/>
-          <a:p>
-            <a:pPr algn="ctr">
-              <a:lnSpc>
-                <a:spcPts val="4800"/>
-              </a:lnSpc>
-              <a:defRPr sz="4200">
-                <a:solidFill>
-                  <a:srgbClr val="3A70BC"/>
-                </a:solidFill>
-              </a:defRPr>
-            </a:pPr>
-            <a:r>
-              <a:t>Here I am to worship. Here I am to bow down. Here I am to say that You're my God. You're altogether lovely. Altogether worthy. Altogether wonderful to me.</a:t>
-            </a:r>
-          </a:p>
-        </p:txBody>
-      </p:sp>
-    </p:spTree>
-  </p:cSld>
-  <p:clrMapOvr>
-    <a:masterClrMapping/>
-  </p:clrMapOvr>
-</p:sld>
-</file>
-
-<file path=ppt/slides/slide16.xml><?xml version="1.0" encoding="utf-8"?>
-<p:sld xmlns:a="http://schemas.openxmlformats.org/drawingml/2006/main" xmlns:p="http://schemas.openxmlformats.org/presentationml/2006/main" xmlns:r="http://schemas.openxmlformats.org/officeDocument/2006/relationships">
-  <p:cSld>
-    <p:spTree>
-      <p:nvGrpSpPr>
-        <p:cNvPr id="1" name=""/>
-        <p:cNvGrpSpPr/>
-        <p:nvPr/>
-      </p:nvGrpSpPr>
-      <p:grpSpPr/>
-      <p:sp>
-        <p:nvSpPr>
-          <p:cNvPr id="2" name="TextBox 1"/>
-          <p:cNvSpPr txBox="1"/>
-          <p:nvPr/>
-        </p:nvSpPr>
-        <p:spPr>
-          <a:xfrm>
-            <a:off x="685800" y="228600"/>
-            <a:ext cx="7772400" cy="2971800"/>
-          </a:xfrm>
-          <a:prstGeom prst="rect">
-            <a:avLst/>
-          </a:prstGeom>
-          <a:noFill/>
-        </p:spPr>
-        <p:txBody>
-          <a:bodyPr wrap="square">
-            <a:spAutoFit/>
-          </a:bodyPr>
-          <a:lstStyle/>
-          <a:p>
-            <a:pPr algn="ctr">
-              <a:lnSpc>
-                <a:spcPts val="4800"/>
-              </a:lnSpc>
-              <a:defRPr sz="4400">
-                <a:solidFill>
-                  <a:srgbClr val="000000"/>
-                </a:solidFill>
-              </a:defRPr>
-            </a:pPr>
-            <a:r>
-              <a:t>ไม่มีวันรู้ ทุกข์ทนเพียงใด เพื่อไถ่บาปข้า ที่บนกางเขน ไม่มีวันรู้ ทุกข์ทนเพียงใด เพื่อไถ่บาปข้า ที่บนกางเขน ไม่มีวันรู้ ทุกข์ทนเพียงใด เพื่อไถ่บาปข้า ที่บนกางเขน ไม่มีวันรู้ ทุกข์ทนเพียงใด เพื่อไถ่บาปข้า ที่บนกางเขน</a:t>
-            </a:r>
-          </a:p>
-        </p:txBody>
-      </p:sp>
-      <p:sp>
-        <p:nvSpPr>
-          <p:cNvPr id="3" name="TextBox 2"/>
-          <p:cNvSpPr txBox="1"/>
-          <p:nvPr/>
-        </p:nvSpPr>
-        <p:spPr>
-          <a:xfrm>
-            <a:off x="685800" y="3657600"/>
-            <a:ext cx="7772400" cy="2971800"/>
-          </a:xfrm>
-          <a:prstGeom prst="rect">
-            <a:avLst/>
-          </a:prstGeom>
-          <a:noFill/>
-        </p:spPr>
-        <p:txBody>
-          <a:bodyPr wrap="square">
-            <a:spAutoFit/>
-          </a:bodyPr>
-          <a:lstStyle/>
-          <a:p>
-            <a:pPr algn="ctr">
-              <a:lnSpc>
-                <a:spcPts val="4800"/>
-              </a:lnSpc>
-              <a:defRPr sz="4200">
-                <a:solidFill>
-                  <a:srgbClr val="3A70BC"/>
-                </a:solidFill>
-              </a:defRPr>
-            </a:pPr>
-            <a:r>
-              <a:t>I'll never know how much it cost. To see my sin upon that cross. I'll never know how much it cost. To see my sin upon that cross. I'll never know how much it cost. To see my sin upon that cross. I'll never know how much it cost. To see my sin upon that cross.</a:t>
-            </a:r>
-          </a:p>
-        </p:txBody>
-      </p:sp>
-    </p:spTree>
-  </p:cSld>
-  <p:clrMapOvr>
-    <a:masterClrMapping/>
-  </p:clrMapOvr>
-</p:sld>
-</file>
-
-<file path=ppt/slides/slide17.xml><?xml version="1.0" encoding="utf-8"?>
-<p:sld xmlns:a="http://schemas.openxmlformats.org/drawingml/2006/main" xmlns:p="http://schemas.openxmlformats.org/presentationml/2006/main" xmlns:r="http://schemas.openxmlformats.org/officeDocument/2006/relationships">
-  <p:cSld>
-    <p:spTree>
-      <p:nvGrpSpPr>
-        <p:cNvPr id="1" name=""/>
-        <p:cNvGrpSpPr/>
-        <p:nvPr/>
-      </p:nvGrpSpPr>
-      <p:grpSpPr/>
-      <p:sp>
-        <p:nvSpPr>
-          <p:cNvPr id="2" name="TextBox 1"/>
-          <p:cNvSpPr txBox="1"/>
-          <p:nvPr/>
-        </p:nvSpPr>
-        <p:spPr>
-          <a:xfrm>
-            <a:off x="685800" y="228600"/>
-            <a:ext cx="7772400" cy="2971800"/>
-          </a:xfrm>
-          <a:prstGeom prst="rect">
-            <a:avLst/>
-          </a:prstGeom>
-          <a:noFill/>
-        </p:spPr>
-        <p:txBody>
-          <a:bodyPr wrap="square">
-            <a:spAutoFit/>
-          </a:bodyPr>
-          <a:lstStyle/>
-          <a:p>
-            <a:pPr algn="ctr">
-              <a:lnSpc>
-                <a:spcPts val="4800"/>
-              </a:lnSpc>
-              <a:defRPr sz="4400">
-                <a:solidFill>
-                  <a:srgbClr val="000000"/>
-                </a:solidFill>
-              </a:defRPr>
-            </a:pPr>
-            <a:r>
-              <a:t>* ข้าเข้ามานมัสการ ข้าเข้ามาเพื่อก้มกราบ ข้ามาร้องว่าพระองค์ เป็นพระเจ้า พระองค์ทรงงดงามสง่า สมควรรับคำคำบูชา พระองค์ทรงแสนดีต่อ ชีวิตข้า องค์จอมราชา ผู้ประทับในที่สูงยิ่ง ทรงพระสิริ ในสวรรค์</a:t>
-            </a:r>
-          </a:p>
-        </p:txBody>
-      </p:sp>
-      <p:sp>
-        <p:nvSpPr>
-          <p:cNvPr id="3" name="TextBox 2"/>
-          <p:cNvSpPr txBox="1"/>
-          <p:nvPr/>
-        </p:nvSpPr>
-        <p:spPr>
-          <a:xfrm>
-            <a:off x="685800" y="3657600"/>
-            <a:ext cx="7772400" cy="2971800"/>
-          </a:xfrm>
-          <a:prstGeom prst="rect">
-            <a:avLst/>
-          </a:prstGeom>
-          <a:noFill/>
-        </p:spPr>
-        <p:txBody>
-          <a:bodyPr wrap="square">
-            <a:spAutoFit/>
-          </a:bodyPr>
-          <a:lstStyle/>
-          <a:p>
-            <a:pPr algn="ctr">
-              <a:lnSpc>
-                <a:spcPts val="4800"/>
-              </a:lnSpc>
-              <a:defRPr sz="4200">
-                <a:solidFill>
-                  <a:srgbClr val="3A70BC"/>
-                </a:solidFill>
-              </a:defRPr>
-            </a:pPr>
-            <a:r>
-              <a:t>Here I am to worship. Here I am to bow down. Here I am to say that You're my God. You're altogether lovely. Altogether worthy. Altogether wonderful to me.</a:t>
-            </a:r>
-          </a:p>
-        </p:txBody>
-      </p:sp>
-    </p:spTree>
-  </p:cSld>
-  <p:clrMapOvr>
-    <a:masterClrMapping/>
-  </p:clrMapOvr>
-</p:sld>
-</file>
-
-<file path=ppt/slides/slide18.xml><?xml version="1.0" encoding="utf-8"?>
-<p:sld xmlns:a="http://schemas.openxmlformats.org/drawingml/2006/main" xmlns:p="http://schemas.openxmlformats.org/presentationml/2006/main" xmlns:r="http://schemas.openxmlformats.org/officeDocument/2006/relationships">
-  <p:cSld>
-    <p:spTree>
-      <p:nvGrpSpPr>
-        <p:cNvPr id="1" name=""/>
-        <p:cNvGrpSpPr/>
-        <p:nvPr/>
-      </p:nvGrpSpPr>
-      <p:grpSpPr/>
-      <p:sp>
-        <p:nvSpPr>
-          <p:cNvPr id="2" name="Title 1"/>
-          <p:cNvSpPr>
-            <a:spLocks noGrp="1"/>
-          </p:cNvSpPr>
-          <p:nvPr>
-            <p:ph type="ctrTitle"/>
-          </p:nvPr>
-        </p:nvSpPr>
-        <p:spPr/>
-        <p:txBody>
-          <a:bodyPr/>
-          <a:lstStyle/>
-          <a:p/>
-        </p:txBody>
-      </p:sp>
-      <p:sp>
-        <p:nvSpPr>
-          <p:cNvPr id="3" name="Subtitle 2"/>
-          <p:cNvSpPr>
-            <a:spLocks noGrp="1"/>
-          </p:cNvSpPr>
-          <p:nvPr>
-            <p:ph type="subTitle" idx="1"/>
-          </p:nvPr>
-        </p:nvSpPr>
-        <p:spPr/>
-        <p:txBody>
-          <a:bodyPr/>
-          <a:lstStyle/>
-          <a:p>
-            <a:pPr>
-              <a:defRPr sz="4000">
-                <a:solidFill>
-                  <a:srgbClr val="3A70BC"/>
-                </a:solidFill>
-              </a:defRPr>
-            </a:pPr>
-            <a:r>
-              <a:t>Above All </a:t>
-            </a:r>
-          </a:p>
-        </p:txBody>
-      </p:sp>
-    </p:spTree>
-  </p:cSld>
-  <p:clrMapOvr>
-    <a:masterClrMapping/>
-  </p:clrMapOvr>
-</p:sld>
-</file>
-
-<file path=ppt/slides/slide19.xml><?xml version="1.0" encoding="utf-8"?>
-<p:sld xmlns:a="http://schemas.openxmlformats.org/drawingml/2006/main" xmlns:p="http://schemas.openxmlformats.org/presentationml/2006/main" xmlns:r="http://schemas.openxmlformats.org/officeDocument/2006/relationships">
-  <p:cSld>
-    <p:spTree>
-      <p:nvGrpSpPr>
-        <p:cNvPr id="1" name=""/>
-        <p:cNvGrpSpPr/>
-        <p:nvPr/>
-      </p:nvGrpSpPr>
-      <p:grpSpPr/>
-      <p:sp>
-        <p:nvSpPr>
-          <p:cNvPr id="2" name="TextBox 1"/>
-          <p:cNvSpPr txBox="1"/>
-          <p:nvPr/>
-        </p:nvSpPr>
-        <p:spPr>
-          <a:xfrm>
-            <a:off x="914400" y="457200"/>
-            <a:ext cx="7315200" cy="5486400"/>
-          </a:xfrm>
-          <a:prstGeom prst="rect">
-            <a:avLst/>
-          </a:prstGeom>
-          <a:noFill/>
-        </p:spPr>
-        <p:txBody>
-          <a:bodyPr wrap="none">
-            <a:spAutoFit/>
-          </a:bodyPr>
-          <a:lstStyle/>
-          <a:p>
-            <a:pPr algn="ctr">
-              <a:lnSpc>
-                <a:spcPts val="7000"/>
-              </a:lnSpc>
-              <a:defRPr sz="4400">
-                <a:solidFill>
-                  <a:srgbClr val="000000"/>
-                </a:solidFill>
-              </a:defRPr>
-            </a:pPr>
-            <a:r>
-              <a:t>Above all powers, above all kings</a:t>
-            </a:r>
-            <a:br/>
-            <a:r>
-              <a:t> Above all nature and all created things</a:t>
-            </a:r>
-            <a:br/>
-            <a:r>
-              <a:t> Above all wisdom and all the ways of man</a:t>
-            </a:r>
-            <a:br/>
-            <a:r>
-              <a:t> You were here before the world began</a:t>
+              <a:t>Shine Jesus Shine</a:t>
             </a:r>
           </a:p>
         </p:txBody>
@@ -4089,14 +3187,14 @@
               <a:lnSpc>
                 <a:spcPts val="4800"/>
               </a:lnSpc>
-              <a:defRPr sz="4400">
+              <a:defRPr sz="4500">
                 <a:solidFill>
                   <a:srgbClr val="000000"/>
                 </a:solidFill>
               </a:defRPr>
             </a:pPr>
             <a:r>
-              <a:t>แม้นความทุกข์ลำบาก เกิดขึ้นแก่ท่านเมื่อใด มีภาระหนักมาก ท่านคิดว่าแบกไม่ไหว หันมานับพระพรย้อนดูนับทีละอัน แปลกแต่จริงแน่แล้ว พระเจ้าทรงโปรดช่วยท่าน</a:t>
+              <a:t>องค์พระเจ้าแห่งความรักทรงส่องแสง ในท่ามกลางความมืดมิดแห่งชีวิต พระเยซูเป็นสว่างส่องเหนือพวกเรา ทรงปลดปล่อยนำเราด้วยความจริงยิ่งใหญ่ ส่องยังพวกเรา ส่องยังพวกเรา</a:t>
             </a:r>
           </a:p>
         </p:txBody>
@@ -4134,659 +3232,7 @@
               </a:defRPr>
             </a:pPr>
             <a:r>
-              <a:t>When upon life's billows you are tempest tossed, When you are discouraged, thinking all is lost, Count your many blessings, name them one by one, And it will surprise you what the Lord hath done.</a:t>
-            </a:r>
-          </a:p>
-        </p:txBody>
-      </p:sp>
-    </p:spTree>
-  </p:cSld>
-  <p:clrMapOvr>
-    <a:masterClrMapping/>
-  </p:clrMapOvr>
-</p:sld>
-</file>
-
-<file path=ppt/slides/slide20.xml><?xml version="1.0" encoding="utf-8"?>
-<p:sld xmlns:a="http://schemas.openxmlformats.org/drawingml/2006/main" xmlns:p="http://schemas.openxmlformats.org/presentationml/2006/main" xmlns:r="http://schemas.openxmlformats.org/officeDocument/2006/relationships">
-  <p:cSld>
-    <p:spTree>
-      <p:nvGrpSpPr>
-        <p:cNvPr id="1" name=""/>
-        <p:cNvGrpSpPr/>
-        <p:nvPr/>
-      </p:nvGrpSpPr>
-      <p:grpSpPr/>
-      <p:sp>
-        <p:nvSpPr>
-          <p:cNvPr id="2" name="TextBox 1"/>
-          <p:cNvSpPr txBox="1"/>
-          <p:nvPr/>
-        </p:nvSpPr>
-        <p:spPr>
-          <a:xfrm>
-            <a:off x="914400" y="457200"/>
-            <a:ext cx="7315200" cy="5486400"/>
-          </a:xfrm>
-          <a:prstGeom prst="rect">
-            <a:avLst/>
-          </a:prstGeom>
-          <a:noFill/>
-        </p:spPr>
-        <p:txBody>
-          <a:bodyPr wrap="square">
-            <a:spAutoFit/>
-          </a:bodyPr>
-          <a:lstStyle/>
-          <a:p>
-            <a:pPr algn="ctr">
-              <a:lnSpc>
-                <a:spcPts val="6600"/>
-              </a:lnSpc>
-              <a:defRPr sz="4400">
-                <a:solidFill>
-                  <a:srgbClr val="000000"/>
-                </a:solidFill>
-              </a:defRPr>
-            </a:pPr>
-            <a:r>
-              <a:t>Above all kingdoms, above all thrones. Above all wonders the world has ever known. Above all wealth and treasures of the earth. There's no way to measure what You're worth</a:t>
-            </a:r>
-          </a:p>
-        </p:txBody>
-      </p:sp>
-    </p:spTree>
-  </p:cSld>
-  <p:clrMapOvr>
-    <a:masterClrMapping/>
-  </p:clrMapOvr>
-</p:sld>
-</file>
-
-<file path=ppt/slides/slide21.xml><?xml version="1.0" encoding="utf-8"?>
-<p:sld xmlns:a="http://schemas.openxmlformats.org/drawingml/2006/main" xmlns:p="http://schemas.openxmlformats.org/presentationml/2006/main" xmlns:r="http://schemas.openxmlformats.org/officeDocument/2006/relationships">
-  <p:cSld>
-    <p:spTree>
-      <p:nvGrpSpPr>
-        <p:cNvPr id="1" name=""/>
-        <p:cNvGrpSpPr/>
-        <p:nvPr/>
-      </p:nvGrpSpPr>
-      <p:grpSpPr/>
-      <p:sp>
-        <p:nvSpPr>
-          <p:cNvPr id="2" name="TextBox 1"/>
-          <p:cNvSpPr txBox="1"/>
-          <p:nvPr/>
-        </p:nvSpPr>
-        <p:spPr>
-          <a:xfrm>
-            <a:off x="914400" y="457200"/>
-            <a:ext cx="7315200" cy="5486400"/>
-          </a:xfrm>
-          <a:prstGeom prst="rect">
-            <a:avLst/>
-          </a:prstGeom>
-          <a:noFill/>
-        </p:spPr>
-        <p:txBody>
-          <a:bodyPr wrap="none">
-            <a:spAutoFit/>
-          </a:bodyPr>
-          <a:lstStyle/>
-          <a:p>
-            <a:pPr algn="ctr">
-              <a:lnSpc>
-                <a:spcPts val="7000"/>
-              </a:lnSpc>
-              <a:defRPr sz="4400">
-                <a:solidFill>
-                  <a:srgbClr val="000000"/>
-                </a:solidFill>
-              </a:defRPr>
-            </a:pPr>
-            <a:r>
-              <a:t>Crucified. Laid behind the stone</a:t>
-            </a:r>
-            <a:br/>
-            <a:r>
-              <a:t> You lived to die, rejected and alone</a:t>
-            </a:r>
-            <a:br/>
-            <a:r>
-              <a:t> Like a rose trampled on the ground</a:t>
-            </a:r>
-            <a:br/>
-            <a:r>
-              <a:t> You took the fall and thought of me</a:t>
-            </a:r>
-            <a:br/>
-            <a:r>
-              <a:t> Above all</a:t>
-            </a:r>
-          </a:p>
-        </p:txBody>
-      </p:sp>
-    </p:spTree>
-  </p:cSld>
-  <p:clrMapOvr>
-    <a:masterClrMapping/>
-  </p:clrMapOvr>
-</p:sld>
-</file>
-
-<file path=ppt/slides/slide22.xml><?xml version="1.0" encoding="utf-8"?>
-<p:sld xmlns:a="http://schemas.openxmlformats.org/drawingml/2006/main" xmlns:p="http://schemas.openxmlformats.org/presentationml/2006/main" xmlns:r="http://schemas.openxmlformats.org/officeDocument/2006/relationships">
-  <p:cSld>
-    <p:spTree>
-      <p:nvGrpSpPr>
-        <p:cNvPr id="1" name=""/>
-        <p:cNvGrpSpPr/>
-        <p:nvPr/>
-      </p:nvGrpSpPr>
-      <p:grpSpPr/>
-      <p:sp>
-        <p:nvSpPr>
-          <p:cNvPr id="2" name="TextBox 1"/>
-          <p:cNvSpPr txBox="1"/>
-          <p:nvPr/>
-        </p:nvSpPr>
-        <p:spPr>
-          <a:xfrm>
-            <a:off x="914400" y="457200"/>
-            <a:ext cx="7315200" cy="5486400"/>
-          </a:xfrm>
-          <a:prstGeom prst="rect">
-            <a:avLst/>
-          </a:prstGeom>
-          <a:noFill/>
-        </p:spPr>
-        <p:txBody>
-          <a:bodyPr wrap="none">
-            <a:spAutoFit/>
-          </a:bodyPr>
-          <a:lstStyle/>
-          <a:p>
-            <a:pPr algn="ctr">
-              <a:lnSpc>
-                <a:spcPts val="7000"/>
-              </a:lnSpc>
-              <a:defRPr sz="4400">
-                <a:solidFill>
-                  <a:srgbClr val="000000"/>
-                </a:solidFill>
-              </a:defRPr>
-            </a:pPr>
-            <a:r>
-              <a:t>Above all powers, above all kings</a:t>
-            </a:r>
-            <a:br/>
-            <a:r>
-              <a:t> Above all nature and all created things</a:t>
-            </a:r>
-            <a:br/>
-            <a:r>
-              <a:t> Above all wisdom and all the ways of man</a:t>
-            </a:r>
-            <a:br/>
-            <a:r>
-              <a:t> You were here before the world began</a:t>
-            </a:r>
-          </a:p>
-        </p:txBody>
-      </p:sp>
-    </p:spTree>
-  </p:cSld>
-  <p:clrMapOvr>
-    <a:masterClrMapping/>
-  </p:clrMapOvr>
-</p:sld>
-</file>
-
-<file path=ppt/slides/slide23.xml><?xml version="1.0" encoding="utf-8"?>
-<p:sld xmlns:a="http://schemas.openxmlformats.org/drawingml/2006/main" xmlns:p="http://schemas.openxmlformats.org/presentationml/2006/main" xmlns:r="http://schemas.openxmlformats.org/officeDocument/2006/relationships">
-  <p:cSld>
-    <p:spTree>
-      <p:nvGrpSpPr>
-        <p:cNvPr id="1" name=""/>
-        <p:cNvGrpSpPr/>
-        <p:nvPr/>
-      </p:nvGrpSpPr>
-      <p:grpSpPr/>
-      <p:sp>
-        <p:nvSpPr>
-          <p:cNvPr id="2" name="TextBox 1"/>
-          <p:cNvSpPr txBox="1"/>
-          <p:nvPr/>
-        </p:nvSpPr>
-        <p:spPr>
-          <a:xfrm>
-            <a:off x="914400" y="457200"/>
-            <a:ext cx="7315200" cy="5486400"/>
-          </a:xfrm>
-          <a:prstGeom prst="rect">
-            <a:avLst/>
-          </a:prstGeom>
-          <a:noFill/>
-        </p:spPr>
-        <p:txBody>
-          <a:bodyPr wrap="square">
-            <a:spAutoFit/>
-          </a:bodyPr>
-          <a:lstStyle/>
-          <a:p>
-            <a:pPr algn="ctr">
-              <a:lnSpc>
-                <a:spcPts val="6600"/>
-              </a:lnSpc>
-              <a:defRPr sz="4400">
-                <a:solidFill>
-                  <a:srgbClr val="000000"/>
-                </a:solidFill>
-              </a:defRPr>
-            </a:pPr>
-            <a:r>
-              <a:t>Above all kingdoms, above all thrones. Above all wonders the world has ever known. Above all wealth and treasures of the earth. There's no way to measure what You're worth</a:t>
-            </a:r>
-          </a:p>
-        </p:txBody>
-      </p:sp>
-    </p:spTree>
-  </p:cSld>
-  <p:clrMapOvr>
-    <a:masterClrMapping/>
-  </p:clrMapOvr>
-</p:sld>
-</file>
-
-<file path=ppt/slides/slide24.xml><?xml version="1.0" encoding="utf-8"?>
-<p:sld xmlns:a="http://schemas.openxmlformats.org/drawingml/2006/main" xmlns:p="http://schemas.openxmlformats.org/presentationml/2006/main" xmlns:r="http://schemas.openxmlformats.org/officeDocument/2006/relationships">
-  <p:cSld>
-    <p:spTree>
-      <p:nvGrpSpPr>
-        <p:cNvPr id="1" name=""/>
-        <p:cNvGrpSpPr/>
-        <p:nvPr/>
-      </p:nvGrpSpPr>
-      <p:grpSpPr/>
-      <p:sp>
-        <p:nvSpPr>
-          <p:cNvPr id="2" name="TextBox 1"/>
-          <p:cNvSpPr txBox="1"/>
-          <p:nvPr/>
-        </p:nvSpPr>
-        <p:spPr>
-          <a:xfrm>
-            <a:off x="914400" y="457200"/>
-            <a:ext cx="7315200" cy="5486400"/>
-          </a:xfrm>
-          <a:prstGeom prst="rect">
-            <a:avLst/>
-          </a:prstGeom>
-          <a:noFill/>
-        </p:spPr>
-        <p:txBody>
-          <a:bodyPr wrap="none">
-            <a:spAutoFit/>
-          </a:bodyPr>
-          <a:lstStyle/>
-          <a:p>
-            <a:pPr algn="ctr">
-              <a:lnSpc>
-                <a:spcPts val="7000"/>
-              </a:lnSpc>
-              <a:defRPr sz="4400">
-                <a:solidFill>
-                  <a:srgbClr val="000000"/>
-                </a:solidFill>
-              </a:defRPr>
-            </a:pPr>
-            <a:r>
-              <a:t>Crucified. Laid behind the stone</a:t>
-            </a:r>
-            <a:br/>
-            <a:r>
-              <a:t> You lived to die</a:t>
-            </a:r>
-            <a:br/>
-            <a:r>
-              <a:t> rejected and alone</a:t>
-            </a:r>
-            <a:br/>
-            <a:r>
-              <a:t> Like a rose trampled on the ground</a:t>
-            </a:r>
-            <a:br/>
-            <a:r>
-              <a:t> You took the fall and thought of me</a:t>
-            </a:r>
-          </a:p>
-        </p:txBody>
-      </p:sp>
-    </p:spTree>
-  </p:cSld>
-  <p:clrMapOvr>
-    <a:masterClrMapping/>
-  </p:clrMapOvr>
-</p:sld>
-</file>
-
-<file path=ppt/slides/slide25.xml><?xml version="1.0" encoding="utf-8"?>
-<p:sld xmlns:a="http://schemas.openxmlformats.org/drawingml/2006/main" xmlns:p="http://schemas.openxmlformats.org/presentationml/2006/main" xmlns:r="http://schemas.openxmlformats.org/officeDocument/2006/relationships">
-  <p:cSld>
-    <p:spTree>
-      <p:nvGrpSpPr>
-        <p:cNvPr id="1" name=""/>
-        <p:cNvGrpSpPr/>
-        <p:nvPr/>
-      </p:nvGrpSpPr>
-      <p:grpSpPr/>
-      <p:sp>
-        <p:nvSpPr>
-          <p:cNvPr id="2" name="TextBox 1"/>
-          <p:cNvSpPr txBox="1"/>
-          <p:nvPr/>
-        </p:nvSpPr>
-        <p:spPr>
-          <a:xfrm>
-            <a:off x="914400" y="457200"/>
-            <a:ext cx="7315200" cy="5486400"/>
-          </a:xfrm>
-          <a:prstGeom prst="rect">
-            <a:avLst/>
-          </a:prstGeom>
-          <a:noFill/>
-        </p:spPr>
-        <p:txBody>
-          <a:bodyPr wrap="none">
-            <a:spAutoFit/>
-          </a:bodyPr>
-          <a:lstStyle/>
-          <a:p>
-            <a:pPr algn="ctr">
-              <a:lnSpc>
-                <a:spcPts val="7000"/>
-              </a:lnSpc>
-              <a:defRPr sz="4400">
-                <a:solidFill>
-                  <a:srgbClr val="000000"/>
-                </a:solidFill>
-              </a:defRPr>
-            </a:pPr>
-            <a:r>
-              <a:t>Crucified. Laid behind the stone</a:t>
-            </a:r>
-            <a:br/>
-            <a:r>
-              <a:t> You lived to die, rejected and alone</a:t>
-            </a:r>
-            <a:br/>
-            <a:r>
-              <a:t> Like a rose trampled on the ground</a:t>
-            </a:r>
-            <a:br/>
-            <a:r>
-              <a:t> You took the fall and thought of me</a:t>
-            </a:r>
-            <a:br/>
-            <a:r>
-              <a:t> Above all</a:t>
-            </a:r>
-          </a:p>
-        </p:txBody>
-      </p:sp>
-    </p:spTree>
-  </p:cSld>
-  <p:clrMapOvr>
-    <a:masterClrMapping/>
-  </p:clrMapOvr>
-</p:sld>
-</file>
-
-<file path=ppt/slides/slide26.xml><?xml version="1.0" encoding="utf-8"?>
-<p:sld xmlns:a="http://schemas.openxmlformats.org/drawingml/2006/main" xmlns:p="http://schemas.openxmlformats.org/presentationml/2006/main" xmlns:r="http://schemas.openxmlformats.org/officeDocument/2006/relationships">
-  <p:cSld>
-    <p:spTree>
-      <p:nvGrpSpPr>
-        <p:cNvPr id="1" name=""/>
-        <p:cNvGrpSpPr/>
-        <p:nvPr/>
-      </p:nvGrpSpPr>
-      <p:grpSpPr/>
-      <p:sp>
-        <p:nvSpPr>
-          <p:cNvPr id="2" name="TextBox 1"/>
-          <p:cNvSpPr txBox="1"/>
-          <p:nvPr/>
-        </p:nvSpPr>
-        <p:spPr>
-          <a:xfrm>
-            <a:off x="914400" y="457200"/>
-            <a:ext cx="7315200" cy="5486400"/>
-          </a:xfrm>
-          <a:prstGeom prst="rect">
-            <a:avLst/>
-          </a:prstGeom>
-          <a:noFill/>
-        </p:spPr>
-        <p:txBody>
-          <a:bodyPr wrap="none">
-            <a:spAutoFit/>
-          </a:bodyPr>
-          <a:lstStyle/>
-          <a:p>
-            <a:pPr algn="ctr">
-              <a:lnSpc>
-                <a:spcPts val="7000"/>
-              </a:lnSpc>
-              <a:defRPr sz="4400">
-                <a:solidFill>
-                  <a:srgbClr val="000000"/>
-                </a:solidFill>
-              </a:defRPr>
-            </a:pPr>
-            <a:r>
-              <a:t>Evermore, You thought of me</a:t>
-            </a:r>
-            <a:br/>
-            <a:r>
-              <a:t> Thought of me</a:t>
-            </a:r>
-            <a:br/>
-            <a:r>
-              <a:t> Jesus, You thought of me</a:t>
-            </a:r>
-            <a:br/>
-            <a:r>
-              <a:t> Thought of me    </a:t>
-            </a:r>
-          </a:p>
-        </p:txBody>
-      </p:sp>
-    </p:spTree>
-  </p:cSld>
-  <p:clrMapOvr>
-    <a:masterClrMapping/>
-  </p:clrMapOvr>
-</p:sld>
-</file>
-
-<file path=ppt/slides/slide27.xml><?xml version="1.0" encoding="utf-8"?>
-<p:sld xmlns:a="http://schemas.openxmlformats.org/drawingml/2006/main" xmlns:p="http://schemas.openxmlformats.org/presentationml/2006/main" xmlns:r="http://schemas.openxmlformats.org/officeDocument/2006/relationships">
-  <p:cSld>
-    <p:spTree>
-      <p:nvGrpSpPr>
-        <p:cNvPr id="1" name=""/>
-        <p:cNvGrpSpPr/>
-        <p:nvPr/>
-      </p:nvGrpSpPr>
-      <p:grpSpPr/>
-      <p:sp>
-        <p:nvSpPr>
-          <p:cNvPr id="2" name="Title 1"/>
-          <p:cNvSpPr>
-            <a:spLocks noGrp="1"/>
-          </p:cNvSpPr>
-          <p:nvPr>
-            <p:ph type="ctrTitle"/>
-          </p:nvPr>
-        </p:nvSpPr>
-        <p:spPr/>
-        <p:txBody>
-          <a:bodyPr/>
-          <a:lstStyle/>
-          <a:p>
-            <a:r>
-              <a:t>ขอบคุณพระเยซู</a:t>
-            </a:r>
-          </a:p>
-        </p:txBody>
-      </p:sp>
-      <p:sp>
-        <p:nvSpPr>
-          <p:cNvPr id="3" name="Subtitle 2"/>
-          <p:cNvSpPr>
-            <a:spLocks noGrp="1"/>
-          </p:cNvSpPr>
-          <p:nvPr>
-            <p:ph type="subTitle" idx="1"/>
-          </p:nvPr>
-        </p:nvSpPr>
-        <p:spPr/>
-        <p:txBody>
-          <a:bodyPr/>
-          <a:lstStyle/>
-          <a:p>
-            <a:pPr>
-              <a:defRPr sz="4000">
-                <a:solidFill>
-                  <a:srgbClr val="3A70BC"/>
-                </a:solidFill>
-              </a:defRPr>
-            </a:pPr>
-          </a:p>
-        </p:txBody>
-      </p:sp>
-    </p:spTree>
-  </p:cSld>
-  <p:clrMapOvr>
-    <a:masterClrMapping/>
-  </p:clrMapOvr>
-</p:sld>
-</file>
-
-<file path=ppt/slides/slide28.xml><?xml version="1.0" encoding="utf-8"?>
-<p:sld xmlns:a="http://schemas.openxmlformats.org/drawingml/2006/main" xmlns:p="http://schemas.openxmlformats.org/presentationml/2006/main" xmlns:r="http://schemas.openxmlformats.org/officeDocument/2006/relationships">
-  <p:cSld>
-    <p:spTree>
-      <p:nvGrpSpPr>
-        <p:cNvPr id="1" name=""/>
-        <p:cNvGrpSpPr/>
-        <p:nvPr/>
-      </p:nvGrpSpPr>
-      <p:grpSpPr/>
-      <p:sp>
-        <p:nvSpPr>
-          <p:cNvPr id="2" name="TextBox 1"/>
-          <p:cNvSpPr txBox="1"/>
-          <p:nvPr/>
-        </p:nvSpPr>
-        <p:spPr>
-          <a:xfrm>
-            <a:off x="914400" y="457200"/>
-            <a:ext cx="7315200" cy="5486400"/>
-          </a:xfrm>
-          <a:prstGeom prst="rect">
-            <a:avLst/>
-          </a:prstGeom>
-          <a:noFill/>
-        </p:spPr>
-        <p:txBody>
-          <a:bodyPr wrap="none">
-            <a:spAutoFit/>
-          </a:bodyPr>
-          <a:lstStyle/>
-          <a:p>
-            <a:pPr algn="ctr">
-              <a:lnSpc>
-                <a:spcPts val="7000"/>
-              </a:lnSpc>
-              <a:defRPr sz="4400">
-                <a:solidFill>
-                  <a:srgbClr val="000000"/>
-                </a:solidFill>
-              </a:defRPr>
-            </a:pPr>
-            <a:r>
-              <a:t>ขอบคุณพระเยซูมอบความรักแก่เรา</a:t>
-            </a:r>
-            <a:br/>
-            <a:r>
-              <a:t>ขอบคุณพระเยซูทรงพระคุณมากมี</a:t>
-            </a:r>
-          </a:p>
-        </p:txBody>
-      </p:sp>
-    </p:spTree>
-  </p:cSld>
-  <p:clrMapOvr>
-    <a:masterClrMapping/>
-  </p:clrMapOvr>
-</p:sld>
-</file>
-
-<file path=ppt/slides/slide29.xml><?xml version="1.0" encoding="utf-8"?>
-<p:sld xmlns:a="http://schemas.openxmlformats.org/drawingml/2006/main" xmlns:p="http://schemas.openxmlformats.org/presentationml/2006/main" xmlns:r="http://schemas.openxmlformats.org/officeDocument/2006/relationships">
-  <p:cSld>
-    <p:spTree>
-      <p:nvGrpSpPr>
-        <p:cNvPr id="1" name=""/>
-        <p:cNvGrpSpPr/>
-        <p:nvPr/>
-      </p:nvGrpSpPr>
-      <p:grpSpPr/>
-      <p:sp>
-        <p:nvSpPr>
-          <p:cNvPr id="2" name="TextBox 1"/>
-          <p:cNvSpPr txBox="1"/>
-          <p:nvPr/>
-        </p:nvSpPr>
-        <p:spPr>
-          <a:xfrm>
-            <a:off x="914400" y="457200"/>
-            <a:ext cx="7315200" cy="5486400"/>
-          </a:xfrm>
-          <a:prstGeom prst="rect">
-            <a:avLst/>
-          </a:prstGeom>
-          <a:noFill/>
-        </p:spPr>
-        <p:txBody>
-          <a:bodyPr wrap="none">
-            <a:spAutoFit/>
-          </a:bodyPr>
-          <a:lstStyle/>
-          <a:p>
-            <a:pPr algn="ctr">
-              <a:lnSpc>
-                <a:spcPts val="7000"/>
-              </a:lnSpc>
-              <a:defRPr sz="4400">
-                <a:solidFill>
-                  <a:srgbClr val="000000"/>
-                </a:solidFill>
-              </a:defRPr>
-            </a:pPr>
-            <a:r>
-              <a:t>*เราเปล่งเสียงร้องสรรเสริญพระนาม</a:t>
-            </a:r>
-            <a:br/>
-            <a:r>
-              <a:t>ร้องสรรเสริญโมทนาพระองค์เป็นทุกสิ่ง</a:t>
-            </a:r>
-            <a:br/>
-            <a:r>
-              <a:t>เป็นพระเจ้าของเรา</a:t>
+              <a:t>Lord, the Light of Your Love is shining, In the midst of the darkness shining, Jesus, Light of the World, shine upon us, Set us free by the truth You now bring us, Shine on me. Shine on me.</a:t>
             </a:r>
           </a:p>
         </p:txBody>
@@ -4826,7 +3272,7 @@
           <a:noFill/>
         </p:spPr>
         <p:txBody>
-          <a:bodyPr wrap="none">
+          <a:bodyPr wrap="square">
             <a:spAutoFit/>
           </a:bodyPr>
           <a:lstStyle/>
@@ -4835,22 +3281,14 @@
               <a:lnSpc>
                 <a:spcPts val="4800"/>
               </a:lnSpc>
-              <a:defRPr sz="4400">
+              <a:defRPr sz="4500">
                 <a:solidFill>
                   <a:srgbClr val="000000"/>
                 </a:solidFill>
               </a:defRPr>
             </a:pPr>
             <a:r>
-              <a:t>นับพระพรของท่านดูทีละอัน นับพระพรซึ่งพระเยซูประทาน</a:t>
-            </a:r>
-            <a:br/>
-            <a:r>
-              <a:t>นับพระพรนั้น นับดูทีละอัน นับพระพรของท่าน</a:t>
-            </a:r>
-            <a:br/>
-            <a:r>
-              <a:t>ซึ่งพระเยซูประทาน</a:t>
+              <a:t>แสงพระเยซู ส่องดินแดนด้วยพระสิริพระบิดา ขอพระวิญญาณเจิมใจเราด้วยไฟ ไหลดั่งแม่น้ำท่วมวิญญาณเหล่าประชา ด้วยพระคุณ และทรงการุณย์พระคำเป็นความสว่าง</a:t>
             </a:r>
           </a:p>
         </p:txBody>
@@ -4888,7 +3326,7 @@
               </a:defRPr>
             </a:pPr>
             <a:r>
-              <a:t>Count your blessings, name them one by one; Count your blessings, see what God hath done; Count your blessings, name them one by one; Count your many blessings, see what God hath done.</a:t>
+              <a:t>Shine, Jesus shine, Fill this land with the Father's glory. Blaze, Spirit blaze, Set our hearts on fire. Flow, river flow, Flood the nations with grace and mercy. Send forth Your word, Lord and let there be light.</a:t>
             </a:r>
           </a:p>
         </p:txBody>
@@ -4937,14 +3375,14 @@
               <a:lnSpc>
                 <a:spcPts val="4800"/>
               </a:lnSpc>
-              <a:defRPr sz="4400">
+              <a:defRPr sz="4500">
                 <a:solidFill>
                   <a:srgbClr val="000000"/>
                 </a:solidFill>
               </a:defRPr>
             </a:pPr>
             <a:r>
-              <a:t>แม้บุคคลทั้งปวง มีทรัพย์สมบัติมากมาย แต่พระเจ้าสัญญา ให้พรจนนับไม่ไหว รับพระพร ซึ่งทรัพย์สินเงินทองซื้อไม่ได้ แล้วพระเจ้าประทาน บำเหน็จจนเหลือบรรยาย</a:t>
+              <a:t>เราเข้าเฝ้าที่ประทับองค์พระเจ้า สู่แสงแห่งรัศมีของพระองค์ โดยโลหิตแห่งพระคริสต์ชีวิตสดใส ส่องจิตใจเราเป็นไท พ้นความมืดมน ส่องยังพวกเรา ส่องยังพวกเรา</a:t>
             </a:r>
           </a:p>
         </p:txBody>
@@ -4982,7 +3420,7 @@
               </a:defRPr>
             </a:pPr>
             <a:r>
-              <a:t>Are you ever burdened with a load of care? Does the cross seem heavy you are called to bear? Count your many blessings, ev'ry doubt will fly, And you will be singing as the days go by.</a:t>
+              <a:t>Lord I come to Your awesome presence, From the shadows into Your radiance. By the blood I may enter Your brightness, Search me, try me, consume all my darkness. Shine on me. Shine on me.</a:t>
             </a:r>
           </a:p>
         </p:txBody>
@@ -5022,7 +3460,7 @@
           <a:noFill/>
         </p:spPr>
         <p:txBody>
-          <a:bodyPr wrap="none">
+          <a:bodyPr wrap="square">
             <a:spAutoFit/>
           </a:bodyPr>
           <a:lstStyle/>
@@ -5031,22 +3469,14 @@
               <a:lnSpc>
                 <a:spcPts val="4800"/>
               </a:lnSpc>
-              <a:defRPr sz="4400">
+              <a:defRPr sz="4500">
                 <a:solidFill>
                   <a:srgbClr val="000000"/>
                 </a:solidFill>
               </a:defRPr>
             </a:pPr>
             <a:r>
-              <a:t>นับพระพรของท่านดูทีละอัน นับพระพรซึ่งพระเยซูประทาน</a:t>
-            </a:r>
-            <a:br/>
-            <a:r>
-              <a:t>นับพระพรนั้น นับดูทีละอัน นับพระพรของท่าน</a:t>
-            </a:r>
-            <a:br/>
-            <a:r>
-              <a:t>ซึ่งพระเยซูประทาน</a:t>
+              <a:t>แสงพระเยซู ส่องดินแดนด้วยพระสิริพระบิดา ขอพระวิญญาณเจิมใจเราด้วยไฟ ไหลดั่งแม่น้ำท่วมวิญญาณเหล่าประชา ด้วยพระคุณ และทรงการุณย์พระคำเป็นความสว่าง</a:t>
             </a:r>
           </a:p>
         </p:txBody>
@@ -5084,7 +3514,7 @@
               </a:defRPr>
             </a:pPr>
             <a:r>
-              <a:t>Count your blessings, name them one by one; Count your blessings, see what God hath done; Count your blessings, name them one by one; Count your many blessings, see what God hath done.</a:t>
+              <a:t>Shine, Jesus shine, Fill this land with the Father's glory. Blaze, Spirit blaze, Set our hearts on fire. Flow, river flow, Flood the nations with grace and mercy. Send forth Your word, Lord and let there be light.</a:t>
             </a:r>
           </a:p>
         </p:txBody>
@@ -5133,14 +3563,14 @@
               <a:lnSpc>
                 <a:spcPts val="4800"/>
               </a:lnSpc>
-              <a:defRPr sz="4400">
+              <a:defRPr sz="4500">
                 <a:solidFill>
                   <a:srgbClr val="000000"/>
                 </a:solidFill>
               </a:defRPr>
             </a:pPr>
             <a:r>
-              <a:t>เวลาท่านต่อสู้ จะเป็นการเล็กหรือใหญ่ อย่าระอาอ่อนใจ พระผู้เป็นเจ้าอยู่ใกล้ จงนับดูพระพร เพราะทูตสวรรค์ป้องกัน ช่วยปลอบโยนดวงจิต ท่านจนตลอดสิ้นกาล</a:t>
+              <a:t>เมื่อมองดูพักตร์พระเจ้าบรรเจิดจ้า บนใบหน้าเราจะเหมือนดังพระองค์ ขอเปลี่ยนแปลง และนำเราสู่พระสิริ เพื่อชีวิตจะสะท้อน ให้เห็นพระองค์ ส่องยังพวกเรา ส่องยังพวกเรา</a:t>
             </a:r>
           </a:p>
         </p:txBody>
@@ -5178,7 +3608,7 @@
               </a:defRPr>
             </a:pPr>
             <a:r>
-              <a:t>So, amid the conflict, whether great or small, Do not be discouraged, God is over all; Count your many blessings, angels will attend, Help and comfort give you to your journey's end.</a:t>
+              <a:t>As we gaze on Your kindly brightness. So our faces display Your likeness. Ever changing from glory to glory, Mirrored here may our lives tell Your story. Shine on me. Shine on me.</a:t>
             </a:r>
           </a:p>
         </p:txBody>
@@ -5218,7 +3648,7 @@
           <a:noFill/>
         </p:spPr>
         <p:txBody>
-          <a:bodyPr wrap="none">
+          <a:bodyPr wrap="square">
             <a:spAutoFit/>
           </a:bodyPr>
           <a:lstStyle/>
@@ -5227,22 +3657,14 @@
               <a:lnSpc>
                 <a:spcPts val="4800"/>
               </a:lnSpc>
-              <a:defRPr sz="4400">
+              <a:defRPr sz="4500">
                 <a:solidFill>
                   <a:srgbClr val="000000"/>
                 </a:solidFill>
               </a:defRPr>
             </a:pPr>
             <a:r>
-              <a:t>นับพระพรของท่านดูทีละอัน นับพระพรซึ่งพระเยซูประทาน</a:t>
-            </a:r>
-            <a:br/>
-            <a:r>
-              <a:t>นับพระพรนั้น นับดูทีละอัน นับพระพรของท่าน</a:t>
-            </a:r>
-            <a:br/>
-            <a:r>
-              <a:t>ซึ่งพระเยซูประทาน</a:t>
+              <a:t>แสงพระเยซู ส่องดินแดนด้วยพระสิริพระบิดา ขอพระวิญญาณเจิมใจเราด้วยไฟ ไหลดั่งแม่น้ำท่วมวิญญาณเหล่าประชา ด้วยพระคุณ และทรงการุณย์พระคำเป็นความสว่าง</a:t>
             </a:r>
           </a:p>
         </p:txBody>
@@ -5280,176 +3702,7 @@
               </a:defRPr>
             </a:pPr>
             <a:r>
-              <a:t>Count your blessings, name them one by one; Count your blessings, see what God hath done; Count your blessings, name them one by one; Count your many blessings, see what God hath done.</a:t>
-            </a:r>
-          </a:p>
-        </p:txBody>
-      </p:sp>
-    </p:spTree>
-  </p:cSld>
-  <p:clrMapOvr>
-    <a:masterClrMapping/>
-  </p:clrMapOvr>
-</p:sld>
-</file>
-
-<file path=ppt/slides/slide8.xml><?xml version="1.0" encoding="utf-8"?>
-<p:sld xmlns:a="http://schemas.openxmlformats.org/drawingml/2006/main" xmlns:p="http://schemas.openxmlformats.org/presentationml/2006/main" xmlns:r="http://schemas.openxmlformats.org/officeDocument/2006/relationships">
-  <p:cSld>
-    <p:spTree>
-      <p:nvGrpSpPr>
-        <p:cNvPr id="1" name=""/>
-        <p:cNvGrpSpPr/>
-        <p:nvPr/>
-      </p:nvGrpSpPr>
-      <p:grpSpPr/>
-      <p:sp>
-        <p:nvSpPr>
-          <p:cNvPr id="2" name="Title 1"/>
-          <p:cNvSpPr>
-            <a:spLocks noGrp="1"/>
-          </p:cNvSpPr>
-          <p:nvPr>
-            <p:ph type="ctrTitle"/>
-          </p:nvPr>
-        </p:nvSpPr>
-        <p:spPr/>
-        <p:txBody>
-          <a:bodyPr/>
-          <a:lstStyle/>
-          <a:p>
-            <a:r>
-              <a:t>โอ ข้ายกพระนามพระองค์</a:t>
-            </a:r>
-          </a:p>
-        </p:txBody>
-      </p:sp>
-      <p:sp>
-        <p:nvSpPr>
-          <p:cNvPr id="3" name="Subtitle 2"/>
-          <p:cNvSpPr>
-            <a:spLocks noGrp="1"/>
-          </p:cNvSpPr>
-          <p:nvPr>
-            <p:ph type="subTitle" idx="1"/>
-          </p:nvPr>
-        </p:nvSpPr>
-        <p:spPr/>
-        <p:txBody>
-          <a:bodyPr/>
-          <a:lstStyle/>
-          <a:p>
-            <a:pPr>
-              <a:defRPr sz="4000">
-                <a:solidFill>
-                  <a:srgbClr val="3A70BC"/>
-                </a:solidFill>
-              </a:defRPr>
-            </a:pPr>
-            <a:r>
-              <a:t>Lord, I Lift Your Name on High</a:t>
-            </a:r>
-          </a:p>
-        </p:txBody>
-      </p:sp>
-    </p:spTree>
-  </p:cSld>
-  <p:clrMapOvr>
-    <a:masterClrMapping/>
-  </p:clrMapOvr>
-</p:sld>
-</file>
-
-<file path=ppt/slides/slide9.xml><?xml version="1.0" encoding="utf-8"?>
-<p:sld xmlns:a="http://schemas.openxmlformats.org/drawingml/2006/main" xmlns:p="http://schemas.openxmlformats.org/presentationml/2006/main" xmlns:r="http://schemas.openxmlformats.org/officeDocument/2006/relationships">
-  <p:cSld>
-    <p:spTree>
-      <p:nvGrpSpPr>
-        <p:cNvPr id="1" name=""/>
-        <p:cNvGrpSpPr/>
-        <p:nvPr/>
-      </p:nvGrpSpPr>
-      <p:grpSpPr/>
-      <p:sp>
-        <p:nvSpPr>
-          <p:cNvPr id="2" name="TextBox 1"/>
-          <p:cNvSpPr txBox="1"/>
-          <p:nvPr/>
-        </p:nvSpPr>
-        <p:spPr>
-          <a:xfrm>
-            <a:off x="685800" y="228600"/>
-            <a:ext cx="7772400" cy="2971800"/>
-          </a:xfrm>
-          <a:prstGeom prst="rect">
-            <a:avLst/>
-          </a:prstGeom>
-          <a:noFill/>
-        </p:spPr>
-        <p:txBody>
-          <a:bodyPr wrap="none">
-            <a:spAutoFit/>
-          </a:bodyPr>
-          <a:lstStyle/>
-          <a:p>
-            <a:pPr algn="ctr">
-              <a:lnSpc>
-                <a:spcPts val="4800"/>
-              </a:lnSpc>
-              <a:defRPr sz="4400">
-                <a:solidFill>
-                  <a:srgbClr val="000000"/>
-                </a:solidFill>
-              </a:defRPr>
-            </a:pPr>
-            <a:r>
-              <a:t>โอ ข้ายกพระนามพระองค์ โอ</a:t>
-            </a:r>
-            <a:br/>
-            <a:r>
-              <a:t>ข้ารักจึงร้องเพลงสรรเสริญ</a:t>
-            </a:r>
-            <a:br/>
-            <a:r>
-              <a:t>พระเยซูทรงอยู่ภายใน ข้ายินดีพระองค์ทรงช่วยให้รอด</a:t>
-            </a:r>
-          </a:p>
-        </p:txBody>
-      </p:sp>
-      <p:sp>
-        <p:nvSpPr>
-          <p:cNvPr id="3" name="TextBox 2"/>
-          <p:cNvSpPr txBox="1"/>
-          <p:nvPr/>
-        </p:nvSpPr>
-        <p:spPr>
-          <a:xfrm>
-            <a:off x="685800" y="3657600"/>
-            <a:ext cx="7772400" cy="2971800"/>
-          </a:xfrm>
-          <a:prstGeom prst="rect">
-            <a:avLst/>
-          </a:prstGeom>
-          <a:noFill/>
-        </p:spPr>
-        <p:txBody>
-          <a:bodyPr wrap="square">
-            <a:spAutoFit/>
-          </a:bodyPr>
-          <a:lstStyle/>
-          <a:p>
-            <a:pPr algn="ctr">
-              <a:lnSpc>
-                <a:spcPts val="4800"/>
-              </a:lnSpc>
-              <a:defRPr sz="4200">
-                <a:solidFill>
-                  <a:srgbClr val="3A70BC"/>
-                </a:solidFill>
-              </a:defRPr>
-            </a:pPr>
-            <a:r>
-              <a:t>Lord, I lift Your name on high. Lord, I love to sing Your praises. I'm so glad You're in my life. I'm so glad You came to save us.</a:t>
+              <a:t>Shine, Jesus shine, Fill this land with the Father's glory. Blaze, Spirit blaze, Set our hearts on fire. Flow, river flow, Flood the nations with grace and mercy. Send forth Your word, Lord and let there be light.</a:t>
             </a:r>
           </a:p>
         </p:txBody>

--- a/finishedppt/WorshipSongs.pptx
+++ b/finishedppt/WorshipSongs.pptx
@@ -12,6 +12,8 @@
     <p:sldId id="260" r:id="rId11"/>
     <p:sldId id="261" r:id="rId12"/>
     <p:sldId id="262" r:id="rId13"/>
+    <p:sldId id="263" r:id="rId14"/>
+    <p:sldId id="264" r:id="rId15"/>
   </p:sldIdLst>
   <p:sldSz cx="9144000" cy="6858000" type="screen4x3"/>
   <p:notesSz cx="6858000" cy="9144000"/>
@@ -3110,7 +3112,7 @@
           <a:lstStyle/>
           <a:p>
             <a:r>
-              <a:t>แสงพระเยซู</a:t>
+              <a:t>กำลังในความรักพระองค์</a:t>
             </a:r>
           </a:p>
         </p:txBody>
@@ -3138,7 +3140,7 @@
               </a:defRPr>
             </a:pPr>
             <a:r>
-              <a:t>Shine Jesus Shine</a:t>
+              <a:t>Power of Your Love </a:t>
             </a:r>
           </a:p>
         </p:txBody>
@@ -3178,7 +3180,7 @@
           <a:noFill/>
         </p:spPr>
         <p:txBody>
-          <a:bodyPr wrap="square">
+          <a:bodyPr wrap="none">
             <a:spAutoFit/>
           </a:bodyPr>
           <a:lstStyle/>
@@ -3187,14 +3189,22 @@
               <a:lnSpc>
                 <a:spcPts val="4800"/>
               </a:lnSpc>
-              <a:defRPr sz="4500">
+              <a:defRPr sz="4000">
                 <a:solidFill>
                   <a:srgbClr val="000000"/>
                 </a:solidFill>
               </a:defRPr>
             </a:pPr>
             <a:r>
-              <a:t>องค์พระเจ้าแห่งความรักทรงส่องแสง ในท่ามกลางความมืดมิดแห่งชีวิต พระเยซูเป็นสว่างส่องเหนือพวกเรา ทรงปลดปล่อยนำเราด้วยความจริงยิ่งใหญ่ ส่องยังพวกเรา ส่องยังพวกเรา</a:t>
+              <a:t>พระบิดาเบื้องบน โปรดประทานดวงใจ</a:t>
+            </a:r>
+            <a:br/>
+            <a:r>
+              <a:t>ชื่นบาน ขอพระคุณพระองค์</a:t>
+            </a:r>
+            <a:br/>
+            <a:r>
+              <a:t>โปรดสัมผัสหัวใจ</a:t>
             </a:r>
           </a:p>
         </p:txBody>
@@ -3216,7 +3226,7 @@
           <a:noFill/>
         </p:spPr>
         <p:txBody>
-          <a:bodyPr wrap="square">
+          <a:bodyPr wrap="none">
             <a:spAutoFit/>
           </a:bodyPr>
           <a:lstStyle/>
@@ -3225,14 +3235,22 @@
               <a:lnSpc>
                 <a:spcPts val="4800"/>
               </a:lnSpc>
-              <a:defRPr sz="4200">
+              <a:defRPr sz="3500">
                 <a:solidFill>
                   <a:srgbClr val="3A70BC"/>
                 </a:solidFill>
               </a:defRPr>
             </a:pPr>
             <a:r>
-              <a:t>Lord, the Light of Your Love is shining, In the midst of the darkness shining, Jesus, Light of the World, shine upon us, Set us free by the truth You now bring us, Shine on me. Shine on me.</a:t>
+              <a:t>Lord I come to You. Let my heart be changed</a:t>
+            </a:r>
+            <a:br/>
+            <a:r>
+              <a:t> renewed. Flowing from the grace</a:t>
+            </a:r>
+            <a:br/>
+            <a:r>
+              <a:t> That I found in You.</a:t>
             </a:r>
           </a:p>
         </p:txBody>
@@ -3272,7 +3290,7 @@
           <a:noFill/>
         </p:spPr>
         <p:txBody>
-          <a:bodyPr wrap="square">
+          <a:bodyPr wrap="none">
             <a:spAutoFit/>
           </a:bodyPr>
           <a:lstStyle/>
@@ -3281,14 +3299,22 @@
               <a:lnSpc>
                 <a:spcPts val="4800"/>
               </a:lnSpc>
-              <a:defRPr sz="4500">
+              <a:defRPr sz="4000">
                 <a:solidFill>
                   <a:srgbClr val="000000"/>
                 </a:solidFill>
               </a:defRPr>
             </a:pPr>
             <a:r>
-              <a:t>แสงพระเยซู ส่องดินแดนด้วยพระสิริพระบิดา ขอพระวิญญาณเจิมใจเราด้วยไฟ ไหลดั่งแม่น้ำท่วมวิญญาณเหล่าประชา ด้วยพระคุณ และทรงการุณย์พระคำเป็นความสว่าง</a:t>
+              <a:t>และโปรดให้ความเศร้าตรม</a:t>
+            </a:r>
+            <a:br/>
+            <a:r>
+              <a:t>ได้หลุดจากภายในใจของข้า</a:t>
+            </a:r>
+            <a:br/>
+            <a:r>
+              <a:t>ล้นด้วยความชื่นบาน ด้วยความรักของพระองค์</a:t>
             </a:r>
           </a:p>
         </p:txBody>
@@ -3310,7 +3336,7 @@
           <a:noFill/>
         </p:spPr>
         <p:txBody>
-          <a:bodyPr wrap="square">
+          <a:bodyPr wrap="none">
             <a:spAutoFit/>
           </a:bodyPr>
           <a:lstStyle/>
@@ -3319,15 +3345,24 @@
               <a:lnSpc>
                 <a:spcPts val="4800"/>
               </a:lnSpc>
-              <a:defRPr sz="4200">
+              <a:defRPr sz="3500">
                 <a:solidFill>
                   <a:srgbClr val="3A70BC"/>
                 </a:solidFill>
               </a:defRPr>
             </a:pPr>
             <a:r>
-              <a:t>Shine, Jesus shine, Fill this land with the Father's glory. Blaze, Spirit blaze, Set our hearts on fire. Flow, river flow, Flood the nations with grace and mercy. Send forth Your word, Lord and let there be light.</a:t>
-            </a:r>
+              <a:t>And Lord I've come to know</a:t>
+            </a:r>
+            <a:br/>
+            <a:r>
+              <a:t> The weaknesses I see in me</a:t>
+            </a:r>
+            <a:br/>
+            <a:r>
+              <a:t> Will be stripped away. By the power of Your love</a:t>
+            </a:r>
+            <a:br/>
           </a:p>
         </p:txBody>
       </p:sp>
@@ -3366,7 +3401,7 @@
           <a:noFill/>
         </p:spPr>
         <p:txBody>
-          <a:bodyPr wrap="square">
+          <a:bodyPr wrap="none">
             <a:spAutoFit/>
           </a:bodyPr>
           <a:lstStyle/>
@@ -3375,14 +3410,18 @@
               <a:lnSpc>
                 <a:spcPts val="4800"/>
               </a:lnSpc>
-              <a:defRPr sz="4500">
+              <a:defRPr sz="4000">
                 <a:solidFill>
                   <a:srgbClr val="000000"/>
                 </a:solidFill>
               </a:defRPr>
             </a:pPr>
             <a:r>
-              <a:t>เราเข้าเฝ้าที่ประทับองค์พระเจ้า สู่แสงแห่งรัศมีของพระองค์ โดยโลหิตแห่งพระคริสต์ชีวิตสดใส ส่องจิตใจเราเป็นไท พ้นความมืดมน ส่องยังพวกเรา ส่องยังพวกเรา</a:t>
+              <a:t>โปรดยึดข้า อบอุ่นในความรักเมตตา</a:t>
+            </a:r>
+            <a:br/>
+            <a:r>
+              <a:t>อย่าให้ไกล ในอ้อมกอดพระองค์</a:t>
             </a:r>
           </a:p>
         </p:txBody>
@@ -3404,7 +3443,7 @@
           <a:noFill/>
         </p:spPr>
         <p:txBody>
-          <a:bodyPr wrap="square">
+          <a:bodyPr wrap="none">
             <a:spAutoFit/>
           </a:bodyPr>
           <a:lstStyle/>
@@ -3413,15 +3452,20 @@
               <a:lnSpc>
                 <a:spcPts val="4800"/>
               </a:lnSpc>
-              <a:defRPr sz="4200">
+              <a:defRPr sz="3500">
                 <a:solidFill>
                   <a:srgbClr val="3A70BC"/>
                 </a:solidFill>
               </a:defRPr>
             </a:pPr>
             <a:r>
-              <a:t>Lord I come to Your awesome presence, From the shadows into Your radiance. By the blood I may enter Your brightness, Search me, try me, consume all my darkness. Shine on me. Shine on me.</a:t>
-            </a:r>
+              <a:t>Hold me close. Let Your love surround me</a:t>
+            </a:r>
+            <a:br/>
+            <a:r>
+              <a:t> Bring me near. Draw me to Your side</a:t>
+            </a:r>
+            <a:br/>
           </a:p>
         </p:txBody>
       </p:sp>
@@ -3460,7 +3504,7 @@
           <a:noFill/>
         </p:spPr>
         <p:txBody>
-          <a:bodyPr wrap="square">
+          <a:bodyPr wrap="none">
             <a:spAutoFit/>
           </a:bodyPr>
           <a:lstStyle/>
@@ -3469,14 +3513,22 @@
               <a:lnSpc>
                 <a:spcPts val="4800"/>
               </a:lnSpc>
-              <a:defRPr sz="4500">
+              <a:defRPr sz="4000">
                 <a:solidFill>
                   <a:srgbClr val="000000"/>
                 </a:solidFill>
               </a:defRPr>
             </a:pPr>
             <a:r>
-              <a:t>แสงพระเยซู ส่องดินแดนด้วยพระสิริพระบิดา ขอพระวิญญาณเจิมใจเราด้วยไฟ ไหลดั่งแม่น้ำท่วมวิญญาณเหล่าประชา ด้วยพระคุณ และทรงการุณย์พระคำเป็นความสว่าง</a:t>
+              <a:t>และโปรดให้ข้า โบกโบยบินเหมือนดังนกอินทรีย์</a:t>
+            </a:r>
+            <a:br/>
+            <a:r>
+              <a:t>และรับกำลังเรี่ยวแรง และล้นในพระวิญญาณ</a:t>
+            </a:r>
+            <a:br/>
+            <a:r>
+              <a:t>ด้วยความรักของพระองค์</a:t>
             </a:r>
           </a:p>
         </p:txBody>
@@ -3498,7 +3550,7 @@
           <a:noFill/>
         </p:spPr>
         <p:txBody>
-          <a:bodyPr wrap="square">
+          <a:bodyPr wrap="none">
             <a:spAutoFit/>
           </a:bodyPr>
           <a:lstStyle/>
@@ -3507,14 +3559,22 @@
               <a:lnSpc>
                 <a:spcPts val="4800"/>
               </a:lnSpc>
-              <a:defRPr sz="4200">
+              <a:defRPr sz="3500">
                 <a:solidFill>
                   <a:srgbClr val="3A70BC"/>
                 </a:solidFill>
               </a:defRPr>
             </a:pPr>
             <a:r>
-              <a:t>Shine, Jesus shine, Fill this land with the Father's glory. Blaze, Spirit blaze, Set our hearts on fire. Flow, river flow, Flood the nations with grace and mercy. Send forth Your word, Lord and let there be light.</a:t>
+              <a:t>And as I wait. I'll rise up like the eagle</a:t>
+            </a:r>
+            <a:br/>
+            <a:r>
+              <a:t> And I will soar with You. Your Spirit leads me on</a:t>
+            </a:r>
+            <a:br/>
+            <a:r>
+              <a:t> In the power of Your love.</a:t>
             </a:r>
           </a:p>
         </p:txBody>
@@ -3554,7 +3614,7 @@
           <a:noFill/>
         </p:spPr>
         <p:txBody>
-          <a:bodyPr wrap="square">
+          <a:bodyPr wrap="none">
             <a:spAutoFit/>
           </a:bodyPr>
           <a:lstStyle/>
@@ -3563,14 +3623,22 @@
               <a:lnSpc>
                 <a:spcPts val="4800"/>
               </a:lnSpc>
-              <a:defRPr sz="4500">
+              <a:defRPr sz="4000">
                 <a:solidFill>
                   <a:srgbClr val="000000"/>
                 </a:solidFill>
               </a:defRPr>
             </a:pPr>
             <a:r>
-              <a:t>เมื่อมองดูพักตร์พระเจ้าบรรเจิดจ้า บนใบหน้าเราจะเหมือนดังพระองค์ ขอเปลี่ยนแปลง และนำเราสู่พระสิริ เพื่อชีวิตจะสะท้อน ให้เห็นพระองค์ ส่องยังพวกเรา ส่องยังพวกเรา</a:t>
+              <a:t>พระบิดาเบื้องบน โปรดประทานดวงใจ</a:t>
+            </a:r>
+            <a:br/>
+            <a:r>
+              <a:t>ชื่นบาน ขอพระคุณพระองค์</a:t>
+            </a:r>
+            <a:br/>
+            <a:r>
+              <a:t>โปรดสัมผัสหัวใจ</a:t>
             </a:r>
           </a:p>
         </p:txBody>
@@ -3592,7 +3660,7 @@
           <a:noFill/>
         </p:spPr>
         <p:txBody>
-          <a:bodyPr wrap="square">
+          <a:bodyPr wrap="none">
             <a:spAutoFit/>
           </a:bodyPr>
           <a:lstStyle/>
@@ -3601,14 +3669,22 @@
               <a:lnSpc>
                 <a:spcPts val="4800"/>
               </a:lnSpc>
-              <a:defRPr sz="4200">
+              <a:defRPr sz="3500">
                 <a:solidFill>
                   <a:srgbClr val="3A70BC"/>
                 </a:solidFill>
               </a:defRPr>
             </a:pPr>
             <a:r>
-              <a:t>As we gaze on Your kindly brightness. So our faces display Your likeness. Ever changing from glory to glory, Mirrored here may our lives tell Your story. Shine on me. Shine on me.</a:t>
+              <a:t>Lord unveil my eyes. Let me see You face to face</a:t>
+            </a:r>
+            <a:br/>
+            <a:r>
+              <a:t> The knowledge of Your love</a:t>
+            </a:r>
+            <a:br/>
+            <a:r>
+              <a:t> As You live in me.</a:t>
             </a:r>
           </a:p>
         </p:txBody>
@@ -3648,7 +3724,7 @@
           <a:noFill/>
         </p:spPr>
         <p:txBody>
-          <a:bodyPr wrap="square">
+          <a:bodyPr wrap="none">
             <a:spAutoFit/>
           </a:bodyPr>
           <a:lstStyle/>
@@ -3657,14 +3733,22 @@
               <a:lnSpc>
                 <a:spcPts val="4800"/>
               </a:lnSpc>
-              <a:defRPr sz="4500">
+              <a:defRPr sz="4000">
                 <a:solidFill>
                   <a:srgbClr val="000000"/>
                 </a:solidFill>
               </a:defRPr>
             </a:pPr>
             <a:r>
-              <a:t>แสงพระเยซู ส่องดินแดนด้วยพระสิริพระบิดา ขอพระวิญญาณเจิมใจเราด้วยไฟ ไหลดั่งแม่น้ำท่วมวิญญาณเหล่าประชา ด้วยพระคุณ และทรงการุณย์พระคำเป็นความสว่าง</a:t>
+              <a:t>และโปรดให้ความเศร้าตรม</a:t>
+            </a:r>
+            <a:br/>
+            <a:r>
+              <a:t>ได้หลุดจากภายในใจของข้า</a:t>
+            </a:r>
+            <a:br/>
+            <a:r>
+              <a:t>ล้นด้วยความชื่นบาน ด้วยความรักของพระองค์</a:t>
             </a:r>
           </a:p>
         </p:txBody>
@@ -3695,14 +3779,227 @@
               <a:lnSpc>
                 <a:spcPts val="4800"/>
               </a:lnSpc>
-              <a:defRPr sz="4200">
+              <a:defRPr sz="3500">
                 <a:solidFill>
                   <a:srgbClr val="3A70BC"/>
                 </a:solidFill>
               </a:defRPr>
             </a:pPr>
             <a:r>
-              <a:t>Shine, Jesus shine, Fill this land with the Father's glory. Blaze, Spirit blaze, Set our hearts on fire. Flow, river flow, Flood the nations with grace and mercy. Send forth Your word, Lord and let there be light.</a:t>
+              <a:t>Lord renew my mind. As Your will unfolds in my life. In living every day. In the power of Your love.</a:t>
+            </a:r>
+          </a:p>
+        </p:txBody>
+      </p:sp>
+    </p:spTree>
+  </p:cSld>
+  <p:clrMapOvr>
+    <a:masterClrMapping/>
+  </p:clrMapOvr>
+</p:sld>
+</file>
+
+<file path=ppt/slides/slide8.xml><?xml version="1.0" encoding="utf-8"?>
+<p:sld xmlns:a="http://schemas.openxmlformats.org/drawingml/2006/main" xmlns:p="http://schemas.openxmlformats.org/presentationml/2006/main" xmlns:r="http://schemas.openxmlformats.org/officeDocument/2006/relationships">
+  <p:cSld>
+    <p:spTree>
+      <p:nvGrpSpPr>
+        <p:cNvPr id="1" name=""/>
+        <p:cNvGrpSpPr/>
+        <p:nvPr/>
+      </p:nvGrpSpPr>
+      <p:grpSpPr/>
+      <p:sp>
+        <p:nvSpPr>
+          <p:cNvPr id="2" name="TextBox 1"/>
+          <p:cNvSpPr txBox="1"/>
+          <p:nvPr/>
+        </p:nvSpPr>
+        <p:spPr>
+          <a:xfrm>
+            <a:off x="685800" y="228600"/>
+            <a:ext cx="7772400" cy="2971800"/>
+          </a:xfrm>
+          <a:prstGeom prst="rect">
+            <a:avLst/>
+          </a:prstGeom>
+          <a:noFill/>
+        </p:spPr>
+        <p:txBody>
+          <a:bodyPr wrap="none">
+            <a:spAutoFit/>
+          </a:bodyPr>
+          <a:lstStyle/>
+          <a:p>
+            <a:pPr algn="ctr">
+              <a:lnSpc>
+                <a:spcPts val="4800"/>
+              </a:lnSpc>
+              <a:defRPr sz="4000">
+                <a:solidFill>
+                  <a:srgbClr val="000000"/>
+                </a:solidFill>
+              </a:defRPr>
+            </a:pPr>
+            <a:r>
+              <a:t>โปรดยึดข้า อบอุ่นในความรักเมตตา</a:t>
+            </a:r>
+            <a:br/>
+            <a:r>
+              <a:t>อย่าให้ไกล ในอ้อมกอดพระองค์</a:t>
+            </a:r>
+          </a:p>
+        </p:txBody>
+      </p:sp>
+      <p:sp>
+        <p:nvSpPr>
+          <p:cNvPr id="3" name="TextBox 2"/>
+          <p:cNvSpPr txBox="1"/>
+          <p:nvPr/>
+        </p:nvSpPr>
+        <p:spPr>
+          <a:xfrm>
+            <a:off x="685800" y="3657600"/>
+            <a:ext cx="7772400" cy="2971800"/>
+          </a:xfrm>
+          <a:prstGeom prst="rect">
+            <a:avLst/>
+          </a:prstGeom>
+          <a:noFill/>
+        </p:spPr>
+        <p:txBody>
+          <a:bodyPr wrap="none">
+            <a:spAutoFit/>
+          </a:bodyPr>
+          <a:lstStyle/>
+          <a:p>
+            <a:pPr algn="ctr">
+              <a:lnSpc>
+                <a:spcPts val="4800"/>
+              </a:lnSpc>
+              <a:defRPr sz="3500">
+                <a:solidFill>
+                  <a:srgbClr val="3A70BC"/>
+                </a:solidFill>
+              </a:defRPr>
+            </a:pPr>
+            <a:r>
+              <a:t>Hold me close. Let Your love surround me</a:t>
+            </a:r>
+            <a:br/>
+            <a:r>
+              <a:t> Bring me near. Draw me to Your side</a:t>
+            </a:r>
+            <a:br/>
+          </a:p>
+        </p:txBody>
+      </p:sp>
+    </p:spTree>
+  </p:cSld>
+  <p:clrMapOvr>
+    <a:masterClrMapping/>
+  </p:clrMapOvr>
+</p:sld>
+</file>
+
+<file path=ppt/slides/slide9.xml><?xml version="1.0" encoding="utf-8"?>
+<p:sld xmlns:a="http://schemas.openxmlformats.org/drawingml/2006/main" xmlns:p="http://schemas.openxmlformats.org/presentationml/2006/main" xmlns:r="http://schemas.openxmlformats.org/officeDocument/2006/relationships">
+  <p:cSld>
+    <p:spTree>
+      <p:nvGrpSpPr>
+        <p:cNvPr id="1" name=""/>
+        <p:cNvGrpSpPr/>
+        <p:nvPr/>
+      </p:nvGrpSpPr>
+      <p:grpSpPr/>
+      <p:sp>
+        <p:nvSpPr>
+          <p:cNvPr id="2" name="TextBox 1"/>
+          <p:cNvSpPr txBox="1"/>
+          <p:nvPr/>
+        </p:nvSpPr>
+        <p:spPr>
+          <a:xfrm>
+            <a:off x="685800" y="228600"/>
+            <a:ext cx="7772400" cy="2971800"/>
+          </a:xfrm>
+          <a:prstGeom prst="rect">
+            <a:avLst/>
+          </a:prstGeom>
+          <a:noFill/>
+        </p:spPr>
+        <p:txBody>
+          <a:bodyPr wrap="none">
+            <a:spAutoFit/>
+          </a:bodyPr>
+          <a:lstStyle/>
+          <a:p>
+            <a:pPr algn="ctr">
+              <a:lnSpc>
+                <a:spcPts val="4800"/>
+              </a:lnSpc>
+              <a:defRPr sz="4000">
+                <a:solidFill>
+                  <a:srgbClr val="000000"/>
+                </a:solidFill>
+              </a:defRPr>
+            </a:pPr>
+            <a:r>
+              <a:t>และโปรดให้ข้า โบกโบยบินเหมือนดังนกอินทรีย์</a:t>
+            </a:r>
+            <a:br/>
+            <a:r>
+              <a:t>และรับกำลังเรี่ยวแรง และล้นในพระวิญญาณ</a:t>
+            </a:r>
+            <a:br/>
+            <a:r>
+              <a:t>ด้วยความรักของพระองค์</a:t>
+            </a:r>
+          </a:p>
+        </p:txBody>
+      </p:sp>
+      <p:sp>
+        <p:nvSpPr>
+          <p:cNvPr id="3" name="TextBox 2"/>
+          <p:cNvSpPr txBox="1"/>
+          <p:nvPr/>
+        </p:nvSpPr>
+        <p:spPr>
+          <a:xfrm>
+            <a:off x="685800" y="3657600"/>
+            <a:ext cx="7772400" cy="2971800"/>
+          </a:xfrm>
+          <a:prstGeom prst="rect">
+            <a:avLst/>
+          </a:prstGeom>
+          <a:noFill/>
+        </p:spPr>
+        <p:txBody>
+          <a:bodyPr wrap="none">
+            <a:spAutoFit/>
+          </a:bodyPr>
+          <a:lstStyle/>
+          <a:p>
+            <a:pPr algn="ctr">
+              <a:lnSpc>
+                <a:spcPts val="4800"/>
+              </a:lnSpc>
+              <a:defRPr sz="3500">
+                <a:solidFill>
+                  <a:srgbClr val="3A70BC"/>
+                </a:solidFill>
+              </a:defRPr>
+            </a:pPr>
+            <a:r>
+              <a:t>And as I wait. I'll rise up like the eagle</a:t>
+            </a:r>
+            <a:br/>
+            <a:r>
+              <a:t> And I will soar with You. Your Spirit leads me on</a:t>
+            </a:r>
+            <a:br/>
+            <a:r>
+              <a:t> In the power of Your love.</a:t>
             </a:r>
           </a:p>
         </p:txBody>

--- a/finishedppt/WorshipSongs.pptx
+++ b/finishedppt/WorshipSongs.pptx
@@ -14,6 +14,21 @@
     <p:sldId id="262" r:id="rId13"/>
     <p:sldId id="263" r:id="rId14"/>
     <p:sldId id="264" r:id="rId15"/>
+    <p:sldId id="265" r:id="rId16"/>
+    <p:sldId id="266" r:id="rId17"/>
+    <p:sldId id="267" r:id="rId18"/>
+    <p:sldId id="268" r:id="rId19"/>
+    <p:sldId id="269" r:id="rId20"/>
+    <p:sldId id="270" r:id="rId21"/>
+    <p:sldId id="271" r:id="rId22"/>
+    <p:sldId id="272" r:id="rId23"/>
+    <p:sldId id="273" r:id="rId24"/>
+    <p:sldId id="274" r:id="rId25"/>
+    <p:sldId id="275" r:id="rId26"/>
+    <p:sldId id="276" r:id="rId27"/>
+    <p:sldId id="277" r:id="rId28"/>
+    <p:sldId id="278" r:id="rId29"/>
+    <p:sldId id="279" r:id="rId30"/>
   </p:sldIdLst>
   <p:sldSz cx="9144000" cy="6858000" type="screen4x3"/>
   <p:notesSz cx="6858000" cy="9144000"/>
@@ -3112,7 +3127,7 @@
           <a:lstStyle/>
           <a:p>
             <a:r>
-              <a:t>กำลังในความรักพระองค์</a:t>
+              <a:t>แสงพระเยซู</a:t>
             </a:r>
           </a:p>
         </p:txBody>
@@ -3140,7 +3155,749 @@
               </a:defRPr>
             </a:pPr>
             <a:r>
-              <a:t>Power of Your Love </a:t>
+              <a:t>Shine Jesus Shine</a:t>
+            </a:r>
+          </a:p>
+        </p:txBody>
+      </p:sp>
+    </p:spTree>
+  </p:cSld>
+  <p:clrMapOvr>
+    <a:masterClrMapping/>
+  </p:clrMapOvr>
+</p:sld>
+</file>
+
+<file path=ppt/slides/slide10.xml><?xml version="1.0" encoding="utf-8"?>
+<p:sld xmlns:a="http://schemas.openxmlformats.org/drawingml/2006/main" xmlns:p="http://schemas.openxmlformats.org/presentationml/2006/main" xmlns:r="http://schemas.openxmlformats.org/officeDocument/2006/relationships">
+  <p:cSld>
+    <p:spTree>
+      <p:nvGrpSpPr>
+        <p:cNvPr id="1" name=""/>
+        <p:cNvGrpSpPr/>
+        <p:nvPr/>
+      </p:nvGrpSpPr>
+      <p:grpSpPr/>
+      <p:sp>
+        <p:nvSpPr>
+          <p:cNvPr id="2" name="TextBox 1"/>
+          <p:cNvSpPr txBox="1"/>
+          <p:nvPr/>
+        </p:nvSpPr>
+        <p:spPr>
+          <a:xfrm>
+            <a:off x="914400" y="457200"/>
+            <a:ext cx="7315200" cy="5486400"/>
+          </a:xfrm>
+          <a:prstGeom prst="rect">
+            <a:avLst/>
+          </a:prstGeom>
+          <a:noFill/>
+        </p:spPr>
+        <p:txBody>
+          <a:bodyPr wrap="none">
+            <a:spAutoFit/>
+          </a:bodyPr>
+          <a:lstStyle/>
+          <a:p>
+            <a:pPr algn="ctr">
+              <a:lnSpc>
+                <a:spcPts val="7000"/>
+              </a:lnSpc>
+              <a:defRPr sz="4400">
+                <a:solidFill>
+                  <a:srgbClr val="000000"/>
+                </a:solidFill>
+              </a:defRPr>
+            </a:pPr>
+            <a:r>
+              <a:t>*เมื่อฉันจะนิทราในเวลาราตรี</a:t>
+            </a:r>
+            <a:br/>
+            <a:r>
+              <a:t>ฉันคิดถึงพระเจ้าพระบิดา</a:t>
+            </a:r>
+            <a:br/>
+            <a:r>
+              <a:t>ฉันรู้แน่พระองค์ทรงรักฉันทุกเวลา</a:t>
+            </a:r>
+            <a:br/>
+            <a:r>
+              <a:t>เพราะว่าฉันเป็นบุตรของพระองค์</a:t>
+            </a:r>
+          </a:p>
+        </p:txBody>
+      </p:sp>
+    </p:spTree>
+  </p:cSld>
+  <p:clrMapOvr>
+    <a:masterClrMapping/>
+  </p:clrMapOvr>
+</p:sld>
+</file>
+
+<file path=ppt/slides/slide11.xml><?xml version="1.0" encoding="utf-8"?>
+<p:sld xmlns:a="http://schemas.openxmlformats.org/drawingml/2006/main" xmlns:p="http://schemas.openxmlformats.org/presentationml/2006/main" xmlns:r="http://schemas.openxmlformats.org/officeDocument/2006/relationships">
+  <p:cSld>
+    <p:spTree>
+      <p:nvGrpSpPr>
+        <p:cNvPr id="1" name=""/>
+        <p:cNvGrpSpPr/>
+        <p:nvPr/>
+      </p:nvGrpSpPr>
+      <p:grpSpPr/>
+      <p:sp>
+        <p:nvSpPr>
+          <p:cNvPr id="2" name="Title 1"/>
+          <p:cNvSpPr>
+            <a:spLocks noGrp="1"/>
+          </p:cNvSpPr>
+          <p:nvPr>
+            <p:ph type="ctrTitle"/>
+          </p:nvPr>
+        </p:nvSpPr>
+        <p:spPr/>
+        <p:txBody>
+          <a:bodyPr/>
+          <a:lstStyle/>
+          <a:p>
+            <a:r>
+              <a:t>รักในโครินธ์</a:t>
+            </a:r>
+          </a:p>
+        </p:txBody>
+      </p:sp>
+      <p:sp>
+        <p:nvSpPr>
+          <p:cNvPr id="3" name="Subtitle 2"/>
+          <p:cNvSpPr>
+            <a:spLocks noGrp="1"/>
+          </p:cNvSpPr>
+          <p:nvPr>
+            <p:ph type="subTitle" idx="1"/>
+          </p:nvPr>
+        </p:nvSpPr>
+        <p:spPr/>
+        <p:txBody>
+          <a:bodyPr/>
+          <a:lstStyle/>
+          <a:p>
+            <a:pPr>
+              <a:defRPr sz="4000">
+                <a:solidFill>
+                  <a:srgbClr val="3A70BC"/>
+                </a:solidFill>
+              </a:defRPr>
+            </a:pPr>
+          </a:p>
+        </p:txBody>
+      </p:sp>
+    </p:spTree>
+  </p:cSld>
+  <p:clrMapOvr>
+    <a:masterClrMapping/>
+  </p:clrMapOvr>
+</p:sld>
+</file>
+
+<file path=ppt/slides/slide12.xml><?xml version="1.0" encoding="utf-8"?>
+<p:sld xmlns:a="http://schemas.openxmlformats.org/drawingml/2006/main" xmlns:p="http://schemas.openxmlformats.org/presentationml/2006/main" xmlns:r="http://schemas.openxmlformats.org/officeDocument/2006/relationships">
+  <p:cSld>
+    <p:spTree>
+      <p:nvGrpSpPr>
+        <p:cNvPr id="1" name=""/>
+        <p:cNvGrpSpPr/>
+        <p:nvPr/>
+      </p:nvGrpSpPr>
+      <p:grpSpPr/>
+      <p:sp>
+        <p:nvSpPr>
+          <p:cNvPr id="2" name="TextBox 1"/>
+          <p:cNvSpPr txBox="1"/>
+          <p:nvPr/>
+        </p:nvSpPr>
+        <p:spPr>
+          <a:xfrm>
+            <a:off x="914400" y="457200"/>
+            <a:ext cx="7315200" cy="5486400"/>
+          </a:xfrm>
+          <a:prstGeom prst="rect">
+            <a:avLst/>
+          </a:prstGeom>
+          <a:noFill/>
+        </p:spPr>
+        <p:txBody>
+          <a:bodyPr wrap="none">
+            <a:spAutoFit/>
+          </a:bodyPr>
+          <a:lstStyle/>
+          <a:p>
+            <a:pPr algn="ctr">
+              <a:lnSpc>
+                <a:spcPts val="7000"/>
+              </a:lnSpc>
+              <a:defRPr sz="4400">
+                <a:solidFill>
+                  <a:srgbClr val="000000"/>
+                </a:solidFill>
+              </a:defRPr>
+            </a:pPr>
+            <a:r>
+              <a:t>ความรักจริงแท้รักต้องอดทนทุกอย่าง</a:t>
+            </a:r>
+            <a:br/>
+            <a:r>
+              <a:t>ผิดแม้กี่ครั้งก็ยังอภัยเสมอ</a:t>
+            </a:r>
+            <a:br/>
+            <a:r>
+              <a:t>ตราบนานเท่านานมั่นคงดั่งรักแรกเจอ</a:t>
+            </a:r>
+            <a:br/>
+            <a:r>
+              <a:t>อภัยเสมออย่าได้คิดเอามาใส่ใจ</a:t>
+            </a:r>
+          </a:p>
+        </p:txBody>
+      </p:sp>
+    </p:spTree>
+  </p:cSld>
+  <p:clrMapOvr>
+    <a:masterClrMapping/>
+  </p:clrMapOvr>
+</p:sld>
+</file>
+
+<file path=ppt/slides/slide13.xml><?xml version="1.0" encoding="utf-8"?>
+<p:sld xmlns:a="http://schemas.openxmlformats.org/drawingml/2006/main" xmlns:p="http://schemas.openxmlformats.org/presentationml/2006/main" xmlns:r="http://schemas.openxmlformats.org/officeDocument/2006/relationships">
+  <p:cSld>
+    <p:spTree>
+      <p:nvGrpSpPr>
+        <p:cNvPr id="1" name=""/>
+        <p:cNvGrpSpPr/>
+        <p:nvPr/>
+      </p:nvGrpSpPr>
+      <p:grpSpPr/>
+      <p:sp>
+        <p:nvSpPr>
+          <p:cNvPr id="2" name="TextBox 1"/>
+          <p:cNvSpPr txBox="1"/>
+          <p:nvPr/>
+        </p:nvSpPr>
+        <p:spPr>
+          <a:xfrm>
+            <a:off x="914400" y="457200"/>
+            <a:ext cx="7315200" cy="5486400"/>
+          </a:xfrm>
+          <a:prstGeom prst="rect">
+            <a:avLst/>
+          </a:prstGeom>
+          <a:noFill/>
+        </p:spPr>
+        <p:txBody>
+          <a:bodyPr wrap="none">
+            <a:spAutoFit/>
+          </a:bodyPr>
+          <a:lstStyle/>
+          <a:p>
+            <a:pPr algn="ctr">
+              <a:lnSpc>
+                <a:spcPts val="7000"/>
+              </a:lnSpc>
+              <a:defRPr sz="4400">
+                <a:solidFill>
+                  <a:srgbClr val="000000"/>
+                </a:solidFill>
+              </a:defRPr>
+            </a:pPr>
+            <a:r>
+              <a:t>ให้รู้ไว้เลยรักแท้ต้องไม่ฝังจำ</a:t>
+            </a:r>
+            <a:br/>
+            <a:r>
+              <a:t>และไม่ตอกย้ำซ้ำเติมให้เขาอับอาย</a:t>
+            </a:r>
+            <a:br/>
+            <a:r>
+              <a:t>พลาดพลั้งล้มลงช่วยเขาให้ลุกขึ้นใหม่</a:t>
+            </a:r>
+            <a:br/>
+            <a:r>
+              <a:t>ให้รู้เอาไว้ไม่มีใครไม่เคยไม่ทำผิด</a:t>
+            </a:r>
+          </a:p>
+        </p:txBody>
+      </p:sp>
+    </p:spTree>
+  </p:cSld>
+  <p:clrMapOvr>
+    <a:masterClrMapping/>
+  </p:clrMapOvr>
+</p:sld>
+</file>
+
+<file path=ppt/slides/slide14.xml><?xml version="1.0" encoding="utf-8"?>
+<p:sld xmlns:a="http://schemas.openxmlformats.org/drawingml/2006/main" xmlns:p="http://schemas.openxmlformats.org/presentationml/2006/main" xmlns:r="http://schemas.openxmlformats.org/officeDocument/2006/relationships">
+  <p:cSld>
+    <p:spTree>
+      <p:nvGrpSpPr>
+        <p:cNvPr id="1" name=""/>
+        <p:cNvGrpSpPr/>
+        <p:nvPr/>
+      </p:nvGrpSpPr>
+      <p:grpSpPr/>
+      <p:sp>
+        <p:nvSpPr>
+          <p:cNvPr id="2" name="TextBox 1"/>
+          <p:cNvSpPr txBox="1"/>
+          <p:nvPr/>
+        </p:nvSpPr>
+        <p:spPr>
+          <a:xfrm>
+            <a:off x="914400" y="457200"/>
+            <a:ext cx="7315200" cy="5486400"/>
+          </a:xfrm>
+          <a:prstGeom prst="rect">
+            <a:avLst/>
+          </a:prstGeom>
+          <a:noFill/>
+        </p:spPr>
+        <p:txBody>
+          <a:bodyPr wrap="none">
+            <a:spAutoFit/>
+          </a:bodyPr>
+          <a:lstStyle/>
+          <a:p>
+            <a:pPr algn="ctr">
+              <a:lnSpc>
+                <a:spcPts val="7000"/>
+              </a:lnSpc>
+              <a:defRPr sz="4400">
+                <a:solidFill>
+                  <a:srgbClr val="000000"/>
+                </a:solidFill>
+              </a:defRPr>
+            </a:pPr>
+            <a:r>
+              <a:t>หากรักกันรักนั้นต้องทนได้ทุกอย่าง</a:t>
+            </a:r>
+            <a:br/>
+            <a:r>
+              <a:t>เปี่ยมด้วยความหวังและเชื่อในส่วนที่ดี</a:t>
+            </a:r>
+            <a:br/>
+            <a:r>
+              <a:t>หากรักกันรักแท้เท่านั้นที่ควรมี</a:t>
+            </a:r>
+            <a:br/>
+            <a:r>
+              <a:t>นั่นคือความรักที่ให้อภัยเสมอ</a:t>
+            </a:r>
+            <a:br/>
+            <a:r>
+              <a:t>ความรักในโครินธ์</a:t>
+            </a:r>
+          </a:p>
+        </p:txBody>
+      </p:sp>
+    </p:spTree>
+  </p:cSld>
+  <p:clrMapOvr>
+    <a:masterClrMapping/>
+  </p:clrMapOvr>
+</p:sld>
+</file>
+
+<file path=ppt/slides/slide15.xml><?xml version="1.0" encoding="utf-8"?>
+<p:sld xmlns:a="http://schemas.openxmlformats.org/drawingml/2006/main" xmlns:p="http://schemas.openxmlformats.org/presentationml/2006/main" xmlns:r="http://schemas.openxmlformats.org/officeDocument/2006/relationships">
+  <p:cSld>
+    <p:spTree>
+      <p:nvGrpSpPr>
+        <p:cNvPr id="1" name=""/>
+        <p:cNvGrpSpPr/>
+        <p:nvPr/>
+      </p:nvGrpSpPr>
+      <p:grpSpPr/>
+      <p:sp>
+        <p:nvSpPr>
+          <p:cNvPr id="2" name="TextBox 1"/>
+          <p:cNvSpPr txBox="1"/>
+          <p:nvPr/>
+        </p:nvSpPr>
+        <p:spPr>
+          <a:xfrm>
+            <a:off x="914400" y="457200"/>
+            <a:ext cx="7315200" cy="5486400"/>
+          </a:xfrm>
+          <a:prstGeom prst="rect">
+            <a:avLst/>
+          </a:prstGeom>
+          <a:noFill/>
+        </p:spPr>
+        <p:txBody>
+          <a:bodyPr wrap="none">
+            <a:spAutoFit/>
+          </a:bodyPr>
+          <a:lstStyle/>
+          <a:p>
+            <a:pPr algn="ctr">
+              <a:lnSpc>
+                <a:spcPts val="7000"/>
+              </a:lnSpc>
+              <a:defRPr sz="4400">
+                <a:solidFill>
+                  <a:srgbClr val="000000"/>
+                </a:solidFill>
+              </a:defRPr>
+            </a:pPr>
+            <a:r>
+              <a:t>ความรักนั้นไม่มีเสื่อมสูญ</a:t>
+            </a:r>
+            <a:br/>
+            <a:r>
+              <a:t>แม้ว่าฟ้าดินดับสลาย</a:t>
+            </a:r>
+            <a:br/>
+            <a:r>
+              <a:t>ความรักนั้นคงอยู่ต่อไป</a:t>
+            </a:r>
+            <a:br/>
+            <a:r>
+              <a:t>ตราบนิรันดร์</a:t>
+            </a:r>
+          </a:p>
+        </p:txBody>
+      </p:sp>
+    </p:spTree>
+  </p:cSld>
+  <p:clrMapOvr>
+    <a:masterClrMapping/>
+  </p:clrMapOvr>
+</p:sld>
+</file>
+
+<file path=ppt/slides/slide16.xml><?xml version="1.0" encoding="utf-8"?>
+<p:sld xmlns:a="http://schemas.openxmlformats.org/drawingml/2006/main" xmlns:p="http://schemas.openxmlformats.org/presentationml/2006/main" xmlns:r="http://schemas.openxmlformats.org/officeDocument/2006/relationships">
+  <p:cSld>
+    <p:spTree>
+      <p:nvGrpSpPr>
+        <p:cNvPr id="1" name=""/>
+        <p:cNvGrpSpPr/>
+        <p:nvPr/>
+      </p:nvGrpSpPr>
+      <p:grpSpPr/>
+      <p:sp>
+        <p:nvSpPr>
+          <p:cNvPr id="2" name="Title 1"/>
+          <p:cNvSpPr>
+            <a:spLocks noGrp="1"/>
+          </p:cNvSpPr>
+          <p:nvPr>
+            <p:ph type="ctrTitle"/>
+          </p:nvPr>
+        </p:nvSpPr>
+        <p:spPr/>
+        <p:txBody>
+          <a:bodyPr/>
+          <a:lstStyle/>
+          <a:p>
+            <a:r>
+              <a:t>พระเจ้าจัดเตรียมหนทาง</a:t>
+            </a:r>
+          </a:p>
+        </p:txBody>
+      </p:sp>
+      <p:sp>
+        <p:nvSpPr>
+          <p:cNvPr id="3" name="Subtitle 2"/>
+          <p:cNvSpPr>
+            <a:spLocks noGrp="1"/>
+          </p:cNvSpPr>
+          <p:nvPr>
+            <p:ph type="subTitle" idx="1"/>
+          </p:nvPr>
+        </p:nvSpPr>
+        <p:spPr/>
+        <p:txBody>
+          <a:bodyPr/>
+          <a:lstStyle/>
+          <a:p>
+            <a:pPr>
+              <a:defRPr sz="4000">
+                <a:solidFill>
+                  <a:srgbClr val="3A70BC"/>
+                </a:solidFill>
+              </a:defRPr>
+            </a:pPr>
+            <a:r>
+              <a:t>God will make the way</a:t>
+            </a:r>
+          </a:p>
+        </p:txBody>
+      </p:sp>
+    </p:spTree>
+  </p:cSld>
+  <p:clrMapOvr>
+    <a:masterClrMapping/>
+  </p:clrMapOvr>
+</p:sld>
+</file>
+
+<file path=ppt/slides/slide17.xml><?xml version="1.0" encoding="utf-8"?>
+<p:sld xmlns:a="http://schemas.openxmlformats.org/drawingml/2006/main" xmlns:p="http://schemas.openxmlformats.org/presentationml/2006/main" xmlns:r="http://schemas.openxmlformats.org/officeDocument/2006/relationships">
+  <p:cSld>
+    <p:spTree>
+      <p:nvGrpSpPr>
+        <p:cNvPr id="1" name=""/>
+        <p:cNvGrpSpPr/>
+        <p:nvPr/>
+      </p:nvGrpSpPr>
+      <p:grpSpPr/>
+      <p:sp>
+        <p:nvSpPr>
+          <p:cNvPr id="2" name="TextBox 1"/>
+          <p:cNvSpPr txBox="1"/>
+          <p:nvPr/>
+        </p:nvSpPr>
+        <p:spPr>
+          <a:xfrm>
+            <a:off x="685800" y="228600"/>
+            <a:ext cx="7772400" cy="2971800"/>
+          </a:xfrm>
+          <a:prstGeom prst="rect">
+            <a:avLst/>
+          </a:prstGeom>
+          <a:noFill/>
+        </p:spPr>
+        <p:txBody>
+          <a:bodyPr wrap="square">
+            <a:spAutoFit/>
+          </a:bodyPr>
+          <a:lstStyle/>
+          <a:p>
+            <a:pPr algn="ctr">
+              <a:lnSpc>
+                <a:spcPts val="4800"/>
+              </a:lnSpc>
+              <a:defRPr sz="4400">
+                <a:solidFill>
+                  <a:srgbClr val="000000"/>
+                </a:solidFill>
+              </a:defRPr>
+            </a:pPr>
+            <a:r>
+              <a:t>พระเจ้าจัดเตรียมหนทาง ในระหว่างคืนวันที่มืดมน บนทางที่เราไม่อาจเข้าใจ แต่ทรงเตรียมทางไว้ให้เรา แล้วจะคอยชี้ทาง พาเราอยู่เคียงข้างพระองค์ ด้วยพลังความรัก สำหรับชีวี เพื่อพวกเราวันนี้ โปรดจัดเตรียมหนทาง</a:t>
+            </a:r>
+          </a:p>
+        </p:txBody>
+      </p:sp>
+      <p:sp>
+        <p:nvSpPr>
+          <p:cNvPr id="3" name="TextBox 2"/>
+          <p:cNvSpPr txBox="1"/>
+          <p:nvPr/>
+        </p:nvSpPr>
+        <p:spPr>
+          <a:xfrm>
+            <a:off x="685800" y="3657600"/>
+            <a:ext cx="7772400" cy="2971800"/>
+          </a:xfrm>
+          <a:prstGeom prst="rect">
+            <a:avLst/>
+          </a:prstGeom>
+          <a:noFill/>
+        </p:spPr>
+        <p:txBody>
+          <a:bodyPr wrap="square">
+            <a:spAutoFit/>
+          </a:bodyPr>
+          <a:lstStyle/>
+          <a:p>
+            <a:pPr algn="ctr">
+              <a:lnSpc>
+                <a:spcPts val="4800"/>
+              </a:lnSpc>
+              <a:defRPr sz="4200">
+                <a:solidFill>
+                  <a:srgbClr val="3A70BC"/>
+                </a:solidFill>
+              </a:defRPr>
+            </a:pPr>
+            <a:r>
+              <a:t>God will make a way. Where there seems to be no way. He works in ways we cannot see. He will make a way for me. He will be my guide. Hold me closely to His side. With love and strength. For each new day. He will make a way. He will make a way.</a:t>
+            </a:r>
+          </a:p>
+        </p:txBody>
+      </p:sp>
+    </p:spTree>
+  </p:cSld>
+  <p:clrMapOvr>
+    <a:masterClrMapping/>
+  </p:clrMapOvr>
+</p:sld>
+</file>
+
+<file path=ppt/slides/slide18.xml><?xml version="1.0" encoding="utf-8"?>
+<p:sld xmlns:a="http://schemas.openxmlformats.org/drawingml/2006/main" xmlns:p="http://schemas.openxmlformats.org/presentationml/2006/main" xmlns:r="http://schemas.openxmlformats.org/officeDocument/2006/relationships">
+  <p:cSld>
+    <p:spTree>
+      <p:nvGrpSpPr>
+        <p:cNvPr id="1" name=""/>
+        <p:cNvGrpSpPr/>
+        <p:nvPr/>
+      </p:nvGrpSpPr>
+      <p:grpSpPr/>
+      <p:sp>
+        <p:nvSpPr>
+          <p:cNvPr id="2" name="TextBox 1"/>
+          <p:cNvSpPr txBox="1"/>
+          <p:nvPr/>
+        </p:nvSpPr>
+        <p:spPr>
+          <a:xfrm>
+            <a:off x="685800" y="228600"/>
+            <a:ext cx="7772400" cy="2971800"/>
+          </a:xfrm>
+          <a:prstGeom prst="rect">
+            <a:avLst/>
+          </a:prstGeom>
+          <a:noFill/>
+        </p:spPr>
+        <p:txBody>
+          <a:bodyPr wrap="none">
+            <a:spAutoFit/>
+          </a:bodyPr>
+          <a:lstStyle/>
+          <a:p>
+            <a:pPr algn="ctr">
+              <a:lnSpc>
+                <a:spcPts val="4800"/>
+              </a:lnSpc>
+              <a:defRPr sz="4400">
+                <a:solidFill>
+                  <a:srgbClr val="000000"/>
+                </a:solidFill>
+              </a:defRPr>
+            </a:pPr>
+            <a:r>
+              <a:t>พระองค์นำเราบนถนน ในถิ่นสุดกันดาร</a:t>
+            </a:r>
+            <a:br/>
+            <a:r>
+              <a:t>และเราจะเจอธารน้ำในทะเลทราย สรรพสิ่งจะล่วงไป</a:t>
+            </a:r>
+            <a:br/>
+            <a:r>
+              <a:t>แต่คงไว้พระคำพระองค์ และโปรดทรงทำ</a:t>
+            </a:r>
+            <a:br/>
+            <a:r>
+              <a:t>สิ่งใหม่เพื่อเราวันนี้</a:t>
+            </a:r>
+          </a:p>
+        </p:txBody>
+      </p:sp>
+      <p:sp>
+        <p:nvSpPr>
+          <p:cNvPr id="3" name="TextBox 2"/>
+          <p:cNvSpPr txBox="1"/>
+          <p:nvPr/>
+        </p:nvSpPr>
+        <p:spPr>
+          <a:xfrm>
+            <a:off x="685800" y="3657600"/>
+            <a:ext cx="7772400" cy="2971800"/>
+          </a:xfrm>
+          <a:prstGeom prst="rect">
+            <a:avLst/>
+          </a:prstGeom>
+          <a:noFill/>
+        </p:spPr>
+        <p:txBody>
+          <a:bodyPr wrap="square">
+            <a:spAutoFit/>
+          </a:bodyPr>
+          <a:lstStyle/>
+          <a:p>
+            <a:pPr algn="ctr">
+              <a:lnSpc>
+                <a:spcPts val="4800"/>
+              </a:lnSpc>
+              <a:defRPr sz="4200">
+                <a:solidFill>
+                  <a:srgbClr val="3A70BC"/>
+                </a:solidFill>
+              </a:defRPr>
+            </a:pPr>
+            <a:r>
+              <a:t>By a roadway in the wilderness. He'll lead me. And rivers in the desert will I see. Heaven and earth will fade. But His Word will still remain. He will do something new today.</a:t>
+            </a:r>
+          </a:p>
+        </p:txBody>
+      </p:sp>
+    </p:spTree>
+  </p:cSld>
+  <p:clrMapOvr>
+    <a:masterClrMapping/>
+  </p:clrMapOvr>
+</p:sld>
+</file>
+
+<file path=ppt/slides/slide19.xml><?xml version="1.0" encoding="utf-8"?>
+<p:sld xmlns:a="http://schemas.openxmlformats.org/drawingml/2006/main" xmlns:p="http://schemas.openxmlformats.org/presentationml/2006/main" xmlns:r="http://schemas.openxmlformats.org/officeDocument/2006/relationships">
+  <p:cSld>
+    <p:spTree>
+      <p:nvGrpSpPr>
+        <p:cNvPr id="1" name=""/>
+        <p:cNvGrpSpPr/>
+        <p:nvPr/>
+      </p:nvGrpSpPr>
+      <p:grpSpPr/>
+      <p:sp>
+        <p:nvSpPr>
+          <p:cNvPr id="2" name="Title 1"/>
+          <p:cNvSpPr>
+            <a:spLocks noGrp="1"/>
+          </p:cNvSpPr>
+          <p:nvPr>
+            <p:ph type="ctrTitle"/>
+          </p:nvPr>
+        </p:nvSpPr>
+        <p:spPr/>
+        <p:txBody>
+          <a:bodyPr/>
+          <a:lstStyle/>
+          <a:p>
+            <a:r>
+              <a:t>เจิมด้วยไฟพระวิญญาณ</a:t>
+            </a:r>
+          </a:p>
+        </p:txBody>
+      </p:sp>
+      <p:sp>
+        <p:nvSpPr>
+          <p:cNvPr id="3" name="Subtitle 2"/>
+          <p:cNvSpPr>
+            <a:spLocks noGrp="1"/>
+          </p:cNvSpPr>
+          <p:nvPr>
+            <p:ph type="subTitle" idx="1"/>
+          </p:nvPr>
+        </p:nvSpPr>
+        <p:spPr/>
+        <p:txBody>
+          <a:bodyPr/>
+          <a:lstStyle/>
+          <a:p>
+            <a:pPr>
+              <a:defRPr sz="4000">
+                <a:solidFill>
+                  <a:srgbClr val="3A70BC"/>
+                </a:solidFill>
+              </a:defRPr>
+            </a:pPr>
+            <a:r>
+              <a:t>Anoint us With the fire</a:t>
             </a:r>
           </a:p>
         </p:txBody>
@@ -3180,7 +3937,7 @@
           <a:noFill/>
         </p:spPr>
         <p:txBody>
-          <a:bodyPr wrap="none">
+          <a:bodyPr wrap="square">
             <a:spAutoFit/>
           </a:bodyPr>
           <a:lstStyle/>
@@ -3189,22 +3946,14 @@
               <a:lnSpc>
                 <a:spcPts val="4800"/>
               </a:lnSpc>
-              <a:defRPr sz="4000">
+              <a:defRPr sz="4400">
                 <a:solidFill>
                   <a:srgbClr val="000000"/>
                 </a:solidFill>
               </a:defRPr>
             </a:pPr>
             <a:r>
-              <a:t>พระบิดาเบื้องบน โปรดประทานดวงใจ</a:t>
-            </a:r>
-            <a:br/>
-            <a:r>
-              <a:t>ชื่นบาน ขอพระคุณพระองค์</a:t>
-            </a:r>
-            <a:br/>
-            <a:r>
-              <a:t>โปรดสัมผัสหัวใจ</a:t>
+              <a:t>องค์พระเจ้าแห่งความรักทรงส่องแสง ในท่ามกลางความมืดมิดแห่งชีวิต พระเยซูเป็นสว่างส่องเหนือพวกเรา ทรงปลดปล่อยนำเราด้วยความจริงยิ่งใหญ่ ส่องยังพวกเรา ส่องยังพวกเรา</a:t>
             </a:r>
           </a:p>
         </p:txBody>
@@ -3226,7 +3975,7 @@
           <a:noFill/>
         </p:spPr>
         <p:txBody>
-          <a:bodyPr wrap="none">
+          <a:bodyPr wrap="square">
             <a:spAutoFit/>
           </a:bodyPr>
           <a:lstStyle/>
@@ -3235,22 +3984,398 @@
               <a:lnSpc>
                 <a:spcPts val="4800"/>
               </a:lnSpc>
-              <a:defRPr sz="3500">
+              <a:defRPr sz="4200">
                 <a:solidFill>
                   <a:srgbClr val="3A70BC"/>
                 </a:solidFill>
               </a:defRPr>
             </a:pPr>
             <a:r>
-              <a:t>Lord I come to You. Let my heart be changed</a:t>
+              <a:t>Lord, the Light of Your Love is shining, In the midst of the darkness shining, Jesus, Light of the World, shine upon us, Set us free by the truth You now bring us, Shine on me. Shine on me.</a:t>
+            </a:r>
+          </a:p>
+        </p:txBody>
+      </p:sp>
+    </p:spTree>
+  </p:cSld>
+  <p:clrMapOvr>
+    <a:masterClrMapping/>
+  </p:clrMapOvr>
+</p:sld>
+</file>
+
+<file path=ppt/slides/slide20.xml><?xml version="1.0" encoding="utf-8"?>
+<p:sld xmlns:a="http://schemas.openxmlformats.org/drawingml/2006/main" xmlns:p="http://schemas.openxmlformats.org/presentationml/2006/main" xmlns:r="http://schemas.openxmlformats.org/officeDocument/2006/relationships">
+  <p:cSld>
+    <p:spTree>
+      <p:nvGrpSpPr>
+        <p:cNvPr id="1" name=""/>
+        <p:cNvGrpSpPr/>
+        <p:nvPr/>
+      </p:nvGrpSpPr>
+      <p:grpSpPr/>
+      <p:sp>
+        <p:nvSpPr>
+          <p:cNvPr id="2" name="TextBox 1"/>
+          <p:cNvSpPr txBox="1"/>
+          <p:nvPr/>
+        </p:nvSpPr>
+        <p:spPr>
+          <a:xfrm>
+            <a:off x="685800" y="228600"/>
+            <a:ext cx="7772400" cy="2971800"/>
+          </a:xfrm>
+          <a:prstGeom prst="rect">
+            <a:avLst/>
+          </a:prstGeom>
+          <a:noFill/>
+        </p:spPr>
+        <p:txBody>
+          <a:bodyPr wrap="square">
+            <a:spAutoFit/>
+          </a:bodyPr>
+          <a:lstStyle/>
+          <a:p>
+            <a:pPr algn="ctr">
+              <a:lnSpc>
+                <a:spcPts val="4800"/>
+              </a:lnSpc>
+              <a:defRPr sz="4400">
+                <a:solidFill>
+                  <a:srgbClr val="000000"/>
+                </a:solidFill>
+              </a:defRPr>
+            </a:pPr>
+            <a:r>
+              <a:t>เมื่อนมัสการพระเจ้า ด้วยสิ้นสุดใจ เชิญองค์พระวิญญาณ ประทับอยู่ในใจ ทรงเคลื่อนไหว ท่ามกลางพวกเราที่นี่ ให้ชีวิตเต็มด้วยการอัศจรรย์ และเต็มล้นด้วยไฟพระวิญญาณ</a:t>
+            </a:r>
+          </a:p>
+        </p:txBody>
+      </p:sp>
+      <p:sp>
+        <p:nvSpPr>
+          <p:cNvPr id="3" name="TextBox 2"/>
+          <p:cNvSpPr txBox="1"/>
+          <p:nvPr/>
+        </p:nvSpPr>
+        <p:spPr>
+          <a:xfrm>
+            <a:off x="685800" y="3657600"/>
+            <a:ext cx="7772400" cy="2971800"/>
+          </a:xfrm>
+          <a:prstGeom prst="rect">
+            <a:avLst/>
+          </a:prstGeom>
+          <a:noFill/>
+        </p:spPr>
+        <p:txBody>
+          <a:bodyPr wrap="square">
+            <a:spAutoFit/>
+          </a:bodyPr>
+          <a:lstStyle/>
+          <a:p>
+            <a:pPr algn="ctr">
+              <a:lnSpc>
+                <a:spcPts val="4800"/>
+              </a:lnSpc>
+              <a:defRPr sz="4200">
+                <a:solidFill>
+                  <a:srgbClr val="3A70BC"/>
+                </a:solidFill>
+              </a:defRPr>
+            </a:pPr>
+            <a:r>
+              <a:t>When we worship You With all of our hearts May the Holy Ghost Dwell within us Please move Your Spirit Here among us Let our lives be filled with miracles And overflow with the heavenly fire</a:t>
+            </a:r>
+          </a:p>
+        </p:txBody>
+      </p:sp>
+    </p:spTree>
+  </p:cSld>
+  <p:clrMapOvr>
+    <a:masterClrMapping/>
+  </p:clrMapOvr>
+</p:sld>
+</file>
+
+<file path=ppt/slides/slide21.xml><?xml version="1.0" encoding="utf-8"?>
+<p:sld xmlns:a="http://schemas.openxmlformats.org/drawingml/2006/main" xmlns:p="http://schemas.openxmlformats.org/presentationml/2006/main" xmlns:r="http://schemas.openxmlformats.org/officeDocument/2006/relationships">
+  <p:cSld>
+    <p:spTree>
+      <p:nvGrpSpPr>
+        <p:cNvPr id="1" name=""/>
+        <p:cNvGrpSpPr/>
+        <p:nvPr/>
+      </p:nvGrpSpPr>
+      <p:grpSpPr/>
+      <p:sp>
+        <p:nvSpPr>
+          <p:cNvPr id="2" name="TextBox 1"/>
+          <p:cNvSpPr txBox="1"/>
+          <p:nvPr/>
+        </p:nvSpPr>
+        <p:spPr>
+          <a:xfrm>
+            <a:off x="685800" y="228600"/>
+            <a:ext cx="7772400" cy="2971800"/>
+          </a:xfrm>
+          <a:prstGeom prst="rect">
+            <a:avLst/>
+          </a:prstGeom>
+          <a:noFill/>
+        </p:spPr>
+        <p:txBody>
+          <a:bodyPr wrap="none">
+            <a:spAutoFit/>
+          </a:bodyPr>
+          <a:lstStyle/>
+          <a:p>
+            <a:pPr algn="ctr">
+              <a:lnSpc>
+                <a:spcPts val="4800"/>
+              </a:lnSpc>
+              <a:defRPr sz="4400">
+                <a:solidFill>
+                  <a:srgbClr val="000000"/>
+                </a:solidFill>
+              </a:defRPr>
+            </a:pPr>
+            <a:r>
+              <a:t>*โปรดเจิมเรา เจิมใจเรา ด้วยฤทธานุภาพ</a:t>
             </a:r>
             <a:br/>
             <a:r>
-              <a:t> renewed. Flowing from the grace</a:t>
+              <a:t>ยิ่งใหญ่ของพระองค์ โปรดเจิมเรา</a:t>
             </a:r>
             <a:br/>
             <a:r>
-              <a:t> That I found in You.</a:t>
+              <a:t>เจิมใจเรา ให้เต็มล้นด้วยไฟ แห่งพระวิญญาณ</a:t>
+            </a:r>
+          </a:p>
+        </p:txBody>
+      </p:sp>
+      <p:sp>
+        <p:nvSpPr>
+          <p:cNvPr id="3" name="TextBox 2"/>
+          <p:cNvSpPr txBox="1"/>
+          <p:nvPr/>
+        </p:nvSpPr>
+        <p:spPr>
+          <a:xfrm>
+            <a:off x="685800" y="3657600"/>
+            <a:ext cx="7772400" cy="2971800"/>
+          </a:xfrm>
+          <a:prstGeom prst="rect">
+            <a:avLst/>
+          </a:prstGeom>
+          <a:noFill/>
+        </p:spPr>
+        <p:txBody>
+          <a:bodyPr wrap="square">
+            <a:spAutoFit/>
+          </a:bodyPr>
+          <a:lstStyle/>
+          <a:p>
+            <a:pPr algn="ctr">
+              <a:lnSpc>
+                <a:spcPts val="4800"/>
+              </a:lnSpc>
+              <a:defRPr sz="4200">
+                <a:solidFill>
+                  <a:srgbClr val="3A70BC"/>
+                </a:solidFill>
+              </a:defRPr>
+            </a:pPr>
+            <a:r>
+              <a:t>Anoint us, fill our hearts With the sovereign Power of the Lord Anoint us, fill our hearts With the fire of The heavenly Ghost</a:t>
+            </a:r>
+          </a:p>
+        </p:txBody>
+      </p:sp>
+    </p:spTree>
+  </p:cSld>
+  <p:clrMapOvr>
+    <a:masterClrMapping/>
+  </p:clrMapOvr>
+</p:sld>
+</file>
+
+<file path=ppt/slides/slide22.xml><?xml version="1.0" encoding="utf-8"?>
+<p:sld xmlns:a="http://schemas.openxmlformats.org/drawingml/2006/main" xmlns:p="http://schemas.openxmlformats.org/presentationml/2006/main" xmlns:r="http://schemas.openxmlformats.org/officeDocument/2006/relationships">
+  <p:cSld>
+    <p:spTree>
+      <p:nvGrpSpPr>
+        <p:cNvPr id="1" name=""/>
+        <p:cNvGrpSpPr/>
+        <p:nvPr/>
+      </p:nvGrpSpPr>
+      <p:grpSpPr/>
+      <p:sp>
+        <p:nvSpPr>
+          <p:cNvPr id="2" name="Title 1"/>
+          <p:cNvSpPr>
+            <a:spLocks noGrp="1"/>
+          </p:cNvSpPr>
+          <p:nvPr>
+            <p:ph type="ctrTitle"/>
+          </p:nvPr>
+        </p:nvSpPr>
+        <p:spPr/>
+        <p:txBody>
+          <a:bodyPr/>
+          <a:lstStyle/>
+          <a:p>
+            <a:r>
+              <a:t>ขอบคุณพระเยซู</a:t>
+            </a:r>
+          </a:p>
+        </p:txBody>
+      </p:sp>
+      <p:sp>
+        <p:nvSpPr>
+          <p:cNvPr id="3" name="Subtitle 2"/>
+          <p:cNvSpPr>
+            <a:spLocks noGrp="1"/>
+          </p:cNvSpPr>
+          <p:nvPr>
+            <p:ph type="subTitle" idx="1"/>
+          </p:nvPr>
+        </p:nvSpPr>
+        <p:spPr/>
+        <p:txBody>
+          <a:bodyPr/>
+          <a:lstStyle/>
+          <a:p>
+            <a:pPr>
+              <a:defRPr sz="4000">
+                <a:solidFill>
+                  <a:srgbClr val="3A70BC"/>
+                </a:solidFill>
+              </a:defRPr>
+            </a:pPr>
+          </a:p>
+        </p:txBody>
+      </p:sp>
+    </p:spTree>
+  </p:cSld>
+  <p:clrMapOvr>
+    <a:masterClrMapping/>
+  </p:clrMapOvr>
+</p:sld>
+</file>
+
+<file path=ppt/slides/slide23.xml><?xml version="1.0" encoding="utf-8"?>
+<p:sld xmlns:a="http://schemas.openxmlformats.org/drawingml/2006/main" xmlns:p="http://schemas.openxmlformats.org/presentationml/2006/main" xmlns:r="http://schemas.openxmlformats.org/officeDocument/2006/relationships">
+  <p:cSld>
+    <p:spTree>
+      <p:nvGrpSpPr>
+        <p:cNvPr id="1" name=""/>
+        <p:cNvGrpSpPr/>
+        <p:nvPr/>
+      </p:nvGrpSpPr>
+      <p:grpSpPr/>
+      <p:sp>
+        <p:nvSpPr>
+          <p:cNvPr id="2" name="TextBox 1"/>
+          <p:cNvSpPr txBox="1"/>
+          <p:nvPr/>
+        </p:nvSpPr>
+        <p:spPr>
+          <a:xfrm>
+            <a:off x="914400" y="457200"/>
+            <a:ext cx="7315200" cy="5486400"/>
+          </a:xfrm>
+          <a:prstGeom prst="rect">
+            <a:avLst/>
+          </a:prstGeom>
+          <a:noFill/>
+        </p:spPr>
+        <p:txBody>
+          <a:bodyPr wrap="none">
+            <a:spAutoFit/>
+          </a:bodyPr>
+          <a:lstStyle/>
+          <a:p>
+            <a:pPr algn="ctr">
+              <a:lnSpc>
+                <a:spcPts val="7000"/>
+              </a:lnSpc>
+              <a:defRPr sz="4400">
+                <a:solidFill>
+                  <a:srgbClr val="000000"/>
+                </a:solidFill>
+              </a:defRPr>
+            </a:pPr>
+            <a:r>
+              <a:t>ขอบคุณพระเยซูมอบความรักแก่เรา</a:t>
+            </a:r>
+            <a:br/>
+            <a:r>
+              <a:t>ขอบคุณพระเยซูทรงพระคุณมากมี</a:t>
+            </a:r>
+          </a:p>
+        </p:txBody>
+      </p:sp>
+    </p:spTree>
+  </p:cSld>
+  <p:clrMapOvr>
+    <a:masterClrMapping/>
+  </p:clrMapOvr>
+</p:sld>
+</file>
+
+<file path=ppt/slides/slide24.xml><?xml version="1.0" encoding="utf-8"?>
+<p:sld xmlns:a="http://schemas.openxmlformats.org/drawingml/2006/main" xmlns:p="http://schemas.openxmlformats.org/presentationml/2006/main" xmlns:r="http://schemas.openxmlformats.org/officeDocument/2006/relationships">
+  <p:cSld>
+    <p:spTree>
+      <p:nvGrpSpPr>
+        <p:cNvPr id="1" name=""/>
+        <p:cNvGrpSpPr/>
+        <p:nvPr/>
+      </p:nvGrpSpPr>
+      <p:grpSpPr/>
+      <p:sp>
+        <p:nvSpPr>
+          <p:cNvPr id="2" name="TextBox 1"/>
+          <p:cNvSpPr txBox="1"/>
+          <p:nvPr/>
+        </p:nvSpPr>
+        <p:spPr>
+          <a:xfrm>
+            <a:off x="914400" y="457200"/>
+            <a:ext cx="7315200" cy="5486400"/>
+          </a:xfrm>
+          <a:prstGeom prst="rect">
+            <a:avLst/>
+          </a:prstGeom>
+          <a:noFill/>
+        </p:spPr>
+        <p:txBody>
+          <a:bodyPr wrap="none">
+            <a:spAutoFit/>
+          </a:bodyPr>
+          <a:lstStyle/>
+          <a:p>
+            <a:pPr algn="ctr">
+              <a:lnSpc>
+                <a:spcPts val="7000"/>
+              </a:lnSpc>
+              <a:defRPr sz="4400">
+                <a:solidFill>
+                  <a:srgbClr val="000000"/>
+                </a:solidFill>
+              </a:defRPr>
+            </a:pPr>
+            <a:r>
+              <a:t>*เราเปล่งเสียงร้องสรรเสริญพระนาม</a:t>
+            </a:r>
+            <a:br/>
+            <a:r>
+              <a:t>ร้องสรรเสริญโมทนาพระองค์เป็นทุกสิ่ง</a:t>
+            </a:r>
+            <a:br/>
+            <a:r>
+              <a:t>เป็นพระเจ้าของเรา</a:t>
             </a:r>
           </a:p>
         </p:txBody>
@@ -3290,7 +4415,7 @@
           <a:noFill/>
         </p:spPr>
         <p:txBody>
-          <a:bodyPr wrap="none">
+          <a:bodyPr wrap="square">
             <a:spAutoFit/>
           </a:bodyPr>
           <a:lstStyle/>
@@ -3299,22 +4424,14 @@
               <a:lnSpc>
                 <a:spcPts val="4800"/>
               </a:lnSpc>
-              <a:defRPr sz="4000">
+              <a:defRPr sz="4400">
                 <a:solidFill>
                   <a:srgbClr val="000000"/>
                 </a:solidFill>
               </a:defRPr>
             </a:pPr>
             <a:r>
-              <a:t>และโปรดให้ความเศร้าตรม</a:t>
-            </a:r>
-            <a:br/>
-            <a:r>
-              <a:t>ได้หลุดจากภายในใจของข้า</a:t>
-            </a:r>
-            <a:br/>
-            <a:r>
-              <a:t>ล้นด้วยความชื่นบาน ด้วยความรักของพระองค์</a:t>
+              <a:t>แสงพระเยซู ส่องดินแดนด้วยพระสิริพระบิดา ขอพระวิญญาณเจิมใจเราด้วยไฟ ไหลดั่งแม่น้ำท่วมวิญญาณเหล่าประชา ด้วยพระคุณ และทรงการุณย์พระคำเป็นความสว่าง</a:t>
             </a:r>
           </a:p>
         </p:txBody>
@@ -3336,7 +4453,7 @@
           <a:noFill/>
         </p:spPr>
         <p:txBody>
-          <a:bodyPr wrap="none">
+          <a:bodyPr wrap="square">
             <a:spAutoFit/>
           </a:bodyPr>
           <a:lstStyle/>
@@ -3345,24 +4462,15 @@
               <a:lnSpc>
                 <a:spcPts val="4800"/>
               </a:lnSpc>
-              <a:defRPr sz="3500">
+              <a:defRPr sz="4200">
                 <a:solidFill>
                   <a:srgbClr val="3A70BC"/>
                 </a:solidFill>
               </a:defRPr>
             </a:pPr>
             <a:r>
-              <a:t>And Lord I've come to know</a:t>
-            </a:r>
-            <a:br/>
-            <a:r>
-              <a:t> The weaknesses I see in me</a:t>
-            </a:r>
-            <a:br/>
-            <a:r>
-              <a:t> Will be stripped away. By the power of Your love</a:t>
-            </a:r>
-            <a:br/>
+              <a:t>Shine, Jesus shine, Fill this land with the Father's glory. Blaze, Spirit blaze, Set our hearts on fire. Flow, river flow, Flood the nations with grace and mercy. Send forth Your word, Lord and let there be light.</a:t>
+            </a:r>
           </a:p>
         </p:txBody>
       </p:sp>
@@ -3401,7 +4509,7 @@
           <a:noFill/>
         </p:spPr>
         <p:txBody>
-          <a:bodyPr wrap="none">
+          <a:bodyPr wrap="square">
             <a:spAutoFit/>
           </a:bodyPr>
           <a:lstStyle/>
@@ -3410,18 +4518,14 @@
               <a:lnSpc>
                 <a:spcPts val="4800"/>
               </a:lnSpc>
-              <a:defRPr sz="4000">
+              <a:defRPr sz="4400">
                 <a:solidFill>
                   <a:srgbClr val="000000"/>
                 </a:solidFill>
               </a:defRPr>
             </a:pPr>
             <a:r>
-              <a:t>โปรดยึดข้า อบอุ่นในความรักเมตตา</a:t>
-            </a:r>
-            <a:br/>
-            <a:r>
-              <a:t>อย่าให้ไกล ในอ้อมกอดพระองค์</a:t>
+              <a:t>เราเข้าเฝ้าที่ประทับองค์พระเจ้า สู่แสงแห่งรัศมีของพระองค์ โดยโลหิตแห่งพระคริสต์ชีวิตสดใส ส่องจิตใจเราเป็นไท พ้นความมืดมน ส่องยังพวกเรา ส่องยังพวกเรา</a:t>
             </a:r>
           </a:p>
         </p:txBody>
@@ -3443,7 +4547,7 @@
           <a:noFill/>
         </p:spPr>
         <p:txBody>
-          <a:bodyPr wrap="none">
+          <a:bodyPr wrap="square">
             <a:spAutoFit/>
           </a:bodyPr>
           <a:lstStyle/>
@@ -3452,20 +4556,15 @@
               <a:lnSpc>
                 <a:spcPts val="4800"/>
               </a:lnSpc>
-              <a:defRPr sz="3500">
+              <a:defRPr sz="4200">
                 <a:solidFill>
                   <a:srgbClr val="3A70BC"/>
                 </a:solidFill>
               </a:defRPr>
             </a:pPr>
             <a:r>
-              <a:t>Hold me close. Let Your love surround me</a:t>
-            </a:r>
-            <a:br/>
-            <a:r>
-              <a:t> Bring me near. Draw me to Your side</a:t>
-            </a:r>
-            <a:br/>
+              <a:t>Lord I come to Your awesome presence, From the shadows into Your radiance. By the blood I may enter Your brightness, Search me, try me, consume all my darkness. Shine on me. Shine on me.</a:t>
+            </a:r>
           </a:p>
         </p:txBody>
       </p:sp>
@@ -3504,7 +4603,7 @@
           <a:noFill/>
         </p:spPr>
         <p:txBody>
-          <a:bodyPr wrap="none">
+          <a:bodyPr wrap="square">
             <a:spAutoFit/>
           </a:bodyPr>
           <a:lstStyle/>
@@ -3513,22 +4612,14 @@
               <a:lnSpc>
                 <a:spcPts val="4800"/>
               </a:lnSpc>
-              <a:defRPr sz="4000">
+              <a:defRPr sz="4400">
                 <a:solidFill>
                   <a:srgbClr val="000000"/>
                 </a:solidFill>
               </a:defRPr>
             </a:pPr>
             <a:r>
-              <a:t>และโปรดให้ข้า โบกโบยบินเหมือนดังนกอินทรีย์</a:t>
-            </a:r>
-            <a:br/>
-            <a:r>
-              <a:t>และรับกำลังเรี่ยวแรง และล้นในพระวิญญาณ</a:t>
-            </a:r>
-            <a:br/>
-            <a:r>
-              <a:t>ด้วยความรักของพระองค์</a:t>
+              <a:t>แสงพระเยซู ส่องดินแดนด้วยพระสิริพระบิดา ขอพระวิญญาณเจิมใจเราด้วยไฟ ไหลดั่งแม่น้ำท่วมวิญญาณเหล่าประชา ด้วยพระคุณ และทรงการุณย์พระคำเป็นความสว่าง</a:t>
             </a:r>
           </a:p>
         </p:txBody>
@@ -3550,7 +4641,7 @@
           <a:noFill/>
         </p:spPr>
         <p:txBody>
-          <a:bodyPr wrap="none">
+          <a:bodyPr wrap="square">
             <a:spAutoFit/>
           </a:bodyPr>
           <a:lstStyle/>
@@ -3559,22 +4650,14 @@
               <a:lnSpc>
                 <a:spcPts val="4800"/>
               </a:lnSpc>
-              <a:defRPr sz="3500">
+              <a:defRPr sz="4200">
                 <a:solidFill>
                   <a:srgbClr val="3A70BC"/>
                 </a:solidFill>
               </a:defRPr>
             </a:pPr>
             <a:r>
-              <a:t>And as I wait. I'll rise up like the eagle</a:t>
-            </a:r>
-            <a:br/>
-            <a:r>
-              <a:t> And I will soar with You. Your Spirit leads me on</a:t>
-            </a:r>
-            <a:br/>
-            <a:r>
-              <a:t> In the power of Your love.</a:t>
+              <a:t>Shine, Jesus shine, Fill this land with the Father's glory. Blaze, Spirit blaze, Set our hearts on fire. Flow, river flow, Flood the nations with grace and mercy. Send forth Your word, Lord and let there be light.</a:t>
             </a:r>
           </a:p>
         </p:txBody>
@@ -3614,7 +4697,7 @@
           <a:noFill/>
         </p:spPr>
         <p:txBody>
-          <a:bodyPr wrap="none">
+          <a:bodyPr wrap="square">
             <a:spAutoFit/>
           </a:bodyPr>
           <a:lstStyle/>
@@ -3623,22 +4706,14 @@
               <a:lnSpc>
                 <a:spcPts val="4800"/>
               </a:lnSpc>
-              <a:defRPr sz="4000">
+              <a:defRPr sz="4400">
                 <a:solidFill>
                   <a:srgbClr val="000000"/>
                 </a:solidFill>
               </a:defRPr>
             </a:pPr>
             <a:r>
-              <a:t>พระบิดาเบื้องบน โปรดประทานดวงใจ</a:t>
-            </a:r>
-            <a:br/>
-            <a:r>
-              <a:t>ชื่นบาน ขอพระคุณพระองค์</a:t>
-            </a:r>
-            <a:br/>
-            <a:r>
-              <a:t>โปรดสัมผัสหัวใจ</a:t>
+              <a:t>เมื่อมองดูพักตร์พระเจ้าบรรเจิดจ้า บนใบหน้าเราจะเหมือนดังพระองค์ ขอเปลี่ยนแปลง และนำเราสู่พระสิริ เพื่อชีวิตจะสะท้อน ให้เห็นพระองค์ ส่องยังพวกเรา ส่องยังพวกเรา</a:t>
             </a:r>
           </a:p>
         </p:txBody>
@@ -3660,7 +4735,7 @@
           <a:noFill/>
         </p:spPr>
         <p:txBody>
-          <a:bodyPr wrap="none">
+          <a:bodyPr wrap="square">
             <a:spAutoFit/>
           </a:bodyPr>
           <a:lstStyle/>
@@ -3669,22 +4744,14 @@
               <a:lnSpc>
                 <a:spcPts val="4800"/>
               </a:lnSpc>
-              <a:defRPr sz="3500">
+              <a:defRPr sz="4200">
                 <a:solidFill>
                   <a:srgbClr val="3A70BC"/>
                 </a:solidFill>
               </a:defRPr>
             </a:pPr>
             <a:r>
-              <a:t>Lord unveil my eyes. Let me see You face to face</a:t>
-            </a:r>
-            <a:br/>
-            <a:r>
-              <a:t> The knowledge of Your love</a:t>
-            </a:r>
-            <a:br/>
-            <a:r>
-              <a:t> As You live in me.</a:t>
+              <a:t>As we gaze on Your kindly brightness. So our faces display Your likeness. Ever changing from glory to glory, Mirrored here may our lives tell Your story. Shine on me. Shine on me.</a:t>
             </a:r>
           </a:p>
         </p:txBody>
@@ -3724,7 +4791,7 @@
           <a:noFill/>
         </p:spPr>
         <p:txBody>
-          <a:bodyPr wrap="none">
+          <a:bodyPr wrap="square">
             <a:spAutoFit/>
           </a:bodyPr>
           <a:lstStyle/>
@@ -3733,22 +4800,14 @@
               <a:lnSpc>
                 <a:spcPts val="4800"/>
               </a:lnSpc>
-              <a:defRPr sz="4000">
+              <a:defRPr sz="4400">
                 <a:solidFill>
                   <a:srgbClr val="000000"/>
                 </a:solidFill>
               </a:defRPr>
             </a:pPr>
             <a:r>
-              <a:t>และโปรดให้ความเศร้าตรม</a:t>
-            </a:r>
-            <a:br/>
-            <a:r>
-              <a:t>ได้หลุดจากภายในใจของข้า</a:t>
-            </a:r>
-            <a:br/>
-            <a:r>
-              <a:t>ล้นด้วยความชื่นบาน ด้วยความรักของพระองค์</a:t>
+              <a:t>แสงพระเยซู ส่องดินแดนด้วยพระสิริพระบิดา ขอพระวิญญาณเจิมใจเราด้วยไฟ ไหลดั่งแม่น้ำท่วมวิญญาณเหล่าประชา ด้วยพระคุณ และทรงการุณย์พระคำเป็นความสว่าง</a:t>
             </a:r>
           </a:p>
         </p:txBody>
@@ -3779,14 +4838,14 @@
               <a:lnSpc>
                 <a:spcPts val="4800"/>
               </a:lnSpc>
-              <a:defRPr sz="3500">
+              <a:defRPr sz="4200">
                 <a:solidFill>
                   <a:srgbClr val="3A70BC"/>
                 </a:solidFill>
               </a:defRPr>
             </a:pPr>
             <a:r>
-              <a:t>Lord renew my mind. As Your will unfolds in my life. In living every day. In the power of Your love.</a:t>
+              <a:t>Shine, Jesus shine, Fill this land with the Father's glory. Blaze, Spirit blaze, Set our hearts on fire. Flow, river flow, Flood the nations with grace and mercy. Send forth Your word, Lord and let there be light.</a:t>
             </a:r>
           </a:p>
         </p:txBody>
@@ -3811,86 +4870,47 @@
       <p:grpSpPr/>
       <p:sp>
         <p:nvSpPr>
-          <p:cNvPr id="2" name="TextBox 1"/>
-          <p:cNvSpPr txBox="1"/>
-          <p:nvPr/>
-        </p:nvSpPr>
-        <p:spPr>
-          <a:xfrm>
-            <a:off x="685800" y="228600"/>
-            <a:ext cx="7772400" cy="2971800"/>
-          </a:xfrm>
-          <a:prstGeom prst="rect">
-            <a:avLst/>
-          </a:prstGeom>
-          <a:noFill/>
-        </p:spPr>
-        <p:txBody>
-          <a:bodyPr wrap="none">
-            <a:spAutoFit/>
-          </a:bodyPr>
-          <a:lstStyle/>
-          <a:p>
-            <a:pPr algn="ctr">
-              <a:lnSpc>
-                <a:spcPts val="4800"/>
-              </a:lnSpc>
+          <p:cNvPr id="2" name="Title 1"/>
+          <p:cNvSpPr>
+            <a:spLocks noGrp="1"/>
+          </p:cNvSpPr>
+          <p:nvPr>
+            <p:ph type="ctrTitle"/>
+          </p:nvPr>
+        </p:nvSpPr>
+        <p:spPr/>
+        <p:txBody>
+          <a:bodyPr/>
+          <a:lstStyle/>
+          <a:p>
+            <a:r>
+              <a:t>พระเจ้าเป็นความรัก</a:t>
+            </a:r>
+          </a:p>
+        </p:txBody>
+      </p:sp>
+      <p:sp>
+        <p:nvSpPr>
+          <p:cNvPr id="3" name="Subtitle 2"/>
+          <p:cNvSpPr>
+            <a:spLocks noGrp="1"/>
+          </p:cNvSpPr>
+          <p:nvPr>
+            <p:ph type="subTitle" idx="1"/>
+          </p:nvPr>
+        </p:nvSpPr>
+        <p:spPr/>
+        <p:txBody>
+          <a:bodyPr/>
+          <a:lstStyle/>
+          <a:p>
+            <a:pPr>
               <a:defRPr sz="4000">
                 <a:solidFill>
-                  <a:srgbClr val="000000"/>
+                  <a:srgbClr val="3A70BC"/>
                 </a:solidFill>
               </a:defRPr>
             </a:pPr>
-            <a:r>
-              <a:t>โปรดยึดข้า อบอุ่นในความรักเมตตา</a:t>
-            </a:r>
-            <a:br/>
-            <a:r>
-              <a:t>อย่าให้ไกล ในอ้อมกอดพระองค์</a:t>
-            </a:r>
-          </a:p>
-        </p:txBody>
-      </p:sp>
-      <p:sp>
-        <p:nvSpPr>
-          <p:cNvPr id="3" name="TextBox 2"/>
-          <p:cNvSpPr txBox="1"/>
-          <p:nvPr/>
-        </p:nvSpPr>
-        <p:spPr>
-          <a:xfrm>
-            <a:off x="685800" y="3657600"/>
-            <a:ext cx="7772400" cy="2971800"/>
-          </a:xfrm>
-          <a:prstGeom prst="rect">
-            <a:avLst/>
-          </a:prstGeom>
-          <a:noFill/>
-        </p:spPr>
-        <p:txBody>
-          <a:bodyPr wrap="none">
-            <a:spAutoFit/>
-          </a:bodyPr>
-          <a:lstStyle/>
-          <a:p>
-            <a:pPr algn="ctr">
-              <a:lnSpc>
-                <a:spcPts val="4800"/>
-              </a:lnSpc>
-              <a:defRPr sz="3500">
-                <a:solidFill>
-                  <a:srgbClr val="3A70BC"/>
-                </a:solidFill>
-              </a:defRPr>
-            </a:pPr>
-            <a:r>
-              <a:t>Hold me close. Let Your love surround me</a:t>
-            </a:r>
-            <a:br/>
-            <a:r>
-              <a:t> Bring me near. Draw me to Your side</a:t>
-            </a:r>
-            <a:br/>
           </a:p>
         </p:txBody>
       </p:sp>
@@ -3920,8 +4940,8 @@
         </p:nvSpPr>
         <p:spPr>
           <a:xfrm>
-            <a:off x="685800" y="228600"/>
-            <a:ext cx="7772400" cy="2971800"/>
+            <a:off x="914400" y="457200"/>
+            <a:ext cx="7315200" cy="5486400"/>
           </a:xfrm>
           <a:prstGeom prst="rect">
             <a:avLst/>
@@ -3936,70 +4956,32 @@
           <a:p>
             <a:pPr algn="ctr">
               <a:lnSpc>
-                <a:spcPts val="4800"/>
+                <a:spcPts val="7000"/>
               </a:lnSpc>
-              <a:defRPr sz="4000">
+              <a:defRPr sz="4400">
                 <a:solidFill>
                   <a:srgbClr val="000000"/>
                 </a:solidFill>
               </a:defRPr>
             </a:pPr>
             <a:r>
-              <a:t>และโปรดให้ข้า โบกโบยบินเหมือนดังนกอินทรีย์</a:t>
+              <a:t>พระเจ้าเป็นความรัก</a:t>
             </a:r>
             <a:br/>
             <a:r>
-              <a:t>และรับกำลังเรี่ยวแรง และล้นในพระวิญญาณ</a:t>
+              <a:t>พระเจ้าเป็นความรัก</a:t>
             </a:r>
             <a:br/>
             <a:r>
-              <a:t>ด้วยความรักของพระองค์</a:t>
-            </a:r>
-          </a:p>
-        </p:txBody>
-      </p:sp>
-      <p:sp>
-        <p:nvSpPr>
-          <p:cNvPr id="3" name="TextBox 2"/>
-          <p:cNvSpPr txBox="1"/>
-          <p:nvPr/>
-        </p:nvSpPr>
-        <p:spPr>
-          <a:xfrm>
-            <a:off x="685800" y="3657600"/>
-            <a:ext cx="7772400" cy="2971800"/>
-          </a:xfrm>
-          <a:prstGeom prst="rect">
-            <a:avLst/>
-          </a:prstGeom>
-          <a:noFill/>
-        </p:spPr>
-        <p:txBody>
-          <a:bodyPr wrap="none">
-            <a:spAutoFit/>
-          </a:bodyPr>
-          <a:lstStyle/>
-          <a:p>
-            <a:pPr algn="ctr">
-              <a:lnSpc>
-                <a:spcPts val="4800"/>
-              </a:lnSpc>
-              <a:defRPr sz="3500">
-                <a:solidFill>
-                  <a:srgbClr val="3A70BC"/>
-                </a:solidFill>
-              </a:defRPr>
-            </a:pPr>
-            <a:r>
-              <a:t>And as I wait. I'll rise up like the eagle</a:t>
+              <a:t>พระเจ้าเป็นความรัก</a:t>
             </a:r>
             <a:br/>
             <a:r>
-              <a:t> And I will soar with You. Your Spirit leads me on</a:t>
+              <a:t> พระเจ้าเป็นความรักพระเจ้าเป็นความรัก</a:t>
             </a:r>
             <a:br/>
             <a:r>
-              <a:t> In the power of Your love.</a:t>
+              <a:t> พระเจ้าเป็นความรัก</a:t>
             </a:r>
           </a:p>
         </p:txBody>

--- a/finishedppt/WorshipSongs.pptx
+++ b/finishedppt/WorshipSongs.pptx
@@ -10,25 +10,6 @@
     <p:sldId id="258" r:id="rId9"/>
     <p:sldId id="259" r:id="rId10"/>
     <p:sldId id="260" r:id="rId11"/>
-    <p:sldId id="261" r:id="rId12"/>
-    <p:sldId id="262" r:id="rId13"/>
-    <p:sldId id="263" r:id="rId14"/>
-    <p:sldId id="264" r:id="rId15"/>
-    <p:sldId id="265" r:id="rId16"/>
-    <p:sldId id="266" r:id="rId17"/>
-    <p:sldId id="267" r:id="rId18"/>
-    <p:sldId id="268" r:id="rId19"/>
-    <p:sldId id="269" r:id="rId20"/>
-    <p:sldId id="270" r:id="rId21"/>
-    <p:sldId id="271" r:id="rId22"/>
-    <p:sldId id="272" r:id="rId23"/>
-    <p:sldId id="273" r:id="rId24"/>
-    <p:sldId id="274" r:id="rId25"/>
-    <p:sldId id="275" r:id="rId26"/>
-    <p:sldId id="276" r:id="rId27"/>
-    <p:sldId id="277" r:id="rId28"/>
-    <p:sldId id="278" r:id="rId29"/>
-    <p:sldId id="279" r:id="rId30"/>
   </p:sldIdLst>
   <p:sldSz cx="9144000" cy="6858000" type="screen4x3"/>
   <p:notesSz cx="6858000" cy="9144000"/>
@@ -3127,7 +3108,7 @@
           <a:lstStyle/>
           <a:p>
             <a:r>
-              <a:t>แสงพระเยซู</a:t>
+              <a:t>พระเยซูเป็นที่รักของข้า</a:t>
             </a:r>
           </a:p>
         </p:txBody>
@@ -3155,749 +3136,7 @@
               </a:defRPr>
             </a:pPr>
             <a:r>
-              <a:t>Shine Jesus Shine</a:t>
-            </a:r>
-          </a:p>
-        </p:txBody>
-      </p:sp>
-    </p:spTree>
-  </p:cSld>
-  <p:clrMapOvr>
-    <a:masterClrMapping/>
-  </p:clrMapOvr>
-</p:sld>
-</file>
-
-<file path=ppt/slides/slide10.xml><?xml version="1.0" encoding="utf-8"?>
-<p:sld xmlns:a="http://schemas.openxmlformats.org/drawingml/2006/main" xmlns:p="http://schemas.openxmlformats.org/presentationml/2006/main" xmlns:r="http://schemas.openxmlformats.org/officeDocument/2006/relationships">
-  <p:cSld>
-    <p:spTree>
-      <p:nvGrpSpPr>
-        <p:cNvPr id="1" name=""/>
-        <p:cNvGrpSpPr/>
-        <p:nvPr/>
-      </p:nvGrpSpPr>
-      <p:grpSpPr/>
-      <p:sp>
-        <p:nvSpPr>
-          <p:cNvPr id="2" name="TextBox 1"/>
-          <p:cNvSpPr txBox="1"/>
-          <p:nvPr/>
-        </p:nvSpPr>
-        <p:spPr>
-          <a:xfrm>
-            <a:off x="914400" y="457200"/>
-            <a:ext cx="7315200" cy="5486400"/>
-          </a:xfrm>
-          <a:prstGeom prst="rect">
-            <a:avLst/>
-          </a:prstGeom>
-          <a:noFill/>
-        </p:spPr>
-        <p:txBody>
-          <a:bodyPr wrap="none">
-            <a:spAutoFit/>
-          </a:bodyPr>
-          <a:lstStyle/>
-          <a:p>
-            <a:pPr algn="ctr">
-              <a:lnSpc>
-                <a:spcPts val="7000"/>
-              </a:lnSpc>
-              <a:defRPr sz="4400">
-                <a:solidFill>
-                  <a:srgbClr val="000000"/>
-                </a:solidFill>
-              </a:defRPr>
-            </a:pPr>
-            <a:r>
-              <a:t>*เมื่อฉันจะนิทราในเวลาราตรี</a:t>
-            </a:r>
-            <a:br/>
-            <a:r>
-              <a:t>ฉันคิดถึงพระเจ้าพระบิดา</a:t>
-            </a:r>
-            <a:br/>
-            <a:r>
-              <a:t>ฉันรู้แน่พระองค์ทรงรักฉันทุกเวลา</a:t>
-            </a:r>
-            <a:br/>
-            <a:r>
-              <a:t>เพราะว่าฉันเป็นบุตรของพระองค์</a:t>
-            </a:r>
-          </a:p>
-        </p:txBody>
-      </p:sp>
-    </p:spTree>
-  </p:cSld>
-  <p:clrMapOvr>
-    <a:masterClrMapping/>
-  </p:clrMapOvr>
-</p:sld>
-</file>
-
-<file path=ppt/slides/slide11.xml><?xml version="1.0" encoding="utf-8"?>
-<p:sld xmlns:a="http://schemas.openxmlformats.org/drawingml/2006/main" xmlns:p="http://schemas.openxmlformats.org/presentationml/2006/main" xmlns:r="http://schemas.openxmlformats.org/officeDocument/2006/relationships">
-  <p:cSld>
-    <p:spTree>
-      <p:nvGrpSpPr>
-        <p:cNvPr id="1" name=""/>
-        <p:cNvGrpSpPr/>
-        <p:nvPr/>
-      </p:nvGrpSpPr>
-      <p:grpSpPr/>
-      <p:sp>
-        <p:nvSpPr>
-          <p:cNvPr id="2" name="Title 1"/>
-          <p:cNvSpPr>
-            <a:spLocks noGrp="1"/>
-          </p:cNvSpPr>
-          <p:nvPr>
-            <p:ph type="ctrTitle"/>
-          </p:nvPr>
-        </p:nvSpPr>
-        <p:spPr/>
-        <p:txBody>
-          <a:bodyPr/>
-          <a:lstStyle/>
-          <a:p>
-            <a:r>
-              <a:t>รักในโครินธ์</a:t>
-            </a:r>
-          </a:p>
-        </p:txBody>
-      </p:sp>
-      <p:sp>
-        <p:nvSpPr>
-          <p:cNvPr id="3" name="Subtitle 2"/>
-          <p:cNvSpPr>
-            <a:spLocks noGrp="1"/>
-          </p:cNvSpPr>
-          <p:nvPr>
-            <p:ph type="subTitle" idx="1"/>
-          </p:nvPr>
-        </p:nvSpPr>
-        <p:spPr/>
-        <p:txBody>
-          <a:bodyPr/>
-          <a:lstStyle/>
-          <a:p>
-            <a:pPr>
-              <a:defRPr sz="4000">
-                <a:solidFill>
-                  <a:srgbClr val="3A70BC"/>
-                </a:solidFill>
-              </a:defRPr>
-            </a:pPr>
-          </a:p>
-        </p:txBody>
-      </p:sp>
-    </p:spTree>
-  </p:cSld>
-  <p:clrMapOvr>
-    <a:masterClrMapping/>
-  </p:clrMapOvr>
-</p:sld>
-</file>
-
-<file path=ppt/slides/slide12.xml><?xml version="1.0" encoding="utf-8"?>
-<p:sld xmlns:a="http://schemas.openxmlformats.org/drawingml/2006/main" xmlns:p="http://schemas.openxmlformats.org/presentationml/2006/main" xmlns:r="http://schemas.openxmlformats.org/officeDocument/2006/relationships">
-  <p:cSld>
-    <p:spTree>
-      <p:nvGrpSpPr>
-        <p:cNvPr id="1" name=""/>
-        <p:cNvGrpSpPr/>
-        <p:nvPr/>
-      </p:nvGrpSpPr>
-      <p:grpSpPr/>
-      <p:sp>
-        <p:nvSpPr>
-          <p:cNvPr id="2" name="TextBox 1"/>
-          <p:cNvSpPr txBox="1"/>
-          <p:nvPr/>
-        </p:nvSpPr>
-        <p:spPr>
-          <a:xfrm>
-            <a:off x="914400" y="457200"/>
-            <a:ext cx="7315200" cy="5486400"/>
-          </a:xfrm>
-          <a:prstGeom prst="rect">
-            <a:avLst/>
-          </a:prstGeom>
-          <a:noFill/>
-        </p:spPr>
-        <p:txBody>
-          <a:bodyPr wrap="none">
-            <a:spAutoFit/>
-          </a:bodyPr>
-          <a:lstStyle/>
-          <a:p>
-            <a:pPr algn="ctr">
-              <a:lnSpc>
-                <a:spcPts val="7000"/>
-              </a:lnSpc>
-              <a:defRPr sz="4400">
-                <a:solidFill>
-                  <a:srgbClr val="000000"/>
-                </a:solidFill>
-              </a:defRPr>
-            </a:pPr>
-            <a:r>
-              <a:t>ความรักจริงแท้รักต้องอดทนทุกอย่าง</a:t>
-            </a:r>
-            <a:br/>
-            <a:r>
-              <a:t>ผิดแม้กี่ครั้งก็ยังอภัยเสมอ</a:t>
-            </a:r>
-            <a:br/>
-            <a:r>
-              <a:t>ตราบนานเท่านานมั่นคงดั่งรักแรกเจอ</a:t>
-            </a:r>
-            <a:br/>
-            <a:r>
-              <a:t>อภัยเสมออย่าได้คิดเอามาใส่ใจ</a:t>
-            </a:r>
-          </a:p>
-        </p:txBody>
-      </p:sp>
-    </p:spTree>
-  </p:cSld>
-  <p:clrMapOvr>
-    <a:masterClrMapping/>
-  </p:clrMapOvr>
-</p:sld>
-</file>
-
-<file path=ppt/slides/slide13.xml><?xml version="1.0" encoding="utf-8"?>
-<p:sld xmlns:a="http://schemas.openxmlformats.org/drawingml/2006/main" xmlns:p="http://schemas.openxmlformats.org/presentationml/2006/main" xmlns:r="http://schemas.openxmlformats.org/officeDocument/2006/relationships">
-  <p:cSld>
-    <p:spTree>
-      <p:nvGrpSpPr>
-        <p:cNvPr id="1" name=""/>
-        <p:cNvGrpSpPr/>
-        <p:nvPr/>
-      </p:nvGrpSpPr>
-      <p:grpSpPr/>
-      <p:sp>
-        <p:nvSpPr>
-          <p:cNvPr id="2" name="TextBox 1"/>
-          <p:cNvSpPr txBox="1"/>
-          <p:nvPr/>
-        </p:nvSpPr>
-        <p:spPr>
-          <a:xfrm>
-            <a:off x="914400" y="457200"/>
-            <a:ext cx="7315200" cy="5486400"/>
-          </a:xfrm>
-          <a:prstGeom prst="rect">
-            <a:avLst/>
-          </a:prstGeom>
-          <a:noFill/>
-        </p:spPr>
-        <p:txBody>
-          <a:bodyPr wrap="none">
-            <a:spAutoFit/>
-          </a:bodyPr>
-          <a:lstStyle/>
-          <a:p>
-            <a:pPr algn="ctr">
-              <a:lnSpc>
-                <a:spcPts val="7000"/>
-              </a:lnSpc>
-              <a:defRPr sz="4400">
-                <a:solidFill>
-                  <a:srgbClr val="000000"/>
-                </a:solidFill>
-              </a:defRPr>
-            </a:pPr>
-            <a:r>
-              <a:t>ให้รู้ไว้เลยรักแท้ต้องไม่ฝังจำ</a:t>
-            </a:r>
-            <a:br/>
-            <a:r>
-              <a:t>และไม่ตอกย้ำซ้ำเติมให้เขาอับอาย</a:t>
-            </a:r>
-            <a:br/>
-            <a:r>
-              <a:t>พลาดพลั้งล้มลงช่วยเขาให้ลุกขึ้นใหม่</a:t>
-            </a:r>
-            <a:br/>
-            <a:r>
-              <a:t>ให้รู้เอาไว้ไม่มีใครไม่เคยไม่ทำผิด</a:t>
-            </a:r>
-          </a:p>
-        </p:txBody>
-      </p:sp>
-    </p:spTree>
-  </p:cSld>
-  <p:clrMapOvr>
-    <a:masterClrMapping/>
-  </p:clrMapOvr>
-</p:sld>
-</file>
-
-<file path=ppt/slides/slide14.xml><?xml version="1.0" encoding="utf-8"?>
-<p:sld xmlns:a="http://schemas.openxmlformats.org/drawingml/2006/main" xmlns:p="http://schemas.openxmlformats.org/presentationml/2006/main" xmlns:r="http://schemas.openxmlformats.org/officeDocument/2006/relationships">
-  <p:cSld>
-    <p:spTree>
-      <p:nvGrpSpPr>
-        <p:cNvPr id="1" name=""/>
-        <p:cNvGrpSpPr/>
-        <p:nvPr/>
-      </p:nvGrpSpPr>
-      <p:grpSpPr/>
-      <p:sp>
-        <p:nvSpPr>
-          <p:cNvPr id="2" name="TextBox 1"/>
-          <p:cNvSpPr txBox="1"/>
-          <p:nvPr/>
-        </p:nvSpPr>
-        <p:spPr>
-          <a:xfrm>
-            <a:off x="914400" y="457200"/>
-            <a:ext cx="7315200" cy="5486400"/>
-          </a:xfrm>
-          <a:prstGeom prst="rect">
-            <a:avLst/>
-          </a:prstGeom>
-          <a:noFill/>
-        </p:spPr>
-        <p:txBody>
-          <a:bodyPr wrap="none">
-            <a:spAutoFit/>
-          </a:bodyPr>
-          <a:lstStyle/>
-          <a:p>
-            <a:pPr algn="ctr">
-              <a:lnSpc>
-                <a:spcPts val="7000"/>
-              </a:lnSpc>
-              <a:defRPr sz="4400">
-                <a:solidFill>
-                  <a:srgbClr val="000000"/>
-                </a:solidFill>
-              </a:defRPr>
-            </a:pPr>
-            <a:r>
-              <a:t>หากรักกันรักนั้นต้องทนได้ทุกอย่าง</a:t>
-            </a:r>
-            <a:br/>
-            <a:r>
-              <a:t>เปี่ยมด้วยความหวังและเชื่อในส่วนที่ดี</a:t>
-            </a:r>
-            <a:br/>
-            <a:r>
-              <a:t>หากรักกันรักแท้เท่านั้นที่ควรมี</a:t>
-            </a:r>
-            <a:br/>
-            <a:r>
-              <a:t>นั่นคือความรักที่ให้อภัยเสมอ</a:t>
-            </a:r>
-            <a:br/>
-            <a:r>
-              <a:t>ความรักในโครินธ์</a:t>
-            </a:r>
-          </a:p>
-        </p:txBody>
-      </p:sp>
-    </p:spTree>
-  </p:cSld>
-  <p:clrMapOvr>
-    <a:masterClrMapping/>
-  </p:clrMapOvr>
-</p:sld>
-</file>
-
-<file path=ppt/slides/slide15.xml><?xml version="1.0" encoding="utf-8"?>
-<p:sld xmlns:a="http://schemas.openxmlformats.org/drawingml/2006/main" xmlns:p="http://schemas.openxmlformats.org/presentationml/2006/main" xmlns:r="http://schemas.openxmlformats.org/officeDocument/2006/relationships">
-  <p:cSld>
-    <p:spTree>
-      <p:nvGrpSpPr>
-        <p:cNvPr id="1" name=""/>
-        <p:cNvGrpSpPr/>
-        <p:nvPr/>
-      </p:nvGrpSpPr>
-      <p:grpSpPr/>
-      <p:sp>
-        <p:nvSpPr>
-          <p:cNvPr id="2" name="TextBox 1"/>
-          <p:cNvSpPr txBox="1"/>
-          <p:nvPr/>
-        </p:nvSpPr>
-        <p:spPr>
-          <a:xfrm>
-            <a:off x="914400" y="457200"/>
-            <a:ext cx="7315200" cy="5486400"/>
-          </a:xfrm>
-          <a:prstGeom prst="rect">
-            <a:avLst/>
-          </a:prstGeom>
-          <a:noFill/>
-        </p:spPr>
-        <p:txBody>
-          <a:bodyPr wrap="none">
-            <a:spAutoFit/>
-          </a:bodyPr>
-          <a:lstStyle/>
-          <a:p>
-            <a:pPr algn="ctr">
-              <a:lnSpc>
-                <a:spcPts val="7000"/>
-              </a:lnSpc>
-              <a:defRPr sz="4400">
-                <a:solidFill>
-                  <a:srgbClr val="000000"/>
-                </a:solidFill>
-              </a:defRPr>
-            </a:pPr>
-            <a:r>
-              <a:t>ความรักนั้นไม่มีเสื่อมสูญ</a:t>
-            </a:r>
-            <a:br/>
-            <a:r>
-              <a:t>แม้ว่าฟ้าดินดับสลาย</a:t>
-            </a:r>
-            <a:br/>
-            <a:r>
-              <a:t>ความรักนั้นคงอยู่ต่อไป</a:t>
-            </a:r>
-            <a:br/>
-            <a:r>
-              <a:t>ตราบนิรันดร์</a:t>
-            </a:r>
-          </a:p>
-        </p:txBody>
-      </p:sp>
-    </p:spTree>
-  </p:cSld>
-  <p:clrMapOvr>
-    <a:masterClrMapping/>
-  </p:clrMapOvr>
-</p:sld>
-</file>
-
-<file path=ppt/slides/slide16.xml><?xml version="1.0" encoding="utf-8"?>
-<p:sld xmlns:a="http://schemas.openxmlformats.org/drawingml/2006/main" xmlns:p="http://schemas.openxmlformats.org/presentationml/2006/main" xmlns:r="http://schemas.openxmlformats.org/officeDocument/2006/relationships">
-  <p:cSld>
-    <p:spTree>
-      <p:nvGrpSpPr>
-        <p:cNvPr id="1" name=""/>
-        <p:cNvGrpSpPr/>
-        <p:nvPr/>
-      </p:nvGrpSpPr>
-      <p:grpSpPr/>
-      <p:sp>
-        <p:nvSpPr>
-          <p:cNvPr id="2" name="Title 1"/>
-          <p:cNvSpPr>
-            <a:spLocks noGrp="1"/>
-          </p:cNvSpPr>
-          <p:nvPr>
-            <p:ph type="ctrTitle"/>
-          </p:nvPr>
-        </p:nvSpPr>
-        <p:spPr/>
-        <p:txBody>
-          <a:bodyPr/>
-          <a:lstStyle/>
-          <a:p>
-            <a:r>
-              <a:t>พระเจ้าจัดเตรียมหนทาง</a:t>
-            </a:r>
-          </a:p>
-        </p:txBody>
-      </p:sp>
-      <p:sp>
-        <p:nvSpPr>
-          <p:cNvPr id="3" name="Subtitle 2"/>
-          <p:cNvSpPr>
-            <a:spLocks noGrp="1"/>
-          </p:cNvSpPr>
-          <p:nvPr>
-            <p:ph type="subTitle" idx="1"/>
-          </p:nvPr>
-        </p:nvSpPr>
-        <p:spPr/>
-        <p:txBody>
-          <a:bodyPr/>
-          <a:lstStyle/>
-          <a:p>
-            <a:pPr>
-              <a:defRPr sz="4000">
-                <a:solidFill>
-                  <a:srgbClr val="3A70BC"/>
-                </a:solidFill>
-              </a:defRPr>
-            </a:pPr>
-            <a:r>
-              <a:t>God will make the way</a:t>
-            </a:r>
-          </a:p>
-        </p:txBody>
-      </p:sp>
-    </p:spTree>
-  </p:cSld>
-  <p:clrMapOvr>
-    <a:masterClrMapping/>
-  </p:clrMapOvr>
-</p:sld>
-</file>
-
-<file path=ppt/slides/slide17.xml><?xml version="1.0" encoding="utf-8"?>
-<p:sld xmlns:a="http://schemas.openxmlformats.org/drawingml/2006/main" xmlns:p="http://schemas.openxmlformats.org/presentationml/2006/main" xmlns:r="http://schemas.openxmlformats.org/officeDocument/2006/relationships">
-  <p:cSld>
-    <p:spTree>
-      <p:nvGrpSpPr>
-        <p:cNvPr id="1" name=""/>
-        <p:cNvGrpSpPr/>
-        <p:nvPr/>
-      </p:nvGrpSpPr>
-      <p:grpSpPr/>
-      <p:sp>
-        <p:nvSpPr>
-          <p:cNvPr id="2" name="TextBox 1"/>
-          <p:cNvSpPr txBox="1"/>
-          <p:nvPr/>
-        </p:nvSpPr>
-        <p:spPr>
-          <a:xfrm>
-            <a:off x="685800" y="228600"/>
-            <a:ext cx="7772400" cy="2971800"/>
-          </a:xfrm>
-          <a:prstGeom prst="rect">
-            <a:avLst/>
-          </a:prstGeom>
-          <a:noFill/>
-        </p:spPr>
-        <p:txBody>
-          <a:bodyPr wrap="square">
-            <a:spAutoFit/>
-          </a:bodyPr>
-          <a:lstStyle/>
-          <a:p>
-            <a:pPr algn="ctr">
-              <a:lnSpc>
-                <a:spcPts val="4800"/>
-              </a:lnSpc>
-              <a:defRPr sz="4400">
-                <a:solidFill>
-                  <a:srgbClr val="000000"/>
-                </a:solidFill>
-              </a:defRPr>
-            </a:pPr>
-            <a:r>
-              <a:t>พระเจ้าจัดเตรียมหนทาง ในระหว่างคืนวันที่มืดมน บนทางที่เราไม่อาจเข้าใจ แต่ทรงเตรียมทางไว้ให้เรา แล้วจะคอยชี้ทาง พาเราอยู่เคียงข้างพระองค์ ด้วยพลังความรัก สำหรับชีวี เพื่อพวกเราวันนี้ โปรดจัดเตรียมหนทาง</a:t>
-            </a:r>
-          </a:p>
-        </p:txBody>
-      </p:sp>
-      <p:sp>
-        <p:nvSpPr>
-          <p:cNvPr id="3" name="TextBox 2"/>
-          <p:cNvSpPr txBox="1"/>
-          <p:nvPr/>
-        </p:nvSpPr>
-        <p:spPr>
-          <a:xfrm>
-            <a:off x="685800" y="3657600"/>
-            <a:ext cx="7772400" cy="2971800"/>
-          </a:xfrm>
-          <a:prstGeom prst="rect">
-            <a:avLst/>
-          </a:prstGeom>
-          <a:noFill/>
-        </p:spPr>
-        <p:txBody>
-          <a:bodyPr wrap="square">
-            <a:spAutoFit/>
-          </a:bodyPr>
-          <a:lstStyle/>
-          <a:p>
-            <a:pPr algn="ctr">
-              <a:lnSpc>
-                <a:spcPts val="4800"/>
-              </a:lnSpc>
-              <a:defRPr sz="4200">
-                <a:solidFill>
-                  <a:srgbClr val="3A70BC"/>
-                </a:solidFill>
-              </a:defRPr>
-            </a:pPr>
-            <a:r>
-              <a:t>God will make a way. Where there seems to be no way. He works in ways we cannot see. He will make a way for me. He will be my guide. Hold me closely to His side. With love and strength. For each new day. He will make a way. He will make a way.</a:t>
-            </a:r>
-          </a:p>
-        </p:txBody>
-      </p:sp>
-    </p:spTree>
-  </p:cSld>
-  <p:clrMapOvr>
-    <a:masterClrMapping/>
-  </p:clrMapOvr>
-</p:sld>
-</file>
-
-<file path=ppt/slides/slide18.xml><?xml version="1.0" encoding="utf-8"?>
-<p:sld xmlns:a="http://schemas.openxmlformats.org/drawingml/2006/main" xmlns:p="http://schemas.openxmlformats.org/presentationml/2006/main" xmlns:r="http://schemas.openxmlformats.org/officeDocument/2006/relationships">
-  <p:cSld>
-    <p:spTree>
-      <p:nvGrpSpPr>
-        <p:cNvPr id="1" name=""/>
-        <p:cNvGrpSpPr/>
-        <p:nvPr/>
-      </p:nvGrpSpPr>
-      <p:grpSpPr/>
-      <p:sp>
-        <p:nvSpPr>
-          <p:cNvPr id="2" name="TextBox 1"/>
-          <p:cNvSpPr txBox="1"/>
-          <p:nvPr/>
-        </p:nvSpPr>
-        <p:spPr>
-          <a:xfrm>
-            <a:off x="685800" y="228600"/>
-            <a:ext cx="7772400" cy="2971800"/>
-          </a:xfrm>
-          <a:prstGeom prst="rect">
-            <a:avLst/>
-          </a:prstGeom>
-          <a:noFill/>
-        </p:spPr>
-        <p:txBody>
-          <a:bodyPr wrap="none">
-            <a:spAutoFit/>
-          </a:bodyPr>
-          <a:lstStyle/>
-          <a:p>
-            <a:pPr algn="ctr">
-              <a:lnSpc>
-                <a:spcPts val="4800"/>
-              </a:lnSpc>
-              <a:defRPr sz="4400">
-                <a:solidFill>
-                  <a:srgbClr val="000000"/>
-                </a:solidFill>
-              </a:defRPr>
-            </a:pPr>
-            <a:r>
-              <a:t>พระองค์นำเราบนถนน ในถิ่นสุดกันดาร</a:t>
-            </a:r>
-            <a:br/>
-            <a:r>
-              <a:t>และเราจะเจอธารน้ำในทะเลทราย สรรพสิ่งจะล่วงไป</a:t>
-            </a:r>
-            <a:br/>
-            <a:r>
-              <a:t>แต่คงไว้พระคำพระองค์ และโปรดทรงทำ</a:t>
-            </a:r>
-            <a:br/>
-            <a:r>
-              <a:t>สิ่งใหม่เพื่อเราวันนี้</a:t>
-            </a:r>
-          </a:p>
-        </p:txBody>
-      </p:sp>
-      <p:sp>
-        <p:nvSpPr>
-          <p:cNvPr id="3" name="TextBox 2"/>
-          <p:cNvSpPr txBox="1"/>
-          <p:nvPr/>
-        </p:nvSpPr>
-        <p:spPr>
-          <a:xfrm>
-            <a:off x="685800" y="3657600"/>
-            <a:ext cx="7772400" cy="2971800"/>
-          </a:xfrm>
-          <a:prstGeom prst="rect">
-            <a:avLst/>
-          </a:prstGeom>
-          <a:noFill/>
-        </p:spPr>
-        <p:txBody>
-          <a:bodyPr wrap="square">
-            <a:spAutoFit/>
-          </a:bodyPr>
-          <a:lstStyle/>
-          <a:p>
-            <a:pPr algn="ctr">
-              <a:lnSpc>
-                <a:spcPts val="4800"/>
-              </a:lnSpc>
-              <a:defRPr sz="4200">
-                <a:solidFill>
-                  <a:srgbClr val="3A70BC"/>
-                </a:solidFill>
-              </a:defRPr>
-            </a:pPr>
-            <a:r>
-              <a:t>By a roadway in the wilderness. He'll lead me. And rivers in the desert will I see. Heaven and earth will fade. But His Word will still remain. He will do something new today.</a:t>
-            </a:r>
-          </a:p>
-        </p:txBody>
-      </p:sp>
-    </p:spTree>
-  </p:cSld>
-  <p:clrMapOvr>
-    <a:masterClrMapping/>
-  </p:clrMapOvr>
-</p:sld>
-</file>
-
-<file path=ppt/slides/slide19.xml><?xml version="1.0" encoding="utf-8"?>
-<p:sld xmlns:a="http://schemas.openxmlformats.org/drawingml/2006/main" xmlns:p="http://schemas.openxmlformats.org/presentationml/2006/main" xmlns:r="http://schemas.openxmlformats.org/officeDocument/2006/relationships">
-  <p:cSld>
-    <p:spTree>
-      <p:nvGrpSpPr>
-        <p:cNvPr id="1" name=""/>
-        <p:cNvGrpSpPr/>
-        <p:nvPr/>
-      </p:nvGrpSpPr>
-      <p:grpSpPr/>
-      <p:sp>
-        <p:nvSpPr>
-          <p:cNvPr id="2" name="Title 1"/>
-          <p:cNvSpPr>
-            <a:spLocks noGrp="1"/>
-          </p:cNvSpPr>
-          <p:nvPr>
-            <p:ph type="ctrTitle"/>
-          </p:nvPr>
-        </p:nvSpPr>
-        <p:spPr/>
-        <p:txBody>
-          <a:bodyPr/>
-          <a:lstStyle/>
-          <a:p>
-            <a:r>
-              <a:t>เจิมด้วยไฟพระวิญญาณ</a:t>
-            </a:r>
-          </a:p>
-        </p:txBody>
-      </p:sp>
-      <p:sp>
-        <p:nvSpPr>
-          <p:cNvPr id="3" name="Subtitle 2"/>
-          <p:cNvSpPr>
-            <a:spLocks noGrp="1"/>
-          </p:cNvSpPr>
-          <p:nvPr>
-            <p:ph type="subTitle" idx="1"/>
-          </p:nvPr>
-        </p:nvSpPr>
-        <p:spPr/>
-        <p:txBody>
-          <a:bodyPr/>
-          <a:lstStyle/>
-          <a:p>
-            <a:pPr>
-              <a:defRPr sz="4000">
-                <a:solidFill>
-                  <a:srgbClr val="3A70BC"/>
-                </a:solidFill>
-              </a:defRPr>
-            </a:pPr>
-            <a:r>
-              <a:t>Anoint us With the fire</a:t>
+              <a:t>Jesus, Lover Of My Soul</a:t>
             </a:r>
           </a:p>
         </p:txBody>
@@ -3937,7 +3176,7 @@
           <a:noFill/>
         </p:spPr>
         <p:txBody>
-          <a:bodyPr wrap="square">
+          <a:bodyPr wrap="none">
             <a:spAutoFit/>
           </a:bodyPr>
           <a:lstStyle/>
@@ -3946,14 +3185,18 @@
               <a:lnSpc>
                 <a:spcPts val="4800"/>
               </a:lnSpc>
-              <a:defRPr sz="4400">
+              <a:defRPr sz="4800">
                 <a:solidFill>
                   <a:srgbClr val="000000"/>
                 </a:solidFill>
               </a:defRPr>
             </a:pPr>
             <a:r>
-              <a:t>องค์พระเจ้าแห่งความรักทรงส่องแสง ในท่ามกลางความมืดมิดแห่งชีวิต พระเยซูเป็นสว่างส่องเหนือพวกเรา ทรงปลดปล่อยนำเราด้วยความจริงยิ่งใหญ่ ส่องยังพวกเรา ส่องยังพวกเรา</a:t>
+              <a:t>พระเยซู เป็นที่รักของข้า</a:t>
+            </a:r>
+            <a:br/>
+            <a:r>
+              <a:t>พระเยซู ข้าจะไม่ละพระองค์</a:t>
             </a:r>
           </a:p>
         </p:txBody>
@@ -3975,7 +3218,7 @@
           <a:noFill/>
         </p:spPr>
         <p:txBody>
-          <a:bodyPr wrap="square">
+          <a:bodyPr wrap="none">
             <a:spAutoFit/>
           </a:bodyPr>
           <a:lstStyle/>
@@ -3984,399 +3227,20 @@
               <a:lnSpc>
                 <a:spcPts val="4800"/>
               </a:lnSpc>
-              <a:defRPr sz="4200">
+              <a:defRPr sz="4700">
                 <a:solidFill>
                   <a:srgbClr val="3A70BC"/>
                 </a:solidFill>
               </a:defRPr>
             </a:pPr>
             <a:r>
-              <a:t>Lord, the Light of Your Love is shining, In the midst of the darkness shining, Jesus, Light of the World, shine upon us, Set us free by the truth You now bring us, Shine on me. Shine on me.</a:t>
-            </a:r>
-          </a:p>
-        </p:txBody>
-      </p:sp>
-    </p:spTree>
-  </p:cSld>
-  <p:clrMapOvr>
-    <a:masterClrMapping/>
-  </p:clrMapOvr>
-</p:sld>
-</file>
-
-<file path=ppt/slides/slide20.xml><?xml version="1.0" encoding="utf-8"?>
-<p:sld xmlns:a="http://schemas.openxmlformats.org/drawingml/2006/main" xmlns:p="http://schemas.openxmlformats.org/presentationml/2006/main" xmlns:r="http://schemas.openxmlformats.org/officeDocument/2006/relationships">
-  <p:cSld>
-    <p:spTree>
-      <p:nvGrpSpPr>
-        <p:cNvPr id="1" name=""/>
-        <p:cNvGrpSpPr/>
-        <p:nvPr/>
-      </p:nvGrpSpPr>
-      <p:grpSpPr/>
-      <p:sp>
-        <p:nvSpPr>
-          <p:cNvPr id="2" name="TextBox 1"/>
-          <p:cNvSpPr txBox="1"/>
-          <p:nvPr/>
-        </p:nvSpPr>
-        <p:spPr>
-          <a:xfrm>
-            <a:off x="685800" y="228600"/>
-            <a:ext cx="7772400" cy="2971800"/>
-          </a:xfrm>
-          <a:prstGeom prst="rect">
-            <a:avLst/>
-          </a:prstGeom>
-          <a:noFill/>
-        </p:spPr>
-        <p:txBody>
-          <a:bodyPr wrap="square">
-            <a:spAutoFit/>
-          </a:bodyPr>
-          <a:lstStyle/>
-          <a:p>
-            <a:pPr algn="ctr">
-              <a:lnSpc>
-                <a:spcPts val="4800"/>
-              </a:lnSpc>
-              <a:defRPr sz="4400">
-                <a:solidFill>
-                  <a:srgbClr val="000000"/>
-                </a:solidFill>
-              </a:defRPr>
-            </a:pPr>
-            <a:r>
-              <a:t>เมื่อนมัสการพระเจ้า ด้วยสิ้นสุดใจ เชิญองค์พระวิญญาณ ประทับอยู่ในใจ ทรงเคลื่อนไหว ท่ามกลางพวกเราที่นี่ ให้ชีวิตเต็มด้วยการอัศจรรย์ และเต็มล้นด้วยไฟพระวิญญาณ</a:t>
-            </a:r>
-          </a:p>
-        </p:txBody>
-      </p:sp>
-      <p:sp>
-        <p:nvSpPr>
-          <p:cNvPr id="3" name="TextBox 2"/>
-          <p:cNvSpPr txBox="1"/>
-          <p:nvPr/>
-        </p:nvSpPr>
-        <p:spPr>
-          <a:xfrm>
-            <a:off x="685800" y="3657600"/>
-            <a:ext cx="7772400" cy="2971800"/>
-          </a:xfrm>
-          <a:prstGeom prst="rect">
-            <a:avLst/>
-          </a:prstGeom>
-          <a:noFill/>
-        </p:spPr>
-        <p:txBody>
-          <a:bodyPr wrap="square">
-            <a:spAutoFit/>
-          </a:bodyPr>
-          <a:lstStyle/>
-          <a:p>
-            <a:pPr algn="ctr">
-              <a:lnSpc>
-                <a:spcPts val="4800"/>
-              </a:lnSpc>
-              <a:defRPr sz="4200">
-                <a:solidFill>
-                  <a:srgbClr val="3A70BC"/>
-                </a:solidFill>
-              </a:defRPr>
-            </a:pPr>
-            <a:r>
-              <a:t>When we worship You With all of our hearts May the Holy Ghost Dwell within us Please move Your Spirit Here among us Let our lives be filled with miracles And overflow with the heavenly fire</a:t>
-            </a:r>
-          </a:p>
-        </p:txBody>
-      </p:sp>
-    </p:spTree>
-  </p:cSld>
-  <p:clrMapOvr>
-    <a:masterClrMapping/>
-  </p:clrMapOvr>
-</p:sld>
-</file>
-
-<file path=ppt/slides/slide21.xml><?xml version="1.0" encoding="utf-8"?>
-<p:sld xmlns:a="http://schemas.openxmlformats.org/drawingml/2006/main" xmlns:p="http://schemas.openxmlformats.org/presentationml/2006/main" xmlns:r="http://schemas.openxmlformats.org/officeDocument/2006/relationships">
-  <p:cSld>
-    <p:spTree>
-      <p:nvGrpSpPr>
-        <p:cNvPr id="1" name=""/>
-        <p:cNvGrpSpPr/>
-        <p:nvPr/>
-      </p:nvGrpSpPr>
-      <p:grpSpPr/>
-      <p:sp>
-        <p:nvSpPr>
-          <p:cNvPr id="2" name="TextBox 1"/>
-          <p:cNvSpPr txBox="1"/>
-          <p:nvPr/>
-        </p:nvSpPr>
-        <p:spPr>
-          <a:xfrm>
-            <a:off x="685800" y="228600"/>
-            <a:ext cx="7772400" cy="2971800"/>
-          </a:xfrm>
-          <a:prstGeom prst="rect">
-            <a:avLst/>
-          </a:prstGeom>
-          <a:noFill/>
-        </p:spPr>
-        <p:txBody>
-          <a:bodyPr wrap="none">
-            <a:spAutoFit/>
-          </a:bodyPr>
-          <a:lstStyle/>
-          <a:p>
-            <a:pPr algn="ctr">
-              <a:lnSpc>
-                <a:spcPts val="4800"/>
-              </a:lnSpc>
-              <a:defRPr sz="4400">
-                <a:solidFill>
-                  <a:srgbClr val="000000"/>
-                </a:solidFill>
-              </a:defRPr>
-            </a:pPr>
-            <a:r>
-              <a:t>*โปรดเจิมเรา เจิมใจเรา ด้วยฤทธานุภาพ</a:t>
+              <a:t>Jesus, Lover of my soul</a:t>
             </a:r>
             <a:br/>
             <a:r>
-              <a:t>ยิ่งใหญ่ของพระองค์ โปรดเจิมเรา</a:t>
+              <a:t> Jesus, I will never let you go</a:t>
             </a:r>
             <a:br/>
-            <a:r>
-              <a:t>เจิมใจเรา ให้เต็มล้นด้วยไฟ แห่งพระวิญญาณ</a:t>
-            </a:r>
-          </a:p>
-        </p:txBody>
-      </p:sp>
-      <p:sp>
-        <p:nvSpPr>
-          <p:cNvPr id="3" name="TextBox 2"/>
-          <p:cNvSpPr txBox="1"/>
-          <p:nvPr/>
-        </p:nvSpPr>
-        <p:spPr>
-          <a:xfrm>
-            <a:off x="685800" y="3657600"/>
-            <a:ext cx="7772400" cy="2971800"/>
-          </a:xfrm>
-          <a:prstGeom prst="rect">
-            <a:avLst/>
-          </a:prstGeom>
-          <a:noFill/>
-        </p:spPr>
-        <p:txBody>
-          <a:bodyPr wrap="square">
-            <a:spAutoFit/>
-          </a:bodyPr>
-          <a:lstStyle/>
-          <a:p>
-            <a:pPr algn="ctr">
-              <a:lnSpc>
-                <a:spcPts val="4800"/>
-              </a:lnSpc>
-              <a:defRPr sz="4200">
-                <a:solidFill>
-                  <a:srgbClr val="3A70BC"/>
-                </a:solidFill>
-              </a:defRPr>
-            </a:pPr>
-            <a:r>
-              <a:t>Anoint us, fill our hearts With the sovereign Power of the Lord Anoint us, fill our hearts With the fire of The heavenly Ghost</a:t>
-            </a:r>
-          </a:p>
-        </p:txBody>
-      </p:sp>
-    </p:spTree>
-  </p:cSld>
-  <p:clrMapOvr>
-    <a:masterClrMapping/>
-  </p:clrMapOvr>
-</p:sld>
-</file>
-
-<file path=ppt/slides/slide22.xml><?xml version="1.0" encoding="utf-8"?>
-<p:sld xmlns:a="http://schemas.openxmlformats.org/drawingml/2006/main" xmlns:p="http://schemas.openxmlformats.org/presentationml/2006/main" xmlns:r="http://schemas.openxmlformats.org/officeDocument/2006/relationships">
-  <p:cSld>
-    <p:spTree>
-      <p:nvGrpSpPr>
-        <p:cNvPr id="1" name=""/>
-        <p:cNvGrpSpPr/>
-        <p:nvPr/>
-      </p:nvGrpSpPr>
-      <p:grpSpPr/>
-      <p:sp>
-        <p:nvSpPr>
-          <p:cNvPr id="2" name="Title 1"/>
-          <p:cNvSpPr>
-            <a:spLocks noGrp="1"/>
-          </p:cNvSpPr>
-          <p:nvPr>
-            <p:ph type="ctrTitle"/>
-          </p:nvPr>
-        </p:nvSpPr>
-        <p:spPr/>
-        <p:txBody>
-          <a:bodyPr/>
-          <a:lstStyle/>
-          <a:p>
-            <a:r>
-              <a:t>ขอบคุณพระเยซู</a:t>
-            </a:r>
-          </a:p>
-        </p:txBody>
-      </p:sp>
-      <p:sp>
-        <p:nvSpPr>
-          <p:cNvPr id="3" name="Subtitle 2"/>
-          <p:cNvSpPr>
-            <a:spLocks noGrp="1"/>
-          </p:cNvSpPr>
-          <p:nvPr>
-            <p:ph type="subTitle" idx="1"/>
-          </p:nvPr>
-        </p:nvSpPr>
-        <p:spPr/>
-        <p:txBody>
-          <a:bodyPr/>
-          <a:lstStyle/>
-          <a:p>
-            <a:pPr>
-              <a:defRPr sz="4000">
-                <a:solidFill>
-                  <a:srgbClr val="3A70BC"/>
-                </a:solidFill>
-              </a:defRPr>
-            </a:pPr>
-          </a:p>
-        </p:txBody>
-      </p:sp>
-    </p:spTree>
-  </p:cSld>
-  <p:clrMapOvr>
-    <a:masterClrMapping/>
-  </p:clrMapOvr>
-</p:sld>
-</file>
-
-<file path=ppt/slides/slide23.xml><?xml version="1.0" encoding="utf-8"?>
-<p:sld xmlns:a="http://schemas.openxmlformats.org/drawingml/2006/main" xmlns:p="http://schemas.openxmlformats.org/presentationml/2006/main" xmlns:r="http://schemas.openxmlformats.org/officeDocument/2006/relationships">
-  <p:cSld>
-    <p:spTree>
-      <p:nvGrpSpPr>
-        <p:cNvPr id="1" name=""/>
-        <p:cNvGrpSpPr/>
-        <p:nvPr/>
-      </p:nvGrpSpPr>
-      <p:grpSpPr/>
-      <p:sp>
-        <p:nvSpPr>
-          <p:cNvPr id="2" name="TextBox 1"/>
-          <p:cNvSpPr txBox="1"/>
-          <p:nvPr/>
-        </p:nvSpPr>
-        <p:spPr>
-          <a:xfrm>
-            <a:off x="914400" y="457200"/>
-            <a:ext cx="7315200" cy="5486400"/>
-          </a:xfrm>
-          <a:prstGeom prst="rect">
-            <a:avLst/>
-          </a:prstGeom>
-          <a:noFill/>
-        </p:spPr>
-        <p:txBody>
-          <a:bodyPr wrap="none">
-            <a:spAutoFit/>
-          </a:bodyPr>
-          <a:lstStyle/>
-          <a:p>
-            <a:pPr algn="ctr">
-              <a:lnSpc>
-                <a:spcPts val="7000"/>
-              </a:lnSpc>
-              <a:defRPr sz="4400">
-                <a:solidFill>
-                  <a:srgbClr val="000000"/>
-                </a:solidFill>
-              </a:defRPr>
-            </a:pPr>
-            <a:r>
-              <a:t>ขอบคุณพระเยซูมอบความรักแก่เรา</a:t>
-            </a:r>
-            <a:br/>
-            <a:r>
-              <a:t>ขอบคุณพระเยซูทรงพระคุณมากมี</a:t>
-            </a:r>
-          </a:p>
-        </p:txBody>
-      </p:sp>
-    </p:spTree>
-  </p:cSld>
-  <p:clrMapOvr>
-    <a:masterClrMapping/>
-  </p:clrMapOvr>
-</p:sld>
-</file>
-
-<file path=ppt/slides/slide24.xml><?xml version="1.0" encoding="utf-8"?>
-<p:sld xmlns:a="http://schemas.openxmlformats.org/drawingml/2006/main" xmlns:p="http://schemas.openxmlformats.org/presentationml/2006/main" xmlns:r="http://schemas.openxmlformats.org/officeDocument/2006/relationships">
-  <p:cSld>
-    <p:spTree>
-      <p:nvGrpSpPr>
-        <p:cNvPr id="1" name=""/>
-        <p:cNvGrpSpPr/>
-        <p:nvPr/>
-      </p:nvGrpSpPr>
-      <p:grpSpPr/>
-      <p:sp>
-        <p:nvSpPr>
-          <p:cNvPr id="2" name="TextBox 1"/>
-          <p:cNvSpPr txBox="1"/>
-          <p:nvPr/>
-        </p:nvSpPr>
-        <p:spPr>
-          <a:xfrm>
-            <a:off x="914400" y="457200"/>
-            <a:ext cx="7315200" cy="5486400"/>
-          </a:xfrm>
-          <a:prstGeom prst="rect">
-            <a:avLst/>
-          </a:prstGeom>
-          <a:noFill/>
-        </p:spPr>
-        <p:txBody>
-          <a:bodyPr wrap="none">
-            <a:spAutoFit/>
-          </a:bodyPr>
-          <a:lstStyle/>
-          <a:p>
-            <a:pPr algn="ctr">
-              <a:lnSpc>
-                <a:spcPts val="7000"/>
-              </a:lnSpc>
-              <a:defRPr sz="4400">
-                <a:solidFill>
-                  <a:srgbClr val="000000"/>
-                </a:solidFill>
-              </a:defRPr>
-            </a:pPr>
-            <a:r>
-              <a:t>*เราเปล่งเสียงร้องสรรเสริญพระนาม</a:t>
-            </a:r>
-            <a:br/>
-            <a:r>
-              <a:t>ร้องสรรเสริญโมทนาพระองค์เป็นทุกสิ่ง</a:t>
-            </a:r>
-            <a:br/>
-            <a:r>
-              <a:t>เป็นพระเจ้าของเรา</a:t>
-            </a:r>
           </a:p>
         </p:txBody>
       </p:sp>
@@ -4415,7 +3279,7 @@
           <a:noFill/>
         </p:spPr>
         <p:txBody>
-          <a:bodyPr wrap="square">
+          <a:bodyPr wrap="none">
             <a:spAutoFit/>
           </a:bodyPr>
           <a:lstStyle/>
@@ -4424,14 +3288,22 @@
               <a:lnSpc>
                 <a:spcPts val="4800"/>
               </a:lnSpc>
-              <a:defRPr sz="4400">
+              <a:defRPr sz="4800">
                 <a:solidFill>
                   <a:srgbClr val="000000"/>
                 </a:solidFill>
               </a:defRPr>
             </a:pPr>
             <a:r>
-              <a:t>แสงพระเยซู ส่องดินแดนด้วยพระสิริพระบิดา ขอพระวิญญาณเจิมใจเราด้วยไฟ ไหลดั่งแม่น้ำท่วมวิญญาณเหล่าประชา ด้วยพระคุณ และทรงการุณย์พระคำเป็นความสว่าง</a:t>
+              <a:t>รักพระองค์ มีพระองค์ แม้โลกนี้จะสูญสิ้นไป</a:t>
+            </a:r>
+            <a:br/>
+            <a:r>
+              <a:t>ข้ามีพระองค์ พระผู้ช่วย และทรงเป็นเพื่อน</a:t>
+            </a:r>
+            <a:br/>
+            <a:r>
+              <a:t>ข้าสรรเสริญ พระองค์ตลอดชีวิตนิรันดร์</a:t>
             </a:r>
           </a:p>
         </p:txBody>
@@ -4462,14 +3334,14 @@
               <a:lnSpc>
                 <a:spcPts val="4800"/>
               </a:lnSpc>
-              <a:defRPr sz="4200">
+              <a:defRPr sz="4700">
                 <a:solidFill>
                   <a:srgbClr val="3A70BC"/>
                 </a:solidFill>
               </a:defRPr>
             </a:pPr>
             <a:r>
-              <a:t>Shine, Jesus shine, Fill this land with the Father's glory. Blaze, Spirit blaze, Set our hearts on fire. Flow, river flow, Flood the nations with grace and mercy. Send forth Your word, Lord and let there be light.</a:t>
+              <a:t>I love you, I need you, Though my world may fall, I' ll never let you go. My Saviour, my closest friend, I will worship you until the very end.</a:t>
             </a:r>
           </a:p>
         </p:txBody>
@@ -4509,7 +3381,7 @@
           <a:noFill/>
         </p:spPr>
         <p:txBody>
-          <a:bodyPr wrap="square">
+          <a:bodyPr wrap="none">
             <a:spAutoFit/>
           </a:bodyPr>
           <a:lstStyle/>
@@ -4518,14 +3390,22 @@
               <a:lnSpc>
                 <a:spcPts val="4800"/>
               </a:lnSpc>
-              <a:defRPr sz="4400">
+              <a:defRPr sz="4800">
                 <a:solidFill>
                   <a:srgbClr val="000000"/>
                 </a:solidFill>
               </a:defRPr>
             </a:pPr>
             <a:r>
-              <a:t>เราเข้าเฝ้าที่ประทับองค์พระเจ้า สู่แสงแห่งรัศมีของพระองค์ โดยโลหิตแห่งพระคริสต์ชีวิตสดใส ส่องจิตใจเราเป็นไท พ้นความมืดมน ส่องยังพวกเรา ส่องยังพวกเรา</a:t>
+              <a:t>พระองค์นำข้า จากโคลนตมผงคลี</a:t>
+            </a:r>
+            <a:br/>
+            <a:r>
+              <a:t>วางชีวิตข้าไว้บนศิลา</a:t>
+            </a:r>
+            <a:br/>
+            <a:r>
+              <a:t>ข้าจึงได้รู้ว่า</a:t>
             </a:r>
           </a:p>
         </p:txBody>
@@ -4547,7 +3427,7 @@
           <a:noFill/>
         </p:spPr>
         <p:txBody>
-          <a:bodyPr wrap="square">
+          <a:bodyPr wrap="none">
             <a:spAutoFit/>
           </a:bodyPr>
           <a:lstStyle/>
@@ -4556,14 +3436,22 @@
               <a:lnSpc>
                 <a:spcPts val="4800"/>
               </a:lnSpc>
-              <a:defRPr sz="4200">
+              <a:defRPr sz="4700">
                 <a:solidFill>
                   <a:srgbClr val="3A70BC"/>
                 </a:solidFill>
               </a:defRPr>
             </a:pPr>
             <a:r>
-              <a:t>Lord I come to Your awesome presence, From the shadows into Your radiance. By the blood I may enter Your brightness, Search me, try me, consume all my darkness. Shine on me. Shine on me.</a:t>
+              <a:t>You' ve taken me from the miry clay</a:t>
+            </a:r>
+            <a:br/>
+            <a:r>
+              <a:t> You've set my feet upon the Rock</a:t>
+            </a:r>
+            <a:br/>
+            <a:r>
+              <a:t> and now I know</a:t>
             </a:r>
           </a:p>
         </p:txBody>
@@ -4603,7 +3491,7 @@
           <a:noFill/>
         </p:spPr>
         <p:txBody>
-          <a:bodyPr wrap="square">
+          <a:bodyPr wrap="none">
             <a:spAutoFit/>
           </a:bodyPr>
           <a:lstStyle/>
@@ -4612,14 +3500,22 @@
               <a:lnSpc>
                 <a:spcPts val="4800"/>
               </a:lnSpc>
-              <a:defRPr sz="4400">
+              <a:defRPr sz="4800">
                 <a:solidFill>
                   <a:srgbClr val="000000"/>
                 </a:solidFill>
               </a:defRPr>
             </a:pPr>
             <a:r>
-              <a:t>แสงพระเยซู ส่องดินแดนด้วยพระสิริพระบิดา ขอพระวิญญาณเจิมใจเราด้วยไฟ ไหลดั่งแม่น้ำท่วมวิญญาณเหล่าประชา ด้วยพระคุณ และทรงการุณย์พระคำเป็นความสว่าง</a:t>
+              <a:t>รักพระองค์ มีพระองค์ แม้โลกนี้จะสูญสิ้นไป</a:t>
+            </a:r>
+            <a:br/>
+            <a:r>
+              <a:t>ข้ามีพระองค์ พระผู้ช่วย และทรงเป็นเพื่อน</a:t>
+            </a:r>
+            <a:br/>
+            <a:r>
+              <a:t>ข้าสรรเสริญ พระองค์ตลอดชีวิตนิรันดร์</a:t>
             </a:r>
           </a:p>
         </p:txBody>
@@ -4650,338 +3546,14 @@
               <a:lnSpc>
                 <a:spcPts val="4800"/>
               </a:lnSpc>
-              <a:defRPr sz="4200">
+              <a:defRPr sz="4700">
                 <a:solidFill>
                   <a:srgbClr val="3A70BC"/>
                 </a:solidFill>
               </a:defRPr>
             </a:pPr>
             <a:r>
-              <a:t>Shine, Jesus shine, Fill this land with the Father's glory. Blaze, Spirit blaze, Set our hearts on fire. Flow, river flow, Flood the nations with grace and mercy. Send forth Your word, Lord and let there be light.</a:t>
-            </a:r>
-          </a:p>
-        </p:txBody>
-      </p:sp>
-    </p:spTree>
-  </p:cSld>
-  <p:clrMapOvr>
-    <a:masterClrMapping/>
-  </p:clrMapOvr>
-</p:sld>
-</file>
-
-<file path=ppt/slides/slide6.xml><?xml version="1.0" encoding="utf-8"?>
-<p:sld xmlns:a="http://schemas.openxmlformats.org/drawingml/2006/main" xmlns:p="http://schemas.openxmlformats.org/presentationml/2006/main" xmlns:r="http://schemas.openxmlformats.org/officeDocument/2006/relationships">
-  <p:cSld>
-    <p:spTree>
-      <p:nvGrpSpPr>
-        <p:cNvPr id="1" name=""/>
-        <p:cNvGrpSpPr/>
-        <p:nvPr/>
-      </p:nvGrpSpPr>
-      <p:grpSpPr/>
-      <p:sp>
-        <p:nvSpPr>
-          <p:cNvPr id="2" name="TextBox 1"/>
-          <p:cNvSpPr txBox="1"/>
-          <p:nvPr/>
-        </p:nvSpPr>
-        <p:spPr>
-          <a:xfrm>
-            <a:off x="685800" y="228600"/>
-            <a:ext cx="7772400" cy="2971800"/>
-          </a:xfrm>
-          <a:prstGeom prst="rect">
-            <a:avLst/>
-          </a:prstGeom>
-          <a:noFill/>
-        </p:spPr>
-        <p:txBody>
-          <a:bodyPr wrap="square">
-            <a:spAutoFit/>
-          </a:bodyPr>
-          <a:lstStyle/>
-          <a:p>
-            <a:pPr algn="ctr">
-              <a:lnSpc>
-                <a:spcPts val="4800"/>
-              </a:lnSpc>
-              <a:defRPr sz="4400">
-                <a:solidFill>
-                  <a:srgbClr val="000000"/>
-                </a:solidFill>
-              </a:defRPr>
-            </a:pPr>
-            <a:r>
-              <a:t>เมื่อมองดูพักตร์พระเจ้าบรรเจิดจ้า บนใบหน้าเราจะเหมือนดังพระองค์ ขอเปลี่ยนแปลง และนำเราสู่พระสิริ เพื่อชีวิตจะสะท้อน ให้เห็นพระองค์ ส่องยังพวกเรา ส่องยังพวกเรา</a:t>
-            </a:r>
-          </a:p>
-        </p:txBody>
-      </p:sp>
-      <p:sp>
-        <p:nvSpPr>
-          <p:cNvPr id="3" name="TextBox 2"/>
-          <p:cNvSpPr txBox="1"/>
-          <p:nvPr/>
-        </p:nvSpPr>
-        <p:spPr>
-          <a:xfrm>
-            <a:off x="685800" y="3657600"/>
-            <a:ext cx="7772400" cy="2971800"/>
-          </a:xfrm>
-          <a:prstGeom prst="rect">
-            <a:avLst/>
-          </a:prstGeom>
-          <a:noFill/>
-        </p:spPr>
-        <p:txBody>
-          <a:bodyPr wrap="square">
-            <a:spAutoFit/>
-          </a:bodyPr>
-          <a:lstStyle/>
-          <a:p>
-            <a:pPr algn="ctr">
-              <a:lnSpc>
-                <a:spcPts val="4800"/>
-              </a:lnSpc>
-              <a:defRPr sz="4200">
-                <a:solidFill>
-                  <a:srgbClr val="3A70BC"/>
-                </a:solidFill>
-              </a:defRPr>
-            </a:pPr>
-            <a:r>
-              <a:t>As we gaze on Your kindly brightness. So our faces display Your likeness. Ever changing from glory to glory, Mirrored here may our lives tell Your story. Shine on me. Shine on me.</a:t>
-            </a:r>
-          </a:p>
-        </p:txBody>
-      </p:sp>
-    </p:spTree>
-  </p:cSld>
-  <p:clrMapOvr>
-    <a:masterClrMapping/>
-  </p:clrMapOvr>
-</p:sld>
-</file>
-
-<file path=ppt/slides/slide7.xml><?xml version="1.0" encoding="utf-8"?>
-<p:sld xmlns:a="http://schemas.openxmlformats.org/drawingml/2006/main" xmlns:p="http://schemas.openxmlformats.org/presentationml/2006/main" xmlns:r="http://schemas.openxmlformats.org/officeDocument/2006/relationships">
-  <p:cSld>
-    <p:spTree>
-      <p:nvGrpSpPr>
-        <p:cNvPr id="1" name=""/>
-        <p:cNvGrpSpPr/>
-        <p:nvPr/>
-      </p:nvGrpSpPr>
-      <p:grpSpPr/>
-      <p:sp>
-        <p:nvSpPr>
-          <p:cNvPr id="2" name="TextBox 1"/>
-          <p:cNvSpPr txBox="1"/>
-          <p:nvPr/>
-        </p:nvSpPr>
-        <p:spPr>
-          <a:xfrm>
-            <a:off x="685800" y="228600"/>
-            <a:ext cx="7772400" cy="2971800"/>
-          </a:xfrm>
-          <a:prstGeom prst="rect">
-            <a:avLst/>
-          </a:prstGeom>
-          <a:noFill/>
-        </p:spPr>
-        <p:txBody>
-          <a:bodyPr wrap="square">
-            <a:spAutoFit/>
-          </a:bodyPr>
-          <a:lstStyle/>
-          <a:p>
-            <a:pPr algn="ctr">
-              <a:lnSpc>
-                <a:spcPts val="4800"/>
-              </a:lnSpc>
-              <a:defRPr sz="4400">
-                <a:solidFill>
-                  <a:srgbClr val="000000"/>
-                </a:solidFill>
-              </a:defRPr>
-            </a:pPr>
-            <a:r>
-              <a:t>แสงพระเยซู ส่องดินแดนด้วยพระสิริพระบิดา ขอพระวิญญาณเจิมใจเราด้วยไฟ ไหลดั่งแม่น้ำท่วมวิญญาณเหล่าประชา ด้วยพระคุณ และทรงการุณย์พระคำเป็นความสว่าง</a:t>
-            </a:r>
-          </a:p>
-        </p:txBody>
-      </p:sp>
-      <p:sp>
-        <p:nvSpPr>
-          <p:cNvPr id="3" name="TextBox 2"/>
-          <p:cNvSpPr txBox="1"/>
-          <p:nvPr/>
-        </p:nvSpPr>
-        <p:spPr>
-          <a:xfrm>
-            <a:off x="685800" y="3657600"/>
-            <a:ext cx="7772400" cy="2971800"/>
-          </a:xfrm>
-          <a:prstGeom prst="rect">
-            <a:avLst/>
-          </a:prstGeom>
-          <a:noFill/>
-        </p:spPr>
-        <p:txBody>
-          <a:bodyPr wrap="square">
-            <a:spAutoFit/>
-          </a:bodyPr>
-          <a:lstStyle/>
-          <a:p>
-            <a:pPr algn="ctr">
-              <a:lnSpc>
-                <a:spcPts val="4800"/>
-              </a:lnSpc>
-              <a:defRPr sz="4200">
-                <a:solidFill>
-                  <a:srgbClr val="3A70BC"/>
-                </a:solidFill>
-              </a:defRPr>
-            </a:pPr>
-            <a:r>
-              <a:t>Shine, Jesus shine, Fill this land with the Father's glory. Blaze, Spirit blaze, Set our hearts on fire. Flow, river flow, Flood the nations with grace and mercy. Send forth Your word, Lord and let there be light.</a:t>
-            </a:r>
-          </a:p>
-        </p:txBody>
-      </p:sp>
-    </p:spTree>
-  </p:cSld>
-  <p:clrMapOvr>
-    <a:masterClrMapping/>
-  </p:clrMapOvr>
-</p:sld>
-</file>
-
-<file path=ppt/slides/slide8.xml><?xml version="1.0" encoding="utf-8"?>
-<p:sld xmlns:a="http://schemas.openxmlformats.org/drawingml/2006/main" xmlns:p="http://schemas.openxmlformats.org/presentationml/2006/main" xmlns:r="http://schemas.openxmlformats.org/officeDocument/2006/relationships">
-  <p:cSld>
-    <p:spTree>
-      <p:nvGrpSpPr>
-        <p:cNvPr id="1" name=""/>
-        <p:cNvGrpSpPr/>
-        <p:nvPr/>
-      </p:nvGrpSpPr>
-      <p:grpSpPr/>
-      <p:sp>
-        <p:nvSpPr>
-          <p:cNvPr id="2" name="Title 1"/>
-          <p:cNvSpPr>
-            <a:spLocks noGrp="1"/>
-          </p:cNvSpPr>
-          <p:nvPr>
-            <p:ph type="ctrTitle"/>
-          </p:nvPr>
-        </p:nvSpPr>
-        <p:spPr/>
-        <p:txBody>
-          <a:bodyPr/>
-          <a:lstStyle/>
-          <a:p>
-            <a:r>
-              <a:t>พระเจ้าเป็นความรัก</a:t>
-            </a:r>
-          </a:p>
-        </p:txBody>
-      </p:sp>
-      <p:sp>
-        <p:nvSpPr>
-          <p:cNvPr id="3" name="Subtitle 2"/>
-          <p:cNvSpPr>
-            <a:spLocks noGrp="1"/>
-          </p:cNvSpPr>
-          <p:nvPr>
-            <p:ph type="subTitle" idx="1"/>
-          </p:nvPr>
-        </p:nvSpPr>
-        <p:spPr/>
-        <p:txBody>
-          <a:bodyPr/>
-          <a:lstStyle/>
-          <a:p>
-            <a:pPr>
-              <a:defRPr sz="4000">
-                <a:solidFill>
-                  <a:srgbClr val="3A70BC"/>
-                </a:solidFill>
-              </a:defRPr>
-            </a:pPr>
-          </a:p>
-        </p:txBody>
-      </p:sp>
-    </p:spTree>
-  </p:cSld>
-  <p:clrMapOvr>
-    <a:masterClrMapping/>
-  </p:clrMapOvr>
-</p:sld>
-</file>
-
-<file path=ppt/slides/slide9.xml><?xml version="1.0" encoding="utf-8"?>
-<p:sld xmlns:a="http://schemas.openxmlformats.org/drawingml/2006/main" xmlns:p="http://schemas.openxmlformats.org/presentationml/2006/main" xmlns:r="http://schemas.openxmlformats.org/officeDocument/2006/relationships">
-  <p:cSld>
-    <p:spTree>
-      <p:nvGrpSpPr>
-        <p:cNvPr id="1" name=""/>
-        <p:cNvGrpSpPr/>
-        <p:nvPr/>
-      </p:nvGrpSpPr>
-      <p:grpSpPr/>
-      <p:sp>
-        <p:nvSpPr>
-          <p:cNvPr id="2" name="TextBox 1"/>
-          <p:cNvSpPr txBox="1"/>
-          <p:nvPr/>
-        </p:nvSpPr>
-        <p:spPr>
-          <a:xfrm>
-            <a:off x="914400" y="457200"/>
-            <a:ext cx="7315200" cy="5486400"/>
-          </a:xfrm>
-          <a:prstGeom prst="rect">
-            <a:avLst/>
-          </a:prstGeom>
-          <a:noFill/>
-        </p:spPr>
-        <p:txBody>
-          <a:bodyPr wrap="none">
-            <a:spAutoFit/>
-          </a:bodyPr>
-          <a:lstStyle/>
-          <a:p>
-            <a:pPr algn="ctr">
-              <a:lnSpc>
-                <a:spcPts val="7000"/>
-              </a:lnSpc>
-              <a:defRPr sz="4400">
-                <a:solidFill>
-                  <a:srgbClr val="000000"/>
-                </a:solidFill>
-              </a:defRPr>
-            </a:pPr>
-            <a:r>
-              <a:t>พระเจ้าเป็นความรัก</a:t>
-            </a:r>
-            <a:br/>
-            <a:r>
-              <a:t>พระเจ้าเป็นความรัก</a:t>
-            </a:r>
-            <a:br/>
-            <a:r>
-              <a:t>พระเจ้าเป็นความรัก</a:t>
-            </a:r>
-            <a:br/>
-            <a:r>
-              <a:t> พระเจ้าเป็นความรักพระเจ้าเป็นความรัก</a:t>
-            </a:r>
-            <a:br/>
-            <a:r>
-              <a:t> พระเจ้าเป็นความรัก</a:t>
+              <a:t>I love you, I need you, Though my world may fall, I' ll never let you go. My Saviour, my closest friend, I will worship you until the very end.</a:t>
             </a:r>
           </a:p>
         </p:txBody>

--- a/finishedppt/WorshipSongs.pptx
+++ b/finishedppt/WorshipSongs.pptx
@@ -8,8 +8,6 @@
     <p:sldId id="256" r:id="rId7"/>
     <p:sldId id="257" r:id="rId8"/>
     <p:sldId id="258" r:id="rId9"/>
-    <p:sldId id="259" r:id="rId10"/>
-    <p:sldId id="260" r:id="rId11"/>
   </p:sldIdLst>
   <p:sldSz cx="9144000" cy="6858000" type="screen4x3"/>
   <p:notesSz cx="6858000" cy="9144000"/>
@@ -3108,7 +3106,7 @@
           <a:lstStyle/>
           <a:p>
             <a:r>
-              <a:t>พระเยซูเป็นที่รักของข้า</a:t>
+              <a:t>เราสรรเสริญพระนามขององค์พระเจ้า</a:t>
             </a:r>
           </a:p>
         </p:txBody>
@@ -3136,7 +3134,7 @@
               </a:defRPr>
             </a:pPr>
             <a:r>
-              <a:t>Jesus, Lover Of My Soul</a:t>
+              <a:t>I Sing Praises to Your Name</a:t>
             </a:r>
           </a:p>
         </p:txBody>
@@ -3192,11 +3190,15 @@
               </a:defRPr>
             </a:pPr>
             <a:r>
-              <a:t>พระเยซู เป็นที่รักของข้า</a:t>
+              <a:t>1.เราสรรเสริญพระนามขององค์พระเจ้า</a:t>
             </a:r>
             <a:br/>
             <a:r>
-              <a:t>พระเยซู ข้าจะไม่ละพระองค์</a:t>
+              <a:t> เราสรรเสริญพระนามพระเจ้า  เพราะพระนามยิ่งใหญ่</a:t>
+            </a:r>
+            <a:br/>
+            <a:r>
+              <a:t> เกรียงไกรสมคำสรรเสริญ(ซ้ำข้อ1)</a:t>
             </a:r>
           </a:p>
         </p:txBody>
@@ -3218,7 +3220,7 @@
           <a:noFill/>
         </p:spPr>
         <p:txBody>
-          <a:bodyPr wrap="none">
+          <a:bodyPr wrap="square">
             <a:spAutoFit/>
           </a:bodyPr>
           <a:lstStyle/>
@@ -3227,20 +3229,15 @@
               <a:lnSpc>
                 <a:spcPts val="4800"/>
               </a:lnSpc>
-              <a:defRPr sz="4700">
+              <a:defRPr sz="4600">
                 <a:solidFill>
                   <a:srgbClr val="3A70BC"/>
                 </a:solidFill>
               </a:defRPr>
             </a:pPr>
             <a:r>
-              <a:t>Jesus, Lover of my soul</a:t>
-            </a:r>
-            <a:br/>
-            <a:r>
-              <a:t> Jesus, I will never let you go</a:t>
-            </a:r>
-            <a:br/>
+              <a:t>I sing praises to Your name, O Lord, praises to Your name, O Lord, for Your name is great and greatly to be praised.</a:t>
+            </a:r>
           </a:p>
         </p:txBody>
       </p:sp>
@@ -3295,15 +3292,15 @@
               </a:defRPr>
             </a:pPr>
             <a:r>
-              <a:t>รักพระองค์ มีพระองค์ แม้โลกนี้จะสูญสิ้นไป</a:t>
+              <a:t>2.ถวายเกียรติแด่นามขององค์พระเจ้า</a:t>
             </a:r>
             <a:br/>
             <a:r>
-              <a:t>ข้ามีพระองค์ พระผู้ช่วย และทรงเป็นเพื่อน</a:t>
+              <a:t> ถวายเกียรติแด่นามพระเจ้า  เพราะพระนามยิ่งใหญ่</a:t>
             </a:r>
             <a:br/>
             <a:r>
-              <a:t>ข้าสรรเสริญ พระองค์ตลอดชีวิตนิรันดร์</a:t>
+              <a:t> เกรียงไกรสมคำสรรเสริญ(ซ้ำข้อ2)</a:t>
             </a:r>
           </a:p>
         </p:txBody>
@@ -3334,226 +3331,14 @@
               <a:lnSpc>
                 <a:spcPts val="4800"/>
               </a:lnSpc>
-              <a:defRPr sz="4700">
+              <a:defRPr sz="4600">
                 <a:solidFill>
                   <a:srgbClr val="3A70BC"/>
                 </a:solidFill>
               </a:defRPr>
             </a:pPr>
             <a:r>
-              <a:t>I love you, I need you, Though my world may fall, I' ll never let you go. My Saviour, my closest friend, I will worship you until the very end.</a:t>
-            </a:r>
-          </a:p>
-        </p:txBody>
-      </p:sp>
-    </p:spTree>
-  </p:cSld>
-  <p:clrMapOvr>
-    <a:masterClrMapping/>
-  </p:clrMapOvr>
-</p:sld>
-</file>
-
-<file path=ppt/slides/slide4.xml><?xml version="1.0" encoding="utf-8"?>
-<p:sld xmlns:a="http://schemas.openxmlformats.org/drawingml/2006/main" xmlns:p="http://schemas.openxmlformats.org/presentationml/2006/main" xmlns:r="http://schemas.openxmlformats.org/officeDocument/2006/relationships">
-  <p:cSld>
-    <p:spTree>
-      <p:nvGrpSpPr>
-        <p:cNvPr id="1" name=""/>
-        <p:cNvGrpSpPr/>
-        <p:nvPr/>
-      </p:nvGrpSpPr>
-      <p:grpSpPr/>
-      <p:sp>
-        <p:nvSpPr>
-          <p:cNvPr id="2" name="TextBox 1"/>
-          <p:cNvSpPr txBox="1"/>
-          <p:nvPr/>
-        </p:nvSpPr>
-        <p:spPr>
-          <a:xfrm>
-            <a:off x="685800" y="228600"/>
-            <a:ext cx="7772400" cy="2971800"/>
-          </a:xfrm>
-          <a:prstGeom prst="rect">
-            <a:avLst/>
-          </a:prstGeom>
-          <a:noFill/>
-        </p:spPr>
-        <p:txBody>
-          <a:bodyPr wrap="none">
-            <a:spAutoFit/>
-          </a:bodyPr>
-          <a:lstStyle/>
-          <a:p>
-            <a:pPr algn="ctr">
-              <a:lnSpc>
-                <a:spcPts val="4800"/>
-              </a:lnSpc>
-              <a:defRPr sz="4800">
-                <a:solidFill>
-                  <a:srgbClr val="000000"/>
-                </a:solidFill>
-              </a:defRPr>
-            </a:pPr>
-            <a:r>
-              <a:t>พระองค์นำข้า จากโคลนตมผงคลี</a:t>
-            </a:r>
-            <a:br/>
-            <a:r>
-              <a:t>วางชีวิตข้าไว้บนศิลา</a:t>
-            </a:r>
-            <a:br/>
-            <a:r>
-              <a:t>ข้าจึงได้รู้ว่า</a:t>
-            </a:r>
-          </a:p>
-        </p:txBody>
-      </p:sp>
-      <p:sp>
-        <p:nvSpPr>
-          <p:cNvPr id="3" name="TextBox 2"/>
-          <p:cNvSpPr txBox="1"/>
-          <p:nvPr/>
-        </p:nvSpPr>
-        <p:spPr>
-          <a:xfrm>
-            <a:off x="685800" y="3657600"/>
-            <a:ext cx="7772400" cy="2971800"/>
-          </a:xfrm>
-          <a:prstGeom prst="rect">
-            <a:avLst/>
-          </a:prstGeom>
-          <a:noFill/>
-        </p:spPr>
-        <p:txBody>
-          <a:bodyPr wrap="none">
-            <a:spAutoFit/>
-          </a:bodyPr>
-          <a:lstStyle/>
-          <a:p>
-            <a:pPr algn="ctr">
-              <a:lnSpc>
-                <a:spcPts val="4800"/>
-              </a:lnSpc>
-              <a:defRPr sz="4700">
-                <a:solidFill>
-                  <a:srgbClr val="3A70BC"/>
-                </a:solidFill>
-              </a:defRPr>
-            </a:pPr>
-            <a:r>
-              <a:t>You' ve taken me from the miry clay</a:t>
-            </a:r>
-            <a:br/>
-            <a:r>
-              <a:t> You've set my feet upon the Rock</a:t>
-            </a:r>
-            <a:br/>
-            <a:r>
-              <a:t> and now I know</a:t>
-            </a:r>
-          </a:p>
-        </p:txBody>
-      </p:sp>
-    </p:spTree>
-  </p:cSld>
-  <p:clrMapOvr>
-    <a:masterClrMapping/>
-  </p:clrMapOvr>
-</p:sld>
-</file>
-
-<file path=ppt/slides/slide5.xml><?xml version="1.0" encoding="utf-8"?>
-<p:sld xmlns:a="http://schemas.openxmlformats.org/drawingml/2006/main" xmlns:p="http://schemas.openxmlformats.org/presentationml/2006/main" xmlns:r="http://schemas.openxmlformats.org/officeDocument/2006/relationships">
-  <p:cSld>
-    <p:spTree>
-      <p:nvGrpSpPr>
-        <p:cNvPr id="1" name=""/>
-        <p:cNvGrpSpPr/>
-        <p:nvPr/>
-      </p:nvGrpSpPr>
-      <p:grpSpPr/>
-      <p:sp>
-        <p:nvSpPr>
-          <p:cNvPr id="2" name="TextBox 1"/>
-          <p:cNvSpPr txBox="1"/>
-          <p:nvPr/>
-        </p:nvSpPr>
-        <p:spPr>
-          <a:xfrm>
-            <a:off x="685800" y="228600"/>
-            <a:ext cx="7772400" cy="2971800"/>
-          </a:xfrm>
-          <a:prstGeom prst="rect">
-            <a:avLst/>
-          </a:prstGeom>
-          <a:noFill/>
-        </p:spPr>
-        <p:txBody>
-          <a:bodyPr wrap="none">
-            <a:spAutoFit/>
-          </a:bodyPr>
-          <a:lstStyle/>
-          <a:p>
-            <a:pPr algn="ctr">
-              <a:lnSpc>
-                <a:spcPts val="4800"/>
-              </a:lnSpc>
-              <a:defRPr sz="4800">
-                <a:solidFill>
-                  <a:srgbClr val="000000"/>
-                </a:solidFill>
-              </a:defRPr>
-            </a:pPr>
-            <a:r>
-              <a:t>รักพระองค์ มีพระองค์ แม้โลกนี้จะสูญสิ้นไป</a:t>
-            </a:r>
-            <a:br/>
-            <a:r>
-              <a:t>ข้ามีพระองค์ พระผู้ช่วย และทรงเป็นเพื่อน</a:t>
-            </a:r>
-            <a:br/>
-            <a:r>
-              <a:t>ข้าสรรเสริญ พระองค์ตลอดชีวิตนิรันดร์</a:t>
-            </a:r>
-          </a:p>
-        </p:txBody>
-      </p:sp>
-      <p:sp>
-        <p:nvSpPr>
-          <p:cNvPr id="3" name="TextBox 2"/>
-          <p:cNvSpPr txBox="1"/>
-          <p:nvPr/>
-        </p:nvSpPr>
-        <p:spPr>
-          <a:xfrm>
-            <a:off x="685800" y="3657600"/>
-            <a:ext cx="7772400" cy="2971800"/>
-          </a:xfrm>
-          <a:prstGeom prst="rect">
-            <a:avLst/>
-          </a:prstGeom>
-          <a:noFill/>
-        </p:spPr>
-        <p:txBody>
-          <a:bodyPr wrap="square">
-            <a:spAutoFit/>
-          </a:bodyPr>
-          <a:lstStyle/>
-          <a:p>
-            <a:pPr algn="ctr">
-              <a:lnSpc>
-                <a:spcPts val="4800"/>
-              </a:lnSpc>
-              <a:defRPr sz="4700">
-                <a:solidFill>
-                  <a:srgbClr val="3A70BC"/>
-                </a:solidFill>
-              </a:defRPr>
-            </a:pPr>
-            <a:r>
-              <a:t>I love you, I need you, Though my world may fall, I' ll never let you go. My Saviour, my closest friend, I will worship you until the very end.</a:t>
+              <a:t>I give glory to Your name, O Lord, glory to Your name, O Lord, for Your name is great and greatly to be praised.</a:t>
             </a:r>
           </a:p>
         </p:txBody>

--- a/finishedppt/WorshipSongs.pptx
+++ b/finishedppt/WorshipSongs.pptx
@@ -8,6 +8,8 @@
     <p:sldId id="256" r:id="rId7"/>
     <p:sldId id="257" r:id="rId8"/>
     <p:sldId id="258" r:id="rId9"/>
+    <p:sldId id="259" r:id="rId10"/>
+    <p:sldId id="260" r:id="rId11"/>
   </p:sldIdLst>
   <p:sldSz cx="9144000" cy="6858000" type="screen4x3"/>
   <p:notesSz cx="6858000" cy="9144000"/>
@@ -3106,7 +3108,7 @@
           <a:lstStyle/>
           <a:p>
             <a:r>
-              <a:t>เราสรรเสริญพระนามขององค์พระเจ้า</a:t>
+              <a:t>จิตวิญญาณข้ากระหาย</a:t>
             </a:r>
           </a:p>
         </p:txBody>
@@ -3134,7 +3136,7 @@
               </a:defRPr>
             </a:pPr>
             <a:r>
-              <a:t>I Sing Praises to Your Name</a:t>
+              <a:t>As The Deer</a:t>
             </a:r>
           </a:p>
         </p:txBody>
@@ -3174,7 +3176,7 @@
           <a:noFill/>
         </p:spPr>
         <p:txBody>
-          <a:bodyPr wrap="none">
+          <a:bodyPr wrap="square">
             <a:spAutoFit/>
           </a:bodyPr>
           <a:lstStyle/>
@@ -3190,15 +3192,7 @@
               </a:defRPr>
             </a:pPr>
             <a:r>
-              <a:t>1.เราสรรเสริญพระนามขององค์พระเจ้า</a:t>
-            </a:r>
-            <a:br/>
-            <a:r>
-              <a:t> เราสรรเสริญพระนามพระเจ้า  เพราะพระนามยิ่งใหญ่</a:t>
-            </a:r>
-            <a:br/>
-            <a:r>
-              <a:t> เกรียงไกรสมคำสรรเสริญ(ซ้ำข้อ1)</a:t>
+              <a:t>จิตวิญญาณข้ากระหายพระเจ้า ดุจดังกวางน้อยกระหายหาน้ำ ทรงเป็นความปรารถนาแห่งจิตใจ ข้าที่อยาก สรรเสริญพระองค์</a:t>
             </a:r>
           </a:p>
         </p:txBody>
@@ -3236,7 +3230,7 @@
               </a:defRPr>
             </a:pPr>
             <a:r>
-              <a:t>I sing praises to Your name, O Lord, praises to Your name, O Lord, for Your name is great and greatly to be praised.</a:t>
+              <a:t>As the deer panteth for the water So my soul longeth after you You alone are my heart's desire And I long to worship you</a:t>
             </a:r>
           </a:p>
         </p:txBody>
@@ -3292,15 +3286,19 @@
               </a:defRPr>
             </a:pPr>
             <a:r>
-              <a:t>2.ถวายเกียรติแด่นามขององค์พระเจ้า</a:t>
+              <a:t>*ทรงเป็นโล่ห์กำบังที่ เข้มแข็ง</a:t>
             </a:r>
             <a:br/>
             <a:r>
-              <a:t> ถวายเกียรติแด่นามพระเจ้า  เพราะพระนามยิ่งใหญ่</a:t>
+              <a:t>ทรงเป็นผู้เดียวที่ข้ารักเทิดทูน</a:t>
             </a:r>
             <a:br/>
             <a:r>
-              <a:t> เกรียงไกรสมคำสรรเสริญ(ซ้ำข้อ2)</a:t>
+              <a:t>ทรงเป็นความปรารถนา แห่งจิตใจ ข้าที่อยาก</a:t>
+            </a:r>
+            <a:br/>
+            <a:r>
+              <a:t>สรรเสริญพระองค์</a:t>
             </a:r>
           </a:p>
         </p:txBody>
@@ -3338,7 +3336,219 @@
               </a:defRPr>
             </a:pPr>
             <a:r>
-              <a:t>I give glory to Your name, O Lord, glory to Your name, O Lord, for Your name is great and greatly to be praised.</a:t>
+              <a:t>You alone are my strength, my shield To you alone will my spirit yield You alone are my heart's desire And I long to worship you</a:t>
+            </a:r>
+          </a:p>
+        </p:txBody>
+      </p:sp>
+    </p:spTree>
+  </p:cSld>
+  <p:clrMapOvr>
+    <a:masterClrMapping/>
+  </p:clrMapOvr>
+</p:sld>
+</file>
+
+<file path=ppt/slides/slide4.xml><?xml version="1.0" encoding="utf-8"?>
+<p:sld xmlns:a="http://schemas.openxmlformats.org/drawingml/2006/main" xmlns:p="http://schemas.openxmlformats.org/presentationml/2006/main" xmlns:r="http://schemas.openxmlformats.org/officeDocument/2006/relationships">
+  <p:cSld>
+    <p:spTree>
+      <p:nvGrpSpPr>
+        <p:cNvPr id="1" name=""/>
+        <p:cNvGrpSpPr/>
+        <p:nvPr/>
+      </p:nvGrpSpPr>
+      <p:grpSpPr/>
+      <p:sp>
+        <p:nvSpPr>
+          <p:cNvPr id="2" name="TextBox 1"/>
+          <p:cNvSpPr txBox="1"/>
+          <p:nvPr/>
+        </p:nvSpPr>
+        <p:spPr>
+          <a:xfrm>
+            <a:off x="685800" y="228600"/>
+            <a:ext cx="7772400" cy="2971800"/>
+          </a:xfrm>
+          <a:prstGeom prst="rect">
+            <a:avLst/>
+          </a:prstGeom>
+          <a:noFill/>
+        </p:spPr>
+        <p:txBody>
+          <a:bodyPr wrap="none">
+            <a:spAutoFit/>
+          </a:bodyPr>
+          <a:lstStyle/>
+          <a:p>
+            <a:pPr algn="ctr">
+              <a:lnSpc>
+                <a:spcPts val="4800"/>
+              </a:lnSpc>
+              <a:defRPr sz="4800">
+                <a:solidFill>
+                  <a:srgbClr val="000000"/>
+                </a:solidFill>
+              </a:defRPr>
+            </a:pPr>
+            <a:r>
+              <a:t>ข้าต้องการพระองค์กว่า เงินทอง</a:t>
+            </a:r>
+            <a:br/>
+            <a:r>
+              <a:t>พระองค์เท่านั้น ให้ข้า อิ่มใจ</a:t>
+            </a:r>
+            <a:br/>
+            <a:r>
+              <a:t>พระองค์เดียวทรงประทาน ความยินดี</a:t>
+            </a:r>
+            <a:br/>
+            <a:r>
+              <a:t>และทรงเป็น ที่รัก ของข้า</a:t>
+            </a:r>
+          </a:p>
+        </p:txBody>
+      </p:sp>
+      <p:sp>
+        <p:nvSpPr>
+          <p:cNvPr id="3" name="TextBox 2"/>
+          <p:cNvSpPr txBox="1"/>
+          <p:nvPr/>
+        </p:nvSpPr>
+        <p:spPr>
+          <a:xfrm>
+            <a:off x="685800" y="3657600"/>
+            <a:ext cx="7772400" cy="2971800"/>
+          </a:xfrm>
+          <a:prstGeom prst="rect">
+            <a:avLst/>
+          </a:prstGeom>
+          <a:noFill/>
+        </p:spPr>
+        <p:txBody>
+          <a:bodyPr wrap="square">
+            <a:spAutoFit/>
+          </a:bodyPr>
+          <a:lstStyle/>
+          <a:p>
+            <a:pPr algn="ctr">
+              <a:lnSpc>
+                <a:spcPts val="4800"/>
+              </a:lnSpc>
+              <a:defRPr sz="4600">
+                <a:solidFill>
+                  <a:srgbClr val="3A70BC"/>
+                </a:solidFill>
+              </a:defRPr>
+            </a:pPr>
+            <a:r>
+              <a:t>You're my friend, and You are my brother Even though You are a King I love You more than any other So much more than anything</a:t>
+            </a:r>
+          </a:p>
+        </p:txBody>
+      </p:sp>
+    </p:spTree>
+  </p:cSld>
+  <p:clrMapOvr>
+    <a:masterClrMapping/>
+  </p:clrMapOvr>
+</p:sld>
+</file>
+
+<file path=ppt/slides/slide5.xml><?xml version="1.0" encoding="utf-8"?>
+<p:sld xmlns:a="http://schemas.openxmlformats.org/drawingml/2006/main" xmlns:p="http://schemas.openxmlformats.org/presentationml/2006/main" xmlns:r="http://schemas.openxmlformats.org/officeDocument/2006/relationships">
+  <p:cSld>
+    <p:spTree>
+      <p:nvGrpSpPr>
+        <p:cNvPr id="1" name=""/>
+        <p:cNvGrpSpPr/>
+        <p:nvPr/>
+      </p:nvGrpSpPr>
+      <p:grpSpPr/>
+      <p:sp>
+        <p:nvSpPr>
+          <p:cNvPr id="2" name="TextBox 1"/>
+          <p:cNvSpPr txBox="1"/>
+          <p:nvPr/>
+        </p:nvSpPr>
+        <p:spPr>
+          <a:xfrm>
+            <a:off x="685800" y="228600"/>
+            <a:ext cx="7772400" cy="2971800"/>
+          </a:xfrm>
+          <a:prstGeom prst="rect">
+            <a:avLst/>
+          </a:prstGeom>
+          <a:noFill/>
+        </p:spPr>
+        <p:txBody>
+          <a:bodyPr wrap="none">
+            <a:spAutoFit/>
+          </a:bodyPr>
+          <a:lstStyle/>
+          <a:p>
+            <a:pPr algn="ctr">
+              <a:lnSpc>
+                <a:spcPts val="4800"/>
+              </a:lnSpc>
+              <a:defRPr sz="4800">
+                <a:solidFill>
+                  <a:srgbClr val="000000"/>
+                </a:solidFill>
+              </a:defRPr>
+            </a:pPr>
+            <a:r>
+              <a:t>*ทรงเป็นโล่ห์กำบังที่ เข้มแข็ง</a:t>
+            </a:r>
+            <a:br/>
+            <a:r>
+              <a:t>ทรงเป็นผู้เดียวที่ข้ารักเทิดทูน</a:t>
+            </a:r>
+            <a:br/>
+            <a:r>
+              <a:t>ทรงเป็นความปรารถนา แห่งจิตใจ ข้าที่อยาก</a:t>
+            </a:r>
+            <a:br/>
+            <a:r>
+              <a:t>สรรเสริญพระองค์</a:t>
+            </a:r>
+          </a:p>
+        </p:txBody>
+      </p:sp>
+      <p:sp>
+        <p:nvSpPr>
+          <p:cNvPr id="3" name="TextBox 2"/>
+          <p:cNvSpPr txBox="1"/>
+          <p:nvPr/>
+        </p:nvSpPr>
+        <p:spPr>
+          <a:xfrm>
+            <a:off x="685800" y="3657600"/>
+            <a:ext cx="7772400" cy="2971800"/>
+          </a:xfrm>
+          <a:prstGeom prst="rect">
+            <a:avLst/>
+          </a:prstGeom>
+          <a:noFill/>
+        </p:spPr>
+        <p:txBody>
+          <a:bodyPr wrap="square">
+            <a:spAutoFit/>
+          </a:bodyPr>
+          <a:lstStyle/>
+          <a:p>
+            <a:pPr algn="ctr">
+              <a:lnSpc>
+                <a:spcPts val="4800"/>
+              </a:lnSpc>
+              <a:defRPr sz="4600">
+                <a:solidFill>
+                  <a:srgbClr val="3A70BC"/>
+                </a:solidFill>
+              </a:defRPr>
+            </a:pPr>
+            <a:r>
+              <a:t>You alone are my strength, my shield To you alone will my spirit yield You alone are my heart's desire And I long to worship you</a:t>
             </a:r>
           </a:p>
         </p:txBody>

--- a/finishedppt/WorshipSongs.pptx
+++ b/finishedppt/WorshipSongs.pptx
@@ -10,6 +10,10 @@
     <p:sldId id="258" r:id="rId9"/>
     <p:sldId id="259" r:id="rId10"/>
     <p:sldId id="260" r:id="rId11"/>
+    <p:sldId id="261" r:id="rId12"/>
+    <p:sldId id="262" r:id="rId13"/>
+    <p:sldId id="263" r:id="rId14"/>
+    <p:sldId id="264" r:id="rId15"/>
   </p:sldIdLst>
   <p:sldSz cx="9144000" cy="6858000" type="screen4x3"/>
   <p:notesSz cx="6858000" cy="9144000"/>
@@ -3108,7 +3112,7 @@
           <a:lstStyle/>
           <a:p>
             <a:r>
-              <a:t>จิตวิญญาณข้ากระหาย</a:t>
+              <a:t>ขอพระพรจากเบื้องบนลงมา</a:t>
             </a:r>
           </a:p>
         </p:txBody>
@@ -3136,7 +3140,7 @@
               </a:defRPr>
             </a:pPr>
             <a:r>
-              <a:t>As The Deer</a:t>
+              <a:t>Come, Thou Fount of Every Blessing</a:t>
             </a:r>
           </a:p>
         </p:txBody>
@@ -3192,7 +3196,7 @@
               </a:defRPr>
             </a:pPr>
             <a:r>
-              <a:t>จิตวิญญาณข้ากระหายพระเจ้า ดุจดังกวางน้อยกระหายหาน้ำ ทรงเป็นความปรารถนาแห่งจิตใจ ข้าที่อยาก สรรเสริญพระองค์</a:t>
+              <a:t>1. ขอพระพรจากเบื้องบนลงมา ให้ใจข้าล้นเหมือนลำธาร ของทุกสิ่งที่ข้าได้มีอยู่ ล้วนพระองค์เป็นผู้ประทาน</a:t>
             </a:r>
           </a:p>
         </p:txBody>
@@ -3214,7 +3218,7 @@
           <a:noFill/>
         </p:spPr>
         <p:txBody>
-          <a:bodyPr wrap="square">
+          <a:bodyPr wrap="none">
             <a:spAutoFit/>
           </a:bodyPr>
           <a:lstStyle/>
@@ -3223,15 +3227,28 @@
               <a:lnSpc>
                 <a:spcPts val="4800"/>
               </a:lnSpc>
-              <a:defRPr sz="4600">
+              <a:defRPr sz="4400">
                 <a:solidFill>
                   <a:srgbClr val="3A70BC"/>
                 </a:solidFill>
               </a:defRPr>
             </a:pPr>
             <a:r>
-              <a:t>As the deer panteth for the water So my soul longeth after you You alone are my heart's desire And I long to worship you</a:t>
-            </a:r>
+              <a:t>Come, Thou Fount of every blessing</a:t>
+            </a:r>
+            <a:br/>
+            <a:r>
+              <a:t> Tune my heart to sing Thy grace</a:t>
+            </a:r>
+            <a:br/>
+            <a:r>
+              <a:t> Streams of mercy, never ceasing</a:t>
+            </a:r>
+            <a:br/>
+            <a:r>
+              <a:t> Call for songs of loudest praise</a:t>
+            </a:r>
+            <a:br/>
           </a:p>
         </p:txBody>
       </p:sp>
@@ -3286,19 +3303,15 @@
               </a:defRPr>
             </a:pPr>
             <a:r>
-              <a:t>*ทรงเป็นโล่ห์กำบังที่ เข้มแข็ง</a:t>
+              <a:t>โมทนาพระคุณพระเยซู ด้วยขับร้องบทเพลงถวาย</a:t>
             </a:r>
             <a:br/>
             <a:r>
-              <a:t>ทรงเป็นผู้เดียวที่ข้ารักเทิดทูน</a:t>
+              <a:t>ข้ายืนอยู่บนศิลามั่นคง</a:t>
             </a:r>
             <a:br/>
             <a:r>
-              <a:t>ทรงเป็นความปรารถนา แห่งจิตใจ ข้าที่อยาก</a:t>
-            </a:r>
-            <a:br/>
-            <a:r>
-              <a:t>สรรเสริญพระองค์</a:t>
+              <a:t>คือพระองค์ผู้รักมากมาย</a:t>
             </a:r>
           </a:p>
         </p:txBody>
@@ -3329,14 +3342,14 @@
               <a:lnSpc>
                 <a:spcPts val="4800"/>
               </a:lnSpc>
-              <a:defRPr sz="4600">
+              <a:defRPr sz="4400">
                 <a:solidFill>
                   <a:srgbClr val="3A70BC"/>
                 </a:solidFill>
               </a:defRPr>
             </a:pPr>
             <a:r>
-              <a:t>You alone are my strength, my shield To you alone will my spirit yield You alone are my heart's desire And I long to worship you</a:t>
+              <a:t>Teach me some melodious sonnet, Sung by flaming tongues above; Praise the mount! I’m fixed upon it, Mount of Thy redeeming love.</a:t>
             </a:r>
           </a:p>
         </p:txBody>
@@ -3392,19 +3405,15 @@
               </a:defRPr>
             </a:pPr>
             <a:r>
-              <a:t>ข้าต้องการพระองค์กว่า เงินทอง</a:t>
+              <a:t>2. ในอดีตทรงช่วยให้มีชัย</a:t>
             </a:r>
             <a:br/>
             <a:r>
-              <a:t>พระองค์เท่านั้น ให้ข้า อิ่มใจ</a:t>
+              <a:t>เดี๋ยวนี้ข้าจึงพึ่งอาศัย</a:t>
             </a:r>
             <a:br/>
             <a:r>
-              <a:t>พระองค์เดียวทรงประทาน ความยินดี</a:t>
-            </a:r>
-            <a:br/>
-            <a:r>
-              <a:t>และทรงเป็น ที่รัก ของข้า</a:t>
+              <a:t>ขอทรงเมตตาข้าเสมอไป ทั้งทรงช่วยจนถึงวันตาย</a:t>
             </a:r>
           </a:p>
         </p:txBody>
@@ -3435,14 +3444,14 @@
               <a:lnSpc>
                 <a:spcPts val="4800"/>
               </a:lnSpc>
-              <a:defRPr sz="4600">
+              <a:defRPr sz="4400">
                 <a:solidFill>
                   <a:srgbClr val="3A70BC"/>
                 </a:solidFill>
               </a:defRPr>
             </a:pPr>
             <a:r>
-              <a:t>You're my friend, and You are my brother Even though You are a King I love You more than any other So much more than anything</a:t>
+              <a:t>Here I’ll raise my Ebenezer; Hither by Thy help I’m come; And I hope, by Thy good pleasure, Safely to arrive at home.</a:t>
             </a:r>
           </a:p>
         </p:txBody>
@@ -3498,19 +3507,15 @@
               </a:defRPr>
             </a:pPr>
             <a:r>
-              <a:t>*ทรงเป็นโล่ห์กำบังที่ เข้มแข็ง</a:t>
+              <a:t>พระเยซูทรงติดตามหาข้า เมื่อหลงไปจากทางสวรรค์</a:t>
             </a:r>
             <a:br/>
             <a:r>
-              <a:t>ทรงเป็นผู้เดียวที่ข้ารักเทิดทูน</a:t>
+              <a:t>พระองค์ทรงเป็นความรักยิ่งใหญ่</a:t>
             </a:r>
             <a:br/>
             <a:r>
-              <a:t>ทรงเป็นความปรารถนา แห่งจิตใจ ข้าที่อยาก</a:t>
-            </a:r>
-            <a:br/>
-            <a:r>
-              <a:t>สรรเสริญพระองค์</a:t>
+              <a:t>ไถ่ด้วยโลหิตอัศจรรย์</a:t>
             </a:r>
           </a:p>
         </p:txBody>
@@ -3541,14 +3546,418 @@
               <a:lnSpc>
                 <a:spcPts val="4800"/>
               </a:lnSpc>
-              <a:defRPr sz="4600">
+              <a:defRPr sz="4400">
                 <a:solidFill>
                   <a:srgbClr val="3A70BC"/>
                 </a:solidFill>
               </a:defRPr>
             </a:pPr>
             <a:r>
-              <a:t>You alone are my strength, my shield To you alone will my spirit yield You alone are my heart's desire And I long to worship you</a:t>
+              <a:t>Jesus sought me when a stranger, Wand’ring from the fold of God; He, to rescue me from danger, Interposed His precious blood.</a:t>
+            </a:r>
+          </a:p>
+        </p:txBody>
+      </p:sp>
+    </p:spTree>
+  </p:cSld>
+  <p:clrMapOvr>
+    <a:masterClrMapping/>
+  </p:clrMapOvr>
+</p:sld>
+</file>
+
+<file path=ppt/slides/slide6.xml><?xml version="1.0" encoding="utf-8"?>
+<p:sld xmlns:a="http://schemas.openxmlformats.org/drawingml/2006/main" xmlns:p="http://schemas.openxmlformats.org/presentationml/2006/main" xmlns:r="http://schemas.openxmlformats.org/officeDocument/2006/relationships">
+  <p:cSld>
+    <p:spTree>
+      <p:nvGrpSpPr>
+        <p:cNvPr id="1" name=""/>
+        <p:cNvGrpSpPr/>
+        <p:nvPr/>
+      </p:nvGrpSpPr>
+      <p:grpSpPr/>
+      <p:sp>
+        <p:nvSpPr>
+          <p:cNvPr id="2" name="TextBox 1"/>
+          <p:cNvSpPr txBox="1"/>
+          <p:nvPr/>
+        </p:nvSpPr>
+        <p:spPr>
+          <a:xfrm>
+            <a:off x="685800" y="228600"/>
+            <a:ext cx="7772400" cy="2971800"/>
+          </a:xfrm>
+          <a:prstGeom prst="rect">
+            <a:avLst/>
+          </a:prstGeom>
+          <a:noFill/>
+        </p:spPr>
+        <p:txBody>
+          <a:bodyPr wrap="none">
+            <a:spAutoFit/>
+          </a:bodyPr>
+          <a:lstStyle/>
+          <a:p>
+            <a:pPr algn="ctr">
+              <a:lnSpc>
+                <a:spcPts val="4800"/>
+              </a:lnSpc>
+              <a:defRPr sz="4800">
+                <a:solidFill>
+                  <a:srgbClr val="000000"/>
+                </a:solidFill>
+              </a:defRPr>
+            </a:pPr>
+            <a:r>
+              <a:t>3.ข้าเป็นหนี้พระคุณพระเยซู</a:t>
+            </a:r>
+            <a:br/>
+            <a:r>
+              <a:t>เพราะทรงพลีชีวิตเพื่อไถ่</a:t>
+            </a:r>
+            <a:br/>
+            <a:r>
+              <a:t>ขอให้พระคุณที่ทรงเมตตา ตรึงดวงใจข้าจนวันตาย</a:t>
+            </a:r>
+          </a:p>
+        </p:txBody>
+      </p:sp>
+      <p:sp>
+        <p:nvSpPr>
+          <p:cNvPr id="3" name="TextBox 2"/>
+          <p:cNvSpPr txBox="1"/>
+          <p:nvPr/>
+        </p:nvSpPr>
+        <p:spPr>
+          <a:xfrm>
+            <a:off x="685800" y="3657600"/>
+            <a:ext cx="7772400" cy="2971800"/>
+          </a:xfrm>
+          <a:prstGeom prst="rect">
+            <a:avLst/>
+          </a:prstGeom>
+          <a:noFill/>
+        </p:spPr>
+        <p:txBody>
+          <a:bodyPr wrap="square">
+            <a:spAutoFit/>
+          </a:bodyPr>
+          <a:lstStyle/>
+          <a:p>
+            <a:pPr algn="ctr">
+              <a:lnSpc>
+                <a:spcPts val="4800"/>
+              </a:lnSpc>
+              <a:defRPr sz="4400">
+                <a:solidFill>
+                  <a:srgbClr val="3A70BC"/>
+                </a:solidFill>
+              </a:defRPr>
+            </a:pPr>
+            <a:r>
+              <a:t>Oh, to grace how great a debtor Daily I’m constrained to be! Let Thy goodness, like a fetter, Bind my feeble heart to Thee.</a:t>
+            </a:r>
+          </a:p>
+        </p:txBody>
+      </p:sp>
+    </p:spTree>
+  </p:cSld>
+  <p:clrMapOvr>
+    <a:masterClrMapping/>
+  </p:clrMapOvr>
+</p:sld>
+</file>
+
+<file path=ppt/slides/slide7.xml><?xml version="1.0" encoding="utf-8"?>
+<p:sld xmlns:a="http://schemas.openxmlformats.org/drawingml/2006/main" xmlns:p="http://schemas.openxmlformats.org/presentationml/2006/main" xmlns:r="http://schemas.openxmlformats.org/officeDocument/2006/relationships">
+  <p:cSld>
+    <p:spTree>
+      <p:nvGrpSpPr>
+        <p:cNvPr id="1" name=""/>
+        <p:cNvGrpSpPr/>
+        <p:nvPr/>
+      </p:nvGrpSpPr>
+      <p:grpSpPr/>
+      <p:sp>
+        <p:nvSpPr>
+          <p:cNvPr id="2" name="TextBox 1"/>
+          <p:cNvSpPr txBox="1"/>
+          <p:nvPr/>
+        </p:nvSpPr>
+        <p:spPr>
+          <a:xfrm>
+            <a:off x="685800" y="228600"/>
+            <a:ext cx="7772400" cy="2971800"/>
+          </a:xfrm>
+          <a:prstGeom prst="rect">
+            <a:avLst/>
+          </a:prstGeom>
+          <a:noFill/>
+        </p:spPr>
+        <p:txBody>
+          <a:bodyPr wrap="none">
+            <a:spAutoFit/>
+          </a:bodyPr>
+          <a:lstStyle/>
+          <a:p>
+            <a:pPr algn="ctr">
+              <a:lnSpc>
+                <a:spcPts val="4800"/>
+              </a:lnSpc>
+              <a:defRPr sz="4800">
+                <a:solidFill>
+                  <a:srgbClr val="000000"/>
+                </a:solidFill>
+              </a:defRPr>
+            </a:pPr>
+            <a:r>
+              <a:t>พระองค์ทรงรักข้าเสมอไป</a:t>
+            </a:r>
+            <a:br/>
+            <a:r>
+              <a:t>แต่ข้าเผลอมักลืมพระคุณ</a:t>
+            </a:r>
+            <a:br/>
+            <a:r>
+              <a:t>ตั้งแต่นี้ไปขอถวายตัว กับพระองค์จนชีพวางวาย</a:t>
+            </a:r>
+          </a:p>
+        </p:txBody>
+      </p:sp>
+      <p:sp>
+        <p:nvSpPr>
+          <p:cNvPr id="3" name="TextBox 2"/>
+          <p:cNvSpPr txBox="1"/>
+          <p:nvPr/>
+        </p:nvSpPr>
+        <p:spPr>
+          <a:xfrm>
+            <a:off x="685800" y="3657600"/>
+            <a:ext cx="7772400" cy="2971800"/>
+          </a:xfrm>
+          <a:prstGeom prst="rect">
+            <a:avLst/>
+          </a:prstGeom>
+          <a:noFill/>
+        </p:spPr>
+        <p:txBody>
+          <a:bodyPr wrap="square">
+            <a:spAutoFit/>
+          </a:bodyPr>
+          <a:lstStyle/>
+          <a:p>
+            <a:pPr algn="ctr">
+              <a:lnSpc>
+                <a:spcPts val="4800"/>
+              </a:lnSpc>
+              <a:defRPr sz="4400">
+                <a:solidFill>
+                  <a:srgbClr val="3A70BC"/>
+                </a:solidFill>
+              </a:defRPr>
+            </a:pPr>
+            <a:r>
+              <a:t>“Prone to wander, Lord, I feel it,” Long I cried to be made pure; “Here’s my heart, O take and seal it, Work in me Thy double cure.”</a:t>
+            </a:r>
+          </a:p>
+        </p:txBody>
+      </p:sp>
+    </p:spTree>
+  </p:cSld>
+  <p:clrMapOvr>
+    <a:masterClrMapping/>
+  </p:clrMapOvr>
+</p:sld>
+</file>
+
+<file path=ppt/slides/slide8.xml><?xml version="1.0" encoding="utf-8"?>
+<p:sld xmlns:a="http://schemas.openxmlformats.org/drawingml/2006/main" xmlns:p="http://schemas.openxmlformats.org/presentationml/2006/main" xmlns:r="http://schemas.openxmlformats.org/officeDocument/2006/relationships">
+  <p:cSld>
+    <p:spTree>
+      <p:nvGrpSpPr>
+        <p:cNvPr id="1" name=""/>
+        <p:cNvGrpSpPr/>
+        <p:nvPr/>
+      </p:nvGrpSpPr>
+      <p:grpSpPr/>
+      <p:sp>
+        <p:nvSpPr>
+          <p:cNvPr id="2" name="TextBox 1"/>
+          <p:cNvSpPr txBox="1"/>
+          <p:nvPr/>
+        </p:nvSpPr>
+        <p:spPr>
+          <a:xfrm>
+            <a:off x="685800" y="228600"/>
+            <a:ext cx="7772400" cy="2971800"/>
+          </a:xfrm>
+          <a:prstGeom prst="rect">
+            <a:avLst/>
+          </a:prstGeom>
+          <a:noFill/>
+        </p:spPr>
+        <p:txBody>
+          <a:bodyPr wrap="none">
+            <a:spAutoFit/>
+          </a:bodyPr>
+          <a:lstStyle/>
+          <a:p>
+            <a:pPr algn="ctr">
+              <a:lnSpc>
+                <a:spcPts val="4800"/>
+              </a:lnSpc>
+              <a:defRPr sz="4800">
+                <a:solidFill>
+                  <a:srgbClr val="000000"/>
+                </a:solidFill>
+              </a:defRPr>
+            </a:pPr>
+            <a:r>
+              <a:t>4.พระบิดาพระบุตรพระวิญญาณ</a:t>
+            </a:r>
+            <a:br/>
+            <a:r>
+              <a:t>เป็นประธานของศิษย์ทั้งหลาย</a:t>
+            </a:r>
+            <a:br/>
+            <a:r>
+              <a:t>ถ้าพระองค์ไม่เสด็จมาช่วย</a:t>
+            </a:r>
+            <a:br/>
+            <a:r>
+              <a:t>ข้าต้องม้วยอยู่ในอบาย</a:t>
+            </a:r>
+          </a:p>
+        </p:txBody>
+      </p:sp>
+      <p:sp>
+        <p:nvSpPr>
+          <p:cNvPr id="3" name="TextBox 2"/>
+          <p:cNvSpPr txBox="1"/>
+          <p:nvPr/>
+        </p:nvSpPr>
+        <p:spPr>
+          <a:xfrm>
+            <a:off x="685800" y="3657600"/>
+            <a:ext cx="7772400" cy="2971800"/>
+          </a:xfrm>
+          <a:prstGeom prst="rect">
+            <a:avLst/>
+          </a:prstGeom>
+          <a:noFill/>
+        </p:spPr>
+        <p:txBody>
+          <a:bodyPr wrap="square">
+            <a:spAutoFit/>
+          </a:bodyPr>
+          <a:lstStyle/>
+          <a:p>
+            <a:pPr algn="ctr">
+              <a:lnSpc>
+                <a:spcPts val="4800"/>
+              </a:lnSpc>
+              <a:defRPr sz="4400">
+                <a:solidFill>
+                  <a:srgbClr val="3A70BC"/>
+                </a:solidFill>
+              </a:defRPr>
+            </a:pPr>
+            <a:r>
+              <a:t>Hallelujah! I have found it, The full cleansing I had craved, And to all the world I’ll sound it: They too may be wholly saved.</a:t>
+            </a:r>
+          </a:p>
+        </p:txBody>
+      </p:sp>
+    </p:spTree>
+  </p:cSld>
+  <p:clrMapOvr>
+    <a:masterClrMapping/>
+  </p:clrMapOvr>
+</p:sld>
+</file>
+
+<file path=ppt/slides/slide9.xml><?xml version="1.0" encoding="utf-8"?>
+<p:sld xmlns:a="http://schemas.openxmlformats.org/drawingml/2006/main" xmlns:p="http://schemas.openxmlformats.org/presentationml/2006/main" xmlns:r="http://schemas.openxmlformats.org/officeDocument/2006/relationships">
+  <p:cSld>
+    <p:spTree>
+      <p:nvGrpSpPr>
+        <p:cNvPr id="1" name=""/>
+        <p:cNvGrpSpPr/>
+        <p:nvPr/>
+      </p:nvGrpSpPr>
+      <p:grpSpPr/>
+      <p:sp>
+        <p:nvSpPr>
+          <p:cNvPr id="2" name="TextBox 1"/>
+          <p:cNvSpPr txBox="1"/>
+          <p:nvPr/>
+        </p:nvSpPr>
+        <p:spPr>
+          <a:xfrm>
+            <a:off x="685800" y="228600"/>
+            <a:ext cx="7772400" cy="2971800"/>
+          </a:xfrm>
+          <a:prstGeom prst="rect">
+            <a:avLst/>
+          </a:prstGeom>
+          <a:noFill/>
+        </p:spPr>
+        <p:txBody>
+          <a:bodyPr wrap="square">
+            <a:spAutoFit/>
+          </a:bodyPr>
+          <a:lstStyle/>
+          <a:p>
+            <a:pPr algn="ctr">
+              <a:lnSpc>
+                <a:spcPts val="4800"/>
+              </a:lnSpc>
+              <a:defRPr sz="4800">
+                <a:solidFill>
+                  <a:srgbClr val="000000"/>
+                </a:solidFill>
+              </a:defRPr>
+            </a:pPr>
+            <a:r>
+              <a:t>ขอเอ็นดูข้าขอเอ็นดูข้า พระองค์เดียวมีฤทธิ์ช่วยได้ ขอเมตตาข้าขอเมตตาข้า พระองค์เดียวมีฤทธิ์ช่วยได้</a:t>
+            </a:r>
+          </a:p>
+        </p:txBody>
+      </p:sp>
+      <p:sp>
+        <p:nvSpPr>
+          <p:cNvPr id="3" name="TextBox 2"/>
+          <p:cNvSpPr txBox="1"/>
+          <p:nvPr/>
+        </p:nvSpPr>
+        <p:spPr>
+          <a:xfrm>
+            <a:off x="685800" y="3657600"/>
+            <a:ext cx="7772400" cy="2971800"/>
+          </a:xfrm>
+          <a:prstGeom prst="rect">
+            <a:avLst/>
+          </a:prstGeom>
+          <a:noFill/>
+        </p:spPr>
+        <p:txBody>
+          <a:bodyPr wrap="square">
+            <a:spAutoFit/>
+          </a:bodyPr>
+          <a:lstStyle/>
+          <a:p>
+            <a:pPr algn="ctr">
+              <a:lnSpc>
+                <a:spcPts val="4800"/>
+              </a:lnSpc>
+              <a:defRPr sz="4400">
+                <a:solidFill>
+                  <a:srgbClr val="3A70BC"/>
+                </a:solidFill>
+              </a:defRPr>
+            </a:pPr>
+            <a:r>
+              <a:t>I am sealed by Thy sweet Spirit, Prone no longer now to roam; And Thy voice, I’ll humbly hear it, For Thy presence is my home.</a:t>
             </a:r>
           </a:p>
         </p:txBody>

--- a/finishedppt/WorshipSongs.pptx
+++ b/finishedppt/WorshipSongs.pptx
@@ -14,6 +14,18 @@
     <p:sldId id="262" r:id="rId13"/>
     <p:sldId id="263" r:id="rId14"/>
     <p:sldId id="264" r:id="rId15"/>
+    <p:sldId id="265" r:id="rId16"/>
+    <p:sldId id="266" r:id="rId17"/>
+    <p:sldId id="267" r:id="rId18"/>
+    <p:sldId id="268" r:id="rId19"/>
+    <p:sldId id="269" r:id="rId20"/>
+    <p:sldId id="270" r:id="rId21"/>
+    <p:sldId id="271" r:id="rId22"/>
+    <p:sldId id="272" r:id="rId23"/>
+    <p:sldId id="273" r:id="rId24"/>
+    <p:sldId id="274" r:id="rId25"/>
+    <p:sldId id="275" r:id="rId26"/>
+    <p:sldId id="276" r:id="rId27"/>
   </p:sldIdLst>
   <p:sldSz cx="9144000" cy="6858000" type="screen4x3"/>
   <p:notesSz cx="6858000" cy="9144000"/>
@@ -3112,7 +3124,7 @@
           <a:lstStyle/>
           <a:p>
             <a:r>
-              <a:t>ขอพระพรจากเบื้องบนลงมา</a:t>
+              <a:t>เหนือโลกา</a:t>
             </a:r>
           </a:p>
         </p:txBody>
@@ -3140,8 +3152,1014 @@
               </a:defRPr>
             </a:pPr>
             <a:r>
-              <a:t>Come, Thou Fount of Every Blessing</a:t>
-            </a:r>
+              <a:t>All The Earth</a:t>
+            </a:r>
+          </a:p>
+        </p:txBody>
+      </p:sp>
+    </p:spTree>
+  </p:cSld>
+  <p:clrMapOvr>
+    <a:masterClrMapping/>
+  </p:clrMapOvr>
+</p:sld>
+</file>
+
+<file path=ppt/slides/slide10.xml><?xml version="1.0" encoding="utf-8"?>
+<p:sld xmlns:a="http://schemas.openxmlformats.org/drawingml/2006/main" xmlns:p="http://schemas.openxmlformats.org/presentationml/2006/main" xmlns:r="http://schemas.openxmlformats.org/officeDocument/2006/relationships">
+  <p:cSld>
+    <p:spTree>
+      <p:nvGrpSpPr>
+        <p:cNvPr id="1" name=""/>
+        <p:cNvGrpSpPr/>
+        <p:nvPr/>
+      </p:nvGrpSpPr>
+      <p:grpSpPr/>
+      <p:sp>
+        <p:nvSpPr>
+          <p:cNvPr id="2" name="TextBox 1"/>
+          <p:cNvSpPr txBox="1"/>
+          <p:nvPr/>
+        </p:nvSpPr>
+        <p:spPr>
+          <a:xfrm>
+            <a:off x="685800" y="228600"/>
+            <a:ext cx="7772400" cy="2971800"/>
+          </a:xfrm>
+          <a:prstGeom prst="rect">
+            <a:avLst/>
+          </a:prstGeom>
+          <a:noFill/>
+        </p:spPr>
+        <p:txBody>
+          <a:bodyPr wrap="none">
+            <a:spAutoFit/>
+          </a:bodyPr>
+          <a:lstStyle/>
+          <a:p>
+            <a:pPr algn="ctr">
+              <a:lnSpc>
+                <a:spcPts val="5500"/>
+              </a:lnSpc>
+              <a:defRPr sz="4600">
+                <a:solidFill>
+                  <a:srgbClr val="000000"/>
+                </a:solidFill>
+              </a:defRPr>
+            </a:pPr>
+            <a:r>
+              <a:t>โปรดยึดข้า ให้ความรักพระองค์ล้อมข้า</a:t>
+            </a:r>
+            <a:br/>
+            <a:r>
+              <a:t>นำข้าใกล้ ชิดพระทัยพระองค์</a:t>
+            </a:r>
+          </a:p>
+        </p:txBody>
+      </p:sp>
+      <p:sp>
+        <p:nvSpPr>
+          <p:cNvPr id="3" name="TextBox 2"/>
+          <p:cNvSpPr txBox="1"/>
+          <p:nvPr/>
+        </p:nvSpPr>
+        <p:spPr>
+          <a:xfrm>
+            <a:off x="685800" y="3657600"/>
+            <a:ext cx="7772400" cy="2971800"/>
+          </a:xfrm>
+          <a:prstGeom prst="rect">
+            <a:avLst/>
+          </a:prstGeom>
+          <a:noFill/>
+        </p:spPr>
+        <p:txBody>
+          <a:bodyPr wrap="none">
+            <a:spAutoFit/>
+          </a:bodyPr>
+          <a:lstStyle/>
+          <a:p>
+            <a:pPr algn="ctr">
+              <a:lnSpc>
+                <a:spcPts val="5500"/>
+              </a:lnSpc>
+              <a:defRPr sz="4400">
+                <a:solidFill>
+                  <a:srgbClr val="3A70BC"/>
+                </a:solidFill>
+              </a:defRPr>
+            </a:pPr>
+            <a:r>
+              <a:t>Hold me close. Let Your love surround me</a:t>
+            </a:r>
+            <a:br/>
+            <a:r>
+              <a:t> Bring me near. Draw me to Your side</a:t>
+            </a:r>
+            <a:br/>
+          </a:p>
+        </p:txBody>
+      </p:sp>
+    </p:spTree>
+  </p:cSld>
+  <p:clrMapOvr>
+    <a:masterClrMapping/>
+  </p:clrMapOvr>
+</p:sld>
+</file>
+
+<file path=ppt/slides/slide11.xml><?xml version="1.0" encoding="utf-8"?>
+<p:sld xmlns:a="http://schemas.openxmlformats.org/drawingml/2006/main" xmlns:p="http://schemas.openxmlformats.org/presentationml/2006/main" xmlns:r="http://schemas.openxmlformats.org/officeDocument/2006/relationships">
+  <p:cSld>
+    <p:spTree>
+      <p:nvGrpSpPr>
+        <p:cNvPr id="1" name=""/>
+        <p:cNvGrpSpPr/>
+        <p:nvPr/>
+      </p:nvGrpSpPr>
+      <p:grpSpPr/>
+      <p:sp>
+        <p:nvSpPr>
+          <p:cNvPr id="2" name="TextBox 1"/>
+          <p:cNvSpPr txBox="1"/>
+          <p:nvPr/>
+        </p:nvSpPr>
+        <p:spPr>
+          <a:xfrm>
+            <a:off x="685800" y="228600"/>
+            <a:ext cx="7772400" cy="2971800"/>
+          </a:xfrm>
+          <a:prstGeom prst="rect">
+            <a:avLst/>
+          </a:prstGeom>
+          <a:noFill/>
+        </p:spPr>
+        <p:txBody>
+          <a:bodyPr wrap="none">
+            <a:spAutoFit/>
+          </a:bodyPr>
+          <a:lstStyle/>
+          <a:p>
+            <a:pPr algn="ctr">
+              <a:lnSpc>
+                <a:spcPts val="5500"/>
+              </a:lnSpc>
+              <a:defRPr sz="4600">
+                <a:solidFill>
+                  <a:srgbClr val="000000"/>
+                </a:solidFill>
+              </a:defRPr>
+            </a:pPr>
+            <a:r>
+              <a:t>เมื่อข้ารอคอย จะผงาดขึ้นดังนกอินทรีย์</a:t>
+            </a:r>
+            <a:br/>
+            <a:r>
+              <a:t>แล้วข้าจะบินต่อไป พระวิญญาณพระองค์ทรงนำ</a:t>
+            </a:r>
+            <a:br/>
+            <a:r>
+              <a:t>โดยอำนาจความรักพระองค์</a:t>
+            </a:r>
+          </a:p>
+        </p:txBody>
+      </p:sp>
+      <p:sp>
+        <p:nvSpPr>
+          <p:cNvPr id="3" name="TextBox 2"/>
+          <p:cNvSpPr txBox="1"/>
+          <p:nvPr/>
+        </p:nvSpPr>
+        <p:spPr>
+          <a:xfrm>
+            <a:off x="685800" y="3657600"/>
+            <a:ext cx="7772400" cy="2971800"/>
+          </a:xfrm>
+          <a:prstGeom prst="rect">
+            <a:avLst/>
+          </a:prstGeom>
+          <a:noFill/>
+        </p:spPr>
+        <p:txBody>
+          <a:bodyPr wrap="square">
+            <a:spAutoFit/>
+          </a:bodyPr>
+          <a:lstStyle/>
+          <a:p>
+            <a:pPr algn="ctr">
+              <a:lnSpc>
+                <a:spcPts val="5500"/>
+              </a:lnSpc>
+              <a:defRPr sz="4400">
+                <a:solidFill>
+                  <a:srgbClr val="3A70BC"/>
+                </a:solidFill>
+              </a:defRPr>
+            </a:pPr>
+            <a:r>
+              <a:t>And as I wait. I'll rise up like the eagle. And I will soar with You. Your Spirit leads me on. In the power of Your love.</a:t>
+            </a:r>
+          </a:p>
+        </p:txBody>
+      </p:sp>
+    </p:spTree>
+  </p:cSld>
+  <p:clrMapOvr>
+    <a:masterClrMapping/>
+  </p:clrMapOvr>
+</p:sld>
+</file>
+
+<file path=ppt/slides/slide12.xml><?xml version="1.0" encoding="utf-8"?>
+<p:sld xmlns:a="http://schemas.openxmlformats.org/drawingml/2006/main" xmlns:p="http://schemas.openxmlformats.org/presentationml/2006/main" xmlns:r="http://schemas.openxmlformats.org/officeDocument/2006/relationships">
+  <p:cSld>
+    <p:spTree>
+      <p:nvGrpSpPr>
+        <p:cNvPr id="1" name=""/>
+        <p:cNvGrpSpPr/>
+        <p:nvPr/>
+      </p:nvGrpSpPr>
+      <p:grpSpPr/>
+      <p:sp>
+        <p:nvSpPr>
+          <p:cNvPr id="2" name="TextBox 1"/>
+          <p:cNvSpPr txBox="1"/>
+          <p:nvPr/>
+        </p:nvSpPr>
+        <p:spPr>
+          <a:xfrm>
+            <a:off x="685800" y="228600"/>
+            <a:ext cx="7772400" cy="2971800"/>
+          </a:xfrm>
+          <a:prstGeom prst="rect">
+            <a:avLst/>
+          </a:prstGeom>
+          <a:noFill/>
+        </p:spPr>
+        <p:txBody>
+          <a:bodyPr wrap="none">
+            <a:spAutoFit/>
+          </a:bodyPr>
+          <a:lstStyle/>
+          <a:p>
+            <a:pPr algn="ctr">
+              <a:lnSpc>
+                <a:spcPts val="5500"/>
+              </a:lnSpc>
+              <a:defRPr sz="4600">
+                <a:solidFill>
+                  <a:srgbClr val="000000"/>
+                </a:solidFill>
+              </a:defRPr>
+            </a:pPr>
+            <a:r>
+              <a:t>โปรดเปิดตาของข้า ให้มองเห็นพระพักตร์พระองค์</a:t>
+            </a:r>
+            <a:br/>
+            <a:r>
+              <a:t>ให้เข้าใจความรักแท้</a:t>
+            </a:r>
+            <a:br/>
+            <a:r>
+              <a:t>ที่ดำรงภายใน</a:t>
+            </a:r>
+          </a:p>
+        </p:txBody>
+      </p:sp>
+      <p:sp>
+        <p:nvSpPr>
+          <p:cNvPr id="3" name="TextBox 2"/>
+          <p:cNvSpPr txBox="1"/>
+          <p:nvPr/>
+        </p:nvSpPr>
+        <p:spPr>
+          <a:xfrm>
+            <a:off x="685800" y="3657600"/>
+            <a:ext cx="7772400" cy="2971800"/>
+          </a:xfrm>
+          <a:prstGeom prst="rect">
+            <a:avLst/>
+          </a:prstGeom>
+          <a:noFill/>
+        </p:spPr>
+        <p:txBody>
+          <a:bodyPr wrap="square">
+            <a:spAutoFit/>
+          </a:bodyPr>
+          <a:lstStyle/>
+          <a:p>
+            <a:pPr algn="ctr">
+              <a:lnSpc>
+                <a:spcPts val="5500"/>
+              </a:lnSpc>
+              <a:defRPr sz="4400">
+                <a:solidFill>
+                  <a:srgbClr val="3A70BC"/>
+                </a:solidFill>
+              </a:defRPr>
+            </a:pPr>
+            <a:r>
+              <a:t>Lord unveil my eyes. Let me see You face to face. The knowledge of Your love. As You live in me.</a:t>
+            </a:r>
+          </a:p>
+        </p:txBody>
+      </p:sp>
+    </p:spTree>
+  </p:cSld>
+  <p:clrMapOvr>
+    <a:masterClrMapping/>
+  </p:clrMapOvr>
+</p:sld>
+</file>
+
+<file path=ppt/slides/slide13.xml><?xml version="1.0" encoding="utf-8"?>
+<p:sld xmlns:a="http://schemas.openxmlformats.org/drawingml/2006/main" xmlns:p="http://schemas.openxmlformats.org/presentationml/2006/main" xmlns:r="http://schemas.openxmlformats.org/officeDocument/2006/relationships">
+  <p:cSld>
+    <p:spTree>
+      <p:nvGrpSpPr>
+        <p:cNvPr id="1" name=""/>
+        <p:cNvGrpSpPr/>
+        <p:nvPr/>
+      </p:nvGrpSpPr>
+      <p:grpSpPr/>
+      <p:sp>
+        <p:nvSpPr>
+          <p:cNvPr id="2" name="TextBox 1"/>
+          <p:cNvSpPr txBox="1"/>
+          <p:nvPr/>
+        </p:nvSpPr>
+        <p:spPr>
+          <a:xfrm>
+            <a:off x="685800" y="228600"/>
+            <a:ext cx="7772400" cy="2971800"/>
+          </a:xfrm>
+          <a:prstGeom prst="rect">
+            <a:avLst/>
+          </a:prstGeom>
+          <a:noFill/>
+        </p:spPr>
+        <p:txBody>
+          <a:bodyPr wrap="square">
+            <a:spAutoFit/>
+          </a:bodyPr>
+          <a:lstStyle/>
+          <a:p>
+            <a:pPr algn="ctr">
+              <a:lnSpc>
+                <a:spcPts val="5500"/>
+              </a:lnSpc>
+              <a:defRPr sz="4600">
+                <a:solidFill>
+                  <a:srgbClr val="000000"/>
+                </a:solidFill>
+              </a:defRPr>
+            </a:pPr>
+            <a:r>
+              <a:t>โปรดเปลี่ยนแปลงความคิด เมื่อทรงเปิดเผยพระทัยในชีวิต ให้ดำเนินทุก ทุกวัน โดยอำนาจความรักพระองค์</a:t>
+            </a:r>
+          </a:p>
+        </p:txBody>
+      </p:sp>
+      <p:sp>
+        <p:nvSpPr>
+          <p:cNvPr id="3" name="TextBox 2"/>
+          <p:cNvSpPr txBox="1"/>
+          <p:nvPr/>
+        </p:nvSpPr>
+        <p:spPr>
+          <a:xfrm>
+            <a:off x="685800" y="3657600"/>
+            <a:ext cx="7772400" cy="2971800"/>
+          </a:xfrm>
+          <a:prstGeom prst="rect">
+            <a:avLst/>
+          </a:prstGeom>
+          <a:noFill/>
+        </p:spPr>
+        <p:txBody>
+          <a:bodyPr wrap="square">
+            <a:spAutoFit/>
+          </a:bodyPr>
+          <a:lstStyle/>
+          <a:p>
+            <a:pPr algn="ctr">
+              <a:lnSpc>
+                <a:spcPts val="5500"/>
+              </a:lnSpc>
+              <a:defRPr sz="4400">
+                <a:solidFill>
+                  <a:srgbClr val="3A70BC"/>
+                </a:solidFill>
+              </a:defRPr>
+            </a:pPr>
+            <a:r>
+              <a:t>Lord renew my mind. As Your will unfolds in my life. In living every day. In the power of Your love.</a:t>
+            </a:r>
+          </a:p>
+        </p:txBody>
+      </p:sp>
+    </p:spTree>
+  </p:cSld>
+  <p:clrMapOvr>
+    <a:masterClrMapping/>
+  </p:clrMapOvr>
+</p:sld>
+</file>
+
+<file path=ppt/slides/slide14.xml><?xml version="1.0" encoding="utf-8"?>
+<p:sld xmlns:a="http://schemas.openxmlformats.org/drawingml/2006/main" xmlns:p="http://schemas.openxmlformats.org/presentationml/2006/main" xmlns:r="http://schemas.openxmlformats.org/officeDocument/2006/relationships">
+  <p:cSld>
+    <p:spTree>
+      <p:nvGrpSpPr>
+        <p:cNvPr id="1" name=""/>
+        <p:cNvGrpSpPr/>
+        <p:nvPr/>
+      </p:nvGrpSpPr>
+      <p:grpSpPr/>
+      <p:sp>
+        <p:nvSpPr>
+          <p:cNvPr id="2" name="TextBox 1"/>
+          <p:cNvSpPr txBox="1"/>
+          <p:nvPr/>
+        </p:nvSpPr>
+        <p:spPr>
+          <a:xfrm>
+            <a:off x="685800" y="228600"/>
+            <a:ext cx="7772400" cy="2971800"/>
+          </a:xfrm>
+          <a:prstGeom prst="rect">
+            <a:avLst/>
+          </a:prstGeom>
+          <a:noFill/>
+        </p:spPr>
+        <p:txBody>
+          <a:bodyPr wrap="none">
+            <a:spAutoFit/>
+          </a:bodyPr>
+          <a:lstStyle/>
+          <a:p>
+            <a:pPr algn="ctr">
+              <a:lnSpc>
+                <a:spcPts val="5500"/>
+              </a:lnSpc>
+              <a:defRPr sz="4600">
+                <a:solidFill>
+                  <a:srgbClr val="000000"/>
+                </a:solidFill>
+              </a:defRPr>
+            </a:pPr>
+            <a:r>
+              <a:t>โปรดยึดข้า ให้ความรักพระองค์ล้อมข้า</a:t>
+            </a:r>
+            <a:br/>
+            <a:r>
+              <a:t>นำข้าใกล้ ชิดพระทัยพระองค์</a:t>
+            </a:r>
+          </a:p>
+        </p:txBody>
+      </p:sp>
+      <p:sp>
+        <p:nvSpPr>
+          <p:cNvPr id="3" name="TextBox 2"/>
+          <p:cNvSpPr txBox="1"/>
+          <p:nvPr/>
+        </p:nvSpPr>
+        <p:spPr>
+          <a:xfrm>
+            <a:off x="685800" y="3657600"/>
+            <a:ext cx="7772400" cy="2971800"/>
+          </a:xfrm>
+          <a:prstGeom prst="rect">
+            <a:avLst/>
+          </a:prstGeom>
+          <a:noFill/>
+        </p:spPr>
+        <p:txBody>
+          <a:bodyPr wrap="none">
+            <a:spAutoFit/>
+          </a:bodyPr>
+          <a:lstStyle/>
+          <a:p>
+            <a:pPr algn="ctr">
+              <a:lnSpc>
+                <a:spcPts val="5500"/>
+              </a:lnSpc>
+              <a:defRPr sz="4400">
+                <a:solidFill>
+                  <a:srgbClr val="3A70BC"/>
+                </a:solidFill>
+              </a:defRPr>
+            </a:pPr>
+            <a:r>
+              <a:t>Hold me close. Let Your love surround me</a:t>
+            </a:r>
+            <a:br/>
+            <a:r>
+              <a:t> Bring me near. Draw me to Your side</a:t>
+            </a:r>
+            <a:br/>
+          </a:p>
+        </p:txBody>
+      </p:sp>
+    </p:spTree>
+  </p:cSld>
+  <p:clrMapOvr>
+    <a:masterClrMapping/>
+  </p:clrMapOvr>
+</p:sld>
+</file>
+
+<file path=ppt/slides/slide15.xml><?xml version="1.0" encoding="utf-8"?>
+<p:sld xmlns:a="http://schemas.openxmlformats.org/drawingml/2006/main" xmlns:p="http://schemas.openxmlformats.org/presentationml/2006/main" xmlns:r="http://schemas.openxmlformats.org/officeDocument/2006/relationships">
+  <p:cSld>
+    <p:spTree>
+      <p:nvGrpSpPr>
+        <p:cNvPr id="1" name=""/>
+        <p:cNvGrpSpPr/>
+        <p:nvPr/>
+      </p:nvGrpSpPr>
+      <p:grpSpPr/>
+      <p:sp>
+        <p:nvSpPr>
+          <p:cNvPr id="2" name="TextBox 1"/>
+          <p:cNvSpPr txBox="1"/>
+          <p:nvPr/>
+        </p:nvSpPr>
+        <p:spPr>
+          <a:xfrm>
+            <a:off x="685800" y="228600"/>
+            <a:ext cx="7772400" cy="2971800"/>
+          </a:xfrm>
+          <a:prstGeom prst="rect">
+            <a:avLst/>
+          </a:prstGeom>
+          <a:noFill/>
+        </p:spPr>
+        <p:txBody>
+          <a:bodyPr wrap="none">
+            <a:spAutoFit/>
+          </a:bodyPr>
+          <a:lstStyle/>
+          <a:p>
+            <a:pPr algn="ctr">
+              <a:lnSpc>
+                <a:spcPts val="5500"/>
+              </a:lnSpc>
+              <a:defRPr sz="4600">
+                <a:solidFill>
+                  <a:srgbClr val="000000"/>
+                </a:solidFill>
+              </a:defRPr>
+            </a:pPr>
+            <a:r>
+              <a:t>เมื่อข้ารอคอย จะผงาดขึ้นดังนกอินทรีย์</a:t>
+            </a:r>
+            <a:br/>
+            <a:r>
+              <a:t>แล้วข้าจะบินต่อไป พระวิญญาณพระองค์ทรงนำ</a:t>
+            </a:r>
+            <a:br/>
+            <a:r>
+              <a:t>โดยอำนาจความรักพระองค์</a:t>
+            </a:r>
+          </a:p>
+        </p:txBody>
+      </p:sp>
+      <p:sp>
+        <p:nvSpPr>
+          <p:cNvPr id="3" name="TextBox 2"/>
+          <p:cNvSpPr txBox="1"/>
+          <p:nvPr/>
+        </p:nvSpPr>
+        <p:spPr>
+          <a:xfrm>
+            <a:off x="685800" y="3657600"/>
+            <a:ext cx="7772400" cy="2971800"/>
+          </a:xfrm>
+          <a:prstGeom prst="rect">
+            <a:avLst/>
+          </a:prstGeom>
+          <a:noFill/>
+        </p:spPr>
+        <p:txBody>
+          <a:bodyPr wrap="square">
+            <a:spAutoFit/>
+          </a:bodyPr>
+          <a:lstStyle/>
+          <a:p>
+            <a:pPr algn="ctr">
+              <a:lnSpc>
+                <a:spcPts val="5500"/>
+              </a:lnSpc>
+              <a:defRPr sz="4400">
+                <a:solidFill>
+                  <a:srgbClr val="3A70BC"/>
+                </a:solidFill>
+              </a:defRPr>
+            </a:pPr>
+            <a:r>
+              <a:t>And as I wait. I'll rise up like the eagle. And I will soar with You. Your Spirit leads me on. In the power of Your love.</a:t>
+            </a:r>
+          </a:p>
+        </p:txBody>
+      </p:sp>
+    </p:spTree>
+  </p:cSld>
+  <p:clrMapOvr>
+    <a:masterClrMapping/>
+  </p:clrMapOvr>
+</p:sld>
+</file>
+
+<file path=ppt/slides/slide16.xml><?xml version="1.0" encoding="utf-8"?>
+<p:sld xmlns:a="http://schemas.openxmlformats.org/drawingml/2006/main" xmlns:p="http://schemas.openxmlformats.org/presentationml/2006/main" xmlns:r="http://schemas.openxmlformats.org/officeDocument/2006/relationships">
+  <p:cSld>
+    <p:spTree>
+      <p:nvGrpSpPr>
+        <p:cNvPr id="1" name=""/>
+        <p:cNvGrpSpPr/>
+        <p:nvPr/>
+      </p:nvGrpSpPr>
+      <p:grpSpPr/>
+      <p:sp>
+        <p:nvSpPr>
+          <p:cNvPr id="2" name="Title 1"/>
+          <p:cNvSpPr>
+            <a:spLocks noGrp="1"/>
+          </p:cNvSpPr>
+          <p:nvPr>
+            <p:ph type="ctrTitle"/>
+          </p:nvPr>
+        </p:nvSpPr>
+        <p:spPr/>
+        <p:txBody>
+          <a:bodyPr/>
+          <a:lstStyle/>
+          <a:p>
+            <a:r>
+              <a:t>พระองค์ทรงอยู่ในชีวิตฉัน</a:t>
+            </a:r>
+          </a:p>
+        </p:txBody>
+      </p:sp>
+      <p:sp>
+        <p:nvSpPr>
+          <p:cNvPr id="3" name="Subtitle 2"/>
+          <p:cNvSpPr>
+            <a:spLocks noGrp="1"/>
+          </p:cNvSpPr>
+          <p:nvPr>
+            <p:ph type="subTitle" idx="1"/>
+          </p:nvPr>
+        </p:nvSpPr>
+        <p:spPr/>
+        <p:txBody>
+          <a:bodyPr/>
+          <a:lstStyle/>
+          <a:p>
+            <a:pPr>
+              <a:defRPr sz="4000">
+                <a:solidFill>
+                  <a:srgbClr val="3A70BC"/>
+                </a:solidFill>
+              </a:defRPr>
+            </a:pPr>
+            <a:r>
+              <a:t>Through it all</a:t>
+            </a:r>
+          </a:p>
+        </p:txBody>
+      </p:sp>
+    </p:spTree>
+  </p:cSld>
+  <p:clrMapOvr>
+    <a:masterClrMapping/>
+  </p:clrMapOvr>
+</p:sld>
+</file>
+
+<file path=ppt/slides/slide17.xml><?xml version="1.0" encoding="utf-8"?>
+<p:sld xmlns:a="http://schemas.openxmlformats.org/drawingml/2006/main" xmlns:p="http://schemas.openxmlformats.org/presentationml/2006/main" xmlns:r="http://schemas.openxmlformats.org/officeDocument/2006/relationships">
+  <p:cSld>
+    <p:spTree>
+      <p:nvGrpSpPr>
+        <p:cNvPr id="1" name=""/>
+        <p:cNvGrpSpPr/>
+        <p:nvPr/>
+      </p:nvGrpSpPr>
+      <p:grpSpPr/>
+      <p:sp>
+        <p:nvSpPr>
+          <p:cNvPr id="2" name="TextBox 1"/>
+          <p:cNvSpPr txBox="1"/>
+          <p:nvPr/>
+        </p:nvSpPr>
+        <p:spPr>
+          <a:xfrm>
+            <a:off x="685800" y="228600"/>
+            <a:ext cx="7772400" cy="2971800"/>
+          </a:xfrm>
+          <a:prstGeom prst="rect">
+            <a:avLst/>
+          </a:prstGeom>
+          <a:noFill/>
+        </p:spPr>
+        <p:txBody>
+          <a:bodyPr wrap="none">
+            <a:spAutoFit/>
+          </a:bodyPr>
+          <a:lstStyle/>
+          <a:p>
+            <a:pPr algn="ctr">
+              <a:lnSpc>
+                <a:spcPts val="5500"/>
+              </a:lnSpc>
+              <a:defRPr sz="4600">
+                <a:solidFill>
+                  <a:srgbClr val="000000"/>
+                </a:solidFill>
+              </a:defRPr>
+            </a:pPr>
+            <a:r>
+              <a:t>พระองค์ทรงอยู่ในชีวิตฉัน</a:t>
+            </a:r>
+            <a:br/>
+            <a:r>
+              <a:t>ทรงเฝ้ามองอยู่ทุกเวลา</a:t>
+            </a:r>
+            <a:br/>
+            <a:r>
+              <a:t>พระหัตถ์พระองค์ล้อมชีวา</a:t>
+            </a:r>
+          </a:p>
+        </p:txBody>
+      </p:sp>
+      <p:sp>
+        <p:nvSpPr>
+          <p:cNvPr id="3" name="TextBox 2"/>
+          <p:cNvSpPr txBox="1"/>
+          <p:nvPr/>
+        </p:nvSpPr>
+        <p:spPr>
+          <a:xfrm>
+            <a:off x="685800" y="3657600"/>
+            <a:ext cx="7772400" cy="2971800"/>
+          </a:xfrm>
+          <a:prstGeom prst="rect">
+            <a:avLst/>
+          </a:prstGeom>
+          <a:noFill/>
+        </p:spPr>
+        <p:txBody>
+          <a:bodyPr wrap="none">
+            <a:spAutoFit/>
+          </a:bodyPr>
+          <a:lstStyle/>
+          <a:p>
+            <a:pPr algn="ctr">
+              <a:lnSpc>
+                <a:spcPts val="5500"/>
+              </a:lnSpc>
+              <a:defRPr sz="4400">
+                <a:solidFill>
+                  <a:srgbClr val="3A70BC"/>
+                </a:solidFill>
+              </a:defRPr>
+            </a:pPr>
+            <a:r>
+              <a:t>You are forever in my life</a:t>
+            </a:r>
+            <a:br/>
+            <a:r>
+              <a:t> You see me through the seasons</a:t>
+            </a:r>
+            <a:br/>
+            <a:r>
+              <a:t> Cover me with Your hand</a:t>
+            </a:r>
+            <a:br/>
+          </a:p>
+        </p:txBody>
+      </p:sp>
+    </p:spTree>
+  </p:cSld>
+  <p:clrMapOvr>
+    <a:masterClrMapping/>
+  </p:clrMapOvr>
+</p:sld>
+</file>
+
+<file path=ppt/slides/slide18.xml><?xml version="1.0" encoding="utf-8"?>
+<p:sld xmlns:a="http://schemas.openxmlformats.org/drawingml/2006/main" xmlns:p="http://schemas.openxmlformats.org/presentationml/2006/main" xmlns:r="http://schemas.openxmlformats.org/officeDocument/2006/relationships">
+  <p:cSld>
+    <p:spTree>
+      <p:nvGrpSpPr>
+        <p:cNvPr id="1" name=""/>
+        <p:cNvGrpSpPr/>
+        <p:nvPr/>
+      </p:nvGrpSpPr>
+      <p:grpSpPr/>
+      <p:sp>
+        <p:nvSpPr>
+          <p:cNvPr id="2" name="TextBox 1"/>
+          <p:cNvSpPr txBox="1"/>
+          <p:nvPr/>
+        </p:nvSpPr>
+        <p:spPr>
+          <a:xfrm>
+            <a:off x="685800" y="228600"/>
+            <a:ext cx="7772400" cy="2971800"/>
+          </a:xfrm>
+          <a:prstGeom prst="rect">
+            <a:avLst/>
+          </a:prstGeom>
+          <a:noFill/>
+        </p:spPr>
+        <p:txBody>
+          <a:bodyPr wrap="none">
+            <a:spAutoFit/>
+          </a:bodyPr>
+          <a:lstStyle/>
+          <a:p>
+            <a:pPr algn="ctr">
+              <a:lnSpc>
+                <a:spcPts val="5500"/>
+              </a:lnSpc>
+              <a:defRPr sz="4600">
+                <a:solidFill>
+                  <a:srgbClr val="000000"/>
+                </a:solidFill>
+              </a:defRPr>
+            </a:pPr>
+            <a:r>
+              <a:t>นำฉันให้อยู่ในความชอบธรรม</a:t>
+            </a:r>
+            <a:br/>
+            <a:r>
+              <a:t>และฉันจึงจับตา</a:t>
+            </a:r>
+            <a:br/>
+            <a:r>
+              <a:t>รอคอยพระศิลา</a:t>
+            </a:r>
+          </a:p>
+        </p:txBody>
+      </p:sp>
+      <p:sp>
+        <p:nvSpPr>
+          <p:cNvPr id="3" name="TextBox 2"/>
+          <p:cNvSpPr txBox="1"/>
+          <p:nvPr/>
+        </p:nvSpPr>
+        <p:spPr>
+          <a:xfrm>
+            <a:off x="685800" y="3657600"/>
+            <a:ext cx="7772400" cy="2971800"/>
+          </a:xfrm>
+          <a:prstGeom prst="rect">
+            <a:avLst/>
+          </a:prstGeom>
+          <a:noFill/>
+        </p:spPr>
+        <p:txBody>
+          <a:bodyPr wrap="none">
+            <a:spAutoFit/>
+          </a:bodyPr>
+          <a:lstStyle/>
+          <a:p>
+            <a:pPr algn="ctr">
+              <a:lnSpc>
+                <a:spcPts val="5500"/>
+              </a:lnSpc>
+              <a:defRPr sz="4400">
+                <a:solidFill>
+                  <a:srgbClr val="3A70BC"/>
+                </a:solidFill>
+              </a:defRPr>
+            </a:pPr>
+            <a:r>
+              <a:t>And lead me in Your righteousness</a:t>
+            </a:r>
+            <a:br/>
+            <a:r>
+              <a:t> And I look to You</a:t>
+            </a:r>
+            <a:br/>
+            <a:r>
+              <a:t> And I wait on You</a:t>
+            </a:r>
+            <a:br/>
+          </a:p>
+        </p:txBody>
+      </p:sp>
+    </p:spTree>
+  </p:cSld>
+  <p:clrMapOvr>
+    <a:masterClrMapping/>
+  </p:clrMapOvr>
+</p:sld>
+</file>
+
+<file path=ppt/slides/slide19.xml><?xml version="1.0" encoding="utf-8"?>
+<p:sld xmlns:a="http://schemas.openxmlformats.org/drawingml/2006/main" xmlns:p="http://schemas.openxmlformats.org/presentationml/2006/main" xmlns:r="http://schemas.openxmlformats.org/officeDocument/2006/relationships">
+  <p:cSld>
+    <p:spTree>
+      <p:nvGrpSpPr>
+        <p:cNvPr id="1" name=""/>
+        <p:cNvGrpSpPr/>
+        <p:nvPr/>
+      </p:nvGrpSpPr>
+      <p:grpSpPr/>
+      <p:sp>
+        <p:nvSpPr>
+          <p:cNvPr id="2" name="TextBox 1"/>
+          <p:cNvSpPr txBox="1"/>
+          <p:nvPr/>
+        </p:nvSpPr>
+        <p:spPr>
+          <a:xfrm>
+            <a:off x="685800" y="228600"/>
+            <a:ext cx="7772400" cy="2971800"/>
+          </a:xfrm>
+          <a:prstGeom prst="rect">
+            <a:avLst/>
+          </a:prstGeom>
+          <a:noFill/>
+        </p:spPr>
+        <p:txBody>
+          <a:bodyPr wrap="none">
+            <a:spAutoFit/>
+          </a:bodyPr>
+          <a:lstStyle/>
+          <a:p>
+            <a:pPr algn="ctr">
+              <a:lnSpc>
+                <a:spcPts val="5500"/>
+              </a:lnSpc>
+              <a:defRPr sz="4600">
+                <a:solidFill>
+                  <a:srgbClr val="000000"/>
+                </a:solidFill>
+              </a:defRPr>
+            </a:pPr>
+            <a:r>
+              <a:t>จะร้องเพลงสรรเสริญ</a:t>
+            </a:r>
+            <a:br/>
+            <a:r>
+              <a:t>เพราะรักพระองค์</a:t>
+            </a:r>
+            <a:br/>
+            <a:r>
+              <a:t>เพราะความรักพระองค์มั่นคง</a:t>
+            </a:r>
+          </a:p>
+        </p:txBody>
+      </p:sp>
+      <p:sp>
+        <p:nvSpPr>
+          <p:cNvPr id="3" name="TextBox 2"/>
+          <p:cNvSpPr txBox="1"/>
+          <p:nvPr/>
+        </p:nvSpPr>
+        <p:spPr>
+          <a:xfrm>
+            <a:off x="685800" y="3657600"/>
+            <a:ext cx="7772400" cy="2971800"/>
+          </a:xfrm>
+          <a:prstGeom prst="rect">
+            <a:avLst/>
+          </a:prstGeom>
+          <a:noFill/>
+        </p:spPr>
+        <p:txBody>
+          <a:bodyPr wrap="none">
+            <a:spAutoFit/>
+          </a:bodyPr>
+          <a:lstStyle/>
+          <a:p>
+            <a:pPr algn="ctr">
+              <a:lnSpc>
+                <a:spcPts val="5500"/>
+              </a:lnSpc>
+              <a:defRPr sz="4400">
+                <a:solidFill>
+                  <a:srgbClr val="3A70BC"/>
+                </a:solidFill>
+              </a:defRPr>
+            </a:pPr>
+            <a:r>
+              <a:t>I will sing to You</a:t>
+            </a:r>
+            <a:br/>
+            <a:r>
+              <a:t> Lord. A hymn of love</a:t>
+            </a:r>
+            <a:br/>
+            <a:r>
+              <a:t> For Your faithfulness to me</a:t>
+            </a:r>
+            <a:br/>
           </a:p>
         </p:txBody>
       </p:sp>
@@ -3180,23 +4198,31 @@
           <a:noFill/>
         </p:spPr>
         <p:txBody>
-          <a:bodyPr wrap="square">
+          <a:bodyPr wrap="none">
             <a:spAutoFit/>
           </a:bodyPr>
           <a:lstStyle/>
           <a:p>
             <a:pPr algn="ctr">
               <a:lnSpc>
-                <a:spcPts val="4800"/>
+                <a:spcPts val="5500"/>
               </a:lnSpc>
-              <a:defRPr sz="4800">
+              <a:defRPr sz="4600">
                 <a:solidFill>
                   <a:srgbClr val="000000"/>
                 </a:solidFill>
               </a:defRPr>
             </a:pPr>
             <a:r>
-              <a:t>1. ขอพระพรจากเบื้องบนลงมา ให้ใจข้าล้นเหมือนลำธาร ของทุกสิ่งที่ข้าได้มีอยู่ ล้วนพระองค์เป็นผู้ประทาน</a:t>
+              <a:t>แผ่นดินร่วมร้องเปรมปรีด์ ในที่สูงอันชื่นบาน</a:t>
+            </a:r>
+            <a:br/>
+            <a:r>
+              <a:t>จักรวาลชื่นชมยินดี พระสิริของพระองค์</a:t>
+            </a:r>
+            <a:br/>
+            <a:r>
+              <a:t>ครอบครองอยู่เหนือโลกา</a:t>
             </a:r>
           </a:p>
         </p:txBody>
@@ -3218,6 +4244,62 @@
           <a:noFill/>
         </p:spPr>
         <p:txBody>
+          <a:bodyPr wrap="square">
+            <a:spAutoFit/>
+          </a:bodyPr>
+          <a:lstStyle/>
+          <a:p>
+            <a:pPr algn="ctr">
+              <a:lnSpc>
+                <a:spcPts val="5500"/>
+              </a:lnSpc>
+              <a:defRPr sz="4400">
+                <a:solidFill>
+                  <a:srgbClr val="3A70BC"/>
+                </a:solidFill>
+              </a:defRPr>
+            </a:pPr>
+            <a:r>
+              <a:t>The earth sings joyfully. All high place rejoicing. Universe is overjoyed. The Glory of the Lord is ruling all the earth.</a:t>
+            </a:r>
+          </a:p>
+        </p:txBody>
+      </p:sp>
+    </p:spTree>
+  </p:cSld>
+  <p:clrMapOvr>
+    <a:masterClrMapping/>
+  </p:clrMapOvr>
+</p:sld>
+</file>
+
+<file path=ppt/slides/slide20.xml><?xml version="1.0" encoding="utf-8"?>
+<p:sld xmlns:a="http://schemas.openxmlformats.org/drawingml/2006/main" xmlns:p="http://schemas.openxmlformats.org/presentationml/2006/main" xmlns:r="http://schemas.openxmlformats.org/officeDocument/2006/relationships">
+  <p:cSld>
+    <p:spTree>
+      <p:nvGrpSpPr>
+        <p:cNvPr id="1" name=""/>
+        <p:cNvGrpSpPr/>
+        <p:nvPr/>
+      </p:nvGrpSpPr>
+      <p:grpSpPr/>
+      <p:sp>
+        <p:nvSpPr>
+          <p:cNvPr id="2" name="TextBox 1"/>
+          <p:cNvSpPr txBox="1"/>
+          <p:nvPr/>
+        </p:nvSpPr>
+        <p:spPr>
+          <a:xfrm>
+            <a:off x="685800" y="228600"/>
+            <a:ext cx="7772400" cy="2971800"/>
+          </a:xfrm>
+          <a:prstGeom prst="rect">
+            <a:avLst/>
+          </a:prstGeom>
+          <a:noFill/>
+        </p:spPr>
+        <p:txBody>
           <a:bodyPr wrap="none">
             <a:spAutoFit/>
           </a:bodyPr>
@@ -3225,7 +4307,53 @@
           <a:p>
             <a:pPr algn="ctr">
               <a:lnSpc>
-                <a:spcPts val="4800"/>
+                <a:spcPts val="5500"/>
+              </a:lnSpc>
+              <a:defRPr sz="4600">
+                <a:solidFill>
+                  <a:srgbClr val="000000"/>
+                </a:solidFill>
+              </a:defRPr>
+            </a:pPr>
+            <a:r>
+              <a:t>ประคองฉันให้อยู่ในอ้อมแขนนิรันดร์</a:t>
+            </a:r>
+            <a:br/>
+            <a:r>
+              <a:t>ไม่เคยทอดทิ้งฉันไป</a:t>
+            </a:r>
+            <a:br/>
+            <a:r>
+              <a:t>ไม่ว่าอย่างไร</a:t>
+            </a:r>
+          </a:p>
+        </p:txBody>
+      </p:sp>
+      <p:sp>
+        <p:nvSpPr>
+          <p:cNvPr id="3" name="TextBox 2"/>
+          <p:cNvSpPr txBox="1"/>
+          <p:nvPr/>
+        </p:nvSpPr>
+        <p:spPr>
+          <a:xfrm>
+            <a:off x="685800" y="3657600"/>
+            <a:ext cx="7772400" cy="2971800"/>
+          </a:xfrm>
+          <a:prstGeom prst="rect">
+            <a:avLst/>
+          </a:prstGeom>
+          <a:noFill/>
+        </p:spPr>
+        <p:txBody>
+          <a:bodyPr wrap="none">
+            <a:spAutoFit/>
+          </a:bodyPr>
+          <a:lstStyle/>
+          <a:p>
+            <a:pPr algn="ctr">
+              <a:lnSpc>
+                <a:spcPts val="5500"/>
               </a:lnSpc>
               <a:defRPr sz="4400">
                 <a:solidFill>
@@ -3234,21 +4362,126 @@
               </a:defRPr>
             </a:pPr>
             <a:r>
-              <a:t>Come, Thou Fount of every blessing</a:t>
+              <a:t>I'm carried in everlasting arms</a:t>
             </a:r>
             <a:br/>
             <a:r>
-              <a:t> Tune my heart to sing Thy grace</a:t>
+              <a:t> You'll never let me go</a:t>
             </a:r>
             <a:br/>
             <a:r>
-              <a:t> Streams of mercy, never ceasing</a:t>
+              <a:t> Through it all.</a:t>
+            </a:r>
+          </a:p>
+        </p:txBody>
+      </p:sp>
+    </p:spTree>
+  </p:cSld>
+  <p:clrMapOvr>
+    <a:masterClrMapping/>
+  </p:clrMapOvr>
+</p:sld>
+</file>
+
+<file path=ppt/slides/slide21.xml><?xml version="1.0" encoding="utf-8"?>
+<p:sld xmlns:a="http://schemas.openxmlformats.org/drawingml/2006/main" xmlns:p="http://schemas.openxmlformats.org/presentationml/2006/main" xmlns:r="http://schemas.openxmlformats.org/officeDocument/2006/relationships">
+  <p:cSld>
+    <p:spTree>
+      <p:nvGrpSpPr>
+        <p:cNvPr id="1" name=""/>
+        <p:cNvGrpSpPr/>
+        <p:nvPr/>
+      </p:nvGrpSpPr>
+      <p:grpSpPr/>
+      <p:sp>
+        <p:nvSpPr>
+          <p:cNvPr id="2" name="TextBox 1"/>
+          <p:cNvSpPr txBox="1"/>
+          <p:nvPr/>
+        </p:nvSpPr>
+        <p:spPr>
+          <a:xfrm>
+            <a:off x="685800" y="228600"/>
+            <a:ext cx="7772400" cy="2971800"/>
+          </a:xfrm>
+          <a:prstGeom prst="rect">
+            <a:avLst/>
+          </a:prstGeom>
+          <a:noFill/>
+        </p:spPr>
+        <p:txBody>
+          <a:bodyPr wrap="none">
+            <a:spAutoFit/>
+          </a:bodyPr>
+          <a:lstStyle/>
+          <a:p>
+            <a:pPr algn="ctr">
+              <a:lnSpc>
+                <a:spcPts val="5500"/>
+              </a:lnSpc>
+              <a:defRPr sz="4600">
+                <a:solidFill>
+                  <a:srgbClr val="000000"/>
+                </a:solidFill>
+              </a:defRPr>
+            </a:pPr>
+            <a:r>
+              <a:t>ฮาเลลูยา</a:t>
             </a:r>
             <a:br/>
             <a:r>
-              <a:t> Call for songs of loudest praise</a:t>
+              <a:t>ฮาเลลูยา</a:t>
             </a:r>
             <a:br/>
+            <a:r>
+              <a:t>ฮาเลลูยา</a:t>
+            </a:r>
+            <a:br/>
+            <a:r>
+              <a:t>ฮาเลลูยา</a:t>
+            </a:r>
+          </a:p>
+        </p:txBody>
+      </p:sp>
+      <p:sp>
+        <p:nvSpPr>
+          <p:cNvPr id="3" name="TextBox 2"/>
+          <p:cNvSpPr txBox="1"/>
+          <p:nvPr/>
+        </p:nvSpPr>
+        <p:spPr>
+          <a:xfrm>
+            <a:off x="685800" y="3657600"/>
+            <a:ext cx="7772400" cy="2971800"/>
+          </a:xfrm>
+          <a:prstGeom prst="rect">
+            <a:avLst/>
+          </a:prstGeom>
+          <a:noFill/>
+        </p:spPr>
+        <p:txBody>
+          <a:bodyPr wrap="none">
+            <a:spAutoFit/>
+          </a:bodyPr>
+          <a:lstStyle/>
+          <a:p>
+            <a:pPr algn="ctr">
+              <a:lnSpc>
+                <a:spcPts val="5500"/>
+              </a:lnSpc>
+              <a:defRPr sz="4400">
+                <a:solidFill>
+                  <a:srgbClr val="3A70BC"/>
+                </a:solidFill>
+              </a:defRPr>
+            </a:pPr>
+            <a:r>
+              <a:t>Hallelujah</a:t>
+            </a:r>
+            <a:br/>
+            <a:r>
+              <a:t> hallelujah</a:t>
+            </a:r>
           </a:p>
         </p:txBody>
       </p:sp>
@@ -3287,31 +4520,23 @@
           <a:noFill/>
         </p:spPr>
         <p:txBody>
-          <a:bodyPr wrap="none">
+          <a:bodyPr wrap="square">
             <a:spAutoFit/>
           </a:bodyPr>
           <a:lstStyle/>
           <a:p>
             <a:pPr algn="ctr">
               <a:lnSpc>
-                <a:spcPts val="4800"/>
+                <a:spcPts val="5500"/>
               </a:lnSpc>
-              <a:defRPr sz="4800">
+              <a:defRPr sz="4600">
                 <a:solidFill>
                   <a:srgbClr val="000000"/>
                 </a:solidFill>
               </a:defRPr>
             </a:pPr>
             <a:r>
-              <a:t>โมทนาพระคุณพระเยซู ด้วยขับร้องบทเพลงถวาย</a:t>
-            </a:r>
-            <a:br/>
-            <a:r>
-              <a:t>ข้ายืนอยู่บนศิลามั่นคง</a:t>
-            </a:r>
-            <a:br/>
-            <a:r>
-              <a:t>คือพระองค์ผู้รักมากมาย</a:t>
+              <a:t>**เรายกย่องพระนามพระองค์ เราสรรเสริญถึงความยิ่งใหญ่ ไม่มีใครสิ่งใดเท่าเทียม พระองค์ ผู้ทรงฤทธิ์เกรียงไกร</a:t>
             </a:r>
           </a:p>
         </p:txBody>
@@ -3333,14 +4558,14 @@
           <a:noFill/>
         </p:spPr>
         <p:txBody>
-          <a:bodyPr wrap="square">
+          <a:bodyPr wrap="none">
             <a:spAutoFit/>
           </a:bodyPr>
           <a:lstStyle/>
           <a:p>
             <a:pPr algn="ctr">
               <a:lnSpc>
-                <a:spcPts val="4800"/>
+                <a:spcPts val="5500"/>
               </a:lnSpc>
               <a:defRPr sz="4400">
                 <a:solidFill>
@@ -3349,7 +4574,19 @@
               </a:defRPr>
             </a:pPr>
             <a:r>
-              <a:t>Teach me some melodious sonnet, Sung by flaming tongues above; Praise the mount! I’m fixed upon it, Mount of Thy redeeming love.</a:t>
+              <a:t>Lifting up Your precious Name</a:t>
+            </a:r>
+            <a:br/>
+            <a:r>
+              <a:t> We give praise to Your greatness</a:t>
+            </a:r>
+            <a:br/>
+            <a:r>
+              <a:t> There is none can be compared to You</a:t>
+            </a:r>
+            <a:br/>
+            <a:r>
+              <a:t> The almighty God.</a:t>
             </a:r>
           </a:p>
         </p:txBody>
@@ -3396,24 +4633,24 @@
           <a:p>
             <a:pPr algn="ctr">
               <a:lnSpc>
-                <a:spcPts val="4800"/>
+                <a:spcPts val="5500"/>
               </a:lnSpc>
-              <a:defRPr sz="4800">
+              <a:defRPr sz="4600">
                 <a:solidFill>
                   <a:srgbClr val="000000"/>
                 </a:solidFill>
               </a:defRPr>
             </a:pPr>
             <a:r>
-              <a:t>2. ในอดีตทรงช่วยให้มีชัย</a:t>
+              <a:t>พระองค์ทรง ยุติธรรม ทรงรอบรู้ในทุกอย่าง</a:t>
             </a:r>
             <a:br/>
             <a:r>
-              <a:t>เดี๋ยวนี้ข้าจึงพึ่งอาศัย</a:t>
+              <a:t>พระปัญญาเหนือความเข้าใจ ฤทธิ์อำนาจของพระองค์</a:t>
             </a:r>
             <a:br/>
             <a:r>
-              <a:t>ขอทรงเมตตาข้าเสมอไป ทั้งทรงช่วยจนถึงวันตาย</a:t>
+              <a:t>ครอบครองอยู่เหนือโลกา</a:t>
             </a:r>
           </a:p>
         </p:txBody>
@@ -3442,7 +4679,7 @@
           <a:p>
             <a:pPr algn="ctr">
               <a:lnSpc>
-                <a:spcPts val="4800"/>
+                <a:spcPts val="5500"/>
               </a:lnSpc>
               <a:defRPr sz="4400">
                 <a:solidFill>
@@ -3451,7 +4688,7 @@
               </a:defRPr>
             </a:pPr>
             <a:r>
-              <a:t>Here I’ll raise my Ebenezer; Hither by Thy help I’m come; And I hope, by Thy good pleasure, Safely to arrive at home.</a:t>
+              <a:t>He is just and upright insightful in all things. His wisdom beyond compare. The power of the Lord is ruling all the earth.</a:t>
             </a:r>
           </a:p>
         </p:txBody>
@@ -3491,31 +4728,23 @@
           <a:noFill/>
         </p:spPr>
         <p:txBody>
-          <a:bodyPr wrap="none">
+          <a:bodyPr wrap="square">
             <a:spAutoFit/>
           </a:bodyPr>
           <a:lstStyle/>
           <a:p>
             <a:pPr algn="ctr">
               <a:lnSpc>
-                <a:spcPts val="4800"/>
+                <a:spcPts val="5500"/>
               </a:lnSpc>
-              <a:defRPr sz="4800">
+              <a:defRPr sz="4600">
                 <a:solidFill>
                   <a:srgbClr val="000000"/>
                 </a:solidFill>
               </a:defRPr>
             </a:pPr>
             <a:r>
-              <a:t>พระเยซูทรงติดตามหาข้า เมื่อหลงไปจากทางสวรรค์</a:t>
-            </a:r>
-            <a:br/>
-            <a:r>
-              <a:t>พระองค์ทรงเป็นความรักยิ่งใหญ่</a:t>
-            </a:r>
-            <a:br/>
-            <a:r>
-              <a:t>ไถ่ด้วยโลหิตอัศจรรย์</a:t>
+              <a:t>**เรายกย่องพระนามพระองค์ เราสรรเสริญถึงความยิ่งใหญ่ ไม่มีใครสิ่งใดเท่าเทียม พระองค์ ผู้ทรงฤทธิ์เกรียงไกร</a:t>
             </a:r>
           </a:p>
         </p:txBody>
@@ -3537,14 +4766,14 @@
           <a:noFill/>
         </p:spPr>
         <p:txBody>
-          <a:bodyPr wrap="square">
+          <a:bodyPr wrap="none">
             <a:spAutoFit/>
           </a:bodyPr>
           <a:lstStyle/>
           <a:p>
             <a:pPr algn="ctr">
               <a:lnSpc>
-                <a:spcPts val="4800"/>
+                <a:spcPts val="5500"/>
               </a:lnSpc>
               <a:defRPr sz="4400">
                 <a:solidFill>
@@ -3553,7 +4782,19 @@
               </a:defRPr>
             </a:pPr>
             <a:r>
-              <a:t>Jesus sought me when a stranger, Wand’ring from the fold of God; He, to rescue me from danger, Interposed His precious blood.</a:t>
+              <a:t>Lifting up Your precious Name</a:t>
+            </a:r>
+            <a:br/>
+            <a:r>
+              <a:t> We give praise to Your greatness</a:t>
+            </a:r>
+            <a:br/>
+            <a:r>
+              <a:t> There is none can be compared to You</a:t>
+            </a:r>
+            <a:br/>
+            <a:r>
+              <a:t> The almighty God.</a:t>
             </a:r>
           </a:p>
         </p:txBody>
@@ -3600,24 +4841,24 @@
           <a:p>
             <a:pPr algn="ctr">
               <a:lnSpc>
-                <a:spcPts val="4800"/>
+                <a:spcPts val="5500"/>
               </a:lnSpc>
-              <a:defRPr sz="4800">
+              <a:defRPr sz="4600">
                 <a:solidFill>
                   <a:srgbClr val="000000"/>
                 </a:solidFill>
               </a:defRPr>
             </a:pPr>
             <a:r>
-              <a:t>3.ข้าเป็นหนี้พระคุณพระเยซู</a:t>
+              <a:t>***พระ สิริของพระองค์</a:t>
             </a:r>
             <a:br/>
             <a:r>
-              <a:t>เพราะทรงพลีชีวิตเพื่อไถ่</a:t>
+              <a:t>  ฤทธิ์อำนาจของพระองค์</a:t>
             </a:r>
             <a:br/>
             <a:r>
-              <a:t>ขอให้พระคุณที่ทรงเมตตา ตรึงดวงใจข้าจนวันตาย</a:t>
+              <a:t>  ครอบครองอยู่เหนือโลกา</a:t>
             </a:r>
           </a:p>
         </p:txBody>
@@ -3639,14 +4880,14 @@
           <a:noFill/>
         </p:spPr>
         <p:txBody>
-          <a:bodyPr wrap="square">
+          <a:bodyPr wrap="none">
             <a:spAutoFit/>
           </a:bodyPr>
           <a:lstStyle/>
           <a:p>
             <a:pPr algn="ctr">
               <a:lnSpc>
-                <a:spcPts val="4800"/>
+                <a:spcPts val="5500"/>
               </a:lnSpc>
               <a:defRPr sz="4400">
                 <a:solidFill>
@@ -3655,8 +4896,17 @@
               </a:defRPr>
             </a:pPr>
             <a:r>
-              <a:t>Oh, to grace how great a debtor Daily I’m constrained to be! Let Thy goodness, like a fetter, Bind my feeble heart to Thee.</a:t>
-            </a:r>
+              <a:t>The glory of the Lord</a:t>
+            </a:r>
+            <a:br/>
+            <a:r>
+              <a:t> The power of the Lord</a:t>
+            </a:r>
+            <a:br/>
+            <a:r>
+              <a:t> Ruling above the earth</a:t>
+            </a:r>
+            <a:br/>
           </a:p>
         </p:txBody>
       </p:sp>
@@ -3680,84 +4930,49 @@
       <p:grpSpPr/>
       <p:sp>
         <p:nvSpPr>
-          <p:cNvPr id="2" name="TextBox 1"/>
-          <p:cNvSpPr txBox="1"/>
-          <p:nvPr/>
-        </p:nvSpPr>
-        <p:spPr>
-          <a:xfrm>
-            <a:off x="685800" y="228600"/>
-            <a:ext cx="7772400" cy="2971800"/>
-          </a:xfrm>
-          <a:prstGeom prst="rect">
-            <a:avLst/>
-          </a:prstGeom>
-          <a:noFill/>
-        </p:spPr>
-        <p:txBody>
-          <a:bodyPr wrap="none">
-            <a:spAutoFit/>
-          </a:bodyPr>
-          <a:lstStyle/>
-          <a:p>
-            <a:pPr algn="ctr">
-              <a:lnSpc>
-                <a:spcPts val="4800"/>
-              </a:lnSpc>
-              <a:defRPr sz="4800">
-                <a:solidFill>
-                  <a:srgbClr val="000000"/>
+          <p:cNvPr id="2" name="Title 1"/>
+          <p:cNvSpPr>
+            <a:spLocks noGrp="1"/>
+          </p:cNvSpPr>
+          <p:nvPr>
+            <p:ph type="ctrTitle"/>
+          </p:nvPr>
+        </p:nvSpPr>
+        <p:spPr/>
+        <p:txBody>
+          <a:bodyPr/>
+          <a:lstStyle/>
+          <a:p>
+            <a:r>
+              <a:t>โดยอำนาจความรักพระองค์</a:t>
+            </a:r>
+          </a:p>
+        </p:txBody>
+      </p:sp>
+      <p:sp>
+        <p:nvSpPr>
+          <p:cNvPr id="3" name="Subtitle 2"/>
+          <p:cNvSpPr>
+            <a:spLocks noGrp="1"/>
+          </p:cNvSpPr>
+          <p:nvPr>
+            <p:ph type="subTitle" idx="1"/>
+          </p:nvPr>
+        </p:nvSpPr>
+        <p:spPr/>
+        <p:txBody>
+          <a:bodyPr/>
+          <a:lstStyle/>
+          <a:p>
+            <a:pPr>
+              <a:defRPr sz="4000">
+                <a:solidFill>
+                  <a:srgbClr val="3A70BC"/>
                 </a:solidFill>
               </a:defRPr>
             </a:pPr>
             <a:r>
-              <a:t>พระองค์ทรงรักข้าเสมอไป</a:t>
-            </a:r>
-            <a:br/>
-            <a:r>
-              <a:t>แต่ข้าเผลอมักลืมพระคุณ</a:t>
-            </a:r>
-            <a:br/>
-            <a:r>
-              <a:t>ตั้งแต่นี้ไปขอถวายตัว กับพระองค์จนชีพวางวาย</a:t>
-            </a:r>
-          </a:p>
-        </p:txBody>
-      </p:sp>
-      <p:sp>
-        <p:nvSpPr>
-          <p:cNvPr id="3" name="TextBox 2"/>
-          <p:cNvSpPr txBox="1"/>
-          <p:nvPr/>
-        </p:nvSpPr>
-        <p:spPr>
-          <a:xfrm>
-            <a:off x="685800" y="3657600"/>
-            <a:ext cx="7772400" cy="2971800"/>
-          </a:xfrm>
-          <a:prstGeom prst="rect">
-            <a:avLst/>
-          </a:prstGeom>
-          <a:noFill/>
-        </p:spPr>
-        <p:txBody>
-          <a:bodyPr wrap="square">
-            <a:spAutoFit/>
-          </a:bodyPr>
-          <a:lstStyle/>
-          <a:p>
-            <a:pPr algn="ctr">
-              <a:lnSpc>
-                <a:spcPts val="4800"/>
-              </a:lnSpc>
-              <a:defRPr sz="4400">
-                <a:solidFill>
-                  <a:srgbClr val="3A70BC"/>
-                </a:solidFill>
-              </a:defRPr>
-            </a:pPr>
-            <a:r>
-              <a:t>“Prone to wander, Lord, I feel it,” Long I cried to be made pure; “Here’s my heart, O take and seal it, Work in me Thy double cure.”</a:t>
+              <a:t>Power of Your Love </a:t>
             </a:r>
           </a:p>
         </p:txBody>
@@ -3804,28 +5019,20 @@
           <a:p>
             <a:pPr algn="ctr">
               <a:lnSpc>
-                <a:spcPts val="4800"/>
+                <a:spcPts val="5500"/>
               </a:lnSpc>
-              <a:defRPr sz="4800">
+              <a:defRPr sz="4600">
                 <a:solidFill>
                   <a:srgbClr val="000000"/>
                 </a:solidFill>
               </a:defRPr>
             </a:pPr>
             <a:r>
-              <a:t>4.พระบิดาพระบุตรพระวิญญาณ</a:t>
+              <a:t>พระเจ้าข้า เข้ามา โปรดเปลี่ยนแปลงชีวิตหัวใจ</a:t>
             </a:r>
             <a:br/>
             <a:r>
-              <a:t>เป็นประธานของศิษย์ทั้งหลาย</a:t>
-            </a:r>
-            <a:br/>
-            <a:r>
-              <a:t>ถ้าพระองค์ไม่เสด็จมาช่วย</a:t>
-            </a:r>
-            <a:br/>
-            <a:r>
-              <a:t>ข้าต้องม้วยอยู่ในอบาย</a:t>
+              <a:t>โดยพระคุณที่ข้า ได้สัมผัสพระองค์</a:t>
             </a:r>
           </a:p>
         </p:txBody>
@@ -3854,7 +5061,7 @@
           <a:p>
             <a:pPr algn="ctr">
               <a:lnSpc>
-                <a:spcPts val="4800"/>
+                <a:spcPts val="5500"/>
               </a:lnSpc>
               <a:defRPr sz="4400">
                 <a:solidFill>
@@ -3863,7 +5070,7 @@
               </a:defRPr>
             </a:pPr>
             <a:r>
-              <a:t>Hallelujah! I have found it, The full cleansing I had craved, And to all the world I’ll sound it: They too may be wholly saved.</a:t>
+              <a:t>Lord I come to You. Let my heart be changed, renewed. Flowing from the grace. That I found in You.</a:t>
             </a:r>
           </a:p>
         </p:txBody>
@@ -3903,23 +5110,27 @@
           <a:noFill/>
         </p:spPr>
         <p:txBody>
-          <a:bodyPr wrap="square">
+          <a:bodyPr wrap="none">
             <a:spAutoFit/>
           </a:bodyPr>
           <a:lstStyle/>
           <a:p>
             <a:pPr algn="ctr">
               <a:lnSpc>
-                <a:spcPts val="4800"/>
+                <a:spcPts val="5500"/>
               </a:lnSpc>
-              <a:defRPr sz="4800">
+              <a:defRPr sz="4600">
                 <a:solidFill>
                   <a:srgbClr val="000000"/>
                 </a:solidFill>
               </a:defRPr>
             </a:pPr>
             <a:r>
-              <a:t>ขอเอ็นดูข้าขอเอ็นดูข้า พระองค์เดียวมีฤทธิ์ช่วยได้ ขอเมตตาข้าขอเมตตาข้า พระองค์เดียวมีฤทธิ์ช่วยได้</a:t>
+              <a:t>โอ้พระองค์ข้ารู้ดี จุดอ่อนภายในที่ข้ายังมี</a:t>
+            </a:r>
+            <a:br/>
+            <a:r>
+              <a:t>จะทรงลบล้างออกไป โดยอำนาจความรักพระองค์</a:t>
             </a:r>
           </a:p>
         </p:txBody>
@@ -3948,7 +5159,7 @@
           <a:p>
             <a:pPr algn="ctr">
               <a:lnSpc>
-                <a:spcPts val="4800"/>
+                <a:spcPts val="5500"/>
               </a:lnSpc>
               <a:defRPr sz="4400">
                 <a:solidFill>
@@ -3957,7 +5168,7 @@
               </a:defRPr>
             </a:pPr>
             <a:r>
-              <a:t>I am sealed by Thy sweet Spirit, Prone no longer now to roam; And Thy voice, I’ll humbly hear it, For Thy presence is my home.</a:t>
+              <a:t>And Lord I've come to know. The weaknesses I see in me. Will be stripped away. By the power of Your love.</a:t>
             </a:r>
           </a:p>
         </p:txBody>

--- a/finishedppt/WorshipSongs.pptx
+++ b/finishedppt/WorshipSongs.pptx
@@ -3124,7 +3124,7 @@
           <a:lstStyle/>
           <a:p>
             <a:r>
-              <a:t>เหนือโลกา</a:t>
+              <a:t>ตั้งแต่ดวงตะวันเบิกฟ้า</a:t>
             </a:r>
           </a:p>
         </p:txBody>
@@ -3145,14 +3145,14 @@
           <a:lstStyle/>
           <a:p>
             <a:pPr>
-              <a:defRPr sz="4000">
+              <a:defRPr sz="4600">
                 <a:solidFill>
                   <a:srgbClr val="3A70BC"/>
                 </a:solidFill>
               </a:defRPr>
             </a:pPr>
             <a:r>
-              <a:t>All The Earth</a:t>
+              <a:t>From the Rising of the Sun</a:t>
             </a:r>
           </a:p>
         </p:txBody>
@@ -3199,20 +3199,28 @@
           <a:p>
             <a:pPr algn="ctr">
               <a:lnSpc>
-                <a:spcPts val="5500"/>
+                <a:spcPts val="4800"/>
               </a:lnSpc>
-              <a:defRPr sz="4600">
+              <a:defRPr sz="4000">
                 <a:solidFill>
                   <a:srgbClr val="000000"/>
                 </a:solidFill>
               </a:defRPr>
             </a:pPr>
             <a:r>
-              <a:t>โปรดยึดข้า ให้ความรักพระองค์ล้อมข้า</a:t>
-            </a:r>
-            <a:br/>
-            <a:r>
-              <a:t>นำข้าใกล้ ชิดพระทัยพระองค์</a:t>
+              <a:t>** ชั่วนิรันดร์ พระองค์สัตย์ซื่อ</a:t>
+            </a:r>
+            <a:br/>
+            <a:r>
+              <a:t>ชั่วนิรันดร์ ทรงฤทธา ชั่วนิรันดร์</a:t>
+            </a:r>
+            <a:br/>
+            <a:r>
+              <a:t>ทรงอยู่กับเรา ชั่วนิรันดร์ และนิรันดร์</a:t>
+            </a:r>
+            <a:br/>
+            <a:r>
+              <a:t>นิจนิรันดร์</a:t>
             </a:r>
           </a:p>
         </p:txBody>
@@ -3241,22 +3249,29 @@
           <a:p>
             <a:pPr algn="ctr">
               <a:lnSpc>
-                <a:spcPts val="5500"/>
+                <a:spcPts val="4800"/>
               </a:lnSpc>
-              <a:defRPr sz="4400">
+              <a:defRPr sz="3500">
                 <a:solidFill>
                   <a:srgbClr val="3A70BC"/>
                 </a:solidFill>
               </a:defRPr>
             </a:pPr>
             <a:r>
-              <a:t>Hold me close. Let Your love surround me</a:t>
-            </a:r>
-            <a:br/>
-            <a:r>
-              <a:t> Bring me near. Draw me to Your side</a:t>
-            </a:r>
-            <a:br/>
+              <a:t>Forever God is faithful</a:t>
+            </a:r>
+            <a:br/>
+            <a:r>
+              <a:t> Forever God is strong</a:t>
+            </a:r>
+            <a:br/>
+            <a:r>
+              <a:t> Forever God is with us</a:t>
+            </a:r>
+            <a:br/>
+            <a:r>
+              <a:t> Forever</a:t>
+            </a:r>
           </a:p>
         </p:txBody>
       </p:sp>
@@ -3302,24 +3317,24 @@
           <a:p>
             <a:pPr algn="ctr">
               <a:lnSpc>
-                <a:spcPts val="5500"/>
+                <a:spcPts val="4800"/>
               </a:lnSpc>
-              <a:defRPr sz="4600">
+              <a:defRPr sz="4000">
                 <a:solidFill>
                   <a:srgbClr val="000000"/>
                 </a:solidFill>
               </a:defRPr>
             </a:pPr>
             <a:r>
-              <a:t>เมื่อข้ารอคอย จะผงาดขึ้นดังนกอินทรีย์</a:t>
-            </a:r>
-            <a:br/>
-            <a:r>
-              <a:t>แล้วข้าจะบินต่อไป พระวิญญาณพระองค์ทรงนำ</a:t>
-            </a:r>
-            <a:br/>
-            <a:r>
-              <a:t>โดยอำนาจความรักพระองค์</a:t>
+              <a:t>3. จากดวงตะวัน</a:t>
+            </a:r>
+            <a:br/>
+            <a:r>
+              <a:t>ขึ้นจนลับลาไป</a:t>
+            </a:r>
+            <a:br/>
+            <a:r>
+              <a:t>ความรักพระองค์ดำรงนิรันดร์</a:t>
             </a:r>
           </a:p>
         </p:txBody>
@@ -3341,24 +3356,29 @@
           <a:noFill/>
         </p:spPr>
         <p:txBody>
-          <a:bodyPr wrap="square">
+          <a:bodyPr wrap="none">
             <a:spAutoFit/>
           </a:bodyPr>
           <a:lstStyle/>
           <a:p>
             <a:pPr algn="ctr">
               <a:lnSpc>
-                <a:spcPts val="5500"/>
+                <a:spcPts val="4800"/>
               </a:lnSpc>
-              <a:defRPr sz="4400">
+              <a:defRPr sz="3500">
                 <a:solidFill>
                   <a:srgbClr val="3A70BC"/>
                 </a:solidFill>
               </a:defRPr>
             </a:pPr>
             <a:r>
-              <a:t>And as I wait. I'll rise up like the eagle. And I will soar with You. Your Spirit leads me on. In the power of Your love.</a:t>
-            </a:r>
+              <a:t>From the rising to the setting sun</a:t>
+            </a:r>
+            <a:br/>
+            <a:r>
+              <a:t> His love endures forever</a:t>
+            </a:r>
+            <a:br/>
           </a:p>
         </p:txBody>
       </p:sp>
@@ -3404,24 +3424,24 @@
           <a:p>
             <a:pPr algn="ctr">
               <a:lnSpc>
-                <a:spcPts val="5500"/>
+                <a:spcPts val="4800"/>
               </a:lnSpc>
-              <a:defRPr sz="4600">
+              <a:defRPr sz="4000">
                 <a:solidFill>
                   <a:srgbClr val="000000"/>
                 </a:solidFill>
               </a:defRPr>
             </a:pPr>
             <a:r>
-              <a:t>โปรดเปิดตาของข้า ให้มองเห็นพระพักตร์พระองค์</a:t>
-            </a:r>
-            <a:br/>
-            <a:r>
-              <a:t>ให้เข้าใจความรักแท้</a:t>
-            </a:r>
-            <a:br/>
-            <a:r>
-              <a:t>ที่ดำรงภายใน</a:t>
+              <a:t>โดยพระคุณพระองค์ ทรงนำเราก้าวไป</a:t>
+            </a:r>
+            <a:br/>
+            <a:r>
+              <a:t>ความรักพระองค์ดำรงนิรันดร์</a:t>
+            </a:r>
+            <a:br/>
+            <a:r>
+              <a:t>เราร้อง สรรเสริญ</a:t>
             </a:r>
           </a:p>
         </p:txBody>
@@ -3443,24 +3463,33 @@
           <a:noFill/>
         </p:spPr>
         <p:txBody>
-          <a:bodyPr wrap="square">
+          <a:bodyPr wrap="none">
             <a:spAutoFit/>
           </a:bodyPr>
           <a:lstStyle/>
           <a:p>
             <a:pPr algn="ctr">
               <a:lnSpc>
-                <a:spcPts val="5500"/>
+                <a:spcPts val="4800"/>
               </a:lnSpc>
-              <a:defRPr sz="4400">
+              <a:defRPr sz="3500">
                 <a:solidFill>
                   <a:srgbClr val="3A70BC"/>
                 </a:solidFill>
               </a:defRPr>
             </a:pPr>
             <a:r>
-              <a:t>Lord unveil my eyes. Let me see You face to face. The knowledge of Your love. As You live in me.</a:t>
-            </a:r>
+              <a:t>By the grace of God we will carry on</a:t>
+            </a:r>
+            <a:br/>
+            <a:r>
+              <a:t> His love endures forever</a:t>
+            </a:r>
+            <a:br/>
+            <a:r>
+              <a:t> Sing praise, sing praise</a:t>
+            </a:r>
+            <a:br/>
           </a:p>
         </p:txBody>
       </p:sp>
@@ -3499,23 +3528,35 @@
           <a:noFill/>
         </p:spPr>
         <p:txBody>
-          <a:bodyPr wrap="square">
+          <a:bodyPr wrap="none">
             <a:spAutoFit/>
           </a:bodyPr>
           <a:lstStyle/>
           <a:p>
             <a:pPr algn="ctr">
               <a:lnSpc>
-                <a:spcPts val="5500"/>
+                <a:spcPts val="4800"/>
               </a:lnSpc>
-              <a:defRPr sz="4600">
+              <a:defRPr sz="4000">
                 <a:solidFill>
                   <a:srgbClr val="000000"/>
                 </a:solidFill>
               </a:defRPr>
             </a:pPr>
             <a:r>
-              <a:t>โปรดเปลี่ยนแปลงความคิด เมื่อทรงเปิดเผยพระทัยในชีวิต ให้ดำเนินทุก ทุกวัน โดยอำนาจความรักพระองค์</a:t>
+              <a:t>** ชั่วนิรันดร์ พระองค์สัตย์ซื่อ</a:t>
+            </a:r>
+            <a:br/>
+            <a:r>
+              <a:t>ชั่วนิรันดร์ ทรงฤทธา ชั่วนิรันดร์</a:t>
+            </a:r>
+            <a:br/>
+            <a:r>
+              <a:t>ทรงอยู่กับเรา ชั่วนิรันดร์ และนิรันดร์</a:t>
+            </a:r>
+            <a:br/>
+            <a:r>
+              <a:t>นิจนิรันดร์</a:t>
             </a:r>
           </a:p>
         </p:txBody>
@@ -3537,23 +3578,35 @@
           <a:noFill/>
         </p:spPr>
         <p:txBody>
-          <a:bodyPr wrap="square">
+          <a:bodyPr wrap="none">
             <a:spAutoFit/>
           </a:bodyPr>
           <a:lstStyle/>
           <a:p>
             <a:pPr algn="ctr">
               <a:lnSpc>
-                <a:spcPts val="5500"/>
+                <a:spcPts val="4800"/>
               </a:lnSpc>
-              <a:defRPr sz="4400">
+              <a:defRPr sz="3500">
                 <a:solidFill>
                   <a:srgbClr val="3A70BC"/>
                 </a:solidFill>
               </a:defRPr>
             </a:pPr>
             <a:r>
-              <a:t>Lord renew my mind. As Your will unfolds in my life. In living every day. In the power of Your love.</a:t>
+              <a:t>Forever God is faithful</a:t>
+            </a:r>
+            <a:br/>
+            <a:r>
+              <a:t> Forever God is strong</a:t>
+            </a:r>
+            <a:br/>
+            <a:r>
+              <a:t> Forever God is with us</a:t>
+            </a:r>
+            <a:br/>
+            <a:r>
+              <a:t> Forever</a:t>
             </a:r>
           </a:p>
         </p:txBody>
@@ -3578,86 +3631,47 @@
       <p:grpSpPr/>
       <p:sp>
         <p:nvSpPr>
-          <p:cNvPr id="2" name="TextBox 1"/>
-          <p:cNvSpPr txBox="1"/>
-          <p:nvPr/>
-        </p:nvSpPr>
-        <p:spPr>
-          <a:xfrm>
-            <a:off x="685800" y="228600"/>
-            <a:ext cx="7772400" cy="2971800"/>
-          </a:xfrm>
-          <a:prstGeom prst="rect">
-            <a:avLst/>
-          </a:prstGeom>
-          <a:noFill/>
-        </p:spPr>
-        <p:txBody>
-          <a:bodyPr wrap="none">
-            <a:spAutoFit/>
-          </a:bodyPr>
-          <a:lstStyle/>
-          <a:p>
-            <a:pPr algn="ctr">
-              <a:lnSpc>
-                <a:spcPts val="5500"/>
-              </a:lnSpc>
+          <p:cNvPr id="2" name="Title 1"/>
+          <p:cNvSpPr>
+            <a:spLocks noGrp="1"/>
+          </p:cNvSpPr>
+          <p:nvPr>
+            <p:ph type="ctrTitle"/>
+          </p:nvPr>
+        </p:nvSpPr>
+        <p:spPr/>
+        <p:txBody>
+          <a:bodyPr/>
+          <a:lstStyle/>
+          <a:p>
+            <a:r>
+              <a:t>เรานมัสการ (เราพึ่งพาพระองค์)</a:t>
+            </a:r>
+          </a:p>
+        </p:txBody>
+      </p:sp>
+      <p:sp>
+        <p:nvSpPr>
+          <p:cNvPr id="3" name="Subtitle 2"/>
+          <p:cNvSpPr>
+            <a:spLocks noGrp="1"/>
+          </p:cNvSpPr>
+          <p:nvPr>
+            <p:ph type="subTitle" idx="1"/>
+          </p:nvPr>
+        </p:nvSpPr>
+        <p:spPr/>
+        <p:txBody>
+          <a:bodyPr/>
+          <a:lstStyle/>
+          <a:p>
+            <a:pPr>
               <a:defRPr sz="4600">
-                <a:solidFill>
-                  <a:srgbClr val="000000"/>
-                </a:solidFill>
-              </a:defRPr>
-            </a:pPr>
-            <a:r>
-              <a:t>โปรดยึดข้า ให้ความรักพระองค์ล้อมข้า</a:t>
-            </a:r>
-            <a:br/>
-            <a:r>
-              <a:t>นำข้าใกล้ ชิดพระทัยพระองค์</a:t>
-            </a:r>
-          </a:p>
-        </p:txBody>
-      </p:sp>
-      <p:sp>
-        <p:nvSpPr>
-          <p:cNvPr id="3" name="TextBox 2"/>
-          <p:cNvSpPr txBox="1"/>
-          <p:nvPr/>
-        </p:nvSpPr>
-        <p:spPr>
-          <a:xfrm>
-            <a:off x="685800" y="3657600"/>
-            <a:ext cx="7772400" cy="2971800"/>
-          </a:xfrm>
-          <a:prstGeom prst="rect">
-            <a:avLst/>
-          </a:prstGeom>
-          <a:noFill/>
-        </p:spPr>
-        <p:txBody>
-          <a:bodyPr wrap="none">
-            <a:spAutoFit/>
-          </a:bodyPr>
-          <a:lstStyle/>
-          <a:p>
-            <a:pPr algn="ctr">
-              <a:lnSpc>
-                <a:spcPts val="5500"/>
-              </a:lnSpc>
-              <a:defRPr sz="4400">
                 <a:solidFill>
                   <a:srgbClr val="3A70BC"/>
                 </a:solidFill>
               </a:defRPr>
             </a:pPr>
-            <a:r>
-              <a:t>Hold me close. Let Your love surround me</a:t>
-            </a:r>
-            <a:br/>
-            <a:r>
-              <a:t> Bring me near. Draw me to Your side</a:t>
-            </a:r>
-            <a:br/>
           </a:p>
         </p:txBody>
       </p:sp>
@@ -3687,8 +3701,8 @@
         </p:nvSpPr>
         <p:spPr>
           <a:xfrm>
-            <a:off x="685800" y="228600"/>
-            <a:ext cx="7772400" cy="2971800"/>
+            <a:off x="914400" y="457200"/>
+            <a:ext cx="7315200" cy="5486400"/>
           </a:xfrm>
           <a:prstGeom prst="rect">
             <a:avLst/>
@@ -3703,62 +3717,28 @@
           <a:p>
             <a:pPr algn="ctr">
               <a:lnSpc>
-                <a:spcPts val="5500"/>
+                <a:spcPts val="7000"/>
               </a:lnSpc>
-              <a:defRPr sz="4600">
+              <a:defRPr sz="4000">
                 <a:solidFill>
                   <a:srgbClr val="000000"/>
                 </a:solidFill>
               </a:defRPr>
             </a:pPr>
             <a:r>
-              <a:t>เมื่อข้ารอคอย จะผงาดขึ้นดังนกอินทรีย์</a:t>
-            </a:r>
-            <a:br/>
-            <a:r>
-              <a:t>แล้วข้าจะบินต่อไป พระวิญญาณพระองค์ทรงนำ</a:t>
-            </a:r>
-            <a:br/>
-            <a:r>
-              <a:t>โดยอำนาจความรักพระองค์</a:t>
-            </a:r>
-          </a:p>
-        </p:txBody>
-      </p:sp>
-      <p:sp>
-        <p:nvSpPr>
-          <p:cNvPr id="3" name="TextBox 2"/>
-          <p:cNvSpPr txBox="1"/>
-          <p:nvPr/>
-        </p:nvSpPr>
-        <p:spPr>
-          <a:xfrm>
-            <a:off x="685800" y="3657600"/>
-            <a:ext cx="7772400" cy="2971800"/>
-          </a:xfrm>
-          <a:prstGeom prst="rect">
-            <a:avLst/>
-          </a:prstGeom>
-          <a:noFill/>
-        </p:spPr>
-        <p:txBody>
-          <a:bodyPr wrap="square">
-            <a:spAutoFit/>
-          </a:bodyPr>
-          <a:lstStyle/>
-          <a:p>
-            <a:pPr algn="ctr">
-              <a:lnSpc>
-                <a:spcPts val="5500"/>
-              </a:lnSpc>
-              <a:defRPr sz="4400">
-                <a:solidFill>
-                  <a:srgbClr val="3A70BC"/>
-                </a:solidFill>
-              </a:defRPr>
-            </a:pPr>
-            <a:r>
-              <a:t>And as I wait. I'll rise up like the eagle. And I will soar with You. Your Spirit leads me on. In the power of Your love.</a:t>
+              <a:t>เราพึ่งพาพระองค์</a:t>
+            </a:r>
+            <a:br/>
+            <a:r>
+              <a:t>พระองค์ทรงเป็นทุกสิ่งที่ใจเราต้องการ</a:t>
+            </a:r>
+            <a:br/>
+            <a:r>
+              <a:t>เราเชื่อในพระองค์</a:t>
+            </a:r>
+            <a:br/>
+            <a:r>
+              <a:t>พระองค์บรรดาลทุกสิ่งที่เกินความเข้าใจของเรา</a:t>
             </a:r>
           </a:p>
         </p:txBody>
@@ -3783,49 +3763,50 @@
       <p:grpSpPr/>
       <p:sp>
         <p:nvSpPr>
-          <p:cNvPr id="2" name="Title 1"/>
-          <p:cNvSpPr>
-            <a:spLocks noGrp="1"/>
-          </p:cNvSpPr>
-          <p:nvPr>
-            <p:ph type="ctrTitle"/>
-          </p:nvPr>
-        </p:nvSpPr>
-        <p:spPr/>
-        <p:txBody>
-          <a:bodyPr/>
-          <a:lstStyle/>
-          <a:p>
-            <a:r>
-              <a:t>พระองค์ทรงอยู่ในชีวิตฉัน</a:t>
-            </a:r>
-          </a:p>
-        </p:txBody>
-      </p:sp>
-      <p:sp>
-        <p:nvSpPr>
-          <p:cNvPr id="3" name="Subtitle 2"/>
-          <p:cNvSpPr>
-            <a:spLocks noGrp="1"/>
-          </p:cNvSpPr>
-          <p:nvPr>
-            <p:ph type="subTitle" idx="1"/>
-          </p:nvPr>
-        </p:nvSpPr>
-        <p:spPr/>
-        <p:txBody>
-          <a:bodyPr/>
-          <a:lstStyle/>
-          <a:p>
-            <a:pPr>
+          <p:cNvPr id="2" name="TextBox 1"/>
+          <p:cNvSpPr txBox="1"/>
+          <p:nvPr/>
+        </p:nvSpPr>
+        <p:spPr>
+          <a:xfrm>
+            <a:off x="914400" y="457200"/>
+            <a:ext cx="7315200" cy="5486400"/>
+          </a:xfrm>
+          <a:prstGeom prst="rect">
+            <a:avLst/>
+          </a:prstGeom>
+          <a:noFill/>
+        </p:spPr>
+        <p:txBody>
+          <a:bodyPr wrap="none">
+            <a:spAutoFit/>
+          </a:bodyPr>
+          <a:lstStyle/>
+          <a:p>
+            <a:pPr algn="ctr">
+              <a:lnSpc>
+                <a:spcPts val="7000"/>
+              </a:lnSpc>
               <a:defRPr sz="4000">
                 <a:solidFill>
-                  <a:srgbClr val="3A70BC"/>
+                  <a:srgbClr val="000000"/>
                 </a:solidFill>
               </a:defRPr>
             </a:pPr>
             <a:r>
-              <a:t>Through it all</a:t>
+              <a:t>เรานมัสการ องค์พระเจ้ายิ่งใหญ่</a:t>
+            </a:r>
+            <a:br/>
+            <a:r>
+              <a:t>ไม่มีอะไรที่อยากเกินกว่าพระองค์จะทำ</a:t>
+            </a:r>
+            <a:br/>
+            <a:r>
+              <a:t>เรานมัสการ องค์พระเจ้ายิ่งใหญ่</a:t>
+            </a:r>
+            <a:br/>
+            <a:r>
+              <a:t>และไม่มีใครเทียบได้กับพระองค์</a:t>
             </a:r>
           </a:p>
         </p:txBody>
@@ -3850,94 +3831,47 @@
       <p:grpSpPr/>
       <p:sp>
         <p:nvSpPr>
-          <p:cNvPr id="2" name="TextBox 1"/>
-          <p:cNvSpPr txBox="1"/>
-          <p:nvPr/>
-        </p:nvSpPr>
-        <p:spPr>
-          <a:xfrm>
-            <a:off x="685800" y="228600"/>
-            <a:ext cx="7772400" cy="2971800"/>
-          </a:xfrm>
-          <a:prstGeom prst="rect">
-            <a:avLst/>
-          </a:prstGeom>
-          <a:noFill/>
-        </p:spPr>
-        <p:txBody>
-          <a:bodyPr wrap="none">
-            <a:spAutoFit/>
-          </a:bodyPr>
-          <a:lstStyle/>
-          <a:p>
-            <a:pPr algn="ctr">
-              <a:lnSpc>
-                <a:spcPts val="5500"/>
-              </a:lnSpc>
+          <p:cNvPr id="2" name="Title 1"/>
+          <p:cNvSpPr>
+            <a:spLocks noGrp="1"/>
+          </p:cNvSpPr>
+          <p:nvPr>
+            <p:ph type="ctrTitle"/>
+          </p:nvPr>
+        </p:nvSpPr>
+        <p:spPr/>
+        <p:txBody>
+          <a:bodyPr/>
+          <a:lstStyle/>
+          <a:p>
+            <a:r>
+              <a:t>ไม่ว่าอยู่แห่งหนไหน</a:t>
+            </a:r>
+          </a:p>
+        </p:txBody>
+      </p:sp>
+      <p:sp>
+        <p:nvSpPr>
+          <p:cNvPr id="3" name="Subtitle 2"/>
+          <p:cNvSpPr>
+            <a:spLocks noGrp="1"/>
+          </p:cNvSpPr>
+          <p:nvPr>
+            <p:ph type="subTitle" idx="1"/>
+          </p:nvPr>
+        </p:nvSpPr>
+        <p:spPr/>
+        <p:txBody>
+          <a:bodyPr/>
+          <a:lstStyle/>
+          <a:p>
+            <a:pPr>
               <a:defRPr sz="4600">
-                <a:solidFill>
-                  <a:srgbClr val="000000"/>
-                </a:solidFill>
-              </a:defRPr>
-            </a:pPr>
-            <a:r>
-              <a:t>พระองค์ทรงอยู่ในชีวิตฉัน</a:t>
-            </a:r>
-            <a:br/>
-            <a:r>
-              <a:t>ทรงเฝ้ามองอยู่ทุกเวลา</a:t>
-            </a:r>
-            <a:br/>
-            <a:r>
-              <a:t>พระหัตถ์พระองค์ล้อมชีวา</a:t>
-            </a:r>
-          </a:p>
-        </p:txBody>
-      </p:sp>
-      <p:sp>
-        <p:nvSpPr>
-          <p:cNvPr id="3" name="TextBox 2"/>
-          <p:cNvSpPr txBox="1"/>
-          <p:nvPr/>
-        </p:nvSpPr>
-        <p:spPr>
-          <a:xfrm>
-            <a:off x="685800" y="3657600"/>
-            <a:ext cx="7772400" cy="2971800"/>
-          </a:xfrm>
-          <a:prstGeom prst="rect">
-            <a:avLst/>
-          </a:prstGeom>
-          <a:noFill/>
-        </p:spPr>
-        <p:txBody>
-          <a:bodyPr wrap="none">
-            <a:spAutoFit/>
-          </a:bodyPr>
-          <a:lstStyle/>
-          <a:p>
-            <a:pPr algn="ctr">
-              <a:lnSpc>
-                <a:spcPts val="5500"/>
-              </a:lnSpc>
-              <a:defRPr sz="4400">
                 <a:solidFill>
                   <a:srgbClr val="3A70BC"/>
                 </a:solidFill>
               </a:defRPr>
             </a:pPr>
-            <a:r>
-              <a:t>You are forever in my life</a:t>
-            </a:r>
-            <a:br/>
-            <a:r>
-              <a:t> You see me through the seasons</a:t>
-            </a:r>
-            <a:br/>
-            <a:r>
-              <a:t> Cover me with Your hand</a:t>
-            </a:r>
-            <a:br/>
           </a:p>
         </p:txBody>
       </p:sp>
@@ -3967,8 +3901,8 @@
         </p:nvSpPr>
         <p:spPr>
           <a:xfrm>
-            <a:off x="685800" y="228600"/>
-            <a:ext cx="7772400" cy="2971800"/>
+            <a:off x="914400" y="457200"/>
+            <a:ext cx="7315200" cy="5486400"/>
           </a:xfrm>
           <a:prstGeom prst="rect">
             <a:avLst/>
@@ -3983,72 +3917,33 @@
           <a:p>
             <a:pPr algn="ctr">
               <a:lnSpc>
-                <a:spcPts val="5500"/>
+                <a:spcPts val="7000"/>
               </a:lnSpc>
-              <a:defRPr sz="4600">
+              <a:defRPr sz="4000">
                 <a:solidFill>
                   <a:srgbClr val="000000"/>
                 </a:solidFill>
               </a:defRPr>
             </a:pPr>
             <a:r>
-              <a:t>นำฉันให้อยู่ในความชอบธรรม</a:t>
-            </a:r>
-            <a:br/>
-            <a:r>
-              <a:t>และฉันจึงจับตา</a:t>
-            </a:r>
-            <a:br/>
-            <a:r>
-              <a:t>รอคอยพระศิลา</a:t>
-            </a:r>
-          </a:p>
-        </p:txBody>
-      </p:sp>
-      <p:sp>
-        <p:nvSpPr>
-          <p:cNvPr id="3" name="TextBox 2"/>
-          <p:cNvSpPr txBox="1"/>
-          <p:nvPr/>
-        </p:nvSpPr>
-        <p:spPr>
-          <a:xfrm>
-            <a:off x="685800" y="3657600"/>
-            <a:ext cx="7772400" cy="2971800"/>
-          </a:xfrm>
-          <a:prstGeom prst="rect">
-            <a:avLst/>
-          </a:prstGeom>
-          <a:noFill/>
-        </p:spPr>
-        <p:txBody>
-          <a:bodyPr wrap="none">
-            <a:spAutoFit/>
-          </a:bodyPr>
-          <a:lstStyle/>
-          <a:p>
-            <a:pPr algn="ctr">
-              <a:lnSpc>
-                <a:spcPts val="5500"/>
-              </a:lnSpc>
-              <a:defRPr sz="4400">
-                <a:solidFill>
-                  <a:srgbClr val="3A70BC"/>
-                </a:solidFill>
-              </a:defRPr>
-            </a:pPr>
-            <a:r>
-              <a:t>And lead me in Your righteousness</a:t>
-            </a:r>
-            <a:br/>
-            <a:r>
-              <a:t> And I look to You</a:t>
-            </a:r>
-            <a:br/>
-            <a:r>
-              <a:t> And I wait on You</a:t>
-            </a:r>
-            <a:br/>
+              <a:t>เมื่อตาใจข้าได้เห็น</a:t>
+            </a:r>
+            <a:br/>
+            <a:r>
+              <a:t>พระวิญญาณของพระเจ้า</a:t>
+            </a:r>
+            <a:br/>
+            <a:r>
+              <a:t>ข้าได้พบสันติสุข</a:t>
+            </a:r>
+            <a:br/>
+            <a:r>
+              <a:t>ที่โอบล้อมรอบตัวข้าไว้</a:t>
+            </a:r>
+            <a:br/>
+            <a:r>
+              <a:t>ข้าสุขใจเหลือจะบรรยาย</a:t>
+            </a:r>
           </a:p>
         </p:txBody>
       </p:sp>
@@ -4078,8 +3973,8 @@
         </p:nvSpPr>
         <p:spPr>
           <a:xfrm>
-            <a:off x="685800" y="228600"/>
-            <a:ext cx="7772400" cy="2971800"/>
+            <a:off x="914400" y="457200"/>
+            <a:ext cx="7315200" cy="5486400"/>
           </a:xfrm>
           <a:prstGeom prst="rect">
             <a:avLst/>
@@ -4094,72 +3989,33 @@
           <a:p>
             <a:pPr algn="ctr">
               <a:lnSpc>
-                <a:spcPts val="5500"/>
+                <a:spcPts val="7000"/>
               </a:lnSpc>
-              <a:defRPr sz="4600">
+              <a:defRPr sz="4000">
                 <a:solidFill>
                   <a:srgbClr val="000000"/>
                 </a:solidFill>
               </a:defRPr>
             </a:pPr>
             <a:r>
-              <a:t>จะร้องเพลงสรรเสริญ</a:t>
-            </a:r>
-            <a:br/>
-            <a:r>
-              <a:t>เพราะรักพระองค์</a:t>
-            </a:r>
-            <a:br/>
-            <a:r>
-              <a:t>เพราะความรักพระองค์มั่นคง</a:t>
-            </a:r>
-          </a:p>
-        </p:txBody>
-      </p:sp>
-      <p:sp>
-        <p:nvSpPr>
-          <p:cNvPr id="3" name="TextBox 2"/>
-          <p:cNvSpPr txBox="1"/>
-          <p:nvPr/>
-        </p:nvSpPr>
-        <p:spPr>
-          <a:xfrm>
-            <a:off x="685800" y="3657600"/>
-            <a:ext cx="7772400" cy="2971800"/>
-          </a:xfrm>
-          <a:prstGeom prst="rect">
-            <a:avLst/>
-          </a:prstGeom>
-          <a:noFill/>
-        </p:spPr>
-        <p:txBody>
-          <a:bodyPr wrap="none">
-            <a:spAutoFit/>
-          </a:bodyPr>
-          <a:lstStyle/>
-          <a:p>
-            <a:pPr algn="ctr">
-              <a:lnSpc>
-                <a:spcPts val="5500"/>
-              </a:lnSpc>
-              <a:defRPr sz="4400">
-                <a:solidFill>
-                  <a:srgbClr val="3A70BC"/>
-                </a:solidFill>
-              </a:defRPr>
-            </a:pPr>
-            <a:r>
-              <a:t>I will sing to You</a:t>
-            </a:r>
-            <a:br/>
-            <a:r>
-              <a:t> Lord. A hymn of love</a:t>
-            </a:r>
-            <a:br/>
-            <a:r>
-              <a:t> For Your faithfulness to me</a:t>
-            </a:r>
-            <a:br/>
+              <a:t>ไม่ว่าอยู่แห่งหนไหน</a:t>
+            </a:r>
+            <a:br/>
+            <a:r>
+              <a:t>ข้าจะนมัสการ และไม่ว่าเป็นเช่นใด</a:t>
+            </a:r>
+            <a:br/>
+            <a:r>
+              <a:t>ข้าจะนมัสการ ไม่ว่าอยู่แห่งหนไหน</a:t>
+            </a:r>
+            <a:br/>
+            <a:r>
+              <a:t>ข้าจะนมัสการ และไม่ว่าเป็นเช่นใด</a:t>
+            </a:r>
+            <a:br/>
+            <a:r>
+              <a:t>ก็จะนมัสการ</a:t>
+            </a:r>
           </a:p>
         </p:txBody>
       </p:sp>
@@ -4205,24 +4061,24 @@
           <a:p>
             <a:pPr algn="ctr">
               <a:lnSpc>
-                <a:spcPts val="5500"/>
+                <a:spcPts val="4800"/>
               </a:lnSpc>
-              <a:defRPr sz="4600">
+              <a:defRPr sz="4000">
                 <a:solidFill>
                   <a:srgbClr val="000000"/>
                 </a:solidFill>
               </a:defRPr>
             </a:pPr>
             <a:r>
-              <a:t>แผ่นดินร่วมร้องเปรมปรีด์ ในที่สูงอันชื่นบาน</a:t>
-            </a:r>
-            <a:br/>
-            <a:r>
-              <a:t>จักรวาลชื่นชมยินดี พระสิริของพระองค์</a:t>
-            </a:r>
-            <a:br/>
-            <a:r>
-              <a:t>ครอบครองอยู่เหนือโลกา</a:t>
+              <a:t>ตั้งแต่ดวงตะวันเบิกฟ้า</a:t>
+            </a:r>
+            <a:br/>
+            <a:r>
+              <a:t>แสงนภาเลื่อนกลับ อัสดง</a:t>
+            </a:r>
+            <a:br/>
+            <a:r>
+              <a:t>นามพระองค์จะเป็นที่สรรเสริญ</a:t>
             </a:r>
           </a:p>
         </p:txBody>
@@ -4244,24 +4100,33 @@
           <a:noFill/>
         </p:spPr>
         <p:txBody>
-          <a:bodyPr wrap="square">
+          <a:bodyPr wrap="none">
             <a:spAutoFit/>
           </a:bodyPr>
           <a:lstStyle/>
           <a:p>
             <a:pPr algn="ctr">
               <a:lnSpc>
-                <a:spcPts val="5500"/>
+                <a:spcPts val="4800"/>
               </a:lnSpc>
-              <a:defRPr sz="4400">
+              <a:defRPr sz="3500">
                 <a:solidFill>
                   <a:srgbClr val="3A70BC"/>
                 </a:solidFill>
               </a:defRPr>
             </a:pPr>
             <a:r>
-              <a:t>The earth sings joyfully. All high place rejoicing. Universe is overjoyed. The Glory of the Lord is ruling all the earth.</a:t>
-            </a:r>
+              <a:t>From the rising of the sun</a:t>
+            </a:r>
+            <a:br/>
+            <a:r>
+              <a:t> To the going down of the same</a:t>
+            </a:r>
+            <a:br/>
+            <a:r>
+              <a:t> The Lord's name is to be praised</a:t>
+            </a:r>
+            <a:br/>
           </a:p>
         </p:txBody>
       </p:sp>
@@ -4291,8 +4156,8 @@
         </p:nvSpPr>
         <p:spPr>
           <a:xfrm>
-            <a:off x="685800" y="228600"/>
-            <a:ext cx="7772400" cy="2971800"/>
+            <a:off x="914400" y="457200"/>
+            <a:ext cx="7315200" cy="5486400"/>
           </a:xfrm>
           <a:prstGeom prst="rect">
             <a:avLst/>
@@ -4307,70 +4172,32 @@
           <a:p>
             <a:pPr algn="ctr">
               <a:lnSpc>
-                <a:spcPts val="5500"/>
+                <a:spcPts val="7000"/>
               </a:lnSpc>
-              <a:defRPr sz="4600">
+              <a:defRPr sz="4000">
                 <a:solidFill>
                   <a:srgbClr val="000000"/>
                 </a:solidFill>
               </a:defRPr>
             </a:pPr>
             <a:r>
-              <a:t>ประคองฉันให้อยู่ในอ้อมแขนนิรันดร์</a:t>
-            </a:r>
-            <a:br/>
-            <a:r>
-              <a:t>ไม่เคยทอดทิ้งฉันไป</a:t>
-            </a:r>
-            <a:br/>
-            <a:r>
-              <a:t>ไม่ว่าอย่างไร</a:t>
-            </a:r>
-          </a:p>
-        </p:txBody>
-      </p:sp>
-      <p:sp>
-        <p:nvSpPr>
-          <p:cNvPr id="3" name="TextBox 2"/>
-          <p:cNvSpPr txBox="1"/>
-          <p:nvPr/>
-        </p:nvSpPr>
-        <p:spPr>
-          <a:xfrm>
-            <a:off x="685800" y="3657600"/>
-            <a:ext cx="7772400" cy="2971800"/>
-          </a:xfrm>
-          <a:prstGeom prst="rect">
-            <a:avLst/>
-          </a:prstGeom>
-          <a:noFill/>
-        </p:spPr>
-        <p:txBody>
-          <a:bodyPr wrap="none">
-            <a:spAutoFit/>
-          </a:bodyPr>
-          <a:lstStyle/>
-          <a:p>
-            <a:pPr algn="ctr">
-              <a:lnSpc>
-                <a:spcPts val="5500"/>
-              </a:lnSpc>
-              <a:defRPr sz="4400">
-                <a:solidFill>
-                  <a:srgbClr val="3A70BC"/>
-                </a:solidFill>
-              </a:defRPr>
-            </a:pPr>
-            <a:r>
-              <a:t>I'm carried in everlasting arms</a:t>
-            </a:r>
-            <a:br/>
-            <a:r>
-              <a:t> You'll never let me go</a:t>
-            </a:r>
-            <a:br/>
-            <a:r>
-              <a:t> Through it all.</a:t>
+              <a:t>ข้าได้เห็นแสงสว่าง</a:t>
+            </a:r>
+            <a:br/>
+            <a:r>
+              <a:t>แห่งความจริงและความรัก</a:t>
+            </a:r>
+            <a:br/>
+            <a:r>
+              <a:t>ข้าได้พบสันติสุข</a:t>
+            </a:r>
+            <a:br/>
+            <a:r>
+              <a:t>ที่โอบล้อมรอบตัวข้าไว้</a:t>
+            </a:r>
+            <a:br/>
+            <a:r>
+              <a:t>อยู่ในความรักของพระองค์</a:t>
             </a:r>
           </a:p>
         </p:txBody>
@@ -4401,8 +4228,8 @@
         </p:nvSpPr>
         <p:spPr>
           <a:xfrm>
-            <a:off x="685800" y="228600"/>
-            <a:ext cx="7772400" cy="2971800"/>
+            <a:off x="914400" y="457200"/>
+            <a:ext cx="7315200" cy="5486400"/>
           </a:xfrm>
           <a:prstGeom prst="rect">
             <a:avLst/>
@@ -4417,70 +4244,36 @@
           <a:p>
             <a:pPr algn="ctr">
               <a:lnSpc>
-                <a:spcPts val="5500"/>
+                <a:spcPts val="7000"/>
               </a:lnSpc>
-              <a:defRPr sz="4600">
+              <a:defRPr sz="4000">
                 <a:solidFill>
                   <a:srgbClr val="000000"/>
                 </a:solidFill>
               </a:defRPr>
             </a:pPr>
             <a:r>
-              <a:t>ฮาเลลูยา</a:t>
-            </a:r>
-            <a:br/>
-            <a:r>
-              <a:t>ฮาเลลูยา</a:t>
-            </a:r>
-            <a:br/>
-            <a:r>
-              <a:t>ฮาเลลูยา</a:t>
-            </a:r>
-            <a:br/>
-            <a:r>
-              <a:t>ฮาเลลูยา</a:t>
-            </a:r>
-          </a:p>
-        </p:txBody>
-      </p:sp>
-      <p:sp>
-        <p:nvSpPr>
-          <p:cNvPr id="3" name="TextBox 2"/>
-          <p:cNvSpPr txBox="1"/>
-          <p:nvPr/>
-        </p:nvSpPr>
-        <p:spPr>
-          <a:xfrm>
-            <a:off x="685800" y="3657600"/>
-            <a:ext cx="7772400" cy="2971800"/>
-          </a:xfrm>
-          <a:prstGeom prst="rect">
-            <a:avLst/>
-          </a:prstGeom>
-          <a:noFill/>
-        </p:spPr>
-        <p:txBody>
-          <a:bodyPr wrap="none">
-            <a:spAutoFit/>
-          </a:bodyPr>
-          <a:lstStyle/>
-          <a:p>
-            <a:pPr algn="ctr">
-              <a:lnSpc>
-                <a:spcPts val="5500"/>
-              </a:lnSpc>
-              <a:defRPr sz="4400">
-                <a:solidFill>
-                  <a:srgbClr val="3A70BC"/>
-                </a:solidFill>
-              </a:defRPr>
-            </a:pPr>
-            <a:r>
-              <a:t>Hallelujah</a:t>
-            </a:r>
-            <a:br/>
-            <a:r>
-              <a:t> hallelujah</a:t>
+              <a:t>และในทุกเส้นทาง ที่ก้าวและเดินไป</a:t>
+            </a:r>
+            <a:br/>
+            <a:r>
+              <a:t>ให้ทุกวันเวลาในชีวิต</a:t>
+            </a:r>
+            <a:br/>
+            <a:r>
+              <a:t>นมัสการพระองค์เรื่อยไป</a:t>
+            </a:r>
+            <a:br/>
+            <a:r>
+              <a:t>และในทุกเส้นทาง ที่ก้าวและเดินไป</a:t>
+            </a:r>
+            <a:br/>
+            <a:r>
+              <a:t>ให้ทุกวันเวลาในชีวิต</a:t>
+            </a:r>
+            <a:br/>
+            <a:r>
+              <a:t>นมัสการพระองค์นิรันดร์</a:t>
             </a:r>
           </a:p>
         </p:txBody>
@@ -4520,23 +4313,27 @@
           <a:noFill/>
         </p:spPr>
         <p:txBody>
-          <a:bodyPr wrap="square">
+          <a:bodyPr wrap="none">
             <a:spAutoFit/>
           </a:bodyPr>
           <a:lstStyle/>
           <a:p>
             <a:pPr algn="ctr">
               <a:lnSpc>
-                <a:spcPts val="5500"/>
+                <a:spcPts val="4800"/>
               </a:lnSpc>
-              <a:defRPr sz="4600">
+              <a:defRPr sz="4000">
                 <a:solidFill>
                   <a:srgbClr val="000000"/>
                 </a:solidFill>
               </a:defRPr>
             </a:pPr>
             <a:r>
-              <a:t>**เรายกย่องพระนามพระองค์ เราสรรเสริญถึงความยิ่งใหญ่ ไม่มีใครสิ่งใดเท่าเทียม พระองค์ ผู้ทรงฤทธิ์เกรียงไกร</a:t>
+              <a:t>สรรเสริญพระนาม เถิดบรรดาผู้รับใช้พระเจ้าเอ๋ย</a:t>
+            </a:r>
+            <a:br/>
+            <a:r>
+              <a:t>จงสรรเสริญนามพระองค์</a:t>
             </a:r>
           </a:p>
         </p:txBody>
@@ -4558,35 +4355,23 @@
           <a:noFill/>
         </p:spPr>
         <p:txBody>
-          <a:bodyPr wrap="none">
+          <a:bodyPr wrap="square">
             <a:spAutoFit/>
           </a:bodyPr>
           <a:lstStyle/>
           <a:p>
             <a:pPr algn="ctr">
               <a:lnSpc>
-                <a:spcPts val="5500"/>
+                <a:spcPts val="4800"/>
               </a:lnSpc>
-              <a:defRPr sz="4400">
+              <a:defRPr sz="3500">
                 <a:solidFill>
                   <a:srgbClr val="3A70BC"/>
                 </a:solidFill>
               </a:defRPr>
             </a:pPr>
             <a:r>
-              <a:t>Lifting up Your precious Name</a:t>
-            </a:r>
-            <a:br/>
-            <a:r>
-              <a:t> We give praise to Your greatness</a:t>
-            </a:r>
-            <a:br/>
-            <a:r>
-              <a:t> There is none can be compared to You</a:t>
-            </a:r>
-            <a:br/>
-            <a:r>
-              <a:t> The almighty God.</a:t>
+              <a:t>Praise ye the Lord. Praise Him all ye servants of the Lord. Praise the name of the Lord.</a:t>
             </a:r>
           </a:p>
         </p:txBody>
@@ -4633,24 +4418,20 @@
           <a:p>
             <a:pPr algn="ctr">
               <a:lnSpc>
-                <a:spcPts val="5500"/>
+                <a:spcPts val="4800"/>
               </a:lnSpc>
-              <a:defRPr sz="4600">
+              <a:defRPr sz="4000">
                 <a:solidFill>
                   <a:srgbClr val="000000"/>
                 </a:solidFill>
               </a:defRPr>
             </a:pPr>
             <a:r>
-              <a:t>พระองค์ทรง ยุติธรรม ทรงรอบรู้ในทุกอย่าง</a:t>
-            </a:r>
-            <a:br/>
-            <a:r>
-              <a:t>พระปัญญาเหนือความเข้าใจ ฤทธิ์อำนาจของพระองค์</a:t>
-            </a:r>
-            <a:br/>
-            <a:r>
-              <a:t>ครอบครองอยู่เหนือโลกา</a:t>
+              <a:t>สาธุการพระนามแด่พระเจ้า</a:t>
+            </a:r>
+            <a:br/>
+            <a:r>
+              <a:t>ในกาลวันนี้และชั่วนิจนิรันดร์</a:t>
             </a:r>
           </a:p>
         </p:txBody>
@@ -4672,24 +4453,29 @@
           <a:noFill/>
         </p:spPr>
         <p:txBody>
-          <a:bodyPr wrap="square">
+          <a:bodyPr wrap="none">
             <a:spAutoFit/>
           </a:bodyPr>
           <a:lstStyle/>
           <a:p>
             <a:pPr algn="ctr">
               <a:lnSpc>
-                <a:spcPts val="5500"/>
+                <a:spcPts val="4800"/>
               </a:lnSpc>
-              <a:defRPr sz="4400">
+              <a:defRPr sz="3500">
                 <a:solidFill>
                   <a:srgbClr val="3A70BC"/>
                 </a:solidFill>
               </a:defRPr>
             </a:pPr>
             <a:r>
-              <a:t>He is just and upright insightful in all things. His wisdom beyond compare. The power of the Lord is ruling all the earth.</a:t>
-            </a:r>
+              <a:t>Blessed be the name of the Lord</a:t>
+            </a:r>
+            <a:br/>
+            <a:r>
+              <a:t> From this time forth and forever more</a:t>
+            </a:r>
+            <a:br/>
           </a:p>
         </p:txBody>
       </p:sp>
@@ -4713,88 +4499,49 @@
       <p:grpSpPr/>
       <p:sp>
         <p:nvSpPr>
-          <p:cNvPr id="2" name="TextBox 1"/>
-          <p:cNvSpPr txBox="1"/>
-          <p:nvPr/>
-        </p:nvSpPr>
-        <p:spPr>
-          <a:xfrm>
-            <a:off x="685800" y="228600"/>
-            <a:ext cx="7772400" cy="2971800"/>
-          </a:xfrm>
-          <a:prstGeom prst="rect">
-            <a:avLst/>
-          </a:prstGeom>
-          <a:noFill/>
-        </p:spPr>
-        <p:txBody>
-          <a:bodyPr wrap="square">
-            <a:spAutoFit/>
-          </a:bodyPr>
-          <a:lstStyle/>
-          <a:p>
-            <a:pPr algn="ctr">
-              <a:lnSpc>
-                <a:spcPts val="5500"/>
-              </a:lnSpc>
+          <p:cNvPr id="2" name="Title 1"/>
+          <p:cNvSpPr>
+            <a:spLocks noGrp="1"/>
+          </p:cNvSpPr>
+          <p:nvPr>
+            <p:ph type="ctrTitle"/>
+          </p:nvPr>
+        </p:nvSpPr>
+        <p:spPr/>
+        <p:txBody>
+          <a:bodyPr/>
+          <a:lstStyle/>
+          <a:p>
+            <a:r>
+              <a:t>ชั่วนิรันดร์</a:t>
+            </a:r>
+          </a:p>
+        </p:txBody>
+      </p:sp>
+      <p:sp>
+        <p:nvSpPr>
+          <p:cNvPr id="3" name="Subtitle 2"/>
+          <p:cNvSpPr>
+            <a:spLocks noGrp="1"/>
+          </p:cNvSpPr>
+          <p:nvPr>
+            <p:ph type="subTitle" idx="1"/>
+          </p:nvPr>
+        </p:nvSpPr>
+        <p:spPr/>
+        <p:txBody>
+          <a:bodyPr/>
+          <a:lstStyle/>
+          <a:p>
+            <a:pPr>
               <a:defRPr sz="4600">
-                <a:solidFill>
-                  <a:srgbClr val="000000"/>
-                </a:solidFill>
-              </a:defRPr>
-            </a:pPr>
-            <a:r>
-              <a:t>**เรายกย่องพระนามพระองค์ เราสรรเสริญถึงความยิ่งใหญ่ ไม่มีใครสิ่งใดเท่าเทียม พระองค์ ผู้ทรงฤทธิ์เกรียงไกร</a:t>
-            </a:r>
-          </a:p>
-        </p:txBody>
-      </p:sp>
-      <p:sp>
-        <p:nvSpPr>
-          <p:cNvPr id="3" name="TextBox 2"/>
-          <p:cNvSpPr txBox="1"/>
-          <p:nvPr/>
-        </p:nvSpPr>
-        <p:spPr>
-          <a:xfrm>
-            <a:off x="685800" y="3657600"/>
-            <a:ext cx="7772400" cy="2971800"/>
-          </a:xfrm>
-          <a:prstGeom prst="rect">
-            <a:avLst/>
-          </a:prstGeom>
-          <a:noFill/>
-        </p:spPr>
-        <p:txBody>
-          <a:bodyPr wrap="none">
-            <a:spAutoFit/>
-          </a:bodyPr>
-          <a:lstStyle/>
-          <a:p>
-            <a:pPr algn="ctr">
-              <a:lnSpc>
-                <a:spcPts val="5500"/>
-              </a:lnSpc>
-              <a:defRPr sz="4400">
                 <a:solidFill>
                   <a:srgbClr val="3A70BC"/>
                 </a:solidFill>
               </a:defRPr>
             </a:pPr>
             <a:r>
-              <a:t>Lifting up Your precious Name</a:t>
-            </a:r>
-            <a:br/>
-            <a:r>
-              <a:t> We give praise to Your greatness</a:t>
-            </a:r>
-            <a:br/>
-            <a:r>
-              <a:t> There is none can be compared to You</a:t>
-            </a:r>
-            <a:br/>
-            <a:r>
-              <a:t> The almighty God.</a:t>
+              <a:t>Forever</a:t>
             </a:r>
           </a:p>
         </p:txBody>
@@ -4841,25 +4588,22 @@
           <a:p>
             <a:pPr algn="ctr">
               <a:lnSpc>
-                <a:spcPts val="5500"/>
+                <a:spcPts val="4800"/>
               </a:lnSpc>
-              <a:defRPr sz="4600">
+              <a:defRPr sz="4000">
                 <a:solidFill>
                   <a:srgbClr val="000000"/>
                 </a:solidFill>
               </a:defRPr>
             </a:pPr>
             <a:r>
-              <a:t>***พระ สิริของพระองค์</a:t>
-            </a:r>
-            <a:br/>
-            <a:r>
-              <a:t>  ฤทธิ์อำนาจของพระองค์</a:t>
-            </a:r>
-            <a:br/>
-            <a:r>
-              <a:t>  ครอบครองอยู่เหนือโลกา</a:t>
-            </a:r>
+              <a:t>1. พระเจ้าจอมราชา</a:t>
+            </a:r>
+            <a:br/>
+            <a:r>
+              <a:t>เราโมทนา ความรักพระองค์ดำรงนิรันดร์</a:t>
+            </a:r>
+            <a:br/>
           </a:p>
         </p:txBody>
       </p:sp>
@@ -4887,24 +4631,20 @@
           <a:p>
             <a:pPr algn="ctr">
               <a:lnSpc>
-                <a:spcPts val="5500"/>
+                <a:spcPts val="4800"/>
               </a:lnSpc>
-              <a:defRPr sz="4400">
+              <a:defRPr sz="3500">
                 <a:solidFill>
                   <a:srgbClr val="3A70BC"/>
                 </a:solidFill>
               </a:defRPr>
             </a:pPr>
             <a:r>
-              <a:t>The glory of the Lord</a:t>
-            </a:r>
-            <a:br/>
-            <a:r>
-              <a:t> The power of the Lord</a:t>
-            </a:r>
-            <a:br/>
-            <a:r>
-              <a:t> Ruling above the earth</a:t>
+              <a:t>Give thanks to the Lord our God and King</a:t>
+            </a:r>
+            <a:br/>
+            <a:r>
+              <a:t> His love endures forever</a:t>
             </a:r>
             <a:br/>
           </a:p>
@@ -4930,50 +4670,94 @@
       <p:grpSpPr/>
       <p:sp>
         <p:nvSpPr>
-          <p:cNvPr id="2" name="Title 1"/>
-          <p:cNvSpPr>
-            <a:spLocks noGrp="1"/>
-          </p:cNvSpPr>
-          <p:nvPr>
-            <p:ph type="ctrTitle"/>
-          </p:nvPr>
-        </p:nvSpPr>
-        <p:spPr/>
-        <p:txBody>
-          <a:bodyPr/>
-          <a:lstStyle/>
-          <a:p>
-            <a:r>
-              <a:t>โดยอำนาจความรักพระองค์</a:t>
-            </a:r>
-          </a:p>
-        </p:txBody>
-      </p:sp>
-      <p:sp>
-        <p:nvSpPr>
-          <p:cNvPr id="3" name="Subtitle 2"/>
-          <p:cNvSpPr>
-            <a:spLocks noGrp="1"/>
-          </p:cNvSpPr>
-          <p:nvPr>
-            <p:ph type="subTitle" idx="1"/>
-          </p:nvPr>
-        </p:nvSpPr>
-        <p:spPr/>
-        <p:txBody>
-          <a:bodyPr/>
-          <a:lstStyle/>
-          <a:p>
-            <a:pPr>
+          <p:cNvPr id="2" name="TextBox 1"/>
+          <p:cNvSpPr txBox="1"/>
+          <p:nvPr/>
+        </p:nvSpPr>
+        <p:spPr>
+          <a:xfrm>
+            <a:off x="685800" y="228600"/>
+            <a:ext cx="7772400" cy="2971800"/>
+          </a:xfrm>
+          <a:prstGeom prst="rect">
+            <a:avLst/>
+          </a:prstGeom>
+          <a:noFill/>
+        </p:spPr>
+        <p:txBody>
+          <a:bodyPr wrap="none">
+            <a:spAutoFit/>
+          </a:bodyPr>
+          <a:lstStyle/>
+          <a:p>
+            <a:pPr algn="ctr">
+              <a:lnSpc>
+                <a:spcPts val="4800"/>
+              </a:lnSpc>
               <a:defRPr sz="4000">
+                <a:solidFill>
+                  <a:srgbClr val="000000"/>
+                </a:solidFill>
+              </a:defRPr>
+            </a:pPr>
+            <a:r>
+              <a:t>พระองค์ทรงดี และทรงอยู่เหนือทุกสิ่ง</a:t>
+            </a:r>
+            <a:br/>
+            <a:r>
+              <a:t>ความรักพระองค์ดำรงนิรันดร์</a:t>
+            </a:r>
+            <a:br/>
+            <a:r>
+              <a:t>เราร้อง สรรเสริญ</a:t>
+            </a:r>
+          </a:p>
+        </p:txBody>
+      </p:sp>
+      <p:sp>
+        <p:nvSpPr>
+          <p:cNvPr id="3" name="TextBox 2"/>
+          <p:cNvSpPr txBox="1"/>
+          <p:nvPr/>
+        </p:nvSpPr>
+        <p:spPr>
+          <a:xfrm>
+            <a:off x="685800" y="3657600"/>
+            <a:ext cx="7772400" cy="2971800"/>
+          </a:xfrm>
+          <a:prstGeom prst="rect">
+            <a:avLst/>
+          </a:prstGeom>
+          <a:noFill/>
+        </p:spPr>
+        <p:txBody>
+          <a:bodyPr wrap="none">
+            <a:spAutoFit/>
+          </a:bodyPr>
+          <a:lstStyle/>
+          <a:p>
+            <a:pPr algn="ctr">
+              <a:lnSpc>
+                <a:spcPts val="4800"/>
+              </a:lnSpc>
+              <a:defRPr sz="3500">
                 <a:solidFill>
                   <a:srgbClr val="3A70BC"/>
                 </a:solidFill>
               </a:defRPr>
             </a:pPr>
             <a:r>
-              <a:t>Power of Your Love </a:t>
-            </a:r>
+              <a:t>For He is good, He is above all things</a:t>
+            </a:r>
+            <a:br/>
+            <a:r>
+              <a:t> His love endures forever</a:t>
+            </a:r>
+            <a:br/>
+            <a:r>
+              <a:t> Sing praise, sing praise</a:t>
+            </a:r>
+            <a:br/>
           </a:p>
         </p:txBody>
       </p:sp>
@@ -5019,21 +4803,22 @@
           <a:p>
             <a:pPr algn="ctr">
               <a:lnSpc>
-                <a:spcPts val="5500"/>
+                <a:spcPts val="4800"/>
               </a:lnSpc>
-              <a:defRPr sz="4600">
+              <a:defRPr sz="4000">
                 <a:solidFill>
                   <a:srgbClr val="000000"/>
                 </a:solidFill>
               </a:defRPr>
             </a:pPr>
             <a:r>
-              <a:t>พระเจ้าข้า เข้ามา โปรดเปลี่ยนแปลงชีวิตหัวใจ</a:t>
-            </a:r>
-            <a:br/>
-            <a:r>
-              <a:t>โดยพระคุณที่ข้า ได้สัมผัสพระองค์</a:t>
-            </a:r>
+              <a:t>2. ด้วยพระหัตถ์ทรงฤทธิ์</a:t>
+            </a:r>
+            <a:br/>
+            <a:r>
+              <a:t>โอบล้อมชีวี ความรักพระองค์ดำรงนิรันดร์</a:t>
+            </a:r>
+            <a:br/>
           </a:p>
         </p:txBody>
       </p:sp>
@@ -5054,24 +4839,29 @@
           <a:noFill/>
         </p:spPr>
         <p:txBody>
-          <a:bodyPr wrap="square">
+          <a:bodyPr wrap="none">
             <a:spAutoFit/>
           </a:bodyPr>
           <a:lstStyle/>
           <a:p>
             <a:pPr algn="ctr">
               <a:lnSpc>
-                <a:spcPts val="5500"/>
+                <a:spcPts val="4800"/>
               </a:lnSpc>
-              <a:defRPr sz="4400">
+              <a:defRPr sz="3500">
                 <a:solidFill>
                   <a:srgbClr val="3A70BC"/>
                 </a:solidFill>
               </a:defRPr>
             </a:pPr>
             <a:r>
-              <a:t>Lord I come to You. Let my heart be changed, renewed. Flowing from the grace. That I found in You.</a:t>
-            </a:r>
+              <a:t>With a mighty hand and outstretched arm</a:t>
+            </a:r>
+            <a:br/>
+            <a:r>
+              <a:t> His love endures forever</a:t>
+            </a:r>
+            <a:br/>
           </a:p>
         </p:txBody>
       </p:sp>
@@ -5117,20 +4907,24 @@
           <a:p>
             <a:pPr algn="ctr">
               <a:lnSpc>
-                <a:spcPts val="5500"/>
+                <a:spcPts val="4800"/>
               </a:lnSpc>
-              <a:defRPr sz="4600">
+              <a:defRPr sz="4000">
                 <a:solidFill>
                   <a:srgbClr val="000000"/>
                 </a:solidFill>
               </a:defRPr>
             </a:pPr>
             <a:r>
-              <a:t>โอ้พระองค์ข้ารู้ดี จุดอ่อนภายในที่ข้ายังมี</a:t>
-            </a:r>
-            <a:br/>
-            <a:r>
-              <a:t>จะทรงลบล้างออกไป โดยอำนาจความรักพระองค์</a:t>
+              <a:t>ทรงประทาน (และ) ให้ชีวิตใหม่</a:t>
+            </a:r>
+            <a:br/>
+            <a:r>
+              <a:t>ความรักพระองค์ดำรงนิรันดร์</a:t>
+            </a:r>
+            <a:br/>
+            <a:r>
+              <a:t>เราร้อง สรรเสริญ</a:t>
             </a:r>
           </a:p>
         </p:txBody>
@@ -5152,24 +4946,33 @@
           <a:noFill/>
         </p:spPr>
         <p:txBody>
-          <a:bodyPr wrap="square">
+          <a:bodyPr wrap="none">
             <a:spAutoFit/>
           </a:bodyPr>
           <a:lstStyle/>
           <a:p>
             <a:pPr algn="ctr">
               <a:lnSpc>
-                <a:spcPts val="5500"/>
+                <a:spcPts val="4800"/>
               </a:lnSpc>
-              <a:defRPr sz="4400">
+              <a:defRPr sz="3500">
                 <a:solidFill>
                   <a:srgbClr val="3A70BC"/>
                 </a:solidFill>
               </a:defRPr>
             </a:pPr>
             <a:r>
-              <a:t>And Lord I've come to know. The weaknesses I see in me. Will be stripped away. By the power of Your love.</a:t>
-            </a:r>
+              <a:t>For the life that’s been reborn</a:t>
+            </a:r>
+            <a:br/>
+            <a:r>
+              <a:t> His love endures forever</a:t>
+            </a:r>
+            <a:br/>
+            <a:r>
+              <a:t> Sing praise, sing praise</a:t>
+            </a:r>
+            <a:br/>
           </a:p>
         </p:txBody>
       </p:sp>

--- a/finishedppt/WorshipSongs.pptx
+++ b/finishedppt/WorshipSongs.pptx
@@ -5,27 +5,30 @@
     <p:sldMasterId id="2147483648" r:id="rId1"/>
   </p:sldMasterIdLst>
   <p:sldIdLst>
-    <p:sldId id="256" r:id="rId7"/>
-    <p:sldId id="257" r:id="rId8"/>
-    <p:sldId id="258" r:id="rId9"/>
-    <p:sldId id="259" r:id="rId10"/>
-    <p:sldId id="260" r:id="rId11"/>
-    <p:sldId id="261" r:id="rId12"/>
-    <p:sldId id="262" r:id="rId13"/>
-    <p:sldId id="263" r:id="rId14"/>
-    <p:sldId id="264" r:id="rId15"/>
-    <p:sldId id="265" r:id="rId16"/>
-    <p:sldId id="266" r:id="rId17"/>
-    <p:sldId id="267" r:id="rId18"/>
-    <p:sldId id="268" r:id="rId19"/>
-    <p:sldId id="269" r:id="rId20"/>
-    <p:sldId id="270" r:id="rId21"/>
-    <p:sldId id="271" r:id="rId22"/>
-    <p:sldId id="272" r:id="rId23"/>
-    <p:sldId id="273" r:id="rId24"/>
-    <p:sldId id="274" r:id="rId25"/>
-    <p:sldId id="275" r:id="rId26"/>
-    <p:sldId id="276" r:id="rId27"/>
+    <p:sldId r:id="rId7" id="256"/>
+    <p:sldId r:id="rId8" id="257"/>
+    <p:sldId r:id="rId9" id="258"/>
+    <p:sldId r:id="rId10" id="259"/>
+    <p:sldId r:id="rId11" id="260"/>
+    <p:sldId r:id="rId12" id="261"/>
+    <p:sldId r:id="rId13" id="262"/>
+    <p:sldId r:id="rId14" id="263"/>
+    <p:sldId r:id="rId15" id="264"/>
+    <p:sldId r:id="rId16" id="265"/>
+    <p:sldId r:id="rId17" id="266"/>
+    <p:sldId r:id="rId18" id="267"/>
+    <p:sldId r:id="rId19" id="268"/>
+    <p:sldId r:id="rId20" id="269"/>
+    <p:sldId r:id="rId21" id="270"/>
+    <p:sldId r:id="rId22" id="271"/>
+    <p:sldId r:id="rId23" id="272"/>
+    <p:sldId r:id="rId24" id="273"/>
+    <p:sldId r:id="rId25" id="274"/>
+    <p:sldId r:id="rId26" id="275"/>
+    <p:sldId r:id="rId27" id="276"/>
+    <p:sldId r:id="rId28" id="277"/>
+    <p:sldId r:id="rId29" id="278"/>
+    <p:sldId r:id="rId30" id="279"/>
   </p:sldIdLst>
   <p:sldSz cx="9144000" cy="6858000" type="screen4x3"/>
   <p:notesSz cx="6858000" cy="9144000"/>
@@ -3101,6 +3104,20 @@
 <file path=ppt/slides/slide1.xml><?xml version="1.0" encoding="utf-8"?>
 <p:sld xmlns:a="http://schemas.openxmlformats.org/drawingml/2006/main" xmlns:p="http://schemas.openxmlformats.org/presentationml/2006/main" xmlns:r="http://schemas.openxmlformats.org/officeDocument/2006/relationships">
   <p:cSld>
+    <p:bg>
+      <p:bgPr>
+        <a:blipFill dpi="0" rotWithShape="1">
+          <a:blip r:embed="rId2">
+            <a:lum/>
+          </a:blip>
+          <a:srcRect/>
+          <a:stretch>
+            <a:fillRect l="-17000" r="-17000"/>
+          </a:stretch>
+        </a:blipFill>
+        <a:effectLst/>
+      </p:bgPr>
+    </p:bg>
     <p:spTree>
       <p:nvGrpSpPr>
         <p:cNvPr id="1" name=""/>
@@ -3124,7 +3141,7 @@
           <a:lstStyle/>
           <a:p>
             <a:r>
-              <a:t>ตั้งแต่ดวงตะวันเบิกฟ้า</a:t>
+              <a:t>ขอบคุณ ขอบคุณพระเจ้า</a:t>
             </a:r>
           </a:p>
         </p:txBody>
@@ -3152,7 +3169,7 @@
               </a:defRPr>
             </a:pPr>
             <a:r>
-              <a:t>From the Rising of the Sun</a:t>
+              <a:t>Thank you thank you Jesus</a:t>
             </a:r>
           </a:p>
         </p:txBody>
@@ -3168,6 +3185,20 @@
 <file path=ppt/slides/slide10.xml><?xml version="1.0" encoding="utf-8"?>
 <p:sld xmlns:a="http://schemas.openxmlformats.org/drawingml/2006/main" xmlns:p="http://schemas.openxmlformats.org/presentationml/2006/main" xmlns:r="http://schemas.openxmlformats.org/officeDocument/2006/relationships">
   <p:cSld>
+    <p:bg>
+      <p:bgPr>
+        <a:blipFill dpi="0" rotWithShape="1">
+          <a:blip r:embed="rId2">
+            <a:lum/>
+          </a:blip>
+          <a:srcRect/>
+          <a:stretch>
+            <a:fillRect l="-17000" r="-17000"/>
+          </a:stretch>
+        </a:blipFill>
+        <a:effectLst/>
+      </p:bgPr>
+    </p:bg>
     <p:spTree>
       <p:nvGrpSpPr>
         <p:cNvPr id="1" name=""/>
@@ -3208,19 +3239,15 @@
               </a:defRPr>
             </a:pPr>
             <a:r>
-              <a:t>** ชั่วนิรันดร์ พระองค์สัตย์ซื่อ</a:t>
-            </a:r>
-            <a:br/>
-            <a:r>
-              <a:t>ชั่วนิรันดร์ ทรงฤทธา ชั่วนิรันดร์</a:t>
-            </a:r>
-            <a:br/>
-            <a:r>
-              <a:t>ทรงอยู่กับเรา ชั่วนิรันดร์ และนิรันดร์</a:t>
-            </a:r>
-            <a:br/>
-            <a:r>
-              <a:t>นิจนิรันดร์</a:t>
+              <a:t>ตั้งแต่ดวงตะวันเบิกฟ้า</a:t>
+            </a:r>
+            <a:br/>
+            <a:r>
+              <a:t>แสงนภาเลื่อนกลับ อัสดง</a:t>
+            </a:r>
+            <a:br/>
+            <a:r>
+              <a:t>นามพระองค์จะเป็นที่สรรเสริญ</a:t>
             </a:r>
           </a:p>
         </p:txBody>
@@ -3258,20 +3285,17 @@
               </a:defRPr>
             </a:pPr>
             <a:r>
-              <a:t>Forever God is faithful</a:t>
-            </a:r>
-            <a:br/>
-            <a:r>
-              <a:t> Forever God is strong</a:t>
-            </a:r>
-            <a:br/>
-            <a:r>
-              <a:t> Forever God is with us</a:t>
-            </a:r>
-            <a:br/>
-            <a:r>
-              <a:t> Forever</a:t>
-            </a:r>
+              <a:t>From the rising of the sun</a:t>
+            </a:r>
+            <a:br/>
+            <a:r>
+              <a:t> To the going down of the same</a:t>
+            </a:r>
+            <a:br/>
+            <a:r>
+              <a:t> The Lord's name is to be praised</a:t>
+            </a:r>
+            <a:br/>
           </a:p>
         </p:txBody>
       </p:sp>
@@ -3286,6 +3310,20 @@
 <file path=ppt/slides/slide11.xml><?xml version="1.0" encoding="utf-8"?>
 <p:sld xmlns:a="http://schemas.openxmlformats.org/drawingml/2006/main" xmlns:p="http://schemas.openxmlformats.org/presentationml/2006/main" xmlns:r="http://schemas.openxmlformats.org/officeDocument/2006/relationships">
   <p:cSld>
+    <p:bg>
+      <p:bgPr>
+        <a:blipFill dpi="0" rotWithShape="1">
+          <a:blip r:embed="rId2">
+            <a:lum/>
+          </a:blip>
+          <a:srcRect/>
+          <a:stretch>
+            <a:fillRect l="-17000" r="-17000"/>
+          </a:stretch>
+        </a:blipFill>
+        <a:effectLst/>
+      </p:bgPr>
+    </p:bg>
     <p:spTree>
       <p:nvGrpSpPr>
         <p:cNvPr id="1" name=""/>
@@ -3326,15 +3364,11 @@
               </a:defRPr>
             </a:pPr>
             <a:r>
-              <a:t>3. จากดวงตะวัน</a:t>
-            </a:r>
-            <a:br/>
-            <a:r>
-              <a:t>ขึ้นจนลับลาไป</a:t>
-            </a:r>
-            <a:br/>
-            <a:r>
-              <a:t>ความรักพระองค์ดำรงนิรันดร์</a:t>
+              <a:t>สรรเสริญพระนาม เถิดบรรดาผู้รับใช้พระเจ้าเอ๋ย</a:t>
+            </a:r>
+            <a:br/>
+            <a:r>
+              <a:t>จงสรรเสริญนามพระองค์</a:t>
             </a:r>
           </a:p>
         </p:txBody>
@@ -3356,7 +3390,7 @@
           <a:noFill/>
         </p:spPr>
         <p:txBody>
-          <a:bodyPr wrap="none">
+          <a:bodyPr wrap="square">
             <a:spAutoFit/>
           </a:bodyPr>
           <a:lstStyle/>
@@ -3372,13 +3406,8 @@
               </a:defRPr>
             </a:pPr>
             <a:r>
-              <a:t>From the rising to the setting sun</a:t>
-            </a:r>
-            <a:br/>
-            <a:r>
-              <a:t> His love endures forever</a:t>
-            </a:r>
-            <a:br/>
+              <a:t>Praise ye the Lord. Praise Him all ye servants of the Lord. Praise the name of the Lord.</a:t>
+            </a:r>
           </a:p>
         </p:txBody>
       </p:sp>
@@ -3393,6 +3422,20 @@
 <file path=ppt/slides/slide12.xml><?xml version="1.0" encoding="utf-8"?>
 <p:sld xmlns:a="http://schemas.openxmlformats.org/drawingml/2006/main" xmlns:p="http://schemas.openxmlformats.org/presentationml/2006/main" xmlns:r="http://schemas.openxmlformats.org/officeDocument/2006/relationships">
   <p:cSld>
+    <p:bg>
+      <p:bgPr>
+        <a:blipFill dpi="0" rotWithShape="1">
+          <a:blip r:embed="rId2">
+            <a:lum/>
+          </a:blip>
+          <a:srcRect/>
+          <a:stretch>
+            <a:fillRect l="-17000" r="-17000"/>
+          </a:stretch>
+        </a:blipFill>
+        <a:effectLst/>
+      </p:bgPr>
+    </p:bg>
     <p:spTree>
       <p:nvGrpSpPr>
         <p:cNvPr id="1" name=""/>
@@ -3433,15 +3476,11 @@
               </a:defRPr>
             </a:pPr>
             <a:r>
-              <a:t>โดยพระคุณพระองค์ ทรงนำเราก้าวไป</a:t>
-            </a:r>
-            <a:br/>
-            <a:r>
-              <a:t>ความรักพระองค์ดำรงนิรันดร์</a:t>
-            </a:r>
-            <a:br/>
-            <a:r>
-              <a:t>เราร้อง สรรเสริญ</a:t>
+              <a:t>สาธุการพระนามแด่พระเจ้า</a:t>
+            </a:r>
+            <a:br/>
+            <a:r>
+              <a:t>ในกาลวันนี้และชั่วนิจนิรันดร์</a:t>
             </a:r>
           </a:p>
         </p:txBody>
@@ -3479,15 +3518,11 @@
               </a:defRPr>
             </a:pPr>
             <a:r>
-              <a:t>By the grace of God we will carry on</a:t>
-            </a:r>
-            <a:br/>
-            <a:r>
-              <a:t> His love endures forever</a:t>
-            </a:r>
-            <a:br/>
-            <a:r>
-              <a:t> Sing praise, sing praise</a:t>
+              <a:t>Blessed be the name of the Lord</a:t>
+            </a:r>
+            <a:br/>
+            <a:r>
+              <a:t> From this time forth and forever more</a:t>
             </a:r>
             <a:br/>
           </a:p>
@@ -3504,6 +3539,20 @@
 <file path=ppt/slides/slide13.xml><?xml version="1.0" encoding="utf-8"?>
 <p:sld xmlns:a="http://schemas.openxmlformats.org/drawingml/2006/main" xmlns:p="http://schemas.openxmlformats.org/presentationml/2006/main" xmlns:r="http://schemas.openxmlformats.org/officeDocument/2006/relationships">
   <p:cSld>
+    <p:bg>
+      <p:bgPr>
+        <a:blipFill dpi="0" rotWithShape="1">
+          <a:blip r:embed="rId2">
+            <a:lum/>
+          </a:blip>
+          <a:srcRect/>
+          <a:stretch>
+            <a:fillRect l="-17000" r="-17000"/>
+          </a:stretch>
+        </a:blipFill>
+        <a:effectLst/>
+      </p:bgPr>
+    </p:bg>
     <p:spTree>
       <p:nvGrpSpPr>
         <p:cNvPr id="1" name=""/>
@@ -3513,100 +3562,49 @@
       <p:grpSpPr/>
       <p:sp>
         <p:nvSpPr>
-          <p:cNvPr id="2" name="TextBox 1"/>
-          <p:cNvSpPr txBox="1"/>
-          <p:nvPr/>
-        </p:nvSpPr>
-        <p:spPr>
-          <a:xfrm>
-            <a:off x="685800" y="228600"/>
-            <a:ext cx="7772400" cy="2971800"/>
-          </a:xfrm>
-          <a:prstGeom prst="rect">
-            <a:avLst/>
-          </a:prstGeom>
-          <a:noFill/>
-        </p:spPr>
-        <p:txBody>
-          <a:bodyPr wrap="none">
-            <a:spAutoFit/>
-          </a:bodyPr>
-          <a:lstStyle/>
-          <a:p>
-            <a:pPr algn="ctr">
-              <a:lnSpc>
-                <a:spcPts val="4800"/>
-              </a:lnSpc>
-              <a:defRPr sz="4000">
-                <a:solidFill>
-                  <a:srgbClr val="000000"/>
+          <p:cNvPr id="2" name="Title 1"/>
+          <p:cNvSpPr>
+            <a:spLocks noGrp="1"/>
+          </p:cNvSpPr>
+          <p:nvPr>
+            <p:ph type="ctrTitle"/>
+          </p:nvPr>
+        </p:nvSpPr>
+        <p:spPr/>
+        <p:txBody>
+          <a:bodyPr/>
+          <a:lstStyle/>
+          <a:p>
+            <a:r>
+              <a:t>ชั่วนิรันดร์</a:t>
+            </a:r>
+          </a:p>
+        </p:txBody>
+      </p:sp>
+      <p:sp>
+        <p:nvSpPr>
+          <p:cNvPr id="3" name="Subtitle 2"/>
+          <p:cNvSpPr>
+            <a:spLocks noGrp="1"/>
+          </p:cNvSpPr>
+          <p:nvPr>
+            <p:ph type="subTitle" idx="1"/>
+          </p:nvPr>
+        </p:nvSpPr>
+        <p:spPr/>
+        <p:txBody>
+          <a:bodyPr/>
+          <a:lstStyle/>
+          <a:p>
+            <a:pPr>
+              <a:defRPr sz="4600">
+                <a:solidFill>
+                  <a:srgbClr val="3A70BC"/>
                 </a:solidFill>
               </a:defRPr>
             </a:pPr>
             <a:r>
-              <a:t>** ชั่วนิรันดร์ พระองค์สัตย์ซื่อ</a:t>
-            </a:r>
-            <a:br/>
-            <a:r>
-              <a:t>ชั่วนิรันดร์ ทรงฤทธา ชั่วนิรันดร์</a:t>
-            </a:r>
-            <a:br/>
-            <a:r>
-              <a:t>ทรงอยู่กับเรา ชั่วนิรันดร์ และนิรันดร์</a:t>
-            </a:r>
-            <a:br/>
-            <a:r>
-              <a:t>นิจนิรันดร์</a:t>
-            </a:r>
-          </a:p>
-        </p:txBody>
-      </p:sp>
-      <p:sp>
-        <p:nvSpPr>
-          <p:cNvPr id="3" name="TextBox 2"/>
-          <p:cNvSpPr txBox="1"/>
-          <p:nvPr/>
-        </p:nvSpPr>
-        <p:spPr>
-          <a:xfrm>
-            <a:off x="685800" y="3657600"/>
-            <a:ext cx="7772400" cy="2971800"/>
-          </a:xfrm>
-          <a:prstGeom prst="rect">
-            <a:avLst/>
-          </a:prstGeom>
-          <a:noFill/>
-        </p:spPr>
-        <p:txBody>
-          <a:bodyPr wrap="none">
-            <a:spAutoFit/>
-          </a:bodyPr>
-          <a:lstStyle/>
-          <a:p>
-            <a:pPr algn="ctr">
-              <a:lnSpc>
-                <a:spcPts val="4800"/>
-              </a:lnSpc>
-              <a:defRPr sz="3500">
-                <a:solidFill>
-                  <a:srgbClr val="3A70BC"/>
-                </a:solidFill>
-              </a:defRPr>
-            </a:pPr>
-            <a:r>
-              <a:t>Forever God is faithful</a:t>
-            </a:r>
-            <a:br/>
-            <a:r>
-              <a:t> Forever God is strong</a:t>
-            </a:r>
-            <a:br/>
-            <a:r>
-              <a:t> Forever God is with us</a:t>
-            </a:r>
-            <a:br/>
-            <a:r>
-              <a:t> Forever</a:t>
+              <a:t>Forever</a:t>
             </a:r>
           </a:p>
         </p:txBody>
@@ -3622,6 +3620,20 @@
 <file path=ppt/slides/slide14.xml><?xml version="1.0" encoding="utf-8"?>
 <p:sld xmlns:a="http://schemas.openxmlformats.org/drawingml/2006/main" xmlns:p="http://schemas.openxmlformats.org/presentationml/2006/main" xmlns:r="http://schemas.openxmlformats.org/officeDocument/2006/relationships">
   <p:cSld>
+    <p:bg>
+      <p:bgPr>
+        <a:blipFill dpi="0" rotWithShape="1">
+          <a:blip r:embed="rId2">
+            <a:lum/>
+          </a:blip>
+          <a:srcRect/>
+          <a:stretch>
+            <a:fillRect l="-17000" r="-17000"/>
+          </a:stretch>
+        </a:blipFill>
+        <a:effectLst/>
+      </p:bgPr>
+    </p:bg>
     <p:spTree>
       <p:nvGrpSpPr>
         <p:cNvPr id="1" name=""/>
@@ -3631,47 +3643,87 @@
       <p:grpSpPr/>
       <p:sp>
         <p:nvSpPr>
-          <p:cNvPr id="2" name="Title 1"/>
-          <p:cNvSpPr>
-            <a:spLocks noGrp="1"/>
-          </p:cNvSpPr>
-          <p:nvPr>
-            <p:ph type="ctrTitle"/>
-          </p:nvPr>
-        </p:nvSpPr>
-        <p:spPr/>
-        <p:txBody>
-          <a:bodyPr/>
-          <a:lstStyle/>
-          <a:p>
-            <a:r>
-              <a:t>เรานมัสการ (เราพึ่งพาพระองค์)</a:t>
-            </a:r>
-          </a:p>
-        </p:txBody>
-      </p:sp>
-      <p:sp>
-        <p:nvSpPr>
-          <p:cNvPr id="3" name="Subtitle 2"/>
-          <p:cNvSpPr>
-            <a:spLocks noGrp="1"/>
-          </p:cNvSpPr>
-          <p:nvPr>
-            <p:ph type="subTitle" idx="1"/>
-          </p:nvPr>
-        </p:nvSpPr>
-        <p:spPr/>
-        <p:txBody>
-          <a:bodyPr/>
-          <a:lstStyle/>
-          <a:p>
-            <a:pPr>
-              <a:defRPr sz="4600">
+          <p:cNvPr id="2" name="TextBox 1"/>
+          <p:cNvSpPr txBox="1"/>
+          <p:nvPr/>
+        </p:nvSpPr>
+        <p:spPr>
+          <a:xfrm>
+            <a:off x="685800" y="228600"/>
+            <a:ext cx="7772400" cy="2971800"/>
+          </a:xfrm>
+          <a:prstGeom prst="rect">
+            <a:avLst/>
+          </a:prstGeom>
+          <a:noFill/>
+        </p:spPr>
+        <p:txBody>
+          <a:bodyPr wrap="none">
+            <a:spAutoFit/>
+          </a:bodyPr>
+          <a:lstStyle/>
+          <a:p>
+            <a:pPr algn="ctr">
+              <a:lnSpc>
+                <a:spcPts val="4800"/>
+              </a:lnSpc>
+              <a:defRPr sz="4000">
+                <a:solidFill>
+                  <a:srgbClr val="000000"/>
+                </a:solidFill>
+              </a:defRPr>
+            </a:pPr>
+            <a:r>
+              <a:t>1. พระเจ้าจอมราชา</a:t>
+            </a:r>
+            <a:br/>
+            <a:r>
+              <a:t>เราโมทนา ความรักพระองค์ดำรงนิรันดร์</a:t>
+            </a:r>
+            <a:br/>
+          </a:p>
+        </p:txBody>
+      </p:sp>
+      <p:sp>
+        <p:nvSpPr>
+          <p:cNvPr id="3" name="TextBox 2"/>
+          <p:cNvSpPr txBox="1"/>
+          <p:nvPr/>
+        </p:nvSpPr>
+        <p:spPr>
+          <a:xfrm>
+            <a:off x="685800" y="3657600"/>
+            <a:ext cx="7772400" cy="2971800"/>
+          </a:xfrm>
+          <a:prstGeom prst="rect">
+            <a:avLst/>
+          </a:prstGeom>
+          <a:noFill/>
+        </p:spPr>
+        <p:txBody>
+          <a:bodyPr wrap="none">
+            <a:spAutoFit/>
+          </a:bodyPr>
+          <a:lstStyle/>
+          <a:p>
+            <a:pPr algn="ctr">
+              <a:lnSpc>
+                <a:spcPts val="4800"/>
+              </a:lnSpc>
+              <a:defRPr sz="3500">
                 <a:solidFill>
                   <a:srgbClr val="3A70BC"/>
                 </a:solidFill>
               </a:defRPr>
             </a:pPr>
+            <a:r>
+              <a:t>Give thanks to the Lord our God and King</a:t>
+            </a:r>
+            <a:br/>
+            <a:r>
+              <a:t> His love endures forever</a:t>
+            </a:r>
+            <a:br/>
           </a:p>
         </p:txBody>
       </p:sp>
@@ -3686,6 +3738,20 @@
 <file path=ppt/slides/slide15.xml><?xml version="1.0" encoding="utf-8"?>
 <p:sld xmlns:a="http://schemas.openxmlformats.org/drawingml/2006/main" xmlns:p="http://schemas.openxmlformats.org/presentationml/2006/main" xmlns:r="http://schemas.openxmlformats.org/officeDocument/2006/relationships">
   <p:cSld>
+    <p:bg>
+      <p:bgPr>
+        <a:blipFill dpi="0" rotWithShape="1">
+          <a:blip r:embed="rId2">
+            <a:lum/>
+          </a:blip>
+          <a:srcRect/>
+          <a:stretch>
+            <a:fillRect l="-17000" r="-17000"/>
+          </a:stretch>
+        </a:blipFill>
+        <a:effectLst/>
+      </p:bgPr>
+    </p:bg>
     <p:spTree>
       <p:nvGrpSpPr>
         <p:cNvPr id="1" name=""/>
@@ -3701,8 +3767,8 @@
         </p:nvSpPr>
         <p:spPr>
           <a:xfrm>
-            <a:off x="914400" y="457200"/>
-            <a:ext cx="7315200" cy="5486400"/>
+            <a:off x="685800" y="228600"/>
+            <a:ext cx="7772400" cy="2971800"/>
           </a:xfrm>
           <a:prstGeom prst="rect">
             <a:avLst/>
@@ -3717,7 +3783,7 @@
           <a:p>
             <a:pPr algn="ctr">
               <a:lnSpc>
-                <a:spcPts val="7000"/>
+                <a:spcPts val="4800"/>
               </a:lnSpc>
               <a:defRPr sz="4000">
                 <a:solidFill>
@@ -3726,20 +3792,63 @@
               </a:defRPr>
             </a:pPr>
             <a:r>
-              <a:t>เราพึ่งพาพระองค์</a:t>
-            </a:r>
-            <a:br/>
-            <a:r>
-              <a:t>พระองค์ทรงเป็นทุกสิ่งที่ใจเราต้องการ</a:t>
-            </a:r>
-            <a:br/>
-            <a:r>
-              <a:t>เราเชื่อในพระองค์</a:t>
-            </a:r>
-            <a:br/>
-            <a:r>
-              <a:t>พระองค์บรรดาลทุกสิ่งที่เกินความเข้าใจของเรา</a:t>
-            </a:r>
+              <a:t>พระองค์ทรงดี และทรงอยู่เหนือทุกสิ่ง</a:t>
+            </a:r>
+            <a:br/>
+            <a:r>
+              <a:t>ความรักพระองค์ดำรงนิรันดร์</a:t>
+            </a:r>
+            <a:br/>
+            <a:r>
+              <a:t>เราร้อง สรรเสริญ</a:t>
+            </a:r>
+          </a:p>
+        </p:txBody>
+      </p:sp>
+      <p:sp>
+        <p:nvSpPr>
+          <p:cNvPr id="3" name="TextBox 2"/>
+          <p:cNvSpPr txBox="1"/>
+          <p:nvPr/>
+        </p:nvSpPr>
+        <p:spPr>
+          <a:xfrm>
+            <a:off x="685800" y="3657600"/>
+            <a:ext cx="7772400" cy="2971800"/>
+          </a:xfrm>
+          <a:prstGeom prst="rect">
+            <a:avLst/>
+          </a:prstGeom>
+          <a:noFill/>
+        </p:spPr>
+        <p:txBody>
+          <a:bodyPr wrap="none">
+            <a:spAutoFit/>
+          </a:bodyPr>
+          <a:lstStyle/>
+          <a:p>
+            <a:pPr algn="ctr">
+              <a:lnSpc>
+                <a:spcPts val="4800"/>
+              </a:lnSpc>
+              <a:defRPr sz="3500">
+                <a:solidFill>
+                  <a:srgbClr val="3A70BC"/>
+                </a:solidFill>
+              </a:defRPr>
+            </a:pPr>
+            <a:r>
+              <a:t>For He is good, He is above all things</a:t>
+            </a:r>
+            <a:br/>
+            <a:r>
+              <a:t> His love endures forever</a:t>
+            </a:r>
+            <a:br/>
+            <a:r>
+              <a:t> Sing praise, sing praise</a:t>
+            </a:r>
+            <a:br/>
           </a:p>
         </p:txBody>
       </p:sp>
@@ -3754,6 +3863,20 @@
 <file path=ppt/slides/slide16.xml><?xml version="1.0" encoding="utf-8"?>
 <p:sld xmlns:a="http://schemas.openxmlformats.org/drawingml/2006/main" xmlns:p="http://schemas.openxmlformats.org/presentationml/2006/main" xmlns:r="http://schemas.openxmlformats.org/officeDocument/2006/relationships">
   <p:cSld>
+    <p:bg>
+      <p:bgPr>
+        <a:blipFill dpi="0" rotWithShape="1">
+          <a:blip r:embed="rId2">
+            <a:lum/>
+          </a:blip>
+          <a:srcRect/>
+          <a:stretch>
+            <a:fillRect l="-17000" r="-17000"/>
+          </a:stretch>
+        </a:blipFill>
+        <a:effectLst/>
+      </p:bgPr>
+    </p:bg>
     <p:spTree>
       <p:nvGrpSpPr>
         <p:cNvPr id="1" name=""/>
@@ -3769,8 +3892,8 @@
         </p:nvSpPr>
         <p:spPr>
           <a:xfrm>
-            <a:off x="914400" y="457200"/>
-            <a:ext cx="7315200" cy="5486400"/>
+            <a:off x="685800" y="228600"/>
+            <a:ext cx="7772400" cy="2971800"/>
           </a:xfrm>
           <a:prstGeom prst="rect">
             <a:avLst/>
@@ -3785,7 +3908,7 @@
           <a:p>
             <a:pPr algn="ctr">
               <a:lnSpc>
-                <a:spcPts val="7000"/>
+                <a:spcPts val="4800"/>
               </a:lnSpc>
               <a:defRPr sz="4000">
                 <a:solidFill>
@@ -3794,20 +3917,56 @@
               </a:defRPr>
             </a:pPr>
             <a:r>
-              <a:t>เรานมัสการ องค์พระเจ้ายิ่งใหญ่</a:t>
-            </a:r>
-            <a:br/>
-            <a:r>
-              <a:t>ไม่มีอะไรที่อยากเกินกว่าพระองค์จะทำ</a:t>
-            </a:r>
-            <a:br/>
-            <a:r>
-              <a:t>เรานมัสการ องค์พระเจ้ายิ่งใหญ่</a:t>
-            </a:r>
-            <a:br/>
-            <a:r>
-              <a:t>และไม่มีใครเทียบได้กับพระองค์</a:t>
-            </a:r>
+              <a:t>2. ด้วยพระหัตถ์ทรงฤทธิ์</a:t>
+            </a:r>
+            <a:br/>
+            <a:r>
+              <a:t>โอบล้อมชีวี ความรักพระองค์ดำรงนิรันดร์</a:t>
+            </a:r>
+            <a:br/>
+          </a:p>
+        </p:txBody>
+      </p:sp>
+      <p:sp>
+        <p:nvSpPr>
+          <p:cNvPr id="3" name="TextBox 2"/>
+          <p:cNvSpPr txBox="1"/>
+          <p:nvPr/>
+        </p:nvSpPr>
+        <p:spPr>
+          <a:xfrm>
+            <a:off x="685800" y="3657600"/>
+            <a:ext cx="7772400" cy="2971800"/>
+          </a:xfrm>
+          <a:prstGeom prst="rect">
+            <a:avLst/>
+          </a:prstGeom>
+          <a:noFill/>
+        </p:spPr>
+        <p:txBody>
+          <a:bodyPr wrap="none">
+            <a:spAutoFit/>
+          </a:bodyPr>
+          <a:lstStyle/>
+          <a:p>
+            <a:pPr algn="ctr">
+              <a:lnSpc>
+                <a:spcPts val="4800"/>
+              </a:lnSpc>
+              <a:defRPr sz="3500">
+                <a:solidFill>
+                  <a:srgbClr val="3A70BC"/>
+                </a:solidFill>
+              </a:defRPr>
+            </a:pPr>
+            <a:r>
+              <a:t>With a mighty hand and outstretched arm</a:t>
+            </a:r>
+            <a:br/>
+            <a:r>
+              <a:t> His love endures forever</a:t>
+            </a:r>
+            <a:br/>
           </a:p>
         </p:txBody>
       </p:sp>
@@ -3822,6 +3981,20 @@
 <file path=ppt/slides/slide17.xml><?xml version="1.0" encoding="utf-8"?>
 <p:sld xmlns:a="http://schemas.openxmlformats.org/drawingml/2006/main" xmlns:p="http://schemas.openxmlformats.org/presentationml/2006/main" xmlns:r="http://schemas.openxmlformats.org/officeDocument/2006/relationships">
   <p:cSld>
+    <p:bg>
+      <p:bgPr>
+        <a:blipFill dpi="0" rotWithShape="1">
+          <a:blip r:embed="rId2">
+            <a:lum/>
+          </a:blip>
+          <a:srcRect/>
+          <a:stretch>
+            <a:fillRect l="-17000" r="-17000"/>
+          </a:stretch>
+        </a:blipFill>
+        <a:effectLst/>
+      </p:bgPr>
+    </p:bg>
     <p:spTree>
       <p:nvGrpSpPr>
         <p:cNvPr id="1" name=""/>
@@ -3831,47 +4004,94 @@
       <p:grpSpPr/>
       <p:sp>
         <p:nvSpPr>
-          <p:cNvPr id="2" name="Title 1"/>
-          <p:cNvSpPr>
-            <a:spLocks noGrp="1"/>
-          </p:cNvSpPr>
-          <p:nvPr>
-            <p:ph type="ctrTitle"/>
-          </p:nvPr>
-        </p:nvSpPr>
-        <p:spPr/>
-        <p:txBody>
-          <a:bodyPr/>
-          <a:lstStyle/>
-          <a:p>
-            <a:r>
-              <a:t>ไม่ว่าอยู่แห่งหนไหน</a:t>
-            </a:r>
-          </a:p>
-        </p:txBody>
-      </p:sp>
-      <p:sp>
-        <p:nvSpPr>
-          <p:cNvPr id="3" name="Subtitle 2"/>
-          <p:cNvSpPr>
-            <a:spLocks noGrp="1"/>
-          </p:cNvSpPr>
-          <p:nvPr>
-            <p:ph type="subTitle" idx="1"/>
-          </p:nvPr>
-        </p:nvSpPr>
-        <p:spPr/>
-        <p:txBody>
-          <a:bodyPr/>
-          <a:lstStyle/>
-          <a:p>
-            <a:pPr>
-              <a:defRPr sz="4600">
+          <p:cNvPr id="2" name="TextBox 1"/>
+          <p:cNvSpPr txBox="1"/>
+          <p:nvPr/>
+        </p:nvSpPr>
+        <p:spPr>
+          <a:xfrm>
+            <a:off x="685800" y="228600"/>
+            <a:ext cx="7772400" cy="2971800"/>
+          </a:xfrm>
+          <a:prstGeom prst="rect">
+            <a:avLst/>
+          </a:prstGeom>
+          <a:noFill/>
+        </p:spPr>
+        <p:txBody>
+          <a:bodyPr wrap="none">
+            <a:spAutoFit/>
+          </a:bodyPr>
+          <a:lstStyle/>
+          <a:p>
+            <a:pPr algn="ctr">
+              <a:lnSpc>
+                <a:spcPts val="4800"/>
+              </a:lnSpc>
+              <a:defRPr sz="4000">
+                <a:solidFill>
+                  <a:srgbClr val="000000"/>
+                </a:solidFill>
+              </a:defRPr>
+            </a:pPr>
+            <a:r>
+              <a:t>ทรงประทาน (และ) ให้ชีวิตใหม่</a:t>
+            </a:r>
+            <a:br/>
+            <a:r>
+              <a:t>ความรักพระองค์ดำรงนิรันดร์</a:t>
+            </a:r>
+            <a:br/>
+            <a:r>
+              <a:t>เราร้อง สรรเสริญ</a:t>
+            </a:r>
+          </a:p>
+        </p:txBody>
+      </p:sp>
+      <p:sp>
+        <p:nvSpPr>
+          <p:cNvPr id="3" name="TextBox 2"/>
+          <p:cNvSpPr txBox="1"/>
+          <p:nvPr/>
+        </p:nvSpPr>
+        <p:spPr>
+          <a:xfrm>
+            <a:off x="685800" y="3657600"/>
+            <a:ext cx="7772400" cy="2971800"/>
+          </a:xfrm>
+          <a:prstGeom prst="rect">
+            <a:avLst/>
+          </a:prstGeom>
+          <a:noFill/>
+        </p:spPr>
+        <p:txBody>
+          <a:bodyPr wrap="none">
+            <a:spAutoFit/>
+          </a:bodyPr>
+          <a:lstStyle/>
+          <a:p>
+            <a:pPr algn="ctr">
+              <a:lnSpc>
+                <a:spcPts val="4800"/>
+              </a:lnSpc>
+              <a:defRPr sz="3500">
                 <a:solidFill>
                   <a:srgbClr val="3A70BC"/>
                 </a:solidFill>
               </a:defRPr>
             </a:pPr>
+            <a:r>
+              <a:t>For the life that’s been reborn</a:t>
+            </a:r>
+            <a:br/>
+            <a:r>
+              <a:t> His love endures forever</a:t>
+            </a:r>
+            <a:br/>
+            <a:r>
+              <a:t> Sing praise, sing praise</a:t>
+            </a:r>
+            <a:br/>
           </a:p>
         </p:txBody>
       </p:sp>
@@ -3886,6 +4106,20 @@
 <file path=ppt/slides/slide18.xml><?xml version="1.0" encoding="utf-8"?>
 <p:sld xmlns:a="http://schemas.openxmlformats.org/drawingml/2006/main" xmlns:p="http://schemas.openxmlformats.org/presentationml/2006/main" xmlns:r="http://schemas.openxmlformats.org/officeDocument/2006/relationships">
   <p:cSld>
+    <p:bg>
+      <p:bgPr>
+        <a:blipFill dpi="0" rotWithShape="1">
+          <a:blip r:embed="rId2">
+            <a:lum/>
+          </a:blip>
+          <a:srcRect/>
+          <a:stretch>
+            <a:fillRect l="-17000" r="-17000"/>
+          </a:stretch>
+        </a:blipFill>
+        <a:effectLst/>
+      </p:bgPr>
+    </p:bg>
     <p:spTree>
       <p:nvGrpSpPr>
         <p:cNvPr id="1" name=""/>
@@ -3901,8 +4135,8 @@
         </p:nvSpPr>
         <p:spPr>
           <a:xfrm>
-            <a:off x="914400" y="457200"/>
-            <a:ext cx="7315200" cy="5486400"/>
+            <a:off x="685800" y="228600"/>
+            <a:ext cx="7772400" cy="2971800"/>
           </a:xfrm>
           <a:prstGeom prst="rect">
             <a:avLst/>
@@ -3917,7 +4151,7 @@
           <a:p>
             <a:pPr algn="ctr">
               <a:lnSpc>
-                <a:spcPts val="7000"/>
+                <a:spcPts val="4800"/>
               </a:lnSpc>
               <a:defRPr sz="4000">
                 <a:solidFill>
@@ -3926,23 +4160,69 @@
               </a:defRPr>
             </a:pPr>
             <a:r>
-              <a:t>เมื่อตาใจข้าได้เห็น</a:t>
-            </a:r>
-            <a:br/>
-            <a:r>
-              <a:t>พระวิญญาณของพระเจ้า</a:t>
-            </a:r>
-            <a:br/>
-            <a:r>
-              <a:t>ข้าได้พบสันติสุข</a:t>
-            </a:r>
-            <a:br/>
-            <a:r>
-              <a:t>ที่โอบล้อมรอบตัวข้าไว้</a:t>
-            </a:r>
-            <a:br/>
-            <a:r>
-              <a:t>ข้าสุขใจเหลือจะบรรยาย</a:t>
+              <a:t>** ชั่วนิรันดร์ พระองค์สัตย์ซื่อ</a:t>
+            </a:r>
+            <a:br/>
+            <a:r>
+              <a:t>ชั่วนิรันดร์ ทรงฤทธา ชั่วนิรันดร์</a:t>
+            </a:r>
+            <a:br/>
+            <a:r>
+              <a:t>ทรงอยู่กับเรา ชั่วนิรันดร์ และนิรันดร์</a:t>
+            </a:r>
+            <a:br/>
+            <a:r>
+              <a:t>นิจนิรันดร์</a:t>
+            </a:r>
+          </a:p>
+        </p:txBody>
+      </p:sp>
+      <p:sp>
+        <p:nvSpPr>
+          <p:cNvPr id="3" name="TextBox 2"/>
+          <p:cNvSpPr txBox="1"/>
+          <p:nvPr/>
+        </p:nvSpPr>
+        <p:spPr>
+          <a:xfrm>
+            <a:off x="685800" y="3657600"/>
+            <a:ext cx="7772400" cy="2971800"/>
+          </a:xfrm>
+          <a:prstGeom prst="rect">
+            <a:avLst/>
+          </a:prstGeom>
+          <a:noFill/>
+        </p:spPr>
+        <p:txBody>
+          <a:bodyPr wrap="none">
+            <a:spAutoFit/>
+          </a:bodyPr>
+          <a:lstStyle/>
+          <a:p>
+            <a:pPr algn="ctr">
+              <a:lnSpc>
+                <a:spcPts val="4800"/>
+              </a:lnSpc>
+              <a:defRPr sz="3500">
+                <a:solidFill>
+                  <a:srgbClr val="3A70BC"/>
+                </a:solidFill>
+              </a:defRPr>
+            </a:pPr>
+            <a:r>
+              <a:t>Forever God is faithful</a:t>
+            </a:r>
+            <a:br/>
+            <a:r>
+              <a:t> Forever God is strong</a:t>
+            </a:r>
+            <a:br/>
+            <a:r>
+              <a:t> Forever God is with us</a:t>
+            </a:r>
+            <a:br/>
+            <a:r>
+              <a:t> Forever</a:t>
             </a:r>
           </a:p>
         </p:txBody>
@@ -3958,6 +4238,20 @@
 <file path=ppt/slides/slide19.xml><?xml version="1.0" encoding="utf-8"?>
 <p:sld xmlns:a="http://schemas.openxmlformats.org/drawingml/2006/main" xmlns:p="http://schemas.openxmlformats.org/presentationml/2006/main" xmlns:r="http://schemas.openxmlformats.org/officeDocument/2006/relationships">
   <p:cSld>
+    <p:bg>
+      <p:bgPr>
+        <a:blipFill dpi="0" rotWithShape="1">
+          <a:blip r:embed="rId2">
+            <a:lum/>
+          </a:blip>
+          <a:srcRect/>
+          <a:stretch>
+            <a:fillRect l="-17000" r="-17000"/>
+          </a:stretch>
+        </a:blipFill>
+        <a:effectLst/>
+      </p:bgPr>
+    </p:bg>
     <p:spTree>
       <p:nvGrpSpPr>
         <p:cNvPr id="1" name=""/>
@@ -3973,8 +4267,8 @@
         </p:nvSpPr>
         <p:spPr>
           <a:xfrm>
-            <a:off x="914400" y="457200"/>
-            <a:ext cx="7315200" cy="5486400"/>
+            <a:off x="685800" y="228600"/>
+            <a:ext cx="7772400" cy="2971800"/>
           </a:xfrm>
           <a:prstGeom prst="rect">
             <a:avLst/>
@@ -3989,7 +4283,7 @@
           <a:p>
             <a:pPr algn="ctr">
               <a:lnSpc>
-                <a:spcPts val="7000"/>
+                <a:spcPts val="4800"/>
               </a:lnSpc>
               <a:defRPr sz="4000">
                 <a:solidFill>
@@ -3998,24 +4292,59 @@
               </a:defRPr>
             </a:pPr>
             <a:r>
-              <a:t>ไม่ว่าอยู่แห่งหนไหน</a:t>
-            </a:r>
-            <a:br/>
-            <a:r>
-              <a:t>ข้าจะนมัสการ และไม่ว่าเป็นเช่นใด</a:t>
-            </a:r>
-            <a:br/>
-            <a:r>
-              <a:t>ข้าจะนมัสการ ไม่ว่าอยู่แห่งหนไหน</a:t>
-            </a:r>
-            <a:br/>
-            <a:r>
-              <a:t>ข้าจะนมัสการ และไม่ว่าเป็นเช่นใด</a:t>
-            </a:r>
-            <a:br/>
-            <a:r>
-              <a:t>ก็จะนมัสการ</a:t>
-            </a:r>
+              <a:t>3. จากดวงตะวัน</a:t>
+            </a:r>
+            <a:br/>
+            <a:r>
+              <a:t>ขึ้นจนลับลาไป</a:t>
+            </a:r>
+            <a:br/>
+            <a:r>
+              <a:t>ความรักพระองค์ดำรงนิรันดร์</a:t>
+            </a:r>
+          </a:p>
+        </p:txBody>
+      </p:sp>
+      <p:sp>
+        <p:nvSpPr>
+          <p:cNvPr id="3" name="TextBox 2"/>
+          <p:cNvSpPr txBox="1"/>
+          <p:nvPr/>
+        </p:nvSpPr>
+        <p:spPr>
+          <a:xfrm>
+            <a:off x="685800" y="3657600"/>
+            <a:ext cx="7772400" cy="2971800"/>
+          </a:xfrm>
+          <a:prstGeom prst="rect">
+            <a:avLst/>
+          </a:prstGeom>
+          <a:noFill/>
+        </p:spPr>
+        <p:txBody>
+          <a:bodyPr wrap="none">
+            <a:spAutoFit/>
+          </a:bodyPr>
+          <a:lstStyle/>
+          <a:p>
+            <a:pPr algn="ctr">
+              <a:lnSpc>
+                <a:spcPts val="4800"/>
+              </a:lnSpc>
+              <a:defRPr sz="3500">
+                <a:solidFill>
+                  <a:srgbClr val="3A70BC"/>
+                </a:solidFill>
+              </a:defRPr>
+            </a:pPr>
+            <a:r>
+              <a:t>From the rising to the setting sun</a:t>
+            </a:r>
+            <a:br/>
+            <a:r>
+              <a:t> His love endures forever</a:t>
+            </a:r>
+            <a:br/>
           </a:p>
         </p:txBody>
       </p:sp>
@@ -4030,6 +4359,20 @@
 <file path=ppt/slides/slide2.xml><?xml version="1.0" encoding="utf-8"?>
 <p:sld xmlns:a="http://schemas.openxmlformats.org/drawingml/2006/main" xmlns:p="http://schemas.openxmlformats.org/presentationml/2006/main" xmlns:r="http://schemas.openxmlformats.org/officeDocument/2006/relationships">
   <p:cSld>
+    <p:bg>
+      <p:bgPr>
+        <a:blipFill dpi="0" rotWithShape="1">
+          <a:blip r:embed="rId2">
+            <a:lum/>
+          </a:blip>
+          <a:srcRect/>
+          <a:stretch>
+            <a:fillRect l="-17000" r="-17000"/>
+          </a:stretch>
+        </a:blipFill>
+        <a:effectLst/>
+      </p:bgPr>
+    </p:bg>
     <p:spTree>
       <p:nvGrpSpPr>
         <p:cNvPr id="1" name=""/>
@@ -4070,15 +4413,19 @@
               </a:defRPr>
             </a:pPr>
             <a:r>
-              <a:t>ตั้งแต่ดวงตะวันเบิกฟ้า</a:t>
-            </a:r>
-            <a:br/>
-            <a:r>
-              <a:t>แสงนภาเลื่อนกลับ อัสดง</a:t>
-            </a:r>
-            <a:br/>
-            <a:r>
-              <a:t>นามพระองค์จะเป็นที่สรรเสริญ</a:t>
+              <a:t>ขอบคุณ ขอบคุณพระเจ้า</a:t>
+            </a:r>
+            <a:br/>
+            <a:r>
+              <a:t>ขอบคุณ ขอบคุณพระเจ้า</a:t>
+            </a:r>
+            <a:br/>
+            <a:r>
+              <a:t>ขอบคุณ ขอบคุณพระเจ้า</a:t>
+            </a:r>
+            <a:br/>
+            <a:r>
+              <a:t>ในใจฉัน</a:t>
             </a:r>
           </a:p>
         </p:txBody>
@@ -4116,15 +4463,15 @@
               </a:defRPr>
             </a:pPr>
             <a:r>
-              <a:t>From the rising of the sun</a:t>
-            </a:r>
-            <a:br/>
-            <a:r>
-              <a:t> To the going down of the same</a:t>
-            </a:r>
-            <a:br/>
-            <a:r>
-              <a:t> The Lord's name is to be praised</a:t>
+              <a:t>Thank you thank you Jesus</a:t>
+            </a:r>
+            <a:br/>
+            <a:r>
+              <a:t> Thank you thank you Jesus</a:t>
+            </a:r>
+            <a:br/>
+            <a:r>
+              <a:t> Thank you thank you Jesus in my heart</a:t>
             </a:r>
             <a:br/>
           </a:p>
@@ -4141,6 +4488,20 @@
 <file path=ppt/slides/slide20.xml><?xml version="1.0" encoding="utf-8"?>
 <p:sld xmlns:a="http://schemas.openxmlformats.org/drawingml/2006/main" xmlns:p="http://schemas.openxmlformats.org/presentationml/2006/main" xmlns:r="http://schemas.openxmlformats.org/officeDocument/2006/relationships">
   <p:cSld>
+    <p:bg>
+      <p:bgPr>
+        <a:blipFill dpi="0" rotWithShape="1">
+          <a:blip r:embed="rId2">
+            <a:lum/>
+          </a:blip>
+          <a:srcRect/>
+          <a:stretch>
+            <a:fillRect l="-17000" r="-17000"/>
+          </a:stretch>
+        </a:blipFill>
+        <a:effectLst/>
+      </p:bgPr>
+    </p:bg>
     <p:spTree>
       <p:nvGrpSpPr>
         <p:cNvPr id="1" name=""/>
@@ -4156,8 +4517,8 @@
         </p:nvSpPr>
         <p:spPr>
           <a:xfrm>
-            <a:off x="914400" y="457200"/>
-            <a:ext cx="7315200" cy="5486400"/>
+            <a:off x="685800" y="228600"/>
+            <a:ext cx="7772400" cy="2971800"/>
           </a:xfrm>
           <a:prstGeom prst="rect">
             <a:avLst/>
@@ -4172,7 +4533,7 @@
           <a:p>
             <a:pPr algn="ctr">
               <a:lnSpc>
-                <a:spcPts val="7000"/>
+                <a:spcPts val="4800"/>
               </a:lnSpc>
               <a:defRPr sz="4000">
                 <a:solidFill>
@@ -4181,24 +4542,63 @@
               </a:defRPr>
             </a:pPr>
             <a:r>
-              <a:t>ข้าได้เห็นแสงสว่าง</a:t>
-            </a:r>
-            <a:br/>
-            <a:r>
-              <a:t>แห่งความจริงและความรัก</a:t>
-            </a:r>
-            <a:br/>
-            <a:r>
-              <a:t>ข้าได้พบสันติสุข</a:t>
-            </a:r>
-            <a:br/>
-            <a:r>
-              <a:t>ที่โอบล้อมรอบตัวข้าไว้</a:t>
-            </a:r>
-            <a:br/>
-            <a:r>
-              <a:t>อยู่ในความรักของพระองค์</a:t>
-            </a:r>
+              <a:t>โดยพระคุณพระองค์ ทรงนำเราก้าวไป</a:t>
+            </a:r>
+            <a:br/>
+            <a:r>
+              <a:t>ความรักพระองค์ดำรงนิรันดร์</a:t>
+            </a:r>
+            <a:br/>
+            <a:r>
+              <a:t>เราร้อง สรรเสริญ</a:t>
+            </a:r>
+          </a:p>
+        </p:txBody>
+      </p:sp>
+      <p:sp>
+        <p:nvSpPr>
+          <p:cNvPr id="3" name="TextBox 2"/>
+          <p:cNvSpPr txBox="1"/>
+          <p:nvPr/>
+        </p:nvSpPr>
+        <p:spPr>
+          <a:xfrm>
+            <a:off x="685800" y="3657600"/>
+            <a:ext cx="7772400" cy="2971800"/>
+          </a:xfrm>
+          <a:prstGeom prst="rect">
+            <a:avLst/>
+          </a:prstGeom>
+          <a:noFill/>
+        </p:spPr>
+        <p:txBody>
+          <a:bodyPr wrap="none">
+            <a:spAutoFit/>
+          </a:bodyPr>
+          <a:lstStyle/>
+          <a:p>
+            <a:pPr algn="ctr">
+              <a:lnSpc>
+                <a:spcPts val="4800"/>
+              </a:lnSpc>
+              <a:defRPr sz="3500">
+                <a:solidFill>
+                  <a:srgbClr val="3A70BC"/>
+                </a:solidFill>
+              </a:defRPr>
+            </a:pPr>
+            <a:r>
+              <a:t>By the grace of God we will carry on</a:t>
+            </a:r>
+            <a:br/>
+            <a:r>
+              <a:t> His love endures forever</a:t>
+            </a:r>
+            <a:br/>
+            <a:r>
+              <a:t> Sing praise, sing praise</a:t>
+            </a:r>
+            <a:br/>
           </a:p>
         </p:txBody>
       </p:sp>
@@ -4213,6 +4613,230 @@
 <file path=ppt/slides/slide21.xml><?xml version="1.0" encoding="utf-8"?>
 <p:sld xmlns:a="http://schemas.openxmlformats.org/drawingml/2006/main" xmlns:p="http://schemas.openxmlformats.org/presentationml/2006/main" xmlns:r="http://schemas.openxmlformats.org/officeDocument/2006/relationships">
   <p:cSld>
+    <p:bg>
+      <p:bgPr>
+        <a:blipFill dpi="0" rotWithShape="1">
+          <a:blip r:embed="rId2">
+            <a:lum/>
+          </a:blip>
+          <a:srcRect/>
+          <a:stretch>
+            <a:fillRect l="-17000" r="-17000"/>
+          </a:stretch>
+        </a:blipFill>
+        <a:effectLst/>
+      </p:bgPr>
+    </p:bg>
+    <p:spTree>
+      <p:nvGrpSpPr>
+        <p:cNvPr id="1" name=""/>
+        <p:cNvGrpSpPr/>
+        <p:nvPr/>
+      </p:nvGrpSpPr>
+      <p:grpSpPr/>
+      <p:sp>
+        <p:nvSpPr>
+          <p:cNvPr id="2" name="TextBox 1"/>
+          <p:cNvSpPr txBox="1"/>
+          <p:nvPr/>
+        </p:nvSpPr>
+        <p:spPr>
+          <a:xfrm>
+            <a:off x="685800" y="228600"/>
+            <a:ext cx="7772400" cy="2971800"/>
+          </a:xfrm>
+          <a:prstGeom prst="rect">
+            <a:avLst/>
+          </a:prstGeom>
+          <a:noFill/>
+        </p:spPr>
+        <p:txBody>
+          <a:bodyPr wrap="none">
+            <a:spAutoFit/>
+          </a:bodyPr>
+          <a:lstStyle/>
+          <a:p>
+            <a:pPr algn="ctr">
+              <a:lnSpc>
+                <a:spcPts val="4800"/>
+              </a:lnSpc>
+              <a:defRPr sz="4000">
+                <a:solidFill>
+                  <a:srgbClr val="000000"/>
+                </a:solidFill>
+              </a:defRPr>
+            </a:pPr>
+            <a:r>
+              <a:t>** ชั่วนิรันดร์ พระองค์สัตย์ซื่อ</a:t>
+            </a:r>
+            <a:br/>
+            <a:r>
+              <a:t>ชั่วนิรันดร์ ทรงฤทธา ชั่วนิรันดร์</a:t>
+            </a:r>
+            <a:br/>
+            <a:r>
+              <a:t>ทรงอยู่กับเรา ชั่วนิรันดร์ และนิรันดร์</a:t>
+            </a:r>
+            <a:br/>
+            <a:r>
+              <a:t>นิจนิรันดร์</a:t>
+            </a:r>
+          </a:p>
+        </p:txBody>
+      </p:sp>
+      <p:sp>
+        <p:nvSpPr>
+          <p:cNvPr id="3" name="TextBox 2"/>
+          <p:cNvSpPr txBox="1"/>
+          <p:nvPr/>
+        </p:nvSpPr>
+        <p:spPr>
+          <a:xfrm>
+            <a:off x="685800" y="3657600"/>
+            <a:ext cx="7772400" cy="2971800"/>
+          </a:xfrm>
+          <a:prstGeom prst="rect">
+            <a:avLst/>
+          </a:prstGeom>
+          <a:noFill/>
+        </p:spPr>
+        <p:txBody>
+          <a:bodyPr wrap="none">
+            <a:spAutoFit/>
+          </a:bodyPr>
+          <a:lstStyle/>
+          <a:p>
+            <a:pPr algn="ctr">
+              <a:lnSpc>
+                <a:spcPts val="4800"/>
+              </a:lnSpc>
+              <a:defRPr sz="3500">
+                <a:solidFill>
+                  <a:srgbClr val="3A70BC"/>
+                </a:solidFill>
+              </a:defRPr>
+            </a:pPr>
+            <a:r>
+              <a:t>Forever God is faithful</a:t>
+            </a:r>
+            <a:br/>
+            <a:r>
+              <a:t> Forever God is strong</a:t>
+            </a:r>
+            <a:br/>
+            <a:r>
+              <a:t> Forever God is with us</a:t>
+            </a:r>
+            <a:br/>
+            <a:r>
+              <a:t> Forever</a:t>
+            </a:r>
+          </a:p>
+        </p:txBody>
+      </p:sp>
+    </p:spTree>
+  </p:cSld>
+  <p:clrMapOvr>
+    <a:masterClrMapping/>
+  </p:clrMapOvr>
+</p:sld>
+</file>
+
+<file path=ppt/slides/slide22.xml><?xml version="1.0" encoding="utf-8"?>
+<p:sld xmlns:a="http://schemas.openxmlformats.org/drawingml/2006/main" xmlns:p="http://schemas.openxmlformats.org/presentationml/2006/main" xmlns:r="http://schemas.openxmlformats.org/officeDocument/2006/relationships">
+  <p:cSld>
+    <p:bg>
+      <p:bgPr>
+        <a:blipFill dpi="0" rotWithShape="1">
+          <a:blip r:embed="rId2">
+            <a:lum/>
+          </a:blip>
+          <a:srcRect/>
+          <a:stretch>
+            <a:fillRect l="-17000" r="-17000"/>
+          </a:stretch>
+        </a:blipFill>
+        <a:effectLst/>
+      </p:bgPr>
+    </p:bg>
+    <p:spTree>
+      <p:nvGrpSpPr>
+        <p:cNvPr id="1" name=""/>
+        <p:cNvGrpSpPr/>
+        <p:nvPr/>
+      </p:nvGrpSpPr>
+      <p:grpSpPr/>
+      <p:sp>
+        <p:nvSpPr>
+          <p:cNvPr id="2" name="Title 1"/>
+          <p:cNvSpPr>
+            <a:spLocks noGrp="1"/>
+          </p:cNvSpPr>
+          <p:nvPr>
+            <p:ph type="ctrTitle"/>
+          </p:nvPr>
+        </p:nvSpPr>
+        <p:spPr/>
+        <p:txBody>
+          <a:bodyPr/>
+          <a:lstStyle/>
+          <a:p>
+            <a:r>
+              <a:t>เรานมัสการ (เราพึ่งพาพระองค์)</a:t>
+            </a:r>
+          </a:p>
+        </p:txBody>
+      </p:sp>
+      <p:sp>
+        <p:nvSpPr>
+          <p:cNvPr id="3" name="Subtitle 2"/>
+          <p:cNvSpPr>
+            <a:spLocks noGrp="1"/>
+          </p:cNvSpPr>
+          <p:nvPr>
+            <p:ph type="subTitle" idx="1"/>
+          </p:nvPr>
+        </p:nvSpPr>
+        <p:spPr/>
+        <p:txBody>
+          <a:bodyPr/>
+          <a:lstStyle/>
+          <a:p>
+            <a:pPr>
+              <a:defRPr sz="4600">
+                <a:solidFill>
+                  <a:srgbClr val="3A70BC"/>
+                </a:solidFill>
+              </a:defRPr>
+            </a:pPr>
+          </a:p>
+        </p:txBody>
+      </p:sp>
+    </p:spTree>
+  </p:cSld>
+  <p:clrMapOvr>
+    <a:masterClrMapping/>
+  </p:clrMapOvr>
+</p:sld>
+</file>
+
+<file path=ppt/slides/slide23.xml><?xml version="1.0" encoding="utf-8"?>
+<p:sld xmlns:a="http://schemas.openxmlformats.org/drawingml/2006/main" xmlns:p="http://schemas.openxmlformats.org/presentationml/2006/main" xmlns:r="http://schemas.openxmlformats.org/officeDocument/2006/relationships">
+  <p:cSld>
+    <p:bg>
+      <p:bgPr>
+        <a:blipFill dpi="0" rotWithShape="1">
+          <a:blip r:embed="rId2">
+            <a:lum/>
+          </a:blip>
+          <a:srcRect/>
+          <a:stretch>
+            <a:fillRect l="-17000" r="-17000"/>
+          </a:stretch>
+        </a:blipFill>
+        <a:effectLst/>
+      </p:bgPr>
+    </p:bg>
     <p:spTree>
       <p:nvGrpSpPr>
         <p:cNvPr id="1" name=""/>
@@ -4253,27 +4877,101 @@
               </a:defRPr>
             </a:pPr>
             <a:r>
-              <a:t>และในทุกเส้นทาง ที่ก้าวและเดินไป</a:t>
-            </a:r>
-            <a:br/>
-            <a:r>
-              <a:t>ให้ทุกวันเวลาในชีวิต</a:t>
-            </a:r>
-            <a:br/>
-            <a:r>
-              <a:t>นมัสการพระองค์เรื่อยไป</a:t>
-            </a:r>
-            <a:br/>
-            <a:r>
-              <a:t>และในทุกเส้นทาง ที่ก้าวและเดินไป</a:t>
-            </a:r>
-            <a:br/>
-            <a:r>
-              <a:t>ให้ทุกวันเวลาในชีวิต</a:t>
-            </a:r>
-            <a:br/>
-            <a:r>
-              <a:t>นมัสการพระองค์นิรันดร์</a:t>
+              <a:t>เราพึ่งพาพระองค์</a:t>
+            </a:r>
+            <a:br/>
+            <a:r>
+              <a:t>พระองค์ทรงเป็นทุกสิ่งที่ใจเราต้องการ</a:t>
+            </a:r>
+            <a:br/>
+            <a:r>
+              <a:t>เราเชื่อในพระองค์</a:t>
+            </a:r>
+            <a:br/>
+            <a:r>
+              <a:t>พระองค์บรรดาลทุกสิ่งที่เกินความเข้าใจของเรา</a:t>
+            </a:r>
+          </a:p>
+        </p:txBody>
+      </p:sp>
+    </p:spTree>
+  </p:cSld>
+  <p:clrMapOvr>
+    <a:masterClrMapping/>
+  </p:clrMapOvr>
+</p:sld>
+</file>
+
+<file path=ppt/slides/slide24.xml><?xml version="1.0" encoding="utf-8"?>
+<p:sld xmlns:a="http://schemas.openxmlformats.org/drawingml/2006/main" xmlns:p="http://schemas.openxmlformats.org/presentationml/2006/main" xmlns:r="http://schemas.openxmlformats.org/officeDocument/2006/relationships">
+  <p:cSld>
+    <p:bg>
+      <p:bgPr>
+        <a:blipFill dpi="0" rotWithShape="1">
+          <a:blip r:embed="rId2">
+            <a:lum/>
+          </a:blip>
+          <a:srcRect/>
+          <a:stretch>
+            <a:fillRect l="-17000" r="-17000"/>
+          </a:stretch>
+        </a:blipFill>
+        <a:effectLst/>
+      </p:bgPr>
+    </p:bg>
+    <p:spTree>
+      <p:nvGrpSpPr>
+        <p:cNvPr id="1" name=""/>
+        <p:cNvGrpSpPr/>
+        <p:nvPr/>
+      </p:nvGrpSpPr>
+      <p:grpSpPr/>
+      <p:sp>
+        <p:nvSpPr>
+          <p:cNvPr id="2" name="TextBox 1"/>
+          <p:cNvSpPr txBox="1"/>
+          <p:nvPr/>
+        </p:nvSpPr>
+        <p:spPr>
+          <a:xfrm>
+            <a:off x="914400" y="457200"/>
+            <a:ext cx="7315200" cy="5486400"/>
+          </a:xfrm>
+          <a:prstGeom prst="rect">
+            <a:avLst/>
+          </a:prstGeom>
+          <a:noFill/>
+        </p:spPr>
+        <p:txBody>
+          <a:bodyPr wrap="none">
+            <a:spAutoFit/>
+          </a:bodyPr>
+          <a:lstStyle/>
+          <a:p>
+            <a:pPr algn="ctr">
+              <a:lnSpc>
+                <a:spcPts val="7000"/>
+              </a:lnSpc>
+              <a:defRPr sz="4000">
+                <a:solidFill>
+                  <a:srgbClr val="000000"/>
+                </a:solidFill>
+              </a:defRPr>
+            </a:pPr>
+            <a:r>
+              <a:t>เรานมัสการ องค์พระเจ้ายิ่งใหญ่</a:t>
+            </a:r>
+            <a:br/>
+            <a:r>
+              <a:t>ไม่มีอะไรที่อยากเกินกว่าพระองค์จะทำ</a:t>
+            </a:r>
+            <a:br/>
+            <a:r>
+              <a:t>เรานมัสการ องค์พระเจ้ายิ่งใหญ่</a:t>
+            </a:r>
+            <a:br/>
+            <a:r>
+              <a:t>และไม่มีใครเทียบได้กับพระองค์</a:t>
             </a:r>
           </a:p>
         </p:txBody>
@@ -4289,6 +4987,20 @@
 <file path=ppt/slides/slide3.xml><?xml version="1.0" encoding="utf-8"?>
 <p:sld xmlns:a="http://schemas.openxmlformats.org/drawingml/2006/main" xmlns:p="http://schemas.openxmlformats.org/presentationml/2006/main" xmlns:r="http://schemas.openxmlformats.org/officeDocument/2006/relationships">
   <p:cSld>
+    <p:bg>
+      <p:bgPr>
+        <a:blipFill dpi="0" rotWithShape="1">
+          <a:blip r:embed="rId2">
+            <a:lum/>
+          </a:blip>
+          <a:srcRect/>
+          <a:stretch>
+            <a:fillRect l="-17000" r="-17000"/>
+          </a:stretch>
+        </a:blipFill>
+        <a:effectLst/>
+      </p:bgPr>
+    </p:bg>
     <p:spTree>
       <p:nvGrpSpPr>
         <p:cNvPr id="1" name=""/>
@@ -4298,80 +5010,49 @@
       <p:grpSpPr/>
       <p:sp>
         <p:nvSpPr>
-          <p:cNvPr id="2" name="TextBox 1"/>
-          <p:cNvSpPr txBox="1"/>
-          <p:nvPr/>
-        </p:nvSpPr>
-        <p:spPr>
-          <a:xfrm>
-            <a:off x="685800" y="228600"/>
-            <a:ext cx="7772400" cy="2971800"/>
-          </a:xfrm>
-          <a:prstGeom prst="rect">
-            <a:avLst/>
-          </a:prstGeom>
-          <a:noFill/>
-        </p:spPr>
-        <p:txBody>
-          <a:bodyPr wrap="none">
-            <a:spAutoFit/>
-          </a:bodyPr>
-          <a:lstStyle/>
-          <a:p>
-            <a:pPr algn="ctr">
-              <a:lnSpc>
-                <a:spcPts val="4800"/>
-              </a:lnSpc>
-              <a:defRPr sz="4000">
-                <a:solidFill>
-                  <a:srgbClr val="000000"/>
+          <p:cNvPr id="2" name="Title 1"/>
+          <p:cNvSpPr>
+            <a:spLocks noGrp="1"/>
+          </p:cNvSpPr>
+          <p:nvPr>
+            <p:ph type="ctrTitle"/>
+          </p:nvPr>
+        </p:nvSpPr>
+        <p:spPr/>
+        <p:txBody>
+          <a:bodyPr/>
+          <a:lstStyle/>
+          <a:p>
+            <a:r>
+              <a:t>พระเยซูผู้งามเลิศ</a:t>
+            </a:r>
+          </a:p>
+        </p:txBody>
+      </p:sp>
+      <p:sp>
+        <p:nvSpPr>
+          <p:cNvPr id="3" name="Subtitle 2"/>
+          <p:cNvSpPr>
+            <a:spLocks noGrp="1"/>
+          </p:cNvSpPr>
+          <p:nvPr>
+            <p:ph type="subTitle" idx="1"/>
+          </p:nvPr>
+        </p:nvSpPr>
+        <p:spPr/>
+        <p:txBody>
+          <a:bodyPr/>
+          <a:lstStyle/>
+          <a:p>
+            <a:pPr>
+              <a:defRPr sz="4600">
+                <a:solidFill>
+                  <a:srgbClr val="3A70BC"/>
                 </a:solidFill>
               </a:defRPr>
             </a:pPr>
             <a:r>
-              <a:t>สรรเสริญพระนาม เถิดบรรดาผู้รับใช้พระเจ้าเอ๋ย</a:t>
-            </a:r>
-            <a:br/>
-            <a:r>
-              <a:t>จงสรรเสริญนามพระองค์</a:t>
-            </a:r>
-          </a:p>
-        </p:txBody>
-      </p:sp>
-      <p:sp>
-        <p:nvSpPr>
-          <p:cNvPr id="3" name="TextBox 2"/>
-          <p:cNvSpPr txBox="1"/>
-          <p:nvPr/>
-        </p:nvSpPr>
-        <p:spPr>
-          <a:xfrm>
-            <a:off x="685800" y="3657600"/>
-            <a:ext cx="7772400" cy="2971800"/>
-          </a:xfrm>
-          <a:prstGeom prst="rect">
-            <a:avLst/>
-          </a:prstGeom>
-          <a:noFill/>
-        </p:spPr>
-        <p:txBody>
-          <a:bodyPr wrap="square">
-            <a:spAutoFit/>
-          </a:bodyPr>
-          <a:lstStyle/>
-          <a:p>
-            <a:pPr algn="ctr">
-              <a:lnSpc>
-                <a:spcPts val="4800"/>
-              </a:lnSpc>
-              <a:defRPr sz="3500">
-                <a:solidFill>
-                  <a:srgbClr val="3A70BC"/>
-                </a:solidFill>
-              </a:defRPr>
-            </a:pPr>
-            <a:r>
-              <a:t>Praise ye the Lord. Praise Him all ye servants of the Lord. Praise the name of the Lord.</a:t>
+              <a:t>Fairest Lord Jesus</a:t>
             </a:r>
           </a:p>
         </p:txBody>
@@ -4387,6 +5068,20 @@
 <file path=ppt/slides/slide4.xml><?xml version="1.0" encoding="utf-8"?>
 <p:sld xmlns:a="http://schemas.openxmlformats.org/drawingml/2006/main" xmlns:p="http://schemas.openxmlformats.org/presentationml/2006/main" xmlns:r="http://schemas.openxmlformats.org/officeDocument/2006/relationships">
   <p:cSld>
+    <p:bg>
+      <p:bgPr>
+        <a:blipFill dpi="0" rotWithShape="1">
+          <a:blip r:embed="rId2">
+            <a:lum/>
+          </a:blip>
+          <a:srcRect/>
+          <a:stretch>
+            <a:fillRect l="-17000" r="-17000"/>
+          </a:stretch>
+        </a:blipFill>
+        <a:effectLst/>
+      </p:bgPr>
+    </p:bg>
     <p:spTree>
       <p:nvGrpSpPr>
         <p:cNvPr id="1" name=""/>
@@ -4411,7 +5106,7 @@
           <a:noFill/>
         </p:spPr>
         <p:txBody>
-          <a:bodyPr wrap="none">
+          <a:bodyPr wrap="square">
             <a:spAutoFit/>
           </a:bodyPr>
           <a:lstStyle/>
@@ -4427,11 +5122,7 @@
               </a:defRPr>
             </a:pPr>
             <a:r>
-              <a:t>สาธุการพระนามแด่พระเจ้า</a:t>
-            </a:r>
-            <a:br/>
-            <a:r>
-              <a:t>ในกาลวันนี้และชั่วนิจนิรันดร์</a:t>
+              <a:t>พระเยซูผู้งามเลิศผู้ทรงครอบครองทั่วโลกา ทรงเป็นพระเจ้าและทรงเป็นมนุษย์ ตัวข้าจะรักพระองค์ข้าขอเทิดทูนพระองค์ เป็นรัศมีและเป็นมงกุฎ</a:t>
             </a:r>
           </a:p>
         </p:txBody>
@@ -4453,7 +5144,7 @@
           <a:noFill/>
         </p:spPr>
         <p:txBody>
-          <a:bodyPr wrap="none">
+          <a:bodyPr wrap="square">
             <a:spAutoFit/>
           </a:bodyPr>
           <a:lstStyle/>
@@ -4469,13 +5160,8 @@
               </a:defRPr>
             </a:pPr>
             <a:r>
-              <a:t>Blessed be the name of the Lord</a:t>
-            </a:r>
-            <a:br/>
-            <a:r>
-              <a:t> From this time forth and forever more</a:t>
-            </a:r>
-            <a:br/>
+              <a:t>Fairest Lord Jesus! Ruler of all nature! O Thou of God and man the Son! Thee will I cherish, Thee will I honor, Thou, my soul's glory, joy, and crown!</a:t>
+            </a:r>
           </a:p>
         </p:txBody>
       </p:sp>
@@ -4490,6 +5176,20 @@
 <file path=ppt/slides/slide5.xml><?xml version="1.0" encoding="utf-8"?>
 <p:sld xmlns:a="http://schemas.openxmlformats.org/drawingml/2006/main" xmlns:p="http://schemas.openxmlformats.org/presentationml/2006/main" xmlns:r="http://schemas.openxmlformats.org/officeDocument/2006/relationships">
   <p:cSld>
+    <p:bg>
+      <p:bgPr>
+        <a:blipFill dpi="0" rotWithShape="1">
+          <a:blip r:embed="rId2">
+            <a:lum/>
+          </a:blip>
+          <a:srcRect/>
+          <a:stretch>
+            <a:fillRect l="-17000" r="-17000"/>
+          </a:stretch>
+        </a:blipFill>
+        <a:effectLst/>
+      </p:bgPr>
+    </p:bg>
     <p:spTree>
       <p:nvGrpSpPr>
         <p:cNvPr id="1" name=""/>
@@ -4499,50 +5199,90 @@
       <p:grpSpPr/>
       <p:sp>
         <p:nvSpPr>
-          <p:cNvPr id="2" name="Title 1"/>
-          <p:cNvSpPr>
-            <a:spLocks noGrp="1"/>
-          </p:cNvSpPr>
-          <p:nvPr>
-            <p:ph type="ctrTitle"/>
-          </p:nvPr>
-        </p:nvSpPr>
-        <p:spPr/>
-        <p:txBody>
-          <a:bodyPr/>
-          <a:lstStyle/>
-          <a:p>
-            <a:r>
-              <a:t>ชั่วนิรันดร์</a:t>
-            </a:r>
-          </a:p>
-        </p:txBody>
-      </p:sp>
-      <p:sp>
-        <p:nvSpPr>
-          <p:cNvPr id="3" name="Subtitle 2"/>
-          <p:cNvSpPr>
-            <a:spLocks noGrp="1"/>
-          </p:cNvSpPr>
-          <p:nvPr>
-            <p:ph type="subTitle" idx="1"/>
-          </p:nvPr>
-        </p:nvSpPr>
-        <p:spPr/>
-        <p:txBody>
-          <a:bodyPr/>
-          <a:lstStyle/>
-          <a:p>
-            <a:pPr>
-              <a:defRPr sz="4600">
+          <p:cNvPr id="2" name="TextBox 1"/>
+          <p:cNvSpPr txBox="1"/>
+          <p:nvPr/>
+        </p:nvSpPr>
+        <p:spPr>
+          <a:xfrm>
+            <a:off x="685800" y="228600"/>
+            <a:ext cx="7772400" cy="2971800"/>
+          </a:xfrm>
+          <a:prstGeom prst="rect">
+            <a:avLst/>
+          </a:prstGeom>
+          <a:noFill/>
+        </p:spPr>
+        <p:txBody>
+          <a:bodyPr wrap="none">
+            <a:spAutoFit/>
+          </a:bodyPr>
+          <a:lstStyle/>
+          <a:p>
+            <a:pPr algn="ctr">
+              <a:lnSpc>
+                <a:spcPts val="4800"/>
+              </a:lnSpc>
+              <a:defRPr sz="4000">
+                <a:solidFill>
+                  <a:srgbClr val="000000"/>
+                </a:solidFill>
+              </a:defRPr>
+            </a:pPr>
+            <a:r>
+              <a:t>ทุ่งนาใหญ่กว้างงดงามแนวพฤกษ์ไพรก็ยิ่งงามกว่า</a:t>
+            </a:r>
+            <a:br/>
+            <a:r>
+              <a:t>ถึงยามฤดูเมื่อผลิใบดอกบาน</a:t>
+            </a:r>
+          </a:p>
+        </p:txBody>
+      </p:sp>
+      <p:sp>
+        <p:nvSpPr>
+          <p:cNvPr id="3" name="TextBox 2"/>
+          <p:cNvSpPr txBox="1"/>
+          <p:nvPr/>
+        </p:nvSpPr>
+        <p:spPr>
+          <a:xfrm>
+            <a:off x="685800" y="3657600"/>
+            <a:ext cx="7772400" cy="2971800"/>
+          </a:xfrm>
+          <a:prstGeom prst="rect">
+            <a:avLst/>
+          </a:prstGeom>
+          <a:noFill/>
+        </p:spPr>
+        <p:txBody>
+          <a:bodyPr wrap="none">
+            <a:spAutoFit/>
+          </a:bodyPr>
+          <a:lstStyle/>
+          <a:p>
+            <a:pPr algn="ctr">
+              <a:lnSpc>
+                <a:spcPts val="4800"/>
+              </a:lnSpc>
+              <a:defRPr sz="3500">
                 <a:solidFill>
                   <a:srgbClr val="3A70BC"/>
                 </a:solidFill>
               </a:defRPr>
             </a:pPr>
             <a:r>
-              <a:t>Forever</a:t>
-            </a:r>
+              <a:t>Fair are the meadows</a:t>
+            </a:r>
+            <a:br/>
+            <a:r>
+              <a:t> Fairer still the woodlands</a:t>
+            </a:r>
+            <a:br/>
+            <a:r>
+              <a:t> Robed in the blooming garb of spring</a:t>
+            </a:r>
+            <a:br/>
           </a:p>
         </p:txBody>
       </p:sp>
@@ -4557,6 +5297,20 @@
 <file path=ppt/slides/slide6.xml><?xml version="1.0" encoding="utf-8"?>
 <p:sld xmlns:a="http://schemas.openxmlformats.org/drawingml/2006/main" xmlns:p="http://schemas.openxmlformats.org/presentationml/2006/main" xmlns:r="http://schemas.openxmlformats.org/officeDocument/2006/relationships">
   <p:cSld>
+    <p:bg>
+      <p:bgPr>
+        <a:blipFill dpi="0" rotWithShape="1">
+          <a:blip r:embed="rId2">
+            <a:lum/>
+          </a:blip>
+          <a:srcRect/>
+          <a:stretch>
+            <a:fillRect l="-17000" r="-17000"/>
+          </a:stretch>
+        </a:blipFill>
+        <a:effectLst/>
+      </p:bgPr>
+    </p:bg>
     <p:spTree>
       <p:nvGrpSpPr>
         <p:cNvPr id="1" name=""/>
@@ -4597,13 +5351,12 @@
               </a:defRPr>
             </a:pPr>
             <a:r>
-              <a:t>1. พระเจ้าจอมราชา</a:t>
-            </a:r>
-            <a:br/>
-            <a:r>
-              <a:t>เราโมทนา ความรักพระองค์ดำรงนิรันดร์</a:t>
-            </a:r>
-            <a:br/>
+              <a:t>พระเยซูผู้โสภาพระองค์ประเสริฐยิ่งกว่า</a:t>
+            </a:r>
+            <a:br/>
+            <a:r>
+              <a:t>รักษาใจช้ำให้สุขสำราญ</a:t>
+            </a:r>
           </a:p>
         </p:txBody>
       </p:sp>
@@ -4640,11 +5393,11 @@
               </a:defRPr>
             </a:pPr>
             <a:r>
-              <a:t>Give thanks to the Lord our God and King</a:t>
-            </a:r>
-            <a:br/>
-            <a:r>
-              <a:t> His love endures forever</a:t>
+              <a:t>Jesus is fairer, Jesus is purer</a:t>
+            </a:r>
+            <a:br/>
+            <a:r>
+              <a:t> Who makes the woeful heart to sing</a:t>
             </a:r>
             <a:br/>
           </a:p>
@@ -4661,6 +5414,20 @@
 <file path=ppt/slides/slide7.xml><?xml version="1.0" encoding="utf-8"?>
 <p:sld xmlns:a="http://schemas.openxmlformats.org/drawingml/2006/main" xmlns:p="http://schemas.openxmlformats.org/presentationml/2006/main" xmlns:r="http://schemas.openxmlformats.org/officeDocument/2006/relationships">
   <p:cSld>
+    <p:bg>
+      <p:bgPr>
+        <a:blipFill dpi="0" rotWithShape="1">
+          <a:blip r:embed="rId2">
+            <a:lum/>
+          </a:blip>
+          <a:srcRect/>
+          <a:stretch>
+            <a:fillRect l="-17000" r="-17000"/>
+          </a:stretch>
+        </a:blipFill>
+        <a:effectLst/>
+      </p:bgPr>
+    </p:bg>
     <p:spTree>
       <p:nvGrpSpPr>
         <p:cNvPr id="1" name=""/>
@@ -4701,15 +5468,11 @@
               </a:defRPr>
             </a:pPr>
             <a:r>
-              <a:t>พระองค์ทรงดี และทรงอยู่เหนือทุกสิ่ง</a:t>
-            </a:r>
-            <a:br/>
-            <a:r>
-              <a:t>ความรักพระองค์ดำรงนิรันดร์</a:t>
-            </a:r>
-            <a:br/>
-            <a:r>
-              <a:t>เราร้อง สรรเสริญ</a:t>
+              <a:t>แสงแดดส่องงามสดสีแสงดวงจันทร์ยิ่งงามกว่านี้</a:t>
+            </a:r>
+            <a:br/>
+            <a:r>
+              <a:t>ยังแสงดวงดาวซึ่งส่องเป็นประกาย</a:t>
             </a:r>
           </a:p>
         </p:txBody>
@@ -4747,17 +5510,20 @@
               </a:defRPr>
             </a:pPr>
             <a:r>
-              <a:t>For He is good, He is above all things</a:t>
-            </a:r>
-            <a:br/>
-            <a:r>
-              <a:t> His love endures forever</a:t>
-            </a:r>
-            <a:br/>
-            <a:r>
-              <a:t> Sing praise, sing praise</a:t>
-            </a:r>
-            <a:br/>
+              <a:t>Fair is the sunshine</a:t>
+            </a:r>
+            <a:br/>
+            <a:r>
+              <a:t> Fairer still the moonlight</a:t>
+            </a:r>
+            <a:br/>
+            <a:r>
+              <a:t> And all the twinkling</a:t>
+            </a:r>
+            <a:br/>
+            <a:r>
+              <a:t> starry host.</a:t>
+            </a:r>
           </a:p>
         </p:txBody>
       </p:sp>
@@ -4772,6 +5538,20 @@
 <file path=ppt/slides/slide8.xml><?xml version="1.0" encoding="utf-8"?>
 <p:sld xmlns:a="http://schemas.openxmlformats.org/drawingml/2006/main" xmlns:p="http://schemas.openxmlformats.org/presentationml/2006/main" xmlns:r="http://schemas.openxmlformats.org/officeDocument/2006/relationships">
   <p:cSld>
+    <p:bg>
+      <p:bgPr>
+        <a:blipFill dpi="0" rotWithShape="1">
+          <a:blip r:embed="rId2">
+            <a:lum/>
+          </a:blip>
+          <a:srcRect/>
+          <a:stretch>
+            <a:fillRect l="-17000" r="-17000"/>
+          </a:stretch>
+        </a:blipFill>
+        <a:effectLst/>
+      </p:bgPr>
+    </p:bg>
     <p:spTree>
       <p:nvGrpSpPr>
         <p:cNvPr id="1" name=""/>
@@ -4812,13 +5592,12 @@
               </a:defRPr>
             </a:pPr>
             <a:r>
-              <a:t>2. ด้วยพระหัตถ์ทรงฤทธิ์</a:t>
-            </a:r>
-            <a:br/>
-            <a:r>
-              <a:t>โอบล้อมชีวี ความรักพระองค์ดำรงนิรันดร์</a:t>
-            </a:r>
-            <a:br/>
+              <a:t>พระเยซูบริสุทธิ์งามเลิศด้วยรัศมี</a:t>
+            </a:r>
+            <a:br/>
+            <a:r>
+              <a:t>เหล่าฑูตสวรรค์จึงกราบถวาย</a:t>
+            </a:r>
           </a:p>
         </p:txBody>
       </p:sp>
@@ -4855,11 +5634,15 @@
               </a:defRPr>
             </a:pPr>
             <a:r>
-              <a:t>With a mighty hand and outstretched arm</a:t>
-            </a:r>
-            <a:br/>
-            <a:r>
-              <a:t> His love endures forever</a:t>
+              <a:t>Jesus shines brighter</a:t>
+            </a:r>
+            <a:br/>
+            <a:r>
+              <a:t> Jesus shines purer</a:t>
+            </a:r>
+            <a:br/>
+            <a:r>
+              <a:t> Than all the angels Heav'n can boast</a:t>
             </a:r>
             <a:br/>
           </a:p>
@@ -4876,6 +5659,20 @@
 <file path=ppt/slides/slide9.xml><?xml version="1.0" encoding="utf-8"?>
 <p:sld xmlns:a="http://schemas.openxmlformats.org/drawingml/2006/main" xmlns:p="http://schemas.openxmlformats.org/presentationml/2006/main" xmlns:r="http://schemas.openxmlformats.org/officeDocument/2006/relationships">
   <p:cSld>
+    <p:bg>
+      <p:bgPr>
+        <a:blipFill dpi="0" rotWithShape="1">
+          <a:blip r:embed="rId2">
+            <a:lum/>
+          </a:blip>
+          <a:srcRect/>
+          <a:stretch>
+            <a:fillRect l="-17000" r="-17000"/>
+          </a:stretch>
+        </a:blipFill>
+        <a:effectLst/>
+      </p:bgPr>
+    </p:bg>
     <p:spTree>
       <p:nvGrpSpPr>
         <p:cNvPr id="1" name=""/>
@@ -4885,94 +5682,50 @@
       <p:grpSpPr/>
       <p:sp>
         <p:nvSpPr>
-          <p:cNvPr id="2" name="TextBox 1"/>
-          <p:cNvSpPr txBox="1"/>
-          <p:nvPr/>
-        </p:nvSpPr>
-        <p:spPr>
-          <a:xfrm>
-            <a:off x="685800" y="228600"/>
-            <a:ext cx="7772400" cy="2971800"/>
-          </a:xfrm>
-          <a:prstGeom prst="rect">
-            <a:avLst/>
-          </a:prstGeom>
-          <a:noFill/>
-        </p:spPr>
-        <p:txBody>
-          <a:bodyPr wrap="none">
-            <a:spAutoFit/>
-          </a:bodyPr>
-          <a:lstStyle/>
-          <a:p>
-            <a:pPr algn="ctr">
-              <a:lnSpc>
-                <a:spcPts val="4800"/>
-              </a:lnSpc>
-              <a:defRPr sz="4000">
-                <a:solidFill>
-                  <a:srgbClr val="000000"/>
+          <p:cNvPr id="2" name="Title 1"/>
+          <p:cNvSpPr>
+            <a:spLocks noGrp="1"/>
+          </p:cNvSpPr>
+          <p:nvPr>
+            <p:ph type="ctrTitle"/>
+          </p:nvPr>
+        </p:nvSpPr>
+        <p:spPr/>
+        <p:txBody>
+          <a:bodyPr/>
+          <a:lstStyle/>
+          <a:p>
+            <a:r>
+              <a:t>ตั้งแต่ดวงตะวันเบิกฟ้า</a:t>
+            </a:r>
+          </a:p>
+        </p:txBody>
+      </p:sp>
+      <p:sp>
+        <p:nvSpPr>
+          <p:cNvPr id="3" name="Subtitle 2"/>
+          <p:cNvSpPr>
+            <a:spLocks noGrp="1"/>
+          </p:cNvSpPr>
+          <p:nvPr>
+            <p:ph type="subTitle" idx="1"/>
+          </p:nvPr>
+        </p:nvSpPr>
+        <p:spPr/>
+        <p:txBody>
+          <a:bodyPr/>
+          <a:lstStyle/>
+          <a:p>
+            <a:pPr>
+              <a:defRPr sz="4600">
+                <a:solidFill>
+                  <a:srgbClr val="3A70BC"/>
                 </a:solidFill>
               </a:defRPr>
             </a:pPr>
             <a:r>
-              <a:t>ทรงประทาน (และ) ให้ชีวิตใหม่</a:t>
-            </a:r>
-            <a:br/>
-            <a:r>
-              <a:t>ความรักพระองค์ดำรงนิรันดร์</a:t>
-            </a:r>
-            <a:br/>
-            <a:r>
-              <a:t>เราร้อง สรรเสริญ</a:t>
-            </a:r>
-          </a:p>
-        </p:txBody>
-      </p:sp>
-      <p:sp>
-        <p:nvSpPr>
-          <p:cNvPr id="3" name="TextBox 2"/>
-          <p:cNvSpPr txBox="1"/>
-          <p:nvPr/>
-        </p:nvSpPr>
-        <p:spPr>
-          <a:xfrm>
-            <a:off x="685800" y="3657600"/>
-            <a:ext cx="7772400" cy="2971800"/>
-          </a:xfrm>
-          <a:prstGeom prst="rect">
-            <a:avLst/>
-          </a:prstGeom>
-          <a:noFill/>
-        </p:spPr>
-        <p:txBody>
-          <a:bodyPr wrap="none">
-            <a:spAutoFit/>
-          </a:bodyPr>
-          <a:lstStyle/>
-          <a:p>
-            <a:pPr algn="ctr">
-              <a:lnSpc>
-                <a:spcPts val="4800"/>
-              </a:lnSpc>
-              <a:defRPr sz="3500">
-                <a:solidFill>
-                  <a:srgbClr val="3A70BC"/>
-                </a:solidFill>
-              </a:defRPr>
-            </a:pPr>
-            <a:r>
-              <a:t>For the life that’s been reborn</a:t>
-            </a:r>
-            <a:br/>
-            <a:r>
-              <a:t> His love endures forever</a:t>
-            </a:r>
-            <a:br/>
-            <a:r>
-              <a:t> Sing praise, sing praise</a:t>
-            </a:r>
-            <a:br/>
+              <a:t>From the Rising of the Sun</a:t>
+            </a:r>
           </a:p>
         </p:txBody>
       </p:sp>

--- a/finishedppt/WorshipSongs.pptx
+++ b/finishedppt/WorshipSongs.pptx
@@ -12,23 +12,6 @@
     <p:sldId r:id="rId11" id="260"/>
     <p:sldId r:id="rId12" id="261"/>
     <p:sldId r:id="rId13" id="262"/>
-    <p:sldId r:id="rId14" id="263"/>
-    <p:sldId r:id="rId15" id="264"/>
-    <p:sldId r:id="rId16" id="265"/>
-    <p:sldId r:id="rId17" id="266"/>
-    <p:sldId r:id="rId18" id="267"/>
-    <p:sldId r:id="rId19" id="268"/>
-    <p:sldId r:id="rId20" id="269"/>
-    <p:sldId r:id="rId21" id="270"/>
-    <p:sldId r:id="rId22" id="271"/>
-    <p:sldId r:id="rId23" id="272"/>
-    <p:sldId r:id="rId24" id="273"/>
-    <p:sldId r:id="rId25" id="274"/>
-    <p:sldId r:id="rId26" id="275"/>
-    <p:sldId r:id="rId27" id="276"/>
-    <p:sldId r:id="rId28" id="277"/>
-    <p:sldId r:id="rId29" id="278"/>
-    <p:sldId r:id="rId30" id="279"/>
   </p:sldIdLst>
   <p:sldSz cx="9144000" cy="6858000" type="screen4x3"/>
   <p:notesSz cx="6858000" cy="9144000"/>
@@ -3104,20 +3087,6 @@
 <file path=ppt/slides/slide1.xml><?xml version="1.0" encoding="utf-8"?>
 <p:sld xmlns:a="http://schemas.openxmlformats.org/drawingml/2006/main" xmlns:p="http://schemas.openxmlformats.org/presentationml/2006/main" xmlns:r="http://schemas.openxmlformats.org/officeDocument/2006/relationships">
   <p:cSld>
-    <p:bg>
-      <p:bgPr>
-        <a:blipFill dpi="0" rotWithShape="1">
-          <a:blip r:embed="rId2">
-            <a:lum/>
-          </a:blip>
-          <a:srcRect/>
-          <a:stretch>
-            <a:fillRect l="-17000" r="-17000"/>
-          </a:stretch>
-        </a:blipFill>
-        <a:effectLst/>
-      </p:bgPr>
-    </p:bg>
     <p:spTree>
       <p:nvGrpSpPr>
         <p:cNvPr id="1" name=""/>
@@ -3139,11 +3108,7 @@
         <p:txBody>
           <a:bodyPr/>
           <a:lstStyle/>
-          <a:p>
-            <a:r>
-              <a:t>ขอบคุณ ขอบคุณพระเจ้า</a:t>
-            </a:r>
-          </a:p>
+          <a:p/>
         </p:txBody>
       </p:sp>
       <p:sp>
@@ -3169,1182 +3134,8 @@
               </a:defRPr>
             </a:pPr>
             <a:r>
-              <a:t>Thank you thank you Jesus</a:t>
-            </a:r>
-          </a:p>
-        </p:txBody>
-      </p:sp>
-    </p:spTree>
-  </p:cSld>
-  <p:clrMapOvr>
-    <a:masterClrMapping/>
-  </p:clrMapOvr>
-</p:sld>
-</file>
-
-<file path=ppt/slides/slide10.xml><?xml version="1.0" encoding="utf-8"?>
-<p:sld xmlns:a="http://schemas.openxmlformats.org/drawingml/2006/main" xmlns:p="http://schemas.openxmlformats.org/presentationml/2006/main" xmlns:r="http://schemas.openxmlformats.org/officeDocument/2006/relationships">
-  <p:cSld>
-    <p:bg>
-      <p:bgPr>
-        <a:blipFill dpi="0" rotWithShape="1">
-          <a:blip r:embed="rId2">
-            <a:lum/>
-          </a:blip>
-          <a:srcRect/>
-          <a:stretch>
-            <a:fillRect l="-17000" r="-17000"/>
-          </a:stretch>
-        </a:blipFill>
-        <a:effectLst/>
-      </p:bgPr>
-    </p:bg>
-    <p:spTree>
-      <p:nvGrpSpPr>
-        <p:cNvPr id="1" name=""/>
-        <p:cNvGrpSpPr/>
-        <p:nvPr/>
-      </p:nvGrpSpPr>
-      <p:grpSpPr/>
-      <p:sp>
-        <p:nvSpPr>
-          <p:cNvPr id="2" name="TextBox 1"/>
-          <p:cNvSpPr txBox="1"/>
-          <p:nvPr/>
-        </p:nvSpPr>
-        <p:spPr>
-          <a:xfrm>
-            <a:off x="685800" y="228600"/>
-            <a:ext cx="7772400" cy="2971800"/>
-          </a:xfrm>
-          <a:prstGeom prst="rect">
-            <a:avLst/>
-          </a:prstGeom>
-          <a:noFill/>
-        </p:spPr>
-        <p:txBody>
-          <a:bodyPr wrap="none">
-            <a:spAutoFit/>
-          </a:bodyPr>
-          <a:lstStyle/>
-          <a:p>
-            <a:pPr algn="ctr">
-              <a:lnSpc>
-                <a:spcPts val="4800"/>
-              </a:lnSpc>
-              <a:defRPr sz="4000">
-                <a:solidFill>
-                  <a:srgbClr val="000000"/>
-                </a:solidFill>
-              </a:defRPr>
-            </a:pPr>
-            <a:r>
-              <a:t>ตั้งแต่ดวงตะวันเบิกฟ้า</a:t>
-            </a:r>
-            <a:br/>
-            <a:r>
-              <a:t>แสงนภาเลื่อนกลับ อัสดง</a:t>
-            </a:r>
-            <a:br/>
-            <a:r>
-              <a:t>นามพระองค์จะเป็นที่สรรเสริญ</a:t>
-            </a:r>
-          </a:p>
-        </p:txBody>
-      </p:sp>
-      <p:sp>
-        <p:nvSpPr>
-          <p:cNvPr id="3" name="TextBox 2"/>
-          <p:cNvSpPr txBox="1"/>
-          <p:nvPr/>
-        </p:nvSpPr>
-        <p:spPr>
-          <a:xfrm>
-            <a:off x="685800" y="3657600"/>
-            <a:ext cx="7772400" cy="2971800"/>
-          </a:xfrm>
-          <a:prstGeom prst="rect">
-            <a:avLst/>
-          </a:prstGeom>
-          <a:noFill/>
-        </p:spPr>
-        <p:txBody>
-          <a:bodyPr wrap="none">
-            <a:spAutoFit/>
-          </a:bodyPr>
-          <a:lstStyle/>
-          <a:p>
-            <a:pPr algn="ctr">
-              <a:lnSpc>
-                <a:spcPts val="4800"/>
-              </a:lnSpc>
-              <a:defRPr sz="3500">
-                <a:solidFill>
-                  <a:srgbClr val="3A70BC"/>
-                </a:solidFill>
-              </a:defRPr>
-            </a:pPr>
-            <a:r>
-              <a:t>From the rising of the sun</a:t>
-            </a:r>
-            <a:br/>
-            <a:r>
-              <a:t> To the going down of the same</a:t>
-            </a:r>
-            <a:br/>
-            <a:r>
-              <a:t> The Lord's name is to be praised</a:t>
-            </a:r>
-            <a:br/>
-          </a:p>
-        </p:txBody>
-      </p:sp>
-    </p:spTree>
-  </p:cSld>
-  <p:clrMapOvr>
-    <a:masterClrMapping/>
-  </p:clrMapOvr>
-</p:sld>
-</file>
-
-<file path=ppt/slides/slide11.xml><?xml version="1.0" encoding="utf-8"?>
-<p:sld xmlns:a="http://schemas.openxmlformats.org/drawingml/2006/main" xmlns:p="http://schemas.openxmlformats.org/presentationml/2006/main" xmlns:r="http://schemas.openxmlformats.org/officeDocument/2006/relationships">
-  <p:cSld>
-    <p:bg>
-      <p:bgPr>
-        <a:blipFill dpi="0" rotWithShape="1">
-          <a:blip r:embed="rId2">
-            <a:lum/>
-          </a:blip>
-          <a:srcRect/>
-          <a:stretch>
-            <a:fillRect l="-17000" r="-17000"/>
-          </a:stretch>
-        </a:blipFill>
-        <a:effectLst/>
-      </p:bgPr>
-    </p:bg>
-    <p:spTree>
-      <p:nvGrpSpPr>
-        <p:cNvPr id="1" name=""/>
-        <p:cNvGrpSpPr/>
-        <p:nvPr/>
-      </p:nvGrpSpPr>
-      <p:grpSpPr/>
-      <p:sp>
-        <p:nvSpPr>
-          <p:cNvPr id="2" name="TextBox 1"/>
-          <p:cNvSpPr txBox="1"/>
-          <p:nvPr/>
-        </p:nvSpPr>
-        <p:spPr>
-          <a:xfrm>
-            <a:off x="685800" y="228600"/>
-            <a:ext cx="7772400" cy="2971800"/>
-          </a:xfrm>
-          <a:prstGeom prst="rect">
-            <a:avLst/>
-          </a:prstGeom>
-          <a:noFill/>
-        </p:spPr>
-        <p:txBody>
-          <a:bodyPr wrap="none">
-            <a:spAutoFit/>
-          </a:bodyPr>
-          <a:lstStyle/>
-          <a:p>
-            <a:pPr algn="ctr">
-              <a:lnSpc>
-                <a:spcPts val="4800"/>
-              </a:lnSpc>
-              <a:defRPr sz="4000">
-                <a:solidFill>
-                  <a:srgbClr val="000000"/>
-                </a:solidFill>
-              </a:defRPr>
-            </a:pPr>
-            <a:r>
-              <a:t>สรรเสริญพระนาม เถิดบรรดาผู้รับใช้พระเจ้าเอ๋ย</a:t>
-            </a:r>
-            <a:br/>
-            <a:r>
-              <a:t>จงสรรเสริญนามพระองค์</a:t>
-            </a:r>
-          </a:p>
-        </p:txBody>
-      </p:sp>
-      <p:sp>
-        <p:nvSpPr>
-          <p:cNvPr id="3" name="TextBox 2"/>
-          <p:cNvSpPr txBox="1"/>
-          <p:nvPr/>
-        </p:nvSpPr>
-        <p:spPr>
-          <a:xfrm>
-            <a:off x="685800" y="3657600"/>
-            <a:ext cx="7772400" cy="2971800"/>
-          </a:xfrm>
-          <a:prstGeom prst="rect">
-            <a:avLst/>
-          </a:prstGeom>
-          <a:noFill/>
-        </p:spPr>
-        <p:txBody>
-          <a:bodyPr wrap="square">
-            <a:spAutoFit/>
-          </a:bodyPr>
-          <a:lstStyle/>
-          <a:p>
-            <a:pPr algn="ctr">
-              <a:lnSpc>
-                <a:spcPts val="4800"/>
-              </a:lnSpc>
-              <a:defRPr sz="3500">
-                <a:solidFill>
-                  <a:srgbClr val="3A70BC"/>
-                </a:solidFill>
-              </a:defRPr>
-            </a:pPr>
-            <a:r>
-              <a:t>Praise ye the Lord. Praise Him all ye servants of the Lord. Praise the name of the Lord.</a:t>
-            </a:r>
-          </a:p>
-        </p:txBody>
-      </p:sp>
-    </p:spTree>
-  </p:cSld>
-  <p:clrMapOvr>
-    <a:masterClrMapping/>
-  </p:clrMapOvr>
-</p:sld>
-</file>
-
-<file path=ppt/slides/slide12.xml><?xml version="1.0" encoding="utf-8"?>
-<p:sld xmlns:a="http://schemas.openxmlformats.org/drawingml/2006/main" xmlns:p="http://schemas.openxmlformats.org/presentationml/2006/main" xmlns:r="http://schemas.openxmlformats.org/officeDocument/2006/relationships">
-  <p:cSld>
-    <p:bg>
-      <p:bgPr>
-        <a:blipFill dpi="0" rotWithShape="1">
-          <a:blip r:embed="rId2">
-            <a:lum/>
-          </a:blip>
-          <a:srcRect/>
-          <a:stretch>
-            <a:fillRect l="-17000" r="-17000"/>
-          </a:stretch>
-        </a:blipFill>
-        <a:effectLst/>
-      </p:bgPr>
-    </p:bg>
-    <p:spTree>
-      <p:nvGrpSpPr>
-        <p:cNvPr id="1" name=""/>
-        <p:cNvGrpSpPr/>
-        <p:nvPr/>
-      </p:nvGrpSpPr>
-      <p:grpSpPr/>
-      <p:sp>
-        <p:nvSpPr>
-          <p:cNvPr id="2" name="TextBox 1"/>
-          <p:cNvSpPr txBox="1"/>
-          <p:nvPr/>
-        </p:nvSpPr>
-        <p:spPr>
-          <a:xfrm>
-            <a:off x="685800" y="228600"/>
-            <a:ext cx="7772400" cy="2971800"/>
-          </a:xfrm>
-          <a:prstGeom prst="rect">
-            <a:avLst/>
-          </a:prstGeom>
-          <a:noFill/>
-        </p:spPr>
-        <p:txBody>
-          <a:bodyPr wrap="none">
-            <a:spAutoFit/>
-          </a:bodyPr>
-          <a:lstStyle/>
-          <a:p>
-            <a:pPr algn="ctr">
-              <a:lnSpc>
-                <a:spcPts val="4800"/>
-              </a:lnSpc>
-              <a:defRPr sz="4000">
-                <a:solidFill>
-                  <a:srgbClr val="000000"/>
-                </a:solidFill>
-              </a:defRPr>
-            </a:pPr>
-            <a:r>
-              <a:t>สาธุการพระนามแด่พระเจ้า</a:t>
-            </a:r>
-            <a:br/>
-            <a:r>
-              <a:t>ในกาลวันนี้และชั่วนิจนิรันดร์</a:t>
-            </a:r>
-          </a:p>
-        </p:txBody>
-      </p:sp>
-      <p:sp>
-        <p:nvSpPr>
-          <p:cNvPr id="3" name="TextBox 2"/>
-          <p:cNvSpPr txBox="1"/>
-          <p:nvPr/>
-        </p:nvSpPr>
-        <p:spPr>
-          <a:xfrm>
-            <a:off x="685800" y="3657600"/>
-            <a:ext cx="7772400" cy="2971800"/>
-          </a:xfrm>
-          <a:prstGeom prst="rect">
-            <a:avLst/>
-          </a:prstGeom>
-          <a:noFill/>
-        </p:spPr>
-        <p:txBody>
-          <a:bodyPr wrap="none">
-            <a:spAutoFit/>
-          </a:bodyPr>
-          <a:lstStyle/>
-          <a:p>
-            <a:pPr algn="ctr">
-              <a:lnSpc>
-                <a:spcPts val="4800"/>
-              </a:lnSpc>
-              <a:defRPr sz="3500">
-                <a:solidFill>
-                  <a:srgbClr val="3A70BC"/>
-                </a:solidFill>
-              </a:defRPr>
-            </a:pPr>
-            <a:r>
-              <a:t>Blessed be the name of the Lord</a:t>
-            </a:r>
-            <a:br/>
-            <a:r>
-              <a:t> From this time forth and forever more</a:t>
-            </a:r>
-            <a:br/>
-          </a:p>
-        </p:txBody>
-      </p:sp>
-    </p:spTree>
-  </p:cSld>
-  <p:clrMapOvr>
-    <a:masterClrMapping/>
-  </p:clrMapOvr>
-</p:sld>
-</file>
-
-<file path=ppt/slides/slide13.xml><?xml version="1.0" encoding="utf-8"?>
-<p:sld xmlns:a="http://schemas.openxmlformats.org/drawingml/2006/main" xmlns:p="http://schemas.openxmlformats.org/presentationml/2006/main" xmlns:r="http://schemas.openxmlformats.org/officeDocument/2006/relationships">
-  <p:cSld>
-    <p:bg>
-      <p:bgPr>
-        <a:blipFill dpi="0" rotWithShape="1">
-          <a:blip r:embed="rId2">
-            <a:lum/>
-          </a:blip>
-          <a:srcRect/>
-          <a:stretch>
-            <a:fillRect l="-17000" r="-17000"/>
-          </a:stretch>
-        </a:blipFill>
-        <a:effectLst/>
-      </p:bgPr>
-    </p:bg>
-    <p:spTree>
-      <p:nvGrpSpPr>
-        <p:cNvPr id="1" name=""/>
-        <p:cNvGrpSpPr/>
-        <p:nvPr/>
-      </p:nvGrpSpPr>
-      <p:grpSpPr/>
-      <p:sp>
-        <p:nvSpPr>
-          <p:cNvPr id="2" name="Title 1"/>
-          <p:cNvSpPr>
-            <a:spLocks noGrp="1"/>
-          </p:cNvSpPr>
-          <p:nvPr>
-            <p:ph type="ctrTitle"/>
-          </p:nvPr>
-        </p:nvSpPr>
-        <p:spPr/>
-        <p:txBody>
-          <a:bodyPr/>
-          <a:lstStyle/>
-          <a:p>
-            <a:r>
-              <a:t>ชั่วนิรันดร์</a:t>
-            </a:r>
-          </a:p>
-        </p:txBody>
-      </p:sp>
-      <p:sp>
-        <p:nvSpPr>
-          <p:cNvPr id="3" name="Subtitle 2"/>
-          <p:cNvSpPr>
-            <a:spLocks noGrp="1"/>
-          </p:cNvSpPr>
-          <p:nvPr>
-            <p:ph type="subTitle" idx="1"/>
-          </p:nvPr>
-        </p:nvSpPr>
-        <p:spPr/>
-        <p:txBody>
-          <a:bodyPr/>
-          <a:lstStyle/>
-          <a:p>
-            <a:pPr>
-              <a:defRPr sz="4600">
-                <a:solidFill>
-                  <a:srgbClr val="3A70BC"/>
-                </a:solidFill>
-              </a:defRPr>
-            </a:pPr>
-            <a:r>
-              <a:t>Forever</a:t>
-            </a:r>
-          </a:p>
-        </p:txBody>
-      </p:sp>
-    </p:spTree>
-  </p:cSld>
-  <p:clrMapOvr>
-    <a:masterClrMapping/>
-  </p:clrMapOvr>
-</p:sld>
-</file>
-
-<file path=ppt/slides/slide14.xml><?xml version="1.0" encoding="utf-8"?>
-<p:sld xmlns:a="http://schemas.openxmlformats.org/drawingml/2006/main" xmlns:p="http://schemas.openxmlformats.org/presentationml/2006/main" xmlns:r="http://schemas.openxmlformats.org/officeDocument/2006/relationships">
-  <p:cSld>
-    <p:bg>
-      <p:bgPr>
-        <a:blipFill dpi="0" rotWithShape="1">
-          <a:blip r:embed="rId2">
-            <a:lum/>
-          </a:blip>
-          <a:srcRect/>
-          <a:stretch>
-            <a:fillRect l="-17000" r="-17000"/>
-          </a:stretch>
-        </a:blipFill>
-        <a:effectLst/>
-      </p:bgPr>
-    </p:bg>
-    <p:spTree>
-      <p:nvGrpSpPr>
-        <p:cNvPr id="1" name=""/>
-        <p:cNvGrpSpPr/>
-        <p:nvPr/>
-      </p:nvGrpSpPr>
-      <p:grpSpPr/>
-      <p:sp>
-        <p:nvSpPr>
-          <p:cNvPr id="2" name="TextBox 1"/>
-          <p:cNvSpPr txBox="1"/>
-          <p:nvPr/>
-        </p:nvSpPr>
-        <p:spPr>
-          <a:xfrm>
-            <a:off x="685800" y="228600"/>
-            <a:ext cx="7772400" cy="2971800"/>
-          </a:xfrm>
-          <a:prstGeom prst="rect">
-            <a:avLst/>
-          </a:prstGeom>
-          <a:noFill/>
-        </p:spPr>
-        <p:txBody>
-          <a:bodyPr wrap="none">
-            <a:spAutoFit/>
-          </a:bodyPr>
-          <a:lstStyle/>
-          <a:p>
-            <a:pPr algn="ctr">
-              <a:lnSpc>
-                <a:spcPts val="4800"/>
-              </a:lnSpc>
-              <a:defRPr sz="4000">
-                <a:solidFill>
-                  <a:srgbClr val="000000"/>
-                </a:solidFill>
-              </a:defRPr>
-            </a:pPr>
-            <a:r>
-              <a:t>1. พระเจ้าจอมราชา</a:t>
-            </a:r>
-            <a:br/>
-            <a:r>
-              <a:t>เราโมทนา ความรักพระองค์ดำรงนิรันดร์</a:t>
-            </a:r>
-            <a:br/>
-          </a:p>
-        </p:txBody>
-      </p:sp>
-      <p:sp>
-        <p:nvSpPr>
-          <p:cNvPr id="3" name="TextBox 2"/>
-          <p:cNvSpPr txBox="1"/>
-          <p:nvPr/>
-        </p:nvSpPr>
-        <p:spPr>
-          <a:xfrm>
-            <a:off x="685800" y="3657600"/>
-            <a:ext cx="7772400" cy="2971800"/>
-          </a:xfrm>
-          <a:prstGeom prst="rect">
-            <a:avLst/>
-          </a:prstGeom>
-          <a:noFill/>
-        </p:spPr>
-        <p:txBody>
-          <a:bodyPr wrap="none">
-            <a:spAutoFit/>
-          </a:bodyPr>
-          <a:lstStyle/>
-          <a:p>
-            <a:pPr algn="ctr">
-              <a:lnSpc>
-                <a:spcPts val="4800"/>
-              </a:lnSpc>
-              <a:defRPr sz="3500">
-                <a:solidFill>
-                  <a:srgbClr val="3A70BC"/>
-                </a:solidFill>
-              </a:defRPr>
-            </a:pPr>
-            <a:r>
-              <a:t>Give thanks to the Lord our God and King</a:t>
-            </a:r>
-            <a:br/>
-            <a:r>
-              <a:t> His love endures forever</a:t>
-            </a:r>
-            <a:br/>
-          </a:p>
-        </p:txBody>
-      </p:sp>
-    </p:spTree>
-  </p:cSld>
-  <p:clrMapOvr>
-    <a:masterClrMapping/>
-  </p:clrMapOvr>
-</p:sld>
-</file>
-
-<file path=ppt/slides/slide15.xml><?xml version="1.0" encoding="utf-8"?>
-<p:sld xmlns:a="http://schemas.openxmlformats.org/drawingml/2006/main" xmlns:p="http://schemas.openxmlformats.org/presentationml/2006/main" xmlns:r="http://schemas.openxmlformats.org/officeDocument/2006/relationships">
-  <p:cSld>
-    <p:bg>
-      <p:bgPr>
-        <a:blipFill dpi="0" rotWithShape="1">
-          <a:blip r:embed="rId2">
-            <a:lum/>
-          </a:blip>
-          <a:srcRect/>
-          <a:stretch>
-            <a:fillRect l="-17000" r="-17000"/>
-          </a:stretch>
-        </a:blipFill>
-        <a:effectLst/>
-      </p:bgPr>
-    </p:bg>
-    <p:spTree>
-      <p:nvGrpSpPr>
-        <p:cNvPr id="1" name=""/>
-        <p:cNvGrpSpPr/>
-        <p:nvPr/>
-      </p:nvGrpSpPr>
-      <p:grpSpPr/>
-      <p:sp>
-        <p:nvSpPr>
-          <p:cNvPr id="2" name="TextBox 1"/>
-          <p:cNvSpPr txBox="1"/>
-          <p:nvPr/>
-        </p:nvSpPr>
-        <p:spPr>
-          <a:xfrm>
-            <a:off x="685800" y="228600"/>
-            <a:ext cx="7772400" cy="2971800"/>
-          </a:xfrm>
-          <a:prstGeom prst="rect">
-            <a:avLst/>
-          </a:prstGeom>
-          <a:noFill/>
-        </p:spPr>
-        <p:txBody>
-          <a:bodyPr wrap="none">
-            <a:spAutoFit/>
-          </a:bodyPr>
-          <a:lstStyle/>
-          <a:p>
-            <a:pPr algn="ctr">
-              <a:lnSpc>
-                <a:spcPts val="4800"/>
-              </a:lnSpc>
-              <a:defRPr sz="4000">
-                <a:solidFill>
-                  <a:srgbClr val="000000"/>
-                </a:solidFill>
-              </a:defRPr>
-            </a:pPr>
-            <a:r>
-              <a:t>พระองค์ทรงดี และทรงอยู่เหนือทุกสิ่ง</a:t>
-            </a:r>
-            <a:br/>
-            <a:r>
-              <a:t>ความรักพระองค์ดำรงนิรันดร์</a:t>
-            </a:r>
-            <a:br/>
-            <a:r>
-              <a:t>เราร้อง สรรเสริญ</a:t>
-            </a:r>
-          </a:p>
-        </p:txBody>
-      </p:sp>
-      <p:sp>
-        <p:nvSpPr>
-          <p:cNvPr id="3" name="TextBox 2"/>
-          <p:cNvSpPr txBox="1"/>
-          <p:nvPr/>
-        </p:nvSpPr>
-        <p:spPr>
-          <a:xfrm>
-            <a:off x="685800" y="3657600"/>
-            <a:ext cx="7772400" cy="2971800"/>
-          </a:xfrm>
-          <a:prstGeom prst="rect">
-            <a:avLst/>
-          </a:prstGeom>
-          <a:noFill/>
-        </p:spPr>
-        <p:txBody>
-          <a:bodyPr wrap="none">
-            <a:spAutoFit/>
-          </a:bodyPr>
-          <a:lstStyle/>
-          <a:p>
-            <a:pPr algn="ctr">
-              <a:lnSpc>
-                <a:spcPts val="4800"/>
-              </a:lnSpc>
-              <a:defRPr sz="3500">
-                <a:solidFill>
-                  <a:srgbClr val="3A70BC"/>
-                </a:solidFill>
-              </a:defRPr>
-            </a:pPr>
-            <a:r>
-              <a:t>For He is good, He is above all things</a:t>
-            </a:r>
-            <a:br/>
-            <a:r>
-              <a:t> His love endures forever</a:t>
-            </a:r>
-            <a:br/>
-            <a:r>
-              <a:t> Sing praise, sing praise</a:t>
-            </a:r>
-            <a:br/>
-          </a:p>
-        </p:txBody>
-      </p:sp>
-    </p:spTree>
-  </p:cSld>
-  <p:clrMapOvr>
-    <a:masterClrMapping/>
-  </p:clrMapOvr>
-</p:sld>
-</file>
-
-<file path=ppt/slides/slide16.xml><?xml version="1.0" encoding="utf-8"?>
-<p:sld xmlns:a="http://schemas.openxmlformats.org/drawingml/2006/main" xmlns:p="http://schemas.openxmlformats.org/presentationml/2006/main" xmlns:r="http://schemas.openxmlformats.org/officeDocument/2006/relationships">
-  <p:cSld>
-    <p:bg>
-      <p:bgPr>
-        <a:blipFill dpi="0" rotWithShape="1">
-          <a:blip r:embed="rId2">
-            <a:lum/>
-          </a:blip>
-          <a:srcRect/>
-          <a:stretch>
-            <a:fillRect l="-17000" r="-17000"/>
-          </a:stretch>
-        </a:blipFill>
-        <a:effectLst/>
-      </p:bgPr>
-    </p:bg>
-    <p:spTree>
-      <p:nvGrpSpPr>
-        <p:cNvPr id="1" name=""/>
-        <p:cNvGrpSpPr/>
-        <p:nvPr/>
-      </p:nvGrpSpPr>
-      <p:grpSpPr/>
-      <p:sp>
-        <p:nvSpPr>
-          <p:cNvPr id="2" name="TextBox 1"/>
-          <p:cNvSpPr txBox="1"/>
-          <p:nvPr/>
-        </p:nvSpPr>
-        <p:spPr>
-          <a:xfrm>
-            <a:off x="685800" y="228600"/>
-            <a:ext cx="7772400" cy="2971800"/>
-          </a:xfrm>
-          <a:prstGeom prst="rect">
-            <a:avLst/>
-          </a:prstGeom>
-          <a:noFill/>
-        </p:spPr>
-        <p:txBody>
-          <a:bodyPr wrap="none">
-            <a:spAutoFit/>
-          </a:bodyPr>
-          <a:lstStyle/>
-          <a:p>
-            <a:pPr algn="ctr">
-              <a:lnSpc>
-                <a:spcPts val="4800"/>
-              </a:lnSpc>
-              <a:defRPr sz="4000">
-                <a:solidFill>
-                  <a:srgbClr val="000000"/>
-                </a:solidFill>
-              </a:defRPr>
-            </a:pPr>
-            <a:r>
-              <a:t>2. ด้วยพระหัตถ์ทรงฤทธิ์</a:t>
-            </a:r>
-            <a:br/>
-            <a:r>
-              <a:t>โอบล้อมชีวี ความรักพระองค์ดำรงนิรันดร์</a:t>
-            </a:r>
-            <a:br/>
-          </a:p>
-        </p:txBody>
-      </p:sp>
-      <p:sp>
-        <p:nvSpPr>
-          <p:cNvPr id="3" name="TextBox 2"/>
-          <p:cNvSpPr txBox="1"/>
-          <p:nvPr/>
-        </p:nvSpPr>
-        <p:spPr>
-          <a:xfrm>
-            <a:off x="685800" y="3657600"/>
-            <a:ext cx="7772400" cy="2971800"/>
-          </a:xfrm>
-          <a:prstGeom prst="rect">
-            <a:avLst/>
-          </a:prstGeom>
-          <a:noFill/>
-        </p:spPr>
-        <p:txBody>
-          <a:bodyPr wrap="none">
-            <a:spAutoFit/>
-          </a:bodyPr>
-          <a:lstStyle/>
-          <a:p>
-            <a:pPr algn="ctr">
-              <a:lnSpc>
-                <a:spcPts val="4800"/>
-              </a:lnSpc>
-              <a:defRPr sz="3500">
-                <a:solidFill>
-                  <a:srgbClr val="3A70BC"/>
-                </a:solidFill>
-              </a:defRPr>
-            </a:pPr>
-            <a:r>
-              <a:t>With a mighty hand and outstretched arm</a:t>
-            </a:r>
-            <a:br/>
-            <a:r>
-              <a:t> His love endures forever</a:t>
-            </a:r>
-            <a:br/>
-          </a:p>
-        </p:txBody>
-      </p:sp>
-    </p:spTree>
-  </p:cSld>
-  <p:clrMapOvr>
-    <a:masterClrMapping/>
-  </p:clrMapOvr>
-</p:sld>
-</file>
-
-<file path=ppt/slides/slide17.xml><?xml version="1.0" encoding="utf-8"?>
-<p:sld xmlns:a="http://schemas.openxmlformats.org/drawingml/2006/main" xmlns:p="http://schemas.openxmlformats.org/presentationml/2006/main" xmlns:r="http://schemas.openxmlformats.org/officeDocument/2006/relationships">
-  <p:cSld>
-    <p:bg>
-      <p:bgPr>
-        <a:blipFill dpi="0" rotWithShape="1">
-          <a:blip r:embed="rId2">
-            <a:lum/>
-          </a:blip>
-          <a:srcRect/>
-          <a:stretch>
-            <a:fillRect l="-17000" r="-17000"/>
-          </a:stretch>
-        </a:blipFill>
-        <a:effectLst/>
-      </p:bgPr>
-    </p:bg>
-    <p:spTree>
-      <p:nvGrpSpPr>
-        <p:cNvPr id="1" name=""/>
-        <p:cNvGrpSpPr/>
-        <p:nvPr/>
-      </p:nvGrpSpPr>
-      <p:grpSpPr/>
-      <p:sp>
-        <p:nvSpPr>
-          <p:cNvPr id="2" name="TextBox 1"/>
-          <p:cNvSpPr txBox="1"/>
-          <p:nvPr/>
-        </p:nvSpPr>
-        <p:spPr>
-          <a:xfrm>
-            <a:off x="685800" y="228600"/>
-            <a:ext cx="7772400" cy="2971800"/>
-          </a:xfrm>
-          <a:prstGeom prst="rect">
-            <a:avLst/>
-          </a:prstGeom>
-          <a:noFill/>
-        </p:spPr>
-        <p:txBody>
-          <a:bodyPr wrap="none">
-            <a:spAutoFit/>
-          </a:bodyPr>
-          <a:lstStyle/>
-          <a:p>
-            <a:pPr algn="ctr">
-              <a:lnSpc>
-                <a:spcPts val="4800"/>
-              </a:lnSpc>
-              <a:defRPr sz="4000">
-                <a:solidFill>
-                  <a:srgbClr val="000000"/>
-                </a:solidFill>
-              </a:defRPr>
-            </a:pPr>
-            <a:r>
-              <a:t>ทรงประทาน (และ) ให้ชีวิตใหม่</a:t>
-            </a:r>
-            <a:br/>
-            <a:r>
-              <a:t>ความรักพระองค์ดำรงนิรันดร์</a:t>
-            </a:r>
-            <a:br/>
-            <a:r>
-              <a:t>เราร้อง สรรเสริญ</a:t>
-            </a:r>
-          </a:p>
-        </p:txBody>
-      </p:sp>
-      <p:sp>
-        <p:nvSpPr>
-          <p:cNvPr id="3" name="TextBox 2"/>
-          <p:cNvSpPr txBox="1"/>
-          <p:nvPr/>
-        </p:nvSpPr>
-        <p:spPr>
-          <a:xfrm>
-            <a:off x="685800" y="3657600"/>
-            <a:ext cx="7772400" cy="2971800"/>
-          </a:xfrm>
-          <a:prstGeom prst="rect">
-            <a:avLst/>
-          </a:prstGeom>
-          <a:noFill/>
-        </p:spPr>
-        <p:txBody>
-          <a:bodyPr wrap="none">
-            <a:spAutoFit/>
-          </a:bodyPr>
-          <a:lstStyle/>
-          <a:p>
-            <a:pPr algn="ctr">
-              <a:lnSpc>
-                <a:spcPts val="4800"/>
-              </a:lnSpc>
-              <a:defRPr sz="3500">
-                <a:solidFill>
-                  <a:srgbClr val="3A70BC"/>
-                </a:solidFill>
-              </a:defRPr>
-            </a:pPr>
-            <a:r>
-              <a:t>For the life that’s been reborn</a:t>
-            </a:r>
-            <a:br/>
-            <a:r>
-              <a:t> His love endures forever</a:t>
-            </a:r>
-            <a:br/>
-            <a:r>
-              <a:t> Sing praise, sing praise</a:t>
-            </a:r>
-            <a:br/>
-          </a:p>
-        </p:txBody>
-      </p:sp>
-    </p:spTree>
-  </p:cSld>
-  <p:clrMapOvr>
-    <a:masterClrMapping/>
-  </p:clrMapOvr>
-</p:sld>
-</file>
-
-<file path=ppt/slides/slide18.xml><?xml version="1.0" encoding="utf-8"?>
-<p:sld xmlns:a="http://schemas.openxmlformats.org/drawingml/2006/main" xmlns:p="http://schemas.openxmlformats.org/presentationml/2006/main" xmlns:r="http://schemas.openxmlformats.org/officeDocument/2006/relationships">
-  <p:cSld>
-    <p:bg>
-      <p:bgPr>
-        <a:blipFill dpi="0" rotWithShape="1">
-          <a:blip r:embed="rId2">
-            <a:lum/>
-          </a:blip>
-          <a:srcRect/>
-          <a:stretch>
-            <a:fillRect l="-17000" r="-17000"/>
-          </a:stretch>
-        </a:blipFill>
-        <a:effectLst/>
-      </p:bgPr>
-    </p:bg>
-    <p:spTree>
-      <p:nvGrpSpPr>
-        <p:cNvPr id="1" name=""/>
-        <p:cNvGrpSpPr/>
-        <p:nvPr/>
-      </p:nvGrpSpPr>
-      <p:grpSpPr/>
-      <p:sp>
-        <p:nvSpPr>
-          <p:cNvPr id="2" name="TextBox 1"/>
-          <p:cNvSpPr txBox="1"/>
-          <p:nvPr/>
-        </p:nvSpPr>
-        <p:spPr>
-          <a:xfrm>
-            <a:off x="685800" y="228600"/>
-            <a:ext cx="7772400" cy="2971800"/>
-          </a:xfrm>
-          <a:prstGeom prst="rect">
-            <a:avLst/>
-          </a:prstGeom>
-          <a:noFill/>
-        </p:spPr>
-        <p:txBody>
-          <a:bodyPr wrap="none">
-            <a:spAutoFit/>
-          </a:bodyPr>
-          <a:lstStyle/>
-          <a:p>
-            <a:pPr algn="ctr">
-              <a:lnSpc>
-                <a:spcPts val="4800"/>
-              </a:lnSpc>
-              <a:defRPr sz="4000">
-                <a:solidFill>
-                  <a:srgbClr val="000000"/>
-                </a:solidFill>
-              </a:defRPr>
-            </a:pPr>
-            <a:r>
-              <a:t>** ชั่วนิรันดร์ พระองค์สัตย์ซื่อ</a:t>
-            </a:r>
-            <a:br/>
-            <a:r>
-              <a:t>ชั่วนิรันดร์ ทรงฤทธา ชั่วนิรันดร์</a:t>
-            </a:r>
-            <a:br/>
-            <a:r>
-              <a:t>ทรงอยู่กับเรา ชั่วนิรันดร์ และนิรันดร์</a:t>
-            </a:r>
-            <a:br/>
-            <a:r>
-              <a:t>นิจนิรันดร์</a:t>
-            </a:r>
-          </a:p>
-        </p:txBody>
-      </p:sp>
-      <p:sp>
-        <p:nvSpPr>
-          <p:cNvPr id="3" name="TextBox 2"/>
-          <p:cNvSpPr txBox="1"/>
-          <p:nvPr/>
-        </p:nvSpPr>
-        <p:spPr>
-          <a:xfrm>
-            <a:off x="685800" y="3657600"/>
-            <a:ext cx="7772400" cy="2971800"/>
-          </a:xfrm>
-          <a:prstGeom prst="rect">
-            <a:avLst/>
-          </a:prstGeom>
-          <a:noFill/>
-        </p:spPr>
-        <p:txBody>
-          <a:bodyPr wrap="none">
-            <a:spAutoFit/>
-          </a:bodyPr>
-          <a:lstStyle/>
-          <a:p>
-            <a:pPr algn="ctr">
-              <a:lnSpc>
-                <a:spcPts val="4800"/>
-              </a:lnSpc>
-              <a:defRPr sz="3500">
-                <a:solidFill>
-                  <a:srgbClr val="3A70BC"/>
-                </a:solidFill>
-              </a:defRPr>
-            </a:pPr>
-            <a:r>
-              <a:t>Forever God is faithful</a:t>
-            </a:r>
-            <a:br/>
-            <a:r>
-              <a:t> Forever God is strong</a:t>
-            </a:r>
-            <a:br/>
-            <a:r>
-              <a:t> Forever God is with us</a:t>
-            </a:r>
-            <a:br/>
-            <a:r>
-              <a:t> Forever</a:t>
-            </a:r>
-          </a:p>
-        </p:txBody>
-      </p:sp>
-    </p:spTree>
-  </p:cSld>
-  <p:clrMapOvr>
-    <a:masterClrMapping/>
-  </p:clrMapOvr>
-</p:sld>
-</file>
-
-<file path=ppt/slides/slide19.xml><?xml version="1.0" encoding="utf-8"?>
-<p:sld xmlns:a="http://schemas.openxmlformats.org/drawingml/2006/main" xmlns:p="http://schemas.openxmlformats.org/presentationml/2006/main" xmlns:r="http://schemas.openxmlformats.org/officeDocument/2006/relationships">
-  <p:cSld>
-    <p:bg>
-      <p:bgPr>
-        <a:blipFill dpi="0" rotWithShape="1">
-          <a:blip r:embed="rId2">
-            <a:lum/>
-          </a:blip>
-          <a:srcRect/>
-          <a:stretch>
-            <a:fillRect l="-17000" r="-17000"/>
-          </a:stretch>
-        </a:blipFill>
-        <a:effectLst/>
-      </p:bgPr>
-    </p:bg>
-    <p:spTree>
-      <p:nvGrpSpPr>
-        <p:cNvPr id="1" name=""/>
-        <p:cNvGrpSpPr/>
-        <p:nvPr/>
-      </p:nvGrpSpPr>
-      <p:grpSpPr/>
-      <p:sp>
-        <p:nvSpPr>
-          <p:cNvPr id="2" name="TextBox 1"/>
-          <p:cNvSpPr txBox="1"/>
-          <p:nvPr/>
-        </p:nvSpPr>
-        <p:spPr>
-          <a:xfrm>
-            <a:off x="685800" y="228600"/>
-            <a:ext cx="7772400" cy="2971800"/>
-          </a:xfrm>
-          <a:prstGeom prst="rect">
-            <a:avLst/>
-          </a:prstGeom>
-          <a:noFill/>
-        </p:spPr>
-        <p:txBody>
-          <a:bodyPr wrap="none">
-            <a:spAutoFit/>
-          </a:bodyPr>
-          <a:lstStyle/>
-          <a:p>
-            <a:pPr algn="ctr">
-              <a:lnSpc>
-                <a:spcPts val="4800"/>
-              </a:lnSpc>
-              <a:defRPr sz="4000">
-                <a:solidFill>
-                  <a:srgbClr val="000000"/>
-                </a:solidFill>
-              </a:defRPr>
-            </a:pPr>
-            <a:r>
-              <a:t>3. จากดวงตะวัน</a:t>
-            </a:r>
-            <a:br/>
-            <a:r>
-              <a:t>ขึ้นจนลับลาไป</a:t>
-            </a:r>
-            <a:br/>
-            <a:r>
-              <a:t>ความรักพระองค์ดำรงนิรันดร์</a:t>
-            </a:r>
-          </a:p>
-        </p:txBody>
-      </p:sp>
-      <p:sp>
-        <p:nvSpPr>
-          <p:cNvPr id="3" name="TextBox 2"/>
-          <p:cNvSpPr txBox="1"/>
-          <p:nvPr/>
-        </p:nvSpPr>
-        <p:spPr>
-          <a:xfrm>
-            <a:off x="685800" y="3657600"/>
-            <a:ext cx="7772400" cy="2971800"/>
-          </a:xfrm>
-          <a:prstGeom prst="rect">
-            <a:avLst/>
-          </a:prstGeom>
-          <a:noFill/>
-        </p:spPr>
-        <p:txBody>
-          <a:bodyPr wrap="none">
-            <a:spAutoFit/>
-          </a:bodyPr>
-          <a:lstStyle/>
-          <a:p>
-            <a:pPr algn="ctr">
-              <a:lnSpc>
-                <a:spcPts val="4800"/>
-              </a:lnSpc>
-              <a:defRPr sz="3500">
-                <a:solidFill>
-                  <a:srgbClr val="3A70BC"/>
-                </a:solidFill>
-              </a:defRPr>
-            </a:pPr>
-            <a:r>
-              <a:t>From the rising to the setting sun</a:t>
-            </a:r>
-            <a:br/>
-            <a:r>
-              <a:t> His love endures forever</a:t>
-            </a:r>
-            <a:br/>
+              <a:t>All My Hope</a:t>
+            </a:r>
           </a:p>
         </p:txBody>
       </p:sp>
@@ -4359,484 +3150,6 @@
 <file path=ppt/slides/slide2.xml><?xml version="1.0" encoding="utf-8"?>
 <p:sld xmlns:a="http://schemas.openxmlformats.org/drawingml/2006/main" xmlns:p="http://schemas.openxmlformats.org/presentationml/2006/main" xmlns:r="http://schemas.openxmlformats.org/officeDocument/2006/relationships">
   <p:cSld>
-    <p:bg>
-      <p:bgPr>
-        <a:blipFill dpi="0" rotWithShape="1">
-          <a:blip r:embed="rId2">
-            <a:lum/>
-          </a:blip>
-          <a:srcRect/>
-          <a:stretch>
-            <a:fillRect l="-17000" r="-17000"/>
-          </a:stretch>
-        </a:blipFill>
-        <a:effectLst/>
-      </p:bgPr>
-    </p:bg>
-    <p:spTree>
-      <p:nvGrpSpPr>
-        <p:cNvPr id="1" name=""/>
-        <p:cNvGrpSpPr/>
-        <p:nvPr/>
-      </p:nvGrpSpPr>
-      <p:grpSpPr/>
-      <p:sp>
-        <p:nvSpPr>
-          <p:cNvPr id="2" name="TextBox 1"/>
-          <p:cNvSpPr txBox="1"/>
-          <p:nvPr/>
-        </p:nvSpPr>
-        <p:spPr>
-          <a:xfrm>
-            <a:off x="685800" y="228600"/>
-            <a:ext cx="7772400" cy="2971800"/>
-          </a:xfrm>
-          <a:prstGeom prst="rect">
-            <a:avLst/>
-          </a:prstGeom>
-          <a:noFill/>
-        </p:spPr>
-        <p:txBody>
-          <a:bodyPr wrap="none">
-            <a:spAutoFit/>
-          </a:bodyPr>
-          <a:lstStyle/>
-          <a:p>
-            <a:pPr algn="ctr">
-              <a:lnSpc>
-                <a:spcPts val="4800"/>
-              </a:lnSpc>
-              <a:defRPr sz="4000">
-                <a:solidFill>
-                  <a:srgbClr val="000000"/>
-                </a:solidFill>
-              </a:defRPr>
-            </a:pPr>
-            <a:r>
-              <a:t>ขอบคุณ ขอบคุณพระเจ้า</a:t>
-            </a:r>
-            <a:br/>
-            <a:r>
-              <a:t>ขอบคุณ ขอบคุณพระเจ้า</a:t>
-            </a:r>
-            <a:br/>
-            <a:r>
-              <a:t>ขอบคุณ ขอบคุณพระเจ้า</a:t>
-            </a:r>
-            <a:br/>
-            <a:r>
-              <a:t>ในใจฉัน</a:t>
-            </a:r>
-          </a:p>
-        </p:txBody>
-      </p:sp>
-      <p:sp>
-        <p:nvSpPr>
-          <p:cNvPr id="3" name="TextBox 2"/>
-          <p:cNvSpPr txBox="1"/>
-          <p:nvPr/>
-        </p:nvSpPr>
-        <p:spPr>
-          <a:xfrm>
-            <a:off x="685800" y="3657600"/>
-            <a:ext cx="7772400" cy="2971800"/>
-          </a:xfrm>
-          <a:prstGeom prst="rect">
-            <a:avLst/>
-          </a:prstGeom>
-          <a:noFill/>
-        </p:spPr>
-        <p:txBody>
-          <a:bodyPr wrap="none">
-            <a:spAutoFit/>
-          </a:bodyPr>
-          <a:lstStyle/>
-          <a:p>
-            <a:pPr algn="ctr">
-              <a:lnSpc>
-                <a:spcPts val="4800"/>
-              </a:lnSpc>
-              <a:defRPr sz="3500">
-                <a:solidFill>
-                  <a:srgbClr val="3A70BC"/>
-                </a:solidFill>
-              </a:defRPr>
-            </a:pPr>
-            <a:r>
-              <a:t>Thank you thank you Jesus</a:t>
-            </a:r>
-            <a:br/>
-            <a:r>
-              <a:t> Thank you thank you Jesus</a:t>
-            </a:r>
-            <a:br/>
-            <a:r>
-              <a:t> Thank you thank you Jesus in my heart</a:t>
-            </a:r>
-            <a:br/>
-          </a:p>
-        </p:txBody>
-      </p:sp>
-    </p:spTree>
-  </p:cSld>
-  <p:clrMapOvr>
-    <a:masterClrMapping/>
-  </p:clrMapOvr>
-</p:sld>
-</file>
-
-<file path=ppt/slides/slide20.xml><?xml version="1.0" encoding="utf-8"?>
-<p:sld xmlns:a="http://schemas.openxmlformats.org/drawingml/2006/main" xmlns:p="http://schemas.openxmlformats.org/presentationml/2006/main" xmlns:r="http://schemas.openxmlformats.org/officeDocument/2006/relationships">
-  <p:cSld>
-    <p:bg>
-      <p:bgPr>
-        <a:blipFill dpi="0" rotWithShape="1">
-          <a:blip r:embed="rId2">
-            <a:lum/>
-          </a:blip>
-          <a:srcRect/>
-          <a:stretch>
-            <a:fillRect l="-17000" r="-17000"/>
-          </a:stretch>
-        </a:blipFill>
-        <a:effectLst/>
-      </p:bgPr>
-    </p:bg>
-    <p:spTree>
-      <p:nvGrpSpPr>
-        <p:cNvPr id="1" name=""/>
-        <p:cNvGrpSpPr/>
-        <p:nvPr/>
-      </p:nvGrpSpPr>
-      <p:grpSpPr/>
-      <p:sp>
-        <p:nvSpPr>
-          <p:cNvPr id="2" name="TextBox 1"/>
-          <p:cNvSpPr txBox="1"/>
-          <p:nvPr/>
-        </p:nvSpPr>
-        <p:spPr>
-          <a:xfrm>
-            <a:off x="685800" y="228600"/>
-            <a:ext cx="7772400" cy="2971800"/>
-          </a:xfrm>
-          <a:prstGeom prst="rect">
-            <a:avLst/>
-          </a:prstGeom>
-          <a:noFill/>
-        </p:spPr>
-        <p:txBody>
-          <a:bodyPr wrap="none">
-            <a:spAutoFit/>
-          </a:bodyPr>
-          <a:lstStyle/>
-          <a:p>
-            <a:pPr algn="ctr">
-              <a:lnSpc>
-                <a:spcPts val="4800"/>
-              </a:lnSpc>
-              <a:defRPr sz="4000">
-                <a:solidFill>
-                  <a:srgbClr val="000000"/>
-                </a:solidFill>
-              </a:defRPr>
-            </a:pPr>
-            <a:r>
-              <a:t>โดยพระคุณพระองค์ ทรงนำเราก้าวไป</a:t>
-            </a:r>
-            <a:br/>
-            <a:r>
-              <a:t>ความรักพระองค์ดำรงนิรันดร์</a:t>
-            </a:r>
-            <a:br/>
-            <a:r>
-              <a:t>เราร้อง สรรเสริญ</a:t>
-            </a:r>
-          </a:p>
-        </p:txBody>
-      </p:sp>
-      <p:sp>
-        <p:nvSpPr>
-          <p:cNvPr id="3" name="TextBox 2"/>
-          <p:cNvSpPr txBox="1"/>
-          <p:nvPr/>
-        </p:nvSpPr>
-        <p:spPr>
-          <a:xfrm>
-            <a:off x="685800" y="3657600"/>
-            <a:ext cx="7772400" cy="2971800"/>
-          </a:xfrm>
-          <a:prstGeom prst="rect">
-            <a:avLst/>
-          </a:prstGeom>
-          <a:noFill/>
-        </p:spPr>
-        <p:txBody>
-          <a:bodyPr wrap="none">
-            <a:spAutoFit/>
-          </a:bodyPr>
-          <a:lstStyle/>
-          <a:p>
-            <a:pPr algn="ctr">
-              <a:lnSpc>
-                <a:spcPts val="4800"/>
-              </a:lnSpc>
-              <a:defRPr sz="3500">
-                <a:solidFill>
-                  <a:srgbClr val="3A70BC"/>
-                </a:solidFill>
-              </a:defRPr>
-            </a:pPr>
-            <a:r>
-              <a:t>By the grace of God we will carry on</a:t>
-            </a:r>
-            <a:br/>
-            <a:r>
-              <a:t> His love endures forever</a:t>
-            </a:r>
-            <a:br/>
-            <a:r>
-              <a:t> Sing praise, sing praise</a:t>
-            </a:r>
-            <a:br/>
-          </a:p>
-        </p:txBody>
-      </p:sp>
-    </p:spTree>
-  </p:cSld>
-  <p:clrMapOvr>
-    <a:masterClrMapping/>
-  </p:clrMapOvr>
-</p:sld>
-</file>
-
-<file path=ppt/slides/slide21.xml><?xml version="1.0" encoding="utf-8"?>
-<p:sld xmlns:a="http://schemas.openxmlformats.org/drawingml/2006/main" xmlns:p="http://schemas.openxmlformats.org/presentationml/2006/main" xmlns:r="http://schemas.openxmlformats.org/officeDocument/2006/relationships">
-  <p:cSld>
-    <p:bg>
-      <p:bgPr>
-        <a:blipFill dpi="0" rotWithShape="1">
-          <a:blip r:embed="rId2">
-            <a:lum/>
-          </a:blip>
-          <a:srcRect/>
-          <a:stretch>
-            <a:fillRect l="-17000" r="-17000"/>
-          </a:stretch>
-        </a:blipFill>
-        <a:effectLst/>
-      </p:bgPr>
-    </p:bg>
-    <p:spTree>
-      <p:nvGrpSpPr>
-        <p:cNvPr id="1" name=""/>
-        <p:cNvGrpSpPr/>
-        <p:nvPr/>
-      </p:nvGrpSpPr>
-      <p:grpSpPr/>
-      <p:sp>
-        <p:nvSpPr>
-          <p:cNvPr id="2" name="TextBox 1"/>
-          <p:cNvSpPr txBox="1"/>
-          <p:nvPr/>
-        </p:nvSpPr>
-        <p:spPr>
-          <a:xfrm>
-            <a:off x="685800" y="228600"/>
-            <a:ext cx="7772400" cy="2971800"/>
-          </a:xfrm>
-          <a:prstGeom prst="rect">
-            <a:avLst/>
-          </a:prstGeom>
-          <a:noFill/>
-        </p:spPr>
-        <p:txBody>
-          <a:bodyPr wrap="none">
-            <a:spAutoFit/>
-          </a:bodyPr>
-          <a:lstStyle/>
-          <a:p>
-            <a:pPr algn="ctr">
-              <a:lnSpc>
-                <a:spcPts val="4800"/>
-              </a:lnSpc>
-              <a:defRPr sz="4000">
-                <a:solidFill>
-                  <a:srgbClr val="000000"/>
-                </a:solidFill>
-              </a:defRPr>
-            </a:pPr>
-            <a:r>
-              <a:t>** ชั่วนิรันดร์ พระองค์สัตย์ซื่อ</a:t>
-            </a:r>
-            <a:br/>
-            <a:r>
-              <a:t>ชั่วนิรันดร์ ทรงฤทธา ชั่วนิรันดร์</a:t>
-            </a:r>
-            <a:br/>
-            <a:r>
-              <a:t>ทรงอยู่กับเรา ชั่วนิรันดร์ และนิรันดร์</a:t>
-            </a:r>
-            <a:br/>
-            <a:r>
-              <a:t>นิจนิรันดร์</a:t>
-            </a:r>
-          </a:p>
-        </p:txBody>
-      </p:sp>
-      <p:sp>
-        <p:nvSpPr>
-          <p:cNvPr id="3" name="TextBox 2"/>
-          <p:cNvSpPr txBox="1"/>
-          <p:nvPr/>
-        </p:nvSpPr>
-        <p:spPr>
-          <a:xfrm>
-            <a:off x="685800" y="3657600"/>
-            <a:ext cx="7772400" cy="2971800"/>
-          </a:xfrm>
-          <a:prstGeom prst="rect">
-            <a:avLst/>
-          </a:prstGeom>
-          <a:noFill/>
-        </p:spPr>
-        <p:txBody>
-          <a:bodyPr wrap="none">
-            <a:spAutoFit/>
-          </a:bodyPr>
-          <a:lstStyle/>
-          <a:p>
-            <a:pPr algn="ctr">
-              <a:lnSpc>
-                <a:spcPts val="4800"/>
-              </a:lnSpc>
-              <a:defRPr sz="3500">
-                <a:solidFill>
-                  <a:srgbClr val="3A70BC"/>
-                </a:solidFill>
-              </a:defRPr>
-            </a:pPr>
-            <a:r>
-              <a:t>Forever God is faithful</a:t>
-            </a:r>
-            <a:br/>
-            <a:r>
-              <a:t> Forever God is strong</a:t>
-            </a:r>
-            <a:br/>
-            <a:r>
-              <a:t> Forever God is with us</a:t>
-            </a:r>
-            <a:br/>
-            <a:r>
-              <a:t> Forever</a:t>
-            </a:r>
-          </a:p>
-        </p:txBody>
-      </p:sp>
-    </p:spTree>
-  </p:cSld>
-  <p:clrMapOvr>
-    <a:masterClrMapping/>
-  </p:clrMapOvr>
-</p:sld>
-</file>
-
-<file path=ppt/slides/slide22.xml><?xml version="1.0" encoding="utf-8"?>
-<p:sld xmlns:a="http://schemas.openxmlformats.org/drawingml/2006/main" xmlns:p="http://schemas.openxmlformats.org/presentationml/2006/main" xmlns:r="http://schemas.openxmlformats.org/officeDocument/2006/relationships">
-  <p:cSld>
-    <p:bg>
-      <p:bgPr>
-        <a:blipFill dpi="0" rotWithShape="1">
-          <a:blip r:embed="rId2">
-            <a:lum/>
-          </a:blip>
-          <a:srcRect/>
-          <a:stretch>
-            <a:fillRect l="-17000" r="-17000"/>
-          </a:stretch>
-        </a:blipFill>
-        <a:effectLst/>
-      </p:bgPr>
-    </p:bg>
-    <p:spTree>
-      <p:nvGrpSpPr>
-        <p:cNvPr id="1" name=""/>
-        <p:cNvGrpSpPr/>
-        <p:nvPr/>
-      </p:nvGrpSpPr>
-      <p:grpSpPr/>
-      <p:sp>
-        <p:nvSpPr>
-          <p:cNvPr id="2" name="Title 1"/>
-          <p:cNvSpPr>
-            <a:spLocks noGrp="1"/>
-          </p:cNvSpPr>
-          <p:nvPr>
-            <p:ph type="ctrTitle"/>
-          </p:nvPr>
-        </p:nvSpPr>
-        <p:spPr/>
-        <p:txBody>
-          <a:bodyPr/>
-          <a:lstStyle/>
-          <a:p>
-            <a:r>
-              <a:t>เรานมัสการ (เราพึ่งพาพระองค์)</a:t>
-            </a:r>
-          </a:p>
-        </p:txBody>
-      </p:sp>
-      <p:sp>
-        <p:nvSpPr>
-          <p:cNvPr id="3" name="Subtitle 2"/>
-          <p:cNvSpPr>
-            <a:spLocks noGrp="1"/>
-          </p:cNvSpPr>
-          <p:nvPr>
-            <p:ph type="subTitle" idx="1"/>
-          </p:nvPr>
-        </p:nvSpPr>
-        <p:spPr/>
-        <p:txBody>
-          <a:bodyPr/>
-          <a:lstStyle/>
-          <a:p>
-            <a:pPr>
-              <a:defRPr sz="4600">
-                <a:solidFill>
-                  <a:srgbClr val="3A70BC"/>
-                </a:solidFill>
-              </a:defRPr>
-            </a:pPr>
-          </a:p>
-        </p:txBody>
-      </p:sp>
-    </p:spTree>
-  </p:cSld>
-  <p:clrMapOvr>
-    <a:masterClrMapping/>
-  </p:clrMapOvr>
-</p:sld>
-</file>
-
-<file path=ppt/slides/slide23.xml><?xml version="1.0" encoding="utf-8"?>
-<p:sld xmlns:a="http://schemas.openxmlformats.org/drawingml/2006/main" xmlns:p="http://schemas.openxmlformats.org/presentationml/2006/main" xmlns:r="http://schemas.openxmlformats.org/officeDocument/2006/relationships">
-  <p:cSld>
-    <p:bg>
-      <p:bgPr>
-        <a:blipFill dpi="0" rotWithShape="1">
-          <a:blip r:embed="rId2">
-            <a:lum/>
-          </a:blip>
-          <a:srcRect/>
-          <a:stretch>
-            <a:fillRect l="-17000" r="-17000"/>
-          </a:stretch>
-        </a:blipFill>
-        <a:effectLst/>
-      </p:bgPr>
-    </p:bg>
     <p:spTree>
       <p:nvGrpSpPr>
         <p:cNvPr id="1" name=""/>
@@ -4861,7 +3174,7 @@
           <a:noFill/>
         </p:spPr>
         <p:txBody>
-          <a:bodyPr wrap="none">
+          <a:bodyPr wrap="square">
             <a:spAutoFit/>
           </a:bodyPr>
           <a:lstStyle/>
@@ -4870,108 +3183,14 @@
               <a:lnSpc>
                 <a:spcPts val="7000"/>
               </a:lnSpc>
-              <a:defRPr sz="4000">
+              <a:defRPr sz="7700">
                 <a:solidFill>
                   <a:srgbClr val="000000"/>
                 </a:solidFill>
               </a:defRPr>
             </a:pPr>
             <a:r>
-              <a:t>เราพึ่งพาพระองค์</a:t>
-            </a:r>
-            <a:br/>
-            <a:r>
-              <a:t>พระองค์ทรงเป็นทุกสิ่งที่ใจเราต้องการ</a:t>
-            </a:r>
-            <a:br/>
-            <a:r>
-              <a:t>เราเชื่อในพระองค์</a:t>
-            </a:r>
-            <a:br/>
-            <a:r>
-              <a:t>พระองค์บรรดาลทุกสิ่งที่เกินความเข้าใจของเรา</a:t>
-            </a:r>
-          </a:p>
-        </p:txBody>
-      </p:sp>
-    </p:spTree>
-  </p:cSld>
-  <p:clrMapOvr>
-    <a:masterClrMapping/>
-  </p:clrMapOvr>
-</p:sld>
-</file>
-
-<file path=ppt/slides/slide24.xml><?xml version="1.0" encoding="utf-8"?>
-<p:sld xmlns:a="http://schemas.openxmlformats.org/drawingml/2006/main" xmlns:p="http://schemas.openxmlformats.org/presentationml/2006/main" xmlns:r="http://schemas.openxmlformats.org/officeDocument/2006/relationships">
-  <p:cSld>
-    <p:bg>
-      <p:bgPr>
-        <a:blipFill dpi="0" rotWithShape="1">
-          <a:blip r:embed="rId2">
-            <a:lum/>
-          </a:blip>
-          <a:srcRect/>
-          <a:stretch>
-            <a:fillRect l="-17000" r="-17000"/>
-          </a:stretch>
-        </a:blipFill>
-        <a:effectLst/>
-      </p:bgPr>
-    </p:bg>
-    <p:spTree>
-      <p:nvGrpSpPr>
-        <p:cNvPr id="1" name=""/>
-        <p:cNvGrpSpPr/>
-        <p:nvPr/>
-      </p:nvGrpSpPr>
-      <p:grpSpPr/>
-      <p:sp>
-        <p:nvSpPr>
-          <p:cNvPr id="2" name="TextBox 1"/>
-          <p:cNvSpPr txBox="1"/>
-          <p:nvPr/>
-        </p:nvSpPr>
-        <p:spPr>
-          <a:xfrm>
-            <a:off x="914400" y="457200"/>
-            <a:ext cx="7315200" cy="5486400"/>
-          </a:xfrm>
-          <a:prstGeom prst="rect">
-            <a:avLst/>
-          </a:prstGeom>
-          <a:noFill/>
-        </p:spPr>
-        <p:txBody>
-          <a:bodyPr wrap="none">
-            <a:spAutoFit/>
-          </a:bodyPr>
-          <a:lstStyle/>
-          <a:p>
-            <a:pPr algn="ctr">
-              <a:lnSpc>
-                <a:spcPts val="7000"/>
-              </a:lnSpc>
-              <a:defRPr sz="4000">
-                <a:solidFill>
-                  <a:srgbClr val="000000"/>
-                </a:solidFill>
-              </a:defRPr>
-            </a:pPr>
-            <a:r>
-              <a:t>เรานมัสการ องค์พระเจ้ายิ่งใหญ่</a:t>
-            </a:r>
-            <a:br/>
-            <a:r>
-              <a:t>ไม่มีอะไรที่อยากเกินกว่าพระองค์จะทำ</a:t>
-            </a:r>
-            <a:br/>
-            <a:r>
-              <a:t>เรานมัสการ องค์พระเจ้ายิ่งใหญ่</a:t>
-            </a:r>
-            <a:br/>
-            <a:r>
-              <a:t>และไม่มีใครเทียบได้กับพระองค์</a:t>
+              <a:t>I've been held by the Savior. I've felt fire from above. I've been down to the river. I ain't the same, a prodigal returned.</a:t>
             </a:r>
           </a:p>
         </p:txBody>
@@ -4987,20 +3206,6 @@
 <file path=ppt/slides/slide3.xml><?xml version="1.0" encoding="utf-8"?>
 <p:sld xmlns:a="http://schemas.openxmlformats.org/drawingml/2006/main" xmlns:p="http://schemas.openxmlformats.org/presentationml/2006/main" xmlns:r="http://schemas.openxmlformats.org/officeDocument/2006/relationships">
   <p:cSld>
-    <p:bg>
-      <p:bgPr>
-        <a:blipFill dpi="0" rotWithShape="1">
-          <a:blip r:embed="rId2">
-            <a:lum/>
-          </a:blip>
-          <a:srcRect/>
-          <a:stretch>
-            <a:fillRect l="-17000" r="-17000"/>
-          </a:stretch>
-        </a:blipFill>
-        <a:effectLst/>
-      </p:bgPr>
-    </p:bg>
     <p:spTree>
       <p:nvGrpSpPr>
         <p:cNvPr id="1" name=""/>
@@ -5010,49 +3215,38 @@
       <p:grpSpPr/>
       <p:sp>
         <p:nvSpPr>
-          <p:cNvPr id="2" name="Title 1"/>
-          <p:cNvSpPr>
-            <a:spLocks noGrp="1"/>
-          </p:cNvSpPr>
-          <p:nvPr>
-            <p:ph type="ctrTitle"/>
-          </p:nvPr>
-        </p:nvSpPr>
-        <p:spPr/>
-        <p:txBody>
-          <a:bodyPr/>
-          <a:lstStyle/>
-          <a:p>
-            <a:r>
-              <a:t>พระเยซูผู้งามเลิศ</a:t>
-            </a:r>
-          </a:p>
-        </p:txBody>
-      </p:sp>
-      <p:sp>
-        <p:nvSpPr>
-          <p:cNvPr id="3" name="Subtitle 2"/>
-          <p:cNvSpPr>
-            <a:spLocks noGrp="1"/>
-          </p:cNvSpPr>
-          <p:nvPr>
-            <p:ph type="subTitle" idx="1"/>
-          </p:nvPr>
-        </p:nvSpPr>
-        <p:spPr/>
-        <p:txBody>
-          <a:bodyPr/>
-          <a:lstStyle/>
-          <a:p>
-            <a:pPr>
-              <a:defRPr sz="4600">
+          <p:cNvPr id="2" name="TextBox 1"/>
+          <p:cNvSpPr txBox="1"/>
+          <p:nvPr/>
+        </p:nvSpPr>
+        <p:spPr>
+          <a:xfrm>
+            <a:off x="914400" y="457200"/>
+            <a:ext cx="7315200" cy="5486400"/>
+          </a:xfrm>
+          <a:prstGeom prst="rect">
+            <a:avLst/>
+          </a:prstGeom>
+          <a:noFill/>
+        </p:spPr>
+        <p:txBody>
+          <a:bodyPr wrap="square">
+            <a:spAutoFit/>
+          </a:bodyPr>
+          <a:lstStyle/>
+          <a:p>
+            <a:pPr algn="ctr">
+              <a:lnSpc>
+                <a:spcPts val="7000"/>
+              </a:lnSpc>
+              <a:defRPr sz="7700">
                 <a:solidFill>
-                  <a:srgbClr val="3A70BC"/>
+                  <a:srgbClr val="000000"/>
                 </a:solidFill>
               </a:defRPr>
             </a:pPr>
             <a:r>
-              <a:t>Fairest Lord Jesus</a:t>
+              <a:t>All my hope is in Jesus. Thank God that yesterday's gone. And all my sins are forgiven. I've been washed by the blood.</a:t>
             </a:r>
           </a:p>
         </p:txBody>
@@ -5068,20 +3262,6 @@
 <file path=ppt/slides/slide4.xml><?xml version="1.0" encoding="utf-8"?>
 <p:sld xmlns:a="http://schemas.openxmlformats.org/drawingml/2006/main" xmlns:p="http://schemas.openxmlformats.org/presentationml/2006/main" xmlns:r="http://schemas.openxmlformats.org/officeDocument/2006/relationships">
   <p:cSld>
-    <p:bg>
-      <p:bgPr>
-        <a:blipFill dpi="0" rotWithShape="1">
-          <a:blip r:embed="rId2">
-            <a:lum/>
-          </a:blip>
-          <a:srcRect/>
-          <a:stretch>
-            <a:fillRect l="-17000" r="-17000"/>
-          </a:stretch>
-        </a:blipFill>
-        <a:effectLst/>
-      </p:bgPr>
-    </p:bg>
     <p:spTree>
       <p:nvGrpSpPr>
         <p:cNvPr id="1" name=""/>
@@ -5097,8 +3277,8 @@
         </p:nvSpPr>
         <p:spPr>
           <a:xfrm>
-            <a:off x="685800" y="228600"/>
-            <a:ext cx="7772400" cy="2971800"/>
+            <a:off x="914400" y="457200"/>
+            <a:ext cx="7315200" cy="5486400"/>
           </a:xfrm>
           <a:prstGeom prst="rect">
             <a:avLst/>
@@ -5113,54 +3293,16 @@
           <a:p>
             <a:pPr algn="ctr">
               <a:lnSpc>
-                <a:spcPts val="4800"/>
+                <a:spcPts val="7000"/>
               </a:lnSpc>
-              <a:defRPr sz="4000">
+              <a:defRPr sz="7700">
                 <a:solidFill>
                   <a:srgbClr val="000000"/>
                 </a:solidFill>
               </a:defRPr>
             </a:pPr>
             <a:r>
-              <a:t>พระเยซูผู้งามเลิศผู้ทรงครอบครองทั่วโลกา ทรงเป็นพระเจ้าและทรงเป็นมนุษย์ ตัวข้าจะรักพระองค์ข้าขอเทิดทูนพระองค์ เป็นรัศมีและเป็นมงกุฎ</a:t>
-            </a:r>
-          </a:p>
-        </p:txBody>
-      </p:sp>
-      <p:sp>
-        <p:nvSpPr>
-          <p:cNvPr id="3" name="TextBox 2"/>
-          <p:cNvSpPr txBox="1"/>
-          <p:nvPr/>
-        </p:nvSpPr>
-        <p:spPr>
-          <a:xfrm>
-            <a:off x="685800" y="3657600"/>
-            <a:ext cx="7772400" cy="2971800"/>
-          </a:xfrm>
-          <a:prstGeom prst="rect">
-            <a:avLst/>
-          </a:prstGeom>
-          <a:noFill/>
-        </p:spPr>
-        <p:txBody>
-          <a:bodyPr wrap="square">
-            <a:spAutoFit/>
-          </a:bodyPr>
-          <a:lstStyle/>
-          <a:p>
-            <a:pPr algn="ctr">
-              <a:lnSpc>
-                <a:spcPts val="4800"/>
-              </a:lnSpc>
-              <a:defRPr sz="3500">
-                <a:solidFill>
-                  <a:srgbClr val="3A70BC"/>
-                </a:solidFill>
-              </a:defRPr>
-            </a:pPr>
-            <a:r>
-              <a:t>Fairest Lord Jesus! Ruler of all nature! O Thou of God and man the Son! Thee will I cherish, Thee will I honor, Thou, my soul's glory, joy, and crown!</a:t>
+              <a:t>I'm no stranger to the prison. I've worn shackles and chains. But I've been freed and forgiven. I'm not going back, I'll never be the same. That's why I sing.</a:t>
             </a:r>
           </a:p>
         </p:txBody>
@@ -5176,20 +3318,6 @@
 <file path=ppt/slides/slide5.xml><?xml version="1.0" encoding="utf-8"?>
 <p:sld xmlns:a="http://schemas.openxmlformats.org/drawingml/2006/main" xmlns:p="http://schemas.openxmlformats.org/presentationml/2006/main" xmlns:r="http://schemas.openxmlformats.org/officeDocument/2006/relationships">
   <p:cSld>
-    <p:bg>
-      <p:bgPr>
-        <a:blipFill dpi="0" rotWithShape="1">
-          <a:blip r:embed="rId2">
-            <a:lum/>
-          </a:blip>
-          <a:srcRect/>
-          <a:stretch>
-            <a:fillRect l="-17000" r="-17000"/>
-          </a:stretch>
-        </a:blipFill>
-        <a:effectLst/>
-      </p:bgPr>
-    </p:bg>
     <p:spTree>
       <p:nvGrpSpPr>
         <p:cNvPr id="1" name=""/>
@@ -5205,8 +3333,8 @@
         </p:nvSpPr>
         <p:spPr>
           <a:xfrm>
-            <a:off x="685800" y="228600"/>
-            <a:ext cx="7772400" cy="2971800"/>
+            <a:off x="914400" y="457200"/>
+            <a:ext cx="7315200" cy="5486400"/>
           </a:xfrm>
           <a:prstGeom prst="rect">
             <a:avLst/>
@@ -5214,75 +3342,24 @@
           <a:noFill/>
         </p:spPr>
         <p:txBody>
-          <a:bodyPr wrap="none">
+          <a:bodyPr wrap="square">
             <a:spAutoFit/>
           </a:bodyPr>
           <a:lstStyle/>
           <a:p>
             <a:pPr algn="ctr">
               <a:lnSpc>
-                <a:spcPts val="4800"/>
+                <a:spcPts val="7000"/>
               </a:lnSpc>
-              <a:defRPr sz="4000">
+              <a:defRPr sz="7700">
                 <a:solidFill>
                   <a:srgbClr val="000000"/>
                 </a:solidFill>
               </a:defRPr>
             </a:pPr>
             <a:r>
-              <a:t>ทุ่งนาใหญ่กว้างงดงามแนวพฤกษ์ไพรก็ยิ่งงามกว่า</a:t>
-            </a:r>
-            <a:br/>
-            <a:r>
-              <a:t>ถึงยามฤดูเมื่อผลิใบดอกบาน</a:t>
-            </a:r>
-          </a:p>
-        </p:txBody>
-      </p:sp>
-      <p:sp>
-        <p:nvSpPr>
-          <p:cNvPr id="3" name="TextBox 2"/>
-          <p:cNvSpPr txBox="1"/>
-          <p:nvPr/>
-        </p:nvSpPr>
-        <p:spPr>
-          <a:xfrm>
-            <a:off x="685800" y="3657600"/>
-            <a:ext cx="7772400" cy="2971800"/>
-          </a:xfrm>
-          <a:prstGeom prst="rect">
-            <a:avLst/>
-          </a:prstGeom>
-          <a:noFill/>
-        </p:spPr>
-        <p:txBody>
-          <a:bodyPr wrap="none">
-            <a:spAutoFit/>
-          </a:bodyPr>
-          <a:lstStyle/>
-          <a:p>
-            <a:pPr algn="ctr">
-              <a:lnSpc>
-                <a:spcPts val="4800"/>
-              </a:lnSpc>
-              <a:defRPr sz="3500">
-                <a:solidFill>
-                  <a:srgbClr val="3A70BC"/>
-                </a:solidFill>
-              </a:defRPr>
-            </a:pPr>
-            <a:r>
-              <a:t>Fair are the meadows</a:t>
-            </a:r>
-            <a:br/>
-            <a:r>
-              <a:t> Fairer still the woodlands</a:t>
-            </a:r>
-            <a:br/>
-            <a:r>
-              <a:t> Robed in the blooming garb of spring</a:t>
-            </a:r>
-            <a:br/>
+              <a:t>All my hope is in Jesus. Thank God that yesterday's gone. And all my sins are forgiven. I've been washed by the blood.</a:t>
+            </a:r>
           </a:p>
         </p:txBody>
       </p:sp>
@@ -5297,20 +3374,6 @@
 <file path=ppt/slides/slide6.xml><?xml version="1.0" encoding="utf-8"?>
 <p:sld xmlns:a="http://schemas.openxmlformats.org/drawingml/2006/main" xmlns:p="http://schemas.openxmlformats.org/presentationml/2006/main" xmlns:r="http://schemas.openxmlformats.org/officeDocument/2006/relationships">
   <p:cSld>
-    <p:bg>
-      <p:bgPr>
-        <a:blipFill dpi="0" rotWithShape="1">
-          <a:blip r:embed="rId2">
-            <a:lum/>
-          </a:blip>
-          <a:srcRect/>
-          <a:stretch>
-            <a:fillRect l="-17000" r="-17000"/>
-          </a:stretch>
-        </a:blipFill>
-        <a:effectLst/>
-      </p:bgPr>
-    </p:bg>
     <p:spTree>
       <p:nvGrpSpPr>
         <p:cNvPr id="1" name=""/>
@@ -5326,8 +3389,8 @@
         </p:nvSpPr>
         <p:spPr>
           <a:xfrm>
-            <a:off x="685800" y="228600"/>
-            <a:ext cx="7772400" cy="2971800"/>
+            <a:off x="914400" y="457200"/>
+            <a:ext cx="7315200" cy="5486400"/>
           </a:xfrm>
           <a:prstGeom prst="rect">
             <a:avLst/>
@@ -5335,71 +3398,24 @@
           <a:noFill/>
         </p:spPr>
         <p:txBody>
-          <a:bodyPr wrap="none">
+          <a:bodyPr wrap="square">
             <a:spAutoFit/>
           </a:bodyPr>
           <a:lstStyle/>
           <a:p>
             <a:pPr algn="ctr">
               <a:lnSpc>
-                <a:spcPts val="4800"/>
+                <a:spcPts val="5200"/>
               </a:lnSpc>
-              <a:defRPr sz="4000">
+              <a:defRPr sz="7700">
                 <a:solidFill>
                   <a:srgbClr val="000000"/>
                 </a:solidFill>
               </a:defRPr>
             </a:pPr>
             <a:r>
-              <a:t>พระเยซูผู้โสภาพระองค์ประเสริฐยิ่งกว่า</a:t>
-            </a:r>
-            <a:br/>
-            <a:r>
-              <a:t>รักษาใจช้ำให้สุขสำราญ</a:t>
-            </a:r>
-          </a:p>
-        </p:txBody>
-      </p:sp>
-      <p:sp>
-        <p:nvSpPr>
-          <p:cNvPr id="3" name="TextBox 2"/>
-          <p:cNvSpPr txBox="1"/>
-          <p:nvPr/>
-        </p:nvSpPr>
-        <p:spPr>
-          <a:xfrm>
-            <a:off x="685800" y="3657600"/>
-            <a:ext cx="7772400" cy="2971800"/>
-          </a:xfrm>
-          <a:prstGeom prst="rect">
-            <a:avLst/>
-          </a:prstGeom>
-          <a:noFill/>
-        </p:spPr>
-        <p:txBody>
-          <a:bodyPr wrap="none">
-            <a:spAutoFit/>
-          </a:bodyPr>
-          <a:lstStyle/>
-          <a:p>
-            <a:pPr algn="ctr">
-              <a:lnSpc>
-                <a:spcPts val="4800"/>
-              </a:lnSpc>
-              <a:defRPr sz="3500">
-                <a:solidFill>
-                  <a:srgbClr val="3A70BC"/>
-                </a:solidFill>
-              </a:defRPr>
-            </a:pPr>
-            <a:r>
-              <a:t>Jesus is fairer, Jesus is purer</a:t>
-            </a:r>
-            <a:br/>
-            <a:r>
-              <a:t> Who makes the woeful heart to sing</a:t>
-            </a:r>
-            <a:br/>
+              <a:t>There's a kind of thing that just breaks a man. Break him down to his knees. God, I've been broken more than a time or two. Yes, Lord then He picked me up and showed me. What it means to be a man.</a:t>
+            </a:r>
           </a:p>
         </p:txBody>
       </p:sp>
@@ -5414,20 +3430,6 @@
 <file path=ppt/slides/slide7.xml><?xml version="1.0" encoding="utf-8"?>
 <p:sld xmlns:a="http://schemas.openxmlformats.org/drawingml/2006/main" xmlns:p="http://schemas.openxmlformats.org/presentationml/2006/main" xmlns:r="http://schemas.openxmlformats.org/officeDocument/2006/relationships">
   <p:cSld>
-    <p:bg>
-      <p:bgPr>
-        <a:blipFill dpi="0" rotWithShape="1">
-          <a:blip r:embed="rId2">
-            <a:lum/>
-          </a:blip>
-          <a:srcRect/>
-          <a:stretch>
-            <a:fillRect l="-17000" r="-17000"/>
-          </a:stretch>
-        </a:blipFill>
-        <a:effectLst/>
-      </p:bgPr>
-    </p:bg>
     <p:spTree>
       <p:nvGrpSpPr>
         <p:cNvPr id="1" name=""/>
@@ -5443,8 +3445,8 @@
         </p:nvSpPr>
         <p:spPr>
           <a:xfrm>
-            <a:off x="685800" y="228600"/>
-            <a:ext cx="7772400" cy="2971800"/>
+            <a:off x="914400" y="457200"/>
+            <a:ext cx="7315200" cy="5486400"/>
           </a:xfrm>
           <a:prstGeom prst="rect">
             <a:avLst/>
@@ -5452,279 +3454,23 @@
           <a:noFill/>
         </p:spPr>
         <p:txBody>
-          <a:bodyPr wrap="none">
+          <a:bodyPr wrap="square">
             <a:spAutoFit/>
           </a:bodyPr>
           <a:lstStyle/>
           <a:p>
             <a:pPr algn="ctr">
               <a:lnSpc>
-                <a:spcPts val="4800"/>
+                <a:spcPts val="7000"/>
               </a:lnSpc>
-              <a:defRPr sz="4000">
+              <a:defRPr sz="7700">
                 <a:solidFill>
                   <a:srgbClr val="000000"/>
                 </a:solidFill>
               </a:defRPr>
             </a:pPr>
             <a:r>
-              <a:t>แสงแดดส่องงามสดสีแสงดวงจันทร์ยิ่งงามกว่านี้</a:t>
-            </a:r>
-            <a:br/>
-            <a:r>
-              <a:t>ยังแสงดวงดาวซึ่งส่องเป็นประกาย</a:t>
-            </a:r>
-          </a:p>
-        </p:txBody>
-      </p:sp>
-      <p:sp>
-        <p:nvSpPr>
-          <p:cNvPr id="3" name="TextBox 2"/>
-          <p:cNvSpPr txBox="1"/>
-          <p:nvPr/>
-        </p:nvSpPr>
-        <p:spPr>
-          <a:xfrm>
-            <a:off x="685800" y="3657600"/>
-            <a:ext cx="7772400" cy="2971800"/>
-          </a:xfrm>
-          <a:prstGeom prst="rect">
-            <a:avLst/>
-          </a:prstGeom>
-          <a:noFill/>
-        </p:spPr>
-        <p:txBody>
-          <a:bodyPr wrap="none">
-            <a:spAutoFit/>
-          </a:bodyPr>
-          <a:lstStyle/>
-          <a:p>
-            <a:pPr algn="ctr">
-              <a:lnSpc>
-                <a:spcPts val="4800"/>
-              </a:lnSpc>
-              <a:defRPr sz="3500">
-                <a:solidFill>
-                  <a:srgbClr val="3A70BC"/>
-                </a:solidFill>
-              </a:defRPr>
-            </a:pPr>
-            <a:r>
-              <a:t>Fair is the sunshine</a:t>
-            </a:r>
-            <a:br/>
-            <a:r>
-              <a:t> Fairer still the moonlight</a:t>
-            </a:r>
-            <a:br/>
-            <a:r>
-              <a:t> And all the twinkling</a:t>
-            </a:r>
-            <a:br/>
-            <a:r>
-              <a:t> starry host.</a:t>
-            </a:r>
-          </a:p>
-        </p:txBody>
-      </p:sp>
-    </p:spTree>
-  </p:cSld>
-  <p:clrMapOvr>
-    <a:masterClrMapping/>
-  </p:clrMapOvr>
-</p:sld>
-</file>
-
-<file path=ppt/slides/slide8.xml><?xml version="1.0" encoding="utf-8"?>
-<p:sld xmlns:a="http://schemas.openxmlformats.org/drawingml/2006/main" xmlns:p="http://schemas.openxmlformats.org/presentationml/2006/main" xmlns:r="http://schemas.openxmlformats.org/officeDocument/2006/relationships">
-  <p:cSld>
-    <p:bg>
-      <p:bgPr>
-        <a:blipFill dpi="0" rotWithShape="1">
-          <a:blip r:embed="rId2">
-            <a:lum/>
-          </a:blip>
-          <a:srcRect/>
-          <a:stretch>
-            <a:fillRect l="-17000" r="-17000"/>
-          </a:stretch>
-        </a:blipFill>
-        <a:effectLst/>
-      </p:bgPr>
-    </p:bg>
-    <p:spTree>
-      <p:nvGrpSpPr>
-        <p:cNvPr id="1" name=""/>
-        <p:cNvGrpSpPr/>
-        <p:nvPr/>
-      </p:nvGrpSpPr>
-      <p:grpSpPr/>
-      <p:sp>
-        <p:nvSpPr>
-          <p:cNvPr id="2" name="TextBox 1"/>
-          <p:cNvSpPr txBox="1"/>
-          <p:nvPr/>
-        </p:nvSpPr>
-        <p:spPr>
-          <a:xfrm>
-            <a:off x="685800" y="228600"/>
-            <a:ext cx="7772400" cy="2971800"/>
-          </a:xfrm>
-          <a:prstGeom prst="rect">
-            <a:avLst/>
-          </a:prstGeom>
-          <a:noFill/>
-        </p:spPr>
-        <p:txBody>
-          <a:bodyPr wrap="none">
-            <a:spAutoFit/>
-          </a:bodyPr>
-          <a:lstStyle/>
-          <a:p>
-            <a:pPr algn="ctr">
-              <a:lnSpc>
-                <a:spcPts val="4800"/>
-              </a:lnSpc>
-              <a:defRPr sz="4000">
-                <a:solidFill>
-                  <a:srgbClr val="000000"/>
-                </a:solidFill>
-              </a:defRPr>
-            </a:pPr>
-            <a:r>
-              <a:t>พระเยซูบริสุทธิ์งามเลิศด้วยรัศมี</a:t>
-            </a:r>
-            <a:br/>
-            <a:r>
-              <a:t>เหล่าฑูตสวรรค์จึงกราบถวาย</a:t>
-            </a:r>
-          </a:p>
-        </p:txBody>
-      </p:sp>
-      <p:sp>
-        <p:nvSpPr>
-          <p:cNvPr id="3" name="TextBox 2"/>
-          <p:cNvSpPr txBox="1"/>
-          <p:nvPr/>
-        </p:nvSpPr>
-        <p:spPr>
-          <a:xfrm>
-            <a:off x="685800" y="3657600"/>
-            <a:ext cx="7772400" cy="2971800"/>
-          </a:xfrm>
-          <a:prstGeom prst="rect">
-            <a:avLst/>
-          </a:prstGeom>
-          <a:noFill/>
-        </p:spPr>
-        <p:txBody>
-          <a:bodyPr wrap="none">
-            <a:spAutoFit/>
-          </a:bodyPr>
-          <a:lstStyle/>
-          <a:p>
-            <a:pPr algn="ctr">
-              <a:lnSpc>
-                <a:spcPts val="4800"/>
-              </a:lnSpc>
-              <a:defRPr sz="3500">
-                <a:solidFill>
-                  <a:srgbClr val="3A70BC"/>
-                </a:solidFill>
-              </a:defRPr>
-            </a:pPr>
-            <a:r>
-              <a:t>Jesus shines brighter</a:t>
-            </a:r>
-            <a:br/>
-            <a:r>
-              <a:t> Jesus shines purer</a:t>
-            </a:r>
-            <a:br/>
-            <a:r>
-              <a:t> Than all the angels Heav'n can boast</a:t>
-            </a:r>
-            <a:br/>
-          </a:p>
-        </p:txBody>
-      </p:sp>
-    </p:spTree>
-  </p:cSld>
-  <p:clrMapOvr>
-    <a:masterClrMapping/>
-  </p:clrMapOvr>
-</p:sld>
-</file>
-
-<file path=ppt/slides/slide9.xml><?xml version="1.0" encoding="utf-8"?>
-<p:sld xmlns:a="http://schemas.openxmlformats.org/drawingml/2006/main" xmlns:p="http://schemas.openxmlformats.org/presentationml/2006/main" xmlns:r="http://schemas.openxmlformats.org/officeDocument/2006/relationships">
-  <p:cSld>
-    <p:bg>
-      <p:bgPr>
-        <a:blipFill dpi="0" rotWithShape="1">
-          <a:blip r:embed="rId2">
-            <a:lum/>
-          </a:blip>
-          <a:srcRect/>
-          <a:stretch>
-            <a:fillRect l="-17000" r="-17000"/>
-          </a:stretch>
-        </a:blipFill>
-        <a:effectLst/>
-      </p:bgPr>
-    </p:bg>
-    <p:spTree>
-      <p:nvGrpSpPr>
-        <p:cNvPr id="1" name=""/>
-        <p:cNvGrpSpPr/>
-        <p:nvPr/>
-      </p:nvGrpSpPr>
-      <p:grpSpPr/>
-      <p:sp>
-        <p:nvSpPr>
-          <p:cNvPr id="2" name="Title 1"/>
-          <p:cNvSpPr>
-            <a:spLocks noGrp="1"/>
-          </p:cNvSpPr>
-          <p:nvPr>
-            <p:ph type="ctrTitle"/>
-          </p:nvPr>
-        </p:nvSpPr>
-        <p:spPr/>
-        <p:txBody>
-          <a:bodyPr/>
-          <a:lstStyle/>
-          <a:p>
-            <a:r>
-              <a:t>ตั้งแต่ดวงตะวันเบิกฟ้า</a:t>
-            </a:r>
-          </a:p>
-        </p:txBody>
-      </p:sp>
-      <p:sp>
-        <p:nvSpPr>
-          <p:cNvPr id="3" name="Subtitle 2"/>
-          <p:cNvSpPr>
-            <a:spLocks noGrp="1"/>
-          </p:cNvSpPr>
-          <p:nvPr>
-            <p:ph type="subTitle" idx="1"/>
-          </p:nvPr>
-        </p:nvSpPr>
-        <p:spPr/>
-        <p:txBody>
-          <a:bodyPr/>
-          <a:lstStyle/>
-          <a:p>
-            <a:pPr>
-              <a:defRPr sz="4600">
-                <a:solidFill>
-                  <a:srgbClr val="3A70BC"/>
-                </a:solidFill>
-              </a:defRPr>
-            </a:pPr>
-            <a:r>
-              <a:t>From the Rising of the Sun</a:t>
+              <a:t>All my hope is in Jesus. Thank God that yesterday's gone. And all my sins are forgiven. I've been washed by the blood.</a:t>
             </a:r>
           </a:p>
         </p:txBody>
